--- a/Prova_6/Leone_Mastrosimone_PresentazioneProgetto.pptx
+++ b/Prova_6/Leone_Mastrosimone_PresentazioneProgetto.pptx
@@ -10,6 +10,13 @@
     <p:sldId id="258" r:id="rId4"/>
     <p:sldId id="259" r:id="rId5"/>
     <p:sldId id="260" r:id="rId6"/>
+    <p:sldId id="261" r:id="rId7"/>
+    <p:sldId id="262" r:id="rId8"/>
+    <p:sldId id="263" r:id="rId9"/>
+    <p:sldId id="264" r:id="rId10"/>
+    <p:sldId id="265" r:id="rId11"/>
+    <p:sldId id="266" r:id="rId12"/>
+    <p:sldId id="267" r:id="rId13"/>
   </p:sldIdLst>
   <p:sldSz cx="9144000" cy="6858000" type="screen4x3"/>
   <p:notesSz cx="6858000" cy="9144000"/>
@@ -108,6 +115,11 @@
       </a:defRPr>
     </a:lvl9pPr>
   </p:defaultTextStyle>
+  <p:extLst>
+    <p:ext uri="{EFAFB233-063F-42B5-8137-9DF3F51BA10A}">
+      <p15:sldGuideLst xmlns:p15="http://schemas.microsoft.com/office/powerpoint/2012/main"/>
+    </p:ext>
+  </p:extLst>
 </p:presentation>
 </file>
 
@@ -3179,6 +3191,1020 @@
 </p:sld>
 </file>
 
+<file path=ppt/slides/slide10.xml><?xml version="1.0" encoding="utf-8"?>
+<p:sld xmlns:a="http://schemas.openxmlformats.org/drawingml/2006/main" xmlns:r="http://schemas.openxmlformats.org/officeDocument/2006/relationships" xmlns:p="http://schemas.openxmlformats.org/presentationml/2006/main">
+  <p:cSld>
+    <p:spTree>
+      <p:nvGrpSpPr>
+        <p:cNvPr id="1" name=""/>
+        <p:cNvGrpSpPr/>
+        <p:nvPr/>
+      </p:nvGrpSpPr>
+      <p:grpSpPr>
+        <a:xfrm>
+          <a:off x="0" y="0"/>
+          <a:ext cx="0" cy="0"/>
+          <a:chOff x="0" y="0"/>
+          <a:chExt cx="0" cy="0"/>
+        </a:xfrm>
+      </p:grpSpPr>
+      <p:sp>
+        <p:nvSpPr>
+          <p:cNvPr id="2" name="Titolo 1"/>
+          <p:cNvSpPr>
+            <a:spLocks noGrp="1"/>
+          </p:cNvSpPr>
+          <p:nvPr>
+            <p:ph type="title"/>
+          </p:nvPr>
+        </p:nvSpPr>
+        <p:spPr/>
+        <p:txBody>
+          <a:bodyPr>
+            <a:normAutofit/>
+          </a:bodyPr>
+          <a:lstStyle/>
+          <a:p>
+            <a:r>
+              <a:rPr lang="it-IT" sz="2800" b="1" dirty="0">
+                <a:latin typeface="Times New Roman" panose="02020603050405020304" pitchFamily="18" charset="0"/>
+                <a:cs typeface="Times New Roman" panose="02020603050405020304" pitchFamily="18" charset="0"/>
+              </a:rPr>
+              <a:t>User </a:t>
+            </a:r>
+            <a:r>
+              <a:rPr lang="it-IT" sz="2800" b="1" dirty="0" err="1">
+                <a:latin typeface="Times New Roman" panose="02020603050405020304" pitchFamily="18" charset="0"/>
+                <a:cs typeface="Times New Roman" panose="02020603050405020304" pitchFamily="18" charset="0"/>
+              </a:rPr>
+              <a:t>Testing</a:t>
+            </a:r>
+            <a:r>
+              <a:rPr lang="it-IT" sz="2800" b="1" dirty="0">
+                <a:latin typeface="Times New Roman" panose="02020603050405020304" pitchFamily="18" charset="0"/>
+                <a:cs typeface="Times New Roman" panose="02020603050405020304" pitchFamily="18" charset="0"/>
+              </a:rPr>
+              <a:t> Plan </a:t>
+            </a:r>
+            <a:r>
+              <a:rPr lang="it-IT" sz="2800" b="1" dirty="0" smtClean="0">
+                <a:latin typeface="Times New Roman" panose="02020603050405020304" pitchFamily="18" charset="0"/>
+                <a:cs typeface="Times New Roman" panose="02020603050405020304" pitchFamily="18" charset="0"/>
+              </a:rPr>
+              <a:t>(5)</a:t>
+            </a:r>
+            <a:endParaRPr lang="it-IT" sz="2800" dirty="0"/>
+          </a:p>
+        </p:txBody>
+      </p:sp>
+      <p:sp>
+        <p:nvSpPr>
+          <p:cNvPr id="3" name="Segnaposto contenuto 2"/>
+          <p:cNvSpPr>
+            <a:spLocks noGrp="1"/>
+          </p:cNvSpPr>
+          <p:nvPr>
+            <p:ph idx="1"/>
+          </p:nvPr>
+        </p:nvSpPr>
+        <p:spPr/>
+        <p:txBody>
+          <a:bodyPr>
+            <a:normAutofit fontScale="70000" lnSpcReduction="20000"/>
+          </a:bodyPr>
+          <a:lstStyle/>
+          <a:p>
+            <a:pPr marL="0" indent="0" algn="just">
+              <a:buNone/>
+            </a:pPr>
+            <a:r>
+              <a:rPr lang="it-IT" b="1" dirty="0">
+                <a:latin typeface="Times New Roman" panose="02020603050405020304" pitchFamily="18" charset="0"/>
+                <a:cs typeface="Times New Roman" panose="02020603050405020304" pitchFamily="18" charset="0"/>
+              </a:rPr>
+              <a:t>Aspetti dell'</a:t>
+            </a:r>
+            <a:r>
+              <a:rPr lang="it-IT" b="1" dirty="0" err="1">
+                <a:latin typeface="Times New Roman" panose="02020603050405020304" pitchFamily="18" charset="0"/>
+                <a:cs typeface="Times New Roman" panose="02020603050405020304" pitchFamily="18" charset="0"/>
+              </a:rPr>
+              <a:t>app</a:t>
+            </a:r>
+            <a:r>
+              <a:rPr lang="it-IT" b="1" dirty="0">
+                <a:latin typeface="Times New Roman" panose="02020603050405020304" pitchFamily="18" charset="0"/>
+                <a:cs typeface="Times New Roman" panose="02020603050405020304" pitchFamily="18" charset="0"/>
+              </a:rPr>
+              <a:t> “</a:t>
+            </a:r>
+            <a:r>
+              <a:rPr lang="it-IT" b="1" dirty="0" err="1">
+                <a:latin typeface="Times New Roman" panose="02020603050405020304" pitchFamily="18" charset="0"/>
+                <a:cs typeface="Times New Roman" panose="02020603050405020304" pitchFamily="18" charset="0"/>
+              </a:rPr>
+              <a:t>SmokApp</a:t>
+            </a:r>
+            <a:r>
+              <a:rPr lang="it-IT" b="1" dirty="0">
+                <a:latin typeface="Times New Roman" panose="02020603050405020304" pitchFamily="18" charset="0"/>
+                <a:cs typeface="Times New Roman" panose="02020603050405020304" pitchFamily="18" charset="0"/>
+              </a:rPr>
+              <a:t>” che saranno </a:t>
+            </a:r>
+            <a:r>
+              <a:rPr lang="it-IT" b="1" dirty="0" smtClean="0">
+                <a:latin typeface="Times New Roman" panose="02020603050405020304" pitchFamily="18" charset="0"/>
+                <a:cs typeface="Times New Roman" panose="02020603050405020304" pitchFamily="18" charset="0"/>
+              </a:rPr>
+              <a:t>testati (continua…)</a:t>
+            </a:r>
+            <a:endParaRPr lang="it-IT" dirty="0">
+              <a:latin typeface="Times New Roman" panose="02020603050405020304" pitchFamily="18" charset="0"/>
+              <a:cs typeface="Times New Roman" panose="02020603050405020304" pitchFamily="18" charset="0"/>
+            </a:endParaRPr>
+          </a:p>
+          <a:p>
+            <a:pPr marL="0" indent="0" algn="just">
+              <a:buNone/>
+            </a:pPr>
+            <a:r>
+              <a:rPr lang="it-IT" b="1" dirty="0">
+                <a:latin typeface="Times New Roman" panose="02020603050405020304" pitchFamily="18" charset="0"/>
+                <a:cs typeface="Times New Roman" panose="02020603050405020304" pitchFamily="18" charset="0"/>
+              </a:rPr>
+              <a:t>1. Il processo di </a:t>
+            </a:r>
+            <a:r>
+              <a:rPr lang="it-IT" b="1" dirty="0" err="1">
+                <a:latin typeface="Times New Roman" panose="02020603050405020304" pitchFamily="18" charset="0"/>
+                <a:cs typeface="Times New Roman" panose="02020603050405020304" pitchFamily="18" charset="0"/>
+              </a:rPr>
+              <a:t>sign</a:t>
+            </a:r>
+            <a:r>
+              <a:rPr lang="it-IT" b="1" dirty="0">
+                <a:latin typeface="Times New Roman" panose="02020603050405020304" pitchFamily="18" charset="0"/>
+                <a:cs typeface="Times New Roman" panose="02020603050405020304" pitchFamily="18" charset="0"/>
+              </a:rPr>
+              <a:t> up.</a:t>
+            </a:r>
+            <a:r>
+              <a:rPr lang="it-IT" dirty="0">
+                <a:latin typeface="Times New Roman" panose="02020603050405020304" pitchFamily="18" charset="0"/>
+                <a:cs typeface="Times New Roman" panose="02020603050405020304" pitchFamily="18" charset="0"/>
+              </a:rPr>
+              <a:t> Il partecipante, dopo aver aperto l'applicazione, potrà andare alla schermata di registrazione, riempire i campi richiesti e creare quindi un account. Questo processo sarà terminato quando l'utente raggiungerà la schermata della Home, a cui verrà indirizzato automaticamente dopo aver creato l'account.</a:t>
+            </a:r>
+          </a:p>
+          <a:p>
+            <a:pPr marL="0" indent="0" algn="just">
+              <a:buNone/>
+            </a:pPr>
+            <a:r>
+              <a:rPr lang="it-IT" dirty="0">
+                <a:latin typeface="Times New Roman" panose="02020603050405020304" pitchFamily="18" charset="0"/>
+                <a:cs typeface="Times New Roman" panose="02020603050405020304" pitchFamily="18" charset="0"/>
+              </a:rPr>
+              <a:t>Possibili problemi:</a:t>
+            </a:r>
+          </a:p>
+          <a:p>
+            <a:pPr lvl="0" algn="just"/>
+            <a:r>
+              <a:rPr lang="it-IT" dirty="0">
+                <a:latin typeface="Times New Roman" panose="02020603050405020304" pitchFamily="18" charset="0"/>
+                <a:cs typeface="Times New Roman" panose="02020603050405020304" pitchFamily="18" charset="0"/>
+              </a:rPr>
+              <a:t>l'utente potrebbe non individuare facilmente tutti i campi di registrazione richiesti, la cui visualizzazione è gestita attraverso un </a:t>
+            </a:r>
+            <a:r>
+              <a:rPr lang="it-IT" dirty="0" err="1">
+                <a:latin typeface="Times New Roman" panose="02020603050405020304" pitchFamily="18" charset="0"/>
+                <a:cs typeface="Times New Roman" panose="02020603050405020304" pitchFamily="18" charset="0"/>
+              </a:rPr>
+              <a:t>dynamic</a:t>
+            </a:r>
+            <a:r>
+              <a:rPr lang="it-IT" dirty="0">
+                <a:latin typeface="Times New Roman" panose="02020603050405020304" pitchFamily="18" charset="0"/>
+                <a:cs typeface="Times New Roman" panose="02020603050405020304" pitchFamily="18" charset="0"/>
+              </a:rPr>
+              <a:t> panel cliccando sugli opportuni pulsanti della </a:t>
+            </a:r>
+            <a:r>
+              <a:rPr lang="it-IT" dirty="0" err="1">
+                <a:latin typeface="Times New Roman" panose="02020603050405020304" pitchFamily="18" charset="0"/>
+                <a:cs typeface="Times New Roman" panose="02020603050405020304" pitchFamily="18" charset="0"/>
+              </a:rPr>
+              <a:t>navigation</a:t>
+            </a:r>
+            <a:r>
+              <a:rPr lang="it-IT" dirty="0">
+                <a:latin typeface="Times New Roman" panose="02020603050405020304" pitchFamily="18" charset="0"/>
+                <a:cs typeface="Times New Roman" panose="02020603050405020304" pitchFamily="18" charset="0"/>
+              </a:rPr>
+              <a:t> bar sovrastante.</a:t>
+            </a:r>
+          </a:p>
+          <a:p>
+            <a:pPr marL="0" indent="0" algn="just">
+              <a:buNone/>
+            </a:pPr>
+            <a:r>
+              <a:rPr lang="it-IT" b="1" dirty="0">
+                <a:latin typeface="Times New Roman" panose="02020603050405020304" pitchFamily="18" charset="0"/>
+                <a:cs typeface="Times New Roman" panose="02020603050405020304" pitchFamily="18" charset="0"/>
+              </a:rPr>
+              <a:t>2. La fase di login.</a:t>
+            </a:r>
+            <a:r>
+              <a:rPr lang="it-IT" dirty="0">
+                <a:latin typeface="Times New Roman" panose="02020603050405020304" pitchFamily="18" charset="0"/>
+                <a:cs typeface="Times New Roman" panose="02020603050405020304" pitchFamily="18" charset="0"/>
+              </a:rPr>
+              <a:t> Il partecipante, dopo aver creato un account, possiederà delle credenziali di accesso che gli permetteranno di accedere al proprio account inserendole nei campi mostrati cliccando sul pulsante “Login”.</a:t>
+            </a:r>
+          </a:p>
+          <a:p>
+            <a:pPr marL="0" indent="0" algn="just">
+              <a:buNone/>
+            </a:pPr>
+            <a:r>
+              <a:rPr lang="it-IT" b="1" dirty="0">
+                <a:latin typeface="Times New Roman" panose="02020603050405020304" pitchFamily="18" charset="0"/>
+                <a:cs typeface="Times New Roman" panose="02020603050405020304" pitchFamily="18" charset="0"/>
+              </a:rPr>
+              <a:t>3. Recupero della password.</a:t>
+            </a:r>
+            <a:r>
+              <a:rPr lang="it-IT" dirty="0">
+                <a:latin typeface="Times New Roman" panose="02020603050405020304" pitchFamily="18" charset="0"/>
+                <a:cs typeface="Times New Roman" panose="02020603050405020304" pitchFamily="18" charset="0"/>
+              </a:rPr>
+              <a:t> L'utente, qualora avesse dimenticato la propria password, potrà crearne una nuova inserendo il proprio indirizzo email utilizzato nella fase di registrazione.</a:t>
+            </a:r>
+          </a:p>
+          <a:p>
+            <a:pPr marL="0" indent="0">
+              <a:buNone/>
+            </a:pPr>
+            <a:endParaRPr lang="it-IT" dirty="0"/>
+          </a:p>
+        </p:txBody>
+      </p:sp>
+    </p:spTree>
+    <p:extLst>
+      <p:ext uri="{BB962C8B-B14F-4D97-AF65-F5344CB8AC3E}">
+        <p14:creationId xmlns:p14="http://schemas.microsoft.com/office/powerpoint/2010/main" val="594007354"/>
+      </p:ext>
+    </p:extLst>
+  </p:cSld>
+  <p:clrMapOvr>
+    <a:masterClrMapping/>
+  </p:clrMapOvr>
+</p:sld>
+</file>
+
+<file path=ppt/slides/slide11.xml><?xml version="1.0" encoding="utf-8"?>
+<p:sld xmlns:a="http://schemas.openxmlformats.org/drawingml/2006/main" xmlns:r="http://schemas.openxmlformats.org/officeDocument/2006/relationships" xmlns:p="http://schemas.openxmlformats.org/presentationml/2006/main">
+  <p:cSld>
+    <p:spTree>
+      <p:nvGrpSpPr>
+        <p:cNvPr id="1" name=""/>
+        <p:cNvGrpSpPr/>
+        <p:nvPr/>
+      </p:nvGrpSpPr>
+      <p:grpSpPr>
+        <a:xfrm>
+          <a:off x="0" y="0"/>
+          <a:ext cx="0" cy="0"/>
+          <a:chOff x="0" y="0"/>
+          <a:chExt cx="0" cy="0"/>
+        </a:xfrm>
+      </p:grpSpPr>
+      <p:sp>
+        <p:nvSpPr>
+          <p:cNvPr id="2" name="Titolo 1"/>
+          <p:cNvSpPr>
+            <a:spLocks noGrp="1"/>
+          </p:cNvSpPr>
+          <p:nvPr>
+            <p:ph type="title"/>
+          </p:nvPr>
+        </p:nvSpPr>
+        <p:spPr/>
+        <p:txBody>
+          <a:bodyPr>
+            <a:normAutofit/>
+          </a:bodyPr>
+          <a:lstStyle/>
+          <a:p>
+            <a:r>
+              <a:rPr lang="it-IT" sz="2800" b="1" dirty="0">
+                <a:latin typeface="Times New Roman" panose="02020603050405020304" pitchFamily="18" charset="0"/>
+                <a:cs typeface="Times New Roman" panose="02020603050405020304" pitchFamily="18" charset="0"/>
+              </a:rPr>
+              <a:t>User </a:t>
+            </a:r>
+            <a:r>
+              <a:rPr lang="it-IT" sz="2800" b="1" dirty="0" err="1">
+                <a:latin typeface="Times New Roman" panose="02020603050405020304" pitchFamily="18" charset="0"/>
+                <a:cs typeface="Times New Roman" panose="02020603050405020304" pitchFamily="18" charset="0"/>
+              </a:rPr>
+              <a:t>Testing</a:t>
+            </a:r>
+            <a:r>
+              <a:rPr lang="it-IT" sz="2800" b="1" dirty="0">
+                <a:latin typeface="Times New Roman" panose="02020603050405020304" pitchFamily="18" charset="0"/>
+                <a:cs typeface="Times New Roman" panose="02020603050405020304" pitchFamily="18" charset="0"/>
+              </a:rPr>
+              <a:t> Plan </a:t>
+            </a:r>
+            <a:r>
+              <a:rPr lang="it-IT" sz="2800" b="1" dirty="0" smtClean="0">
+                <a:latin typeface="Times New Roman" panose="02020603050405020304" pitchFamily="18" charset="0"/>
+                <a:cs typeface="Times New Roman" panose="02020603050405020304" pitchFamily="18" charset="0"/>
+              </a:rPr>
+              <a:t>(6)</a:t>
+            </a:r>
+            <a:endParaRPr lang="it-IT" sz="2800" dirty="0"/>
+          </a:p>
+        </p:txBody>
+      </p:sp>
+      <p:sp>
+        <p:nvSpPr>
+          <p:cNvPr id="3" name="Segnaposto contenuto 2"/>
+          <p:cNvSpPr>
+            <a:spLocks noGrp="1"/>
+          </p:cNvSpPr>
+          <p:nvPr>
+            <p:ph idx="1"/>
+          </p:nvPr>
+        </p:nvSpPr>
+        <p:spPr/>
+        <p:txBody>
+          <a:bodyPr>
+            <a:normAutofit/>
+          </a:bodyPr>
+          <a:lstStyle/>
+          <a:p>
+            <a:pPr marL="0" indent="0" algn="just">
+              <a:buNone/>
+            </a:pPr>
+            <a:r>
+              <a:rPr lang="it-IT" sz="2000" b="1" dirty="0">
+                <a:latin typeface="Times New Roman" panose="02020603050405020304" pitchFamily="18" charset="0"/>
+                <a:cs typeface="Times New Roman" panose="02020603050405020304" pitchFamily="18" charset="0"/>
+              </a:rPr>
+              <a:t>Aspetti dell'</a:t>
+            </a:r>
+            <a:r>
+              <a:rPr lang="it-IT" sz="2000" b="1" dirty="0" err="1">
+                <a:latin typeface="Times New Roman" panose="02020603050405020304" pitchFamily="18" charset="0"/>
+                <a:cs typeface="Times New Roman" panose="02020603050405020304" pitchFamily="18" charset="0"/>
+              </a:rPr>
+              <a:t>app</a:t>
+            </a:r>
+            <a:r>
+              <a:rPr lang="it-IT" sz="2000" b="1" dirty="0">
+                <a:latin typeface="Times New Roman" panose="02020603050405020304" pitchFamily="18" charset="0"/>
+                <a:cs typeface="Times New Roman" panose="02020603050405020304" pitchFamily="18" charset="0"/>
+              </a:rPr>
+              <a:t> “</a:t>
+            </a:r>
+            <a:r>
+              <a:rPr lang="it-IT" sz="2000" b="1" dirty="0" err="1">
+                <a:latin typeface="Times New Roman" panose="02020603050405020304" pitchFamily="18" charset="0"/>
+                <a:cs typeface="Times New Roman" panose="02020603050405020304" pitchFamily="18" charset="0"/>
+              </a:rPr>
+              <a:t>SmokApp</a:t>
+            </a:r>
+            <a:r>
+              <a:rPr lang="it-IT" sz="2000" b="1" dirty="0">
+                <a:latin typeface="Times New Roman" panose="02020603050405020304" pitchFamily="18" charset="0"/>
+                <a:cs typeface="Times New Roman" panose="02020603050405020304" pitchFamily="18" charset="0"/>
+              </a:rPr>
+              <a:t>” che saranno testati (continua…)</a:t>
+            </a:r>
+            <a:endParaRPr lang="it-IT" sz="2000" dirty="0">
+              <a:latin typeface="Times New Roman" panose="02020603050405020304" pitchFamily="18" charset="0"/>
+              <a:cs typeface="Times New Roman" panose="02020603050405020304" pitchFamily="18" charset="0"/>
+            </a:endParaRPr>
+          </a:p>
+          <a:p>
+            <a:pPr marL="0" indent="0" algn="just">
+              <a:buNone/>
+            </a:pPr>
+            <a:r>
+              <a:rPr lang="it-IT" sz="2000" b="1" dirty="0">
+                <a:latin typeface="Times New Roman" panose="02020603050405020304" pitchFamily="18" charset="0"/>
+                <a:cs typeface="Times New Roman" panose="02020603050405020304" pitchFamily="18" charset="0"/>
+              </a:rPr>
+              <a:t>4. Selezionare un obiettivo. </a:t>
+            </a:r>
+            <a:r>
+              <a:rPr lang="it-IT" sz="2000" dirty="0">
+                <a:latin typeface="Times New Roman" panose="02020603050405020304" pitchFamily="18" charset="0"/>
+                <a:cs typeface="Times New Roman" panose="02020603050405020304" pitchFamily="18" charset="0"/>
+              </a:rPr>
+              <a:t>Nella schermata della Home è mostrato l'obiettivo attualmente selezionato che l'utente dovrà raggiungere (nel caso in cui non fosse stato ancora selezionato, il campo sarà vuoto).</a:t>
+            </a:r>
+          </a:p>
+          <a:p>
+            <a:pPr marL="0" indent="0" algn="just">
+              <a:buNone/>
+            </a:pPr>
+            <a:r>
+              <a:rPr lang="it-IT" sz="2000" dirty="0">
+                <a:latin typeface="Times New Roman" panose="02020603050405020304" pitchFamily="18" charset="0"/>
+                <a:cs typeface="Times New Roman" panose="02020603050405020304" pitchFamily="18" charset="0"/>
+              </a:rPr>
+              <a:t>Un nuovo obiettivo potrà essere selezionato andando alla schermata “</a:t>
+            </a:r>
+            <a:r>
+              <a:rPr lang="it-IT" sz="2000" dirty="0" err="1">
+                <a:latin typeface="Times New Roman" panose="02020603050405020304" pitchFamily="18" charset="0"/>
+                <a:cs typeface="Times New Roman" panose="02020603050405020304" pitchFamily="18" charset="0"/>
+              </a:rPr>
+              <a:t>Goals</a:t>
+            </a:r>
+            <a:r>
+              <a:rPr lang="it-IT" sz="2000" dirty="0">
+                <a:latin typeface="Times New Roman" panose="02020603050405020304" pitchFamily="18" charset="0"/>
+                <a:cs typeface="Times New Roman" panose="02020603050405020304" pitchFamily="18" charset="0"/>
+              </a:rPr>
+              <a:t>” e cliccando sulla </a:t>
+            </a:r>
+            <a:r>
+              <a:rPr lang="it-IT" sz="2000" dirty="0" err="1">
+                <a:latin typeface="Times New Roman" panose="02020603050405020304" pitchFamily="18" charset="0"/>
+                <a:cs typeface="Times New Roman" panose="02020603050405020304" pitchFamily="18" charset="0"/>
+              </a:rPr>
+              <a:t>select</a:t>
+            </a:r>
+            <a:r>
+              <a:rPr lang="it-IT" sz="2000" dirty="0">
+                <a:latin typeface="Times New Roman" panose="02020603050405020304" pitchFamily="18" charset="0"/>
+                <a:cs typeface="Times New Roman" panose="02020603050405020304" pitchFamily="18" charset="0"/>
+              </a:rPr>
+              <a:t> ivi rappresentata. Un messaggio di conferma segnerà il completamento del task.</a:t>
+            </a:r>
+          </a:p>
+          <a:p>
+            <a:pPr marL="0" indent="0" algn="just">
+              <a:buNone/>
+            </a:pPr>
+            <a:r>
+              <a:rPr lang="it-IT" sz="2000" b="1" dirty="0">
+                <a:latin typeface="Times New Roman" panose="02020603050405020304" pitchFamily="18" charset="0"/>
+                <a:cs typeface="Times New Roman" panose="02020603050405020304" pitchFamily="18" charset="0"/>
+              </a:rPr>
+              <a:t>4.1 Selezionare l’obiettivo “</a:t>
+            </a:r>
+            <a:r>
+              <a:rPr lang="it-IT" sz="2000" b="1" dirty="0" err="1">
+                <a:latin typeface="Times New Roman" panose="02020603050405020304" pitchFamily="18" charset="0"/>
+                <a:cs typeface="Times New Roman" panose="02020603050405020304" pitchFamily="18" charset="0"/>
+              </a:rPr>
+              <a:t>Only</a:t>
+            </a:r>
+            <a:r>
+              <a:rPr lang="it-IT" sz="2000" b="1" dirty="0">
+                <a:latin typeface="Times New Roman" panose="02020603050405020304" pitchFamily="18" charset="0"/>
+                <a:cs typeface="Times New Roman" panose="02020603050405020304" pitchFamily="18" charset="0"/>
+              </a:rPr>
+              <a:t> 10 </a:t>
+            </a:r>
+            <a:r>
+              <a:rPr lang="it-IT" sz="2000" b="1" dirty="0" err="1">
+                <a:latin typeface="Times New Roman" panose="02020603050405020304" pitchFamily="18" charset="0"/>
+                <a:cs typeface="Times New Roman" panose="02020603050405020304" pitchFamily="18" charset="0"/>
+              </a:rPr>
+              <a:t>cigarettes</a:t>
+            </a:r>
+            <a:r>
+              <a:rPr lang="it-IT" sz="2000" b="1" dirty="0">
+                <a:latin typeface="Times New Roman" panose="02020603050405020304" pitchFamily="18" charset="0"/>
+                <a:cs typeface="Times New Roman" panose="02020603050405020304" pitchFamily="18" charset="0"/>
+              </a:rPr>
+              <a:t> </a:t>
+            </a:r>
+            <a:r>
+              <a:rPr lang="it-IT" sz="2000" b="1" dirty="0" err="1">
+                <a:latin typeface="Times New Roman" panose="02020603050405020304" pitchFamily="18" charset="0"/>
+                <a:cs typeface="Times New Roman" panose="02020603050405020304" pitchFamily="18" charset="0"/>
+              </a:rPr>
+              <a:t>smoked</a:t>
+            </a:r>
+            <a:r>
+              <a:rPr lang="it-IT" sz="2000" b="1" dirty="0">
+                <a:latin typeface="Times New Roman" panose="02020603050405020304" pitchFamily="18" charset="0"/>
+                <a:cs typeface="Times New Roman" panose="02020603050405020304" pitchFamily="18" charset="0"/>
+              </a:rPr>
+              <a:t>”. </a:t>
+            </a:r>
+            <a:r>
+              <a:rPr lang="it-IT" sz="2000" dirty="0">
+                <a:latin typeface="Times New Roman" panose="02020603050405020304" pitchFamily="18" charset="0"/>
+                <a:cs typeface="Times New Roman" panose="02020603050405020304" pitchFamily="18" charset="0"/>
+              </a:rPr>
+              <a:t>In particolare, verrà richiesto all’utente di testare l’obiettivo “</a:t>
+            </a:r>
+            <a:r>
+              <a:rPr lang="it-IT" sz="2000" dirty="0" err="1">
+                <a:latin typeface="Times New Roman" panose="02020603050405020304" pitchFamily="18" charset="0"/>
+                <a:cs typeface="Times New Roman" panose="02020603050405020304" pitchFamily="18" charset="0"/>
+              </a:rPr>
+              <a:t>Only</a:t>
+            </a:r>
+            <a:r>
+              <a:rPr lang="it-IT" sz="2000" dirty="0">
+                <a:latin typeface="Times New Roman" panose="02020603050405020304" pitchFamily="18" charset="0"/>
+                <a:cs typeface="Times New Roman" panose="02020603050405020304" pitchFamily="18" charset="0"/>
+              </a:rPr>
+              <a:t> 10 </a:t>
+            </a:r>
+            <a:r>
+              <a:rPr lang="it-IT" sz="2000" dirty="0" err="1">
+                <a:latin typeface="Times New Roman" panose="02020603050405020304" pitchFamily="18" charset="0"/>
+                <a:cs typeface="Times New Roman" panose="02020603050405020304" pitchFamily="18" charset="0"/>
+              </a:rPr>
+              <a:t>cigarettes</a:t>
+            </a:r>
+            <a:r>
+              <a:rPr lang="it-IT" sz="2000" dirty="0">
+                <a:latin typeface="Times New Roman" panose="02020603050405020304" pitchFamily="18" charset="0"/>
+                <a:cs typeface="Times New Roman" panose="02020603050405020304" pitchFamily="18" charset="0"/>
+              </a:rPr>
+              <a:t> </a:t>
+            </a:r>
+            <a:r>
+              <a:rPr lang="it-IT" sz="2000" dirty="0" err="1">
+                <a:latin typeface="Times New Roman" panose="02020603050405020304" pitchFamily="18" charset="0"/>
+                <a:cs typeface="Times New Roman" panose="02020603050405020304" pitchFamily="18" charset="0"/>
+              </a:rPr>
+              <a:t>smoked</a:t>
+            </a:r>
+            <a:r>
+              <a:rPr lang="it-IT" sz="2000" dirty="0">
+                <a:latin typeface="Times New Roman" panose="02020603050405020304" pitchFamily="18" charset="0"/>
+                <a:cs typeface="Times New Roman" panose="02020603050405020304" pitchFamily="18" charset="0"/>
+              </a:rPr>
+              <a:t>”, in questo modo sarà possibile visualizzare gli effetti dell’</a:t>
+            </a:r>
+            <a:r>
+              <a:rPr lang="it-IT" sz="2000" dirty="0" err="1">
+                <a:latin typeface="Times New Roman" panose="02020603050405020304" pitchFamily="18" charset="0"/>
+                <a:cs typeface="Times New Roman" panose="02020603050405020304" pitchFamily="18" charset="0"/>
+              </a:rPr>
+              <a:t>app</a:t>
+            </a:r>
+            <a:r>
+              <a:rPr lang="it-IT" sz="2000" dirty="0">
+                <a:latin typeface="Times New Roman" panose="02020603050405020304" pitchFamily="18" charset="0"/>
+                <a:cs typeface="Times New Roman" panose="02020603050405020304" pitchFamily="18" charset="0"/>
+              </a:rPr>
+              <a:t> a seguito di questa scelta.</a:t>
+            </a:r>
+          </a:p>
+          <a:p>
+            <a:pPr marL="0" indent="0">
+              <a:buNone/>
+            </a:pPr>
+            <a:endParaRPr lang="it-IT" dirty="0"/>
+          </a:p>
+        </p:txBody>
+      </p:sp>
+    </p:spTree>
+    <p:extLst>
+      <p:ext uri="{BB962C8B-B14F-4D97-AF65-F5344CB8AC3E}">
+        <p14:creationId xmlns:p14="http://schemas.microsoft.com/office/powerpoint/2010/main" val="723523181"/>
+      </p:ext>
+    </p:extLst>
+  </p:cSld>
+  <p:clrMapOvr>
+    <a:masterClrMapping/>
+  </p:clrMapOvr>
+</p:sld>
+</file>
+
+<file path=ppt/slides/slide12.xml><?xml version="1.0" encoding="utf-8"?>
+<p:sld xmlns:a="http://schemas.openxmlformats.org/drawingml/2006/main" xmlns:r="http://schemas.openxmlformats.org/officeDocument/2006/relationships" xmlns:p="http://schemas.openxmlformats.org/presentationml/2006/main">
+  <p:cSld>
+    <p:spTree>
+      <p:nvGrpSpPr>
+        <p:cNvPr id="1" name=""/>
+        <p:cNvGrpSpPr/>
+        <p:nvPr/>
+      </p:nvGrpSpPr>
+      <p:grpSpPr>
+        <a:xfrm>
+          <a:off x="0" y="0"/>
+          <a:ext cx="0" cy="0"/>
+          <a:chOff x="0" y="0"/>
+          <a:chExt cx="0" cy="0"/>
+        </a:xfrm>
+      </p:grpSpPr>
+      <p:sp>
+        <p:nvSpPr>
+          <p:cNvPr id="2" name="Titolo 1"/>
+          <p:cNvSpPr>
+            <a:spLocks noGrp="1"/>
+          </p:cNvSpPr>
+          <p:nvPr>
+            <p:ph type="title"/>
+          </p:nvPr>
+        </p:nvSpPr>
+        <p:spPr>
+          <a:xfrm>
+            <a:off x="628650" y="0"/>
+            <a:ext cx="7886700" cy="1325563"/>
+          </a:xfrm>
+        </p:spPr>
+        <p:txBody>
+          <a:bodyPr>
+            <a:normAutofit/>
+          </a:bodyPr>
+          <a:lstStyle/>
+          <a:p>
+            <a:r>
+              <a:rPr lang="it-IT" sz="2800" b="1" dirty="0" smtClean="0">
+                <a:latin typeface="Times New Roman" panose="02020603050405020304" pitchFamily="18" charset="0"/>
+                <a:cs typeface="Times New Roman" panose="02020603050405020304" pitchFamily="18" charset="0"/>
+              </a:rPr>
+              <a:t>User </a:t>
+            </a:r>
+            <a:r>
+              <a:rPr lang="it-IT" sz="2800" b="1" dirty="0" err="1" smtClean="0">
+                <a:latin typeface="Times New Roman" panose="02020603050405020304" pitchFamily="18" charset="0"/>
+                <a:cs typeface="Times New Roman" panose="02020603050405020304" pitchFamily="18" charset="0"/>
+              </a:rPr>
+              <a:t>Testing</a:t>
+            </a:r>
+            <a:r>
+              <a:rPr lang="it-IT" sz="2800" b="1" dirty="0" smtClean="0">
+                <a:latin typeface="Times New Roman" panose="02020603050405020304" pitchFamily="18" charset="0"/>
+                <a:cs typeface="Times New Roman" panose="02020603050405020304" pitchFamily="18" charset="0"/>
+              </a:rPr>
+              <a:t> Plan (7)</a:t>
+            </a:r>
+            <a:endParaRPr lang="it-IT" sz="2800" b="1" dirty="0">
+              <a:latin typeface="Times New Roman" panose="02020603050405020304" pitchFamily="18" charset="0"/>
+              <a:cs typeface="Times New Roman" panose="02020603050405020304" pitchFamily="18" charset="0"/>
+            </a:endParaRPr>
+          </a:p>
+        </p:txBody>
+      </p:sp>
+      <p:sp>
+        <p:nvSpPr>
+          <p:cNvPr id="3" name="Segnaposto contenuto 2"/>
+          <p:cNvSpPr>
+            <a:spLocks noGrp="1"/>
+          </p:cNvSpPr>
+          <p:nvPr>
+            <p:ph idx="1"/>
+          </p:nvPr>
+        </p:nvSpPr>
+        <p:spPr>
+          <a:xfrm>
+            <a:off x="628650" y="924103"/>
+            <a:ext cx="7886700" cy="5837305"/>
+          </a:xfrm>
+        </p:spPr>
+        <p:txBody>
+          <a:bodyPr>
+            <a:noAutofit/>
+          </a:bodyPr>
+          <a:lstStyle/>
+          <a:p>
+            <a:pPr marL="0" indent="0" algn="just">
+              <a:buNone/>
+            </a:pPr>
+            <a:r>
+              <a:rPr lang="it-IT" sz="1600" b="1" dirty="0">
+                <a:latin typeface="Times New Roman" panose="02020603050405020304" pitchFamily="18" charset="0"/>
+                <a:cs typeface="Times New Roman" panose="02020603050405020304" pitchFamily="18" charset="0"/>
+              </a:rPr>
+              <a:t>Aspetti dell'</a:t>
+            </a:r>
+            <a:r>
+              <a:rPr lang="it-IT" sz="1600" b="1" dirty="0" err="1">
+                <a:latin typeface="Times New Roman" panose="02020603050405020304" pitchFamily="18" charset="0"/>
+                <a:cs typeface="Times New Roman" panose="02020603050405020304" pitchFamily="18" charset="0"/>
+              </a:rPr>
+              <a:t>app</a:t>
+            </a:r>
+            <a:r>
+              <a:rPr lang="it-IT" sz="1600" b="1" dirty="0">
+                <a:latin typeface="Times New Roman" panose="02020603050405020304" pitchFamily="18" charset="0"/>
+                <a:cs typeface="Times New Roman" panose="02020603050405020304" pitchFamily="18" charset="0"/>
+              </a:rPr>
+              <a:t> “</a:t>
+            </a:r>
+            <a:r>
+              <a:rPr lang="it-IT" sz="1600" b="1" dirty="0" err="1">
+                <a:latin typeface="Times New Roman" panose="02020603050405020304" pitchFamily="18" charset="0"/>
+                <a:cs typeface="Times New Roman" panose="02020603050405020304" pitchFamily="18" charset="0"/>
+              </a:rPr>
+              <a:t>SmokApp</a:t>
+            </a:r>
+            <a:r>
+              <a:rPr lang="it-IT" sz="1600" b="1" dirty="0">
+                <a:latin typeface="Times New Roman" panose="02020603050405020304" pitchFamily="18" charset="0"/>
+                <a:cs typeface="Times New Roman" panose="02020603050405020304" pitchFamily="18" charset="0"/>
+              </a:rPr>
+              <a:t>” che saranno testati (continua…)</a:t>
+            </a:r>
+            <a:endParaRPr lang="it-IT" sz="1600" dirty="0">
+              <a:latin typeface="Times New Roman" panose="02020603050405020304" pitchFamily="18" charset="0"/>
+              <a:cs typeface="Times New Roman" panose="02020603050405020304" pitchFamily="18" charset="0"/>
+            </a:endParaRPr>
+          </a:p>
+          <a:p>
+            <a:pPr marL="0" indent="0" algn="just">
+              <a:buNone/>
+            </a:pPr>
+            <a:r>
+              <a:rPr lang="it-IT" sz="1600" b="1" dirty="0">
+                <a:latin typeface="Times New Roman" panose="02020603050405020304" pitchFamily="18" charset="0"/>
+                <a:cs typeface="Times New Roman" panose="02020603050405020304" pitchFamily="18" charset="0"/>
+              </a:rPr>
+              <a:t>5. Aggiungere una sigaretta. </a:t>
+            </a:r>
+            <a:r>
+              <a:rPr lang="it-IT" sz="1600" dirty="0">
+                <a:latin typeface="Times New Roman" panose="02020603050405020304" pitchFamily="18" charset="0"/>
+                <a:cs typeface="Times New Roman" panose="02020603050405020304" pitchFamily="18" charset="0"/>
+              </a:rPr>
+              <a:t>Si tratta dello scenario principale dell'applicazione. Il task consiste semplicemente in un click, nella schermata della Home, sul pulsante “</a:t>
+            </a:r>
+            <a:r>
+              <a:rPr lang="it-IT" sz="1600" dirty="0" err="1">
+                <a:latin typeface="Times New Roman" panose="02020603050405020304" pitchFamily="18" charset="0"/>
+                <a:cs typeface="Times New Roman" panose="02020603050405020304" pitchFamily="18" charset="0"/>
+              </a:rPr>
+              <a:t>Add</a:t>
+            </a:r>
+            <a:r>
+              <a:rPr lang="it-IT" sz="1600" dirty="0">
+                <a:latin typeface="Times New Roman" panose="02020603050405020304" pitchFamily="18" charset="0"/>
+                <a:cs typeface="Times New Roman" panose="02020603050405020304" pitchFamily="18" charset="0"/>
+              </a:rPr>
+              <a:t> a </a:t>
+            </a:r>
+            <a:r>
+              <a:rPr lang="it-IT" sz="1600" dirty="0" err="1">
+                <a:latin typeface="Times New Roman" panose="02020603050405020304" pitchFamily="18" charset="0"/>
+                <a:cs typeface="Times New Roman" panose="02020603050405020304" pitchFamily="18" charset="0"/>
+              </a:rPr>
+              <a:t>cigarette</a:t>
+            </a:r>
+            <a:r>
+              <a:rPr lang="it-IT" sz="1600" dirty="0">
+                <a:latin typeface="Times New Roman" panose="02020603050405020304" pitchFamily="18" charset="0"/>
+                <a:cs typeface="Times New Roman" panose="02020603050405020304" pitchFamily="18" charset="0"/>
+              </a:rPr>
+              <a:t>”. Il completamento dello scenario sarà evidenziato dal numero di sigarette fumate quel giorno, visibile nella schermata della Home e che verrà aggiornato al momento del click. Poiché l'obiettivo dell'</a:t>
+            </a:r>
+            <a:r>
+              <a:rPr lang="it-IT" sz="1600" dirty="0" err="1">
+                <a:latin typeface="Times New Roman" panose="02020603050405020304" pitchFamily="18" charset="0"/>
+                <a:cs typeface="Times New Roman" panose="02020603050405020304" pitchFamily="18" charset="0"/>
+              </a:rPr>
+              <a:t>app</a:t>
+            </a:r>
+            <a:r>
+              <a:rPr lang="it-IT" sz="1600" dirty="0">
+                <a:latin typeface="Times New Roman" panose="02020603050405020304" pitchFamily="18" charset="0"/>
+                <a:cs typeface="Times New Roman" panose="02020603050405020304" pitchFamily="18" charset="0"/>
+              </a:rPr>
+              <a:t> è quello di aiutare l'utente a smettere di fumare, ciò si traduce nell'impedire all'utente di effettuare spesso questo scenario. Per questo motivo superare un obiettivo o conquistare un trofeo saranno task intrinsecamente connessi con questo scenario.</a:t>
+            </a:r>
+          </a:p>
+          <a:p>
+            <a:pPr marL="0" indent="0" algn="just">
+              <a:buNone/>
+            </a:pPr>
+            <a:r>
+              <a:rPr lang="it-IT" sz="1600" b="1" dirty="0">
+                <a:latin typeface="Times New Roman" panose="02020603050405020304" pitchFamily="18" charset="0"/>
+                <a:cs typeface="Times New Roman" panose="02020603050405020304" pitchFamily="18" charset="0"/>
+              </a:rPr>
+              <a:t>5.1. Vincere il trofeo “</a:t>
+            </a:r>
+            <a:r>
+              <a:rPr lang="it-IT" sz="1600" b="1" dirty="0" err="1">
+                <a:latin typeface="Times New Roman" panose="02020603050405020304" pitchFamily="18" charset="0"/>
+                <a:cs typeface="Times New Roman" panose="02020603050405020304" pitchFamily="18" charset="0"/>
+              </a:rPr>
+              <a:t>Defeat</a:t>
+            </a:r>
+            <a:r>
+              <a:rPr lang="it-IT" sz="1600" b="1" dirty="0">
+                <a:latin typeface="Times New Roman" panose="02020603050405020304" pitchFamily="18" charset="0"/>
+                <a:cs typeface="Times New Roman" panose="02020603050405020304" pitchFamily="18" charset="0"/>
+              </a:rPr>
+              <a:t> the </a:t>
+            </a:r>
+            <a:r>
+              <a:rPr lang="it-IT" sz="1600" b="1" dirty="0" err="1">
+                <a:latin typeface="Times New Roman" panose="02020603050405020304" pitchFamily="18" charset="0"/>
+                <a:cs typeface="Times New Roman" panose="02020603050405020304" pitchFamily="18" charset="0"/>
+              </a:rPr>
+              <a:t>temptation</a:t>
+            </a:r>
+            <a:r>
+              <a:rPr lang="it-IT" sz="1600" b="1" dirty="0">
+                <a:latin typeface="Times New Roman" panose="02020603050405020304" pitchFamily="18" charset="0"/>
+                <a:cs typeface="Times New Roman" panose="02020603050405020304" pitchFamily="18" charset="0"/>
+              </a:rPr>
+              <a:t>”.</a:t>
+            </a:r>
+            <a:r>
+              <a:rPr lang="it-IT" sz="1600" dirty="0">
+                <a:latin typeface="Times New Roman" panose="02020603050405020304" pitchFamily="18" charset="0"/>
+                <a:cs typeface="Times New Roman" panose="02020603050405020304" pitchFamily="18" charset="0"/>
+              </a:rPr>
+              <a:t>  Quando viene aggiunta una nuova sigaretta, se il trofeo non è stato già conquistato, lo scenario (5) viene interrotto da un messaggio che notifica la possibilità di vincere il trofeo “</a:t>
+            </a:r>
+            <a:r>
+              <a:rPr lang="it-IT" sz="1600" dirty="0" err="1">
+                <a:latin typeface="Times New Roman" panose="02020603050405020304" pitchFamily="18" charset="0"/>
+                <a:cs typeface="Times New Roman" panose="02020603050405020304" pitchFamily="18" charset="0"/>
+              </a:rPr>
+              <a:t>Defeat</a:t>
+            </a:r>
+            <a:r>
+              <a:rPr lang="it-IT" sz="1600" dirty="0">
+                <a:latin typeface="Times New Roman" panose="02020603050405020304" pitchFamily="18" charset="0"/>
+                <a:cs typeface="Times New Roman" panose="02020603050405020304" pitchFamily="18" charset="0"/>
+              </a:rPr>
+              <a:t> the </a:t>
+            </a:r>
+            <a:r>
+              <a:rPr lang="it-IT" sz="1600" dirty="0" err="1">
+                <a:latin typeface="Times New Roman" panose="02020603050405020304" pitchFamily="18" charset="0"/>
+                <a:cs typeface="Times New Roman" panose="02020603050405020304" pitchFamily="18" charset="0"/>
+              </a:rPr>
+              <a:t>temptation</a:t>
+            </a:r>
+            <a:r>
+              <a:rPr lang="it-IT" sz="1600" dirty="0">
+                <a:latin typeface="Times New Roman" panose="02020603050405020304" pitchFamily="18" charset="0"/>
+                <a:cs typeface="Times New Roman" panose="02020603050405020304" pitchFamily="18" charset="0"/>
+              </a:rPr>
+              <a:t>” gettando via la sigaretta (che si suppone sia stata appena accesa). Cliccando su “Yes” si otterrà il premio, mentre il pulsante “No” chiuderà il messaggio di notifica permettendo il completamento dello scenario (5).</a:t>
+            </a:r>
+          </a:p>
+          <a:p>
+            <a:pPr marL="0" indent="0" algn="just">
+              <a:buNone/>
+            </a:pPr>
+            <a:r>
+              <a:rPr lang="it-IT" sz="1600" b="1" dirty="0">
+                <a:latin typeface="Times New Roman" panose="02020603050405020304" pitchFamily="18" charset="0"/>
+                <a:cs typeface="Times New Roman" panose="02020603050405020304" pitchFamily="18" charset="0"/>
+              </a:rPr>
+              <a:t>5.2 Vincere il trofeo “</a:t>
+            </a:r>
+            <a:r>
+              <a:rPr lang="it-IT" sz="1600" b="1" dirty="0" err="1">
+                <a:latin typeface="Times New Roman" panose="02020603050405020304" pitchFamily="18" charset="0"/>
+                <a:cs typeface="Times New Roman" panose="02020603050405020304" pitchFamily="18" charset="0"/>
+              </a:rPr>
+              <a:t>Only</a:t>
+            </a:r>
+            <a:r>
+              <a:rPr lang="it-IT" sz="1600" b="1" dirty="0">
+                <a:latin typeface="Times New Roman" panose="02020603050405020304" pitchFamily="18" charset="0"/>
+                <a:cs typeface="Times New Roman" panose="02020603050405020304" pitchFamily="18" charset="0"/>
+              </a:rPr>
+              <a:t> 10 </a:t>
+            </a:r>
+            <a:r>
+              <a:rPr lang="it-IT" sz="1600" b="1" dirty="0" err="1">
+                <a:latin typeface="Times New Roman" panose="02020603050405020304" pitchFamily="18" charset="0"/>
+                <a:cs typeface="Times New Roman" panose="02020603050405020304" pitchFamily="18" charset="0"/>
+              </a:rPr>
+              <a:t>cigarettes</a:t>
+            </a:r>
+            <a:r>
+              <a:rPr lang="it-IT" sz="1600" b="1" dirty="0">
+                <a:latin typeface="Times New Roman" panose="02020603050405020304" pitchFamily="18" charset="0"/>
+                <a:cs typeface="Times New Roman" panose="02020603050405020304" pitchFamily="18" charset="0"/>
+              </a:rPr>
+              <a:t> </a:t>
+            </a:r>
+            <a:r>
+              <a:rPr lang="it-IT" sz="1600" b="1" dirty="0" err="1">
+                <a:latin typeface="Times New Roman" panose="02020603050405020304" pitchFamily="18" charset="0"/>
+                <a:cs typeface="Times New Roman" panose="02020603050405020304" pitchFamily="18" charset="0"/>
+              </a:rPr>
+              <a:t>smoked</a:t>
+            </a:r>
+            <a:r>
+              <a:rPr lang="it-IT" sz="1600" b="1" dirty="0">
+                <a:latin typeface="Times New Roman" panose="02020603050405020304" pitchFamily="18" charset="0"/>
+                <a:cs typeface="Times New Roman" panose="02020603050405020304" pitchFamily="18" charset="0"/>
+              </a:rPr>
+              <a:t>”. </a:t>
+            </a:r>
+            <a:r>
+              <a:rPr lang="it-IT" sz="1600" dirty="0">
+                <a:latin typeface="Times New Roman" panose="02020603050405020304" pitchFamily="18" charset="0"/>
+                <a:cs typeface="Times New Roman" panose="02020603050405020304" pitchFamily="18" charset="0"/>
+              </a:rPr>
+              <a:t>È possibile sbloccare questo scenario nel momento in cui è stato precedentemente selezionato il relativo obiettivo. In questo caso quando l’utente deciderà di accendere l’undicesima sigaretta lo scenario (5) verrà interrotto dalla visualizzazione di un messaggio che permetterà di scegliere se vincere il trofeo oppure continuare a fumare. Se si sceglie di eliminare l’undicesima sigaretta, cliccando “Yes”, si ottiene il premio, in caso contrario, cliccando “No”, si ritornerà allo scenario di partenza (5), in cui verrà visualizzato il nuovo incremento delle sigarette fumate.</a:t>
+            </a:r>
+          </a:p>
+          <a:p>
+            <a:pPr marL="0" indent="0" algn="just">
+              <a:buNone/>
+            </a:pPr>
+            <a:r>
+              <a:rPr lang="it-IT" sz="1600" dirty="0">
+                <a:latin typeface="Times New Roman" panose="02020603050405020304" pitchFamily="18" charset="0"/>
+                <a:cs typeface="Times New Roman" panose="02020603050405020304" pitchFamily="18" charset="0"/>
+              </a:rPr>
+              <a:t>Inoltre, se il premio è stato vinto, il pulsante “</a:t>
+            </a:r>
+            <a:r>
+              <a:rPr lang="it-IT" sz="1600" dirty="0" err="1">
+                <a:latin typeface="Times New Roman" panose="02020603050405020304" pitchFamily="18" charset="0"/>
+                <a:cs typeface="Times New Roman" panose="02020603050405020304" pitchFamily="18" charset="0"/>
+              </a:rPr>
+              <a:t>Add</a:t>
+            </a:r>
+            <a:r>
+              <a:rPr lang="it-IT" sz="1600" dirty="0">
+                <a:latin typeface="Times New Roman" panose="02020603050405020304" pitchFamily="18" charset="0"/>
+                <a:cs typeface="Times New Roman" panose="02020603050405020304" pitchFamily="18" charset="0"/>
+              </a:rPr>
+              <a:t> a </a:t>
+            </a:r>
+            <a:r>
+              <a:rPr lang="it-IT" sz="1600" dirty="0" err="1">
+                <a:latin typeface="Times New Roman" panose="02020603050405020304" pitchFamily="18" charset="0"/>
+                <a:cs typeface="Times New Roman" panose="02020603050405020304" pitchFamily="18" charset="0"/>
+              </a:rPr>
+              <a:t>cigarette</a:t>
+            </a:r>
+            <a:r>
+              <a:rPr lang="it-IT" sz="1600" dirty="0">
+                <a:latin typeface="Times New Roman" panose="02020603050405020304" pitchFamily="18" charset="0"/>
+                <a:cs typeface="Times New Roman" panose="02020603050405020304" pitchFamily="18" charset="0"/>
+              </a:rPr>
+              <a:t>”, presente nella schermata Home, cambierà la sua etichetta in “No more </a:t>
+            </a:r>
+            <a:r>
+              <a:rPr lang="it-IT" sz="1600" dirty="0" err="1">
+                <a:latin typeface="Times New Roman" panose="02020603050405020304" pitchFamily="18" charset="0"/>
+                <a:cs typeface="Times New Roman" panose="02020603050405020304" pitchFamily="18" charset="0"/>
+              </a:rPr>
+              <a:t>adding</a:t>
+            </a:r>
+            <a:r>
+              <a:rPr lang="it-IT" sz="1600" dirty="0">
+                <a:latin typeface="Times New Roman" panose="02020603050405020304" pitchFamily="18" charset="0"/>
+                <a:cs typeface="Times New Roman" panose="02020603050405020304" pitchFamily="18" charset="0"/>
+              </a:rPr>
+              <a:t> </a:t>
+            </a:r>
+            <a:r>
+              <a:rPr lang="it-IT" sz="1600" dirty="0" err="1">
+                <a:latin typeface="Times New Roman" panose="02020603050405020304" pitchFamily="18" charset="0"/>
+                <a:cs typeface="Times New Roman" panose="02020603050405020304" pitchFamily="18" charset="0"/>
+              </a:rPr>
+              <a:t>today</a:t>
+            </a:r>
+            <a:r>
+              <a:rPr lang="it-IT" sz="1600" dirty="0">
+                <a:latin typeface="Times New Roman" panose="02020603050405020304" pitchFamily="18" charset="0"/>
+                <a:cs typeface="Times New Roman" panose="02020603050405020304" pitchFamily="18" charset="0"/>
+              </a:rPr>
+              <a:t>”. Nel caso in cui si decida di cliccarci sopra durante la giornata in corso, verrà notificato che se si intende aggiungere una nuova sigaretta si perderà il premio già vinto. </a:t>
+            </a:r>
+            <a:endParaRPr lang="it-IT" sz="1600" dirty="0">
+              <a:latin typeface="Times New Roman" panose="02020603050405020304" pitchFamily="18" charset="0"/>
+              <a:cs typeface="Times New Roman" panose="02020603050405020304" pitchFamily="18" charset="0"/>
+            </a:endParaRPr>
+          </a:p>
+        </p:txBody>
+      </p:sp>
+    </p:spTree>
+    <p:extLst>
+      <p:ext uri="{BB962C8B-B14F-4D97-AF65-F5344CB8AC3E}">
+        <p14:creationId xmlns:p14="http://schemas.microsoft.com/office/powerpoint/2010/main" val="2442419145"/>
+      </p:ext>
+    </p:extLst>
+  </p:cSld>
+  <p:clrMapOvr>
+    <a:masterClrMapping/>
+  </p:clrMapOvr>
+</p:sld>
+</file>
+
 <file path=ppt/slides/slide2.xml><?xml version="1.0" encoding="utf-8"?>
 <p:sld xmlns:a="http://schemas.openxmlformats.org/drawingml/2006/main" xmlns:r="http://schemas.openxmlformats.org/officeDocument/2006/relationships" xmlns:p="http://schemas.openxmlformats.org/presentationml/2006/main">
   <p:cSld>
@@ -3650,10 +4676,6 @@
               </a:rPr>
               <a:t>” nel caso in cui l’utente decida di non fumare una sigaretta. </a:t>
             </a:r>
-            <a:endParaRPr lang="it-IT" sz="3200" dirty="0">
-              <a:latin typeface="Times New Roman" panose="02020603050405020304" pitchFamily="18" charset="0"/>
-              <a:cs typeface="Times New Roman" panose="02020603050405020304" pitchFamily="18" charset="0"/>
-            </a:endParaRPr>
           </a:p>
         </p:txBody>
       </p:sp>
@@ -3842,10 +4864,29 @@
         </p:nvSpPr>
         <p:spPr/>
         <p:txBody>
-          <a:bodyPr/>
-          <a:lstStyle/>
-          <a:p>
-            <a:endParaRPr lang="it-IT"/>
+          <a:bodyPr>
+            <a:normAutofit/>
+          </a:bodyPr>
+          <a:lstStyle/>
+          <a:p>
+            <a:r>
+              <a:rPr lang="it-IT" sz="2800" b="1" dirty="0" err="1" smtClean="0">
+                <a:latin typeface="Times New Roman" panose="02020603050405020304" pitchFamily="18" charset="0"/>
+                <a:cs typeface="Times New Roman" panose="02020603050405020304" pitchFamily="18" charset="0"/>
+              </a:rPr>
+              <a:t>Redesign</a:t>
+            </a:r>
+            <a:r>
+              <a:rPr lang="it-IT" sz="2800" b="1" dirty="0" smtClean="0">
+                <a:latin typeface="Times New Roman" panose="02020603050405020304" pitchFamily="18" charset="0"/>
+                <a:cs typeface="Times New Roman" panose="02020603050405020304" pitchFamily="18" charset="0"/>
+              </a:rPr>
+              <a:t> di una componente del prototipo</a:t>
+            </a:r>
+            <a:endParaRPr lang="it-IT" sz="2800" b="1" dirty="0">
+              <a:latin typeface="Times New Roman" panose="02020603050405020304" pitchFamily="18" charset="0"/>
+              <a:cs typeface="Times New Roman" panose="02020603050405020304" pitchFamily="18" charset="0"/>
+            </a:endParaRPr>
           </a:p>
         </p:txBody>
       </p:sp>
@@ -3872,6 +4913,1280 @@
     <p:extLst>
       <p:ext uri="{BB962C8B-B14F-4D97-AF65-F5344CB8AC3E}">
         <p14:creationId xmlns:p14="http://schemas.microsoft.com/office/powerpoint/2010/main" val="530745109"/>
+      </p:ext>
+    </p:extLst>
+  </p:cSld>
+  <p:clrMapOvr>
+    <a:masterClrMapping/>
+  </p:clrMapOvr>
+</p:sld>
+</file>
+
+<file path=ppt/slides/slide6.xml><?xml version="1.0" encoding="utf-8"?>
+<p:sld xmlns:a="http://schemas.openxmlformats.org/drawingml/2006/main" xmlns:r="http://schemas.openxmlformats.org/officeDocument/2006/relationships" xmlns:p="http://schemas.openxmlformats.org/presentationml/2006/main">
+  <p:cSld>
+    <p:spTree>
+      <p:nvGrpSpPr>
+        <p:cNvPr id="1" name=""/>
+        <p:cNvGrpSpPr/>
+        <p:nvPr/>
+      </p:nvGrpSpPr>
+      <p:grpSpPr>
+        <a:xfrm>
+          <a:off x="0" y="0"/>
+          <a:ext cx="0" cy="0"/>
+          <a:chOff x="0" y="0"/>
+          <a:chExt cx="0" cy="0"/>
+        </a:xfrm>
+      </p:grpSpPr>
+      <p:sp>
+        <p:nvSpPr>
+          <p:cNvPr id="2" name="Titolo 1"/>
+          <p:cNvSpPr>
+            <a:spLocks noGrp="1"/>
+          </p:cNvSpPr>
+          <p:nvPr>
+            <p:ph type="title"/>
+          </p:nvPr>
+        </p:nvSpPr>
+        <p:spPr>
+          <a:xfrm>
+            <a:off x="628650" y="107548"/>
+            <a:ext cx="7886700" cy="1325563"/>
+          </a:xfrm>
+        </p:spPr>
+        <p:txBody>
+          <a:bodyPr>
+            <a:normAutofit/>
+          </a:bodyPr>
+          <a:lstStyle/>
+          <a:p>
+            <a:r>
+              <a:rPr lang="it-IT" sz="2800" b="1" dirty="0" smtClean="0">
+                <a:latin typeface="Times New Roman" panose="02020603050405020304" pitchFamily="18" charset="0"/>
+                <a:cs typeface="Times New Roman" panose="02020603050405020304" pitchFamily="18" charset="0"/>
+              </a:rPr>
+              <a:t>User </a:t>
+            </a:r>
+            <a:r>
+              <a:rPr lang="it-IT" sz="2800" b="1" dirty="0" err="1" smtClean="0">
+                <a:latin typeface="Times New Roman" panose="02020603050405020304" pitchFamily="18" charset="0"/>
+                <a:cs typeface="Times New Roman" panose="02020603050405020304" pitchFamily="18" charset="0"/>
+              </a:rPr>
+              <a:t>Testing</a:t>
+            </a:r>
+            <a:r>
+              <a:rPr lang="it-IT" sz="2800" b="1" dirty="0" smtClean="0">
+                <a:latin typeface="Times New Roman" panose="02020603050405020304" pitchFamily="18" charset="0"/>
+                <a:cs typeface="Times New Roman" panose="02020603050405020304" pitchFamily="18" charset="0"/>
+              </a:rPr>
+              <a:t> Plan (1)</a:t>
+            </a:r>
+            <a:endParaRPr lang="it-IT" sz="2800" b="1" dirty="0">
+              <a:latin typeface="Times New Roman" panose="02020603050405020304" pitchFamily="18" charset="0"/>
+              <a:cs typeface="Times New Roman" panose="02020603050405020304" pitchFamily="18" charset="0"/>
+            </a:endParaRPr>
+          </a:p>
+        </p:txBody>
+      </p:sp>
+      <p:sp>
+        <p:nvSpPr>
+          <p:cNvPr id="3" name="Segnaposto contenuto 2"/>
+          <p:cNvSpPr>
+            <a:spLocks noGrp="1"/>
+          </p:cNvSpPr>
+          <p:nvPr>
+            <p:ph idx="1"/>
+          </p:nvPr>
+        </p:nvSpPr>
+        <p:spPr>
+          <a:xfrm>
+            <a:off x="628650" y="1275008"/>
+            <a:ext cx="7886700" cy="5280338"/>
+          </a:xfrm>
+        </p:spPr>
+        <p:txBody>
+          <a:bodyPr>
+            <a:normAutofit fontScale="55000" lnSpcReduction="20000"/>
+          </a:bodyPr>
+          <a:lstStyle/>
+          <a:p>
+            <a:pPr marL="0" indent="0" algn="just">
+              <a:buNone/>
+            </a:pPr>
+            <a:r>
+              <a:rPr lang="it-IT" b="1" dirty="0">
+                <a:latin typeface="Times New Roman" panose="02020603050405020304" pitchFamily="18" charset="0"/>
+                <a:cs typeface="Times New Roman" panose="02020603050405020304" pitchFamily="18" charset="0"/>
+              </a:rPr>
+              <a:t>Sommario</a:t>
+            </a:r>
+            <a:endParaRPr lang="it-IT" dirty="0">
+              <a:latin typeface="Times New Roman" panose="02020603050405020304" pitchFamily="18" charset="0"/>
+              <a:cs typeface="Times New Roman" panose="02020603050405020304" pitchFamily="18" charset="0"/>
+            </a:endParaRPr>
+          </a:p>
+          <a:p>
+            <a:pPr marL="0" indent="0" algn="just">
+              <a:buNone/>
+            </a:pPr>
+            <a:r>
+              <a:rPr lang="it-IT" b="1" dirty="0">
+                <a:latin typeface="Times New Roman" panose="02020603050405020304" pitchFamily="18" charset="0"/>
+                <a:cs typeface="Times New Roman" panose="02020603050405020304" pitchFamily="18" charset="0"/>
+              </a:rPr>
+              <a:t>- Cosa viene testato:</a:t>
+            </a:r>
+            <a:endParaRPr lang="it-IT" dirty="0">
+              <a:latin typeface="Times New Roman" panose="02020603050405020304" pitchFamily="18" charset="0"/>
+              <a:cs typeface="Times New Roman" panose="02020603050405020304" pitchFamily="18" charset="0"/>
+            </a:endParaRPr>
+          </a:p>
+          <a:p>
+            <a:pPr algn="just"/>
+            <a:r>
+              <a:rPr lang="it-IT" dirty="0" smtClean="0">
+                <a:latin typeface="Times New Roman" panose="02020603050405020304" pitchFamily="18" charset="0"/>
+                <a:cs typeface="Times New Roman" panose="02020603050405020304" pitchFamily="18" charset="0"/>
+              </a:rPr>
+              <a:t>il </a:t>
+            </a:r>
+            <a:r>
+              <a:rPr lang="it-IT" dirty="0">
+                <a:latin typeface="Times New Roman" panose="02020603050405020304" pitchFamily="18" charset="0"/>
+                <a:cs typeface="Times New Roman" panose="02020603050405020304" pitchFamily="18" charset="0"/>
+              </a:rPr>
+              <a:t>processo di </a:t>
+            </a:r>
+            <a:r>
+              <a:rPr lang="it-IT" dirty="0" err="1">
+                <a:latin typeface="Times New Roman" panose="02020603050405020304" pitchFamily="18" charset="0"/>
+                <a:cs typeface="Times New Roman" panose="02020603050405020304" pitchFamily="18" charset="0"/>
+              </a:rPr>
+              <a:t>sign</a:t>
+            </a:r>
+            <a:r>
+              <a:rPr lang="it-IT" dirty="0">
+                <a:latin typeface="Times New Roman" panose="02020603050405020304" pitchFamily="18" charset="0"/>
+                <a:cs typeface="Times New Roman" panose="02020603050405020304" pitchFamily="18" charset="0"/>
+              </a:rPr>
+              <a:t> up;</a:t>
+            </a:r>
+          </a:p>
+          <a:p>
+            <a:pPr algn="just"/>
+            <a:r>
+              <a:rPr lang="it-IT" dirty="0">
+                <a:latin typeface="Times New Roman" panose="02020603050405020304" pitchFamily="18" charset="0"/>
+                <a:cs typeface="Times New Roman" panose="02020603050405020304" pitchFamily="18" charset="0"/>
+              </a:rPr>
+              <a:t>la fase di login;</a:t>
+            </a:r>
+          </a:p>
+          <a:p>
+            <a:pPr algn="just"/>
+            <a:r>
+              <a:rPr lang="it-IT" dirty="0">
+                <a:latin typeface="Times New Roman" panose="02020603050405020304" pitchFamily="18" charset="0"/>
+                <a:cs typeface="Times New Roman" panose="02020603050405020304" pitchFamily="18" charset="0"/>
+              </a:rPr>
+              <a:t>la selezione di un goal, la cui anteprima sarà mostrata nella home page;</a:t>
+            </a:r>
+          </a:p>
+          <a:p>
+            <a:pPr algn="just"/>
+            <a:r>
+              <a:rPr lang="it-IT" dirty="0">
+                <a:latin typeface="Times New Roman" panose="02020603050405020304" pitchFamily="18" charset="0"/>
+                <a:cs typeface="Times New Roman" panose="02020603050405020304" pitchFamily="18" charset="0"/>
+              </a:rPr>
+              <a:t>l'aggiunta di una sigaretta, inclusa la possibilità di vincere un trofeo relativo a questa azione;</a:t>
+            </a:r>
+          </a:p>
+          <a:p>
+            <a:pPr algn="just"/>
+            <a:r>
+              <a:rPr lang="it-IT" dirty="0">
+                <a:latin typeface="Times New Roman" panose="02020603050405020304" pitchFamily="18" charset="0"/>
+                <a:cs typeface="Times New Roman" panose="02020603050405020304" pitchFamily="18" charset="0"/>
+              </a:rPr>
+              <a:t>il raggiungimento di un obiettivo selezionato, nonché l'eventualità di poterlo perdere;</a:t>
+            </a:r>
+          </a:p>
+          <a:p>
+            <a:pPr algn="just"/>
+            <a:r>
+              <a:rPr lang="it-IT" dirty="0">
+                <a:latin typeface="Times New Roman" panose="02020603050405020304" pitchFamily="18" charset="0"/>
+                <a:cs typeface="Times New Roman" panose="02020603050405020304" pitchFamily="18" charset="0"/>
+              </a:rPr>
+              <a:t>la navigazione attraverso le diverse schermate, quali “</a:t>
+            </a:r>
+            <a:r>
+              <a:rPr lang="it-IT" dirty="0" err="1">
+                <a:latin typeface="Times New Roman" panose="02020603050405020304" pitchFamily="18" charset="0"/>
+                <a:cs typeface="Times New Roman" panose="02020603050405020304" pitchFamily="18" charset="0"/>
+              </a:rPr>
+              <a:t>Goals</a:t>
+            </a:r>
+            <a:r>
+              <a:rPr lang="it-IT" dirty="0">
+                <a:latin typeface="Times New Roman" panose="02020603050405020304" pitchFamily="18" charset="0"/>
+                <a:cs typeface="Times New Roman" panose="02020603050405020304" pitchFamily="18" charset="0"/>
+              </a:rPr>
+              <a:t>”, “</a:t>
+            </a:r>
+            <a:r>
+              <a:rPr lang="it-IT" dirty="0" err="1">
+                <a:latin typeface="Times New Roman" panose="02020603050405020304" pitchFamily="18" charset="0"/>
+                <a:cs typeface="Times New Roman" panose="02020603050405020304" pitchFamily="18" charset="0"/>
+              </a:rPr>
+              <a:t>Stats</a:t>
+            </a:r>
+            <a:r>
+              <a:rPr lang="it-IT" dirty="0">
+                <a:latin typeface="Times New Roman" panose="02020603050405020304" pitchFamily="18" charset="0"/>
+                <a:cs typeface="Times New Roman" panose="02020603050405020304" pitchFamily="18" charset="0"/>
+              </a:rPr>
+              <a:t>”, “</a:t>
+            </a:r>
+            <a:r>
+              <a:rPr lang="it-IT" dirty="0" err="1">
+                <a:latin typeface="Times New Roman" panose="02020603050405020304" pitchFamily="18" charset="0"/>
+                <a:cs typeface="Times New Roman" panose="02020603050405020304" pitchFamily="18" charset="0"/>
+              </a:rPr>
+              <a:t>Achievements</a:t>
+            </a:r>
+            <a:r>
+              <a:rPr lang="it-IT" dirty="0">
+                <a:latin typeface="Times New Roman" panose="02020603050405020304" pitchFamily="18" charset="0"/>
+                <a:cs typeface="Times New Roman" panose="02020603050405020304" pitchFamily="18" charset="0"/>
+              </a:rPr>
+              <a:t>”, ecc.</a:t>
+            </a:r>
+          </a:p>
+          <a:p>
+            <a:pPr marL="0" indent="0" algn="just">
+              <a:buNone/>
+            </a:pPr>
+            <a:r>
+              <a:rPr lang="it-IT" b="1" dirty="0">
+                <a:latin typeface="Times New Roman" panose="02020603050405020304" pitchFamily="18" charset="0"/>
+                <a:cs typeface="Times New Roman" panose="02020603050405020304" pitchFamily="18" charset="0"/>
+              </a:rPr>
+              <a:t>- Cosa si vuole approfondire:</a:t>
+            </a:r>
+            <a:endParaRPr lang="it-IT" dirty="0">
+              <a:latin typeface="Times New Roman" panose="02020603050405020304" pitchFamily="18" charset="0"/>
+              <a:cs typeface="Times New Roman" panose="02020603050405020304" pitchFamily="18" charset="0"/>
+            </a:endParaRPr>
+          </a:p>
+          <a:p>
+            <a:pPr algn="just"/>
+            <a:r>
+              <a:rPr lang="it-IT" dirty="0">
+                <a:latin typeface="Times New Roman" panose="02020603050405020304" pitchFamily="18" charset="0"/>
+                <a:cs typeface="Times New Roman" panose="02020603050405020304" pitchFamily="18" charset="0"/>
+              </a:rPr>
+              <a:t>la comprensibilità dell'interfaccia;</a:t>
+            </a:r>
+          </a:p>
+          <a:p>
+            <a:pPr algn="just"/>
+            <a:r>
+              <a:rPr lang="it-IT" dirty="0">
+                <a:latin typeface="Times New Roman" panose="02020603050405020304" pitchFamily="18" charset="0"/>
+                <a:cs typeface="Times New Roman" panose="02020603050405020304" pitchFamily="18" charset="0"/>
+              </a:rPr>
+              <a:t>l'efficacia dei vari task;</a:t>
+            </a:r>
+          </a:p>
+          <a:p>
+            <a:pPr algn="just"/>
+            <a:r>
+              <a:rPr lang="it-IT" dirty="0">
+                <a:latin typeface="Times New Roman" panose="02020603050405020304" pitchFamily="18" charset="0"/>
+                <a:cs typeface="Times New Roman" panose="02020603050405020304" pitchFamily="18" charset="0"/>
+              </a:rPr>
+              <a:t>eventuale presenza di errori.</a:t>
+            </a:r>
+          </a:p>
+          <a:p>
+            <a:pPr marL="0" indent="0" algn="just">
+              <a:buNone/>
+            </a:pPr>
+            <a:r>
+              <a:rPr lang="it-IT" dirty="0">
+                <a:latin typeface="Times New Roman" panose="02020603050405020304" pitchFamily="18" charset="0"/>
+                <a:cs typeface="Times New Roman" panose="02020603050405020304" pitchFamily="18" charset="0"/>
+              </a:rPr>
+              <a:t> </a:t>
+            </a:r>
+            <a:r>
+              <a:rPr lang="it-IT" b="1" dirty="0">
+                <a:latin typeface="Times New Roman" panose="02020603050405020304" pitchFamily="18" charset="0"/>
+                <a:cs typeface="Times New Roman" panose="02020603050405020304" pitchFamily="18" charset="0"/>
+              </a:rPr>
+              <a:t>- Perché: </a:t>
+            </a:r>
+            <a:r>
+              <a:rPr lang="it-IT" dirty="0">
+                <a:latin typeface="Times New Roman" panose="02020603050405020304" pitchFamily="18" charset="0"/>
+                <a:cs typeface="Times New Roman" panose="02020603050405020304" pitchFamily="18" charset="0"/>
+              </a:rPr>
+              <a:t>l’idea è quella di trovare il minor numero di problemi possibile, in modo da poter già portare il prototipo verso lo </a:t>
+            </a:r>
+            <a:r>
+              <a:rPr lang="it-IT" dirty="0" err="1">
+                <a:latin typeface="Times New Roman" panose="02020603050405020304" pitchFamily="18" charset="0"/>
+                <a:cs typeface="Times New Roman" panose="02020603050405020304" pitchFamily="18" charset="0"/>
+              </a:rPr>
+              <a:t>step</a:t>
+            </a:r>
+            <a:r>
+              <a:rPr lang="it-IT" dirty="0">
+                <a:latin typeface="Times New Roman" panose="02020603050405020304" pitchFamily="18" charset="0"/>
+                <a:cs typeface="Times New Roman" panose="02020603050405020304" pitchFamily="18" charset="0"/>
+              </a:rPr>
+              <a:t> successivo.</a:t>
+            </a:r>
+          </a:p>
+          <a:p>
+            <a:pPr marL="0" indent="0" algn="just">
+              <a:buNone/>
+            </a:pPr>
+            <a:r>
+              <a:rPr lang="de-DE" dirty="0">
+                <a:latin typeface="Times New Roman" panose="02020603050405020304" pitchFamily="18" charset="0"/>
+                <a:cs typeface="Times New Roman" panose="02020603050405020304" pitchFamily="18" charset="0"/>
+              </a:rPr>
+              <a:t> </a:t>
+            </a:r>
+            <a:endParaRPr lang="it-IT" dirty="0">
+              <a:latin typeface="Times New Roman" panose="02020603050405020304" pitchFamily="18" charset="0"/>
+              <a:cs typeface="Times New Roman" panose="02020603050405020304" pitchFamily="18" charset="0"/>
+            </a:endParaRPr>
+          </a:p>
+          <a:p>
+            <a:pPr marL="0" indent="0" algn="just">
+              <a:buNone/>
+            </a:pPr>
+            <a:r>
+              <a:rPr lang="it-IT" b="1" dirty="0">
+                <a:latin typeface="Times New Roman" panose="02020603050405020304" pitchFamily="18" charset="0"/>
+                <a:cs typeface="Times New Roman" panose="02020603050405020304" pitchFamily="18" charset="0"/>
+              </a:rPr>
+              <a:t>- Partecipanti: </a:t>
+            </a:r>
+            <a:r>
+              <a:rPr lang="it-IT" dirty="0">
+                <a:latin typeface="Times New Roman" panose="02020603050405020304" pitchFamily="18" charset="0"/>
+                <a:cs typeface="Times New Roman" panose="02020603050405020304" pitchFamily="18" charset="0"/>
+              </a:rPr>
+              <a:t>3 partecipanti saranno selezionati tra coloro le cui caratteristiche corrispondono al target cercato.</a:t>
+            </a:r>
+          </a:p>
+          <a:p>
+            <a:pPr marL="0" indent="0" algn="just">
+              <a:buNone/>
+            </a:pPr>
+            <a:r>
+              <a:rPr lang="it-IT" b="1" dirty="0">
+                <a:latin typeface="Times New Roman" panose="02020603050405020304" pitchFamily="18" charset="0"/>
+                <a:cs typeface="Times New Roman" panose="02020603050405020304" pitchFamily="18" charset="0"/>
+              </a:rPr>
+              <a:t>- Perché: </a:t>
+            </a:r>
+            <a:r>
+              <a:rPr lang="it-IT" dirty="0">
+                <a:latin typeface="Times New Roman" panose="02020603050405020304" pitchFamily="18" charset="0"/>
+                <a:cs typeface="Times New Roman" panose="02020603050405020304" pitchFamily="18" charset="0"/>
+              </a:rPr>
+              <a:t>in questa fase si ritiene che 3 partecipanti siano sufficienti per lo svolgimento del </a:t>
+            </a:r>
+            <a:r>
+              <a:rPr lang="it-IT" dirty="0" err="1">
+                <a:latin typeface="Times New Roman" panose="02020603050405020304" pitchFamily="18" charset="0"/>
+                <a:cs typeface="Times New Roman" panose="02020603050405020304" pitchFamily="18" charset="0"/>
+              </a:rPr>
+              <a:t>testing</a:t>
+            </a:r>
+            <a:r>
+              <a:rPr lang="it-IT" dirty="0">
+                <a:latin typeface="Times New Roman" panose="02020603050405020304" pitchFamily="18" charset="0"/>
+                <a:cs typeface="Times New Roman" panose="02020603050405020304" pitchFamily="18" charset="0"/>
+              </a:rPr>
+              <a:t> del prototipo, in particolare si preferisce farlo provare a chi potrebbero essere i futuri utenti della nostra </a:t>
+            </a:r>
+            <a:r>
+              <a:rPr lang="it-IT" dirty="0" err="1" smtClean="0">
+                <a:latin typeface="Times New Roman" panose="02020603050405020304" pitchFamily="18" charset="0"/>
+                <a:cs typeface="Times New Roman" panose="02020603050405020304" pitchFamily="18" charset="0"/>
+              </a:rPr>
+              <a:t>app</a:t>
+            </a:r>
+            <a:r>
+              <a:rPr lang="it-IT" dirty="0">
+                <a:latin typeface="Times New Roman" panose="02020603050405020304" pitchFamily="18" charset="0"/>
+                <a:cs typeface="Times New Roman" panose="02020603050405020304" pitchFamily="18" charset="0"/>
+              </a:rPr>
+              <a:t>.</a:t>
+            </a:r>
+            <a:endParaRPr lang="it-IT" dirty="0">
+              <a:latin typeface="Times New Roman" panose="02020603050405020304" pitchFamily="18" charset="0"/>
+              <a:cs typeface="Times New Roman" panose="02020603050405020304" pitchFamily="18" charset="0"/>
+            </a:endParaRPr>
+          </a:p>
+          <a:p>
+            <a:pPr marL="0" indent="0">
+              <a:buNone/>
+            </a:pPr>
+            <a:endParaRPr lang="it-IT" dirty="0"/>
+          </a:p>
+        </p:txBody>
+      </p:sp>
+    </p:spTree>
+    <p:extLst>
+      <p:ext uri="{BB962C8B-B14F-4D97-AF65-F5344CB8AC3E}">
+        <p14:creationId xmlns:p14="http://schemas.microsoft.com/office/powerpoint/2010/main" val="1113760290"/>
+      </p:ext>
+    </p:extLst>
+  </p:cSld>
+  <p:clrMapOvr>
+    <a:masterClrMapping/>
+  </p:clrMapOvr>
+</p:sld>
+</file>
+
+<file path=ppt/slides/slide7.xml><?xml version="1.0" encoding="utf-8"?>
+<p:sld xmlns:a="http://schemas.openxmlformats.org/drawingml/2006/main" xmlns:r="http://schemas.openxmlformats.org/officeDocument/2006/relationships" xmlns:p="http://schemas.openxmlformats.org/presentationml/2006/main">
+  <p:cSld>
+    <p:spTree>
+      <p:nvGrpSpPr>
+        <p:cNvPr id="1" name=""/>
+        <p:cNvGrpSpPr/>
+        <p:nvPr/>
+      </p:nvGrpSpPr>
+      <p:grpSpPr>
+        <a:xfrm>
+          <a:off x="0" y="0"/>
+          <a:ext cx="0" cy="0"/>
+          <a:chOff x="0" y="0"/>
+          <a:chExt cx="0" cy="0"/>
+        </a:xfrm>
+      </p:grpSpPr>
+      <p:sp>
+        <p:nvSpPr>
+          <p:cNvPr id="2" name="Titolo 1"/>
+          <p:cNvSpPr>
+            <a:spLocks noGrp="1"/>
+          </p:cNvSpPr>
+          <p:nvPr>
+            <p:ph type="title"/>
+          </p:nvPr>
+        </p:nvSpPr>
+        <p:spPr/>
+        <p:txBody>
+          <a:bodyPr>
+            <a:normAutofit/>
+          </a:bodyPr>
+          <a:lstStyle/>
+          <a:p>
+            <a:r>
+              <a:rPr lang="it-IT" sz="2800" b="1" dirty="0">
+                <a:latin typeface="Times New Roman" panose="02020603050405020304" pitchFamily="18" charset="0"/>
+                <a:cs typeface="Times New Roman" panose="02020603050405020304" pitchFamily="18" charset="0"/>
+              </a:rPr>
+              <a:t>User </a:t>
+            </a:r>
+            <a:r>
+              <a:rPr lang="it-IT" sz="2800" b="1" dirty="0" err="1">
+                <a:latin typeface="Times New Roman" panose="02020603050405020304" pitchFamily="18" charset="0"/>
+                <a:cs typeface="Times New Roman" panose="02020603050405020304" pitchFamily="18" charset="0"/>
+              </a:rPr>
+              <a:t>Testing</a:t>
+            </a:r>
+            <a:r>
+              <a:rPr lang="it-IT" sz="2800" b="1" dirty="0">
+                <a:latin typeface="Times New Roman" panose="02020603050405020304" pitchFamily="18" charset="0"/>
+                <a:cs typeface="Times New Roman" panose="02020603050405020304" pitchFamily="18" charset="0"/>
+              </a:rPr>
+              <a:t> Plan </a:t>
+            </a:r>
+            <a:r>
+              <a:rPr lang="it-IT" sz="2800" b="1" dirty="0" smtClean="0">
+                <a:latin typeface="Times New Roman" panose="02020603050405020304" pitchFamily="18" charset="0"/>
+                <a:cs typeface="Times New Roman" panose="02020603050405020304" pitchFamily="18" charset="0"/>
+              </a:rPr>
+              <a:t>(2)</a:t>
+            </a:r>
+            <a:endParaRPr lang="it-IT" sz="2800" dirty="0"/>
+          </a:p>
+        </p:txBody>
+      </p:sp>
+      <p:sp>
+        <p:nvSpPr>
+          <p:cNvPr id="3" name="Segnaposto contenuto 2"/>
+          <p:cNvSpPr>
+            <a:spLocks noGrp="1"/>
+          </p:cNvSpPr>
+          <p:nvPr>
+            <p:ph idx="1"/>
+          </p:nvPr>
+        </p:nvSpPr>
+        <p:spPr/>
+        <p:txBody>
+          <a:bodyPr>
+            <a:normAutofit fontScale="62500" lnSpcReduction="20000"/>
+          </a:bodyPr>
+          <a:lstStyle/>
+          <a:p>
+            <a:pPr marL="0" indent="0" algn="just">
+              <a:buNone/>
+            </a:pPr>
+            <a:r>
+              <a:rPr lang="it-IT" b="1" dirty="0">
+                <a:latin typeface="Times New Roman" panose="02020603050405020304" pitchFamily="18" charset="0"/>
+                <a:cs typeface="Times New Roman" panose="02020603050405020304" pitchFamily="18" charset="0"/>
+              </a:rPr>
+              <a:t>Obiettivo</a:t>
+            </a:r>
+            <a:endParaRPr lang="it-IT" dirty="0">
+              <a:latin typeface="Times New Roman" panose="02020603050405020304" pitchFamily="18" charset="0"/>
+              <a:cs typeface="Times New Roman" panose="02020603050405020304" pitchFamily="18" charset="0"/>
+            </a:endParaRPr>
+          </a:p>
+          <a:p>
+            <a:pPr marL="0" indent="0" algn="just">
+              <a:buNone/>
+            </a:pPr>
+            <a:r>
+              <a:rPr lang="it-IT" dirty="0">
+                <a:latin typeface="Times New Roman" panose="02020603050405020304" pitchFamily="18" charset="0"/>
+                <a:cs typeface="Times New Roman" panose="02020603050405020304" pitchFamily="18" charset="0"/>
+              </a:rPr>
+              <a:t>L'obiettivo </a:t>
+            </a:r>
+            <a:r>
+              <a:rPr lang="it-IT" dirty="0" err="1">
+                <a:latin typeface="Times New Roman" panose="02020603050405020304" pitchFamily="18" charset="0"/>
+                <a:cs typeface="Times New Roman" panose="02020603050405020304" pitchFamily="18" charset="0"/>
+              </a:rPr>
+              <a:t>dell'user</a:t>
+            </a:r>
+            <a:r>
+              <a:rPr lang="it-IT" dirty="0">
+                <a:latin typeface="Times New Roman" panose="02020603050405020304" pitchFamily="18" charset="0"/>
+                <a:cs typeface="Times New Roman" panose="02020603050405020304" pitchFamily="18" charset="0"/>
+              </a:rPr>
+              <a:t> </a:t>
+            </a:r>
+            <a:r>
+              <a:rPr lang="it-IT" dirty="0" err="1">
+                <a:latin typeface="Times New Roman" panose="02020603050405020304" pitchFamily="18" charset="0"/>
+                <a:cs typeface="Times New Roman" panose="02020603050405020304" pitchFamily="18" charset="0"/>
+              </a:rPr>
+              <a:t>testing</a:t>
+            </a:r>
+            <a:r>
+              <a:rPr lang="it-IT" dirty="0">
+                <a:latin typeface="Times New Roman" panose="02020603050405020304" pitchFamily="18" charset="0"/>
+                <a:cs typeface="Times New Roman" panose="02020603050405020304" pitchFamily="18" charset="0"/>
+              </a:rPr>
+              <a:t> è quello di migliorare, attraverso il feedback ottenuto, le funzionalità dell'</a:t>
+            </a:r>
+            <a:r>
+              <a:rPr lang="it-IT" dirty="0" err="1">
+                <a:latin typeface="Times New Roman" panose="02020603050405020304" pitchFamily="18" charset="0"/>
+                <a:cs typeface="Times New Roman" panose="02020603050405020304" pitchFamily="18" charset="0"/>
+              </a:rPr>
+              <a:t>app</a:t>
+            </a:r>
+            <a:r>
+              <a:rPr lang="it-IT" dirty="0">
+                <a:latin typeface="Times New Roman" panose="02020603050405020304" pitchFamily="18" charset="0"/>
+                <a:cs typeface="Times New Roman" panose="02020603050405020304" pitchFamily="18" charset="0"/>
+              </a:rPr>
+              <a:t> in termini di efficienza e soddisfazione dell'utente.</a:t>
+            </a:r>
+          </a:p>
+          <a:p>
+            <a:pPr marL="0" indent="0" algn="just">
+              <a:buNone/>
+            </a:pPr>
+            <a:r>
+              <a:rPr lang="it-IT" dirty="0">
+                <a:latin typeface="Times New Roman" panose="02020603050405020304" pitchFamily="18" charset="0"/>
+                <a:cs typeface="Times New Roman" panose="02020603050405020304" pitchFamily="18" charset="0"/>
+              </a:rPr>
+              <a:t>In particolare, l'utilizzo dell'</a:t>
+            </a:r>
+            <a:r>
+              <a:rPr lang="it-IT" dirty="0" err="1">
+                <a:latin typeface="Times New Roman" panose="02020603050405020304" pitchFamily="18" charset="0"/>
+                <a:cs typeface="Times New Roman" panose="02020603050405020304" pitchFamily="18" charset="0"/>
+              </a:rPr>
+              <a:t>app</a:t>
+            </a:r>
+            <a:r>
+              <a:rPr lang="it-IT" dirty="0">
+                <a:latin typeface="Times New Roman" panose="02020603050405020304" pitchFamily="18" charset="0"/>
+                <a:cs typeface="Times New Roman" panose="02020603050405020304" pitchFamily="18" charset="0"/>
+              </a:rPr>
+              <a:t> deve essere reso semplice e piacevole per l'utente, in modo che sia motivato a continuare a utilizzarla, sia che si tratti del task principale (aggiungere una nuova sigaretta quando l'utente decide di fumarne una), sia che stia semplicemente visualizzando gli obiettivi e i trofei ottenuti.</a:t>
+            </a:r>
+          </a:p>
+          <a:p>
+            <a:pPr marL="0" indent="0" algn="just">
+              <a:buNone/>
+            </a:pPr>
+            <a:r>
+              <a:rPr lang="it-IT" dirty="0">
+                <a:latin typeface="Times New Roman" panose="02020603050405020304" pitchFamily="18" charset="0"/>
+                <a:cs typeface="Times New Roman" panose="02020603050405020304" pitchFamily="18" charset="0"/>
+              </a:rPr>
+              <a:t>   </a:t>
+            </a:r>
+          </a:p>
+          <a:p>
+            <a:pPr marL="0" indent="0" algn="just">
+              <a:buNone/>
+            </a:pPr>
+            <a:r>
+              <a:rPr lang="it-IT" b="1" dirty="0">
+                <a:latin typeface="Times New Roman" panose="02020603050405020304" pitchFamily="18" charset="0"/>
+                <a:cs typeface="Times New Roman" panose="02020603050405020304" pitchFamily="18" charset="0"/>
+              </a:rPr>
+              <a:t>Obiettivi di </a:t>
+            </a:r>
+            <a:r>
+              <a:rPr lang="it-IT" b="1" dirty="0" err="1">
+                <a:latin typeface="Times New Roman" panose="02020603050405020304" pitchFamily="18" charset="0"/>
+                <a:cs typeface="Times New Roman" panose="02020603050405020304" pitchFamily="18" charset="0"/>
+              </a:rPr>
+              <a:t>testing</a:t>
+            </a:r>
+            <a:r>
+              <a:rPr lang="it-IT" b="1" dirty="0">
+                <a:latin typeface="Times New Roman" panose="02020603050405020304" pitchFamily="18" charset="0"/>
+                <a:cs typeface="Times New Roman" panose="02020603050405020304" pitchFamily="18" charset="0"/>
+              </a:rPr>
+              <a:t>:</a:t>
+            </a:r>
+            <a:endParaRPr lang="it-IT" dirty="0">
+              <a:latin typeface="Times New Roman" panose="02020603050405020304" pitchFamily="18" charset="0"/>
+              <a:cs typeface="Times New Roman" panose="02020603050405020304" pitchFamily="18" charset="0"/>
+            </a:endParaRPr>
+          </a:p>
+          <a:p>
+            <a:pPr algn="just"/>
+            <a:r>
+              <a:rPr lang="it-IT" dirty="0">
+                <a:latin typeface="Times New Roman" panose="02020603050405020304" pitchFamily="18" charset="0"/>
+                <a:cs typeface="Times New Roman" panose="02020603050405020304" pitchFamily="18" charset="0"/>
+              </a:rPr>
+              <a:t>identificare errori di presentazione – fallimenti nel trovare e agire sulle informazioni mostrate o errori dovuti ad etichette ambigue;</a:t>
+            </a:r>
+          </a:p>
+          <a:p>
+            <a:pPr algn="just"/>
+            <a:r>
+              <a:rPr lang="it-IT" dirty="0">
+                <a:latin typeface="Times New Roman" panose="02020603050405020304" pitchFamily="18" charset="0"/>
+                <a:cs typeface="Times New Roman" panose="02020603050405020304" pitchFamily="18" charset="0"/>
+              </a:rPr>
+              <a:t>identificare problemi di controllo da parte dell'utente -  toolbar o caselle di input inappropriate;</a:t>
+            </a:r>
+          </a:p>
+          <a:p>
+            <a:pPr algn="just"/>
+            <a:r>
+              <a:rPr lang="it-IT" dirty="0">
+                <a:latin typeface="Times New Roman" panose="02020603050405020304" pitchFamily="18" charset="0"/>
+                <a:cs typeface="Times New Roman" panose="02020603050405020304" pitchFamily="18" charset="0"/>
+              </a:rPr>
+              <a:t>i dati ottenuti saranno utilizzati per capire se l'interfaccia attuale è abbastanza efficiente da poter essere considerata definitiva e quindi pronta per essere usata per sviluppi futuri.</a:t>
+            </a:r>
+          </a:p>
+          <a:p>
+            <a:pPr marL="0" indent="0">
+              <a:buNone/>
+            </a:pPr>
+            <a:endParaRPr lang="it-IT" dirty="0"/>
+          </a:p>
+        </p:txBody>
+      </p:sp>
+    </p:spTree>
+    <p:extLst>
+      <p:ext uri="{BB962C8B-B14F-4D97-AF65-F5344CB8AC3E}">
+        <p14:creationId xmlns:p14="http://schemas.microsoft.com/office/powerpoint/2010/main" val="3011033621"/>
+      </p:ext>
+    </p:extLst>
+  </p:cSld>
+  <p:clrMapOvr>
+    <a:masterClrMapping/>
+  </p:clrMapOvr>
+</p:sld>
+</file>
+
+<file path=ppt/slides/slide8.xml><?xml version="1.0" encoding="utf-8"?>
+<p:sld xmlns:a="http://schemas.openxmlformats.org/drawingml/2006/main" xmlns:r="http://schemas.openxmlformats.org/officeDocument/2006/relationships" xmlns:p="http://schemas.openxmlformats.org/presentationml/2006/main">
+  <p:cSld>
+    <p:spTree>
+      <p:nvGrpSpPr>
+        <p:cNvPr id="1" name=""/>
+        <p:cNvGrpSpPr/>
+        <p:nvPr/>
+      </p:nvGrpSpPr>
+      <p:grpSpPr>
+        <a:xfrm>
+          <a:off x="0" y="0"/>
+          <a:ext cx="0" cy="0"/>
+          <a:chOff x="0" y="0"/>
+          <a:chExt cx="0" cy="0"/>
+        </a:xfrm>
+      </p:grpSpPr>
+      <p:sp>
+        <p:nvSpPr>
+          <p:cNvPr id="2" name="Titolo 1"/>
+          <p:cNvSpPr>
+            <a:spLocks noGrp="1"/>
+          </p:cNvSpPr>
+          <p:nvPr>
+            <p:ph type="title"/>
+          </p:nvPr>
+        </p:nvSpPr>
+        <p:spPr>
+          <a:xfrm>
+            <a:off x="628650" y="133307"/>
+            <a:ext cx="7886700" cy="1325563"/>
+          </a:xfrm>
+        </p:spPr>
+        <p:txBody>
+          <a:bodyPr>
+            <a:normAutofit/>
+          </a:bodyPr>
+          <a:lstStyle/>
+          <a:p>
+            <a:r>
+              <a:rPr lang="it-IT" sz="2800" b="1" dirty="0">
+                <a:latin typeface="Times New Roman" panose="02020603050405020304" pitchFamily="18" charset="0"/>
+                <a:cs typeface="Times New Roman" panose="02020603050405020304" pitchFamily="18" charset="0"/>
+              </a:rPr>
+              <a:t>User </a:t>
+            </a:r>
+            <a:r>
+              <a:rPr lang="it-IT" sz="2800" b="1" dirty="0" err="1">
+                <a:latin typeface="Times New Roman" panose="02020603050405020304" pitchFamily="18" charset="0"/>
+                <a:cs typeface="Times New Roman" panose="02020603050405020304" pitchFamily="18" charset="0"/>
+              </a:rPr>
+              <a:t>Testing</a:t>
+            </a:r>
+            <a:r>
+              <a:rPr lang="it-IT" sz="2800" b="1" dirty="0">
+                <a:latin typeface="Times New Roman" panose="02020603050405020304" pitchFamily="18" charset="0"/>
+                <a:cs typeface="Times New Roman" panose="02020603050405020304" pitchFamily="18" charset="0"/>
+              </a:rPr>
+              <a:t> Plan </a:t>
+            </a:r>
+            <a:r>
+              <a:rPr lang="it-IT" sz="2800" b="1" dirty="0" smtClean="0">
+                <a:latin typeface="Times New Roman" panose="02020603050405020304" pitchFamily="18" charset="0"/>
+                <a:cs typeface="Times New Roman" panose="02020603050405020304" pitchFamily="18" charset="0"/>
+              </a:rPr>
+              <a:t>(3)</a:t>
+            </a:r>
+            <a:endParaRPr lang="it-IT" sz="2800" dirty="0"/>
+          </a:p>
+        </p:txBody>
+      </p:sp>
+      <p:sp>
+        <p:nvSpPr>
+          <p:cNvPr id="3" name="Segnaposto contenuto 2"/>
+          <p:cNvSpPr>
+            <a:spLocks noGrp="1"/>
+          </p:cNvSpPr>
+          <p:nvPr>
+            <p:ph idx="1"/>
+          </p:nvPr>
+        </p:nvSpPr>
+        <p:spPr>
+          <a:xfrm>
+            <a:off x="628650" y="1458870"/>
+            <a:ext cx="7886700" cy="5032082"/>
+          </a:xfrm>
+        </p:spPr>
+        <p:txBody>
+          <a:bodyPr>
+            <a:normAutofit fontScale="55000" lnSpcReduction="20000"/>
+          </a:bodyPr>
+          <a:lstStyle/>
+          <a:p>
+            <a:pPr marL="0" indent="0" algn="just">
+              <a:buNone/>
+            </a:pPr>
+            <a:r>
+              <a:rPr lang="it-IT" b="1" dirty="0"/>
+              <a:t>P</a:t>
+            </a:r>
+            <a:r>
+              <a:rPr lang="it-IT" b="1" dirty="0">
+                <a:latin typeface="Times New Roman" panose="02020603050405020304" pitchFamily="18" charset="0"/>
+                <a:cs typeface="Times New Roman" panose="02020603050405020304" pitchFamily="18" charset="0"/>
+              </a:rPr>
+              <a:t>artecipanti</a:t>
+            </a:r>
+            <a:endParaRPr lang="it-IT" dirty="0">
+              <a:latin typeface="Times New Roman" panose="02020603050405020304" pitchFamily="18" charset="0"/>
+              <a:cs typeface="Times New Roman" panose="02020603050405020304" pitchFamily="18" charset="0"/>
+            </a:endParaRPr>
+          </a:p>
+          <a:p>
+            <a:pPr marL="0" indent="0" algn="just">
+              <a:buNone/>
+            </a:pPr>
+            <a:r>
+              <a:rPr lang="it-IT" dirty="0">
+                <a:latin typeface="Times New Roman" panose="02020603050405020304" pitchFamily="18" charset="0"/>
+                <a:cs typeface="Times New Roman" panose="02020603050405020304" pitchFamily="18" charset="0"/>
+              </a:rPr>
+              <a:t>I 3 partecipanti saranno selezionati tra coloro le cui caratteristiche corrispondono al target cercato in modo da assicurare dei risultati significativi.</a:t>
+            </a:r>
+          </a:p>
+          <a:p>
+            <a:pPr marL="0" indent="0" algn="just">
+              <a:buNone/>
+            </a:pPr>
+            <a:r>
+              <a:rPr lang="it-IT" dirty="0">
+                <a:latin typeface="Times New Roman" panose="02020603050405020304" pitchFamily="18" charset="0"/>
+                <a:cs typeface="Times New Roman" panose="02020603050405020304" pitchFamily="18" charset="0"/>
+              </a:rPr>
+              <a:t>I partecipanti avranno le seguenti caratteristiche:</a:t>
+            </a:r>
+          </a:p>
+          <a:p>
+            <a:pPr algn="just"/>
+            <a:r>
+              <a:rPr lang="it-IT" dirty="0">
+                <a:latin typeface="Times New Roman" panose="02020603050405020304" pitchFamily="18" charset="0"/>
+                <a:cs typeface="Times New Roman" panose="02020603050405020304" pitchFamily="18" charset="0"/>
+              </a:rPr>
+              <a:t>età compresa tra i 16 e i 65 anni;</a:t>
+            </a:r>
+          </a:p>
+          <a:p>
+            <a:pPr algn="just"/>
+            <a:r>
+              <a:rPr lang="it-IT" dirty="0">
+                <a:latin typeface="Times New Roman" panose="02020603050405020304" pitchFamily="18" charset="0"/>
+                <a:cs typeface="Times New Roman" panose="02020603050405020304" pitchFamily="18" charset="0"/>
+              </a:rPr>
+              <a:t>fumatori abituali (fumano almeno 3-5 sigarette al giorno);</a:t>
+            </a:r>
+          </a:p>
+          <a:p>
+            <a:pPr algn="just"/>
+            <a:r>
+              <a:rPr lang="it-IT" dirty="0">
+                <a:latin typeface="Times New Roman" panose="02020603050405020304" pitchFamily="18" charset="0"/>
+                <a:cs typeface="Times New Roman" panose="02020603050405020304" pitchFamily="18" charset="0"/>
+              </a:rPr>
+              <a:t>capaci di usare dispositivi mobili.</a:t>
+            </a:r>
+          </a:p>
+          <a:p>
+            <a:pPr marL="0" indent="0" algn="just">
+              <a:buNone/>
+            </a:pPr>
+            <a:r>
+              <a:rPr lang="it-IT" dirty="0">
+                <a:latin typeface="Times New Roman" panose="02020603050405020304" pitchFamily="18" charset="0"/>
+                <a:cs typeface="Times New Roman" panose="02020603050405020304" pitchFamily="18" charset="0"/>
+              </a:rPr>
+              <a:t> </a:t>
+            </a:r>
+          </a:p>
+          <a:p>
+            <a:pPr marL="0" indent="0" algn="just">
+              <a:buNone/>
+            </a:pPr>
+            <a:r>
+              <a:rPr lang="it-IT" b="1" dirty="0">
+                <a:latin typeface="Times New Roman" panose="02020603050405020304" pitchFamily="18" charset="0"/>
+                <a:cs typeface="Times New Roman" panose="02020603050405020304" pitchFamily="18" charset="0"/>
+              </a:rPr>
+              <a:t>Durata	</a:t>
+            </a:r>
+            <a:endParaRPr lang="it-IT" dirty="0">
+              <a:latin typeface="Times New Roman" panose="02020603050405020304" pitchFamily="18" charset="0"/>
+              <a:cs typeface="Times New Roman" panose="02020603050405020304" pitchFamily="18" charset="0"/>
+            </a:endParaRPr>
+          </a:p>
+          <a:p>
+            <a:pPr marL="0" indent="0" algn="just">
+              <a:buNone/>
+            </a:pPr>
+            <a:r>
+              <a:rPr lang="it-IT" dirty="0">
+                <a:latin typeface="Times New Roman" panose="02020603050405020304" pitchFamily="18" charset="0"/>
+                <a:cs typeface="Times New Roman" panose="02020603050405020304" pitchFamily="18" charset="0"/>
+              </a:rPr>
+              <a:t>Il test non dovrebbe richiedere più di 20/30 minuti per ciascun partecipante.</a:t>
+            </a:r>
+          </a:p>
+          <a:p>
+            <a:pPr marL="0" indent="0" algn="just">
+              <a:buNone/>
+            </a:pPr>
+            <a:r>
+              <a:rPr lang="it-IT" dirty="0">
+                <a:latin typeface="Times New Roman" panose="02020603050405020304" pitchFamily="18" charset="0"/>
+                <a:cs typeface="Times New Roman" panose="02020603050405020304" pitchFamily="18" charset="0"/>
+              </a:rPr>
+              <a:t> </a:t>
+            </a:r>
+          </a:p>
+          <a:p>
+            <a:pPr marL="0" indent="0" algn="just">
+              <a:buNone/>
+            </a:pPr>
+            <a:r>
+              <a:rPr lang="it-IT" b="1" dirty="0">
+                <a:latin typeface="Times New Roman" panose="02020603050405020304" pitchFamily="18" charset="0"/>
+                <a:cs typeface="Times New Roman" panose="02020603050405020304" pitchFamily="18" charset="0"/>
+              </a:rPr>
+              <a:t>Luogo</a:t>
+            </a:r>
+            <a:endParaRPr lang="it-IT" dirty="0">
+              <a:latin typeface="Times New Roman" panose="02020603050405020304" pitchFamily="18" charset="0"/>
+              <a:cs typeface="Times New Roman" panose="02020603050405020304" pitchFamily="18" charset="0"/>
+            </a:endParaRPr>
+          </a:p>
+          <a:p>
+            <a:pPr marL="0" indent="0" algn="just">
+              <a:buNone/>
+            </a:pPr>
+            <a:r>
+              <a:rPr lang="it-IT" dirty="0">
+                <a:latin typeface="Times New Roman" panose="02020603050405020304" pitchFamily="18" charset="0"/>
+                <a:cs typeface="Times New Roman" panose="02020603050405020304" pitchFamily="18" charset="0"/>
+              </a:rPr>
+              <a:t>Il test sarà effettuato tramite </a:t>
+            </a:r>
+            <a:r>
+              <a:rPr lang="it-IT" dirty="0" err="1">
+                <a:latin typeface="Times New Roman" panose="02020603050405020304" pitchFamily="18" charset="0"/>
+                <a:cs typeface="Times New Roman" panose="02020603050405020304" pitchFamily="18" charset="0"/>
+              </a:rPr>
+              <a:t>smartphone</a:t>
+            </a:r>
+            <a:r>
+              <a:rPr lang="it-IT" dirty="0">
+                <a:latin typeface="Times New Roman" panose="02020603050405020304" pitchFamily="18" charset="0"/>
+                <a:cs typeface="Times New Roman" panose="02020603050405020304" pitchFamily="18" charset="0"/>
+              </a:rPr>
+              <a:t> in un ambiente domestico, in modo da poter simulare quanto più possibile uno scenario reale di utilizzo dell’</a:t>
+            </a:r>
+            <a:r>
+              <a:rPr lang="it-IT" dirty="0" err="1">
+                <a:latin typeface="Times New Roman" panose="02020603050405020304" pitchFamily="18" charset="0"/>
+                <a:cs typeface="Times New Roman" panose="02020603050405020304" pitchFamily="18" charset="0"/>
+              </a:rPr>
+              <a:t>app</a:t>
+            </a:r>
+            <a:r>
+              <a:rPr lang="it-IT" dirty="0">
+                <a:latin typeface="Times New Roman" panose="02020603050405020304" pitchFamily="18" charset="0"/>
+                <a:cs typeface="Times New Roman" panose="02020603050405020304" pitchFamily="18" charset="0"/>
+              </a:rPr>
+              <a:t>.</a:t>
+            </a:r>
+          </a:p>
+          <a:p>
+            <a:pPr marL="0" indent="0" algn="just">
+              <a:buNone/>
+            </a:pPr>
+            <a:r>
+              <a:rPr lang="it-IT" dirty="0">
+                <a:latin typeface="Times New Roman" panose="02020603050405020304" pitchFamily="18" charset="0"/>
+                <a:cs typeface="Times New Roman" panose="02020603050405020304" pitchFamily="18" charset="0"/>
+              </a:rPr>
+              <a:t>  </a:t>
+            </a:r>
+          </a:p>
+          <a:p>
+            <a:pPr marL="0" indent="0" algn="just">
+              <a:buNone/>
+            </a:pPr>
+            <a:r>
+              <a:rPr lang="it-IT" b="1" dirty="0">
+                <a:latin typeface="Times New Roman" panose="02020603050405020304" pitchFamily="18" charset="0"/>
+                <a:cs typeface="Times New Roman" panose="02020603050405020304" pitchFamily="18" charset="0"/>
+              </a:rPr>
+              <a:t>Periodo</a:t>
+            </a:r>
+            <a:endParaRPr lang="it-IT" dirty="0">
+              <a:latin typeface="Times New Roman" panose="02020603050405020304" pitchFamily="18" charset="0"/>
+              <a:cs typeface="Times New Roman" panose="02020603050405020304" pitchFamily="18" charset="0"/>
+            </a:endParaRPr>
+          </a:p>
+          <a:p>
+            <a:pPr marL="0" indent="0" algn="just">
+              <a:buNone/>
+            </a:pPr>
+            <a:r>
+              <a:rPr lang="it-IT" dirty="0">
+                <a:latin typeface="Times New Roman" panose="02020603050405020304" pitchFamily="18" charset="0"/>
+                <a:cs typeface="Times New Roman" panose="02020603050405020304" pitchFamily="18" charset="0"/>
+              </a:rPr>
+              <a:t>Il test sarà effettuato in un periodo in cui sia i valutatori che gli sviluppatori saranno liberi per poter comunicare, pertanto orientativamente potrà essere eseguito tra le 10 e le 12 del weekend tra il </a:t>
+            </a:r>
+            <a:r>
+              <a:rPr lang="it-IT" dirty="0">
+                <a:latin typeface="Times New Roman" panose="02020603050405020304" pitchFamily="18" charset="0"/>
+                <a:cs typeface="Times New Roman" panose="02020603050405020304" pitchFamily="18" charset="0"/>
+              </a:rPr>
+              <a:t>9</a:t>
+            </a:r>
+            <a:r>
+              <a:rPr lang="it-IT" dirty="0" smtClean="0">
+                <a:latin typeface="Times New Roman" panose="02020603050405020304" pitchFamily="18" charset="0"/>
+                <a:cs typeface="Times New Roman" panose="02020603050405020304" pitchFamily="18" charset="0"/>
+              </a:rPr>
+              <a:t> </a:t>
+            </a:r>
+            <a:r>
+              <a:rPr lang="it-IT" dirty="0">
+                <a:latin typeface="Times New Roman" panose="02020603050405020304" pitchFamily="18" charset="0"/>
+                <a:cs typeface="Times New Roman" panose="02020603050405020304" pitchFamily="18" charset="0"/>
+              </a:rPr>
+              <a:t>e il </a:t>
+            </a:r>
+            <a:r>
+              <a:rPr lang="it-IT" dirty="0" smtClean="0">
+                <a:latin typeface="Times New Roman" panose="02020603050405020304" pitchFamily="18" charset="0"/>
+                <a:cs typeface="Times New Roman" panose="02020603050405020304" pitchFamily="18" charset="0"/>
+              </a:rPr>
+              <a:t>12 </a:t>
+            </a:r>
+            <a:r>
+              <a:rPr lang="it-IT" dirty="0">
+                <a:latin typeface="Times New Roman" panose="02020603050405020304" pitchFamily="18" charset="0"/>
+                <a:cs typeface="Times New Roman" panose="02020603050405020304" pitchFamily="18" charset="0"/>
+              </a:rPr>
+              <a:t>Giugno.</a:t>
+            </a:r>
+          </a:p>
+          <a:p>
+            <a:pPr marL="0" indent="0">
+              <a:buNone/>
+            </a:pPr>
+            <a:endParaRPr lang="it-IT" dirty="0"/>
+          </a:p>
+        </p:txBody>
+      </p:sp>
+    </p:spTree>
+    <p:extLst>
+      <p:ext uri="{BB962C8B-B14F-4D97-AF65-F5344CB8AC3E}">
+        <p14:creationId xmlns:p14="http://schemas.microsoft.com/office/powerpoint/2010/main" val="2017438073"/>
+      </p:ext>
+    </p:extLst>
+  </p:cSld>
+  <p:clrMapOvr>
+    <a:masterClrMapping/>
+  </p:clrMapOvr>
+</p:sld>
+</file>
+
+<file path=ppt/slides/slide9.xml><?xml version="1.0" encoding="utf-8"?>
+<p:sld xmlns:a="http://schemas.openxmlformats.org/drawingml/2006/main" xmlns:r="http://schemas.openxmlformats.org/officeDocument/2006/relationships" xmlns:p="http://schemas.openxmlformats.org/presentationml/2006/main">
+  <p:cSld>
+    <p:spTree>
+      <p:nvGrpSpPr>
+        <p:cNvPr id="1" name=""/>
+        <p:cNvGrpSpPr/>
+        <p:nvPr/>
+      </p:nvGrpSpPr>
+      <p:grpSpPr>
+        <a:xfrm>
+          <a:off x="0" y="0"/>
+          <a:ext cx="0" cy="0"/>
+          <a:chOff x="0" y="0"/>
+          <a:chExt cx="0" cy="0"/>
+        </a:xfrm>
+      </p:grpSpPr>
+      <p:sp>
+        <p:nvSpPr>
+          <p:cNvPr id="2" name="Titolo 1"/>
+          <p:cNvSpPr>
+            <a:spLocks noGrp="1"/>
+          </p:cNvSpPr>
+          <p:nvPr>
+            <p:ph type="title"/>
+          </p:nvPr>
+        </p:nvSpPr>
+        <p:spPr/>
+        <p:txBody>
+          <a:bodyPr>
+            <a:normAutofit/>
+          </a:bodyPr>
+          <a:lstStyle/>
+          <a:p>
+            <a:r>
+              <a:rPr lang="it-IT" sz="2800" b="1" dirty="0">
+                <a:latin typeface="Times New Roman" panose="02020603050405020304" pitchFamily="18" charset="0"/>
+                <a:cs typeface="Times New Roman" panose="02020603050405020304" pitchFamily="18" charset="0"/>
+              </a:rPr>
+              <a:t>User </a:t>
+            </a:r>
+            <a:r>
+              <a:rPr lang="it-IT" sz="2800" b="1" dirty="0" err="1">
+                <a:latin typeface="Times New Roman" panose="02020603050405020304" pitchFamily="18" charset="0"/>
+                <a:cs typeface="Times New Roman" panose="02020603050405020304" pitchFamily="18" charset="0"/>
+              </a:rPr>
+              <a:t>Testing</a:t>
+            </a:r>
+            <a:r>
+              <a:rPr lang="it-IT" sz="2800" b="1" dirty="0">
+                <a:latin typeface="Times New Roman" panose="02020603050405020304" pitchFamily="18" charset="0"/>
+                <a:cs typeface="Times New Roman" panose="02020603050405020304" pitchFamily="18" charset="0"/>
+              </a:rPr>
+              <a:t> Plan </a:t>
+            </a:r>
+            <a:r>
+              <a:rPr lang="it-IT" sz="2800" b="1" dirty="0" smtClean="0">
+                <a:latin typeface="Times New Roman" panose="02020603050405020304" pitchFamily="18" charset="0"/>
+                <a:cs typeface="Times New Roman" panose="02020603050405020304" pitchFamily="18" charset="0"/>
+              </a:rPr>
+              <a:t>(4)</a:t>
+            </a:r>
+            <a:endParaRPr lang="it-IT" sz="2800" dirty="0"/>
+          </a:p>
+        </p:txBody>
+      </p:sp>
+      <p:sp>
+        <p:nvSpPr>
+          <p:cNvPr id="3" name="Segnaposto contenuto 2"/>
+          <p:cNvSpPr>
+            <a:spLocks noGrp="1"/>
+          </p:cNvSpPr>
+          <p:nvPr>
+            <p:ph idx="1"/>
+          </p:nvPr>
+        </p:nvSpPr>
+        <p:spPr/>
+        <p:txBody>
+          <a:bodyPr>
+            <a:normAutofit fontScale="85000" lnSpcReduction="20000"/>
+          </a:bodyPr>
+          <a:lstStyle/>
+          <a:p>
+            <a:pPr marL="0" indent="0" algn="just">
+              <a:buNone/>
+            </a:pPr>
+            <a:r>
+              <a:rPr lang="it-IT" b="1" dirty="0">
+                <a:latin typeface="Times New Roman" panose="02020603050405020304" pitchFamily="18" charset="0"/>
+                <a:cs typeface="Times New Roman" panose="02020603050405020304" pitchFamily="18" charset="0"/>
+              </a:rPr>
+              <a:t>Metodologia</a:t>
+            </a:r>
+            <a:endParaRPr lang="it-IT" dirty="0">
+              <a:latin typeface="Times New Roman" panose="02020603050405020304" pitchFamily="18" charset="0"/>
+              <a:cs typeface="Times New Roman" panose="02020603050405020304" pitchFamily="18" charset="0"/>
+            </a:endParaRPr>
+          </a:p>
+          <a:p>
+            <a:pPr marL="0" indent="0" algn="just">
+              <a:buNone/>
+            </a:pPr>
+            <a:r>
+              <a:rPr lang="it-IT" dirty="0">
+                <a:latin typeface="Times New Roman" panose="02020603050405020304" pitchFamily="18" charset="0"/>
+                <a:cs typeface="Times New Roman" panose="02020603050405020304" pitchFamily="18" charset="0"/>
+              </a:rPr>
+              <a:t>Ai partecipanti sarà chiesto di eseguire una serie di task rappresentanti vari scenari, qui sotto elencati. Durante lo svolgimento del test si prenderà nota di eventuali commenti dei valutatori attraverso la tecnica del </a:t>
+            </a:r>
+            <a:r>
+              <a:rPr lang="it-IT" i="1" dirty="0" err="1">
+                <a:latin typeface="Times New Roman" panose="02020603050405020304" pitchFamily="18" charset="0"/>
+                <a:cs typeface="Times New Roman" panose="02020603050405020304" pitchFamily="18" charset="0"/>
+              </a:rPr>
+              <a:t>thing</a:t>
+            </a:r>
+            <a:r>
+              <a:rPr lang="it-IT" i="1" dirty="0">
+                <a:latin typeface="Times New Roman" panose="02020603050405020304" pitchFamily="18" charset="0"/>
+                <a:cs typeface="Times New Roman" panose="02020603050405020304" pitchFamily="18" charset="0"/>
+              </a:rPr>
+              <a:t> </a:t>
+            </a:r>
+            <a:r>
+              <a:rPr lang="it-IT" i="1" dirty="0" err="1">
+                <a:latin typeface="Times New Roman" panose="02020603050405020304" pitchFamily="18" charset="0"/>
+                <a:cs typeface="Times New Roman" panose="02020603050405020304" pitchFamily="18" charset="0"/>
+              </a:rPr>
+              <a:t>aloud</a:t>
+            </a:r>
+            <a:r>
+              <a:rPr lang="it-IT" dirty="0">
+                <a:latin typeface="Times New Roman" panose="02020603050405020304" pitchFamily="18" charset="0"/>
+                <a:cs typeface="Times New Roman" panose="02020603050405020304" pitchFamily="18" charset="0"/>
+              </a:rPr>
+              <a:t>.</a:t>
+            </a:r>
+          </a:p>
+          <a:p>
+            <a:pPr marL="0" indent="0" algn="just">
+              <a:buNone/>
+            </a:pPr>
+            <a:r>
+              <a:rPr lang="it-IT" dirty="0">
+                <a:latin typeface="Times New Roman" panose="02020603050405020304" pitchFamily="18" charset="0"/>
+                <a:cs typeface="Times New Roman" panose="02020603050405020304" pitchFamily="18" charset="0"/>
+              </a:rPr>
+              <a:t>Inoltre, dopo che i partecipanti avranno completato gli scenari, verrà chiesto il loro feedback attraverso la valutazione, con un punteggio da 1 (facile) a 5 (difficile), di ciascun task affrontato sulla base delle difficoltà incontrate durante la sua comprensione ed esecuzione.</a:t>
+            </a:r>
+          </a:p>
+          <a:p>
+            <a:pPr marL="0" indent="0" algn="just">
+              <a:buNone/>
+            </a:pPr>
+            <a:r>
+              <a:rPr lang="it-IT" dirty="0">
+                <a:latin typeface="Times New Roman" panose="02020603050405020304" pitchFamily="18" charset="0"/>
+                <a:cs typeface="Times New Roman" panose="02020603050405020304" pitchFamily="18" charset="0"/>
+              </a:rPr>
+              <a:t>All’inizio del test ai partecipanti sarà chiesto di compilare il </a:t>
+            </a:r>
+            <a:r>
+              <a:rPr lang="it-IT" dirty="0" err="1">
+                <a:latin typeface="Times New Roman" panose="02020603050405020304" pitchFamily="18" charset="0"/>
+                <a:cs typeface="Times New Roman" panose="02020603050405020304" pitchFamily="18" charset="0"/>
+              </a:rPr>
+              <a:t>form</a:t>
+            </a:r>
+            <a:r>
+              <a:rPr lang="it-IT" dirty="0">
+                <a:latin typeface="Times New Roman" panose="02020603050405020304" pitchFamily="18" charset="0"/>
+                <a:cs typeface="Times New Roman" panose="02020603050405020304" pitchFamily="18" charset="0"/>
+              </a:rPr>
+              <a:t> per il consenso all'utilizzo dei dati di feedback ottenuti dopo il test e dei dati demografici inseriti, anch'essi richiesti durante la fase iniziale.</a:t>
+            </a:r>
+          </a:p>
+          <a:p>
+            <a:pPr marL="0" indent="0">
+              <a:buNone/>
+            </a:pPr>
+            <a:endParaRPr lang="it-IT" dirty="0"/>
+          </a:p>
+        </p:txBody>
+      </p:sp>
+    </p:spTree>
+    <p:extLst>
+      <p:ext uri="{BB962C8B-B14F-4D97-AF65-F5344CB8AC3E}">
+        <p14:creationId xmlns:p14="http://schemas.microsoft.com/office/powerpoint/2010/main" val="115604845"/>
       </p:ext>
     </p:extLst>
   </p:cSld>

--- a/Prova_6/Leone_Mastrosimone_PresentazioneProgetto.pptx
+++ b/Prova_6/Leone_Mastrosimone_PresentazioneProgetto.pptx
@@ -254,7 +254,7 @@
           <a:p>
             <a:fld id="{9FB86531-A28F-4E1C-99B5-5C225A123870}" type="datetimeFigureOut">
               <a:rPr lang="it-IT" smtClean="0"/>
-              <a:t>01/06/2015</a:t>
+              <a:t>02/06/2015</a:t>
             </a:fld>
             <a:endParaRPr lang="it-IT"/>
           </a:p>
@@ -424,7 +424,7 @@
           <a:p>
             <a:fld id="{9FB86531-A28F-4E1C-99B5-5C225A123870}" type="datetimeFigureOut">
               <a:rPr lang="it-IT" smtClean="0"/>
-              <a:t>01/06/2015</a:t>
+              <a:t>02/06/2015</a:t>
             </a:fld>
             <a:endParaRPr lang="it-IT"/>
           </a:p>
@@ -604,7 +604,7 @@
           <a:p>
             <a:fld id="{9FB86531-A28F-4E1C-99B5-5C225A123870}" type="datetimeFigureOut">
               <a:rPr lang="it-IT" smtClean="0"/>
-              <a:t>01/06/2015</a:t>
+              <a:t>02/06/2015</a:t>
             </a:fld>
             <a:endParaRPr lang="it-IT"/>
           </a:p>
@@ -774,7 +774,7 @@
           <a:p>
             <a:fld id="{9FB86531-A28F-4E1C-99B5-5C225A123870}" type="datetimeFigureOut">
               <a:rPr lang="it-IT" smtClean="0"/>
-              <a:t>01/06/2015</a:t>
+              <a:t>02/06/2015</a:t>
             </a:fld>
             <a:endParaRPr lang="it-IT"/>
           </a:p>
@@ -1018,7 +1018,7 @@
           <a:p>
             <a:fld id="{9FB86531-A28F-4E1C-99B5-5C225A123870}" type="datetimeFigureOut">
               <a:rPr lang="it-IT" smtClean="0"/>
-              <a:t>01/06/2015</a:t>
+              <a:t>02/06/2015</a:t>
             </a:fld>
             <a:endParaRPr lang="it-IT"/>
           </a:p>
@@ -1250,7 +1250,7 @@
           <a:p>
             <a:fld id="{9FB86531-A28F-4E1C-99B5-5C225A123870}" type="datetimeFigureOut">
               <a:rPr lang="it-IT" smtClean="0"/>
-              <a:t>01/06/2015</a:t>
+              <a:t>02/06/2015</a:t>
             </a:fld>
             <a:endParaRPr lang="it-IT"/>
           </a:p>
@@ -1617,7 +1617,7 @@
           <a:p>
             <a:fld id="{9FB86531-A28F-4E1C-99B5-5C225A123870}" type="datetimeFigureOut">
               <a:rPr lang="it-IT" smtClean="0"/>
-              <a:t>01/06/2015</a:t>
+              <a:t>02/06/2015</a:t>
             </a:fld>
             <a:endParaRPr lang="it-IT"/>
           </a:p>
@@ -1735,7 +1735,7 @@
           <a:p>
             <a:fld id="{9FB86531-A28F-4E1C-99B5-5C225A123870}" type="datetimeFigureOut">
               <a:rPr lang="it-IT" smtClean="0"/>
-              <a:t>01/06/2015</a:t>
+              <a:t>02/06/2015</a:t>
             </a:fld>
             <a:endParaRPr lang="it-IT"/>
           </a:p>
@@ -1830,7 +1830,7 @@
           <a:p>
             <a:fld id="{9FB86531-A28F-4E1C-99B5-5C225A123870}" type="datetimeFigureOut">
               <a:rPr lang="it-IT" smtClean="0"/>
-              <a:t>01/06/2015</a:t>
+              <a:t>02/06/2015</a:t>
             </a:fld>
             <a:endParaRPr lang="it-IT"/>
           </a:p>
@@ -2107,7 +2107,7 @@
           <a:p>
             <a:fld id="{9FB86531-A28F-4E1C-99B5-5C225A123870}" type="datetimeFigureOut">
               <a:rPr lang="it-IT" smtClean="0"/>
-              <a:t>01/06/2015</a:t>
+              <a:t>02/06/2015</a:t>
             </a:fld>
             <a:endParaRPr lang="it-IT"/>
           </a:p>
@@ -2364,7 +2364,7 @@
           <a:p>
             <a:fld id="{9FB86531-A28F-4E1C-99B5-5C225A123870}" type="datetimeFigureOut">
               <a:rPr lang="it-IT" smtClean="0"/>
-              <a:t>01/06/2015</a:t>
+              <a:t>02/06/2015</a:t>
             </a:fld>
             <a:endParaRPr lang="it-IT"/>
           </a:p>
@@ -2577,7 +2577,7 @@
           <a:p>
             <a:fld id="{9FB86531-A28F-4E1C-99B5-5C225A123870}" type="datetimeFigureOut">
               <a:rPr lang="it-IT" smtClean="0"/>
-              <a:t>01/06/2015</a:t>
+              <a:t>02/06/2015</a:t>
             </a:fld>
             <a:endParaRPr lang="it-IT"/>
           </a:p>
@@ -2995,7 +2995,7 @@
         <p:spPr>
           <a:xfrm>
             <a:off x="685800" y="298115"/>
-            <a:ext cx="7772400" cy="2387600"/>
+            <a:ext cx="7772400" cy="1904172"/>
           </a:xfrm>
         </p:spPr>
         <p:txBody>
@@ -3023,53 +3023,46 @@
               <a:t> </a:t>
             </a:r>
             <a:r>
-              <a:rPr lang="it-IT" sz="3300" b="1" dirty="0">
+              <a:rPr lang="it-IT" sz="2900" b="1" dirty="0">
                 <a:latin typeface="Times New Roman" panose="02020603050405020304" pitchFamily="18" charset="0"/>
                 <a:cs typeface="Times New Roman" panose="02020603050405020304" pitchFamily="18" charset="0"/>
               </a:rPr>
               <a:t>Corso di Laurea Magistrale in Ingegneria Informatica </a:t>
             </a:r>
             <a:r>
-              <a:rPr lang="it-IT" sz="3300" dirty="0">
+              <a:rPr lang="it-IT" sz="2900" dirty="0">
                 <a:latin typeface="Times New Roman" panose="02020603050405020304" pitchFamily="18" charset="0"/>
                 <a:cs typeface="Times New Roman" panose="02020603050405020304" pitchFamily="18" charset="0"/>
               </a:rPr>
               <a:t/>
             </a:r>
             <a:br>
-              <a:rPr lang="it-IT" sz="3300" dirty="0">
+              <a:rPr lang="it-IT" sz="2900" dirty="0">
                 <a:latin typeface="Times New Roman" panose="02020603050405020304" pitchFamily="18" charset="0"/>
                 <a:cs typeface="Times New Roman" panose="02020603050405020304" pitchFamily="18" charset="0"/>
               </a:rPr>
             </a:br>
             <a:r>
-              <a:rPr lang="it-IT" sz="3300" b="1" dirty="0">
+              <a:rPr lang="it-IT" sz="2900" b="1" dirty="0">
                 <a:latin typeface="Times New Roman" panose="02020603050405020304" pitchFamily="18" charset="0"/>
                 <a:cs typeface="Times New Roman" panose="02020603050405020304" pitchFamily="18" charset="0"/>
               </a:rPr>
               <a:t>Sistemi Cognitivi e Interazione Persona-Calcolatore </a:t>
             </a:r>
             <a:r>
-              <a:rPr lang="it-IT" sz="3300" dirty="0">
+              <a:rPr lang="it-IT" sz="2900" dirty="0">
                 <a:latin typeface="Times New Roman" panose="02020603050405020304" pitchFamily="18" charset="0"/>
                 <a:cs typeface="Times New Roman" panose="02020603050405020304" pitchFamily="18" charset="0"/>
               </a:rPr>
               <a:t/>
             </a:r>
             <a:br>
-              <a:rPr lang="it-IT" sz="3300" dirty="0">
+              <a:rPr lang="it-IT" sz="2900" dirty="0">
                 <a:latin typeface="Times New Roman" panose="02020603050405020304" pitchFamily="18" charset="0"/>
                 <a:cs typeface="Times New Roman" panose="02020603050405020304" pitchFamily="18" charset="0"/>
               </a:rPr>
             </a:br>
-            <a:r>
-              <a:rPr lang="it-IT" sz="3100" b="1" dirty="0">
-                <a:latin typeface="Times New Roman" panose="02020603050405020304" pitchFamily="18" charset="0"/>
-                <a:cs typeface="Times New Roman" panose="02020603050405020304" pitchFamily="18" charset="0"/>
-              </a:rPr>
-              <a:t>A.A. 2014/2015 </a:t>
-            </a:r>
-            <a:endParaRPr lang="it-IT" sz="3100" dirty="0">
+            <a:endParaRPr lang="it-IT" sz="2900" dirty="0">
               <a:latin typeface="Times New Roman" panose="02020603050405020304" pitchFamily="18" charset="0"/>
               <a:cs typeface="Times New Roman" panose="02020603050405020304" pitchFamily="18" charset="0"/>
             </a:endParaRPr>
@@ -3088,8 +3081,8 @@
         </p:nvSpPr>
         <p:spPr>
           <a:xfrm>
-            <a:off x="1143000" y="3602037"/>
-            <a:ext cx="6858000" cy="2695731"/>
+            <a:off x="463639" y="3078051"/>
+            <a:ext cx="8216721" cy="3219717"/>
           </a:xfrm>
         </p:spPr>
         <p:txBody>
@@ -3099,34 +3092,48 @@
           <a:lstStyle/>
           <a:p>
             <a:r>
-              <a:rPr lang="it-IT" b="1" dirty="0" smtClean="0">
-                <a:latin typeface="Times New Roman" panose="02020603050405020304" pitchFamily="18" charset="0"/>
-                <a:cs typeface="Times New Roman" panose="02020603050405020304" pitchFamily="18" charset="0"/>
-              </a:rPr>
-              <a:t>Presentazione progetto relativo all’</a:t>
-            </a:r>
-            <a:r>
-              <a:rPr lang="it-IT" b="1" dirty="0" err="1" smtClean="0">
+              <a:rPr lang="it-IT" sz="2800" b="1" dirty="0" smtClean="0">
+                <a:latin typeface="Times New Roman" panose="02020603050405020304" pitchFamily="18" charset="0"/>
+                <a:cs typeface="Times New Roman" panose="02020603050405020304" pitchFamily="18" charset="0"/>
+              </a:rPr>
+              <a:t>Presentazione dell’</a:t>
+            </a:r>
+            <a:r>
+              <a:rPr lang="it-IT" sz="2800" b="1" dirty="0" err="1" smtClean="0">
                 <a:latin typeface="Times New Roman" panose="02020603050405020304" pitchFamily="18" charset="0"/>
                 <a:cs typeface="Times New Roman" panose="02020603050405020304" pitchFamily="18" charset="0"/>
               </a:rPr>
               <a:t>app</a:t>
             </a:r>
             <a:r>
-              <a:rPr lang="it-IT" b="1" dirty="0" smtClean="0">
+              <a:rPr lang="it-IT" sz="2800" b="1" dirty="0" smtClean="0">
                 <a:latin typeface="Times New Roman" panose="02020603050405020304" pitchFamily="18" charset="0"/>
                 <a:cs typeface="Times New Roman" panose="02020603050405020304" pitchFamily="18" charset="0"/>
               </a:rPr>
               <a:t> </a:t>
             </a:r>
             <a:r>
-              <a:rPr lang="it-IT" b="1" dirty="0" err="1" smtClean="0">
+              <a:rPr lang="it-IT" sz="2800" b="1" dirty="0">
+                <a:latin typeface="Times New Roman" panose="02020603050405020304" pitchFamily="18" charset="0"/>
+                <a:cs typeface="Times New Roman" panose="02020603050405020304" pitchFamily="18" charset="0"/>
+              </a:rPr>
+              <a:t>“</a:t>
+            </a:r>
+            <a:r>
+              <a:rPr lang="it-IT" sz="2800" b="1" dirty="0" err="1">
                 <a:latin typeface="Times New Roman" panose="02020603050405020304" pitchFamily="18" charset="0"/>
                 <a:cs typeface="Times New Roman" panose="02020603050405020304" pitchFamily="18" charset="0"/>
               </a:rPr>
               <a:t>SmokApp</a:t>
             </a:r>
-            <a:endParaRPr lang="it-IT" b="1" dirty="0" smtClean="0">
+            <a:r>
+              <a:rPr lang="it-IT" sz="2800" b="1" dirty="0">
+                <a:latin typeface="Times New Roman" panose="02020603050405020304" pitchFamily="18" charset="0"/>
+                <a:cs typeface="Times New Roman" panose="02020603050405020304" pitchFamily="18" charset="0"/>
+              </a:rPr>
+              <a:t>” </a:t>
+            </a:r>
+            <a:endParaRPr lang="it-IT" sz="2800" b="1" dirty="0" smtClean="0">
               <a:latin typeface="Times New Roman" panose="02020603050405020304" pitchFamily="18" charset="0"/>
               <a:cs typeface="Times New Roman" panose="02020603050405020304" pitchFamily="18" charset="0"/>
             </a:endParaRPr>
@@ -3173,8 +3180,42 @@
                 <a:latin typeface="Times New Roman" panose="02020603050405020304" pitchFamily="18" charset="0"/>
                 <a:cs typeface="Times New Roman" panose="02020603050405020304" pitchFamily="18" charset="0"/>
               </a:rPr>
-              <a:t>Daniela Giordano </a:t>
-            </a:r>
+              <a:t>Daniela </a:t>
+            </a:r>
+            <a:r>
+              <a:rPr lang="it-IT" sz="2000" dirty="0" smtClean="0">
+                <a:latin typeface="Times New Roman" panose="02020603050405020304" pitchFamily="18" charset="0"/>
+                <a:cs typeface="Times New Roman" panose="02020603050405020304" pitchFamily="18" charset="0"/>
+              </a:rPr>
+              <a:t>Giordano</a:t>
+            </a:r>
+          </a:p>
+          <a:p>
+            <a:pPr algn="l"/>
+            <a:endParaRPr lang="it-IT" sz="2000" dirty="0">
+              <a:latin typeface="Times New Roman" panose="02020603050405020304" pitchFamily="18" charset="0"/>
+              <a:cs typeface="Times New Roman" panose="02020603050405020304" pitchFamily="18" charset="0"/>
+            </a:endParaRPr>
+          </a:p>
+          <a:p>
+            <a:r>
+              <a:rPr lang="it-IT" sz="2000" dirty="0">
+                <a:latin typeface="Times New Roman" panose="02020603050405020304" pitchFamily="18" charset="0"/>
+                <a:cs typeface="Times New Roman" panose="02020603050405020304" pitchFamily="18" charset="0"/>
+              </a:rPr>
+              <a:t>A.A. 2014/2015 </a:t>
+            </a:r>
+            <a:r>
+              <a:rPr lang="it-IT" sz="2000" dirty="0" smtClean="0">
+                <a:latin typeface="Times New Roman" panose="02020603050405020304" pitchFamily="18" charset="0"/>
+                <a:cs typeface="Times New Roman" panose="02020603050405020304" pitchFamily="18" charset="0"/>
+              </a:rPr>
+              <a:t> </a:t>
+            </a:r>
+            <a:endParaRPr lang="it-IT" sz="2000" dirty="0">
+              <a:latin typeface="Times New Roman" panose="02020603050405020304" pitchFamily="18" charset="0"/>
+              <a:cs typeface="Times New Roman" panose="02020603050405020304" pitchFamily="18" charset="0"/>
+            </a:endParaRPr>
           </a:p>
         </p:txBody>
       </p:sp>
@@ -3914,7 +3955,7 @@
                 <a:latin typeface="Times New Roman" panose="02020603050405020304" pitchFamily="18" charset="0"/>
                 <a:cs typeface="Times New Roman" panose="02020603050405020304" pitchFamily="18" charset="0"/>
               </a:rPr>
-              <a:t>” che saranno testati (continua…)</a:t>
+              <a:t>” che saranno testati </a:t>
             </a:r>
             <a:endParaRPr lang="it-IT" sz="1600" dirty="0">
               <a:latin typeface="Times New Roman" panose="02020603050405020304" pitchFamily="18" charset="0"/>
@@ -4185,10 +4226,6 @@
               </a:rPr>
               <a:t>”. Nel caso in cui si decida di cliccarci sopra durante la giornata in corso, verrà notificato che se si intende aggiungere una nuova sigaretta si perderà il premio già vinto. </a:t>
             </a:r>
-            <a:endParaRPr lang="it-IT" sz="1600" dirty="0">
-              <a:latin typeface="Times New Roman" panose="02020603050405020304" pitchFamily="18" charset="0"/>
-              <a:cs typeface="Times New Roman" panose="02020603050405020304" pitchFamily="18" charset="0"/>
-            </a:endParaRPr>
           </a:p>
         </p:txBody>
       </p:sp>
@@ -5332,10 +5369,6 @@
               </a:rPr>
               <a:t>.</a:t>
             </a:r>
-            <a:endParaRPr lang="it-IT" dirty="0">
-              <a:latin typeface="Times New Roman" panose="02020603050405020304" pitchFamily="18" charset="0"/>
-              <a:cs typeface="Times New Roman" panose="02020603050405020304" pitchFamily="18" charset="0"/>
-            </a:endParaRPr>
           </a:p>
           <a:p>
             <a:pPr marL="0" indent="0">
@@ -5940,20 +5973,55 @@
                 <a:latin typeface="Times New Roman" panose="02020603050405020304" pitchFamily="18" charset="0"/>
                 <a:cs typeface="Times New Roman" panose="02020603050405020304" pitchFamily="18" charset="0"/>
               </a:rPr>
-              <a:t>Il test sarà effettuato in un periodo in cui sia i valutatori che gli sviluppatori saranno liberi per poter comunicare, pertanto orientativamente potrà essere eseguito tra le 10 e le 12 del weekend tra il </a:t>
+              <a:t>Il test sarà effettuato in un periodo in cui sia i valutatori che gli sviluppatori saranno liberi per poter comunicare, pertanto orientativamente potrà essere eseguito tra le </a:t>
+            </a:r>
+            <a:r>
+              <a:rPr lang="it-IT" dirty="0" smtClean="0">
+                <a:latin typeface="Times New Roman" panose="02020603050405020304" pitchFamily="18" charset="0"/>
+                <a:cs typeface="Times New Roman" panose="02020603050405020304" pitchFamily="18" charset="0"/>
+              </a:rPr>
+              <a:t>18 </a:t>
             </a:r>
             <a:r>
               <a:rPr lang="it-IT" dirty="0">
                 <a:latin typeface="Times New Roman" panose="02020603050405020304" pitchFamily="18" charset="0"/>
                 <a:cs typeface="Times New Roman" panose="02020603050405020304" pitchFamily="18" charset="0"/>
               </a:rPr>
-              <a:t>9</a:t>
+              <a:t>e le </a:t>
             </a:r>
             <a:r>
               <a:rPr lang="it-IT" dirty="0" smtClean="0">
                 <a:latin typeface="Times New Roman" panose="02020603050405020304" pitchFamily="18" charset="0"/>
                 <a:cs typeface="Times New Roman" panose="02020603050405020304" pitchFamily="18" charset="0"/>
               </a:rPr>
+              <a:t>20 dei giorni </a:t>
+            </a:r>
+            <a:r>
+              <a:rPr lang="it-IT" dirty="0">
+                <a:latin typeface="Times New Roman" panose="02020603050405020304" pitchFamily="18" charset="0"/>
+                <a:cs typeface="Times New Roman" panose="02020603050405020304" pitchFamily="18" charset="0"/>
+              </a:rPr>
+              <a:t>tra </a:t>
+            </a:r>
+            <a:r>
+              <a:rPr lang="it-IT" dirty="0" smtClean="0">
+                <a:latin typeface="Times New Roman" panose="02020603050405020304" pitchFamily="18" charset="0"/>
+                <a:cs typeface="Times New Roman" panose="02020603050405020304" pitchFamily="18" charset="0"/>
+              </a:rPr>
+              <a:t>l’</a:t>
+            </a:r>
+            <a:r>
+              <a:rPr lang="it-IT" dirty="0">
+                <a:latin typeface="Times New Roman" panose="02020603050405020304" pitchFamily="18" charset="0"/>
+                <a:cs typeface="Times New Roman" panose="02020603050405020304" pitchFamily="18" charset="0"/>
+              </a:rPr>
+              <a:t>8</a:t>
+            </a:r>
+            <a:r>
+              <a:rPr lang="it-IT" dirty="0" smtClean="0">
+                <a:latin typeface="Times New Roman" panose="02020603050405020304" pitchFamily="18" charset="0"/>
+                <a:cs typeface="Times New Roman" panose="02020603050405020304" pitchFamily="18" charset="0"/>
+              </a:rPr>
               <a:t> </a:t>
             </a:r>
             <a:r>
@@ -5961,14 +6029,21 @@
                 <a:latin typeface="Times New Roman" panose="02020603050405020304" pitchFamily="18" charset="0"/>
                 <a:cs typeface="Times New Roman" panose="02020603050405020304" pitchFamily="18" charset="0"/>
               </a:rPr>
-              <a:t>e il </a:t>
+              <a:t>e </a:t>
             </a:r>
             <a:r>
               <a:rPr lang="it-IT" dirty="0" smtClean="0">
                 <a:latin typeface="Times New Roman" panose="02020603050405020304" pitchFamily="18" charset="0"/>
                 <a:cs typeface="Times New Roman" panose="02020603050405020304" pitchFamily="18" charset="0"/>
               </a:rPr>
-              <a:t>12 </a:t>
+              <a:t>l’</a:t>
+            </a:r>
+            <a:r>
+              <a:rPr lang="it-IT" dirty="0" smtClean="0">
+                <a:latin typeface="Times New Roman" panose="02020603050405020304" pitchFamily="18" charset="0"/>
+                <a:cs typeface="Times New Roman" panose="02020603050405020304" pitchFamily="18" charset="0"/>
+              </a:rPr>
+              <a:t>11 </a:t>
             </a:r>
             <a:r>
               <a:rPr lang="it-IT" dirty="0">
@@ -6109,14 +6184,14 @@
               <a:t>Ai partecipanti sarà chiesto di eseguire una serie di task rappresentanti vari scenari, qui sotto elencati. Durante lo svolgimento del test si prenderà nota di eventuali commenti dei valutatori attraverso la tecnica del </a:t>
             </a:r>
             <a:r>
-              <a:rPr lang="it-IT" i="1" dirty="0" err="1">
-                <a:latin typeface="Times New Roman" panose="02020603050405020304" pitchFamily="18" charset="0"/>
-                <a:cs typeface="Times New Roman" panose="02020603050405020304" pitchFamily="18" charset="0"/>
-              </a:rPr>
-              <a:t>thing</a:t>
-            </a:r>
-            <a:r>
-              <a:rPr lang="it-IT" i="1" dirty="0">
+              <a:rPr lang="it-IT" i="1" dirty="0" err="1" smtClean="0">
+                <a:latin typeface="Times New Roman" panose="02020603050405020304" pitchFamily="18" charset="0"/>
+                <a:cs typeface="Times New Roman" panose="02020603050405020304" pitchFamily="18" charset="0"/>
+              </a:rPr>
+              <a:t>thinging</a:t>
+            </a:r>
+            <a:r>
+              <a:rPr lang="it-IT" i="1" dirty="0" smtClean="0">
                 <a:latin typeface="Times New Roman" panose="02020603050405020304" pitchFamily="18" charset="0"/>
                 <a:cs typeface="Times New Roman" panose="02020603050405020304" pitchFamily="18" charset="0"/>
               </a:rPr>

--- a/Prova_6/Leone_Mastrosimone_PresentazioneProgetto.pptx
+++ b/Prova_6/Leone_Mastrosimone_PresentazioneProgetto.pptx
@@ -11,12 +11,19 @@
     <p:sldId id="259" r:id="rId5"/>
     <p:sldId id="260" r:id="rId6"/>
     <p:sldId id="261" r:id="rId7"/>
-    <p:sldId id="262" r:id="rId8"/>
-    <p:sldId id="263" r:id="rId9"/>
-    <p:sldId id="264" r:id="rId10"/>
-    <p:sldId id="265" r:id="rId11"/>
-    <p:sldId id="266" r:id="rId12"/>
-    <p:sldId id="267" r:id="rId13"/>
+    <p:sldId id="268" r:id="rId8"/>
+    <p:sldId id="269" r:id="rId9"/>
+    <p:sldId id="262" r:id="rId10"/>
+    <p:sldId id="270" r:id="rId11"/>
+    <p:sldId id="263" r:id="rId12"/>
+    <p:sldId id="271" r:id="rId13"/>
+    <p:sldId id="264" r:id="rId14"/>
+    <p:sldId id="265" r:id="rId15"/>
+    <p:sldId id="272" r:id="rId16"/>
+    <p:sldId id="266" r:id="rId17"/>
+    <p:sldId id="267" r:id="rId18"/>
+    <p:sldId id="273" r:id="rId19"/>
+    <p:sldId id="274" r:id="rId20"/>
   </p:sldIdLst>
   <p:sldSz cx="9144000" cy="6858000" type="screen4x3"/>
   <p:notesSz cx="6858000" cy="9144000"/>
@@ -117,7 +124,7 @@
   </p:defaultTextStyle>
   <p:extLst>
     <p:ext uri="{EFAFB233-063F-42B5-8137-9DF3F51BA10A}">
-      <p15:sldGuideLst xmlns:p15="http://schemas.microsoft.com/office/powerpoint/2012/main"/>
+      <p15:sldGuideLst xmlns:p15="http://schemas.microsoft.com/office/powerpoint/2012/main" xmlns=""/>
     </p:ext>
   </p:extLst>
 </p:presentation>
@@ -254,6 +261,7 @@
           <a:p>
             <a:fld id="{9FB86531-A28F-4E1C-99B5-5C225A123870}" type="datetimeFigureOut">
               <a:rPr lang="it-IT" smtClean="0"/>
+              <a:pPr/>
               <a:t>02/06/2015</a:t>
             </a:fld>
             <a:endParaRPr lang="it-IT"/>
@@ -296,6 +304,7 @@
           <a:p>
             <a:fld id="{39A1D135-D84D-4CF9-8627-C7CF96A2E246}" type="slidenum">
               <a:rPr lang="it-IT" smtClean="0"/>
+              <a:pPr/>
               <a:t>‹N›</a:t>
             </a:fld>
             <a:endParaRPr lang="it-IT"/>
@@ -305,7 +314,7 @@
     </p:spTree>
     <p:extLst>
       <p:ext uri="{BB962C8B-B14F-4D97-AF65-F5344CB8AC3E}">
-        <p14:creationId xmlns:p14="http://schemas.microsoft.com/office/powerpoint/2010/main" val="3310887744"/>
+        <p14:creationId xmlns:p14="http://schemas.microsoft.com/office/powerpoint/2010/main" xmlns="" val="3310887744"/>
       </p:ext>
     </p:extLst>
   </p:cSld>
@@ -424,6 +433,7 @@
           <a:p>
             <a:fld id="{9FB86531-A28F-4E1C-99B5-5C225A123870}" type="datetimeFigureOut">
               <a:rPr lang="it-IT" smtClean="0"/>
+              <a:pPr/>
               <a:t>02/06/2015</a:t>
             </a:fld>
             <a:endParaRPr lang="it-IT"/>
@@ -466,6 +476,7 @@
           <a:p>
             <a:fld id="{39A1D135-D84D-4CF9-8627-C7CF96A2E246}" type="slidenum">
               <a:rPr lang="it-IT" smtClean="0"/>
+              <a:pPr/>
               <a:t>‹N›</a:t>
             </a:fld>
             <a:endParaRPr lang="it-IT"/>
@@ -475,7 +486,7 @@
     </p:spTree>
     <p:extLst>
       <p:ext uri="{BB962C8B-B14F-4D97-AF65-F5344CB8AC3E}">
-        <p14:creationId xmlns:p14="http://schemas.microsoft.com/office/powerpoint/2010/main" val="3074622753"/>
+        <p14:creationId xmlns:p14="http://schemas.microsoft.com/office/powerpoint/2010/main" xmlns="" val="3074622753"/>
       </p:ext>
     </p:extLst>
   </p:cSld>
@@ -604,6 +615,7 @@
           <a:p>
             <a:fld id="{9FB86531-A28F-4E1C-99B5-5C225A123870}" type="datetimeFigureOut">
               <a:rPr lang="it-IT" smtClean="0"/>
+              <a:pPr/>
               <a:t>02/06/2015</a:t>
             </a:fld>
             <a:endParaRPr lang="it-IT"/>
@@ -646,6 +658,7 @@
           <a:p>
             <a:fld id="{39A1D135-D84D-4CF9-8627-C7CF96A2E246}" type="slidenum">
               <a:rPr lang="it-IT" smtClean="0"/>
+              <a:pPr/>
               <a:t>‹N›</a:t>
             </a:fld>
             <a:endParaRPr lang="it-IT"/>
@@ -655,7 +668,7 @@
     </p:spTree>
     <p:extLst>
       <p:ext uri="{BB962C8B-B14F-4D97-AF65-F5344CB8AC3E}">
-        <p14:creationId xmlns:p14="http://schemas.microsoft.com/office/powerpoint/2010/main" val="427507249"/>
+        <p14:creationId xmlns:p14="http://schemas.microsoft.com/office/powerpoint/2010/main" xmlns="" val="427507249"/>
       </p:ext>
     </p:extLst>
   </p:cSld>
@@ -774,6 +787,7 @@
           <a:p>
             <a:fld id="{9FB86531-A28F-4E1C-99B5-5C225A123870}" type="datetimeFigureOut">
               <a:rPr lang="it-IT" smtClean="0"/>
+              <a:pPr/>
               <a:t>02/06/2015</a:t>
             </a:fld>
             <a:endParaRPr lang="it-IT"/>
@@ -816,6 +830,7 @@
           <a:p>
             <a:fld id="{39A1D135-D84D-4CF9-8627-C7CF96A2E246}" type="slidenum">
               <a:rPr lang="it-IT" smtClean="0"/>
+              <a:pPr/>
               <a:t>‹N›</a:t>
             </a:fld>
             <a:endParaRPr lang="it-IT"/>
@@ -825,7 +840,7 @@
     </p:spTree>
     <p:extLst>
       <p:ext uri="{BB962C8B-B14F-4D97-AF65-F5344CB8AC3E}">
-        <p14:creationId xmlns:p14="http://schemas.microsoft.com/office/powerpoint/2010/main" val="1362399413"/>
+        <p14:creationId xmlns:p14="http://schemas.microsoft.com/office/powerpoint/2010/main" xmlns="" val="1362399413"/>
       </p:ext>
     </p:extLst>
   </p:cSld>
@@ -1018,6 +1033,7 @@
           <a:p>
             <a:fld id="{9FB86531-A28F-4E1C-99B5-5C225A123870}" type="datetimeFigureOut">
               <a:rPr lang="it-IT" smtClean="0"/>
+              <a:pPr/>
               <a:t>02/06/2015</a:t>
             </a:fld>
             <a:endParaRPr lang="it-IT"/>
@@ -1060,6 +1076,7 @@
           <a:p>
             <a:fld id="{39A1D135-D84D-4CF9-8627-C7CF96A2E246}" type="slidenum">
               <a:rPr lang="it-IT" smtClean="0"/>
+              <a:pPr/>
               <a:t>‹N›</a:t>
             </a:fld>
             <a:endParaRPr lang="it-IT"/>
@@ -1069,7 +1086,7 @@
     </p:spTree>
     <p:extLst>
       <p:ext uri="{BB962C8B-B14F-4D97-AF65-F5344CB8AC3E}">
-        <p14:creationId xmlns:p14="http://schemas.microsoft.com/office/powerpoint/2010/main" val="3225621358"/>
+        <p14:creationId xmlns:p14="http://schemas.microsoft.com/office/powerpoint/2010/main" xmlns="" val="3225621358"/>
       </p:ext>
     </p:extLst>
   </p:cSld>
@@ -1250,6 +1267,7 @@
           <a:p>
             <a:fld id="{9FB86531-A28F-4E1C-99B5-5C225A123870}" type="datetimeFigureOut">
               <a:rPr lang="it-IT" smtClean="0"/>
+              <a:pPr/>
               <a:t>02/06/2015</a:t>
             </a:fld>
             <a:endParaRPr lang="it-IT"/>
@@ -1292,6 +1310,7 @@
           <a:p>
             <a:fld id="{39A1D135-D84D-4CF9-8627-C7CF96A2E246}" type="slidenum">
               <a:rPr lang="it-IT" smtClean="0"/>
+              <a:pPr/>
               <a:t>‹N›</a:t>
             </a:fld>
             <a:endParaRPr lang="it-IT"/>
@@ -1301,7 +1320,7 @@
     </p:spTree>
     <p:extLst>
       <p:ext uri="{BB962C8B-B14F-4D97-AF65-F5344CB8AC3E}">
-        <p14:creationId xmlns:p14="http://schemas.microsoft.com/office/powerpoint/2010/main" val="3800156285"/>
+        <p14:creationId xmlns:p14="http://schemas.microsoft.com/office/powerpoint/2010/main" xmlns="" val="3800156285"/>
       </p:ext>
     </p:extLst>
   </p:cSld>
@@ -1617,6 +1636,7 @@
           <a:p>
             <a:fld id="{9FB86531-A28F-4E1C-99B5-5C225A123870}" type="datetimeFigureOut">
               <a:rPr lang="it-IT" smtClean="0"/>
+              <a:pPr/>
               <a:t>02/06/2015</a:t>
             </a:fld>
             <a:endParaRPr lang="it-IT"/>
@@ -1659,6 +1679,7 @@
           <a:p>
             <a:fld id="{39A1D135-D84D-4CF9-8627-C7CF96A2E246}" type="slidenum">
               <a:rPr lang="it-IT" smtClean="0"/>
+              <a:pPr/>
               <a:t>‹N›</a:t>
             </a:fld>
             <a:endParaRPr lang="it-IT"/>
@@ -1668,7 +1689,7 @@
     </p:spTree>
     <p:extLst>
       <p:ext uri="{BB962C8B-B14F-4D97-AF65-F5344CB8AC3E}">
-        <p14:creationId xmlns:p14="http://schemas.microsoft.com/office/powerpoint/2010/main" val="1553049765"/>
+        <p14:creationId xmlns:p14="http://schemas.microsoft.com/office/powerpoint/2010/main" xmlns="" val="1553049765"/>
       </p:ext>
     </p:extLst>
   </p:cSld>
@@ -1735,6 +1756,7 @@
           <a:p>
             <a:fld id="{9FB86531-A28F-4E1C-99B5-5C225A123870}" type="datetimeFigureOut">
               <a:rPr lang="it-IT" smtClean="0"/>
+              <a:pPr/>
               <a:t>02/06/2015</a:t>
             </a:fld>
             <a:endParaRPr lang="it-IT"/>
@@ -1777,6 +1799,7 @@
           <a:p>
             <a:fld id="{39A1D135-D84D-4CF9-8627-C7CF96A2E246}" type="slidenum">
               <a:rPr lang="it-IT" smtClean="0"/>
+              <a:pPr/>
               <a:t>‹N›</a:t>
             </a:fld>
             <a:endParaRPr lang="it-IT"/>
@@ -1786,7 +1809,7 @@
     </p:spTree>
     <p:extLst>
       <p:ext uri="{BB962C8B-B14F-4D97-AF65-F5344CB8AC3E}">
-        <p14:creationId xmlns:p14="http://schemas.microsoft.com/office/powerpoint/2010/main" val="748351417"/>
+        <p14:creationId xmlns:p14="http://schemas.microsoft.com/office/powerpoint/2010/main" xmlns="" val="748351417"/>
       </p:ext>
     </p:extLst>
   </p:cSld>
@@ -1830,6 +1853,7 @@
           <a:p>
             <a:fld id="{9FB86531-A28F-4E1C-99B5-5C225A123870}" type="datetimeFigureOut">
               <a:rPr lang="it-IT" smtClean="0"/>
+              <a:pPr/>
               <a:t>02/06/2015</a:t>
             </a:fld>
             <a:endParaRPr lang="it-IT"/>
@@ -1872,6 +1896,7 @@
           <a:p>
             <a:fld id="{39A1D135-D84D-4CF9-8627-C7CF96A2E246}" type="slidenum">
               <a:rPr lang="it-IT" smtClean="0"/>
+              <a:pPr/>
               <a:t>‹N›</a:t>
             </a:fld>
             <a:endParaRPr lang="it-IT"/>
@@ -1881,7 +1906,7 @@
     </p:spTree>
     <p:extLst>
       <p:ext uri="{BB962C8B-B14F-4D97-AF65-F5344CB8AC3E}">
-        <p14:creationId xmlns:p14="http://schemas.microsoft.com/office/powerpoint/2010/main" val="3835050378"/>
+        <p14:creationId xmlns:p14="http://schemas.microsoft.com/office/powerpoint/2010/main" xmlns="" val="3835050378"/>
       </p:ext>
     </p:extLst>
   </p:cSld>
@@ -2107,6 +2132,7 @@
           <a:p>
             <a:fld id="{9FB86531-A28F-4E1C-99B5-5C225A123870}" type="datetimeFigureOut">
               <a:rPr lang="it-IT" smtClean="0"/>
+              <a:pPr/>
               <a:t>02/06/2015</a:t>
             </a:fld>
             <a:endParaRPr lang="it-IT"/>
@@ -2149,6 +2175,7 @@
           <a:p>
             <a:fld id="{39A1D135-D84D-4CF9-8627-C7CF96A2E246}" type="slidenum">
               <a:rPr lang="it-IT" smtClean="0"/>
+              <a:pPr/>
               <a:t>‹N›</a:t>
             </a:fld>
             <a:endParaRPr lang="it-IT"/>
@@ -2158,7 +2185,7 @@
     </p:spTree>
     <p:extLst>
       <p:ext uri="{BB962C8B-B14F-4D97-AF65-F5344CB8AC3E}">
-        <p14:creationId xmlns:p14="http://schemas.microsoft.com/office/powerpoint/2010/main" val="1649903174"/>
+        <p14:creationId xmlns:p14="http://schemas.microsoft.com/office/powerpoint/2010/main" xmlns="" val="1649903174"/>
       </p:ext>
     </p:extLst>
   </p:cSld>
@@ -2364,6 +2391,7 @@
           <a:p>
             <a:fld id="{9FB86531-A28F-4E1C-99B5-5C225A123870}" type="datetimeFigureOut">
               <a:rPr lang="it-IT" smtClean="0"/>
+              <a:pPr/>
               <a:t>02/06/2015</a:t>
             </a:fld>
             <a:endParaRPr lang="it-IT"/>
@@ -2406,6 +2434,7 @@
           <a:p>
             <a:fld id="{39A1D135-D84D-4CF9-8627-C7CF96A2E246}" type="slidenum">
               <a:rPr lang="it-IT" smtClean="0"/>
+              <a:pPr/>
               <a:t>‹N›</a:t>
             </a:fld>
             <a:endParaRPr lang="it-IT"/>
@@ -2415,7 +2444,7 @@
     </p:spTree>
     <p:extLst>
       <p:ext uri="{BB962C8B-B14F-4D97-AF65-F5344CB8AC3E}">
-        <p14:creationId xmlns:p14="http://schemas.microsoft.com/office/powerpoint/2010/main" val="2435700444"/>
+        <p14:creationId xmlns:p14="http://schemas.microsoft.com/office/powerpoint/2010/main" xmlns="" val="2435700444"/>
       </p:ext>
     </p:extLst>
   </p:cSld>
@@ -2577,6 +2606,7 @@
           <a:p>
             <a:fld id="{9FB86531-A28F-4E1C-99B5-5C225A123870}" type="datetimeFigureOut">
               <a:rPr lang="it-IT" smtClean="0"/>
+              <a:pPr/>
               <a:t>02/06/2015</a:t>
             </a:fld>
             <a:endParaRPr lang="it-IT"/>
@@ -2655,6 +2685,7 @@
           <a:p>
             <a:fld id="{39A1D135-D84D-4CF9-8627-C7CF96A2E246}" type="slidenum">
               <a:rPr lang="it-IT" smtClean="0"/>
+              <a:pPr/>
               <a:t>‹N›</a:t>
             </a:fld>
             <a:endParaRPr lang="it-IT"/>
@@ -2664,7 +2695,7 @@
     </p:spTree>
     <p:extLst>
       <p:ext uri="{BB962C8B-B14F-4D97-AF65-F5344CB8AC3E}">
-        <p14:creationId xmlns:p14="http://schemas.microsoft.com/office/powerpoint/2010/main" val="517032702"/>
+        <p14:creationId xmlns:p14="http://schemas.microsoft.com/office/powerpoint/2010/main" xmlns="" val="517032702"/>
       </p:ext>
     </p:extLst>
   </p:cSld>
@@ -3222,7 +3253,7 @@
     </p:spTree>
     <p:extLst>
       <p:ext uri="{BB962C8B-B14F-4D97-AF65-F5344CB8AC3E}">
-        <p14:creationId xmlns:p14="http://schemas.microsoft.com/office/powerpoint/2010/main" val="1761319082"/>
+        <p14:creationId xmlns:p14="http://schemas.microsoft.com/office/powerpoint/2010/main" xmlns="" val="1761319082"/>
       </p:ext>
     </p:extLst>
   </p:cSld>
@@ -3259,7 +3290,12 @@
             <p:ph type="title"/>
           </p:nvPr>
         </p:nvSpPr>
-        <p:spPr/>
+        <p:spPr>
+          <a:xfrm>
+            <a:off x="628650" y="444137"/>
+            <a:ext cx="7886700" cy="653143"/>
+          </a:xfrm>
+        </p:spPr>
         <p:txBody>
           <a:bodyPr>
             <a:normAutofit/>
@@ -3292,7 +3328,7 @@
                 <a:latin typeface="Times New Roman" panose="02020603050405020304" pitchFamily="18" charset="0"/>
                 <a:cs typeface="Times New Roman" panose="02020603050405020304" pitchFamily="18" charset="0"/>
               </a:rPr>
-              <a:t>(5)</a:t>
+              <a:t>(2)</a:t>
             </a:r>
             <a:endParaRPr lang="it-IT" sz="2800" dirty="0"/>
           </a:p>
@@ -3300,204 +3336,212 @@
       </p:sp>
       <p:sp>
         <p:nvSpPr>
-          <p:cNvPr id="3" name="Segnaposto contenuto 2"/>
-          <p:cNvSpPr>
-            <a:spLocks noGrp="1"/>
-          </p:cNvSpPr>
-          <p:nvPr>
-            <p:ph idx="1"/>
-          </p:nvPr>
-        </p:nvSpPr>
-        <p:spPr/>
-        <p:txBody>
-          <a:bodyPr>
-            <a:normAutofit fontScale="70000" lnSpcReduction="20000"/>
+          <p:cNvPr id="4" name="Segnaposto contenuto 2"/>
+          <p:cNvSpPr txBox="1">
+            <a:spLocks/>
+          </p:cNvSpPr>
+          <p:nvPr/>
+        </p:nvSpPr>
+        <p:spPr>
+          <a:xfrm>
+            <a:off x="628650" y="1275008"/>
+            <a:ext cx="7886700" cy="5280338"/>
+          </a:xfrm>
+          <a:prstGeom prst="rect">
+            <a:avLst/>
+          </a:prstGeom>
+        </p:spPr>
+        <p:txBody>
+          <a:bodyPr vert="horz" lIns="91440" tIns="45720" rIns="91440" bIns="45720" rtlCol="0">
+            <a:normAutofit/>
           </a:bodyPr>
           <a:lstStyle/>
           <a:p>
-            <a:pPr marL="0" indent="0" algn="just">
-              <a:buNone/>
+            <a:pPr marL="0" marR="0" lvl="0" indent="0" algn="ctr" defTabSz="914400" rtl="0" eaLnBrk="1" fontAlgn="auto" latinLnBrk="0" hangingPunct="1">
+              <a:lnSpc>
+                <a:spcPct val="120000"/>
+              </a:lnSpc>
+              <a:spcBef>
+                <a:spcPts val="1000"/>
+              </a:spcBef>
+              <a:spcAft>
+                <a:spcPts val="0"/>
+              </a:spcAft>
+              <a:buClrTx/>
+              <a:buSzTx/>
+              <a:buFont typeface="Arial" panose="020B0604020202020204" pitchFamily="34" charset="0"/>
+              <a:buNone/>
+              <a:tabLst/>
+              <a:defRPr/>
             </a:pPr>
             <a:r>
-              <a:rPr lang="it-IT" b="1" dirty="0">
-                <a:latin typeface="Times New Roman" panose="02020603050405020304" pitchFamily="18" charset="0"/>
-                <a:cs typeface="Times New Roman" panose="02020603050405020304" pitchFamily="18" charset="0"/>
-              </a:rPr>
-              <a:t>Aspetti dell'</a:t>
-            </a:r>
-            <a:r>
-              <a:rPr lang="it-IT" b="1" dirty="0" err="1">
-                <a:latin typeface="Times New Roman" panose="02020603050405020304" pitchFamily="18" charset="0"/>
-                <a:cs typeface="Times New Roman" panose="02020603050405020304" pitchFamily="18" charset="0"/>
-              </a:rPr>
-              <a:t>app</a:t>
-            </a:r>
-            <a:r>
-              <a:rPr lang="it-IT" b="1" dirty="0">
-                <a:latin typeface="Times New Roman" panose="02020603050405020304" pitchFamily="18" charset="0"/>
-                <a:cs typeface="Times New Roman" panose="02020603050405020304" pitchFamily="18" charset="0"/>
-              </a:rPr>
-              <a:t> “</a:t>
-            </a:r>
-            <a:r>
-              <a:rPr lang="it-IT" b="1" dirty="0" err="1">
-                <a:latin typeface="Times New Roman" panose="02020603050405020304" pitchFamily="18" charset="0"/>
-                <a:cs typeface="Times New Roman" panose="02020603050405020304" pitchFamily="18" charset="0"/>
-              </a:rPr>
-              <a:t>SmokApp</a:t>
-            </a:r>
-            <a:r>
-              <a:rPr lang="it-IT" b="1" dirty="0">
-                <a:latin typeface="Times New Roman" panose="02020603050405020304" pitchFamily="18" charset="0"/>
-                <a:cs typeface="Times New Roman" panose="02020603050405020304" pitchFamily="18" charset="0"/>
-              </a:rPr>
-              <a:t>” che saranno </a:t>
-            </a:r>
-            <a:r>
-              <a:rPr lang="it-IT" b="1" dirty="0" smtClean="0">
-                <a:latin typeface="Times New Roman" panose="02020603050405020304" pitchFamily="18" charset="0"/>
-                <a:cs typeface="Times New Roman" panose="02020603050405020304" pitchFamily="18" charset="0"/>
-              </a:rPr>
-              <a:t>testati (continua…)</a:t>
-            </a:r>
-            <a:endParaRPr lang="it-IT" dirty="0">
+              <a:rPr kumimoji="0" lang="it-IT" sz="2500" b="1" i="0" u="none" strike="noStrike" kern="1200" cap="none" spc="0" normalizeH="0" baseline="0" noProof="0" dirty="0" smtClean="0">
+                <a:ln>
+                  <a:noFill/>
+                </a:ln>
+                <a:solidFill>
+                  <a:schemeClr val="tx1"/>
+                </a:solidFill>
+                <a:effectLst/>
+                <a:uLnTx/>
+                <a:uFillTx/>
+                <a:latin typeface="Times New Roman" panose="02020603050405020304" pitchFamily="18" charset="0"/>
+                <a:ea typeface="+mn-ea"/>
+                <a:cs typeface="Times New Roman" panose="02020603050405020304" pitchFamily="18" charset="0"/>
+              </a:rPr>
+              <a:t>Obiettivo</a:t>
+            </a:r>
+            <a:endParaRPr kumimoji="0" lang="it-IT" sz="2500" b="0" i="0" u="none" strike="noStrike" kern="1200" cap="none" spc="0" normalizeH="0" baseline="0" noProof="0" dirty="0" smtClean="0">
+              <a:ln>
+                <a:noFill/>
+              </a:ln>
+              <a:solidFill>
+                <a:schemeClr val="tx1"/>
+              </a:solidFill>
+              <a:effectLst/>
+              <a:uLnTx/>
+              <a:uFillTx/>
+              <a:latin typeface="Times New Roman" panose="02020603050405020304" pitchFamily="18" charset="0"/>
+              <a:ea typeface="+mn-ea"/>
+              <a:cs typeface="Times New Roman" panose="02020603050405020304" pitchFamily="18" charset="0"/>
+            </a:endParaRPr>
+          </a:p>
+          <a:p>
+            <a:pPr lvl="0" algn="just">
+              <a:lnSpc>
+                <a:spcPct val="90000"/>
+              </a:lnSpc>
+              <a:spcBef>
+                <a:spcPts val="1000"/>
+              </a:spcBef>
+              <a:defRPr/>
+            </a:pPr>
+            <a:endParaRPr lang="it-IT" sz="2000" b="1" dirty="0" smtClean="0">
               <a:latin typeface="Times New Roman" panose="02020603050405020304" pitchFamily="18" charset="0"/>
               <a:cs typeface="Times New Roman" panose="02020603050405020304" pitchFamily="18" charset="0"/>
             </a:endParaRPr>
           </a:p>
           <a:p>
-            <a:pPr marL="0" indent="0" algn="just">
-              <a:buNone/>
+            <a:pPr lvl="0" algn="just">
+              <a:lnSpc>
+                <a:spcPct val="90000"/>
+              </a:lnSpc>
+              <a:spcBef>
+                <a:spcPts val="1000"/>
+              </a:spcBef>
+              <a:defRPr/>
             </a:pPr>
             <a:r>
-              <a:rPr lang="it-IT" b="1" dirty="0">
-                <a:latin typeface="Times New Roman" panose="02020603050405020304" pitchFamily="18" charset="0"/>
-                <a:cs typeface="Times New Roman" panose="02020603050405020304" pitchFamily="18" charset="0"/>
-              </a:rPr>
-              <a:t>1. Il processo di </a:t>
-            </a:r>
-            <a:r>
-              <a:rPr lang="it-IT" b="1" dirty="0" err="1">
-                <a:latin typeface="Times New Roman" panose="02020603050405020304" pitchFamily="18" charset="0"/>
-                <a:cs typeface="Times New Roman" panose="02020603050405020304" pitchFamily="18" charset="0"/>
-              </a:rPr>
-              <a:t>sign</a:t>
-            </a:r>
-            <a:r>
-              <a:rPr lang="it-IT" b="1" dirty="0">
-                <a:latin typeface="Times New Roman" panose="02020603050405020304" pitchFamily="18" charset="0"/>
-                <a:cs typeface="Times New Roman" panose="02020603050405020304" pitchFamily="18" charset="0"/>
-              </a:rPr>
-              <a:t> up.</a:t>
-            </a:r>
-            <a:r>
-              <a:rPr lang="it-IT" dirty="0">
-                <a:latin typeface="Times New Roman" panose="02020603050405020304" pitchFamily="18" charset="0"/>
-                <a:cs typeface="Times New Roman" panose="02020603050405020304" pitchFamily="18" charset="0"/>
-              </a:rPr>
-              <a:t> Il partecipante, dopo aver aperto l'applicazione, potrà andare alla schermata di registrazione, riempire i campi richiesti e creare quindi un account. Questo processo sarà terminato quando l'utente raggiungerà la schermata della Home, a cui verrà indirizzato automaticamente dopo aver creato l'account.</a:t>
-            </a:r>
-          </a:p>
-          <a:p>
-            <a:pPr marL="0" indent="0" algn="just">
-              <a:buNone/>
+              <a:rPr lang="it-IT" sz="2000" b="1" dirty="0" smtClean="0">
+                <a:latin typeface="Times New Roman" panose="02020603050405020304" pitchFamily="18" charset="0"/>
+                <a:cs typeface="Times New Roman" panose="02020603050405020304" pitchFamily="18" charset="0"/>
+              </a:rPr>
+              <a:t>Obiettivi </a:t>
+            </a:r>
+            <a:r>
+              <a:rPr lang="it-IT" sz="2000" b="1" dirty="0" smtClean="0">
+                <a:latin typeface="Times New Roman" panose="02020603050405020304" pitchFamily="18" charset="0"/>
+                <a:cs typeface="Times New Roman" panose="02020603050405020304" pitchFamily="18" charset="0"/>
+              </a:rPr>
+              <a:t>di </a:t>
+            </a:r>
+            <a:r>
+              <a:rPr lang="it-IT" sz="2000" b="1" dirty="0" err="1" smtClean="0">
+                <a:latin typeface="Times New Roman" panose="02020603050405020304" pitchFamily="18" charset="0"/>
+                <a:cs typeface="Times New Roman" panose="02020603050405020304" pitchFamily="18" charset="0"/>
+              </a:rPr>
+              <a:t>testing</a:t>
+            </a:r>
+            <a:r>
+              <a:rPr lang="it-IT" sz="2000" b="1" dirty="0" smtClean="0">
+                <a:latin typeface="Times New Roman" panose="02020603050405020304" pitchFamily="18" charset="0"/>
+                <a:cs typeface="Times New Roman" panose="02020603050405020304" pitchFamily="18" charset="0"/>
+              </a:rPr>
+              <a:t>:</a:t>
+            </a:r>
+            <a:endParaRPr lang="it-IT" sz="2000" dirty="0" smtClean="0">
+              <a:latin typeface="Times New Roman" panose="02020603050405020304" pitchFamily="18" charset="0"/>
+              <a:cs typeface="Times New Roman" panose="02020603050405020304" pitchFamily="18" charset="0"/>
+            </a:endParaRPr>
+          </a:p>
+          <a:p>
+            <a:pPr marL="228600" lvl="0" indent="-228600" algn="just">
+              <a:lnSpc>
+                <a:spcPct val="90000"/>
+              </a:lnSpc>
+              <a:spcBef>
+                <a:spcPts val="1000"/>
+              </a:spcBef>
+              <a:buFont typeface="Arial" panose="020B0604020202020204" pitchFamily="34" charset="0"/>
+              <a:buChar char="•"/>
+              <a:defRPr/>
             </a:pPr>
             <a:r>
-              <a:rPr lang="it-IT" dirty="0">
-                <a:latin typeface="Times New Roman" panose="02020603050405020304" pitchFamily="18" charset="0"/>
-                <a:cs typeface="Times New Roman" panose="02020603050405020304" pitchFamily="18" charset="0"/>
-              </a:rPr>
-              <a:t>Possibili problemi:</a:t>
-            </a:r>
-          </a:p>
-          <a:p>
-            <a:pPr lvl="0" algn="just"/>
-            <a:r>
-              <a:rPr lang="it-IT" dirty="0">
-                <a:latin typeface="Times New Roman" panose="02020603050405020304" pitchFamily="18" charset="0"/>
-                <a:cs typeface="Times New Roman" panose="02020603050405020304" pitchFamily="18" charset="0"/>
-              </a:rPr>
-              <a:t>l'utente potrebbe non individuare facilmente tutti i campi di registrazione richiesti, la cui visualizzazione è gestita attraverso un </a:t>
-            </a:r>
-            <a:r>
-              <a:rPr lang="it-IT" dirty="0" err="1">
-                <a:latin typeface="Times New Roman" panose="02020603050405020304" pitchFamily="18" charset="0"/>
-                <a:cs typeface="Times New Roman" panose="02020603050405020304" pitchFamily="18" charset="0"/>
-              </a:rPr>
-              <a:t>dynamic</a:t>
-            </a:r>
-            <a:r>
-              <a:rPr lang="it-IT" dirty="0">
-                <a:latin typeface="Times New Roman" panose="02020603050405020304" pitchFamily="18" charset="0"/>
-                <a:cs typeface="Times New Roman" panose="02020603050405020304" pitchFamily="18" charset="0"/>
-              </a:rPr>
-              <a:t> panel cliccando sugli opportuni pulsanti della </a:t>
-            </a:r>
-            <a:r>
-              <a:rPr lang="it-IT" dirty="0" err="1">
-                <a:latin typeface="Times New Roman" panose="02020603050405020304" pitchFamily="18" charset="0"/>
-                <a:cs typeface="Times New Roman" panose="02020603050405020304" pitchFamily="18" charset="0"/>
-              </a:rPr>
-              <a:t>navigation</a:t>
-            </a:r>
-            <a:r>
-              <a:rPr lang="it-IT" dirty="0">
-                <a:latin typeface="Times New Roman" panose="02020603050405020304" pitchFamily="18" charset="0"/>
-                <a:cs typeface="Times New Roman" panose="02020603050405020304" pitchFamily="18" charset="0"/>
-              </a:rPr>
-              <a:t> bar sovrastante.</a:t>
-            </a:r>
-          </a:p>
-          <a:p>
-            <a:pPr marL="0" indent="0" algn="just">
-              <a:buNone/>
+              <a:rPr lang="it-IT" sz="2000" dirty="0" smtClean="0">
+                <a:latin typeface="Times New Roman" panose="02020603050405020304" pitchFamily="18" charset="0"/>
+                <a:cs typeface="Times New Roman" panose="02020603050405020304" pitchFamily="18" charset="0"/>
+              </a:rPr>
+              <a:t>identificare errori di presentazione – fallimenti nel trovare e agire sulle informazioni mostrate o errori dovuti ad etichette ambigue;</a:t>
+            </a:r>
+          </a:p>
+          <a:p>
+            <a:pPr marL="228600" lvl="0" indent="-228600" algn="just">
+              <a:lnSpc>
+                <a:spcPct val="90000"/>
+              </a:lnSpc>
+              <a:spcBef>
+                <a:spcPts val="1000"/>
+              </a:spcBef>
+              <a:buFont typeface="Arial" panose="020B0604020202020204" pitchFamily="34" charset="0"/>
+              <a:buChar char="•"/>
+              <a:defRPr/>
             </a:pPr>
             <a:r>
-              <a:rPr lang="it-IT" b="1" dirty="0">
-                <a:latin typeface="Times New Roman" panose="02020603050405020304" pitchFamily="18" charset="0"/>
-                <a:cs typeface="Times New Roman" panose="02020603050405020304" pitchFamily="18" charset="0"/>
-              </a:rPr>
-              <a:t>2. La fase di login.</a:t>
-            </a:r>
-            <a:r>
-              <a:rPr lang="it-IT" dirty="0">
-                <a:latin typeface="Times New Roman" panose="02020603050405020304" pitchFamily="18" charset="0"/>
-                <a:cs typeface="Times New Roman" panose="02020603050405020304" pitchFamily="18" charset="0"/>
-              </a:rPr>
-              <a:t> Il partecipante, dopo aver creato un account, possiederà delle credenziali di accesso che gli permetteranno di accedere al proprio account inserendole nei campi mostrati cliccando sul pulsante “Login”.</a:t>
-            </a:r>
-          </a:p>
-          <a:p>
-            <a:pPr marL="0" indent="0" algn="just">
-              <a:buNone/>
+              <a:rPr lang="it-IT" sz="2000" dirty="0" smtClean="0">
+                <a:latin typeface="Times New Roman" panose="02020603050405020304" pitchFamily="18" charset="0"/>
+                <a:cs typeface="Times New Roman" panose="02020603050405020304" pitchFamily="18" charset="0"/>
+              </a:rPr>
+              <a:t>identificare problemi di controllo da parte dell'utente -  toolbar o caselle di input inappropriate;</a:t>
+            </a:r>
+          </a:p>
+          <a:p>
+            <a:pPr marL="228600" lvl="0" indent="-228600" algn="just">
+              <a:lnSpc>
+                <a:spcPct val="90000"/>
+              </a:lnSpc>
+              <a:spcBef>
+                <a:spcPts val="1000"/>
+              </a:spcBef>
+              <a:buFont typeface="Arial" panose="020B0604020202020204" pitchFamily="34" charset="0"/>
+              <a:buChar char="•"/>
+              <a:defRPr/>
             </a:pPr>
             <a:r>
-              <a:rPr lang="it-IT" b="1" dirty="0">
-                <a:latin typeface="Times New Roman" panose="02020603050405020304" pitchFamily="18" charset="0"/>
-                <a:cs typeface="Times New Roman" panose="02020603050405020304" pitchFamily="18" charset="0"/>
-              </a:rPr>
-              <a:t>3. Recupero della password.</a:t>
-            </a:r>
-            <a:r>
-              <a:rPr lang="it-IT" dirty="0">
-                <a:latin typeface="Times New Roman" panose="02020603050405020304" pitchFamily="18" charset="0"/>
-                <a:cs typeface="Times New Roman" panose="02020603050405020304" pitchFamily="18" charset="0"/>
-              </a:rPr>
-              <a:t> L'utente, qualora avesse dimenticato la propria password, potrà crearne una nuova inserendo il proprio indirizzo email utilizzato nella fase di registrazione.</a:t>
-            </a:r>
-          </a:p>
-          <a:p>
-            <a:pPr marL="0" indent="0">
-              <a:buNone/>
+              <a:rPr lang="it-IT" sz="2000" dirty="0" smtClean="0">
+                <a:latin typeface="Times New Roman" panose="02020603050405020304" pitchFamily="18" charset="0"/>
+                <a:cs typeface="Times New Roman" panose="02020603050405020304" pitchFamily="18" charset="0"/>
+              </a:rPr>
+              <a:t>i dati ottenuti saranno utilizzati per capire se l'interfaccia attuale è abbastanza efficiente da poter essere considerata definitiva e quindi pronta per essere usata per sviluppi futuri.</a:t>
+            </a:r>
+          </a:p>
+          <a:p>
+            <a:pPr lvl="0">
+              <a:lnSpc>
+                <a:spcPct val="90000"/>
+              </a:lnSpc>
+              <a:spcBef>
+                <a:spcPts val="1000"/>
+              </a:spcBef>
+              <a:defRPr/>
             </a:pPr>
-            <a:endParaRPr lang="it-IT" dirty="0"/>
+            <a:endParaRPr lang="it-IT" sz="2800" dirty="0"/>
           </a:p>
         </p:txBody>
       </p:sp>
     </p:spTree>
     <p:extLst>
       <p:ext uri="{BB962C8B-B14F-4D97-AF65-F5344CB8AC3E}">
-        <p14:creationId xmlns:p14="http://schemas.microsoft.com/office/powerpoint/2010/main" val="594007354"/>
+        <p14:creationId xmlns:p14="http://schemas.microsoft.com/office/powerpoint/2010/main" xmlns="" val="3011033621"/>
       </p:ext>
     </p:extLst>
   </p:cSld>
@@ -3526,301 +3570,392 @@
       </p:grpSpPr>
       <p:sp>
         <p:nvSpPr>
-          <p:cNvPr id="2" name="Titolo 1"/>
-          <p:cNvSpPr>
-            <a:spLocks noGrp="1"/>
-          </p:cNvSpPr>
-          <p:nvPr>
-            <p:ph type="title"/>
-          </p:nvPr>
-        </p:nvSpPr>
-        <p:spPr/>
-        <p:txBody>
-          <a:bodyPr>
+          <p:cNvPr id="6" name="Titolo 1"/>
+          <p:cNvSpPr txBox="1">
+            <a:spLocks/>
+          </p:cNvSpPr>
+          <p:nvPr/>
+        </p:nvSpPr>
+        <p:spPr>
+          <a:xfrm>
+            <a:off x="628650" y="444137"/>
+            <a:ext cx="7886700" cy="653143"/>
+          </a:xfrm>
+          <a:prstGeom prst="rect">
+            <a:avLst/>
+          </a:prstGeom>
+        </p:spPr>
+        <p:txBody>
+          <a:bodyPr vert="horz" lIns="91440" tIns="45720" rIns="91440" bIns="45720" rtlCol="0" anchor="ctr">
             <a:normAutofit/>
           </a:bodyPr>
           <a:lstStyle/>
           <a:p>
-            <a:r>
-              <a:rPr lang="it-IT" sz="2800" b="1" dirty="0">
-                <a:latin typeface="Times New Roman" panose="02020603050405020304" pitchFamily="18" charset="0"/>
-                <a:cs typeface="Times New Roman" panose="02020603050405020304" pitchFamily="18" charset="0"/>
-              </a:rPr>
-              <a:t>User </a:t>
-            </a:r>
-            <a:r>
-              <a:rPr lang="it-IT" sz="2800" b="1" dirty="0" err="1">
-                <a:latin typeface="Times New Roman" panose="02020603050405020304" pitchFamily="18" charset="0"/>
+            <a:pPr marL="0" marR="0" lvl="0" indent="0" algn="l" defTabSz="914400" rtl="0" eaLnBrk="1" fontAlgn="auto" latinLnBrk="0" hangingPunct="1">
+              <a:lnSpc>
+                <a:spcPct val="90000"/>
+              </a:lnSpc>
+              <a:spcBef>
+                <a:spcPct val="0"/>
+              </a:spcBef>
+              <a:spcAft>
+                <a:spcPts val="0"/>
+              </a:spcAft>
+              <a:buClrTx/>
+              <a:buSzTx/>
+              <a:buFontTx/>
+              <a:buNone/>
+              <a:tabLst/>
+              <a:defRPr/>
+            </a:pPr>
+            <a:r>
+              <a:rPr kumimoji="0" lang="it-IT" sz="2800" b="1" i="0" u="none" strike="noStrike" kern="1200" cap="none" spc="0" normalizeH="0" baseline="0" noProof="0" dirty="0" err="1" smtClean="0">
+                <a:ln>
+                  <a:noFill/>
+                </a:ln>
+                <a:solidFill>
+                  <a:schemeClr val="tx1"/>
+                </a:solidFill>
+                <a:effectLst/>
+                <a:uLnTx/>
+                <a:uFillTx/>
+                <a:latin typeface="Times New Roman" panose="02020603050405020304" pitchFamily="18" charset="0"/>
+                <a:ea typeface="+mj-ea"/>
+                <a:cs typeface="Times New Roman" panose="02020603050405020304" pitchFamily="18" charset="0"/>
+              </a:rPr>
+              <a:t>User</a:t>
+            </a:r>
+            <a:r>
+              <a:rPr kumimoji="0" lang="it-IT" sz="2800" b="1" i="0" u="none" strike="noStrike" kern="1200" cap="none" spc="0" normalizeH="0" baseline="0" noProof="0" dirty="0" smtClean="0">
+                <a:ln>
+                  <a:noFill/>
+                </a:ln>
+                <a:solidFill>
+                  <a:schemeClr val="tx1"/>
+                </a:solidFill>
+                <a:effectLst/>
+                <a:uLnTx/>
+                <a:uFillTx/>
+                <a:latin typeface="Times New Roman" panose="02020603050405020304" pitchFamily="18" charset="0"/>
+                <a:ea typeface="+mj-ea"/>
+                <a:cs typeface="Times New Roman" panose="02020603050405020304" pitchFamily="18" charset="0"/>
+              </a:rPr>
+              <a:t> </a:t>
+            </a:r>
+            <a:r>
+              <a:rPr kumimoji="0" lang="it-IT" sz="2800" b="1" i="0" u="none" strike="noStrike" kern="1200" cap="none" spc="0" normalizeH="0" baseline="0" noProof="0" dirty="0" err="1" smtClean="0">
+                <a:ln>
+                  <a:noFill/>
+                </a:ln>
+                <a:solidFill>
+                  <a:schemeClr val="tx1"/>
+                </a:solidFill>
+                <a:effectLst/>
+                <a:uLnTx/>
+                <a:uFillTx/>
+                <a:latin typeface="Times New Roman" panose="02020603050405020304" pitchFamily="18" charset="0"/>
+                <a:ea typeface="+mj-ea"/>
                 <a:cs typeface="Times New Roman" panose="02020603050405020304" pitchFamily="18" charset="0"/>
               </a:rPr>
               <a:t>Testing</a:t>
             </a:r>
             <a:r>
-              <a:rPr lang="it-IT" sz="2800" b="1" dirty="0">
-                <a:latin typeface="Times New Roman" panose="02020603050405020304" pitchFamily="18" charset="0"/>
-                <a:cs typeface="Times New Roman" panose="02020603050405020304" pitchFamily="18" charset="0"/>
-              </a:rPr>
-              <a:t> Plan </a:t>
-            </a:r>
-            <a:r>
-              <a:rPr lang="it-IT" sz="2800" b="1" dirty="0" smtClean="0">
-                <a:latin typeface="Times New Roman" panose="02020603050405020304" pitchFamily="18" charset="0"/>
-                <a:cs typeface="Times New Roman" panose="02020603050405020304" pitchFamily="18" charset="0"/>
-              </a:rPr>
-              <a:t>(6)</a:t>
-            </a:r>
-            <a:endParaRPr lang="it-IT" sz="2800" dirty="0"/>
-          </a:p>
-        </p:txBody>
-      </p:sp>
-      <p:sp>
-        <p:nvSpPr>
-          <p:cNvPr id="3" name="Segnaposto contenuto 2"/>
-          <p:cNvSpPr>
-            <a:spLocks noGrp="1"/>
-          </p:cNvSpPr>
-          <p:nvPr>
-            <p:ph idx="1"/>
-          </p:nvPr>
-        </p:nvSpPr>
-        <p:spPr/>
-        <p:txBody>
-          <a:bodyPr>
+              <a:rPr kumimoji="0" lang="it-IT" sz="2800" b="1" i="0" u="none" strike="noStrike" kern="1200" cap="none" spc="0" normalizeH="0" baseline="0" noProof="0" dirty="0" smtClean="0">
+                <a:ln>
+                  <a:noFill/>
+                </a:ln>
+                <a:solidFill>
+                  <a:schemeClr val="tx1"/>
+                </a:solidFill>
+                <a:effectLst/>
+                <a:uLnTx/>
+                <a:uFillTx/>
+                <a:latin typeface="Times New Roman" panose="02020603050405020304" pitchFamily="18" charset="0"/>
+                <a:ea typeface="+mj-ea"/>
+                <a:cs typeface="Times New Roman" panose="02020603050405020304" pitchFamily="18" charset="0"/>
+              </a:rPr>
+              <a:t> </a:t>
+            </a:r>
+            <a:r>
+              <a:rPr kumimoji="0" lang="it-IT" sz="2800" b="1" i="0" u="none" strike="noStrike" kern="1200" cap="none" spc="0" normalizeH="0" baseline="0" noProof="0" dirty="0" err="1" smtClean="0">
+                <a:ln>
+                  <a:noFill/>
+                </a:ln>
+                <a:solidFill>
+                  <a:schemeClr val="tx1"/>
+                </a:solidFill>
+                <a:effectLst/>
+                <a:uLnTx/>
+                <a:uFillTx/>
+                <a:latin typeface="Times New Roman" panose="02020603050405020304" pitchFamily="18" charset="0"/>
+                <a:ea typeface="+mj-ea"/>
+                <a:cs typeface="Times New Roman" panose="02020603050405020304" pitchFamily="18" charset="0"/>
+              </a:rPr>
+              <a:t>Plan</a:t>
+            </a:r>
+            <a:r>
+              <a:rPr kumimoji="0" lang="it-IT" sz="2800" b="1" i="0" u="none" strike="noStrike" kern="1200" cap="none" spc="0" normalizeH="0" baseline="0" noProof="0" dirty="0" smtClean="0">
+                <a:ln>
+                  <a:noFill/>
+                </a:ln>
+                <a:solidFill>
+                  <a:schemeClr val="tx1"/>
+                </a:solidFill>
+                <a:effectLst/>
+                <a:uLnTx/>
+                <a:uFillTx/>
+                <a:latin typeface="Times New Roman" panose="02020603050405020304" pitchFamily="18" charset="0"/>
+                <a:ea typeface="+mj-ea"/>
+                <a:cs typeface="Times New Roman" panose="02020603050405020304" pitchFamily="18" charset="0"/>
+              </a:rPr>
+              <a:t> (3)</a:t>
+            </a:r>
+            <a:endParaRPr kumimoji="0" lang="it-IT" sz="2800" b="0" i="0" u="none" strike="noStrike" kern="1200" cap="none" spc="0" normalizeH="0" baseline="0" noProof="0" dirty="0">
+              <a:ln>
+                <a:noFill/>
+              </a:ln>
+              <a:solidFill>
+                <a:schemeClr val="tx1"/>
+              </a:solidFill>
+              <a:effectLst/>
+              <a:uLnTx/>
+              <a:uFillTx/>
+              <a:latin typeface="+mj-lt"/>
+              <a:ea typeface="+mj-ea"/>
+              <a:cs typeface="+mj-cs"/>
+            </a:endParaRPr>
+          </a:p>
+        </p:txBody>
+      </p:sp>
+      <p:sp>
+        <p:nvSpPr>
+          <p:cNvPr id="4" name="Segnaposto contenuto 2"/>
+          <p:cNvSpPr txBox="1">
+            <a:spLocks/>
+          </p:cNvSpPr>
+          <p:nvPr/>
+        </p:nvSpPr>
+        <p:spPr>
+          <a:xfrm>
+            <a:off x="628650" y="1275008"/>
+            <a:ext cx="7886700" cy="5280338"/>
+          </a:xfrm>
+          <a:prstGeom prst="rect">
+            <a:avLst/>
+          </a:prstGeom>
+        </p:spPr>
+        <p:txBody>
+          <a:bodyPr vert="horz" lIns="91440" tIns="45720" rIns="91440" bIns="45720" rtlCol="0">
             <a:normAutofit/>
           </a:bodyPr>
           <a:lstStyle/>
           <a:p>
-            <a:pPr marL="0" indent="0" algn="just">
-              <a:buNone/>
+            <a:pPr marL="0" marR="0" lvl="0" indent="0" algn="ctr" defTabSz="914400" rtl="0" eaLnBrk="1" fontAlgn="auto" latinLnBrk="0" hangingPunct="1">
+              <a:lnSpc>
+                <a:spcPct val="120000"/>
+              </a:lnSpc>
+              <a:spcBef>
+                <a:spcPts val="1000"/>
+              </a:spcBef>
+              <a:spcAft>
+                <a:spcPts val="0"/>
+              </a:spcAft>
+              <a:buClrTx/>
+              <a:buSzTx/>
+              <a:buFont typeface="Arial" panose="020B0604020202020204" pitchFamily="34" charset="0"/>
+              <a:buNone/>
+              <a:tabLst/>
+              <a:defRPr/>
             </a:pPr>
             <a:r>
-              <a:rPr lang="it-IT" sz="2000" b="1" dirty="0">
-                <a:latin typeface="Times New Roman" panose="02020603050405020304" pitchFamily="18" charset="0"/>
-                <a:cs typeface="Times New Roman" panose="02020603050405020304" pitchFamily="18" charset="0"/>
-              </a:rPr>
-              <a:t>Aspetti dell'</a:t>
-            </a:r>
-            <a:r>
-              <a:rPr lang="it-IT" sz="2000" b="1" dirty="0" err="1">
-                <a:latin typeface="Times New Roman" panose="02020603050405020304" pitchFamily="18" charset="0"/>
-                <a:cs typeface="Times New Roman" panose="02020603050405020304" pitchFamily="18" charset="0"/>
-              </a:rPr>
-              <a:t>app</a:t>
-            </a:r>
-            <a:r>
-              <a:rPr lang="it-IT" sz="2000" b="1" dirty="0">
-                <a:latin typeface="Times New Roman" panose="02020603050405020304" pitchFamily="18" charset="0"/>
-                <a:cs typeface="Times New Roman" panose="02020603050405020304" pitchFamily="18" charset="0"/>
-              </a:rPr>
-              <a:t> “</a:t>
-            </a:r>
-            <a:r>
-              <a:rPr lang="it-IT" sz="2000" b="1" dirty="0" err="1">
-                <a:latin typeface="Times New Roman" panose="02020603050405020304" pitchFamily="18" charset="0"/>
-                <a:cs typeface="Times New Roman" panose="02020603050405020304" pitchFamily="18" charset="0"/>
-              </a:rPr>
-              <a:t>SmokApp</a:t>
-            </a:r>
-            <a:r>
-              <a:rPr lang="it-IT" sz="2000" b="1" dirty="0">
-                <a:latin typeface="Times New Roman" panose="02020603050405020304" pitchFamily="18" charset="0"/>
-                <a:cs typeface="Times New Roman" panose="02020603050405020304" pitchFamily="18" charset="0"/>
-              </a:rPr>
-              <a:t>” che saranno testati (continua…)</a:t>
-            </a:r>
-            <a:endParaRPr lang="it-IT" sz="2000" dirty="0">
+              <a:rPr kumimoji="0" lang="it-IT" sz="2500" b="1" i="0" u="none" strike="noStrike" kern="1200" cap="none" spc="0" normalizeH="0" baseline="0" noProof="0" dirty="0" smtClean="0">
+                <a:ln>
+                  <a:noFill/>
+                </a:ln>
+                <a:solidFill>
+                  <a:schemeClr val="tx1"/>
+                </a:solidFill>
+                <a:effectLst/>
+                <a:uLnTx/>
+                <a:uFillTx/>
+                <a:latin typeface="Times New Roman" panose="02020603050405020304" pitchFamily="18" charset="0"/>
+                <a:ea typeface="+mn-ea"/>
+                <a:cs typeface="Times New Roman" panose="02020603050405020304" pitchFamily="18" charset="0"/>
+              </a:rPr>
+              <a:t>Partecipanti</a:t>
+            </a:r>
+            <a:endParaRPr kumimoji="0" lang="it-IT" sz="2500" b="0" i="0" u="none" strike="noStrike" kern="1200" cap="none" spc="0" normalizeH="0" baseline="0" noProof="0" dirty="0" smtClean="0">
+              <a:ln>
+                <a:noFill/>
+              </a:ln>
+              <a:solidFill>
+                <a:schemeClr val="tx1"/>
+              </a:solidFill>
+              <a:effectLst/>
+              <a:uLnTx/>
+              <a:uFillTx/>
+              <a:latin typeface="Times New Roman" panose="02020603050405020304" pitchFamily="18" charset="0"/>
+              <a:ea typeface="+mn-ea"/>
+              <a:cs typeface="Times New Roman" panose="02020603050405020304" pitchFamily="18" charset="0"/>
+            </a:endParaRPr>
+          </a:p>
+          <a:p>
+            <a:pPr algn="just"/>
+            <a:endParaRPr lang="it-IT" sz="2000" dirty="0" smtClean="0">
               <a:latin typeface="Times New Roman" panose="02020603050405020304" pitchFamily="18" charset="0"/>
               <a:cs typeface="Times New Roman" panose="02020603050405020304" pitchFamily="18" charset="0"/>
             </a:endParaRPr>
           </a:p>
           <a:p>
-            <a:pPr marL="0" indent="0" algn="just">
-              <a:buNone/>
+            <a:pPr algn="just"/>
+            <a:endParaRPr lang="it-IT" sz="2000" dirty="0" smtClean="0">
+              <a:latin typeface="Times New Roman" panose="02020603050405020304" pitchFamily="18" charset="0"/>
+              <a:cs typeface="Times New Roman" panose="02020603050405020304" pitchFamily="18" charset="0"/>
+            </a:endParaRPr>
+          </a:p>
+          <a:p>
+            <a:pPr algn="just"/>
+            <a:r>
+              <a:rPr lang="it-IT" sz="2000" dirty="0" smtClean="0">
+                <a:latin typeface="Times New Roman" panose="02020603050405020304" pitchFamily="18" charset="0"/>
+                <a:cs typeface="Times New Roman" panose="02020603050405020304" pitchFamily="18" charset="0"/>
+              </a:rPr>
+              <a:t>I </a:t>
+            </a:r>
+            <a:r>
+              <a:rPr lang="it-IT" sz="2000" dirty="0" smtClean="0">
+                <a:latin typeface="Times New Roman" panose="02020603050405020304" pitchFamily="18" charset="0"/>
+                <a:cs typeface="Times New Roman" panose="02020603050405020304" pitchFamily="18" charset="0"/>
+              </a:rPr>
+              <a:t>3 partecipanti saranno selezionati tra coloro le cui caratteristiche corrispondono al target cercato in modo da assicurare dei risultati significativi.</a:t>
+            </a:r>
+          </a:p>
+          <a:p>
+            <a:pPr algn="just"/>
+            <a:r>
+              <a:rPr lang="it-IT" sz="2000" dirty="0" smtClean="0">
+                <a:latin typeface="Times New Roman" panose="02020603050405020304" pitchFamily="18" charset="0"/>
+                <a:cs typeface="Times New Roman" panose="02020603050405020304" pitchFamily="18" charset="0"/>
+              </a:rPr>
+              <a:t>I partecipanti avranno le seguenti caratteristiche</a:t>
+            </a:r>
+            <a:r>
+              <a:rPr lang="it-IT" sz="2000" dirty="0" smtClean="0">
+                <a:latin typeface="Times New Roman" panose="02020603050405020304" pitchFamily="18" charset="0"/>
+                <a:cs typeface="Times New Roman" panose="02020603050405020304" pitchFamily="18" charset="0"/>
+              </a:rPr>
+              <a:t>:</a:t>
+            </a:r>
+          </a:p>
+          <a:p>
+            <a:pPr marL="228600" lvl="0" indent="-228600" algn="just">
+              <a:lnSpc>
+                <a:spcPct val="90000"/>
+              </a:lnSpc>
+              <a:spcBef>
+                <a:spcPts val="1000"/>
+              </a:spcBef>
+              <a:buFont typeface="Arial" panose="020B0604020202020204" pitchFamily="34" charset="0"/>
+              <a:buChar char="•"/>
+              <a:defRPr/>
             </a:pPr>
             <a:r>
-              <a:rPr lang="it-IT" sz="2000" b="1" dirty="0">
-                <a:latin typeface="Times New Roman" panose="02020603050405020304" pitchFamily="18" charset="0"/>
-                <a:cs typeface="Times New Roman" panose="02020603050405020304" pitchFamily="18" charset="0"/>
-              </a:rPr>
-              <a:t>4. Selezionare un obiettivo. </a:t>
-            </a:r>
-            <a:r>
-              <a:rPr lang="it-IT" sz="2000" dirty="0">
-                <a:latin typeface="Times New Roman" panose="02020603050405020304" pitchFamily="18" charset="0"/>
-                <a:cs typeface="Times New Roman" panose="02020603050405020304" pitchFamily="18" charset="0"/>
-              </a:rPr>
-              <a:t>Nella schermata della Home è mostrato l'obiettivo attualmente selezionato che l'utente dovrà raggiungere (nel caso in cui non fosse stato ancora selezionato, il campo sarà vuoto).</a:t>
-            </a:r>
-          </a:p>
-          <a:p>
-            <a:pPr marL="0" indent="0" algn="just">
-              <a:buNone/>
+              <a:rPr lang="it-IT" sz="2000" dirty="0" smtClean="0">
+                <a:latin typeface="Times New Roman" panose="02020603050405020304" pitchFamily="18" charset="0"/>
+                <a:cs typeface="Times New Roman" panose="02020603050405020304" pitchFamily="18" charset="0"/>
+              </a:rPr>
+              <a:t>età </a:t>
+            </a:r>
+            <a:r>
+              <a:rPr lang="it-IT" sz="2000" dirty="0" smtClean="0">
+                <a:latin typeface="Times New Roman" panose="02020603050405020304" pitchFamily="18" charset="0"/>
+                <a:cs typeface="Times New Roman" panose="02020603050405020304" pitchFamily="18" charset="0"/>
+              </a:rPr>
+              <a:t>compresa tra i 16 e i 65 anni</a:t>
+            </a:r>
+            <a:r>
+              <a:rPr lang="it-IT" sz="2000" dirty="0" smtClean="0">
+                <a:latin typeface="Times New Roman" panose="02020603050405020304" pitchFamily="18" charset="0"/>
+                <a:cs typeface="Times New Roman" panose="02020603050405020304" pitchFamily="18" charset="0"/>
+              </a:rPr>
+              <a:t>;</a:t>
+            </a:r>
+            <a:endParaRPr lang="it-IT" sz="2000" dirty="0" smtClean="0">
+              <a:latin typeface="Times New Roman" panose="02020603050405020304" pitchFamily="18" charset="0"/>
+              <a:cs typeface="Times New Roman" panose="02020603050405020304" pitchFamily="18" charset="0"/>
+            </a:endParaRPr>
+          </a:p>
+          <a:p>
+            <a:pPr marL="228600" indent="-228600" algn="just">
+              <a:lnSpc>
+                <a:spcPct val="90000"/>
+              </a:lnSpc>
+              <a:spcBef>
+                <a:spcPts val="1000"/>
+              </a:spcBef>
+              <a:buFont typeface="Arial" panose="020B0604020202020204" pitchFamily="34" charset="0"/>
+              <a:buChar char="•"/>
+              <a:defRPr/>
             </a:pPr>
             <a:r>
-              <a:rPr lang="it-IT" sz="2000" dirty="0">
-                <a:latin typeface="Times New Roman" panose="02020603050405020304" pitchFamily="18" charset="0"/>
-                <a:cs typeface="Times New Roman" panose="02020603050405020304" pitchFamily="18" charset="0"/>
-              </a:rPr>
-              <a:t>Un nuovo obiettivo potrà essere selezionato andando alla schermata “</a:t>
-            </a:r>
-            <a:r>
-              <a:rPr lang="it-IT" sz="2000" dirty="0" err="1">
-                <a:latin typeface="Times New Roman" panose="02020603050405020304" pitchFamily="18" charset="0"/>
-                <a:cs typeface="Times New Roman" panose="02020603050405020304" pitchFamily="18" charset="0"/>
-              </a:rPr>
-              <a:t>Goals</a:t>
-            </a:r>
-            <a:r>
-              <a:rPr lang="it-IT" sz="2000" dirty="0">
-                <a:latin typeface="Times New Roman" panose="02020603050405020304" pitchFamily="18" charset="0"/>
-                <a:cs typeface="Times New Roman" panose="02020603050405020304" pitchFamily="18" charset="0"/>
-              </a:rPr>
-              <a:t>” e cliccando sulla </a:t>
-            </a:r>
-            <a:r>
-              <a:rPr lang="it-IT" sz="2000" dirty="0" err="1">
-                <a:latin typeface="Times New Roman" panose="02020603050405020304" pitchFamily="18" charset="0"/>
-                <a:cs typeface="Times New Roman" panose="02020603050405020304" pitchFamily="18" charset="0"/>
-              </a:rPr>
-              <a:t>select</a:t>
-            </a:r>
-            <a:r>
-              <a:rPr lang="it-IT" sz="2000" dirty="0">
-                <a:latin typeface="Times New Roman" panose="02020603050405020304" pitchFamily="18" charset="0"/>
-                <a:cs typeface="Times New Roman" panose="02020603050405020304" pitchFamily="18" charset="0"/>
-              </a:rPr>
-              <a:t> ivi rappresentata. Un messaggio di conferma segnerà il completamento del task.</a:t>
-            </a:r>
-          </a:p>
-          <a:p>
-            <a:pPr marL="0" indent="0" algn="just">
-              <a:buNone/>
+              <a:rPr lang="it-IT" sz="2000" dirty="0" smtClean="0">
+                <a:latin typeface="Times New Roman" panose="02020603050405020304" pitchFamily="18" charset="0"/>
+                <a:cs typeface="Times New Roman" panose="02020603050405020304" pitchFamily="18" charset="0"/>
+              </a:rPr>
+              <a:t>fumatori </a:t>
+            </a:r>
+            <a:r>
+              <a:rPr lang="it-IT" sz="2000" dirty="0" smtClean="0">
+                <a:latin typeface="Times New Roman" panose="02020603050405020304" pitchFamily="18" charset="0"/>
+                <a:cs typeface="Times New Roman" panose="02020603050405020304" pitchFamily="18" charset="0"/>
+              </a:rPr>
+              <a:t>abituali (fumano almeno 3-5 sigarette al giorno</a:t>
+            </a:r>
+            <a:r>
+              <a:rPr lang="it-IT" sz="2000" dirty="0" smtClean="0">
+                <a:latin typeface="Times New Roman" panose="02020603050405020304" pitchFamily="18" charset="0"/>
+                <a:cs typeface="Times New Roman" panose="02020603050405020304" pitchFamily="18" charset="0"/>
+              </a:rPr>
+              <a:t>);</a:t>
+            </a:r>
+          </a:p>
+          <a:p>
+            <a:pPr marL="228600" indent="-228600" algn="just">
+              <a:lnSpc>
+                <a:spcPct val="90000"/>
+              </a:lnSpc>
+              <a:spcBef>
+                <a:spcPts val="1000"/>
+              </a:spcBef>
+              <a:buFont typeface="Arial" panose="020B0604020202020204" pitchFamily="34" charset="0"/>
+              <a:buChar char="•"/>
+              <a:defRPr/>
             </a:pPr>
             <a:r>
-              <a:rPr lang="it-IT" sz="2000" b="1" dirty="0">
-                <a:latin typeface="Times New Roman" panose="02020603050405020304" pitchFamily="18" charset="0"/>
-                <a:cs typeface="Times New Roman" panose="02020603050405020304" pitchFamily="18" charset="0"/>
-              </a:rPr>
-              <a:t>4.1 Selezionare l’obiettivo “</a:t>
-            </a:r>
-            <a:r>
-              <a:rPr lang="it-IT" sz="2000" b="1" dirty="0" err="1">
-                <a:latin typeface="Times New Roman" panose="02020603050405020304" pitchFamily="18" charset="0"/>
-                <a:cs typeface="Times New Roman" panose="02020603050405020304" pitchFamily="18" charset="0"/>
-              </a:rPr>
-              <a:t>Only</a:t>
-            </a:r>
-            <a:r>
-              <a:rPr lang="it-IT" sz="2000" b="1" dirty="0">
-                <a:latin typeface="Times New Roman" panose="02020603050405020304" pitchFamily="18" charset="0"/>
-                <a:cs typeface="Times New Roman" panose="02020603050405020304" pitchFamily="18" charset="0"/>
-              </a:rPr>
-              <a:t> 10 </a:t>
-            </a:r>
-            <a:r>
-              <a:rPr lang="it-IT" sz="2000" b="1" dirty="0" err="1">
-                <a:latin typeface="Times New Roman" panose="02020603050405020304" pitchFamily="18" charset="0"/>
-                <a:cs typeface="Times New Roman" panose="02020603050405020304" pitchFamily="18" charset="0"/>
-              </a:rPr>
-              <a:t>cigarettes</a:t>
-            </a:r>
-            <a:r>
-              <a:rPr lang="it-IT" sz="2000" b="1" dirty="0">
-                <a:latin typeface="Times New Roman" panose="02020603050405020304" pitchFamily="18" charset="0"/>
-                <a:cs typeface="Times New Roman" panose="02020603050405020304" pitchFamily="18" charset="0"/>
-              </a:rPr>
-              <a:t> </a:t>
-            </a:r>
-            <a:r>
-              <a:rPr lang="it-IT" sz="2000" b="1" dirty="0" err="1">
-                <a:latin typeface="Times New Roman" panose="02020603050405020304" pitchFamily="18" charset="0"/>
-                <a:cs typeface="Times New Roman" panose="02020603050405020304" pitchFamily="18" charset="0"/>
-              </a:rPr>
-              <a:t>smoked</a:t>
-            </a:r>
-            <a:r>
-              <a:rPr lang="it-IT" sz="2000" b="1" dirty="0">
-                <a:latin typeface="Times New Roman" panose="02020603050405020304" pitchFamily="18" charset="0"/>
-                <a:cs typeface="Times New Roman" panose="02020603050405020304" pitchFamily="18" charset="0"/>
-              </a:rPr>
-              <a:t>”. </a:t>
-            </a:r>
-            <a:r>
-              <a:rPr lang="it-IT" sz="2000" dirty="0">
-                <a:latin typeface="Times New Roman" panose="02020603050405020304" pitchFamily="18" charset="0"/>
-                <a:cs typeface="Times New Roman" panose="02020603050405020304" pitchFamily="18" charset="0"/>
-              </a:rPr>
-              <a:t>In particolare, verrà richiesto all’utente di testare l’obiettivo “</a:t>
-            </a:r>
-            <a:r>
-              <a:rPr lang="it-IT" sz="2000" dirty="0" err="1">
-                <a:latin typeface="Times New Roman" panose="02020603050405020304" pitchFamily="18" charset="0"/>
-                <a:cs typeface="Times New Roman" panose="02020603050405020304" pitchFamily="18" charset="0"/>
-              </a:rPr>
-              <a:t>Only</a:t>
-            </a:r>
-            <a:r>
-              <a:rPr lang="it-IT" sz="2000" dirty="0">
-                <a:latin typeface="Times New Roman" panose="02020603050405020304" pitchFamily="18" charset="0"/>
-                <a:cs typeface="Times New Roman" panose="02020603050405020304" pitchFamily="18" charset="0"/>
-              </a:rPr>
-              <a:t> 10 </a:t>
-            </a:r>
-            <a:r>
-              <a:rPr lang="it-IT" sz="2000" dirty="0" err="1">
-                <a:latin typeface="Times New Roman" panose="02020603050405020304" pitchFamily="18" charset="0"/>
-                <a:cs typeface="Times New Roman" panose="02020603050405020304" pitchFamily="18" charset="0"/>
-              </a:rPr>
-              <a:t>cigarettes</a:t>
-            </a:r>
-            <a:r>
-              <a:rPr lang="it-IT" sz="2000" dirty="0">
-                <a:latin typeface="Times New Roman" panose="02020603050405020304" pitchFamily="18" charset="0"/>
-                <a:cs typeface="Times New Roman" panose="02020603050405020304" pitchFamily="18" charset="0"/>
-              </a:rPr>
-              <a:t> </a:t>
-            </a:r>
-            <a:r>
-              <a:rPr lang="it-IT" sz="2000" dirty="0" err="1">
-                <a:latin typeface="Times New Roman" panose="02020603050405020304" pitchFamily="18" charset="0"/>
-                <a:cs typeface="Times New Roman" panose="02020603050405020304" pitchFamily="18" charset="0"/>
-              </a:rPr>
-              <a:t>smoked</a:t>
-            </a:r>
-            <a:r>
-              <a:rPr lang="it-IT" sz="2000" dirty="0">
-                <a:latin typeface="Times New Roman" panose="02020603050405020304" pitchFamily="18" charset="0"/>
-                <a:cs typeface="Times New Roman" panose="02020603050405020304" pitchFamily="18" charset="0"/>
-              </a:rPr>
-              <a:t>”, in questo modo sarà possibile visualizzare gli effetti dell’</a:t>
-            </a:r>
-            <a:r>
-              <a:rPr lang="it-IT" sz="2000" dirty="0" err="1">
-                <a:latin typeface="Times New Roman" panose="02020603050405020304" pitchFamily="18" charset="0"/>
-                <a:cs typeface="Times New Roman" panose="02020603050405020304" pitchFamily="18" charset="0"/>
-              </a:rPr>
-              <a:t>app</a:t>
-            </a:r>
-            <a:r>
-              <a:rPr lang="it-IT" sz="2000" dirty="0">
-                <a:latin typeface="Times New Roman" panose="02020603050405020304" pitchFamily="18" charset="0"/>
-                <a:cs typeface="Times New Roman" panose="02020603050405020304" pitchFamily="18" charset="0"/>
-              </a:rPr>
-              <a:t> a seguito di questa scelta.</a:t>
-            </a:r>
-          </a:p>
-          <a:p>
-            <a:pPr marL="0" indent="0">
-              <a:buNone/>
-            </a:pPr>
-            <a:endParaRPr lang="it-IT" dirty="0"/>
+              <a:rPr lang="it-IT" sz="2000" dirty="0" smtClean="0">
+                <a:latin typeface="Times New Roman" panose="02020603050405020304" pitchFamily="18" charset="0"/>
+                <a:cs typeface="Times New Roman" panose="02020603050405020304" pitchFamily="18" charset="0"/>
+              </a:rPr>
+              <a:t>capaci di usare dispositivi mobili</a:t>
+            </a:r>
+            <a:r>
+              <a:rPr lang="it-IT" sz="2000" dirty="0" smtClean="0">
+                <a:latin typeface="Times New Roman" panose="02020603050405020304" pitchFamily="18" charset="0"/>
+                <a:cs typeface="Times New Roman" panose="02020603050405020304" pitchFamily="18" charset="0"/>
+              </a:rPr>
+              <a:t>.</a:t>
+            </a:r>
+            <a:endParaRPr lang="it-IT" sz="2000" dirty="0" smtClean="0">
+              <a:latin typeface="Times New Roman" panose="02020603050405020304" pitchFamily="18" charset="0"/>
+              <a:cs typeface="Times New Roman" panose="02020603050405020304" pitchFamily="18" charset="0"/>
+            </a:endParaRPr>
           </a:p>
         </p:txBody>
       </p:sp>
     </p:spTree>
     <p:extLst>
       <p:ext uri="{BB962C8B-B14F-4D97-AF65-F5344CB8AC3E}">
-        <p14:creationId xmlns:p14="http://schemas.microsoft.com/office/powerpoint/2010/main" val="723523181"/>
+        <p14:creationId xmlns:p14="http://schemas.microsoft.com/office/powerpoint/2010/main" xmlns="" val="2017438073"/>
       </p:ext>
     </p:extLst>
   </p:cSld>
@@ -3849,18 +3984,831 @@
       </p:grpSpPr>
       <p:sp>
         <p:nvSpPr>
-          <p:cNvPr id="2" name="Titolo 1"/>
-          <p:cNvSpPr>
-            <a:spLocks noGrp="1"/>
-          </p:cNvSpPr>
-          <p:nvPr>
-            <p:ph type="title"/>
-          </p:nvPr>
+          <p:cNvPr id="6" name="Titolo 1"/>
+          <p:cNvSpPr txBox="1">
+            <a:spLocks/>
+          </p:cNvSpPr>
+          <p:nvPr/>
         </p:nvSpPr>
         <p:spPr>
           <a:xfrm>
-            <a:off x="628650" y="0"/>
-            <a:ext cx="7886700" cy="1325563"/>
+            <a:off x="628650" y="444137"/>
+            <a:ext cx="7886700" cy="653143"/>
+          </a:xfrm>
+          <a:prstGeom prst="rect">
+            <a:avLst/>
+          </a:prstGeom>
+        </p:spPr>
+        <p:txBody>
+          <a:bodyPr vert="horz" lIns="91440" tIns="45720" rIns="91440" bIns="45720" rtlCol="0" anchor="ctr">
+            <a:normAutofit/>
+          </a:bodyPr>
+          <a:lstStyle/>
+          <a:p>
+            <a:pPr marL="0" marR="0" lvl="0" indent="0" algn="l" defTabSz="914400" rtl="0" eaLnBrk="1" fontAlgn="auto" latinLnBrk="0" hangingPunct="1">
+              <a:lnSpc>
+                <a:spcPct val="90000"/>
+              </a:lnSpc>
+              <a:spcBef>
+                <a:spcPct val="0"/>
+              </a:spcBef>
+              <a:spcAft>
+                <a:spcPts val="0"/>
+              </a:spcAft>
+              <a:buClrTx/>
+              <a:buSzTx/>
+              <a:buFontTx/>
+              <a:buNone/>
+              <a:tabLst/>
+              <a:defRPr/>
+            </a:pPr>
+            <a:r>
+              <a:rPr kumimoji="0" lang="it-IT" sz="2800" b="1" i="0" u="none" strike="noStrike" kern="1200" cap="none" spc="0" normalizeH="0" baseline="0" noProof="0" dirty="0" err="1" smtClean="0">
+                <a:ln>
+                  <a:noFill/>
+                </a:ln>
+                <a:solidFill>
+                  <a:schemeClr val="tx1"/>
+                </a:solidFill>
+                <a:effectLst/>
+                <a:uLnTx/>
+                <a:uFillTx/>
+                <a:latin typeface="Times New Roman" panose="02020603050405020304" pitchFamily="18" charset="0"/>
+                <a:ea typeface="+mj-ea"/>
+                <a:cs typeface="Times New Roman" panose="02020603050405020304" pitchFamily="18" charset="0"/>
+              </a:rPr>
+              <a:t>User</a:t>
+            </a:r>
+            <a:r>
+              <a:rPr kumimoji="0" lang="it-IT" sz="2800" b="1" i="0" u="none" strike="noStrike" kern="1200" cap="none" spc="0" normalizeH="0" baseline="0" noProof="0" dirty="0" smtClean="0">
+                <a:ln>
+                  <a:noFill/>
+                </a:ln>
+                <a:solidFill>
+                  <a:schemeClr val="tx1"/>
+                </a:solidFill>
+                <a:effectLst/>
+                <a:uLnTx/>
+                <a:uFillTx/>
+                <a:latin typeface="Times New Roman" panose="02020603050405020304" pitchFamily="18" charset="0"/>
+                <a:ea typeface="+mj-ea"/>
+                <a:cs typeface="Times New Roman" panose="02020603050405020304" pitchFamily="18" charset="0"/>
+              </a:rPr>
+              <a:t> </a:t>
+            </a:r>
+            <a:r>
+              <a:rPr kumimoji="0" lang="it-IT" sz="2800" b="1" i="0" u="none" strike="noStrike" kern="1200" cap="none" spc="0" normalizeH="0" baseline="0" noProof="0" dirty="0" err="1" smtClean="0">
+                <a:ln>
+                  <a:noFill/>
+                </a:ln>
+                <a:solidFill>
+                  <a:schemeClr val="tx1"/>
+                </a:solidFill>
+                <a:effectLst/>
+                <a:uLnTx/>
+                <a:uFillTx/>
+                <a:latin typeface="Times New Roman" panose="02020603050405020304" pitchFamily="18" charset="0"/>
+                <a:ea typeface="+mj-ea"/>
+                <a:cs typeface="Times New Roman" panose="02020603050405020304" pitchFamily="18" charset="0"/>
+              </a:rPr>
+              <a:t>Testing</a:t>
+            </a:r>
+            <a:r>
+              <a:rPr kumimoji="0" lang="it-IT" sz="2800" b="1" i="0" u="none" strike="noStrike" kern="1200" cap="none" spc="0" normalizeH="0" baseline="0" noProof="0" dirty="0" smtClean="0">
+                <a:ln>
+                  <a:noFill/>
+                </a:ln>
+                <a:solidFill>
+                  <a:schemeClr val="tx1"/>
+                </a:solidFill>
+                <a:effectLst/>
+                <a:uLnTx/>
+                <a:uFillTx/>
+                <a:latin typeface="Times New Roman" panose="02020603050405020304" pitchFamily="18" charset="0"/>
+                <a:ea typeface="+mj-ea"/>
+                <a:cs typeface="Times New Roman" panose="02020603050405020304" pitchFamily="18" charset="0"/>
+              </a:rPr>
+              <a:t> </a:t>
+            </a:r>
+            <a:r>
+              <a:rPr kumimoji="0" lang="it-IT" sz="2800" b="1" i="0" u="none" strike="noStrike" kern="1200" cap="none" spc="0" normalizeH="0" baseline="0" noProof="0" dirty="0" err="1" smtClean="0">
+                <a:ln>
+                  <a:noFill/>
+                </a:ln>
+                <a:solidFill>
+                  <a:schemeClr val="tx1"/>
+                </a:solidFill>
+                <a:effectLst/>
+                <a:uLnTx/>
+                <a:uFillTx/>
+                <a:latin typeface="Times New Roman" panose="02020603050405020304" pitchFamily="18" charset="0"/>
+                <a:ea typeface="+mj-ea"/>
+                <a:cs typeface="Times New Roman" panose="02020603050405020304" pitchFamily="18" charset="0"/>
+              </a:rPr>
+              <a:t>Plan</a:t>
+            </a:r>
+            <a:r>
+              <a:rPr kumimoji="0" lang="it-IT" sz="2800" b="1" i="0" u="none" strike="noStrike" kern="1200" cap="none" spc="0" normalizeH="0" baseline="0" noProof="0" dirty="0" smtClean="0">
+                <a:ln>
+                  <a:noFill/>
+                </a:ln>
+                <a:solidFill>
+                  <a:schemeClr val="tx1"/>
+                </a:solidFill>
+                <a:effectLst/>
+                <a:uLnTx/>
+                <a:uFillTx/>
+                <a:latin typeface="Times New Roman" panose="02020603050405020304" pitchFamily="18" charset="0"/>
+                <a:ea typeface="+mj-ea"/>
+                <a:cs typeface="Times New Roman" panose="02020603050405020304" pitchFamily="18" charset="0"/>
+              </a:rPr>
+              <a:t> </a:t>
+            </a:r>
+            <a:r>
+              <a:rPr kumimoji="0" lang="it-IT" sz="2800" b="1" i="0" u="none" strike="noStrike" kern="1200" cap="none" spc="0" normalizeH="0" baseline="0" noProof="0" dirty="0" smtClean="0">
+                <a:ln>
+                  <a:noFill/>
+                </a:ln>
+                <a:solidFill>
+                  <a:schemeClr val="tx1"/>
+                </a:solidFill>
+                <a:effectLst/>
+                <a:uLnTx/>
+                <a:uFillTx/>
+                <a:latin typeface="Times New Roman" panose="02020603050405020304" pitchFamily="18" charset="0"/>
+                <a:ea typeface="+mj-ea"/>
+                <a:cs typeface="Times New Roman" panose="02020603050405020304" pitchFamily="18" charset="0"/>
+              </a:rPr>
+              <a:t>(4)</a:t>
+            </a:r>
+            <a:endParaRPr kumimoji="0" lang="it-IT" sz="2800" b="0" i="0" u="none" strike="noStrike" kern="1200" cap="none" spc="0" normalizeH="0" baseline="0" noProof="0" dirty="0">
+              <a:ln>
+                <a:noFill/>
+              </a:ln>
+              <a:solidFill>
+                <a:schemeClr val="tx1"/>
+              </a:solidFill>
+              <a:effectLst/>
+              <a:uLnTx/>
+              <a:uFillTx/>
+              <a:latin typeface="+mj-lt"/>
+              <a:ea typeface="+mj-ea"/>
+              <a:cs typeface="+mj-cs"/>
+            </a:endParaRPr>
+          </a:p>
+        </p:txBody>
+      </p:sp>
+      <p:sp>
+        <p:nvSpPr>
+          <p:cNvPr id="4" name="Segnaposto contenuto 2"/>
+          <p:cNvSpPr txBox="1">
+            <a:spLocks/>
+          </p:cNvSpPr>
+          <p:nvPr/>
+        </p:nvSpPr>
+        <p:spPr>
+          <a:xfrm>
+            <a:off x="628650" y="1275008"/>
+            <a:ext cx="7886700" cy="5280338"/>
+          </a:xfrm>
+          <a:prstGeom prst="rect">
+            <a:avLst/>
+          </a:prstGeom>
+        </p:spPr>
+        <p:txBody>
+          <a:bodyPr vert="horz" lIns="91440" tIns="45720" rIns="91440" bIns="45720" rtlCol="0">
+            <a:normAutofit fontScale="92500" lnSpcReduction="20000"/>
+          </a:bodyPr>
+          <a:lstStyle/>
+          <a:p>
+            <a:pPr marL="0" marR="0" lvl="0" indent="0" algn="ctr" defTabSz="914400" rtl="0" eaLnBrk="1" fontAlgn="auto" latinLnBrk="0" hangingPunct="1">
+              <a:lnSpc>
+                <a:spcPct val="120000"/>
+              </a:lnSpc>
+              <a:spcBef>
+                <a:spcPts val="1000"/>
+              </a:spcBef>
+              <a:spcAft>
+                <a:spcPts val="0"/>
+              </a:spcAft>
+              <a:buClrTx/>
+              <a:buSzTx/>
+              <a:buFont typeface="Arial" panose="020B0604020202020204" pitchFamily="34" charset="0"/>
+              <a:buNone/>
+              <a:tabLst/>
+              <a:defRPr/>
+            </a:pPr>
+            <a:r>
+              <a:rPr kumimoji="0" lang="it-IT" sz="2700" b="1" i="0" u="none" strike="noStrike" kern="1200" cap="none" spc="0" normalizeH="0" baseline="0" noProof="0" dirty="0" smtClean="0">
+                <a:ln>
+                  <a:noFill/>
+                </a:ln>
+                <a:solidFill>
+                  <a:schemeClr val="tx1"/>
+                </a:solidFill>
+                <a:effectLst/>
+                <a:uLnTx/>
+                <a:uFillTx/>
+                <a:latin typeface="Times New Roman" panose="02020603050405020304" pitchFamily="18" charset="0"/>
+                <a:ea typeface="+mn-ea"/>
+                <a:cs typeface="Times New Roman" panose="02020603050405020304" pitchFamily="18" charset="0"/>
+              </a:rPr>
+              <a:t>Durata</a:t>
+            </a:r>
+            <a:endParaRPr kumimoji="0" lang="it-IT" sz="2700" b="0" i="0" u="none" strike="noStrike" kern="1200" cap="none" spc="0" normalizeH="0" baseline="0" noProof="0" dirty="0" smtClean="0">
+              <a:ln>
+                <a:noFill/>
+              </a:ln>
+              <a:solidFill>
+                <a:schemeClr val="tx1"/>
+              </a:solidFill>
+              <a:effectLst/>
+              <a:uLnTx/>
+              <a:uFillTx/>
+              <a:latin typeface="Times New Roman" panose="02020603050405020304" pitchFamily="18" charset="0"/>
+              <a:ea typeface="+mn-ea"/>
+              <a:cs typeface="Times New Roman" panose="02020603050405020304" pitchFamily="18" charset="0"/>
+            </a:endParaRPr>
+          </a:p>
+          <a:p>
+            <a:pPr algn="just"/>
+            <a:endParaRPr lang="it-IT" sz="2200" dirty="0" smtClean="0">
+              <a:latin typeface="Times New Roman" panose="02020603050405020304" pitchFamily="18" charset="0"/>
+              <a:cs typeface="Times New Roman" panose="02020603050405020304" pitchFamily="18" charset="0"/>
+            </a:endParaRPr>
+          </a:p>
+          <a:p>
+            <a:pPr algn="just"/>
+            <a:r>
+              <a:rPr lang="it-IT" sz="2200" dirty="0" smtClean="0">
+                <a:latin typeface="Times New Roman" panose="02020603050405020304" pitchFamily="18" charset="0"/>
+                <a:cs typeface="Times New Roman" panose="02020603050405020304" pitchFamily="18" charset="0"/>
+              </a:rPr>
+              <a:t>Il test non dovrebbe richiedere più di 20/30 minuti per ciascun partecipante</a:t>
+            </a:r>
+            <a:r>
+              <a:rPr lang="it-IT" sz="2200" dirty="0" smtClean="0">
+                <a:latin typeface="Times New Roman" panose="02020603050405020304" pitchFamily="18" charset="0"/>
+                <a:cs typeface="Times New Roman" panose="02020603050405020304" pitchFamily="18" charset="0"/>
+              </a:rPr>
+              <a:t>.</a:t>
+            </a:r>
+          </a:p>
+          <a:p>
+            <a:pPr algn="just"/>
+            <a:endParaRPr lang="it-IT" sz="2200" dirty="0" smtClean="0">
+              <a:latin typeface="Times New Roman" panose="02020603050405020304" pitchFamily="18" charset="0"/>
+              <a:cs typeface="Times New Roman" panose="02020603050405020304" pitchFamily="18" charset="0"/>
+            </a:endParaRPr>
+          </a:p>
+          <a:p>
+            <a:pPr algn="ctr"/>
+            <a:endParaRPr lang="it-IT" sz="2200" b="1" dirty="0" smtClean="0">
+              <a:latin typeface="Times New Roman" panose="02020603050405020304" pitchFamily="18" charset="0"/>
+              <a:cs typeface="Times New Roman" panose="02020603050405020304" pitchFamily="18" charset="0"/>
+            </a:endParaRPr>
+          </a:p>
+          <a:p>
+            <a:pPr algn="ctr"/>
+            <a:r>
+              <a:rPr lang="it-IT" sz="2700" b="1" dirty="0" smtClean="0">
+                <a:latin typeface="Times New Roman" panose="02020603050405020304" pitchFamily="18" charset="0"/>
+                <a:cs typeface="Times New Roman" panose="02020603050405020304" pitchFamily="18" charset="0"/>
+              </a:rPr>
+              <a:t>Luogo</a:t>
+            </a:r>
+          </a:p>
+          <a:p>
+            <a:pPr algn="ctr"/>
+            <a:endParaRPr lang="it-IT" sz="2200" dirty="0" smtClean="0">
+              <a:latin typeface="Times New Roman" panose="02020603050405020304" pitchFamily="18" charset="0"/>
+              <a:cs typeface="Times New Roman" panose="02020603050405020304" pitchFamily="18" charset="0"/>
+            </a:endParaRPr>
+          </a:p>
+          <a:p>
+            <a:pPr algn="just"/>
+            <a:r>
+              <a:rPr lang="it-IT" sz="2200" dirty="0" smtClean="0">
+                <a:latin typeface="Times New Roman" panose="02020603050405020304" pitchFamily="18" charset="0"/>
+                <a:cs typeface="Times New Roman" panose="02020603050405020304" pitchFamily="18" charset="0"/>
+              </a:rPr>
+              <a:t>Il test sarà effettuato tramite </a:t>
+            </a:r>
+            <a:r>
+              <a:rPr lang="it-IT" sz="2200" dirty="0" err="1" smtClean="0">
+                <a:latin typeface="Times New Roman" panose="02020603050405020304" pitchFamily="18" charset="0"/>
+                <a:cs typeface="Times New Roman" panose="02020603050405020304" pitchFamily="18" charset="0"/>
+              </a:rPr>
+              <a:t>smartphone</a:t>
+            </a:r>
+            <a:r>
+              <a:rPr lang="it-IT" sz="2200" dirty="0" smtClean="0">
+                <a:latin typeface="Times New Roman" panose="02020603050405020304" pitchFamily="18" charset="0"/>
+                <a:cs typeface="Times New Roman" panose="02020603050405020304" pitchFamily="18" charset="0"/>
+              </a:rPr>
+              <a:t> in un ambiente domestico, in modo da poter simulare quanto più possibile uno scenario reale di utilizzo dell’app</a:t>
+            </a:r>
+            <a:r>
+              <a:rPr lang="it-IT" sz="2200" dirty="0" smtClean="0">
+                <a:latin typeface="Times New Roman" panose="02020603050405020304" pitchFamily="18" charset="0"/>
+                <a:cs typeface="Times New Roman" panose="02020603050405020304" pitchFamily="18" charset="0"/>
+              </a:rPr>
+              <a:t>.</a:t>
+            </a:r>
+          </a:p>
+          <a:p>
+            <a:pPr lvl="0" algn="ctr">
+              <a:lnSpc>
+                <a:spcPct val="120000"/>
+              </a:lnSpc>
+              <a:spcBef>
+                <a:spcPts val="1000"/>
+              </a:spcBef>
+              <a:defRPr/>
+            </a:pPr>
+            <a:endParaRPr lang="it-IT" sz="2200" b="1" dirty="0" smtClean="0">
+              <a:latin typeface="Times New Roman" panose="02020603050405020304" pitchFamily="18" charset="0"/>
+              <a:cs typeface="Times New Roman" panose="02020603050405020304" pitchFamily="18" charset="0"/>
+            </a:endParaRPr>
+          </a:p>
+          <a:p>
+            <a:pPr lvl="0" algn="ctr">
+              <a:lnSpc>
+                <a:spcPct val="120000"/>
+              </a:lnSpc>
+              <a:spcBef>
+                <a:spcPts val="1000"/>
+              </a:spcBef>
+              <a:defRPr/>
+            </a:pPr>
+            <a:r>
+              <a:rPr lang="it-IT" sz="2700" b="1" dirty="0" smtClean="0">
+                <a:latin typeface="Times New Roman" panose="02020603050405020304" pitchFamily="18" charset="0"/>
+                <a:cs typeface="Times New Roman" panose="02020603050405020304" pitchFamily="18" charset="0"/>
+              </a:rPr>
+              <a:t>Periodo</a:t>
+            </a:r>
+            <a:endParaRPr lang="it-IT" sz="2700" dirty="0" smtClean="0">
+              <a:latin typeface="Times New Roman" panose="02020603050405020304" pitchFamily="18" charset="0"/>
+              <a:cs typeface="Times New Roman" panose="02020603050405020304" pitchFamily="18" charset="0"/>
+            </a:endParaRPr>
+          </a:p>
+          <a:p>
+            <a:pPr algn="just"/>
+            <a:r>
+              <a:rPr lang="it-IT" sz="2000" dirty="0" smtClean="0">
+                <a:latin typeface="Times New Roman" panose="02020603050405020304" pitchFamily="18" charset="0"/>
+                <a:cs typeface="Times New Roman" panose="02020603050405020304" pitchFamily="18" charset="0"/>
+              </a:rPr>
+              <a:t> </a:t>
+            </a:r>
+          </a:p>
+          <a:p>
+            <a:pPr algn="just"/>
+            <a:r>
+              <a:rPr lang="it-IT" sz="2200" dirty="0" smtClean="0">
+                <a:latin typeface="Times New Roman" panose="02020603050405020304" pitchFamily="18" charset="0"/>
+                <a:cs typeface="Times New Roman" panose="02020603050405020304" pitchFamily="18" charset="0"/>
+              </a:rPr>
+              <a:t>Il test sarà effettuato in un periodo in cui sia i valutatori che gli sviluppatori saranno liberi per poter comunicare, pertanto orientativamente potrà essere eseguito tra le 18 e le 20 dei giorni tra l’8 e l’11 Giugno.</a:t>
+            </a:r>
+          </a:p>
+          <a:p>
+            <a:pPr algn="just"/>
+            <a:endParaRPr lang="it-IT" sz="2000" dirty="0" smtClean="0">
+              <a:latin typeface="Times New Roman" panose="02020603050405020304" pitchFamily="18" charset="0"/>
+              <a:cs typeface="Times New Roman" panose="02020603050405020304" pitchFamily="18" charset="0"/>
+            </a:endParaRPr>
+          </a:p>
+          <a:p>
+            <a:pPr algn="just"/>
+            <a:r>
+              <a:rPr lang="it-IT" sz="2000" dirty="0" smtClean="0">
+                <a:latin typeface="Times New Roman" panose="02020603050405020304" pitchFamily="18" charset="0"/>
+                <a:cs typeface="Times New Roman" panose="02020603050405020304" pitchFamily="18" charset="0"/>
+              </a:rPr>
+              <a:t>  </a:t>
+            </a:r>
+            <a:endParaRPr lang="it-IT" sz="2000" dirty="0">
+              <a:latin typeface="Times New Roman" panose="02020603050405020304" pitchFamily="18" charset="0"/>
+              <a:cs typeface="Times New Roman" panose="02020603050405020304" pitchFamily="18" charset="0"/>
+            </a:endParaRPr>
+          </a:p>
+        </p:txBody>
+      </p:sp>
+    </p:spTree>
+    <p:extLst>
+      <p:ext uri="{BB962C8B-B14F-4D97-AF65-F5344CB8AC3E}">
+        <p14:creationId xmlns:p14="http://schemas.microsoft.com/office/powerpoint/2010/main" xmlns="" val="2017438073"/>
+      </p:ext>
+    </p:extLst>
+  </p:cSld>
+  <p:clrMapOvr>
+    <a:masterClrMapping/>
+  </p:clrMapOvr>
+</p:sld>
+</file>
+
+<file path=ppt/slides/slide13.xml><?xml version="1.0" encoding="utf-8"?>
+<p:sld xmlns:a="http://schemas.openxmlformats.org/drawingml/2006/main" xmlns:r="http://schemas.openxmlformats.org/officeDocument/2006/relationships" xmlns:p="http://schemas.openxmlformats.org/presentationml/2006/main">
+  <p:cSld>
+    <p:spTree>
+      <p:nvGrpSpPr>
+        <p:cNvPr id="1" name=""/>
+        <p:cNvGrpSpPr/>
+        <p:nvPr/>
+      </p:nvGrpSpPr>
+      <p:grpSpPr>
+        <a:xfrm>
+          <a:off x="0" y="0"/>
+          <a:ext cx="0" cy="0"/>
+          <a:chOff x="0" y="0"/>
+          <a:chExt cx="0" cy="0"/>
+        </a:xfrm>
+      </p:grpSpPr>
+      <p:sp>
+        <p:nvSpPr>
+          <p:cNvPr id="5" name="Titolo 1"/>
+          <p:cNvSpPr txBox="1">
+            <a:spLocks/>
+          </p:cNvSpPr>
+          <p:nvPr/>
+        </p:nvSpPr>
+        <p:spPr>
+          <a:xfrm>
+            <a:off x="628650" y="444137"/>
+            <a:ext cx="7886700" cy="653143"/>
+          </a:xfrm>
+          <a:prstGeom prst="rect">
+            <a:avLst/>
+          </a:prstGeom>
+        </p:spPr>
+        <p:txBody>
+          <a:bodyPr vert="horz" lIns="91440" tIns="45720" rIns="91440" bIns="45720" rtlCol="0" anchor="ctr">
+            <a:normAutofit/>
+          </a:bodyPr>
+          <a:lstStyle/>
+          <a:p>
+            <a:pPr marL="0" marR="0" lvl="0" indent="0" algn="l" defTabSz="914400" rtl="0" eaLnBrk="1" fontAlgn="auto" latinLnBrk="0" hangingPunct="1">
+              <a:lnSpc>
+                <a:spcPct val="90000"/>
+              </a:lnSpc>
+              <a:spcBef>
+                <a:spcPct val="0"/>
+              </a:spcBef>
+              <a:spcAft>
+                <a:spcPts val="0"/>
+              </a:spcAft>
+              <a:buClrTx/>
+              <a:buSzTx/>
+              <a:buFontTx/>
+              <a:buNone/>
+              <a:tabLst/>
+              <a:defRPr/>
+            </a:pPr>
+            <a:r>
+              <a:rPr kumimoji="0" lang="it-IT" sz="2800" b="1" i="0" u="none" strike="noStrike" kern="1200" cap="none" spc="0" normalizeH="0" baseline="0" noProof="0" dirty="0" err="1" smtClean="0">
+                <a:ln>
+                  <a:noFill/>
+                </a:ln>
+                <a:solidFill>
+                  <a:schemeClr val="tx1"/>
+                </a:solidFill>
+                <a:effectLst/>
+                <a:uLnTx/>
+                <a:uFillTx/>
+                <a:latin typeface="Times New Roman" panose="02020603050405020304" pitchFamily="18" charset="0"/>
+                <a:ea typeface="+mj-ea"/>
+                <a:cs typeface="Times New Roman" panose="02020603050405020304" pitchFamily="18" charset="0"/>
+              </a:rPr>
+              <a:t>User</a:t>
+            </a:r>
+            <a:r>
+              <a:rPr kumimoji="0" lang="it-IT" sz="2800" b="1" i="0" u="none" strike="noStrike" kern="1200" cap="none" spc="0" normalizeH="0" baseline="0" noProof="0" dirty="0" smtClean="0">
+                <a:ln>
+                  <a:noFill/>
+                </a:ln>
+                <a:solidFill>
+                  <a:schemeClr val="tx1"/>
+                </a:solidFill>
+                <a:effectLst/>
+                <a:uLnTx/>
+                <a:uFillTx/>
+                <a:latin typeface="Times New Roman" panose="02020603050405020304" pitchFamily="18" charset="0"/>
+                <a:ea typeface="+mj-ea"/>
+                <a:cs typeface="Times New Roman" panose="02020603050405020304" pitchFamily="18" charset="0"/>
+              </a:rPr>
+              <a:t> </a:t>
+            </a:r>
+            <a:r>
+              <a:rPr kumimoji="0" lang="it-IT" sz="2800" b="1" i="0" u="none" strike="noStrike" kern="1200" cap="none" spc="0" normalizeH="0" baseline="0" noProof="0" dirty="0" err="1" smtClean="0">
+                <a:ln>
+                  <a:noFill/>
+                </a:ln>
+                <a:solidFill>
+                  <a:schemeClr val="tx1"/>
+                </a:solidFill>
+                <a:effectLst/>
+                <a:uLnTx/>
+                <a:uFillTx/>
+                <a:latin typeface="Times New Roman" panose="02020603050405020304" pitchFamily="18" charset="0"/>
+                <a:ea typeface="+mj-ea"/>
+                <a:cs typeface="Times New Roman" panose="02020603050405020304" pitchFamily="18" charset="0"/>
+              </a:rPr>
+              <a:t>Testing</a:t>
+            </a:r>
+            <a:r>
+              <a:rPr kumimoji="0" lang="it-IT" sz="2800" b="1" i="0" u="none" strike="noStrike" kern="1200" cap="none" spc="0" normalizeH="0" baseline="0" noProof="0" dirty="0" smtClean="0">
+                <a:ln>
+                  <a:noFill/>
+                </a:ln>
+                <a:solidFill>
+                  <a:schemeClr val="tx1"/>
+                </a:solidFill>
+                <a:effectLst/>
+                <a:uLnTx/>
+                <a:uFillTx/>
+                <a:latin typeface="Times New Roman" panose="02020603050405020304" pitchFamily="18" charset="0"/>
+                <a:ea typeface="+mj-ea"/>
+                <a:cs typeface="Times New Roman" panose="02020603050405020304" pitchFamily="18" charset="0"/>
+              </a:rPr>
+              <a:t> </a:t>
+            </a:r>
+            <a:r>
+              <a:rPr kumimoji="0" lang="it-IT" sz="2800" b="1" i="0" u="none" strike="noStrike" kern="1200" cap="none" spc="0" normalizeH="0" baseline="0" noProof="0" dirty="0" err="1" smtClean="0">
+                <a:ln>
+                  <a:noFill/>
+                </a:ln>
+                <a:solidFill>
+                  <a:schemeClr val="tx1"/>
+                </a:solidFill>
+                <a:effectLst/>
+                <a:uLnTx/>
+                <a:uFillTx/>
+                <a:latin typeface="Times New Roman" panose="02020603050405020304" pitchFamily="18" charset="0"/>
+                <a:ea typeface="+mj-ea"/>
+                <a:cs typeface="Times New Roman" panose="02020603050405020304" pitchFamily="18" charset="0"/>
+              </a:rPr>
+              <a:t>Plan</a:t>
+            </a:r>
+            <a:r>
+              <a:rPr kumimoji="0" lang="it-IT" sz="2800" b="1" i="0" u="none" strike="noStrike" kern="1200" cap="none" spc="0" normalizeH="0" baseline="0" noProof="0" dirty="0" smtClean="0">
+                <a:ln>
+                  <a:noFill/>
+                </a:ln>
+                <a:solidFill>
+                  <a:schemeClr val="tx1"/>
+                </a:solidFill>
+                <a:effectLst/>
+                <a:uLnTx/>
+                <a:uFillTx/>
+                <a:latin typeface="Times New Roman" panose="02020603050405020304" pitchFamily="18" charset="0"/>
+                <a:ea typeface="+mj-ea"/>
+                <a:cs typeface="Times New Roman" panose="02020603050405020304" pitchFamily="18" charset="0"/>
+              </a:rPr>
+              <a:t> </a:t>
+            </a:r>
+            <a:r>
+              <a:rPr kumimoji="0" lang="it-IT" sz="2800" b="1" i="0" u="none" strike="noStrike" kern="1200" cap="none" spc="0" normalizeH="0" baseline="0" noProof="0" dirty="0" smtClean="0">
+                <a:ln>
+                  <a:noFill/>
+                </a:ln>
+                <a:solidFill>
+                  <a:schemeClr val="tx1"/>
+                </a:solidFill>
+                <a:effectLst/>
+                <a:uLnTx/>
+                <a:uFillTx/>
+                <a:latin typeface="Times New Roman" panose="02020603050405020304" pitchFamily="18" charset="0"/>
+                <a:ea typeface="+mj-ea"/>
+                <a:cs typeface="Times New Roman" panose="02020603050405020304" pitchFamily="18" charset="0"/>
+              </a:rPr>
+              <a:t>(5)</a:t>
+            </a:r>
+            <a:endParaRPr kumimoji="0" lang="it-IT" sz="2800" b="0" i="0" u="none" strike="noStrike" kern="1200" cap="none" spc="0" normalizeH="0" baseline="0" noProof="0" dirty="0">
+              <a:ln>
+                <a:noFill/>
+              </a:ln>
+              <a:solidFill>
+                <a:schemeClr val="tx1"/>
+              </a:solidFill>
+              <a:effectLst/>
+              <a:uLnTx/>
+              <a:uFillTx/>
+              <a:latin typeface="+mj-lt"/>
+              <a:ea typeface="+mj-ea"/>
+              <a:cs typeface="+mj-cs"/>
+            </a:endParaRPr>
+          </a:p>
+        </p:txBody>
+      </p:sp>
+      <p:sp>
+        <p:nvSpPr>
+          <p:cNvPr id="4" name="Segnaposto contenuto 2"/>
+          <p:cNvSpPr txBox="1">
+            <a:spLocks/>
+          </p:cNvSpPr>
+          <p:nvPr/>
+        </p:nvSpPr>
+        <p:spPr>
+          <a:xfrm>
+            <a:off x="628650" y="1275008"/>
+            <a:ext cx="7886700" cy="5280338"/>
+          </a:xfrm>
+          <a:prstGeom prst="rect">
+            <a:avLst/>
+          </a:prstGeom>
+        </p:spPr>
+        <p:txBody>
+          <a:bodyPr vert="horz" lIns="91440" tIns="45720" rIns="91440" bIns="45720" rtlCol="0">
+            <a:normAutofit/>
+          </a:bodyPr>
+          <a:lstStyle/>
+          <a:p>
+            <a:pPr marL="0" marR="0" lvl="0" indent="0" algn="ctr" defTabSz="914400" rtl="0" eaLnBrk="1" fontAlgn="auto" latinLnBrk="0" hangingPunct="1">
+              <a:lnSpc>
+                <a:spcPct val="120000"/>
+              </a:lnSpc>
+              <a:spcBef>
+                <a:spcPts val="1000"/>
+              </a:spcBef>
+              <a:spcAft>
+                <a:spcPts val="0"/>
+              </a:spcAft>
+              <a:buClrTx/>
+              <a:buSzTx/>
+              <a:buFont typeface="Arial" panose="020B0604020202020204" pitchFamily="34" charset="0"/>
+              <a:buNone/>
+              <a:tabLst/>
+              <a:defRPr/>
+            </a:pPr>
+            <a:r>
+              <a:rPr kumimoji="0" lang="it-IT" sz="2500" b="1" i="0" u="none" strike="noStrike" kern="1200" cap="none" spc="0" normalizeH="0" baseline="0" noProof="0" dirty="0" smtClean="0">
+                <a:ln>
+                  <a:noFill/>
+                </a:ln>
+                <a:solidFill>
+                  <a:schemeClr val="tx1"/>
+                </a:solidFill>
+                <a:effectLst/>
+                <a:uLnTx/>
+                <a:uFillTx/>
+                <a:latin typeface="Times New Roman" panose="02020603050405020304" pitchFamily="18" charset="0"/>
+                <a:ea typeface="+mn-ea"/>
+                <a:cs typeface="Times New Roman" panose="02020603050405020304" pitchFamily="18" charset="0"/>
+              </a:rPr>
+              <a:t>Metodologia</a:t>
+            </a:r>
+            <a:endParaRPr kumimoji="0" lang="it-IT" sz="2500" b="0" i="0" u="none" strike="noStrike" kern="1200" cap="none" spc="0" normalizeH="0" baseline="0" noProof="0" dirty="0" smtClean="0">
+              <a:ln>
+                <a:noFill/>
+              </a:ln>
+              <a:solidFill>
+                <a:schemeClr val="tx1"/>
+              </a:solidFill>
+              <a:effectLst/>
+              <a:uLnTx/>
+              <a:uFillTx/>
+              <a:latin typeface="Times New Roman" panose="02020603050405020304" pitchFamily="18" charset="0"/>
+              <a:ea typeface="+mn-ea"/>
+              <a:cs typeface="Times New Roman" panose="02020603050405020304" pitchFamily="18" charset="0"/>
+            </a:endParaRPr>
+          </a:p>
+          <a:p>
+            <a:pPr algn="just"/>
+            <a:endParaRPr lang="it-IT" sz="2000" dirty="0" smtClean="0">
+              <a:latin typeface="Times New Roman" panose="02020603050405020304" pitchFamily="18" charset="0"/>
+              <a:cs typeface="Times New Roman" panose="02020603050405020304" pitchFamily="18" charset="0"/>
+            </a:endParaRPr>
+          </a:p>
+          <a:p>
+            <a:pPr algn="just"/>
+            <a:r>
+              <a:rPr lang="it-IT" sz="2000" dirty="0" smtClean="0">
+                <a:latin typeface="Times New Roman" panose="02020603050405020304" pitchFamily="18" charset="0"/>
+                <a:cs typeface="Times New Roman" panose="02020603050405020304" pitchFamily="18" charset="0"/>
+              </a:rPr>
+              <a:t>Ai </a:t>
+            </a:r>
+            <a:r>
+              <a:rPr lang="it-IT" sz="2000" dirty="0" smtClean="0">
+                <a:latin typeface="Times New Roman" panose="02020603050405020304" pitchFamily="18" charset="0"/>
+                <a:cs typeface="Times New Roman" panose="02020603050405020304" pitchFamily="18" charset="0"/>
+              </a:rPr>
+              <a:t>partecipanti sarà chiesto di eseguire una serie di task rappresentanti vari scenari, qui sotto elencati. Durante lo svolgimento del test si prenderà nota di eventuali commenti dei valutatori attraverso la tecnica del </a:t>
+            </a:r>
+            <a:r>
+              <a:rPr lang="it-IT" sz="2000" i="1" dirty="0" err="1" smtClean="0">
+                <a:latin typeface="Times New Roman" panose="02020603050405020304" pitchFamily="18" charset="0"/>
+                <a:cs typeface="Times New Roman" panose="02020603050405020304" pitchFamily="18" charset="0"/>
+              </a:rPr>
+              <a:t>thinging</a:t>
+            </a:r>
+            <a:r>
+              <a:rPr lang="it-IT" sz="2000" i="1" dirty="0" smtClean="0">
+                <a:latin typeface="Times New Roman" panose="02020603050405020304" pitchFamily="18" charset="0"/>
+                <a:cs typeface="Times New Roman" panose="02020603050405020304" pitchFamily="18" charset="0"/>
+              </a:rPr>
+              <a:t> </a:t>
+            </a:r>
+            <a:r>
+              <a:rPr lang="it-IT" sz="2000" i="1" dirty="0" err="1" smtClean="0">
+                <a:latin typeface="Times New Roman" panose="02020603050405020304" pitchFamily="18" charset="0"/>
+                <a:cs typeface="Times New Roman" panose="02020603050405020304" pitchFamily="18" charset="0"/>
+              </a:rPr>
+              <a:t>aloud</a:t>
+            </a:r>
+            <a:r>
+              <a:rPr lang="it-IT" sz="2000" dirty="0" smtClean="0">
+                <a:latin typeface="Times New Roman" panose="02020603050405020304" pitchFamily="18" charset="0"/>
+                <a:cs typeface="Times New Roman" panose="02020603050405020304" pitchFamily="18" charset="0"/>
+              </a:rPr>
+              <a:t>.</a:t>
+            </a:r>
+          </a:p>
+          <a:p>
+            <a:pPr algn="just"/>
+            <a:r>
+              <a:rPr lang="it-IT" sz="2000" dirty="0" smtClean="0">
+                <a:latin typeface="Times New Roman" panose="02020603050405020304" pitchFamily="18" charset="0"/>
+                <a:cs typeface="Times New Roman" panose="02020603050405020304" pitchFamily="18" charset="0"/>
+              </a:rPr>
+              <a:t>Inoltre, dopo che i partecipanti avranno completato gli scenari, verrà chiesto il loro feedback attraverso la valutazione, con un punteggio da 1 (facile) a 5 (difficile), di ciascun task affrontato sulla base delle difficoltà incontrate durante la sua comprensione ed esecuzione.</a:t>
+            </a:r>
+          </a:p>
+          <a:p>
+            <a:pPr algn="just"/>
+            <a:r>
+              <a:rPr lang="it-IT" sz="2000" dirty="0" smtClean="0">
+                <a:latin typeface="Times New Roman" panose="02020603050405020304" pitchFamily="18" charset="0"/>
+                <a:cs typeface="Times New Roman" panose="02020603050405020304" pitchFamily="18" charset="0"/>
+              </a:rPr>
+              <a:t>All’inizio del test ai partecipanti sarà chiesto di compilare il </a:t>
+            </a:r>
+            <a:r>
+              <a:rPr lang="it-IT" sz="2000" dirty="0" err="1" smtClean="0">
+                <a:latin typeface="Times New Roman" panose="02020603050405020304" pitchFamily="18" charset="0"/>
+                <a:cs typeface="Times New Roman" panose="02020603050405020304" pitchFamily="18" charset="0"/>
+              </a:rPr>
+              <a:t>form</a:t>
+            </a:r>
+            <a:r>
+              <a:rPr lang="it-IT" sz="2000" dirty="0" smtClean="0">
+                <a:latin typeface="Times New Roman" panose="02020603050405020304" pitchFamily="18" charset="0"/>
+                <a:cs typeface="Times New Roman" panose="02020603050405020304" pitchFamily="18" charset="0"/>
+              </a:rPr>
+              <a:t> per il consenso all'utilizzo dei dati di feedback ottenuti dopo il test e dei dati demografici inseriti, anch'essi richiesti durante la fase iniziale.</a:t>
+            </a:r>
+          </a:p>
+          <a:p>
+            <a:endParaRPr lang="it-IT" sz="2000" dirty="0"/>
+          </a:p>
+        </p:txBody>
+      </p:sp>
+    </p:spTree>
+    <p:extLst>
+      <p:ext uri="{BB962C8B-B14F-4D97-AF65-F5344CB8AC3E}">
+        <p14:creationId xmlns:p14="http://schemas.microsoft.com/office/powerpoint/2010/main" xmlns="" val="115604845"/>
+      </p:ext>
+    </p:extLst>
+  </p:cSld>
+  <p:clrMapOvr>
+    <a:masterClrMapping/>
+  </p:clrMapOvr>
+</p:sld>
+</file>
+
+<file path=ppt/slides/slide14.xml><?xml version="1.0" encoding="utf-8"?>
+<p:sld xmlns:a="http://schemas.openxmlformats.org/drawingml/2006/main" xmlns:r="http://schemas.openxmlformats.org/officeDocument/2006/relationships" xmlns:p="http://schemas.openxmlformats.org/presentationml/2006/main">
+  <p:cSld>
+    <p:spTree>
+      <p:nvGrpSpPr>
+        <p:cNvPr id="1" name=""/>
+        <p:cNvGrpSpPr/>
+        <p:nvPr/>
+      </p:nvGrpSpPr>
+      <p:grpSpPr>
+        <a:xfrm>
+          <a:off x="0" y="0"/>
+          <a:ext cx="0" cy="0"/>
+          <a:chOff x="0" y="0"/>
+          <a:chExt cx="0" cy="0"/>
+        </a:xfrm>
+      </p:grpSpPr>
+      <p:sp>
+        <p:nvSpPr>
+          <p:cNvPr id="5" name="Titolo 1"/>
+          <p:cNvSpPr>
+            <a:spLocks noGrp="1"/>
+          </p:cNvSpPr>
+          <p:nvPr>
+            <p:ph type="title"/>
+          </p:nvPr>
+        </p:nvSpPr>
+        <p:spPr>
+          <a:xfrm>
+            <a:off x="628650" y="444137"/>
+            <a:ext cx="7886700" cy="653143"/>
           </a:xfrm>
         </p:spPr>
         <p:txBody>
@@ -3870,369 +4818,1639 @@
           <a:lstStyle/>
           <a:p>
             <a:r>
+              <a:rPr lang="it-IT" sz="2800" b="1" dirty="0">
+                <a:latin typeface="Times New Roman" panose="02020603050405020304" pitchFamily="18" charset="0"/>
+                <a:cs typeface="Times New Roman" panose="02020603050405020304" pitchFamily="18" charset="0"/>
+              </a:rPr>
+              <a:t>User </a:t>
+            </a:r>
+            <a:r>
+              <a:rPr lang="it-IT" sz="2800" b="1" dirty="0" err="1">
+                <a:latin typeface="Times New Roman" panose="02020603050405020304" pitchFamily="18" charset="0"/>
+                <a:cs typeface="Times New Roman" panose="02020603050405020304" pitchFamily="18" charset="0"/>
+              </a:rPr>
+              <a:t>Testing</a:t>
+            </a:r>
+            <a:r>
+              <a:rPr lang="it-IT" sz="2800" b="1" dirty="0">
+                <a:latin typeface="Times New Roman" panose="02020603050405020304" pitchFamily="18" charset="0"/>
+                <a:cs typeface="Times New Roman" panose="02020603050405020304" pitchFamily="18" charset="0"/>
+              </a:rPr>
+              <a:t> </a:t>
+            </a:r>
+            <a:r>
+              <a:rPr lang="it-IT" sz="2800" b="1" dirty="0" err="1">
+                <a:latin typeface="Times New Roman" panose="02020603050405020304" pitchFamily="18" charset="0"/>
+                <a:cs typeface="Times New Roman" panose="02020603050405020304" pitchFamily="18" charset="0"/>
+              </a:rPr>
+              <a:t>Plan</a:t>
+            </a:r>
+            <a:r>
+              <a:rPr lang="it-IT" sz="2800" b="1" dirty="0">
+                <a:latin typeface="Times New Roman" panose="02020603050405020304" pitchFamily="18" charset="0"/>
+                <a:cs typeface="Times New Roman" panose="02020603050405020304" pitchFamily="18" charset="0"/>
+              </a:rPr>
+              <a:t> </a:t>
+            </a:r>
+            <a:r>
               <a:rPr lang="it-IT" sz="2800" b="1" dirty="0" smtClean="0">
                 <a:latin typeface="Times New Roman" panose="02020603050405020304" pitchFamily="18" charset="0"/>
                 <a:cs typeface="Times New Roman" panose="02020603050405020304" pitchFamily="18" charset="0"/>
               </a:rPr>
-              <a:t>User </a:t>
-            </a:r>
-            <a:r>
-              <a:rPr lang="it-IT" sz="2800" b="1" dirty="0" err="1" smtClean="0">
-                <a:latin typeface="Times New Roman" panose="02020603050405020304" pitchFamily="18" charset="0"/>
-                <a:cs typeface="Times New Roman" panose="02020603050405020304" pitchFamily="18" charset="0"/>
-              </a:rPr>
-              <a:t>Testing</a:t>
-            </a:r>
-            <a:r>
-              <a:rPr lang="it-IT" sz="2800" b="1" dirty="0" smtClean="0">
-                <a:latin typeface="Times New Roman" panose="02020603050405020304" pitchFamily="18" charset="0"/>
-                <a:cs typeface="Times New Roman" panose="02020603050405020304" pitchFamily="18" charset="0"/>
-              </a:rPr>
-              <a:t> Plan (7)</a:t>
-            </a:r>
-            <a:endParaRPr lang="it-IT" sz="2800" b="1" dirty="0">
+              <a:t>(6)</a:t>
+            </a:r>
+            <a:endParaRPr lang="it-IT" sz="2800" dirty="0"/>
+          </a:p>
+        </p:txBody>
+      </p:sp>
+      <p:sp>
+        <p:nvSpPr>
+          <p:cNvPr id="4" name="Segnaposto contenuto 2"/>
+          <p:cNvSpPr txBox="1">
+            <a:spLocks/>
+          </p:cNvSpPr>
+          <p:nvPr/>
+        </p:nvSpPr>
+        <p:spPr>
+          <a:xfrm>
+            <a:off x="628650" y="1275008"/>
+            <a:ext cx="7886700" cy="5280338"/>
+          </a:xfrm>
+          <a:prstGeom prst="rect">
+            <a:avLst/>
+          </a:prstGeom>
+        </p:spPr>
+        <p:txBody>
+          <a:bodyPr vert="horz" lIns="91440" tIns="45720" rIns="91440" bIns="45720" rtlCol="0">
+            <a:normAutofit/>
+          </a:bodyPr>
+          <a:lstStyle/>
+          <a:p>
+            <a:pPr lvl="0" algn="ctr">
+              <a:lnSpc>
+                <a:spcPct val="120000"/>
+              </a:lnSpc>
+              <a:spcBef>
+                <a:spcPts val="1000"/>
+              </a:spcBef>
+            </a:pPr>
+            <a:r>
+              <a:rPr lang="it-IT" sz="2500" b="1" dirty="0" smtClean="0">
+                <a:latin typeface="Times New Roman" panose="02020603050405020304" pitchFamily="18" charset="0"/>
+                <a:cs typeface="Times New Roman" panose="02020603050405020304" pitchFamily="18" charset="0"/>
+              </a:rPr>
+              <a:t>Aspetti dell'</a:t>
+            </a:r>
+            <a:r>
+              <a:rPr lang="it-IT" sz="2500" b="1" dirty="0" err="1" smtClean="0">
+                <a:latin typeface="Times New Roman" panose="02020603050405020304" pitchFamily="18" charset="0"/>
+                <a:cs typeface="Times New Roman" panose="02020603050405020304" pitchFamily="18" charset="0"/>
+              </a:rPr>
+              <a:t>app</a:t>
+            </a:r>
+            <a:r>
+              <a:rPr lang="it-IT" sz="2500" b="1" dirty="0" smtClean="0">
+                <a:latin typeface="Times New Roman" panose="02020603050405020304" pitchFamily="18" charset="0"/>
+                <a:cs typeface="Times New Roman" panose="02020603050405020304" pitchFamily="18" charset="0"/>
+              </a:rPr>
+              <a:t> </a:t>
+            </a:r>
+            <a:r>
+              <a:rPr lang="it-IT" sz="2500" b="1" dirty="0" smtClean="0">
+                <a:latin typeface="Times New Roman" panose="02020603050405020304" pitchFamily="18" charset="0"/>
+                <a:cs typeface="Times New Roman" panose="02020603050405020304" pitchFamily="18" charset="0"/>
+              </a:rPr>
+              <a:t>che </a:t>
+            </a:r>
+            <a:r>
+              <a:rPr lang="it-IT" sz="2500" b="1" dirty="0" smtClean="0">
+                <a:latin typeface="Times New Roman" panose="02020603050405020304" pitchFamily="18" charset="0"/>
+                <a:cs typeface="Times New Roman" panose="02020603050405020304" pitchFamily="18" charset="0"/>
+              </a:rPr>
+              <a:t>saranno testati</a:t>
+            </a:r>
+            <a:endParaRPr lang="it-IT" sz="2500" dirty="0" smtClean="0">
               <a:latin typeface="Times New Roman" panose="02020603050405020304" pitchFamily="18" charset="0"/>
               <a:cs typeface="Times New Roman" panose="02020603050405020304" pitchFamily="18" charset="0"/>
             </a:endParaRPr>
           </a:p>
-        </p:txBody>
-      </p:sp>
-      <p:sp>
-        <p:nvSpPr>
-          <p:cNvPr id="3" name="Segnaposto contenuto 2"/>
-          <p:cNvSpPr>
-            <a:spLocks noGrp="1"/>
-          </p:cNvSpPr>
-          <p:nvPr>
-            <p:ph idx="1"/>
-          </p:nvPr>
-        </p:nvSpPr>
-        <p:spPr>
-          <a:xfrm>
-            <a:off x="628650" y="924103"/>
-            <a:ext cx="7886700" cy="5837305"/>
-          </a:xfrm>
-        </p:spPr>
-        <p:txBody>
-          <a:bodyPr>
-            <a:noAutofit/>
-          </a:bodyPr>
-          <a:lstStyle/>
-          <a:p>
-            <a:pPr marL="0" indent="0" algn="just">
-              <a:buNone/>
-            </a:pPr>
-            <a:r>
-              <a:rPr lang="it-IT" sz="1600" b="1" dirty="0">
-                <a:latin typeface="Times New Roman" panose="02020603050405020304" pitchFamily="18" charset="0"/>
-                <a:cs typeface="Times New Roman" panose="02020603050405020304" pitchFamily="18" charset="0"/>
-              </a:rPr>
-              <a:t>Aspetti dell'</a:t>
-            </a:r>
-            <a:r>
-              <a:rPr lang="it-IT" sz="1600" b="1" dirty="0" err="1">
-                <a:latin typeface="Times New Roman" panose="02020603050405020304" pitchFamily="18" charset="0"/>
-                <a:cs typeface="Times New Roman" panose="02020603050405020304" pitchFamily="18" charset="0"/>
-              </a:rPr>
-              <a:t>app</a:t>
-            </a:r>
-            <a:r>
-              <a:rPr lang="it-IT" sz="1600" b="1" dirty="0">
-                <a:latin typeface="Times New Roman" panose="02020603050405020304" pitchFamily="18" charset="0"/>
-                <a:cs typeface="Times New Roman" panose="02020603050405020304" pitchFamily="18" charset="0"/>
-              </a:rPr>
-              <a:t> “</a:t>
-            </a:r>
-            <a:r>
-              <a:rPr lang="it-IT" sz="1600" b="1" dirty="0" err="1">
-                <a:latin typeface="Times New Roman" panose="02020603050405020304" pitchFamily="18" charset="0"/>
-                <a:cs typeface="Times New Roman" panose="02020603050405020304" pitchFamily="18" charset="0"/>
-              </a:rPr>
-              <a:t>SmokApp</a:t>
-            </a:r>
-            <a:r>
-              <a:rPr lang="it-IT" sz="1600" b="1" dirty="0">
-                <a:latin typeface="Times New Roman" panose="02020603050405020304" pitchFamily="18" charset="0"/>
-                <a:cs typeface="Times New Roman" panose="02020603050405020304" pitchFamily="18" charset="0"/>
-              </a:rPr>
-              <a:t>” che saranno testati </a:t>
-            </a:r>
-            <a:endParaRPr lang="it-IT" sz="1600" dirty="0">
+          <a:p>
+            <a:pPr algn="just"/>
+            <a:endParaRPr lang="it-IT" sz="2000" dirty="0" smtClean="0">
               <a:latin typeface="Times New Roman" panose="02020603050405020304" pitchFamily="18" charset="0"/>
               <a:cs typeface="Times New Roman" panose="02020603050405020304" pitchFamily="18" charset="0"/>
             </a:endParaRPr>
           </a:p>
           <a:p>
-            <a:pPr marL="0" indent="0" algn="just">
-              <a:buNone/>
-            </a:pPr>
-            <a:r>
-              <a:rPr lang="it-IT" sz="1600" b="1" dirty="0">
-                <a:latin typeface="Times New Roman" panose="02020603050405020304" pitchFamily="18" charset="0"/>
-                <a:cs typeface="Times New Roman" panose="02020603050405020304" pitchFamily="18" charset="0"/>
-              </a:rPr>
-              <a:t>5. Aggiungere una sigaretta. </a:t>
-            </a:r>
-            <a:r>
-              <a:rPr lang="it-IT" sz="1600" dirty="0">
-                <a:latin typeface="Times New Roman" panose="02020603050405020304" pitchFamily="18" charset="0"/>
-                <a:cs typeface="Times New Roman" panose="02020603050405020304" pitchFamily="18" charset="0"/>
-              </a:rPr>
-              <a:t>Si tratta dello scenario principale dell'applicazione. Il task consiste semplicemente in un click, nella schermata della Home, sul pulsante “</a:t>
-            </a:r>
-            <a:r>
-              <a:rPr lang="it-IT" sz="1600" dirty="0" err="1">
-                <a:latin typeface="Times New Roman" panose="02020603050405020304" pitchFamily="18" charset="0"/>
-                <a:cs typeface="Times New Roman" panose="02020603050405020304" pitchFamily="18" charset="0"/>
-              </a:rPr>
-              <a:t>Add</a:t>
-            </a:r>
-            <a:r>
-              <a:rPr lang="it-IT" sz="1600" dirty="0">
-                <a:latin typeface="Times New Roman" panose="02020603050405020304" pitchFamily="18" charset="0"/>
-                <a:cs typeface="Times New Roman" panose="02020603050405020304" pitchFamily="18" charset="0"/>
-              </a:rPr>
-              <a:t> a </a:t>
-            </a:r>
-            <a:r>
-              <a:rPr lang="it-IT" sz="1600" dirty="0" err="1">
-                <a:latin typeface="Times New Roman" panose="02020603050405020304" pitchFamily="18" charset="0"/>
-                <a:cs typeface="Times New Roman" panose="02020603050405020304" pitchFamily="18" charset="0"/>
-              </a:rPr>
-              <a:t>cigarette</a:t>
-            </a:r>
-            <a:r>
-              <a:rPr lang="it-IT" sz="1600" dirty="0">
-                <a:latin typeface="Times New Roman" panose="02020603050405020304" pitchFamily="18" charset="0"/>
-                <a:cs typeface="Times New Roman" panose="02020603050405020304" pitchFamily="18" charset="0"/>
-              </a:rPr>
-              <a:t>”. Il completamento dello scenario sarà evidenziato dal numero di sigarette fumate quel giorno, visibile nella schermata della Home e che verrà aggiornato al momento del click. Poiché l'obiettivo dell'</a:t>
-            </a:r>
-            <a:r>
-              <a:rPr lang="it-IT" sz="1600" dirty="0" err="1">
-                <a:latin typeface="Times New Roman" panose="02020603050405020304" pitchFamily="18" charset="0"/>
-                <a:cs typeface="Times New Roman" panose="02020603050405020304" pitchFamily="18" charset="0"/>
-              </a:rPr>
-              <a:t>app</a:t>
-            </a:r>
-            <a:r>
-              <a:rPr lang="it-IT" sz="1600" dirty="0">
-                <a:latin typeface="Times New Roman" panose="02020603050405020304" pitchFamily="18" charset="0"/>
-                <a:cs typeface="Times New Roman" panose="02020603050405020304" pitchFamily="18" charset="0"/>
-              </a:rPr>
-              <a:t> è quello di aiutare l'utente a smettere di fumare, ciò si traduce nell'impedire all'utente di effettuare spesso questo scenario. Per questo motivo superare un obiettivo o conquistare un trofeo saranno task intrinsecamente connessi con questo scenario.</a:t>
-            </a:r>
-          </a:p>
-          <a:p>
-            <a:pPr marL="0" indent="0" algn="just">
-              <a:buNone/>
-            </a:pPr>
-            <a:r>
-              <a:rPr lang="it-IT" sz="1600" b="1" dirty="0">
-                <a:latin typeface="Times New Roman" panose="02020603050405020304" pitchFamily="18" charset="0"/>
-                <a:cs typeface="Times New Roman" panose="02020603050405020304" pitchFamily="18" charset="0"/>
-              </a:rPr>
-              <a:t>5.1. Vincere il trofeo “</a:t>
-            </a:r>
-            <a:r>
-              <a:rPr lang="it-IT" sz="1600" b="1" dirty="0" err="1">
-                <a:latin typeface="Times New Roman" panose="02020603050405020304" pitchFamily="18" charset="0"/>
-                <a:cs typeface="Times New Roman" panose="02020603050405020304" pitchFamily="18" charset="0"/>
-              </a:rPr>
-              <a:t>Defeat</a:t>
-            </a:r>
-            <a:r>
-              <a:rPr lang="it-IT" sz="1600" b="1" dirty="0">
-                <a:latin typeface="Times New Roman" panose="02020603050405020304" pitchFamily="18" charset="0"/>
-                <a:cs typeface="Times New Roman" panose="02020603050405020304" pitchFamily="18" charset="0"/>
-              </a:rPr>
-              <a:t> the </a:t>
-            </a:r>
-            <a:r>
-              <a:rPr lang="it-IT" sz="1600" b="1" dirty="0" err="1">
-                <a:latin typeface="Times New Roman" panose="02020603050405020304" pitchFamily="18" charset="0"/>
-                <a:cs typeface="Times New Roman" panose="02020603050405020304" pitchFamily="18" charset="0"/>
-              </a:rPr>
-              <a:t>temptation</a:t>
-            </a:r>
-            <a:r>
-              <a:rPr lang="it-IT" sz="1600" b="1" dirty="0">
-                <a:latin typeface="Times New Roman" panose="02020603050405020304" pitchFamily="18" charset="0"/>
-                <a:cs typeface="Times New Roman" panose="02020603050405020304" pitchFamily="18" charset="0"/>
-              </a:rPr>
-              <a:t>”.</a:t>
-            </a:r>
-            <a:r>
-              <a:rPr lang="it-IT" sz="1600" dirty="0">
-                <a:latin typeface="Times New Roman" panose="02020603050405020304" pitchFamily="18" charset="0"/>
-                <a:cs typeface="Times New Roman" panose="02020603050405020304" pitchFamily="18" charset="0"/>
-              </a:rPr>
-              <a:t>  Quando viene aggiunta una nuova sigaretta, se il trofeo non è stato già conquistato, lo scenario (5) viene interrotto da un messaggio che notifica la possibilità di vincere il trofeo “</a:t>
-            </a:r>
-            <a:r>
-              <a:rPr lang="it-IT" sz="1600" dirty="0" err="1">
-                <a:latin typeface="Times New Roman" panose="02020603050405020304" pitchFamily="18" charset="0"/>
-                <a:cs typeface="Times New Roman" panose="02020603050405020304" pitchFamily="18" charset="0"/>
-              </a:rPr>
-              <a:t>Defeat</a:t>
-            </a:r>
-            <a:r>
-              <a:rPr lang="it-IT" sz="1600" dirty="0">
-                <a:latin typeface="Times New Roman" panose="02020603050405020304" pitchFamily="18" charset="0"/>
-                <a:cs typeface="Times New Roman" panose="02020603050405020304" pitchFamily="18" charset="0"/>
-              </a:rPr>
-              <a:t> the </a:t>
-            </a:r>
-            <a:r>
-              <a:rPr lang="it-IT" sz="1600" dirty="0" err="1">
-                <a:latin typeface="Times New Roman" panose="02020603050405020304" pitchFamily="18" charset="0"/>
-                <a:cs typeface="Times New Roman" panose="02020603050405020304" pitchFamily="18" charset="0"/>
-              </a:rPr>
-              <a:t>temptation</a:t>
-            </a:r>
-            <a:r>
-              <a:rPr lang="it-IT" sz="1600" dirty="0">
-                <a:latin typeface="Times New Roman" panose="02020603050405020304" pitchFamily="18" charset="0"/>
-                <a:cs typeface="Times New Roman" panose="02020603050405020304" pitchFamily="18" charset="0"/>
-              </a:rPr>
-              <a:t>” gettando via la sigaretta (che si suppone sia stata appena accesa). Cliccando su “Yes” si otterrà il premio, mentre il pulsante “No” chiuderà il messaggio di notifica permettendo il completamento dello scenario (5).</a:t>
-            </a:r>
-          </a:p>
-          <a:p>
-            <a:pPr marL="0" indent="0" algn="just">
-              <a:buNone/>
-            </a:pPr>
-            <a:r>
-              <a:rPr lang="it-IT" sz="1600" b="1" dirty="0">
-                <a:latin typeface="Times New Roman" panose="02020603050405020304" pitchFamily="18" charset="0"/>
-                <a:cs typeface="Times New Roman" panose="02020603050405020304" pitchFamily="18" charset="0"/>
-              </a:rPr>
-              <a:t>5.2 Vincere il trofeo “</a:t>
-            </a:r>
-            <a:r>
-              <a:rPr lang="it-IT" sz="1600" b="1" dirty="0" err="1">
-                <a:latin typeface="Times New Roman" panose="02020603050405020304" pitchFamily="18" charset="0"/>
-                <a:cs typeface="Times New Roman" panose="02020603050405020304" pitchFamily="18" charset="0"/>
-              </a:rPr>
-              <a:t>Only</a:t>
-            </a:r>
-            <a:r>
-              <a:rPr lang="it-IT" sz="1600" b="1" dirty="0">
-                <a:latin typeface="Times New Roman" panose="02020603050405020304" pitchFamily="18" charset="0"/>
-                <a:cs typeface="Times New Roman" panose="02020603050405020304" pitchFamily="18" charset="0"/>
-              </a:rPr>
-              <a:t> 10 </a:t>
-            </a:r>
-            <a:r>
-              <a:rPr lang="it-IT" sz="1600" b="1" dirty="0" err="1">
-                <a:latin typeface="Times New Roman" panose="02020603050405020304" pitchFamily="18" charset="0"/>
-                <a:cs typeface="Times New Roman" panose="02020603050405020304" pitchFamily="18" charset="0"/>
-              </a:rPr>
-              <a:t>cigarettes</a:t>
-            </a:r>
-            <a:r>
-              <a:rPr lang="it-IT" sz="1600" b="1" dirty="0">
+            <a:pPr algn="just"/>
+            <a:r>
+              <a:rPr lang="it-IT" sz="2000" b="1" dirty="0" smtClean="0">
+                <a:latin typeface="Times New Roman" panose="02020603050405020304" pitchFamily="18" charset="0"/>
+                <a:cs typeface="Times New Roman" panose="02020603050405020304" pitchFamily="18" charset="0"/>
+              </a:rPr>
+              <a:t>1. Il processo di </a:t>
+            </a:r>
+            <a:r>
+              <a:rPr lang="it-IT" sz="2000" b="1" dirty="0" err="1" smtClean="0">
+                <a:latin typeface="Times New Roman" panose="02020603050405020304" pitchFamily="18" charset="0"/>
+                <a:cs typeface="Times New Roman" panose="02020603050405020304" pitchFamily="18" charset="0"/>
+              </a:rPr>
+              <a:t>sign</a:t>
+            </a:r>
+            <a:r>
+              <a:rPr lang="it-IT" sz="2000" b="1" dirty="0" smtClean="0">
+                <a:latin typeface="Times New Roman" panose="02020603050405020304" pitchFamily="18" charset="0"/>
+                <a:cs typeface="Times New Roman" panose="02020603050405020304" pitchFamily="18" charset="0"/>
+              </a:rPr>
+              <a:t> up.</a:t>
+            </a:r>
+            <a:r>
+              <a:rPr lang="it-IT" sz="2000" dirty="0" smtClean="0">
+                <a:latin typeface="Times New Roman" panose="02020603050405020304" pitchFamily="18" charset="0"/>
+                <a:cs typeface="Times New Roman" panose="02020603050405020304" pitchFamily="18" charset="0"/>
+              </a:rPr>
+              <a:t> Il partecipante, dopo aver aperto l'applicazione, potrà andare alla schermata di registrazione, riempire i campi richiesti e creare quindi un account. Questo processo sarà terminato quando l'utente raggiungerà la schermata della Home, a cui verrà indirizzato automaticamente dopo aver creato l'account.</a:t>
+            </a:r>
+          </a:p>
+          <a:p>
+            <a:pPr algn="just"/>
+            <a:r>
+              <a:rPr lang="it-IT" sz="2000" dirty="0" smtClean="0">
+                <a:latin typeface="Times New Roman" panose="02020603050405020304" pitchFamily="18" charset="0"/>
+                <a:cs typeface="Times New Roman" panose="02020603050405020304" pitchFamily="18" charset="0"/>
+              </a:rPr>
+              <a:t>Possibili problemi:</a:t>
+            </a:r>
+          </a:p>
+          <a:p>
+            <a:pPr lvl="0" algn="just"/>
+            <a:r>
+              <a:rPr lang="it-IT" sz="2000" dirty="0" smtClean="0">
+                <a:latin typeface="Times New Roman" panose="02020603050405020304" pitchFamily="18" charset="0"/>
+                <a:cs typeface="Times New Roman" panose="02020603050405020304" pitchFamily="18" charset="0"/>
+              </a:rPr>
+              <a:t>l'utente potrebbe non individuare facilmente tutti i campi di registrazione richiesti, la cui visualizzazione è gestita attraverso un </a:t>
+            </a:r>
+            <a:r>
+              <a:rPr lang="it-IT" sz="2000" dirty="0" err="1" smtClean="0">
+                <a:latin typeface="Times New Roman" panose="02020603050405020304" pitchFamily="18" charset="0"/>
+                <a:cs typeface="Times New Roman" panose="02020603050405020304" pitchFamily="18" charset="0"/>
+              </a:rPr>
+              <a:t>dynamic</a:t>
+            </a:r>
+            <a:r>
+              <a:rPr lang="it-IT" sz="2000" dirty="0" smtClean="0">
                 <a:latin typeface="Times New Roman" panose="02020603050405020304" pitchFamily="18" charset="0"/>
                 <a:cs typeface="Times New Roman" panose="02020603050405020304" pitchFamily="18" charset="0"/>
               </a:rPr>
               <a:t> </a:t>
             </a:r>
             <a:r>
-              <a:rPr lang="it-IT" sz="1600" b="1" dirty="0" err="1">
-                <a:latin typeface="Times New Roman" panose="02020603050405020304" pitchFamily="18" charset="0"/>
-                <a:cs typeface="Times New Roman" panose="02020603050405020304" pitchFamily="18" charset="0"/>
-              </a:rPr>
-              <a:t>smoked</a:t>
-            </a:r>
-            <a:r>
-              <a:rPr lang="it-IT" sz="1600" b="1" dirty="0">
-                <a:latin typeface="Times New Roman" panose="02020603050405020304" pitchFamily="18" charset="0"/>
-                <a:cs typeface="Times New Roman" panose="02020603050405020304" pitchFamily="18" charset="0"/>
-              </a:rPr>
-              <a:t>”. </a:t>
-            </a:r>
-            <a:r>
-              <a:rPr lang="it-IT" sz="1600" dirty="0">
-                <a:latin typeface="Times New Roman" panose="02020603050405020304" pitchFamily="18" charset="0"/>
-                <a:cs typeface="Times New Roman" panose="02020603050405020304" pitchFamily="18" charset="0"/>
-              </a:rPr>
-              <a:t>È possibile sbloccare questo scenario nel momento in cui è stato precedentemente selezionato il relativo obiettivo. In questo caso quando l’utente deciderà di accendere l’undicesima sigaretta lo scenario (5) verrà interrotto dalla visualizzazione di un messaggio che permetterà di scegliere se vincere il trofeo oppure continuare a fumare. Se si sceglie di eliminare l’undicesima sigaretta, cliccando “Yes”, si ottiene il premio, in caso contrario, cliccando “No”, si ritornerà allo scenario di partenza (5), in cui verrà visualizzato il nuovo incremento delle sigarette fumate.</a:t>
-            </a:r>
-          </a:p>
-          <a:p>
-            <a:pPr marL="0" indent="0" algn="just">
-              <a:buNone/>
-            </a:pPr>
-            <a:r>
-              <a:rPr lang="it-IT" sz="1600" dirty="0">
-                <a:latin typeface="Times New Roman" panose="02020603050405020304" pitchFamily="18" charset="0"/>
-                <a:cs typeface="Times New Roman" panose="02020603050405020304" pitchFamily="18" charset="0"/>
-              </a:rPr>
-              <a:t>Inoltre, se il premio è stato vinto, il pulsante “</a:t>
-            </a:r>
-            <a:r>
-              <a:rPr lang="it-IT" sz="1600" dirty="0" err="1">
-                <a:latin typeface="Times New Roman" panose="02020603050405020304" pitchFamily="18" charset="0"/>
-                <a:cs typeface="Times New Roman" panose="02020603050405020304" pitchFamily="18" charset="0"/>
-              </a:rPr>
-              <a:t>Add</a:t>
-            </a:r>
-            <a:r>
-              <a:rPr lang="it-IT" sz="1600" dirty="0">
-                <a:latin typeface="Times New Roman" panose="02020603050405020304" pitchFamily="18" charset="0"/>
-                <a:cs typeface="Times New Roman" panose="02020603050405020304" pitchFamily="18" charset="0"/>
-              </a:rPr>
-              <a:t> a </a:t>
-            </a:r>
-            <a:r>
-              <a:rPr lang="it-IT" sz="1600" dirty="0" err="1">
-                <a:latin typeface="Times New Roman" panose="02020603050405020304" pitchFamily="18" charset="0"/>
-                <a:cs typeface="Times New Roman" panose="02020603050405020304" pitchFamily="18" charset="0"/>
-              </a:rPr>
-              <a:t>cigarette</a:t>
-            </a:r>
-            <a:r>
-              <a:rPr lang="it-IT" sz="1600" dirty="0">
-                <a:latin typeface="Times New Roman" panose="02020603050405020304" pitchFamily="18" charset="0"/>
-                <a:cs typeface="Times New Roman" panose="02020603050405020304" pitchFamily="18" charset="0"/>
-              </a:rPr>
-              <a:t>”, presente nella schermata Home, cambierà la sua etichetta in “No more </a:t>
-            </a:r>
-            <a:r>
-              <a:rPr lang="it-IT" sz="1600" dirty="0" err="1">
-                <a:latin typeface="Times New Roman" panose="02020603050405020304" pitchFamily="18" charset="0"/>
-                <a:cs typeface="Times New Roman" panose="02020603050405020304" pitchFamily="18" charset="0"/>
-              </a:rPr>
-              <a:t>adding</a:t>
-            </a:r>
-            <a:r>
-              <a:rPr lang="it-IT" sz="1600" dirty="0">
-                <a:latin typeface="Times New Roman" panose="02020603050405020304" pitchFamily="18" charset="0"/>
-                <a:cs typeface="Times New Roman" panose="02020603050405020304" pitchFamily="18" charset="0"/>
-              </a:rPr>
-              <a:t> </a:t>
-            </a:r>
-            <a:r>
-              <a:rPr lang="it-IT" sz="1600" dirty="0" err="1">
-                <a:latin typeface="Times New Roman" panose="02020603050405020304" pitchFamily="18" charset="0"/>
-                <a:cs typeface="Times New Roman" panose="02020603050405020304" pitchFamily="18" charset="0"/>
-              </a:rPr>
-              <a:t>today</a:t>
-            </a:r>
-            <a:r>
-              <a:rPr lang="it-IT" sz="1600" dirty="0">
-                <a:latin typeface="Times New Roman" panose="02020603050405020304" pitchFamily="18" charset="0"/>
-                <a:cs typeface="Times New Roman" panose="02020603050405020304" pitchFamily="18" charset="0"/>
-              </a:rPr>
-              <a:t>”. Nel caso in cui si decida di cliccarci sopra durante la giornata in corso, verrà notificato che se si intende aggiungere una nuova sigaretta si perderà il premio già vinto. </a:t>
-            </a:r>
+              <a:rPr lang="it-IT" sz="2000" dirty="0" err="1" smtClean="0">
+                <a:latin typeface="Times New Roman" panose="02020603050405020304" pitchFamily="18" charset="0"/>
+                <a:cs typeface="Times New Roman" panose="02020603050405020304" pitchFamily="18" charset="0"/>
+              </a:rPr>
+              <a:t>panel</a:t>
+            </a:r>
+            <a:r>
+              <a:rPr lang="it-IT" sz="2000" dirty="0" smtClean="0">
+                <a:latin typeface="Times New Roman" panose="02020603050405020304" pitchFamily="18" charset="0"/>
+                <a:cs typeface="Times New Roman" panose="02020603050405020304" pitchFamily="18" charset="0"/>
+              </a:rPr>
+              <a:t> cliccando sugli opportuni pulsanti della </a:t>
+            </a:r>
+            <a:r>
+              <a:rPr lang="it-IT" sz="2000" dirty="0" err="1" smtClean="0">
+                <a:latin typeface="Times New Roman" panose="02020603050405020304" pitchFamily="18" charset="0"/>
+                <a:cs typeface="Times New Roman" panose="02020603050405020304" pitchFamily="18" charset="0"/>
+              </a:rPr>
+              <a:t>navigation</a:t>
+            </a:r>
+            <a:r>
+              <a:rPr lang="it-IT" sz="2000" dirty="0" smtClean="0">
+                <a:latin typeface="Times New Roman" panose="02020603050405020304" pitchFamily="18" charset="0"/>
+                <a:cs typeface="Times New Roman" panose="02020603050405020304" pitchFamily="18" charset="0"/>
+              </a:rPr>
+              <a:t> bar sovrastante.</a:t>
+            </a:r>
+            <a:endParaRPr lang="it-IT" sz="2000" dirty="0">
+              <a:latin typeface="Times New Roman" panose="02020603050405020304" pitchFamily="18" charset="0"/>
+              <a:cs typeface="Times New Roman" panose="02020603050405020304" pitchFamily="18" charset="0"/>
+            </a:endParaRPr>
           </a:p>
         </p:txBody>
       </p:sp>
     </p:spTree>
     <p:extLst>
       <p:ext uri="{BB962C8B-B14F-4D97-AF65-F5344CB8AC3E}">
-        <p14:creationId xmlns:p14="http://schemas.microsoft.com/office/powerpoint/2010/main" val="2442419145"/>
+        <p14:creationId xmlns:p14="http://schemas.microsoft.com/office/powerpoint/2010/main" xmlns="" val="594007354"/>
+      </p:ext>
+    </p:extLst>
+  </p:cSld>
+  <p:clrMapOvr>
+    <a:masterClrMapping/>
+  </p:clrMapOvr>
+</p:sld>
+</file>
+
+<file path=ppt/slides/slide15.xml><?xml version="1.0" encoding="utf-8"?>
+<p:sld xmlns:a="http://schemas.openxmlformats.org/drawingml/2006/main" xmlns:r="http://schemas.openxmlformats.org/officeDocument/2006/relationships" xmlns:p="http://schemas.openxmlformats.org/presentationml/2006/main">
+  <p:cSld>
+    <p:spTree>
+      <p:nvGrpSpPr>
+        <p:cNvPr id="1" name=""/>
+        <p:cNvGrpSpPr/>
+        <p:nvPr/>
+      </p:nvGrpSpPr>
+      <p:grpSpPr>
+        <a:xfrm>
+          <a:off x="0" y="0"/>
+          <a:ext cx="0" cy="0"/>
+          <a:chOff x="0" y="0"/>
+          <a:chExt cx="0" cy="0"/>
+        </a:xfrm>
+      </p:grpSpPr>
+      <p:sp>
+        <p:nvSpPr>
+          <p:cNvPr id="5" name="Titolo 1"/>
+          <p:cNvSpPr>
+            <a:spLocks noGrp="1"/>
+          </p:cNvSpPr>
+          <p:nvPr>
+            <p:ph type="title"/>
+          </p:nvPr>
+        </p:nvSpPr>
+        <p:spPr>
+          <a:xfrm>
+            <a:off x="628650" y="444137"/>
+            <a:ext cx="7886700" cy="653143"/>
+          </a:xfrm>
+        </p:spPr>
+        <p:txBody>
+          <a:bodyPr>
+            <a:normAutofit/>
+          </a:bodyPr>
+          <a:lstStyle/>
+          <a:p>
+            <a:r>
+              <a:rPr lang="it-IT" sz="2800" b="1" dirty="0">
+                <a:latin typeface="Times New Roman" panose="02020603050405020304" pitchFamily="18" charset="0"/>
+                <a:cs typeface="Times New Roman" panose="02020603050405020304" pitchFamily="18" charset="0"/>
+              </a:rPr>
+              <a:t>User </a:t>
+            </a:r>
+            <a:r>
+              <a:rPr lang="it-IT" sz="2800" b="1" dirty="0" err="1">
+                <a:latin typeface="Times New Roman" panose="02020603050405020304" pitchFamily="18" charset="0"/>
+                <a:cs typeface="Times New Roman" panose="02020603050405020304" pitchFamily="18" charset="0"/>
+              </a:rPr>
+              <a:t>Testing</a:t>
+            </a:r>
+            <a:r>
+              <a:rPr lang="it-IT" sz="2800" b="1" dirty="0">
+                <a:latin typeface="Times New Roman" panose="02020603050405020304" pitchFamily="18" charset="0"/>
+                <a:cs typeface="Times New Roman" panose="02020603050405020304" pitchFamily="18" charset="0"/>
+              </a:rPr>
+              <a:t> </a:t>
+            </a:r>
+            <a:r>
+              <a:rPr lang="it-IT" sz="2800" b="1" dirty="0" err="1">
+                <a:latin typeface="Times New Roman" panose="02020603050405020304" pitchFamily="18" charset="0"/>
+                <a:cs typeface="Times New Roman" panose="02020603050405020304" pitchFamily="18" charset="0"/>
+              </a:rPr>
+              <a:t>Plan</a:t>
+            </a:r>
+            <a:r>
+              <a:rPr lang="it-IT" sz="2800" b="1" dirty="0">
+                <a:latin typeface="Times New Roman" panose="02020603050405020304" pitchFamily="18" charset="0"/>
+                <a:cs typeface="Times New Roman" panose="02020603050405020304" pitchFamily="18" charset="0"/>
+              </a:rPr>
+              <a:t> </a:t>
+            </a:r>
+            <a:r>
+              <a:rPr lang="it-IT" sz="2800" b="1" dirty="0" smtClean="0">
+                <a:latin typeface="Times New Roman" panose="02020603050405020304" pitchFamily="18" charset="0"/>
+                <a:cs typeface="Times New Roman" panose="02020603050405020304" pitchFamily="18" charset="0"/>
+              </a:rPr>
+              <a:t>(6)</a:t>
+            </a:r>
+            <a:endParaRPr lang="it-IT" sz="2800" dirty="0"/>
+          </a:p>
+        </p:txBody>
+      </p:sp>
+      <p:sp>
+        <p:nvSpPr>
+          <p:cNvPr id="4" name="Segnaposto contenuto 2"/>
+          <p:cNvSpPr txBox="1">
+            <a:spLocks/>
+          </p:cNvSpPr>
+          <p:nvPr/>
+        </p:nvSpPr>
+        <p:spPr>
+          <a:xfrm>
+            <a:off x="628650" y="1275008"/>
+            <a:ext cx="7886700" cy="5280338"/>
+          </a:xfrm>
+          <a:prstGeom prst="rect">
+            <a:avLst/>
+          </a:prstGeom>
+        </p:spPr>
+        <p:txBody>
+          <a:bodyPr vert="horz" lIns="91440" tIns="45720" rIns="91440" bIns="45720" rtlCol="0">
+            <a:normAutofit/>
+          </a:bodyPr>
+          <a:lstStyle/>
+          <a:p>
+            <a:pPr lvl="0" algn="ctr">
+              <a:lnSpc>
+                <a:spcPct val="120000"/>
+              </a:lnSpc>
+              <a:spcBef>
+                <a:spcPts val="1000"/>
+              </a:spcBef>
+            </a:pPr>
+            <a:r>
+              <a:rPr lang="it-IT" sz="2500" b="1" dirty="0" smtClean="0">
+                <a:latin typeface="Times New Roman" panose="02020603050405020304" pitchFamily="18" charset="0"/>
+                <a:cs typeface="Times New Roman" panose="02020603050405020304" pitchFamily="18" charset="0"/>
+              </a:rPr>
+              <a:t>Aspetti dell'</a:t>
+            </a:r>
+            <a:r>
+              <a:rPr lang="it-IT" sz="2500" b="1" dirty="0" err="1" smtClean="0">
+                <a:latin typeface="Times New Roman" panose="02020603050405020304" pitchFamily="18" charset="0"/>
+                <a:cs typeface="Times New Roman" panose="02020603050405020304" pitchFamily="18" charset="0"/>
+              </a:rPr>
+              <a:t>app</a:t>
+            </a:r>
+            <a:r>
+              <a:rPr lang="it-IT" sz="2500" b="1" dirty="0" smtClean="0">
+                <a:latin typeface="Times New Roman" panose="02020603050405020304" pitchFamily="18" charset="0"/>
+                <a:cs typeface="Times New Roman" panose="02020603050405020304" pitchFamily="18" charset="0"/>
+              </a:rPr>
+              <a:t> che saranno testati</a:t>
+            </a:r>
+            <a:endParaRPr lang="it-IT" sz="2500" dirty="0" smtClean="0">
+              <a:latin typeface="Times New Roman" panose="02020603050405020304" pitchFamily="18" charset="0"/>
+              <a:cs typeface="Times New Roman" panose="02020603050405020304" pitchFamily="18" charset="0"/>
+            </a:endParaRPr>
+          </a:p>
+          <a:p>
+            <a:pPr algn="just"/>
+            <a:endParaRPr lang="it-IT" sz="2000" dirty="0" smtClean="0">
+              <a:latin typeface="Times New Roman" panose="02020603050405020304" pitchFamily="18" charset="0"/>
+              <a:cs typeface="Times New Roman" panose="02020603050405020304" pitchFamily="18" charset="0"/>
+            </a:endParaRPr>
+          </a:p>
+          <a:p>
+            <a:pPr algn="just"/>
+            <a:endParaRPr lang="it-IT" sz="2000" dirty="0" smtClean="0">
+              <a:latin typeface="Times New Roman" panose="02020603050405020304" pitchFamily="18" charset="0"/>
+              <a:cs typeface="Times New Roman" panose="02020603050405020304" pitchFamily="18" charset="0"/>
+            </a:endParaRPr>
+          </a:p>
+          <a:p>
+            <a:pPr algn="just"/>
+            <a:r>
+              <a:rPr lang="it-IT" sz="2000" b="1" dirty="0" smtClean="0">
+                <a:latin typeface="Times New Roman" panose="02020603050405020304" pitchFamily="18" charset="0"/>
+                <a:cs typeface="Times New Roman" panose="02020603050405020304" pitchFamily="18" charset="0"/>
+              </a:rPr>
+              <a:t>2. La fase di login.</a:t>
+            </a:r>
+            <a:r>
+              <a:rPr lang="it-IT" sz="2000" dirty="0" smtClean="0">
+                <a:latin typeface="Times New Roman" panose="02020603050405020304" pitchFamily="18" charset="0"/>
+                <a:cs typeface="Times New Roman" panose="02020603050405020304" pitchFamily="18" charset="0"/>
+              </a:rPr>
+              <a:t> Il partecipante, dopo aver creato un account, possiederà delle credenziali di accesso che gli permetteranno di accedere al proprio account inserendole nei campi mostrati cliccando sul pulsante “Login</a:t>
+            </a:r>
+            <a:r>
+              <a:rPr lang="it-IT" sz="2000" dirty="0" smtClean="0">
+                <a:latin typeface="Times New Roman" panose="02020603050405020304" pitchFamily="18" charset="0"/>
+                <a:cs typeface="Times New Roman" panose="02020603050405020304" pitchFamily="18" charset="0"/>
+              </a:rPr>
+              <a:t>”.</a:t>
+            </a:r>
+          </a:p>
+          <a:p>
+            <a:pPr algn="just"/>
+            <a:endParaRPr lang="it-IT" sz="2000" dirty="0" smtClean="0">
+              <a:latin typeface="Times New Roman" panose="02020603050405020304" pitchFamily="18" charset="0"/>
+              <a:cs typeface="Times New Roman" panose="02020603050405020304" pitchFamily="18" charset="0"/>
+            </a:endParaRPr>
+          </a:p>
+          <a:p>
+            <a:pPr algn="just"/>
+            <a:endParaRPr lang="it-IT" sz="2000" dirty="0" smtClean="0">
+              <a:latin typeface="Times New Roman" panose="02020603050405020304" pitchFamily="18" charset="0"/>
+              <a:cs typeface="Times New Roman" panose="02020603050405020304" pitchFamily="18" charset="0"/>
+            </a:endParaRPr>
+          </a:p>
+          <a:p>
+            <a:pPr algn="just"/>
+            <a:r>
+              <a:rPr lang="it-IT" sz="2000" b="1" dirty="0" smtClean="0">
+                <a:latin typeface="Times New Roman" panose="02020603050405020304" pitchFamily="18" charset="0"/>
+                <a:cs typeface="Times New Roman" panose="02020603050405020304" pitchFamily="18" charset="0"/>
+              </a:rPr>
+              <a:t>3. Recupero della password.</a:t>
+            </a:r>
+            <a:r>
+              <a:rPr lang="it-IT" sz="2000" dirty="0" smtClean="0">
+                <a:latin typeface="Times New Roman" panose="02020603050405020304" pitchFamily="18" charset="0"/>
+                <a:cs typeface="Times New Roman" panose="02020603050405020304" pitchFamily="18" charset="0"/>
+              </a:rPr>
+              <a:t> L'utente, qualora avesse dimenticato la propria password, potrà crearne una nuova inserendo il proprio indirizzo </a:t>
+            </a:r>
+            <a:r>
+              <a:rPr lang="it-IT" sz="2000" dirty="0" err="1" smtClean="0">
+                <a:latin typeface="Times New Roman" panose="02020603050405020304" pitchFamily="18" charset="0"/>
+                <a:cs typeface="Times New Roman" panose="02020603050405020304" pitchFamily="18" charset="0"/>
+              </a:rPr>
+              <a:t>email</a:t>
+            </a:r>
+            <a:r>
+              <a:rPr lang="it-IT" sz="2000" dirty="0" smtClean="0">
+                <a:latin typeface="Times New Roman" panose="02020603050405020304" pitchFamily="18" charset="0"/>
+                <a:cs typeface="Times New Roman" panose="02020603050405020304" pitchFamily="18" charset="0"/>
+              </a:rPr>
+              <a:t> utilizzato nella fase di registrazione.</a:t>
+            </a:r>
+          </a:p>
+          <a:p>
+            <a:pPr algn="just"/>
+            <a:endParaRPr lang="it-IT" sz="2000" dirty="0">
+              <a:latin typeface="Times New Roman" panose="02020603050405020304" pitchFamily="18" charset="0"/>
+              <a:cs typeface="Times New Roman" panose="02020603050405020304" pitchFamily="18" charset="0"/>
+            </a:endParaRPr>
+          </a:p>
+        </p:txBody>
+      </p:sp>
+    </p:spTree>
+    <p:extLst>
+      <p:ext uri="{BB962C8B-B14F-4D97-AF65-F5344CB8AC3E}">
+        <p14:creationId xmlns:p14="http://schemas.microsoft.com/office/powerpoint/2010/main" xmlns="" val="594007354"/>
+      </p:ext>
+    </p:extLst>
+  </p:cSld>
+  <p:clrMapOvr>
+    <a:masterClrMapping/>
+  </p:clrMapOvr>
+</p:sld>
+</file>
+
+<file path=ppt/slides/slide16.xml><?xml version="1.0" encoding="utf-8"?>
+<p:sld xmlns:a="http://schemas.openxmlformats.org/drawingml/2006/main" xmlns:r="http://schemas.openxmlformats.org/officeDocument/2006/relationships" xmlns:p="http://schemas.openxmlformats.org/presentationml/2006/main">
+  <p:cSld>
+    <p:spTree>
+      <p:nvGrpSpPr>
+        <p:cNvPr id="1" name=""/>
+        <p:cNvGrpSpPr/>
+        <p:nvPr/>
+      </p:nvGrpSpPr>
+      <p:grpSpPr>
+        <a:xfrm>
+          <a:off x="0" y="0"/>
+          <a:ext cx="0" cy="0"/>
+          <a:chOff x="0" y="0"/>
+          <a:chExt cx="0" cy="0"/>
+        </a:xfrm>
+      </p:grpSpPr>
+      <p:sp>
+        <p:nvSpPr>
+          <p:cNvPr id="5" name="Titolo 1"/>
+          <p:cNvSpPr>
+            <a:spLocks noGrp="1"/>
+          </p:cNvSpPr>
+          <p:nvPr>
+            <p:ph type="title"/>
+          </p:nvPr>
+        </p:nvSpPr>
+        <p:spPr>
+          <a:xfrm>
+            <a:off x="628650" y="444137"/>
+            <a:ext cx="7886700" cy="653143"/>
+          </a:xfrm>
+        </p:spPr>
+        <p:txBody>
+          <a:bodyPr>
+            <a:normAutofit/>
+          </a:bodyPr>
+          <a:lstStyle/>
+          <a:p>
+            <a:r>
+              <a:rPr lang="it-IT" sz="2800" b="1" dirty="0">
+                <a:latin typeface="Times New Roman" panose="02020603050405020304" pitchFamily="18" charset="0"/>
+                <a:cs typeface="Times New Roman" panose="02020603050405020304" pitchFamily="18" charset="0"/>
+              </a:rPr>
+              <a:t>User </a:t>
+            </a:r>
+            <a:r>
+              <a:rPr lang="it-IT" sz="2800" b="1" dirty="0" err="1">
+                <a:latin typeface="Times New Roman" panose="02020603050405020304" pitchFamily="18" charset="0"/>
+                <a:cs typeface="Times New Roman" panose="02020603050405020304" pitchFamily="18" charset="0"/>
+              </a:rPr>
+              <a:t>Testing</a:t>
+            </a:r>
+            <a:r>
+              <a:rPr lang="it-IT" sz="2800" b="1" dirty="0">
+                <a:latin typeface="Times New Roman" panose="02020603050405020304" pitchFamily="18" charset="0"/>
+                <a:cs typeface="Times New Roman" panose="02020603050405020304" pitchFamily="18" charset="0"/>
+              </a:rPr>
+              <a:t> </a:t>
+            </a:r>
+            <a:r>
+              <a:rPr lang="it-IT" sz="2800" b="1" dirty="0" err="1">
+                <a:latin typeface="Times New Roman" panose="02020603050405020304" pitchFamily="18" charset="0"/>
+                <a:cs typeface="Times New Roman" panose="02020603050405020304" pitchFamily="18" charset="0"/>
+              </a:rPr>
+              <a:t>Plan</a:t>
+            </a:r>
+            <a:r>
+              <a:rPr lang="it-IT" sz="2800" b="1" dirty="0">
+                <a:latin typeface="Times New Roman" panose="02020603050405020304" pitchFamily="18" charset="0"/>
+                <a:cs typeface="Times New Roman" panose="02020603050405020304" pitchFamily="18" charset="0"/>
+              </a:rPr>
+              <a:t> </a:t>
+            </a:r>
+            <a:r>
+              <a:rPr lang="it-IT" sz="2800" b="1" dirty="0" smtClean="0">
+                <a:latin typeface="Times New Roman" panose="02020603050405020304" pitchFamily="18" charset="0"/>
+                <a:cs typeface="Times New Roman" panose="02020603050405020304" pitchFamily="18" charset="0"/>
+              </a:rPr>
+              <a:t>(6)</a:t>
+            </a:r>
+            <a:endParaRPr lang="it-IT" sz="2800" dirty="0"/>
+          </a:p>
+        </p:txBody>
+      </p:sp>
+      <p:sp>
+        <p:nvSpPr>
+          <p:cNvPr id="4" name="Segnaposto contenuto 2"/>
+          <p:cNvSpPr txBox="1">
+            <a:spLocks/>
+          </p:cNvSpPr>
+          <p:nvPr/>
+        </p:nvSpPr>
+        <p:spPr>
+          <a:xfrm>
+            <a:off x="628650" y="1275008"/>
+            <a:ext cx="7886700" cy="5280338"/>
+          </a:xfrm>
+          <a:prstGeom prst="rect">
+            <a:avLst/>
+          </a:prstGeom>
+        </p:spPr>
+        <p:txBody>
+          <a:bodyPr vert="horz" lIns="91440" tIns="45720" rIns="91440" bIns="45720" rtlCol="0">
+            <a:normAutofit/>
+          </a:bodyPr>
+          <a:lstStyle/>
+          <a:p>
+            <a:pPr lvl="0" algn="ctr">
+              <a:lnSpc>
+                <a:spcPct val="120000"/>
+              </a:lnSpc>
+              <a:spcBef>
+                <a:spcPts val="1000"/>
+              </a:spcBef>
+            </a:pPr>
+            <a:r>
+              <a:rPr lang="it-IT" sz="2500" b="1" dirty="0" smtClean="0">
+                <a:latin typeface="Times New Roman" panose="02020603050405020304" pitchFamily="18" charset="0"/>
+                <a:cs typeface="Times New Roman" panose="02020603050405020304" pitchFamily="18" charset="0"/>
+              </a:rPr>
+              <a:t>Aspetti dell'</a:t>
+            </a:r>
+            <a:r>
+              <a:rPr lang="it-IT" sz="2500" b="1" dirty="0" err="1" smtClean="0">
+                <a:latin typeface="Times New Roman" panose="02020603050405020304" pitchFamily="18" charset="0"/>
+                <a:cs typeface="Times New Roman" panose="02020603050405020304" pitchFamily="18" charset="0"/>
+              </a:rPr>
+              <a:t>app</a:t>
+            </a:r>
+            <a:r>
+              <a:rPr lang="it-IT" sz="2500" b="1" dirty="0" smtClean="0">
+                <a:latin typeface="Times New Roman" panose="02020603050405020304" pitchFamily="18" charset="0"/>
+                <a:cs typeface="Times New Roman" panose="02020603050405020304" pitchFamily="18" charset="0"/>
+              </a:rPr>
+              <a:t> che saranno testati</a:t>
+            </a:r>
+            <a:endParaRPr lang="it-IT" sz="2500" dirty="0" smtClean="0">
+              <a:latin typeface="Times New Roman" panose="02020603050405020304" pitchFamily="18" charset="0"/>
+              <a:cs typeface="Times New Roman" panose="02020603050405020304" pitchFamily="18" charset="0"/>
+            </a:endParaRPr>
+          </a:p>
+          <a:p>
+            <a:pPr algn="just"/>
+            <a:endParaRPr lang="it-IT" sz="2000" dirty="0" smtClean="0">
+              <a:latin typeface="Times New Roman" panose="02020603050405020304" pitchFamily="18" charset="0"/>
+              <a:cs typeface="Times New Roman" panose="02020603050405020304" pitchFamily="18" charset="0"/>
+            </a:endParaRPr>
+          </a:p>
+          <a:p>
+            <a:pPr algn="just"/>
+            <a:endParaRPr lang="it-IT" sz="2000" dirty="0" smtClean="0">
+              <a:latin typeface="Times New Roman" panose="02020603050405020304" pitchFamily="18" charset="0"/>
+              <a:cs typeface="Times New Roman" panose="02020603050405020304" pitchFamily="18" charset="0"/>
+            </a:endParaRPr>
+          </a:p>
+          <a:p>
+            <a:pPr algn="just"/>
+            <a:r>
+              <a:rPr lang="it-IT" sz="2000" b="1" dirty="0" smtClean="0">
+                <a:latin typeface="Times New Roman" panose="02020603050405020304" pitchFamily="18" charset="0"/>
+                <a:cs typeface="Times New Roman" panose="02020603050405020304" pitchFamily="18" charset="0"/>
+              </a:rPr>
+              <a:t>4. Selezionare un obiettivo. </a:t>
+            </a:r>
+            <a:r>
+              <a:rPr lang="it-IT" sz="2000" dirty="0" smtClean="0">
+                <a:latin typeface="Times New Roman" panose="02020603050405020304" pitchFamily="18" charset="0"/>
+                <a:cs typeface="Times New Roman" panose="02020603050405020304" pitchFamily="18" charset="0"/>
+              </a:rPr>
+              <a:t>Nella schermata della Home è mostrato l'obiettivo attualmente selezionato che l'utente dovrà raggiungere (nel caso in cui non fosse stato ancora selezionato, il campo sarà vuoto).</a:t>
+            </a:r>
+          </a:p>
+          <a:p>
+            <a:pPr algn="just"/>
+            <a:r>
+              <a:rPr lang="it-IT" sz="2000" dirty="0" smtClean="0">
+                <a:latin typeface="Times New Roman" panose="02020603050405020304" pitchFamily="18" charset="0"/>
+                <a:cs typeface="Times New Roman" panose="02020603050405020304" pitchFamily="18" charset="0"/>
+              </a:rPr>
+              <a:t>Un nuovo obiettivo potrà essere selezionato andando alla schermata “</a:t>
+            </a:r>
+            <a:r>
+              <a:rPr lang="it-IT" sz="2000" dirty="0" err="1" smtClean="0">
+                <a:latin typeface="Times New Roman" panose="02020603050405020304" pitchFamily="18" charset="0"/>
+                <a:cs typeface="Times New Roman" panose="02020603050405020304" pitchFamily="18" charset="0"/>
+              </a:rPr>
+              <a:t>Goals</a:t>
+            </a:r>
+            <a:r>
+              <a:rPr lang="it-IT" sz="2000" dirty="0" smtClean="0">
+                <a:latin typeface="Times New Roman" panose="02020603050405020304" pitchFamily="18" charset="0"/>
+                <a:cs typeface="Times New Roman" panose="02020603050405020304" pitchFamily="18" charset="0"/>
+              </a:rPr>
+              <a:t>” e cliccando sulla </a:t>
+            </a:r>
+            <a:r>
+              <a:rPr lang="it-IT" sz="2000" dirty="0" err="1" smtClean="0">
+                <a:latin typeface="Times New Roman" panose="02020603050405020304" pitchFamily="18" charset="0"/>
+                <a:cs typeface="Times New Roman" panose="02020603050405020304" pitchFamily="18" charset="0"/>
+              </a:rPr>
+              <a:t>select</a:t>
+            </a:r>
+            <a:r>
+              <a:rPr lang="it-IT" sz="2000" dirty="0" smtClean="0">
+                <a:latin typeface="Times New Roman" panose="02020603050405020304" pitchFamily="18" charset="0"/>
+                <a:cs typeface="Times New Roman" panose="02020603050405020304" pitchFamily="18" charset="0"/>
+              </a:rPr>
+              <a:t> ivi rappresentata. Un messaggio di conferma segnerà il completamento del task</a:t>
+            </a:r>
+            <a:r>
+              <a:rPr lang="it-IT" sz="2000" dirty="0" smtClean="0">
+                <a:latin typeface="Times New Roman" panose="02020603050405020304" pitchFamily="18" charset="0"/>
+                <a:cs typeface="Times New Roman" panose="02020603050405020304" pitchFamily="18" charset="0"/>
+              </a:rPr>
+              <a:t>.</a:t>
+            </a:r>
+          </a:p>
+          <a:p>
+            <a:pPr algn="just"/>
+            <a:endParaRPr lang="it-IT" sz="2000" dirty="0" smtClean="0">
+              <a:latin typeface="Times New Roman" panose="02020603050405020304" pitchFamily="18" charset="0"/>
+              <a:cs typeface="Times New Roman" panose="02020603050405020304" pitchFamily="18" charset="0"/>
+            </a:endParaRPr>
+          </a:p>
+          <a:p>
+            <a:pPr algn="just"/>
+            <a:endParaRPr lang="it-IT" sz="2000" dirty="0" smtClean="0">
+              <a:latin typeface="Times New Roman" panose="02020603050405020304" pitchFamily="18" charset="0"/>
+              <a:cs typeface="Times New Roman" panose="02020603050405020304" pitchFamily="18" charset="0"/>
+            </a:endParaRPr>
+          </a:p>
+          <a:p>
+            <a:pPr algn="just"/>
+            <a:r>
+              <a:rPr lang="it-IT" sz="2000" b="1" dirty="0" smtClean="0">
+                <a:latin typeface="Times New Roman" panose="02020603050405020304" pitchFamily="18" charset="0"/>
+                <a:cs typeface="Times New Roman" panose="02020603050405020304" pitchFamily="18" charset="0"/>
+              </a:rPr>
+              <a:t>4.1 Selezionare l’obiettivo “</a:t>
+            </a:r>
+            <a:r>
+              <a:rPr lang="it-IT" sz="2000" b="1" dirty="0" err="1" smtClean="0">
+                <a:latin typeface="Times New Roman" panose="02020603050405020304" pitchFamily="18" charset="0"/>
+                <a:cs typeface="Times New Roman" panose="02020603050405020304" pitchFamily="18" charset="0"/>
+              </a:rPr>
+              <a:t>Only</a:t>
+            </a:r>
+            <a:r>
+              <a:rPr lang="it-IT" sz="2000" b="1" dirty="0" smtClean="0">
+                <a:latin typeface="Times New Roman" panose="02020603050405020304" pitchFamily="18" charset="0"/>
+                <a:cs typeface="Times New Roman" panose="02020603050405020304" pitchFamily="18" charset="0"/>
+              </a:rPr>
+              <a:t> 10 </a:t>
+            </a:r>
+            <a:r>
+              <a:rPr lang="it-IT" sz="2000" b="1" dirty="0" err="1" smtClean="0">
+                <a:latin typeface="Times New Roman" panose="02020603050405020304" pitchFamily="18" charset="0"/>
+                <a:cs typeface="Times New Roman" panose="02020603050405020304" pitchFamily="18" charset="0"/>
+              </a:rPr>
+              <a:t>cigarettes</a:t>
+            </a:r>
+            <a:r>
+              <a:rPr lang="it-IT" sz="2000" b="1" dirty="0" smtClean="0">
+                <a:latin typeface="Times New Roman" panose="02020603050405020304" pitchFamily="18" charset="0"/>
+                <a:cs typeface="Times New Roman" panose="02020603050405020304" pitchFamily="18" charset="0"/>
+              </a:rPr>
+              <a:t> </a:t>
+            </a:r>
+            <a:r>
+              <a:rPr lang="it-IT" sz="2000" b="1" dirty="0" err="1" smtClean="0">
+                <a:latin typeface="Times New Roman" panose="02020603050405020304" pitchFamily="18" charset="0"/>
+                <a:cs typeface="Times New Roman" panose="02020603050405020304" pitchFamily="18" charset="0"/>
+              </a:rPr>
+              <a:t>smoked</a:t>
+            </a:r>
+            <a:r>
+              <a:rPr lang="it-IT" sz="2000" b="1" dirty="0" smtClean="0">
+                <a:latin typeface="Times New Roman" panose="02020603050405020304" pitchFamily="18" charset="0"/>
+                <a:cs typeface="Times New Roman" panose="02020603050405020304" pitchFamily="18" charset="0"/>
+              </a:rPr>
+              <a:t>”. </a:t>
+            </a:r>
+            <a:r>
+              <a:rPr lang="it-IT" sz="2000" dirty="0" smtClean="0">
+                <a:latin typeface="Times New Roman" panose="02020603050405020304" pitchFamily="18" charset="0"/>
+                <a:cs typeface="Times New Roman" panose="02020603050405020304" pitchFamily="18" charset="0"/>
+              </a:rPr>
+              <a:t>In particolare, verrà richiesto all’utente di testare l’obiettivo “</a:t>
+            </a:r>
+            <a:r>
+              <a:rPr lang="it-IT" sz="2000" dirty="0" err="1" smtClean="0">
+                <a:latin typeface="Times New Roman" panose="02020603050405020304" pitchFamily="18" charset="0"/>
+                <a:cs typeface="Times New Roman" panose="02020603050405020304" pitchFamily="18" charset="0"/>
+              </a:rPr>
+              <a:t>Only</a:t>
+            </a:r>
+            <a:r>
+              <a:rPr lang="it-IT" sz="2000" dirty="0" smtClean="0">
+                <a:latin typeface="Times New Roman" panose="02020603050405020304" pitchFamily="18" charset="0"/>
+                <a:cs typeface="Times New Roman" panose="02020603050405020304" pitchFamily="18" charset="0"/>
+              </a:rPr>
+              <a:t> 10 </a:t>
+            </a:r>
+            <a:r>
+              <a:rPr lang="it-IT" sz="2000" dirty="0" err="1" smtClean="0">
+                <a:latin typeface="Times New Roman" panose="02020603050405020304" pitchFamily="18" charset="0"/>
+                <a:cs typeface="Times New Roman" panose="02020603050405020304" pitchFamily="18" charset="0"/>
+              </a:rPr>
+              <a:t>cigarettes</a:t>
+            </a:r>
+            <a:r>
+              <a:rPr lang="it-IT" sz="2000" dirty="0" smtClean="0">
+                <a:latin typeface="Times New Roman" panose="02020603050405020304" pitchFamily="18" charset="0"/>
+                <a:cs typeface="Times New Roman" panose="02020603050405020304" pitchFamily="18" charset="0"/>
+              </a:rPr>
+              <a:t> </a:t>
+            </a:r>
+            <a:r>
+              <a:rPr lang="it-IT" sz="2000" dirty="0" err="1" smtClean="0">
+                <a:latin typeface="Times New Roman" panose="02020603050405020304" pitchFamily="18" charset="0"/>
+                <a:cs typeface="Times New Roman" panose="02020603050405020304" pitchFamily="18" charset="0"/>
+              </a:rPr>
+              <a:t>smoked</a:t>
+            </a:r>
+            <a:r>
+              <a:rPr lang="it-IT" sz="2000" dirty="0" smtClean="0">
+                <a:latin typeface="Times New Roman" panose="02020603050405020304" pitchFamily="18" charset="0"/>
+                <a:cs typeface="Times New Roman" panose="02020603050405020304" pitchFamily="18" charset="0"/>
+              </a:rPr>
+              <a:t>”, in questo modo sarà possibile visualizzare gli effetti dell’</a:t>
+            </a:r>
+            <a:r>
+              <a:rPr lang="it-IT" sz="2000" dirty="0" err="1" smtClean="0">
+                <a:latin typeface="Times New Roman" panose="02020603050405020304" pitchFamily="18" charset="0"/>
+                <a:cs typeface="Times New Roman" panose="02020603050405020304" pitchFamily="18" charset="0"/>
+              </a:rPr>
+              <a:t>app</a:t>
+            </a:r>
+            <a:r>
+              <a:rPr lang="it-IT" sz="2000" dirty="0" smtClean="0">
+                <a:latin typeface="Times New Roman" panose="02020603050405020304" pitchFamily="18" charset="0"/>
+                <a:cs typeface="Times New Roman" panose="02020603050405020304" pitchFamily="18" charset="0"/>
+              </a:rPr>
+              <a:t> a seguito di questa scelta.</a:t>
+            </a:r>
+          </a:p>
+          <a:p>
+            <a:pPr algn="just"/>
+            <a:endParaRPr lang="it-IT" sz="2000" dirty="0">
+              <a:latin typeface="Times New Roman" panose="02020603050405020304" pitchFamily="18" charset="0"/>
+              <a:cs typeface="Times New Roman" panose="02020603050405020304" pitchFamily="18" charset="0"/>
+            </a:endParaRPr>
+          </a:p>
+        </p:txBody>
+      </p:sp>
+    </p:spTree>
+    <p:extLst>
+      <p:ext uri="{BB962C8B-B14F-4D97-AF65-F5344CB8AC3E}">
+        <p14:creationId xmlns:p14="http://schemas.microsoft.com/office/powerpoint/2010/main" xmlns="" val="723523181"/>
+      </p:ext>
+    </p:extLst>
+  </p:cSld>
+  <p:clrMapOvr>
+    <a:masterClrMapping/>
+  </p:clrMapOvr>
+</p:sld>
+</file>
+
+<file path=ppt/slides/slide17.xml><?xml version="1.0" encoding="utf-8"?>
+<p:sld xmlns:a="http://schemas.openxmlformats.org/drawingml/2006/main" xmlns:r="http://schemas.openxmlformats.org/officeDocument/2006/relationships" xmlns:p="http://schemas.openxmlformats.org/presentationml/2006/main">
+  <p:cSld>
+    <p:spTree>
+      <p:nvGrpSpPr>
+        <p:cNvPr id="1" name=""/>
+        <p:cNvGrpSpPr/>
+        <p:nvPr/>
+      </p:nvGrpSpPr>
+      <p:grpSpPr>
+        <a:xfrm>
+          <a:off x="0" y="0"/>
+          <a:ext cx="0" cy="0"/>
+          <a:chOff x="0" y="0"/>
+          <a:chExt cx="0" cy="0"/>
+        </a:xfrm>
+      </p:grpSpPr>
+      <p:sp>
+        <p:nvSpPr>
+          <p:cNvPr id="5" name="Titolo 1"/>
+          <p:cNvSpPr>
+            <a:spLocks noGrp="1"/>
+          </p:cNvSpPr>
+          <p:nvPr>
+            <p:ph type="title"/>
+          </p:nvPr>
+        </p:nvSpPr>
+        <p:spPr>
+          <a:xfrm>
+            <a:off x="628650" y="444137"/>
+            <a:ext cx="7886700" cy="653143"/>
+          </a:xfrm>
+        </p:spPr>
+        <p:txBody>
+          <a:bodyPr>
+            <a:normAutofit/>
+          </a:bodyPr>
+          <a:lstStyle/>
+          <a:p>
+            <a:r>
+              <a:rPr lang="it-IT" sz="2800" b="1" dirty="0">
+                <a:latin typeface="Times New Roman" panose="02020603050405020304" pitchFamily="18" charset="0"/>
+                <a:cs typeface="Times New Roman" panose="02020603050405020304" pitchFamily="18" charset="0"/>
+              </a:rPr>
+              <a:t>User </a:t>
+            </a:r>
+            <a:r>
+              <a:rPr lang="it-IT" sz="2800" b="1" dirty="0" err="1">
+                <a:latin typeface="Times New Roman" panose="02020603050405020304" pitchFamily="18" charset="0"/>
+                <a:cs typeface="Times New Roman" panose="02020603050405020304" pitchFamily="18" charset="0"/>
+              </a:rPr>
+              <a:t>Testing</a:t>
+            </a:r>
+            <a:r>
+              <a:rPr lang="it-IT" sz="2800" b="1" dirty="0">
+                <a:latin typeface="Times New Roman" panose="02020603050405020304" pitchFamily="18" charset="0"/>
+                <a:cs typeface="Times New Roman" panose="02020603050405020304" pitchFamily="18" charset="0"/>
+              </a:rPr>
+              <a:t> </a:t>
+            </a:r>
+            <a:r>
+              <a:rPr lang="it-IT" sz="2800" b="1" dirty="0" err="1">
+                <a:latin typeface="Times New Roman" panose="02020603050405020304" pitchFamily="18" charset="0"/>
+                <a:cs typeface="Times New Roman" panose="02020603050405020304" pitchFamily="18" charset="0"/>
+              </a:rPr>
+              <a:t>Plan</a:t>
+            </a:r>
+            <a:r>
+              <a:rPr lang="it-IT" sz="2800" b="1" dirty="0">
+                <a:latin typeface="Times New Roman" panose="02020603050405020304" pitchFamily="18" charset="0"/>
+                <a:cs typeface="Times New Roman" panose="02020603050405020304" pitchFamily="18" charset="0"/>
+              </a:rPr>
+              <a:t> </a:t>
+            </a:r>
+            <a:r>
+              <a:rPr lang="it-IT" sz="2800" b="1" dirty="0" smtClean="0">
+                <a:latin typeface="Times New Roman" panose="02020603050405020304" pitchFamily="18" charset="0"/>
+                <a:cs typeface="Times New Roman" panose="02020603050405020304" pitchFamily="18" charset="0"/>
+              </a:rPr>
+              <a:t>(6)</a:t>
+            </a:r>
+            <a:endParaRPr lang="it-IT" sz="2800" dirty="0"/>
+          </a:p>
+        </p:txBody>
+      </p:sp>
+      <p:sp>
+        <p:nvSpPr>
+          <p:cNvPr id="4" name="Segnaposto contenuto 2"/>
+          <p:cNvSpPr txBox="1">
+            <a:spLocks/>
+          </p:cNvSpPr>
+          <p:nvPr/>
+        </p:nvSpPr>
+        <p:spPr>
+          <a:xfrm>
+            <a:off x="628650" y="1275008"/>
+            <a:ext cx="7886700" cy="5280338"/>
+          </a:xfrm>
+          <a:prstGeom prst="rect">
+            <a:avLst/>
+          </a:prstGeom>
+        </p:spPr>
+        <p:txBody>
+          <a:bodyPr vert="horz" lIns="91440" tIns="45720" rIns="91440" bIns="45720" rtlCol="0">
+            <a:normAutofit/>
+          </a:bodyPr>
+          <a:lstStyle/>
+          <a:p>
+            <a:pPr lvl="0" algn="ctr">
+              <a:lnSpc>
+                <a:spcPct val="120000"/>
+              </a:lnSpc>
+              <a:spcBef>
+                <a:spcPts val="1000"/>
+              </a:spcBef>
+            </a:pPr>
+            <a:r>
+              <a:rPr lang="it-IT" sz="2500" b="1" dirty="0" smtClean="0">
+                <a:latin typeface="Times New Roman" panose="02020603050405020304" pitchFamily="18" charset="0"/>
+                <a:cs typeface="Times New Roman" panose="02020603050405020304" pitchFamily="18" charset="0"/>
+              </a:rPr>
+              <a:t>Aspetti dell'</a:t>
+            </a:r>
+            <a:r>
+              <a:rPr lang="it-IT" sz="2500" b="1" dirty="0" err="1" smtClean="0">
+                <a:latin typeface="Times New Roman" panose="02020603050405020304" pitchFamily="18" charset="0"/>
+                <a:cs typeface="Times New Roman" panose="02020603050405020304" pitchFamily="18" charset="0"/>
+              </a:rPr>
+              <a:t>app</a:t>
+            </a:r>
+            <a:r>
+              <a:rPr lang="it-IT" sz="2500" b="1" dirty="0" smtClean="0">
+                <a:latin typeface="Times New Roman" panose="02020603050405020304" pitchFamily="18" charset="0"/>
+                <a:cs typeface="Times New Roman" panose="02020603050405020304" pitchFamily="18" charset="0"/>
+              </a:rPr>
+              <a:t> che saranno testati</a:t>
+            </a:r>
+            <a:endParaRPr lang="it-IT" sz="2500" dirty="0" smtClean="0">
+              <a:latin typeface="Times New Roman" panose="02020603050405020304" pitchFamily="18" charset="0"/>
+              <a:cs typeface="Times New Roman" panose="02020603050405020304" pitchFamily="18" charset="0"/>
+            </a:endParaRPr>
+          </a:p>
+          <a:p>
+            <a:pPr algn="just"/>
+            <a:endParaRPr lang="it-IT" sz="2000" dirty="0" smtClean="0">
+              <a:latin typeface="Times New Roman" panose="02020603050405020304" pitchFamily="18" charset="0"/>
+              <a:cs typeface="Times New Roman" panose="02020603050405020304" pitchFamily="18" charset="0"/>
+            </a:endParaRPr>
+          </a:p>
+          <a:p>
+            <a:pPr algn="just"/>
+            <a:endParaRPr lang="it-IT" sz="2000" b="1" dirty="0" smtClean="0">
+              <a:latin typeface="Times New Roman" panose="02020603050405020304" pitchFamily="18" charset="0"/>
+              <a:cs typeface="Times New Roman" panose="02020603050405020304" pitchFamily="18" charset="0"/>
+            </a:endParaRPr>
+          </a:p>
+          <a:p>
+            <a:pPr algn="just"/>
+            <a:r>
+              <a:rPr lang="it-IT" sz="2000" b="1" dirty="0" smtClean="0">
+                <a:latin typeface="Times New Roman" panose="02020603050405020304" pitchFamily="18" charset="0"/>
+                <a:cs typeface="Times New Roman" panose="02020603050405020304" pitchFamily="18" charset="0"/>
+              </a:rPr>
+              <a:t>5</a:t>
+            </a:r>
+            <a:r>
+              <a:rPr lang="it-IT" sz="2000" b="1" dirty="0" smtClean="0">
+                <a:latin typeface="Times New Roman" panose="02020603050405020304" pitchFamily="18" charset="0"/>
+                <a:cs typeface="Times New Roman" panose="02020603050405020304" pitchFamily="18" charset="0"/>
+              </a:rPr>
+              <a:t>. Aggiungere una sigaretta. </a:t>
+            </a:r>
+            <a:r>
+              <a:rPr lang="it-IT" sz="2000" dirty="0" smtClean="0">
+                <a:latin typeface="Times New Roman" panose="02020603050405020304" pitchFamily="18" charset="0"/>
+                <a:cs typeface="Times New Roman" panose="02020603050405020304" pitchFamily="18" charset="0"/>
+              </a:rPr>
+              <a:t>Si tratta dello scenario principale dell'applicazione. Il task consiste semplicemente in un click, nella schermata della Home, sul pulsante “</a:t>
+            </a:r>
+            <a:r>
+              <a:rPr lang="it-IT" sz="2000" dirty="0" err="1" smtClean="0">
+                <a:latin typeface="Times New Roman" panose="02020603050405020304" pitchFamily="18" charset="0"/>
+                <a:cs typeface="Times New Roman" panose="02020603050405020304" pitchFamily="18" charset="0"/>
+              </a:rPr>
+              <a:t>Add</a:t>
+            </a:r>
+            <a:r>
+              <a:rPr lang="it-IT" sz="2000" dirty="0" smtClean="0">
+                <a:latin typeface="Times New Roman" panose="02020603050405020304" pitchFamily="18" charset="0"/>
+                <a:cs typeface="Times New Roman" panose="02020603050405020304" pitchFamily="18" charset="0"/>
+              </a:rPr>
+              <a:t> a </a:t>
+            </a:r>
+            <a:r>
+              <a:rPr lang="it-IT" sz="2000" dirty="0" err="1" smtClean="0">
+                <a:latin typeface="Times New Roman" panose="02020603050405020304" pitchFamily="18" charset="0"/>
+                <a:cs typeface="Times New Roman" panose="02020603050405020304" pitchFamily="18" charset="0"/>
+              </a:rPr>
+              <a:t>cigarette</a:t>
+            </a:r>
+            <a:r>
+              <a:rPr lang="it-IT" sz="2000" dirty="0" smtClean="0">
+                <a:latin typeface="Times New Roman" panose="02020603050405020304" pitchFamily="18" charset="0"/>
+                <a:cs typeface="Times New Roman" panose="02020603050405020304" pitchFamily="18" charset="0"/>
+              </a:rPr>
+              <a:t>”. Il completamento dello scenario sarà evidenziato dal numero di sigarette fumate quel giorno, visibile nella schermata della Home e che verrà aggiornato al momento del click. Poiché l'obiettivo dell'</a:t>
+            </a:r>
+            <a:r>
+              <a:rPr lang="it-IT" sz="2000" dirty="0" err="1" smtClean="0">
+                <a:latin typeface="Times New Roman" panose="02020603050405020304" pitchFamily="18" charset="0"/>
+                <a:cs typeface="Times New Roman" panose="02020603050405020304" pitchFamily="18" charset="0"/>
+              </a:rPr>
+              <a:t>app</a:t>
+            </a:r>
+            <a:r>
+              <a:rPr lang="it-IT" sz="2000" dirty="0" smtClean="0">
+                <a:latin typeface="Times New Roman" panose="02020603050405020304" pitchFamily="18" charset="0"/>
+                <a:cs typeface="Times New Roman" panose="02020603050405020304" pitchFamily="18" charset="0"/>
+              </a:rPr>
+              <a:t> è quello di aiutare l'utente a smettere di fumare, ciò si traduce nell'impedire all'utente di effettuare spesso questo scenario. Per questo motivo superare un obiettivo o conquistare un trofeo saranno task intrinsecamente connessi con questo scenario.</a:t>
+            </a:r>
+          </a:p>
+          <a:p>
+            <a:pPr algn="just"/>
+            <a:endParaRPr lang="it-IT" sz="2000" dirty="0">
+              <a:latin typeface="Times New Roman" panose="02020603050405020304" pitchFamily="18" charset="0"/>
+              <a:cs typeface="Times New Roman" panose="02020603050405020304" pitchFamily="18" charset="0"/>
+            </a:endParaRPr>
+          </a:p>
+        </p:txBody>
+      </p:sp>
+    </p:spTree>
+    <p:extLst>
+      <p:ext uri="{BB962C8B-B14F-4D97-AF65-F5344CB8AC3E}">
+        <p14:creationId xmlns:p14="http://schemas.microsoft.com/office/powerpoint/2010/main" xmlns="" val="2442419145"/>
+      </p:ext>
+    </p:extLst>
+  </p:cSld>
+  <p:clrMapOvr>
+    <a:masterClrMapping/>
+  </p:clrMapOvr>
+</p:sld>
+</file>
+
+<file path=ppt/slides/slide18.xml><?xml version="1.0" encoding="utf-8"?>
+<p:sld xmlns:a="http://schemas.openxmlformats.org/drawingml/2006/main" xmlns:r="http://schemas.openxmlformats.org/officeDocument/2006/relationships" xmlns:p="http://schemas.openxmlformats.org/presentationml/2006/main">
+  <p:cSld>
+    <p:spTree>
+      <p:nvGrpSpPr>
+        <p:cNvPr id="1" name=""/>
+        <p:cNvGrpSpPr/>
+        <p:nvPr/>
+      </p:nvGrpSpPr>
+      <p:grpSpPr>
+        <a:xfrm>
+          <a:off x="0" y="0"/>
+          <a:ext cx="0" cy="0"/>
+          <a:chOff x="0" y="0"/>
+          <a:chExt cx="0" cy="0"/>
+        </a:xfrm>
+      </p:grpSpPr>
+      <p:sp>
+        <p:nvSpPr>
+          <p:cNvPr id="5" name="Titolo 1"/>
+          <p:cNvSpPr>
+            <a:spLocks noGrp="1"/>
+          </p:cNvSpPr>
+          <p:nvPr>
+            <p:ph type="title"/>
+          </p:nvPr>
+        </p:nvSpPr>
+        <p:spPr>
+          <a:xfrm>
+            <a:off x="628650" y="444137"/>
+            <a:ext cx="7886700" cy="653143"/>
+          </a:xfrm>
+        </p:spPr>
+        <p:txBody>
+          <a:bodyPr>
+            <a:normAutofit/>
+          </a:bodyPr>
+          <a:lstStyle/>
+          <a:p>
+            <a:r>
+              <a:rPr lang="it-IT" sz="2800" b="1" dirty="0">
+                <a:latin typeface="Times New Roman" panose="02020603050405020304" pitchFamily="18" charset="0"/>
+                <a:cs typeface="Times New Roman" panose="02020603050405020304" pitchFamily="18" charset="0"/>
+              </a:rPr>
+              <a:t>User </a:t>
+            </a:r>
+            <a:r>
+              <a:rPr lang="it-IT" sz="2800" b="1" dirty="0" err="1">
+                <a:latin typeface="Times New Roman" panose="02020603050405020304" pitchFamily="18" charset="0"/>
+                <a:cs typeface="Times New Roman" panose="02020603050405020304" pitchFamily="18" charset="0"/>
+              </a:rPr>
+              <a:t>Testing</a:t>
+            </a:r>
+            <a:r>
+              <a:rPr lang="it-IT" sz="2800" b="1" dirty="0">
+                <a:latin typeface="Times New Roman" panose="02020603050405020304" pitchFamily="18" charset="0"/>
+                <a:cs typeface="Times New Roman" panose="02020603050405020304" pitchFamily="18" charset="0"/>
+              </a:rPr>
+              <a:t> </a:t>
+            </a:r>
+            <a:r>
+              <a:rPr lang="it-IT" sz="2800" b="1" dirty="0" err="1">
+                <a:latin typeface="Times New Roman" panose="02020603050405020304" pitchFamily="18" charset="0"/>
+                <a:cs typeface="Times New Roman" panose="02020603050405020304" pitchFamily="18" charset="0"/>
+              </a:rPr>
+              <a:t>Plan</a:t>
+            </a:r>
+            <a:r>
+              <a:rPr lang="it-IT" sz="2800" b="1" dirty="0">
+                <a:latin typeface="Times New Roman" panose="02020603050405020304" pitchFamily="18" charset="0"/>
+                <a:cs typeface="Times New Roman" panose="02020603050405020304" pitchFamily="18" charset="0"/>
+              </a:rPr>
+              <a:t> </a:t>
+            </a:r>
+            <a:r>
+              <a:rPr lang="it-IT" sz="2800" b="1" dirty="0" smtClean="0">
+                <a:latin typeface="Times New Roman" panose="02020603050405020304" pitchFamily="18" charset="0"/>
+                <a:cs typeface="Times New Roman" panose="02020603050405020304" pitchFamily="18" charset="0"/>
+              </a:rPr>
+              <a:t>(6)</a:t>
+            </a:r>
+            <a:endParaRPr lang="it-IT" sz="2800" dirty="0"/>
+          </a:p>
+        </p:txBody>
+      </p:sp>
+      <p:sp>
+        <p:nvSpPr>
+          <p:cNvPr id="4" name="Segnaposto contenuto 2"/>
+          <p:cNvSpPr txBox="1">
+            <a:spLocks/>
+          </p:cNvSpPr>
+          <p:nvPr/>
+        </p:nvSpPr>
+        <p:spPr>
+          <a:xfrm>
+            <a:off x="628650" y="1275008"/>
+            <a:ext cx="7886700" cy="5280338"/>
+          </a:xfrm>
+          <a:prstGeom prst="rect">
+            <a:avLst/>
+          </a:prstGeom>
+        </p:spPr>
+        <p:txBody>
+          <a:bodyPr vert="horz" lIns="91440" tIns="45720" rIns="91440" bIns="45720" rtlCol="0">
+            <a:normAutofit/>
+          </a:bodyPr>
+          <a:lstStyle/>
+          <a:p>
+            <a:pPr lvl="0" algn="ctr">
+              <a:lnSpc>
+                <a:spcPct val="120000"/>
+              </a:lnSpc>
+              <a:spcBef>
+                <a:spcPts val="1000"/>
+              </a:spcBef>
+            </a:pPr>
+            <a:r>
+              <a:rPr lang="it-IT" sz="2500" b="1" dirty="0" smtClean="0">
+                <a:latin typeface="Times New Roman" panose="02020603050405020304" pitchFamily="18" charset="0"/>
+                <a:cs typeface="Times New Roman" panose="02020603050405020304" pitchFamily="18" charset="0"/>
+              </a:rPr>
+              <a:t>Aspetti dell'</a:t>
+            </a:r>
+            <a:r>
+              <a:rPr lang="it-IT" sz="2500" b="1" dirty="0" err="1" smtClean="0">
+                <a:latin typeface="Times New Roman" panose="02020603050405020304" pitchFamily="18" charset="0"/>
+                <a:cs typeface="Times New Roman" panose="02020603050405020304" pitchFamily="18" charset="0"/>
+              </a:rPr>
+              <a:t>app</a:t>
+            </a:r>
+            <a:r>
+              <a:rPr lang="it-IT" sz="2500" b="1" dirty="0" smtClean="0">
+                <a:latin typeface="Times New Roman" panose="02020603050405020304" pitchFamily="18" charset="0"/>
+                <a:cs typeface="Times New Roman" panose="02020603050405020304" pitchFamily="18" charset="0"/>
+              </a:rPr>
+              <a:t> che saranno testati</a:t>
+            </a:r>
+            <a:endParaRPr lang="it-IT" sz="2500" dirty="0" smtClean="0">
+              <a:latin typeface="Times New Roman" panose="02020603050405020304" pitchFamily="18" charset="0"/>
+              <a:cs typeface="Times New Roman" panose="02020603050405020304" pitchFamily="18" charset="0"/>
+            </a:endParaRPr>
+          </a:p>
+          <a:p>
+            <a:pPr algn="just"/>
+            <a:endParaRPr lang="it-IT" sz="2000" dirty="0" smtClean="0">
+              <a:latin typeface="Times New Roman" panose="02020603050405020304" pitchFamily="18" charset="0"/>
+              <a:cs typeface="Times New Roman" panose="02020603050405020304" pitchFamily="18" charset="0"/>
+            </a:endParaRPr>
+          </a:p>
+          <a:p>
+            <a:pPr algn="just"/>
+            <a:endParaRPr lang="it-IT" sz="2000" b="1" dirty="0" smtClean="0">
+              <a:latin typeface="Times New Roman" panose="02020603050405020304" pitchFamily="18" charset="0"/>
+              <a:cs typeface="Times New Roman" panose="02020603050405020304" pitchFamily="18" charset="0"/>
+            </a:endParaRPr>
+          </a:p>
+          <a:p>
+            <a:pPr algn="just"/>
+            <a:r>
+              <a:rPr lang="it-IT" sz="2000" b="1" dirty="0" smtClean="0">
+                <a:latin typeface="Times New Roman" panose="02020603050405020304" pitchFamily="18" charset="0"/>
+                <a:cs typeface="Times New Roman" panose="02020603050405020304" pitchFamily="18" charset="0"/>
+              </a:rPr>
+              <a:t>5.1. Vincere il trofeo “</a:t>
+            </a:r>
+            <a:r>
+              <a:rPr lang="it-IT" sz="2000" b="1" dirty="0" err="1" smtClean="0">
+                <a:latin typeface="Times New Roman" panose="02020603050405020304" pitchFamily="18" charset="0"/>
+                <a:cs typeface="Times New Roman" panose="02020603050405020304" pitchFamily="18" charset="0"/>
+              </a:rPr>
+              <a:t>Defeat</a:t>
+            </a:r>
+            <a:r>
+              <a:rPr lang="it-IT" sz="2000" b="1" dirty="0" smtClean="0">
+                <a:latin typeface="Times New Roman" panose="02020603050405020304" pitchFamily="18" charset="0"/>
+                <a:cs typeface="Times New Roman" panose="02020603050405020304" pitchFamily="18" charset="0"/>
+              </a:rPr>
+              <a:t> the </a:t>
+            </a:r>
+            <a:r>
+              <a:rPr lang="it-IT" sz="2000" b="1" dirty="0" err="1" smtClean="0">
+                <a:latin typeface="Times New Roman" panose="02020603050405020304" pitchFamily="18" charset="0"/>
+                <a:cs typeface="Times New Roman" panose="02020603050405020304" pitchFamily="18" charset="0"/>
+              </a:rPr>
+              <a:t>temptation</a:t>
+            </a:r>
+            <a:r>
+              <a:rPr lang="it-IT" sz="2000" b="1" dirty="0" smtClean="0">
+                <a:latin typeface="Times New Roman" panose="02020603050405020304" pitchFamily="18" charset="0"/>
+                <a:cs typeface="Times New Roman" panose="02020603050405020304" pitchFamily="18" charset="0"/>
+              </a:rPr>
+              <a:t>”.</a:t>
+            </a:r>
+            <a:r>
+              <a:rPr lang="it-IT" sz="2000" dirty="0" smtClean="0">
+                <a:latin typeface="Times New Roman" panose="02020603050405020304" pitchFamily="18" charset="0"/>
+                <a:cs typeface="Times New Roman" panose="02020603050405020304" pitchFamily="18" charset="0"/>
+              </a:rPr>
+              <a:t>  Quando viene aggiunta una nuova sigaretta, se il trofeo non è stato già conquistato, lo scenario (5) viene interrotto da un messaggio che notifica la possibilità di vincere il trofeo “</a:t>
+            </a:r>
+            <a:r>
+              <a:rPr lang="it-IT" sz="2000" dirty="0" err="1" smtClean="0">
+                <a:latin typeface="Times New Roman" panose="02020603050405020304" pitchFamily="18" charset="0"/>
+                <a:cs typeface="Times New Roman" panose="02020603050405020304" pitchFamily="18" charset="0"/>
+              </a:rPr>
+              <a:t>Defeat</a:t>
+            </a:r>
+            <a:r>
+              <a:rPr lang="it-IT" sz="2000" dirty="0" smtClean="0">
+                <a:latin typeface="Times New Roman" panose="02020603050405020304" pitchFamily="18" charset="0"/>
+                <a:cs typeface="Times New Roman" panose="02020603050405020304" pitchFamily="18" charset="0"/>
+              </a:rPr>
+              <a:t> the </a:t>
+            </a:r>
+            <a:r>
+              <a:rPr lang="it-IT" sz="2000" dirty="0" err="1" smtClean="0">
+                <a:latin typeface="Times New Roman" panose="02020603050405020304" pitchFamily="18" charset="0"/>
+                <a:cs typeface="Times New Roman" panose="02020603050405020304" pitchFamily="18" charset="0"/>
+              </a:rPr>
+              <a:t>temptation</a:t>
+            </a:r>
+            <a:r>
+              <a:rPr lang="it-IT" sz="2000" dirty="0" smtClean="0">
+                <a:latin typeface="Times New Roman" panose="02020603050405020304" pitchFamily="18" charset="0"/>
+                <a:cs typeface="Times New Roman" panose="02020603050405020304" pitchFamily="18" charset="0"/>
+              </a:rPr>
+              <a:t>” gettando via la sigaretta (che si suppone sia stata appena accesa). Cliccando su “Yes” si otterrà il premio, mentre il pulsante “No” chiuderà il messaggio di notifica permettendo il completamento dello scenario (5).</a:t>
+            </a:r>
+          </a:p>
+          <a:p>
+            <a:pPr algn="just"/>
+            <a:endParaRPr lang="it-IT" sz="2000" dirty="0">
+              <a:latin typeface="Times New Roman" panose="02020603050405020304" pitchFamily="18" charset="0"/>
+              <a:cs typeface="Times New Roman" panose="02020603050405020304" pitchFamily="18" charset="0"/>
+            </a:endParaRPr>
+          </a:p>
+        </p:txBody>
+      </p:sp>
+    </p:spTree>
+    <p:extLst>
+      <p:ext uri="{BB962C8B-B14F-4D97-AF65-F5344CB8AC3E}">
+        <p14:creationId xmlns:p14="http://schemas.microsoft.com/office/powerpoint/2010/main" xmlns="" val="2442419145"/>
+      </p:ext>
+    </p:extLst>
+  </p:cSld>
+  <p:clrMapOvr>
+    <a:masterClrMapping/>
+  </p:clrMapOvr>
+</p:sld>
+</file>
+
+<file path=ppt/slides/slide19.xml><?xml version="1.0" encoding="utf-8"?>
+<p:sld xmlns:a="http://schemas.openxmlformats.org/drawingml/2006/main" xmlns:r="http://schemas.openxmlformats.org/officeDocument/2006/relationships" xmlns:p="http://schemas.openxmlformats.org/presentationml/2006/main">
+  <p:cSld>
+    <p:spTree>
+      <p:nvGrpSpPr>
+        <p:cNvPr id="1" name=""/>
+        <p:cNvGrpSpPr/>
+        <p:nvPr/>
+      </p:nvGrpSpPr>
+      <p:grpSpPr>
+        <a:xfrm>
+          <a:off x="0" y="0"/>
+          <a:ext cx="0" cy="0"/>
+          <a:chOff x="0" y="0"/>
+          <a:chExt cx="0" cy="0"/>
+        </a:xfrm>
+      </p:grpSpPr>
+      <p:sp>
+        <p:nvSpPr>
+          <p:cNvPr id="5" name="Titolo 1"/>
+          <p:cNvSpPr>
+            <a:spLocks noGrp="1"/>
+          </p:cNvSpPr>
+          <p:nvPr>
+            <p:ph type="title"/>
+          </p:nvPr>
+        </p:nvSpPr>
+        <p:spPr>
+          <a:xfrm>
+            <a:off x="628650" y="444137"/>
+            <a:ext cx="7886700" cy="653143"/>
+          </a:xfrm>
+        </p:spPr>
+        <p:txBody>
+          <a:bodyPr>
+            <a:normAutofit/>
+          </a:bodyPr>
+          <a:lstStyle/>
+          <a:p>
+            <a:r>
+              <a:rPr lang="it-IT" sz="2800" b="1" dirty="0">
+                <a:latin typeface="Times New Roman" panose="02020603050405020304" pitchFamily="18" charset="0"/>
+                <a:cs typeface="Times New Roman" panose="02020603050405020304" pitchFamily="18" charset="0"/>
+              </a:rPr>
+              <a:t>User </a:t>
+            </a:r>
+            <a:r>
+              <a:rPr lang="it-IT" sz="2800" b="1" dirty="0" err="1">
+                <a:latin typeface="Times New Roman" panose="02020603050405020304" pitchFamily="18" charset="0"/>
+                <a:cs typeface="Times New Roman" panose="02020603050405020304" pitchFamily="18" charset="0"/>
+              </a:rPr>
+              <a:t>Testing</a:t>
+            </a:r>
+            <a:r>
+              <a:rPr lang="it-IT" sz="2800" b="1" dirty="0">
+                <a:latin typeface="Times New Roman" panose="02020603050405020304" pitchFamily="18" charset="0"/>
+                <a:cs typeface="Times New Roman" panose="02020603050405020304" pitchFamily="18" charset="0"/>
+              </a:rPr>
+              <a:t> </a:t>
+            </a:r>
+            <a:r>
+              <a:rPr lang="it-IT" sz="2800" b="1" dirty="0" err="1">
+                <a:latin typeface="Times New Roman" panose="02020603050405020304" pitchFamily="18" charset="0"/>
+                <a:cs typeface="Times New Roman" panose="02020603050405020304" pitchFamily="18" charset="0"/>
+              </a:rPr>
+              <a:t>Plan</a:t>
+            </a:r>
+            <a:r>
+              <a:rPr lang="it-IT" sz="2800" b="1" dirty="0">
+                <a:latin typeface="Times New Roman" panose="02020603050405020304" pitchFamily="18" charset="0"/>
+                <a:cs typeface="Times New Roman" panose="02020603050405020304" pitchFamily="18" charset="0"/>
+              </a:rPr>
+              <a:t> </a:t>
+            </a:r>
+            <a:r>
+              <a:rPr lang="it-IT" sz="2800" b="1" dirty="0" smtClean="0">
+                <a:latin typeface="Times New Roman" panose="02020603050405020304" pitchFamily="18" charset="0"/>
+                <a:cs typeface="Times New Roman" panose="02020603050405020304" pitchFamily="18" charset="0"/>
+              </a:rPr>
+              <a:t>(6)</a:t>
+            </a:r>
+            <a:endParaRPr lang="it-IT" sz="2800" dirty="0"/>
+          </a:p>
+        </p:txBody>
+      </p:sp>
+      <p:sp>
+        <p:nvSpPr>
+          <p:cNvPr id="8" name="Segnaposto contenuto 2"/>
+          <p:cNvSpPr txBox="1">
+            <a:spLocks/>
+          </p:cNvSpPr>
+          <p:nvPr/>
+        </p:nvSpPr>
+        <p:spPr>
+          <a:xfrm>
+            <a:off x="628650" y="1293223"/>
+            <a:ext cx="7886700" cy="5262122"/>
+          </a:xfrm>
+          <a:prstGeom prst="rect">
+            <a:avLst/>
+          </a:prstGeom>
+        </p:spPr>
+        <p:txBody>
+          <a:bodyPr vert="horz" lIns="91440" tIns="45720" rIns="91440" bIns="45720" rtlCol="0">
+            <a:normAutofit lnSpcReduction="10000"/>
+          </a:bodyPr>
+          <a:lstStyle/>
+          <a:p>
+            <a:pPr lvl="0" algn="ctr">
+              <a:lnSpc>
+                <a:spcPct val="120000"/>
+              </a:lnSpc>
+              <a:spcBef>
+                <a:spcPts val="1000"/>
+              </a:spcBef>
+            </a:pPr>
+            <a:r>
+              <a:rPr lang="it-IT" sz="2500" b="1" dirty="0" smtClean="0">
+                <a:latin typeface="Times New Roman" panose="02020603050405020304" pitchFamily="18" charset="0"/>
+                <a:cs typeface="Times New Roman" panose="02020603050405020304" pitchFamily="18" charset="0"/>
+              </a:rPr>
+              <a:t>Aspetti dell'</a:t>
+            </a:r>
+            <a:r>
+              <a:rPr lang="it-IT" sz="2500" b="1" dirty="0" err="1" smtClean="0">
+                <a:latin typeface="Times New Roman" panose="02020603050405020304" pitchFamily="18" charset="0"/>
+                <a:cs typeface="Times New Roman" panose="02020603050405020304" pitchFamily="18" charset="0"/>
+              </a:rPr>
+              <a:t>app</a:t>
+            </a:r>
+            <a:r>
+              <a:rPr lang="it-IT" sz="2500" b="1" dirty="0" smtClean="0">
+                <a:latin typeface="Times New Roman" panose="02020603050405020304" pitchFamily="18" charset="0"/>
+                <a:cs typeface="Times New Roman" panose="02020603050405020304" pitchFamily="18" charset="0"/>
+              </a:rPr>
+              <a:t> che saranno testati</a:t>
+            </a:r>
+            <a:endParaRPr lang="it-IT" sz="2500" dirty="0" smtClean="0">
+              <a:latin typeface="Times New Roman" panose="02020603050405020304" pitchFamily="18" charset="0"/>
+              <a:cs typeface="Times New Roman" panose="02020603050405020304" pitchFamily="18" charset="0"/>
+            </a:endParaRPr>
+          </a:p>
+          <a:p>
+            <a:pPr algn="just"/>
+            <a:endParaRPr lang="it-IT" sz="2000" dirty="0" smtClean="0">
+              <a:latin typeface="Times New Roman" panose="02020603050405020304" pitchFamily="18" charset="0"/>
+              <a:cs typeface="Times New Roman" panose="02020603050405020304" pitchFamily="18" charset="0"/>
+            </a:endParaRPr>
+          </a:p>
+          <a:p>
+            <a:pPr algn="just"/>
+            <a:endParaRPr lang="it-IT" sz="2000" b="1" dirty="0" smtClean="0">
+              <a:latin typeface="Times New Roman" panose="02020603050405020304" pitchFamily="18" charset="0"/>
+              <a:cs typeface="Times New Roman" panose="02020603050405020304" pitchFamily="18" charset="0"/>
+            </a:endParaRPr>
+          </a:p>
+          <a:p>
+            <a:pPr algn="just"/>
+            <a:r>
+              <a:rPr lang="it-IT" sz="2000" b="1" dirty="0" smtClean="0">
+                <a:latin typeface="Times New Roman" panose="02020603050405020304" pitchFamily="18" charset="0"/>
+                <a:cs typeface="Times New Roman" panose="02020603050405020304" pitchFamily="18" charset="0"/>
+              </a:rPr>
+              <a:t>5.2 Vincere il trofeo “</a:t>
+            </a:r>
+            <a:r>
+              <a:rPr lang="it-IT" sz="2000" b="1" dirty="0" err="1" smtClean="0">
+                <a:latin typeface="Times New Roman" panose="02020603050405020304" pitchFamily="18" charset="0"/>
+                <a:cs typeface="Times New Roman" panose="02020603050405020304" pitchFamily="18" charset="0"/>
+              </a:rPr>
+              <a:t>Only</a:t>
+            </a:r>
+            <a:r>
+              <a:rPr lang="it-IT" sz="2000" b="1" dirty="0" smtClean="0">
+                <a:latin typeface="Times New Roman" panose="02020603050405020304" pitchFamily="18" charset="0"/>
+                <a:cs typeface="Times New Roman" panose="02020603050405020304" pitchFamily="18" charset="0"/>
+              </a:rPr>
+              <a:t> 10 </a:t>
+            </a:r>
+            <a:r>
+              <a:rPr lang="it-IT" sz="2000" b="1" dirty="0" err="1" smtClean="0">
+                <a:latin typeface="Times New Roman" panose="02020603050405020304" pitchFamily="18" charset="0"/>
+                <a:cs typeface="Times New Roman" panose="02020603050405020304" pitchFamily="18" charset="0"/>
+              </a:rPr>
+              <a:t>cigarettes</a:t>
+            </a:r>
+            <a:r>
+              <a:rPr lang="it-IT" sz="2000" b="1" dirty="0" smtClean="0">
+                <a:latin typeface="Times New Roman" panose="02020603050405020304" pitchFamily="18" charset="0"/>
+                <a:cs typeface="Times New Roman" panose="02020603050405020304" pitchFamily="18" charset="0"/>
+              </a:rPr>
+              <a:t> </a:t>
+            </a:r>
+            <a:r>
+              <a:rPr lang="it-IT" sz="2000" b="1" dirty="0" err="1" smtClean="0">
+                <a:latin typeface="Times New Roman" panose="02020603050405020304" pitchFamily="18" charset="0"/>
+                <a:cs typeface="Times New Roman" panose="02020603050405020304" pitchFamily="18" charset="0"/>
+              </a:rPr>
+              <a:t>smoked</a:t>
+            </a:r>
+            <a:r>
+              <a:rPr lang="it-IT" sz="2000" b="1" dirty="0" smtClean="0">
+                <a:latin typeface="Times New Roman" panose="02020603050405020304" pitchFamily="18" charset="0"/>
+                <a:cs typeface="Times New Roman" panose="02020603050405020304" pitchFamily="18" charset="0"/>
+              </a:rPr>
+              <a:t>”. </a:t>
+            </a:r>
+            <a:r>
+              <a:rPr lang="it-IT" sz="2000" dirty="0" smtClean="0">
+                <a:latin typeface="Times New Roman" panose="02020603050405020304" pitchFamily="18" charset="0"/>
+                <a:cs typeface="Times New Roman" panose="02020603050405020304" pitchFamily="18" charset="0"/>
+              </a:rPr>
+              <a:t>È possibile sbloccare questo scenario nel momento in cui è stato precedentemente selezionato il relativo obiettivo. In questo caso quando l’utente deciderà di accendere l’undicesima sigaretta lo scenario (5) verrà interrotto dalla visualizzazione di un messaggio che permetterà di scegliere se vincere il trofeo oppure continuare a fumare. Se si sceglie di eliminare l’undicesima sigaretta, cliccando “Yes”, si ottiene il premio, in caso contrario, cliccando “No”, si ritornerà allo scenario di partenza (5), in cui verrà visualizzato il nuovo incremento delle sigarette fumate.</a:t>
+            </a:r>
+          </a:p>
+          <a:p>
+            <a:pPr algn="just"/>
+            <a:r>
+              <a:rPr lang="it-IT" sz="2000" dirty="0" smtClean="0">
+                <a:latin typeface="Times New Roman" panose="02020603050405020304" pitchFamily="18" charset="0"/>
+                <a:cs typeface="Times New Roman" panose="02020603050405020304" pitchFamily="18" charset="0"/>
+              </a:rPr>
+              <a:t>Inoltre, se il premio è stato vinto, il pulsante “</a:t>
+            </a:r>
+            <a:r>
+              <a:rPr lang="it-IT" sz="2000" dirty="0" err="1" smtClean="0">
+                <a:latin typeface="Times New Roman" panose="02020603050405020304" pitchFamily="18" charset="0"/>
+                <a:cs typeface="Times New Roman" panose="02020603050405020304" pitchFamily="18" charset="0"/>
+              </a:rPr>
+              <a:t>Add</a:t>
+            </a:r>
+            <a:r>
+              <a:rPr lang="it-IT" sz="2000" dirty="0" smtClean="0">
+                <a:latin typeface="Times New Roman" panose="02020603050405020304" pitchFamily="18" charset="0"/>
+                <a:cs typeface="Times New Roman" panose="02020603050405020304" pitchFamily="18" charset="0"/>
+              </a:rPr>
+              <a:t> a </a:t>
+            </a:r>
+            <a:r>
+              <a:rPr lang="it-IT" sz="2000" dirty="0" err="1" smtClean="0">
+                <a:latin typeface="Times New Roman" panose="02020603050405020304" pitchFamily="18" charset="0"/>
+                <a:cs typeface="Times New Roman" panose="02020603050405020304" pitchFamily="18" charset="0"/>
+              </a:rPr>
+              <a:t>cigarette</a:t>
+            </a:r>
+            <a:r>
+              <a:rPr lang="it-IT" sz="2000" dirty="0" smtClean="0">
+                <a:latin typeface="Times New Roman" panose="02020603050405020304" pitchFamily="18" charset="0"/>
+                <a:cs typeface="Times New Roman" panose="02020603050405020304" pitchFamily="18" charset="0"/>
+              </a:rPr>
+              <a:t>”, presente nella schermata Home, cambierà la sua etichetta in “No more </a:t>
+            </a:r>
+            <a:r>
+              <a:rPr lang="it-IT" sz="2000" dirty="0" err="1" smtClean="0">
+                <a:latin typeface="Times New Roman" panose="02020603050405020304" pitchFamily="18" charset="0"/>
+                <a:cs typeface="Times New Roman" panose="02020603050405020304" pitchFamily="18" charset="0"/>
+              </a:rPr>
+              <a:t>adding</a:t>
+            </a:r>
+            <a:r>
+              <a:rPr lang="it-IT" sz="2000" dirty="0" smtClean="0">
+                <a:latin typeface="Times New Roman" panose="02020603050405020304" pitchFamily="18" charset="0"/>
+                <a:cs typeface="Times New Roman" panose="02020603050405020304" pitchFamily="18" charset="0"/>
+              </a:rPr>
+              <a:t> </a:t>
+            </a:r>
+            <a:r>
+              <a:rPr lang="it-IT" sz="2000" dirty="0" err="1" smtClean="0">
+                <a:latin typeface="Times New Roman" panose="02020603050405020304" pitchFamily="18" charset="0"/>
+                <a:cs typeface="Times New Roman" panose="02020603050405020304" pitchFamily="18" charset="0"/>
+              </a:rPr>
+              <a:t>today</a:t>
+            </a:r>
+            <a:r>
+              <a:rPr lang="it-IT" sz="2000" dirty="0" smtClean="0">
+                <a:latin typeface="Times New Roman" panose="02020603050405020304" pitchFamily="18" charset="0"/>
+                <a:cs typeface="Times New Roman" panose="02020603050405020304" pitchFamily="18" charset="0"/>
+              </a:rPr>
+              <a:t>”. Nel caso in cui si decida di cliccarci sopra durante la giornata in corso, verrà notificato che se si intende aggiungere una nuova sigaretta si perderà il premio già vinto. </a:t>
+            </a:r>
+          </a:p>
+        </p:txBody>
+      </p:sp>
+    </p:spTree>
+    <p:extLst>
+      <p:ext uri="{BB962C8B-B14F-4D97-AF65-F5344CB8AC3E}">
+        <p14:creationId xmlns:p14="http://schemas.microsoft.com/office/powerpoint/2010/main" xmlns="" val="2442419145"/>
       </p:ext>
     </p:extLst>
   </p:cSld>
@@ -4345,7 +6563,7 @@
           <a:blip r:embed="rId2" cstate="print">
             <a:extLst>
               <a:ext uri="{28A0092B-C50C-407E-A947-70E740481C1C}">
-                <a14:useLocalDpi xmlns:a14="http://schemas.microsoft.com/office/drawing/2010/main" val="0"/>
+                <a14:useLocalDpi xmlns:a14="http://schemas.microsoft.com/office/drawing/2010/main" xmlns="" val="0"/>
               </a:ext>
             </a:extLst>
           </a:blip>
@@ -4410,34 +6628,38 @@
           </a:p>
         </p:txBody>
       </p:sp>
-      <p:sp>
-        <p:nvSpPr>
-          <p:cNvPr id="8" name="Segnaposto contenuto 7"/>
-          <p:cNvSpPr>
-            <a:spLocks noGrp="1"/>
-          </p:cNvSpPr>
+      <p:pic>
+        <p:nvPicPr>
+          <p:cNvPr id="1026" name="Picture 2" descr="C:\Users\hp\Desktop\546520_4188647528600_1342352636_n.jpg"/>
+          <p:cNvPicPr>
+            <a:picLocks noGrp="1" noChangeAspect="1" noChangeArrowheads="1"/>
+          </p:cNvPicPr>
           <p:nvPr>
             <p:ph sz="quarter" idx="4"/>
           </p:nvPr>
-        </p:nvSpPr>
-        <p:spPr>
+        </p:nvPicPr>
+        <p:blipFill>
+          <a:blip r:embed="rId3" cstate="print"/>
+          <a:srcRect/>
+          <a:stretch>
+            <a:fillRect/>
+          </a:stretch>
+        </p:blipFill>
+        <p:spPr bwMode="auto">
           <a:xfrm>
-            <a:off x="4629150" y="2150772"/>
-            <a:ext cx="3887391" cy="4038891"/>
+            <a:off x="4629150" y="2226469"/>
+            <a:ext cx="3887788" cy="3887788"/>
           </a:xfrm>
+          <a:prstGeom prst="rect">
+            <a:avLst/>
+          </a:prstGeom>
+          <a:noFill/>
         </p:spPr>
-        <p:txBody>
-          <a:bodyPr/>
-          <a:lstStyle/>
-          <a:p>
-            <a:endParaRPr lang="it-IT" dirty="0"/>
-          </a:p>
-        </p:txBody>
-      </p:sp>
+      </p:pic>
     </p:spTree>
     <p:extLst>
       <p:ext uri="{BB962C8B-B14F-4D97-AF65-F5344CB8AC3E}">
-        <p14:creationId xmlns:p14="http://schemas.microsoft.com/office/powerpoint/2010/main" val="2554871489"/>
+        <p14:creationId xmlns:p14="http://schemas.microsoft.com/office/powerpoint/2010/main" xmlns="" val="2554871489"/>
       </p:ext>
     </p:extLst>
   </p:cSld>
@@ -4474,7 +6696,12 @@
             <p:ph type="title"/>
           </p:nvPr>
         </p:nvSpPr>
-        <p:spPr/>
+        <p:spPr>
+          <a:xfrm>
+            <a:off x="628650" y="365127"/>
+            <a:ext cx="7886700" cy="732154"/>
+          </a:xfrm>
+        </p:spPr>
         <p:txBody>
           <a:bodyPr>
             <a:normAutofit/>
@@ -4486,7 +6713,7 @@
                 <a:latin typeface="Times New Roman" panose="02020603050405020304" pitchFamily="18" charset="0"/>
                 <a:cs typeface="Times New Roman" panose="02020603050405020304" pitchFamily="18" charset="0"/>
               </a:rPr>
-              <a:t>Presentazione dell’</a:t>
+              <a:t>Obiettivo dell’</a:t>
             </a:r>
             <a:r>
               <a:rPr lang="it-IT" sz="2800" b="1" dirty="0" err="1" smtClean="0">
@@ -4541,177 +6768,51 @@
         </p:spPr>
         <p:txBody>
           <a:bodyPr>
-            <a:normAutofit fontScale="55000" lnSpcReduction="20000"/>
+            <a:normAutofit/>
           </a:bodyPr>
           <a:lstStyle/>
           <a:p>
             <a:endParaRPr lang="it-IT" sz="2400" dirty="0"/>
           </a:p>
           <a:p>
-            <a:pPr marL="0" indent="0" algn="just">
+            <a:pPr marL="0" indent="0" algn="ctr">
+              <a:lnSpc>
+                <a:spcPct val="100000"/>
+              </a:lnSpc>
               <a:buNone/>
             </a:pPr>
-            <a:r>
-              <a:rPr lang="it-IT" sz="3200" b="1" dirty="0" err="1">
+            <a:endParaRPr lang="it-IT" sz="2400" dirty="0" smtClean="0">
+              <a:latin typeface="Times New Roman" panose="02020603050405020304" pitchFamily="18" charset="0"/>
+              <a:cs typeface="Times New Roman" panose="02020603050405020304" pitchFamily="18" charset="0"/>
+            </a:endParaRPr>
+          </a:p>
+          <a:p>
+            <a:pPr marL="0" indent="0" algn="ctr">
+              <a:lnSpc>
+                <a:spcPct val="100000"/>
+              </a:lnSpc>
+              <a:buNone/>
+            </a:pPr>
+            <a:r>
+              <a:rPr lang="it-IT" sz="2500" dirty="0" err="1" smtClean="0">
                 <a:latin typeface="Times New Roman" panose="02020603050405020304" pitchFamily="18" charset="0"/>
                 <a:cs typeface="Times New Roman" panose="02020603050405020304" pitchFamily="18" charset="0"/>
               </a:rPr>
               <a:t>SmokApp</a:t>
             </a:r>
             <a:r>
-              <a:rPr lang="it-IT" sz="3200" b="1" dirty="0">
-                <a:latin typeface="Times New Roman" panose="02020603050405020304" pitchFamily="18" charset="0"/>
-                <a:cs typeface="Times New Roman" panose="02020603050405020304" pitchFamily="18" charset="0"/>
-              </a:rPr>
-              <a:t> permetterà agli utenti che lo desiderano di smettere di fumare, grazie all’opportuna scelta di vari obiettivi proposti dal sistema stesso, che guideranno l'utente in maniera intelligente, portandolo a graduali miglioramenti e infine a sconfiggere questa dipendenza. </a:t>
-            </a:r>
-          </a:p>
-          <a:p>
-            <a:pPr marL="0" indent="0" algn="just">
-              <a:buNone/>
-            </a:pPr>
-            <a:r>
-              <a:rPr lang="it-IT" sz="3200" dirty="0">
-                <a:latin typeface="Times New Roman" panose="02020603050405020304" pitchFamily="18" charset="0"/>
-                <a:cs typeface="Times New Roman" panose="02020603050405020304" pitchFamily="18" charset="0"/>
-              </a:rPr>
-              <a:t>A</a:t>
-            </a:r>
-            <a:r>
-              <a:rPr lang="it-IT" sz="3200" dirty="0" smtClean="0">
-                <a:latin typeface="Times New Roman" panose="02020603050405020304" pitchFamily="18" charset="0"/>
-                <a:cs typeface="Times New Roman" panose="02020603050405020304" pitchFamily="18" charset="0"/>
-              </a:rPr>
-              <a:t>l </a:t>
-            </a:r>
-            <a:r>
-              <a:rPr lang="it-IT" sz="3200" dirty="0">
-                <a:latin typeface="Times New Roman" panose="02020603050405020304" pitchFamily="18" charset="0"/>
-                <a:cs typeface="Times New Roman" panose="02020603050405020304" pitchFamily="18" charset="0"/>
-              </a:rPr>
-              <a:t>momento della registrazione</a:t>
-            </a:r>
-            <a:r>
-              <a:rPr lang="it-IT" sz="3200" dirty="0" smtClean="0">
-                <a:latin typeface="Times New Roman" panose="02020603050405020304" pitchFamily="18" charset="0"/>
-                <a:cs typeface="Times New Roman" panose="02020603050405020304" pitchFamily="18" charset="0"/>
-              </a:rPr>
-              <a:t>, l’utente </a:t>
-            </a:r>
-            <a:r>
-              <a:rPr lang="it-IT" sz="3200" dirty="0">
-                <a:latin typeface="Times New Roman" panose="02020603050405020304" pitchFamily="18" charset="0"/>
-                <a:cs typeface="Times New Roman" panose="02020603050405020304" pitchFamily="18" charset="0"/>
-              </a:rPr>
-              <a:t>inserirà alcune informazioni relative al suo vizio del fumo (numero di sigarette mediamente fumate nell’arco di una giornata, tipo e marca di sigarette, ecc.); inoltre la maggior parte delle volte in cui “aggiungerà” una nuova sigaretta gli verrà notificato un messaggio informativo sui danni dovuti al fumo e la possibilità di vincere dei premi e passare a nuovi obiettivi, al fine di spronarlo a desistere dal suo proposito e incentivarlo a continuare a utilizzare l’</a:t>
-            </a:r>
-            <a:r>
-              <a:rPr lang="it-IT" sz="3200" dirty="0" err="1">
-                <a:latin typeface="Times New Roman" panose="02020603050405020304" pitchFamily="18" charset="0"/>
-                <a:cs typeface="Times New Roman" panose="02020603050405020304" pitchFamily="18" charset="0"/>
-              </a:rPr>
-              <a:t>app</a:t>
-            </a:r>
-            <a:r>
-              <a:rPr lang="it-IT" sz="3200" dirty="0">
-                <a:latin typeface="Times New Roman" panose="02020603050405020304" pitchFamily="18" charset="0"/>
-                <a:cs typeface="Times New Roman" panose="02020603050405020304" pitchFamily="18" charset="0"/>
-              </a:rPr>
-              <a:t> e, quindi, eliminare il vizio. È anche possibile visualizzare il grafico delle sigarette fumate nell’arco di un periodo scelto dall’utente stesso (settimana, anno…). </a:t>
-            </a:r>
-          </a:p>
-          <a:p>
-            <a:pPr marL="0" indent="0" algn="just">
-              <a:buNone/>
-            </a:pPr>
-            <a:r>
-              <a:rPr lang="it-IT" sz="3200" dirty="0">
-                <a:latin typeface="Times New Roman" panose="02020603050405020304" pitchFamily="18" charset="0"/>
-                <a:cs typeface="Times New Roman" panose="02020603050405020304" pitchFamily="18" charset="0"/>
-              </a:rPr>
-              <a:t>Inoltre, una volta scelto l’obiettivo è possibile visualizzare i progressi che sono stati effettuati. </a:t>
-            </a:r>
-          </a:p>
-          <a:p>
-            <a:pPr marL="0" indent="0" algn="just">
-              <a:buNone/>
-            </a:pPr>
-            <a:r>
-              <a:rPr lang="it-IT" sz="3200" dirty="0">
-                <a:latin typeface="Times New Roman" panose="02020603050405020304" pitchFamily="18" charset="0"/>
-                <a:cs typeface="Times New Roman" panose="02020603050405020304" pitchFamily="18" charset="0"/>
-              </a:rPr>
-              <a:t>In particolare, nel nostro prototipo si è scelto di mostrare il funzionamento dell’obiettivo “</a:t>
-            </a:r>
-            <a:r>
-              <a:rPr lang="it-IT" sz="3200" dirty="0" err="1">
-                <a:latin typeface="Times New Roman" panose="02020603050405020304" pitchFamily="18" charset="0"/>
-                <a:cs typeface="Times New Roman" panose="02020603050405020304" pitchFamily="18" charset="0"/>
-              </a:rPr>
-              <a:t>Only</a:t>
-            </a:r>
-            <a:r>
-              <a:rPr lang="it-IT" sz="3200" dirty="0">
-                <a:latin typeface="Times New Roman" panose="02020603050405020304" pitchFamily="18" charset="0"/>
-                <a:cs typeface="Times New Roman" panose="02020603050405020304" pitchFamily="18" charset="0"/>
-              </a:rPr>
-              <a:t> 10 </a:t>
-            </a:r>
-            <a:r>
-              <a:rPr lang="it-IT" sz="3200" dirty="0" err="1">
-                <a:latin typeface="Times New Roman" panose="02020603050405020304" pitchFamily="18" charset="0"/>
-                <a:cs typeface="Times New Roman" panose="02020603050405020304" pitchFamily="18" charset="0"/>
-              </a:rPr>
-              <a:t>cigarettes</a:t>
-            </a:r>
-            <a:r>
-              <a:rPr lang="it-IT" sz="3200" dirty="0">
+              <a:rPr lang="it-IT" sz="2500" dirty="0" smtClean="0">
                 <a:latin typeface="Times New Roman" panose="02020603050405020304" pitchFamily="18" charset="0"/>
                 <a:cs typeface="Times New Roman" panose="02020603050405020304" pitchFamily="18" charset="0"/>
               </a:rPr>
               <a:t> </a:t>
             </a:r>
             <a:r>
-              <a:rPr lang="it-IT" sz="3200" dirty="0" err="1">
-                <a:latin typeface="Times New Roman" panose="02020603050405020304" pitchFamily="18" charset="0"/>
-                <a:cs typeface="Times New Roman" panose="02020603050405020304" pitchFamily="18" charset="0"/>
-              </a:rPr>
-              <a:t>smoked</a:t>
-            </a:r>
-            <a:r>
-              <a:rPr lang="it-IT" sz="3200" dirty="0">
-                <a:latin typeface="Times New Roman" panose="02020603050405020304" pitchFamily="18" charset="0"/>
-                <a:cs typeface="Times New Roman" panose="02020603050405020304" pitchFamily="18" charset="0"/>
-              </a:rPr>
-              <a:t>” ed è anche possibile sbloccare il premio “</a:t>
-            </a:r>
-            <a:r>
-              <a:rPr lang="it-IT" sz="3200" dirty="0" err="1">
-                <a:latin typeface="Times New Roman" panose="02020603050405020304" pitchFamily="18" charset="0"/>
-                <a:cs typeface="Times New Roman" panose="02020603050405020304" pitchFamily="18" charset="0"/>
-              </a:rPr>
-              <a:t>Defeat</a:t>
-            </a:r>
-            <a:r>
-              <a:rPr lang="it-IT" sz="3200" dirty="0">
-                <a:latin typeface="Times New Roman" panose="02020603050405020304" pitchFamily="18" charset="0"/>
-                <a:cs typeface="Times New Roman" panose="02020603050405020304" pitchFamily="18" charset="0"/>
-              </a:rPr>
-              <a:t> the </a:t>
-            </a:r>
-            <a:r>
-              <a:rPr lang="it-IT" sz="3200" dirty="0" err="1">
-                <a:latin typeface="Times New Roman" panose="02020603050405020304" pitchFamily="18" charset="0"/>
-                <a:cs typeface="Times New Roman" panose="02020603050405020304" pitchFamily="18" charset="0"/>
-              </a:rPr>
-              <a:t>temptation</a:t>
-            </a:r>
-            <a:r>
-              <a:rPr lang="it-IT" sz="3200" dirty="0">
-                <a:latin typeface="Times New Roman" panose="02020603050405020304" pitchFamily="18" charset="0"/>
-                <a:cs typeface="Times New Roman" panose="02020603050405020304" pitchFamily="18" charset="0"/>
-              </a:rPr>
-              <a:t>” nel caso in cui l’utente decida di non fumare una sigaretta. </a:t>
+              <a:rPr lang="it-IT" sz="2500" dirty="0">
+                <a:latin typeface="Times New Roman" panose="02020603050405020304" pitchFamily="18" charset="0"/>
+                <a:cs typeface="Times New Roman" panose="02020603050405020304" pitchFamily="18" charset="0"/>
+              </a:rPr>
+              <a:t>permetterà agli utenti che lo desiderano di smettere di fumare, grazie all’opportuna scelta di vari obiettivi proposti dal sistema stesso, che guideranno l'utente in maniera intelligente, portandolo a graduali miglioramenti e infine a sconfiggere questa dipendenza. </a:t>
             </a:r>
           </a:p>
         </p:txBody>
@@ -4719,7 +6820,7 @@
     </p:spTree>
     <p:extLst>
       <p:ext uri="{BB962C8B-B14F-4D97-AF65-F5344CB8AC3E}">
-        <p14:creationId xmlns:p14="http://schemas.microsoft.com/office/powerpoint/2010/main" val="2477898856"/>
+        <p14:creationId xmlns:p14="http://schemas.microsoft.com/office/powerpoint/2010/main" xmlns="" val="2477898856"/>
       </p:ext>
     </p:extLst>
   </p:cSld>
@@ -4756,7 +6857,12 @@
             <p:ph type="title"/>
           </p:nvPr>
         </p:nvSpPr>
-        <p:spPr/>
+        <p:spPr>
+          <a:xfrm>
+            <a:off x="628650" y="365127"/>
+            <a:ext cx="7886700" cy="666840"/>
+          </a:xfrm>
+        </p:spPr>
         <p:txBody>
           <a:bodyPr>
             <a:normAutofit/>
@@ -4798,7 +6904,7 @@
               <a:buNone/>
             </a:pPr>
             <a:r>
-              <a:rPr lang="it-IT" sz="2200" dirty="0" smtClean="0">
+              <a:rPr lang="it-IT" sz="2000" dirty="0" smtClean="0">
                 <a:latin typeface="Times New Roman" panose="02020603050405020304" pitchFamily="18" charset="0"/>
                 <a:cs typeface="Times New Roman" panose="02020603050405020304" pitchFamily="18" charset="0"/>
               </a:rPr>
@@ -4807,6 +6913,41 @@
           </a:p>
           <a:p>
             <a:pPr marL="0" indent="0" algn="just">
+              <a:buNone/>
+            </a:pPr>
+            <a:endParaRPr lang="it-IT" sz="2000" dirty="0">
+              <a:latin typeface="Times New Roman" panose="02020603050405020304" pitchFamily="18" charset="0"/>
+              <a:cs typeface="Times New Roman" panose="02020603050405020304" pitchFamily="18" charset="0"/>
+            </a:endParaRPr>
+          </a:p>
+          <a:p>
+            <a:pPr marL="0" indent="0" algn="just">
+              <a:buNone/>
+            </a:pPr>
+            <a:r>
+              <a:rPr lang="it-IT" sz="2000" dirty="0" smtClean="0">
+                <a:latin typeface="Times New Roman" panose="02020603050405020304" pitchFamily="18" charset="0"/>
+                <a:cs typeface="Times New Roman" panose="02020603050405020304" pitchFamily="18" charset="0"/>
+                <a:hlinkClick r:id="rId2"/>
+              </a:rPr>
+              <a:t>https://www.justinmind.com/usernote/prototypes/15258068/15260565/15591189/index.html</a:t>
+            </a:r>
+            <a:endParaRPr lang="it-IT" sz="2000" dirty="0" smtClean="0">
+              <a:latin typeface="Times New Roman" panose="02020603050405020304" pitchFamily="18" charset="0"/>
+              <a:cs typeface="Times New Roman" panose="02020603050405020304" pitchFamily="18" charset="0"/>
+            </a:endParaRPr>
+          </a:p>
+          <a:p>
+            <a:pPr marL="0" indent="0">
+              <a:buNone/>
+            </a:pPr>
+            <a:endParaRPr lang="it-IT" sz="2000" dirty="0" smtClean="0">
+              <a:latin typeface="Times New Roman" panose="02020603050405020304" pitchFamily="18" charset="0"/>
+              <a:cs typeface="Times New Roman" panose="02020603050405020304" pitchFamily="18" charset="0"/>
+            </a:endParaRPr>
+          </a:p>
+          <a:p>
+            <a:pPr marL="0" indent="0">
               <a:buNone/>
             </a:pPr>
             <a:endParaRPr lang="it-IT" sz="2200" dirty="0">
@@ -4814,61 +6955,25 @@
               <a:cs typeface="Times New Roman" panose="02020603050405020304" pitchFamily="18" charset="0"/>
             </a:endParaRPr>
           </a:p>
-          <a:p>
-            <a:pPr marL="0" indent="0" algn="just">
-              <a:buNone/>
-            </a:pPr>
-            <a:r>
-              <a:rPr lang="it-IT" sz="2200" dirty="0">
-                <a:latin typeface="Times New Roman" panose="02020603050405020304" pitchFamily="18" charset="0"/>
-                <a:cs typeface="Times New Roman" panose="02020603050405020304" pitchFamily="18" charset="0"/>
-                <a:hlinkClick r:id="rId2"/>
-              </a:rPr>
-              <a:t>https://www.justinmind.com/usernote/prototypes/15258068/15260565/15591189/index.html#/</a:t>
-            </a:r>
-            <a:r>
-              <a:rPr lang="it-IT" sz="2200" dirty="0" smtClean="0">
-                <a:latin typeface="Times New Roman" panose="02020603050405020304" pitchFamily="18" charset="0"/>
-                <a:cs typeface="Times New Roman" panose="02020603050405020304" pitchFamily="18" charset="0"/>
-                <a:hlinkClick r:id="rId2"/>
-              </a:rPr>
-              <a:t>screens/961aaad1-0bd8-4d4a-8b15-cac5f481f1b7</a:t>
-            </a:r>
-            <a:endParaRPr lang="it-IT" sz="2200" dirty="0" smtClean="0">
-              <a:latin typeface="Times New Roman" panose="02020603050405020304" pitchFamily="18" charset="0"/>
-              <a:cs typeface="Times New Roman" panose="02020603050405020304" pitchFamily="18" charset="0"/>
-            </a:endParaRPr>
-          </a:p>
-          <a:p>
-            <a:pPr marL="0" indent="0">
-              <a:buNone/>
-            </a:pPr>
-            <a:endParaRPr lang="it-IT" sz="2200" dirty="0" smtClean="0">
-              <a:latin typeface="Times New Roman" panose="02020603050405020304" pitchFamily="18" charset="0"/>
-              <a:cs typeface="Times New Roman" panose="02020603050405020304" pitchFamily="18" charset="0"/>
-            </a:endParaRPr>
-          </a:p>
-          <a:p>
-            <a:pPr marL="0" indent="0">
-              <a:buNone/>
-            </a:pPr>
-            <a:endParaRPr lang="it-IT" sz="2200" dirty="0">
-              <a:latin typeface="Times New Roman" panose="02020603050405020304" pitchFamily="18" charset="0"/>
-              <a:cs typeface="Times New Roman" panose="02020603050405020304" pitchFamily="18" charset="0"/>
-            </a:endParaRPr>
-          </a:p>
         </p:txBody>
       </p:sp>
     </p:spTree>
     <p:extLst>
       <p:ext uri="{BB962C8B-B14F-4D97-AF65-F5344CB8AC3E}">
-        <p14:creationId xmlns:p14="http://schemas.microsoft.com/office/powerpoint/2010/main" val="2051926642"/>
+        <p14:creationId xmlns:p14="http://schemas.microsoft.com/office/powerpoint/2010/main" xmlns="" val="2051926642"/>
       </p:ext>
     </p:extLst>
   </p:cSld>
   <p:clrMapOvr>
     <a:masterClrMapping/>
   </p:clrMapOvr>
+  <p:timing>
+    <p:tnLst>
+      <p:par>
+        <p:cTn id="1" dur="indefinite" restart="never" nodeType="tmRoot"/>
+      </p:par>
+    </p:tnLst>
+  </p:timing>
 </p:sld>
 </file>
 
@@ -4899,7 +7004,12 @@
             <p:ph type="title"/>
           </p:nvPr>
         </p:nvSpPr>
-        <p:spPr/>
+        <p:spPr>
+          <a:xfrm>
+            <a:off x="628650" y="365126"/>
+            <a:ext cx="7886700" cy="692965"/>
+          </a:xfrm>
+        </p:spPr>
         <p:txBody>
           <a:bodyPr>
             <a:normAutofit/>
@@ -4929,7 +7039,7 @@
       </p:sp>
       <p:sp>
         <p:nvSpPr>
-          <p:cNvPr id="3" name="Segnaposto contenuto 2"/>
+          <p:cNvPr id="4" name="Segnaposto contenuto 2"/>
           <p:cNvSpPr>
             <a:spLocks noGrp="1"/>
           </p:cNvSpPr>
@@ -4937,25 +7047,103 @@
             <p:ph idx="1"/>
           </p:nvPr>
         </p:nvSpPr>
-        <p:spPr/>
-        <p:txBody>
-          <a:bodyPr/>
-          <a:lstStyle/>
-          <a:p>
-            <a:endParaRPr lang="it-IT"/>
+        <p:spPr>
+          <a:xfrm>
+            <a:off x="628650" y="1825625"/>
+            <a:ext cx="7886700" cy="4351338"/>
+          </a:xfrm>
+        </p:spPr>
+        <p:txBody>
+          <a:bodyPr>
+            <a:normAutofit/>
+          </a:bodyPr>
+          <a:lstStyle/>
+          <a:p>
+            <a:pPr marL="0" indent="0" algn="just">
+              <a:buNone/>
+            </a:pPr>
+            <a:r>
+              <a:rPr lang="it-IT" sz="2000" dirty="0" smtClean="0">
+                <a:latin typeface="Times New Roman" panose="02020603050405020304" pitchFamily="18" charset="0"/>
+                <a:cs typeface="Times New Roman" panose="02020603050405020304" pitchFamily="18" charset="0"/>
+              </a:rPr>
+              <a:t>È possibile visualizzare il </a:t>
+            </a:r>
+            <a:r>
+              <a:rPr lang="it-IT" sz="2000" dirty="0" smtClean="0">
+                <a:latin typeface="Times New Roman" panose="02020603050405020304" pitchFamily="18" charset="0"/>
+                <a:cs typeface="Times New Roman" panose="02020603050405020304" pitchFamily="18" charset="0"/>
+              </a:rPr>
+              <a:t>prototipo ottenuto dopo aver effettuato il</a:t>
+            </a:r>
+            <a:r>
+              <a:rPr lang="it-IT" sz="2000" dirty="0" smtClean="0">
+                <a:latin typeface="Times New Roman" panose="02020603050405020304" pitchFamily="18" charset="0"/>
+                <a:cs typeface="Times New Roman" panose="02020603050405020304" pitchFamily="18" charset="0"/>
+              </a:rPr>
+              <a:t> re-design di una sua componente </a:t>
+            </a:r>
+            <a:r>
+              <a:rPr lang="it-IT" sz="2000" dirty="0" smtClean="0">
+                <a:latin typeface="Times New Roman" panose="02020603050405020304" pitchFamily="18" charset="0"/>
+                <a:cs typeface="Times New Roman" panose="02020603050405020304" pitchFamily="18" charset="0"/>
+              </a:rPr>
+              <a:t>cliccando </a:t>
+            </a:r>
+            <a:r>
+              <a:rPr lang="it-IT" sz="2000" dirty="0" smtClean="0">
+                <a:latin typeface="Times New Roman" panose="02020603050405020304" pitchFamily="18" charset="0"/>
+                <a:cs typeface="Times New Roman" panose="02020603050405020304" pitchFamily="18" charset="0"/>
+              </a:rPr>
+              <a:t>sul seguente link:</a:t>
+            </a:r>
+          </a:p>
+          <a:p>
+            <a:pPr marL="0" indent="0" algn="just">
+              <a:buNone/>
+            </a:pPr>
+            <a:endParaRPr lang="it-IT" sz="2000" dirty="0">
+              <a:latin typeface="Times New Roman" panose="02020603050405020304" pitchFamily="18" charset="0"/>
+              <a:cs typeface="Times New Roman" panose="02020603050405020304" pitchFamily="18" charset="0"/>
+            </a:endParaRPr>
+          </a:p>
+          <a:p>
+            <a:pPr marL="0" indent="0">
+              <a:buNone/>
+            </a:pPr>
+            <a:endParaRPr lang="it-IT" sz="2000" dirty="0" smtClean="0">
+              <a:latin typeface="Times New Roman" panose="02020603050405020304" pitchFamily="18" charset="0"/>
+              <a:cs typeface="Times New Roman" panose="02020603050405020304" pitchFamily="18" charset="0"/>
+            </a:endParaRPr>
+          </a:p>
+          <a:p>
+            <a:pPr marL="0" indent="0">
+              <a:buNone/>
+            </a:pPr>
+            <a:endParaRPr lang="it-IT" sz="2200" dirty="0">
+              <a:latin typeface="Times New Roman" panose="02020603050405020304" pitchFamily="18" charset="0"/>
+              <a:cs typeface="Times New Roman" panose="02020603050405020304" pitchFamily="18" charset="0"/>
+            </a:endParaRPr>
           </a:p>
         </p:txBody>
       </p:sp>
     </p:spTree>
     <p:extLst>
       <p:ext uri="{BB962C8B-B14F-4D97-AF65-F5344CB8AC3E}">
-        <p14:creationId xmlns:p14="http://schemas.microsoft.com/office/powerpoint/2010/main" val="530745109"/>
+        <p14:creationId xmlns:p14="http://schemas.microsoft.com/office/powerpoint/2010/main" xmlns="" val="530745109"/>
       </p:ext>
     </p:extLst>
   </p:cSld>
   <p:clrMapOvr>
     <a:masterClrMapping/>
   </p:clrMapOvr>
+  <p:timing>
+    <p:tnLst>
+      <p:par>
+        <p:cTn id="1" dur="indefinite" restart="never" nodeType="tmRoot"/>
+      </p:par>
+    </p:tnLst>
+  </p:timing>
 </p:sld>
 </file>
 
@@ -4988,8 +7176,8 @@
         </p:nvSpPr>
         <p:spPr>
           <a:xfrm>
-            <a:off x="628650" y="107548"/>
-            <a:ext cx="7886700" cy="1325563"/>
+            <a:off x="628650" y="418011"/>
+            <a:ext cx="7886700" cy="666206"/>
           </a:xfrm>
         </p:spPr>
         <p:txBody>
@@ -5038,25 +7226,66 @@
         </p:nvSpPr>
         <p:spPr>
           <a:xfrm>
-            <a:off x="628650" y="1275008"/>
-            <a:ext cx="7886700" cy="5280338"/>
+            <a:off x="628650" y="1306286"/>
+            <a:ext cx="7886700" cy="5249059"/>
           </a:xfrm>
         </p:spPr>
         <p:txBody>
           <a:bodyPr>
-            <a:normAutofit fontScale="55000" lnSpcReduction="20000"/>
+            <a:normAutofit fontScale="70000" lnSpcReduction="20000"/>
           </a:bodyPr>
           <a:lstStyle/>
           <a:p>
+            <a:pPr marL="0" indent="0" algn="ctr">
+              <a:lnSpc>
+                <a:spcPct val="120000"/>
+              </a:lnSpc>
+              <a:buNone/>
+            </a:pPr>
+            <a:r>
+              <a:rPr lang="it-IT" sz="3600" b="1" dirty="0">
+                <a:latin typeface="Times New Roman" panose="02020603050405020304" pitchFamily="18" charset="0"/>
+                <a:cs typeface="Times New Roman" panose="02020603050405020304" pitchFamily="18" charset="0"/>
+              </a:rPr>
+              <a:t>Sommario</a:t>
+            </a:r>
+            <a:endParaRPr lang="it-IT" sz="3600" dirty="0">
+              <a:latin typeface="Times New Roman" panose="02020603050405020304" pitchFamily="18" charset="0"/>
+              <a:cs typeface="Times New Roman" panose="02020603050405020304" pitchFamily="18" charset="0"/>
+            </a:endParaRPr>
+          </a:p>
+          <a:p>
             <a:pPr marL="0" indent="0" algn="just">
+              <a:lnSpc>
+                <a:spcPct val="120000"/>
+              </a:lnSpc>
               <a:buNone/>
             </a:pPr>
+            <a:endParaRPr lang="it-IT" b="1" dirty="0" smtClean="0">
+              <a:latin typeface="Times New Roman" panose="02020603050405020304" pitchFamily="18" charset="0"/>
+              <a:cs typeface="Times New Roman" panose="02020603050405020304" pitchFamily="18" charset="0"/>
+            </a:endParaRPr>
+          </a:p>
+          <a:p>
+            <a:pPr marL="0" indent="0" algn="just">
+              <a:lnSpc>
+                <a:spcPct val="120000"/>
+              </a:lnSpc>
+              <a:buNone/>
+            </a:pPr>
+            <a:r>
+              <a:rPr lang="it-IT" b="1" dirty="0" smtClean="0">
+                <a:latin typeface="Times New Roman" panose="02020603050405020304" pitchFamily="18" charset="0"/>
+                <a:cs typeface="Times New Roman" panose="02020603050405020304" pitchFamily="18" charset="0"/>
+              </a:rPr>
+              <a:t>- </a:t>
+            </a:r>
             <a:r>
               <a:rPr lang="it-IT" b="1" dirty="0">
                 <a:latin typeface="Times New Roman" panose="02020603050405020304" pitchFamily="18" charset="0"/>
                 <a:cs typeface="Times New Roman" panose="02020603050405020304" pitchFamily="18" charset="0"/>
               </a:rPr>
-              <a:t>Sommario</a:t>
+              <a:t>Cosa viene testato:</a:t>
             </a:r>
             <a:endParaRPr lang="it-IT" dirty="0">
               <a:latin typeface="Times New Roman" panose="02020603050405020304" pitchFamily="18" charset="0"/>
@@ -5064,324 +7293,169 @@
             </a:endParaRPr>
           </a:p>
           <a:p>
-            <a:pPr marL="0" indent="0" algn="just">
-              <a:buNone/>
+            <a:pPr algn="just">
+              <a:lnSpc>
+                <a:spcPct val="120000"/>
+              </a:lnSpc>
             </a:pPr>
             <a:r>
-              <a:rPr lang="it-IT" b="1" dirty="0">
-                <a:latin typeface="Times New Roman" panose="02020603050405020304" pitchFamily="18" charset="0"/>
-                <a:cs typeface="Times New Roman" panose="02020603050405020304" pitchFamily="18" charset="0"/>
-              </a:rPr>
-              <a:t>- Cosa viene testato:</a:t>
+              <a:rPr lang="it-IT" dirty="0" smtClean="0">
+                <a:latin typeface="Times New Roman" panose="02020603050405020304" pitchFamily="18" charset="0"/>
+                <a:cs typeface="Times New Roman" panose="02020603050405020304" pitchFamily="18" charset="0"/>
+              </a:rPr>
+              <a:t>il </a:t>
+            </a:r>
+            <a:r>
+              <a:rPr lang="it-IT" dirty="0">
+                <a:latin typeface="Times New Roman" panose="02020603050405020304" pitchFamily="18" charset="0"/>
+                <a:cs typeface="Times New Roman" panose="02020603050405020304" pitchFamily="18" charset="0"/>
+              </a:rPr>
+              <a:t>processo di </a:t>
+            </a:r>
+            <a:r>
+              <a:rPr lang="it-IT" dirty="0" err="1">
+                <a:latin typeface="Times New Roman" panose="02020603050405020304" pitchFamily="18" charset="0"/>
+                <a:cs typeface="Times New Roman" panose="02020603050405020304" pitchFamily="18" charset="0"/>
+              </a:rPr>
+              <a:t>sign</a:t>
+            </a:r>
+            <a:r>
+              <a:rPr lang="it-IT" dirty="0">
+                <a:latin typeface="Times New Roman" panose="02020603050405020304" pitchFamily="18" charset="0"/>
+                <a:cs typeface="Times New Roman" panose="02020603050405020304" pitchFamily="18" charset="0"/>
+              </a:rPr>
+              <a:t> up;</a:t>
+            </a:r>
+          </a:p>
+          <a:p>
+            <a:pPr algn="just">
+              <a:lnSpc>
+                <a:spcPct val="120000"/>
+              </a:lnSpc>
+            </a:pPr>
+            <a:r>
+              <a:rPr lang="it-IT" dirty="0">
+                <a:latin typeface="Times New Roman" panose="02020603050405020304" pitchFamily="18" charset="0"/>
+                <a:cs typeface="Times New Roman" panose="02020603050405020304" pitchFamily="18" charset="0"/>
+              </a:rPr>
+              <a:t>la fase di login;</a:t>
+            </a:r>
+          </a:p>
+          <a:p>
+            <a:pPr algn="just">
+              <a:lnSpc>
+                <a:spcPct val="120000"/>
+              </a:lnSpc>
+            </a:pPr>
+            <a:r>
+              <a:rPr lang="it-IT" dirty="0">
+                <a:latin typeface="Times New Roman" panose="02020603050405020304" pitchFamily="18" charset="0"/>
+                <a:cs typeface="Times New Roman" panose="02020603050405020304" pitchFamily="18" charset="0"/>
+              </a:rPr>
+              <a:t>la selezione di un goal, la cui anteprima sarà mostrata nella home page;</a:t>
+            </a:r>
+          </a:p>
+          <a:p>
+            <a:pPr algn="just">
+              <a:lnSpc>
+                <a:spcPct val="120000"/>
+              </a:lnSpc>
+            </a:pPr>
+            <a:r>
+              <a:rPr lang="it-IT" dirty="0">
+                <a:latin typeface="Times New Roman" panose="02020603050405020304" pitchFamily="18" charset="0"/>
+                <a:cs typeface="Times New Roman" panose="02020603050405020304" pitchFamily="18" charset="0"/>
+              </a:rPr>
+              <a:t>l'aggiunta di una sigaretta, inclusa la possibilità di vincere un trofeo relativo a questa azione;</a:t>
+            </a:r>
+          </a:p>
+          <a:p>
+            <a:pPr algn="just">
+              <a:lnSpc>
+                <a:spcPct val="120000"/>
+              </a:lnSpc>
+            </a:pPr>
+            <a:r>
+              <a:rPr lang="it-IT" dirty="0">
+                <a:latin typeface="Times New Roman" panose="02020603050405020304" pitchFamily="18" charset="0"/>
+                <a:cs typeface="Times New Roman" panose="02020603050405020304" pitchFamily="18" charset="0"/>
+              </a:rPr>
+              <a:t>il raggiungimento di un obiettivo selezionato, nonché l'eventualità di poterlo perdere;</a:t>
+            </a:r>
+          </a:p>
+          <a:p>
+            <a:pPr algn="just">
+              <a:lnSpc>
+                <a:spcPct val="120000"/>
+              </a:lnSpc>
+            </a:pPr>
+            <a:r>
+              <a:rPr lang="it-IT" dirty="0">
+                <a:latin typeface="Times New Roman" panose="02020603050405020304" pitchFamily="18" charset="0"/>
+                <a:cs typeface="Times New Roman" panose="02020603050405020304" pitchFamily="18" charset="0"/>
+              </a:rPr>
+              <a:t>la navigazione attraverso le diverse schermate, quali “</a:t>
+            </a:r>
+            <a:r>
+              <a:rPr lang="it-IT" dirty="0" err="1">
+                <a:latin typeface="Times New Roman" panose="02020603050405020304" pitchFamily="18" charset="0"/>
+                <a:cs typeface="Times New Roman" panose="02020603050405020304" pitchFamily="18" charset="0"/>
+              </a:rPr>
+              <a:t>Goals</a:t>
+            </a:r>
+            <a:r>
+              <a:rPr lang="it-IT" dirty="0">
+                <a:latin typeface="Times New Roman" panose="02020603050405020304" pitchFamily="18" charset="0"/>
+                <a:cs typeface="Times New Roman" panose="02020603050405020304" pitchFamily="18" charset="0"/>
+              </a:rPr>
+              <a:t>”, “</a:t>
+            </a:r>
+            <a:r>
+              <a:rPr lang="it-IT" dirty="0" err="1">
+                <a:latin typeface="Times New Roman" panose="02020603050405020304" pitchFamily="18" charset="0"/>
+                <a:cs typeface="Times New Roman" panose="02020603050405020304" pitchFamily="18" charset="0"/>
+              </a:rPr>
+              <a:t>Stats</a:t>
+            </a:r>
+            <a:r>
+              <a:rPr lang="it-IT" dirty="0">
+                <a:latin typeface="Times New Roman" panose="02020603050405020304" pitchFamily="18" charset="0"/>
+                <a:cs typeface="Times New Roman" panose="02020603050405020304" pitchFamily="18" charset="0"/>
+              </a:rPr>
+              <a:t>”, “</a:t>
+            </a:r>
+            <a:r>
+              <a:rPr lang="it-IT" dirty="0" err="1">
+                <a:latin typeface="Times New Roman" panose="02020603050405020304" pitchFamily="18" charset="0"/>
+                <a:cs typeface="Times New Roman" panose="02020603050405020304" pitchFamily="18" charset="0"/>
+              </a:rPr>
+              <a:t>Achievements</a:t>
+            </a:r>
+            <a:r>
+              <a:rPr lang="it-IT" dirty="0">
+                <a:latin typeface="Times New Roman" panose="02020603050405020304" pitchFamily="18" charset="0"/>
+                <a:cs typeface="Times New Roman" panose="02020603050405020304" pitchFamily="18" charset="0"/>
+              </a:rPr>
+              <a:t>”, ecc</a:t>
+            </a:r>
+            <a:r>
+              <a:rPr lang="it-IT" dirty="0" smtClean="0">
+                <a:latin typeface="Times New Roman" panose="02020603050405020304" pitchFamily="18" charset="0"/>
+                <a:cs typeface="Times New Roman" panose="02020603050405020304" pitchFamily="18" charset="0"/>
+              </a:rPr>
+              <a:t>.</a:t>
             </a:r>
             <a:endParaRPr lang="it-IT" dirty="0">
               <a:latin typeface="Times New Roman" panose="02020603050405020304" pitchFamily="18" charset="0"/>
               <a:cs typeface="Times New Roman" panose="02020603050405020304" pitchFamily="18" charset="0"/>
             </a:endParaRPr>
           </a:p>
-          <a:p>
-            <a:pPr algn="just"/>
-            <a:r>
-              <a:rPr lang="it-IT" dirty="0" smtClean="0">
-                <a:latin typeface="Times New Roman" panose="02020603050405020304" pitchFamily="18" charset="0"/>
-                <a:cs typeface="Times New Roman" panose="02020603050405020304" pitchFamily="18" charset="0"/>
-              </a:rPr>
-              <a:t>il </a:t>
-            </a:r>
-            <a:r>
-              <a:rPr lang="it-IT" dirty="0">
-                <a:latin typeface="Times New Roman" panose="02020603050405020304" pitchFamily="18" charset="0"/>
-                <a:cs typeface="Times New Roman" panose="02020603050405020304" pitchFamily="18" charset="0"/>
-              </a:rPr>
-              <a:t>processo di </a:t>
-            </a:r>
-            <a:r>
-              <a:rPr lang="it-IT" dirty="0" err="1">
-                <a:latin typeface="Times New Roman" panose="02020603050405020304" pitchFamily="18" charset="0"/>
-                <a:cs typeface="Times New Roman" panose="02020603050405020304" pitchFamily="18" charset="0"/>
-              </a:rPr>
-              <a:t>sign</a:t>
-            </a:r>
-            <a:r>
-              <a:rPr lang="it-IT" dirty="0">
-                <a:latin typeface="Times New Roman" panose="02020603050405020304" pitchFamily="18" charset="0"/>
-                <a:cs typeface="Times New Roman" panose="02020603050405020304" pitchFamily="18" charset="0"/>
-              </a:rPr>
-              <a:t> up;</a:t>
-            </a:r>
-          </a:p>
-          <a:p>
-            <a:pPr algn="just"/>
-            <a:r>
-              <a:rPr lang="it-IT" dirty="0">
-                <a:latin typeface="Times New Roman" panose="02020603050405020304" pitchFamily="18" charset="0"/>
-                <a:cs typeface="Times New Roman" panose="02020603050405020304" pitchFamily="18" charset="0"/>
-              </a:rPr>
-              <a:t>la fase di login;</a:t>
-            </a:r>
-          </a:p>
-          <a:p>
-            <a:pPr algn="just"/>
-            <a:r>
-              <a:rPr lang="it-IT" dirty="0">
-                <a:latin typeface="Times New Roman" panose="02020603050405020304" pitchFamily="18" charset="0"/>
-                <a:cs typeface="Times New Roman" panose="02020603050405020304" pitchFamily="18" charset="0"/>
-              </a:rPr>
-              <a:t>la selezione di un goal, la cui anteprima sarà mostrata nella home page;</a:t>
-            </a:r>
-          </a:p>
-          <a:p>
-            <a:pPr algn="just"/>
-            <a:r>
-              <a:rPr lang="it-IT" dirty="0">
-                <a:latin typeface="Times New Roman" panose="02020603050405020304" pitchFamily="18" charset="0"/>
-                <a:cs typeface="Times New Roman" panose="02020603050405020304" pitchFamily="18" charset="0"/>
-              </a:rPr>
-              <a:t>l'aggiunta di una sigaretta, inclusa la possibilità di vincere un trofeo relativo a questa azione;</a:t>
-            </a:r>
-          </a:p>
-          <a:p>
-            <a:pPr algn="just"/>
-            <a:r>
-              <a:rPr lang="it-IT" dirty="0">
-                <a:latin typeface="Times New Roman" panose="02020603050405020304" pitchFamily="18" charset="0"/>
-                <a:cs typeface="Times New Roman" panose="02020603050405020304" pitchFamily="18" charset="0"/>
-              </a:rPr>
-              <a:t>il raggiungimento di un obiettivo selezionato, nonché l'eventualità di poterlo perdere;</a:t>
-            </a:r>
-          </a:p>
-          <a:p>
-            <a:pPr algn="just"/>
-            <a:r>
-              <a:rPr lang="it-IT" dirty="0">
-                <a:latin typeface="Times New Roman" panose="02020603050405020304" pitchFamily="18" charset="0"/>
-                <a:cs typeface="Times New Roman" panose="02020603050405020304" pitchFamily="18" charset="0"/>
-              </a:rPr>
-              <a:t>la navigazione attraverso le diverse schermate, quali “</a:t>
-            </a:r>
-            <a:r>
-              <a:rPr lang="it-IT" dirty="0" err="1">
-                <a:latin typeface="Times New Roman" panose="02020603050405020304" pitchFamily="18" charset="0"/>
-                <a:cs typeface="Times New Roman" panose="02020603050405020304" pitchFamily="18" charset="0"/>
-              </a:rPr>
-              <a:t>Goals</a:t>
-            </a:r>
-            <a:r>
-              <a:rPr lang="it-IT" dirty="0">
-                <a:latin typeface="Times New Roman" panose="02020603050405020304" pitchFamily="18" charset="0"/>
-                <a:cs typeface="Times New Roman" panose="02020603050405020304" pitchFamily="18" charset="0"/>
-              </a:rPr>
-              <a:t>”, “</a:t>
-            </a:r>
-            <a:r>
-              <a:rPr lang="it-IT" dirty="0" err="1">
-                <a:latin typeface="Times New Roman" panose="02020603050405020304" pitchFamily="18" charset="0"/>
-                <a:cs typeface="Times New Roman" panose="02020603050405020304" pitchFamily="18" charset="0"/>
-              </a:rPr>
-              <a:t>Stats</a:t>
-            </a:r>
-            <a:r>
-              <a:rPr lang="it-IT" dirty="0">
-                <a:latin typeface="Times New Roman" panose="02020603050405020304" pitchFamily="18" charset="0"/>
-                <a:cs typeface="Times New Roman" panose="02020603050405020304" pitchFamily="18" charset="0"/>
-              </a:rPr>
-              <a:t>”, “</a:t>
-            </a:r>
-            <a:r>
-              <a:rPr lang="it-IT" dirty="0" err="1">
-                <a:latin typeface="Times New Roman" panose="02020603050405020304" pitchFamily="18" charset="0"/>
-                <a:cs typeface="Times New Roman" panose="02020603050405020304" pitchFamily="18" charset="0"/>
-              </a:rPr>
-              <a:t>Achievements</a:t>
-            </a:r>
-            <a:r>
-              <a:rPr lang="it-IT" dirty="0">
-                <a:latin typeface="Times New Roman" panose="02020603050405020304" pitchFamily="18" charset="0"/>
-                <a:cs typeface="Times New Roman" panose="02020603050405020304" pitchFamily="18" charset="0"/>
-              </a:rPr>
-              <a:t>”, ecc.</a:t>
-            </a:r>
-          </a:p>
-          <a:p>
-            <a:pPr marL="0" indent="0" algn="just">
-              <a:buNone/>
-            </a:pPr>
-            <a:r>
-              <a:rPr lang="it-IT" b="1" dirty="0">
-                <a:latin typeface="Times New Roman" panose="02020603050405020304" pitchFamily="18" charset="0"/>
-                <a:cs typeface="Times New Roman" panose="02020603050405020304" pitchFamily="18" charset="0"/>
-              </a:rPr>
-              <a:t>- Cosa si vuole approfondire:</a:t>
-            </a:r>
-            <a:endParaRPr lang="it-IT" dirty="0">
-              <a:latin typeface="Times New Roman" panose="02020603050405020304" pitchFamily="18" charset="0"/>
-              <a:cs typeface="Times New Roman" panose="02020603050405020304" pitchFamily="18" charset="0"/>
-            </a:endParaRPr>
-          </a:p>
-          <a:p>
-            <a:pPr algn="just"/>
-            <a:r>
-              <a:rPr lang="it-IT" dirty="0">
-                <a:latin typeface="Times New Roman" panose="02020603050405020304" pitchFamily="18" charset="0"/>
-                <a:cs typeface="Times New Roman" panose="02020603050405020304" pitchFamily="18" charset="0"/>
-              </a:rPr>
-              <a:t>la comprensibilità dell'interfaccia;</a:t>
-            </a:r>
-          </a:p>
-          <a:p>
-            <a:pPr algn="just"/>
-            <a:r>
-              <a:rPr lang="it-IT" dirty="0">
-                <a:latin typeface="Times New Roman" panose="02020603050405020304" pitchFamily="18" charset="0"/>
-                <a:cs typeface="Times New Roman" panose="02020603050405020304" pitchFamily="18" charset="0"/>
-              </a:rPr>
-              <a:t>l'efficacia dei vari task;</a:t>
-            </a:r>
-          </a:p>
-          <a:p>
-            <a:pPr algn="just"/>
-            <a:r>
-              <a:rPr lang="it-IT" dirty="0">
-                <a:latin typeface="Times New Roman" panose="02020603050405020304" pitchFamily="18" charset="0"/>
-                <a:cs typeface="Times New Roman" panose="02020603050405020304" pitchFamily="18" charset="0"/>
-              </a:rPr>
-              <a:t>eventuale presenza di errori.</a:t>
-            </a:r>
-          </a:p>
-          <a:p>
-            <a:pPr marL="0" indent="0" algn="just">
-              <a:buNone/>
-            </a:pPr>
-            <a:r>
-              <a:rPr lang="it-IT" dirty="0">
-                <a:latin typeface="Times New Roman" panose="02020603050405020304" pitchFamily="18" charset="0"/>
-                <a:cs typeface="Times New Roman" panose="02020603050405020304" pitchFamily="18" charset="0"/>
-              </a:rPr>
-              <a:t> </a:t>
-            </a:r>
-            <a:r>
-              <a:rPr lang="it-IT" b="1" dirty="0">
-                <a:latin typeface="Times New Roman" panose="02020603050405020304" pitchFamily="18" charset="0"/>
-                <a:cs typeface="Times New Roman" panose="02020603050405020304" pitchFamily="18" charset="0"/>
-              </a:rPr>
-              <a:t>- Perché: </a:t>
-            </a:r>
-            <a:r>
-              <a:rPr lang="it-IT" dirty="0">
-                <a:latin typeface="Times New Roman" panose="02020603050405020304" pitchFamily="18" charset="0"/>
-                <a:cs typeface="Times New Roman" panose="02020603050405020304" pitchFamily="18" charset="0"/>
-              </a:rPr>
-              <a:t>l’idea è quella di trovare il minor numero di problemi possibile, in modo da poter già portare il prototipo verso lo </a:t>
-            </a:r>
-            <a:r>
-              <a:rPr lang="it-IT" dirty="0" err="1">
-                <a:latin typeface="Times New Roman" panose="02020603050405020304" pitchFamily="18" charset="0"/>
-                <a:cs typeface="Times New Roman" panose="02020603050405020304" pitchFamily="18" charset="0"/>
-              </a:rPr>
-              <a:t>step</a:t>
-            </a:r>
-            <a:r>
-              <a:rPr lang="it-IT" dirty="0">
-                <a:latin typeface="Times New Roman" panose="02020603050405020304" pitchFamily="18" charset="0"/>
-                <a:cs typeface="Times New Roman" panose="02020603050405020304" pitchFamily="18" charset="0"/>
-              </a:rPr>
-              <a:t> successivo.</a:t>
-            </a:r>
-          </a:p>
-          <a:p>
-            <a:pPr marL="0" indent="0" algn="just">
-              <a:buNone/>
-            </a:pPr>
-            <a:r>
-              <a:rPr lang="de-DE" dirty="0">
-                <a:latin typeface="Times New Roman" panose="02020603050405020304" pitchFamily="18" charset="0"/>
-                <a:cs typeface="Times New Roman" panose="02020603050405020304" pitchFamily="18" charset="0"/>
-              </a:rPr>
-              <a:t> </a:t>
-            </a:r>
-            <a:endParaRPr lang="it-IT" dirty="0">
-              <a:latin typeface="Times New Roman" panose="02020603050405020304" pitchFamily="18" charset="0"/>
-              <a:cs typeface="Times New Roman" panose="02020603050405020304" pitchFamily="18" charset="0"/>
-            </a:endParaRPr>
-          </a:p>
-          <a:p>
-            <a:pPr marL="0" indent="0" algn="just">
-              <a:buNone/>
-            </a:pPr>
-            <a:r>
-              <a:rPr lang="it-IT" b="1" dirty="0">
-                <a:latin typeface="Times New Roman" panose="02020603050405020304" pitchFamily="18" charset="0"/>
-                <a:cs typeface="Times New Roman" panose="02020603050405020304" pitchFamily="18" charset="0"/>
-              </a:rPr>
-              <a:t>- Partecipanti: </a:t>
-            </a:r>
-            <a:r>
-              <a:rPr lang="it-IT" dirty="0">
-                <a:latin typeface="Times New Roman" panose="02020603050405020304" pitchFamily="18" charset="0"/>
-                <a:cs typeface="Times New Roman" panose="02020603050405020304" pitchFamily="18" charset="0"/>
-              </a:rPr>
-              <a:t>3 partecipanti saranno selezionati tra coloro le cui caratteristiche corrispondono al target cercato.</a:t>
-            </a:r>
-          </a:p>
-          <a:p>
-            <a:pPr marL="0" indent="0" algn="just">
-              <a:buNone/>
-            </a:pPr>
-            <a:r>
-              <a:rPr lang="it-IT" b="1" dirty="0">
-                <a:latin typeface="Times New Roman" panose="02020603050405020304" pitchFamily="18" charset="0"/>
-                <a:cs typeface="Times New Roman" panose="02020603050405020304" pitchFamily="18" charset="0"/>
-              </a:rPr>
-              <a:t>- Perché: </a:t>
-            </a:r>
-            <a:r>
-              <a:rPr lang="it-IT" dirty="0">
-                <a:latin typeface="Times New Roman" panose="02020603050405020304" pitchFamily="18" charset="0"/>
-                <a:cs typeface="Times New Roman" panose="02020603050405020304" pitchFamily="18" charset="0"/>
-              </a:rPr>
-              <a:t>in questa fase si ritiene che 3 partecipanti siano sufficienti per lo svolgimento del </a:t>
-            </a:r>
-            <a:r>
-              <a:rPr lang="it-IT" dirty="0" err="1">
-                <a:latin typeface="Times New Roman" panose="02020603050405020304" pitchFamily="18" charset="0"/>
-                <a:cs typeface="Times New Roman" panose="02020603050405020304" pitchFamily="18" charset="0"/>
-              </a:rPr>
-              <a:t>testing</a:t>
-            </a:r>
-            <a:r>
-              <a:rPr lang="it-IT" dirty="0">
-                <a:latin typeface="Times New Roman" panose="02020603050405020304" pitchFamily="18" charset="0"/>
-                <a:cs typeface="Times New Roman" panose="02020603050405020304" pitchFamily="18" charset="0"/>
-              </a:rPr>
-              <a:t> del prototipo, in particolare si preferisce farlo provare a chi potrebbero essere i futuri utenti della nostra </a:t>
-            </a:r>
-            <a:r>
-              <a:rPr lang="it-IT" dirty="0" err="1" smtClean="0">
-                <a:latin typeface="Times New Roman" panose="02020603050405020304" pitchFamily="18" charset="0"/>
-                <a:cs typeface="Times New Roman" panose="02020603050405020304" pitchFamily="18" charset="0"/>
-              </a:rPr>
-              <a:t>app</a:t>
-            </a:r>
-            <a:r>
-              <a:rPr lang="it-IT" dirty="0">
-                <a:latin typeface="Times New Roman" panose="02020603050405020304" pitchFamily="18" charset="0"/>
-                <a:cs typeface="Times New Roman" panose="02020603050405020304" pitchFamily="18" charset="0"/>
-              </a:rPr>
-              <a:t>.</a:t>
-            </a:r>
-          </a:p>
-          <a:p>
-            <a:pPr marL="0" indent="0">
-              <a:buNone/>
-            </a:pPr>
-            <a:endParaRPr lang="it-IT" dirty="0"/>
-          </a:p>
         </p:txBody>
       </p:sp>
     </p:spTree>
     <p:extLst>
       <p:ext uri="{BB962C8B-B14F-4D97-AF65-F5344CB8AC3E}">
-        <p14:creationId xmlns:p14="http://schemas.microsoft.com/office/powerpoint/2010/main" val="1113760290"/>
+        <p14:creationId xmlns:p14="http://schemas.microsoft.com/office/powerpoint/2010/main" xmlns="" val="1113760290"/>
       </p:ext>
     </p:extLst>
   </p:cSld>
@@ -5410,251 +7484,216 @@
       </p:grpSpPr>
       <p:sp>
         <p:nvSpPr>
-          <p:cNvPr id="2" name="Titolo 1"/>
+          <p:cNvPr id="4" name="Titolo 1"/>
+          <p:cNvSpPr txBox="1">
+            <a:spLocks/>
+          </p:cNvSpPr>
+          <p:nvPr/>
+        </p:nvSpPr>
+        <p:spPr>
+          <a:xfrm>
+            <a:off x="628650" y="418011"/>
+            <a:ext cx="7886700" cy="666206"/>
+          </a:xfrm>
+          <a:prstGeom prst="rect">
+            <a:avLst/>
+          </a:prstGeom>
+        </p:spPr>
+        <p:txBody>
+          <a:bodyPr vert="horz" lIns="91440" tIns="45720" rIns="91440" bIns="45720" rtlCol="0" anchor="ctr">
+            <a:normAutofit/>
+          </a:bodyPr>
+          <a:lstStyle/>
+          <a:p>
+            <a:pPr marL="0" marR="0" lvl="0" indent="0" algn="l" defTabSz="914400" rtl="0" eaLnBrk="1" fontAlgn="auto" latinLnBrk="0" hangingPunct="1">
+              <a:lnSpc>
+                <a:spcPct val="90000"/>
+              </a:lnSpc>
+              <a:spcBef>
+                <a:spcPct val="0"/>
+              </a:spcBef>
+              <a:spcAft>
+                <a:spcPts val="0"/>
+              </a:spcAft>
+              <a:buClrTx/>
+              <a:buSzTx/>
+              <a:buFontTx/>
+              <a:buNone/>
+              <a:tabLst/>
+              <a:defRPr/>
+            </a:pPr>
+            <a:r>
+              <a:rPr kumimoji="0" lang="it-IT" sz="2800" b="1" i="0" u="none" strike="noStrike" kern="1200" cap="none" spc="0" normalizeH="0" baseline="0" noProof="0" smtClean="0">
+                <a:ln>
+                  <a:noFill/>
+                </a:ln>
+                <a:solidFill>
+                  <a:schemeClr val="tx1"/>
+                </a:solidFill>
+                <a:effectLst/>
+                <a:uLnTx/>
+                <a:uFillTx/>
+                <a:latin typeface="Times New Roman" panose="02020603050405020304" pitchFamily="18" charset="0"/>
+                <a:ea typeface="+mj-ea"/>
+                <a:cs typeface="Times New Roman" panose="02020603050405020304" pitchFamily="18" charset="0"/>
+              </a:rPr>
+              <a:t>User Testing Plan (1)</a:t>
+            </a:r>
+            <a:endParaRPr kumimoji="0" lang="it-IT" sz="2800" b="1" i="0" u="none" strike="noStrike" kern="1200" cap="none" spc="0" normalizeH="0" baseline="0" noProof="0" dirty="0">
+              <a:ln>
+                <a:noFill/>
+              </a:ln>
+              <a:solidFill>
+                <a:schemeClr val="tx1"/>
+              </a:solidFill>
+              <a:effectLst/>
+              <a:uLnTx/>
+              <a:uFillTx/>
+              <a:latin typeface="Times New Roman" panose="02020603050405020304" pitchFamily="18" charset="0"/>
+              <a:ea typeface="+mj-ea"/>
+              <a:cs typeface="Times New Roman" panose="02020603050405020304" pitchFamily="18" charset="0"/>
+            </a:endParaRPr>
+          </a:p>
+        </p:txBody>
+      </p:sp>
+      <p:sp>
+        <p:nvSpPr>
+          <p:cNvPr id="8" name="Segnaposto contenuto 2"/>
           <p:cNvSpPr>
             <a:spLocks noGrp="1"/>
           </p:cNvSpPr>
           <p:nvPr>
-            <p:ph type="title"/>
-          </p:nvPr>
-        </p:nvSpPr>
-        <p:spPr/>
+            <p:ph idx="1"/>
+          </p:nvPr>
+        </p:nvSpPr>
+        <p:spPr>
+          <a:xfrm>
+            <a:off x="628650" y="1275008"/>
+            <a:ext cx="7886700" cy="5280338"/>
+          </a:xfrm>
+        </p:spPr>
         <p:txBody>
           <a:bodyPr>
             <a:normAutofit/>
           </a:bodyPr>
           <a:lstStyle/>
           <a:p>
-            <a:r>
-              <a:rPr lang="it-IT" sz="2800" b="1" dirty="0">
-                <a:latin typeface="Times New Roman" panose="02020603050405020304" pitchFamily="18" charset="0"/>
-                <a:cs typeface="Times New Roman" panose="02020603050405020304" pitchFamily="18" charset="0"/>
-              </a:rPr>
-              <a:t>User </a:t>
-            </a:r>
-            <a:r>
-              <a:rPr lang="it-IT" sz="2800" b="1" dirty="0" err="1">
-                <a:latin typeface="Times New Roman" panose="02020603050405020304" pitchFamily="18" charset="0"/>
-                <a:cs typeface="Times New Roman" panose="02020603050405020304" pitchFamily="18" charset="0"/>
-              </a:rPr>
-              <a:t>Testing</a:t>
-            </a:r>
-            <a:r>
-              <a:rPr lang="it-IT" sz="2800" b="1" dirty="0">
-                <a:latin typeface="Times New Roman" panose="02020603050405020304" pitchFamily="18" charset="0"/>
-                <a:cs typeface="Times New Roman" panose="02020603050405020304" pitchFamily="18" charset="0"/>
-              </a:rPr>
-              <a:t> Plan </a:t>
-            </a:r>
-            <a:r>
-              <a:rPr lang="it-IT" sz="2800" b="1" dirty="0" smtClean="0">
-                <a:latin typeface="Times New Roman" panose="02020603050405020304" pitchFamily="18" charset="0"/>
-                <a:cs typeface="Times New Roman" panose="02020603050405020304" pitchFamily="18" charset="0"/>
-              </a:rPr>
-              <a:t>(2)</a:t>
-            </a:r>
-            <a:endParaRPr lang="it-IT" sz="2800" dirty="0"/>
-          </a:p>
-        </p:txBody>
-      </p:sp>
-      <p:sp>
-        <p:nvSpPr>
-          <p:cNvPr id="3" name="Segnaposto contenuto 2"/>
-          <p:cNvSpPr>
-            <a:spLocks noGrp="1"/>
-          </p:cNvSpPr>
-          <p:nvPr>
-            <p:ph idx="1"/>
-          </p:nvPr>
-        </p:nvSpPr>
-        <p:spPr/>
-        <p:txBody>
-          <a:bodyPr>
-            <a:normAutofit fontScale="62500" lnSpcReduction="20000"/>
-          </a:bodyPr>
-          <a:lstStyle/>
-          <a:p>
-            <a:pPr marL="0" indent="0" algn="just">
+            <a:pPr marL="0" indent="0" algn="ctr">
+              <a:lnSpc>
+                <a:spcPct val="120000"/>
+              </a:lnSpc>
               <a:buNone/>
             </a:pPr>
             <a:r>
-              <a:rPr lang="it-IT" b="1" dirty="0">
-                <a:latin typeface="Times New Roman" panose="02020603050405020304" pitchFamily="18" charset="0"/>
-                <a:cs typeface="Times New Roman" panose="02020603050405020304" pitchFamily="18" charset="0"/>
-              </a:rPr>
-              <a:t>Obiettivo</a:t>
-            </a:r>
-            <a:endParaRPr lang="it-IT" dirty="0">
+              <a:rPr lang="it-IT" sz="2500" b="1" dirty="0">
+                <a:latin typeface="Times New Roman" panose="02020603050405020304" pitchFamily="18" charset="0"/>
+                <a:cs typeface="Times New Roman" panose="02020603050405020304" pitchFamily="18" charset="0"/>
+              </a:rPr>
+              <a:t>Sommario</a:t>
+            </a:r>
+            <a:endParaRPr lang="it-IT" sz="2500" dirty="0">
               <a:latin typeface="Times New Roman" panose="02020603050405020304" pitchFamily="18" charset="0"/>
               <a:cs typeface="Times New Roman" panose="02020603050405020304" pitchFamily="18" charset="0"/>
             </a:endParaRPr>
           </a:p>
           <a:p>
             <a:pPr marL="0" indent="0" algn="just">
+              <a:lnSpc>
+                <a:spcPct val="120000"/>
+              </a:lnSpc>
               <a:buNone/>
             </a:pPr>
-            <a:r>
-              <a:rPr lang="it-IT" dirty="0">
-                <a:latin typeface="Times New Roman" panose="02020603050405020304" pitchFamily="18" charset="0"/>
-                <a:cs typeface="Times New Roman" panose="02020603050405020304" pitchFamily="18" charset="0"/>
-              </a:rPr>
-              <a:t>L'obiettivo </a:t>
-            </a:r>
-            <a:r>
-              <a:rPr lang="it-IT" dirty="0" err="1">
-                <a:latin typeface="Times New Roman" panose="02020603050405020304" pitchFamily="18" charset="0"/>
-                <a:cs typeface="Times New Roman" panose="02020603050405020304" pitchFamily="18" charset="0"/>
-              </a:rPr>
-              <a:t>dell'user</a:t>
-            </a:r>
-            <a:r>
-              <a:rPr lang="it-IT" dirty="0">
-                <a:latin typeface="Times New Roman" panose="02020603050405020304" pitchFamily="18" charset="0"/>
-                <a:cs typeface="Times New Roman" panose="02020603050405020304" pitchFamily="18" charset="0"/>
-              </a:rPr>
-              <a:t> </a:t>
-            </a:r>
-            <a:r>
-              <a:rPr lang="it-IT" dirty="0" err="1">
-                <a:latin typeface="Times New Roman" panose="02020603050405020304" pitchFamily="18" charset="0"/>
-                <a:cs typeface="Times New Roman" panose="02020603050405020304" pitchFamily="18" charset="0"/>
-              </a:rPr>
-              <a:t>testing</a:t>
-            </a:r>
-            <a:r>
-              <a:rPr lang="it-IT" dirty="0">
-                <a:latin typeface="Times New Roman" panose="02020603050405020304" pitchFamily="18" charset="0"/>
-                <a:cs typeface="Times New Roman" panose="02020603050405020304" pitchFamily="18" charset="0"/>
-              </a:rPr>
-              <a:t> è quello di migliorare, attraverso il feedback ottenuto, le funzionalità dell'</a:t>
-            </a:r>
-            <a:r>
-              <a:rPr lang="it-IT" dirty="0" err="1">
-                <a:latin typeface="Times New Roman" panose="02020603050405020304" pitchFamily="18" charset="0"/>
-                <a:cs typeface="Times New Roman" panose="02020603050405020304" pitchFamily="18" charset="0"/>
-              </a:rPr>
-              <a:t>app</a:t>
-            </a:r>
-            <a:r>
-              <a:rPr lang="it-IT" dirty="0">
-                <a:latin typeface="Times New Roman" panose="02020603050405020304" pitchFamily="18" charset="0"/>
-                <a:cs typeface="Times New Roman" panose="02020603050405020304" pitchFamily="18" charset="0"/>
-              </a:rPr>
-              <a:t> in termini di efficienza e soddisfazione dell'utente.</a:t>
-            </a:r>
-          </a:p>
-          <a:p>
-            <a:pPr marL="0" indent="0" algn="just">
-              <a:buNone/>
-            </a:pPr>
-            <a:r>
-              <a:rPr lang="it-IT" dirty="0">
-                <a:latin typeface="Times New Roman" panose="02020603050405020304" pitchFamily="18" charset="0"/>
-                <a:cs typeface="Times New Roman" panose="02020603050405020304" pitchFamily="18" charset="0"/>
-              </a:rPr>
-              <a:t>In particolare, l'utilizzo dell'</a:t>
-            </a:r>
-            <a:r>
-              <a:rPr lang="it-IT" dirty="0" err="1">
-                <a:latin typeface="Times New Roman" panose="02020603050405020304" pitchFamily="18" charset="0"/>
-                <a:cs typeface="Times New Roman" panose="02020603050405020304" pitchFamily="18" charset="0"/>
-              </a:rPr>
-              <a:t>app</a:t>
-            </a:r>
-            <a:r>
-              <a:rPr lang="it-IT" dirty="0">
-                <a:latin typeface="Times New Roman" panose="02020603050405020304" pitchFamily="18" charset="0"/>
-                <a:cs typeface="Times New Roman" panose="02020603050405020304" pitchFamily="18" charset="0"/>
-              </a:rPr>
-              <a:t> deve essere reso semplice e piacevole per l'utente, in modo che sia motivato a continuare a utilizzarla, sia che si tratti del task principale (aggiungere una nuova sigaretta quando l'utente decide di fumarne una), sia che stia semplicemente visualizzando gli obiettivi e i trofei ottenuti.</a:t>
-            </a:r>
-          </a:p>
-          <a:p>
-            <a:pPr marL="0" indent="0" algn="just">
-              <a:buNone/>
-            </a:pPr>
-            <a:r>
-              <a:rPr lang="it-IT" dirty="0">
-                <a:latin typeface="Times New Roman" panose="02020603050405020304" pitchFamily="18" charset="0"/>
-                <a:cs typeface="Times New Roman" panose="02020603050405020304" pitchFamily="18" charset="0"/>
-              </a:rPr>
-              <a:t>   </a:t>
-            </a:r>
-          </a:p>
-          <a:p>
-            <a:pPr marL="0" indent="0" algn="just">
-              <a:buNone/>
-            </a:pPr>
-            <a:r>
-              <a:rPr lang="it-IT" b="1" dirty="0">
-                <a:latin typeface="Times New Roman" panose="02020603050405020304" pitchFamily="18" charset="0"/>
-                <a:cs typeface="Times New Roman" panose="02020603050405020304" pitchFamily="18" charset="0"/>
-              </a:rPr>
-              <a:t>Obiettivi di </a:t>
-            </a:r>
-            <a:r>
-              <a:rPr lang="it-IT" b="1" dirty="0" err="1">
-                <a:latin typeface="Times New Roman" panose="02020603050405020304" pitchFamily="18" charset="0"/>
-                <a:cs typeface="Times New Roman" panose="02020603050405020304" pitchFamily="18" charset="0"/>
-              </a:rPr>
-              <a:t>testing</a:t>
-            </a:r>
-            <a:r>
-              <a:rPr lang="it-IT" b="1" dirty="0">
-                <a:latin typeface="Times New Roman" panose="02020603050405020304" pitchFamily="18" charset="0"/>
-                <a:cs typeface="Times New Roman" panose="02020603050405020304" pitchFamily="18" charset="0"/>
-              </a:rPr>
-              <a:t>:</a:t>
-            </a:r>
-            <a:endParaRPr lang="it-IT" dirty="0">
+            <a:endParaRPr lang="it-IT" b="1" dirty="0" smtClean="0">
               <a:latin typeface="Times New Roman" panose="02020603050405020304" pitchFamily="18" charset="0"/>
               <a:cs typeface="Times New Roman" panose="02020603050405020304" pitchFamily="18" charset="0"/>
             </a:endParaRPr>
           </a:p>
           <a:p>
+            <a:pPr algn="just">
+              <a:buNone/>
+            </a:pPr>
+            <a:r>
+              <a:rPr lang="it-IT" sz="2000" b="1" dirty="0" smtClean="0">
+                <a:latin typeface="Times New Roman" panose="02020603050405020304" pitchFamily="18" charset="0"/>
+                <a:cs typeface="Times New Roman" panose="02020603050405020304" pitchFamily="18" charset="0"/>
+              </a:rPr>
+              <a:t>- Cosa si vuole approfondire:</a:t>
+            </a:r>
+            <a:endParaRPr lang="it-IT" sz="2000" dirty="0" smtClean="0">
+              <a:latin typeface="Times New Roman" panose="02020603050405020304" pitchFamily="18" charset="0"/>
+              <a:cs typeface="Times New Roman" panose="02020603050405020304" pitchFamily="18" charset="0"/>
+            </a:endParaRPr>
+          </a:p>
+          <a:p>
             <a:pPr algn="just"/>
             <a:r>
-              <a:rPr lang="it-IT" dirty="0">
-                <a:latin typeface="Times New Roman" panose="02020603050405020304" pitchFamily="18" charset="0"/>
-                <a:cs typeface="Times New Roman" panose="02020603050405020304" pitchFamily="18" charset="0"/>
-              </a:rPr>
-              <a:t>identificare errori di presentazione – fallimenti nel trovare e agire sulle informazioni mostrate o errori dovuti ad etichette ambigue;</a:t>
+              <a:rPr lang="it-IT" sz="2000" dirty="0" smtClean="0">
+                <a:latin typeface="Times New Roman" panose="02020603050405020304" pitchFamily="18" charset="0"/>
+                <a:cs typeface="Times New Roman" panose="02020603050405020304" pitchFamily="18" charset="0"/>
+              </a:rPr>
+              <a:t> la comprensibilità dell'interfaccia;</a:t>
             </a:r>
           </a:p>
           <a:p>
             <a:pPr algn="just"/>
             <a:r>
-              <a:rPr lang="it-IT" dirty="0">
-                <a:latin typeface="Times New Roman" panose="02020603050405020304" pitchFamily="18" charset="0"/>
-                <a:cs typeface="Times New Roman" panose="02020603050405020304" pitchFamily="18" charset="0"/>
-              </a:rPr>
-              <a:t>identificare problemi di controllo da parte dell'utente -  toolbar o caselle di input inappropriate;</a:t>
+              <a:rPr lang="it-IT" sz="2000" dirty="0" smtClean="0">
+                <a:latin typeface="Times New Roman" panose="02020603050405020304" pitchFamily="18" charset="0"/>
+                <a:cs typeface="Times New Roman" panose="02020603050405020304" pitchFamily="18" charset="0"/>
+              </a:rPr>
+              <a:t> l'efficacia dei vari task;</a:t>
             </a:r>
           </a:p>
           <a:p>
             <a:pPr algn="just"/>
             <a:r>
-              <a:rPr lang="it-IT" dirty="0">
-                <a:latin typeface="Times New Roman" panose="02020603050405020304" pitchFamily="18" charset="0"/>
-                <a:cs typeface="Times New Roman" panose="02020603050405020304" pitchFamily="18" charset="0"/>
-              </a:rPr>
-              <a:t>i dati ottenuti saranno utilizzati per capire se l'interfaccia attuale è abbastanza efficiente da poter essere considerata definitiva e quindi pronta per essere usata per sviluppi futuri.</a:t>
-            </a:r>
-          </a:p>
-          <a:p>
-            <a:pPr marL="0" indent="0">
+              <a:rPr lang="it-IT" sz="2000" dirty="0" smtClean="0">
+                <a:latin typeface="Times New Roman" panose="02020603050405020304" pitchFamily="18" charset="0"/>
+                <a:cs typeface="Times New Roman" panose="02020603050405020304" pitchFamily="18" charset="0"/>
+              </a:rPr>
+              <a:t> eventuale presenza di errori.</a:t>
+            </a:r>
+          </a:p>
+          <a:p>
+            <a:pPr algn="just">
               <a:buNone/>
             </a:pPr>
-            <a:endParaRPr lang="it-IT" dirty="0"/>
+            <a:r>
+              <a:rPr lang="it-IT" sz="2000" b="1" dirty="0" smtClean="0">
+                <a:latin typeface="Times New Roman" panose="02020603050405020304" pitchFamily="18" charset="0"/>
+                <a:cs typeface="Times New Roman" panose="02020603050405020304" pitchFamily="18" charset="0"/>
+              </a:rPr>
+              <a:t>- Perché: </a:t>
+            </a:r>
+            <a:r>
+              <a:rPr lang="it-IT" sz="2000" dirty="0" smtClean="0">
+                <a:latin typeface="Times New Roman" panose="02020603050405020304" pitchFamily="18" charset="0"/>
+                <a:cs typeface="Times New Roman" panose="02020603050405020304" pitchFamily="18" charset="0"/>
+              </a:rPr>
+              <a:t>l’idea è quella di trovare il minor numero di problemi possibile, in modo da poter già portare il prototipo verso lo </a:t>
+            </a:r>
+            <a:r>
+              <a:rPr lang="it-IT" sz="2000" dirty="0" err="1" smtClean="0">
+                <a:latin typeface="Times New Roman" panose="02020603050405020304" pitchFamily="18" charset="0"/>
+                <a:cs typeface="Times New Roman" panose="02020603050405020304" pitchFamily="18" charset="0"/>
+              </a:rPr>
+              <a:t>step</a:t>
+            </a:r>
+            <a:r>
+              <a:rPr lang="it-IT" sz="2000" dirty="0" smtClean="0">
+                <a:latin typeface="Times New Roman" panose="02020603050405020304" pitchFamily="18" charset="0"/>
+                <a:cs typeface="Times New Roman" panose="02020603050405020304" pitchFamily="18" charset="0"/>
+              </a:rPr>
+              <a:t> successivo.</a:t>
+            </a:r>
+            <a:endParaRPr lang="it-IT" sz="2000" dirty="0" smtClean="0">
+              <a:latin typeface="Times New Roman" panose="02020603050405020304" pitchFamily="18" charset="0"/>
+              <a:cs typeface="Times New Roman" panose="02020603050405020304" pitchFamily="18" charset="0"/>
+            </a:endParaRPr>
           </a:p>
         </p:txBody>
       </p:sp>
     </p:spTree>
-    <p:extLst>
-      <p:ext uri="{BB962C8B-B14F-4D97-AF65-F5344CB8AC3E}">
-        <p14:creationId xmlns:p14="http://schemas.microsoft.com/office/powerpoint/2010/main" val="3011033621"/>
-      </p:ext>
-    </p:extLst>
   </p:cSld>
   <p:clrMapOvr>
     <a:masterClrMapping/>
@@ -5681,18 +7720,92 @@
       </p:grpSpPr>
       <p:sp>
         <p:nvSpPr>
-          <p:cNvPr id="2" name="Titolo 1"/>
-          <p:cNvSpPr>
-            <a:spLocks noGrp="1"/>
-          </p:cNvSpPr>
-          <p:nvPr>
-            <p:ph type="title"/>
-          </p:nvPr>
+          <p:cNvPr id="4" name="Titolo 1"/>
+          <p:cNvSpPr txBox="1">
+            <a:spLocks/>
+          </p:cNvSpPr>
+          <p:nvPr/>
         </p:nvSpPr>
         <p:spPr>
           <a:xfrm>
-            <a:off x="628650" y="133307"/>
-            <a:ext cx="7886700" cy="1325563"/>
+            <a:off x="628650" y="418011"/>
+            <a:ext cx="7886700" cy="666206"/>
+          </a:xfrm>
+          <a:prstGeom prst="rect">
+            <a:avLst/>
+          </a:prstGeom>
+        </p:spPr>
+        <p:txBody>
+          <a:bodyPr vert="horz" lIns="91440" tIns="45720" rIns="91440" bIns="45720" rtlCol="0" anchor="ctr">
+            <a:normAutofit/>
+          </a:bodyPr>
+          <a:lstStyle/>
+          <a:p>
+            <a:pPr marL="0" marR="0" lvl="0" indent="0" algn="l" defTabSz="914400" rtl="0" eaLnBrk="1" fontAlgn="auto" latinLnBrk="0" hangingPunct="1">
+              <a:lnSpc>
+                <a:spcPct val="90000"/>
+              </a:lnSpc>
+              <a:spcBef>
+                <a:spcPct val="0"/>
+              </a:spcBef>
+              <a:spcAft>
+                <a:spcPts val="0"/>
+              </a:spcAft>
+              <a:buClrTx/>
+              <a:buSzTx/>
+              <a:buFontTx/>
+              <a:buNone/>
+              <a:tabLst/>
+              <a:defRPr/>
+            </a:pPr>
+            <a:r>
+              <a:rPr kumimoji="0" lang="it-IT" sz="2800" b="1" i="0" u="none" strike="noStrike" kern="1200" cap="none" spc="0" normalizeH="0" baseline="0" noProof="0" smtClean="0">
+                <a:ln>
+                  <a:noFill/>
+                </a:ln>
+                <a:solidFill>
+                  <a:schemeClr val="tx1"/>
+                </a:solidFill>
+                <a:effectLst/>
+                <a:uLnTx/>
+                <a:uFillTx/>
+                <a:latin typeface="Times New Roman" panose="02020603050405020304" pitchFamily="18" charset="0"/>
+                <a:ea typeface="+mj-ea"/>
+                <a:cs typeface="Times New Roman" panose="02020603050405020304" pitchFamily="18" charset="0"/>
+              </a:rPr>
+              <a:t>User Testing Plan (1)</a:t>
+            </a:r>
+            <a:endParaRPr kumimoji="0" lang="it-IT" sz="2800" b="1" i="0" u="none" strike="noStrike" kern="1200" cap="none" spc="0" normalizeH="0" baseline="0" noProof="0" dirty="0">
+              <a:ln>
+                <a:noFill/>
+              </a:ln>
+              <a:solidFill>
+                <a:schemeClr val="tx1"/>
+              </a:solidFill>
+              <a:effectLst/>
+              <a:uLnTx/>
+              <a:uFillTx/>
+              <a:latin typeface="Times New Roman" panose="02020603050405020304" pitchFamily="18" charset="0"/>
+              <a:ea typeface="+mj-ea"/>
+              <a:cs typeface="Times New Roman" panose="02020603050405020304" pitchFamily="18" charset="0"/>
+            </a:endParaRPr>
+          </a:p>
+        </p:txBody>
+      </p:sp>
+      <p:sp>
+        <p:nvSpPr>
+          <p:cNvPr id="5" name="Segnaposto contenuto 2"/>
+          <p:cNvSpPr>
+            <a:spLocks noGrp="1"/>
+          </p:cNvSpPr>
+          <p:nvPr>
+            <p:ph idx="1"/>
+          </p:nvPr>
+        </p:nvSpPr>
+        <p:spPr>
+          <a:xfrm>
+            <a:off x="628650" y="1275008"/>
+            <a:ext cx="7886700" cy="5280338"/>
           </a:xfrm>
         </p:spPr>
         <p:txBody>
@@ -5701,372 +7814,115 @@
           </a:bodyPr>
           <a:lstStyle/>
           <a:p>
-            <a:r>
-              <a:rPr lang="it-IT" sz="2800" b="1" dirty="0">
-                <a:latin typeface="Times New Roman" panose="02020603050405020304" pitchFamily="18" charset="0"/>
-                <a:cs typeface="Times New Roman" panose="02020603050405020304" pitchFamily="18" charset="0"/>
-              </a:rPr>
-              <a:t>User </a:t>
-            </a:r>
-            <a:r>
-              <a:rPr lang="it-IT" sz="2800" b="1" dirty="0" err="1">
-                <a:latin typeface="Times New Roman" panose="02020603050405020304" pitchFamily="18" charset="0"/>
-                <a:cs typeface="Times New Roman" panose="02020603050405020304" pitchFamily="18" charset="0"/>
-              </a:rPr>
-              <a:t>Testing</a:t>
-            </a:r>
-            <a:r>
-              <a:rPr lang="it-IT" sz="2800" b="1" dirty="0">
-                <a:latin typeface="Times New Roman" panose="02020603050405020304" pitchFamily="18" charset="0"/>
-                <a:cs typeface="Times New Roman" panose="02020603050405020304" pitchFamily="18" charset="0"/>
-              </a:rPr>
-              <a:t> Plan </a:t>
-            </a:r>
-            <a:r>
-              <a:rPr lang="it-IT" sz="2800" b="1" dirty="0" smtClean="0">
-                <a:latin typeface="Times New Roman" panose="02020603050405020304" pitchFamily="18" charset="0"/>
-                <a:cs typeface="Times New Roman" panose="02020603050405020304" pitchFamily="18" charset="0"/>
-              </a:rPr>
-              <a:t>(3)</a:t>
-            </a:r>
-            <a:endParaRPr lang="it-IT" sz="2800" dirty="0"/>
-          </a:p>
-        </p:txBody>
-      </p:sp>
-      <p:sp>
-        <p:nvSpPr>
-          <p:cNvPr id="3" name="Segnaposto contenuto 2"/>
-          <p:cNvSpPr>
-            <a:spLocks noGrp="1"/>
-          </p:cNvSpPr>
-          <p:nvPr>
-            <p:ph idx="1"/>
-          </p:nvPr>
-        </p:nvSpPr>
-        <p:spPr>
-          <a:xfrm>
-            <a:off x="628650" y="1458870"/>
-            <a:ext cx="7886700" cy="5032082"/>
-          </a:xfrm>
-        </p:spPr>
-        <p:txBody>
-          <a:bodyPr>
-            <a:normAutofit fontScale="55000" lnSpcReduction="20000"/>
-          </a:bodyPr>
-          <a:lstStyle/>
-          <a:p>
-            <a:pPr marL="0" indent="0" algn="just">
+            <a:pPr marL="0" indent="0" algn="ctr">
+              <a:lnSpc>
+                <a:spcPct val="120000"/>
+              </a:lnSpc>
               <a:buNone/>
             </a:pPr>
             <a:r>
-              <a:rPr lang="it-IT" b="1" dirty="0"/>
-              <a:t>P</a:t>
-            </a:r>
-            <a:r>
-              <a:rPr lang="it-IT" b="1" dirty="0">
-                <a:latin typeface="Times New Roman" panose="02020603050405020304" pitchFamily="18" charset="0"/>
-                <a:cs typeface="Times New Roman" panose="02020603050405020304" pitchFamily="18" charset="0"/>
-              </a:rPr>
-              <a:t>artecipanti</a:t>
-            </a:r>
-            <a:endParaRPr lang="it-IT" dirty="0">
+              <a:rPr lang="it-IT" sz="2500" b="1" dirty="0">
+                <a:latin typeface="Times New Roman" panose="02020603050405020304" pitchFamily="18" charset="0"/>
+                <a:cs typeface="Times New Roman" panose="02020603050405020304" pitchFamily="18" charset="0"/>
+              </a:rPr>
+              <a:t>Sommario</a:t>
+            </a:r>
+            <a:endParaRPr lang="it-IT" sz="2500" dirty="0">
               <a:latin typeface="Times New Roman" panose="02020603050405020304" pitchFamily="18" charset="0"/>
               <a:cs typeface="Times New Roman" panose="02020603050405020304" pitchFamily="18" charset="0"/>
             </a:endParaRPr>
           </a:p>
           <a:p>
             <a:pPr marL="0" indent="0" algn="just">
+              <a:lnSpc>
+                <a:spcPct val="120000"/>
+              </a:lnSpc>
               <a:buNone/>
             </a:pPr>
-            <a:r>
-              <a:rPr lang="it-IT" dirty="0">
-                <a:latin typeface="Times New Roman" panose="02020603050405020304" pitchFamily="18" charset="0"/>
-                <a:cs typeface="Times New Roman" panose="02020603050405020304" pitchFamily="18" charset="0"/>
-              </a:rPr>
-              <a:t>I 3 partecipanti saranno selezionati tra coloro le cui caratteristiche corrispondono al target cercato in modo da assicurare dei risultati significativi.</a:t>
-            </a:r>
-          </a:p>
-          <a:p>
-            <a:pPr marL="0" indent="0" algn="just">
-              <a:buNone/>
-            </a:pPr>
-            <a:r>
-              <a:rPr lang="it-IT" dirty="0">
-                <a:latin typeface="Times New Roman" panose="02020603050405020304" pitchFamily="18" charset="0"/>
-                <a:cs typeface="Times New Roman" panose="02020603050405020304" pitchFamily="18" charset="0"/>
-              </a:rPr>
-              <a:t>I partecipanti avranno le seguenti caratteristiche:</a:t>
-            </a:r>
-          </a:p>
-          <a:p>
-            <a:pPr algn="just"/>
-            <a:r>
-              <a:rPr lang="it-IT" dirty="0">
-                <a:latin typeface="Times New Roman" panose="02020603050405020304" pitchFamily="18" charset="0"/>
-                <a:cs typeface="Times New Roman" panose="02020603050405020304" pitchFamily="18" charset="0"/>
-              </a:rPr>
-              <a:t>età compresa tra i 16 e i 65 anni;</a:t>
-            </a:r>
-          </a:p>
-          <a:p>
-            <a:pPr algn="just"/>
-            <a:r>
-              <a:rPr lang="it-IT" dirty="0">
-                <a:latin typeface="Times New Roman" panose="02020603050405020304" pitchFamily="18" charset="0"/>
-                <a:cs typeface="Times New Roman" panose="02020603050405020304" pitchFamily="18" charset="0"/>
-              </a:rPr>
-              <a:t>fumatori abituali (fumano almeno 3-5 sigarette al giorno);</a:t>
-            </a:r>
-          </a:p>
-          <a:p>
-            <a:pPr algn="just"/>
-            <a:r>
-              <a:rPr lang="it-IT" dirty="0">
-                <a:latin typeface="Times New Roman" panose="02020603050405020304" pitchFamily="18" charset="0"/>
-                <a:cs typeface="Times New Roman" panose="02020603050405020304" pitchFamily="18" charset="0"/>
-              </a:rPr>
-              <a:t>capaci di usare dispositivi mobili.</a:t>
-            </a:r>
-          </a:p>
-          <a:p>
-            <a:pPr marL="0" indent="0" algn="just">
-              <a:buNone/>
-            </a:pPr>
-            <a:r>
-              <a:rPr lang="it-IT" dirty="0">
-                <a:latin typeface="Times New Roman" panose="02020603050405020304" pitchFamily="18" charset="0"/>
-                <a:cs typeface="Times New Roman" panose="02020603050405020304" pitchFamily="18" charset="0"/>
-              </a:rPr>
-              <a:t> </a:t>
-            </a:r>
-          </a:p>
-          <a:p>
-            <a:pPr marL="0" indent="0" algn="just">
-              <a:buNone/>
-            </a:pPr>
-            <a:r>
-              <a:rPr lang="it-IT" b="1" dirty="0">
-                <a:latin typeface="Times New Roman" panose="02020603050405020304" pitchFamily="18" charset="0"/>
-                <a:cs typeface="Times New Roman" panose="02020603050405020304" pitchFamily="18" charset="0"/>
-              </a:rPr>
-              <a:t>Durata	</a:t>
-            </a:r>
-            <a:endParaRPr lang="it-IT" dirty="0">
+            <a:endParaRPr lang="it-IT" b="1" dirty="0" smtClean="0">
               <a:latin typeface="Times New Roman" panose="02020603050405020304" pitchFamily="18" charset="0"/>
               <a:cs typeface="Times New Roman" panose="02020603050405020304" pitchFamily="18" charset="0"/>
             </a:endParaRPr>
           </a:p>
           <a:p>
-            <a:pPr marL="0" indent="0" algn="just">
+            <a:pPr>
+              <a:lnSpc>
+                <a:spcPct val="100000"/>
+              </a:lnSpc>
               <a:buNone/>
             </a:pPr>
             <a:r>
-              <a:rPr lang="it-IT" dirty="0">
-                <a:latin typeface="Times New Roman" panose="02020603050405020304" pitchFamily="18" charset="0"/>
-                <a:cs typeface="Times New Roman" panose="02020603050405020304" pitchFamily="18" charset="0"/>
-              </a:rPr>
-              <a:t>Il test non dovrebbe richiedere più di 20/30 minuti per ciascun partecipante.</a:t>
-            </a:r>
-          </a:p>
-          <a:p>
-            <a:pPr marL="0" indent="0" algn="just">
+              <a:rPr lang="it-IT" sz="2000" b="1" dirty="0" smtClean="0">
+                <a:latin typeface="Times New Roman" panose="02020603050405020304" pitchFamily="18" charset="0"/>
+                <a:cs typeface="Times New Roman" panose="02020603050405020304" pitchFamily="18" charset="0"/>
+              </a:rPr>
+              <a:t>- Partecipanti</a:t>
+            </a:r>
+            <a:r>
+              <a:rPr lang="it-IT" sz="2000" b="1" dirty="0" smtClean="0">
+                <a:latin typeface="Times New Roman" panose="02020603050405020304" pitchFamily="18" charset="0"/>
+                <a:cs typeface="Times New Roman" panose="02020603050405020304" pitchFamily="18" charset="0"/>
+              </a:rPr>
+              <a:t>: </a:t>
+            </a:r>
+            <a:r>
+              <a:rPr lang="it-IT" sz="2000" dirty="0" smtClean="0">
+                <a:latin typeface="Times New Roman" panose="02020603050405020304" pitchFamily="18" charset="0"/>
+                <a:cs typeface="Times New Roman" panose="02020603050405020304" pitchFamily="18" charset="0"/>
+              </a:rPr>
+              <a:t>3 partecipanti saranno selezionati tra coloro le cui caratteristiche corrispondono al target cercato.</a:t>
+            </a:r>
+          </a:p>
+          <a:p>
+            <a:pPr algn="just">
+              <a:lnSpc>
+                <a:spcPct val="100000"/>
+              </a:lnSpc>
               <a:buNone/>
             </a:pPr>
             <a:r>
-              <a:rPr lang="it-IT" dirty="0">
-                <a:latin typeface="Times New Roman" panose="02020603050405020304" pitchFamily="18" charset="0"/>
-                <a:cs typeface="Times New Roman" panose="02020603050405020304" pitchFamily="18" charset="0"/>
-              </a:rPr>
-              <a:t> </a:t>
-            </a:r>
-          </a:p>
-          <a:p>
-            <a:pPr marL="0" indent="0" algn="just">
-              <a:buNone/>
-            </a:pPr>
-            <a:r>
-              <a:rPr lang="it-IT" b="1" dirty="0">
-                <a:latin typeface="Times New Roman" panose="02020603050405020304" pitchFamily="18" charset="0"/>
-                <a:cs typeface="Times New Roman" panose="02020603050405020304" pitchFamily="18" charset="0"/>
-              </a:rPr>
-              <a:t>Luogo</a:t>
-            </a:r>
-            <a:endParaRPr lang="it-IT" dirty="0">
+              <a:rPr lang="it-IT" sz="2000" b="1" dirty="0" smtClean="0">
+                <a:latin typeface="Times New Roman" panose="02020603050405020304" pitchFamily="18" charset="0"/>
+                <a:cs typeface="Times New Roman" panose="02020603050405020304" pitchFamily="18" charset="0"/>
+              </a:rPr>
+              <a:t>- Perché: </a:t>
+            </a:r>
+            <a:r>
+              <a:rPr lang="it-IT" sz="2000" dirty="0" smtClean="0">
+                <a:latin typeface="Times New Roman" panose="02020603050405020304" pitchFamily="18" charset="0"/>
+                <a:cs typeface="Times New Roman" panose="02020603050405020304" pitchFamily="18" charset="0"/>
+              </a:rPr>
+              <a:t>in questa fase si ritiene che 3 partecipanti siano sufficienti per lo svolgimento del </a:t>
+            </a:r>
+            <a:r>
+              <a:rPr lang="it-IT" sz="2000" dirty="0" err="1" smtClean="0">
+                <a:latin typeface="Times New Roman" panose="02020603050405020304" pitchFamily="18" charset="0"/>
+                <a:cs typeface="Times New Roman" panose="02020603050405020304" pitchFamily="18" charset="0"/>
+              </a:rPr>
+              <a:t>testing</a:t>
+            </a:r>
+            <a:r>
+              <a:rPr lang="it-IT" sz="2000" dirty="0" smtClean="0">
+                <a:latin typeface="Times New Roman" panose="02020603050405020304" pitchFamily="18" charset="0"/>
+                <a:cs typeface="Times New Roman" panose="02020603050405020304" pitchFamily="18" charset="0"/>
+              </a:rPr>
+              <a:t> del prototipo, in particolare si preferisce farlo provare a chi potrebbero essere i futuri utenti della nostra app</a:t>
+            </a:r>
+            <a:r>
+              <a:rPr lang="it-IT" sz="2000" dirty="0" smtClean="0">
+                <a:latin typeface="Times New Roman" panose="02020603050405020304" pitchFamily="18" charset="0"/>
+                <a:cs typeface="Times New Roman" panose="02020603050405020304" pitchFamily="18" charset="0"/>
+              </a:rPr>
+              <a:t>.</a:t>
+            </a:r>
+            <a:endParaRPr lang="it-IT" sz="2000" dirty="0" smtClean="0">
               <a:latin typeface="Times New Roman" panose="02020603050405020304" pitchFamily="18" charset="0"/>
               <a:cs typeface="Times New Roman" panose="02020603050405020304" pitchFamily="18" charset="0"/>
             </a:endParaRPr>
           </a:p>
-          <a:p>
-            <a:pPr marL="0" indent="0" algn="just">
-              <a:buNone/>
-            </a:pPr>
-            <a:r>
-              <a:rPr lang="it-IT" dirty="0">
-                <a:latin typeface="Times New Roman" panose="02020603050405020304" pitchFamily="18" charset="0"/>
-                <a:cs typeface="Times New Roman" panose="02020603050405020304" pitchFamily="18" charset="0"/>
-              </a:rPr>
-              <a:t>Il test sarà effettuato tramite </a:t>
-            </a:r>
-            <a:r>
-              <a:rPr lang="it-IT" dirty="0" err="1">
-                <a:latin typeface="Times New Roman" panose="02020603050405020304" pitchFamily="18" charset="0"/>
-                <a:cs typeface="Times New Roman" panose="02020603050405020304" pitchFamily="18" charset="0"/>
-              </a:rPr>
-              <a:t>smartphone</a:t>
-            </a:r>
-            <a:r>
-              <a:rPr lang="it-IT" dirty="0">
-                <a:latin typeface="Times New Roman" panose="02020603050405020304" pitchFamily="18" charset="0"/>
-                <a:cs typeface="Times New Roman" panose="02020603050405020304" pitchFamily="18" charset="0"/>
-              </a:rPr>
-              <a:t> in un ambiente domestico, in modo da poter simulare quanto più possibile uno scenario reale di utilizzo dell’</a:t>
-            </a:r>
-            <a:r>
-              <a:rPr lang="it-IT" dirty="0" err="1">
-                <a:latin typeface="Times New Roman" panose="02020603050405020304" pitchFamily="18" charset="0"/>
-                <a:cs typeface="Times New Roman" panose="02020603050405020304" pitchFamily="18" charset="0"/>
-              </a:rPr>
-              <a:t>app</a:t>
-            </a:r>
-            <a:r>
-              <a:rPr lang="it-IT" dirty="0">
-                <a:latin typeface="Times New Roman" panose="02020603050405020304" pitchFamily="18" charset="0"/>
-                <a:cs typeface="Times New Roman" panose="02020603050405020304" pitchFamily="18" charset="0"/>
-              </a:rPr>
-              <a:t>.</a:t>
-            </a:r>
-          </a:p>
-          <a:p>
-            <a:pPr marL="0" indent="0" algn="just">
-              <a:buNone/>
-            </a:pPr>
-            <a:r>
-              <a:rPr lang="it-IT" dirty="0">
-                <a:latin typeface="Times New Roman" panose="02020603050405020304" pitchFamily="18" charset="0"/>
-                <a:cs typeface="Times New Roman" panose="02020603050405020304" pitchFamily="18" charset="0"/>
-              </a:rPr>
-              <a:t>  </a:t>
-            </a:r>
-          </a:p>
-          <a:p>
-            <a:pPr marL="0" indent="0" algn="just">
-              <a:buNone/>
-            </a:pPr>
-            <a:r>
-              <a:rPr lang="it-IT" b="1" dirty="0">
-                <a:latin typeface="Times New Roman" panose="02020603050405020304" pitchFamily="18" charset="0"/>
-                <a:cs typeface="Times New Roman" panose="02020603050405020304" pitchFamily="18" charset="0"/>
-              </a:rPr>
-              <a:t>Periodo</a:t>
-            </a:r>
-            <a:endParaRPr lang="it-IT" dirty="0">
-              <a:latin typeface="Times New Roman" panose="02020603050405020304" pitchFamily="18" charset="0"/>
-              <a:cs typeface="Times New Roman" panose="02020603050405020304" pitchFamily="18" charset="0"/>
-            </a:endParaRPr>
-          </a:p>
-          <a:p>
-            <a:pPr marL="0" indent="0" algn="just">
-              <a:buNone/>
-            </a:pPr>
-            <a:r>
-              <a:rPr lang="it-IT" dirty="0">
-                <a:latin typeface="Times New Roman" panose="02020603050405020304" pitchFamily="18" charset="0"/>
-                <a:cs typeface="Times New Roman" panose="02020603050405020304" pitchFamily="18" charset="0"/>
-              </a:rPr>
-              <a:t>Il test sarà effettuato in un periodo in cui sia i valutatori che gli sviluppatori saranno liberi per poter comunicare, pertanto orientativamente potrà essere eseguito tra le </a:t>
-            </a:r>
-            <a:r>
-              <a:rPr lang="it-IT" dirty="0" smtClean="0">
-                <a:latin typeface="Times New Roman" panose="02020603050405020304" pitchFamily="18" charset="0"/>
-                <a:cs typeface="Times New Roman" panose="02020603050405020304" pitchFamily="18" charset="0"/>
-              </a:rPr>
-              <a:t>18 </a:t>
-            </a:r>
-            <a:r>
-              <a:rPr lang="it-IT" dirty="0">
-                <a:latin typeface="Times New Roman" panose="02020603050405020304" pitchFamily="18" charset="0"/>
-                <a:cs typeface="Times New Roman" panose="02020603050405020304" pitchFamily="18" charset="0"/>
-              </a:rPr>
-              <a:t>e le </a:t>
-            </a:r>
-            <a:r>
-              <a:rPr lang="it-IT" dirty="0" smtClean="0">
-                <a:latin typeface="Times New Roman" panose="02020603050405020304" pitchFamily="18" charset="0"/>
-                <a:cs typeface="Times New Roman" panose="02020603050405020304" pitchFamily="18" charset="0"/>
-              </a:rPr>
-              <a:t>20 dei giorni </a:t>
-            </a:r>
-            <a:r>
-              <a:rPr lang="it-IT" dirty="0">
-                <a:latin typeface="Times New Roman" panose="02020603050405020304" pitchFamily="18" charset="0"/>
-                <a:cs typeface="Times New Roman" panose="02020603050405020304" pitchFamily="18" charset="0"/>
-              </a:rPr>
-              <a:t>tra </a:t>
-            </a:r>
-            <a:r>
-              <a:rPr lang="it-IT" dirty="0" smtClean="0">
-                <a:latin typeface="Times New Roman" panose="02020603050405020304" pitchFamily="18" charset="0"/>
-                <a:cs typeface="Times New Roman" panose="02020603050405020304" pitchFamily="18" charset="0"/>
-              </a:rPr>
-              <a:t>l’</a:t>
-            </a:r>
-            <a:r>
-              <a:rPr lang="it-IT" dirty="0">
-                <a:latin typeface="Times New Roman" panose="02020603050405020304" pitchFamily="18" charset="0"/>
-                <a:cs typeface="Times New Roman" panose="02020603050405020304" pitchFamily="18" charset="0"/>
-              </a:rPr>
-              <a:t>8</a:t>
-            </a:r>
-            <a:r>
-              <a:rPr lang="it-IT" dirty="0" smtClean="0">
-                <a:latin typeface="Times New Roman" panose="02020603050405020304" pitchFamily="18" charset="0"/>
-                <a:cs typeface="Times New Roman" panose="02020603050405020304" pitchFamily="18" charset="0"/>
-              </a:rPr>
-              <a:t> </a:t>
-            </a:r>
-            <a:r>
-              <a:rPr lang="it-IT" dirty="0">
-                <a:latin typeface="Times New Roman" panose="02020603050405020304" pitchFamily="18" charset="0"/>
-                <a:cs typeface="Times New Roman" panose="02020603050405020304" pitchFamily="18" charset="0"/>
-              </a:rPr>
-              <a:t>e </a:t>
-            </a:r>
-            <a:r>
-              <a:rPr lang="it-IT" dirty="0" smtClean="0">
-                <a:latin typeface="Times New Roman" panose="02020603050405020304" pitchFamily="18" charset="0"/>
-                <a:cs typeface="Times New Roman" panose="02020603050405020304" pitchFamily="18" charset="0"/>
-              </a:rPr>
-              <a:t>l’</a:t>
-            </a:r>
-            <a:r>
-              <a:rPr lang="it-IT" dirty="0" smtClean="0">
-                <a:latin typeface="Times New Roman" panose="02020603050405020304" pitchFamily="18" charset="0"/>
-                <a:cs typeface="Times New Roman" panose="02020603050405020304" pitchFamily="18" charset="0"/>
-              </a:rPr>
-              <a:t>11 </a:t>
-            </a:r>
-            <a:r>
-              <a:rPr lang="it-IT" dirty="0">
-                <a:latin typeface="Times New Roman" panose="02020603050405020304" pitchFamily="18" charset="0"/>
-                <a:cs typeface="Times New Roman" panose="02020603050405020304" pitchFamily="18" charset="0"/>
-              </a:rPr>
-              <a:t>Giugno.</a:t>
-            </a:r>
-          </a:p>
-          <a:p>
-            <a:pPr marL="0" indent="0">
-              <a:buNone/>
-            </a:pPr>
-            <a:endParaRPr lang="it-IT" dirty="0"/>
-          </a:p>
         </p:txBody>
       </p:sp>
     </p:spTree>
-    <p:extLst>
-      <p:ext uri="{BB962C8B-B14F-4D97-AF65-F5344CB8AC3E}">
-        <p14:creationId xmlns:p14="http://schemas.microsoft.com/office/powerpoint/2010/main" val="2017438073"/>
-      </p:ext>
-    </p:extLst>
   </p:cSld>
   <p:clrMapOvr>
     <a:masterClrMapping/>
@@ -6101,7 +7957,12 @@
             <p:ph type="title"/>
           </p:nvPr>
         </p:nvSpPr>
-        <p:spPr/>
+        <p:spPr>
+          <a:xfrm>
+            <a:off x="628650" y="444137"/>
+            <a:ext cx="7886700" cy="653143"/>
+          </a:xfrm>
+        </p:spPr>
         <p:txBody>
           <a:bodyPr>
             <a:normAutofit/>
@@ -6134,7 +7995,7 @@
                 <a:latin typeface="Times New Roman" panose="02020603050405020304" pitchFamily="18" charset="0"/>
                 <a:cs typeface="Times New Roman" panose="02020603050405020304" pitchFamily="18" charset="0"/>
               </a:rPr>
-              <a:t>(4)</a:t>
+              <a:t>(2)</a:t>
             </a:r>
             <a:endParaRPr lang="it-IT" sz="2800" dirty="0"/>
           </a:p>
@@ -6142,126 +8003,195 @@
       </p:sp>
       <p:sp>
         <p:nvSpPr>
-          <p:cNvPr id="3" name="Segnaposto contenuto 2"/>
-          <p:cNvSpPr>
-            <a:spLocks noGrp="1"/>
-          </p:cNvSpPr>
-          <p:nvPr>
-            <p:ph idx="1"/>
-          </p:nvPr>
-        </p:nvSpPr>
-        <p:spPr/>
-        <p:txBody>
-          <a:bodyPr>
-            <a:normAutofit fontScale="85000" lnSpcReduction="20000"/>
+          <p:cNvPr id="4" name="Segnaposto contenuto 2"/>
+          <p:cNvSpPr txBox="1">
+            <a:spLocks/>
+          </p:cNvSpPr>
+          <p:nvPr/>
+        </p:nvSpPr>
+        <p:spPr>
+          <a:xfrm>
+            <a:off x="628650" y="1275008"/>
+            <a:ext cx="7886700" cy="5280338"/>
+          </a:xfrm>
+          <a:prstGeom prst="rect">
+            <a:avLst/>
+          </a:prstGeom>
+        </p:spPr>
+        <p:txBody>
+          <a:bodyPr vert="horz" lIns="91440" tIns="45720" rIns="91440" bIns="45720" rtlCol="0">
+            <a:normAutofit/>
           </a:bodyPr>
           <a:lstStyle/>
           <a:p>
-            <a:pPr marL="0" indent="0" algn="just">
-              <a:buNone/>
+            <a:pPr marL="0" marR="0" lvl="0" indent="0" algn="ctr" defTabSz="914400" rtl="0" eaLnBrk="1" fontAlgn="auto" latinLnBrk="0" hangingPunct="1">
+              <a:lnSpc>
+                <a:spcPct val="120000"/>
+              </a:lnSpc>
+              <a:spcBef>
+                <a:spcPts val="1000"/>
+              </a:spcBef>
+              <a:spcAft>
+                <a:spcPts val="0"/>
+              </a:spcAft>
+              <a:buClrTx/>
+              <a:buSzTx/>
+              <a:buFont typeface="Arial" panose="020B0604020202020204" pitchFamily="34" charset="0"/>
+              <a:buNone/>
+              <a:tabLst/>
+              <a:defRPr/>
             </a:pPr>
             <a:r>
-              <a:rPr lang="it-IT" b="1" dirty="0">
-                <a:latin typeface="Times New Roman" panose="02020603050405020304" pitchFamily="18" charset="0"/>
-                <a:cs typeface="Times New Roman" panose="02020603050405020304" pitchFamily="18" charset="0"/>
-              </a:rPr>
-              <a:t>Metodologia</a:t>
-            </a:r>
-            <a:endParaRPr lang="it-IT" dirty="0">
+              <a:rPr kumimoji="0" lang="it-IT" sz="2500" b="1" i="0" u="none" strike="noStrike" kern="1200" cap="none" spc="0" normalizeH="0" baseline="0" noProof="0" dirty="0" smtClean="0">
+                <a:ln>
+                  <a:noFill/>
+                </a:ln>
+                <a:solidFill>
+                  <a:schemeClr val="tx1"/>
+                </a:solidFill>
+                <a:effectLst/>
+                <a:uLnTx/>
+                <a:uFillTx/>
+                <a:latin typeface="Times New Roman" panose="02020603050405020304" pitchFamily="18" charset="0"/>
+                <a:ea typeface="+mn-ea"/>
+                <a:cs typeface="Times New Roman" panose="02020603050405020304" pitchFamily="18" charset="0"/>
+              </a:rPr>
+              <a:t>Obiettivo</a:t>
+            </a:r>
+            <a:endParaRPr kumimoji="0" lang="it-IT" sz="2500" b="0" i="0" u="none" strike="noStrike" kern="1200" cap="none" spc="0" normalizeH="0" baseline="0" noProof="0" dirty="0" smtClean="0">
+              <a:ln>
+                <a:noFill/>
+              </a:ln>
+              <a:solidFill>
+                <a:schemeClr val="tx1"/>
+              </a:solidFill>
+              <a:effectLst/>
+              <a:uLnTx/>
+              <a:uFillTx/>
+              <a:latin typeface="Times New Roman" panose="02020603050405020304" pitchFamily="18" charset="0"/>
+              <a:ea typeface="+mn-ea"/>
+              <a:cs typeface="Times New Roman" panose="02020603050405020304" pitchFamily="18" charset="0"/>
+            </a:endParaRPr>
+          </a:p>
+          <a:p>
+            <a:pPr marL="0" marR="0" lvl="0" indent="0" algn="just" defTabSz="914400" rtl="0" eaLnBrk="1" fontAlgn="auto" latinLnBrk="0" hangingPunct="1">
+              <a:lnSpc>
+                <a:spcPct val="120000"/>
+              </a:lnSpc>
+              <a:spcBef>
+                <a:spcPts val="1000"/>
+              </a:spcBef>
+              <a:spcAft>
+                <a:spcPts val="0"/>
+              </a:spcAft>
+              <a:buClrTx/>
+              <a:buSzTx/>
+              <a:buFont typeface="Arial" panose="020B0604020202020204" pitchFamily="34" charset="0"/>
+              <a:buNone/>
+              <a:tabLst/>
+              <a:defRPr/>
+            </a:pPr>
+            <a:endParaRPr kumimoji="0" lang="it-IT" sz="2800" b="1" i="0" u="none" strike="noStrike" kern="1200" cap="none" spc="0" normalizeH="0" baseline="0" noProof="0" dirty="0" smtClean="0">
+              <a:ln>
+                <a:noFill/>
+              </a:ln>
+              <a:solidFill>
+                <a:schemeClr val="tx1"/>
+              </a:solidFill>
+              <a:effectLst/>
+              <a:uLnTx/>
+              <a:uFillTx/>
+              <a:latin typeface="Times New Roman" panose="02020603050405020304" pitchFamily="18" charset="0"/>
+              <a:ea typeface="+mn-ea"/>
+              <a:cs typeface="Times New Roman" panose="02020603050405020304" pitchFamily="18" charset="0"/>
+            </a:endParaRPr>
+          </a:p>
+          <a:p>
+            <a:pPr algn="just"/>
+            <a:r>
+              <a:rPr lang="it-IT" sz="2000" dirty="0" smtClean="0">
+                <a:latin typeface="Times New Roman" panose="02020603050405020304" pitchFamily="18" charset="0"/>
+                <a:cs typeface="Times New Roman" panose="02020603050405020304" pitchFamily="18" charset="0"/>
+              </a:rPr>
+              <a:t>L'obiettivo dell'</a:t>
+            </a:r>
+            <a:r>
+              <a:rPr lang="it-IT" sz="2000" dirty="0" err="1" smtClean="0">
+                <a:latin typeface="Times New Roman" panose="02020603050405020304" pitchFamily="18" charset="0"/>
+                <a:cs typeface="Times New Roman" panose="02020603050405020304" pitchFamily="18" charset="0"/>
+              </a:rPr>
+              <a:t>user</a:t>
+            </a:r>
+            <a:r>
+              <a:rPr lang="it-IT" sz="2000" dirty="0" smtClean="0">
+                <a:latin typeface="Times New Roman" panose="02020603050405020304" pitchFamily="18" charset="0"/>
+                <a:cs typeface="Times New Roman" panose="02020603050405020304" pitchFamily="18" charset="0"/>
+              </a:rPr>
+              <a:t> </a:t>
+            </a:r>
+            <a:r>
+              <a:rPr lang="it-IT" sz="2000" dirty="0" err="1" smtClean="0">
+                <a:latin typeface="Times New Roman" panose="02020603050405020304" pitchFamily="18" charset="0"/>
+                <a:cs typeface="Times New Roman" panose="02020603050405020304" pitchFamily="18" charset="0"/>
+              </a:rPr>
+              <a:t>testing</a:t>
+            </a:r>
+            <a:r>
+              <a:rPr lang="it-IT" sz="2000" dirty="0" smtClean="0">
+                <a:latin typeface="Times New Roman" panose="02020603050405020304" pitchFamily="18" charset="0"/>
+                <a:cs typeface="Times New Roman" panose="02020603050405020304" pitchFamily="18" charset="0"/>
+              </a:rPr>
+              <a:t> è quello di migliorare, attraverso il feedback ottenuto, le funzionalità dell'</a:t>
+            </a:r>
+            <a:r>
+              <a:rPr lang="it-IT" sz="2000" dirty="0" err="1" smtClean="0">
+                <a:latin typeface="Times New Roman" panose="02020603050405020304" pitchFamily="18" charset="0"/>
+                <a:cs typeface="Times New Roman" panose="02020603050405020304" pitchFamily="18" charset="0"/>
+              </a:rPr>
+              <a:t>app</a:t>
+            </a:r>
+            <a:r>
+              <a:rPr lang="it-IT" sz="2000" dirty="0" smtClean="0">
+                <a:latin typeface="Times New Roman" panose="02020603050405020304" pitchFamily="18" charset="0"/>
+                <a:cs typeface="Times New Roman" panose="02020603050405020304" pitchFamily="18" charset="0"/>
+              </a:rPr>
+              <a:t> in termini di efficienza e soddisfazione dell'utente.</a:t>
+            </a:r>
+          </a:p>
+          <a:p>
+            <a:pPr algn="just"/>
+            <a:r>
+              <a:rPr lang="it-IT" sz="2000" dirty="0" smtClean="0">
+                <a:latin typeface="Times New Roman" panose="02020603050405020304" pitchFamily="18" charset="0"/>
+                <a:cs typeface="Times New Roman" panose="02020603050405020304" pitchFamily="18" charset="0"/>
+              </a:rPr>
+              <a:t>In particolare, l'utilizzo dell'</a:t>
+            </a:r>
+            <a:r>
+              <a:rPr lang="it-IT" sz="2000" dirty="0" err="1" smtClean="0">
+                <a:latin typeface="Times New Roman" panose="02020603050405020304" pitchFamily="18" charset="0"/>
+                <a:cs typeface="Times New Roman" panose="02020603050405020304" pitchFamily="18" charset="0"/>
+              </a:rPr>
+              <a:t>app</a:t>
+            </a:r>
+            <a:r>
+              <a:rPr lang="it-IT" sz="2000" dirty="0" smtClean="0">
+                <a:latin typeface="Times New Roman" panose="02020603050405020304" pitchFamily="18" charset="0"/>
+                <a:cs typeface="Times New Roman" panose="02020603050405020304" pitchFamily="18" charset="0"/>
+              </a:rPr>
+              <a:t> deve essere reso semplice e piacevole per l'utente, in modo che sia motivato a continuare a utilizzarla, sia che si tratti del task principale (aggiungere una nuova sigaretta quando l'utente decide di fumarne una), sia che stia semplicemente visualizzando gli obiettivi e i trofei ottenuti.</a:t>
+            </a:r>
+            <a:endParaRPr lang="it-IT" sz="2000" dirty="0">
               <a:latin typeface="Times New Roman" panose="02020603050405020304" pitchFamily="18" charset="0"/>
               <a:cs typeface="Times New Roman" panose="02020603050405020304" pitchFamily="18" charset="0"/>
             </a:endParaRPr>
           </a:p>
-          <a:p>
-            <a:pPr marL="0" indent="0" algn="just">
-              <a:buNone/>
-            </a:pPr>
-            <a:r>
-              <a:rPr lang="it-IT" dirty="0">
-                <a:latin typeface="Times New Roman" panose="02020603050405020304" pitchFamily="18" charset="0"/>
-                <a:cs typeface="Times New Roman" panose="02020603050405020304" pitchFamily="18" charset="0"/>
-              </a:rPr>
-              <a:t>Ai partecipanti sarà chiesto di eseguire una serie di task rappresentanti vari scenari, qui sotto elencati. Durante lo svolgimento del test si prenderà nota di eventuali commenti dei valutatori attraverso la tecnica del </a:t>
-            </a:r>
-            <a:r>
-              <a:rPr lang="it-IT" i="1" dirty="0" err="1" smtClean="0">
-                <a:latin typeface="Times New Roman" panose="02020603050405020304" pitchFamily="18" charset="0"/>
-                <a:cs typeface="Times New Roman" panose="02020603050405020304" pitchFamily="18" charset="0"/>
-              </a:rPr>
-              <a:t>thinging</a:t>
-            </a:r>
-            <a:r>
-              <a:rPr lang="it-IT" i="1" dirty="0" smtClean="0">
-                <a:latin typeface="Times New Roman" panose="02020603050405020304" pitchFamily="18" charset="0"/>
-                <a:cs typeface="Times New Roman" panose="02020603050405020304" pitchFamily="18" charset="0"/>
-              </a:rPr>
-              <a:t> </a:t>
-            </a:r>
-            <a:r>
-              <a:rPr lang="it-IT" i="1" dirty="0" err="1">
-                <a:latin typeface="Times New Roman" panose="02020603050405020304" pitchFamily="18" charset="0"/>
-                <a:cs typeface="Times New Roman" panose="02020603050405020304" pitchFamily="18" charset="0"/>
-              </a:rPr>
-              <a:t>aloud</a:t>
-            </a:r>
-            <a:r>
-              <a:rPr lang="it-IT" dirty="0">
-                <a:latin typeface="Times New Roman" panose="02020603050405020304" pitchFamily="18" charset="0"/>
-                <a:cs typeface="Times New Roman" panose="02020603050405020304" pitchFamily="18" charset="0"/>
-              </a:rPr>
-              <a:t>.</a:t>
-            </a:r>
-          </a:p>
-          <a:p>
-            <a:pPr marL="0" indent="0" algn="just">
-              <a:buNone/>
-            </a:pPr>
-            <a:r>
-              <a:rPr lang="it-IT" dirty="0">
-                <a:latin typeface="Times New Roman" panose="02020603050405020304" pitchFamily="18" charset="0"/>
-                <a:cs typeface="Times New Roman" panose="02020603050405020304" pitchFamily="18" charset="0"/>
-              </a:rPr>
-              <a:t>Inoltre, dopo che i partecipanti avranno completato gli scenari, verrà chiesto il loro feedback attraverso la valutazione, con un punteggio da 1 (facile) a 5 (difficile), di ciascun task affrontato sulla base delle difficoltà incontrate durante la sua comprensione ed esecuzione.</a:t>
-            </a:r>
-          </a:p>
-          <a:p>
-            <a:pPr marL="0" indent="0" algn="just">
-              <a:buNone/>
-            </a:pPr>
-            <a:r>
-              <a:rPr lang="it-IT" dirty="0">
-                <a:latin typeface="Times New Roman" panose="02020603050405020304" pitchFamily="18" charset="0"/>
-                <a:cs typeface="Times New Roman" panose="02020603050405020304" pitchFamily="18" charset="0"/>
-              </a:rPr>
-              <a:t>All’inizio del test ai partecipanti sarà chiesto di compilare il </a:t>
-            </a:r>
-            <a:r>
-              <a:rPr lang="it-IT" dirty="0" err="1">
-                <a:latin typeface="Times New Roman" panose="02020603050405020304" pitchFamily="18" charset="0"/>
-                <a:cs typeface="Times New Roman" panose="02020603050405020304" pitchFamily="18" charset="0"/>
-              </a:rPr>
-              <a:t>form</a:t>
-            </a:r>
-            <a:r>
-              <a:rPr lang="it-IT" dirty="0">
-                <a:latin typeface="Times New Roman" panose="02020603050405020304" pitchFamily="18" charset="0"/>
-                <a:cs typeface="Times New Roman" panose="02020603050405020304" pitchFamily="18" charset="0"/>
-              </a:rPr>
-              <a:t> per il consenso all'utilizzo dei dati di feedback ottenuti dopo il test e dei dati demografici inseriti, anch'essi richiesti durante la fase iniziale.</a:t>
-            </a:r>
-          </a:p>
-          <a:p>
-            <a:pPr marL="0" indent="0">
-              <a:buNone/>
-            </a:pPr>
-            <a:endParaRPr lang="it-IT" dirty="0"/>
-          </a:p>
         </p:txBody>
       </p:sp>
     </p:spTree>
     <p:extLst>
       <p:ext uri="{BB962C8B-B14F-4D97-AF65-F5344CB8AC3E}">
-        <p14:creationId xmlns:p14="http://schemas.microsoft.com/office/powerpoint/2010/main" val="115604845"/>
+        <p14:creationId xmlns:p14="http://schemas.microsoft.com/office/powerpoint/2010/main" xmlns="" val="3011033621"/>
       </p:ext>
     </p:extLst>
   </p:cSld>
@@ -6314,7 +8244,7 @@
     </a:clrScheme>
     <a:fontScheme name="Tema di Office">
       <a:majorFont>
-        <a:latin typeface="Calibri Light" panose="020F0302020204030204"/>
+        <a:latin typeface="Calibri Light"/>
         <a:ea typeface=""/>
         <a:cs typeface=""/>
         <a:font script="Jpan" typeface="ＭＳ Ｐゴシック"/>
@@ -6349,7 +8279,7 @@
         <a:font script="Geor" typeface="Sylfaen"/>
       </a:majorFont>
       <a:minorFont>
-        <a:latin typeface="Calibri" panose="020F0502020204030204"/>
+        <a:latin typeface="Calibri"/>
         <a:ea typeface=""/>
         <a:cs typeface=""/>
         <a:font script="Jpan" typeface="ＭＳ Ｐゴシック"/>
@@ -6526,7 +8456,7 @@
   <a:extraClrSchemeLst/>
   <a:extLst>
     <a:ext uri="{05A4C25C-085E-4340-85A3-A5531E510DB2}">
-      <thm15:themeFamily xmlns:thm15="http://schemas.microsoft.com/office/thememl/2012/main" name="Office Theme" id="{62F939B6-93AF-4DB8-9C6B-D6C7DFDC589F}" vid="{4A3C46E8-61CC-4603-A589-7422A47A8E4A}"/>
+      <thm15:themeFamily xmlns:thm15="http://schemas.microsoft.com/office/thememl/2012/main" xmlns="" name="Office Theme" id="{62F939B6-93AF-4DB8-9C6B-D6C7DFDC589F}" vid="{4A3C46E8-61CC-4603-A589-7422A47A8E4A}"/>
     </a:ext>
   </a:extLst>
 </a:theme>

--- a/Prova_6/Leone_Mastrosimone_PresentazioneProgetto.pptx
+++ b/Prova_6/Leone_Mastrosimone_PresentazioneProgetto.pptx
@@ -24,6 +24,26 @@
     <p:sldId id="267" r:id="rId18"/>
     <p:sldId id="273" r:id="rId19"/>
     <p:sldId id="274" r:id="rId20"/>
+    <p:sldId id="275" r:id="rId21"/>
+    <p:sldId id="276" r:id="rId22"/>
+    <p:sldId id="277" r:id="rId23"/>
+    <p:sldId id="278" r:id="rId24"/>
+    <p:sldId id="279" r:id="rId25"/>
+    <p:sldId id="280" r:id="rId26"/>
+    <p:sldId id="281" r:id="rId27"/>
+    <p:sldId id="282" r:id="rId28"/>
+    <p:sldId id="283" r:id="rId29"/>
+    <p:sldId id="284" r:id="rId30"/>
+    <p:sldId id="285" r:id="rId31"/>
+    <p:sldId id="286" r:id="rId32"/>
+    <p:sldId id="287" r:id="rId33"/>
+    <p:sldId id="288" r:id="rId34"/>
+    <p:sldId id="289" r:id="rId35"/>
+    <p:sldId id="290" r:id="rId36"/>
+    <p:sldId id="291" r:id="rId37"/>
+    <p:sldId id="292" r:id="rId38"/>
+    <p:sldId id="293" r:id="rId39"/>
+    <p:sldId id="294" r:id="rId40"/>
   </p:sldIdLst>
   <p:sldSz cx="9144000" cy="6858000" type="screen4x3"/>
   <p:notesSz cx="6858000" cy="9144000"/>
@@ -124,7 +144,7 @@
   </p:defaultTextStyle>
   <p:extLst>
     <p:ext uri="{EFAFB233-063F-42B5-8137-9DF3F51BA10A}">
-      <p15:sldGuideLst xmlns:p15="http://schemas.microsoft.com/office/powerpoint/2012/main" xmlns=""/>
+      <p15:sldGuideLst xmlns="" xmlns:p15="http://schemas.microsoft.com/office/powerpoint/2012/main"/>
     </p:ext>
   </p:extLst>
 </p:presentation>
@@ -262,7 +282,7 @@
             <a:fld id="{9FB86531-A28F-4E1C-99B5-5C225A123870}" type="datetimeFigureOut">
               <a:rPr lang="it-IT" smtClean="0"/>
               <a:pPr/>
-              <a:t>02/06/2015</a:t>
+              <a:t>03/06/2015</a:t>
             </a:fld>
             <a:endParaRPr lang="it-IT"/>
           </a:p>
@@ -314,7 +334,7 @@
     </p:spTree>
     <p:extLst>
       <p:ext uri="{BB962C8B-B14F-4D97-AF65-F5344CB8AC3E}">
-        <p14:creationId xmlns:p14="http://schemas.microsoft.com/office/powerpoint/2010/main" xmlns="" val="3310887744"/>
+        <p14:creationId xmlns="" xmlns:p14="http://schemas.microsoft.com/office/powerpoint/2010/main" val="3310887744"/>
       </p:ext>
     </p:extLst>
   </p:cSld>
@@ -434,7 +454,7 @@
             <a:fld id="{9FB86531-A28F-4E1C-99B5-5C225A123870}" type="datetimeFigureOut">
               <a:rPr lang="it-IT" smtClean="0"/>
               <a:pPr/>
-              <a:t>02/06/2015</a:t>
+              <a:t>03/06/2015</a:t>
             </a:fld>
             <a:endParaRPr lang="it-IT"/>
           </a:p>
@@ -486,7 +506,7 @@
     </p:spTree>
     <p:extLst>
       <p:ext uri="{BB962C8B-B14F-4D97-AF65-F5344CB8AC3E}">
-        <p14:creationId xmlns:p14="http://schemas.microsoft.com/office/powerpoint/2010/main" xmlns="" val="3074622753"/>
+        <p14:creationId xmlns="" xmlns:p14="http://schemas.microsoft.com/office/powerpoint/2010/main" val="3074622753"/>
       </p:ext>
     </p:extLst>
   </p:cSld>
@@ -616,7 +636,7 @@
             <a:fld id="{9FB86531-A28F-4E1C-99B5-5C225A123870}" type="datetimeFigureOut">
               <a:rPr lang="it-IT" smtClean="0"/>
               <a:pPr/>
-              <a:t>02/06/2015</a:t>
+              <a:t>03/06/2015</a:t>
             </a:fld>
             <a:endParaRPr lang="it-IT"/>
           </a:p>
@@ -668,7 +688,7 @@
     </p:spTree>
     <p:extLst>
       <p:ext uri="{BB962C8B-B14F-4D97-AF65-F5344CB8AC3E}">
-        <p14:creationId xmlns:p14="http://schemas.microsoft.com/office/powerpoint/2010/main" xmlns="" val="427507249"/>
+        <p14:creationId xmlns="" xmlns:p14="http://schemas.microsoft.com/office/powerpoint/2010/main" val="427507249"/>
       </p:ext>
     </p:extLst>
   </p:cSld>
@@ -788,7 +808,7 @@
             <a:fld id="{9FB86531-A28F-4E1C-99B5-5C225A123870}" type="datetimeFigureOut">
               <a:rPr lang="it-IT" smtClean="0"/>
               <a:pPr/>
-              <a:t>02/06/2015</a:t>
+              <a:t>03/06/2015</a:t>
             </a:fld>
             <a:endParaRPr lang="it-IT"/>
           </a:p>
@@ -840,7 +860,7 @@
     </p:spTree>
     <p:extLst>
       <p:ext uri="{BB962C8B-B14F-4D97-AF65-F5344CB8AC3E}">
-        <p14:creationId xmlns:p14="http://schemas.microsoft.com/office/powerpoint/2010/main" xmlns="" val="1362399413"/>
+        <p14:creationId xmlns="" xmlns:p14="http://schemas.microsoft.com/office/powerpoint/2010/main" val="1362399413"/>
       </p:ext>
     </p:extLst>
   </p:cSld>
@@ -1034,7 +1054,7 @@
             <a:fld id="{9FB86531-A28F-4E1C-99B5-5C225A123870}" type="datetimeFigureOut">
               <a:rPr lang="it-IT" smtClean="0"/>
               <a:pPr/>
-              <a:t>02/06/2015</a:t>
+              <a:t>03/06/2015</a:t>
             </a:fld>
             <a:endParaRPr lang="it-IT"/>
           </a:p>
@@ -1086,7 +1106,7 @@
     </p:spTree>
     <p:extLst>
       <p:ext uri="{BB962C8B-B14F-4D97-AF65-F5344CB8AC3E}">
-        <p14:creationId xmlns:p14="http://schemas.microsoft.com/office/powerpoint/2010/main" xmlns="" val="3225621358"/>
+        <p14:creationId xmlns="" xmlns:p14="http://schemas.microsoft.com/office/powerpoint/2010/main" val="3225621358"/>
       </p:ext>
     </p:extLst>
   </p:cSld>
@@ -1268,7 +1288,7 @@
             <a:fld id="{9FB86531-A28F-4E1C-99B5-5C225A123870}" type="datetimeFigureOut">
               <a:rPr lang="it-IT" smtClean="0"/>
               <a:pPr/>
-              <a:t>02/06/2015</a:t>
+              <a:t>03/06/2015</a:t>
             </a:fld>
             <a:endParaRPr lang="it-IT"/>
           </a:p>
@@ -1320,7 +1340,7 @@
     </p:spTree>
     <p:extLst>
       <p:ext uri="{BB962C8B-B14F-4D97-AF65-F5344CB8AC3E}">
-        <p14:creationId xmlns:p14="http://schemas.microsoft.com/office/powerpoint/2010/main" xmlns="" val="3800156285"/>
+        <p14:creationId xmlns="" xmlns:p14="http://schemas.microsoft.com/office/powerpoint/2010/main" val="3800156285"/>
       </p:ext>
     </p:extLst>
   </p:cSld>
@@ -1637,7 +1657,7 @@
             <a:fld id="{9FB86531-A28F-4E1C-99B5-5C225A123870}" type="datetimeFigureOut">
               <a:rPr lang="it-IT" smtClean="0"/>
               <a:pPr/>
-              <a:t>02/06/2015</a:t>
+              <a:t>03/06/2015</a:t>
             </a:fld>
             <a:endParaRPr lang="it-IT"/>
           </a:p>
@@ -1689,7 +1709,7 @@
     </p:spTree>
     <p:extLst>
       <p:ext uri="{BB962C8B-B14F-4D97-AF65-F5344CB8AC3E}">
-        <p14:creationId xmlns:p14="http://schemas.microsoft.com/office/powerpoint/2010/main" xmlns="" val="1553049765"/>
+        <p14:creationId xmlns="" xmlns:p14="http://schemas.microsoft.com/office/powerpoint/2010/main" val="1553049765"/>
       </p:ext>
     </p:extLst>
   </p:cSld>
@@ -1757,7 +1777,7 @@
             <a:fld id="{9FB86531-A28F-4E1C-99B5-5C225A123870}" type="datetimeFigureOut">
               <a:rPr lang="it-IT" smtClean="0"/>
               <a:pPr/>
-              <a:t>02/06/2015</a:t>
+              <a:t>03/06/2015</a:t>
             </a:fld>
             <a:endParaRPr lang="it-IT"/>
           </a:p>
@@ -1809,7 +1829,7 @@
     </p:spTree>
     <p:extLst>
       <p:ext uri="{BB962C8B-B14F-4D97-AF65-F5344CB8AC3E}">
-        <p14:creationId xmlns:p14="http://schemas.microsoft.com/office/powerpoint/2010/main" xmlns="" val="748351417"/>
+        <p14:creationId xmlns="" xmlns:p14="http://schemas.microsoft.com/office/powerpoint/2010/main" val="748351417"/>
       </p:ext>
     </p:extLst>
   </p:cSld>
@@ -1854,7 +1874,7 @@
             <a:fld id="{9FB86531-A28F-4E1C-99B5-5C225A123870}" type="datetimeFigureOut">
               <a:rPr lang="it-IT" smtClean="0"/>
               <a:pPr/>
-              <a:t>02/06/2015</a:t>
+              <a:t>03/06/2015</a:t>
             </a:fld>
             <a:endParaRPr lang="it-IT"/>
           </a:p>
@@ -1906,7 +1926,7 @@
     </p:spTree>
     <p:extLst>
       <p:ext uri="{BB962C8B-B14F-4D97-AF65-F5344CB8AC3E}">
-        <p14:creationId xmlns:p14="http://schemas.microsoft.com/office/powerpoint/2010/main" xmlns="" val="3835050378"/>
+        <p14:creationId xmlns="" xmlns:p14="http://schemas.microsoft.com/office/powerpoint/2010/main" val="3835050378"/>
       </p:ext>
     </p:extLst>
   </p:cSld>
@@ -2133,7 +2153,7 @@
             <a:fld id="{9FB86531-A28F-4E1C-99B5-5C225A123870}" type="datetimeFigureOut">
               <a:rPr lang="it-IT" smtClean="0"/>
               <a:pPr/>
-              <a:t>02/06/2015</a:t>
+              <a:t>03/06/2015</a:t>
             </a:fld>
             <a:endParaRPr lang="it-IT"/>
           </a:p>
@@ -2185,7 +2205,7 @@
     </p:spTree>
     <p:extLst>
       <p:ext uri="{BB962C8B-B14F-4D97-AF65-F5344CB8AC3E}">
-        <p14:creationId xmlns:p14="http://schemas.microsoft.com/office/powerpoint/2010/main" xmlns="" val="1649903174"/>
+        <p14:creationId xmlns="" xmlns:p14="http://schemas.microsoft.com/office/powerpoint/2010/main" val="1649903174"/>
       </p:ext>
     </p:extLst>
   </p:cSld>
@@ -2392,7 +2412,7 @@
             <a:fld id="{9FB86531-A28F-4E1C-99B5-5C225A123870}" type="datetimeFigureOut">
               <a:rPr lang="it-IT" smtClean="0"/>
               <a:pPr/>
-              <a:t>02/06/2015</a:t>
+              <a:t>03/06/2015</a:t>
             </a:fld>
             <a:endParaRPr lang="it-IT"/>
           </a:p>
@@ -2444,7 +2464,7 @@
     </p:spTree>
     <p:extLst>
       <p:ext uri="{BB962C8B-B14F-4D97-AF65-F5344CB8AC3E}">
-        <p14:creationId xmlns:p14="http://schemas.microsoft.com/office/powerpoint/2010/main" xmlns="" val="2435700444"/>
+        <p14:creationId xmlns="" xmlns:p14="http://schemas.microsoft.com/office/powerpoint/2010/main" val="2435700444"/>
       </p:ext>
     </p:extLst>
   </p:cSld>
@@ -2607,7 +2627,7 @@
             <a:fld id="{9FB86531-A28F-4E1C-99B5-5C225A123870}" type="datetimeFigureOut">
               <a:rPr lang="it-IT" smtClean="0"/>
               <a:pPr/>
-              <a:t>02/06/2015</a:t>
+              <a:t>03/06/2015</a:t>
             </a:fld>
             <a:endParaRPr lang="it-IT"/>
           </a:p>
@@ -2695,7 +2715,7 @@
     </p:spTree>
     <p:extLst>
       <p:ext uri="{BB962C8B-B14F-4D97-AF65-F5344CB8AC3E}">
-        <p14:creationId xmlns:p14="http://schemas.microsoft.com/office/powerpoint/2010/main" xmlns="" val="517032702"/>
+        <p14:creationId xmlns="" xmlns:p14="http://schemas.microsoft.com/office/powerpoint/2010/main" val="517032702"/>
       </p:ext>
     </p:extLst>
   </p:cSld>
@@ -3253,7 +3273,7 @@
     </p:spTree>
     <p:extLst>
       <p:ext uri="{BB962C8B-B14F-4D97-AF65-F5344CB8AC3E}">
-        <p14:creationId xmlns:p14="http://schemas.microsoft.com/office/powerpoint/2010/main" xmlns="" val="1761319082"/>
+        <p14:creationId xmlns="" xmlns:p14="http://schemas.microsoft.com/office/powerpoint/2010/main" val="1761319082"/>
       </p:ext>
     </p:extLst>
   </p:cSld>
@@ -3436,14 +3456,7 @@
                 <a:latin typeface="Times New Roman" panose="02020603050405020304" pitchFamily="18" charset="0"/>
                 <a:cs typeface="Times New Roman" panose="02020603050405020304" pitchFamily="18" charset="0"/>
               </a:rPr>
-              <a:t>Obiettivi </a:t>
-            </a:r>
-            <a:r>
-              <a:rPr lang="it-IT" sz="2000" b="1" dirty="0" smtClean="0">
-                <a:latin typeface="Times New Roman" panose="02020603050405020304" pitchFamily="18" charset="0"/>
-                <a:cs typeface="Times New Roman" panose="02020603050405020304" pitchFamily="18" charset="0"/>
-              </a:rPr>
-              <a:t>di </a:t>
+              <a:t>Obiettivi di </a:t>
             </a:r>
             <a:r>
               <a:rPr lang="it-IT" sz="2000" b="1" dirty="0" err="1" smtClean="0">
@@ -3541,7 +3554,7 @@
     </p:spTree>
     <p:extLst>
       <p:ext uri="{BB962C8B-B14F-4D97-AF65-F5344CB8AC3E}">
-        <p14:creationId xmlns:p14="http://schemas.microsoft.com/office/powerpoint/2010/main" xmlns="" val="3011033621"/>
+        <p14:creationId xmlns="" xmlns:p14="http://schemas.microsoft.com/office/powerpoint/2010/main" val="3011033621"/>
       </p:ext>
     </p:extLst>
   </p:cSld>
@@ -3820,31 +3833,17 @@
                 <a:latin typeface="Times New Roman" panose="02020603050405020304" pitchFamily="18" charset="0"/>
                 <a:cs typeface="Times New Roman" panose="02020603050405020304" pitchFamily="18" charset="0"/>
               </a:rPr>
-              <a:t>I </a:t>
-            </a:r>
+              <a:t>I 3 partecipanti saranno selezionati tra coloro le cui caratteristiche corrispondono al target cercato in modo da assicurare dei risultati significativi.</a:t>
+            </a:r>
+          </a:p>
+          <a:p>
+            <a:pPr algn="just"/>
             <a:r>
               <a:rPr lang="it-IT" sz="2000" dirty="0" smtClean="0">
                 <a:latin typeface="Times New Roman" panose="02020603050405020304" pitchFamily="18" charset="0"/>
                 <a:cs typeface="Times New Roman" panose="02020603050405020304" pitchFamily="18" charset="0"/>
               </a:rPr>
-              <a:t>3 partecipanti saranno selezionati tra coloro le cui caratteristiche corrispondono al target cercato in modo da assicurare dei risultati significativi.</a:t>
-            </a:r>
-          </a:p>
-          <a:p>
-            <a:pPr algn="just"/>
-            <a:r>
-              <a:rPr lang="it-IT" sz="2000" dirty="0" smtClean="0">
-                <a:latin typeface="Times New Roman" panose="02020603050405020304" pitchFamily="18" charset="0"/>
-                <a:cs typeface="Times New Roman" panose="02020603050405020304" pitchFamily="18" charset="0"/>
-              </a:rPr>
-              <a:t>I partecipanti avranno le seguenti caratteristiche</a:t>
-            </a:r>
-            <a:r>
-              <a:rPr lang="it-IT" sz="2000" dirty="0" smtClean="0">
-                <a:latin typeface="Times New Roman" panose="02020603050405020304" pitchFamily="18" charset="0"/>
-                <a:cs typeface="Times New Roman" panose="02020603050405020304" pitchFamily="18" charset="0"/>
-              </a:rPr>
-              <a:t>:</a:t>
+              <a:t>I partecipanti avranno le seguenti caratteristiche:</a:t>
             </a:r>
           </a:p>
           <a:p>
@@ -3864,26 +3863,8 @@
                 <a:latin typeface="Times New Roman" panose="02020603050405020304" pitchFamily="18" charset="0"/>
                 <a:cs typeface="Times New Roman" panose="02020603050405020304" pitchFamily="18" charset="0"/>
               </a:rPr>
-              <a:t>età </a:t>
-            </a:r>
-            <a:r>
-              <a:rPr lang="it-IT" sz="2000" dirty="0" smtClean="0">
-                <a:latin typeface="Times New Roman" panose="02020603050405020304" pitchFamily="18" charset="0"/>
-                <a:cs typeface="Times New Roman" panose="02020603050405020304" pitchFamily="18" charset="0"/>
-              </a:rPr>
-              <a:t>compresa tra i 16 e i 65 anni</a:t>
-            </a:r>
-            <a:r>
-              <a:rPr lang="it-IT" sz="2000" dirty="0" smtClean="0">
-                <a:latin typeface="Times New Roman" panose="02020603050405020304" pitchFamily="18" charset="0"/>
-                <a:cs typeface="Times New Roman" panose="02020603050405020304" pitchFamily="18" charset="0"/>
-              </a:rPr>
-              <a:t>;</a:t>
-            </a:r>
-            <a:endParaRPr lang="it-IT" sz="2000" dirty="0" smtClean="0">
-              <a:latin typeface="Times New Roman" panose="02020603050405020304" pitchFamily="18" charset="0"/>
-              <a:cs typeface="Times New Roman" panose="02020603050405020304" pitchFamily="18" charset="0"/>
-            </a:endParaRPr>
+              <a:t>età compresa tra i 16 e i 65 anni;</a:t>
+            </a:r>
           </a:p>
           <a:p>
             <a:pPr marL="228600" indent="-228600" algn="just">
@@ -3902,21 +3883,7 @@
                 <a:latin typeface="Times New Roman" panose="02020603050405020304" pitchFamily="18" charset="0"/>
                 <a:cs typeface="Times New Roman" panose="02020603050405020304" pitchFamily="18" charset="0"/>
               </a:rPr>
-              <a:t>fumatori </a:t>
-            </a:r>
-            <a:r>
-              <a:rPr lang="it-IT" sz="2000" dirty="0" smtClean="0">
-                <a:latin typeface="Times New Roman" panose="02020603050405020304" pitchFamily="18" charset="0"/>
-                <a:cs typeface="Times New Roman" panose="02020603050405020304" pitchFamily="18" charset="0"/>
-              </a:rPr>
-              <a:t>abituali (fumano almeno 3-5 sigarette al giorno</a:t>
-            </a:r>
-            <a:r>
-              <a:rPr lang="it-IT" sz="2000" dirty="0" smtClean="0">
-                <a:latin typeface="Times New Roman" panose="02020603050405020304" pitchFamily="18" charset="0"/>
-                <a:cs typeface="Times New Roman" panose="02020603050405020304" pitchFamily="18" charset="0"/>
-              </a:rPr>
-              <a:t>);</a:t>
+              <a:t>fumatori abituali (fumano almeno 3-5 sigarette al giorno);</a:t>
             </a:r>
           </a:p>
           <a:p>
@@ -3936,26 +3903,15 @@
                 <a:latin typeface="Times New Roman" panose="02020603050405020304" pitchFamily="18" charset="0"/>
                 <a:cs typeface="Times New Roman" panose="02020603050405020304" pitchFamily="18" charset="0"/>
               </a:rPr>
-              <a:t>capaci di usare dispositivi mobili</a:t>
-            </a:r>
-            <a:r>
-              <a:rPr lang="it-IT" sz="2000" dirty="0" smtClean="0">
-                <a:latin typeface="Times New Roman" panose="02020603050405020304" pitchFamily="18" charset="0"/>
-                <a:cs typeface="Times New Roman" panose="02020603050405020304" pitchFamily="18" charset="0"/>
-              </a:rPr>
-              <a:t>.</a:t>
-            </a:r>
-            <a:endParaRPr lang="it-IT" sz="2000" dirty="0" smtClean="0">
-              <a:latin typeface="Times New Roman" panose="02020603050405020304" pitchFamily="18" charset="0"/>
-              <a:cs typeface="Times New Roman" panose="02020603050405020304" pitchFamily="18" charset="0"/>
-            </a:endParaRPr>
+              <a:t>capaci di usare dispositivi mobili.</a:t>
+            </a:r>
           </a:p>
         </p:txBody>
       </p:sp>
     </p:spTree>
     <p:extLst>
       <p:ext uri="{BB962C8B-B14F-4D97-AF65-F5344CB8AC3E}">
-        <p14:creationId xmlns:p14="http://schemas.microsoft.com/office/powerpoint/2010/main" xmlns="" val="2017438073"/>
+        <p14:creationId xmlns="" xmlns:p14="http://schemas.microsoft.com/office/powerpoint/2010/main" val="2017438073"/>
       </p:ext>
     </p:extLst>
   </p:cSld>
@@ -4122,24 +4078,7 @@
                 <a:ea typeface="+mj-ea"/>
                 <a:cs typeface="Times New Roman" panose="02020603050405020304" pitchFamily="18" charset="0"/>
               </a:rPr>
-              <a:t> </a:t>
-            </a:r>
-            <a:r>
-              <a:rPr kumimoji="0" lang="it-IT" sz="2800" b="1" i="0" u="none" strike="noStrike" kern="1200" cap="none" spc="0" normalizeH="0" baseline="0" noProof="0" dirty="0" smtClean="0">
-                <a:ln>
-                  <a:noFill/>
-                </a:ln>
-                <a:solidFill>
-                  <a:schemeClr val="tx1"/>
-                </a:solidFill>
-                <a:effectLst/>
-                <a:uLnTx/>
-                <a:uFillTx/>
-                <a:latin typeface="Times New Roman" panose="02020603050405020304" pitchFamily="18" charset="0"/>
-                <a:ea typeface="+mj-ea"/>
-                <a:cs typeface="Times New Roman" panose="02020603050405020304" pitchFamily="18" charset="0"/>
-              </a:rPr>
-              <a:t>(4)</a:t>
+              <a:t> (4)</a:t>
             </a:r>
             <a:endParaRPr kumimoji="0" lang="it-IT" sz="2800" b="0" i="0" u="none" strike="noStrike" kern="1200" cap="none" spc="0" normalizeH="0" baseline="0" noProof="0" dirty="0">
               <a:ln>
@@ -4244,14 +4183,7 @@
                 <a:latin typeface="Times New Roman" panose="02020603050405020304" pitchFamily="18" charset="0"/>
                 <a:cs typeface="Times New Roman" panose="02020603050405020304" pitchFamily="18" charset="0"/>
               </a:rPr>
-              <a:t>Il test non dovrebbe richiedere più di 20/30 minuti per ciascun partecipante</a:t>
-            </a:r>
-            <a:r>
-              <a:rPr lang="it-IT" sz="2200" dirty="0" smtClean="0">
-                <a:latin typeface="Times New Roman" panose="02020603050405020304" pitchFamily="18" charset="0"/>
-                <a:cs typeface="Times New Roman" panose="02020603050405020304" pitchFamily="18" charset="0"/>
-              </a:rPr>
-              <a:t>.</a:t>
+              <a:t>Il test non dovrebbe richiedere più di 20/30 minuti per ciascun partecipante.</a:t>
             </a:r>
           </a:p>
           <a:p>
@@ -4306,14 +4238,7 @@
                 <a:latin typeface="Times New Roman" panose="02020603050405020304" pitchFamily="18" charset="0"/>
                 <a:cs typeface="Times New Roman" panose="02020603050405020304" pitchFamily="18" charset="0"/>
               </a:rPr>
-              <a:t> in un ambiente domestico, in modo da poter simulare quanto più possibile uno scenario reale di utilizzo dell’app</a:t>
-            </a:r>
-            <a:r>
-              <a:rPr lang="it-IT" sz="2200" dirty="0" smtClean="0">
-                <a:latin typeface="Times New Roman" panose="02020603050405020304" pitchFamily="18" charset="0"/>
-                <a:cs typeface="Times New Roman" panose="02020603050405020304" pitchFamily="18" charset="0"/>
-              </a:rPr>
-              <a:t>.</a:t>
+              <a:t> in un ambiente domestico, in modo da poter simulare quanto più possibile uno scenario reale di utilizzo dell’app.</a:t>
             </a:r>
           </a:p>
           <a:p>
@@ -4399,7 +4324,7 @@
     </p:spTree>
     <p:extLst>
       <p:ext uri="{BB962C8B-B14F-4D97-AF65-F5344CB8AC3E}">
-        <p14:creationId xmlns:p14="http://schemas.microsoft.com/office/powerpoint/2010/main" xmlns="" val="2017438073"/>
+        <p14:creationId xmlns="" xmlns:p14="http://schemas.microsoft.com/office/powerpoint/2010/main" val="2017438073"/>
       </p:ext>
     </p:extLst>
   </p:cSld>
@@ -4566,24 +4491,7 @@
                 <a:ea typeface="+mj-ea"/>
                 <a:cs typeface="Times New Roman" panose="02020603050405020304" pitchFamily="18" charset="0"/>
               </a:rPr>
-              <a:t> </a:t>
-            </a:r>
-            <a:r>
-              <a:rPr kumimoji="0" lang="it-IT" sz="2800" b="1" i="0" u="none" strike="noStrike" kern="1200" cap="none" spc="0" normalizeH="0" baseline="0" noProof="0" dirty="0" smtClean="0">
-                <a:ln>
-                  <a:noFill/>
-                </a:ln>
-                <a:solidFill>
-                  <a:schemeClr val="tx1"/>
-                </a:solidFill>
-                <a:effectLst/>
-                <a:uLnTx/>
-                <a:uFillTx/>
-                <a:latin typeface="Times New Roman" panose="02020603050405020304" pitchFamily="18" charset="0"/>
-                <a:ea typeface="+mj-ea"/>
-                <a:cs typeface="Times New Roman" panose="02020603050405020304" pitchFamily="18" charset="0"/>
-              </a:rPr>
-              <a:t>(5)</a:t>
+              <a:t> (5)</a:t>
             </a:r>
             <a:endParaRPr kumimoji="0" lang="it-IT" sz="2800" b="0" i="0" u="none" strike="noStrike" kern="1200" cap="none" spc="0" normalizeH="0" baseline="0" noProof="0" dirty="0">
               <a:ln>
@@ -4688,14 +4596,7 @@
                 <a:latin typeface="Times New Roman" panose="02020603050405020304" pitchFamily="18" charset="0"/>
                 <a:cs typeface="Times New Roman" panose="02020603050405020304" pitchFamily="18" charset="0"/>
               </a:rPr>
-              <a:t>Ai </a:t>
-            </a:r>
-            <a:r>
-              <a:rPr lang="it-IT" sz="2000" dirty="0" smtClean="0">
-                <a:latin typeface="Times New Roman" panose="02020603050405020304" pitchFamily="18" charset="0"/>
-                <a:cs typeface="Times New Roman" panose="02020603050405020304" pitchFamily="18" charset="0"/>
-              </a:rPr>
-              <a:t>partecipanti sarà chiesto di eseguire una serie di task rappresentanti vari scenari, qui sotto elencati. Durante lo svolgimento del test si prenderà nota di eventuali commenti dei valutatori attraverso la tecnica del </a:t>
+              <a:t>Ai partecipanti sarà chiesto di eseguire una serie di task rappresentanti vari scenari, qui sotto elencati. Durante lo svolgimento del test si prenderà nota di eventuali commenti dei valutatori attraverso la tecnica del </a:t>
             </a:r>
             <a:r>
               <a:rPr lang="it-IT" sz="2000" i="1" dirty="0" err="1" smtClean="0">
@@ -4768,7 +4669,7 @@
     </p:spTree>
     <p:extLst>
       <p:ext uri="{BB962C8B-B14F-4D97-AF65-F5344CB8AC3E}">
-        <p14:creationId xmlns:p14="http://schemas.microsoft.com/office/powerpoint/2010/main" xmlns="" val="115604845"/>
+        <p14:creationId xmlns="" xmlns:p14="http://schemas.microsoft.com/office/powerpoint/2010/main" val="115604845"/>
       </p:ext>
     </p:extLst>
   </p:cSld>
@@ -4913,21 +4814,7 @@
                 <a:latin typeface="Times New Roman" panose="02020603050405020304" pitchFamily="18" charset="0"/>
                 <a:cs typeface="Times New Roman" panose="02020603050405020304" pitchFamily="18" charset="0"/>
               </a:rPr>
-              <a:t> </a:t>
-            </a:r>
-            <a:r>
-              <a:rPr lang="it-IT" sz="2500" b="1" dirty="0" smtClean="0">
-                <a:latin typeface="Times New Roman" panose="02020603050405020304" pitchFamily="18" charset="0"/>
-                <a:cs typeface="Times New Roman" panose="02020603050405020304" pitchFamily="18" charset="0"/>
-              </a:rPr>
-              <a:t>che </a:t>
-            </a:r>
-            <a:r>
-              <a:rPr lang="it-IT" sz="2500" b="1" dirty="0" smtClean="0">
-                <a:latin typeface="Times New Roman" panose="02020603050405020304" pitchFamily="18" charset="0"/>
-                <a:cs typeface="Times New Roman" panose="02020603050405020304" pitchFamily="18" charset="0"/>
-              </a:rPr>
-              <a:t>saranno testati</a:t>
+              <a:t> che saranno testati</a:t>
             </a:r>
             <a:endParaRPr lang="it-IT" sz="2500" dirty="0" smtClean="0">
               <a:latin typeface="Times New Roman" panose="02020603050405020304" pitchFamily="18" charset="0"/>
@@ -5043,7 +4930,7 @@
     </p:spTree>
     <p:extLst>
       <p:ext uri="{BB962C8B-B14F-4D97-AF65-F5344CB8AC3E}">
-        <p14:creationId xmlns:p14="http://schemas.microsoft.com/office/powerpoint/2010/main" xmlns="" val="594007354"/>
+        <p14:creationId xmlns="" xmlns:p14="http://schemas.microsoft.com/office/powerpoint/2010/main" val="594007354"/>
       </p:ext>
     </p:extLst>
   </p:cSld>
@@ -5223,14 +5110,7 @@
                 <a:latin typeface="Times New Roman" panose="02020603050405020304" pitchFamily="18" charset="0"/>
                 <a:cs typeface="Times New Roman" panose="02020603050405020304" pitchFamily="18" charset="0"/>
               </a:rPr>
-              <a:t> Il partecipante, dopo aver creato un account, possiederà delle credenziali di accesso che gli permetteranno di accedere al proprio account inserendole nei campi mostrati cliccando sul pulsante “Login</a:t>
-            </a:r>
-            <a:r>
-              <a:rPr lang="it-IT" sz="2000" dirty="0" smtClean="0">
-                <a:latin typeface="Times New Roman" panose="02020603050405020304" pitchFamily="18" charset="0"/>
-                <a:cs typeface="Times New Roman" panose="02020603050405020304" pitchFamily="18" charset="0"/>
-              </a:rPr>
-              <a:t>”.</a:t>
+              <a:t> Il partecipante, dopo aver creato un account, possiederà delle credenziali di accesso che gli permetteranno di accedere al proprio account inserendole nei campi mostrati cliccando sul pulsante “Login”.</a:t>
             </a:r>
           </a:p>
           <a:p>
@@ -5290,7 +5170,7 @@
     </p:spTree>
     <p:extLst>
       <p:ext uri="{BB962C8B-B14F-4D97-AF65-F5344CB8AC3E}">
-        <p14:creationId xmlns:p14="http://schemas.microsoft.com/office/powerpoint/2010/main" xmlns="" val="594007354"/>
+        <p14:creationId xmlns="" xmlns:p14="http://schemas.microsoft.com/office/powerpoint/2010/main" val="594007354"/>
       </p:ext>
     </p:extLst>
   </p:cSld>
@@ -5508,14 +5388,7 @@
                 <a:latin typeface="Times New Roman" panose="02020603050405020304" pitchFamily="18" charset="0"/>
                 <a:cs typeface="Times New Roman" panose="02020603050405020304" pitchFamily="18" charset="0"/>
               </a:rPr>
-              <a:t> ivi rappresentata. Un messaggio di conferma segnerà il completamento del task</a:t>
-            </a:r>
-            <a:r>
-              <a:rPr lang="it-IT" sz="2000" dirty="0" smtClean="0">
-                <a:latin typeface="Times New Roman" panose="02020603050405020304" pitchFamily="18" charset="0"/>
-                <a:cs typeface="Times New Roman" panose="02020603050405020304" pitchFamily="18" charset="0"/>
-              </a:rPr>
-              <a:t>.</a:t>
+              <a:t> ivi rappresentata. Un messaggio di conferma segnerà il completamento del task.</a:t>
             </a:r>
           </a:p>
           <a:p>
@@ -5659,7 +5532,7 @@
     </p:spTree>
     <p:extLst>
       <p:ext uri="{BB962C8B-B14F-4D97-AF65-F5344CB8AC3E}">
-        <p14:creationId xmlns:p14="http://schemas.microsoft.com/office/powerpoint/2010/main" xmlns="" val="723523181"/>
+        <p14:creationId xmlns="" xmlns:p14="http://schemas.microsoft.com/office/powerpoint/2010/main" val="723523181"/>
       </p:ext>
     </p:extLst>
   </p:cSld>
@@ -5832,14 +5705,7 @@
                 <a:latin typeface="Times New Roman" panose="02020603050405020304" pitchFamily="18" charset="0"/>
                 <a:cs typeface="Times New Roman" panose="02020603050405020304" pitchFamily="18" charset="0"/>
               </a:rPr>
-              <a:t>5</a:t>
-            </a:r>
-            <a:r>
-              <a:rPr lang="it-IT" sz="2000" b="1" dirty="0" smtClean="0">
-                <a:latin typeface="Times New Roman" panose="02020603050405020304" pitchFamily="18" charset="0"/>
-                <a:cs typeface="Times New Roman" panose="02020603050405020304" pitchFamily="18" charset="0"/>
-              </a:rPr>
-              <a:t>. Aggiungere una sigaretta. </a:t>
+              <a:t>5. Aggiungere una sigaretta. </a:t>
             </a:r>
             <a:r>
               <a:rPr lang="it-IT" sz="2000" dirty="0" smtClean="0">
@@ -5903,7 +5769,7 @@
     </p:spTree>
     <p:extLst>
       <p:ext uri="{BB962C8B-B14F-4D97-AF65-F5344CB8AC3E}">
-        <p14:creationId xmlns:p14="http://schemas.microsoft.com/office/powerpoint/2010/main" xmlns="" val="2442419145"/>
+        <p14:creationId xmlns="" xmlns:p14="http://schemas.microsoft.com/office/powerpoint/2010/main" val="2442419145"/>
       </p:ext>
     </p:extLst>
   </p:cSld>
@@ -6154,7 +6020,7 @@
     </p:spTree>
     <p:extLst>
       <p:ext uri="{BB962C8B-B14F-4D97-AF65-F5344CB8AC3E}">
-        <p14:creationId xmlns:p14="http://schemas.microsoft.com/office/powerpoint/2010/main" xmlns="" val="2442419145"/>
+        <p14:creationId xmlns="" xmlns:p14="http://schemas.microsoft.com/office/powerpoint/2010/main" val="2442419145"/>
       </p:ext>
     </p:extLst>
   </p:cSld>
@@ -6450,7 +6316,7 @@
     </p:spTree>
     <p:extLst>
       <p:ext uri="{BB962C8B-B14F-4D97-AF65-F5344CB8AC3E}">
-        <p14:creationId xmlns:p14="http://schemas.microsoft.com/office/powerpoint/2010/main" xmlns="" val="2442419145"/>
+        <p14:creationId xmlns="" xmlns:p14="http://schemas.microsoft.com/office/powerpoint/2010/main" val="2442419145"/>
       </p:ext>
     </p:extLst>
   </p:cSld>
@@ -6563,7 +6429,7 @@
           <a:blip r:embed="rId2" cstate="print">
             <a:extLst>
               <a:ext uri="{28A0092B-C50C-407E-A947-70E740481C1C}">
-                <a14:useLocalDpi xmlns:a14="http://schemas.microsoft.com/office/drawing/2010/main" xmlns="" val="0"/>
+                <a14:useLocalDpi xmlns="" xmlns:a14="http://schemas.microsoft.com/office/drawing/2010/main" val="0"/>
               </a:ext>
             </a:extLst>
           </a:blip>
@@ -6659,7 +6525,2872 @@
     </p:spTree>
     <p:extLst>
       <p:ext uri="{BB962C8B-B14F-4D97-AF65-F5344CB8AC3E}">
-        <p14:creationId xmlns:p14="http://schemas.microsoft.com/office/powerpoint/2010/main" xmlns="" val="2554871489"/>
+        <p14:creationId xmlns="" xmlns:p14="http://schemas.microsoft.com/office/powerpoint/2010/main" val="2554871489"/>
+      </p:ext>
+    </p:extLst>
+  </p:cSld>
+  <p:clrMapOvr>
+    <a:masterClrMapping/>
+  </p:clrMapOvr>
+</p:sld>
+</file>
+
+<file path=ppt/slides/slide20.xml><?xml version="1.0" encoding="utf-8"?>
+<p:sld xmlns:a="http://schemas.openxmlformats.org/drawingml/2006/main" xmlns:r="http://schemas.openxmlformats.org/officeDocument/2006/relationships" xmlns:p="http://schemas.openxmlformats.org/presentationml/2006/main">
+  <p:cSld>
+    <p:spTree>
+      <p:nvGrpSpPr>
+        <p:cNvPr id="1" name=""/>
+        <p:cNvGrpSpPr/>
+        <p:nvPr/>
+      </p:nvGrpSpPr>
+      <p:grpSpPr>
+        <a:xfrm>
+          <a:off x="0" y="0"/>
+          <a:ext cx="0" cy="0"/>
+          <a:chOff x="0" y="0"/>
+          <a:chExt cx="0" cy="0"/>
+        </a:xfrm>
+      </p:grpSpPr>
+      <p:sp>
+        <p:nvSpPr>
+          <p:cNvPr id="5" name="Titolo 1"/>
+          <p:cNvSpPr>
+            <a:spLocks noGrp="1"/>
+          </p:cNvSpPr>
+          <p:nvPr>
+            <p:ph type="title"/>
+          </p:nvPr>
+        </p:nvSpPr>
+        <p:spPr>
+          <a:xfrm>
+            <a:off x="628650" y="444137"/>
+            <a:ext cx="7886700" cy="653143"/>
+          </a:xfrm>
+        </p:spPr>
+        <p:txBody>
+          <a:bodyPr>
+            <a:normAutofit/>
+          </a:bodyPr>
+          <a:lstStyle/>
+          <a:p>
+            <a:r>
+              <a:rPr lang="it-IT" sz="2800" b="1" dirty="0" err="1" smtClean="0">
+                <a:latin typeface="Times New Roman" panose="02020603050405020304" pitchFamily="18" charset="0"/>
+                <a:cs typeface="Times New Roman" panose="02020603050405020304" pitchFamily="18" charset="0"/>
+              </a:rPr>
+              <a:t>User</a:t>
+            </a:r>
+            <a:r>
+              <a:rPr lang="it-IT" sz="2800" b="1" dirty="0" smtClean="0">
+                <a:latin typeface="Times New Roman" panose="02020603050405020304" pitchFamily="18" charset="0"/>
+                <a:cs typeface="Times New Roman" panose="02020603050405020304" pitchFamily="18" charset="0"/>
+              </a:rPr>
+              <a:t> </a:t>
+            </a:r>
+            <a:r>
+              <a:rPr lang="it-IT" sz="2800" b="1" dirty="0" err="1" smtClean="0">
+                <a:latin typeface="Times New Roman" panose="02020603050405020304" pitchFamily="18" charset="0"/>
+                <a:cs typeface="Times New Roman" panose="02020603050405020304" pitchFamily="18" charset="0"/>
+              </a:rPr>
+              <a:t>testing</a:t>
+            </a:r>
+            <a:r>
+              <a:rPr lang="it-IT" sz="2800" b="1" dirty="0" smtClean="0">
+                <a:latin typeface="Times New Roman" panose="02020603050405020304" pitchFamily="18" charset="0"/>
+                <a:cs typeface="Times New Roman" panose="02020603050405020304" pitchFamily="18" charset="0"/>
+              </a:rPr>
+              <a:t> – </a:t>
+            </a:r>
+            <a:r>
+              <a:rPr lang="it-IT" sz="2800" b="1" i="1" dirty="0" err="1" smtClean="0">
+                <a:latin typeface="Times New Roman" panose="02020603050405020304" pitchFamily="18" charset="0"/>
+                <a:cs typeface="Times New Roman" panose="02020603050405020304" pitchFamily="18" charset="0"/>
+              </a:rPr>
+              <a:t>Before</a:t>
+            </a:r>
+            <a:r>
+              <a:rPr lang="it-IT" sz="2800" b="1" i="1" dirty="0" smtClean="0">
+                <a:latin typeface="Times New Roman" panose="02020603050405020304" pitchFamily="18" charset="0"/>
+                <a:cs typeface="Times New Roman" panose="02020603050405020304" pitchFamily="18" charset="0"/>
+              </a:rPr>
+              <a:t> the test</a:t>
+            </a:r>
+            <a:endParaRPr lang="it-IT" sz="2800" i="1" dirty="0"/>
+          </a:p>
+        </p:txBody>
+      </p:sp>
+      <p:sp>
+        <p:nvSpPr>
+          <p:cNvPr id="8" name="Segnaposto contenuto 2"/>
+          <p:cNvSpPr txBox="1">
+            <a:spLocks/>
+          </p:cNvSpPr>
+          <p:nvPr/>
+        </p:nvSpPr>
+        <p:spPr>
+          <a:xfrm>
+            <a:off x="628650" y="1293223"/>
+            <a:ext cx="7886700" cy="5262122"/>
+          </a:xfrm>
+          <a:prstGeom prst="rect">
+            <a:avLst/>
+          </a:prstGeom>
+        </p:spPr>
+        <p:txBody>
+          <a:bodyPr vert="horz" lIns="91440" tIns="45720" rIns="91440" bIns="45720" rtlCol="0">
+            <a:normAutofit fontScale="77500" lnSpcReduction="20000"/>
+          </a:bodyPr>
+          <a:lstStyle/>
+          <a:p>
+            <a:pPr lvl="0" algn="ctr">
+              <a:lnSpc>
+                <a:spcPct val="120000"/>
+              </a:lnSpc>
+              <a:spcBef>
+                <a:spcPts val="1000"/>
+              </a:spcBef>
+            </a:pPr>
+            <a:r>
+              <a:rPr lang="it-IT" sz="3200" b="1" dirty="0" smtClean="0">
+                <a:latin typeface="Times New Roman" panose="02020603050405020304" pitchFamily="18" charset="0"/>
+                <a:cs typeface="Times New Roman" panose="02020603050405020304" pitchFamily="18" charset="0"/>
+              </a:rPr>
+              <a:t>Modulo di consenso informato</a:t>
+            </a:r>
+            <a:endParaRPr lang="it-IT" sz="3200" dirty="0" smtClean="0">
+              <a:latin typeface="Times New Roman" panose="02020603050405020304" pitchFamily="18" charset="0"/>
+              <a:cs typeface="Times New Roman" panose="02020603050405020304" pitchFamily="18" charset="0"/>
+            </a:endParaRPr>
+          </a:p>
+          <a:p>
+            <a:pPr algn="just"/>
+            <a:endParaRPr lang="it-IT" sz="2000" dirty="0" smtClean="0">
+              <a:latin typeface="Times New Roman" panose="02020603050405020304" pitchFamily="18" charset="0"/>
+              <a:cs typeface="Times New Roman" panose="02020603050405020304" pitchFamily="18" charset="0"/>
+            </a:endParaRPr>
+          </a:p>
+          <a:p>
+            <a:r>
+              <a:rPr lang="it-IT" sz="2600" dirty="0" smtClean="0"/>
+              <a:t> </a:t>
+            </a:r>
+          </a:p>
+          <a:p>
+            <a:r>
+              <a:rPr lang="it-IT" sz="2600" dirty="0" smtClean="0"/>
+              <a:t>TITOLO: Test sull'usabilità dell'applicazione “</a:t>
+            </a:r>
+            <a:r>
+              <a:rPr lang="it-IT" sz="2600" dirty="0" err="1" smtClean="0"/>
+              <a:t>SmokApp</a:t>
+            </a:r>
+            <a:r>
+              <a:rPr lang="it-IT" sz="2600" dirty="0" smtClean="0"/>
+              <a:t>”.</a:t>
+            </a:r>
+          </a:p>
+          <a:p>
+            <a:r>
+              <a:rPr lang="it-IT" sz="2600" dirty="0" smtClean="0"/>
+              <a:t>DESCRIZIONE: Lo scopo di questo studio sull'usabilità dell'</a:t>
+            </a:r>
+            <a:r>
+              <a:rPr lang="it-IT" sz="2600" dirty="0" err="1" smtClean="0"/>
+              <a:t>app</a:t>
+            </a:r>
+            <a:r>
+              <a:rPr lang="it-IT" sz="2600" dirty="0" smtClean="0"/>
+              <a:t> “</a:t>
+            </a:r>
+            <a:r>
+              <a:rPr lang="it-IT" sz="2600" dirty="0" err="1" smtClean="0"/>
+              <a:t>SmokApp</a:t>
+            </a:r>
+            <a:r>
+              <a:rPr lang="it-IT" sz="2600" dirty="0" smtClean="0"/>
+              <a:t>” è quello di testare la registrazione di un utente, la selezione di un obiettivo e il suo eventuale raggiungimento.</a:t>
+            </a:r>
+          </a:p>
+          <a:p>
+            <a:r>
+              <a:rPr lang="it-IT" sz="2600" dirty="0" smtClean="0"/>
+              <a:t>TEMPO NECESSARIO: La partecipazione richiederà circa 20/30 minuti del tuo tempo.</a:t>
+            </a:r>
+          </a:p>
+          <a:p>
+            <a:r>
+              <a:rPr lang="it-IT" sz="2600" dirty="0" smtClean="0"/>
+              <a:t>PAGAMENTI: A seguito di questa partecipazione non è prevista la fruizione di nessun corrispettivo in denaro.</a:t>
+            </a:r>
+          </a:p>
+          <a:p>
+            <a:r>
+              <a:rPr lang="it-IT" sz="2600" dirty="0" smtClean="0"/>
+              <a:t>DIRITTI: Presa visione di quanto scritto qui sopra, se si intende partecipare a questo progetto, sottoscriva la sua partecipazione apponendo una firma per il suo consenso.</a:t>
+            </a:r>
+          </a:p>
+          <a:p>
+            <a:r>
+              <a:rPr lang="it-IT" sz="2400" dirty="0" smtClean="0"/>
+              <a:t> </a:t>
+            </a:r>
+          </a:p>
+          <a:p>
+            <a:r>
+              <a:rPr lang="it-IT" sz="2600" dirty="0" err="1" smtClean="0"/>
+              <a:t>N.B</a:t>
+            </a:r>
+            <a:r>
+              <a:rPr lang="it-IT" sz="2600" dirty="0" smtClean="0"/>
+              <a:t>: Non è obbligatorio rispondere a tutte le domande.</a:t>
+            </a:r>
+          </a:p>
+          <a:p>
+            <a:r>
+              <a:rPr lang="it-IT" sz="2400" dirty="0" smtClean="0"/>
+              <a:t> </a:t>
+            </a:r>
+          </a:p>
+          <a:p>
+            <a:r>
+              <a:rPr lang="it-IT" sz="2600" dirty="0" smtClean="0"/>
+              <a:t>DATA:                                                                                            FIRMA: </a:t>
+            </a:r>
+          </a:p>
+          <a:p>
+            <a:r>
+              <a:rPr lang="it-IT" sz="2400" dirty="0" err="1" smtClean="0"/>
+              <a:t>………….…</a:t>
+            </a:r>
+            <a:r>
+              <a:rPr lang="it-IT" sz="2400" dirty="0" smtClean="0"/>
+              <a:t>............................... </a:t>
+            </a:r>
+            <a:r>
+              <a:rPr lang="it-IT" sz="2400" dirty="0" smtClean="0"/>
+              <a:t>	            ….....................................................</a:t>
+            </a:r>
+            <a:endParaRPr lang="it-IT" sz="2400" dirty="0" smtClean="0"/>
+          </a:p>
+          <a:p>
+            <a:r>
+              <a:rPr lang="it-IT" sz="2400" dirty="0" smtClean="0"/>
+              <a:t> </a:t>
+            </a:r>
+          </a:p>
+          <a:p>
+            <a:pPr algn="just"/>
+            <a:endParaRPr lang="it-IT" sz="2000" b="1" dirty="0" smtClean="0">
+              <a:latin typeface="Times New Roman" panose="02020603050405020304" pitchFamily="18" charset="0"/>
+              <a:cs typeface="Times New Roman" panose="02020603050405020304" pitchFamily="18" charset="0"/>
+            </a:endParaRPr>
+          </a:p>
+        </p:txBody>
+      </p:sp>
+    </p:spTree>
+    <p:extLst>
+      <p:ext uri="{BB962C8B-B14F-4D97-AF65-F5344CB8AC3E}">
+        <p14:creationId xmlns="" xmlns:p14="http://schemas.microsoft.com/office/powerpoint/2010/main" val="2442419145"/>
+      </p:ext>
+    </p:extLst>
+  </p:cSld>
+  <p:clrMapOvr>
+    <a:masterClrMapping/>
+  </p:clrMapOvr>
+</p:sld>
+</file>
+
+<file path=ppt/slides/slide21.xml><?xml version="1.0" encoding="utf-8"?>
+<p:sld xmlns:a="http://schemas.openxmlformats.org/drawingml/2006/main" xmlns:r="http://schemas.openxmlformats.org/officeDocument/2006/relationships" xmlns:p="http://schemas.openxmlformats.org/presentationml/2006/main">
+  <p:cSld>
+    <p:spTree>
+      <p:nvGrpSpPr>
+        <p:cNvPr id="1" name=""/>
+        <p:cNvGrpSpPr/>
+        <p:nvPr/>
+      </p:nvGrpSpPr>
+      <p:grpSpPr>
+        <a:xfrm>
+          <a:off x="0" y="0"/>
+          <a:ext cx="0" cy="0"/>
+          <a:chOff x="0" y="0"/>
+          <a:chExt cx="0" cy="0"/>
+        </a:xfrm>
+      </p:grpSpPr>
+      <p:sp>
+        <p:nvSpPr>
+          <p:cNvPr id="5" name="Titolo 1"/>
+          <p:cNvSpPr>
+            <a:spLocks noGrp="1"/>
+          </p:cNvSpPr>
+          <p:nvPr>
+            <p:ph type="title"/>
+          </p:nvPr>
+        </p:nvSpPr>
+        <p:spPr>
+          <a:xfrm>
+            <a:off x="628650" y="444137"/>
+            <a:ext cx="7886700" cy="653143"/>
+          </a:xfrm>
+        </p:spPr>
+        <p:txBody>
+          <a:bodyPr>
+            <a:normAutofit/>
+          </a:bodyPr>
+          <a:lstStyle/>
+          <a:p>
+            <a:r>
+              <a:rPr lang="it-IT" sz="2800" b="1" dirty="0" err="1" smtClean="0">
+                <a:latin typeface="Times New Roman" panose="02020603050405020304" pitchFamily="18" charset="0"/>
+                <a:cs typeface="Times New Roman" panose="02020603050405020304" pitchFamily="18" charset="0"/>
+              </a:rPr>
+              <a:t>User</a:t>
+            </a:r>
+            <a:r>
+              <a:rPr lang="it-IT" sz="2800" b="1" dirty="0" smtClean="0">
+                <a:latin typeface="Times New Roman" panose="02020603050405020304" pitchFamily="18" charset="0"/>
+                <a:cs typeface="Times New Roman" panose="02020603050405020304" pitchFamily="18" charset="0"/>
+              </a:rPr>
+              <a:t> </a:t>
+            </a:r>
+            <a:r>
+              <a:rPr lang="it-IT" sz="2800" b="1" dirty="0" err="1" smtClean="0">
+                <a:latin typeface="Times New Roman" panose="02020603050405020304" pitchFamily="18" charset="0"/>
+                <a:cs typeface="Times New Roman" panose="02020603050405020304" pitchFamily="18" charset="0"/>
+              </a:rPr>
+              <a:t>testing</a:t>
+            </a:r>
+            <a:r>
+              <a:rPr lang="it-IT" sz="2800" b="1" dirty="0" smtClean="0">
+                <a:latin typeface="Times New Roman" panose="02020603050405020304" pitchFamily="18" charset="0"/>
+                <a:cs typeface="Times New Roman" panose="02020603050405020304" pitchFamily="18" charset="0"/>
+              </a:rPr>
+              <a:t> – </a:t>
+            </a:r>
+            <a:r>
+              <a:rPr lang="it-IT" sz="2800" b="1" i="1" dirty="0" err="1" smtClean="0">
+                <a:latin typeface="Times New Roman" panose="02020603050405020304" pitchFamily="18" charset="0"/>
+                <a:cs typeface="Times New Roman" panose="02020603050405020304" pitchFamily="18" charset="0"/>
+              </a:rPr>
+              <a:t>Before</a:t>
+            </a:r>
+            <a:r>
+              <a:rPr lang="it-IT" sz="2800" b="1" i="1" dirty="0" smtClean="0">
+                <a:latin typeface="Times New Roman" panose="02020603050405020304" pitchFamily="18" charset="0"/>
+                <a:cs typeface="Times New Roman" panose="02020603050405020304" pitchFamily="18" charset="0"/>
+              </a:rPr>
+              <a:t> the test</a:t>
+            </a:r>
+            <a:endParaRPr lang="it-IT" sz="2800" i="1" dirty="0"/>
+          </a:p>
+        </p:txBody>
+      </p:sp>
+      <p:sp>
+        <p:nvSpPr>
+          <p:cNvPr id="8" name="Segnaposto contenuto 2"/>
+          <p:cNvSpPr txBox="1">
+            <a:spLocks/>
+          </p:cNvSpPr>
+          <p:nvPr/>
+        </p:nvSpPr>
+        <p:spPr>
+          <a:xfrm>
+            <a:off x="628650" y="1293223"/>
+            <a:ext cx="7886700" cy="5262122"/>
+          </a:xfrm>
+          <a:prstGeom prst="rect">
+            <a:avLst/>
+          </a:prstGeom>
+        </p:spPr>
+        <p:txBody>
+          <a:bodyPr vert="horz" lIns="91440" tIns="45720" rIns="91440" bIns="45720" rtlCol="0">
+            <a:normAutofit fontScale="92500" lnSpcReduction="20000"/>
+          </a:bodyPr>
+          <a:lstStyle/>
+          <a:p>
+            <a:pPr lvl="0" algn="ctr">
+              <a:lnSpc>
+                <a:spcPct val="120000"/>
+              </a:lnSpc>
+              <a:spcBef>
+                <a:spcPts val="1000"/>
+              </a:spcBef>
+            </a:pPr>
+            <a:r>
+              <a:rPr lang="it-IT" sz="2700" b="1" dirty="0" smtClean="0">
+                <a:latin typeface="Times New Roman" panose="02020603050405020304" pitchFamily="18" charset="0"/>
+                <a:cs typeface="Times New Roman" panose="02020603050405020304" pitchFamily="18" charset="0"/>
+              </a:rPr>
+              <a:t>Questionario demografico</a:t>
+            </a:r>
+            <a:endParaRPr lang="it-IT" sz="2700" dirty="0" smtClean="0">
+              <a:latin typeface="Times New Roman" panose="02020603050405020304" pitchFamily="18" charset="0"/>
+              <a:cs typeface="Times New Roman" panose="02020603050405020304" pitchFamily="18" charset="0"/>
+            </a:endParaRPr>
+          </a:p>
+          <a:p>
+            <a:pPr algn="just"/>
+            <a:endParaRPr lang="it-IT" sz="2000" dirty="0" smtClean="0">
+              <a:latin typeface="Times New Roman" panose="02020603050405020304" pitchFamily="18" charset="0"/>
+              <a:cs typeface="Times New Roman" panose="02020603050405020304" pitchFamily="18" charset="0"/>
+            </a:endParaRPr>
+          </a:p>
+          <a:p>
+            <a:r>
+              <a:rPr lang="it-IT" sz="2600" dirty="0" smtClean="0"/>
+              <a:t> </a:t>
+            </a:r>
+          </a:p>
+          <a:p>
+            <a:r>
+              <a:rPr lang="it-IT" sz="2200" dirty="0" smtClean="0"/>
+              <a:t>Nome: ..................................................................</a:t>
+            </a:r>
+          </a:p>
+          <a:p>
+            <a:r>
+              <a:rPr lang="it-IT" sz="2200" dirty="0" smtClean="0"/>
+              <a:t> </a:t>
+            </a:r>
+          </a:p>
+          <a:p>
+            <a:r>
+              <a:rPr lang="it-IT" sz="2200" dirty="0" smtClean="0"/>
+              <a:t>Cognome: </a:t>
+            </a:r>
+            <a:r>
+              <a:rPr lang="it-IT" sz="2200" dirty="0" err="1" smtClean="0"/>
+              <a:t>………………………………………</a:t>
+            </a:r>
+            <a:endParaRPr lang="it-IT" sz="2200" dirty="0" smtClean="0"/>
+          </a:p>
+          <a:p>
+            <a:r>
+              <a:rPr lang="it-IT" sz="2200" dirty="0" smtClean="0"/>
+              <a:t> </a:t>
+            </a:r>
+          </a:p>
+          <a:p>
+            <a:r>
+              <a:rPr lang="it-IT" sz="2200" dirty="0" smtClean="0"/>
+              <a:t>Genere:</a:t>
+            </a:r>
+          </a:p>
+          <a:p>
+            <a:r>
+              <a:rPr lang="it-IT" sz="2200" dirty="0" smtClean="0"/>
+              <a:t>___ Maschio</a:t>
+            </a:r>
+          </a:p>
+          <a:p>
+            <a:r>
+              <a:rPr lang="it-IT" sz="2200" dirty="0" smtClean="0"/>
+              <a:t>___ Femmina</a:t>
+            </a:r>
+          </a:p>
+          <a:p>
+            <a:r>
+              <a:rPr lang="it-IT" sz="2200" dirty="0" smtClean="0"/>
+              <a:t> </a:t>
+            </a:r>
+          </a:p>
+          <a:p>
+            <a:r>
+              <a:rPr lang="it-IT" sz="2200" dirty="0" smtClean="0"/>
+              <a:t>A quale fascia di età appartieni?</a:t>
+            </a:r>
+          </a:p>
+          <a:p>
+            <a:r>
+              <a:rPr lang="it-IT" sz="2200" dirty="0" smtClean="0"/>
+              <a:t>___ Sotto i 25</a:t>
+            </a:r>
+          </a:p>
+          <a:p>
+            <a:r>
+              <a:rPr lang="it-IT" sz="2200" dirty="0" smtClean="0"/>
+              <a:t>___ 26 - 35</a:t>
+            </a:r>
+          </a:p>
+          <a:p>
+            <a:r>
+              <a:rPr lang="it-IT" sz="2200" dirty="0" smtClean="0"/>
+              <a:t>___ 36 - 45</a:t>
+            </a:r>
+          </a:p>
+          <a:p>
+            <a:r>
+              <a:rPr lang="it-IT" sz="2200" dirty="0" smtClean="0"/>
+              <a:t>___ 46 - 55</a:t>
+            </a:r>
+          </a:p>
+          <a:p>
+            <a:r>
+              <a:rPr lang="it-IT" sz="2200" dirty="0" smtClean="0"/>
+              <a:t>___ Sopra i 55</a:t>
+            </a:r>
+          </a:p>
+          <a:p>
+            <a:r>
+              <a:rPr lang="it-IT" sz="2200" dirty="0" smtClean="0"/>
+              <a:t> </a:t>
+            </a:r>
+          </a:p>
+          <a:p>
+            <a:r>
+              <a:rPr lang="it-IT" sz="2200" dirty="0" smtClean="0"/>
+              <a:t>Professione: </a:t>
+            </a:r>
+            <a:r>
+              <a:rPr lang="it-IT" sz="2200" dirty="0" err="1" smtClean="0"/>
+              <a:t>……………………………………</a:t>
+            </a:r>
+            <a:r>
+              <a:rPr lang="it-IT" sz="2200" dirty="0" smtClean="0"/>
+              <a:t>.</a:t>
+            </a:r>
+            <a:endParaRPr lang="it-IT" sz="2200" dirty="0" smtClean="0"/>
+          </a:p>
+          <a:p>
+            <a:pPr algn="just"/>
+            <a:endParaRPr lang="it-IT" sz="2000" b="1" dirty="0" smtClean="0">
+              <a:latin typeface="Times New Roman" panose="02020603050405020304" pitchFamily="18" charset="0"/>
+              <a:cs typeface="Times New Roman" panose="02020603050405020304" pitchFamily="18" charset="0"/>
+            </a:endParaRPr>
+          </a:p>
+        </p:txBody>
+      </p:sp>
+    </p:spTree>
+    <p:extLst>
+      <p:ext uri="{BB962C8B-B14F-4D97-AF65-F5344CB8AC3E}">
+        <p14:creationId xmlns="" xmlns:p14="http://schemas.microsoft.com/office/powerpoint/2010/main" val="2442419145"/>
+      </p:ext>
+    </p:extLst>
+  </p:cSld>
+  <p:clrMapOvr>
+    <a:masterClrMapping/>
+  </p:clrMapOvr>
+</p:sld>
+</file>
+
+<file path=ppt/slides/slide22.xml><?xml version="1.0" encoding="utf-8"?>
+<p:sld xmlns:a="http://schemas.openxmlformats.org/drawingml/2006/main" xmlns:r="http://schemas.openxmlformats.org/officeDocument/2006/relationships" xmlns:p="http://schemas.openxmlformats.org/presentationml/2006/main">
+  <p:cSld>
+    <p:spTree>
+      <p:nvGrpSpPr>
+        <p:cNvPr id="1" name=""/>
+        <p:cNvGrpSpPr/>
+        <p:nvPr/>
+      </p:nvGrpSpPr>
+      <p:grpSpPr>
+        <a:xfrm>
+          <a:off x="0" y="0"/>
+          <a:ext cx="0" cy="0"/>
+          <a:chOff x="0" y="0"/>
+          <a:chExt cx="0" cy="0"/>
+        </a:xfrm>
+      </p:grpSpPr>
+      <p:sp>
+        <p:nvSpPr>
+          <p:cNvPr id="5" name="Titolo 1"/>
+          <p:cNvSpPr>
+            <a:spLocks noGrp="1"/>
+          </p:cNvSpPr>
+          <p:nvPr>
+            <p:ph type="title"/>
+          </p:nvPr>
+        </p:nvSpPr>
+        <p:spPr>
+          <a:xfrm>
+            <a:off x="628650" y="444137"/>
+            <a:ext cx="7886700" cy="653143"/>
+          </a:xfrm>
+        </p:spPr>
+        <p:txBody>
+          <a:bodyPr>
+            <a:normAutofit/>
+          </a:bodyPr>
+          <a:lstStyle/>
+          <a:p>
+            <a:r>
+              <a:rPr lang="it-IT" sz="2800" b="1" dirty="0" err="1" smtClean="0">
+                <a:latin typeface="Times New Roman" panose="02020603050405020304" pitchFamily="18" charset="0"/>
+                <a:cs typeface="Times New Roman" panose="02020603050405020304" pitchFamily="18" charset="0"/>
+              </a:rPr>
+              <a:t>User</a:t>
+            </a:r>
+            <a:r>
+              <a:rPr lang="it-IT" sz="2800" b="1" dirty="0" smtClean="0">
+                <a:latin typeface="Times New Roman" panose="02020603050405020304" pitchFamily="18" charset="0"/>
+                <a:cs typeface="Times New Roman" panose="02020603050405020304" pitchFamily="18" charset="0"/>
+              </a:rPr>
+              <a:t> </a:t>
+            </a:r>
+            <a:r>
+              <a:rPr lang="it-IT" sz="2800" b="1" dirty="0" err="1" smtClean="0">
+                <a:latin typeface="Times New Roman" panose="02020603050405020304" pitchFamily="18" charset="0"/>
+                <a:cs typeface="Times New Roman" panose="02020603050405020304" pitchFamily="18" charset="0"/>
+              </a:rPr>
+              <a:t>testing</a:t>
+            </a:r>
+            <a:r>
+              <a:rPr lang="it-IT" sz="2800" b="1" dirty="0" smtClean="0">
+                <a:latin typeface="Times New Roman" panose="02020603050405020304" pitchFamily="18" charset="0"/>
+                <a:cs typeface="Times New Roman" panose="02020603050405020304" pitchFamily="18" charset="0"/>
+              </a:rPr>
+              <a:t> – </a:t>
+            </a:r>
+            <a:r>
+              <a:rPr lang="it-IT" sz="2800" b="1" i="1" dirty="0" err="1" smtClean="0">
+                <a:latin typeface="Times New Roman" panose="02020603050405020304" pitchFamily="18" charset="0"/>
+                <a:cs typeface="Times New Roman" panose="02020603050405020304" pitchFamily="18" charset="0"/>
+              </a:rPr>
+              <a:t>Before</a:t>
+            </a:r>
+            <a:r>
+              <a:rPr lang="it-IT" sz="2800" b="1" i="1" dirty="0" smtClean="0">
+                <a:latin typeface="Times New Roman" panose="02020603050405020304" pitchFamily="18" charset="0"/>
+                <a:cs typeface="Times New Roman" panose="02020603050405020304" pitchFamily="18" charset="0"/>
+              </a:rPr>
+              <a:t> the test</a:t>
+            </a:r>
+            <a:endParaRPr lang="it-IT" sz="2800" i="1" dirty="0"/>
+          </a:p>
+        </p:txBody>
+      </p:sp>
+      <p:sp>
+        <p:nvSpPr>
+          <p:cNvPr id="8" name="Segnaposto contenuto 2"/>
+          <p:cNvSpPr txBox="1">
+            <a:spLocks/>
+          </p:cNvSpPr>
+          <p:nvPr/>
+        </p:nvSpPr>
+        <p:spPr>
+          <a:xfrm>
+            <a:off x="628650" y="1254034"/>
+            <a:ext cx="7886700" cy="5301311"/>
+          </a:xfrm>
+          <a:prstGeom prst="rect">
+            <a:avLst/>
+          </a:prstGeom>
+        </p:spPr>
+        <p:txBody>
+          <a:bodyPr vert="horz" lIns="91440" tIns="45720" rIns="91440" bIns="45720" rtlCol="0">
+            <a:normAutofit/>
+          </a:bodyPr>
+          <a:lstStyle/>
+          <a:p>
+            <a:pPr lvl="0" algn="ctr">
+              <a:lnSpc>
+                <a:spcPct val="120000"/>
+              </a:lnSpc>
+              <a:spcBef>
+                <a:spcPts val="1000"/>
+              </a:spcBef>
+            </a:pPr>
+            <a:r>
+              <a:rPr lang="it-IT" sz="2500" b="1" dirty="0" smtClean="0">
+                <a:latin typeface="Times New Roman" panose="02020603050405020304" pitchFamily="18" charset="0"/>
+                <a:cs typeface="Times New Roman" panose="02020603050405020304" pitchFamily="18" charset="0"/>
+              </a:rPr>
+              <a:t>Questionario demografico</a:t>
+            </a:r>
+            <a:endParaRPr lang="it-IT" sz="2500" dirty="0" smtClean="0">
+              <a:latin typeface="Times New Roman" panose="02020603050405020304" pitchFamily="18" charset="0"/>
+              <a:cs typeface="Times New Roman" panose="02020603050405020304" pitchFamily="18" charset="0"/>
+            </a:endParaRPr>
+          </a:p>
+          <a:p>
+            <a:pPr algn="just"/>
+            <a:endParaRPr lang="it-IT" sz="2000" dirty="0" smtClean="0">
+              <a:latin typeface="Times New Roman" panose="02020603050405020304" pitchFamily="18" charset="0"/>
+              <a:cs typeface="Times New Roman" panose="02020603050405020304" pitchFamily="18" charset="0"/>
+            </a:endParaRPr>
+          </a:p>
+          <a:p>
+            <a:r>
+              <a:rPr lang="it-IT" sz="2600" dirty="0" smtClean="0"/>
+              <a:t> </a:t>
+            </a:r>
+          </a:p>
+          <a:p>
+            <a:r>
+              <a:rPr lang="it-IT" sz="2000" dirty="0" smtClean="0"/>
+              <a:t>Sei un/a fumatore/fumatrice?</a:t>
+            </a:r>
+          </a:p>
+          <a:p>
+            <a:r>
+              <a:rPr lang="it-IT" sz="2000" dirty="0" smtClean="0"/>
+              <a:t>___ </a:t>
+            </a:r>
+            <a:r>
+              <a:rPr lang="it-IT" sz="2000" dirty="0" smtClean="0"/>
+              <a:t>Sì</a:t>
+            </a:r>
+          </a:p>
+          <a:p>
+            <a:r>
+              <a:rPr lang="it-IT" sz="2000" dirty="0" smtClean="0"/>
+              <a:t>___ No</a:t>
+            </a:r>
+          </a:p>
+          <a:p>
+            <a:r>
+              <a:rPr lang="it-IT" sz="2000" dirty="0" smtClean="0"/>
+              <a:t> </a:t>
+            </a:r>
+          </a:p>
+          <a:p>
+            <a:r>
+              <a:rPr lang="it-IT" sz="2000" i="1" dirty="0" smtClean="0"/>
+              <a:t>Nel caso in cui sei un/a fumatore/fumatrice:</a:t>
+            </a:r>
+            <a:endParaRPr lang="it-IT" sz="2000" dirty="0" smtClean="0"/>
+          </a:p>
+          <a:p>
+            <a:r>
+              <a:rPr lang="it-IT" sz="2000" dirty="0" smtClean="0"/>
+              <a:t> </a:t>
+            </a:r>
+          </a:p>
+          <a:p>
+            <a:r>
+              <a:rPr lang="it-IT" sz="2000" dirty="0" smtClean="0"/>
+              <a:t>Quante sigarette fumi mediamente al giorno?</a:t>
+            </a:r>
+          </a:p>
+          <a:p>
+            <a:r>
+              <a:rPr lang="it-IT" sz="2000" dirty="0" smtClean="0"/>
+              <a:t>___ Meno di 5 sigarette</a:t>
+            </a:r>
+          </a:p>
+          <a:p>
+            <a:r>
+              <a:rPr lang="it-IT" sz="2000" dirty="0" smtClean="0"/>
+              <a:t>___ 5 - 10 sigarette</a:t>
+            </a:r>
+          </a:p>
+          <a:p>
+            <a:r>
+              <a:rPr lang="it-IT" sz="2000" dirty="0" smtClean="0"/>
+              <a:t>___ 10 - 15 sigarette</a:t>
+            </a:r>
+          </a:p>
+          <a:p>
+            <a:r>
+              <a:rPr lang="it-IT" sz="2000" dirty="0" smtClean="0"/>
+              <a:t>___ Più di 15 sigarette</a:t>
+            </a:r>
+            <a:endParaRPr lang="it-IT" sz="2000" dirty="0"/>
+          </a:p>
+        </p:txBody>
+      </p:sp>
+    </p:spTree>
+    <p:extLst>
+      <p:ext uri="{BB962C8B-B14F-4D97-AF65-F5344CB8AC3E}">
+        <p14:creationId xmlns="" xmlns:p14="http://schemas.microsoft.com/office/powerpoint/2010/main" val="2442419145"/>
+      </p:ext>
+    </p:extLst>
+  </p:cSld>
+  <p:clrMapOvr>
+    <a:masterClrMapping/>
+  </p:clrMapOvr>
+</p:sld>
+</file>
+
+<file path=ppt/slides/slide23.xml><?xml version="1.0" encoding="utf-8"?>
+<p:sld xmlns:a="http://schemas.openxmlformats.org/drawingml/2006/main" xmlns:r="http://schemas.openxmlformats.org/officeDocument/2006/relationships" xmlns:p="http://schemas.openxmlformats.org/presentationml/2006/main">
+  <p:cSld>
+    <p:spTree>
+      <p:nvGrpSpPr>
+        <p:cNvPr id="1" name=""/>
+        <p:cNvGrpSpPr/>
+        <p:nvPr/>
+      </p:nvGrpSpPr>
+      <p:grpSpPr>
+        <a:xfrm>
+          <a:off x="0" y="0"/>
+          <a:ext cx="0" cy="0"/>
+          <a:chOff x="0" y="0"/>
+          <a:chExt cx="0" cy="0"/>
+        </a:xfrm>
+      </p:grpSpPr>
+      <p:sp>
+        <p:nvSpPr>
+          <p:cNvPr id="5" name="Titolo 1"/>
+          <p:cNvSpPr>
+            <a:spLocks noGrp="1"/>
+          </p:cNvSpPr>
+          <p:nvPr>
+            <p:ph type="title"/>
+          </p:nvPr>
+        </p:nvSpPr>
+        <p:spPr>
+          <a:xfrm>
+            <a:off x="628650" y="444137"/>
+            <a:ext cx="7886700" cy="653143"/>
+          </a:xfrm>
+        </p:spPr>
+        <p:txBody>
+          <a:bodyPr>
+            <a:normAutofit/>
+          </a:bodyPr>
+          <a:lstStyle/>
+          <a:p>
+            <a:r>
+              <a:rPr lang="it-IT" sz="2800" b="1" dirty="0" err="1" smtClean="0">
+                <a:latin typeface="Times New Roman" panose="02020603050405020304" pitchFamily="18" charset="0"/>
+                <a:cs typeface="Times New Roman" panose="02020603050405020304" pitchFamily="18" charset="0"/>
+              </a:rPr>
+              <a:t>User</a:t>
+            </a:r>
+            <a:r>
+              <a:rPr lang="it-IT" sz="2800" b="1" dirty="0" smtClean="0">
+                <a:latin typeface="Times New Roman" panose="02020603050405020304" pitchFamily="18" charset="0"/>
+                <a:cs typeface="Times New Roman" panose="02020603050405020304" pitchFamily="18" charset="0"/>
+              </a:rPr>
+              <a:t> </a:t>
+            </a:r>
+            <a:r>
+              <a:rPr lang="it-IT" sz="2800" b="1" dirty="0" err="1" smtClean="0">
+                <a:latin typeface="Times New Roman" panose="02020603050405020304" pitchFamily="18" charset="0"/>
+                <a:cs typeface="Times New Roman" panose="02020603050405020304" pitchFamily="18" charset="0"/>
+              </a:rPr>
+              <a:t>testing</a:t>
+            </a:r>
+            <a:r>
+              <a:rPr lang="it-IT" sz="2800" b="1" dirty="0" smtClean="0">
+                <a:latin typeface="Times New Roman" panose="02020603050405020304" pitchFamily="18" charset="0"/>
+                <a:cs typeface="Times New Roman" panose="02020603050405020304" pitchFamily="18" charset="0"/>
+              </a:rPr>
+              <a:t> – </a:t>
+            </a:r>
+            <a:r>
+              <a:rPr lang="it-IT" sz="2800" b="1" i="1" dirty="0" err="1" smtClean="0">
+                <a:latin typeface="Times New Roman" panose="02020603050405020304" pitchFamily="18" charset="0"/>
+                <a:cs typeface="Times New Roman" panose="02020603050405020304" pitchFamily="18" charset="0"/>
+              </a:rPr>
+              <a:t>Before</a:t>
+            </a:r>
+            <a:r>
+              <a:rPr lang="it-IT" sz="2800" b="1" i="1" dirty="0" smtClean="0">
+                <a:latin typeface="Times New Roman" panose="02020603050405020304" pitchFamily="18" charset="0"/>
+                <a:cs typeface="Times New Roman" panose="02020603050405020304" pitchFamily="18" charset="0"/>
+              </a:rPr>
+              <a:t> the test</a:t>
+            </a:r>
+            <a:endParaRPr lang="it-IT" sz="2800" i="1" dirty="0"/>
+          </a:p>
+        </p:txBody>
+      </p:sp>
+      <p:sp>
+        <p:nvSpPr>
+          <p:cNvPr id="8" name="Segnaposto contenuto 2"/>
+          <p:cNvSpPr txBox="1">
+            <a:spLocks/>
+          </p:cNvSpPr>
+          <p:nvPr/>
+        </p:nvSpPr>
+        <p:spPr>
+          <a:xfrm>
+            <a:off x="628650" y="1254034"/>
+            <a:ext cx="7886700" cy="5301311"/>
+          </a:xfrm>
+          <a:prstGeom prst="rect">
+            <a:avLst/>
+          </a:prstGeom>
+        </p:spPr>
+        <p:txBody>
+          <a:bodyPr vert="horz" lIns="91440" tIns="45720" rIns="91440" bIns="45720" rtlCol="0">
+            <a:normAutofit/>
+          </a:bodyPr>
+          <a:lstStyle/>
+          <a:p>
+            <a:pPr lvl="0" algn="ctr">
+              <a:lnSpc>
+                <a:spcPct val="120000"/>
+              </a:lnSpc>
+              <a:spcBef>
+                <a:spcPts val="1000"/>
+              </a:spcBef>
+            </a:pPr>
+            <a:r>
+              <a:rPr lang="it-IT" sz="2500" b="1" dirty="0" smtClean="0">
+                <a:latin typeface="Times New Roman" panose="02020603050405020304" pitchFamily="18" charset="0"/>
+                <a:cs typeface="Times New Roman" panose="02020603050405020304" pitchFamily="18" charset="0"/>
+              </a:rPr>
+              <a:t>Questionario demografico</a:t>
+            </a:r>
+            <a:endParaRPr lang="it-IT" sz="2500" dirty="0" smtClean="0">
+              <a:latin typeface="Times New Roman" panose="02020603050405020304" pitchFamily="18" charset="0"/>
+              <a:cs typeface="Times New Roman" panose="02020603050405020304" pitchFamily="18" charset="0"/>
+            </a:endParaRPr>
+          </a:p>
+          <a:p>
+            <a:pPr algn="just"/>
+            <a:endParaRPr lang="it-IT" sz="2000" dirty="0" smtClean="0">
+              <a:latin typeface="Times New Roman" panose="02020603050405020304" pitchFamily="18" charset="0"/>
+              <a:cs typeface="Times New Roman" panose="02020603050405020304" pitchFamily="18" charset="0"/>
+            </a:endParaRPr>
+          </a:p>
+          <a:p>
+            <a:r>
+              <a:rPr lang="it-IT" sz="2600" dirty="0" smtClean="0"/>
+              <a:t> </a:t>
+            </a:r>
+          </a:p>
+          <a:p>
+            <a:r>
+              <a:rPr lang="it-IT" sz="2000" dirty="0" smtClean="0"/>
+              <a:t>Che marca di sigarette preferisci?</a:t>
+            </a:r>
+          </a:p>
+          <a:p>
+            <a:r>
+              <a:rPr lang="it-IT" sz="2000" dirty="0" smtClean="0"/>
+              <a:t>___ Marlboro</a:t>
+            </a:r>
+          </a:p>
+          <a:p>
+            <a:r>
+              <a:rPr lang="it-IT" sz="2000" dirty="0" smtClean="0"/>
+              <a:t>___ </a:t>
+            </a:r>
+            <a:r>
+              <a:rPr lang="it-IT" sz="2000" dirty="0" err="1" smtClean="0"/>
+              <a:t>Merit</a:t>
+            </a:r>
+            <a:endParaRPr lang="it-IT" sz="2000" dirty="0" smtClean="0"/>
+          </a:p>
+          <a:p>
+            <a:r>
+              <a:rPr lang="it-IT" sz="2000" dirty="0" smtClean="0"/>
+              <a:t>___ </a:t>
+            </a:r>
+            <a:r>
+              <a:rPr lang="it-IT" sz="2000" dirty="0" err="1" smtClean="0"/>
+              <a:t>Chesterfield</a:t>
+            </a:r>
+            <a:endParaRPr lang="it-IT" sz="2000" dirty="0" smtClean="0"/>
+          </a:p>
+          <a:p>
+            <a:r>
+              <a:rPr lang="it-IT" sz="2000" dirty="0" smtClean="0"/>
+              <a:t>___ Diana</a:t>
+            </a:r>
+          </a:p>
+          <a:p>
+            <a:r>
+              <a:rPr lang="it-IT" sz="2000" dirty="0" smtClean="0"/>
+              <a:t>___ Altro, per favore specificare …...................................</a:t>
+            </a:r>
+          </a:p>
+          <a:p>
+            <a:r>
+              <a:rPr lang="it-IT" sz="2000" dirty="0" smtClean="0"/>
+              <a:t> </a:t>
+            </a:r>
+          </a:p>
+          <a:p>
+            <a:r>
+              <a:rPr lang="it-IT" sz="2000" dirty="0" smtClean="0"/>
+              <a:t>Generalmente fumi da solo o in compagnia?</a:t>
+            </a:r>
+          </a:p>
+          <a:p>
+            <a:r>
+              <a:rPr lang="it-IT" sz="2000" dirty="0" smtClean="0"/>
+              <a:t>___ Da solo</a:t>
+            </a:r>
+          </a:p>
+          <a:p>
+            <a:r>
+              <a:rPr lang="it-IT" sz="2000" dirty="0" smtClean="0"/>
+              <a:t>___ </a:t>
+            </a:r>
+            <a:r>
+              <a:rPr lang="it-IT" sz="2000" dirty="0" smtClean="0"/>
+              <a:t>In compagnia</a:t>
+            </a:r>
+            <a:endParaRPr lang="it-IT" sz="2000" dirty="0"/>
+          </a:p>
+        </p:txBody>
+      </p:sp>
+    </p:spTree>
+    <p:extLst>
+      <p:ext uri="{BB962C8B-B14F-4D97-AF65-F5344CB8AC3E}">
+        <p14:creationId xmlns="" xmlns:p14="http://schemas.microsoft.com/office/powerpoint/2010/main" val="2442419145"/>
+      </p:ext>
+    </p:extLst>
+  </p:cSld>
+  <p:clrMapOvr>
+    <a:masterClrMapping/>
+  </p:clrMapOvr>
+</p:sld>
+</file>
+
+<file path=ppt/slides/slide24.xml><?xml version="1.0" encoding="utf-8"?>
+<p:sld xmlns:a="http://schemas.openxmlformats.org/drawingml/2006/main" xmlns:r="http://schemas.openxmlformats.org/officeDocument/2006/relationships" xmlns:p="http://schemas.openxmlformats.org/presentationml/2006/main">
+  <p:cSld>
+    <p:spTree>
+      <p:nvGrpSpPr>
+        <p:cNvPr id="1" name=""/>
+        <p:cNvGrpSpPr/>
+        <p:nvPr/>
+      </p:nvGrpSpPr>
+      <p:grpSpPr>
+        <a:xfrm>
+          <a:off x="0" y="0"/>
+          <a:ext cx="0" cy="0"/>
+          <a:chOff x="0" y="0"/>
+          <a:chExt cx="0" cy="0"/>
+        </a:xfrm>
+      </p:grpSpPr>
+      <p:sp>
+        <p:nvSpPr>
+          <p:cNvPr id="5" name="Titolo 1"/>
+          <p:cNvSpPr>
+            <a:spLocks noGrp="1"/>
+          </p:cNvSpPr>
+          <p:nvPr>
+            <p:ph type="title"/>
+          </p:nvPr>
+        </p:nvSpPr>
+        <p:spPr>
+          <a:xfrm>
+            <a:off x="628650" y="444137"/>
+            <a:ext cx="7886700" cy="653143"/>
+          </a:xfrm>
+        </p:spPr>
+        <p:txBody>
+          <a:bodyPr>
+            <a:normAutofit/>
+          </a:bodyPr>
+          <a:lstStyle/>
+          <a:p>
+            <a:r>
+              <a:rPr lang="it-IT" sz="2800" b="1" dirty="0" err="1" smtClean="0">
+                <a:latin typeface="Times New Roman" panose="02020603050405020304" pitchFamily="18" charset="0"/>
+                <a:cs typeface="Times New Roman" panose="02020603050405020304" pitchFamily="18" charset="0"/>
+              </a:rPr>
+              <a:t>User</a:t>
+            </a:r>
+            <a:r>
+              <a:rPr lang="it-IT" sz="2800" b="1" dirty="0" smtClean="0">
+                <a:latin typeface="Times New Roman" panose="02020603050405020304" pitchFamily="18" charset="0"/>
+                <a:cs typeface="Times New Roman" panose="02020603050405020304" pitchFamily="18" charset="0"/>
+              </a:rPr>
+              <a:t> </a:t>
+            </a:r>
+            <a:r>
+              <a:rPr lang="it-IT" sz="2800" b="1" dirty="0" err="1" smtClean="0">
+                <a:latin typeface="Times New Roman" panose="02020603050405020304" pitchFamily="18" charset="0"/>
+                <a:cs typeface="Times New Roman" panose="02020603050405020304" pitchFamily="18" charset="0"/>
+              </a:rPr>
+              <a:t>testing</a:t>
+            </a:r>
+            <a:r>
+              <a:rPr lang="it-IT" sz="2800" b="1" dirty="0" smtClean="0">
+                <a:latin typeface="Times New Roman" panose="02020603050405020304" pitchFamily="18" charset="0"/>
+                <a:cs typeface="Times New Roman" panose="02020603050405020304" pitchFamily="18" charset="0"/>
+              </a:rPr>
+              <a:t> – </a:t>
+            </a:r>
+            <a:r>
+              <a:rPr lang="it-IT" sz="2800" b="1" i="1" dirty="0" err="1" smtClean="0">
+                <a:latin typeface="Times New Roman" panose="02020603050405020304" pitchFamily="18" charset="0"/>
+                <a:cs typeface="Times New Roman" panose="02020603050405020304" pitchFamily="18" charset="0"/>
+              </a:rPr>
+              <a:t>During</a:t>
+            </a:r>
+            <a:r>
+              <a:rPr lang="it-IT" sz="2800" b="1" i="1" dirty="0" smtClean="0">
+                <a:latin typeface="Times New Roman" panose="02020603050405020304" pitchFamily="18" charset="0"/>
+                <a:cs typeface="Times New Roman" panose="02020603050405020304" pitchFamily="18" charset="0"/>
+              </a:rPr>
+              <a:t> the test</a:t>
+            </a:r>
+            <a:endParaRPr lang="it-IT" sz="2800" i="1" dirty="0"/>
+          </a:p>
+        </p:txBody>
+      </p:sp>
+      <p:sp>
+        <p:nvSpPr>
+          <p:cNvPr id="8" name="Segnaposto contenuto 2"/>
+          <p:cNvSpPr txBox="1">
+            <a:spLocks/>
+          </p:cNvSpPr>
+          <p:nvPr/>
+        </p:nvSpPr>
+        <p:spPr>
+          <a:xfrm>
+            <a:off x="628650" y="1254034"/>
+            <a:ext cx="7886700" cy="5301311"/>
+          </a:xfrm>
+          <a:prstGeom prst="rect">
+            <a:avLst/>
+          </a:prstGeom>
+        </p:spPr>
+        <p:txBody>
+          <a:bodyPr vert="horz" lIns="91440" tIns="45720" rIns="91440" bIns="45720" rtlCol="0">
+            <a:normAutofit/>
+          </a:bodyPr>
+          <a:lstStyle/>
+          <a:p>
+            <a:pPr lvl="0" algn="ctr">
+              <a:lnSpc>
+                <a:spcPct val="120000"/>
+              </a:lnSpc>
+              <a:spcBef>
+                <a:spcPts val="1000"/>
+              </a:spcBef>
+            </a:pPr>
+            <a:r>
+              <a:rPr lang="it-IT" sz="2500" b="1" dirty="0" smtClean="0">
+                <a:latin typeface="Times New Roman" panose="02020603050405020304" pitchFamily="18" charset="0"/>
+                <a:cs typeface="Times New Roman" panose="02020603050405020304" pitchFamily="18" charset="0"/>
+              </a:rPr>
+              <a:t>Task 1 – </a:t>
+            </a:r>
+            <a:r>
+              <a:rPr lang="it-IT" sz="2500" b="1" dirty="0" err="1" smtClean="0">
+                <a:latin typeface="Times New Roman" panose="02020603050405020304" pitchFamily="18" charset="0"/>
+                <a:cs typeface="Times New Roman" panose="02020603050405020304" pitchFamily="18" charset="0"/>
+              </a:rPr>
+              <a:t>Sign</a:t>
+            </a:r>
+            <a:r>
+              <a:rPr lang="it-IT" sz="2500" b="1" dirty="0" smtClean="0">
+                <a:latin typeface="Times New Roman" panose="02020603050405020304" pitchFamily="18" charset="0"/>
+                <a:cs typeface="Times New Roman" panose="02020603050405020304" pitchFamily="18" charset="0"/>
+              </a:rPr>
+              <a:t> up</a:t>
+            </a:r>
+            <a:endParaRPr lang="it-IT" sz="2500" dirty="0" smtClean="0">
+              <a:latin typeface="Times New Roman" panose="02020603050405020304" pitchFamily="18" charset="0"/>
+              <a:cs typeface="Times New Roman" panose="02020603050405020304" pitchFamily="18" charset="0"/>
+            </a:endParaRPr>
+          </a:p>
+          <a:p>
+            <a:pPr algn="just"/>
+            <a:endParaRPr lang="it-IT" sz="2000" dirty="0" smtClean="0">
+              <a:latin typeface="Times New Roman" panose="02020603050405020304" pitchFamily="18" charset="0"/>
+              <a:cs typeface="Times New Roman" panose="02020603050405020304" pitchFamily="18" charset="0"/>
+            </a:endParaRPr>
+          </a:p>
+          <a:p>
+            <a:r>
+              <a:rPr lang="it-IT" sz="2600" dirty="0" smtClean="0"/>
+              <a:t> </a:t>
+            </a:r>
+          </a:p>
+          <a:p>
+            <a:r>
+              <a:rPr lang="it-IT" sz="2000" dirty="0" smtClean="0"/>
+              <a:t>Una volta eseguita l’</a:t>
+            </a:r>
+            <a:r>
+              <a:rPr lang="it-IT" sz="2000" dirty="0" err="1" smtClean="0"/>
+              <a:t>app</a:t>
+            </a:r>
+            <a:r>
+              <a:rPr lang="it-IT" sz="2000" dirty="0" smtClean="0"/>
+              <a:t> si verrà indirizzati su una pagina introduttiva:</a:t>
+            </a:r>
+          </a:p>
+          <a:p>
+            <a:pPr marL="457200" lvl="0" indent="-457200">
+              <a:buFont typeface="+mj-lt"/>
+              <a:buAutoNum type="arabicPeriod"/>
+            </a:pPr>
+            <a:r>
+              <a:rPr lang="it-IT" sz="2000" dirty="0" smtClean="0"/>
+              <a:t>Cliccare sul tasto “</a:t>
+            </a:r>
+            <a:r>
+              <a:rPr lang="it-IT" sz="2000" dirty="0" err="1" smtClean="0"/>
+              <a:t>Sign</a:t>
+            </a:r>
+            <a:r>
+              <a:rPr lang="it-IT" sz="2000" dirty="0" smtClean="0"/>
+              <a:t> Up”;</a:t>
+            </a:r>
+          </a:p>
+          <a:p>
+            <a:pPr marL="457200" lvl="0" indent="-457200">
+              <a:buFont typeface="+mj-lt"/>
+              <a:buAutoNum type="arabicPeriod"/>
+            </a:pPr>
+            <a:r>
+              <a:rPr lang="it-IT" sz="2000" dirty="0" smtClean="0"/>
+              <a:t>Compilare i campi obbligatori (etichette contrassegnate da *);     (Problema: potrebbe non essere chiaro dall’inizio quali sono i campi da compilare in quanto sono distribuite su più schermate raggiungibili dalla </a:t>
+            </a:r>
+            <a:r>
+              <a:rPr lang="it-IT" sz="2000" dirty="0" err="1" smtClean="0"/>
+              <a:t>navigation</a:t>
+            </a:r>
+            <a:r>
+              <a:rPr lang="it-IT" sz="2000" dirty="0" smtClean="0"/>
+              <a:t> bar </a:t>
+            </a:r>
+            <a:r>
+              <a:rPr lang="it-IT" sz="2000" dirty="0" smtClean="0"/>
+              <a:t>sovrastante)</a:t>
+            </a:r>
+          </a:p>
+          <a:p>
+            <a:pPr marL="457200" lvl="0" indent="-457200"/>
+            <a:r>
+              <a:rPr lang="it-IT" sz="2000" dirty="0" smtClean="0"/>
+              <a:t>	</a:t>
+            </a:r>
+            <a:r>
+              <a:rPr lang="it-IT" sz="2000" dirty="0" smtClean="0"/>
+              <a:t>- Se </a:t>
+            </a:r>
+            <a:r>
+              <a:rPr lang="it-IT" sz="2000" dirty="0" smtClean="0"/>
+              <a:t>i campi obbligatori non sono stati compilati non sarà </a:t>
+            </a:r>
+            <a:r>
+              <a:rPr lang="it-IT" sz="2000" dirty="0" smtClean="0"/>
+              <a:t>possibile  proseguire </a:t>
+            </a:r>
+            <a:r>
+              <a:rPr lang="it-IT" sz="2000" dirty="0" smtClean="0"/>
+              <a:t>con la registrazione.</a:t>
+            </a:r>
+          </a:p>
+          <a:p>
+            <a:pPr marL="457200" lvl="0" indent="-457200">
+              <a:buFont typeface="+mj-lt"/>
+              <a:buAutoNum type="arabicPeriod" startAt="3"/>
+            </a:pPr>
+            <a:r>
+              <a:rPr lang="it-IT" sz="2000" dirty="0" smtClean="0"/>
+              <a:t>Una volta completata la compilazione dei campi obbligatori ed eventualmente anche quelli opzionali, cliccare su “</a:t>
+            </a:r>
+            <a:r>
+              <a:rPr lang="it-IT" sz="2000" dirty="0" err="1" smtClean="0"/>
+              <a:t>Sign</a:t>
+            </a:r>
+            <a:r>
+              <a:rPr lang="it-IT" sz="2000" dirty="0" smtClean="0"/>
+              <a:t> up”.</a:t>
+            </a:r>
+          </a:p>
+          <a:p>
+            <a:pPr marL="457200" lvl="0" indent="-457200">
+              <a:buFont typeface="+mj-lt"/>
+              <a:buAutoNum type="arabicPeriod" startAt="4"/>
+            </a:pPr>
+            <a:r>
+              <a:rPr lang="it-IT" sz="2000" dirty="0" smtClean="0"/>
+              <a:t>Creato il nuovo account l’utente verrà indirizzato nella Home </a:t>
+            </a:r>
+            <a:r>
+              <a:rPr lang="it-IT" sz="2000" dirty="0" err="1" smtClean="0"/>
+              <a:t>page</a:t>
+            </a:r>
+            <a:r>
+              <a:rPr lang="it-IT" sz="2000" dirty="0" smtClean="0"/>
+              <a:t>.</a:t>
+            </a:r>
+            <a:endParaRPr lang="it-IT" sz="2000" dirty="0"/>
+          </a:p>
+        </p:txBody>
+      </p:sp>
+    </p:spTree>
+    <p:extLst>
+      <p:ext uri="{BB962C8B-B14F-4D97-AF65-F5344CB8AC3E}">
+        <p14:creationId xmlns="" xmlns:p14="http://schemas.microsoft.com/office/powerpoint/2010/main" val="2442419145"/>
+      </p:ext>
+    </p:extLst>
+  </p:cSld>
+  <p:clrMapOvr>
+    <a:masterClrMapping/>
+  </p:clrMapOvr>
+</p:sld>
+</file>
+
+<file path=ppt/slides/slide25.xml><?xml version="1.0" encoding="utf-8"?>
+<p:sld xmlns:a="http://schemas.openxmlformats.org/drawingml/2006/main" xmlns:r="http://schemas.openxmlformats.org/officeDocument/2006/relationships" xmlns:p="http://schemas.openxmlformats.org/presentationml/2006/main">
+  <p:cSld>
+    <p:spTree>
+      <p:nvGrpSpPr>
+        <p:cNvPr id="1" name=""/>
+        <p:cNvGrpSpPr/>
+        <p:nvPr/>
+      </p:nvGrpSpPr>
+      <p:grpSpPr>
+        <a:xfrm>
+          <a:off x="0" y="0"/>
+          <a:ext cx="0" cy="0"/>
+          <a:chOff x="0" y="0"/>
+          <a:chExt cx="0" cy="0"/>
+        </a:xfrm>
+      </p:grpSpPr>
+      <p:sp>
+        <p:nvSpPr>
+          <p:cNvPr id="5" name="Titolo 1"/>
+          <p:cNvSpPr>
+            <a:spLocks noGrp="1"/>
+          </p:cNvSpPr>
+          <p:nvPr>
+            <p:ph type="title"/>
+          </p:nvPr>
+        </p:nvSpPr>
+        <p:spPr>
+          <a:xfrm>
+            <a:off x="628650" y="444137"/>
+            <a:ext cx="7886700" cy="653143"/>
+          </a:xfrm>
+        </p:spPr>
+        <p:txBody>
+          <a:bodyPr>
+            <a:normAutofit/>
+          </a:bodyPr>
+          <a:lstStyle/>
+          <a:p>
+            <a:r>
+              <a:rPr lang="it-IT" sz="2800" b="1" dirty="0" err="1" smtClean="0">
+                <a:latin typeface="Times New Roman" panose="02020603050405020304" pitchFamily="18" charset="0"/>
+                <a:cs typeface="Times New Roman" panose="02020603050405020304" pitchFamily="18" charset="0"/>
+              </a:rPr>
+              <a:t>User</a:t>
+            </a:r>
+            <a:r>
+              <a:rPr lang="it-IT" sz="2800" b="1" dirty="0" smtClean="0">
+                <a:latin typeface="Times New Roman" panose="02020603050405020304" pitchFamily="18" charset="0"/>
+                <a:cs typeface="Times New Roman" panose="02020603050405020304" pitchFamily="18" charset="0"/>
+              </a:rPr>
+              <a:t> </a:t>
+            </a:r>
+            <a:r>
+              <a:rPr lang="it-IT" sz="2800" b="1" dirty="0" err="1" smtClean="0">
+                <a:latin typeface="Times New Roman" panose="02020603050405020304" pitchFamily="18" charset="0"/>
+                <a:cs typeface="Times New Roman" panose="02020603050405020304" pitchFamily="18" charset="0"/>
+              </a:rPr>
+              <a:t>testing</a:t>
+            </a:r>
+            <a:r>
+              <a:rPr lang="it-IT" sz="2800" b="1" dirty="0" smtClean="0">
+                <a:latin typeface="Times New Roman" panose="02020603050405020304" pitchFamily="18" charset="0"/>
+                <a:cs typeface="Times New Roman" panose="02020603050405020304" pitchFamily="18" charset="0"/>
+              </a:rPr>
+              <a:t> – </a:t>
+            </a:r>
+            <a:r>
+              <a:rPr lang="it-IT" sz="2800" b="1" i="1" dirty="0" err="1" smtClean="0">
+                <a:latin typeface="Times New Roman" panose="02020603050405020304" pitchFamily="18" charset="0"/>
+                <a:cs typeface="Times New Roman" panose="02020603050405020304" pitchFamily="18" charset="0"/>
+              </a:rPr>
+              <a:t>During</a:t>
+            </a:r>
+            <a:r>
+              <a:rPr lang="it-IT" sz="2800" b="1" i="1" dirty="0" smtClean="0">
+                <a:latin typeface="Times New Roman" panose="02020603050405020304" pitchFamily="18" charset="0"/>
+                <a:cs typeface="Times New Roman" panose="02020603050405020304" pitchFamily="18" charset="0"/>
+              </a:rPr>
+              <a:t> the test</a:t>
+            </a:r>
+            <a:endParaRPr lang="it-IT" sz="2800" i="1" dirty="0"/>
+          </a:p>
+        </p:txBody>
+      </p:sp>
+      <p:sp>
+        <p:nvSpPr>
+          <p:cNvPr id="8" name="Segnaposto contenuto 2"/>
+          <p:cNvSpPr txBox="1">
+            <a:spLocks/>
+          </p:cNvSpPr>
+          <p:nvPr/>
+        </p:nvSpPr>
+        <p:spPr>
+          <a:xfrm>
+            <a:off x="628650" y="1254034"/>
+            <a:ext cx="7886700" cy="5301311"/>
+          </a:xfrm>
+          <a:prstGeom prst="rect">
+            <a:avLst/>
+          </a:prstGeom>
+        </p:spPr>
+        <p:txBody>
+          <a:bodyPr vert="horz" lIns="91440" tIns="45720" rIns="91440" bIns="45720" rtlCol="0">
+            <a:normAutofit/>
+          </a:bodyPr>
+          <a:lstStyle/>
+          <a:p>
+            <a:pPr lvl="0" algn="ctr">
+              <a:lnSpc>
+                <a:spcPct val="120000"/>
+              </a:lnSpc>
+              <a:spcBef>
+                <a:spcPts val="1000"/>
+              </a:spcBef>
+            </a:pPr>
+            <a:r>
+              <a:rPr lang="it-IT" sz="2500" b="1" dirty="0" smtClean="0">
+                <a:latin typeface="Times New Roman" panose="02020603050405020304" pitchFamily="18" charset="0"/>
+                <a:cs typeface="Times New Roman" panose="02020603050405020304" pitchFamily="18" charset="0"/>
+              </a:rPr>
+              <a:t>Task 2 – Selezionare un obiettivo</a:t>
+            </a:r>
+            <a:endParaRPr lang="it-IT" sz="2500" dirty="0" smtClean="0">
+              <a:latin typeface="Times New Roman" panose="02020603050405020304" pitchFamily="18" charset="0"/>
+              <a:cs typeface="Times New Roman" panose="02020603050405020304" pitchFamily="18" charset="0"/>
+            </a:endParaRPr>
+          </a:p>
+          <a:p>
+            <a:pPr algn="just"/>
+            <a:endParaRPr lang="it-IT" sz="2000" dirty="0" smtClean="0">
+              <a:latin typeface="Times New Roman" panose="02020603050405020304" pitchFamily="18" charset="0"/>
+              <a:cs typeface="Times New Roman" panose="02020603050405020304" pitchFamily="18" charset="0"/>
+            </a:endParaRPr>
+          </a:p>
+          <a:p>
+            <a:r>
+              <a:rPr lang="it-IT" sz="2600" dirty="0" smtClean="0"/>
+              <a:t> </a:t>
+            </a:r>
+          </a:p>
+          <a:p>
+            <a:r>
+              <a:rPr lang="it-IT" sz="2000" dirty="0" smtClean="0"/>
+              <a:t>Una volta arrivati nella Home </a:t>
+            </a:r>
+            <a:r>
+              <a:rPr lang="it-IT" sz="2000" dirty="0" err="1" smtClean="0"/>
+              <a:t>page</a:t>
+            </a:r>
+            <a:r>
+              <a:rPr lang="it-IT" sz="2000" dirty="0" smtClean="0"/>
+              <a:t>:</a:t>
+            </a:r>
+          </a:p>
+          <a:p>
+            <a:pPr marL="457200" lvl="0" indent="-457200">
+              <a:buFont typeface="+mj-lt"/>
+              <a:buAutoNum type="arabicPeriod"/>
+            </a:pPr>
+            <a:r>
+              <a:rPr lang="it-IT" sz="2000" dirty="0" smtClean="0"/>
+              <a:t>Cliccare sul pulsante “</a:t>
+            </a:r>
+            <a:r>
+              <a:rPr lang="it-IT" sz="2000" dirty="0" err="1" smtClean="0"/>
+              <a:t>Goals</a:t>
+            </a:r>
+            <a:r>
+              <a:rPr lang="it-IT" sz="2000" dirty="0" smtClean="0"/>
+              <a:t>”;</a:t>
+            </a:r>
+          </a:p>
+          <a:p>
+            <a:pPr marL="457200" lvl="0" indent="-457200">
+              <a:buFont typeface="+mj-lt"/>
+              <a:buAutoNum type="arabicPeriod"/>
+            </a:pPr>
+            <a:r>
+              <a:rPr lang="it-IT" sz="2000" dirty="0" smtClean="0"/>
+              <a:t>Scegliere un obiettivo tra quelli proposti dalla </a:t>
+            </a:r>
+            <a:r>
+              <a:rPr lang="it-IT" sz="2000" dirty="0" err="1" smtClean="0"/>
+              <a:t>select</a:t>
+            </a:r>
+            <a:r>
+              <a:rPr lang="it-IT" sz="2000" dirty="0" smtClean="0"/>
+              <a:t> in evidenza;</a:t>
+            </a:r>
+          </a:p>
+          <a:p>
+            <a:pPr marL="457200" lvl="0" indent="-457200">
+              <a:buFont typeface="+mj-lt"/>
+              <a:buAutoNum type="arabicPeriod"/>
+            </a:pPr>
+            <a:r>
+              <a:rPr lang="it-IT" sz="2000" dirty="0" smtClean="0"/>
+              <a:t>In particolare selezionare l’obiettivo “</a:t>
+            </a:r>
+            <a:r>
+              <a:rPr lang="it-IT" sz="2000" dirty="0" err="1" smtClean="0"/>
+              <a:t>Only</a:t>
+            </a:r>
+            <a:r>
+              <a:rPr lang="it-IT" sz="2000" dirty="0" smtClean="0"/>
+              <a:t> 10 </a:t>
+            </a:r>
+            <a:r>
+              <a:rPr lang="it-IT" sz="2000" dirty="0" err="1" smtClean="0"/>
+              <a:t>cigarettes</a:t>
+            </a:r>
+            <a:r>
+              <a:rPr lang="it-IT" sz="2000" dirty="0" smtClean="0"/>
+              <a:t> </a:t>
+            </a:r>
+            <a:r>
+              <a:rPr lang="it-IT" sz="2000" dirty="0" err="1" smtClean="0"/>
+              <a:t>smoked</a:t>
+            </a:r>
+            <a:r>
+              <a:rPr lang="it-IT" sz="2000" dirty="0" smtClean="0"/>
+              <a:t>”;</a:t>
+            </a:r>
+          </a:p>
+          <a:p>
+            <a:pPr marL="457200" lvl="0" indent="-457200">
+              <a:buFont typeface="+mj-lt"/>
+              <a:buAutoNum type="arabicPeriod"/>
+            </a:pPr>
+            <a:r>
+              <a:rPr lang="it-IT" sz="2000" dirty="0" smtClean="0"/>
+              <a:t>Un messaggio di conferma avviserà l’utente dell’avvenuta selezione dell’obiettivo prescelto;</a:t>
+            </a:r>
+          </a:p>
+          <a:p>
+            <a:pPr marL="457200" lvl="0" indent="-457200">
+              <a:buFont typeface="+mj-lt"/>
+              <a:buAutoNum type="arabicPeriod"/>
+            </a:pPr>
+            <a:r>
+              <a:rPr lang="it-IT" sz="2000" dirty="0" smtClean="0"/>
+              <a:t>Tornare nella Home </a:t>
+            </a:r>
+            <a:r>
+              <a:rPr lang="it-IT" sz="2000" dirty="0" err="1" smtClean="0"/>
+              <a:t>page</a:t>
+            </a:r>
+            <a:r>
+              <a:rPr lang="it-IT" sz="2000" dirty="0" smtClean="0"/>
+              <a:t>, tramite il pulsante “Home” in alto;</a:t>
+            </a:r>
+          </a:p>
+          <a:p>
+            <a:pPr marL="457200" lvl="0" indent="-457200">
+              <a:buFont typeface="+mj-lt"/>
+              <a:buAutoNum type="arabicPeriod"/>
+            </a:pPr>
+            <a:r>
+              <a:rPr lang="it-IT" sz="2000" dirty="0" smtClean="0"/>
+              <a:t>È possibile visualizzare nella schermata principale l’obiettivo corrente selezionato.</a:t>
+            </a:r>
+            <a:endParaRPr lang="it-IT" sz="2000" dirty="0"/>
+          </a:p>
+        </p:txBody>
+      </p:sp>
+    </p:spTree>
+    <p:extLst>
+      <p:ext uri="{BB962C8B-B14F-4D97-AF65-F5344CB8AC3E}">
+        <p14:creationId xmlns="" xmlns:p14="http://schemas.microsoft.com/office/powerpoint/2010/main" val="2442419145"/>
+      </p:ext>
+    </p:extLst>
+  </p:cSld>
+  <p:clrMapOvr>
+    <a:masterClrMapping/>
+  </p:clrMapOvr>
+</p:sld>
+</file>
+
+<file path=ppt/slides/slide26.xml><?xml version="1.0" encoding="utf-8"?>
+<p:sld xmlns:a="http://schemas.openxmlformats.org/drawingml/2006/main" xmlns:r="http://schemas.openxmlformats.org/officeDocument/2006/relationships" xmlns:p="http://schemas.openxmlformats.org/presentationml/2006/main">
+  <p:cSld>
+    <p:spTree>
+      <p:nvGrpSpPr>
+        <p:cNvPr id="1" name=""/>
+        <p:cNvGrpSpPr/>
+        <p:nvPr/>
+      </p:nvGrpSpPr>
+      <p:grpSpPr>
+        <a:xfrm>
+          <a:off x="0" y="0"/>
+          <a:ext cx="0" cy="0"/>
+          <a:chOff x="0" y="0"/>
+          <a:chExt cx="0" cy="0"/>
+        </a:xfrm>
+      </p:grpSpPr>
+      <p:sp>
+        <p:nvSpPr>
+          <p:cNvPr id="5" name="Titolo 1"/>
+          <p:cNvSpPr>
+            <a:spLocks noGrp="1"/>
+          </p:cNvSpPr>
+          <p:nvPr>
+            <p:ph type="title"/>
+          </p:nvPr>
+        </p:nvSpPr>
+        <p:spPr>
+          <a:xfrm>
+            <a:off x="628650" y="444137"/>
+            <a:ext cx="7886700" cy="653143"/>
+          </a:xfrm>
+        </p:spPr>
+        <p:txBody>
+          <a:bodyPr>
+            <a:normAutofit/>
+          </a:bodyPr>
+          <a:lstStyle/>
+          <a:p>
+            <a:r>
+              <a:rPr lang="it-IT" sz="2800" b="1" dirty="0" err="1" smtClean="0">
+                <a:latin typeface="Times New Roman" panose="02020603050405020304" pitchFamily="18" charset="0"/>
+                <a:cs typeface="Times New Roman" panose="02020603050405020304" pitchFamily="18" charset="0"/>
+              </a:rPr>
+              <a:t>User</a:t>
+            </a:r>
+            <a:r>
+              <a:rPr lang="it-IT" sz="2800" b="1" dirty="0" smtClean="0">
+                <a:latin typeface="Times New Roman" panose="02020603050405020304" pitchFamily="18" charset="0"/>
+                <a:cs typeface="Times New Roman" panose="02020603050405020304" pitchFamily="18" charset="0"/>
+              </a:rPr>
+              <a:t> </a:t>
+            </a:r>
+            <a:r>
+              <a:rPr lang="it-IT" sz="2800" b="1" dirty="0" err="1" smtClean="0">
+                <a:latin typeface="Times New Roman" panose="02020603050405020304" pitchFamily="18" charset="0"/>
+                <a:cs typeface="Times New Roman" panose="02020603050405020304" pitchFamily="18" charset="0"/>
+              </a:rPr>
+              <a:t>testing</a:t>
+            </a:r>
+            <a:r>
+              <a:rPr lang="it-IT" sz="2800" b="1" dirty="0" smtClean="0">
+                <a:latin typeface="Times New Roman" panose="02020603050405020304" pitchFamily="18" charset="0"/>
+                <a:cs typeface="Times New Roman" panose="02020603050405020304" pitchFamily="18" charset="0"/>
+              </a:rPr>
+              <a:t> – </a:t>
+            </a:r>
+            <a:r>
+              <a:rPr lang="it-IT" sz="2800" b="1" i="1" dirty="0" err="1" smtClean="0">
+                <a:latin typeface="Times New Roman" panose="02020603050405020304" pitchFamily="18" charset="0"/>
+                <a:cs typeface="Times New Roman" panose="02020603050405020304" pitchFamily="18" charset="0"/>
+              </a:rPr>
+              <a:t>During</a:t>
+            </a:r>
+            <a:r>
+              <a:rPr lang="it-IT" sz="2800" b="1" i="1" dirty="0" smtClean="0">
+                <a:latin typeface="Times New Roman" panose="02020603050405020304" pitchFamily="18" charset="0"/>
+                <a:cs typeface="Times New Roman" panose="02020603050405020304" pitchFamily="18" charset="0"/>
+              </a:rPr>
+              <a:t> the test</a:t>
+            </a:r>
+            <a:endParaRPr lang="it-IT" sz="2800" i="1" dirty="0"/>
+          </a:p>
+        </p:txBody>
+      </p:sp>
+      <p:sp>
+        <p:nvSpPr>
+          <p:cNvPr id="8" name="Segnaposto contenuto 2"/>
+          <p:cNvSpPr txBox="1">
+            <a:spLocks/>
+          </p:cNvSpPr>
+          <p:nvPr/>
+        </p:nvSpPr>
+        <p:spPr>
+          <a:xfrm>
+            <a:off x="628650" y="1254034"/>
+            <a:ext cx="7886700" cy="5301311"/>
+          </a:xfrm>
+          <a:prstGeom prst="rect">
+            <a:avLst/>
+          </a:prstGeom>
+        </p:spPr>
+        <p:txBody>
+          <a:bodyPr vert="horz" lIns="91440" tIns="45720" rIns="91440" bIns="45720" rtlCol="0">
+            <a:normAutofit/>
+          </a:bodyPr>
+          <a:lstStyle/>
+          <a:p>
+            <a:pPr lvl="0" algn="ctr">
+              <a:lnSpc>
+                <a:spcPct val="120000"/>
+              </a:lnSpc>
+              <a:spcBef>
+                <a:spcPts val="1000"/>
+              </a:spcBef>
+            </a:pPr>
+            <a:r>
+              <a:rPr lang="it-IT" sz="2500" b="1" dirty="0" smtClean="0">
+                <a:latin typeface="Times New Roman" panose="02020603050405020304" pitchFamily="18" charset="0"/>
+                <a:cs typeface="Times New Roman" panose="02020603050405020304" pitchFamily="18" charset="0"/>
+              </a:rPr>
+              <a:t>Task 3 – Vincere il premio “</a:t>
+            </a:r>
+            <a:r>
+              <a:rPr lang="it-IT" sz="2500" b="1" dirty="0" err="1" smtClean="0">
+                <a:latin typeface="Times New Roman" panose="02020603050405020304" pitchFamily="18" charset="0"/>
+                <a:cs typeface="Times New Roman" panose="02020603050405020304" pitchFamily="18" charset="0"/>
+              </a:rPr>
+              <a:t>Defeat</a:t>
+            </a:r>
+            <a:r>
+              <a:rPr lang="it-IT" sz="2500" b="1" dirty="0" smtClean="0">
+                <a:latin typeface="Times New Roman" panose="02020603050405020304" pitchFamily="18" charset="0"/>
+                <a:cs typeface="Times New Roman" panose="02020603050405020304" pitchFamily="18" charset="0"/>
+              </a:rPr>
+              <a:t> the </a:t>
+            </a:r>
+            <a:r>
+              <a:rPr lang="it-IT" sz="2500" b="1" dirty="0" err="1" smtClean="0">
+                <a:latin typeface="Times New Roman" panose="02020603050405020304" pitchFamily="18" charset="0"/>
+                <a:cs typeface="Times New Roman" panose="02020603050405020304" pitchFamily="18" charset="0"/>
+              </a:rPr>
+              <a:t>temptation</a:t>
+            </a:r>
+            <a:r>
+              <a:rPr lang="it-IT" sz="2500" b="1" dirty="0" smtClean="0">
+                <a:latin typeface="Times New Roman" panose="02020603050405020304" pitchFamily="18" charset="0"/>
+                <a:cs typeface="Times New Roman" panose="02020603050405020304" pitchFamily="18" charset="0"/>
+              </a:rPr>
+              <a:t>”</a:t>
+            </a:r>
+            <a:endParaRPr lang="it-IT" sz="2500" dirty="0" smtClean="0">
+              <a:latin typeface="Times New Roman" panose="02020603050405020304" pitchFamily="18" charset="0"/>
+              <a:cs typeface="Times New Roman" panose="02020603050405020304" pitchFamily="18" charset="0"/>
+            </a:endParaRPr>
+          </a:p>
+          <a:p>
+            <a:pPr algn="just"/>
+            <a:endParaRPr lang="it-IT" sz="2000" dirty="0" smtClean="0">
+              <a:latin typeface="Times New Roman" panose="02020603050405020304" pitchFamily="18" charset="0"/>
+              <a:cs typeface="Times New Roman" panose="02020603050405020304" pitchFamily="18" charset="0"/>
+            </a:endParaRPr>
+          </a:p>
+          <a:p>
+            <a:r>
+              <a:rPr lang="it-IT" sz="2600" dirty="0" smtClean="0"/>
+              <a:t> </a:t>
+            </a:r>
+          </a:p>
+          <a:p>
+            <a:pPr marL="457200" lvl="0" indent="-457200">
+              <a:buFont typeface="+mj-lt"/>
+              <a:buAutoNum type="arabicPeriod"/>
+            </a:pPr>
+            <a:r>
+              <a:rPr lang="it-IT" sz="2000" dirty="0" smtClean="0"/>
+              <a:t>Cliccare sul pulsante “</a:t>
+            </a:r>
+            <a:r>
+              <a:rPr lang="it-IT" sz="2000" dirty="0" err="1" smtClean="0"/>
+              <a:t>Add</a:t>
+            </a:r>
+            <a:r>
+              <a:rPr lang="it-IT" sz="2000" dirty="0" smtClean="0"/>
+              <a:t> a </a:t>
+            </a:r>
+            <a:r>
+              <a:rPr lang="it-IT" sz="2000" dirty="0" err="1" smtClean="0"/>
+              <a:t>cigarette</a:t>
+            </a:r>
+            <a:r>
+              <a:rPr lang="it-IT" sz="2000" dirty="0" smtClean="0"/>
+              <a:t>”;</a:t>
+            </a:r>
+          </a:p>
+          <a:p>
+            <a:pPr marL="457200" lvl="0" indent="-457200">
+              <a:buFont typeface="+mj-lt"/>
+              <a:buAutoNum type="arabicPeriod"/>
+            </a:pPr>
+            <a:r>
+              <a:rPr lang="it-IT" sz="2000" dirty="0" smtClean="0"/>
+              <a:t>Comparirà un messaggio in cui verrà richiesto all’utente se vuole continuare a fumare oppure no;</a:t>
+            </a:r>
+          </a:p>
+          <a:p>
+            <a:pPr marL="457200" lvl="0" indent="-457200">
+              <a:buFont typeface="+mj-lt"/>
+              <a:buAutoNum type="arabicPeriod"/>
+            </a:pPr>
+            <a:r>
+              <a:rPr lang="it-IT" sz="2000" dirty="0" smtClean="0"/>
+              <a:t>Cliccare su “Yes” per vincere il premio “</a:t>
+            </a:r>
+            <a:r>
+              <a:rPr lang="it-IT" sz="2000" dirty="0" err="1" smtClean="0"/>
+              <a:t>Defeat</a:t>
+            </a:r>
+            <a:r>
+              <a:rPr lang="it-IT" sz="2000" dirty="0" smtClean="0"/>
+              <a:t> the </a:t>
+            </a:r>
+            <a:r>
+              <a:rPr lang="it-IT" sz="2000" dirty="0" err="1" smtClean="0"/>
+              <a:t>temptation</a:t>
+            </a:r>
+            <a:r>
+              <a:rPr lang="it-IT" sz="2000" dirty="0" smtClean="0"/>
+              <a:t>”;</a:t>
+            </a:r>
+          </a:p>
+          <a:p>
+            <a:pPr marL="457200" lvl="0" indent="-457200">
+              <a:buFont typeface="+mj-lt"/>
+              <a:buAutoNum type="arabicPeriod"/>
+            </a:pPr>
+            <a:r>
+              <a:rPr lang="it-IT" sz="2000" dirty="0" smtClean="0"/>
+              <a:t>Si aprirà la schermata con il premio vinto;</a:t>
+            </a:r>
+          </a:p>
+          <a:p>
+            <a:pPr marL="457200" lvl="0" indent="-457200">
+              <a:buFont typeface="+mj-lt"/>
+              <a:buAutoNum type="arabicPeriod"/>
+            </a:pPr>
+            <a:r>
+              <a:rPr lang="it-IT" sz="2000" dirty="0" smtClean="0"/>
+              <a:t>Cliccare su “Ok”</a:t>
+            </a:r>
+          </a:p>
+          <a:p>
+            <a:pPr marL="457200" lvl="0" indent="-457200">
+              <a:buFont typeface="+mj-lt"/>
+              <a:buAutoNum type="arabicPeriod"/>
+            </a:pPr>
+            <a:r>
+              <a:rPr lang="it-IT" sz="2000" dirty="0" smtClean="0"/>
+              <a:t>Si verrà reindirizzati sulla Home </a:t>
+            </a:r>
+            <a:r>
+              <a:rPr lang="it-IT" sz="2000" dirty="0" err="1" smtClean="0"/>
+              <a:t>page</a:t>
+            </a:r>
+            <a:r>
+              <a:rPr lang="it-IT" sz="2000" dirty="0" smtClean="0"/>
+              <a:t>.</a:t>
+            </a:r>
+          </a:p>
+          <a:p>
+            <a:pPr marL="457200" lvl="0" indent="-457200">
+              <a:buFont typeface="+mj-lt"/>
+              <a:buAutoNum type="arabicPeriod"/>
+            </a:pPr>
+            <a:r>
+              <a:rPr lang="it-IT" sz="2000" dirty="0" smtClean="0"/>
+              <a:t>Cliccare su “</a:t>
+            </a:r>
+            <a:r>
+              <a:rPr lang="it-IT" sz="2000" dirty="0" err="1" smtClean="0"/>
+              <a:t>Achievements</a:t>
+            </a:r>
+            <a:r>
+              <a:rPr lang="it-IT" sz="2000" dirty="0" smtClean="0"/>
+              <a:t>” per visualizzare la schermata con i premi vinti (“</a:t>
+            </a:r>
+            <a:r>
+              <a:rPr lang="it-IT" sz="2000" dirty="0" err="1" smtClean="0"/>
+              <a:t>Defeat</a:t>
+            </a:r>
+            <a:r>
+              <a:rPr lang="it-IT" sz="2000" dirty="0" smtClean="0"/>
+              <a:t> the </a:t>
+            </a:r>
+            <a:r>
+              <a:rPr lang="it-IT" sz="2000" dirty="0" err="1" smtClean="0"/>
+              <a:t>temptation</a:t>
+            </a:r>
+            <a:r>
+              <a:rPr lang="it-IT" sz="2000" dirty="0" smtClean="0"/>
+              <a:t>” sarà in evidenza rispetto agli altri).</a:t>
+            </a:r>
+            <a:endParaRPr lang="it-IT" sz="2000" dirty="0"/>
+          </a:p>
+        </p:txBody>
+      </p:sp>
+    </p:spTree>
+    <p:extLst>
+      <p:ext uri="{BB962C8B-B14F-4D97-AF65-F5344CB8AC3E}">
+        <p14:creationId xmlns="" xmlns:p14="http://schemas.microsoft.com/office/powerpoint/2010/main" val="2442419145"/>
+      </p:ext>
+    </p:extLst>
+  </p:cSld>
+  <p:clrMapOvr>
+    <a:masterClrMapping/>
+  </p:clrMapOvr>
+</p:sld>
+</file>
+
+<file path=ppt/slides/slide27.xml><?xml version="1.0" encoding="utf-8"?>
+<p:sld xmlns:a="http://schemas.openxmlformats.org/drawingml/2006/main" xmlns:r="http://schemas.openxmlformats.org/officeDocument/2006/relationships" xmlns:p="http://schemas.openxmlformats.org/presentationml/2006/main">
+  <p:cSld>
+    <p:spTree>
+      <p:nvGrpSpPr>
+        <p:cNvPr id="1" name=""/>
+        <p:cNvGrpSpPr/>
+        <p:nvPr/>
+      </p:nvGrpSpPr>
+      <p:grpSpPr>
+        <a:xfrm>
+          <a:off x="0" y="0"/>
+          <a:ext cx="0" cy="0"/>
+          <a:chOff x="0" y="0"/>
+          <a:chExt cx="0" cy="0"/>
+        </a:xfrm>
+      </p:grpSpPr>
+      <p:sp>
+        <p:nvSpPr>
+          <p:cNvPr id="5" name="Titolo 1"/>
+          <p:cNvSpPr>
+            <a:spLocks noGrp="1"/>
+          </p:cNvSpPr>
+          <p:nvPr>
+            <p:ph type="title"/>
+          </p:nvPr>
+        </p:nvSpPr>
+        <p:spPr>
+          <a:xfrm>
+            <a:off x="628650" y="444137"/>
+            <a:ext cx="7886700" cy="653143"/>
+          </a:xfrm>
+        </p:spPr>
+        <p:txBody>
+          <a:bodyPr>
+            <a:normAutofit/>
+          </a:bodyPr>
+          <a:lstStyle/>
+          <a:p>
+            <a:r>
+              <a:rPr lang="it-IT" sz="2800" b="1" dirty="0" err="1" smtClean="0">
+                <a:latin typeface="Times New Roman" panose="02020603050405020304" pitchFamily="18" charset="0"/>
+                <a:cs typeface="Times New Roman" panose="02020603050405020304" pitchFamily="18" charset="0"/>
+              </a:rPr>
+              <a:t>User</a:t>
+            </a:r>
+            <a:r>
+              <a:rPr lang="it-IT" sz="2800" b="1" dirty="0" smtClean="0">
+                <a:latin typeface="Times New Roman" panose="02020603050405020304" pitchFamily="18" charset="0"/>
+                <a:cs typeface="Times New Roman" panose="02020603050405020304" pitchFamily="18" charset="0"/>
+              </a:rPr>
+              <a:t> </a:t>
+            </a:r>
+            <a:r>
+              <a:rPr lang="it-IT" sz="2800" b="1" dirty="0" err="1" smtClean="0">
+                <a:latin typeface="Times New Roman" panose="02020603050405020304" pitchFamily="18" charset="0"/>
+                <a:cs typeface="Times New Roman" panose="02020603050405020304" pitchFamily="18" charset="0"/>
+              </a:rPr>
+              <a:t>testing</a:t>
+            </a:r>
+            <a:r>
+              <a:rPr lang="it-IT" sz="2800" b="1" dirty="0" smtClean="0">
+                <a:latin typeface="Times New Roman" panose="02020603050405020304" pitchFamily="18" charset="0"/>
+                <a:cs typeface="Times New Roman" panose="02020603050405020304" pitchFamily="18" charset="0"/>
+              </a:rPr>
+              <a:t> – </a:t>
+            </a:r>
+            <a:r>
+              <a:rPr lang="it-IT" sz="2800" b="1" i="1" dirty="0" err="1" smtClean="0">
+                <a:latin typeface="Times New Roman" panose="02020603050405020304" pitchFamily="18" charset="0"/>
+                <a:cs typeface="Times New Roman" panose="02020603050405020304" pitchFamily="18" charset="0"/>
+              </a:rPr>
+              <a:t>During</a:t>
+            </a:r>
+            <a:r>
+              <a:rPr lang="it-IT" sz="2800" b="1" i="1" dirty="0" smtClean="0">
+                <a:latin typeface="Times New Roman" panose="02020603050405020304" pitchFamily="18" charset="0"/>
+                <a:cs typeface="Times New Roman" panose="02020603050405020304" pitchFamily="18" charset="0"/>
+              </a:rPr>
+              <a:t> the test</a:t>
+            </a:r>
+            <a:endParaRPr lang="it-IT" sz="2800" i="1" dirty="0"/>
+          </a:p>
+        </p:txBody>
+      </p:sp>
+      <p:sp>
+        <p:nvSpPr>
+          <p:cNvPr id="8" name="Segnaposto contenuto 2"/>
+          <p:cNvSpPr txBox="1">
+            <a:spLocks/>
+          </p:cNvSpPr>
+          <p:nvPr/>
+        </p:nvSpPr>
+        <p:spPr>
+          <a:xfrm>
+            <a:off x="628650" y="1254034"/>
+            <a:ext cx="7886700" cy="5301311"/>
+          </a:xfrm>
+          <a:prstGeom prst="rect">
+            <a:avLst/>
+          </a:prstGeom>
+        </p:spPr>
+        <p:txBody>
+          <a:bodyPr vert="horz" lIns="91440" tIns="45720" rIns="91440" bIns="45720" rtlCol="0">
+            <a:normAutofit lnSpcReduction="10000"/>
+          </a:bodyPr>
+          <a:lstStyle/>
+          <a:p>
+            <a:pPr lvl="0" algn="ctr">
+              <a:lnSpc>
+                <a:spcPct val="120000"/>
+              </a:lnSpc>
+              <a:spcBef>
+                <a:spcPts val="1000"/>
+              </a:spcBef>
+            </a:pPr>
+            <a:r>
+              <a:rPr lang="it-IT" sz="2500" b="1" dirty="0" smtClean="0">
+                <a:latin typeface="Times New Roman" panose="02020603050405020304" pitchFamily="18" charset="0"/>
+                <a:cs typeface="Times New Roman" panose="02020603050405020304" pitchFamily="18" charset="0"/>
+              </a:rPr>
+              <a:t>Task 4 – Vincere il premio “</a:t>
+            </a:r>
+            <a:r>
+              <a:rPr lang="it-IT" sz="2500" b="1" dirty="0" err="1" smtClean="0">
+                <a:latin typeface="Times New Roman" panose="02020603050405020304" pitchFamily="18" charset="0"/>
+                <a:cs typeface="Times New Roman" panose="02020603050405020304" pitchFamily="18" charset="0"/>
+              </a:rPr>
+              <a:t>Only</a:t>
+            </a:r>
+            <a:r>
+              <a:rPr lang="it-IT" sz="2500" b="1" dirty="0" smtClean="0">
+                <a:latin typeface="Times New Roman" panose="02020603050405020304" pitchFamily="18" charset="0"/>
+                <a:cs typeface="Times New Roman" panose="02020603050405020304" pitchFamily="18" charset="0"/>
+              </a:rPr>
+              <a:t> 10 </a:t>
+            </a:r>
+            <a:r>
+              <a:rPr lang="it-IT" sz="2500" b="1" dirty="0" err="1" smtClean="0">
+                <a:latin typeface="Times New Roman" panose="02020603050405020304" pitchFamily="18" charset="0"/>
+                <a:cs typeface="Times New Roman" panose="02020603050405020304" pitchFamily="18" charset="0"/>
+              </a:rPr>
+              <a:t>cigarettes</a:t>
+            </a:r>
+            <a:r>
+              <a:rPr lang="it-IT" sz="2500" b="1" dirty="0" smtClean="0">
+                <a:latin typeface="Times New Roman" panose="02020603050405020304" pitchFamily="18" charset="0"/>
+                <a:cs typeface="Times New Roman" panose="02020603050405020304" pitchFamily="18" charset="0"/>
+              </a:rPr>
+              <a:t> </a:t>
+            </a:r>
+            <a:r>
+              <a:rPr lang="it-IT" sz="2500" b="1" dirty="0" err="1" smtClean="0">
+                <a:latin typeface="Times New Roman" panose="02020603050405020304" pitchFamily="18" charset="0"/>
+                <a:cs typeface="Times New Roman" panose="02020603050405020304" pitchFamily="18" charset="0"/>
+              </a:rPr>
+              <a:t>smoked</a:t>
+            </a:r>
+            <a:r>
+              <a:rPr lang="it-IT" sz="2500" b="1" dirty="0" smtClean="0">
+                <a:latin typeface="Times New Roman" panose="02020603050405020304" pitchFamily="18" charset="0"/>
+                <a:cs typeface="Times New Roman" panose="02020603050405020304" pitchFamily="18" charset="0"/>
+              </a:rPr>
+              <a:t>”</a:t>
+            </a:r>
+            <a:endParaRPr lang="it-IT" sz="2500" dirty="0" smtClean="0">
+              <a:latin typeface="Times New Roman" panose="02020603050405020304" pitchFamily="18" charset="0"/>
+              <a:cs typeface="Times New Roman" panose="02020603050405020304" pitchFamily="18" charset="0"/>
+            </a:endParaRPr>
+          </a:p>
+          <a:p>
+            <a:pPr algn="just"/>
+            <a:endParaRPr lang="it-IT" sz="2000" dirty="0" smtClean="0">
+              <a:latin typeface="Times New Roman" panose="02020603050405020304" pitchFamily="18" charset="0"/>
+              <a:cs typeface="Times New Roman" panose="02020603050405020304" pitchFamily="18" charset="0"/>
+            </a:endParaRPr>
+          </a:p>
+          <a:p>
+            <a:r>
+              <a:rPr lang="it-IT" sz="2600" dirty="0" smtClean="0"/>
+              <a:t> </a:t>
+            </a:r>
+          </a:p>
+          <a:p>
+            <a:pPr marL="457200" lvl="0" indent="-457200">
+              <a:buFont typeface="+mj-lt"/>
+              <a:buAutoNum type="arabicPeriod"/>
+            </a:pPr>
+            <a:r>
+              <a:rPr lang="it-IT" sz="2000" dirty="0" smtClean="0"/>
+              <a:t>Cliccare sul pulsante “</a:t>
+            </a:r>
+            <a:r>
+              <a:rPr lang="it-IT" sz="2000" dirty="0" err="1" smtClean="0"/>
+              <a:t>Add</a:t>
+            </a:r>
+            <a:r>
+              <a:rPr lang="it-IT" sz="2000" dirty="0" smtClean="0"/>
+              <a:t> a </a:t>
+            </a:r>
+            <a:r>
+              <a:rPr lang="it-IT" sz="2000" dirty="0" err="1" smtClean="0"/>
+              <a:t>cigarettes</a:t>
+            </a:r>
+            <a:r>
+              <a:rPr lang="it-IT" sz="2000" dirty="0" smtClean="0"/>
+              <a:t>”;</a:t>
+            </a:r>
+          </a:p>
+          <a:p>
+            <a:pPr marL="457200" lvl="0" indent="-457200">
+              <a:buFont typeface="+mj-lt"/>
+              <a:buAutoNum type="arabicPeriod"/>
+            </a:pPr>
+            <a:r>
+              <a:rPr lang="it-IT" sz="2000" dirty="0" smtClean="0"/>
+              <a:t>Il numero delle sigarette verrà incrementato di un’unità come mostrato sulla Home </a:t>
+            </a:r>
+            <a:r>
+              <a:rPr lang="it-IT" sz="2000" dirty="0" err="1" smtClean="0"/>
+              <a:t>page</a:t>
+            </a:r>
+            <a:r>
+              <a:rPr lang="it-IT" sz="2000" dirty="0" smtClean="0"/>
+              <a:t>;</a:t>
+            </a:r>
+          </a:p>
+          <a:p>
+            <a:pPr marL="457200" lvl="0" indent="-457200">
+              <a:buFont typeface="+mj-lt"/>
+              <a:buAutoNum type="arabicPeriod"/>
+            </a:pPr>
+            <a:r>
+              <a:rPr lang="it-IT" sz="2000" dirty="0" smtClean="0"/>
+              <a:t>Cliccare per più di 10 volte;</a:t>
+            </a:r>
+          </a:p>
+          <a:p>
+            <a:pPr marL="457200" lvl="0" indent="-457200">
+              <a:buFont typeface="+mj-lt"/>
+              <a:buAutoNum type="arabicPeriod"/>
+            </a:pPr>
+            <a:r>
+              <a:rPr lang="it-IT" sz="2000" dirty="0" smtClean="0"/>
+              <a:t>All’undicesima iterazione verrà mostrato un messaggio in cui verrà chiesto all’utente se vuole smettere di fumare per quel giorno oppure continuare;</a:t>
+            </a:r>
+          </a:p>
+          <a:p>
+            <a:pPr marL="457200" lvl="0" indent="-457200">
+              <a:buFont typeface="+mj-lt"/>
+              <a:buAutoNum type="arabicPeriod"/>
+            </a:pPr>
+            <a:r>
+              <a:rPr lang="it-IT" sz="2000" dirty="0" smtClean="0"/>
+              <a:t>Cliccare su “Yes” per vincere il premio “</a:t>
+            </a:r>
+            <a:r>
+              <a:rPr lang="it-IT" sz="2000" dirty="0" err="1" smtClean="0"/>
+              <a:t>Only</a:t>
+            </a:r>
+            <a:r>
+              <a:rPr lang="it-IT" sz="2000" dirty="0" smtClean="0"/>
+              <a:t> 10 </a:t>
+            </a:r>
+            <a:r>
+              <a:rPr lang="it-IT" sz="2000" dirty="0" err="1" smtClean="0"/>
+              <a:t>cigarettes</a:t>
+            </a:r>
+            <a:r>
+              <a:rPr lang="it-IT" sz="2000" dirty="0" smtClean="0"/>
+              <a:t> </a:t>
+            </a:r>
+            <a:r>
+              <a:rPr lang="it-IT" sz="2000" dirty="0" err="1" smtClean="0"/>
+              <a:t>smoked</a:t>
+            </a:r>
+            <a:r>
+              <a:rPr lang="it-IT" sz="2000" dirty="0" smtClean="0"/>
+              <a:t>”;</a:t>
+            </a:r>
+          </a:p>
+          <a:p>
+            <a:pPr marL="457200" lvl="0" indent="-457200">
+              <a:buFont typeface="+mj-lt"/>
+              <a:buAutoNum type="arabicPeriod"/>
+            </a:pPr>
+            <a:r>
+              <a:rPr lang="it-IT" sz="2000" dirty="0" smtClean="0"/>
+              <a:t>Si aprirà la schermata con il premio vinto;</a:t>
+            </a:r>
+          </a:p>
+          <a:p>
+            <a:pPr marL="457200" lvl="0" indent="-457200">
+              <a:buFont typeface="+mj-lt"/>
+              <a:buAutoNum type="arabicPeriod"/>
+            </a:pPr>
+            <a:r>
+              <a:rPr lang="it-IT" sz="2000" dirty="0" smtClean="0"/>
+              <a:t>Cliccare su “Ok”;</a:t>
+            </a:r>
+          </a:p>
+          <a:p>
+            <a:pPr marL="457200" lvl="0" indent="-457200">
+              <a:buFont typeface="+mj-lt"/>
+              <a:buAutoNum type="arabicPeriod"/>
+            </a:pPr>
+            <a:r>
+              <a:rPr lang="it-IT" sz="2000" dirty="0" smtClean="0"/>
+              <a:t>Si verrà reindirizzati sulla Home </a:t>
+            </a:r>
+            <a:r>
+              <a:rPr lang="it-IT" sz="2000" dirty="0" err="1" smtClean="0"/>
+              <a:t>page</a:t>
+            </a:r>
+            <a:r>
+              <a:rPr lang="it-IT" sz="2000" dirty="0" smtClean="0"/>
+              <a:t>.</a:t>
+            </a:r>
+          </a:p>
+          <a:p>
+            <a:pPr marL="457200" lvl="0" indent="-457200">
+              <a:buFont typeface="+mj-lt"/>
+              <a:buAutoNum type="arabicPeriod"/>
+            </a:pPr>
+            <a:r>
+              <a:rPr lang="it-IT" sz="2000" dirty="0" smtClean="0"/>
+              <a:t>Il pulsante “</a:t>
+            </a:r>
+            <a:r>
+              <a:rPr lang="it-IT" sz="2000" dirty="0" err="1" smtClean="0"/>
+              <a:t>Add</a:t>
+            </a:r>
+            <a:r>
+              <a:rPr lang="it-IT" sz="2000" dirty="0" smtClean="0"/>
+              <a:t> a </a:t>
+            </a:r>
+            <a:r>
+              <a:rPr lang="it-IT" sz="2000" dirty="0" err="1" smtClean="0"/>
+              <a:t>cigarette</a:t>
+            </a:r>
+            <a:r>
+              <a:rPr lang="it-IT" sz="2000" dirty="0" smtClean="0"/>
+              <a:t>” adesso sarà rinominato in “No more </a:t>
+            </a:r>
+            <a:r>
+              <a:rPr lang="it-IT" sz="2000" dirty="0" err="1" smtClean="0"/>
+              <a:t>adding</a:t>
+            </a:r>
+            <a:r>
+              <a:rPr lang="it-IT" sz="2000" dirty="0" smtClean="0"/>
+              <a:t> </a:t>
+            </a:r>
+            <a:r>
+              <a:rPr lang="it-IT" sz="2000" dirty="0" err="1" smtClean="0"/>
+              <a:t>cigarette</a:t>
+            </a:r>
+            <a:r>
+              <a:rPr lang="it-IT" sz="2000" dirty="0" smtClean="0"/>
+              <a:t>”;</a:t>
+            </a:r>
+          </a:p>
+          <a:p>
+            <a:pPr marL="457200" lvl="0" indent="-457200">
+              <a:buFont typeface="+mj-lt"/>
+              <a:buAutoNum type="arabicPeriod"/>
+            </a:pPr>
+            <a:r>
+              <a:rPr lang="it-IT" sz="2000" dirty="0" smtClean="0"/>
+              <a:t>Cliccare su “</a:t>
+            </a:r>
+            <a:r>
+              <a:rPr lang="it-IT" sz="2000" dirty="0" err="1" smtClean="0"/>
+              <a:t>Achievements</a:t>
+            </a:r>
+            <a:r>
+              <a:rPr lang="it-IT" sz="2000" dirty="0" smtClean="0"/>
+              <a:t>” per visualizzare la schermata con i premi vinti (“</a:t>
+            </a:r>
+            <a:r>
+              <a:rPr lang="it-IT" sz="2000" dirty="0" err="1" smtClean="0"/>
+              <a:t>Only</a:t>
+            </a:r>
+            <a:r>
+              <a:rPr lang="it-IT" sz="2000" dirty="0" smtClean="0"/>
+              <a:t> 10 </a:t>
+            </a:r>
+            <a:r>
+              <a:rPr lang="it-IT" sz="2000" dirty="0" err="1" smtClean="0"/>
+              <a:t>cigarettes</a:t>
+            </a:r>
+            <a:r>
+              <a:rPr lang="it-IT" sz="2000" dirty="0" smtClean="0"/>
+              <a:t> </a:t>
+            </a:r>
+            <a:r>
+              <a:rPr lang="it-IT" sz="2000" dirty="0" err="1" smtClean="0"/>
+              <a:t>smoked</a:t>
+            </a:r>
+            <a:r>
+              <a:rPr lang="it-IT" sz="2000" dirty="0" smtClean="0"/>
+              <a:t>” sarà in evidenza).</a:t>
+            </a:r>
+            <a:endParaRPr lang="it-IT" sz="2000" dirty="0"/>
+          </a:p>
+        </p:txBody>
+      </p:sp>
+    </p:spTree>
+    <p:extLst>
+      <p:ext uri="{BB962C8B-B14F-4D97-AF65-F5344CB8AC3E}">
+        <p14:creationId xmlns="" xmlns:p14="http://schemas.microsoft.com/office/powerpoint/2010/main" val="2442419145"/>
+      </p:ext>
+    </p:extLst>
+  </p:cSld>
+  <p:clrMapOvr>
+    <a:masterClrMapping/>
+  </p:clrMapOvr>
+</p:sld>
+</file>
+
+<file path=ppt/slides/slide28.xml><?xml version="1.0" encoding="utf-8"?>
+<p:sld xmlns:a="http://schemas.openxmlformats.org/drawingml/2006/main" xmlns:r="http://schemas.openxmlformats.org/officeDocument/2006/relationships" xmlns:p="http://schemas.openxmlformats.org/presentationml/2006/main">
+  <p:cSld>
+    <p:spTree>
+      <p:nvGrpSpPr>
+        <p:cNvPr id="1" name=""/>
+        <p:cNvGrpSpPr/>
+        <p:nvPr/>
+      </p:nvGrpSpPr>
+      <p:grpSpPr>
+        <a:xfrm>
+          <a:off x="0" y="0"/>
+          <a:ext cx="0" cy="0"/>
+          <a:chOff x="0" y="0"/>
+          <a:chExt cx="0" cy="0"/>
+        </a:xfrm>
+      </p:grpSpPr>
+      <p:sp>
+        <p:nvSpPr>
+          <p:cNvPr id="5" name="Titolo 1"/>
+          <p:cNvSpPr>
+            <a:spLocks noGrp="1"/>
+          </p:cNvSpPr>
+          <p:nvPr>
+            <p:ph type="title"/>
+          </p:nvPr>
+        </p:nvSpPr>
+        <p:spPr>
+          <a:xfrm>
+            <a:off x="628650" y="444137"/>
+            <a:ext cx="7886700" cy="653143"/>
+          </a:xfrm>
+        </p:spPr>
+        <p:txBody>
+          <a:bodyPr>
+            <a:normAutofit/>
+          </a:bodyPr>
+          <a:lstStyle/>
+          <a:p>
+            <a:r>
+              <a:rPr lang="it-IT" sz="2800" b="1" dirty="0" err="1" smtClean="0">
+                <a:latin typeface="Times New Roman" panose="02020603050405020304" pitchFamily="18" charset="0"/>
+                <a:cs typeface="Times New Roman" panose="02020603050405020304" pitchFamily="18" charset="0"/>
+              </a:rPr>
+              <a:t>User</a:t>
+            </a:r>
+            <a:r>
+              <a:rPr lang="it-IT" sz="2800" b="1" dirty="0" smtClean="0">
+                <a:latin typeface="Times New Roman" panose="02020603050405020304" pitchFamily="18" charset="0"/>
+                <a:cs typeface="Times New Roman" panose="02020603050405020304" pitchFamily="18" charset="0"/>
+              </a:rPr>
+              <a:t> </a:t>
+            </a:r>
+            <a:r>
+              <a:rPr lang="it-IT" sz="2800" b="1" dirty="0" err="1" smtClean="0">
+                <a:latin typeface="Times New Roman" panose="02020603050405020304" pitchFamily="18" charset="0"/>
+                <a:cs typeface="Times New Roman" panose="02020603050405020304" pitchFamily="18" charset="0"/>
+              </a:rPr>
+              <a:t>testing</a:t>
+            </a:r>
+            <a:r>
+              <a:rPr lang="it-IT" sz="2800" b="1" dirty="0" smtClean="0">
+                <a:latin typeface="Times New Roman" panose="02020603050405020304" pitchFamily="18" charset="0"/>
+                <a:cs typeface="Times New Roman" panose="02020603050405020304" pitchFamily="18" charset="0"/>
+              </a:rPr>
+              <a:t> – </a:t>
+            </a:r>
+            <a:r>
+              <a:rPr lang="it-IT" sz="2800" b="1" i="1" dirty="0" err="1" smtClean="0">
+                <a:latin typeface="Times New Roman" panose="02020603050405020304" pitchFamily="18" charset="0"/>
+                <a:cs typeface="Times New Roman" panose="02020603050405020304" pitchFamily="18" charset="0"/>
+              </a:rPr>
+              <a:t>During</a:t>
+            </a:r>
+            <a:r>
+              <a:rPr lang="it-IT" sz="2800" b="1" i="1" dirty="0" smtClean="0">
+                <a:latin typeface="Times New Roman" panose="02020603050405020304" pitchFamily="18" charset="0"/>
+                <a:cs typeface="Times New Roman" panose="02020603050405020304" pitchFamily="18" charset="0"/>
+              </a:rPr>
+              <a:t> the test</a:t>
+            </a:r>
+            <a:endParaRPr lang="it-IT" sz="2800" i="1" dirty="0"/>
+          </a:p>
+        </p:txBody>
+      </p:sp>
+      <p:sp>
+        <p:nvSpPr>
+          <p:cNvPr id="8" name="Segnaposto contenuto 2"/>
+          <p:cNvSpPr txBox="1">
+            <a:spLocks/>
+          </p:cNvSpPr>
+          <p:nvPr/>
+        </p:nvSpPr>
+        <p:spPr>
+          <a:xfrm>
+            <a:off x="628650" y="1254034"/>
+            <a:ext cx="7886700" cy="5301311"/>
+          </a:xfrm>
+          <a:prstGeom prst="rect">
+            <a:avLst/>
+          </a:prstGeom>
+        </p:spPr>
+        <p:txBody>
+          <a:bodyPr vert="horz" lIns="91440" tIns="45720" rIns="91440" bIns="45720" rtlCol="0">
+            <a:normAutofit/>
+          </a:bodyPr>
+          <a:lstStyle/>
+          <a:p>
+            <a:pPr lvl="0" algn="ctr">
+              <a:lnSpc>
+                <a:spcPct val="120000"/>
+              </a:lnSpc>
+              <a:spcBef>
+                <a:spcPts val="1000"/>
+              </a:spcBef>
+            </a:pPr>
+            <a:r>
+              <a:rPr lang="it-IT" sz="2500" b="1" dirty="0" smtClean="0">
+                <a:latin typeface="Times New Roman" panose="02020603050405020304" pitchFamily="18" charset="0"/>
+                <a:cs typeface="Times New Roman" panose="02020603050405020304" pitchFamily="18" charset="0"/>
+              </a:rPr>
+              <a:t>Task 5 – Visualizzare i progressi</a:t>
+            </a:r>
+            <a:endParaRPr lang="it-IT" sz="2500" dirty="0" smtClean="0">
+              <a:latin typeface="Times New Roman" panose="02020603050405020304" pitchFamily="18" charset="0"/>
+              <a:cs typeface="Times New Roman" panose="02020603050405020304" pitchFamily="18" charset="0"/>
+            </a:endParaRPr>
+          </a:p>
+          <a:p>
+            <a:pPr algn="just"/>
+            <a:endParaRPr lang="it-IT" sz="2000" dirty="0" smtClean="0">
+              <a:latin typeface="Times New Roman" panose="02020603050405020304" pitchFamily="18" charset="0"/>
+              <a:cs typeface="Times New Roman" panose="02020603050405020304" pitchFamily="18" charset="0"/>
+            </a:endParaRPr>
+          </a:p>
+          <a:p>
+            <a:r>
+              <a:rPr lang="it-IT" sz="2600" dirty="0" smtClean="0"/>
+              <a:t> </a:t>
+            </a:r>
+          </a:p>
+          <a:p>
+            <a:r>
+              <a:rPr lang="it-IT" sz="2000" dirty="0" smtClean="0"/>
+              <a:t>Ogni volta che si incrementa il numero di sigarette (quando l’obiettivo “</a:t>
+            </a:r>
+            <a:r>
+              <a:rPr lang="it-IT" sz="2000" dirty="0" err="1" smtClean="0"/>
+              <a:t>Only</a:t>
+            </a:r>
+            <a:r>
+              <a:rPr lang="it-IT" sz="2000" dirty="0" smtClean="0"/>
+              <a:t> 10 </a:t>
+            </a:r>
+            <a:r>
+              <a:rPr lang="it-IT" sz="2000" dirty="0" err="1" smtClean="0"/>
+              <a:t>cigarettes</a:t>
+            </a:r>
+            <a:r>
+              <a:rPr lang="it-IT" sz="2000" dirty="0" smtClean="0"/>
+              <a:t> </a:t>
+            </a:r>
+            <a:r>
+              <a:rPr lang="it-IT" sz="2000" dirty="0" err="1" smtClean="0"/>
+              <a:t>smoked</a:t>
+            </a:r>
+            <a:r>
+              <a:rPr lang="it-IT" sz="2000" dirty="0" smtClean="0"/>
+              <a:t>” è selezionato), il valore in percentuale dell’obiettivo scelto verrà incrementato:</a:t>
+            </a:r>
+          </a:p>
+          <a:p>
+            <a:pPr marL="457200" lvl="0" indent="-457200">
+              <a:buFont typeface="+mj-lt"/>
+              <a:buAutoNum type="arabicPeriod"/>
+            </a:pPr>
+            <a:r>
+              <a:rPr lang="it-IT" sz="2000" dirty="0" smtClean="0"/>
+              <a:t>Cliccare sul menù a tendina in alto;</a:t>
+            </a:r>
+          </a:p>
+          <a:p>
+            <a:pPr marL="457200" lvl="0" indent="-457200">
+              <a:buFont typeface="+mj-lt"/>
+              <a:buAutoNum type="arabicPeriod"/>
+            </a:pPr>
+            <a:r>
+              <a:rPr lang="it-IT" sz="2000" dirty="0" smtClean="0"/>
+              <a:t>Cliccare su “Progress”;</a:t>
+            </a:r>
+          </a:p>
+          <a:p>
+            <a:pPr marL="457200" lvl="0" indent="-457200">
+              <a:buFont typeface="+mj-lt"/>
+              <a:buAutoNum type="arabicPeriod"/>
+            </a:pPr>
+            <a:r>
+              <a:rPr lang="it-IT" sz="2000" dirty="0" smtClean="0"/>
+              <a:t>Il valore in percentuale aumenterà finché non giungerà a 100%.</a:t>
+            </a:r>
+            <a:endParaRPr lang="it-IT" sz="2000" dirty="0"/>
+          </a:p>
+        </p:txBody>
+      </p:sp>
+    </p:spTree>
+    <p:extLst>
+      <p:ext uri="{BB962C8B-B14F-4D97-AF65-F5344CB8AC3E}">
+        <p14:creationId xmlns="" xmlns:p14="http://schemas.microsoft.com/office/powerpoint/2010/main" val="2442419145"/>
+      </p:ext>
+    </p:extLst>
+  </p:cSld>
+  <p:clrMapOvr>
+    <a:masterClrMapping/>
+  </p:clrMapOvr>
+</p:sld>
+</file>
+
+<file path=ppt/slides/slide29.xml><?xml version="1.0" encoding="utf-8"?>
+<p:sld xmlns:a="http://schemas.openxmlformats.org/drawingml/2006/main" xmlns:r="http://schemas.openxmlformats.org/officeDocument/2006/relationships" xmlns:p="http://schemas.openxmlformats.org/presentationml/2006/main">
+  <p:cSld>
+    <p:spTree>
+      <p:nvGrpSpPr>
+        <p:cNvPr id="1" name=""/>
+        <p:cNvGrpSpPr/>
+        <p:nvPr/>
+      </p:nvGrpSpPr>
+      <p:grpSpPr>
+        <a:xfrm>
+          <a:off x="0" y="0"/>
+          <a:ext cx="0" cy="0"/>
+          <a:chOff x="0" y="0"/>
+          <a:chExt cx="0" cy="0"/>
+        </a:xfrm>
+      </p:grpSpPr>
+      <p:sp>
+        <p:nvSpPr>
+          <p:cNvPr id="5" name="Titolo 1"/>
+          <p:cNvSpPr>
+            <a:spLocks noGrp="1"/>
+          </p:cNvSpPr>
+          <p:nvPr>
+            <p:ph type="title"/>
+          </p:nvPr>
+        </p:nvSpPr>
+        <p:spPr>
+          <a:xfrm>
+            <a:off x="628650" y="444137"/>
+            <a:ext cx="7886700" cy="653143"/>
+          </a:xfrm>
+        </p:spPr>
+        <p:txBody>
+          <a:bodyPr>
+            <a:normAutofit/>
+          </a:bodyPr>
+          <a:lstStyle/>
+          <a:p>
+            <a:r>
+              <a:rPr lang="it-IT" sz="2800" b="1" dirty="0" err="1" smtClean="0">
+                <a:latin typeface="Times New Roman" panose="02020603050405020304" pitchFamily="18" charset="0"/>
+                <a:cs typeface="Times New Roman" panose="02020603050405020304" pitchFamily="18" charset="0"/>
+              </a:rPr>
+              <a:t>User</a:t>
+            </a:r>
+            <a:r>
+              <a:rPr lang="it-IT" sz="2800" b="1" dirty="0" smtClean="0">
+                <a:latin typeface="Times New Roman" panose="02020603050405020304" pitchFamily="18" charset="0"/>
+                <a:cs typeface="Times New Roman" panose="02020603050405020304" pitchFamily="18" charset="0"/>
+              </a:rPr>
+              <a:t> </a:t>
+            </a:r>
+            <a:r>
+              <a:rPr lang="it-IT" sz="2800" b="1" dirty="0" err="1" smtClean="0">
+                <a:latin typeface="Times New Roman" panose="02020603050405020304" pitchFamily="18" charset="0"/>
+                <a:cs typeface="Times New Roman" panose="02020603050405020304" pitchFamily="18" charset="0"/>
+              </a:rPr>
+              <a:t>testing</a:t>
+            </a:r>
+            <a:r>
+              <a:rPr lang="it-IT" sz="2800" b="1" dirty="0" smtClean="0">
+                <a:latin typeface="Times New Roman" panose="02020603050405020304" pitchFamily="18" charset="0"/>
+                <a:cs typeface="Times New Roman" panose="02020603050405020304" pitchFamily="18" charset="0"/>
+              </a:rPr>
+              <a:t> – </a:t>
+            </a:r>
+            <a:r>
+              <a:rPr lang="it-IT" sz="2800" b="1" i="1" dirty="0" err="1" smtClean="0">
+                <a:latin typeface="Times New Roman" panose="02020603050405020304" pitchFamily="18" charset="0"/>
+                <a:cs typeface="Times New Roman" panose="02020603050405020304" pitchFamily="18" charset="0"/>
+              </a:rPr>
+              <a:t>During</a:t>
+            </a:r>
+            <a:r>
+              <a:rPr lang="it-IT" sz="2800" b="1" i="1" dirty="0" smtClean="0">
+                <a:latin typeface="Times New Roman" panose="02020603050405020304" pitchFamily="18" charset="0"/>
+                <a:cs typeface="Times New Roman" panose="02020603050405020304" pitchFamily="18" charset="0"/>
+              </a:rPr>
+              <a:t> the test</a:t>
+            </a:r>
+            <a:endParaRPr lang="it-IT" sz="2800" i="1" dirty="0"/>
+          </a:p>
+        </p:txBody>
+      </p:sp>
+      <p:sp>
+        <p:nvSpPr>
+          <p:cNvPr id="8" name="Segnaposto contenuto 2"/>
+          <p:cNvSpPr txBox="1">
+            <a:spLocks/>
+          </p:cNvSpPr>
+          <p:nvPr/>
+        </p:nvSpPr>
+        <p:spPr>
+          <a:xfrm>
+            <a:off x="628650" y="1254034"/>
+            <a:ext cx="7886700" cy="5301311"/>
+          </a:xfrm>
+          <a:prstGeom prst="rect">
+            <a:avLst/>
+          </a:prstGeom>
+        </p:spPr>
+        <p:txBody>
+          <a:bodyPr vert="horz" lIns="91440" tIns="45720" rIns="91440" bIns="45720" rtlCol="0">
+            <a:normAutofit/>
+          </a:bodyPr>
+          <a:lstStyle/>
+          <a:p>
+            <a:pPr lvl="0" algn="ctr">
+              <a:lnSpc>
+                <a:spcPct val="120000"/>
+              </a:lnSpc>
+              <a:spcBef>
+                <a:spcPts val="1000"/>
+              </a:spcBef>
+            </a:pPr>
+            <a:r>
+              <a:rPr lang="it-IT" sz="2500" b="1" dirty="0" smtClean="0">
+                <a:latin typeface="Times New Roman" panose="02020603050405020304" pitchFamily="18" charset="0"/>
+                <a:cs typeface="Times New Roman" panose="02020603050405020304" pitchFamily="18" charset="0"/>
+              </a:rPr>
+              <a:t>Task 6 – Perdere il premio “</a:t>
+            </a:r>
+            <a:r>
+              <a:rPr lang="it-IT" sz="2500" b="1" dirty="0" err="1" smtClean="0">
+                <a:latin typeface="Times New Roman" panose="02020603050405020304" pitchFamily="18" charset="0"/>
+                <a:cs typeface="Times New Roman" panose="02020603050405020304" pitchFamily="18" charset="0"/>
+              </a:rPr>
+              <a:t>Only</a:t>
+            </a:r>
+            <a:r>
+              <a:rPr lang="it-IT" sz="2500" b="1" dirty="0" smtClean="0">
+                <a:latin typeface="Times New Roman" panose="02020603050405020304" pitchFamily="18" charset="0"/>
+                <a:cs typeface="Times New Roman" panose="02020603050405020304" pitchFamily="18" charset="0"/>
+              </a:rPr>
+              <a:t> 10 </a:t>
+            </a:r>
+            <a:r>
+              <a:rPr lang="it-IT" sz="2500" b="1" dirty="0" err="1" smtClean="0">
+                <a:latin typeface="Times New Roman" panose="02020603050405020304" pitchFamily="18" charset="0"/>
+                <a:cs typeface="Times New Roman" panose="02020603050405020304" pitchFamily="18" charset="0"/>
+              </a:rPr>
+              <a:t>cigarettes</a:t>
+            </a:r>
+            <a:r>
+              <a:rPr lang="it-IT" sz="2500" b="1" dirty="0" smtClean="0">
+                <a:latin typeface="Times New Roman" panose="02020603050405020304" pitchFamily="18" charset="0"/>
+                <a:cs typeface="Times New Roman" panose="02020603050405020304" pitchFamily="18" charset="0"/>
+              </a:rPr>
+              <a:t> </a:t>
+            </a:r>
+            <a:r>
+              <a:rPr lang="it-IT" sz="2500" b="1" dirty="0" err="1" smtClean="0">
+                <a:latin typeface="Times New Roman" panose="02020603050405020304" pitchFamily="18" charset="0"/>
+                <a:cs typeface="Times New Roman" panose="02020603050405020304" pitchFamily="18" charset="0"/>
+              </a:rPr>
+              <a:t>smoked</a:t>
+            </a:r>
+            <a:r>
+              <a:rPr lang="it-IT" sz="2500" b="1" dirty="0" smtClean="0">
+                <a:latin typeface="Times New Roman" panose="02020603050405020304" pitchFamily="18" charset="0"/>
+                <a:cs typeface="Times New Roman" panose="02020603050405020304" pitchFamily="18" charset="0"/>
+              </a:rPr>
+              <a:t>”</a:t>
+            </a:r>
+            <a:endParaRPr lang="it-IT" sz="2500" dirty="0" smtClean="0">
+              <a:latin typeface="Times New Roman" panose="02020603050405020304" pitchFamily="18" charset="0"/>
+              <a:cs typeface="Times New Roman" panose="02020603050405020304" pitchFamily="18" charset="0"/>
+            </a:endParaRPr>
+          </a:p>
+          <a:p>
+            <a:pPr algn="just"/>
+            <a:endParaRPr lang="it-IT" sz="2000" dirty="0" smtClean="0">
+              <a:latin typeface="Times New Roman" panose="02020603050405020304" pitchFamily="18" charset="0"/>
+              <a:cs typeface="Times New Roman" panose="02020603050405020304" pitchFamily="18" charset="0"/>
+            </a:endParaRPr>
+          </a:p>
+          <a:p>
+            <a:r>
+              <a:rPr lang="it-IT" sz="2600" dirty="0" smtClean="0"/>
+              <a:t> </a:t>
+            </a:r>
+          </a:p>
+          <a:p>
+            <a:pPr marL="457200" lvl="0" indent="-457200">
+              <a:buFont typeface="+mj-lt"/>
+              <a:buAutoNum type="arabicPeriod"/>
+            </a:pPr>
+            <a:r>
+              <a:rPr lang="it-IT" sz="2000" dirty="0" smtClean="0"/>
+              <a:t>Cliccare sul pulsante “No more </a:t>
+            </a:r>
+            <a:r>
+              <a:rPr lang="it-IT" sz="2000" dirty="0" err="1" smtClean="0"/>
+              <a:t>adding</a:t>
+            </a:r>
+            <a:r>
+              <a:rPr lang="it-IT" sz="2000" dirty="0" smtClean="0"/>
+              <a:t> </a:t>
+            </a:r>
+            <a:r>
+              <a:rPr lang="it-IT" sz="2000" dirty="0" err="1" smtClean="0"/>
+              <a:t>cigarette</a:t>
+            </a:r>
+            <a:r>
+              <a:rPr lang="it-IT" sz="2000" dirty="0" smtClean="0"/>
+              <a:t>”;</a:t>
+            </a:r>
+          </a:p>
+          <a:p>
+            <a:pPr marL="457200" lvl="0" indent="-457200">
+              <a:buFont typeface="+mj-lt"/>
+              <a:buAutoNum type="arabicPeriod"/>
+            </a:pPr>
+            <a:r>
+              <a:rPr lang="it-IT" sz="2000" dirty="0" smtClean="0"/>
+              <a:t>Verrà visualizzato un messaggio in cui verrà richiesto all’utente se vuole continuare (perdendo il premio vinto quel giorno);</a:t>
+            </a:r>
+          </a:p>
+          <a:p>
+            <a:pPr marL="457200" lvl="0" indent="-457200">
+              <a:buFont typeface="+mj-lt"/>
+              <a:buAutoNum type="arabicPeriod"/>
+            </a:pPr>
+            <a:r>
+              <a:rPr lang="it-IT" sz="2000" dirty="0" smtClean="0"/>
+              <a:t>Cliccare su “Yes”;</a:t>
+            </a:r>
+          </a:p>
+          <a:p>
+            <a:pPr marL="457200" lvl="0" indent="-457200">
+              <a:buFont typeface="+mj-lt"/>
+              <a:buAutoNum type="arabicPeriod"/>
+            </a:pPr>
+            <a:r>
+              <a:rPr lang="it-IT" sz="2000" dirty="0" smtClean="0"/>
+              <a:t>Si aprirà la schermata con la notifica che il premio “</a:t>
+            </a:r>
+            <a:r>
+              <a:rPr lang="it-IT" sz="2000" dirty="0" err="1" smtClean="0"/>
+              <a:t>Only</a:t>
+            </a:r>
+            <a:r>
+              <a:rPr lang="it-IT" sz="2000" dirty="0" smtClean="0"/>
+              <a:t> 10 </a:t>
+            </a:r>
+            <a:r>
+              <a:rPr lang="it-IT" sz="2000" dirty="0" err="1" smtClean="0"/>
+              <a:t>cigarettes</a:t>
+            </a:r>
+            <a:r>
+              <a:rPr lang="it-IT" sz="2000" dirty="0" smtClean="0"/>
+              <a:t> </a:t>
+            </a:r>
+            <a:r>
+              <a:rPr lang="it-IT" sz="2000" dirty="0" err="1" smtClean="0"/>
+              <a:t>smoked</a:t>
+            </a:r>
+            <a:r>
+              <a:rPr lang="it-IT" sz="2000" dirty="0" smtClean="0"/>
+              <a:t>” è andato perso;</a:t>
+            </a:r>
+          </a:p>
+          <a:p>
+            <a:pPr marL="457200" lvl="0" indent="-457200">
+              <a:buFont typeface="+mj-lt"/>
+              <a:buAutoNum type="arabicPeriod"/>
+            </a:pPr>
+            <a:r>
+              <a:rPr lang="it-IT" sz="2000" dirty="0" smtClean="0"/>
+              <a:t>Cliccare su “Ok”;</a:t>
+            </a:r>
+          </a:p>
+          <a:p>
+            <a:pPr marL="457200" lvl="0" indent="-457200">
+              <a:buFont typeface="+mj-lt"/>
+              <a:buAutoNum type="arabicPeriod"/>
+            </a:pPr>
+            <a:r>
+              <a:rPr lang="it-IT" sz="2000" dirty="0" smtClean="0"/>
+              <a:t>Si verrà reindirizzati sulla Home </a:t>
+            </a:r>
+            <a:r>
+              <a:rPr lang="it-IT" sz="2000" dirty="0" err="1" smtClean="0"/>
+              <a:t>page</a:t>
+            </a:r>
+            <a:r>
+              <a:rPr lang="it-IT" sz="2000" dirty="0" smtClean="0"/>
+              <a:t>.</a:t>
+            </a:r>
+          </a:p>
+          <a:p>
+            <a:pPr marL="457200" lvl="0" indent="-457200">
+              <a:buFont typeface="+mj-lt"/>
+              <a:buAutoNum type="arabicPeriod"/>
+            </a:pPr>
+            <a:r>
+              <a:rPr lang="it-IT" sz="2000" dirty="0" smtClean="0"/>
+              <a:t>Cliccare su “</a:t>
+            </a:r>
+            <a:r>
+              <a:rPr lang="it-IT" sz="2000" dirty="0" err="1" smtClean="0"/>
+              <a:t>Achievements</a:t>
+            </a:r>
+            <a:r>
+              <a:rPr lang="it-IT" sz="2000" dirty="0" smtClean="0"/>
+              <a:t>” per visualizzare la schermata con i premi vinti (“</a:t>
+            </a:r>
+            <a:r>
+              <a:rPr lang="it-IT" sz="2000" dirty="0" err="1" smtClean="0"/>
+              <a:t>Only</a:t>
+            </a:r>
+            <a:r>
+              <a:rPr lang="it-IT" sz="2000" dirty="0" smtClean="0"/>
+              <a:t> 10 </a:t>
+            </a:r>
+            <a:r>
+              <a:rPr lang="it-IT" sz="2000" dirty="0" err="1" smtClean="0"/>
+              <a:t>cigarettes</a:t>
+            </a:r>
+            <a:r>
+              <a:rPr lang="it-IT" sz="2000" dirty="0" smtClean="0"/>
+              <a:t> </a:t>
+            </a:r>
+            <a:r>
+              <a:rPr lang="it-IT" sz="2000" dirty="0" err="1" smtClean="0"/>
+              <a:t>smoked</a:t>
+            </a:r>
+            <a:r>
+              <a:rPr lang="it-IT" sz="2000" dirty="0" smtClean="0"/>
+              <a:t>” non sarà più in evidenza).</a:t>
+            </a:r>
+            <a:endParaRPr lang="it-IT" sz="2000" dirty="0"/>
+          </a:p>
+        </p:txBody>
+      </p:sp>
+    </p:spTree>
+    <p:extLst>
+      <p:ext uri="{BB962C8B-B14F-4D97-AF65-F5344CB8AC3E}">
+        <p14:creationId xmlns="" xmlns:p14="http://schemas.microsoft.com/office/powerpoint/2010/main" val="2442419145"/>
       </p:ext>
     </p:extLst>
   </p:cSld>
@@ -6820,7 +9551,2089 @@
     </p:spTree>
     <p:extLst>
       <p:ext uri="{BB962C8B-B14F-4D97-AF65-F5344CB8AC3E}">
-        <p14:creationId xmlns:p14="http://schemas.microsoft.com/office/powerpoint/2010/main" xmlns="" val="2477898856"/>
+        <p14:creationId xmlns="" xmlns:p14="http://schemas.microsoft.com/office/powerpoint/2010/main" val="2477898856"/>
+      </p:ext>
+    </p:extLst>
+  </p:cSld>
+  <p:clrMapOvr>
+    <a:masterClrMapping/>
+  </p:clrMapOvr>
+</p:sld>
+</file>
+
+<file path=ppt/slides/slide30.xml><?xml version="1.0" encoding="utf-8"?>
+<p:sld xmlns:a="http://schemas.openxmlformats.org/drawingml/2006/main" xmlns:r="http://schemas.openxmlformats.org/officeDocument/2006/relationships" xmlns:p="http://schemas.openxmlformats.org/presentationml/2006/main">
+  <p:cSld>
+    <p:spTree>
+      <p:nvGrpSpPr>
+        <p:cNvPr id="1" name=""/>
+        <p:cNvGrpSpPr/>
+        <p:nvPr/>
+      </p:nvGrpSpPr>
+      <p:grpSpPr>
+        <a:xfrm>
+          <a:off x="0" y="0"/>
+          <a:ext cx="0" cy="0"/>
+          <a:chOff x="0" y="0"/>
+          <a:chExt cx="0" cy="0"/>
+        </a:xfrm>
+      </p:grpSpPr>
+      <p:sp>
+        <p:nvSpPr>
+          <p:cNvPr id="5" name="Titolo 1"/>
+          <p:cNvSpPr>
+            <a:spLocks noGrp="1"/>
+          </p:cNvSpPr>
+          <p:nvPr>
+            <p:ph type="title"/>
+          </p:nvPr>
+        </p:nvSpPr>
+        <p:spPr>
+          <a:xfrm>
+            <a:off x="628650" y="444137"/>
+            <a:ext cx="7886700" cy="653143"/>
+          </a:xfrm>
+        </p:spPr>
+        <p:txBody>
+          <a:bodyPr>
+            <a:normAutofit/>
+          </a:bodyPr>
+          <a:lstStyle/>
+          <a:p>
+            <a:r>
+              <a:rPr lang="it-IT" sz="2800" b="1" dirty="0" err="1" smtClean="0">
+                <a:latin typeface="Times New Roman" panose="02020603050405020304" pitchFamily="18" charset="0"/>
+                <a:cs typeface="Times New Roman" panose="02020603050405020304" pitchFamily="18" charset="0"/>
+              </a:rPr>
+              <a:t>User</a:t>
+            </a:r>
+            <a:r>
+              <a:rPr lang="it-IT" sz="2800" b="1" dirty="0" smtClean="0">
+                <a:latin typeface="Times New Roman" panose="02020603050405020304" pitchFamily="18" charset="0"/>
+                <a:cs typeface="Times New Roman" panose="02020603050405020304" pitchFamily="18" charset="0"/>
+              </a:rPr>
+              <a:t> </a:t>
+            </a:r>
+            <a:r>
+              <a:rPr lang="it-IT" sz="2800" b="1" dirty="0" err="1" smtClean="0">
+                <a:latin typeface="Times New Roman" panose="02020603050405020304" pitchFamily="18" charset="0"/>
+                <a:cs typeface="Times New Roman" panose="02020603050405020304" pitchFamily="18" charset="0"/>
+              </a:rPr>
+              <a:t>testing</a:t>
+            </a:r>
+            <a:r>
+              <a:rPr lang="it-IT" sz="2800" b="1" dirty="0" smtClean="0">
+                <a:latin typeface="Times New Roman" panose="02020603050405020304" pitchFamily="18" charset="0"/>
+                <a:cs typeface="Times New Roman" panose="02020603050405020304" pitchFamily="18" charset="0"/>
+              </a:rPr>
+              <a:t> – </a:t>
+            </a:r>
+            <a:r>
+              <a:rPr lang="it-IT" sz="2800" b="1" i="1" dirty="0" err="1" smtClean="0">
+                <a:latin typeface="Times New Roman" panose="02020603050405020304" pitchFamily="18" charset="0"/>
+                <a:cs typeface="Times New Roman" panose="02020603050405020304" pitchFamily="18" charset="0"/>
+              </a:rPr>
+              <a:t>During</a:t>
+            </a:r>
+            <a:r>
+              <a:rPr lang="it-IT" sz="2800" b="1" i="1" dirty="0" smtClean="0">
+                <a:latin typeface="Times New Roman" panose="02020603050405020304" pitchFamily="18" charset="0"/>
+                <a:cs typeface="Times New Roman" panose="02020603050405020304" pitchFamily="18" charset="0"/>
+              </a:rPr>
+              <a:t> the test</a:t>
+            </a:r>
+            <a:endParaRPr lang="it-IT" sz="2800" i="1" dirty="0"/>
+          </a:p>
+        </p:txBody>
+      </p:sp>
+      <p:sp>
+        <p:nvSpPr>
+          <p:cNvPr id="8" name="Segnaposto contenuto 2"/>
+          <p:cNvSpPr txBox="1">
+            <a:spLocks/>
+          </p:cNvSpPr>
+          <p:nvPr/>
+        </p:nvSpPr>
+        <p:spPr>
+          <a:xfrm>
+            <a:off x="628650" y="1254036"/>
+            <a:ext cx="7886700" cy="627016"/>
+          </a:xfrm>
+          <a:prstGeom prst="rect">
+            <a:avLst/>
+          </a:prstGeom>
+        </p:spPr>
+        <p:txBody>
+          <a:bodyPr vert="horz" lIns="91440" tIns="45720" rIns="91440" bIns="45720" rtlCol="0">
+            <a:normAutofit/>
+          </a:bodyPr>
+          <a:lstStyle/>
+          <a:p>
+            <a:pPr lvl="0" algn="ctr">
+              <a:lnSpc>
+                <a:spcPct val="120000"/>
+              </a:lnSpc>
+              <a:spcBef>
+                <a:spcPts val="1000"/>
+              </a:spcBef>
+            </a:pPr>
+            <a:r>
+              <a:rPr lang="it-IT" sz="2500" b="1" dirty="0" err="1" smtClean="0">
+                <a:latin typeface="Times New Roman" panose="02020603050405020304" pitchFamily="18" charset="0"/>
+                <a:cs typeface="Times New Roman" panose="02020603050405020304" pitchFamily="18" charset="0"/>
+              </a:rPr>
+              <a:t>Thinking</a:t>
+            </a:r>
+            <a:r>
+              <a:rPr lang="it-IT" sz="2500" b="1" dirty="0" smtClean="0">
+                <a:latin typeface="Times New Roman" panose="02020603050405020304" pitchFamily="18" charset="0"/>
+                <a:cs typeface="Times New Roman" panose="02020603050405020304" pitchFamily="18" charset="0"/>
+              </a:rPr>
+              <a:t> </a:t>
+            </a:r>
+            <a:r>
+              <a:rPr lang="it-IT" sz="2500" b="1" dirty="0" err="1" smtClean="0">
+                <a:latin typeface="Times New Roman" panose="02020603050405020304" pitchFamily="18" charset="0"/>
+                <a:cs typeface="Times New Roman" panose="02020603050405020304" pitchFamily="18" charset="0"/>
+              </a:rPr>
+              <a:t>Aloud</a:t>
+            </a:r>
+            <a:r>
+              <a:rPr lang="it-IT" sz="2500" b="1" dirty="0" smtClean="0">
+                <a:latin typeface="Times New Roman" panose="02020603050405020304" pitchFamily="18" charset="0"/>
+                <a:cs typeface="Times New Roman" panose="02020603050405020304" pitchFamily="18" charset="0"/>
+              </a:rPr>
+              <a:t> – Tester </a:t>
+            </a:r>
+            <a:r>
+              <a:rPr lang="it-IT" sz="2500" b="1" dirty="0" err="1" smtClean="0">
+                <a:latin typeface="Times New Roman" panose="02020603050405020304" pitchFamily="18" charset="0"/>
+                <a:cs typeface="Times New Roman" panose="02020603050405020304" pitchFamily="18" charset="0"/>
+              </a:rPr>
+              <a:t>n°</a:t>
+            </a:r>
+            <a:r>
+              <a:rPr lang="it-IT" sz="2500" b="1" dirty="0" smtClean="0">
+                <a:latin typeface="Times New Roman" panose="02020603050405020304" pitchFamily="18" charset="0"/>
+                <a:cs typeface="Times New Roman" panose="02020603050405020304" pitchFamily="18" charset="0"/>
+              </a:rPr>
+              <a:t> 1 (Carlo)</a:t>
+            </a:r>
+            <a:endParaRPr lang="it-IT" sz="2500" dirty="0" smtClean="0">
+              <a:latin typeface="Times New Roman" panose="02020603050405020304" pitchFamily="18" charset="0"/>
+              <a:cs typeface="Times New Roman" panose="02020603050405020304" pitchFamily="18" charset="0"/>
+            </a:endParaRPr>
+          </a:p>
+        </p:txBody>
+      </p:sp>
+      <p:pic>
+        <p:nvPicPr>
+          <p:cNvPr id="1026" name="Picture 2" descr="Clipboard022"/>
+          <p:cNvPicPr>
+            <a:picLocks noChangeAspect="1" noChangeArrowheads="1"/>
+          </p:cNvPicPr>
+          <p:nvPr/>
+        </p:nvPicPr>
+        <p:blipFill>
+          <a:blip r:embed="rId2" cstate="print"/>
+          <a:srcRect/>
+          <a:stretch>
+            <a:fillRect/>
+          </a:stretch>
+        </p:blipFill>
+        <p:spPr bwMode="auto">
+          <a:xfrm>
+            <a:off x="5016048" y="1881050"/>
+            <a:ext cx="3244484" cy="4754881"/>
+          </a:xfrm>
+          <a:prstGeom prst="rect">
+            <a:avLst/>
+          </a:prstGeom>
+          <a:noFill/>
+          <a:ln w="9525">
+            <a:noFill/>
+            <a:miter lim="800000"/>
+            <a:headEnd/>
+            <a:tailEnd/>
+          </a:ln>
+        </p:spPr>
+      </p:pic>
+      <p:sp>
+        <p:nvSpPr>
+          <p:cNvPr id="6" name="Rettangolo 5"/>
+          <p:cNvSpPr/>
+          <p:nvPr/>
+        </p:nvSpPr>
+        <p:spPr>
+          <a:xfrm>
+            <a:off x="509451" y="2246811"/>
+            <a:ext cx="3788229" cy="2862322"/>
+          </a:xfrm>
+          <a:prstGeom prst="rect">
+            <a:avLst/>
+          </a:prstGeom>
+        </p:spPr>
+        <p:txBody>
+          <a:bodyPr wrap="square">
+            <a:spAutoFit/>
+          </a:bodyPr>
+          <a:lstStyle/>
+          <a:p>
+            <a:pPr lvl="0">
+              <a:buFontTx/>
+              <a:buChar char="-"/>
+            </a:pPr>
+            <a:r>
+              <a:rPr lang="it-IT" sz="2000" dirty="0" smtClean="0"/>
+              <a:t> Fase </a:t>
+            </a:r>
+            <a:r>
+              <a:rPr lang="it-IT" sz="2000" dirty="0" smtClean="0"/>
+              <a:t>di registrazione: navigazione nel pannello dinamico poco </a:t>
+            </a:r>
+            <a:r>
+              <a:rPr lang="it-IT" sz="2000" dirty="0" smtClean="0"/>
+              <a:t>intuitiva.</a:t>
+            </a:r>
+          </a:p>
+          <a:p>
+            <a:pPr lvl="0">
+              <a:buFontTx/>
+              <a:buChar char="-"/>
+            </a:pPr>
+            <a:endParaRPr lang="it-IT" sz="2000" dirty="0" smtClean="0"/>
+          </a:p>
+          <a:p>
+            <a:pPr lvl="0">
+              <a:buFontTx/>
+              <a:buChar char="-"/>
+            </a:pPr>
+            <a:endParaRPr lang="it-IT" sz="2000" dirty="0" smtClean="0"/>
+          </a:p>
+          <a:p>
+            <a:pPr lvl="0"/>
+            <a:r>
+              <a:rPr lang="it-IT" sz="2000" dirty="0" smtClean="0"/>
+              <a:t>- Arrivato </a:t>
+            </a:r>
+            <a:r>
+              <a:rPr lang="it-IT" sz="2000" dirty="0" smtClean="0"/>
+              <a:t>alla schermata della Home, non è risultato chiaro il suo contenuto e ciò ha creato delle difficoltà nell’utilizzo </a:t>
+            </a:r>
+            <a:r>
+              <a:rPr lang="it-IT" sz="2000" dirty="0" smtClean="0"/>
+              <a:t>dell’app.</a:t>
+            </a:r>
+            <a:endParaRPr lang="it-IT" sz="2000" dirty="0"/>
+          </a:p>
+        </p:txBody>
+      </p:sp>
+    </p:spTree>
+    <p:extLst>
+      <p:ext uri="{BB962C8B-B14F-4D97-AF65-F5344CB8AC3E}">
+        <p14:creationId xmlns="" xmlns:p14="http://schemas.microsoft.com/office/powerpoint/2010/main" val="2442419145"/>
+      </p:ext>
+    </p:extLst>
+  </p:cSld>
+  <p:clrMapOvr>
+    <a:masterClrMapping/>
+  </p:clrMapOvr>
+</p:sld>
+</file>
+
+<file path=ppt/slides/slide31.xml><?xml version="1.0" encoding="utf-8"?>
+<p:sld xmlns:a="http://schemas.openxmlformats.org/drawingml/2006/main" xmlns:r="http://schemas.openxmlformats.org/officeDocument/2006/relationships" xmlns:p="http://schemas.openxmlformats.org/presentationml/2006/main">
+  <p:cSld>
+    <p:spTree>
+      <p:nvGrpSpPr>
+        <p:cNvPr id="1" name=""/>
+        <p:cNvGrpSpPr/>
+        <p:nvPr/>
+      </p:nvGrpSpPr>
+      <p:grpSpPr>
+        <a:xfrm>
+          <a:off x="0" y="0"/>
+          <a:ext cx="0" cy="0"/>
+          <a:chOff x="0" y="0"/>
+          <a:chExt cx="0" cy="0"/>
+        </a:xfrm>
+      </p:grpSpPr>
+      <p:sp>
+        <p:nvSpPr>
+          <p:cNvPr id="5" name="Titolo 1"/>
+          <p:cNvSpPr>
+            <a:spLocks noGrp="1"/>
+          </p:cNvSpPr>
+          <p:nvPr>
+            <p:ph type="title"/>
+          </p:nvPr>
+        </p:nvSpPr>
+        <p:spPr>
+          <a:xfrm>
+            <a:off x="628650" y="444137"/>
+            <a:ext cx="7886700" cy="653143"/>
+          </a:xfrm>
+        </p:spPr>
+        <p:txBody>
+          <a:bodyPr>
+            <a:normAutofit/>
+          </a:bodyPr>
+          <a:lstStyle/>
+          <a:p>
+            <a:r>
+              <a:rPr lang="it-IT" sz="2800" b="1" dirty="0" err="1" smtClean="0">
+                <a:latin typeface="Times New Roman" panose="02020603050405020304" pitchFamily="18" charset="0"/>
+                <a:cs typeface="Times New Roman" panose="02020603050405020304" pitchFamily="18" charset="0"/>
+              </a:rPr>
+              <a:t>User</a:t>
+            </a:r>
+            <a:r>
+              <a:rPr lang="it-IT" sz="2800" b="1" dirty="0" smtClean="0">
+                <a:latin typeface="Times New Roman" panose="02020603050405020304" pitchFamily="18" charset="0"/>
+                <a:cs typeface="Times New Roman" panose="02020603050405020304" pitchFamily="18" charset="0"/>
+              </a:rPr>
+              <a:t> </a:t>
+            </a:r>
+            <a:r>
+              <a:rPr lang="it-IT" sz="2800" b="1" dirty="0" err="1" smtClean="0">
+                <a:latin typeface="Times New Roman" panose="02020603050405020304" pitchFamily="18" charset="0"/>
+                <a:cs typeface="Times New Roman" panose="02020603050405020304" pitchFamily="18" charset="0"/>
+              </a:rPr>
+              <a:t>testing</a:t>
+            </a:r>
+            <a:r>
+              <a:rPr lang="it-IT" sz="2800" b="1" dirty="0" smtClean="0">
+                <a:latin typeface="Times New Roman" panose="02020603050405020304" pitchFamily="18" charset="0"/>
+                <a:cs typeface="Times New Roman" panose="02020603050405020304" pitchFamily="18" charset="0"/>
+              </a:rPr>
+              <a:t> – </a:t>
+            </a:r>
+            <a:r>
+              <a:rPr lang="it-IT" sz="2800" b="1" i="1" dirty="0" err="1" smtClean="0">
+                <a:latin typeface="Times New Roman" panose="02020603050405020304" pitchFamily="18" charset="0"/>
+                <a:cs typeface="Times New Roman" panose="02020603050405020304" pitchFamily="18" charset="0"/>
+              </a:rPr>
+              <a:t>During</a:t>
+            </a:r>
+            <a:r>
+              <a:rPr lang="it-IT" sz="2800" b="1" i="1" dirty="0" smtClean="0">
+                <a:latin typeface="Times New Roman" panose="02020603050405020304" pitchFamily="18" charset="0"/>
+                <a:cs typeface="Times New Roman" panose="02020603050405020304" pitchFamily="18" charset="0"/>
+              </a:rPr>
+              <a:t> the test</a:t>
+            </a:r>
+            <a:endParaRPr lang="it-IT" sz="2800" i="1" dirty="0"/>
+          </a:p>
+        </p:txBody>
+      </p:sp>
+      <p:sp>
+        <p:nvSpPr>
+          <p:cNvPr id="8" name="Segnaposto contenuto 2"/>
+          <p:cNvSpPr txBox="1">
+            <a:spLocks/>
+          </p:cNvSpPr>
+          <p:nvPr/>
+        </p:nvSpPr>
+        <p:spPr>
+          <a:xfrm>
+            <a:off x="628650" y="1254036"/>
+            <a:ext cx="7886700" cy="627016"/>
+          </a:xfrm>
+          <a:prstGeom prst="rect">
+            <a:avLst/>
+          </a:prstGeom>
+        </p:spPr>
+        <p:txBody>
+          <a:bodyPr vert="horz" lIns="91440" tIns="45720" rIns="91440" bIns="45720" rtlCol="0">
+            <a:normAutofit/>
+          </a:bodyPr>
+          <a:lstStyle/>
+          <a:p>
+            <a:pPr lvl="0" algn="ctr">
+              <a:lnSpc>
+                <a:spcPct val="120000"/>
+              </a:lnSpc>
+              <a:spcBef>
+                <a:spcPts val="1000"/>
+              </a:spcBef>
+            </a:pPr>
+            <a:r>
+              <a:rPr lang="it-IT" sz="2500" b="1" dirty="0" err="1" smtClean="0">
+                <a:latin typeface="Times New Roman" panose="02020603050405020304" pitchFamily="18" charset="0"/>
+                <a:cs typeface="Times New Roman" panose="02020603050405020304" pitchFamily="18" charset="0"/>
+              </a:rPr>
+              <a:t>Thinking</a:t>
+            </a:r>
+            <a:r>
+              <a:rPr lang="it-IT" sz="2500" b="1" dirty="0" smtClean="0">
+                <a:latin typeface="Times New Roman" panose="02020603050405020304" pitchFamily="18" charset="0"/>
+                <a:cs typeface="Times New Roman" panose="02020603050405020304" pitchFamily="18" charset="0"/>
+              </a:rPr>
+              <a:t> </a:t>
+            </a:r>
+            <a:r>
+              <a:rPr lang="it-IT" sz="2500" b="1" dirty="0" err="1" smtClean="0">
+                <a:latin typeface="Times New Roman" panose="02020603050405020304" pitchFamily="18" charset="0"/>
+                <a:cs typeface="Times New Roman" panose="02020603050405020304" pitchFamily="18" charset="0"/>
+              </a:rPr>
+              <a:t>Aloud</a:t>
+            </a:r>
+            <a:r>
+              <a:rPr lang="it-IT" sz="2500" b="1" dirty="0" smtClean="0">
+                <a:latin typeface="Times New Roman" panose="02020603050405020304" pitchFamily="18" charset="0"/>
+                <a:cs typeface="Times New Roman" panose="02020603050405020304" pitchFamily="18" charset="0"/>
+              </a:rPr>
+              <a:t> – Tester </a:t>
+            </a:r>
+            <a:r>
+              <a:rPr lang="it-IT" sz="2500" b="1" dirty="0" err="1" smtClean="0">
+                <a:latin typeface="Times New Roman" panose="02020603050405020304" pitchFamily="18" charset="0"/>
+                <a:cs typeface="Times New Roman" panose="02020603050405020304" pitchFamily="18" charset="0"/>
+              </a:rPr>
+              <a:t>n°</a:t>
+            </a:r>
+            <a:r>
+              <a:rPr lang="it-IT" sz="2500" b="1" dirty="0" smtClean="0">
+                <a:latin typeface="Times New Roman" panose="02020603050405020304" pitchFamily="18" charset="0"/>
+                <a:cs typeface="Times New Roman" panose="02020603050405020304" pitchFamily="18" charset="0"/>
+              </a:rPr>
+              <a:t> 2 ()</a:t>
+            </a:r>
+            <a:endParaRPr lang="it-IT" sz="2500" dirty="0" smtClean="0">
+              <a:latin typeface="Times New Roman" panose="02020603050405020304" pitchFamily="18" charset="0"/>
+              <a:cs typeface="Times New Roman" panose="02020603050405020304" pitchFamily="18" charset="0"/>
+            </a:endParaRPr>
+          </a:p>
+        </p:txBody>
+      </p:sp>
+    </p:spTree>
+    <p:extLst>
+      <p:ext uri="{BB962C8B-B14F-4D97-AF65-F5344CB8AC3E}">
+        <p14:creationId xmlns="" xmlns:p14="http://schemas.microsoft.com/office/powerpoint/2010/main" val="2442419145"/>
+      </p:ext>
+    </p:extLst>
+  </p:cSld>
+  <p:clrMapOvr>
+    <a:masterClrMapping/>
+  </p:clrMapOvr>
+</p:sld>
+</file>
+
+<file path=ppt/slides/slide32.xml><?xml version="1.0" encoding="utf-8"?>
+<p:sld xmlns:a="http://schemas.openxmlformats.org/drawingml/2006/main" xmlns:r="http://schemas.openxmlformats.org/officeDocument/2006/relationships" xmlns:p="http://schemas.openxmlformats.org/presentationml/2006/main">
+  <p:cSld>
+    <p:spTree>
+      <p:nvGrpSpPr>
+        <p:cNvPr id="1" name=""/>
+        <p:cNvGrpSpPr/>
+        <p:nvPr/>
+      </p:nvGrpSpPr>
+      <p:grpSpPr>
+        <a:xfrm>
+          <a:off x="0" y="0"/>
+          <a:ext cx="0" cy="0"/>
+          <a:chOff x="0" y="0"/>
+          <a:chExt cx="0" cy="0"/>
+        </a:xfrm>
+      </p:grpSpPr>
+      <p:sp>
+        <p:nvSpPr>
+          <p:cNvPr id="5" name="Titolo 1"/>
+          <p:cNvSpPr>
+            <a:spLocks noGrp="1"/>
+          </p:cNvSpPr>
+          <p:nvPr>
+            <p:ph type="title"/>
+          </p:nvPr>
+        </p:nvSpPr>
+        <p:spPr>
+          <a:xfrm>
+            <a:off x="628650" y="444137"/>
+            <a:ext cx="7886700" cy="653143"/>
+          </a:xfrm>
+        </p:spPr>
+        <p:txBody>
+          <a:bodyPr>
+            <a:normAutofit/>
+          </a:bodyPr>
+          <a:lstStyle/>
+          <a:p>
+            <a:r>
+              <a:rPr lang="it-IT" sz="2800" b="1" dirty="0" err="1" smtClean="0">
+                <a:latin typeface="Times New Roman" panose="02020603050405020304" pitchFamily="18" charset="0"/>
+                <a:cs typeface="Times New Roman" panose="02020603050405020304" pitchFamily="18" charset="0"/>
+              </a:rPr>
+              <a:t>User</a:t>
+            </a:r>
+            <a:r>
+              <a:rPr lang="it-IT" sz="2800" b="1" dirty="0" smtClean="0">
+                <a:latin typeface="Times New Roman" panose="02020603050405020304" pitchFamily="18" charset="0"/>
+                <a:cs typeface="Times New Roman" panose="02020603050405020304" pitchFamily="18" charset="0"/>
+              </a:rPr>
+              <a:t> </a:t>
+            </a:r>
+            <a:r>
+              <a:rPr lang="it-IT" sz="2800" b="1" dirty="0" err="1" smtClean="0">
+                <a:latin typeface="Times New Roman" panose="02020603050405020304" pitchFamily="18" charset="0"/>
+                <a:cs typeface="Times New Roman" panose="02020603050405020304" pitchFamily="18" charset="0"/>
+              </a:rPr>
+              <a:t>testing</a:t>
+            </a:r>
+            <a:r>
+              <a:rPr lang="it-IT" sz="2800" b="1" dirty="0" smtClean="0">
+                <a:latin typeface="Times New Roman" panose="02020603050405020304" pitchFamily="18" charset="0"/>
+                <a:cs typeface="Times New Roman" panose="02020603050405020304" pitchFamily="18" charset="0"/>
+              </a:rPr>
+              <a:t> – </a:t>
+            </a:r>
+            <a:r>
+              <a:rPr lang="it-IT" sz="2800" b="1" i="1" dirty="0" err="1" smtClean="0">
+                <a:latin typeface="Times New Roman" panose="02020603050405020304" pitchFamily="18" charset="0"/>
+                <a:cs typeface="Times New Roman" panose="02020603050405020304" pitchFamily="18" charset="0"/>
+              </a:rPr>
+              <a:t>During</a:t>
+            </a:r>
+            <a:r>
+              <a:rPr lang="it-IT" sz="2800" b="1" i="1" dirty="0" smtClean="0">
+                <a:latin typeface="Times New Roman" panose="02020603050405020304" pitchFamily="18" charset="0"/>
+                <a:cs typeface="Times New Roman" panose="02020603050405020304" pitchFamily="18" charset="0"/>
+              </a:rPr>
+              <a:t> the test</a:t>
+            </a:r>
+            <a:endParaRPr lang="it-IT" sz="2800" i="1" dirty="0"/>
+          </a:p>
+        </p:txBody>
+      </p:sp>
+      <p:sp>
+        <p:nvSpPr>
+          <p:cNvPr id="8" name="Segnaposto contenuto 2"/>
+          <p:cNvSpPr txBox="1">
+            <a:spLocks/>
+          </p:cNvSpPr>
+          <p:nvPr/>
+        </p:nvSpPr>
+        <p:spPr>
+          <a:xfrm>
+            <a:off x="628650" y="1254036"/>
+            <a:ext cx="7886700" cy="627016"/>
+          </a:xfrm>
+          <a:prstGeom prst="rect">
+            <a:avLst/>
+          </a:prstGeom>
+        </p:spPr>
+        <p:txBody>
+          <a:bodyPr vert="horz" lIns="91440" tIns="45720" rIns="91440" bIns="45720" rtlCol="0">
+            <a:normAutofit/>
+          </a:bodyPr>
+          <a:lstStyle/>
+          <a:p>
+            <a:pPr lvl="0" algn="ctr">
+              <a:lnSpc>
+                <a:spcPct val="120000"/>
+              </a:lnSpc>
+              <a:spcBef>
+                <a:spcPts val="1000"/>
+              </a:spcBef>
+            </a:pPr>
+            <a:r>
+              <a:rPr lang="it-IT" sz="2500" b="1" dirty="0" err="1" smtClean="0">
+                <a:latin typeface="Times New Roman" panose="02020603050405020304" pitchFamily="18" charset="0"/>
+                <a:cs typeface="Times New Roman" panose="02020603050405020304" pitchFamily="18" charset="0"/>
+              </a:rPr>
+              <a:t>Thinking</a:t>
+            </a:r>
+            <a:r>
+              <a:rPr lang="it-IT" sz="2500" b="1" dirty="0" smtClean="0">
+                <a:latin typeface="Times New Roman" panose="02020603050405020304" pitchFamily="18" charset="0"/>
+                <a:cs typeface="Times New Roman" panose="02020603050405020304" pitchFamily="18" charset="0"/>
+              </a:rPr>
+              <a:t> </a:t>
+            </a:r>
+            <a:r>
+              <a:rPr lang="it-IT" sz="2500" b="1" dirty="0" err="1" smtClean="0">
+                <a:latin typeface="Times New Roman" panose="02020603050405020304" pitchFamily="18" charset="0"/>
+                <a:cs typeface="Times New Roman" panose="02020603050405020304" pitchFamily="18" charset="0"/>
+              </a:rPr>
+              <a:t>Aloud</a:t>
+            </a:r>
+            <a:r>
+              <a:rPr lang="it-IT" sz="2500" b="1" dirty="0" smtClean="0">
+                <a:latin typeface="Times New Roman" panose="02020603050405020304" pitchFamily="18" charset="0"/>
+                <a:cs typeface="Times New Roman" panose="02020603050405020304" pitchFamily="18" charset="0"/>
+              </a:rPr>
+              <a:t> – Tester </a:t>
+            </a:r>
+            <a:r>
+              <a:rPr lang="it-IT" sz="2500" b="1" dirty="0" err="1" smtClean="0">
+                <a:latin typeface="Times New Roman" panose="02020603050405020304" pitchFamily="18" charset="0"/>
+                <a:cs typeface="Times New Roman" panose="02020603050405020304" pitchFamily="18" charset="0"/>
+              </a:rPr>
+              <a:t>n°</a:t>
+            </a:r>
+            <a:r>
+              <a:rPr lang="it-IT" sz="2500" b="1" dirty="0" smtClean="0">
+                <a:latin typeface="Times New Roman" panose="02020603050405020304" pitchFamily="18" charset="0"/>
+                <a:cs typeface="Times New Roman" panose="02020603050405020304" pitchFamily="18" charset="0"/>
+              </a:rPr>
+              <a:t> 3 ()</a:t>
+            </a:r>
+            <a:endParaRPr lang="it-IT" sz="2500" dirty="0" smtClean="0">
+              <a:latin typeface="Times New Roman" panose="02020603050405020304" pitchFamily="18" charset="0"/>
+              <a:cs typeface="Times New Roman" panose="02020603050405020304" pitchFamily="18" charset="0"/>
+            </a:endParaRPr>
+          </a:p>
+        </p:txBody>
+      </p:sp>
+    </p:spTree>
+    <p:extLst>
+      <p:ext uri="{BB962C8B-B14F-4D97-AF65-F5344CB8AC3E}">
+        <p14:creationId xmlns="" xmlns:p14="http://schemas.microsoft.com/office/powerpoint/2010/main" val="2442419145"/>
+      </p:ext>
+    </p:extLst>
+  </p:cSld>
+  <p:clrMapOvr>
+    <a:masterClrMapping/>
+  </p:clrMapOvr>
+</p:sld>
+</file>
+
+<file path=ppt/slides/slide33.xml><?xml version="1.0" encoding="utf-8"?>
+<p:sld xmlns:a="http://schemas.openxmlformats.org/drawingml/2006/main" xmlns:r="http://schemas.openxmlformats.org/officeDocument/2006/relationships" xmlns:p="http://schemas.openxmlformats.org/presentationml/2006/main">
+  <p:cSld>
+    <p:spTree>
+      <p:nvGrpSpPr>
+        <p:cNvPr id="1" name=""/>
+        <p:cNvGrpSpPr/>
+        <p:nvPr/>
+      </p:nvGrpSpPr>
+      <p:grpSpPr>
+        <a:xfrm>
+          <a:off x="0" y="0"/>
+          <a:ext cx="0" cy="0"/>
+          <a:chOff x="0" y="0"/>
+          <a:chExt cx="0" cy="0"/>
+        </a:xfrm>
+      </p:grpSpPr>
+      <p:sp>
+        <p:nvSpPr>
+          <p:cNvPr id="5" name="Titolo 1"/>
+          <p:cNvSpPr>
+            <a:spLocks noGrp="1"/>
+          </p:cNvSpPr>
+          <p:nvPr>
+            <p:ph type="title"/>
+          </p:nvPr>
+        </p:nvSpPr>
+        <p:spPr>
+          <a:xfrm>
+            <a:off x="628650" y="444137"/>
+            <a:ext cx="7886700" cy="653143"/>
+          </a:xfrm>
+        </p:spPr>
+        <p:txBody>
+          <a:bodyPr>
+            <a:normAutofit/>
+          </a:bodyPr>
+          <a:lstStyle/>
+          <a:p>
+            <a:r>
+              <a:rPr lang="it-IT" sz="2800" b="1" dirty="0" err="1" smtClean="0">
+                <a:latin typeface="Times New Roman" panose="02020603050405020304" pitchFamily="18" charset="0"/>
+                <a:cs typeface="Times New Roman" panose="02020603050405020304" pitchFamily="18" charset="0"/>
+              </a:rPr>
+              <a:t>User</a:t>
+            </a:r>
+            <a:r>
+              <a:rPr lang="it-IT" sz="2800" b="1" dirty="0" smtClean="0">
+                <a:latin typeface="Times New Roman" panose="02020603050405020304" pitchFamily="18" charset="0"/>
+                <a:cs typeface="Times New Roman" panose="02020603050405020304" pitchFamily="18" charset="0"/>
+              </a:rPr>
+              <a:t> </a:t>
+            </a:r>
+            <a:r>
+              <a:rPr lang="it-IT" sz="2800" b="1" dirty="0" err="1" smtClean="0">
+                <a:latin typeface="Times New Roman" panose="02020603050405020304" pitchFamily="18" charset="0"/>
+                <a:cs typeface="Times New Roman" panose="02020603050405020304" pitchFamily="18" charset="0"/>
+              </a:rPr>
+              <a:t>testing</a:t>
+            </a:r>
+            <a:r>
+              <a:rPr lang="it-IT" sz="2800" b="1" dirty="0" smtClean="0">
+                <a:latin typeface="Times New Roman" panose="02020603050405020304" pitchFamily="18" charset="0"/>
+                <a:cs typeface="Times New Roman" panose="02020603050405020304" pitchFamily="18" charset="0"/>
+              </a:rPr>
+              <a:t> – </a:t>
+            </a:r>
+            <a:r>
+              <a:rPr lang="it-IT" sz="2800" b="1" i="1" dirty="0" err="1" smtClean="0">
+                <a:latin typeface="Times New Roman" panose="02020603050405020304" pitchFamily="18" charset="0"/>
+                <a:cs typeface="Times New Roman" panose="02020603050405020304" pitchFamily="18" charset="0"/>
+              </a:rPr>
+              <a:t>After</a:t>
+            </a:r>
+            <a:r>
+              <a:rPr lang="it-IT" sz="2800" b="1" i="1" dirty="0" smtClean="0">
+                <a:latin typeface="Times New Roman" panose="02020603050405020304" pitchFamily="18" charset="0"/>
+                <a:cs typeface="Times New Roman" panose="02020603050405020304" pitchFamily="18" charset="0"/>
+              </a:rPr>
+              <a:t> the test</a:t>
+            </a:r>
+            <a:endParaRPr lang="it-IT" sz="2800" i="1" dirty="0"/>
+          </a:p>
+        </p:txBody>
+      </p:sp>
+      <p:sp>
+        <p:nvSpPr>
+          <p:cNvPr id="8" name="Segnaposto contenuto 2"/>
+          <p:cNvSpPr txBox="1">
+            <a:spLocks/>
+          </p:cNvSpPr>
+          <p:nvPr/>
+        </p:nvSpPr>
+        <p:spPr>
+          <a:xfrm>
+            <a:off x="628650" y="1254034"/>
+            <a:ext cx="7886700" cy="5301311"/>
+          </a:xfrm>
+          <a:prstGeom prst="rect">
+            <a:avLst/>
+          </a:prstGeom>
+        </p:spPr>
+        <p:txBody>
+          <a:bodyPr vert="horz" lIns="91440" tIns="45720" rIns="91440" bIns="45720" rtlCol="0">
+            <a:normAutofit/>
+          </a:bodyPr>
+          <a:lstStyle/>
+          <a:p>
+            <a:pPr lvl="0" algn="ctr">
+              <a:lnSpc>
+                <a:spcPct val="120000"/>
+              </a:lnSpc>
+              <a:spcBef>
+                <a:spcPts val="1000"/>
+              </a:spcBef>
+            </a:pPr>
+            <a:r>
+              <a:rPr lang="it-IT" sz="2500" b="1" dirty="0" smtClean="0">
+                <a:latin typeface="Times New Roman" panose="02020603050405020304" pitchFamily="18" charset="0"/>
+                <a:cs typeface="Times New Roman" panose="02020603050405020304" pitchFamily="18" charset="0"/>
+              </a:rPr>
+              <a:t>Task 1 – </a:t>
+            </a:r>
+            <a:r>
+              <a:rPr lang="it-IT" sz="2500" b="1" dirty="0" err="1" smtClean="0">
+                <a:latin typeface="Times New Roman" panose="02020603050405020304" pitchFamily="18" charset="0"/>
+                <a:cs typeface="Times New Roman" panose="02020603050405020304" pitchFamily="18" charset="0"/>
+              </a:rPr>
+              <a:t>Sign</a:t>
+            </a:r>
+            <a:r>
+              <a:rPr lang="it-IT" sz="2500" b="1" dirty="0" smtClean="0">
+                <a:latin typeface="Times New Roman" panose="02020603050405020304" pitchFamily="18" charset="0"/>
+                <a:cs typeface="Times New Roman" panose="02020603050405020304" pitchFamily="18" charset="0"/>
+              </a:rPr>
+              <a:t> up</a:t>
+            </a:r>
+            <a:endParaRPr lang="it-IT" sz="2500" dirty="0" smtClean="0">
+              <a:latin typeface="Times New Roman" panose="02020603050405020304" pitchFamily="18" charset="0"/>
+              <a:cs typeface="Times New Roman" panose="02020603050405020304" pitchFamily="18" charset="0"/>
+            </a:endParaRPr>
+          </a:p>
+          <a:p>
+            <a:pPr algn="just"/>
+            <a:endParaRPr lang="it-IT" sz="2000" dirty="0" smtClean="0">
+              <a:latin typeface="Times New Roman" panose="02020603050405020304" pitchFamily="18" charset="0"/>
+              <a:cs typeface="Times New Roman" panose="02020603050405020304" pitchFamily="18" charset="0"/>
+            </a:endParaRPr>
+          </a:p>
+          <a:p>
+            <a:r>
+              <a:rPr lang="it-IT" sz="2600" dirty="0" smtClean="0"/>
+              <a:t> </a:t>
+            </a:r>
+          </a:p>
+          <a:p>
+            <a:pPr marL="457200" lvl="0" indent="-457200">
+              <a:buFont typeface="+mj-lt"/>
+              <a:buAutoNum type="arabicPeriod"/>
+            </a:pPr>
+            <a:r>
+              <a:rPr lang="it-IT" sz="2000" dirty="0" smtClean="0"/>
+              <a:t>Intuitività della schermata.</a:t>
+            </a:r>
+          </a:p>
+          <a:p>
+            <a:r>
+              <a:rPr lang="it-IT" sz="2000" dirty="0" smtClean="0"/>
+              <a:t>			1    </a:t>
+            </a:r>
+            <a:r>
+              <a:rPr lang="it-IT" sz="2000" dirty="0" smtClean="0"/>
+              <a:t>2    3    4    5</a:t>
+            </a:r>
+          </a:p>
+          <a:p>
+            <a:pPr marL="457200" lvl="0" indent="-457200">
+              <a:buFont typeface="+mj-lt"/>
+              <a:buAutoNum type="arabicPeriod" startAt="2"/>
+            </a:pPr>
+            <a:r>
+              <a:rPr lang="it-IT" sz="2000" dirty="0" smtClean="0"/>
+              <a:t>Si capisce sempre quali operazioni effettuare di volta in volta.</a:t>
+            </a:r>
+          </a:p>
+          <a:p>
+            <a:r>
+              <a:rPr lang="it-IT" sz="2000" dirty="0" smtClean="0"/>
+              <a:t>			1    </a:t>
+            </a:r>
+            <a:r>
+              <a:rPr lang="it-IT" sz="2000" dirty="0" smtClean="0"/>
+              <a:t>2    3    4    5</a:t>
+            </a:r>
+          </a:p>
+          <a:p>
+            <a:pPr marL="457200" lvl="0" indent="-457200">
+              <a:buFont typeface="+mj-lt"/>
+              <a:buAutoNum type="arabicPeriod" startAt="3"/>
+            </a:pPr>
+            <a:r>
+              <a:rPr lang="it-IT" sz="2000" dirty="0" smtClean="0"/>
+              <a:t>Si riesce a capire come passare da una schermata all’altra.</a:t>
+            </a:r>
+          </a:p>
+          <a:p>
+            <a:r>
+              <a:rPr lang="it-IT" sz="2000" dirty="0" smtClean="0"/>
+              <a:t>			1    </a:t>
+            </a:r>
+            <a:r>
+              <a:rPr lang="it-IT" sz="2000" dirty="0" smtClean="0"/>
+              <a:t>2    3    4    5</a:t>
+            </a:r>
+          </a:p>
+          <a:p>
+            <a:pPr marL="457200" lvl="0" indent="-457200">
+              <a:buFont typeface="+mj-lt"/>
+              <a:buAutoNum type="arabicPeriod" startAt="4"/>
+            </a:pPr>
+            <a:r>
+              <a:rPr lang="it-IT" sz="2000" dirty="0" smtClean="0"/>
+              <a:t>È sempre possibile capire e correggere gli errori commessi.</a:t>
+            </a:r>
+          </a:p>
+          <a:p>
+            <a:r>
+              <a:rPr lang="it-IT" sz="2000" dirty="0" smtClean="0"/>
+              <a:t>			1    </a:t>
+            </a:r>
+            <a:r>
+              <a:rPr lang="it-IT" sz="2000" dirty="0" smtClean="0"/>
+              <a:t>2    3    4    5</a:t>
+            </a:r>
+            <a:endParaRPr lang="it-IT" sz="2000" dirty="0"/>
+          </a:p>
+        </p:txBody>
+      </p:sp>
+    </p:spTree>
+    <p:extLst>
+      <p:ext uri="{BB962C8B-B14F-4D97-AF65-F5344CB8AC3E}">
+        <p14:creationId xmlns="" xmlns:p14="http://schemas.microsoft.com/office/powerpoint/2010/main" val="2442419145"/>
+      </p:ext>
+    </p:extLst>
+  </p:cSld>
+  <p:clrMapOvr>
+    <a:masterClrMapping/>
+  </p:clrMapOvr>
+</p:sld>
+</file>
+
+<file path=ppt/slides/slide34.xml><?xml version="1.0" encoding="utf-8"?>
+<p:sld xmlns:a="http://schemas.openxmlformats.org/drawingml/2006/main" xmlns:r="http://schemas.openxmlformats.org/officeDocument/2006/relationships" xmlns:p="http://schemas.openxmlformats.org/presentationml/2006/main">
+  <p:cSld>
+    <p:spTree>
+      <p:nvGrpSpPr>
+        <p:cNvPr id="1" name=""/>
+        <p:cNvGrpSpPr/>
+        <p:nvPr/>
+      </p:nvGrpSpPr>
+      <p:grpSpPr>
+        <a:xfrm>
+          <a:off x="0" y="0"/>
+          <a:ext cx="0" cy="0"/>
+          <a:chOff x="0" y="0"/>
+          <a:chExt cx="0" cy="0"/>
+        </a:xfrm>
+      </p:grpSpPr>
+      <p:sp>
+        <p:nvSpPr>
+          <p:cNvPr id="5" name="Titolo 1"/>
+          <p:cNvSpPr>
+            <a:spLocks noGrp="1"/>
+          </p:cNvSpPr>
+          <p:nvPr>
+            <p:ph type="title"/>
+          </p:nvPr>
+        </p:nvSpPr>
+        <p:spPr>
+          <a:xfrm>
+            <a:off x="628650" y="444137"/>
+            <a:ext cx="7886700" cy="653143"/>
+          </a:xfrm>
+        </p:spPr>
+        <p:txBody>
+          <a:bodyPr>
+            <a:normAutofit/>
+          </a:bodyPr>
+          <a:lstStyle/>
+          <a:p>
+            <a:r>
+              <a:rPr lang="it-IT" sz="2800" b="1" dirty="0" err="1" smtClean="0">
+                <a:latin typeface="Times New Roman" panose="02020603050405020304" pitchFamily="18" charset="0"/>
+                <a:cs typeface="Times New Roman" panose="02020603050405020304" pitchFamily="18" charset="0"/>
+              </a:rPr>
+              <a:t>User</a:t>
+            </a:r>
+            <a:r>
+              <a:rPr lang="it-IT" sz="2800" b="1" dirty="0" smtClean="0">
+                <a:latin typeface="Times New Roman" panose="02020603050405020304" pitchFamily="18" charset="0"/>
+                <a:cs typeface="Times New Roman" panose="02020603050405020304" pitchFamily="18" charset="0"/>
+              </a:rPr>
+              <a:t> </a:t>
+            </a:r>
+            <a:r>
+              <a:rPr lang="it-IT" sz="2800" b="1" dirty="0" err="1" smtClean="0">
+                <a:latin typeface="Times New Roman" panose="02020603050405020304" pitchFamily="18" charset="0"/>
+                <a:cs typeface="Times New Roman" panose="02020603050405020304" pitchFamily="18" charset="0"/>
+              </a:rPr>
+              <a:t>testing</a:t>
+            </a:r>
+            <a:r>
+              <a:rPr lang="it-IT" sz="2800" b="1" dirty="0" smtClean="0">
+                <a:latin typeface="Times New Roman" panose="02020603050405020304" pitchFamily="18" charset="0"/>
+                <a:cs typeface="Times New Roman" panose="02020603050405020304" pitchFamily="18" charset="0"/>
+              </a:rPr>
+              <a:t> – </a:t>
+            </a:r>
+            <a:r>
+              <a:rPr lang="it-IT" sz="2800" b="1" i="1" dirty="0" err="1" smtClean="0">
+                <a:latin typeface="Times New Roman" panose="02020603050405020304" pitchFamily="18" charset="0"/>
+                <a:cs typeface="Times New Roman" panose="02020603050405020304" pitchFamily="18" charset="0"/>
+              </a:rPr>
+              <a:t>After</a:t>
+            </a:r>
+            <a:r>
+              <a:rPr lang="it-IT" sz="2800" b="1" i="1" dirty="0" smtClean="0">
+                <a:latin typeface="Times New Roman" panose="02020603050405020304" pitchFamily="18" charset="0"/>
+                <a:cs typeface="Times New Roman" panose="02020603050405020304" pitchFamily="18" charset="0"/>
+              </a:rPr>
+              <a:t> the test</a:t>
+            </a:r>
+            <a:endParaRPr lang="it-IT" sz="2800" i="1" dirty="0"/>
+          </a:p>
+        </p:txBody>
+      </p:sp>
+      <p:sp>
+        <p:nvSpPr>
+          <p:cNvPr id="8" name="Segnaposto contenuto 2"/>
+          <p:cNvSpPr txBox="1">
+            <a:spLocks/>
+          </p:cNvSpPr>
+          <p:nvPr/>
+        </p:nvSpPr>
+        <p:spPr>
+          <a:xfrm>
+            <a:off x="628650" y="1254034"/>
+            <a:ext cx="7886700" cy="5301311"/>
+          </a:xfrm>
+          <a:prstGeom prst="rect">
+            <a:avLst/>
+          </a:prstGeom>
+        </p:spPr>
+        <p:txBody>
+          <a:bodyPr vert="horz" lIns="91440" tIns="45720" rIns="91440" bIns="45720" rtlCol="0">
+            <a:normAutofit/>
+          </a:bodyPr>
+          <a:lstStyle/>
+          <a:p>
+            <a:pPr lvl="0" algn="ctr">
+              <a:lnSpc>
+                <a:spcPct val="120000"/>
+              </a:lnSpc>
+              <a:spcBef>
+                <a:spcPts val="1000"/>
+              </a:spcBef>
+            </a:pPr>
+            <a:r>
+              <a:rPr lang="it-IT" sz="2500" b="1" dirty="0" smtClean="0">
+                <a:latin typeface="Times New Roman" panose="02020603050405020304" pitchFamily="18" charset="0"/>
+                <a:cs typeface="Times New Roman" panose="02020603050405020304" pitchFamily="18" charset="0"/>
+              </a:rPr>
+              <a:t>Task 2 – Selezionare un obiettivo</a:t>
+            </a:r>
+            <a:endParaRPr lang="it-IT" sz="2500" dirty="0" smtClean="0">
+              <a:latin typeface="Times New Roman" panose="02020603050405020304" pitchFamily="18" charset="0"/>
+              <a:cs typeface="Times New Roman" panose="02020603050405020304" pitchFamily="18" charset="0"/>
+            </a:endParaRPr>
+          </a:p>
+          <a:p>
+            <a:pPr algn="just"/>
+            <a:endParaRPr lang="it-IT" sz="2000" dirty="0" smtClean="0">
+              <a:latin typeface="Times New Roman" panose="02020603050405020304" pitchFamily="18" charset="0"/>
+              <a:cs typeface="Times New Roman" panose="02020603050405020304" pitchFamily="18" charset="0"/>
+            </a:endParaRPr>
+          </a:p>
+          <a:p>
+            <a:r>
+              <a:rPr lang="it-IT" sz="2600" dirty="0" smtClean="0"/>
+              <a:t> </a:t>
+            </a:r>
+          </a:p>
+          <a:p>
+            <a:pPr marL="457200" lvl="0" indent="-457200">
+              <a:buFont typeface="+mj-lt"/>
+              <a:buAutoNum type="arabicPeriod"/>
+            </a:pPr>
+            <a:r>
+              <a:rPr lang="it-IT" sz="2000" dirty="0" smtClean="0"/>
+              <a:t>È chiaro sin da subito come passare dalla Home alla schermata degli obiettivi (“</a:t>
+            </a:r>
+            <a:r>
+              <a:rPr lang="it-IT" sz="2000" dirty="0" err="1" smtClean="0"/>
+              <a:t>Goals</a:t>
+            </a:r>
+            <a:r>
+              <a:rPr lang="it-IT" sz="2000" dirty="0" smtClean="0"/>
+              <a:t>”).</a:t>
+            </a:r>
+          </a:p>
+          <a:p>
+            <a:r>
+              <a:rPr lang="it-IT" sz="2000" dirty="0" smtClean="0"/>
+              <a:t>			1    </a:t>
+            </a:r>
+            <a:r>
+              <a:rPr lang="it-IT" sz="2000" dirty="0" smtClean="0"/>
+              <a:t>2    3    4    5</a:t>
+            </a:r>
+          </a:p>
+          <a:p>
+            <a:pPr marL="457200" lvl="0" indent="-457200">
+              <a:buFont typeface="+mj-lt"/>
+              <a:buAutoNum type="arabicPeriod" startAt="2"/>
+            </a:pPr>
+            <a:r>
+              <a:rPr lang="it-IT" sz="2000" dirty="0" smtClean="0"/>
+              <a:t>Intuitività nella scelta dell’obiettivo.</a:t>
+            </a:r>
+          </a:p>
+          <a:p>
+            <a:r>
+              <a:rPr lang="it-IT" sz="2000" dirty="0" smtClean="0"/>
+              <a:t>			1    </a:t>
+            </a:r>
+            <a:r>
+              <a:rPr lang="it-IT" sz="2000" dirty="0" smtClean="0"/>
+              <a:t>2    3    4    5</a:t>
+            </a:r>
+          </a:p>
+          <a:p>
+            <a:pPr marL="457200" lvl="0" indent="-457200">
+              <a:buFont typeface="+mj-lt"/>
+              <a:buAutoNum type="arabicPeriod" startAt="3"/>
+            </a:pPr>
+            <a:r>
+              <a:rPr lang="it-IT" sz="2000" dirty="0" smtClean="0"/>
+              <a:t>È sempre possibile conoscere lo stato del sistema.</a:t>
+            </a:r>
+          </a:p>
+          <a:p>
+            <a:r>
+              <a:rPr lang="it-IT" sz="2000" dirty="0" smtClean="0"/>
+              <a:t>			1    </a:t>
+            </a:r>
+            <a:r>
+              <a:rPr lang="it-IT" sz="2000" dirty="0" smtClean="0"/>
+              <a:t>2    3    4    5</a:t>
+            </a:r>
+          </a:p>
+          <a:p>
+            <a:pPr marL="457200" lvl="0" indent="-457200">
+              <a:buFont typeface="+mj-lt"/>
+              <a:buAutoNum type="arabicPeriod" startAt="4"/>
+            </a:pPr>
+            <a:r>
+              <a:rPr lang="it-IT" sz="2000" dirty="0" smtClean="0"/>
+              <a:t>È sempre possibile capire e correggere gli errori commessi.</a:t>
+            </a:r>
+          </a:p>
+          <a:p>
+            <a:r>
+              <a:rPr lang="it-IT" sz="2000" dirty="0" smtClean="0"/>
+              <a:t>	</a:t>
+            </a:r>
+            <a:r>
+              <a:rPr lang="it-IT" sz="2000" dirty="0" smtClean="0"/>
+              <a:t>		1    </a:t>
+            </a:r>
+            <a:r>
+              <a:rPr lang="it-IT" sz="2000" dirty="0" smtClean="0"/>
+              <a:t>2    3    4    5</a:t>
+            </a:r>
+          </a:p>
+          <a:p>
+            <a:pPr marL="457200" lvl="0" indent="-457200">
+              <a:buFont typeface="+mj-lt"/>
+              <a:buAutoNum type="arabicPeriod" startAt="5"/>
+            </a:pPr>
+            <a:r>
+              <a:rPr lang="it-IT" sz="2000" dirty="0" smtClean="0"/>
+              <a:t>È intuitivo tornare alla pagina principale.</a:t>
+            </a:r>
+          </a:p>
+          <a:p>
+            <a:r>
+              <a:rPr lang="it-IT" sz="2000" dirty="0" smtClean="0"/>
+              <a:t>			1    </a:t>
+            </a:r>
+            <a:r>
+              <a:rPr lang="it-IT" sz="2000" dirty="0" smtClean="0"/>
+              <a:t>2    3    4    5</a:t>
+            </a:r>
+          </a:p>
+          <a:p>
+            <a:pPr marL="457200" lvl="0" indent="-457200">
+              <a:buFont typeface="+mj-lt"/>
+              <a:buAutoNum type="arabicPeriod" startAt="6"/>
+            </a:pPr>
+            <a:r>
+              <a:rPr lang="it-IT" sz="2000" dirty="0" smtClean="0"/>
+              <a:t>È noto che l’obiettivo scelto è visualizzato nella Home.</a:t>
+            </a:r>
+          </a:p>
+          <a:p>
+            <a:r>
+              <a:rPr lang="it-IT" sz="2000" dirty="0" smtClean="0"/>
+              <a:t>			1    </a:t>
+            </a:r>
+            <a:r>
+              <a:rPr lang="it-IT" sz="2000" dirty="0" smtClean="0"/>
+              <a:t>2    3    4    5</a:t>
+            </a:r>
+            <a:endParaRPr lang="it-IT" sz="2000" dirty="0"/>
+          </a:p>
+        </p:txBody>
+      </p:sp>
+    </p:spTree>
+    <p:extLst>
+      <p:ext uri="{BB962C8B-B14F-4D97-AF65-F5344CB8AC3E}">
+        <p14:creationId xmlns="" xmlns:p14="http://schemas.microsoft.com/office/powerpoint/2010/main" val="2442419145"/>
+      </p:ext>
+    </p:extLst>
+  </p:cSld>
+  <p:clrMapOvr>
+    <a:masterClrMapping/>
+  </p:clrMapOvr>
+</p:sld>
+</file>
+
+<file path=ppt/slides/slide35.xml><?xml version="1.0" encoding="utf-8"?>
+<p:sld xmlns:a="http://schemas.openxmlformats.org/drawingml/2006/main" xmlns:r="http://schemas.openxmlformats.org/officeDocument/2006/relationships" xmlns:p="http://schemas.openxmlformats.org/presentationml/2006/main">
+  <p:cSld>
+    <p:spTree>
+      <p:nvGrpSpPr>
+        <p:cNvPr id="1" name=""/>
+        <p:cNvGrpSpPr/>
+        <p:nvPr/>
+      </p:nvGrpSpPr>
+      <p:grpSpPr>
+        <a:xfrm>
+          <a:off x="0" y="0"/>
+          <a:ext cx="0" cy="0"/>
+          <a:chOff x="0" y="0"/>
+          <a:chExt cx="0" cy="0"/>
+        </a:xfrm>
+      </p:grpSpPr>
+      <p:sp>
+        <p:nvSpPr>
+          <p:cNvPr id="5" name="Titolo 1"/>
+          <p:cNvSpPr>
+            <a:spLocks noGrp="1"/>
+          </p:cNvSpPr>
+          <p:nvPr>
+            <p:ph type="title"/>
+          </p:nvPr>
+        </p:nvSpPr>
+        <p:spPr>
+          <a:xfrm>
+            <a:off x="628650" y="444137"/>
+            <a:ext cx="7886700" cy="653143"/>
+          </a:xfrm>
+        </p:spPr>
+        <p:txBody>
+          <a:bodyPr>
+            <a:normAutofit/>
+          </a:bodyPr>
+          <a:lstStyle/>
+          <a:p>
+            <a:r>
+              <a:rPr lang="it-IT" sz="2800" b="1" dirty="0" err="1" smtClean="0">
+                <a:latin typeface="Times New Roman" panose="02020603050405020304" pitchFamily="18" charset="0"/>
+                <a:cs typeface="Times New Roman" panose="02020603050405020304" pitchFamily="18" charset="0"/>
+              </a:rPr>
+              <a:t>User</a:t>
+            </a:r>
+            <a:r>
+              <a:rPr lang="it-IT" sz="2800" b="1" dirty="0" smtClean="0">
+                <a:latin typeface="Times New Roman" panose="02020603050405020304" pitchFamily="18" charset="0"/>
+                <a:cs typeface="Times New Roman" panose="02020603050405020304" pitchFamily="18" charset="0"/>
+              </a:rPr>
+              <a:t> </a:t>
+            </a:r>
+            <a:r>
+              <a:rPr lang="it-IT" sz="2800" b="1" dirty="0" err="1" smtClean="0">
+                <a:latin typeface="Times New Roman" panose="02020603050405020304" pitchFamily="18" charset="0"/>
+                <a:cs typeface="Times New Roman" panose="02020603050405020304" pitchFamily="18" charset="0"/>
+              </a:rPr>
+              <a:t>testing</a:t>
+            </a:r>
+            <a:r>
+              <a:rPr lang="it-IT" sz="2800" b="1" dirty="0" smtClean="0">
+                <a:latin typeface="Times New Roman" panose="02020603050405020304" pitchFamily="18" charset="0"/>
+                <a:cs typeface="Times New Roman" panose="02020603050405020304" pitchFamily="18" charset="0"/>
+              </a:rPr>
+              <a:t> – </a:t>
+            </a:r>
+            <a:r>
+              <a:rPr lang="it-IT" sz="2800" b="1" i="1" dirty="0" err="1" smtClean="0">
+                <a:latin typeface="Times New Roman" panose="02020603050405020304" pitchFamily="18" charset="0"/>
+                <a:cs typeface="Times New Roman" panose="02020603050405020304" pitchFamily="18" charset="0"/>
+              </a:rPr>
+              <a:t>After</a:t>
+            </a:r>
+            <a:r>
+              <a:rPr lang="it-IT" sz="2800" b="1" i="1" dirty="0" smtClean="0">
+                <a:latin typeface="Times New Roman" panose="02020603050405020304" pitchFamily="18" charset="0"/>
+                <a:cs typeface="Times New Roman" panose="02020603050405020304" pitchFamily="18" charset="0"/>
+              </a:rPr>
+              <a:t> the test</a:t>
+            </a:r>
+            <a:endParaRPr lang="it-IT" sz="2800" i="1" dirty="0"/>
+          </a:p>
+        </p:txBody>
+      </p:sp>
+      <p:sp>
+        <p:nvSpPr>
+          <p:cNvPr id="8" name="Segnaposto contenuto 2"/>
+          <p:cNvSpPr txBox="1">
+            <a:spLocks/>
+          </p:cNvSpPr>
+          <p:nvPr/>
+        </p:nvSpPr>
+        <p:spPr>
+          <a:xfrm>
+            <a:off x="628650" y="1254034"/>
+            <a:ext cx="7886700" cy="5301311"/>
+          </a:xfrm>
+          <a:prstGeom prst="rect">
+            <a:avLst/>
+          </a:prstGeom>
+        </p:spPr>
+        <p:txBody>
+          <a:bodyPr vert="horz" lIns="91440" tIns="45720" rIns="91440" bIns="45720" rtlCol="0">
+            <a:normAutofit/>
+          </a:bodyPr>
+          <a:lstStyle/>
+          <a:p>
+            <a:pPr lvl="0" algn="ctr">
+              <a:lnSpc>
+                <a:spcPct val="120000"/>
+              </a:lnSpc>
+              <a:spcBef>
+                <a:spcPts val="1000"/>
+              </a:spcBef>
+            </a:pPr>
+            <a:r>
+              <a:rPr lang="it-IT" sz="2500" b="1" dirty="0" smtClean="0">
+                <a:latin typeface="Times New Roman" panose="02020603050405020304" pitchFamily="18" charset="0"/>
+                <a:cs typeface="Times New Roman" panose="02020603050405020304" pitchFamily="18" charset="0"/>
+              </a:rPr>
+              <a:t>Task 3 – Vincere il premio “</a:t>
+            </a:r>
+            <a:r>
+              <a:rPr lang="it-IT" sz="2500" b="1" dirty="0" err="1" smtClean="0">
+                <a:latin typeface="Times New Roman" panose="02020603050405020304" pitchFamily="18" charset="0"/>
+                <a:cs typeface="Times New Roman" panose="02020603050405020304" pitchFamily="18" charset="0"/>
+              </a:rPr>
+              <a:t>Defeat</a:t>
+            </a:r>
+            <a:r>
+              <a:rPr lang="it-IT" sz="2500" b="1" dirty="0" smtClean="0">
+                <a:latin typeface="Times New Roman" panose="02020603050405020304" pitchFamily="18" charset="0"/>
+                <a:cs typeface="Times New Roman" panose="02020603050405020304" pitchFamily="18" charset="0"/>
+              </a:rPr>
+              <a:t> the </a:t>
+            </a:r>
+            <a:r>
+              <a:rPr lang="it-IT" sz="2500" b="1" dirty="0" err="1" smtClean="0">
+                <a:latin typeface="Times New Roman" panose="02020603050405020304" pitchFamily="18" charset="0"/>
+                <a:cs typeface="Times New Roman" panose="02020603050405020304" pitchFamily="18" charset="0"/>
+              </a:rPr>
+              <a:t>temptation</a:t>
+            </a:r>
+            <a:r>
+              <a:rPr lang="it-IT" sz="2500" b="1" dirty="0" smtClean="0">
+                <a:latin typeface="Times New Roman" panose="02020603050405020304" pitchFamily="18" charset="0"/>
+                <a:cs typeface="Times New Roman" panose="02020603050405020304" pitchFamily="18" charset="0"/>
+              </a:rPr>
+              <a:t>”</a:t>
+            </a:r>
+            <a:endParaRPr lang="it-IT" sz="2500" dirty="0" smtClean="0">
+              <a:latin typeface="Times New Roman" panose="02020603050405020304" pitchFamily="18" charset="0"/>
+              <a:cs typeface="Times New Roman" panose="02020603050405020304" pitchFamily="18" charset="0"/>
+            </a:endParaRPr>
+          </a:p>
+          <a:p>
+            <a:pPr algn="just"/>
+            <a:endParaRPr lang="it-IT" sz="2000" dirty="0" smtClean="0">
+              <a:latin typeface="Times New Roman" panose="02020603050405020304" pitchFamily="18" charset="0"/>
+              <a:cs typeface="Times New Roman" panose="02020603050405020304" pitchFamily="18" charset="0"/>
+            </a:endParaRPr>
+          </a:p>
+          <a:p>
+            <a:r>
+              <a:rPr lang="it-IT" sz="2600" dirty="0" smtClean="0"/>
+              <a:t> </a:t>
+            </a:r>
+          </a:p>
+        </p:txBody>
+      </p:sp>
+    </p:spTree>
+    <p:extLst>
+      <p:ext uri="{BB962C8B-B14F-4D97-AF65-F5344CB8AC3E}">
+        <p14:creationId xmlns="" xmlns:p14="http://schemas.microsoft.com/office/powerpoint/2010/main" val="2442419145"/>
+      </p:ext>
+    </p:extLst>
+  </p:cSld>
+  <p:clrMapOvr>
+    <a:masterClrMapping/>
+  </p:clrMapOvr>
+</p:sld>
+</file>
+
+<file path=ppt/slides/slide36.xml><?xml version="1.0" encoding="utf-8"?>
+<p:sld xmlns:a="http://schemas.openxmlformats.org/drawingml/2006/main" xmlns:r="http://schemas.openxmlformats.org/officeDocument/2006/relationships" xmlns:p="http://schemas.openxmlformats.org/presentationml/2006/main">
+  <p:cSld>
+    <p:spTree>
+      <p:nvGrpSpPr>
+        <p:cNvPr id="1" name=""/>
+        <p:cNvGrpSpPr/>
+        <p:nvPr/>
+      </p:nvGrpSpPr>
+      <p:grpSpPr>
+        <a:xfrm>
+          <a:off x="0" y="0"/>
+          <a:ext cx="0" cy="0"/>
+          <a:chOff x="0" y="0"/>
+          <a:chExt cx="0" cy="0"/>
+        </a:xfrm>
+      </p:grpSpPr>
+      <p:sp>
+        <p:nvSpPr>
+          <p:cNvPr id="5" name="Titolo 1"/>
+          <p:cNvSpPr>
+            <a:spLocks noGrp="1"/>
+          </p:cNvSpPr>
+          <p:nvPr>
+            <p:ph type="title"/>
+          </p:nvPr>
+        </p:nvSpPr>
+        <p:spPr>
+          <a:xfrm>
+            <a:off x="628650" y="444137"/>
+            <a:ext cx="7886700" cy="653143"/>
+          </a:xfrm>
+        </p:spPr>
+        <p:txBody>
+          <a:bodyPr>
+            <a:normAutofit/>
+          </a:bodyPr>
+          <a:lstStyle/>
+          <a:p>
+            <a:r>
+              <a:rPr lang="it-IT" sz="2800" b="1" dirty="0" err="1" smtClean="0">
+                <a:latin typeface="Times New Roman" panose="02020603050405020304" pitchFamily="18" charset="0"/>
+                <a:cs typeface="Times New Roman" panose="02020603050405020304" pitchFamily="18" charset="0"/>
+              </a:rPr>
+              <a:t>User</a:t>
+            </a:r>
+            <a:r>
+              <a:rPr lang="it-IT" sz="2800" b="1" dirty="0" smtClean="0">
+                <a:latin typeface="Times New Roman" panose="02020603050405020304" pitchFamily="18" charset="0"/>
+                <a:cs typeface="Times New Roman" panose="02020603050405020304" pitchFamily="18" charset="0"/>
+              </a:rPr>
+              <a:t> </a:t>
+            </a:r>
+            <a:r>
+              <a:rPr lang="it-IT" sz="2800" b="1" dirty="0" err="1" smtClean="0">
+                <a:latin typeface="Times New Roman" panose="02020603050405020304" pitchFamily="18" charset="0"/>
+                <a:cs typeface="Times New Roman" panose="02020603050405020304" pitchFamily="18" charset="0"/>
+              </a:rPr>
+              <a:t>testing</a:t>
+            </a:r>
+            <a:r>
+              <a:rPr lang="it-IT" sz="2800" b="1" dirty="0" smtClean="0">
+                <a:latin typeface="Times New Roman" panose="02020603050405020304" pitchFamily="18" charset="0"/>
+                <a:cs typeface="Times New Roman" panose="02020603050405020304" pitchFamily="18" charset="0"/>
+              </a:rPr>
+              <a:t> – </a:t>
+            </a:r>
+            <a:r>
+              <a:rPr lang="it-IT" sz="2800" b="1" i="1" dirty="0" err="1" smtClean="0">
+                <a:latin typeface="Times New Roman" panose="02020603050405020304" pitchFamily="18" charset="0"/>
+                <a:cs typeface="Times New Roman" panose="02020603050405020304" pitchFamily="18" charset="0"/>
+              </a:rPr>
+              <a:t>After</a:t>
+            </a:r>
+            <a:r>
+              <a:rPr lang="it-IT" sz="2800" b="1" i="1" dirty="0" smtClean="0">
+                <a:latin typeface="Times New Roman" panose="02020603050405020304" pitchFamily="18" charset="0"/>
+                <a:cs typeface="Times New Roman" panose="02020603050405020304" pitchFamily="18" charset="0"/>
+              </a:rPr>
+              <a:t> the test</a:t>
+            </a:r>
+            <a:endParaRPr lang="it-IT" sz="2800" i="1" dirty="0"/>
+          </a:p>
+        </p:txBody>
+      </p:sp>
+      <p:sp>
+        <p:nvSpPr>
+          <p:cNvPr id="8" name="Segnaposto contenuto 2"/>
+          <p:cNvSpPr txBox="1">
+            <a:spLocks/>
+          </p:cNvSpPr>
+          <p:nvPr/>
+        </p:nvSpPr>
+        <p:spPr>
+          <a:xfrm>
+            <a:off x="628650" y="1254034"/>
+            <a:ext cx="7886700" cy="5301311"/>
+          </a:xfrm>
+          <a:prstGeom prst="rect">
+            <a:avLst/>
+          </a:prstGeom>
+        </p:spPr>
+        <p:txBody>
+          <a:bodyPr vert="horz" lIns="91440" tIns="45720" rIns="91440" bIns="45720" rtlCol="0">
+            <a:normAutofit/>
+          </a:bodyPr>
+          <a:lstStyle/>
+          <a:p>
+            <a:pPr lvl="0" algn="ctr">
+              <a:lnSpc>
+                <a:spcPct val="120000"/>
+              </a:lnSpc>
+              <a:spcBef>
+                <a:spcPts val="1000"/>
+              </a:spcBef>
+            </a:pPr>
+            <a:r>
+              <a:rPr lang="it-IT" sz="2500" b="1" dirty="0" smtClean="0">
+                <a:latin typeface="Times New Roman" panose="02020603050405020304" pitchFamily="18" charset="0"/>
+                <a:cs typeface="Times New Roman" panose="02020603050405020304" pitchFamily="18" charset="0"/>
+              </a:rPr>
+              <a:t>Task 4 – Vincere il premio “</a:t>
+            </a:r>
+            <a:r>
+              <a:rPr lang="it-IT" sz="2500" b="1" dirty="0" err="1" smtClean="0">
+                <a:latin typeface="Times New Roman" panose="02020603050405020304" pitchFamily="18" charset="0"/>
+                <a:cs typeface="Times New Roman" panose="02020603050405020304" pitchFamily="18" charset="0"/>
+              </a:rPr>
+              <a:t>Only</a:t>
+            </a:r>
+            <a:r>
+              <a:rPr lang="it-IT" sz="2500" b="1" dirty="0" smtClean="0">
+                <a:latin typeface="Times New Roman" panose="02020603050405020304" pitchFamily="18" charset="0"/>
+                <a:cs typeface="Times New Roman" panose="02020603050405020304" pitchFamily="18" charset="0"/>
+              </a:rPr>
+              <a:t> 10 </a:t>
+            </a:r>
+            <a:r>
+              <a:rPr lang="it-IT" sz="2500" b="1" dirty="0" err="1" smtClean="0">
+                <a:latin typeface="Times New Roman" panose="02020603050405020304" pitchFamily="18" charset="0"/>
+                <a:cs typeface="Times New Roman" panose="02020603050405020304" pitchFamily="18" charset="0"/>
+              </a:rPr>
+              <a:t>cigarettes</a:t>
+            </a:r>
+            <a:r>
+              <a:rPr lang="it-IT" sz="2500" b="1" dirty="0" smtClean="0">
+                <a:latin typeface="Times New Roman" panose="02020603050405020304" pitchFamily="18" charset="0"/>
+                <a:cs typeface="Times New Roman" panose="02020603050405020304" pitchFamily="18" charset="0"/>
+              </a:rPr>
+              <a:t> </a:t>
+            </a:r>
+            <a:r>
+              <a:rPr lang="it-IT" sz="2500" b="1" dirty="0" err="1" smtClean="0">
+                <a:latin typeface="Times New Roman" panose="02020603050405020304" pitchFamily="18" charset="0"/>
+                <a:cs typeface="Times New Roman" panose="02020603050405020304" pitchFamily="18" charset="0"/>
+              </a:rPr>
+              <a:t>smoked</a:t>
+            </a:r>
+            <a:r>
+              <a:rPr lang="it-IT" sz="2500" b="1" dirty="0" smtClean="0">
+                <a:latin typeface="Times New Roman" panose="02020603050405020304" pitchFamily="18" charset="0"/>
+                <a:cs typeface="Times New Roman" panose="02020603050405020304" pitchFamily="18" charset="0"/>
+              </a:rPr>
+              <a:t>”</a:t>
+            </a:r>
+            <a:endParaRPr lang="it-IT" sz="2500" dirty="0" smtClean="0">
+              <a:latin typeface="Times New Roman" panose="02020603050405020304" pitchFamily="18" charset="0"/>
+              <a:cs typeface="Times New Roman" panose="02020603050405020304" pitchFamily="18" charset="0"/>
+            </a:endParaRPr>
+          </a:p>
+          <a:p>
+            <a:pPr algn="just"/>
+            <a:endParaRPr lang="it-IT" sz="2000" dirty="0" smtClean="0">
+              <a:latin typeface="Times New Roman" panose="02020603050405020304" pitchFamily="18" charset="0"/>
+              <a:cs typeface="Times New Roman" panose="02020603050405020304" pitchFamily="18" charset="0"/>
+            </a:endParaRPr>
+          </a:p>
+          <a:p>
+            <a:r>
+              <a:rPr lang="it-IT" sz="2600" dirty="0" smtClean="0"/>
+              <a:t> </a:t>
+            </a:r>
+          </a:p>
+        </p:txBody>
+      </p:sp>
+    </p:spTree>
+    <p:extLst>
+      <p:ext uri="{BB962C8B-B14F-4D97-AF65-F5344CB8AC3E}">
+        <p14:creationId xmlns="" xmlns:p14="http://schemas.microsoft.com/office/powerpoint/2010/main" val="2442419145"/>
+      </p:ext>
+    </p:extLst>
+  </p:cSld>
+  <p:clrMapOvr>
+    <a:masterClrMapping/>
+  </p:clrMapOvr>
+</p:sld>
+</file>
+
+<file path=ppt/slides/slide37.xml><?xml version="1.0" encoding="utf-8"?>
+<p:sld xmlns:a="http://schemas.openxmlformats.org/drawingml/2006/main" xmlns:r="http://schemas.openxmlformats.org/officeDocument/2006/relationships" xmlns:p="http://schemas.openxmlformats.org/presentationml/2006/main">
+  <p:cSld>
+    <p:spTree>
+      <p:nvGrpSpPr>
+        <p:cNvPr id="1" name=""/>
+        <p:cNvGrpSpPr/>
+        <p:nvPr/>
+      </p:nvGrpSpPr>
+      <p:grpSpPr>
+        <a:xfrm>
+          <a:off x="0" y="0"/>
+          <a:ext cx="0" cy="0"/>
+          <a:chOff x="0" y="0"/>
+          <a:chExt cx="0" cy="0"/>
+        </a:xfrm>
+      </p:grpSpPr>
+      <p:sp>
+        <p:nvSpPr>
+          <p:cNvPr id="5" name="Titolo 1"/>
+          <p:cNvSpPr>
+            <a:spLocks noGrp="1"/>
+          </p:cNvSpPr>
+          <p:nvPr>
+            <p:ph type="title"/>
+          </p:nvPr>
+        </p:nvSpPr>
+        <p:spPr>
+          <a:xfrm>
+            <a:off x="628650" y="444137"/>
+            <a:ext cx="7886700" cy="653143"/>
+          </a:xfrm>
+        </p:spPr>
+        <p:txBody>
+          <a:bodyPr>
+            <a:normAutofit/>
+          </a:bodyPr>
+          <a:lstStyle/>
+          <a:p>
+            <a:r>
+              <a:rPr lang="it-IT" sz="2800" b="1" dirty="0" err="1" smtClean="0">
+                <a:latin typeface="Times New Roman" panose="02020603050405020304" pitchFamily="18" charset="0"/>
+                <a:cs typeface="Times New Roman" panose="02020603050405020304" pitchFamily="18" charset="0"/>
+              </a:rPr>
+              <a:t>User</a:t>
+            </a:r>
+            <a:r>
+              <a:rPr lang="it-IT" sz="2800" b="1" dirty="0" smtClean="0">
+                <a:latin typeface="Times New Roman" panose="02020603050405020304" pitchFamily="18" charset="0"/>
+                <a:cs typeface="Times New Roman" panose="02020603050405020304" pitchFamily="18" charset="0"/>
+              </a:rPr>
+              <a:t> </a:t>
+            </a:r>
+            <a:r>
+              <a:rPr lang="it-IT" sz="2800" b="1" dirty="0" err="1" smtClean="0">
+                <a:latin typeface="Times New Roman" panose="02020603050405020304" pitchFamily="18" charset="0"/>
+                <a:cs typeface="Times New Roman" panose="02020603050405020304" pitchFamily="18" charset="0"/>
+              </a:rPr>
+              <a:t>testing</a:t>
+            </a:r>
+            <a:r>
+              <a:rPr lang="it-IT" sz="2800" b="1" dirty="0" smtClean="0">
+                <a:latin typeface="Times New Roman" panose="02020603050405020304" pitchFamily="18" charset="0"/>
+                <a:cs typeface="Times New Roman" panose="02020603050405020304" pitchFamily="18" charset="0"/>
+              </a:rPr>
+              <a:t> – </a:t>
+            </a:r>
+            <a:r>
+              <a:rPr lang="it-IT" sz="2800" b="1" i="1" dirty="0" err="1" smtClean="0">
+                <a:latin typeface="Times New Roman" panose="02020603050405020304" pitchFamily="18" charset="0"/>
+                <a:cs typeface="Times New Roman" panose="02020603050405020304" pitchFamily="18" charset="0"/>
+              </a:rPr>
+              <a:t>After</a:t>
+            </a:r>
+            <a:r>
+              <a:rPr lang="it-IT" sz="2800" b="1" i="1" dirty="0" smtClean="0">
+                <a:latin typeface="Times New Roman" panose="02020603050405020304" pitchFamily="18" charset="0"/>
+                <a:cs typeface="Times New Roman" panose="02020603050405020304" pitchFamily="18" charset="0"/>
+              </a:rPr>
+              <a:t> the test</a:t>
+            </a:r>
+            <a:endParaRPr lang="it-IT" sz="2800" i="1" dirty="0"/>
+          </a:p>
+        </p:txBody>
+      </p:sp>
+      <p:sp>
+        <p:nvSpPr>
+          <p:cNvPr id="8" name="Segnaposto contenuto 2"/>
+          <p:cNvSpPr txBox="1">
+            <a:spLocks/>
+          </p:cNvSpPr>
+          <p:nvPr/>
+        </p:nvSpPr>
+        <p:spPr>
+          <a:xfrm>
+            <a:off x="628650" y="1254034"/>
+            <a:ext cx="7886700" cy="5301311"/>
+          </a:xfrm>
+          <a:prstGeom prst="rect">
+            <a:avLst/>
+          </a:prstGeom>
+        </p:spPr>
+        <p:txBody>
+          <a:bodyPr vert="horz" lIns="91440" tIns="45720" rIns="91440" bIns="45720" rtlCol="0">
+            <a:normAutofit/>
+          </a:bodyPr>
+          <a:lstStyle/>
+          <a:p>
+            <a:pPr lvl="0" algn="ctr">
+              <a:lnSpc>
+                <a:spcPct val="120000"/>
+              </a:lnSpc>
+              <a:spcBef>
+                <a:spcPts val="1000"/>
+              </a:spcBef>
+            </a:pPr>
+            <a:r>
+              <a:rPr lang="it-IT" sz="2500" b="1" dirty="0" smtClean="0">
+                <a:latin typeface="Times New Roman" panose="02020603050405020304" pitchFamily="18" charset="0"/>
+                <a:cs typeface="Times New Roman" panose="02020603050405020304" pitchFamily="18" charset="0"/>
+              </a:rPr>
+              <a:t>Task 5 – Visualizzare i progressi</a:t>
+            </a:r>
+            <a:endParaRPr lang="it-IT" sz="2500" dirty="0" smtClean="0">
+              <a:latin typeface="Times New Roman" panose="02020603050405020304" pitchFamily="18" charset="0"/>
+              <a:cs typeface="Times New Roman" panose="02020603050405020304" pitchFamily="18" charset="0"/>
+            </a:endParaRPr>
+          </a:p>
+          <a:p>
+            <a:pPr algn="just"/>
+            <a:endParaRPr lang="it-IT" sz="2000" dirty="0" smtClean="0">
+              <a:latin typeface="Times New Roman" panose="02020603050405020304" pitchFamily="18" charset="0"/>
+              <a:cs typeface="Times New Roman" panose="02020603050405020304" pitchFamily="18" charset="0"/>
+            </a:endParaRPr>
+          </a:p>
+          <a:p>
+            <a:r>
+              <a:rPr lang="it-IT" sz="2600" dirty="0" smtClean="0"/>
+              <a:t> </a:t>
+            </a:r>
+          </a:p>
+        </p:txBody>
+      </p:sp>
+    </p:spTree>
+    <p:extLst>
+      <p:ext uri="{BB962C8B-B14F-4D97-AF65-F5344CB8AC3E}">
+        <p14:creationId xmlns="" xmlns:p14="http://schemas.microsoft.com/office/powerpoint/2010/main" val="2442419145"/>
+      </p:ext>
+    </p:extLst>
+  </p:cSld>
+  <p:clrMapOvr>
+    <a:masterClrMapping/>
+  </p:clrMapOvr>
+</p:sld>
+</file>
+
+<file path=ppt/slides/slide38.xml><?xml version="1.0" encoding="utf-8"?>
+<p:sld xmlns:a="http://schemas.openxmlformats.org/drawingml/2006/main" xmlns:r="http://schemas.openxmlformats.org/officeDocument/2006/relationships" xmlns:p="http://schemas.openxmlformats.org/presentationml/2006/main">
+  <p:cSld>
+    <p:spTree>
+      <p:nvGrpSpPr>
+        <p:cNvPr id="1" name=""/>
+        <p:cNvGrpSpPr/>
+        <p:nvPr/>
+      </p:nvGrpSpPr>
+      <p:grpSpPr>
+        <a:xfrm>
+          <a:off x="0" y="0"/>
+          <a:ext cx="0" cy="0"/>
+          <a:chOff x="0" y="0"/>
+          <a:chExt cx="0" cy="0"/>
+        </a:xfrm>
+      </p:grpSpPr>
+      <p:sp>
+        <p:nvSpPr>
+          <p:cNvPr id="5" name="Titolo 1"/>
+          <p:cNvSpPr>
+            <a:spLocks noGrp="1"/>
+          </p:cNvSpPr>
+          <p:nvPr>
+            <p:ph type="title"/>
+          </p:nvPr>
+        </p:nvSpPr>
+        <p:spPr>
+          <a:xfrm>
+            <a:off x="628650" y="444137"/>
+            <a:ext cx="7886700" cy="653143"/>
+          </a:xfrm>
+        </p:spPr>
+        <p:txBody>
+          <a:bodyPr>
+            <a:normAutofit/>
+          </a:bodyPr>
+          <a:lstStyle/>
+          <a:p>
+            <a:r>
+              <a:rPr lang="it-IT" sz="2800" b="1" dirty="0" err="1" smtClean="0">
+                <a:latin typeface="Times New Roman" panose="02020603050405020304" pitchFamily="18" charset="0"/>
+                <a:cs typeface="Times New Roman" panose="02020603050405020304" pitchFamily="18" charset="0"/>
+              </a:rPr>
+              <a:t>User</a:t>
+            </a:r>
+            <a:r>
+              <a:rPr lang="it-IT" sz="2800" b="1" dirty="0" smtClean="0">
+                <a:latin typeface="Times New Roman" panose="02020603050405020304" pitchFamily="18" charset="0"/>
+                <a:cs typeface="Times New Roman" panose="02020603050405020304" pitchFamily="18" charset="0"/>
+              </a:rPr>
+              <a:t> </a:t>
+            </a:r>
+            <a:r>
+              <a:rPr lang="it-IT" sz="2800" b="1" dirty="0" err="1" smtClean="0">
+                <a:latin typeface="Times New Roman" panose="02020603050405020304" pitchFamily="18" charset="0"/>
+                <a:cs typeface="Times New Roman" panose="02020603050405020304" pitchFamily="18" charset="0"/>
+              </a:rPr>
+              <a:t>testing</a:t>
+            </a:r>
+            <a:r>
+              <a:rPr lang="it-IT" sz="2800" b="1" dirty="0" smtClean="0">
+                <a:latin typeface="Times New Roman" panose="02020603050405020304" pitchFamily="18" charset="0"/>
+                <a:cs typeface="Times New Roman" panose="02020603050405020304" pitchFamily="18" charset="0"/>
+              </a:rPr>
+              <a:t> – </a:t>
+            </a:r>
+            <a:r>
+              <a:rPr lang="it-IT" sz="2800" b="1" i="1" dirty="0" err="1" smtClean="0">
+                <a:latin typeface="Times New Roman" panose="02020603050405020304" pitchFamily="18" charset="0"/>
+                <a:cs typeface="Times New Roman" panose="02020603050405020304" pitchFamily="18" charset="0"/>
+              </a:rPr>
+              <a:t>After</a:t>
+            </a:r>
+            <a:r>
+              <a:rPr lang="it-IT" sz="2800" b="1" i="1" dirty="0" smtClean="0">
+                <a:latin typeface="Times New Roman" panose="02020603050405020304" pitchFamily="18" charset="0"/>
+                <a:cs typeface="Times New Roman" panose="02020603050405020304" pitchFamily="18" charset="0"/>
+              </a:rPr>
+              <a:t> the test</a:t>
+            </a:r>
+            <a:endParaRPr lang="it-IT" sz="2800" i="1" dirty="0"/>
+          </a:p>
+        </p:txBody>
+      </p:sp>
+      <p:sp>
+        <p:nvSpPr>
+          <p:cNvPr id="8" name="Segnaposto contenuto 2"/>
+          <p:cNvSpPr txBox="1">
+            <a:spLocks/>
+          </p:cNvSpPr>
+          <p:nvPr/>
+        </p:nvSpPr>
+        <p:spPr>
+          <a:xfrm>
+            <a:off x="628650" y="1254034"/>
+            <a:ext cx="7886700" cy="5301311"/>
+          </a:xfrm>
+          <a:prstGeom prst="rect">
+            <a:avLst/>
+          </a:prstGeom>
+        </p:spPr>
+        <p:txBody>
+          <a:bodyPr vert="horz" lIns="91440" tIns="45720" rIns="91440" bIns="45720" rtlCol="0">
+            <a:normAutofit/>
+          </a:bodyPr>
+          <a:lstStyle/>
+          <a:p>
+            <a:pPr lvl="0" algn="ctr">
+              <a:lnSpc>
+                <a:spcPct val="120000"/>
+              </a:lnSpc>
+              <a:spcBef>
+                <a:spcPts val="1000"/>
+              </a:spcBef>
+            </a:pPr>
+            <a:r>
+              <a:rPr lang="it-IT" sz="2500" b="1" dirty="0" smtClean="0">
+                <a:latin typeface="Times New Roman" panose="02020603050405020304" pitchFamily="18" charset="0"/>
+                <a:cs typeface="Times New Roman" panose="02020603050405020304" pitchFamily="18" charset="0"/>
+              </a:rPr>
+              <a:t>Task 6 – Perdere il premio “</a:t>
+            </a:r>
+            <a:r>
+              <a:rPr lang="it-IT" sz="2500" b="1" dirty="0" err="1" smtClean="0">
+                <a:latin typeface="Times New Roman" panose="02020603050405020304" pitchFamily="18" charset="0"/>
+                <a:cs typeface="Times New Roman" panose="02020603050405020304" pitchFamily="18" charset="0"/>
+              </a:rPr>
+              <a:t>Only</a:t>
+            </a:r>
+            <a:r>
+              <a:rPr lang="it-IT" sz="2500" b="1" dirty="0" smtClean="0">
+                <a:latin typeface="Times New Roman" panose="02020603050405020304" pitchFamily="18" charset="0"/>
+                <a:cs typeface="Times New Roman" panose="02020603050405020304" pitchFamily="18" charset="0"/>
+              </a:rPr>
+              <a:t> 10 </a:t>
+            </a:r>
+            <a:r>
+              <a:rPr lang="it-IT" sz="2500" b="1" dirty="0" err="1" smtClean="0">
+                <a:latin typeface="Times New Roman" panose="02020603050405020304" pitchFamily="18" charset="0"/>
+                <a:cs typeface="Times New Roman" panose="02020603050405020304" pitchFamily="18" charset="0"/>
+              </a:rPr>
+              <a:t>cigarettes</a:t>
+            </a:r>
+            <a:r>
+              <a:rPr lang="it-IT" sz="2500" b="1" dirty="0" smtClean="0">
+                <a:latin typeface="Times New Roman" panose="02020603050405020304" pitchFamily="18" charset="0"/>
+                <a:cs typeface="Times New Roman" panose="02020603050405020304" pitchFamily="18" charset="0"/>
+              </a:rPr>
+              <a:t> </a:t>
+            </a:r>
+            <a:r>
+              <a:rPr lang="it-IT" sz="2500" b="1" dirty="0" err="1" smtClean="0">
+                <a:latin typeface="Times New Roman" panose="02020603050405020304" pitchFamily="18" charset="0"/>
+                <a:cs typeface="Times New Roman" panose="02020603050405020304" pitchFamily="18" charset="0"/>
+              </a:rPr>
+              <a:t>smoked</a:t>
+            </a:r>
+            <a:r>
+              <a:rPr lang="it-IT" sz="2500" b="1" dirty="0" smtClean="0">
+                <a:latin typeface="Times New Roman" panose="02020603050405020304" pitchFamily="18" charset="0"/>
+                <a:cs typeface="Times New Roman" panose="02020603050405020304" pitchFamily="18" charset="0"/>
+              </a:rPr>
+              <a:t>”</a:t>
+            </a:r>
+            <a:endParaRPr lang="it-IT" sz="2500" dirty="0" smtClean="0">
+              <a:latin typeface="Times New Roman" panose="02020603050405020304" pitchFamily="18" charset="0"/>
+              <a:cs typeface="Times New Roman" panose="02020603050405020304" pitchFamily="18" charset="0"/>
+            </a:endParaRPr>
+          </a:p>
+          <a:p>
+            <a:pPr algn="just"/>
+            <a:endParaRPr lang="it-IT" sz="2000" dirty="0" smtClean="0">
+              <a:latin typeface="Times New Roman" panose="02020603050405020304" pitchFamily="18" charset="0"/>
+              <a:cs typeface="Times New Roman" panose="02020603050405020304" pitchFamily="18" charset="0"/>
+            </a:endParaRPr>
+          </a:p>
+          <a:p>
+            <a:r>
+              <a:rPr lang="it-IT" sz="2600" dirty="0" smtClean="0"/>
+              <a:t> </a:t>
+            </a:r>
+          </a:p>
+        </p:txBody>
+      </p:sp>
+    </p:spTree>
+    <p:extLst>
+      <p:ext uri="{BB962C8B-B14F-4D97-AF65-F5344CB8AC3E}">
+        <p14:creationId xmlns="" xmlns:p14="http://schemas.microsoft.com/office/powerpoint/2010/main" val="2442419145"/>
+      </p:ext>
+    </p:extLst>
+  </p:cSld>
+  <p:clrMapOvr>
+    <a:masterClrMapping/>
+  </p:clrMapOvr>
+</p:sld>
+</file>
+
+<file path=ppt/slides/slide39.xml><?xml version="1.0" encoding="utf-8"?>
+<p:sld xmlns:a="http://schemas.openxmlformats.org/drawingml/2006/main" xmlns:r="http://schemas.openxmlformats.org/officeDocument/2006/relationships" xmlns:p="http://schemas.openxmlformats.org/presentationml/2006/main">
+  <p:cSld>
+    <p:spTree>
+      <p:nvGrpSpPr>
+        <p:cNvPr id="1" name=""/>
+        <p:cNvGrpSpPr/>
+        <p:nvPr/>
+      </p:nvGrpSpPr>
+      <p:grpSpPr>
+        <a:xfrm>
+          <a:off x="0" y="0"/>
+          <a:ext cx="0" cy="0"/>
+          <a:chOff x="0" y="0"/>
+          <a:chExt cx="0" cy="0"/>
+        </a:xfrm>
+      </p:grpSpPr>
+      <p:sp>
+        <p:nvSpPr>
+          <p:cNvPr id="5" name="Titolo 1"/>
+          <p:cNvSpPr>
+            <a:spLocks noGrp="1"/>
+          </p:cNvSpPr>
+          <p:nvPr>
+            <p:ph type="title"/>
+          </p:nvPr>
+        </p:nvSpPr>
+        <p:spPr>
+          <a:xfrm>
+            <a:off x="628650" y="444137"/>
+            <a:ext cx="7886700" cy="653143"/>
+          </a:xfrm>
+        </p:spPr>
+        <p:txBody>
+          <a:bodyPr>
+            <a:normAutofit/>
+          </a:bodyPr>
+          <a:lstStyle/>
+          <a:p>
+            <a:r>
+              <a:rPr lang="it-IT" sz="2800" b="1" dirty="0" err="1" smtClean="0">
+                <a:latin typeface="Times New Roman" panose="02020603050405020304" pitchFamily="18" charset="0"/>
+                <a:cs typeface="Times New Roman" panose="02020603050405020304" pitchFamily="18" charset="0"/>
+              </a:rPr>
+              <a:t>User</a:t>
+            </a:r>
+            <a:r>
+              <a:rPr lang="it-IT" sz="2800" b="1" dirty="0" smtClean="0">
+                <a:latin typeface="Times New Roman" panose="02020603050405020304" pitchFamily="18" charset="0"/>
+                <a:cs typeface="Times New Roman" panose="02020603050405020304" pitchFamily="18" charset="0"/>
+              </a:rPr>
+              <a:t> </a:t>
+            </a:r>
+            <a:r>
+              <a:rPr lang="it-IT" sz="2800" b="1" dirty="0" err="1" smtClean="0">
+                <a:latin typeface="Times New Roman" panose="02020603050405020304" pitchFamily="18" charset="0"/>
+                <a:cs typeface="Times New Roman" panose="02020603050405020304" pitchFamily="18" charset="0"/>
+              </a:rPr>
+              <a:t>testing</a:t>
+            </a:r>
+            <a:r>
+              <a:rPr lang="it-IT" sz="2800" b="1" dirty="0" smtClean="0">
+                <a:latin typeface="Times New Roman" panose="02020603050405020304" pitchFamily="18" charset="0"/>
+                <a:cs typeface="Times New Roman" panose="02020603050405020304" pitchFamily="18" charset="0"/>
+              </a:rPr>
+              <a:t> – </a:t>
+            </a:r>
+            <a:r>
+              <a:rPr lang="it-IT" sz="2800" b="1" i="1" dirty="0" err="1" smtClean="0">
+                <a:latin typeface="Times New Roman" panose="02020603050405020304" pitchFamily="18" charset="0"/>
+                <a:cs typeface="Times New Roman" panose="02020603050405020304" pitchFamily="18" charset="0"/>
+              </a:rPr>
+              <a:t>After</a:t>
+            </a:r>
+            <a:r>
+              <a:rPr lang="it-IT" sz="2800" b="1" i="1" dirty="0" smtClean="0">
+                <a:latin typeface="Times New Roman" panose="02020603050405020304" pitchFamily="18" charset="0"/>
+                <a:cs typeface="Times New Roman" panose="02020603050405020304" pitchFamily="18" charset="0"/>
+              </a:rPr>
+              <a:t> the test</a:t>
+            </a:r>
+            <a:endParaRPr lang="it-IT" sz="2800" i="1" dirty="0"/>
+          </a:p>
+        </p:txBody>
+      </p:sp>
+      <p:sp>
+        <p:nvSpPr>
+          <p:cNvPr id="8" name="Segnaposto contenuto 2"/>
+          <p:cNvSpPr txBox="1">
+            <a:spLocks/>
+          </p:cNvSpPr>
+          <p:nvPr/>
+        </p:nvSpPr>
+        <p:spPr>
+          <a:xfrm>
+            <a:off x="628650" y="1254034"/>
+            <a:ext cx="7886700" cy="5301311"/>
+          </a:xfrm>
+          <a:prstGeom prst="rect">
+            <a:avLst/>
+          </a:prstGeom>
+        </p:spPr>
+        <p:txBody>
+          <a:bodyPr vert="horz" lIns="91440" tIns="45720" rIns="91440" bIns="45720" rtlCol="0">
+            <a:normAutofit/>
+          </a:bodyPr>
+          <a:lstStyle/>
+          <a:p>
+            <a:pPr lvl="0" algn="ctr">
+              <a:lnSpc>
+                <a:spcPct val="120000"/>
+              </a:lnSpc>
+              <a:spcBef>
+                <a:spcPts val="1000"/>
+              </a:spcBef>
+            </a:pPr>
+            <a:r>
+              <a:rPr lang="it-IT" sz="2500" b="1" dirty="0" smtClean="0">
+                <a:latin typeface="Times New Roman" panose="02020603050405020304" pitchFamily="18" charset="0"/>
+                <a:cs typeface="Times New Roman" panose="02020603050405020304" pitchFamily="18" charset="0"/>
+              </a:rPr>
+              <a:t>Task 7 – </a:t>
+            </a:r>
+            <a:r>
+              <a:rPr lang="it-IT" sz="2500" b="1" dirty="0" err="1" smtClean="0">
+                <a:latin typeface="Times New Roman" panose="02020603050405020304" pitchFamily="18" charset="0"/>
+                <a:cs typeface="Times New Roman" panose="02020603050405020304" pitchFamily="18" charset="0"/>
+              </a:rPr>
+              <a:t>Forgot</a:t>
+            </a:r>
+            <a:r>
+              <a:rPr lang="it-IT" sz="2500" b="1" smtClean="0">
+                <a:latin typeface="Times New Roman" panose="02020603050405020304" pitchFamily="18" charset="0"/>
+                <a:cs typeface="Times New Roman" panose="02020603050405020304" pitchFamily="18" charset="0"/>
+              </a:rPr>
+              <a:t> password e Login</a:t>
+            </a:r>
+            <a:endParaRPr lang="it-IT" sz="2500" dirty="0" smtClean="0">
+              <a:latin typeface="Times New Roman" panose="02020603050405020304" pitchFamily="18" charset="0"/>
+              <a:cs typeface="Times New Roman" panose="02020603050405020304" pitchFamily="18" charset="0"/>
+            </a:endParaRPr>
+          </a:p>
+          <a:p>
+            <a:pPr algn="just"/>
+            <a:endParaRPr lang="it-IT" sz="2000" dirty="0" smtClean="0">
+              <a:latin typeface="Times New Roman" panose="02020603050405020304" pitchFamily="18" charset="0"/>
+              <a:cs typeface="Times New Roman" panose="02020603050405020304" pitchFamily="18" charset="0"/>
+            </a:endParaRPr>
+          </a:p>
+          <a:p>
+            <a:r>
+              <a:rPr lang="it-IT" sz="2600" dirty="0" smtClean="0"/>
+              <a:t> </a:t>
+            </a:r>
+          </a:p>
+        </p:txBody>
+      </p:sp>
+    </p:spTree>
+    <p:extLst>
+      <p:ext uri="{BB962C8B-B14F-4D97-AF65-F5344CB8AC3E}">
+        <p14:creationId xmlns="" xmlns:p14="http://schemas.microsoft.com/office/powerpoint/2010/main" val="2442419145"/>
       </p:ext>
     </p:extLst>
   </p:cSld>
@@ -6960,7 +11773,7 @@
     </p:spTree>
     <p:extLst>
       <p:ext uri="{BB962C8B-B14F-4D97-AF65-F5344CB8AC3E}">
-        <p14:creationId xmlns:p14="http://schemas.microsoft.com/office/powerpoint/2010/main" xmlns="" val="2051926642"/>
+        <p14:creationId xmlns="" xmlns:p14="http://schemas.microsoft.com/office/powerpoint/2010/main" val="2051926642"/>
       </p:ext>
     </p:extLst>
   </p:cSld>
@@ -7067,35 +11880,7 @@
                 <a:latin typeface="Times New Roman" panose="02020603050405020304" pitchFamily="18" charset="0"/>
                 <a:cs typeface="Times New Roman" panose="02020603050405020304" pitchFamily="18" charset="0"/>
               </a:rPr>
-              <a:t>È possibile visualizzare il </a:t>
-            </a:r>
-            <a:r>
-              <a:rPr lang="it-IT" sz="2000" dirty="0" smtClean="0">
-                <a:latin typeface="Times New Roman" panose="02020603050405020304" pitchFamily="18" charset="0"/>
-                <a:cs typeface="Times New Roman" panose="02020603050405020304" pitchFamily="18" charset="0"/>
-              </a:rPr>
-              <a:t>prototipo ottenuto dopo aver effettuato il</a:t>
-            </a:r>
-            <a:r>
-              <a:rPr lang="it-IT" sz="2000" dirty="0" smtClean="0">
-                <a:latin typeface="Times New Roman" panose="02020603050405020304" pitchFamily="18" charset="0"/>
-                <a:cs typeface="Times New Roman" panose="02020603050405020304" pitchFamily="18" charset="0"/>
-              </a:rPr>
-              <a:t> re-design di una sua componente </a:t>
-            </a:r>
-            <a:r>
-              <a:rPr lang="it-IT" sz="2000" dirty="0" smtClean="0">
-                <a:latin typeface="Times New Roman" panose="02020603050405020304" pitchFamily="18" charset="0"/>
-                <a:cs typeface="Times New Roman" panose="02020603050405020304" pitchFamily="18" charset="0"/>
-              </a:rPr>
-              <a:t>cliccando </a:t>
-            </a:r>
-            <a:r>
-              <a:rPr lang="it-IT" sz="2000" dirty="0" smtClean="0">
-                <a:latin typeface="Times New Roman" panose="02020603050405020304" pitchFamily="18" charset="0"/>
-                <a:cs typeface="Times New Roman" panose="02020603050405020304" pitchFamily="18" charset="0"/>
-              </a:rPr>
-              <a:t>sul seguente link:</a:t>
+              <a:t>È possibile visualizzare il prototipo ottenuto dopo aver effettuato il re-design di una sua componente cliccando sul seguente link:</a:t>
             </a:r>
           </a:p>
           <a:p>
@@ -7130,7 +11915,7 @@
     </p:spTree>
     <p:extLst>
       <p:ext uri="{BB962C8B-B14F-4D97-AF65-F5344CB8AC3E}">
-        <p14:creationId xmlns:p14="http://schemas.microsoft.com/office/powerpoint/2010/main" xmlns="" val="530745109"/>
+        <p14:creationId xmlns="" xmlns:p14="http://schemas.microsoft.com/office/powerpoint/2010/main" val="530745109"/>
       </p:ext>
     </p:extLst>
   </p:cSld>
@@ -7455,7 +12240,7 @@
     </p:spTree>
     <p:extLst>
       <p:ext uri="{BB962C8B-B14F-4D97-AF65-F5344CB8AC3E}">
-        <p14:creationId xmlns:p14="http://schemas.microsoft.com/office/powerpoint/2010/main" xmlns="" val="1113760290"/>
+        <p14:creationId xmlns="" xmlns:p14="http://schemas.microsoft.com/office/powerpoint/2010/main" val="1113760290"/>
       </p:ext>
     </p:extLst>
   </p:cSld>
@@ -7686,10 +12471,6 @@
               </a:rPr>
               <a:t> successivo.</a:t>
             </a:r>
-            <a:endParaRPr lang="it-IT" sz="2000" dirty="0" smtClean="0">
-              <a:latin typeface="Times New Roman" panose="02020603050405020304" pitchFamily="18" charset="0"/>
-              <a:cs typeface="Times New Roman" panose="02020603050405020304" pitchFamily="18" charset="0"/>
-            </a:endParaRPr>
           </a:p>
         </p:txBody>
       </p:sp>
@@ -7856,14 +12637,7 @@
                 <a:latin typeface="Times New Roman" panose="02020603050405020304" pitchFamily="18" charset="0"/>
                 <a:cs typeface="Times New Roman" panose="02020603050405020304" pitchFamily="18" charset="0"/>
               </a:rPr>
-              <a:t>- Partecipanti</a:t>
-            </a:r>
-            <a:r>
-              <a:rPr lang="it-IT" sz="2000" b="1" dirty="0" smtClean="0">
-                <a:latin typeface="Times New Roman" panose="02020603050405020304" pitchFamily="18" charset="0"/>
-                <a:cs typeface="Times New Roman" panose="02020603050405020304" pitchFamily="18" charset="0"/>
-              </a:rPr>
-              <a:t>: </a:t>
+              <a:t>- Partecipanti: </a:t>
             </a:r>
             <a:r>
               <a:rPr lang="it-IT" sz="2000" dirty="0" smtClean="0">
@@ -7906,19 +12680,8 @@
                 <a:latin typeface="Times New Roman" panose="02020603050405020304" pitchFamily="18" charset="0"/>
                 <a:cs typeface="Times New Roman" panose="02020603050405020304" pitchFamily="18" charset="0"/>
               </a:rPr>
-              <a:t> del prototipo, in particolare si preferisce farlo provare a chi potrebbero essere i futuri utenti della nostra app</a:t>
-            </a:r>
-            <a:r>
-              <a:rPr lang="it-IT" sz="2000" dirty="0" smtClean="0">
-                <a:latin typeface="Times New Roman" panose="02020603050405020304" pitchFamily="18" charset="0"/>
-                <a:cs typeface="Times New Roman" panose="02020603050405020304" pitchFamily="18" charset="0"/>
-              </a:rPr>
-              <a:t>.</a:t>
-            </a:r>
-            <a:endParaRPr lang="it-IT" sz="2000" dirty="0" smtClean="0">
-              <a:latin typeface="Times New Roman" panose="02020603050405020304" pitchFamily="18" charset="0"/>
-              <a:cs typeface="Times New Roman" panose="02020603050405020304" pitchFamily="18" charset="0"/>
-            </a:endParaRPr>
+              <a:t> del prototipo, in particolare si preferisce farlo provare a chi potrebbero essere i futuri utenti della nostra app.</a:t>
+            </a:r>
           </a:p>
         </p:txBody>
       </p:sp>
@@ -8191,7 +12954,7 @@
     </p:spTree>
     <p:extLst>
       <p:ext uri="{BB962C8B-B14F-4D97-AF65-F5344CB8AC3E}">
-        <p14:creationId xmlns:p14="http://schemas.microsoft.com/office/powerpoint/2010/main" xmlns="" val="3011033621"/>
+        <p14:creationId xmlns="" xmlns:p14="http://schemas.microsoft.com/office/powerpoint/2010/main" val="3011033621"/>
       </p:ext>
     </p:extLst>
   </p:cSld>
@@ -8456,7 +13219,7 @@
   <a:extraClrSchemeLst/>
   <a:extLst>
     <a:ext uri="{05A4C25C-085E-4340-85A3-A5531E510DB2}">
-      <thm15:themeFamily xmlns:thm15="http://schemas.microsoft.com/office/thememl/2012/main" xmlns="" name="Office Theme" id="{62F939B6-93AF-4DB8-9C6B-D6C7DFDC589F}" vid="{4A3C46E8-61CC-4603-A589-7422A47A8E4A}"/>
+      <thm15:themeFamily xmlns="" xmlns:thm15="http://schemas.microsoft.com/office/thememl/2012/main" name="Office Theme" id="{62F939B6-93AF-4DB8-9C6B-D6C7DFDC589F}" vid="{4A3C46E8-61CC-4603-A589-7422A47A8E4A}"/>
     </a:ext>
   </a:extLst>
 </a:theme>

--- a/Prova_6/Leone_Mastrosimone_PresentazioneProgetto.pptx
+++ b/Prova_6/Leone_Mastrosimone_PresentazioneProgetto.pptx
@@ -2,7 +2,7 @@
 <file path=ppt/presentation.xml><?xml version="1.0" encoding="utf-8"?>
 <p:presentation xmlns:a="http://schemas.openxmlformats.org/drawingml/2006/main" xmlns:r="http://schemas.openxmlformats.org/officeDocument/2006/relationships" xmlns:p="http://schemas.openxmlformats.org/presentationml/2006/main" saveSubsetFonts="1">
   <p:sldMasterIdLst>
-    <p:sldMasterId id="2147483660" r:id="rId1"/>
+    <p:sldMasterId id="2147483701" r:id="rId1"/>
   </p:sldMasterIdLst>
   <p:sldIdLst>
     <p:sldId id="256" r:id="rId2"/>
@@ -144,7 +144,18 @@
   </p:defaultTextStyle>
   <p:extLst>
     <p:ext uri="{EFAFB233-063F-42B5-8137-9DF3F51BA10A}">
-      <p15:sldGuideLst xmlns="" xmlns:p15="http://schemas.microsoft.com/office/powerpoint/2012/main"/>
+      <p15:sldGuideLst xmlns:p15="http://schemas.microsoft.com/office/powerpoint/2012/main">
+        <p15:guide id="1" orient="horz" pos="2160">
+          <p15:clr>
+            <a:srgbClr val="A4A3A4"/>
+          </p15:clr>
+        </p15:guide>
+        <p15:guide id="2" pos="2880">
+          <p15:clr>
+            <a:srgbClr val="A4A3A4"/>
+          </p15:clr>
+        </p15:guide>
+      </p15:sldGuideLst>
     </p:ext>
   </p:extLst>
 </p:presentation>
@@ -169,7 +180,7 @@
       </p:grpSpPr>
       <p:sp>
         <p:nvSpPr>
-          <p:cNvPr id="2" name="Title 1"/>
+          <p:cNvPr id="2" name="Titolo 1"/>
           <p:cNvSpPr>
             <a:spLocks noGrp="1"/>
           </p:cNvSpPr>
@@ -179,15 +190,15 @@
         </p:nvSpPr>
         <p:spPr>
           <a:xfrm>
-            <a:off x="685800" y="1122363"/>
-            <a:ext cx="7772400" cy="2387600"/>
+            <a:off x="1143000" y="1122363"/>
+            <a:ext cx="6858000" cy="2387600"/>
           </a:xfrm>
         </p:spPr>
         <p:txBody>
           <a:bodyPr anchor="b"/>
           <a:lstStyle>
             <a:lvl1pPr algn="ctr">
-              <a:defRPr sz="6000"/>
+              <a:defRPr sz="4500"/>
             </a:lvl1pPr>
           </a:lstStyle>
           <a:p>
@@ -195,13 +206,13 @@
               <a:rPr lang="it-IT" smtClean="0"/>
               <a:t>Fare clic per modificare lo stile del titolo</a:t>
             </a:r>
-            <a:endParaRPr lang="en-US" dirty="0"/>
+            <a:endParaRPr lang="it-IT"/>
           </a:p>
         </p:txBody>
       </p:sp>
       <p:sp>
         <p:nvSpPr>
-          <p:cNvPr id="3" name="Subtitle 2"/>
+          <p:cNvPr id="3" name="Sottotitolo 2"/>
           <p:cNvSpPr>
             <a:spLocks noGrp="1"/>
           </p:cNvSpPr>
@@ -220,39 +231,39 @@
           <a:lstStyle>
             <a:lvl1pPr marL="0" indent="0" algn="ctr">
               <a:buNone/>
-              <a:defRPr sz="2400"/>
+              <a:defRPr sz="1800"/>
             </a:lvl1pPr>
-            <a:lvl2pPr marL="457200" indent="0" algn="ctr">
+            <a:lvl2pPr marL="342900" indent="0" algn="ctr">
               <a:buNone/>
-              <a:defRPr sz="2000"/>
+              <a:defRPr sz="1500"/>
             </a:lvl2pPr>
-            <a:lvl3pPr marL="914400" indent="0" algn="ctr">
+            <a:lvl3pPr marL="685800" indent="0" algn="ctr">
               <a:buNone/>
-              <a:defRPr sz="1800"/>
+              <a:defRPr sz="1350"/>
             </a:lvl3pPr>
-            <a:lvl4pPr marL="1371600" indent="0" algn="ctr">
+            <a:lvl4pPr marL="1028700" indent="0" algn="ctr">
               <a:buNone/>
-              <a:defRPr sz="1600"/>
+              <a:defRPr sz="1200"/>
             </a:lvl4pPr>
-            <a:lvl5pPr marL="1828800" indent="0" algn="ctr">
+            <a:lvl5pPr marL="1371600" indent="0" algn="ctr">
               <a:buNone/>
-              <a:defRPr sz="1600"/>
+              <a:defRPr sz="1200"/>
             </a:lvl5pPr>
-            <a:lvl6pPr marL="2286000" indent="0" algn="ctr">
+            <a:lvl6pPr marL="1714500" indent="0" algn="ctr">
               <a:buNone/>
-              <a:defRPr sz="1600"/>
+              <a:defRPr sz="1200"/>
             </a:lvl6pPr>
-            <a:lvl7pPr marL="2743200" indent="0" algn="ctr">
+            <a:lvl7pPr marL="2057400" indent="0" algn="ctr">
               <a:buNone/>
-              <a:defRPr sz="1600"/>
+              <a:defRPr sz="1200"/>
             </a:lvl7pPr>
-            <a:lvl8pPr marL="3200400" indent="0" algn="ctr">
+            <a:lvl8pPr marL="2400300" indent="0" algn="ctr">
               <a:buNone/>
-              <a:defRPr sz="1600"/>
+              <a:defRPr sz="1200"/>
             </a:lvl8pPr>
-            <a:lvl9pPr marL="3657600" indent="0" algn="ctr">
+            <a:lvl9pPr marL="2743200" indent="0" algn="ctr">
               <a:buNone/>
-              <a:defRPr sz="1600"/>
+              <a:defRPr sz="1200"/>
             </a:lvl9pPr>
           </a:lstStyle>
           <a:p>
@@ -260,13 +271,13 @@
               <a:rPr lang="it-IT" smtClean="0"/>
               <a:t>Fare clic per modificare lo stile del sottotitolo dello schema</a:t>
             </a:r>
-            <a:endParaRPr lang="en-US" dirty="0"/>
+            <a:endParaRPr lang="it-IT"/>
           </a:p>
         </p:txBody>
       </p:sp>
       <p:sp>
         <p:nvSpPr>
-          <p:cNvPr id="4" name="Date Placeholder 3"/>
+          <p:cNvPr id="4" name="Segnaposto data 3"/>
           <p:cNvSpPr>
             <a:spLocks noGrp="1"/>
           </p:cNvSpPr>
@@ -290,7 +301,7 @@
       </p:sp>
       <p:sp>
         <p:nvSpPr>
-          <p:cNvPr id="5" name="Footer Placeholder 4"/>
+          <p:cNvPr id="5" name="Segnaposto piè di pagina 4"/>
           <p:cNvSpPr>
             <a:spLocks noGrp="1"/>
           </p:cNvSpPr>
@@ -309,7 +320,7 @@
       </p:sp>
       <p:sp>
         <p:nvSpPr>
-          <p:cNvPr id="6" name="Slide Number Placeholder 5"/>
+          <p:cNvPr id="6" name="Segnaposto numero diapositiva 5"/>
           <p:cNvSpPr>
             <a:spLocks noGrp="1"/>
           </p:cNvSpPr>
@@ -334,7 +345,7 @@
     </p:spTree>
     <p:extLst>
       <p:ext uri="{BB962C8B-B14F-4D97-AF65-F5344CB8AC3E}">
-        <p14:creationId xmlns="" xmlns:p14="http://schemas.microsoft.com/office/powerpoint/2010/main" val="3310887744"/>
+        <p14:creationId xmlns:p14="http://schemas.microsoft.com/office/powerpoint/2010/main" val="2794966829"/>
       </p:ext>
     </p:extLst>
   </p:cSld>
@@ -363,7 +374,7 @@
       </p:grpSpPr>
       <p:sp>
         <p:nvSpPr>
-          <p:cNvPr id="2" name="Title 1"/>
+          <p:cNvPr id="2" name="Titolo 1"/>
           <p:cNvSpPr>
             <a:spLocks noGrp="1"/>
           </p:cNvSpPr>
@@ -380,13 +391,13 @@
               <a:rPr lang="it-IT" smtClean="0"/>
               <a:t>Fare clic per modificare lo stile del titolo</a:t>
             </a:r>
-            <a:endParaRPr lang="en-US" dirty="0"/>
+            <a:endParaRPr lang="it-IT"/>
           </a:p>
         </p:txBody>
       </p:sp>
       <p:sp>
         <p:nvSpPr>
-          <p:cNvPr id="3" name="Vertical Text Placeholder 2"/>
+          <p:cNvPr id="3" name="Segnaposto testo verticale 2"/>
           <p:cNvSpPr>
             <a:spLocks noGrp="1"/>
           </p:cNvSpPr>
@@ -432,13 +443,13 @@
               <a:rPr lang="it-IT" smtClean="0"/>
               <a:t>Quinto livello</a:t>
             </a:r>
-            <a:endParaRPr lang="en-US" dirty="0"/>
+            <a:endParaRPr lang="it-IT"/>
           </a:p>
         </p:txBody>
       </p:sp>
       <p:sp>
         <p:nvSpPr>
-          <p:cNvPr id="4" name="Date Placeholder 3"/>
+          <p:cNvPr id="4" name="Segnaposto data 3"/>
           <p:cNvSpPr>
             <a:spLocks noGrp="1"/>
           </p:cNvSpPr>
@@ -462,7 +473,7 @@
       </p:sp>
       <p:sp>
         <p:nvSpPr>
-          <p:cNvPr id="5" name="Footer Placeholder 4"/>
+          <p:cNvPr id="5" name="Segnaposto piè di pagina 4"/>
           <p:cNvSpPr>
             <a:spLocks noGrp="1"/>
           </p:cNvSpPr>
@@ -481,7 +492,7 @@
       </p:sp>
       <p:sp>
         <p:nvSpPr>
-          <p:cNvPr id="6" name="Slide Number Placeholder 5"/>
+          <p:cNvPr id="6" name="Segnaposto numero diapositiva 5"/>
           <p:cNvSpPr>
             <a:spLocks noGrp="1"/>
           </p:cNvSpPr>
@@ -506,7 +517,7 @@
     </p:spTree>
     <p:extLst>
       <p:ext uri="{BB962C8B-B14F-4D97-AF65-F5344CB8AC3E}">
-        <p14:creationId xmlns="" xmlns:p14="http://schemas.microsoft.com/office/powerpoint/2010/main" val="3074622753"/>
+        <p14:creationId xmlns:p14="http://schemas.microsoft.com/office/powerpoint/2010/main" val="3137592929"/>
       </p:ext>
     </p:extLst>
   </p:cSld>
@@ -535,7 +546,7 @@
       </p:grpSpPr>
       <p:sp>
         <p:nvSpPr>
-          <p:cNvPr id="2" name="Vertical Title 1"/>
+          <p:cNvPr id="2" name="Titolo verticale 1"/>
           <p:cNvSpPr>
             <a:spLocks noGrp="1"/>
           </p:cNvSpPr>
@@ -557,13 +568,13 @@
               <a:rPr lang="it-IT" smtClean="0"/>
               <a:t>Fare clic per modificare lo stile del titolo</a:t>
             </a:r>
-            <a:endParaRPr lang="en-US" dirty="0"/>
+            <a:endParaRPr lang="it-IT"/>
           </a:p>
         </p:txBody>
       </p:sp>
       <p:sp>
         <p:nvSpPr>
-          <p:cNvPr id="3" name="Vertical Text Placeholder 2"/>
+          <p:cNvPr id="3" name="Segnaposto testo verticale 2"/>
           <p:cNvSpPr>
             <a:spLocks noGrp="1"/>
           </p:cNvSpPr>
@@ -614,13 +625,13 @@
               <a:rPr lang="it-IT" smtClean="0"/>
               <a:t>Quinto livello</a:t>
             </a:r>
-            <a:endParaRPr lang="en-US" dirty="0"/>
+            <a:endParaRPr lang="it-IT"/>
           </a:p>
         </p:txBody>
       </p:sp>
       <p:sp>
         <p:nvSpPr>
-          <p:cNvPr id="4" name="Date Placeholder 3"/>
+          <p:cNvPr id="4" name="Segnaposto data 3"/>
           <p:cNvSpPr>
             <a:spLocks noGrp="1"/>
           </p:cNvSpPr>
@@ -644,7 +655,7 @@
       </p:sp>
       <p:sp>
         <p:nvSpPr>
-          <p:cNvPr id="5" name="Footer Placeholder 4"/>
+          <p:cNvPr id="5" name="Segnaposto piè di pagina 4"/>
           <p:cNvSpPr>
             <a:spLocks noGrp="1"/>
           </p:cNvSpPr>
@@ -663,7 +674,7 @@
       </p:sp>
       <p:sp>
         <p:nvSpPr>
-          <p:cNvPr id="6" name="Slide Number Placeholder 5"/>
+          <p:cNvPr id="6" name="Segnaposto numero diapositiva 5"/>
           <p:cNvSpPr>
             <a:spLocks noGrp="1"/>
           </p:cNvSpPr>
@@ -688,7 +699,7 @@
     </p:spTree>
     <p:extLst>
       <p:ext uri="{BB962C8B-B14F-4D97-AF65-F5344CB8AC3E}">
-        <p14:creationId xmlns="" xmlns:p14="http://schemas.microsoft.com/office/powerpoint/2010/main" val="427507249"/>
+        <p14:creationId xmlns:p14="http://schemas.microsoft.com/office/powerpoint/2010/main" val="3539137821"/>
       </p:ext>
     </p:extLst>
   </p:cSld>
@@ -717,7 +728,7 @@
       </p:grpSpPr>
       <p:sp>
         <p:nvSpPr>
-          <p:cNvPr id="2" name="Title 1"/>
+          <p:cNvPr id="2" name="Titolo 1"/>
           <p:cNvSpPr>
             <a:spLocks noGrp="1"/>
           </p:cNvSpPr>
@@ -734,13 +745,13 @@
               <a:rPr lang="it-IT" smtClean="0"/>
               <a:t>Fare clic per modificare lo stile del titolo</a:t>
             </a:r>
-            <a:endParaRPr lang="en-US" dirty="0"/>
+            <a:endParaRPr lang="it-IT"/>
           </a:p>
         </p:txBody>
       </p:sp>
       <p:sp>
         <p:nvSpPr>
-          <p:cNvPr id="3" name="Content Placeholder 2"/>
+          <p:cNvPr id="3" name="Segnaposto contenuto 2"/>
           <p:cNvSpPr>
             <a:spLocks noGrp="1"/>
           </p:cNvSpPr>
@@ -786,13 +797,13 @@
               <a:rPr lang="it-IT" smtClean="0"/>
               <a:t>Quinto livello</a:t>
             </a:r>
-            <a:endParaRPr lang="en-US" dirty="0"/>
+            <a:endParaRPr lang="it-IT"/>
           </a:p>
         </p:txBody>
       </p:sp>
       <p:sp>
         <p:nvSpPr>
-          <p:cNvPr id="4" name="Date Placeholder 3"/>
+          <p:cNvPr id="4" name="Segnaposto data 3"/>
           <p:cNvSpPr>
             <a:spLocks noGrp="1"/>
           </p:cNvSpPr>
@@ -816,7 +827,7 @@
       </p:sp>
       <p:sp>
         <p:nvSpPr>
-          <p:cNvPr id="5" name="Footer Placeholder 4"/>
+          <p:cNvPr id="5" name="Segnaposto piè di pagina 4"/>
           <p:cNvSpPr>
             <a:spLocks noGrp="1"/>
           </p:cNvSpPr>
@@ -835,7 +846,7 @@
       </p:sp>
       <p:sp>
         <p:nvSpPr>
-          <p:cNvPr id="6" name="Slide Number Placeholder 5"/>
+          <p:cNvPr id="6" name="Segnaposto numero diapositiva 5"/>
           <p:cNvSpPr>
             <a:spLocks noGrp="1"/>
           </p:cNvSpPr>
@@ -860,7 +871,7 @@
     </p:spTree>
     <p:extLst>
       <p:ext uri="{BB962C8B-B14F-4D97-AF65-F5344CB8AC3E}">
-        <p14:creationId xmlns="" xmlns:p14="http://schemas.microsoft.com/office/powerpoint/2010/main" val="1362399413"/>
+        <p14:creationId xmlns:p14="http://schemas.microsoft.com/office/powerpoint/2010/main" val="2596279143"/>
       </p:ext>
     </p:extLst>
   </p:cSld>
@@ -889,7 +900,7 @@
       </p:grpSpPr>
       <p:sp>
         <p:nvSpPr>
-          <p:cNvPr id="2" name="Title 1"/>
+          <p:cNvPr id="2" name="Titolo 1"/>
           <p:cNvSpPr>
             <a:spLocks noGrp="1"/>
           </p:cNvSpPr>
@@ -907,7 +918,7 @@
           <a:bodyPr anchor="b"/>
           <a:lstStyle>
             <a:lvl1pPr>
-              <a:defRPr sz="6000"/>
+              <a:defRPr sz="4500"/>
             </a:lvl1pPr>
           </a:lstStyle>
           <a:p>
@@ -915,13 +926,13 @@
               <a:rPr lang="it-IT" smtClean="0"/>
               <a:t>Fare clic per modificare lo stile del titolo</a:t>
             </a:r>
-            <a:endParaRPr lang="en-US" dirty="0"/>
+            <a:endParaRPr lang="it-IT"/>
           </a:p>
         </p:txBody>
       </p:sp>
       <p:sp>
         <p:nvSpPr>
-          <p:cNvPr id="3" name="Text Placeholder 2"/>
+          <p:cNvPr id="3" name="Segnaposto testo 2"/>
           <p:cNvSpPr>
             <a:spLocks noGrp="1"/>
           </p:cNvSpPr>
@@ -940,15 +951,17 @@
           <a:lstStyle>
             <a:lvl1pPr marL="0" indent="0">
               <a:buNone/>
-              <a:defRPr sz="2400">
+              <a:defRPr sz="1800">
                 <a:solidFill>
-                  <a:schemeClr val="tx1"/>
+                  <a:schemeClr val="tx1">
+                    <a:tint val="75000"/>
+                  </a:schemeClr>
                 </a:solidFill>
               </a:defRPr>
             </a:lvl1pPr>
-            <a:lvl2pPr marL="457200" indent="0">
+            <a:lvl2pPr marL="342900" indent="0">
               <a:buNone/>
-              <a:defRPr sz="2000">
+              <a:defRPr sz="1500">
                 <a:solidFill>
                   <a:schemeClr val="tx1">
                     <a:tint val="75000"/>
@@ -956,9 +969,9 @@
                 </a:solidFill>
               </a:defRPr>
             </a:lvl2pPr>
-            <a:lvl3pPr marL="914400" indent="0">
+            <a:lvl3pPr marL="685800" indent="0">
               <a:buNone/>
-              <a:defRPr sz="1800">
+              <a:defRPr sz="1350">
                 <a:solidFill>
                   <a:schemeClr val="tx1">
                     <a:tint val="75000"/>
@@ -966,9 +979,9 @@
                 </a:solidFill>
               </a:defRPr>
             </a:lvl3pPr>
-            <a:lvl4pPr marL="1371600" indent="0">
+            <a:lvl4pPr marL="1028700" indent="0">
               <a:buNone/>
-              <a:defRPr sz="1600">
+              <a:defRPr sz="1200">
                 <a:solidFill>
                   <a:schemeClr val="tx1">
                     <a:tint val="75000"/>
@@ -976,9 +989,9 @@
                 </a:solidFill>
               </a:defRPr>
             </a:lvl4pPr>
-            <a:lvl5pPr marL="1828800" indent="0">
+            <a:lvl5pPr marL="1371600" indent="0">
               <a:buNone/>
-              <a:defRPr sz="1600">
+              <a:defRPr sz="1200">
                 <a:solidFill>
                   <a:schemeClr val="tx1">
                     <a:tint val="75000"/>
@@ -986,9 +999,9 @@
                 </a:solidFill>
               </a:defRPr>
             </a:lvl5pPr>
-            <a:lvl6pPr marL="2286000" indent="0">
+            <a:lvl6pPr marL="1714500" indent="0">
               <a:buNone/>
-              <a:defRPr sz="1600">
+              <a:defRPr sz="1200">
                 <a:solidFill>
                   <a:schemeClr val="tx1">
                     <a:tint val="75000"/>
@@ -996,9 +1009,9 @@
                 </a:solidFill>
               </a:defRPr>
             </a:lvl6pPr>
-            <a:lvl7pPr marL="2743200" indent="0">
+            <a:lvl7pPr marL="2057400" indent="0">
               <a:buNone/>
-              <a:defRPr sz="1600">
+              <a:defRPr sz="1200">
                 <a:solidFill>
                   <a:schemeClr val="tx1">
                     <a:tint val="75000"/>
@@ -1006,9 +1019,9 @@
                 </a:solidFill>
               </a:defRPr>
             </a:lvl7pPr>
-            <a:lvl8pPr marL="3200400" indent="0">
+            <a:lvl8pPr marL="2400300" indent="0">
               <a:buNone/>
-              <a:defRPr sz="1600">
+              <a:defRPr sz="1200">
                 <a:solidFill>
                   <a:schemeClr val="tx1">
                     <a:tint val="75000"/>
@@ -1016,9 +1029,9 @@
                 </a:solidFill>
               </a:defRPr>
             </a:lvl8pPr>
-            <a:lvl9pPr marL="3657600" indent="0">
+            <a:lvl9pPr marL="2743200" indent="0">
               <a:buNone/>
-              <a:defRPr sz="1600">
+              <a:defRPr sz="1200">
                 <a:solidFill>
                   <a:schemeClr val="tx1">
                     <a:tint val="75000"/>
@@ -1038,7 +1051,7 @@
       </p:sp>
       <p:sp>
         <p:nvSpPr>
-          <p:cNvPr id="4" name="Date Placeholder 3"/>
+          <p:cNvPr id="4" name="Segnaposto data 3"/>
           <p:cNvSpPr>
             <a:spLocks noGrp="1"/>
           </p:cNvSpPr>
@@ -1062,7 +1075,7 @@
       </p:sp>
       <p:sp>
         <p:nvSpPr>
-          <p:cNvPr id="5" name="Footer Placeholder 4"/>
+          <p:cNvPr id="5" name="Segnaposto piè di pagina 4"/>
           <p:cNvSpPr>
             <a:spLocks noGrp="1"/>
           </p:cNvSpPr>
@@ -1081,7 +1094,7 @@
       </p:sp>
       <p:sp>
         <p:nvSpPr>
-          <p:cNvPr id="6" name="Slide Number Placeholder 5"/>
+          <p:cNvPr id="6" name="Segnaposto numero diapositiva 5"/>
           <p:cNvSpPr>
             <a:spLocks noGrp="1"/>
           </p:cNvSpPr>
@@ -1106,7 +1119,7 @@
     </p:spTree>
     <p:extLst>
       <p:ext uri="{BB962C8B-B14F-4D97-AF65-F5344CB8AC3E}">
-        <p14:creationId xmlns="" xmlns:p14="http://schemas.microsoft.com/office/powerpoint/2010/main" val="3225621358"/>
+        <p14:creationId xmlns:p14="http://schemas.microsoft.com/office/powerpoint/2010/main" val="165791784"/>
       </p:ext>
     </p:extLst>
   </p:cSld>
@@ -1135,7 +1148,7 @@
       </p:grpSpPr>
       <p:sp>
         <p:nvSpPr>
-          <p:cNvPr id="2" name="Title 1"/>
+          <p:cNvPr id="2" name="Titolo 1"/>
           <p:cNvSpPr>
             <a:spLocks noGrp="1"/>
           </p:cNvSpPr>
@@ -1152,13 +1165,13 @@
               <a:rPr lang="it-IT" smtClean="0"/>
               <a:t>Fare clic per modificare lo stile del titolo</a:t>
             </a:r>
-            <a:endParaRPr lang="en-US" dirty="0"/>
+            <a:endParaRPr lang="it-IT"/>
           </a:p>
         </p:txBody>
       </p:sp>
       <p:sp>
         <p:nvSpPr>
-          <p:cNvPr id="3" name="Content Placeholder 2"/>
+          <p:cNvPr id="3" name="Segnaposto contenuto 2"/>
           <p:cNvSpPr>
             <a:spLocks noGrp="1"/>
           </p:cNvSpPr>
@@ -1209,13 +1222,13 @@
               <a:rPr lang="it-IT" smtClean="0"/>
               <a:t>Quinto livello</a:t>
             </a:r>
-            <a:endParaRPr lang="en-US" dirty="0"/>
+            <a:endParaRPr lang="it-IT"/>
           </a:p>
         </p:txBody>
       </p:sp>
       <p:sp>
         <p:nvSpPr>
-          <p:cNvPr id="4" name="Content Placeholder 3"/>
+          <p:cNvPr id="4" name="Segnaposto contenuto 3"/>
           <p:cNvSpPr>
             <a:spLocks noGrp="1"/>
           </p:cNvSpPr>
@@ -1266,13 +1279,13 @@
               <a:rPr lang="it-IT" smtClean="0"/>
               <a:t>Quinto livello</a:t>
             </a:r>
-            <a:endParaRPr lang="en-US" dirty="0"/>
+            <a:endParaRPr lang="it-IT"/>
           </a:p>
         </p:txBody>
       </p:sp>
       <p:sp>
         <p:nvSpPr>
-          <p:cNvPr id="5" name="Date Placeholder 4"/>
+          <p:cNvPr id="5" name="Segnaposto data 4"/>
           <p:cNvSpPr>
             <a:spLocks noGrp="1"/>
           </p:cNvSpPr>
@@ -1296,7 +1309,7 @@
       </p:sp>
       <p:sp>
         <p:nvSpPr>
-          <p:cNvPr id="6" name="Footer Placeholder 5"/>
+          <p:cNvPr id="6" name="Segnaposto piè di pagina 5"/>
           <p:cNvSpPr>
             <a:spLocks noGrp="1"/>
           </p:cNvSpPr>
@@ -1315,7 +1328,7 @@
       </p:sp>
       <p:sp>
         <p:nvSpPr>
-          <p:cNvPr id="7" name="Slide Number Placeholder 6"/>
+          <p:cNvPr id="7" name="Segnaposto numero diapositiva 6"/>
           <p:cNvSpPr>
             <a:spLocks noGrp="1"/>
           </p:cNvSpPr>
@@ -1340,7 +1353,7 @@
     </p:spTree>
     <p:extLst>
       <p:ext uri="{BB962C8B-B14F-4D97-AF65-F5344CB8AC3E}">
-        <p14:creationId xmlns="" xmlns:p14="http://schemas.microsoft.com/office/powerpoint/2010/main" val="3800156285"/>
+        <p14:creationId xmlns:p14="http://schemas.microsoft.com/office/powerpoint/2010/main" val="2198079672"/>
       </p:ext>
     </p:extLst>
   </p:cSld>
@@ -1369,7 +1382,7 @@
       </p:grpSpPr>
       <p:sp>
         <p:nvSpPr>
-          <p:cNvPr id="2" name="Title 1"/>
+          <p:cNvPr id="2" name="Titolo 1"/>
           <p:cNvSpPr>
             <a:spLocks noGrp="1"/>
           </p:cNvSpPr>
@@ -1391,13 +1404,13 @@
               <a:rPr lang="it-IT" smtClean="0"/>
               <a:t>Fare clic per modificare lo stile del titolo</a:t>
             </a:r>
-            <a:endParaRPr lang="en-US" dirty="0"/>
+            <a:endParaRPr lang="it-IT"/>
           </a:p>
         </p:txBody>
       </p:sp>
       <p:sp>
         <p:nvSpPr>
-          <p:cNvPr id="3" name="Text Placeholder 2"/>
+          <p:cNvPr id="3" name="Segnaposto testo 2"/>
           <p:cNvSpPr>
             <a:spLocks noGrp="1"/>
           </p:cNvSpPr>
@@ -1416,39 +1429,39 @@
           <a:lstStyle>
             <a:lvl1pPr marL="0" indent="0">
               <a:buNone/>
-              <a:defRPr sz="2400" b="1"/>
+              <a:defRPr sz="1800" b="1"/>
             </a:lvl1pPr>
-            <a:lvl2pPr marL="457200" indent="0">
+            <a:lvl2pPr marL="342900" indent="0">
               <a:buNone/>
-              <a:defRPr sz="2000" b="1"/>
+              <a:defRPr sz="1500" b="1"/>
             </a:lvl2pPr>
-            <a:lvl3pPr marL="914400" indent="0">
+            <a:lvl3pPr marL="685800" indent="0">
               <a:buNone/>
-              <a:defRPr sz="1800" b="1"/>
+              <a:defRPr sz="1350" b="1"/>
             </a:lvl3pPr>
-            <a:lvl4pPr marL="1371600" indent="0">
+            <a:lvl4pPr marL="1028700" indent="0">
               <a:buNone/>
-              <a:defRPr sz="1600" b="1"/>
+              <a:defRPr sz="1200" b="1"/>
             </a:lvl4pPr>
-            <a:lvl5pPr marL="1828800" indent="0">
+            <a:lvl5pPr marL="1371600" indent="0">
               <a:buNone/>
-              <a:defRPr sz="1600" b="1"/>
+              <a:defRPr sz="1200" b="1"/>
             </a:lvl5pPr>
-            <a:lvl6pPr marL="2286000" indent="0">
+            <a:lvl6pPr marL="1714500" indent="0">
               <a:buNone/>
-              <a:defRPr sz="1600" b="1"/>
+              <a:defRPr sz="1200" b="1"/>
             </a:lvl6pPr>
-            <a:lvl7pPr marL="2743200" indent="0">
+            <a:lvl7pPr marL="2057400" indent="0">
               <a:buNone/>
-              <a:defRPr sz="1600" b="1"/>
+              <a:defRPr sz="1200" b="1"/>
             </a:lvl7pPr>
-            <a:lvl8pPr marL="3200400" indent="0">
+            <a:lvl8pPr marL="2400300" indent="0">
               <a:buNone/>
-              <a:defRPr sz="1600" b="1"/>
+              <a:defRPr sz="1200" b="1"/>
             </a:lvl8pPr>
-            <a:lvl9pPr marL="3657600" indent="0">
+            <a:lvl9pPr marL="2743200" indent="0">
               <a:buNone/>
-              <a:defRPr sz="1600" b="1"/>
+              <a:defRPr sz="1200" b="1"/>
             </a:lvl9pPr>
           </a:lstStyle>
           <a:p>
@@ -1462,7 +1475,7 @@
       </p:sp>
       <p:sp>
         <p:nvSpPr>
-          <p:cNvPr id="4" name="Content Placeholder 3"/>
+          <p:cNvPr id="4" name="Segnaposto contenuto 3"/>
           <p:cNvSpPr>
             <a:spLocks noGrp="1"/>
           </p:cNvSpPr>
@@ -1513,13 +1526,13 @@
               <a:rPr lang="it-IT" smtClean="0"/>
               <a:t>Quinto livello</a:t>
             </a:r>
-            <a:endParaRPr lang="en-US" dirty="0"/>
+            <a:endParaRPr lang="it-IT"/>
           </a:p>
         </p:txBody>
       </p:sp>
       <p:sp>
         <p:nvSpPr>
-          <p:cNvPr id="5" name="Text Placeholder 4"/>
+          <p:cNvPr id="5" name="Segnaposto testo 4"/>
           <p:cNvSpPr>
             <a:spLocks noGrp="1"/>
           </p:cNvSpPr>
@@ -1538,39 +1551,39 @@
           <a:lstStyle>
             <a:lvl1pPr marL="0" indent="0">
               <a:buNone/>
-              <a:defRPr sz="2400" b="1"/>
+              <a:defRPr sz="1800" b="1"/>
             </a:lvl1pPr>
-            <a:lvl2pPr marL="457200" indent="0">
+            <a:lvl2pPr marL="342900" indent="0">
               <a:buNone/>
-              <a:defRPr sz="2000" b="1"/>
+              <a:defRPr sz="1500" b="1"/>
             </a:lvl2pPr>
-            <a:lvl3pPr marL="914400" indent="0">
+            <a:lvl3pPr marL="685800" indent="0">
               <a:buNone/>
-              <a:defRPr sz="1800" b="1"/>
+              <a:defRPr sz="1350" b="1"/>
             </a:lvl3pPr>
-            <a:lvl4pPr marL="1371600" indent="0">
+            <a:lvl4pPr marL="1028700" indent="0">
               <a:buNone/>
-              <a:defRPr sz="1600" b="1"/>
+              <a:defRPr sz="1200" b="1"/>
             </a:lvl4pPr>
-            <a:lvl5pPr marL="1828800" indent="0">
+            <a:lvl5pPr marL="1371600" indent="0">
               <a:buNone/>
-              <a:defRPr sz="1600" b="1"/>
+              <a:defRPr sz="1200" b="1"/>
             </a:lvl5pPr>
-            <a:lvl6pPr marL="2286000" indent="0">
+            <a:lvl6pPr marL="1714500" indent="0">
               <a:buNone/>
-              <a:defRPr sz="1600" b="1"/>
+              <a:defRPr sz="1200" b="1"/>
             </a:lvl6pPr>
-            <a:lvl7pPr marL="2743200" indent="0">
+            <a:lvl7pPr marL="2057400" indent="0">
               <a:buNone/>
-              <a:defRPr sz="1600" b="1"/>
+              <a:defRPr sz="1200" b="1"/>
             </a:lvl7pPr>
-            <a:lvl8pPr marL="3200400" indent="0">
+            <a:lvl8pPr marL="2400300" indent="0">
               <a:buNone/>
-              <a:defRPr sz="1600" b="1"/>
+              <a:defRPr sz="1200" b="1"/>
             </a:lvl8pPr>
-            <a:lvl9pPr marL="3657600" indent="0">
+            <a:lvl9pPr marL="2743200" indent="0">
               <a:buNone/>
-              <a:defRPr sz="1600" b="1"/>
+              <a:defRPr sz="1200" b="1"/>
             </a:lvl9pPr>
           </a:lstStyle>
           <a:p>
@@ -1584,7 +1597,7 @@
       </p:sp>
       <p:sp>
         <p:nvSpPr>
-          <p:cNvPr id="6" name="Content Placeholder 5"/>
+          <p:cNvPr id="6" name="Segnaposto contenuto 5"/>
           <p:cNvSpPr>
             <a:spLocks noGrp="1"/>
           </p:cNvSpPr>
@@ -1635,13 +1648,13 @@
               <a:rPr lang="it-IT" smtClean="0"/>
               <a:t>Quinto livello</a:t>
             </a:r>
-            <a:endParaRPr lang="en-US" dirty="0"/>
+            <a:endParaRPr lang="it-IT"/>
           </a:p>
         </p:txBody>
       </p:sp>
       <p:sp>
         <p:nvSpPr>
-          <p:cNvPr id="7" name="Date Placeholder 6"/>
+          <p:cNvPr id="7" name="Segnaposto data 6"/>
           <p:cNvSpPr>
             <a:spLocks noGrp="1"/>
           </p:cNvSpPr>
@@ -1665,7 +1678,7 @@
       </p:sp>
       <p:sp>
         <p:nvSpPr>
-          <p:cNvPr id="8" name="Footer Placeholder 7"/>
+          <p:cNvPr id="8" name="Segnaposto piè di pagina 7"/>
           <p:cNvSpPr>
             <a:spLocks noGrp="1"/>
           </p:cNvSpPr>
@@ -1684,7 +1697,7 @@
       </p:sp>
       <p:sp>
         <p:nvSpPr>
-          <p:cNvPr id="9" name="Slide Number Placeholder 8"/>
+          <p:cNvPr id="9" name="Segnaposto numero diapositiva 8"/>
           <p:cNvSpPr>
             <a:spLocks noGrp="1"/>
           </p:cNvSpPr>
@@ -1709,7 +1722,7 @@
     </p:spTree>
     <p:extLst>
       <p:ext uri="{BB962C8B-B14F-4D97-AF65-F5344CB8AC3E}">
-        <p14:creationId xmlns="" xmlns:p14="http://schemas.microsoft.com/office/powerpoint/2010/main" val="1553049765"/>
+        <p14:creationId xmlns:p14="http://schemas.microsoft.com/office/powerpoint/2010/main" val="3300625428"/>
       </p:ext>
     </p:extLst>
   </p:cSld>
@@ -1738,7 +1751,7 @@
       </p:grpSpPr>
       <p:sp>
         <p:nvSpPr>
-          <p:cNvPr id="2" name="Title 1"/>
+          <p:cNvPr id="2" name="Titolo 1"/>
           <p:cNvSpPr>
             <a:spLocks noGrp="1"/>
           </p:cNvSpPr>
@@ -1755,13 +1768,13 @@
               <a:rPr lang="it-IT" smtClean="0"/>
               <a:t>Fare clic per modificare lo stile del titolo</a:t>
             </a:r>
-            <a:endParaRPr lang="en-US" dirty="0"/>
+            <a:endParaRPr lang="it-IT"/>
           </a:p>
         </p:txBody>
       </p:sp>
       <p:sp>
         <p:nvSpPr>
-          <p:cNvPr id="3" name="Date Placeholder 2"/>
+          <p:cNvPr id="3" name="Segnaposto data 2"/>
           <p:cNvSpPr>
             <a:spLocks noGrp="1"/>
           </p:cNvSpPr>
@@ -1785,7 +1798,7 @@
       </p:sp>
       <p:sp>
         <p:nvSpPr>
-          <p:cNvPr id="4" name="Footer Placeholder 3"/>
+          <p:cNvPr id="4" name="Segnaposto piè di pagina 3"/>
           <p:cNvSpPr>
             <a:spLocks noGrp="1"/>
           </p:cNvSpPr>
@@ -1804,7 +1817,7 @@
       </p:sp>
       <p:sp>
         <p:nvSpPr>
-          <p:cNvPr id="5" name="Slide Number Placeholder 4"/>
+          <p:cNvPr id="5" name="Segnaposto numero diapositiva 4"/>
           <p:cNvSpPr>
             <a:spLocks noGrp="1"/>
           </p:cNvSpPr>
@@ -1829,7 +1842,7 @@
     </p:spTree>
     <p:extLst>
       <p:ext uri="{BB962C8B-B14F-4D97-AF65-F5344CB8AC3E}">
-        <p14:creationId xmlns="" xmlns:p14="http://schemas.microsoft.com/office/powerpoint/2010/main" val="748351417"/>
+        <p14:creationId xmlns:p14="http://schemas.microsoft.com/office/powerpoint/2010/main" val="3178282063"/>
       </p:ext>
     </p:extLst>
   </p:cSld>
@@ -1858,7 +1871,7 @@
       </p:grpSpPr>
       <p:sp>
         <p:nvSpPr>
-          <p:cNvPr id="2" name="Date Placeholder 1"/>
+          <p:cNvPr id="2" name="Segnaposto data 1"/>
           <p:cNvSpPr>
             <a:spLocks noGrp="1"/>
           </p:cNvSpPr>
@@ -1882,7 +1895,7 @@
       </p:sp>
       <p:sp>
         <p:nvSpPr>
-          <p:cNvPr id="3" name="Footer Placeholder 2"/>
+          <p:cNvPr id="3" name="Segnaposto piè di pagina 2"/>
           <p:cNvSpPr>
             <a:spLocks noGrp="1"/>
           </p:cNvSpPr>
@@ -1901,7 +1914,7 @@
       </p:sp>
       <p:sp>
         <p:nvSpPr>
-          <p:cNvPr id="4" name="Slide Number Placeholder 3"/>
+          <p:cNvPr id="4" name="Segnaposto numero diapositiva 3"/>
           <p:cNvSpPr>
             <a:spLocks noGrp="1"/>
           </p:cNvSpPr>
@@ -1926,7 +1939,7 @@
     </p:spTree>
     <p:extLst>
       <p:ext uri="{BB962C8B-B14F-4D97-AF65-F5344CB8AC3E}">
-        <p14:creationId xmlns="" xmlns:p14="http://schemas.microsoft.com/office/powerpoint/2010/main" val="3835050378"/>
+        <p14:creationId xmlns:p14="http://schemas.microsoft.com/office/powerpoint/2010/main" val="1678428615"/>
       </p:ext>
     </p:extLst>
   </p:cSld>
@@ -1955,7 +1968,7 @@
       </p:grpSpPr>
       <p:sp>
         <p:nvSpPr>
-          <p:cNvPr id="2" name="Title 1"/>
+          <p:cNvPr id="2" name="Titolo 1"/>
           <p:cNvSpPr>
             <a:spLocks noGrp="1"/>
           </p:cNvSpPr>
@@ -1973,7 +1986,7 @@
           <a:bodyPr anchor="b"/>
           <a:lstStyle>
             <a:lvl1pPr>
-              <a:defRPr sz="3200"/>
+              <a:defRPr sz="2400"/>
             </a:lvl1pPr>
           </a:lstStyle>
           <a:p>
@@ -1981,13 +1994,13 @@
               <a:rPr lang="it-IT" smtClean="0"/>
               <a:t>Fare clic per modificare lo stile del titolo</a:t>
             </a:r>
-            <a:endParaRPr lang="en-US" dirty="0"/>
+            <a:endParaRPr lang="it-IT"/>
           </a:p>
         </p:txBody>
       </p:sp>
       <p:sp>
         <p:nvSpPr>
-          <p:cNvPr id="3" name="Content Placeholder 2"/>
+          <p:cNvPr id="3" name="Segnaposto contenuto 2"/>
           <p:cNvSpPr>
             <a:spLocks noGrp="1"/>
           </p:cNvSpPr>
@@ -2005,31 +2018,31 @@
           <a:bodyPr/>
           <a:lstStyle>
             <a:lvl1pPr>
-              <a:defRPr sz="3200"/>
+              <a:defRPr sz="2400"/>
             </a:lvl1pPr>
             <a:lvl2pPr>
-              <a:defRPr sz="2800"/>
+              <a:defRPr sz="2100"/>
             </a:lvl2pPr>
             <a:lvl3pPr>
-              <a:defRPr sz="2400"/>
+              <a:defRPr sz="1800"/>
             </a:lvl3pPr>
             <a:lvl4pPr>
-              <a:defRPr sz="2000"/>
+              <a:defRPr sz="1500"/>
             </a:lvl4pPr>
             <a:lvl5pPr>
-              <a:defRPr sz="2000"/>
+              <a:defRPr sz="1500"/>
             </a:lvl5pPr>
             <a:lvl6pPr>
-              <a:defRPr sz="2000"/>
+              <a:defRPr sz="1500"/>
             </a:lvl6pPr>
             <a:lvl7pPr>
-              <a:defRPr sz="2000"/>
+              <a:defRPr sz="1500"/>
             </a:lvl7pPr>
             <a:lvl8pPr>
-              <a:defRPr sz="2000"/>
+              <a:defRPr sz="1500"/>
             </a:lvl8pPr>
             <a:lvl9pPr>
-              <a:defRPr sz="2000"/>
+              <a:defRPr sz="1500"/>
             </a:lvl9pPr>
           </a:lstStyle>
           <a:p>
@@ -2066,13 +2079,13 @@
               <a:rPr lang="it-IT" smtClean="0"/>
               <a:t>Quinto livello</a:t>
             </a:r>
-            <a:endParaRPr lang="en-US" dirty="0"/>
+            <a:endParaRPr lang="it-IT"/>
           </a:p>
         </p:txBody>
       </p:sp>
       <p:sp>
         <p:nvSpPr>
-          <p:cNvPr id="4" name="Text Placeholder 3"/>
+          <p:cNvPr id="4" name="Segnaposto testo 3"/>
           <p:cNvSpPr>
             <a:spLocks noGrp="1"/>
           </p:cNvSpPr>
@@ -2091,39 +2104,39 @@
           <a:lstStyle>
             <a:lvl1pPr marL="0" indent="0">
               <a:buNone/>
-              <a:defRPr sz="1600"/>
+              <a:defRPr sz="1200"/>
             </a:lvl1pPr>
-            <a:lvl2pPr marL="457200" indent="0">
+            <a:lvl2pPr marL="342900" indent="0">
               <a:buNone/>
-              <a:defRPr sz="1400"/>
+              <a:defRPr sz="1050"/>
             </a:lvl2pPr>
-            <a:lvl3pPr marL="914400" indent="0">
+            <a:lvl3pPr marL="685800" indent="0">
               <a:buNone/>
-              <a:defRPr sz="1200"/>
+              <a:defRPr sz="900"/>
             </a:lvl3pPr>
-            <a:lvl4pPr marL="1371600" indent="0">
+            <a:lvl4pPr marL="1028700" indent="0">
               <a:buNone/>
-              <a:defRPr sz="1000"/>
+              <a:defRPr sz="750"/>
             </a:lvl4pPr>
-            <a:lvl5pPr marL="1828800" indent="0">
+            <a:lvl5pPr marL="1371600" indent="0">
               <a:buNone/>
-              <a:defRPr sz="1000"/>
+              <a:defRPr sz="750"/>
             </a:lvl5pPr>
-            <a:lvl6pPr marL="2286000" indent="0">
+            <a:lvl6pPr marL="1714500" indent="0">
               <a:buNone/>
-              <a:defRPr sz="1000"/>
+              <a:defRPr sz="750"/>
             </a:lvl6pPr>
-            <a:lvl7pPr marL="2743200" indent="0">
+            <a:lvl7pPr marL="2057400" indent="0">
               <a:buNone/>
-              <a:defRPr sz="1000"/>
+              <a:defRPr sz="750"/>
             </a:lvl7pPr>
-            <a:lvl8pPr marL="3200400" indent="0">
+            <a:lvl8pPr marL="2400300" indent="0">
               <a:buNone/>
-              <a:defRPr sz="1000"/>
+              <a:defRPr sz="750"/>
             </a:lvl8pPr>
-            <a:lvl9pPr marL="3657600" indent="0">
+            <a:lvl9pPr marL="2743200" indent="0">
               <a:buNone/>
-              <a:defRPr sz="1000"/>
+              <a:defRPr sz="750"/>
             </a:lvl9pPr>
           </a:lstStyle>
           <a:p>
@@ -2137,7 +2150,7 @@
       </p:sp>
       <p:sp>
         <p:nvSpPr>
-          <p:cNvPr id="5" name="Date Placeholder 4"/>
+          <p:cNvPr id="5" name="Segnaposto data 4"/>
           <p:cNvSpPr>
             <a:spLocks noGrp="1"/>
           </p:cNvSpPr>
@@ -2161,7 +2174,7 @@
       </p:sp>
       <p:sp>
         <p:nvSpPr>
-          <p:cNvPr id="6" name="Footer Placeholder 5"/>
+          <p:cNvPr id="6" name="Segnaposto piè di pagina 5"/>
           <p:cNvSpPr>
             <a:spLocks noGrp="1"/>
           </p:cNvSpPr>
@@ -2180,7 +2193,7 @@
       </p:sp>
       <p:sp>
         <p:nvSpPr>
-          <p:cNvPr id="7" name="Slide Number Placeholder 6"/>
+          <p:cNvPr id="7" name="Segnaposto numero diapositiva 6"/>
           <p:cNvSpPr>
             <a:spLocks noGrp="1"/>
           </p:cNvSpPr>
@@ -2205,7 +2218,7 @@
     </p:spTree>
     <p:extLst>
       <p:ext uri="{BB962C8B-B14F-4D97-AF65-F5344CB8AC3E}">
-        <p14:creationId xmlns="" xmlns:p14="http://schemas.microsoft.com/office/powerpoint/2010/main" val="1649903174"/>
+        <p14:creationId xmlns:p14="http://schemas.microsoft.com/office/powerpoint/2010/main" val="2896622390"/>
       </p:ext>
     </p:extLst>
   </p:cSld>
@@ -2234,7 +2247,7 @@
       </p:grpSpPr>
       <p:sp>
         <p:nvSpPr>
-          <p:cNvPr id="2" name="Title 1"/>
+          <p:cNvPr id="2" name="Titolo 1"/>
           <p:cNvSpPr>
             <a:spLocks noGrp="1"/>
           </p:cNvSpPr>
@@ -2252,7 +2265,7 @@
           <a:bodyPr anchor="b"/>
           <a:lstStyle>
             <a:lvl1pPr>
-              <a:defRPr sz="3200"/>
+              <a:defRPr sz="2400"/>
             </a:lvl1pPr>
           </a:lstStyle>
           <a:p>
@@ -2260,15 +2273,15 @@
               <a:rPr lang="it-IT" smtClean="0"/>
               <a:t>Fare clic per modificare lo stile del titolo</a:t>
             </a:r>
-            <a:endParaRPr lang="en-US" dirty="0"/>
+            <a:endParaRPr lang="it-IT"/>
           </a:p>
         </p:txBody>
       </p:sp>
       <p:sp>
         <p:nvSpPr>
-          <p:cNvPr id="3" name="Picture Placeholder 2"/>
+          <p:cNvPr id="3" name="Segnaposto immagine 2"/>
           <p:cNvSpPr>
-            <a:spLocks noGrp="1" noChangeAspect="1"/>
+            <a:spLocks noGrp="1"/>
           </p:cNvSpPr>
           <p:nvPr>
             <p:ph type="pic" idx="1"/>
@@ -2281,57 +2294,53 @@
           </a:xfrm>
         </p:spPr>
         <p:txBody>
-          <a:bodyPr anchor="t"/>
+          <a:bodyPr/>
           <a:lstStyle>
             <a:lvl1pPr marL="0" indent="0">
               <a:buNone/>
-              <a:defRPr sz="3200"/>
+              <a:defRPr sz="2400"/>
             </a:lvl1pPr>
-            <a:lvl2pPr marL="457200" indent="0">
+            <a:lvl2pPr marL="342900" indent="0">
               <a:buNone/>
-              <a:defRPr sz="2800"/>
+              <a:defRPr sz="2100"/>
             </a:lvl2pPr>
-            <a:lvl3pPr marL="914400" indent="0">
+            <a:lvl3pPr marL="685800" indent="0">
               <a:buNone/>
-              <a:defRPr sz="2400"/>
+              <a:defRPr sz="1800"/>
             </a:lvl3pPr>
-            <a:lvl4pPr marL="1371600" indent="0">
+            <a:lvl4pPr marL="1028700" indent="0">
               <a:buNone/>
-              <a:defRPr sz="2000"/>
+              <a:defRPr sz="1500"/>
             </a:lvl4pPr>
-            <a:lvl5pPr marL="1828800" indent="0">
+            <a:lvl5pPr marL="1371600" indent="0">
               <a:buNone/>
-              <a:defRPr sz="2000"/>
+              <a:defRPr sz="1500"/>
             </a:lvl5pPr>
-            <a:lvl6pPr marL="2286000" indent="0">
+            <a:lvl6pPr marL="1714500" indent="0">
               <a:buNone/>
-              <a:defRPr sz="2000"/>
+              <a:defRPr sz="1500"/>
             </a:lvl6pPr>
-            <a:lvl7pPr marL="2743200" indent="0">
+            <a:lvl7pPr marL="2057400" indent="0">
               <a:buNone/>
-              <a:defRPr sz="2000"/>
+              <a:defRPr sz="1500"/>
             </a:lvl7pPr>
-            <a:lvl8pPr marL="3200400" indent="0">
+            <a:lvl8pPr marL="2400300" indent="0">
               <a:buNone/>
-              <a:defRPr sz="2000"/>
+              <a:defRPr sz="1500"/>
             </a:lvl8pPr>
-            <a:lvl9pPr marL="3657600" indent="0">
+            <a:lvl9pPr marL="2743200" indent="0">
               <a:buNone/>
-              <a:defRPr sz="2000"/>
+              <a:defRPr sz="1500"/>
             </a:lvl9pPr>
           </a:lstStyle>
           <a:p>
-            <a:r>
-              <a:rPr lang="it-IT" smtClean="0"/>
-              <a:t>Fare clic sull'icona per inserire un'immagine</a:t>
-            </a:r>
-            <a:endParaRPr lang="en-US" dirty="0"/>
+            <a:endParaRPr lang="it-IT"/>
           </a:p>
         </p:txBody>
       </p:sp>
       <p:sp>
         <p:nvSpPr>
-          <p:cNvPr id="4" name="Text Placeholder 3"/>
+          <p:cNvPr id="4" name="Segnaposto testo 3"/>
           <p:cNvSpPr>
             <a:spLocks noGrp="1"/>
           </p:cNvSpPr>
@@ -2350,39 +2359,39 @@
           <a:lstStyle>
             <a:lvl1pPr marL="0" indent="0">
               <a:buNone/>
-              <a:defRPr sz="1600"/>
+              <a:defRPr sz="1200"/>
             </a:lvl1pPr>
-            <a:lvl2pPr marL="457200" indent="0">
+            <a:lvl2pPr marL="342900" indent="0">
               <a:buNone/>
-              <a:defRPr sz="1400"/>
+              <a:defRPr sz="1050"/>
             </a:lvl2pPr>
-            <a:lvl3pPr marL="914400" indent="0">
+            <a:lvl3pPr marL="685800" indent="0">
               <a:buNone/>
-              <a:defRPr sz="1200"/>
+              <a:defRPr sz="900"/>
             </a:lvl3pPr>
-            <a:lvl4pPr marL="1371600" indent="0">
+            <a:lvl4pPr marL="1028700" indent="0">
               <a:buNone/>
-              <a:defRPr sz="1000"/>
+              <a:defRPr sz="750"/>
             </a:lvl4pPr>
-            <a:lvl5pPr marL="1828800" indent="0">
+            <a:lvl5pPr marL="1371600" indent="0">
               <a:buNone/>
-              <a:defRPr sz="1000"/>
+              <a:defRPr sz="750"/>
             </a:lvl5pPr>
-            <a:lvl6pPr marL="2286000" indent="0">
+            <a:lvl6pPr marL="1714500" indent="0">
               <a:buNone/>
-              <a:defRPr sz="1000"/>
+              <a:defRPr sz="750"/>
             </a:lvl6pPr>
-            <a:lvl7pPr marL="2743200" indent="0">
+            <a:lvl7pPr marL="2057400" indent="0">
               <a:buNone/>
-              <a:defRPr sz="1000"/>
+              <a:defRPr sz="750"/>
             </a:lvl7pPr>
-            <a:lvl8pPr marL="3200400" indent="0">
+            <a:lvl8pPr marL="2400300" indent="0">
               <a:buNone/>
-              <a:defRPr sz="1000"/>
+              <a:defRPr sz="750"/>
             </a:lvl8pPr>
-            <a:lvl9pPr marL="3657600" indent="0">
+            <a:lvl9pPr marL="2743200" indent="0">
               <a:buNone/>
-              <a:defRPr sz="1000"/>
+              <a:defRPr sz="750"/>
             </a:lvl9pPr>
           </a:lstStyle>
           <a:p>
@@ -2396,7 +2405,7 @@
       </p:sp>
       <p:sp>
         <p:nvSpPr>
-          <p:cNvPr id="5" name="Date Placeholder 4"/>
+          <p:cNvPr id="5" name="Segnaposto data 4"/>
           <p:cNvSpPr>
             <a:spLocks noGrp="1"/>
           </p:cNvSpPr>
@@ -2420,7 +2429,7 @@
       </p:sp>
       <p:sp>
         <p:nvSpPr>
-          <p:cNvPr id="6" name="Footer Placeholder 5"/>
+          <p:cNvPr id="6" name="Segnaposto piè di pagina 5"/>
           <p:cNvSpPr>
             <a:spLocks noGrp="1"/>
           </p:cNvSpPr>
@@ -2439,7 +2448,7 @@
       </p:sp>
       <p:sp>
         <p:nvSpPr>
-          <p:cNvPr id="7" name="Slide Number Placeholder 6"/>
+          <p:cNvPr id="7" name="Segnaposto numero diapositiva 6"/>
           <p:cNvSpPr>
             <a:spLocks noGrp="1"/>
           </p:cNvSpPr>
@@ -2464,7 +2473,7 @@
     </p:spTree>
     <p:extLst>
       <p:ext uri="{BB962C8B-B14F-4D97-AF65-F5344CB8AC3E}">
-        <p14:creationId xmlns="" xmlns:p14="http://schemas.microsoft.com/office/powerpoint/2010/main" val="2435700444"/>
+        <p14:creationId xmlns:p14="http://schemas.microsoft.com/office/powerpoint/2010/main" val="1794637463"/>
       </p:ext>
     </p:extLst>
   </p:cSld>
@@ -2478,9 +2487,41 @@
 <p:sldMaster xmlns:a="http://schemas.openxmlformats.org/drawingml/2006/main" xmlns:r="http://schemas.openxmlformats.org/officeDocument/2006/relationships" xmlns:p="http://schemas.openxmlformats.org/presentationml/2006/main">
   <p:cSld>
     <p:bg>
-      <p:bgRef idx="1001">
-        <a:schemeClr val="bg1"/>
-      </p:bgRef>
+      <p:bgPr>
+        <a:gradFill flip="none" rotWithShape="1">
+          <a:gsLst>
+            <a:gs pos="0">
+              <a:schemeClr val="accent6">
+                <a:lumMod val="5000"/>
+                <a:lumOff val="95000"/>
+              </a:schemeClr>
+            </a:gs>
+            <a:gs pos="74000">
+              <a:schemeClr val="accent6">
+                <a:lumMod val="45000"/>
+                <a:lumOff val="55000"/>
+              </a:schemeClr>
+            </a:gs>
+            <a:gs pos="83000">
+              <a:schemeClr val="accent6">
+                <a:lumMod val="45000"/>
+                <a:lumOff val="55000"/>
+              </a:schemeClr>
+            </a:gs>
+            <a:gs pos="100000">
+              <a:schemeClr val="accent6">
+                <a:lumMod val="30000"/>
+                <a:lumOff val="70000"/>
+              </a:schemeClr>
+            </a:gs>
+          </a:gsLst>
+          <a:path path="shape">
+            <a:fillToRect l="50000" t="50000" r="50000" b="50000"/>
+          </a:path>
+          <a:tileRect/>
+        </a:gradFill>
+        <a:effectLst/>
+      </p:bgPr>
     </p:bg>
     <p:spTree>
       <p:nvGrpSpPr>
@@ -2498,7 +2539,7 @@
       </p:grpSpPr>
       <p:sp>
         <p:nvSpPr>
-          <p:cNvPr id="2" name="Title Placeholder 1"/>
+          <p:cNvPr id="2" name="Segnaposto titolo 1"/>
           <p:cNvSpPr>
             <a:spLocks noGrp="1"/>
           </p:cNvSpPr>
@@ -2525,13 +2566,13 @@
               <a:rPr lang="it-IT" smtClean="0"/>
               <a:t>Fare clic per modificare lo stile del titolo</a:t>
             </a:r>
-            <a:endParaRPr lang="en-US" dirty="0"/>
+            <a:endParaRPr lang="it-IT"/>
           </a:p>
         </p:txBody>
       </p:sp>
       <p:sp>
         <p:nvSpPr>
-          <p:cNvPr id="3" name="Text Placeholder 2"/>
+          <p:cNvPr id="3" name="Segnaposto testo 2"/>
           <p:cNvSpPr>
             <a:spLocks noGrp="1"/>
           </p:cNvSpPr>
@@ -2587,13 +2628,13 @@
               <a:rPr lang="it-IT" smtClean="0"/>
               <a:t>Quinto livello</a:t>
             </a:r>
-            <a:endParaRPr lang="en-US" dirty="0"/>
+            <a:endParaRPr lang="it-IT"/>
           </a:p>
         </p:txBody>
       </p:sp>
       <p:sp>
         <p:nvSpPr>
-          <p:cNvPr id="4" name="Date Placeholder 3"/>
+          <p:cNvPr id="4" name="Segnaposto data 3"/>
           <p:cNvSpPr>
             <a:spLocks noGrp="1"/>
           </p:cNvSpPr>
@@ -2614,7 +2655,7 @@
           <a:bodyPr vert="horz" lIns="91440" tIns="45720" rIns="91440" bIns="45720" rtlCol="0" anchor="ctr"/>
           <a:lstStyle>
             <a:lvl1pPr algn="l">
-              <a:defRPr sz="1200">
+              <a:defRPr sz="900">
                 <a:solidFill>
                   <a:schemeClr val="tx1">
                     <a:tint val="75000"/>
@@ -2635,7 +2676,7 @@
       </p:sp>
       <p:sp>
         <p:nvSpPr>
-          <p:cNvPr id="5" name="Footer Placeholder 4"/>
+          <p:cNvPr id="5" name="Segnaposto piè di pagina 4"/>
           <p:cNvSpPr>
             <a:spLocks noGrp="1"/>
           </p:cNvSpPr>
@@ -2656,7 +2697,7 @@
           <a:bodyPr vert="horz" lIns="91440" tIns="45720" rIns="91440" bIns="45720" rtlCol="0" anchor="ctr"/>
           <a:lstStyle>
             <a:lvl1pPr algn="ctr">
-              <a:defRPr sz="1200">
+              <a:defRPr sz="900">
                 <a:solidFill>
                   <a:schemeClr val="tx1">
                     <a:tint val="75000"/>
@@ -2672,7 +2713,7 @@
       </p:sp>
       <p:sp>
         <p:nvSpPr>
-          <p:cNvPr id="6" name="Slide Number Placeholder 5"/>
+          <p:cNvPr id="6" name="Segnaposto numero diapositiva 5"/>
           <p:cNvSpPr>
             <a:spLocks noGrp="1"/>
           </p:cNvSpPr>
@@ -2693,7 +2734,7 @@
           <a:bodyPr vert="horz" lIns="91440" tIns="45720" rIns="91440" bIns="45720" rtlCol="0" anchor="ctr"/>
           <a:lstStyle>
             <a:lvl1pPr algn="r">
-              <a:defRPr sz="1200">
+              <a:defRPr sz="900">
                 <a:solidFill>
                   <a:schemeClr val="tx1">
                     <a:tint val="75000"/>
@@ -2715,27 +2756,27 @@
     </p:spTree>
     <p:extLst>
       <p:ext uri="{BB962C8B-B14F-4D97-AF65-F5344CB8AC3E}">
-        <p14:creationId xmlns="" xmlns:p14="http://schemas.microsoft.com/office/powerpoint/2010/main" val="517032702"/>
+        <p14:creationId xmlns:p14="http://schemas.microsoft.com/office/powerpoint/2010/main" val="1742920425"/>
       </p:ext>
     </p:extLst>
   </p:cSld>
   <p:clrMap bg1="lt1" tx1="dk1" bg2="lt2" tx2="dk2" accent1="accent1" accent2="accent2" accent3="accent3" accent4="accent4" accent5="accent5" accent6="accent6" hlink="hlink" folHlink="folHlink"/>
   <p:sldLayoutIdLst>
-    <p:sldLayoutId id="2147483661" r:id="rId1"/>
-    <p:sldLayoutId id="2147483662" r:id="rId2"/>
-    <p:sldLayoutId id="2147483663" r:id="rId3"/>
-    <p:sldLayoutId id="2147483664" r:id="rId4"/>
-    <p:sldLayoutId id="2147483665" r:id="rId5"/>
-    <p:sldLayoutId id="2147483666" r:id="rId6"/>
-    <p:sldLayoutId id="2147483667" r:id="rId7"/>
-    <p:sldLayoutId id="2147483668" r:id="rId8"/>
-    <p:sldLayoutId id="2147483669" r:id="rId9"/>
-    <p:sldLayoutId id="2147483670" r:id="rId10"/>
-    <p:sldLayoutId id="2147483671" r:id="rId11"/>
+    <p:sldLayoutId id="2147483702" r:id="rId1"/>
+    <p:sldLayoutId id="2147483703" r:id="rId2"/>
+    <p:sldLayoutId id="2147483704" r:id="rId3"/>
+    <p:sldLayoutId id="2147483705" r:id="rId4"/>
+    <p:sldLayoutId id="2147483706" r:id="rId5"/>
+    <p:sldLayoutId id="2147483707" r:id="rId6"/>
+    <p:sldLayoutId id="2147483708" r:id="rId7"/>
+    <p:sldLayoutId id="2147483709" r:id="rId8"/>
+    <p:sldLayoutId id="2147483710" r:id="rId9"/>
+    <p:sldLayoutId id="2147483711" r:id="rId10"/>
+    <p:sldLayoutId id="2147483712" r:id="rId11"/>
   </p:sldLayoutIdLst>
   <p:txStyles>
     <p:titleStyle>
-      <a:lvl1pPr algn="l" defTabSz="914400" rtl="0" eaLnBrk="1" latinLnBrk="0" hangingPunct="1">
+      <a:lvl1pPr algn="l" defTabSz="685800" rtl="0" eaLnBrk="1" latinLnBrk="0" hangingPunct="1">
         <a:lnSpc>
           <a:spcPct val="90000"/>
         </a:lnSpc>
@@ -2743,7 +2784,7 @@
           <a:spcPct val="0"/>
         </a:spcBef>
         <a:buNone/>
-        <a:defRPr sz="4400" kern="1200">
+        <a:defRPr sz="3300" kern="1200">
           <a:solidFill>
             <a:schemeClr val="tx1"/>
           </a:solidFill>
@@ -2754,16 +2795,16 @@
       </a:lvl1pPr>
     </p:titleStyle>
     <p:bodyStyle>
-      <a:lvl1pPr marL="228600" indent="-228600" algn="l" defTabSz="914400" rtl="0" eaLnBrk="1" latinLnBrk="0" hangingPunct="1">
+      <a:lvl1pPr marL="171450" indent="-171450" algn="l" defTabSz="685800" rtl="0" eaLnBrk="1" latinLnBrk="0" hangingPunct="1">
         <a:lnSpc>
           <a:spcPct val="90000"/>
         </a:lnSpc>
         <a:spcBef>
-          <a:spcPts val="1000"/>
+          <a:spcPts val="750"/>
         </a:spcBef>
         <a:buFont typeface="Arial" panose="020B0604020202020204" pitchFamily="34" charset="0"/>
         <a:buChar char="•"/>
-        <a:defRPr sz="2800" kern="1200">
+        <a:defRPr sz="2100" kern="1200">
           <a:solidFill>
             <a:schemeClr val="tx1"/>
           </a:solidFill>
@@ -2772,48 +2813,12 @@
           <a:cs typeface="+mn-cs"/>
         </a:defRPr>
       </a:lvl1pPr>
-      <a:lvl2pPr marL="685800" indent="-228600" algn="l" defTabSz="914400" rtl="0" eaLnBrk="1" latinLnBrk="0" hangingPunct="1">
+      <a:lvl2pPr marL="514350" indent="-171450" algn="l" defTabSz="685800" rtl="0" eaLnBrk="1" latinLnBrk="0" hangingPunct="1">
         <a:lnSpc>
           <a:spcPct val="90000"/>
         </a:lnSpc>
         <a:spcBef>
-          <a:spcPts val="500"/>
-        </a:spcBef>
-        <a:buFont typeface="Arial" panose="020B0604020202020204" pitchFamily="34" charset="0"/>
-        <a:buChar char="•"/>
-        <a:defRPr sz="2400" kern="1200">
-          <a:solidFill>
-            <a:schemeClr val="tx1"/>
-          </a:solidFill>
-          <a:latin typeface="+mn-lt"/>
-          <a:ea typeface="+mn-ea"/>
-          <a:cs typeface="+mn-cs"/>
-        </a:defRPr>
-      </a:lvl2pPr>
-      <a:lvl3pPr marL="1143000" indent="-228600" algn="l" defTabSz="914400" rtl="0" eaLnBrk="1" latinLnBrk="0" hangingPunct="1">
-        <a:lnSpc>
-          <a:spcPct val="90000"/>
-        </a:lnSpc>
-        <a:spcBef>
-          <a:spcPts val="500"/>
-        </a:spcBef>
-        <a:buFont typeface="Arial" panose="020B0604020202020204" pitchFamily="34" charset="0"/>
-        <a:buChar char="•"/>
-        <a:defRPr sz="2000" kern="1200">
-          <a:solidFill>
-            <a:schemeClr val="tx1"/>
-          </a:solidFill>
-          <a:latin typeface="+mn-lt"/>
-          <a:ea typeface="+mn-ea"/>
-          <a:cs typeface="+mn-cs"/>
-        </a:defRPr>
-      </a:lvl3pPr>
-      <a:lvl4pPr marL="1600200" indent="-228600" algn="l" defTabSz="914400" rtl="0" eaLnBrk="1" latinLnBrk="0" hangingPunct="1">
-        <a:lnSpc>
-          <a:spcPct val="90000"/>
-        </a:lnSpc>
-        <a:spcBef>
-          <a:spcPts val="500"/>
+          <a:spcPts val="375"/>
         </a:spcBef>
         <a:buFont typeface="Arial" panose="020B0604020202020204" pitchFamily="34" charset="0"/>
         <a:buChar char="•"/>
@@ -2825,17 +2830,53 @@
           <a:ea typeface="+mn-ea"/>
           <a:cs typeface="+mn-cs"/>
         </a:defRPr>
-      </a:lvl4pPr>
-      <a:lvl5pPr marL="2057400" indent="-228600" algn="l" defTabSz="914400" rtl="0" eaLnBrk="1" latinLnBrk="0" hangingPunct="1">
+      </a:lvl2pPr>
+      <a:lvl3pPr marL="857250" indent="-171450" algn="l" defTabSz="685800" rtl="0" eaLnBrk="1" latinLnBrk="0" hangingPunct="1">
         <a:lnSpc>
           <a:spcPct val="90000"/>
         </a:lnSpc>
         <a:spcBef>
-          <a:spcPts val="500"/>
+          <a:spcPts val="375"/>
         </a:spcBef>
         <a:buFont typeface="Arial" panose="020B0604020202020204" pitchFamily="34" charset="0"/>
         <a:buChar char="•"/>
-        <a:defRPr sz="1800" kern="1200">
+        <a:defRPr sz="1500" kern="1200">
+          <a:solidFill>
+            <a:schemeClr val="tx1"/>
+          </a:solidFill>
+          <a:latin typeface="+mn-lt"/>
+          <a:ea typeface="+mn-ea"/>
+          <a:cs typeface="+mn-cs"/>
+        </a:defRPr>
+      </a:lvl3pPr>
+      <a:lvl4pPr marL="1200150" indent="-171450" algn="l" defTabSz="685800" rtl="0" eaLnBrk="1" latinLnBrk="0" hangingPunct="1">
+        <a:lnSpc>
+          <a:spcPct val="90000"/>
+        </a:lnSpc>
+        <a:spcBef>
+          <a:spcPts val="375"/>
+        </a:spcBef>
+        <a:buFont typeface="Arial" panose="020B0604020202020204" pitchFamily="34" charset="0"/>
+        <a:buChar char="•"/>
+        <a:defRPr sz="1350" kern="1200">
+          <a:solidFill>
+            <a:schemeClr val="tx1"/>
+          </a:solidFill>
+          <a:latin typeface="+mn-lt"/>
+          <a:ea typeface="+mn-ea"/>
+          <a:cs typeface="+mn-cs"/>
+        </a:defRPr>
+      </a:lvl4pPr>
+      <a:lvl5pPr marL="1543050" indent="-171450" algn="l" defTabSz="685800" rtl="0" eaLnBrk="1" latinLnBrk="0" hangingPunct="1">
+        <a:lnSpc>
+          <a:spcPct val="90000"/>
+        </a:lnSpc>
+        <a:spcBef>
+          <a:spcPts val="375"/>
+        </a:spcBef>
+        <a:buFont typeface="Arial" panose="020B0604020202020204" pitchFamily="34" charset="0"/>
+        <a:buChar char="•"/>
+        <a:defRPr sz="1350" kern="1200">
           <a:solidFill>
             <a:schemeClr val="tx1"/>
           </a:solidFill>
@@ -2844,16 +2885,16 @@
           <a:cs typeface="+mn-cs"/>
         </a:defRPr>
       </a:lvl5pPr>
-      <a:lvl6pPr marL="2514600" indent="-228600" algn="l" defTabSz="914400" rtl="0" eaLnBrk="1" latinLnBrk="0" hangingPunct="1">
+      <a:lvl6pPr marL="1885950" indent="-171450" algn="l" defTabSz="685800" rtl="0" eaLnBrk="1" latinLnBrk="0" hangingPunct="1">
         <a:lnSpc>
           <a:spcPct val="90000"/>
         </a:lnSpc>
         <a:spcBef>
-          <a:spcPts val="500"/>
+          <a:spcPts val="375"/>
         </a:spcBef>
         <a:buFont typeface="Arial" panose="020B0604020202020204" pitchFamily="34" charset="0"/>
         <a:buChar char="•"/>
-        <a:defRPr sz="1800" kern="1200">
+        <a:defRPr sz="1350" kern="1200">
           <a:solidFill>
             <a:schemeClr val="tx1"/>
           </a:solidFill>
@@ -2862,16 +2903,16 @@
           <a:cs typeface="+mn-cs"/>
         </a:defRPr>
       </a:lvl6pPr>
-      <a:lvl7pPr marL="2971800" indent="-228600" algn="l" defTabSz="914400" rtl="0" eaLnBrk="1" latinLnBrk="0" hangingPunct="1">
+      <a:lvl7pPr marL="2228850" indent="-171450" algn="l" defTabSz="685800" rtl="0" eaLnBrk="1" latinLnBrk="0" hangingPunct="1">
         <a:lnSpc>
           <a:spcPct val="90000"/>
         </a:lnSpc>
         <a:spcBef>
-          <a:spcPts val="500"/>
+          <a:spcPts val="375"/>
         </a:spcBef>
         <a:buFont typeface="Arial" panose="020B0604020202020204" pitchFamily="34" charset="0"/>
         <a:buChar char="•"/>
-        <a:defRPr sz="1800" kern="1200">
+        <a:defRPr sz="1350" kern="1200">
           <a:solidFill>
             <a:schemeClr val="tx1"/>
           </a:solidFill>
@@ -2880,16 +2921,16 @@
           <a:cs typeface="+mn-cs"/>
         </a:defRPr>
       </a:lvl7pPr>
-      <a:lvl8pPr marL="3429000" indent="-228600" algn="l" defTabSz="914400" rtl="0" eaLnBrk="1" latinLnBrk="0" hangingPunct="1">
+      <a:lvl8pPr marL="2571750" indent="-171450" algn="l" defTabSz="685800" rtl="0" eaLnBrk="1" latinLnBrk="0" hangingPunct="1">
         <a:lnSpc>
           <a:spcPct val="90000"/>
         </a:lnSpc>
         <a:spcBef>
-          <a:spcPts val="500"/>
+          <a:spcPts val="375"/>
         </a:spcBef>
         <a:buFont typeface="Arial" panose="020B0604020202020204" pitchFamily="34" charset="0"/>
         <a:buChar char="•"/>
-        <a:defRPr sz="1800" kern="1200">
+        <a:defRPr sz="1350" kern="1200">
           <a:solidFill>
             <a:schemeClr val="tx1"/>
           </a:solidFill>
@@ -2898,16 +2939,16 @@
           <a:cs typeface="+mn-cs"/>
         </a:defRPr>
       </a:lvl8pPr>
-      <a:lvl9pPr marL="3886200" indent="-228600" algn="l" defTabSz="914400" rtl="0" eaLnBrk="1" latinLnBrk="0" hangingPunct="1">
+      <a:lvl9pPr marL="2914650" indent="-171450" algn="l" defTabSz="685800" rtl="0" eaLnBrk="1" latinLnBrk="0" hangingPunct="1">
         <a:lnSpc>
           <a:spcPct val="90000"/>
         </a:lnSpc>
         <a:spcBef>
-          <a:spcPts val="500"/>
+          <a:spcPts val="375"/>
         </a:spcBef>
         <a:buFont typeface="Arial" panose="020B0604020202020204" pitchFamily="34" charset="0"/>
         <a:buChar char="•"/>
-        <a:defRPr sz="1800" kern="1200">
+        <a:defRPr sz="1350" kern="1200">
           <a:solidFill>
             <a:schemeClr val="tx1"/>
           </a:solidFill>
@@ -2919,10 +2960,10 @@
     </p:bodyStyle>
     <p:otherStyle>
       <a:defPPr>
-        <a:defRPr lang="en-US"/>
+        <a:defRPr lang="it-IT"/>
       </a:defPPr>
-      <a:lvl1pPr marL="0" algn="l" defTabSz="914400" rtl="0" eaLnBrk="1" latinLnBrk="0" hangingPunct="1">
-        <a:defRPr sz="1800" kern="1200">
+      <a:lvl1pPr marL="0" algn="l" defTabSz="685800" rtl="0" eaLnBrk="1" latinLnBrk="0" hangingPunct="1">
+        <a:defRPr sz="1350" kern="1200">
           <a:solidFill>
             <a:schemeClr val="tx1"/>
           </a:solidFill>
@@ -2931,8 +2972,8 @@
           <a:cs typeface="+mn-cs"/>
         </a:defRPr>
       </a:lvl1pPr>
-      <a:lvl2pPr marL="457200" algn="l" defTabSz="914400" rtl="0" eaLnBrk="1" latinLnBrk="0" hangingPunct="1">
-        <a:defRPr sz="1800" kern="1200">
+      <a:lvl2pPr marL="342900" algn="l" defTabSz="685800" rtl="0" eaLnBrk="1" latinLnBrk="0" hangingPunct="1">
+        <a:defRPr sz="1350" kern="1200">
           <a:solidFill>
             <a:schemeClr val="tx1"/>
           </a:solidFill>
@@ -2941,8 +2982,8 @@
           <a:cs typeface="+mn-cs"/>
         </a:defRPr>
       </a:lvl2pPr>
-      <a:lvl3pPr marL="914400" algn="l" defTabSz="914400" rtl="0" eaLnBrk="1" latinLnBrk="0" hangingPunct="1">
-        <a:defRPr sz="1800" kern="1200">
+      <a:lvl3pPr marL="685800" algn="l" defTabSz="685800" rtl="0" eaLnBrk="1" latinLnBrk="0" hangingPunct="1">
+        <a:defRPr sz="1350" kern="1200">
           <a:solidFill>
             <a:schemeClr val="tx1"/>
           </a:solidFill>
@@ -2951,8 +2992,8 @@
           <a:cs typeface="+mn-cs"/>
         </a:defRPr>
       </a:lvl3pPr>
-      <a:lvl4pPr marL="1371600" algn="l" defTabSz="914400" rtl="0" eaLnBrk="1" latinLnBrk="0" hangingPunct="1">
-        <a:defRPr sz="1800" kern="1200">
+      <a:lvl4pPr marL="1028700" algn="l" defTabSz="685800" rtl="0" eaLnBrk="1" latinLnBrk="0" hangingPunct="1">
+        <a:defRPr sz="1350" kern="1200">
           <a:solidFill>
             <a:schemeClr val="tx1"/>
           </a:solidFill>
@@ -2961,8 +3002,8 @@
           <a:cs typeface="+mn-cs"/>
         </a:defRPr>
       </a:lvl4pPr>
-      <a:lvl5pPr marL="1828800" algn="l" defTabSz="914400" rtl="0" eaLnBrk="1" latinLnBrk="0" hangingPunct="1">
-        <a:defRPr sz="1800" kern="1200">
+      <a:lvl5pPr marL="1371600" algn="l" defTabSz="685800" rtl="0" eaLnBrk="1" latinLnBrk="0" hangingPunct="1">
+        <a:defRPr sz="1350" kern="1200">
           <a:solidFill>
             <a:schemeClr val="tx1"/>
           </a:solidFill>
@@ -2971,8 +3012,8 @@
           <a:cs typeface="+mn-cs"/>
         </a:defRPr>
       </a:lvl5pPr>
-      <a:lvl6pPr marL="2286000" algn="l" defTabSz="914400" rtl="0" eaLnBrk="1" latinLnBrk="0" hangingPunct="1">
-        <a:defRPr sz="1800" kern="1200">
+      <a:lvl6pPr marL="1714500" algn="l" defTabSz="685800" rtl="0" eaLnBrk="1" latinLnBrk="0" hangingPunct="1">
+        <a:defRPr sz="1350" kern="1200">
           <a:solidFill>
             <a:schemeClr val="tx1"/>
           </a:solidFill>
@@ -2981,8 +3022,8 @@
           <a:cs typeface="+mn-cs"/>
         </a:defRPr>
       </a:lvl6pPr>
-      <a:lvl7pPr marL="2743200" algn="l" defTabSz="914400" rtl="0" eaLnBrk="1" latinLnBrk="0" hangingPunct="1">
-        <a:defRPr sz="1800" kern="1200">
+      <a:lvl7pPr marL="2057400" algn="l" defTabSz="685800" rtl="0" eaLnBrk="1" latinLnBrk="0" hangingPunct="1">
+        <a:defRPr sz="1350" kern="1200">
           <a:solidFill>
             <a:schemeClr val="tx1"/>
           </a:solidFill>
@@ -2991,8 +3032,8 @@
           <a:cs typeface="+mn-cs"/>
         </a:defRPr>
       </a:lvl7pPr>
-      <a:lvl8pPr marL="3200400" algn="l" defTabSz="914400" rtl="0" eaLnBrk="1" latinLnBrk="0" hangingPunct="1">
-        <a:defRPr sz="1800" kern="1200">
+      <a:lvl8pPr marL="2400300" algn="l" defTabSz="685800" rtl="0" eaLnBrk="1" latinLnBrk="0" hangingPunct="1">
+        <a:defRPr sz="1350" kern="1200">
           <a:solidFill>
             <a:schemeClr val="tx1"/>
           </a:solidFill>
@@ -3001,8 +3042,8 @@
           <a:cs typeface="+mn-cs"/>
         </a:defRPr>
       </a:lvl8pPr>
-      <a:lvl9pPr marL="3657600" algn="l" defTabSz="914400" rtl="0" eaLnBrk="1" latinLnBrk="0" hangingPunct="1">
-        <a:defRPr sz="1800" kern="1200">
+      <a:lvl9pPr marL="2743200" algn="l" defTabSz="685800" rtl="0" eaLnBrk="1" latinLnBrk="0" hangingPunct="1">
+        <a:defRPr sz="1350" kern="1200">
           <a:solidFill>
             <a:schemeClr val="tx1"/>
           </a:solidFill>
@@ -3273,7 +3314,7 @@
     </p:spTree>
     <p:extLst>
       <p:ext uri="{BB962C8B-B14F-4D97-AF65-F5344CB8AC3E}">
-        <p14:creationId xmlns="" xmlns:p14="http://schemas.microsoft.com/office/powerpoint/2010/main" val="1761319082"/>
+        <p14:creationId xmlns:p14="http://schemas.microsoft.com/office/powerpoint/2010/main" val="1761319082"/>
       </p:ext>
     </p:extLst>
   </p:cSld>
@@ -3554,7 +3595,7 @@
     </p:spTree>
     <p:extLst>
       <p:ext uri="{BB962C8B-B14F-4D97-AF65-F5344CB8AC3E}">
-        <p14:creationId xmlns="" xmlns:p14="http://schemas.microsoft.com/office/powerpoint/2010/main" val="3011033621"/>
+        <p14:creationId xmlns:p14="http://schemas.microsoft.com/office/powerpoint/2010/main" val="3011033621"/>
       </p:ext>
     </p:extLst>
   </p:cSld>
@@ -3911,7 +3952,7 @@
     </p:spTree>
     <p:extLst>
       <p:ext uri="{BB962C8B-B14F-4D97-AF65-F5344CB8AC3E}">
-        <p14:creationId xmlns="" xmlns:p14="http://schemas.microsoft.com/office/powerpoint/2010/main" val="2017438073"/>
+        <p14:creationId xmlns:p14="http://schemas.microsoft.com/office/powerpoint/2010/main" val="2017438073"/>
       </p:ext>
     </p:extLst>
   </p:cSld>
@@ -4324,7 +4365,7 @@
     </p:spTree>
     <p:extLst>
       <p:ext uri="{BB962C8B-B14F-4D97-AF65-F5344CB8AC3E}">
-        <p14:creationId xmlns="" xmlns:p14="http://schemas.microsoft.com/office/powerpoint/2010/main" val="2017438073"/>
+        <p14:creationId xmlns:p14="http://schemas.microsoft.com/office/powerpoint/2010/main" val="2017438073"/>
       </p:ext>
     </p:extLst>
   </p:cSld>
@@ -4669,7 +4710,7 @@
     </p:spTree>
     <p:extLst>
       <p:ext uri="{BB962C8B-B14F-4D97-AF65-F5344CB8AC3E}">
-        <p14:creationId xmlns="" xmlns:p14="http://schemas.microsoft.com/office/powerpoint/2010/main" val="115604845"/>
+        <p14:creationId xmlns:p14="http://schemas.microsoft.com/office/powerpoint/2010/main" val="115604845"/>
       </p:ext>
     </p:extLst>
   </p:cSld>
@@ -4930,7 +4971,7 @@
     </p:spTree>
     <p:extLst>
       <p:ext uri="{BB962C8B-B14F-4D97-AF65-F5344CB8AC3E}">
-        <p14:creationId xmlns="" xmlns:p14="http://schemas.microsoft.com/office/powerpoint/2010/main" val="594007354"/>
+        <p14:creationId xmlns:p14="http://schemas.microsoft.com/office/powerpoint/2010/main" val="594007354"/>
       </p:ext>
     </p:extLst>
   </p:cSld>
@@ -5170,7 +5211,7 @@
     </p:spTree>
     <p:extLst>
       <p:ext uri="{BB962C8B-B14F-4D97-AF65-F5344CB8AC3E}">
-        <p14:creationId xmlns="" xmlns:p14="http://schemas.microsoft.com/office/powerpoint/2010/main" val="594007354"/>
+        <p14:creationId xmlns:p14="http://schemas.microsoft.com/office/powerpoint/2010/main" val="594007354"/>
       </p:ext>
     </p:extLst>
   </p:cSld>
@@ -5532,7 +5573,7 @@
     </p:spTree>
     <p:extLst>
       <p:ext uri="{BB962C8B-B14F-4D97-AF65-F5344CB8AC3E}">
-        <p14:creationId xmlns="" xmlns:p14="http://schemas.microsoft.com/office/powerpoint/2010/main" val="723523181"/>
+        <p14:creationId xmlns:p14="http://schemas.microsoft.com/office/powerpoint/2010/main" val="723523181"/>
       </p:ext>
     </p:extLst>
   </p:cSld>
@@ -5769,7 +5810,7 @@
     </p:spTree>
     <p:extLst>
       <p:ext uri="{BB962C8B-B14F-4D97-AF65-F5344CB8AC3E}">
-        <p14:creationId xmlns="" xmlns:p14="http://schemas.microsoft.com/office/powerpoint/2010/main" val="2442419145"/>
+        <p14:creationId xmlns:p14="http://schemas.microsoft.com/office/powerpoint/2010/main" val="2442419145"/>
       </p:ext>
     </p:extLst>
   </p:cSld>
@@ -6020,7 +6061,7 @@
     </p:spTree>
     <p:extLst>
       <p:ext uri="{BB962C8B-B14F-4D97-AF65-F5344CB8AC3E}">
-        <p14:creationId xmlns="" xmlns:p14="http://schemas.microsoft.com/office/powerpoint/2010/main" val="2442419145"/>
+        <p14:creationId xmlns:p14="http://schemas.microsoft.com/office/powerpoint/2010/main" val="2442419145"/>
       </p:ext>
     </p:extLst>
   </p:cSld>
@@ -6316,7 +6357,7 @@
     </p:spTree>
     <p:extLst>
       <p:ext uri="{BB962C8B-B14F-4D97-AF65-F5344CB8AC3E}">
-        <p14:creationId xmlns="" xmlns:p14="http://schemas.microsoft.com/office/powerpoint/2010/main" val="2442419145"/>
+        <p14:creationId xmlns:p14="http://schemas.microsoft.com/office/powerpoint/2010/main" val="2442419145"/>
       </p:ext>
     </p:extLst>
   </p:cSld>
@@ -6429,7 +6470,7 @@
           <a:blip r:embed="rId2" cstate="print">
             <a:extLst>
               <a:ext uri="{28A0092B-C50C-407E-A947-70E740481C1C}">
-                <a14:useLocalDpi xmlns="" xmlns:a14="http://schemas.microsoft.com/office/drawing/2010/main" val="0"/>
+                <a14:useLocalDpi xmlns:a14="http://schemas.microsoft.com/office/drawing/2010/main" val="0"/>
               </a:ext>
             </a:extLst>
           </a:blip>
@@ -6525,7 +6566,7 @@
     </p:spTree>
     <p:extLst>
       <p:ext uri="{BB962C8B-B14F-4D97-AF65-F5344CB8AC3E}">
-        <p14:creationId xmlns="" xmlns:p14="http://schemas.microsoft.com/office/powerpoint/2010/main" val="2554871489"/>
+        <p14:creationId xmlns:p14="http://schemas.microsoft.com/office/powerpoint/2010/main" val="2554871489"/>
       </p:ext>
     </p:extLst>
   </p:cSld>
@@ -6671,107 +6712,174 @@
             </a:endParaRPr>
           </a:p>
           <a:p>
-            <a:r>
-              <a:rPr lang="it-IT" sz="2600" dirty="0" smtClean="0"/>
+            <a:pPr algn="just"/>
+            <a:r>
+              <a:rPr lang="it-IT" sz="2600" dirty="0" smtClean="0">
+                <a:latin typeface="Times New Roman" panose="02020603050405020304" pitchFamily="18" charset="0"/>
+                <a:cs typeface="Times New Roman" panose="02020603050405020304" pitchFamily="18" charset="0"/>
+              </a:rPr>
               <a:t> </a:t>
             </a:r>
           </a:p>
           <a:p>
-            <a:r>
-              <a:rPr lang="it-IT" sz="2600" dirty="0" smtClean="0"/>
+            <a:pPr algn="just"/>
+            <a:r>
+              <a:rPr lang="it-IT" sz="2600" dirty="0" smtClean="0">
+                <a:latin typeface="Times New Roman" panose="02020603050405020304" pitchFamily="18" charset="0"/>
+                <a:cs typeface="Times New Roman" panose="02020603050405020304" pitchFamily="18" charset="0"/>
+              </a:rPr>
               <a:t>TITOLO: Test sull'usabilità dell'applicazione “</a:t>
             </a:r>
             <a:r>
-              <a:rPr lang="it-IT" sz="2600" dirty="0" err="1" smtClean="0"/>
+              <a:rPr lang="it-IT" sz="2600" dirty="0" err="1" smtClean="0">
+                <a:latin typeface="Times New Roman" panose="02020603050405020304" pitchFamily="18" charset="0"/>
+                <a:cs typeface="Times New Roman" panose="02020603050405020304" pitchFamily="18" charset="0"/>
+              </a:rPr>
               <a:t>SmokApp</a:t>
             </a:r>
             <a:r>
-              <a:rPr lang="it-IT" sz="2600" dirty="0" smtClean="0"/>
+              <a:rPr lang="it-IT" sz="2600" dirty="0" smtClean="0">
+                <a:latin typeface="Times New Roman" panose="02020603050405020304" pitchFamily="18" charset="0"/>
+                <a:cs typeface="Times New Roman" panose="02020603050405020304" pitchFamily="18" charset="0"/>
+              </a:rPr>
               <a:t>”.</a:t>
             </a:r>
           </a:p>
           <a:p>
-            <a:r>
-              <a:rPr lang="it-IT" sz="2600" dirty="0" smtClean="0"/>
+            <a:pPr algn="just"/>
+            <a:r>
+              <a:rPr lang="it-IT" sz="2600" dirty="0" smtClean="0">
+                <a:latin typeface="Times New Roman" panose="02020603050405020304" pitchFamily="18" charset="0"/>
+                <a:cs typeface="Times New Roman" panose="02020603050405020304" pitchFamily="18" charset="0"/>
+              </a:rPr>
               <a:t>DESCRIZIONE: Lo scopo di questo studio sull'usabilità dell'</a:t>
             </a:r>
             <a:r>
-              <a:rPr lang="it-IT" sz="2600" dirty="0" err="1" smtClean="0"/>
+              <a:rPr lang="it-IT" sz="2600" dirty="0" err="1" smtClean="0">
+                <a:latin typeface="Times New Roman" panose="02020603050405020304" pitchFamily="18" charset="0"/>
+                <a:cs typeface="Times New Roman" panose="02020603050405020304" pitchFamily="18" charset="0"/>
+              </a:rPr>
               <a:t>app</a:t>
             </a:r>
             <a:r>
-              <a:rPr lang="it-IT" sz="2600" dirty="0" smtClean="0"/>
+              <a:rPr lang="it-IT" sz="2600" dirty="0" smtClean="0">
+                <a:latin typeface="Times New Roman" panose="02020603050405020304" pitchFamily="18" charset="0"/>
+                <a:cs typeface="Times New Roman" panose="02020603050405020304" pitchFamily="18" charset="0"/>
+              </a:rPr>
               <a:t> “</a:t>
             </a:r>
             <a:r>
-              <a:rPr lang="it-IT" sz="2600" dirty="0" err="1" smtClean="0"/>
+              <a:rPr lang="it-IT" sz="2600" dirty="0" err="1" smtClean="0">
+                <a:latin typeface="Times New Roman" panose="02020603050405020304" pitchFamily="18" charset="0"/>
+                <a:cs typeface="Times New Roman" panose="02020603050405020304" pitchFamily="18" charset="0"/>
+              </a:rPr>
               <a:t>SmokApp</a:t>
             </a:r>
             <a:r>
-              <a:rPr lang="it-IT" sz="2600" dirty="0" smtClean="0"/>
+              <a:rPr lang="it-IT" sz="2600" dirty="0" smtClean="0">
+                <a:latin typeface="Times New Roman" panose="02020603050405020304" pitchFamily="18" charset="0"/>
+                <a:cs typeface="Times New Roman" panose="02020603050405020304" pitchFamily="18" charset="0"/>
+              </a:rPr>
               <a:t>” è quello di testare la registrazione di un utente, la selezione di un obiettivo e il suo eventuale raggiungimento.</a:t>
             </a:r>
           </a:p>
           <a:p>
-            <a:r>
-              <a:rPr lang="it-IT" sz="2600" dirty="0" smtClean="0"/>
+            <a:pPr algn="just"/>
+            <a:r>
+              <a:rPr lang="it-IT" sz="2600" dirty="0" smtClean="0">
+                <a:latin typeface="Times New Roman" panose="02020603050405020304" pitchFamily="18" charset="0"/>
+                <a:cs typeface="Times New Roman" panose="02020603050405020304" pitchFamily="18" charset="0"/>
+              </a:rPr>
               <a:t>TEMPO NECESSARIO: La partecipazione richiederà circa 20/30 minuti del tuo tempo.</a:t>
             </a:r>
           </a:p>
           <a:p>
-            <a:r>
-              <a:rPr lang="it-IT" sz="2600" dirty="0" smtClean="0"/>
+            <a:pPr algn="just"/>
+            <a:r>
+              <a:rPr lang="it-IT" sz="2600" dirty="0" smtClean="0">
+                <a:latin typeface="Times New Roman" panose="02020603050405020304" pitchFamily="18" charset="0"/>
+                <a:cs typeface="Times New Roman" panose="02020603050405020304" pitchFamily="18" charset="0"/>
+              </a:rPr>
               <a:t>PAGAMENTI: A seguito di questa partecipazione non è prevista la fruizione di nessun corrispettivo in denaro.</a:t>
             </a:r>
           </a:p>
           <a:p>
-            <a:r>
-              <a:rPr lang="it-IT" sz="2600" dirty="0" smtClean="0"/>
+            <a:pPr algn="just"/>
+            <a:r>
+              <a:rPr lang="it-IT" sz="2600" dirty="0" smtClean="0">
+                <a:latin typeface="Times New Roman" panose="02020603050405020304" pitchFamily="18" charset="0"/>
+                <a:cs typeface="Times New Roman" panose="02020603050405020304" pitchFamily="18" charset="0"/>
+              </a:rPr>
               <a:t>DIRITTI: Presa visione di quanto scritto qui sopra, se si intende partecipare a questo progetto, sottoscriva la sua partecipazione apponendo una firma per il suo consenso.</a:t>
             </a:r>
           </a:p>
           <a:p>
-            <a:r>
-              <a:rPr lang="it-IT" sz="2400" dirty="0" smtClean="0"/>
+            <a:pPr algn="just"/>
+            <a:r>
+              <a:rPr lang="it-IT" sz="2400" dirty="0" smtClean="0">
+                <a:latin typeface="Times New Roman" panose="02020603050405020304" pitchFamily="18" charset="0"/>
+                <a:cs typeface="Times New Roman" panose="02020603050405020304" pitchFamily="18" charset="0"/>
+              </a:rPr>
               <a:t> </a:t>
             </a:r>
           </a:p>
           <a:p>
-            <a:r>
-              <a:rPr lang="it-IT" sz="2600" dirty="0" err="1" smtClean="0"/>
+            <a:pPr algn="just"/>
+            <a:r>
+              <a:rPr lang="it-IT" sz="2600" dirty="0" err="1" smtClean="0">
+                <a:latin typeface="Times New Roman" panose="02020603050405020304" pitchFamily="18" charset="0"/>
+                <a:cs typeface="Times New Roman" panose="02020603050405020304" pitchFamily="18" charset="0"/>
+              </a:rPr>
               <a:t>N.B</a:t>
             </a:r>
             <a:r>
-              <a:rPr lang="it-IT" sz="2600" dirty="0" smtClean="0"/>
+              <a:rPr lang="it-IT" sz="2600" dirty="0" smtClean="0">
+                <a:latin typeface="Times New Roman" panose="02020603050405020304" pitchFamily="18" charset="0"/>
+                <a:cs typeface="Times New Roman" panose="02020603050405020304" pitchFamily="18" charset="0"/>
+              </a:rPr>
               <a:t>: Non è obbligatorio rispondere a tutte le domande.</a:t>
             </a:r>
           </a:p>
           <a:p>
-            <a:r>
-              <a:rPr lang="it-IT" sz="2400" dirty="0" smtClean="0"/>
+            <a:pPr algn="just"/>
+            <a:r>
+              <a:rPr lang="it-IT" sz="2400" dirty="0" smtClean="0">
+                <a:latin typeface="Times New Roman" panose="02020603050405020304" pitchFamily="18" charset="0"/>
+                <a:cs typeface="Times New Roman" panose="02020603050405020304" pitchFamily="18" charset="0"/>
+              </a:rPr>
               <a:t> </a:t>
             </a:r>
           </a:p>
           <a:p>
-            <a:r>
-              <a:rPr lang="it-IT" sz="2600" dirty="0" smtClean="0"/>
+            <a:pPr algn="just"/>
+            <a:r>
+              <a:rPr lang="it-IT" sz="2600" dirty="0" smtClean="0">
+                <a:latin typeface="Times New Roman" panose="02020603050405020304" pitchFamily="18" charset="0"/>
+                <a:cs typeface="Times New Roman" panose="02020603050405020304" pitchFamily="18" charset="0"/>
+              </a:rPr>
               <a:t>DATA:                                                                                            FIRMA: </a:t>
             </a:r>
           </a:p>
           <a:p>
-            <a:r>
-              <a:rPr lang="it-IT" sz="2400" dirty="0" err="1" smtClean="0"/>
-              <a:t>………….…</a:t>
-            </a:r>
-            <a:r>
-              <a:rPr lang="it-IT" sz="2400" dirty="0" smtClean="0"/>
-              <a:t>............................... </a:t>
-            </a:r>
-            <a:r>
-              <a:rPr lang="it-IT" sz="2400" dirty="0" smtClean="0"/>
-              <a:t>	            ….....................................................</a:t>
-            </a:r>
-            <a:endParaRPr lang="it-IT" sz="2400" dirty="0" smtClean="0"/>
+            <a:pPr algn="just"/>
+            <a:r>
+              <a:rPr lang="it-IT" sz="2400" dirty="0" smtClean="0">
+                <a:latin typeface="Times New Roman" panose="02020603050405020304" pitchFamily="18" charset="0"/>
+                <a:cs typeface="Times New Roman" panose="02020603050405020304" pitchFamily="18" charset="0"/>
+              </a:rPr>
+              <a:t>………….…............................... 	            </a:t>
+            </a:r>
+            <a:r>
+              <a:rPr lang="it-IT" sz="2400" dirty="0" smtClean="0">
+                <a:latin typeface="Times New Roman" panose="02020603050405020304" pitchFamily="18" charset="0"/>
+                <a:cs typeface="Times New Roman" panose="02020603050405020304" pitchFamily="18" charset="0"/>
+              </a:rPr>
+              <a:t>…...................................................</a:t>
+            </a:r>
+            <a:endParaRPr lang="it-IT" sz="2400" dirty="0" smtClean="0">
+              <a:latin typeface="Times New Roman" panose="02020603050405020304" pitchFamily="18" charset="0"/>
+              <a:cs typeface="Times New Roman" panose="02020603050405020304" pitchFamily="18" charset="0"/>
+            </a:endParaRPr>
           </a:p>
           <a:p>
             <a:r>
@@ -6791,7 +6899,7 @@
     </p:spTree>
     <p:extLst>
       <p:ext uri="{BB962C8B-B14F-4D97-AF65-F5344CB8AC3E}">
-        <p14:creationId xmlns="" xmlns:p14="http://schemas.microsoft.com/office/powerpoint/2010/main" val="2442419145"/>
+        <p14:creationId xmlns:p14="http://schemas.microsoft.com/office/powerpoint/2010/main" val="2442419145"/>
       </p:ext>
     </p:extLst>
   </p:cSld>
@@ -6938,119 +7046,181 @@
           </a:p>
           <a:p>
             <a:r>
-              <a:rPr lang="it-IT" sz="2600" dirty="0" smtClean="0"/>
+              <a:rPr lang="it-IT" sz="2600" dirty="0" smtClean="0">
+                <a:latin typeface="Times New Roman" panose="02020603050405020304" pitchFamily="18" charset="0"/>
+                <a:cs typeface="Times New Roman" panose="02020603050405020304" pitchFamily="18" charset="0"/>
+              </a:rPr>
               <a:t> </a:t>
             </a:r>
           </a:p>
           <a:p>
             <a:r>
-              <a:rPr lang="it-IT" sz="2200" dirty="0" smtClean="0"/>
+              <a:rPr lang="it-IT" sz="2200" dirty="0" smtClean="0">
+                <a:latin typeface="Times New Roman" panose="02020603050405020304" pitchFamily="18" charset="0"/>
+                <a:cs typeface="Times New Roman" panose="02020603050405020304" pitchFamily="18" charset="0"/>
+              </a:rPr>
               <a:t>Nome: ..................................................................</a:t>
             </a:r>
           </a:p>
           <a:p>
             <a:r>
-              <a:rPr lang="it-IT" sz="2200" dirty="0" smtClean="0"/>
+              <a:rPr lang="it-IT" sz="2200" dirty="0" smtClean="0">
+                <a:latin typeface="Times New Roman" panose="02020603050405020304" pitchFamily="18" charset="0"/>
+                <a:cs typeface="Times New Roman" panose="02020603050405020304" pitchFamily="18" charset="0"/>
+              </a:rPr>
               <a:t> </a:t>
             </a:r>
           </a:p>
           <a:p>
             <a:r>
-              <a:rPr lang="it-IT" sz="2200" dirty="0" smtClean="0"/>
+              <a:rPr lang="it-IT" sz="2200" dirty="0" smtClean="0">
+                <a:latin typeface="Times New Roman" panose="02020603050405020304" pitchFamily="18" charset="0"/>
+                <a:cs typeface="Times New Roman" panose="02020603050405020304" pitchFamily="18" charset="0"/>
+              </a:rPr>
               <a:t>Cognome: </a:t>
             </a:r>
             <a:r>
-              <a:rPr lang="it-IT" sz="2200" dirty="0" err="1" smtClean="0"/>
+              <a:rPr lang="it-IT" sz="2200" dirty="0" err="1" smtClean="0">
+                <a:latin typeface="Times New Roman" panose="02020603050405020304" pitchFamily="18" charset="0"/>
+                <a:cs typeface="Times New Roman" panose="02020603050405020304" pitchFamily="18" charset="0"/>
+              </a:rPr>
               <a:t>………………………………………</a:t>
             </a:r>
-            <a:endParaRPr lang="it-IT" sz="2200" dirty="0" smtClean="0"/>
-          </a:p>
-          <a:p>
-            <a:r>
-              <a:rPr lang="it-IT" sz="2200" dirty="0" smtClean="0"/>
+            <a:endParaRPr lang="it-IT" sz="2200" dirty="0" smtClean="0">
+              <a:latin typeface="Times New Roman" panose="02020603050405020304" pitchFamily="18" charset="0"/>
+              <a:cs typeface="Times New Roman" panose="02020603050405020304" pitchFamily="18" charset="0"/>
+            </a:endParaRPr>
+          </a:p>
+          <a:p>
+            <a:r>
+              <a:rPr lang="it-IT" sz="2200" dirty="0" smtClean="0">
+                <a:latin typeface="Times New Roman" panose="02020603050405020304" pitchFamily="18" charset="0"/>
+                <a:cs typeface="Times New Roman" panose="02020603050405020304" pitchFamily="18" charset="0"/>
+              </a:rPr>
               <a:t> </a:t>
             </a:r>
           </a:p>
           <a:p>
             <a:r>
-              <a:rPr lang="it-IT" sz="2200" dirty="0" smtClean="0"/>
+              <a:rPr lang="it-IT" sz="2200" dirty="0" smtClean="0">
+                <a:latin typeface="Times New Roman" panose="02020603050405020304" pitchFamily="18" charset="0"/>
+                <a:cs typeface="Times New Roman" panose="02020603050405020304" pitchFamily="18" charset="0"/>
+              </a:rPr>
               <a:t>Genere:</a:t>
             </a:r>
           </a:p>
           <a:p>
             <a:r>
-              <a:rPr lang="it-IT" sz="2200" dirty="0" smtClean="0"/>
+              <a:rPr lang="it-IT" sz="2200" dirty="0" smtClean="0">
+                <a:latin typeface="Times New Roman" panose="02020603050405020304" pitchFamily="18" charset="0"/>
+                <a:cs typeface="Times New Roman" panose="02020603050405020304" pitchFamily="18" charset="0"/>
+              </a:rPr>
               <a:t>___ Maschio</a:t>
             </a:r>
           </a:p>
           <a:p>
             <a:r>
-              <a:rPr lang="it-IT" sz="2200" dirty="0" smtClean="0"/>
+              <a:rPr lang="it-IT" sz="2200" dirty="0" smtClean="0">
+                <a:latin typeface="Times New Roman" panose="02020603050405020304" pitchFamily="18" charset="0"/>
+                <a:cs typeface="Times New Roman" panose="02020603050405020304" pitchFamily="18" charset="0"/>
+              </a:rPr>
               <a:t>___ Femmina</a:t>
             </a:r>
           </a:p>
           <a:p>
             <a:r>
-              <a:rPr lang="it-IT" sz="2200" dirty="0" smtClean="0"/>
+              <a:rPr lang="it-IT" sz="2200" dirty="0" smtClean="0">
+                <a:latin typeface="Times New Roman" panose="02020603050405020304" pitchFamily="18" charset="0"/>
+                <a:cs typeface="Times New Roman" panose="02020603050405020304" pitchFamily="18" charset="0"/>
+              </a:rPr>
               <a:t> </a:t>
             </a:r>
           </a:p>
           <a:p>
             <a:r>
-              <a:rPr lang="it-IT" sz="2200" dirty="0" smtClean="0"/>
+              <a:rPr lang="it-IT" sz="2200" dirty="0" smtClean="0">
+                <a:latin typeface="Times New Roman" panose="02020603050405020304" pitchFamily="18" charset="0"/>
+                <a:cs typeface="Times New Roman" panose="02020603050405020304" pitchFamily="18" charset="0"/>
+              </a:rPr>
               <a:t>A quale fascia di età appartieni?</a:t>
             </a:r>
           </a:p>
           <a:p>
             <a:r>
-              <a:rPr lang="it-IT" sz="2200" dirty="0" smtClean="0"/>
+              <a:rPr lang="it-IT" sz="2200" dirty="0" smtClean="0">
+                <a:latin typeface="Times New Roman" panose="02020603050405020304" pitchFamily="18" charset="0"/>
+                <a:cs typeface="Times New Roman" panose="02020603050405020304" pitchFamily="18" charset="0"/>
+              </a:rPr>
               <a:t>___ Sotto i 25</a:t>
             </a:r>
           </a:p>
           <a:p>
             <a:r>
-              <a:rPr lang="it-IT" sz="2200" dirty="0" smtClean="0"/>
+              <a:rPr lang="it-IT" sz="2200" dirty="0" smtClean="0">
+                <a:latin typeface="Times New Roman" panose="02020603050405020304" pitchFamily="18" charset="0"/>
+                <a:cs typeface="Times New Roman" panose="02020603050405020304" pitchFamily="18" charset="0"/>
+              </a:rPr>
               <a:t>___ 26 - 35</a:t>
             </a:r>
           </a:p>
           <a:p>
             <a:r>
-              <a:rPr lang="it-IT" sz="2200" dirty="0" smtClean="0"/>
+              <a:rPr lang="it-IT" sz="2200" dirty="0" smtClean="0">
+                <a:latin typeface="Times New Roman" panose="02020603050405020304" pitchFamily="18" charset="0"/>
+                <a:cs typeface="Times New Roman" panose="02020603050405020304" pitchFamily="18" charset="0"/>
+              </a:rPr>
               <a:t>___ 36 - 45</a:t>
             </a:r>
           </a:p>
           <a:p>
             <a:r>
-              <a:rPr lang="it-IT" sz="2200" dirty="0" smtClean="0"/>
+              <a:rPr lang="it-IT" sz="2200" dirty="0" smtClean="0">
+                <a:latin typeface="Times New Roman" panose="02020603050405020304" pitchFamily="18" charset="0"/>
+                <a:cs typeface="Times New Roman" panose="02020603050405020304" pitchFamily="18" charset="0"/>
+              </a:rPr>
               <a:t>___ 46 - 55</a:t>
             </a:r>
           </a:p>
           <a:p>
             <a:r>
-              <a:rPr lang="it-IT" sz="2200" dirty="0" smtClean="0"/>
+              <a:rPr lang="it-IT" sz="2200" dirty="0" smtClean="0">
+                <a:latin typeface="Times New Roman" panose="02020603050405020304" pitchFamily="18" charset="0"/>
+                <a:cs typeface="Times New Roman" panose="02020603050405020304" pitchFamily="18" charset="0"/>
+              </a:rPr>
               <a:t>___ Sopra i 55</a:t>
             </a:r>
           </a:p>
           <a:p>
             <a:r>
-              <a:rPr lang="it-IT" sz="2200" dirty="0" smtClean="0"/>
+              <a:rPr lang="it-IT" sz="2200" dirty="0" smtClean="0">
+                <a:latin typeface="Times New Roman" panose="02020603050405020304" pitchFamily="18" charset="0"/>
+                <a:cs typeface="Times New Roman" panose="02020603050405020304" pitchFamily="18" charset="0"/>
+              </a:rPr>
               <a:t> </a:t>
             </a:r>
           </a:p>
           <a:p>
             <a:r>
-              <a:rPr lang="it-IT" sz="2200" dirty="0" smtClean="0"/>
+              <a:rPr lang="it-IT" sz="2200" dirty="0" smtClean="0">
+                <a:latin typeface="Times New Roman" panose="02020603050405020304" pitchFamily="18" charset="0"/>
+                <a:cs typeface="Times New Roman" panose="02020603050405020304" pitchFamily="18" charset="0"/>
+              </a:rPr>
               <a:t>Professione: </a:t>
             </a:r>
             <a:r>
-              <a:rPr lang="it-IT" sz="2200" dirty="0" err="1" smtClean="0"/>
+              <a:rPr lang="it-IT" sz="2200" dirty="0" err="1" smtClean="0">
+                <a:latin typeface="Times New Roman" panose="02020603050405020304" pitchFamily="18" charset="0"/>
+                <a:cs typeface="Times New Roman" panose="02020603050405020304" pitchFamily="18" charset="0"/>
+              </a:rPr>
               <a:t>……………………………………</a:t>
             </a:r>
             <a:r>
-              <a:rPr lang="it-IT" sz="2200" dirty="0" smtClean="0"/>
+              <a:rPr lang="it-IT" sz="2200" dirty="0" smtClean="0">
+                <a:latin typeface="Times New Roman" panose="02020603050405020304" pitchFamily="18" charset="0"/>
+                <a:cs typeface="Times New Roman" panose="02020603050405020304" pitchFamily="18" charset="0"/>
+              </a:rPr>
               <a:t>.</a:t>
             </a:r>
-            <a:endParaRPr lang="it-IT" sz="2200" dirty="0" smtClean="0"/>
           </a:p>
           <a:p>
             <a:pPr algn="just"/>
@@ -7064,7 +7234,7 @@
     </p:spTree>
     <p:extLst>
       <p:ext uri="{BB962C8B-B14F-4D97-AF65-F5344CB8AC3E}">
-        <p14:creationId xmlns="" xmlns:p14="http://schemas.microsoft.com/office/powerpoint/2010/main" val="2442419145"/>
+        <p14:creationId xmlns:p14="http://schemas.microsoft.com/office/powerpoint/2010/main" val="2442419145"/>
       </p:ext>
     </p:extLst>
   </p:cSld>
@@ -7217,82 +7387,117 @@
           </a:p>
           <a:p>
             <a:r>
-              <a:rPr lang="it-IT" sz="2000" dirty="0" smtClean="0"/>
+              <a:rPr lang="it-IT" sz="2000" dirty="0" smtClean="0">
+                <a:latin typeface="Times New Roman" panose="02020603050405020304" pitchFamily="18" charset="0"/>
+                <a:cs typeface="Times New Roman" panose="02020603050405020304" pitchFamily="18" charset="0"/>
+              </a:rPr>
               <a:t>Sei un/a fumatore/fumatrice?</a:t>
             </a:r>
           </a:p>
           <a:p>
             <a:r>
-              <a:rPr lang="it-IT" sz="2000" dirty="0" smtClean="0"/>
-              <a:t>___ </a:t>
-            </a:r>
-            <a:r>
-              <a:rPr lang="it-IT" sz="2000" dirty="0" smtClean="0"/>
-              <a:t>Sì</a:t>
-            </a:r>
-          </a:p>
-          <a:p>
-            <a:r>
-              <a:rPr lang="it-IT" sz="2000" dirty="0" smtClean="0"/>
+              <a:rPr lang="it-IT" sz="2000" dirty="0" smtClean="0">
+                <a:latin typeface="Times New Roman" panose="02020603050405020304" pitchFamily="18" charset="0"/>
+                <a:cs typeface="Times New Roman" panose="02020603050405020304" pitchFamily="18" charset="0"/>
+              </a:rPr>
+              <a:t>___ Sì</a:t>
+            </a:r>
+          </a:p>
+          <a:p>
+            <a:r>
+              <a:rPr lang="it-IT" sz="2000" dirty="0" smtClean="0">
+                <a:latin typeface="Times New Roman" panose="02020603050405020304" pitchFamily="18" charset="0"/>
+                <a:cs typeface="Times New Roman" panose="02020603050405020304" pitchFamily="18" charset="0"/>
+              </a:rPr>
               <a:t>___ No</a:t>
             </a:r>
           </a:p>
           <a:p>
             <a:r>
-              <a:rPr lang="it-IT" sz="2000" dirty="0" smtClean="0"/>
+              <a:rPr lang="it-IT" sz="2000" dirty="0" smtClean="0">
+                <a:latin typeface="Times New Roman" panose="02020603050405020304" pitchFamily="18" charset="0"/>
+                <a:cs typeface="Times New Roman" panose="02020603050405020304" pitchFamily="18" charset="0"/>
+              </a:rPr>
               <a:t> </a:t>
             </a:r>
           </a:p>
           <a:p>
             <a:r>
-              <a:rPr lang="it-IT" sz="2000" i="1" dirty="0" smtClean="0"/>
+              <a:rPr lang="it-IT" sz="2000" i="1" dirty="0" smtClean="0">
+                <a:latin typeface="Times New Roman" panose="02020603050405020304" pitchFamily="18" charset="0"/>
+                <a:cs typeface="Times New Roman" panose="02020603050405020304" pitchFamily="18" charset="0"/>
+              </a:rPr>
               <a:t>Nel caso in cui sei un/a fumatore/fumatrice:</a:t>
             </a:r>
-            <a:endParaRPr lang="it-IT" sz="2000" dirty="0" smtClean="0"/>
-          </a:p>
-          <a:p>
-            <a:r>
-              <a:rPr lang="it-IT" sz="2000" dirty="0" smtClean="0"/>
+            <a:endParaRPr lang="it-IT" sz="2000" dirty="0" smtClean="0">
+              <a:latin typeface="Times New Roman" panose="02020603050405020304" pitchFamily="18" charset="0"/>
+              <a:cs typeface="Times New Roman" panose="02020603050405020304" pitchFamily="18" charset="0"/>
+            </a:endParaRPr>
+          </a:p>
+          <a:p>
+            <a:r>
+              <a:rPr lang="it-IT" sz="2000" dirty="0" smtClean="0">
+                <a:latin typeface="Times New Roman" panose="02020603050405020304" pitchFamily="18" charset="0"/>
+                <a:cs typeface="Times New Roman" panose="02020603050405020304" pitchFamily="18" charset="0"/>
+              </a:rPr>
               <a:t> </a:t>
             </a:r>
           </a:p>
           <a:p>
             <a:r>
-              <a:rPr lang="it-IT" sz="2000" dirty="0" smtClean="0"/>
+              <a:rPr lang="it-IT" sz="2000" dirty="0" smtClean="0">
+                <a:latin typeface="Times New Roman" panose="02020603050405020304" pitchFamily="18" charset="0"/>
+                <a:cs typeface="Times New Roman" panose="02020603050405020304" pitchFamily="18" charset="0"/>
+              </a:rPr>
               <a:t>Quante sigarette fumi mediamente al giorno?</a:t>
             </a:r>
           </a:p>
           <a:p>
             <a:r>
-              <a:rPr lang="it-IT" sz="2000" dirty="0" smtClean="0"/>
+              <a:rPr lang="it-IT" sz="2000" dirty="0" smtClean="0">
+                <a:latin typeface="Times New Roman" panose="02020603050405020304" pitchFamily="18" charset="0"/>
+                <a:cs typeface="Times New Roman" panose="02020603050405020304" pitchFamily="18" charset="0"/>
+              </a:rPr>
               <a:t>___ Meno di 5 sigarette</a:t>
             </a:r>
           </a:p>
           <a:p>
             <a:r>
-              <a:rPr lang="it-IT" sz="2000" dirty="0" smtClean="0"/>
+              <a:rPr lang="it-IT" sz="2000" dirty="0" smtClean="0">
+                <a:latin typeface="Times New Roman" panose="02020603050405020304" pitchFamily="18" charset="0"/>
+                <a:cs typeface="Times New Roman" panose="02020603050405020304" pitchFamily="18" charset="0"/>
+              </a:rPr>
               <a:t>___ 5 - 10 sigarette</a:t>
             </a:r>
           </a:p>
           <a:p>
             <a:r>
-              <a:rPr lang="it-IT" sz="2000" dirty="0" smtClean="0"/>
+              <a:rPr lang="it-IT" sz="2000" dirty="0" smtClean="0">
+                <a:latin typeface="Times New Roman" panose="02020603050405020304" pitchFamily="18" charset="0"/>
+                <a:cs typeface="Times New Roman" panose="02020603050405020304" pitchFamily="18" charset="0"/>
+              </a:rPr>
               <a:t>___ 10 - 15 sigarette</a:t>
             </a:r>
           </a:p>
           <a:p>
             <a:r>
-              <a:rPr lang="it-IT" sz="2000" dirty="0" smtClean="0"/>
+              <a:rPr lang="it-IT" sz="2000" dirty="0" smtClean="0">
+                <a:latin typeface="Times New Roman" panose="02020603050405020304" pitchFamily="18" charset="0"/>
+                <a:cs typeface="Times New Roman" panose="02020603050405020304" pitchFamily="18" charset="0"/>
+              </a:rPr>
               <a:t>___ Più di 15 sigarette</a:t>
             </a:r>
-            <a:endParaRPr lang="it-IT" sz="2000" dirty="0"/>
+            <a:endParaRPr lang="it-IT" sz="2000" dirty="0">
+              <a:latin typeface="Times New Roman" panose="02020603050405020304" pitchFamily="18" charset="0"/>
+              <a:cs typeface="Times New Roman" panose="02020603050405020304" pitchFamily="18" charset="0"/>
+            </a:endParaRPr>
           </a:p>
         </p:txBody>
       </p:sp>
     </p:spTree>
     <p:extLst>
       <p:ext uri="{BB962C8B-B14F-4D97-AF65-F5344CB8AC3E}">
-        <p14:creationId xmlns="" xmlns:p14="http://schemas.microsoft.com/office/powerpoint/2010/main" val="2442419145"/>
+        <p14:creationId xmlns:p14="http://schemas.microsoft.com/office/powerpoint/2010/main" val="2442419145"/>
       </p:ext>
     </p:extLst>
   </p:cSld>
@@ -7445,85 +7650,126 @@
           </a:p>
           <a:p>
             <a:r>
-              <a:rPr lang="it-IT" sz="2000" dirty="0" smtClean="0"/>
+              <a:rPr lang="it-IT" sz="2000" dirty="0" smtClean="0">
+                <a:latin typeface="Times New Roman" panose="02020603050405020304" pitchFamily="18" charset="0"/>
+                <a:cs typeface="Times New Roman" panose="02020603050405020304" pitchFamily="18" charset="0"/>
+              </a:rPr>
               <a:t>Che marca di sigarette preferisci?</a:t>
             </a:r>
           </a:p>
           <a:p>
             <a:r>
-              <a:rPr lang="it-IT" sz="2000" dirty="0" smtClean="0"/>
+              <a:rPr lang="it-IT" sz="2000" dirty="0" smtClean="0">
+                <a:latin typeface="Times New Roman" panose="02020603050405020304" pitchFamily="18" charset="0"/>
+                <a:cs typeface="Times New Roman" panose="02020603050405020304" pitchFamily="18" charset="0"/>
+              </a:rPr>
               <a:t>___ Marlboro</a:t>
             </a:r>
           </a:p>
           <a:p>
             <a:r>
-              <a:rPr lang="it-IT" sz="2000" dirty="0" smtClean="0"/>
+              <a:rPr lang="it-IT" sz="2000" dirty="0" smtClean="0">
+                <a:latin typeface="Times New Roman" panose="02020603050405020304" pitchFamily="18" charset="0"/>
+                <a:cs typeface="Times New Roman" panose="02020603050405020304" pitchFamily="18" charset="0"/>
+              </a:rPr>
               <a:t>___ </a:t>
             </a:r>
             <a:r>
-              <a:rPr lang="it-IT" sz="2000" dirty="0" err="1" smtClean="0"/>
+              <a:rPr lang="it-IT" sz="2000" dirty="0" err="1" smtClean="0">
+                <a:latin typeface="Times New Roman" panose="02020603050405020304" pitchFamily="18" charset="0"/>
+                <a:cs typeface="Times New Roman" panose="02020603050405020304" pitchFamily="18" charset="0"/>
+              </a:rPr>
               <a:t>Merit</a:t>
             </a:r>
-            <a:endParaRPr lang="it-IT" sz="2000" dirty="0" smtClean="0"/>
-          </a:p>
-          <a:p>
-            <a:r>
-              <a:rPr lang="it-IT" sz="2000" dirty="0" smtClean="0"/>
+            <a:endParaRPr lang="it-IT" sz="2000" dirty="0" smtClean="0">
+              <a:latin typeface="Times New Roman" panose="02020603050405020304" pitchFamily="18" charset="0"/>
+              <a:cs typeface="Times New Roman" panose="02020603050405020304" pitchFamily="18" charset="0"/>
+            </a:endParaRPr>
+          </a:p>
+          <a:p>
+            <a:r>
+              <a:rPr lang="it-IT" sz="2000" dirty="0" smtClean="0">
+                <a:latin typeface="Times New Roman" panose="02020603050405020304" pitchFamily="18" charset="0"/>
+                <a:cs typeface="Times New Roman" panose="02020603050405020304" pitchFamily="18" charset="0"/>
+              </a:rPr>
               <a:t>___ </a:t>
             </a:r>
             <a:r>
-              <a:rPr lang="it-IT" sz="2000" dirty="0" err="1" smtClean="0"/>
+              <a:rPr lang="it-IT" sz="2000" dirty="0" err="1" smtClean="0">
+                <a:latin typeface="Times New Roman" panose="02020603050405020304" pitchFamily="18" charset="0"/>
+                <a:cs typeface="Times New Roman" panose="02020603050405020304" pitchFamily="18" charset="0"/>
+              </a:rPr>
               <a:t>Chesterfield</a:t>
             </a:r>
-            <a:endParaRPr lang="it-IT" sz="2000" dirty="0" smtClean="0"/>
-          </a:p>
-          <a:p>
-            <a:r>
-              <a:rPr lang="it-IT" sz="2000" dirty="0" smtClean="0"/>
+            <a:endParaRPr lang="it-IT" sz="2000" dirty="0" smtClean="0">
+              <a:latin typeface="Times New Roman" panose="02020603050405020304" pitchFamily="18" charset="0"/>
+              <a:cs typeface="Times New Roman" panose="02020603050405020304" pitchFamily="18" charset="0"/>
+            </a:endParaRPr>
+          </a:p>
+          <a:p>
+            <a:r>
+              <a:rPr lang="it-IT" sz="2000" dirty="0" smtClean="0">
+                <a:latin typeface="Times New Roman" panose="02020603050405020304" pitchFamily="18" charset="0"/>
+                <a:cs typeface="Times New Roman" panose="02020603050405020304" pitchFamily="18" charset="0"/>
+              </a:rPr>
               <a:t>___ Diana</a:t>
             </a:r>
           </a:p>
           <a:p>
             <a:r>
-              <a:rPr lang="it-IT" sz="2000" dirty="0" smtClean="0"/>
+              <a:rPr lang="it-IT" sz="2000" dirty="0" smtClean="0">
+                <a:latin typeface="Times New Roman" panose="02020603050405020304" pitchFamily="18" charset="0"/>
+                <a:cs typeface="Times New Roman" panose="02020603050405020304" pitchFamily="18" charset="0"/>
+              </a:rPr>
               <a:t>___ Altro, per favore specificare …...................................</a:t>
             </a:r>
           </a:p>
           <a:p>
             <a:r>
-              <a:rPr lang="it-IT" sz="2000" dirty="0" smtClean="0"/>
+              <a:rPr lang="it-IT" sz="2000" dirty="0" smtClean="0">
+                <a:latin typeface="Times New Roman" panose="02020603050405020304" pitchFamily="18" charset="0"/>
+                <a:cs typeface="Times New Roman" panose="02020603050405020304" pitchFamily="18" charset="0"/>
+              </a:rPr>
               <a:t> </a:t>
             </a:r>
           </a:p>
           <a:p>
             <a:r>
-              <a:rPr lang="it-IT" sz="2000" dirty="0" smtClean="0"/>
+              <a:rPr lang="it-IT" sz="2000" dirty="0" smtClean="0">
+                <a:latin typeface="Times New Roman" panose="02020603050405020304" pitchFamily="18" charset="0"/>
+                <a:cs typeface="Times New Roman" panose="02020603050405020304" pitchFamily="18" charset="0"/>
+              </a:rPr>
               <a:t>Generalmente fumi da solo o in compagnia?</a:t>
             </a:r>
           </a:p>
           <a:p>
             <a:r>
-              <a:rPr lang="it-IT" sz="2000" dirty="0" smtClean="0"/>
+              <a:rPr lang="it-IT" sz="2000" dirty="0" smtClean="0">
+                <a:latin typeface="Times New Roman" panose="02020603050405020304" pitchFamily="18" charset="0"/>
+                <a:cs typeface="Times New Roman" panose="02020603050405020304" pitchFamily="18" charset="0"/>
+              </a:rPr>
               <a:t>___ Da solo</a:t>
             </a:r>
           </a:p>
           <a:p>
             <a:r>
-              <a:rPr lang="it-IT" sz="2000" dirty="0" smtClean="0"/>
-              <a:t>___ </a:t>
-            </a:r>
-            <a:r>
-              <a:rPr lang="it-IT" sz="2000" dirty="0" smtClean="0"/>
-              <a:t>In compagnia</a:t>
-            </a:r>
-            <a:endParaRPr lang="it-IT" sz="2000" dirty="0"/>
+              <a:rPr lang="it-IT" sz="2000" dirty="0" smtClean="0">
+                <a:latin typeface="Times New Roman" panose="02020603050405020304" pitchFamily="18" charset="0"/>
+                <a:cs typeface="Times New Roman" panose="02020603050405020304" pitchFamily="18" charset="0"/>
+              </a:rPr>
+              <a:t>___ In compagnia</a:t>
+            </a:r>
+            <a:endParaRPr lang="it-IT" sz="2000" dirty="0">
+              <a:latin typeface="Times New Roman" panose="02020603050405020304" pitchFamily="18" charset="0"/>
+              <a:cs typeface="Times New Roman" panose="02020603050405020304" pitchFamily="18" charset="0"/>
+            </a:endParaRPr>
           </a:p>
         </p:txBody>
       </p:sp>
     </p:spTree>
     <p:extLst>
       <p:ext uri="{BB962C8B-B14F-4D97-AF65-F5344CB8AC3E}">
-        <p14:creationId xmlns="" xmlns:p14="http://schemas.microsoft.com/office/powerpoint/2010/main" val="2442419145"/>
+        <p14:creationId xmlns:p14="http://schemas.microsoft.com/office/powerpoint/2010/main" val="2442419145"/>
       </p:ext>
     </p:extLst>
   </p:cSld>
@@ -7689,125 +7935,143 @@
             </a:r>
           </a:p>
           <a:p>
-            <a:r>
-              <a:rPr lang="it-IT" sz="2000" dirty="0" smtClean="0"/>
+            <a:pPr algn="just"/>
+            <a:r>
+              <a:rPr lang="it-IT" sz="2000" dirty="0" smtClean="0">
+                <a:latin typeface="Times New Roman" panose="02020603050405020304" pitchFamily="18" charset="0"/>
+                <a:cs typeface="Times New Roman" panose="02020603050405020304" pitchFamily="18" charset="0"/>
+              </a:rPr>
               <a:t>Una volta eseguita l’</a:t>
             </a:r>
             <a:r>
-              <a:rPr lang="it-IT" sz="2000" dirty="0" err="1" smtClean="0"/>
+              <a:rPr lang="it-IT" sz="2000" dirty="0" err="1" smtClean="0">
+                <a:latin typeface="Times New Roman" panose="02020603050405020304" pitchFamily="18" charset="0"/>
+                <a:cs typeface="Times New Roman" panose="02020603050405020304" pitchFamily="18" charset="0"/>
+              </a:rPr>
               <a:t>app</a:t>
             </a:r>
             <a:r>
-              <a:rPr lang="it-IT" sz="2000" dirty="0" smtClean="0"/>
+              <a:rPr lang="it-IT" sz="2000" dirty="0" smtClean="0">
+                <a:latin typeface="Times New Roman" panose="02020603050405020304" pitchFamily="18" charset="0"/>
+                <a:cs typeface="Times New Roman" panose="02020603050405020304" pitchFamily="18" charset="0"/>
+              </a:rPr>
               <a:t> si verrà indirizzati su una pagina introduttiva:</a:t>
             </a:r>
           </a:p>
           <a:p>
-            <a:pPr marL="457200" lvl="0" indent="-457200">
+            <a:pPr marL="457200" lvl="0" indent="-457200" algn="just">
               <a:buFont typeface="+mj-lt"/>
               <a:buAutoNum type="arabicPeriod"/>
             </a:pPr>
             <a:r>
-              <a:rPr lang="it-IT" sz="2000" dirty="0" smtClean="0"/>
+              <a:rPr lang="it-IT" sz="2000" dirty="0" smtClean="0">
+                <a:latin typeface="Times New Roman" panose="02020603050405020304" pitchFamily="18" charset="0"/>
+                <a:cs typeface="Times New Roman" panose="02020603050405020304" pitchFamily="18" charset="0"/>
+              </a:rPr>
               <a:t>Cliccare sul tasto “</a:t>
             </a:r>
             <a:r>
-              <a:rPr lang="it-IT" sz="2000" dirty="0" err="1" smtClean="0"/>
+              <a:rPr lang="it-IT" sz="2000" dirty="0" err="1" smtClean="0">
+                <a:latin typeface="Times New Roman" panose="02020603050405020304" pitchFamily="18" charset="0"/>
+                <a:cs typeface="Times New Roman" panose="02020603050405020304" pitchFamily="18" charset="0"/>
+              </a:rPr>
               <a:t>Sign</a:t>
             </a:r>
             <a:r>
-              <a:rPr lang="it-IT" sz="2000" dirty="0" smtClean="0"/>
+              <a:rPr lang="it-IT" sz="2000" dirty="0" smtClean="0">
+                <a:latin typeface="Times New Roman" panose="02020603050405020304" pitchFamily="18" charset="0"/>
+                <a:cs typeface="Times New Roman" panose="02020603050405020304" pitchFamily="18" charset="0"/>
+              </a:rPr>
               <a:t> Up”;</a:t>
             </a:r>
           </a:p>
           <a:p>
-            <a:pPr marL="457200" lvl="0" indent="-457200">
+            <a:pPr marL="457200" lvl="0" indent="-457200" algn="just">
               <a:buFont typeface="+mj-lt"/>
               <a:buAutoNum type="arabicPeriod"/>
             </a:pPr>
             <a:r>
-              <a:rPr lang="it-IT" sz="2000" dirty="0" smtClean="0"/>
+              <a:rPr lang="it-IT" sz="2000" dirty="0" smtClean="0">
+                <a:latin typeface="Times New Roman" panose="02020603050405020304" pitchFamily="18" charset="0"/>
+                <a:cs typeface="Times New Roman" panose="02020603050405020304" pitchFamily="18" charset="0"/>
+              </a:rPr>
               <a:t>Compilare i campi obbligatori (etichette contrassegnate da *);     (Problema: potrebbe non essere chiaro dall’inizio quali sono i campi da compilare in quanto sono distribuite su più schermate raggiungibili dalla </a:t>
             </a:r>
             <a:r>
-              <a:rPr lang="it-IT" sz="2000" dirty="0" err="1" smtClean="0"/>
+              <a:rPr lang="it-IT" sz="2000" dirty="0" err="1" smtClean="0">
+                <a:latin typeface="Times New Roman" panose="02020603050405020304" pitchFamily="18" charset="0"/>
+                <a:cs typeface="Times New Roman" panose="02020603050405020304" pitchFamily="18" charset="0"/>
+              </a:rPr>
               <a:t>navigation</a:t>
             </a:r>
             <a:r>
-              <a:rPr lang="it-IT" sz="2000" dirty="0" smtClean="0"/>
-              <a:t> bar </a:t>
-            </a:r>
-            <a:r>
-              <a:rPr lang="it-IT" sz="2000" dirty="0" smtClean="0"/>
-              <a:t>sovrastante)</a:t>
-            </a:r>
-          </a:p>
-          <a:p>
-            <a:pPr marL="457200" lvl="0" indent="-457200"/>
-            <a:r>
-              <a:rPr lang="it-IT" sz="2000" dirty="0" smtClean="0"/>
-              <a:t>	</a:t>
-            </a:r>
-            <a:r>
-              <a:rPr lang="it-IT" sz="2000" dirty="0" smtClean="0"/>
-              <a:t>- Se </a:t>
-            </a:r>
-            <a:r>
-              <a:rPr lang="it-IT" sz="2000" dirty="0" smtClean="0"/>
-              <a:t>i campi obbligatori non sono stati compilati non sarà </a:t>
-            </a:r>
-            <a:r>
-              <a:rPr lang="it-IT" sz="2000" dirty="0" smtClean="0"/>
-              <a:t>possibile  proseguire </a:t>
-            </a:r>
-            <a:r>
-              <a:rPr lang="it-IT" sz="2000" dirty="0" smtClean="0"/>
-              <a:t>con la registrazione.</a:t>
-            </a:r>
-          </a:p>
-          <a:p>
-            <a:pPr marL="457200" lvl="0" indent="-457200">
+              <a:rPr lang="it-IT" sz="2000" dirty="0" smtClean="0">
+                <a:latin typeface="Times New Roman" panose="02020603050405020304" pitchFamily="18" charset="0"/>
+                <a:cs typeface="Times New Roman" panose="02020603050405020304" pitchFamily="18" charset="0"/>
+              </a:rPr>
+              <a:t> bar sovrastante)</a:t>
+            </a:r>
+          </a:p>
+          <a:p>
+            <a:pPr marL="457200" lvl="0" indent="-457200" algn="just"/>
+            <a:r>
+              <a:rPr lang="it-IT" sz="2000" dirty="0" smtClean="0">
+                <a:latin typeface="Times New Roman" panose="02020603050405020304" pitchFamily="18" charset="0"/>
+                <a:cs typeface="Times New Roman" panose="02020603050405020304" pitchFamily="18" charset="0"/>
+              </a:rPr>
+              <a:t>	- Se i campi obbligatori non sono stati compilati non sarà possibile  proseguire con la registrazione.</a:t>
+            </a:r>
+          </a:p>
+          <a:p>
+            <a:pPr marL="457200" lvl="0" indent="-457200" algn="just">
               <a:buFont typeface="+mj-lt"/>
               <a:buAutoNum type="arabicPeriod" startAt="3"/>
             </a:pPr>
             <a:r>
-              <a:rPr lang="it-IT" sz="2000" dirty="0" smtClean="0"/>
+              <a:rPr lang="it-IT" sz="2000" dirty="0" smtClean="0">
+                <a:latin typeface="Times New Roman" panose="02020603050405020304" pitchFamily="18" charset="0"/>
+                <a:cs typeface="Times New Roman" panose="02020603050405020304" pitchFamily="18" charset="0"/>
+              </a:rPr>
               <a:t>Una volta completata la compilazione dei campi obbligatori ed eventualmente anche quelli opzionali, cliccare su “</a:t>
             </a:r>
             <a:r>
-              <a:rPr lang="it-IT" sz="2000" dirty="0" err="1" smtClean="0"/>
+              <a:rPr lang="it-IT" sz="2000" dirty="0" err="1" smtClean="0">
+                <a:latin typeface="Times New Roman" panose="02020603050405020304" pitchFamily="18" charset="0"/>
+                <a:cs typeface="Times New Roman" panose="02020603050405020304" pitchFamily="18" charset="0"/>
+              </a:rPr>
               <a:t>Sign</a:t>
             </a:r>
             <a:r>
-              <a:rPr lang="it-IT" sz="2000" dirty="0" smtClean="0"/>
+              <a:rPr lang="it-IT" sz="2000" dirty="0" smtClean="0">
+                <a:latin typeface="Times New Roman" panose="02020603050405020304" pitchFamily="18" charset="0"/>
+                <a:cs typeface="Times New Roman" panose="02020603050405020304" pitchFamily="18" charset="0"/>
+              </a:rPr>
               <a:t> up”.</a:t>
             </a:r>
           </a:p>
           <a:p>
-            <a:pPr marL="457200" lvl="0" indent="-457200">
+            <a:pPr marL="457200" lvl="0" indent="-457200" algn="just">
               <a:buFont typeface="+mj-lt"/>
               <a:buAutoNum type="arabicPeriod" startAt="4"/>
             </a:pPr>
             <a:r>
-              <a:rPr lang="it-IT" sz="2000" dirty="0" smtClean="0"/>
-              <a:t>Creato il nuovo account l’utente verrà indirizzato nella Home </a:t>
-            </a:r>
-            <a:r>
-              <a:rPr lang="it-IT" sz="2000" dirty="0" err="1" smtClean="0"/>
-              <a:t>page</a:t>
-            </a:r>
-            <a:r>
-              <a:rPr lang="it-IT" sz="2000" dirty="0" smtClean="0"/>
-              <a:t>.</a:t>
-            </a:r>
-            <a:endParaRPr lang="it-IT" sz="2000" dirty="0"/>
+              <a:rPr lang="it-IT" sz="2000" dirty="0" smtClean="0">
+                <a:latin typeface="Times New Roman" panose="02020603050405020304" pitchFamily="18" charset="0"/>
+                <a:cs typeface="Times New Roman" panose="02020603050405020304" pitchFamily="18" charset="0"/>
+              </a:rPr>
+              <a:t>Creato il nuovo account l’utente verrà indirizzato nella Home page.</a:t>
+            </a:r>
+            <a:endParaRPr lang="it-IT" sz="2000" dirty="0">
+              <a:latin typeface="Times New Roman" panose="02020603050405020304" pitchFamily="18" charset="0"/>
+              <a:cs typeface="Times New Roman" panose="02020603050405020304" pitchFamily="18" charset="0"/>
+            </a:endParaRPr>
           </a:p>
         </p:txBody>
       </p:sp>
     </p:spTree>
     <p:extLst>
       <p:ext uri="{BB962C8B-B14F-4D97-AF65-F5344CB8AC3E}">
-        <p14:creationId xmlns="" xmlns:p14="http://schemas.microsoft.com/office/powerpoint/2010/main" val="2442419145"/>
+        <p14:creationId xmlns:p14="http://schemas.microsoft.com/office/powerpoint/2010/main" val="2442419145"/>
       </p:ext>
     </p:extLst>
   </p:cSld>
@@ -7959,134 +8223,201 @@
             </a:r>
           </a:p>
           <a:p>
-            <a:r>
-              <a:rPr lang="it-IT" sz="2000" dirty="0" smtClean="0"/>
+            <a:pPr algn="just"/>
+            <a:r>
+              <a:rPr lang="it-IT" sz="2000" dirty="0" smtClean="0">
+                <a:latin typeface="Times New Roman" panose="02020603050405020304" pitchFamily="18" charset="0"/>
+                <a:cs typeface="Times New Roman" panose="02020603050405020304" pitchFamily="18" charset="0"/>
+              </a:rPr>
               <a:t>Una volta arrivati nella Home </a:t>
             </a:r>
             <a:r>
-              <a:rPr lang="it-IT" sz="2000" dirty="0" err="1" smtClean="0"/>
+              <a:rPr lang="it-IT" sz="2000" dirty="0" err="1" smtClean="0">
+                <a:latin typeface="Times New Roman" panose="02020603050405020304" pitchFamily="18" charset="0"/>
+                <a:cs typeface="Times New Roman" panose="02020603050405020304" pitchFamily="18" charset="0"/>
+              </a:rPr>
               <a:t>page</a:t>
             </a:r>
             <a:r>
-              <a:rPr lang="it-IT" sz="2000" dirty="0" smtClean="0"/>
+              <a:rPr lang="it-IT" sz="2000" dirty="0" smtClean="0">
+                <a:latin typeface="Times New Roman" panose="02020603050405020304" pitchFamily="18" charset="0"/>
+                <a:cs typeface="Times New Roman" panose="02020603050405020304" pitchFamily="18" charset="0"/>
+              </a:rPr>
               <a:t>:</a:t>
             </a:r>
           </a:p>
           <a:p>
-            <a:pPr marL="457200" lvl="0" indent="-457200">
+            <a:pPr marL="457200" lvl="0" indent="-457200" algn="just">
               <a:buFont typeface="+mj-lt"/>
               <a:buAutoNum type="arabicPeriod"/>
             </a:pPr>
             <a:r>
-              <a:rPr lang="it-IT" sz="2000" dirty="0" smtClean="0"/>
+              <a:rPr lang="it-IT" sz="2000" dirty="0" smtClean="0">
+                <a:latin typeface="Times New Roman" panose="02020603050405020304" pitchFamily="18" charset="0"/>
+                <a:cs typeface="Times New Roman" panose="02020603050405020304" pitchFamily="18" charset="0"/>
+              </a:rPr>
               <a:t>Cliccare sul pulsante “</a:t>
             </a:r>
             <a:r>
-              <a:rPr lang="it-IT" sz="2000" dirty="0" err="1" smtClean="0"/>
+              <a:rPr lang="it-IT" sz="2000" dirty="0" err="1" smtClean="0">
+                <a:latin typeface="Times New Roman" panose="02020603050405020304" pitchFamily="18" charset="0"/>
+                <a:cs typeface="Times New Roman" panose="02020603050405020304" pitchFamily="18" charset="0"/>
+              </a:rPr>
               <a:t>Goals</a:t>
             </a:r>
             <a:r>
-              <a:rPr lang="it-IT" sz="2000" dirty="0" smtClean="0"/>
+              <a:rPr lang="it-IT" sz="2000" dirty="0" smtClean="0">
+                <a:latin typeface="Times New Roman" panose="02020603050405020304" pitchFamily="18" charset="0"/>
+                <a:cs typeface="Times New Roman" panose="02020603050405020304" pitchFamily="18" charset="0"/>
+              </a:rPr>
               <a:t>”;</a:t>
             </a:r>
           </a:p>
           <a:p>
-            <a:pPr marL="457200" lvl="0" indent="-457200">
+            <a:pPr marL="457200" lvl="0" indent="-457200" algn="just">
               <a:buFont typeface="+mj-lt"/>
               <a:buAutoNum type="arabicPeriod"/>
             </a:pPr>
             <a:r>
-              <a:rPr lang="it-IT" sz="2000" dirty="0" smtClean="0"/>
+              <a:rPr lang="it-IT" sz="2000" dirty="0" smtClean="0">
+                <a:latin typeface="Times New Roman" panose="02020603050405020304" pitchFamily="18" charset="0"/>
+                <a:cs typeface="Times New Roman" panose="02020603050405020304" pitchFamily="18" charset="0"/>
+              </a:rPr>
               <a:t>Scegliere un obiettivo tra quelli proposti dalla </a:t>
             </a:r>
             <a:r>
-              <a:rPr lang="it-IT" sz="2000" dirty="0" err="1" smtClean="0"/>
+              <a:rPr lang="it-IT" sz="2000" dirty="0" err="1" smtClean="0">
+                <a:latin typeface="Times New Roman" panose="02020603050405020304" pitchFamily="18" charset="0"/>
+                <a:cs typeface="Times New Roman" panose="02020603050405020304" pitchFamily="18" charset="0"/>
+              </a:rPr>
               <a:t>select</a:t>
             </a:r>
             <a:r>
-              <a:rPr lang="it-IT" sz="2000" dirty="0" smtClean="0"/>
+              <a:rPr lang="it-IT" sz="2000" dirty="0" smtClean="0">
+                <a:latin typeface="Times New Roman" panose="02020603050405020304" pitchFamily="18" charset="0"/>
+                <a:cs typeface="Times New Roman" panose="02020603050405020304" pitchFamily="18" charset="0"/>
+              </a:rPr>
               <a:t> in evidenza;</a:t>
             </a:r>
           </a:p>
           <a:p>
-            <a:pPr marL="457200" lvl="0" indent="-457200">
+            <a:pPr marL="457200" lvl="0" indent="-457200" algn="just">
               <a:buFont typeface="+mj-lt"/>
               <a:buAutoNum type="arabicPeriod"/>
             </a:pPr>
             <a:r>
-              <a:rPr lang="it-IT" sz="2000" dirty="0" smtClean="0"/>
+              <a:rPr lang="it-IT" sz="2000" dirty="0" smtClean="0">
+                <a:latin typeface="Times New Roman" panose="02020603050405020304" pitchFamily="18" charset="0"/>
+                <a:cs typeface="Times New Roman" panose="02020603050405020304" pitchFamily="18" charset="0"/>
+              </a:rPr>
               <a:t>In particolare selezionare l’obiettivo “</a:t>
             </a:r>
             <a:r>
-              <a:rPr lang="it-IT" sz="2000" dirty="0" err="1" smtClean="0"/>
+              <a:rPr lang="it-IT" sz="2000" dirty="0" err="1" smtClean="0">
+                <a:latin typeface="Times New Roman" panose="02020603050405020304" pitchFamily="18" charset="0"/>
+                <a:cs typeface="Times New Roman" panose="02020603050405020304" pitchFamily="18" charset="0"/>
+              </a:rPr>
               <a:t>Only</a:t>
             </a:r>
             <a:r>
-              <a:rPr lang="it-IT" sz="2000" dirty="0" smtClean="0"/>
+              <a:rPr lang="it-IT" sz="2000" dirty="0" smtClean="0">
+                <a:latin typeface="Times New Roman" panose="02020603050405020304" pitchFamily="18" charset="0"/>
+                <a:cs typeface="Times New Roman" panose="02020603050405020304" pitchFamily="18" charset="0"/>
+              </a:rPr>
               <a:t> 10 </a:t>
             </a:r>
             <a:r>
-              <a:rPr lang="it-IT" sz="2000" dirty="0" err="1" smtClean="0"/>
+              <a:rPr lang="it-IT" sz="2000" dirty="0" err="1" smtClean="0">
+                <a:latin typeface="Times New Roman" panose="02020603050405020304" pitchFamily="18" charset="0"/>
+                <a:cs typeface="Times New Roman" panose="02020603050405020304" pitchFamily="18" charset="0"/>
+              </a:rPr>
               <a:t>cigarettes</a:t>
             </a:r>
             <a:r>
-              <a:rPr lang="it-IT" sz="2000" dirty="0" smtClean="0"/>
+              <a:rPr lang="it-IT" sz="2000" dirty="0" smtClean="0">
+                <a:latin typeface="Times New Roman" panose="02020603050405020304" pitchFamily="18" charset="0"/>
+                <a:cs typeface="Times New Roman" panose="02020603050405020304" pitchFamily="18" charset="0"/>
+              </a:rPr>
               <a:t> </a:t>
             </a:r>
             <a:r>
-              <a:rPr lang="it-IT" sz="2000" dirty="0" err="1" smtClean="0"/>
+              <a:rPr lang="it-IT" sz="2000" dirty="0" err="1" smtClean="0">
+                <a:latin typeface="Times New Roman" panose="02020603050405020304" pitchFamily="18" charset="0"/>
+                <a:cs typeface="Times New Roman" panose="02020603050405020304" pitchFamily="18" charset="0"/>
+              </a:rPr>
               <a:t>smoked</a:t>
             </a:r>
             <a:r>
-              <a:rPr lang="it-IT" sz="2000" dirty="0" smtClean="0"/>
+              <a:rPr lang="it-IT" sz="2000" dirty="0" smtClean="0">
+                <a:latin typeface="Times New Roman" panose="02020603050405020304" pitchFamily="18" charset="0"/>
+                <a:cs typeface="Times New Roman" panose="02020603050405020304" pitchFamily="18" charset="0"/>
+              </a:rPr>
               <a:t>”;</a:t>
             </a:r>
           </a:p>
           <a:p>
-            <a:pPr marL="457200" lvl="0" indent="-457200">
+            <a:pPr marL="457200" lvl="0" indent="-457200" algn="just">
               <a:buFont typeface="+mj-lt"/>
               <a:buAutoNum type="arabicPeriod"/>
             </a:pPr>
             <a:r>
-              <a:rPr lang="it-IT" sz="2000" dirty="0" smtClean="0"/>
+              <a:rPr lang="it-IT" sz="2000" dirty="0" smtClean="0">
+                <a:latin typeface="Times New Roman" panose="02020603050405020304" pitchFamily="18" charset="0"/>
+                <a:cs typeface="Times New Roman" panose="02020603050405020304" pitchFamily="18" charset="0"/>
+              </a:rPr>
               <a:t>Un messaggio di conferma avviserà l’utente dell’avvenuta selezione dell’obiettivo prescelto;</a:t>
             </a:r>
           </a:p>
           <a:p>
-            <a:pPr marL="457200" lvl="0" indent="-457200">
+            <a:pPr marL="457200" lvl="0" indent="-457200" algn="just">
               <a:buFont typeface="+mj-lt"/>
               <a:buAutoNum type="arabicPeriod"/>
             </a:pPr>
             <a:r>
-              <a:rPr lang="it-IT" sz="2000" dirty="0" smtClean="0"/>
+              <a:rPr lang="it-IT" sz="2000" dirty="0" smtClean="0">
+                <a:latin typeface="Times New Roman" panose="02020603050405020304" pitchFamily="18" charset="0"/>
+                <a:cs typeface="Times New Roman" panose="02020603050405020304" pitchFamily="18" charset="0"/>
+              </a:rPr>
               <a:t>Tornare nella Home </a:t>
             </a:r>
             <a:r>
-              <a:rPr lang="it-IT" sz="2000" dirty="0" err="1" smtClean="0"/>
+              <a:rPr lang="it-IT" sz="2000" dirty="0" err="1" smtClean="0">
+                <a:latin typeface="Times New Roman" panose="02020603050405020304" pitchFamily="18" charset="0"/>
+                <a:cs typeface="Times New Roman" panose="02020603050405020304" pitchFamily="18" charset="0"/>
+              </a:rPr>
               <a:t>page</a:t>
             </a:r>
             <a:r>
-              <a:rPr lang="it-IT" sz="2000" dirty="0" smtClean="0"/>
+              <a:rPr lang="it-IT" sz="2000" dirty="0" smtClean="0">
+                <a:latin typeface="Times New Roman" panose="02020603050405020304" pitchFamily="18" charset="0"/>
+                <a:cs typeface="Times New Roman" panose="02020603050405020304" pitchFamily="18" charset="0"/>
+              </a:rPr>
               <a:t>, tramite il pulsante “Home” in alto;</a:t>
             </a:r>
           </a:p>
           <a:p>
-            <a:pPr marL="457200" lvl="0" indent="-457200">
+            <a:pPr marL="457200" lvl="0" indent="-457200" algn="just">
               <a:buFont typeface="+mj-lt"/>
               <a:buAutoNum type="arabicPeriod"/>
             </a:pPr>
             <a:r>
-              <a:rPr lang="it-IT" sz="2000" dirty="0" smtClean="0"/>
+              <a:rPr lang="it-IT" sz="2000" dirty="0" smtClean="0">
+                <a:latin typeface="Times New Roman" panose="02020603050405020304" pitchFamily="18" charset="0"/>
+                <a:cs typeface="Times New Roman" panose="02020603050405020304" pitchFamily="18" charset="0"/>
+              </a:rPr>
               <a:t>È possibile visualizzare nella schermata principale l’obiettivo corrente selezionato.</a:t>
             </a:r>
-            <a:endParaRPr lang="it-IT" sz="2000" dirty="0"/>
+            <a:endParaRPr lang="it-IT" sz="2000" dirty="0">
+              <a:latin typeface="Times New Roman" panose="02020603050405020304" pitchFamily="18" charset="0"/>
+              <a:cs typeface="Times New Roman" panose="02020603050405020304" pitchFamily="18" charset="0"/>
+            </a:endParaRPr>
           </a:p>
         </p:txBody>
       </p:sp>
     </p:spTree>
     <p:extLst>
       <p:ext uri="{BB962C8B-B14F-4D97-AF65-F5344CB8AC3E}">
-        <p14:creationId xmlns="" xmlns:p14="http://schemas.microsoft.com/office/powerpoint/2010/main" val="2442419145"/>
+        <p14:creationId xmlns:p14="http://schemas.microsoft.com/office/powerpoint/2010/main" val="2442419145"/>
       </p:ext>
     </p:extLst>
   </p:cSld>
@@ -8266,146 +8597,218 @@
             </a:r>
           </a:p>
           <a:p>
-            <a:pPr marL="457200" lvl="0" indent="-457200">
+            <a:pPr marL="457200" lvl="0" indent="-457200" algn="just">
               <a:buFont typeface="+mj-lt"/>
               <a:buAutoNum type="arabicPeriod"/>
             </a:pPr>
             <a:r>
-              <a:rPr lang="it-IT" sz="2000" dirty="0" smtClean="0"/>
+              <a:rPr lang="it-IT" sz="2000" dirty="0" smtClean="0">
+                <a:latin typeface="Times New Roman" panose="02020603050405020304" pitchFamily="18" charset="0"/>
+                <a:cs typeface="Times New Roman" panose="02020603050405020304" pitchFamily="18" charset="0"/>
+              </a:rPr>
               <a:t>Cliccare sul pulsante “</a:t>
             </a:r>
             <a:r>
-              <a:rPr lang="it-IT" sz="2000" dirty="0" err="1" smtClean="0"/>
+              <a:rPr lang="it-IT" sz="2000" dirty="0" err="1" smtClean="0">
+                <a:latin typeface="Times New Roman" panose="02020603050405020304" pitchFamily="18" charset="0"/>
+                <a:cs typeface="Times New Roman" panose="02020603050405020304" pitchFamily="18" charset="0"/>
+              </a:rPr>
               <a:t>Add</a:t>
             </a:r>
             <a:r>
-              <a:rPr lang="it-IT" sz="2000" dirty="0" smtClean="0"/>
+              <a:rPr lang="it-IT" sz="2000" dirty="0" smtClean="0">
+                <a:latin typeface="Times New Roman" panose="02020603050405020304" pitchFamily="18" charset="0"/>
+                <a:cs typeface="Times New Roman" panose="02020603050405020304" pitchFamily="18" charset="0"/>
+              </a:rPr>
               <a:t> a </a:t>
             </a:r>
             <a:r>
-              <a:rPr lang="it-IT" sz="2000" dirty="0" err="1" smtClean="0"/>
+              <a:rPr lang="it-IT" sz="2000" dirty="0" err="1" smtClean="0">
+                <a:latin typeface="Times New Roman" panose="02020603050405020304" pitchFamily="18" charset="0"/>
+                <a:cs typeface="Times New Roman" panose="02020603050405020304" pitchFamily="18" charset="0"/>
+              </a:rPr>
               <a:t>cigarette</a:t>
             </a:r>
             <a:r>
-              <a:rPr lang="it-IT" sz="2000" dirty="0" smtClean="0"/>
+              <a:rPr lang="it-IT" sz="2000" dirty="0" smtClean="0">
+                <a:latin typeface="Times New Roman" panose="02020603050405020304" pitchFamily="18" charset="0"/>
+                <a:cs typeface="Times New Roman" panose="02020603050405020304" pitchFamily="18" charset="0"/>
+              </a:rPr>
               <a:t>”;</a:t>
             </a:r>
           </a:p>
           <a:p>
-            <a:pPr marL="457200" lvl="0" indent="-457200">
+            <a:pPr marL="457200" lvl="0" indent="-457200" algn="just">
               <a:buFont typeface="+mj-lt"/>
               <a:buAutoNum type="arabicPeriod"/>
             </a:pPr>
             <a:r>
-              <a:rPr lang="it-IT" sz="2000" dirty="0" smtClean="0"/>
+              <a:rPr lang="it-IT" sz="2000" dirty="0" smtClean="0">
+                <a:latin typeface="Times New Roman" panose="02020603050405020304" pitchFamily="18" charset="0"/>
+                <a:cs typeface="Times New Roman" panose="02020603050405020304" pitchFamily="18" charset="0"/>
+              </a:rPr>
               <a:t>Comparirà un messaggio in cui verrà richiesto all’utente se vuole continuare a fumare oppure no;</a:t>
             </a:r>
           </a:p>
           <a:p>
-            <a:pPr marL="457200" lvl="0" indent="-457200">
+            <a:pPr marL="457200" lvl="0" indent="-457200" algn="just">
               <a:buFont typeface="+mj-lt"/>
               <a:buAutoNum type="arabicPeriod"/>
             </a:pPr>
             <a:r>
-              <a:rPr lang="it-IT" sz="2000" dirty="0" smtClean="0"/>
+              <a:rPr lang="it-IT" sz="2000" dirty="0" smtClean="0">
+                <a:latin typeface="Times New Roman" panose="02020603050405020304" pitchFamily="18" charset="0"/>
+                <a:cs typeface="Times New Roman" panose="02020603050405020304" pitchFamily="18" charset="0"/>
+              </a:rPr>
               <a:t>Cliccare su “Yes” per vincere il premio “</a:t>
             </a:r>
             <a:r>
-              <a:rPr lang="it-IT" sz="2000" dirty="0" err="1" smtClean="0"/>
+              <a:rPr lang="it-IT" sz="2000" dirty="0" err="1" smtClean="0">
+                <a:latin typeface="Times New Roman" panose="02020603050405020304" pitchFamily="18" charset="0"/>
+                <a:cs typeface="Times New Roman" panose="02020603050405020304" pitchFamily="18" charset="0"/>
+              </a:rPr>
               <a:t>Defeat</a:t>
             </a:r>
             <a:r>
-              <a:rPr lang="it-IT" sz="2000" dirty="0" smtClean="0"/>
+              <a:rPr lang="it-IT" sz="2000" dirty="0" smtClean="0">
+                <a:latin typeface="Times New Roman" panose="02020603050405020304" pitchFamily="18" charset="0"/>
+                <a:cs typeface="Times New Roman" panose="02020603050405020304" pitchFamily="18" charset="0"/>
+              </a:rPr>
               <a:t> the </a:t>
             </a:r>
             <a:r>
-              <a:rPr lang="it-IT" sz="2000" dirty="0" err="1" smtClean="0"/>
+              <a:rPr lang="it-IT" sz="2000" dirty="0" err="1" smtClean="0">
+                <a:latin typeface="Times New Roman" panose="02020603050405020304" pitchFamily="18" charset="0"/>
+                <a:cs typeface="Times New Roman" panose="02020603050405020304" pitchFamily="18" charset="0"/>
+              </a:rPr>
               <a:t>temptation</a:t>
             </a:r>
             <a:r>
-              <a:rPr lang="it-IT" sz="2000" dirty="0" smtClean="0"/>
+              <a:rPr lang="it-IT" sz="2000" dirty="0" smtClean="0">
+                <a:latin typeface="Times New Roman" panose="02020603050405020304" pitchFamily="18" charset="0"/>
+                <a:cs typeface="Times New Roman" panose="02020603050405020304" pitchFamily="18" charset="0"/>
+              </a:rPr>
               <a:t>”;</a:t>
             </a:r>
           </a:p>
           <a:p>
-            <a:pPr marL="457200" lvl="0" indent="-457200">
+            <a:pPr marL="457200" lvl="0" indent="-457200" algn="just">
               <a:buFont typeface="+mj-lt"/>
               <a:buAutoNum type="arabicPeriod"/>
             </a:pPr>
             <a:r>
-              <a:rPr lang="it-IT" sz="2000" dirty="0" smtClean="0"/>
+              <a:rPr lang="it-IT" sz="2000" dirty="0" smtClean="0">
+                <a:latin typeface="Times New Roman" panose="02020603050405020304" pitchFamily="18" charset="0"/>
+                <a:cs typeface="Times New Roman" panose="02020603050405020304" pitchFamily="18" charset="0"/>
+              </a:rPr>
               <a:t>Si aprirà la schermata con il premio vinto;</a:t>
             </a:r>
           </a:p>
           <a:p>
-            <a:pPr marL="457200" lvl="0" indent="-457200">
+            <a:pPr marL="457200" lvl="0" indent="-457200" algn="just">
               <a:buFont typeface="+mj-lt"/>
               <a:buAutoNum type="arabicPeriod"/>
             </a:pPr>
             <a:r>
-              <a:rPr lang="it-IT" sz="2000" dirty="0" smtClean="0"/>
+              <a:rPr lang="it-IT" sz="2000" dirty="0" smtClean="0">
+                <a:latin typeface="Times New Roman" panose="02020603050405020304" pitchFamily="18" charset="0"/>
+                <a:cs typeface="Times New Roman" panose="02020603050405020304" pitchFamily="18" charset="0"/>
+              </a:rPr>
               <a:t>Cliccare su “Ok”</a:t>
             </a:r>
           </a:p>
           <a:p>
-            <a:pPr marL="457200" lvl="0" indent="-457200">
+            <a:pPr marL="457200" lvl="0" indent="-457200" algn="just">
               <a:buFont typeface="+mj-lt"/>
               <a:buAutoNum type="arabicPeriod"/>
             </a:pPr>
             <a:r>
-              <a:rPr lang="it-IT" sz="2000" dirty="0" smtClean="0"/>
+              <a:rPr lang="it-IT" sz="2000" dirty="0" smtClean="0">
+                <a:latin typeface="Times New Roman" panose="02020603050405020304" pitchFamily="18" charset="0"/>
+                <a:cs typeface="Times New Roman" panose="02020603050405020304" pitchFamily="18" charset="0"/>
+              </a:rPr>
               <a:t>Si verrà reindirizzati sulla Home </a:t>
             </a:r>
             <a:r>
-              <a:rPr lang="it-IT" sz="2000" dirty="0" err="1" smtClean="0"/>
+              <a:rPr lang="it-IT" sz="2000" dirty="0" err="1" smtClean="0">
+                <a:latin typeface="Times New Roman" panose="02020603050405020304" pitchFamily="18" charset="0"/>
+                <a:cs typeface="Times New Roman" panose="02020603050405020304" pitchFamily="18" charset="0"/>
+              </a:rPr>
               <a:t>page</a:t>
             </a:r>
             <a:r>
-              <a:rPr lang="it-IT" sz="2000" dirty="0" smtClean="0"/>
+              <a:rPr lang="it-IT" sz="2000" dirty="0" smtClean="0">
+                <a:latin typeface="Times New Roman" panose="02020603050405020304" pitchFamily="18" charset="0"/>
+                <a:cs typeface="Times New Roman" panose="02020603050405020304" pitchFamily="18" charset="0"/>
+              </a:rPr>
               <a:t>.</a:t>
             </a:r>
           </a:p>
           <a:p>
-            <a:pPr marL="457200" lvl="0" indent="-457200">
+            <a:pPr marL="457200" lvl="0" indent="-457200" algn="just">
               <a:buFont typeface="+mj-lt"/>
               <a:buAutoNum type="arabicPeriod"/>
             </a:pPr>
             <a:r>
-              <a:rPr lang="it-IT" sz="2000" dirty="0" smtClean="0"/>
+              <a:rPr lang="it-IT" sz="2000" dirty="0" smtClean="0">
+                <a:latin typeface="Times New Roman" panose="02020603050405020304" pitchFamily="18" charset="0"/>
+                <a:cs typeface="Times New Roman" panose="02020603050405020304" pitchFamily="18" charset="0"/>
+              </a:rPr>
               <a:t>Cliccare su “</a:t>
             </a:r>
             <a:r>
-              <a:rPr lang="it-IT" sz="2000" dirty="0" err="1" smtClean="0"/>
+              <a:rPr lang="it-IT" sz="2000" dirty="0" err="1" smtClean="0">
+                <a:latin typeface="Times New Roman" panose="02020603050405020304" pitchFamily="18" charset="0"/>
+                <a:cs typeface="Times New Roman" panose="02020603050405020304" pitchFamily="18" charset="0"/>
+              </a:rPr>
               <a:t>Achievements</a:t>
             </a:r>
             <a:r>
-              <a:rPr lang="it-IT" sz="2000" dirty="0" smtClean="0"/>
+              <a:rPr lang="it-IT" sz="2000" dirty="0" smtClean="0">
+                <a:latin typeface="Times New Roman" panose="02020603050405020304" pitchFamily="18" charset="0"/>
+                <a:cs typeface="Times New Roman" panose="02020603050405020304" pitchFamily="18" charset="0"/>
+              </a:rPr>
               <a:t>” per visualizzare la schermata con i premi vinti (“</a:t>
             </a:r>
             <a:r>
-              <a:rPr lang="it-IT" sz="2000" dirty="0" err="1" smtClean="0"/>
+              <a:rPr lang="it-IT" sz="2000" dirty="0" err="1" smtClean="0">
+                <a:latin typeface="Times New Roman" panose="02020603050405020304" pitchFamily="18" charset="0"/>
+                <a:cs typeface="Times New Roman" panose="02020603050405020304" pitchFamily="18" charset="0"/>
+              </a:rPr>
               <a:t>Defeat</a:t>
             </a:r>
             <a:r>
-              <a:rPr lang="it-IT" sz="2000" dirty="0" smtClean="0"/>
+              <a:rPr lang="it-IT" sz="2000" dirty="0" smtClean="0">
+                <a:latin typeface="Times New Roman" panose="02020603050405020304" pitchFamily="18" charset="0"/>
+                <a:cs typeface="Times New Roman" panose="02020603050405020304" pitchFamily="18" charset="0"/>
+              </a:rPr>
               <a:t> the </a:t>
             </a:r>
             <a:r>
-              <a:rPr lang="it-IT" sz="2000" dirty="0" err="1" smtClean="0"/>
+              <a:rPr lang="it-IT" sz="2000" dirty="0" err="1" smtClean="0">
+                <a:latin typeface="Times New Roman" panose="02020603050405020304" pitchFamily="18" charset="0"/>
+                <a:cs typeface="Times New Roman" panose="02020603050405020304" pitchFamily="18" charset="0"/>
+              </a:rPr>
               <a:t>temptation</a:t>
             </a:r>
             <a:r>
-              <a:rPr lang="it-IT" sz="2000" dirty="0" smtClean="0"/>
+              <a:rPr lang="it-IT" sz="2000" dirty="0" smtClean="0">
+                <a:latin typeface="Times New Roman" panose="02020603050405020304" pitchFamily="18" charset="0"/>
+                <a:cs typeface="Times New Roman" panose="02020603050405020304" pitchFamily="18" charset="0"/>
+              </a:rPr>
               <a:t>” sarà in evidenza rispetto agli altri).</a:t>
             </a:r>
-            <a:endParaRPr lang="it-IT" sz="2000" dirty="0"/>
+            <a:endParaRPr lang="it-IT" sz="2000" dirty="0">
+              <a:latin typeface="Times New Roman" panose="02020603050405020304" pitchFamily="18" charset="0"/>
+              <a:cs typeface="Times New Roman" panose="02020603050405020304" pitchFamily="18" charset="0"/>
+            </a:endParaRPr>
           </a:p>
         </p:txBody>
       </p:sp>
     </p:spTree>
     <p:extLst>
       <p:ext uri="{BB962C8B-B14F-4D97-AF65-F5344CB8AC3E}">
-        <p14:creationId xmlns="" xmlns:p14="http://schemas.microsoft.com/office/powerpoint/2010/main" val="2442419145"/>
+        <p14:creationId xmlns:p14="http://schemas.microsoft.com/office/powerpoint/2010/main" val="2442419145"/>
       </p:ext>
     </p:extLst>
   </p:cSld>
@@ -8599,232 +9002,355 @@
             </a:r>
           </a:p>
           <a:p>
-            <a:pPr marL="457200" lvl="0" indent="-457200">
+            <a:pPr marL="457200" lvl="0" indent="-457200" algn="just">
               <a:buFont typeface="+mj-lt"/>
               <a:buAutoNum type="arabicPeriod"/>
             </a:pPr>
             <a:r>
-              <a:rPr lang="it-IT" sz="2000" dirty="0" smtClean="0"/>
+              <a:rPr lang="it-IT" sz="2000" dirty="0" smtClean="0">
+                <a:latin typeface="Times New Roman" panose="02020603050405020304" pitchFamily="18" charset="0"/>
+                <a:cs typeface="Times New Roman" panose="02020603050405020304" pitchFamily="18" charset="0"/>
+              </a:rPr>
               <a:t>Cliccare sul pulsante “</a:t>
             </a:r>
             <a:r>
-              <a:rPr lang="it-IT" sz="2000" dirty="0" err="1" smtClean="0"/>
+              <a:rPr lang="it-IT" sz="2000" dirty="0" err="1" smtClean="0">
+                <a:latin typeface="Times New Roman" panose="02020603050405020304" pitchFamily="18" charset="0"/>
+                <a:cs typeface="Times New Roman" panose="02020603050405020304" pitchFamily="18" charset="0"/>
+              </a:rPr>
               <a:t>Add</a:t>
             </a:r>
             <a:r>
-              <a:rPr lang="it-IT" sz="2000" dirty="0" smtClean="0"/>
+              <a:rPr lang="it-IT" sz="2000" dirty="0" smtClean="0">
+                <a:latin typeface="Times New Roman" panose="02020603050405020304" pitchFamily="18" charset="0"/>
+                <a:cs typeface="Times New Roman" panose="02020603050405020304" pitchFamily="18" charset="0"/>
+              </a:rPr>
               <a:t> a </a:t>
             </a:r>
             <a:r>
-              <a:rPr lang="it-IT" sz="2000" dirty="0" err="1" smtClean="0"/>
+              <a:rPr lang="it-IT" sz="2000" dirty="0" err="1" smtClean="0">
+                <a:latin typeface="Times New Roman" panose="02020603050405020304" pitchFamily="18" charset="0"/>
+                <a:cs typeface="Times New Roman" panose="02020603050405020304" pitchFamily="18" charset="0"/>
+              </a:rPr>
               <a:t>cigarettes</a:t>
             </a:r>
             <a:r>
-              <a:rPr lang="it-IT" sz="2000" dirty="0" smtClean="0"/>
+              <a:rPr lang="it-IT" sz="2000" dirty="0" smtClean="0">
+                <a:latin typeface="Times New Roman" panose="02020603050405020304" pitchFamily="18" charset="0"/>
+                <a:cs typeface="Times New Roman" panose="02020603050405020304" pitchFamily="18" charset="0"/>
+              </a:rPr>
               <a:t>”;</a:t>
             </a:r>
           </a:p>
           <a:p>
-            <a:pPr marL="457200" lvl="0" indent="-457200">
+            <a:pPr marL="457200" lvl="0" indent="-457200" algn="just">
               <a:buFont typeface="+mj-lt"/>
               <a:buAutoNum type="arabicPeriod"/>
             </a:pPr>
             <a:r>
-              <a:rPr lang="it-IT" sz="2000" dirty="0" smtClean="0"/>
+              <a:rPr lang="it-IT" sz="2000" dirty="0" smtClean="0">
+                <a:latin typeface="Times New Roman" panose="02020603050405020304" pitchFamily="18" charset="0"/>
+                <a:cs typeface="Times New Roman" panose="02020603050405020304" pitchFamily="18" charset="0"/>
+              </a:rPr>
               <a:t>Il numero delle sigarette verrà incrementato di un’unità come mostrato sulla Home </a:t>
             </a:r>
             <a:r>
-              <a:rPr lang="it-IT" sz="2000" dirty="0" err="1" smtClean="0"/>
+              <a:rPr lang="it-IT" sz="2000" dirty="0" err="1" smtClean="0">
+                <a:latin typeface="Times New Roman" panose="02020603050405020304" pitchFamily="18" charset="0"/>
+                <a:cs typeface="Times New Roman" panose="02020603050405020304" pitchFamily="18" charset="0"/>
+              </a:rPr>
               <a:t>page</a:t>
             </a:r>
             <a:r>
-              <a:rPr lang="it-IT" sz="2000" dirty="0" smtClean="0"/>
+              <a:rPr lang="it-IT" sz="2000" dirty="0" smtClean="0">
+                <a:latin typeface="Times New Roman" panose="02020603050405020304" pitchFamily="18" charset="0"/>
+                <a:cs typeface="Times New Roman" panose="02020603050405020304" pitchFamily="18" charset="0"/>
+              </a:rPr>
               <a:t>;</a:t>
             </a:r>
           </a:p>
           <a:p>
-            <a:pPr marL="457200" lvl="0" indent="-457200">
+            <a:pPr marL="457200" lvl="0" indent="-457200" algn="just">
               <a:buFont typeface="+mj-lt"/>
               <a:buAutoNum type="arabicPeriod"/>
             </a:pPr>
             <a:r>
-              <a:rPr lang="it-IT" sz="2000" dirty="0" smtClean="0"/>
+              <a:rPr lang="it-IT" sz="2000" dirty="0" smtClean="0">
+                <a:latin typeface="Times New Roman" panose="02020603050405020304" pitchFamily="18" charset="0"/>
+                <a:cs typeface="Times New Roman" panose="02020603050405020304" pitchFamily="18" charset="0"/>
+              </a:rPr>
               <a:t>Cliccare per più di 10 volte;</a:t>
             </a:r>
           </a:p>
           <a:p>
-            <a:pPr marL="457200" lvl="0" indent="-457200">
+            <a:pPr marL="457200" lvl="0" indent="-457200" algn="just">
               <a:buFont typeface="+mj-lt"/>
               <a:buAutoNum type="arabicPeriod"/>
             </a:pPr>
             <a:r>
-              <a:rPr lang="it-IT" sz="2000" dirty="0" smtClean="0"/>
+              <a:rPr lang="it-IT" sz="2000" dirty="0" smtClean="0">
+                <a:latin typeface="Times New Roman" panose="02020603050405020304" pitchFamily="18" charset="0"/>
+                <a:cs typeface="Times New Roman" panose="02020603050405020304" pitchFamily="18" charset="0"/>
+              </a:rPr>
               <a:t>All’undicesima iterazione verrà mostrato un messaggio in cui verrà chiesto all’utente se vuole smettere di fumare per quel giorno oppure continuare;</a:t>
             </a:r>
           </a:p>
           <a:p>
-            <a:pPr marL="457200" lvl="0" indent="-457200">
+            <a:pPr marL="457200" lvl="0" indent="-457200" algn="just">
               <a:buFont typeface="+mj-lt"/>
               <a:buAutoNum type="arabicPeriod"/>
             </a:pPr>
             <a:r>
-              <a:rPr lang="it-IT" sz="2000" dirty="0" smtClean="0"/>
+              <a:rPr lang="it-IT" sz="2000" dirty="0" smtClean="0">
+                <a:latin typeface="Times New Roman" panose="02020603050405020304" pitchFamily="18" charset="0"/>
+                <a:cs typeface="Times New Roman" panose="02020603050405020304" pitchFamily="18" charset="0"/>
+              </a:rPr>
               <a:t>Cliccare su “Yes” per vincere il premio “</a:t>
             </a:r>
             <a:r>
-              <a:rPr lang="it-IT" sz="2000" dirty="0" err="1" smtClean="0"/>
+              <a:rPr lang="it-IT" sz="2000" dirty="0" err="1" smtClean="0">
+                <a:latin typeface="Times New Roman" panose="02020603050405020304" pitchFamily="18" charset="0"/>
+                <a:cs typeface="Times New Roman" panose="02020603050405020304" pitchFamily="18" charset="0"/>
+              </a:rPr>
               <a:t>Only</a:t>
             </a:r>
             <a:r>
-              <a:rPr lang="it-IT" sz="2000" dirty="0" smtClean="0"/>
+              <a:rPr lang="it-IT" sz="2000" dirty="0" smtClean="0">
+                <a:latin typeface="Times New Roman" panose="02020603050405020304" pitchFamily="18" charset="0"/>
+                <a:cs typeface="Times New Roman" panose="02020603050405020304" pitchFamily="18" charset="0"/>
+              </a:rPr>
               <a:t> 10 </a:t>
             </a:r>
             <a:r>
-              <a:rPr lang="it-IT" sz="2000" dirty="0" err="1" smtClean="0"/>
+              <a:rPr lang="it-IT" sz="2000" dirty="0" err="1" smtClean="0">
+                <a:latin typeface="Times New Roman" panose="02020603050405020304" pitchFamily="18" charset="0"/>
+                <a:cs typeface="Times New Roman" panose="02020603050405020304" pitchFamily="18" charset="0"/>
+              </a:rPr>
               <a:t>cigarettes</a:t>
             </a:r>
             <a:r>
-              <a:rPr lang="it-IT" sz="2000" dirty="0" smtClean="0"/>
+              <a:rPr lang="it-IT" sz="2000" dirty="0" smtClean="0">
+                <a:latin typeface="Times New Roman" panose="02020603050405020304" pitchFamily="18" charset="0"/>
+                <a:cs typeface="Times New Roman" panose="02020603050405020304" pitchFamily="18" charset="0"/>
+              </a:rPr>
               <a:t> </a:t>
             </a:r>
             <a:r>
-              <a:rPr lang="it-IT" sz="2000" dirty="0" err="1" smtClean="0"/>
+              <a:rPr lang="it-IT" sz="2000" dirty="0" err="1" smtClean="0">
+                <a:latin typeface="Times New Roman" panose="02020603050405020304" pitchFamily="18" charset="0"/>
+                <a:cs typeface="Times New Roman" panose="02020603050405020304" pitchFamily="18" charset="0"/>
+              </a:rPr>
               <a:t>smoked</a:t>
             </a:r>
             <a:r>
-              <a:rPr lang="it-IT" sz="2000" dirty="0" smtClean="0"/>
+              <a:rPr lang="it-IT" sz="2000" dirty="0" smtClean="0">
+                <a:latin typeface="Times New Roman" panose="02020603050405020304" pitchFamily="18" charset="0"/>
+                <a:cs typeface="Times New Roman" panose="02020603050405020304" pitchFamily="18" charset="0"/>
+              </a:rPr>
               <a:t>”;</a:t>
             </a:r>
           </a:p>
           <a:p>
-            <a:pPr marL="457200" lvl="0" indent="-457200">
+            <a:pPr marL="457200" lvl="0" indent="-457200" algn="just">
               <a:buFont typeface="+mj-lt"/>
               <a:buAutoNum type="arabicPeriod"/>
             </a:pPr>
             <a:r>
-              <a:rPr lang="it-IT" sz="2000" dirty="0" smtClean="0"/>
+              <a:rPr lang="it-IT" sz="2000" dirty="0" smtClean="0">
+                <a:latin typeface="Times New Roman" panose="02020603050405020304" pitchFamily="18" charset="0"/>
+                <a:cs typeface="Times New Roman" panose="02020603050405020304" pitchFamily="18" charset="0"/>
+              </a:rPr>
               <a:t>Si aprirà la schermata con il premio vinto;</a:t>
             </a:r>
           </a:p>
           <a:p>
-            <a:pPr marL="457200" lvl="0" indent="-457200">
+            <a:pPr marL="457200" lvl="0" indent="-457200" algn="just">
               <a:buFont typeface="+mj-lt"/>
               <a:buAutoNum type="arabicPeriod"/>
             </a:pPr>
             <a:r>
-              <a:rPr lang="it-IT" sz="2000" dirty="0" smtClean="0"/>
+              <a:rPr lang="it-IT" sz="2000" dirty="0" smtClean="0">
+                <a:latin typeface="Times New Roman" panose="02020603050405020304" pitchFamily="18" charset="0"/>
+                <a:cs typeface="Times New Roman" panose="02020603050405020304" pitchFamily="18" charset="0"/>
+              </a:rPr>
               <a:t>Cliccare su “Ok”;</a:t>
             </a:r>
           </a:p>
           <a:p>
-            <a:pPr marL="457200" lvl="0" indent="-457200">
+            <a:pPr marL="457200" lvl="0" indent="-457200" algn="just">
               <a:buFont typeface="+mj-lt"/>
               <a:buAutoNum type="arabicPeriod"/>
             </a:pPr>
             <a:r>
-              <a:rPr lang="it-IT" sz="2000" dirty="0" smtClean="0"/>
+              <a:rPr lang="it-IT" sz="2000" dirty="0" smtClean="0">
+                <a:latin typeface="Times New Roman" panose="02020603050405020304" pitchFamily="18" charset="0"/>
+                <a:cs typeface="Times New Roman" panose="02020603050405020304" pitchFamily="18" charset="0"/>
+              </a:rPr>
               <a:t>Si verrà reindirizzati sulla Home </a:t>
             </a:r>
             <a:r>
-              <a:rPr lang="it-IT" sz="2000" dirty="0" err="1" smtClean="0"/>
+              <a:rPr lang="it-IT" sz="2000" dirty="0" err="1" smtClean="0">
+                <a:latin typeface="Times New Roman" panose="02020603050405020304" pitchFamily="18" charset="0"/>
+                <a:cs typeface="Times New Roman" panose="02020603050405020304" pitchFamily="18" charset="0"/>
+              </a:rPr>
               <a:t>page</a:t>
             </a:r>
             <a:r>
-              <a:rPr lang="it-IT" sz="2000" dirty="0" smtClean="0"/>
+              <a:rPr lang="it-IT" sz="2000" dirty="0" smtClean="0">
+                <a:latin typeface="Times New Roman" panose="02020603050405020304" pitchFamily="18" charset="0"/>
+                <a:cs typeface="Times New Roman" panose="02020603050405020304" pitchFamily="18" charset="0"/>
+              </a:rPr>
               <a:t>.</a:t>
             </a:r>
           </a:p>
           <a:p>
-            <a:pPr marL="457200" lvl="0" indent="-457200">
+            <a:pPr marL="457200" lvl="0" indent="-457200" algn="just">
               <a:buFont typeface="+mj-lt"/>
               <a:buAutoNum type="arabicPeriod"/>
             </a:pPr>
             <a:r>
-              <a:rPr lang="it-IT" sz="2000" dirty="0" smtClean="0"/>
+              <a:rPr lang="it-IT" sz="2000" dirty="0" smtClean="0">
+                <a:latin typeface="Times New Roman" panose="02020603050405020304" pitchFamily="18" charset="0"/>
+                <a:cs typeface="Times New Roman" panose="02020603050405020304" pitchFamily="18" charset="0"/>
+              </a:rPr>
               <a:t>Il pulsante “</a:t>
             </a:r>
             <a:r>
-              <a:rPr lang="it-IT" sz="2000" dirty="0" err="1" smtClean="0"/>
+              <a:rPr lang="it-IT" sz="2000" dirty="0" err="1" smtClean="0">
+                <a:latin typeface="Times New Roman" panose="02020603050405020304" pitchFamily="18" charset="0"/>
+                <a:cs typeface="Times New Roman" panose="02020603050405020304" pitchFamily="18" charset="0"/>
+              </a:rPr>
               <a:t>Add</a:t>
             </a:r>
             <a:r>
-              <a:rPr lang="it-IT" sz="2000" dirty="0" smtClean="0"/>
+              <a:rPr lang="it-IT" sz="2000" dirty="0" smtClean="0">
+                <a:latin typeface="Times New Roman" panose="02020603050405020304" pitchFamily="18" charset="0"/>
+                <a:cs typeface="Times New Roman" panose="02020603050405020304" pitchFamily="18" charset="0"/>
+              </a:rPr>
               <a:t> a </a:t>
             </a:r>
             <a:r>
-              <a:rPr lang="it-IT" sz="2000" dirty="0" err="1" smtClean="0"/>
+              <a:rPr lang="it-IT" sz="2000" dirty="0" err="1" smtClean="0">
+                <a:latin typeface="Times New Roman" panose="02020603050405020304" pitchFamily="18" charset="0"/>
+                <a:cs typeface="Times New Roman" panose="02020603050405020304" pitchFamily="18" charset="0"/>
+              </a:rPr>
               <a:t>cigarette</a:t>
             </a:r>
             <a:r>
-              <a:rPr lang="it-IT" sz="2000" dirty="0" smtClean="0"/>
+              <a:rPr lang="it-IT" sz="2000" dirty="0" smtClean="0">
+                <a:latin typeface="Times New Roman" panose="02020603050405020304" pitchFamily="18" charset="0"/>
+                <a:cs typeface="Times New Roman" panose="02020603050405020304" pitchFamily="18" charset="0"/>
+              </a:rPr>
               <a:t>” adesso sarà rinominato in “No more </a:t>
             </a:r>
             <a:r>
-              <a:rPr lang="it-IT" sz="2000" dirty="0" err="1" smtClean="0"/>
+              <a:rPr lang="it-IT" sz="2000" dirty="0" err="1" smtClean="0">
+                <a:latin typeface="Times New Roman" panose="02020603050405020304" pitchFamily="18" charset="0"/>
+                <a:cs typeface="Times New Roman" panose="02020603050405020304" pitchFamily="18" charset="0"/>
+              </a:rPr>
               <a:t>adding</a:t>
             </a:r>
             <a:r>
-              <a:rPr lang="it-IT" sz="2000" dirty="0" smtClean="0"/>
+              <a:rPr lang="it-IT" sz="2000" dirty="0" smtClean="0">
+                <a:latin typeface="Times New Roman" panose="02020603050405020304" pitchFamily="18" charset="0"/>
+                <a:cs typeface="Times New Roman" panose="02020603050405020304" pitchFamily="18" charset="0"/>
+              </a:rPr>
               <a:t> </a:t>
             </a:r>
             <a:r>
-              <a:rPr lang="it-IT" sz="2000" dirty="0" err="1" smtClean="0"/>
+              <a:rPr lang="it-IT" sz="2000" dirty="0" err="1" smtClean="0">
+                <a:latin typeface="Times New Roman" panose="02020603050405020304" pitchFamily="18" charset="0"/>
+                <a:cs typeface="Times New Roman" panose="02020603050405020304" pitchFamily="18" charset="0"/>
+              </a:rPr>
               <a:t>cigarette</a:t>
             </a:r>
             <a:r>
-              <a:rPr lang="it-IT" sz="2000" dirty="0" smtClean="0"/>
+              <a:rPr lang="it-IT" sz="2000" dirty="0" smtClean="0">
+                <a:latin typeface="Times New Roman" panose="02020603050405020304" pitchFamily="18" charset="0"/>
+                <a:cs typeface="Times New Roman" panose="02020603050405020304" pitchFamily="18" charset="0"/>
+              </a:rPr>
               <a:t>”;</a:t>
             </a:r>
           </a:p>
           <a:p>
-            <a:pPr marL="457200" lvl="0" indent="-457200">
+            <a:pPr marL="457200" lvl="0" indent="-457200" algn="just">
               <a:buFont typeface="+mj-lt"/>
               <a:buAutoNum type="arabicPeriod"/>
             </a:pPr>
             <a:r>
-              <a:rPr lang="it-IT" sz="2000" dirty="0" smtClean="0"/>
+              <a:rPr lang="it-IT" sz="2000" dirty="0" smtClean="0">
+                <a:latin typeface="Times New Roman" panose="02020603050405020304" pitchFamily="18" charset="0"/>
+                <a:cs typeface="Times New Roman" panose="02020603050405020304" pitchFamily="18" charset="0"/>
+              </a:rPr>
               <a:t>Cliccare su “</a:t>
             </a:r>
             <a:r>
-              <a:rPr lang="it-IT" sz="2000" dirty="0" err="1" smtClean="0"/>
+              <a:rPr lang="it-IT" sz="2000" dirty="0" err="1" smtClean="0">
+                <a:latin typeface="Times New Roman" panose="02020603050405020304" pitchFamily="18" charset="0"/>
+                <a:cs typeface="Times New Roman" panose="02020603050405020304" pitchFamily="18" charset="0"/>
+              </a:rPr>
               <a:t>Achievements</a:t>
             </a:r>
             <a:r>
-              <a:rPr lang="it-IT" sz="2000" dirty="0" smtClean="0"/>
+              <a:rPr lang="it-IT" sz="2000" dirty="0" smtClean="0">
+                <a:latin typeface="Times New Roman" panose="02020603050405020304" pitchFamily="18" charset="0"/>
+                <a:cs typeface="Times New Roman" panose="02020603050405020304" pitchFamily="18" charset="0"/>
+              </a:rPr>
               <a:t>” per visualizzare la schermata con i premi vinti (“</a:t>
             </a:r>
             <a:r>
-              <a:rPr lang="it-IT" sz="2000" dirty="0" err="1" smtClean="0"/>
+              <a:rPr lang="it-IT" sz="2000" dirty="0" err="1" smtClean="0">
+                <a:latin typeface="Times New Roman" panose="02020603050405020304" pitchFamily="18" charset="0"/>
+                <a:cs typeface="Times New Roman" panose="02020603050405020304" pitchFamily="18" charset="0"/>
+              </a:rPr>
               <a:t>Only</a:t>
             </a:r>
             <a:r>
-              <a:rPr lang="it-IT" sz="2000" dirty="0" smtClean="0"/>
+              <a:rPr lang="it-IT" sz="2000" dirty="0" smtClean="0">
+                <a:latin typeface="Times New Roman" panose="02020603050405020304" pitchFamily="18" charset="0"/>
+                <a:cs typeface="Times New Roman" panose="02020603050405020304" pitchFamily="18" charset="0"/>
+              </a:rPr>
               <a:t> 10 </a:t>
             </a:r>
             <a:r>
-              <a:rPr lang="it-IT" sz="2000" dirty="0" err="1" smtClean="0"/>
+              <a:rPr lang="it-IT" sz="2000" dirty="0" err="1" smtClean="0">
+                <a:latin typeface="Times New Roman" panose="02020603050405020304" pitchFamily="18" charset="0"/>
+                <a:cs typeface="Times New Roman" panose="02020603050405020304" pitchFamily="18" charset="0"/>
+              </a:rPr>
               <a:t>cigarettes</a:t>
             </a:r>
             <a:r>
-              <a:rPr lang="it-IT" sz="2000" dirty="0" smtClean="0"/>
+              <a:rPr lang="it-IT" sz="2000" dirty="0" smtClean="0">
+                <a:latin typeface="Times New Roman" panose="02020603050405020304" pitchFamily="18" charset="0"/>
+                <a:cs typeface="Times New Roman" panose="02020603050405020304" pitchFamily="18" charset="0"/>
+              </a:rPr>
               <a:t> </a:t>
             </a:r>
             <a:r>
-              <a:rPr lang="it-IT" sz="2000" dirty="0" err="1" smtClean="0"/>
+              <a:rPr lang="it-IT" sz="2000" dirty="0" err="1" smtClean="0">
+                <a:latin typeface="Times New Roman" panose="02020603050405020304" pitchFamily="18" charset="0"/>
+                <a:cs typeface="Times New Roman" panose="02020603050405020304" pitchFamily="18" charset="0"/>
+              </a:rPr>
               <a:t>smoked</a:t>
             </a:r>
             <a:r>
-              <a:rPr lang="it-IT" sz="2000" dirty="0" smtClean="0"/>
+              <a:rPr lang="it-IT" sz="2000" dirty="0" smtClean="0">
+                <a:latin typeface="Times New Roman" panose="02020603050405020304" pitchFamily="18" charset="0"/>
+                <a:cs typeface="Times New Roman" panose="02020603050405020304" pitchFamily="18" charset="0"/>
+              </a:rPr>
               <a:t>” sarà in evidenza).</a:t>
             </a:r>
-            <a:endParaRPr lang="it-IT" sz="2000" dirty="0"/>
+            <a:endParaRPr lang="it-IT" sz="2000" dirty="0">
+              <a:latin typeface="Times New Roman" panose="02020603050405020304" pitchFamily="18" charset="0"/>
+              <a:cs typeface="Times New Roman" panose="02020603050405020304" pitchFamily="18" charset="0"/>
+            </a:endParaRPr>
           </a:p>
         </p:txBody>
       </p:sp>
     </p:spTree>
     <p:extLst>
       <p:ext uri="{BB962C8B-B14F-4D97-AF65-F5344CB8AC3E}">
-        <p14:creationId xmlns="" xmlns:p14="http://schemas.microsoft.com/office/powerpoint/2010/main" val="2442419145"/>
+        <p14:creationId xmlns:p14="http://schemas.microsoft.com/office/powerpoint/2010/main" val="2442419145"/>
       </p:ext>
     </p:extLst>
   </p:cSld>
@@ -8976,72 +9502,106 @@
             </a:r>
           </a:p>
           <a:p>
-            <a:r>
-              <a:rPr lang="it-IT" sz="2000" dirty="0" smtClean="0"/>
+            <a:pPr algn="just"/>
+            <a:r>
+              <a:rPr lang="it-IT" sz="2000" dirty="0" smtClean="0">
+                <a:latin typeface="Times New Roman" panose="02020603050405020304" pitchFamily="18" charset="0"/>
+                <a:cs typeface="Times New Roman" panose="02020603050405020304" pitchFamily="18" charset="0"/>
+              </a:rPr>
               <a:t>Ogni volta che si incrementa il numero di sigarette (quando l’obiettivo “</a:t>
             </a:r>
             <a:r>
-              <a:rPr lang="it-IT" sz="2000" dirty="0" err="1" smtClean="0"/>
+              <a:rPr lang="it-IT" sz="2000" dirty="0" err="1" smtClean="0">
+                <a:latin typeface="Times New Roman" panose="02020603050405020304" pitchFamily="18" charset="0"/>
+                <a:cs typeface="Times New Roman" panose="02020603050405020304" pitchFamily="18" charset="0"/>
+              </a:rPr>
               <a:t>Only</a:t>
             </a:r>
             <a:r>
-              <a:rPr lang="it-IT" sz="2000" dirty="0" smtClean="0"/>
+              <a:rPr lang="it-IT" sz="2000" dirty="0" smtClean="0">
+                <a:latin typeface="Times New Roman" panose="02020603050405020304" pitchFamily="18" charset="0"/>
+                <a:cs typeface="Times New Roman" panose="02020603050405020304" pitchFamily="18" charset="0"/>
+              </a:rPr>
               <a:t> 10 </a:t>
             </a:r>
             <a:r>
-              <a:rPr lang="it-IT" sz="2000" dirty="0" err="1" smtClean="0"/>
+              <a:rPr lang="it-IT" sz="2000" dirty="0" err="1" smtClean="0">
+                <a:latin typeface="Times New Roman" panose="02020603050405020304" pitchFamily="18" charset="0"/>
+                <a:cs typeface="Times New Roman" panose="02020603050405020304" pitchFamily="18" charset="0"/>
+              </a:rPr>
               <a:t>cigarettes</a:t>
             </a:r>
             <a:r>
-              <a:rPr lang="it-IT" sz="2000" dirty="0" smtClean="0"/>
+              <a:rPr lang="it-IT" sz="2000" dirty="0" smtClean="0">
+                <a:latin typeface="Times New Roman" panose="02020603050405020304" pitchFamily="18" charset="0"/>
+                <a:cs typeface="Times New Roman" panose="02020603050405020304" pitchFamily="18" charset="0"/>
+              </a:rPr>
               <a:t> </a:t>
             </a:r>
             <a:r>
-              <a:rPr lang="it-IT" sz="2000" dirty="0" err="1" smtClean="0"/>
+              <a:rPr lang="it-IT" sz="2000" dirty="0" err="1" smtClean="0">
+                <a:latin typeface="Times New Roman" panose="02020603050405020304" pitchFamily="18" charset="0"/>
+                <a:cs typeface="Times New Roman" panose="02020603050405020304" pitchFamily="18" charset="0"/>
+              </a:rPr>
               <a:t>smoked</a:t>
             </a:r>
             <a:r>
-              <a:rPr lang="it-IT" sz="2000" dirty="0" smtClean="0"/>
+              <a:rPr lang="it-IT" sz="2000" dirty="0" smtClean="0">
+                <a:latin typeface="Times New Roman" panose="02020603050405020304" pitchFamily="18" charset="0"/>
+                <a:cs typeface="Times New Roman" panose="02020603050405020304" pitchFamily="18" charset="0"/>
+              </a:rPr>
               <a:t>” è selezionato), il valore in percentuale dell’obiettivo scelto verrà incrementato:</a:t>
             </a:r>
           </a:p>
           <a:p>
-            <a:pPr marL="457200" lvl="0" indent="-457200">
+            <a:pPr marL="457200" lvl="0" indent="-457200" algn="just">
               <a:buFont typeface="+mj-lt"/>
               <a:buAutoNum type="arabicPeriod"/>
             </a:pPr>
             <a:r>
-              <a:rPr lang="it-IT" sz="2000" dirty="0" smtClean="0"/>
+              <a:rPr lang="it-IT" sz="2000" dirty="0" smtClean="0">
+                <a:latin typeface="Times New Roman" panose="02020603050405020304" pitchFamily="18" charset="0"/>
+                <a:cs typeface="Times New Roman" panose="02020603050405020304" pitchFamily="18" charset="0"/>
+              </a:rPr>
               <a:t>Cliccare sul menù a tendina in alto;</a:t>
             </a:r>
           </a:p>
           <a:p>
-            <a:pPr marL="457200" lvl="0" indent="-457200">
+            <a:pPr marL="457200" lvl="0" indent="-457200" algn="just">
               <a:buFont typeface="+mj-lt"/>
               <a:buAutoNum type="arabicPeriod"/>
             </a:pPr>
             <a:r>
-              <a:rPr lang="it-IT" sz="2000" dirty="0" smtClean="0"/>
+              <a:rPr lang="it-IT" sz="2000" dirty="0" smtClean="0">
+                <a:latin typeface="Times New Roman" panose="02020603050405020304" pitchFamily="18" charset="0"/>
+                <a:cs typeface="Times New Roman" panose="02020603050405020304" pitchFamily="18" charset="0"/>
+              </a:rPr>
               <a:t>Cliccare su “Progress”;</a:t>
             </a:r>
           </a:p>
           <a:p>
-            <a:pPr marL="457200" lvl="0" indent="-457200">
+            <a:pPr marL="457200" lvl="0" indent="-457200" algn="just">
               <a:buFont typeface="+mj-lt"/>
               <a:buAutoNum type="arabicPeriod"/>
             </a:pPr>
             <a:r>
-              <a:rPr lang="it-IT" sz="2000" dirty="0" smtClean="0"/>
+              <a:rPr lang="it-IT" sz="2000" dirty="0" smtClean="0">
+                <a:latin typeface="Times New Roman" panose="02020603050405020304" pitchFamily="18" charset="0"/>
+                <a:cs typeface="Times New Roman" panose="02020603050405020304" pitchFamily="18" charset="0"/>
+              </a:rPr>
               <a:t>Il valore in percentuale aumenterà finché non giungerà a 100%.</a:t>
             </a:r>
-            <a:endParaRPr lang="it-IT" sz="2000" dirty="0"/>
+            <a:endParaRPr lang="it-IT" sz="2000" dirty="0">
+              <a:latin typeface="Times New Roman" panose="02020603050405020304" pitchFamily="18" charset="0"/>
+              <a:cs typeface="Times New Roman" panose="02020603050405020304" pitchFamily="18" charset="0"/>
+            </a:endParaRPr>
           </a:p>
         </p:txBody>
       </p:sp>
     </p:spTree>
     <p:extLst>
       <p:ext uri="{BB962C8B-B14F-4D97-AF65-F5344CB8AC3E}">
-        <p14:creationId xmlns="" xmlns:p14="http://schemas.microsoft.com/office/powerpoint/2010/main" val="2442419145"/>
+        <p14:creationId xmlns:p14="http://schemas.microsoft.com/office/powerpoint/2010/main" val="2442419145"/>
       </p:ext>
     </p:extLst>
   </p:cSld>
@@ -9235,162 +9795,246 @@
             </a:r>
           </a:p>
           <a:p>
-            <a:pPr marL="457200" lvl="0" indent="-457200">
+            <a:pPr marL="457200" lvl="0" indent="-457200" algn="just">
               <a:buFont typeface="+mj-lt"/>
               <a:buAutoNum type="arabicPeriod"/>
             </a:pPr>
             <a:r>
-              <a:rPr lang="it-IT" sz="2000" dirty="0" smtClean="0"/>
+              <a:rPr lang="it-IT" sz="2000" dirty="0" smtClean="0">
+                <a:latin typeface="Times New Roman" panose="02020603050405020304" pitchFamily="18" charset="0"/>
+                <a:cs typeface="Times New Roman" panose="02020603050405020304" pitchFamily="18" charset="0"/>
+              </a:rPr>
               <a:t>Cliccare sul pulsante “No more </a:t>
             </a:r>
             <a:r>
-              <a:rPr lang="it-IT" sz="2000" dirty="0" err="1" smtClean="0"/>
+              <a:rPr lang="it-IT" sz="2000" dirty="0" err="1" smtClean="0">
+                <a:latin typeface="Times New Roman" panose="02020603050405020304" pitchFamily="18" charset="0"/>
+                <a:cs typeface="Times New Roman" panose="02020603050405020304" pitchFamily="18" charset="0"/>
+              </a:rPr>
               <a:t>adding</a:t>
             </a:r>
             <a:r>
-              <a:rPr lang="it-IT" sz="2000" dirty="0" smtClean="0"/>
+              <a:rPr lang="it-IT" sz="2000" dirty="0" smtClean="0">
+                <a:latin typeface="Times New Roman" panose="02020603050405020304" pitchFamily="18" charset="0"/>
+                <a:cs typeface="Times New Roman" panose="02020603050405020304" pitchFamily="18" charset="0"/>
+              </a:rPr>
               <a:t> </a:t>
             </a:r>
             <a:r>
-              <a:rPr lang="it-IT" sz="2000" dirty="0" err="1" smtClean="0"/>
+              <a:rPr lang="it-IT" sz="2000" dirty="0" err="1" smtClean="0">
+                <a:latin typeface="Times New Roman" panose="02020603050405020304" pitchFamily="18" charset="0"/>
+                <a:cs typeface="Times New Roman" panose="02020603050405020304" pitchFamily="18" charset="0"/>
+              </a:rPr>
               <a:t>cigarette</a:t>
             </a:r>
             <a:r>
-              <a:rPr lang="it-IT" sz="2000" dirty="0" smtClean="0"/>
+              <a:rPr lang="it-IT" sz="2000" dirty="0" smtClean="0">
+                <a:latin typeface="Times New Roman" panose="02020603050405020304" pitchFamily="18" charset="0"/>
+                <a:cs typeface="Times New Roman" panose="02020603050405020304" pitchFamily="18" charset="0"/>
+              </a:rPr>
               <a:t>”;</a:t>
             </a:r>
           </a:p>
           <a:p>
-            <a:pPr marL="457200" lvl="0" indent="-457200">
+            <a:pPr marL="457200" lvl="0" indent="-457200" algn="just">
               <a:buFont typeface="+mj-lt"/>
               <a:buAutoNum type="arabicPeriod"/>
             </a:pPr>
             <a:r>
-              <a:rPr lang="it-IT" sz="2000" dirty="0" smtClean="0"/>
+              <a:rPr lang="it-IT" sz="2000" dirty="0" smtClean="0">
+                <a:latin typeface="Times New Roman" panose="02020603050405020304" pitchFamily="18" charset="0"/>
+                <a:cs typeface="Times New Roman" panose="02020603050405020304" pitchFamily="18" charset="0"/>
+              </a:rPr>
               <a:t>Verrà visualizzato un messaggio in cui verrà richiesto all’utente se vuole continuare (perdendo il premio vinto quel giorno);</a:t>
             </a:r>
           </a:p>
           <a:p>
-            <a:pPr marL="457200" lvl="0" indent="-457200">
+            <a:pPr marL="457200" lvl="0" indent="-457200" algn="just">
               <a:buFont typeface="+mj-lt"/>
               <a:buAutoNum type="arabicPeriod"/>
             </a:pPr>
             <a:r>
-              <a:rPr lang="it-IT" sz="2000" dirty="0" smtClean="0"/>
+              <a:rPr lang="it-IT" sz="2000" dirty="0" smtClean="0">
+                <a:latin typeface="Times New Roman" panose="02020603050405020304" pitchFamily="18" charset="0"/>
+                <a:cs typeface="Times New Roman" panose="02020603050405020304" pitchFamily="18" charset="0"/>
+              </a:rPr>
               <a:t>Cliccare su “Yes”;</a:t>
             </a:r>
           </a:p>
           <a:p>
-            <a:pPr marL="457200" lvl="0" indent="-457200">
+            <a:pPr marL="457200" lvl="0" indent="-457200" algn="just">
               <a:buFont typeface="+mj-lt"/>
               <a:buAutoNum type="arabicPeriod"/>
             </a:pPr>
             <a:r>
-              <a:rPr lang="it-IT" sz="2000" dirty="0" smtClean="0"/>
+              <a:rPr lang="it-IT" sz="2000" dirty="0" smtClean="0">
+                <a:latin typeface="Times New Roman" panose="02020603050405020304" pitchFamily="18" charset="0"/>
+                <a:cs typeface="Times New Roman" panose="02020603050405020304" pitchFamily="18" charset="0"/>
+              </a:rPr>
               <a:t>Si aprirà la schermata con la notifica che il premio “</a:t>
             </a:r>
             <a:r>
-              <a:rPr lang="it-IT" sz="2000" dirty="0" err="1" smtClean="0"/>
+              <a:rPr lang="it-IT" sz="2000" dirty="0" err="1" smtClean="0">
+                <a:latin typeface="Times New Roman" panose="02020603050405020304" pitchFamily="18" charset="0"/>
+                <a:cs typeface="Times New Roman" panose="02020603050405020304" pitchFamily="18" charset="0"/>
+              </a:rPr>
               <a:t>Only</a:t>
             </a:r>
             <a:r>
-              <a:rPr lang="it-IT" sz="2000" dirty="0" smtClean="0"/>
+              <a:rPr lang="it-IT" sz="2000" dirty="0" smtClean="0">
+                <a:latin typeface="Times New Roman" panose="02020603050405020304" pitchFamily="18" charset="0"/>
+                <a:cs typeface="Times New Roman" panose="02020603050405020304" pitchFamily="18" charset="0"/>
+              </a:rPr>
               <a:t> 10 </a:t>
             </a:r>
             <a:r>
-              <a:rPr lang="it-IT" sz="2000" dirty="0" err="1" smtClean="0"/>
+              <a:rPr lang="it-IT" sz="2000" dirty="0" err="1" smtClean="0">
+                <a:latin typeface="Times New Roman" panose="02020603050405020304" pitchFamily="18" charset="0"/>
+                <a:cs typeface="Times New Roman" panose="02020603050405020304" pitchFamily="18" charset="0"/>
+              </a:rPr>
               <a:t>cigarettes</a:t>
             </a:r>
             <a:r>
-              <a:rPr lang="it-IT" sz="2000" dirty="0" smtClean="0"/>
+              <a:rPr lang="it-IT" sz="2000" dirty="0" smtClean="0">
+                <a:latin typeface="Times New Roman" panose="02020603050405020304" pitchFamily="18" charset="0"/>
+                <a:cs typeface="Times New Roman" panose="02020603050405020304" pitchFamily="18" charset="0"/>
+              </a:rPr>
               <a:t> </a:t>
             </a:r>
             <a:r>
-              <a:rPr lang="it-IT" sz="2000" dirty="0" err="1" smtClean="0"/>
+              <a:rPr lang="it-IT" sz="2000" dirty="0" err="1" smtClean="0">
+                <a:latin typeface="Times New Roman" panose="02020603050405020304" pitchFamily="18" charset="0"/>
+                <a:cs typeface="Times New Roman" panose="02020603050405020304" pitchFamily="18" charset="0"/>
+              </a:rPr>
               <a:t>smoked</a:t>
             </a:r>
             <a:r>
-              <a:rPr lang="it-IT" sz="2000" dirty="0" smtClean="0"/>
+              <a:rPr lang="it-IT" sz="2000" dirty="0" smtClean="0">
+                <a:latin typeface="Times New Roman" panose="02020603050405020304" pitchFamily="18" charset="0"/>
+                <a:cs typeface="Times New Roman" panose="02020603050405020304" pitchFamily="18" charset="0"/>
+              </a:rPr>
               <a:t>” è andato perso;</a:t>
             </a:r>
           </a:p>
           <a:p>
-            <a:pPr marL="457200" lvl="0" indent="-457200">
+            <a:pPr marL="457200" lvl="0" indent="-457200" algn="just">
               <a:buFont typeface="+mj-lt"/>
               <a:buAutoNum type="arabicPeriod"/>
             </a:pPr>
             <a:r>
-              <a:rPr lang="it-IT" sz="2000" dirty="0" smtClean="0"/>
+              <a:rPr lang="it-IT" sz="2000" dirty="0" smtClean="0">
+                <a:latin typeface="Times New Roman" panose="02020603050405020304" pitchFamily="18" charset="0"/>
+                <a:cs typeface="Times New Roman" panose="02020603050405020304" pitchFamily="18" charset="0"/>
+              </a:rPr>
               <a:t>Cliccare su “Ok”;</a:t>
             </a:r>
           </a:p>
           <a:p>
-            <a:pPr marL="457200" lvl="0" indent="-457200">
+            <a:pPr marL="457200" lvl="0" indent="-457200" algn="just">
               <a:buFont typeface="+mj-lt"/>
               <a:buAutoNum type="arabicPeriod"/>
             </a:pPr>
             <a:r>
-              <a:rPr lang="it-IT" sz="2000" dirty="0" smtClean="0"/>
+              <a:rPr lang="it-IT" sz="2000" dirty="0" smtClean="0">
+                <a:latin typeface="Times New Roman" panose="02020603050405020304" pitchFamily="18" charset="0"/>
+                <a:cs typeface="Times New Roman" panose="02020603050405020304" pitchFamily="18" charset="0"/>
+              </a:rPr>
               <a:t>Si verrà reindirizzati sulla Home </a:t>
             </a:r>
             <a:r>
-              <a:rPr lang="it-IT" sz="2000" dirty="0" err="1" smtClean="0"/>
+              <a:rPr lang="it-IT" sz="2000" dirty="0" err="1" smtClean="0">
+                <a:latin typeface="Times New Roman" panose="02020603050405020304" pitchFamily="18" charset="0"/>
+                <a:cs typeface="Times New Roman" panose="02020603050405020304" pitchFamily="18" charset="0"/>
+              </a:rPr>
               <a:t>page</a:t>
             </a:r>
             <a:r>
-              <a:rPr lang="it-IT" sz="2000" dirty="0" smtClean="0"/>
+              <a:rPr lang="it-IT" sz="2000" dirty="0" smtClean="0">
+                <a:latin typeface="Times New Roman" panose="02020603050405020304" pitchFamily="18" charset="0"/>
+                <a:cs typeface="Times New Roman" panose="02020603050405020304" pitchFamily="18" charset="0"/>
+              </a:rPr>
               <a:t>.</a:t>
             </a:r>
           </a:p>
           <a:p>
-            <a:pPr marL="457200" lvl="0" indent="-457200">
+            <a:pPr marL="457200" lvl="0" indent="-457200" algn="just">
               <a:buFont typeface="+mj-lt"/>
               <a:buAutoNum type="arabicPeriod"/>
             </a:pPr>
             <a:r>
-              <a:rPr lang="it-IT" sz="2000" dirty="0" smtClean="0"/>
+              <a:rPr lang="it-IT" sz="2000" dirty="0" smtClean="0">
+                <a:latin typeface="Times New Roman" panose="02020603050405020304" pitchFamily="18" charset="0"/>
+                <a:cs typeface="Times New Roman" panose="02020603050405020304" pitchFamily="18" charset="0"/>
+              </a:rPr>
               <a:t>Cliccare su “</a:t>
             </a:r>
             <a:r>
-              <a:rPr lang="it-IT" sz="2000" dirty="0" err="1" smtClean="0"/>
+              <a:rPr lang="it-IT" sz="2000" dirty="0" err="1" smtClean="0">
+                <a:latin typeface="Times New Roman" panose="02020603050405020304" pitchFamily="18" charset="0"/>
+                <a:cs typeface="Times New Roman" panose="02020603050405020304" pitchFamily="18" charset="0"/>
+              </a:rPr>
               <a:t>Achievements</a:t>
             </a:r>
             <a:r>
-              <a:rPr lang="it-IT" sz="2000" dirty="0" smtClean="0"/>
+              <a:rPr lang="it-IT" sz="2000" dirty="0" smtClean="0">
+                <a:latin typeface="Times New Roman" panose="02020603050405020304" pitchFamily="18" charset="0"/>
+                <a:cs typeface="Times New Roman" panose="02020603050405020304" pitchFamily="18" charset="0"/>
+              </a:rPr>
               <a:t>” per visualizzare la schermata con i premi vinti (“</a:t>
             </a:r>
             <a:r>
-              <a:rPr lang="it-IT" sz="2000" dirty="0" err="1" smtClean="0"/>
+              <a:rPr lang="it-IT" sz="2000" dirty="0" err="1" smtClean="0">
+                <a:latin typeface="Times New Roman" panose="02020603050405020304" pitchFamily="18" charset="0"/>
+                <a:cs typeface="Times New Roman" panose="02020603050405020304" pitchFamily="18" charset="0"/>
+              </a:rPr>
               <a:t>Only</a:t>
             </a:r>
             <a:r>
-              <a:rPr lang="it-IT" sz="2000" dirty="0" smtClean="0"/>
+              <a:rPr lang="it-IT" sz="2000" dirty="0" smtClean="0">
+                <a:latin typeface="Times New Roman" panose="02020603050405020304" pitchFamily="18" charset="0"/>
+                <a:cs typeface="Times New Roman" panose="02020603050405020304" pitchFamily="18" charset="0"/>
+              </a:rPr>
               <a:t> 10 </a:t>
             </a:r>
             <a:r>
-              <a:rPr lang="it-IT" sz="2000" dirty="0" err="1" smtClean="0"/>
+              <a:rPr lang="it-IT" sz="2000" dirty="0" err="1" smtClean="0">
+                <a:latin typeface="Times New Roman" panose="02020603050405020304" pitchFamily="18" charset="0"/>
+                <a:cs typeface="Times New Roman" panose="02020603050405020304" pitchFamily="18" charset="0"/>
+              </a:rPr>
               <a:t>cigarettes</a:t>
             </a:r>
             <a:r>
-              <a:rPr lang="it-IT" sz="2000" dirty="0" smtClean="0"/>
+              <a:rPr lang="it-IT" sz="2000" dirty="0" smtClean="0">
+                <a:latin typeface="Times New Roman" panose="02020603050405020304" pitchFamily="18" charset="0"/>
+                <a:cs typeface="Times New Roman" panose="02020603050405020304" pitchFamily="18" charset="0"/>
+              </a:rPr>
               <a:t> </a:t>
             </a:r>
             <a:r>
-              <a:rPr lang="it-IT" sz="2000" dirty="0" err="1" smtClean="0"/>
+              <a:rPr lang="it-IT" sz="2000" dirty="0" err="1" smtClean="0">
+                <a:latin typeface="Times New Roman" panose="02020603050405020304" pitchFamily="18" charset="0"/>
+                <a:cs typeface="Times New Roman" panose="02020603050405020304" pitchFamily="18" charset="0"/>
+              </a:rPr>
               <a:t>smoked</a:t>
             </a:r>
             <a:r>
-              <a:rPr lang="it-IT" sz="2000" dirty="0" smtClean="0"/>
+              <a:rPr lang="it-IT" sz="2000" dirty="0" smtClean="0">
+                <a:latin typeface="Times New Roman" panose="02020603050405020304" pitchFamily="18" charset="0"/>
+                <a:cs typeface="Times New Roman" panose="02020603050405020304" pitchFamily="18" charset="0"/>
+              </a:rPr>
               <a:t>” non sarà più in evidenza).</a:t>
             </a:r>
-            <a:endParaRPr lang="it-IT" sz="2000" dirty="0"/>
+            <a:endParaRPr lang="it-IT" sz="2000" dirty="0">
+              <a:latin typeface="Times New Roman" panose="02020603050405020304" pitchFamily="18" charset="0"/>
+              <a:cs typeface="Times New Roman" panose="02020603050405020304" pitchFamily="18" charset="0"/>
+            </a:endParaRPr>
           </a:p>
         </p:txBody>
       </p:sp>
     </p:spTree>
     <p:extLst>
       <p:ext uri="{BB962C8B-B14F-4D97-AF65-F5344CB8AC3E}">
-        <p14:creationId xmlns="" xmlns:p14="http://schemas.microsoft.com/office/powerpoint/2010/main" val="2442419145"/>
+        <p14:creationId xmlns:p14="http://schemas.microsoft.com/office/powerpoint/2010/main" val="2442419145"/>
       </p:ext>
     </p:extLst>
   </p:cSld>
@@ -9536,7 +10180,21 @@
                 <a:latin typeface="Times New Roman" panose="02020603050405020304" pitchFamily="18" charset="0"/>
                 <a:cs typeface="Times New Roman" panose="02020603050405020304" pitchFamily="18" charset="0"/>
               </a:rPr>
-              <a:t> </a:t>
+              <a:t> è un’</a:t>
+            </a:r>
+            <a:r>
+              <a:rPr lang="it-IT" sz="2500" dirty="0" err="1" smtClean="0">
+                <a:latin typeface="Times New Roman" panose="02020603050405020304" pitchFamily="18" charset="0"/>
+                <a:cs typeface="Times New Roman" panose="02020603050405020304" pitchFamily="18" charset="0"/>
+              </a:rPr>
+              <a:t>app</a:t>
+            </a:r>
+            <a:r>
+              <a:rPr lang="it-IT" sz="2500" dirty="0" smtClean="0">
+                <a:latin typeface="Times New Roman" panose="02020603050405020304" pitchFamily="18" charset="0"/>
+                <a:cs typeface="Times New Roman" panose="02020603050405020304" pitchFamily="18" charset="0"/>
+              </a:rPr>
+              <a:t> che </a:t>
             </a:r>
             <a:r>
               <a:rPr lang="it-IT" sz="2500" dirty="0">
@@ -9551,7 +10209,7 @@
     </p:spTree>
     <p:extLst>
       <p:ext uri="{BB962C8B-B14F-4D97-AF65-F5344CB8AC3E}">
-        <p14:creationId xmlns="" xmlns:p14="http://schemas.microsoft.com/office/powerpoint/2010/main" val="2477898856"/>
+        <p14:creationId xmlns:p14="http://schemas.microsoft.com/office/powerpoint/2010/main" val="2477898856"/>
       </p:ext>
     </p:extLst>
   </p:cSld>
@@ -9779,59 +10437,62 @@
           </a:bodyPr>
           <a:lstStyle/>
           <a:p>
-            <a:pPr lvl="0">
+            <a:pPr lvl="0" algn="just">
               <a:buFontTx/>
               <a:buChar char="-"/>
             </a:pPr>
             <a:r>
               <a:rPr lang="it-IT" sz="2000" dirty="0" smtClean="0"/>
-              <a:t> Fase </a:t>
-            </a:r>
-            <a:r>
-              <a:rPr lang="it-IT" sz="2000" dirty="0" smtClean="0"/>
-              <a:t>di registrazione: navigazione nel pannello dinamico poco </a:t>
-            </a:r>
-            <a:r>
-              <a:rPr lang="it-IT" sz="2000" dirty="0" smtClean="0"/>
-              <a:t>intuitiva.</a:t>
-            </a:r>
-          </a:p>
-          <a:p>
-            <a:pPr lvl="0">
+              <a:t> </a:t>
+            </a:r>
+            <a:r>
+              <a:rPr lang="it-IT" sz="2000" dirty="0" smtClean="0">
+                <a:latin typeface="Times New Roman" panose="02020603050405020304" pitchFamily="18" charset="0"/>
+                <a:cs typeface="Times New Roman" panose="02020603050405020304" pitchFamily="18" charset="0"/>
+              </a:rPr>
+              <a:t>Fase di registrazione: navigazione nel pannello dinamico poco intuitiva.</a:t>
+            </a:r>
+          </a:p>
+          <a:p>
+            <a:pPr lvl="0" algn="just">
               <a:buFontTx/>
               <a:buChar char="-"/>
             </a:pPr>
-            <a:endParaRPr lang="it-IT" sz="2000" dirty="0" smtClean="0"/>
-          </a:p>
-          <a:p>
-            <a:pPr lvl="0">
+            <a:endParaRPr lang="it-IT" sz="2000" dirty="0" smtClean="0">
+              <a:latin typeface="Times New Roman" panose="02020603050405020304" pitchFamily="18" charset="0"/>
+              <a:cs typeface="Times New Roman" panose="02020603050405020304" pitchFamily="18" charset="0"/>
+            </a:endParaRPr>
+          </a:p>
+          <a:p>
+            <a:pPr lvl="0" algn="just">
               <a:buFontTx/>
               <a:buChar char="-"/>
             </a:pPr>
-            <a:endParaRPr lang="it-IT" sz="2000" dirty="0" smtClean="0"/>
-          </a:p>
-          <a:p>
-            <a:pPr lvl="0"/>
-            <a:r>
-              <a:rPr lang="it-IT" sz="2000" dirty="0" smtClean="0"/>
-              <a:t>- Arrivato </a:t>
-            </a:r>
-            <a:r>
-              <a:rPr lang="it-IT" sz="2000" dirty="0" smtClean="0"/>
-              <a:t>alla schermata della Home, non è risultato chiaro il suo contenuto e ciò ha creato delle difficoltà nell’utilizzo </a:t>
-            </a:r>
-            <a:r>
-              <a:rPr lang="it-IT" sz="2000" dirty="0" smtClean="0"/>
-              <a:t>dell’app.</a:t>
-            </a:r>
-            <a:endParaRPr lang="it-IT" sz="2000" dirty="0"/>
+            <a:endParaRPr lang="it-IT" sz="2000" dirty="0" smtClean="0">
+              <a:latin typeface="Times New Roman" panose="02020603050405020304" pitchFamily="18" charset="0"/>
+              <a:cs typeface="Times New Roman" panose="02020603050405020304" pitchFamily="18" charset="0"/>
+            </a:endParaRPr>
+          </a:p>
+          <a:p>
+            <a:pPr lvl="0" algn="just"/>
+            <a:r>
+              <a:rPr lang="it-IT" sz="2000" dirty="0" smtClean="0">
+                <a:latin typeface="Times New Roman" panose="02020603050405020304" pitchFamily="18" charset="0"/>
+                <a:cs typeface="Times New Roman" panose="02020603050405020304" pitchFamily="18" charset="0"/>
+              </a:rPr>
+              <a:t>- Arrivato alla schermata della Home, non è risultato chiaro il suo contenuto e ciò ha creato delle difficoltà nell’utilizzo dell’app.</a:t>
+            </a:r>
+            <a:endParaRPr lang="it-IT" sz="2000" dirty="0">
+              <a:latin typeface="Times New Roman" panose="02020603050405020304" pitchFamily="18" charset="0"/>
+              <a:cs typeface="Times New Roman" panose="02020603050405020304" pitchFamily="18" charset="0"/>
+            </a:endParaRPr>
           </a:p>
         </p:txBody>
       </p:sp>
     </p:spTree>
     <p:extLst>
       <p:ext uri="{BB962C8B-B14F-4D97-AF65-F5344CB8AC3E}">
-        <p14:creationId xmlns="" xmlns:p14="http://schemas.microsoft.com/office/powerpoint/2010/main" val="2442419145"/>
+        <p14:creationId xmlns:p14="http://schemas.microsoft.com/office/powerpoint/2010/main" val="2442419145"/>
       </p:ext>
     </p:extLst>
   </p:cSld>
@@ -10009,7 +10670,7 @@
     </p:spTree>
     <p:extLst>
       <p:ext uri="{BB962C8B-B14F-4D97-AF65-F5344CB8AC3E}">
-        <p14:creationId xmlns="" xmlns:p14="http://schemas.microsoft.com/office/powerpoint/2010/main" val="2442419145"/>
+        <p14:creationId xmlns:p14="http://schemas.microsoft.com/office/powerpoint/2010/main" val="2442419145"/>
       </p:ext>
     </p:extLst>
   </p:cSld>
@@ -10187,7 +10848,7 @@
     </p:spTree>
     <p:extLst>
       <p:ext uri="{BB962C8B-B14F-4D97-AF65-F5344CB8AC3E}">
-        <p14:creationId xmlns="" xmlns:p14="http://schemas.microsoft.com/office/powerpoint/2010/main" val="2442419145"/>
+        <p14:creationId xmlns:p14="http://schemas.microsoft.com/office/powerpoint/2010/main" val="2442419145"/>
       </p:ext>
     </p:extLst>
   </p:cSld>
@@ -10358,18 +11019,20 @@
               <a:buAutoNum type="arabicPeriod"/>
             </a:pPr>
             <a:r>
-              <a:rPr lang="it-IT" sz="2000" dirty="0" smtClean="0"/>
+              <a:rPr lang="it-IT" sz="2000" dirty="0" smtClean="0">
+                <a:latin typeface="Times New Roman" panose="02020603050405020304" pitchFamily="18" charset="0"/>
+                <a:cs typeface="Times New Roman" panose="02020603050405020304" pitchFamily="18" charset="0"/>
+              </a:rPr>
               <a:t>Intuitività della schermata.</a:t>
             </a:r>
           </a:p>
           <a:p>
             <a:r>
-              <a:rPr lang="it-IT" sz="2000" dirty="0" smtClean="0"/>
-              <a:t>			1    </a:t>
-            </a:r>
-            <a:r>
-              <a:rPr lang="it-IT" sz="2000" dirty="0" smtClean="0"/>
-              <a:t>2    3    4    5</a:t>
+              <a:rPr lang="it-IT" sz="2000" dirty="0" smtClean="0">
+                <a:latin typeface="Times New Roman" panose="02020603050405020304" pitchFamily="18" charset="0"/>
+                <a:cs typeface="Times New Roman" panose="02020603050405020304" pitchFamily="18" charset="0"/>
+              </a:rPr>
+              <a:t>			1    2    3    4    5</a:t>
             </a:r>
           </a:p>
           <a:p>
@@ -10378,18 +11041,20 @@
               <a:buAutoNum type="arabicPeriod" startAt="2"/>
             </a:pPr>
             <a:r>
-              <a:rPr lang="it-IT" sz="2000" dirty="0" smtClean="0"/>
+              <a:rPr lang="it-IT" sz="2000" dirty="0" smtClean="0">
+                <a:latin typeface="Times New Roman" panose="02020603050405020304" pitchFamily="18" charset="0"/>
+                <a:cs typeface="Times New Roman" panose="02020603050405020304" pitchFamily="18" charset="0"/>
+              </a:rPr>
               <a:t>Si capisce sempre quali operazioni effettuare di volta in volta.</a:t>
             </a:r>
           </a:p>
           <a:p>
             <a:r>
-              <a:rPr lang="it-IT" sz="2000" dirty="0" smtClean="0"/>
-              <a:t>			1    </a:t>
-            </a:r>
-            <a:r>
-              <a:rPr lang="it-IT" sz="2000" dirty="0" smtClean="0"/>
-              <a:t>2    3    4    5</a:t>
+              <a:rPr lang="it-IT" sz="2000" dirty="0" smtClean="0">
+                <a:latin typeface="Times New Roman" panose="02020603050405020304" pitchFamily="18" charset="0"/>
+                <a:cs typeface="Times New Roman" panose="02020603050405020304" pitchFamily="18" charset="0"/>
+              </a:rPr>
+              <a:t>			1    2    3    4    5</a:t>
             </a:r>
           </a:p>
           <a:p>
@@ -10398,18 +11063,20 @@
               <a:buAutoNum type="arabicPeriod" startAt="3"/>
             </a:pPr>
             <a:r>
-              <a:rPr lang="it-IT" sz="2000" dirty="0" smtClean="0"/>
+              <a:rPr lang="it-IT" sz="2000" dirty="0" smtClean="0">
+                <a:latin typeface="Times New Roman" panose="02020603050405020304" pitchFamily="18" charset="0"/>
+                <a:cs typeface="Times New Roman" panose="02020603050405020304" pitchFamily="18" charset="0"/>
+              </a:rPr>
               <a:t>Si riesce a capire come passare da una schermata all’altra.</a:t>
             </a:r>
           </a:p>
           <a:p>
             <a:r>
-              <a:rPr lang="it-IT" sz="2000" dirty="0" smtClean="0"/>
-              <a:t>			1    </a:t>
-            </a:r>
-            <a:r>
-              <a:rPr lang="it-IT" sz="2000" dirty="0" smtClean="0"/>
-              <a:t>2    3    4    5</a:t>
+              <a:rPr lang="it-IT" sz="2000" dirty="0" smtClean="0">
+                <a:latin typeface="Times New Roman" panose="02020603050405020304" pitchFamily="18" charset="0"/>
+                <a:cs typeface="Times New Roman" panose="02020603050405020304" pitchFamily="18" charset="0"/>
+              </a:rPr>
+              <a:t>			1    2    3    4    5</a:t>
             </a:r>
           </a:p>
           <a:p>
@@ -10418,27 +11085,32 @@
               <a:buAutoNum type="arabicPeriod" startAt="4"/>
             </a:pPr>
             <a:r>
-              <a:rPr lang="it-IT" sz="2000" dirty="0" smtClean="0"/>
+              <a:rPr lang="it-IT" sz="2000" dirty="0" smtClean="0">
+                <a:latin typeface="Times New Roman" panose="02020603050405020304" pitchFamily="18" charset="0"/>
+                <a:cs typeface="Times New Roman" panose="02020603050405020304" pitchFamily="18" charset="0"/>
+              </a:rPr>
               <a:t>È sempre possibile capire e correggere gli errori commessi.</a:t>
             </a:r>
           </a:p>
           <a:p>
             <a:r>
-              <a:rPr lang="it-IT" sz="2000" dirty="0" smtClean="0"/>
-              <a:t>			1    </a:t>
-            </a:r>
-            <a:r>
-              <a:rPr lang="it-IT" sz="2000" dirty="0" smtClean="0"/>
-              <a:t>2    3    4    5</a:t>
-            </a:r>
-            <a:endParaRPr lang="it-IT" sz="2000" dirty="0"/>
+              <a:rPr lang="it-IT" sz="2000" dirty="0" smtClean="0">
+                <a:latin typeface="Times New Roman" panose="02020603050405020304" pitchFamily="18" charset="0"/>
+                <a:cs typeface="Times New Roman" panose="02020603050405020304" pitchFamily="18" charset="0"/>
+              </a:rPr>
+              <a:t>			1    2    3    4    5</a:t>
+            </a:r>
+            <a:endParaRPr lang="it-IT" sz="2000" dirty="0">
+              <a:latin typeface="Times New Roman" panose="02020603050405020304" pitchFamily="18" charset="0"/>
+              <a:cs typeface="Times New Roman" panose="02020603050405020304" pitchFamily="18" charset="0"/>
+            </a:endParaRPr>
           </a:p>
         </p:txBody>
       </p:sp>
     </p:spTree>
     <p:extLst>
       <p:ext uri="{BB962C8B-B14F-4D97-AF65-F5344CB8AC3E}">
-        <p14:creationId xmlns="" xmlns:p14="http://schemas.microsoft.com/office/powerpoint/2010/main" val="2442419145"/>
+        <p14:creationId xmlns:p14="http://schemas.microsoft.com/office/powerpoint/2010/main" val="2442419145"/>
       </p:ext>
     </p:extLst>
   </p:cSld>
@@ -10590,144 +11262,167 @@
             </a:r>
           </a:p>
           <a:p>
-            <a:pPr marL="457200" lvl="0" indent="-457200">
+            <a:pPr marL="457200" lvl="0" indent="-457200" algn="just">
               <a:buFont typeface="+mj-lt"/>
               <a:buAutoNum type="arabicPeriod"/>
             </a:pPr>
             <a:r>
-              <a:rPr lang="it-IT" sz="2000" dirty="0" smtClean="0"/>
+              <a:rPr lang="it-IT" sz="2000" dirty="0" smtClean="0">
+                <a:latin typeface="Times New Roman" panose="02020603050405020304" pitchFamily="18" charset="0"/>
+                <a:cs typeface="Times New Roman" panose="02020603050405020304" pitchFamily="18" charset="0"/>
+              </a:rPr>
               <a:t>È chiaro sin da subito come passare dalla Home alla schermata degli obiettivi (“</a:t>
             </a:r>
             <a:r>
-              <a:rPr lang="it-IT" sz="2000" dirty="0" err="1" smtClean="0"/>
+              <a:rPr lang="it-IT" sz="2000" dirty="0" err="1" smtClean="0">
+                <a:latin typeface="Times New Roman" panose="02020603050405020304" pitchFamily="18" charset="0"/>
+                <a:cs typeface="Times New Roman" panose="02020603050405020304" pitchFamily="18" charset="0"/>
+              </a:rPr>
               <a:t>Goals</a:t>
             </a:r>
             <a:r>
-              <a:rPr lang="it-IT" sz="2000" dirty="0" smtClean="0"/>
+              <a:rPr lang="it-IT" sz="2000" dirty="0" smtClean="0">
+                <a:latin typeface="Times New Roman" panose="02020603050405020304" pitchFamily="18" charset="0"/>
+                <a:cs typeface="Times New Roman" panose="02020603050405020304" pitchFamily="18" charset="0"/>
+              </a:rPr>
               <a:t>”).</a:t>
             </a:r>
           </a:p>
           <a:p>
-            <a:r>
-              <a:rPr lang="it-IT" sz="2000" dirty="0" smtClean="0"/>
-              <a:t>			1    </a:t>
-            </a:r>
-            <a:r>
-              <a:rPr lang="it-IT" sz="2000" dirty="0" smtClean="0"/>
-              <a:t>2    3    4    5</a:t>
-            </a:r>
-          </a:p>
-          <a:p>
-            <a:pPr marL="457200" lvl="0" indent="-457200">
+            <a:pPr algn="just"/>
+            <a:r>
+              <a:rPr lang="it-IT" sz="2000" dirty="0" smtClean="0">
+                <a:latin typeface="Times New Roman" panose="02020603050405020304" pitchFamily="18" charset="0"/>
+                <a:cs typeface="Times New Roman" panose="02020603050405020304" pitchFamily="18" charset="0"/>
+              </a:rPr>
+              <a:t>			1    2    3    4    5</a:t>
+            </a:r>
+          </a:p>
+          <a:p>
+            <a:pPr marL="457200" lvl="0" indent="-457200" algn="just">
               <a:buFont typeface="+mj-lt"/>
               <a:buAutoNum type="arabicPeriod" startAt="2"/>
             </a:pPr>
             <a:r>
-              <a:rPr lang="it-IT" sz="2000" dirty="0" smtClean="0"/>
+              <a:rPr lang="it-IT" sz="2000" dirty="0" smtClean="0">
+                <a:latin typeface="Times New Roman" panose="02020603050405020304" pitchFamily="18" charset="0"/>
+                <a:cs typeface="Times New Roman" panose="02020603050405020304" pitchFamily="18" charset="0"/>
+              </a:rPr>
               <a:t>Intuitività nella scelta dell’obiettivo.</a:t>
             </a:r>
           </a:p>
           <a:p>
-            <a:r>
-              <a:rPr lang="it-IT" sz="2000" dirty="0" smtClean="0"/>
-              <a:t>			1    </a:t>
-            </a:r>
-            <a:r>
-              <a:rPr lang="it-IT" sz="2000" dirty="0" smtClean="0"/>
-              <a:t>2    3    4    5</a:t>
-            </a:r>
-          </a:p>
-          <a:p>
-            <a:pPr marL="457200" lvl="0" indent="-457200">
+            <a:pPr algn="just"/>
+            <a:r>
+              <a:rPr lang="it-IT" sz="2000" dirty="0" smtClean="0">
+                <a:latin typeface="Times New Roman" panose="02020603050405020304" pitchFamily="18" charset="0"/>
+                <a:cs typeface="Times New Roman" panose="02020603050405020304" pitchFamily="18" charset="0"/>
+              </a:rPr>
+              <a:t>			1    2    3    4    5</a:t>
+            </a:r>
+          </a:p>
+          <a:p>
+            <a:pPr marL="457200" lvl="0" indent="-457200" algn="just">
               <a:buFont typeface="+mj-lt"/>
               <a:buAutoNum type="arabicPeriod" startAt="3"/>
             </a:pPr>
             <a:r>
-              <a:rPr lang="it-IT" sz="2000" dirty="0" smtClean="0"/>
+              <a:rPr lang="it-IT" sz="2000" dirty="0" smtClean="0">
+                <a:latin typeface="Times New Roman" panose="02020603050405020304" pitchFamily="18" charset="0"/>
+                <a:cs typeface="Times New Roman" panose="02020603050405020304" pitchFamily="18" charset="0"/>
+              </a:rPr>
               <a:t>È sempre possibile conoscere lo stato del sistema.</a:t>
             </a:r>
           </a:p>
           <a:p>
-            <a:r>
-              <a:rPr lang="it-IT" sz="2000" dirty="0" smtClean="0"/>
-              <a:t>			1    </a:t>
-            </a:r>
-            <a:r>
-              <a:rPr lang="it-IT" sz="2000" dirty="0" smtClean="0"/>
-              <a:t>2    3    4    5</a:t>
-            </a:r>
-          </a:p>
-          <a:p>
-            <a:pPr marL="457200" lvl="0" indent="-457200">
+            <a:pPr algn="just"/>
+            <a:r>
+              <a:rPr lang="it-IT" sz="2000" dirty="0" smtClean="0">
+                <a:latin typeface="Times New Roman" panose="02020603050405020304" pitchFamily="18" charset="0"/>
+                <a:cs typeface="Times New Roman" panose="02020603050405020304" pitchFamily="18" charset="0"/>
+              </a:rPr>
+              <a:t>			1    2    3    4    5</a:t>
+            </a:r>
+          </a:p>
+          <a:p>
+            <a:pPr marL="457200" lvl="0" indent="-457200" algn="just">
               <a:buFont typeface="+mj-lt"/>
               <a:buAutoNum type="arabicPeriod" startAt="4"/>
             </a:pPr>
             <a:r>
-              <a:rPr lang="it-IT" sz="2000" dirty="0" smtClean="0"/>
+              <a:rPr lang="it-IT" sz="2000" dirty="0" smtClean="0">
+                <a:latin typeface="Times New Roman" panose="02020603050405020304" pitchFamily="18" charset="0"/>
+                <a:cs typeface="Times New Roman" panose="02020603050405020304" pitchFamily="18" charset="0"/>
+              </a:rPr>
               <a:t>È sempre possibile capire e correggere gli errori commessi.</a:t>
             </a:r>
           </a:p>
           <a:p>
-            <a:r>
-              <a:rPr lang="it-IT" sz="2000" dirty="0" smtClean="0"/>
-              <a:t>	</a:t>
-            </a:r>
-            <a:r>
-              <a:rPr lang="it-IT" sz="2000" dirty="0" smtClean="0"/>
-              <a:t>		1    </a:t>
-            </a:r>
-            <a:r>
-              <a:rPr lang="it-IT" sz="2000" dirty="0" smtClean="0"/>
-              <a:t>2    3    4    5</a:t>
-            </a:r>
-          </a:p>
-          <a:p>
-            <a:pPr marL="457200" lvl="0" indent="-457200">
+            <a:pPr algn="just"/>
+            <a:r>
+              <a:rPr lang="it-IT" sz="2000" dirty="0" smtClean="0">
+                <a:latin typeface="Times New Roman" panose="02020603050405020304" pitchFamily="18" charset="0"/>
+                <a:cs typeface="Times New Roman" panose="02020603050405020304" pitchFamily="18" charset="0"/>
+              </a:rPr>
+              <a:t>			1    2    3    4    5</a:t>
+            </a:r>
+          </a:p>
+          <a:p>
+            <a:pPr marL="457200" lvl="0" indent="-457200" algn="just">
               <a:buFont typeface="+mj-lt"/>
               <a:buAutoNum type="arabicPeriod" startAt="5"/>
             </a:pPr>
             <a:r>
-              <a:rPr lang="it-IT" sz="2000" dirty="0" smtClean="0"/>
+              <a:rPr lang="it-IT" sz="2000" dirty="0" smtClean="0">
+                <a:latin typeface="Times New Roman" panose="02020603050405020304" pitchFamily="18" charset="0"/>
+                <a:cs typeface="Times New Roman" panose="02020603050405020304" pitchFamily="18" charset="0"/>
+              </a:rPr>
               <a:t>È intuitivo tornare alla pagina principale.</a:t>
             </a:r>
           </a:p>
           <a:p>
-            <a:r>
-              <a:rPr lang="it-IT" sz="2000" dirty="0" smtClean="0"/>
-              <a:t>			1    </a:t>
-            </a:r>
-            <a:r>
-              <a:rPr lang="it-IT" sz="2000" dirty="0" smtClean="0"/>
-              <a:t>2    3    4    5</a:t>
-            </a:r>
-          </a:p>
-          <a:p>
-            <a:pPr marL="457200" lvl="0" indent="-457200">
+            <a:pPr algn="just"/>
+            <a:r>
+              <a:rPr lang="it-IT" sz="2000" dirty="0" smtClean="0">
+                <a:latin typeface="Times New Roman" panose="02020603050405020304" pitchFamily="18" charset="0"/>
+                <a:cs typeface="Times New Roman" panose="02020603050405020304" pitchFamily="18" charset="0"/>
+              </a:rPr>
+              <a:t>			1    2    3    4    5</a:t>
+            </a:r>
+          </a:p>
+          <a:p>
+            <a:pPr marL="457200" lvl="0" indent="-457200" algn="just">
               <a:buFont typeface="+mj-lt"/>
               <a:buAutoNum type="arabicPeriod" startAt="6"/>
             </a:pPr>
             <a:r>
-              <a:rPr lang="it-IT" sz="2000" dirty="0" smtClean="0"/>
+              <a:rPr lang="it-IT" sz="2000" dirty="0" smtClean="0">
+                <a:latin typeface="Times New Roman" panose="02020603050405020304" pitchFamily="18" charset="0"/>
+                <a:cs typeface="Times New Roman" panose="02020603050405020304" pitchFamily="18" charset="0"/>
+              </a:rPr>
               <a:t>È noto che l’obiettivo scelto è visualizzato nella Home.</a:t>
             </a:r>
           </a:p>
           <a:p>
-            <a:r>
-              <a:rPr lang="it-IT" sz="2000" dirty="0" smtClean="0"/>
-              <a:t>			1    </a:t>
-            </a:r>
-            <a:r>
-              <a:rPr lang="it-IT" sz="2000" dirty="0" smtClean="0"/>
-              <a:t>2    3    4    5</a:t>
-            </a:r>
-            <a:endParaRPr lang="it-IT" sz="2000" dirty="0"/>
+            <a:pPr algn="just"/>
+            <a:r>
+              <a:rPr lang="it-IT" sz="2000" dirty="0" smtClean="0">
+                <a:latin typeface="Times New Roman" panose="02020603050405020304" pitchFamily="18" charset="0"/>
+                <a:cs typeface="Times New Roman" panose="02020603050405020304" pitchFamily="18" charset="0"/>
+              </a:rPr>
+              <a:t>			1    2    3    4    5</a:t>
+            </a:r>
+            <a:endParaRPr lang="it-IT" sz="2000" dirty="0">
+              <a:latin typeface="Times New Roman" panose="02020603050405020304" pitchFamily="18" charset="0"/>
+              <a:cs typeface="Times New Roman" panose="02020603050405020304" pitchFamily="18" charset="0"/>
+            </a:endParaRPr>
           </a:p>
         </p:txBody>
       </p:sp>
     </p:spTree>
     <p:extLst>
       <p:ext uri="{BB962C8B-B14F-4D97-AF65-F5344CB8AC3E}">
-        <p14:creationId xmlns="" xmlns:p14="http://schemas.microsoft.com/office/powerpoint/2010/main" val="2442419145"/>
+        <p14:creationId xmlns:p14="http://schemas.microsoft.com/office/powerpoint/2010/main" val="2442419145"/>
       </p:ext>
     </p:extLst>
   </p:cSld>
@@ -10888,6 +11583,16 @@
               </a:rPr>
               <a:t>”</a:t>
             </a:r>
+          </a:p>
+          <a:p>
+            <a:pPr lvl="0" algn="ctr">
+              <a:lnSpc>
+                <a:spcPct val="120000"/>
+              </a:lnSpc>
+              <a:spcBef>
+                <a:spcPts val="1000"/>
+              </a:spcBef>
+            </a:pPr>
             <a:endParaRPr lang="it-IT" sz="2500" dirty="0" smtClean="0">
               <a:latin typeface="Times New Roman" panose="02020603050405020304" pitchFamily="18" charset="0"/>
               <a:cs typeface="Times New Roman" panose="02020603050405020304" pitchFamily="18" charset="0"/>
@@ -10901,17 +11606,173 @@
             </a:endParaRPr>
           </a:p>
           <a:p>
-            <a:r>
-              <a:rPr lang="it-IT" sz="2600" dirty="0" smtClean="0"/>
-              <a:t> </a:t>
-            </a:r>
+            <a:pPr lvl="0"/>
+            <a:r>
+              <a:rPr lang="it-IT" sz="2000" dirty="0" smtClean="0">
+                <a:latin typeface="Times New Roman" panose="02020603050405020304" pitchFamily="18" charset="0"/>
+                <a:cs typeface="Times New Roman" panose="02020603050405020304" pitchFamily="18" charset="0"/>
+              </a:rPr>
+              <a:t>1.   La </a:t>
+            </a:r>
+            <a:r>
+              <a:rPr lang="it-IT" sz="2000" dirty="0">
+                <a:latin typeface="Times New Roman" panose="02020603050405020304" pitchFamily="18" charset="0"/>
+                <a:cs typeface="Times New Roman" panose="02020603050405020304" pitchFamily="18" charset="0"/>
+              </a:rPr>
+              <a:t>modalità con la quale si può vincere il </a:t>
+            </a:r>
+            <a:r>
+              <a:rPr lang="it-IT" sz="2000" dirty="0" smtClean="0">
+                <a:latin typeface="Times New Roman" panose="02020603050405020304" pitchFamily="18" charset="0"/>
+                <a:cs typeface="Times New Roman" panose="02020603050405020304" pitchFamily="18" charset="0"/>
+              </a:rPr>
+              <a:t>premio è ben spiegata.</a:t>
+            </a:r>
+          </a:p>
+          <a:p>
+            <a:pPr algn="ctr"/>
+            <a:r>
+              <a:rPr lang="it-IT" sz="2000" dirty="0" smtClean="0">
+                <a:latin typeface="Times New Roman" panose="02020603050405020304" pitchFamily="18" charset="0"/>
+                <a:cs typeface="Times New Roman" panose="02020603050405020304" pitchFamily="18" charset="0"/>
+              </a:rPr>
+              <a:t>1    2    3    4    5</a:t>
+            </a:r>
+          </a:p>
+          <a:p>
+            <a:pPr lvl="0"/>
+            <a:r>
+              <a:rPr lang="it-IT" sz="2000" dirty="0" smtClean="0">
+                <a:latin typeface="Times New Roman" panose="02020603050405020304" pitchFamily="18" charset="0"/>
+                <a:cs typeface="Times New Roman" panose="02020603050405020304" pitchFamily="18" charset="0"/>
+              </a:rPr>
+              <a:t>2.   L’interfaccia </a:t>
+            </a:r>
+            <a:r>
+              <a:rPr lang="it-IT" sz="2000" dirty="0">
+                <a:latin typeface="Times New Roman" panose="02020603050405020304" pitchFamily="18" charset="0"/>
+                <a:cs typeface="Times New Roman" panose="02020603050405020304" pitchFamily="18" charset="0"/>
+              </a:rPr>
+              <a:t>è intuitiva.</a:t>
+            </a:r>
+          </a:p>
+          <a:p>
+            <a:pPr algn="ctr"/>
+            <a:r>
+              <a:rPr lang="it-IT" sz="2000" dirty="0">
+                <a:latin typeface="Times New Roman" panose="02020603050405020304" pitchFamily="18" charset="0"/>
+                <a:cs typeface="Times New Roman" panose="02020603050405020304" pitchFamily="18" charset="0"/>
+              </a:rPr>
+              <a:t>1    2    3    4    5</a:t>
+            </a:r>
+          </a:p>
+          <a:p>
+            <a:pPr lvl="0"/>
+            <a:r>
+              <a:rPr lang="it-IT" sz="2000" dirty="0" smtClean="0">
+                <a:latin typeface="Times New Roman" panose="02020603050405020304" pitchFamily="18" charset="0"/>
+                <a:cs typeface="Times New Roman" panose="02020603050405020304" pitchFamily="18" charset="0"/>
+              </a:rPr>
+              <a:t>3.   I </a:t>
+            </a:r>
+            <a:r>
+              <a:rPr lang="it-IT" sz="2000" dirty="0">
+                <a:latin typeface="Times New Roman" panose="02020603050405020304" pitchFamily="18" charset="0"/>
+                <a:cs typeface="Times New Roman" panose="02020603050405020304" pitchFamily="18" charset="0"/>
+              </a:rPr>
+              <a:t>collegamenti fra le schermate sono coerenti.</a:t>
+            </a:r>
+          </a:p>
+          <a:p>
+            <a:pPr algn="ctr"/>
+            <a:r>
+              <a:rPr lang="it-IT" sz="2000" dirty="0">
+                <a:latin typeface="Times New Roman" panose="02020603050405020304" pitchFamily="18" charset="0"/>
+                <a:cs typeface="Times New Roman" panose="02020603050405020304" pitchFamily="18" charset="0"/>
+              </a:rPr>
+              <a:t>1    2    3    4    5</a:t>
+            </a:r>
+          </a:p>
+          <a:p>
+            <a:pPr lvl="0"/>
+            <a:r>
+              <a:rPr lang="it-IT" sz="2000" dirty="0" smtClean="0">
+                <a:latin typeface="Times New Roman" panose="02020603050405020304" pitchFamily="18" charset="0"/>
+                <a:cs typeface="Times New Roman" panose="02020603050405020304" pitchFamily="18" charset="0"/>
+              </a:rPr>
+              <a:t>4.   È </a:t>
+            </a:r>
+            <a:r>
+              <a:rPr lang="it-IT" sz="2000" dirty="0">
+                <a:latin typeface="Times New Roman" panose="02020603050405020304" pitchFamily="18" charset="0"/>
+                <a:cs typeface="Times New Roman" panose="02020603050405020304" pitchFamily="18" charset="0"/>
+              </a:rPr>
+              <a:t>possibile gestire gli errori.</a:t>
+            </a:r>
+          </a:p>
+          <a:p>
+            <a:pPr algn="ctr"/>
+            <a:r>
+              <a:rPr lang="it-IT" sz="2000" dirty="0">
+                <a:latin typeface="Times New Roman" panose="02020603050405020304" pitchFamily="18" charset="0"/>
+                <a:cs typeface="Times New Roman" panose="02020603050405020304" pitchFamily="18" charset="0"/>
+              </a:rPr>
+              <a:t>1    2    3    4    5</a:t>
+            </a:r>
+          </a:p>
+          <a:p>
+            <a:pPr lvl="0"/>
+            <a:r>
+              <a:rPr lang="it-IT" sz="2000" dirty="0" smtClean="0">
+                <a:latin typeface="Times New Roman" panose="02020603050405020304" pitchFamily="18" charset="0"/>
+                <a:cs typeface="Times New Roman" panose="02020603050405020304" pitchFamily="18" charset="0"/>
+              </a:rPr>
+              <a:t>5.   È </a:t>
+            </a:r>
+            <a:r>
+              <a:rPr lang="it-IT" sz="2000" dirty="0">
+                <a:latin typeface="Times New Roman" panose="02020603050405020304" pitchFamily="18" charset="0"/>
+                <a:cs typeface="Times New Roman" panose="02020603050405020304" pitchFamily="18" charset="0"/>
+              </a:rPr>
+              <a:t>possibile individuare facilmente quali premi sono stati vinti e quali </a:t>
+            </a:r>
+            <a:r>
+              <a:rPr lang="it-IT" sz="2000" dirty="0" smtClean="0">
+                <a:latin typeface="Times New Roman" panose="02020603050405020304" pitchFamily="18" charset="0"/>
+                <a:cs typeface="Times New Roman" panose="02020603050405020304" pitchFamily="18" charset="0"/>
+              </a:rPr>
+              <a:t>    no</a:t>
+            </a:r>
+            <a:r>
+              <a:rPr lang="it-IT" sz="2000" dirty="0">
+                <a:latin typeface="Times New Roman" panose="02020603050405020304" pitchFamily="18" charset="0"/>
+                <a:cs typeface="Times New Roman" panose="02020603050405020304" pitchFamily="18" charset="0"/>
+              </a:rPr>
+              <a:t>.</a:t>
+            </a:r>
+          </a:p>
+          <a:p>
+            <a:pPr algn="ctr"/>
+            <a:r>
+              <a:rPr lang="it-IT" sz="2000" dirty="0">
+                <a:latin typeface="Times New Roman" panose="02020603050405020304" pitchFamily="18" charset="0"/>
+                <a:cs typeface="Times New Roman" panose="02020603050405020304" pitchFamily="18" charset="0"/>
+              </a:rPr>
+              <a:t>1    2    3    4    5</a:t>
+            </a:r>
+          </a:p>
+          <a:p>
+            <a:endParaRPr lang="it-IT" sz="2000" dirty="0" smtClean="0">
+              <a:latin typeface="Times New Roman" panose="02020603050405020304" pitchFamily="18" charset="0"/>
+              <a:cs typeface="Times New Roman" panose="02020603050405020304" pitchFamily="18" charset="0"/>
+            </a:endParaRPr>
           </a:p>
         </p:txBody>
       </p:sp>
     </p:spTree>
     <p:extLst>
       <p:ext uri="{BB962C8B-B14F-4D97-AF65-F5344CB8AC3E}">
-        <p14:creationId xmlns="" xmlns:p14="http://schemas.microsoft.com/office/powerpoint/2010/main" val="2442419145"/>
+        <p14:creationId xmlns:p14="http://schemas.microsoft.com/office/powerpoint/2010/main" val="2442419145"/>
       </p:ext>
     </p:extLst>
   </p:cSld>
@@ -11099,17 +11960,232 @@
             </a:endParaRPr>
           </a:p>
           <a:p>
-            <a:r>
-              <a:rPr lang="it-IT" sz="2600" dirty="0" smtClean="0"/>
-              <a:t> </a:t>
-            </a:r>
+            <a:pPr lvl="0" algn="just"/>
+            <a:r>
+              <a:rPr lang="it-IT" sz="2000" dirty="0" smtClean="0">
+                <a:latin typeface="Times New Roman" panose="02020603050405020304" pitchFamily="18" charset="0"/>
+                <a:cs typeface="Times New Roman" panose="02020603050405020304" pitchFamily="18" charset="0"/>
+              </a:rPr>
+              <a:t>1.   La </a:t>
+            </a:r>
+            <a:r>
+              <a:rPr lang="it-IT" sz="2000" dirty="0">
+                <a:latin typeface="Times New Roman" panose="02020603050405020304" pitchFamily="18" charset="0"/>
+                <a:cs typeface="Times New Roman" panose="02020603050405020304" pitchFamily="18" charset="0"/>
+              </a:rPr>
+              <a:t>funzionalità del pulsante “</a:t>
+            </a:r>
+            <a:r>
+              <a:rPr lang="it-IT" sz="2000" dirty="0" err="1">
+                <a:latin typeface="Times New Roman" panose="02020603050405020304" pitchFamily="18" charset="0"/>
+                <a:cs typeface="Times New Roman" panose="02020603050405020304" pitchFamily="18" charset="0"/>
+              </a:rPr>
+              <a:t>Add</a:t>
+            </a:r>
+            <a:r>
+              <a:rPr lang="it-IT" sz="2000" dirty="0">
+                <a:latin typeface="Times New Roman" panose="02020603050405020304" pitchFamily="18" charset="0"/>
+                <a:cs typeface="Times New Roman" panose="02020603050405020304" pitchFamily="18" charset="0"/>
+              </a:rPr>
+              <a:t> a </a:t>
+            </a:r>
+            <a:r>
+              <a:rPr lang="it-IT" sz="2000" dirty="0" err="1">
+                <a:latin typeface="Times New Roman" panose="02020603050405020304" pitchFamily="18" charset="0"/>
+                <a:cs typeface="Times New Roman" panose="02020603050405020304" pitchFamily="18" charset="0"/>
+              </a:rPr>
+              <a:t>cigarette</a:t>
+            </a:r>
+            <a:r>
+              <a:rPr lang="it-IT" sz="2000" dirty="0">
+                <a:latin typeface="Times New Roman" panose="02020603050405020304" pitchFamily="18" charset="0"/>
+                <a:cs typeface="Times New Roman" panose="02020603050405020304" pitchFamily="18" charset="0"/>
+              </a:rPr>
+              <a:t>” è comprensibile.</a:t>
+            </a:r>
+          </a:p>
+          <a:p>
+            <a:pPr algn="ctr"/>
+            <a:r>
+              <a:rPr lang="it-IT" sz="2000" dirty="0">
+                <a:latin typeface="Times New Roman" panose="02020603050405020304" pitchFamily="18" charset="0"/>
+                <a:cs typeface="Times New Roman" panose="02020603050405020304" pitchFamily="18" charset="0"/>
+              </a:rPr>
+              <a:t>1    2    3    4    5</a:t>
+            </a:r>
+          </a:p>
+          <a:p>
+            <a:pPr lvl="0" algn="just"/>
+            <a:r>
+              <a:rPr lang="it-IT" sz="2000" dirty="0" smtClean="0">
+                <a:latin typeface="Times New Roman" panose="02020603050405020304" pitchFamily="18" charset="0"/>
+                <a:cs typeface="Times New Roman" panose="02020603050405020304" pitchFamily="18" charset="0"/>
+              </a:rPr>
+              <a:t>2.   La </a:t>
+            </a:r>
+            <a:r>
+              <a:rPr lang="it-IT" sz="2000" dirty="0">
+                <a:latin typeface="Times New Roman" panose="02020603050405020304" pitchFamily="18" charset="0"/>
+                <a:cs typeface="Times New Roman" panose="02020603050405020304" pitchFamily="18" charset="0"/>
+              </a:rPr>
+              <a:t>modalità con la quale si può vincere il premio è ben spiegata.</a:t>
+            </a:r>
+          </a:p>
+          <a:p>
+            <a:pPr algn="ctr"/>
+            <a:r>
+              <a:rPr lang="it-IT" sz="2000" dirty="0">
+                <a:latin typeface="Times New Roman" panose="02020603050405020304" pitchFamily="18" charset="0"/>
+                <a:cs typeface="Times New Roman" panose="02020603050405020304" pitchFamily="18" charset="0"/>
+              </a:rPr>
+              <a:t>1    2    3    4    5</a:t>
+            </a:r>
+          </a:p>
+          <a:p>
+            <a:pPr lvl="0" algn="just"/>
+            <a:r>
+              <a:rPr lang="it-IT" sz="2000" dirty="0" smtClean="0">
+                <a:latin typeface="Times New Roman" panose="02020603050405020304" pitchFamily="18" charset="0"/>
+                <a:cs typeface="Times New Roman" panose="02020603050405020304" pitchFamily="18" charset="0"/>
+              </a:rPr>
+              <a:t>3.   È </a:t>
+            </a:r>
+            <a:r>
+              <a:rPr lang="it-IT" sz="2000" dirty="0">
+                <a:latin typeface="Times New Roman" panose="02020603050405020304" pitchFamily="18" charset="0"/>
+                <a:cs typeface="Times New Roman" panose="02020603050405020304" pitchFamily="18" charset="0"/>
+              </a:rPr>
+              <a:t>evidente il risultato del pulsante “</a:t>
+            </a:r>
+            <a:r>
+              <a:rPr lang="it-IT" sz="2000" dirty="0" err="1">
+                <a:latin typeface="Times New Roman" panose="02020603050405020304" pitchFamily="18" charset="0"/>
+                <a:cs typeface="Times New Roman" panose="02020603050405020304" pitchFamily="18" charset="0"/>
+              </a:rPr>
+              <a:t>Add</a:t>
+            </a:r>
+            <a:r>
+              <a:rPr lang="it-IT" sz="2000" dirty="0">
+                <a:latin typeface="Times New Roman" panose="02020603050405020304" pitchFamily="18" charset="0"/>
+                <a:cs typeface="Times New Roman" panose="02020603050405020304" pitchFamily="18" charset="0"/>
+              </a:rPr>
+              <a:t> a </a:t>
+            </a:r>
+            <a:r>
+              <a:rPr lang="it-IT" sz="2000" dirty="0" err="1">
+                <a:latin typeface="Times New Roman" panose="02020603050405020304" pitchFamily="18" charset="0"/>
+                <a:cs typeface="Times New Roman" panose="02020603050405020304" pitchFamily="18" charset="0"/>
+              </a:rPr>
+              <a:t>cigarette</a:t>
+            </a:r>
+            <a:r>
+              <a:rPr lang="it-IT" sz="2000" dirty="0">
+                <a:latin typeface="Times New Roman" panose="02020603050405020304" pitchFamily="18" charset="0"/>
+                <a:cs typeface="Times New Roman" panose="02020603050405020304" pitchFamily="18" charset="0"/>
+              </a:rPr>
+              <a:t>” sulla Home page.</a:t>
+            </a:r>
+          </a:p>
+          <a:p>
+            <a:pPr algn="ctr"/>
+            <a:r>
+              <a:rPr lang="it-IT" sz="2000" dirty="0">
+                <a:latin typeface="Times New Roman" panose="02020603050405020304" pitchFamily="18" charset="0"/>
+                <a:cs typeface="Times New Roman" panose="02020603050405020304" pitchFamily="18" charset="0"/>
+              </a:rPr>
+              <a:t>1    2    3    4    5</a:t>
+            </a:r>
+          </a:p>
+          <a:p>
+            <a:pPr lvl="0" algn="just"/>
+            <a:r>
+              <a:rPr lang="it-IT" sz="2000" dirty="0" smtClean="0">
+                <a:latin typeface="Times New Roman" panose="02020603050405020304" pitchFamily="18" charset="0"/>
+                <a:cs typeface="Times New Roman" panose="02020603050405020304" pitchFamily="18" charset="0"/>
+              </a:rPr>
+              <a:t>4.   I </a:t>
+            </a:r>
+            <a:r>
+              <a:rPr lang="it-IT" sz="2000" dirty="0">
+                <a:latin typeface="Times New Roman" panose="02020603050405020304" pitchFamily="18" charset="0"/>
+                <a:cs typeface="Times New Roman" panose="02020603050405020304" pitchFamily="18" charset="0"/>
+              </a:rPr>
+              <a:t>collegamenti fra le schermate sono coerenti.</a:t>
+            </a:r>
+          </a:p>
+          <a:p>
+            <a:pPr algn="ctr"/>
+            <a:r>
+              <a:rPr lang="it-IT" sz="2000" dirty="0">
+                <a:latin typeface="Times New Roman" panose="02020603050405020304" pitchFamily="18" charset="0"/>
+                <a:cs typeface="Times New Roman" panose="02020603050405020304" pitchFamily="18" charset="0"/>
+              </a:rPr>
+              <a:t>1    2    3    4    5</a:t>
+            </a:r>
+          </a:p>
+          <a:p>
+            <a:pPr lvl="0" algn="just"/>
+            <a:r>
+              <a:rPr lang="it-IT" sz="2000" dirty="0" smtClean="0">
+                <a:latin typeface="Times New Roman" panose="02020603050405020304" pitchFamily="18" charset="0"/>
+                <a:cs typeface="Times New Roman" panose="02020603050405020304" pitchFamily="18" charset="0"/>
+              </a:rPr>
+              <a:t>5.   È </a:t>
+            </a:r>
+            <a:r>
+              <a:rPr lang="it-IT" sz="2000" dirty="0">
+                <a:latin typeface="Times New Roman" panose="02020603050405020304" pitchFamily="18" charset="0"/>
+                <a:cs typeface="Times New Roman" panose="02020603050405020304" pitchFamily="18" charset="0"/>
+              </a:rPr>
+              <a:t>possibile gestire gli errori.</a:t>
+            </a:r>
+          </a:p>
+          <a:p>
+            <a:pPr algn="ctr"/>
+            <a:r>
+              <a:rPr lang="it-IT" sz="2000" dirty="0">
+                <a:latin typeface="Times New Roman" panose="02020603050405020304" pitchFamily="18" charset="0"/>
+                <a:cs typeface="Times New Roman" panose="02020603050405020304" pitchFamily="18" charset="0"/>
+              </a:rPr>
+              <a:t>1    2    3    4    5</a:t>
+            </a:r>
+          </a:p>
+          <a:p>
+            <a:pPr lvl="0"/>
+            <a:r>
+              <a:rPr lang="it-IT" sz="2000" dirty="0" smtClean="0">
+                <a:latin typeface="Times New Roman" panose="02020603050405020304" pitchFamily="18" charset="0"/>
+                <a:cs typeface="Times New Roman" panose="02020603050405020304" pitchFamily="18" charset="0"/>
+              </a:rPr>
+              <a:t>6.   È </a:t>
+            </a:r>
+            <a:r>
+              <a:rPr lang="it-IT" sz="2000" dirty="0">
+                <a:latin typeface="Times New Roman" panose="02020603050405020304" pitchFamily="18" charset="0"/>
+                <a:cs typeface="Times New Roman" panose="02020603050405020304" pitchFamily="18" charset="0"/>
+              </a:rPr>
+              <a:t>possibile individuare facilmente quali premi sono stati vinti e quali no.</a:t>
+            </a:r>
+          </a:p>
+          <a:p>
+            <a:pPr algn="ctr"/>
+            <a:r>
+              <a:rPr lang="it-IT" sz="2000" dirty="0">
+                <a:latin typeface="Times New Roman" panose="02020603050405020304" pitchFamily="18" charset="0"/>
+                <a:cs typeface="Times New Roman" panose="02020603050405020304" pitchFamily="18" charset="0"/>
+              </a:rPr>
+              <a:t>1    2    3    4    5</a:t>
+            </a:r>
+          </a:p>
+          <a:p>
+            <a:endParaRPr lang="it-IT" sz="2600" dirty="0" smtClean="0"/>
           </a:p>
         </p:txBody>
       </p:sp>
     </p:spTree>
     <p:extLst>
       <p:ext uri="{BB962C8B-B14F-4D97-AF65-F5344CB8AC3E}">
-        <p14:creationId xmlns="" xmlns:p14="http://schemas.microsoft.com/office/powerpoint/2010/main" val="2442419145"/>
+        <p14:creationId xmlns:p14="http://schemas.microsoft.com/office/powerpoint/2010/main" val="2442419145"/>
       </p:ext>
     </p:extLst>
   </p:cSld>
@@ -11240,8 +12316,25 @@
                 <a:latin typeface="Times New Roman" panose="02020603050405020304" pitchFamily="18" charset="0"/>
                 <a:cs typeface="Times New Roman" panose="02020603050405020304" pitchFamily="18" charset="0"/>
               </a:rPr>
-              <a:t>Task 5 – Visualizzare i progressi</a:t>
-            </a:r>
+              <a:t>Task 5 – Visualizzare i </a:t>
+            </a:r>
+            <a:r>
+              <a:rPr lang="it-IT" sz="2500" b="1" dirty="0" smtClean="0">
+                <a:latin typeface="Times New Roman" panose="02020603050405020304" pitchFamily="18" charset="0"/>
+                <a:cs typeface="Times New Roman" panose="02020603050405020304" pitchFamily="18" charset="0"/>
+              </a:rPr>
+              <a:t>progressi</a:t>
+            </a:r>
+          </a:p>
+          <a:p>
+            <a:pPr lvl="0" algn="ctr">
+              <a:lnSpc>
+                <a:spcPct val="120000"/>
+              </a:lnSpc>
+              <a:spcBef>
+                <a:spcPts val="1000"/>
+              </a:spcBef>
+            </a:pPr>
             <a:endParaRPr lang="it-IT" sz="2500" dirty="0" smtClean="0">
               <a:latin typeface="Times New Roman" panose="02020603050405020304" pitchFamily="18" charset="0"/>
               <a:cs typeface="Times New Roman" panose="02020603050405020304" pitchFamily="18" charset="0"/>
@@ -11255,17 +12348,149 @@
             </a:endParaRPr>
           </a:p>
           <a:p>
-            <a:r>
-              <a:rPr lang="it-IT" sz="2600" dirty="0" smtClean="0"/>
-              <a:t> </a:t>
-            </a:r>
+            <a:pPr lvl="0"/>
+            <a:r>
+              <a:rPr lang="it-IT" sz="2000" dirty="0" smtClean="0">
+                <a:latin typeface="Times New Roman" panose="02020603050405020304" pitchFamily="18" charset="0"/>
+                <a:cs typeface="Times New Roman" panose="02020603050405020304" pitchFamily="18" charset="0"/>
+              </a:rPr>
+              <a:t>1.   Il </a:t>
+            </a:r>
+            <a:r>
+              <a:rPr lang="it-IT" sz="2000" dirty="0">
+                <a:latin typeface="Times New Roman" panose="02020603050405020304" pitchFamily="18" charset="0"/>
+                <a:cs typeface="Times New Roman" panose="02020603050405020304" pitchFamily="18" charset="0"/>
+              </a:rPr>
+              <a:t>raggiungimento della schermata “Progress” è intuitivo.</a:t>
+            </a:r>
+          </a:p>
+          <a:p>
+            <a:pPr algn="ctr"/>
+            <a:r>
+              <a:rPr lang="it-IT" sz="2000" dirty="0">
+                <a:latin typeface="Times New Roman" panose="02020603050405020304" pitchFamily="18" charset="0"/>
+                <a:cs typeface="Times New Roman" panose="02020603050405020304" pitchFamily="18" charset="0"/>
+              </a:rPr>
+              <a:t>1    2    3    4    5</a:t>
+            </a:r>
+          </a:p>
+          <a:p>
+            <a:pPr lvl="0"/>
+            <a:r>
+              <a:rPr lang="it-IT" sz="2000" dirty="0" smtClean="0">
+                <a:latin typeface="Times New Roman" panose="02020603050405020304" pitchFamily="18" charset="0"/>
+                <a:cs typeface="Times New Roman" panose="02020603050405020304" pitchFamily="18" charset="0"/>
+              </a:rPr>
+              <a:t>2.   I </a:t>
+            </a:r>
+            <a:r>
+              <a:rPr lang="it-IT" sz="2000" dirty="0">
+                <a:latin typeface="Times New Roman" panose="02020603050405020304" pitchFamily="18" charset="0"/>
+                <a:cs typeface="Times New Roman" panose="02020603050405020304" pitchFamily="18" charset="0"/>
+              </a:rPr>
+              <a:t>collegamenti tra le schermate sono coerenti.</a:t>
+            </a:r>
+          </a:p>
+          <a:p>
+            <a:pPr algn="ctr"/>
+            <a:r>
+              <a:rPr lang="it-IT" sz="2000" dirty="0">
+                <a:latin typeface="Times New Roman" panose="02020603050405020304" pitchFamily="18" charset="0"/>
+                <a:cs typeface="Times New Roman" panose="02020603050405020304" pitchFamily="18" charset="0"/>
+              </a:rPr>
+              <a:t>1    2    3    4    5</a:t>
+            </a:r>
+          </a:p>
+          <a:p>
+            <a:pPr lvl="0"/>
+            <a:r>
+              <a:rPr lang="it-IT" sz="2000" dirty="0" smtClean="0">
+                <a:latin typeface="Times New Roman" panose="02020603050405020304" pitchFamily="18" charset="0"/>
+                <a:cs typeface="Times New Roman" panose="02020603050405020304" pitchFamily="18" charset="0"/>
+              </a:rPr>
+              <a:t>3.   È </a:t>
+            </a:r>
+            <a:r>
+              <a:rPr lang="it-IT" sz="2000" dirty="0">
+                <a:latin typeface="Times New Roman" panose="02020603050405020304" pitchFamily="18" charset="0"/>
+                <a:cs typeface="Times New Roman" panose="02020603050405020304" pitchFamily="18" charset="0"/>
+              </a:rPr>
+              <a:t>possibile gestire gli errori.</a:t>
+            </a:r>
+          </a:p>
+          <a:p>
+            <a:pPr algn="ctr"/>
+            <a:r>
+              <a:rPr lang="it-IT" sz="2000" dirty="0">
+                <a:latin typeface="Times New Roman" panose="02020603050405020304" pitchFamily="18" charset="0"/>
+                <a:cs typeface="Times New Roman" panose="02020603050405020304" pitchFamily="18" charset="0"/>
+              </a:rPr>
+              <a:t>1    2    3    4    5</a:t>
+            </a:r>
+          </a:p>
+          <a:p>
+            <a:pPr lvl="0"/>
+            <a:r>
+              <a:rPr lang="it-IT" sz="2000" dirty="0" smtClean="0">
+                <a:latin typeface="Times New Roman" panose="02020603050405020304" pitchFamily="18" charset="0"/>
+                <a:cs typeface="Times New Roman" panose="02020603050405020304" pitchFamily="18" charset="0"/>
+              </a:rPr>
+              <a:t>4.   È </a:t>
+            </a:r>
+            <a:r>
+              <a:rPr lang="it-IT" sz="2000" dirty="0">
+                <a:latin typeface="Times New Roman" panose="02020603050405020304" pitchFamily="18" charset="0"/>
+                <a:cs typeface="Times New Roman" panose="02020603050405020304" pitchFamily="18" charset="0"/>
+              </a:rPr>
+              <a:t>chiaro la modalità con la quale funziona la schermata.</a:t>
+            </a:r>
+          </a:p>
+          <a:p>
+            <a:pPr algn="ctr"/>
+            <a:r>
+              <a:rPr lang="it-IT" sz="2000" dirty="0">
+                <a:latin typeface="Times New Roman" panose="02020603050405020304" pitchFamily="18" charset="0"/>
+                <a:cs typeface="Times New Roman" panose="02020603050405020304" pitchFamily="18" charset="0"/>
+              </a:rPr>
+              <a:t>1    2    3    4    5</a:t>
+            </a:r>
+          </a:p>
+          <a:p>
+            <a:pPr lvl="0"/>
+            <a:r>
+              <a:rPr lang="it-IT" sz="2000" dirty="0" smtClean="0">
+                <a:latin typeface="Times New Roman" panose="02020603050405020304" pitchFamily="18" charset="0"/>
+                <a:cs typeface="Times New Roman" panose="02020603050405020304" pitchFamily="18" charset="0"/>
+              </a:rPr>
+              <a:t>5.   È </a:t>
+            </a:r>
+            <a:r>
+              <a:rPr lang="it-IT" sz="2000" dirty="0">
+                <a:latin typeface="Times New Roman" panose="02020603050405020304" pitchFamily="18" charset="0"/>
+                <a:cs typeface="Times New Roman" panose="02020603050405020304" pitchFamily="18" charset="0"/>
+              </a:rPr>
+              <a:t>chiaro lo scopo della schermata.</a:t>
+            </a:r>
+          </a:p>
+          <a:p>
+            <a:pPr algn="ctr"/>
+            <a:r>
+              <a:rPr lang="it-IT" sz="2000" dirty="0">
+                <a:latin typeface="Times New Roman" panose="02020603050405020304" pitchFamily="18" charset="0"/>
+                <a:cs typeface="Times New Roman" panose="02020603050405020304" pitchFamily="18" charset="0"/>
+              </a:rPr>
+              <a:t>1    2    3    4    5</a:t>
+            </a:r>
+          </a:p>
+          <a:p>
+            <a:endParaRPr lang="it-IT" sz="2600" dirty="0" smtClean="0"/>
           </a:p>
         </p:txBody>
       </p:sp>
     </p:spTree>
     <p:extLst>
       <p:ext uri="{BB962C8B-B14F-4D97-AF65-F5344CB8AC3E}">
-        <p14:creationId xmlns="" xmlns:p14="http://schemas.microsoft.com/office/powerpoint/2010/main" val="2442419145"/>
+        <p14:creationId xmlns:p14="http://schemas.microsoft.com/office/powerpoint/2010/main" val="2442419145"/>
       </p:ext>
     </p:extLst>
   </p:cSld>
@@ -11453,6 +12678,176 @@
             </a:endParaRPr>
           </a:p>
           <a:p>
+            <a:pPr lvl="0"/>
+            <a:r>
+              <a:rPr lang="it-IT" sz="2000" dirty="0" smtClean="0">
+                <a:latin typeface="Times New Roman" panose="02020603050405020304" pitchFamily="18" charset="0"/>
+                <a:cs typeface="Times New Roman" panose="02020603050405020304" pitchFamily="18" charset="0"/>
+              </a:rPr>
+              <a:t>1.   La </a:t>
+            </a:r>
+            <a:r>
+              <a:rPr lang="it-IT" sz="2000" dirty="0">
+                <a:latin typeface="Times New Roman" panose="02020603050405020304" pitchFamily="18" charset="0"/>
+                <a:cs typeface="Times New Roman" panose="02020603050405020304" pitchFamily="18" charset="0"/>
+              </a:rPr>
+              <a:t>funzionalità del pulsante “No more </a:t>
+            </a:r>
+            <a:r>
+              <a:rPr lang="it-IT" sz="2000" dirty="0" err="1">
+                <a:latin typeface="Times New Roman" panose="02020603050405020304" pitchFamily="18" charset="0"/>
+                <a:cs typeface="Times New Roman" panose="02020603050405020304" pitchFamily="18" charset="0"/>
+              </a:rPr>
+              <a:t>adding</a:t>
+            </a:r>
+            <a:r>
+              <a:rPr lang="it-IT" sz="2000" dirty="0">
+                <a:latin typeface="Times New Roman" panose="02020603050405020304" pitchFamily="18" charset="0"/>
+                <a:cs typeface="Times New Roman" panose="02020603050405020304" pitchFamily="18" charset="0"/>
+              </a:rPr>
+              <a:t> </a:t>
+            </a:r>
+            <a:r>
+              <a:rPr lang="it-IT" sz="2000" dirty="0" err="1">
+                <a:latin typeface="Times New Roman" panose="02020603050405020304" pitchFamily="18" charset="0"/>
+                <a:cs typeface="Times New Roman" panose="02020603050405020304" pitchFamily="18" charset="0"/>
+              </a:rPr>
+              <a:t>cigarette</a:t>
+            </a:r>
+            <a:r>
+              <a:rPr lang="it-IT" sz="2000" dirty="0">
+                <a:latin typeface="Times New Roman" panose="02020603050405020304" pitchFamily="18" charset="0"/>
+                <a:cs typeface="Times New Roman" panose="02020603050405020304" pitchFamily="18" charset="0"/>
+              </a:rPr>
+              <a:t>” è comprensibile.</a:t>
+            </a:r>
+          </a:p>
+          <a:p>
+            <a:pPr algn="ctr"/>
+            <a:r>
+              <a:rPr lang="it-IT" sz="2000" dirty="0">
+                <a:latin typeface="Times New Roman" panose="02020603050405020304" pitchFamily="18" charset="0"/>
+                <a:cs typeface="Times New Roman" panose="02020603050405020304" pitchFamily="18" charset="0"/>
+              </a:rPr>
+              <a:t>1    2    3    4    5</a:t>
+            </a:r>
+          </a:p>
+          <a:p>
+            <a:pPr lvl="0"/>
+            <a:r>
+              <a:rPr lang="it-IT" sz="2000" dirty="0" smtClean="0">
+                <a:latin typeface="Times New Roman" panose="02020603050405020304" pitchFamily="18" charset="0"/>
+                <a:cs typeface="Times New Roman" panose="02020603050405020304" pitchFamily="18" charset="0"/>
+              </a:rPr>
+              <a:t>2.   I </a:t>
+            </a:r>
+            <a:r>
+              <a:rPr lang="it-IT" sz="2000" dirty="0">
+                <a:latin typeface="Times New Roman" panose="02020603050405020304" pitchFamily="18" charset="0"/>
+                <a:cs typeface="Times New Roman" panose="02020603050405020304" pitchFamily="18" charset="0"/>
+              </a:rPr>
+              <a:t>collegamenti fra le schermate sono coerenti.</a:t>
+            </a:r>
+          </a:p>
+          <a:p>
+            <a:pPr algn="ctr"/>
+            <a:r>
+              <a:rPr lang="it-IT" sz="2000" dirty="0">
+                <a:latin typeface="Times New Roman" panose="02020603050405020304" pitchFamily="18" charset="0"/>
+                <a:cs typeface="Times New Roman" panose="02020603050405020304" pitchFamily="18" charset="0"/>
+              </a:rPr>
+              <a:t>1    2    3    4    5</a:t>
+            </a:r>
+          </a:p>
+          <a:p>
+            <a:pPr lvl="0"/>
+            <a:r>
+              <a:rPr lang="it-IT" sz="2000" dirty="0" smtClean="0">
+                <a:latin typeface="Times New Roman" panose="02020603050405020304" pitchFamily="18" charset="0"/>
+                <a:cs typeface="Times New Roman" panose="02020603050405020304" pitchFamily="18" charset="0"/>
+              </a:rPr>
+              <a:t>3.   È </a:t>
+            </a:r>
+            <a:r>
+              <a:rPr lang="it-IT" sz="2000" dirty="0">
+                <a:latin typeface="Times New Roman" panose="02020603050405020304" pitchFamily="18" charset="0"/>
+                <a:cs typeface="Times New Roman" panose="02020603050405020304" pitchFamily="18" charset="0"/>
+              </a:rPr>
+              <a:t>possibile gestire gli errori.</a:t>
+            </a:r>
+          </a:p>
+          <a:p>
+            <a:pPr algn="ctr"/>
+            <a:r>
+              <a:rPr lang="it-IT" sz="2000" dirty="0">
+                <a:latin typeface="Times New Roman" panose="02020603050405020304" pitchFamily="18" charset="0"/>
+                <a:cs typeface="Times New Roman" panose="02020603050405020304" pitchFamily="18" charset="0"/>
+              </a:rPr>
+              <a:t>1    2    3    4    5</a:t>
+            </a:r>
+          </a:p>
+          <a:p>
+            <a:pPr lvl="0"/>
+            <a:r>
+              <a:rPr lang="it-IT" sz="2000" dirty="0" smtClean="0">
+                <a:latin typeface="Times New Roman" panose="02020603050405020304" pitchFamily="18" charset="0"/>
+                <a:cs typeface="Times New Roman" panose="02020603050405020304" pitchFamily="18" charset="0"/>
+              </a:rPr>
+              <a:t>4.   È </a:t>
+            </a:r>
+            <a:r>
+              <a:rPr lang="it-IT" sz="2000" dirty="0">
+                <a:latin typeface="Times New Roman" panose="02020603050405020304" pitchFamily="18" charset="0"/>
+                <a:cs typeface="Times New Roman" panose="02020603050405020304" pitchFamily="18" charset="0"/>
+              </a:rPr>
+              <a:t>sempre possibile capire quali operazioni effettuare.</a:t>
+            </a:r>
+          </a:p>
+          <a:p>
+            <a:pPr algn="ctr"/>
+            <a:r>
+              <a:rPr lang="it-IT" sz="2000" dirty="0">
+                <a:latin typeface="Times New Roman" panose="02020603050405020304" pitchFamily="18" charset="0"/>
+                <a:cs typeface="Times New Roman" panose="02020603050405020304" pitchFamily="18" charset="0"/>
+              </a:rPr>
+              <a:t>1    2    3    4    5</a:t>
+            </a:r>
+          </a:p>
+          <a:p>
+            <a:pPr lvl="0"/>
+            <a:r>
+              <a:rPr lang="it-IT" sz="2000" dirty="0" smtClean="0">
+                <a:latin typeface="Times New Roman" panose="02020603050405020304" pitchFamily="18" charset="0"/>
+                <a:cs typeface="Times New Roman" panose="02020603050405020304" pitchFamily="18" charset="0"/>
+              </a:rPr>
+              <a:t>5.   È </a:t>
+            </a:r>
+            <a:r>
+              <a:rPr lang="it-IT" sz="2000" dirty="0">
+                <a:latin typeface="Times New Roman" panose="02020603050405020304" pitchFamily="18" charset="0"/>
+                <a:cs typeface="Times New Roman" panose="02020603050405020304" pitchFamily="18" charset="0"/>
+              </a:rPr>
+              <a:t>chiaro e/o intuibile lo stato del sistema una volta perso il premio precedentemente vinto.</a:t>
+            </a:r>
+          </a:p>
+          <a:p>
+            <a:pPr algn="ctr"/>
+            <a:r>
+              <a:rPr lang="it-IT" sz="2000" dirty="0">
+                <a:latin typeface="Times New Roman" panose="02020603050405020304" pitchFamily="18" charset="0"/>
+                <a:cs typeface="Times New Roman" panose="02020603050405020304" pitchFamily="18" charset="0"/>
+              </a:rPr>
+              <a:t>1    2    3    4    5</a:t>
+            </a:r>
+          </a:p>
+          <a:p>
+            <a:pPr algn="just"/>
+            <a:endParaRPr lang="it-IT" sz="2000" dirty="0" smtClean="0">
+              <a:latin typeface="Times New Roman" panose="02020603050405020304" pitchFamily="18" charset="0"/>
+              <a:cs typeface="Times New Roman" panose="02020603050405020304" pitchFamily="18" charset="0"/>
+            </a:endParaRPr>
+          </a:p>
+          <a:p>
             <a:r>
               <a:rPr lang="it-IT" sz="2600" dirty="0" smtClean="0"/>
               <a:t> </a:t>
@@ -11463,7 +12858,7 @@
     </p:spTree>
     <p:extLst>
       <p:ext uri="{BB962C8B-B14F-4D97-AF65-F5344CB8AC3E}">
-        <p14:creationId xmlns="" xmlns:p14="http://schemas.microsoft.com/office/powerpoint/2010/main" val="2442419145"/>
+        <p14:creationId xmlns:p14="http://schemas.microsoft.com/office/powerpoint/2010/main" val="2442419145"/>
       </p:ext>
     </p:extLst>
   </p:cSld>
@@ -11604,7 +12999,7 @@
               <a:t>Forgot</a:t>
             </a:r>
             <a:r>
-              <a:rPr lang="it-IT" sz="2500" b="1" smtClean="0">
+              <a:rPr lang="it-IT" sz="2500" b="1" dirty="0" smtClean="0">
                 <a:latin typeface="Times New Roman" panose="02020603050405020304" pitchFamily="18" charset="0"/>
                 <a:cs typeface="Times New Roman" panose="02020603050405020304" pitchFamily="18" charset="0"/>
               </a:rPr>
@@ -11623,17 +13018,218 @@
             </a:endParaRPr>
           </a:p>
           <a:p>
-            <a:r>
-              <a:rPr lang="it-IT" sz="2600" dirty="0" smtClean="0"/>
-              <a:t> </a:t>
-            </a:r>
+            <a:pPr lvl="0"/>
+            <a:r>
+              <a:rPr lang="it-IT" sz="2000" dirty="0" smtClean="0">
+                <a:latin typeface="Times New Roman" panose="02020603050405020304" pitchFamily="18" charset="0"/>
+                <a:cs typeface="Times New Roman" panose="02020603050405020304" pitchFamily="18" charset="0"/>
+              </a:rPr>
+              <a:t>1.   È </a:t>
+            </a:r>
+            <a:r>
+              <a:rPr lang="it-IT" sz="2000" dirty="0">
+                <a:latin typeface="Times New Roman" panose="02020603050405020304" pitchFamily="18" charset="0"/>
+                <a:cs typeface="Times New Roman" panose="02020603050405020304" pitchFamily="18" charset="0"/>
+              </a:rPr>
+              <a:t>facile capire come effettuare il </a:t>
+            </a:r>
+            <a:r>
+              <a:rPr lang="it-IT" sz="2000" dirty="0" err="1">
+                <a:latin typeface="Times New Roman" panose="02020603050405020304" pitchFamily="18" charset="0"/>
+                <a:cs typeface="Times New Roman" panose="02020603050405020304" pitchFamily="18" charset="0"/>
+              </a:rPr>
+              <a:t>logout</a:t>
+            </a:r>
+            <a:r>
+              <a:rPr lang="it-IT" sz="2000" dirty="0">
+                <a:latin typeface="Times New Roman" panose="02020603050405020304" pitchFamily="18" charset="0"/>
+                <a:cs typeface="Times New Roman" panose="02020603050405020304" pitchFamily="18" charset="0"/>
+              </a:rPr>
+              <a:t>.</a:t>
+            </a:r>
+          </a:p>
+          <a:p>
+            <a:pPr algn="ctr"/>
+            <a:r>
+              <a:rPr lang="it-IT" sz="2000" dirty="0">
+                <a:latin typeface="Times New Roman" panose="02020603050405020304" pitchFamily="18" charset="0"/>
+                <a:cs typeface="Times New Roman" panose="02020603050405020304" pitchFamily="18" charset="0"/>
+              </a:rPr>
+              <a:t>1    2    3    4    5</a:t>
+            </a:r>
+          </a:p>
+          <a:p>
+            <a:pPr lvl="0"/>
+            <a:r>
+              <a:rPr lang="it-IT" sz="2000" dirty="0" smtClean="0">
+                <a:latin typeface="Times New Roman" panose="02020603050405020304" pitchFamily="18" charset="0"/>
+                <a:cs typeface="Times New Roman" panose="02020603050405020304" pitchFamily="18" charset="0"/>
+              </a:rPr>
+              <a:t>2.   I </a:t>
+            </a:r>
+            <a:r>
+              <a:rPr lang="it-IT" sz="2000" dirty="0">
+                <a:latin typeface="Times New Roman" panose="02020603050405020304" pitchFamily="18" charset="0"/>
+                <a:cs typeface="Times New Roman" panose="02020603050405020304" pitchFamily="18" charset="0"/>
+              </a:rPr>
+              <a:t>collegamenti fra le schermate sono coerenti.</a:t>
+            </a:r>
+          </a:p>
+          <a:p>
+            <a:pPr algn="ctr"/>
+            <a:r>
+              <a:rPr lang="it-IT" sz="2000" dirty="0">
+                <a:latin typeface="Times New Roman" panose="02020603050405020304" pitchFamily="18" charset="0"/>
+                <a:cs typeface="Times New Roman" panose="02020603050405020304" pitchFamily="18" charset="0"/>
+              </a:rPr>
+              <a:t>1    2    3    4    5</a:t>
+            </a:r>
+          </a:p>
+          <a:p>
+            <a:pPr lvl="0"/>
+            <a:r>
+              <a:rPr lang="it-IT" sz="2000" dirty="0" smtClean="0">
+                <a:latin typeface="Times New Roman" panose="02020603050405020304" pitchFamily="18" charset="0"/>
+                <a:cs typeface="Times New Roman" panose="02020603050405020304" pitchFamily="18" charset="0"/>
+              </a:rPr>
+              <a:t>3.   È </a:t>
+            </a:r>
+            <a:r>
+              <a:rPr lang="it-IT" sz="2000" dirty="0">
+                <a:latin typeface="Times New Roman" panose="02020603050405020304" pitchFamily="18" charset="0"/>
+                <a:cs typeface="Times New Roman" panose="02020603050405020304" pitchFamily="18" charset="0"/>
+              </a:rPr>
+              <a:t>possibile gestire gli errori.</a:t>
+            </a:r>
+          </a:p>
+          <a:p>
+            <a:pPr algn="ctr"/>
+            <a:r>
+              <a:rPr lang="it-IT" sz="2000" dirty="0">
+                <a:latin typeface="Times New Roman" panose="02020603050405020304" pitchFamily="18" charset="0"/>
+                <a:cs typeface="Times New Roman" panose="02020603050405020304" pitchFamily="18" charset="0"/>
+              </a:rPr>
+              <a:t>1    2    3    4    5</a:t>
+            </a:r>
+          </a:p>
+          <a:p>
+            <a:pPr lvl="0"/>
+            <a:r>
+              <a:rPr lang="it-IT" sz="2000" dirty="0" smtClean="0">
+                <a:latin typeface="Times New Roman" panose="02020603050405020304" pitchFamily="18" charset="0"/>
+                <a:cs typeface="Times New Roman" panose="02020603050405020304" pitchFamily="18" charset="0"/>
+              </a:rPr>
+              <a:t>4.   Sono </a:t>
+            </a:r>
+            <a:r>
+              <a:rPr lang="it-IT" sz="2000" dirty="0">
+                <a:latin typeface="Times New Roman" panose="02020603050405020304" pitchFamily="18" charset="0"/>
+                <a:cs typeface="Times New Roman" panose="02020603050405020304" pitchFamily="18" charset="0"/>
+              </a:rPr>
+              <a:t>chiare le modalità di funzionamento del pulsante “</a:t>
+            </a:r>
+            <a:r>
+              <a:rPr lang="it-IT" sz="2000" dirty="0" err="1">
+                <a:latin typeface="Times New Roman" panose="02020603050405020304" pitchFamily="18" charset="0"/>
+                <a:cs typeface="Times New Roman" panose="02020603050405020304" pitchFamily="18" charset="0"/>
+              </a:rPr>
+              <a:t>Forgot</a:t>
+            </a:r>
+            <a:r>
+              <a:rPr lang="it-IT" sz="2000" dirty="0">
+                <a:latin typeface="Times New Roman" panose="02020603050405020304" pitchFamily="18" charset="0"/>
+                <a:cs typeface="Times New Roman" panose="02020603050405020304" pitchFamily="18" charset="0"/>
+              </a:rPr>
+              <a:t> </a:t>
+            </a:r>
+            <a:r>
+              <a:rPr lang="it-IT" sz="2000" dirty="0" err="1">
+                <a:latin typeface="Times New Roman" panose="02020603050405020304" pitchFamily="18" charset="0"/>
+                <a:cs typeface="Times New Roman" panose="02020603050405020304" pitchFamily="18" charset="0"/>
+              </a:rPr>
+              <a:t>your</a:t>
+            </a:r>
+            <a:r>
+              <a:rPr lang="it-IT" sz="2000" dirty="0">
+                <a:latin typeface="Times New Roman" panose="02020603050405020304" pitchFamily="18" charset="0"/>
+                <a:cs typeface="Times New Roman" panose="02020603050405020304" pitchFamily="18" charset="0"/>
+              </a:rPr>
+              <a:t> password?”.</a:t>
+            </a:r>
+          </a:p>
+          <a:p>
+            <a:pPr algn="ctr"/>
+            <a:r>
+              <a:rPr lang="it-IT" sz="2000" dirty="0">
+                <a:latin typeface="Times New Roman" panose="02020603050405020304" pitchFamily="18" charset="0"/>
+                <a:cs typeface="Times New Roman" panose="02020603050405020304" pitchFamily="18" charset="0"/>
+              </a:rPr>
+              <a:t>1    2    3    4    5</a:t>
+            </a:r>
+          </a:p>
+          <a:p>
+            <a:pPr lvl="0"/>
+            <a:r>
+              <a:rPr lang="it-IT" sz="2000" dirty="0" smtClean="0">
+                <a:latin typeface="Times New Roman" panose="02020603050405020304" pitchFamily="18" charset="0"/>
+                <a:cs typeface="Times New Roman" panose="02020603050405020304" pitchFamily="18" charset="0"/>
+              </a:rPr>
+              <a:t>5.   È </a:t>
+            </a:r>
+            <a:r>
+              <a:rPr lang="it-IT" sz="2000" dirty="0">
+                <a:latin typeface="Times New Roman" panose="02020603050405020304" pitchFamily="18" charset="0"/>
+                <a:cs typeface="Times New Roman" panose="02020603050405020304" pitchFamily="18" charset="0"/>
+              </a:rPr>
+              <a:t>sempre chiaro quali campi devono essere riempiti.</a:t>
+            </a:r>
+          </a:p>
+          <a:p>
+            <a:pPr algn="ctr"/>
+            <a:r>
+              <a:rPr lang="it-IT" sz="2000" dirty="0">
+                <a:latin typeface="Times New Roman" panose="02020603050405020304" pitchFamily="18" charset="0"/>
+                <a:cs typeface="Times New Roman" panose="02020603050405020304" pitchFamily="18" charset="0"/>
+              </a:rPr>
+              <a:t>1    2    3    4    5</a:t>
+            </a:r>
+          </a:p>
+          <a:p>
+            <a:pPr lvl="0"/>
+            <a:r>
+              <a:rPr lang="it-IT" sz="2000" dirty="0" smtClean="0">
+                <a:latin typeface="Times New Roman" panose="02020603050405020304" pitchFamily="18" charset="0"/>
+                <a:cs typeface="Times New Roman" panose="02020603050405020304" pitchFamily="18" charset="0"/>
+              </a:rPr>
+              <a:t>6.   La </a:t>
+            </a:r>
+            <a:r>
+              <a:rPr lang="it-IT" sz="2000" dirty="0">
+                <a:latin typeface="Times New Roman" panose="02020603050405020304" pitchFamily="18" charset="0"/>
+                <a:cs typeface="Times New Roman" panose="02020603050405020304" pitchFamily="18" charset="0"/>
+              </a:rPr>
+              <a:t>modalità del funzionamento del pulsante “Login” è comprensibile.</a:t>
+            </a:r>
+          </a:p>
+          <a:p>
+            <a:pPr algn="ctr"/>
+            <a:r>
+              <a:rPr lang="it-IT" sz="2000" dirty="0">
+                <a:latin typeface="Times New Roman" panose="02020603050405020304" pitchFamily="18" charset="0"/>
+                <a:cs typeface="Times New Roman" panose="02020603050405020304" pitchFamily="18" charset="0"/>
+              </a:rPr>
+              <a:t>1    2    3    4    5</a:t>
+            </a:r>
+          </a:p>
+          <a:p>
+            <a:endParaRPr lang="it-IT" sz="2600" dirty="0" smtClean="0"/>
           </a:p>
         </p:txBody>
       </p:sp>
     </p:spTree>
     <p:extLst>
       <p:ext uri="{BB962C8B-B14F-4D97-AF65-F5344CB8AC3E}">
-        <p14:creationId xmlns="" xmlns:p14="http://schemas.microsoft.com/office/powerpoint/2010/main" val="2442419145"/>
+        <p14:creationId xmlns:p14="http://schemas.microsoft.com/office/powerpoint/2010/main" val="2442419145"/>
       </p:ext>
     </p:extLst>
   </p:cSld>
@@ -11773,7 +13369,7 @@
     </p:spTree>
     <p:extLst>
       <p:ext uri="{BB962C8B-B14F-4D97-AF65-F5344CB8AC3E}">
-        <p14:creationId xmlns="" xmlns:p14="http://schemas.microsoft.com/office/powerpoint/2010/main" val="2051926642"/>
+        <p14:creationId xmlns:p14="http://schemas.microsoft.com/office/powerpoint/2010/main" val="2051926642"/>
       </p:ext>
     </p:extLst>
   </p:cSld>
@@ -11860,12 +13456,7 @@
             <p:ph idx="1"/>
           </p:nvPr>
         </p:nvSpPr>
-        <p:spPr>
-          <a:xfrm>
-            <a:off x="628650" y="1825625"/>
-            <a:ext cx="7886700" cy="4351338"/>
-          </a:xfrm>
-        </p:spPr>
+        <p:spPr/>
         <p:txBody>
           <a:bodyPr>
             <a:normAutofit/>
@@ -11915,7 +13506,7 @@
     </p:spTree>
     <p:extLst>
       <p:ext uri="{BB962C8B-B14F-4D97-AF65-F5344CB8AC3E}">
-        <p14:creationId xmlns="" xmlns:p14="http://schemas.microsoft.com/office/powerpoint/2010/main" val="530745109"/>
+        <p14:creationId xmlns:p14="http://schemas.microsoft.com/office/powerpoint/2010/main" val="530745109"/>
       </p:ext>
     </p:extLst>
   </p:cSld>
@@ -12017,7 +13608,7 @@
         </p:spPr>
         <p:txBody>
           <a:bodyPr>
-            <a:normAutofit fontScale="70000" lnSpcReduction="20000"/>
+            <a:normAutofit fontScale="92500" lnSpcReduction="10000"/>
           </a:bodyPr>
           <a:lstStyle/>
           <a:p>
@@ -12240,7 +13831,7 @@
     </p:spTree>
     <p:extLst>
       <p:ext uri="{BB962C8B-B14F-4D97-AF65-F5344CB8AC3E}">
-        <p14:creationId xmlns="" xmlns:p14="http://schemas.microsoft.com/office/powerpoint/2010/main" val="1113760290"/>
+        <p14:creationId xmlns:p14="http://schemas.microsoft.com/office/powerpoint/2010/main" val="1113760290"/>
       </p:ext>
     </p:extLst>
   </p:cSld>
@@ -12954,7 +14545,7 @@
     </p:spTree>
     <p:extLst>
       <p:ext uri="{BB962C8B-B14F-4D97-AF65-F5344CB8AC3E}">
-        <p14:creationId xmlns="" xmlns:p14="http://schemas.microsoft.com/office/powerpoint/2010/main" val="3011033621"/>
+        <p14:creationId xmlns:p14="http://schemas.microsoft.com/office/powerpoint/2010/main" val="3011033621"/>
       </p:ext>
     </p:extLst>
   </p:cSld>
@@ -12967,7 +14558,7 @@
 <file path=ppt/theme/theme1.xml><?xml version="1.0" encoding="utf-8"?>
 <a:theme xmlns:a="http://schemas.openxmlformats.org/drawingml/2006/main" name="Tema di Office">
   <a:themeElements>
-    <a:clrScheme name="Tema di Office">
+    <a:clrScheme name="Office">
       <a:dk1>
         <a:sysClr val="windowText" lastClr="000000"/>
       </a:dk1>
@@ -13005,9 +14596,9 @@
         <a:srgbClr val="954F72"/>
       </a:folHlink>
     </a:clrScheme>
-    <a:fontScheme name="Tema di Office">
+    <a:fontScheme name="Office">
       <a:majorFont>
-        <a:latin typeface="Calibri Light"/>
+        <a:latin typeface="Calibri Light" panose="020F0302020204030204"/>
         <a:ea typeface=""/>
         <a:cs typeface=""/>
         <a:font script="Jpan" typeface="ＭＳ Ｐゴシック"/>
@@ -13042,7 +14633,7 @@
         <a:font script="Geor" typeface="Sylfaen"/>
       </a:majorFont>
       <a:minorFont>
-        <a:latin typeface="Calibri"/>
+        <a:latin typeface="Calibri" panose="020F0502020204030204"/>
         <a:ea typeface=""/>
         <a:cs typeface=""/>
         <a:font script="Jpan" typeface="ＭＳ Ｐゴシック"/>
@@ -13077,7 +14668,7 @@
         <a:font script="Geor" typeface="Sylfaen"/>
       </a:minorFont>
     </a:fontScheme>
-    <a:fmtScheme name="Tema di Office">
+    <a:fmtScheme name="Office">
       <a:fillStyleLst>
         <a:solidFill>
           <a:schemeClr val="phClr"/>
@@ -13219,7 +14810,7 @@
   <a:extraClrSchemeLst/>
   <a:extLst>
     <a:ext uri="{05A4C25C-085E-4340-85A3-A5531E510DB2}">
-      <thm15:themeFamily xmlns="" xmlns:thm15="http://schemas.microsoft.com/office/thememl/2012/main" name="Office Theme" id="{62F939B6-93AF-4DB8-9C6B-D6C7DFDC589F}" vid="{4A3C46E8-61CC-4603-A589-7422A47A8E4A}"/>
+      <thm15:themeFamily xmlns:thm15="http://schemas.microsoft.com/office/thememl/2012/main" name="Office Theme" id="{62F939B6-93AF-4DB8-9C6B-D6C7DFDC589F}" vid="{4A3C46E8-61CC-4603-A589-7422A47A8E4A}"/>
     </a:ext>
   </a:extLst>
 </a:theme>

--- a/Prova_6/Leone_Mastrosimone_PresentazioneProgetto.pptx
+++ b/Prova_6/Leone_Mastrosimone_PresentazioneProgetto.pptx
@@ -2,7 +2,7 @@
 <file path=ppt/presentation.xml><?xml version="1.0" encoding="utf-8"?>
 <p:presentation xmlns:a="http://schemas.openxmlformats.org/drawingml/2006/main" xmlns:r="http://schemas.openxmlformats.org/officeDocument/2006/relationships" xmlns:p="http://schemas.openxmlformats.org/presentationml/2006/main" saveSubsetFonts="1">
   <p:sldMasterIdLst>
-    <p:sldMasterId id="2147483701" r:id="rId1"/>
+    <p:sldMasterId id="2147483773" r:id="rId1"/>
   </p:sldMasterIdLst>
   <p:sldIdLst>
     <p:sldId id="256" r:id="rId2"/>
@@ -162,7 +162,7 @@
 </file>
 
 <file path=ppt/slideLayouts/slideLayout1.xml><?xml version="1.0" encoding="utf-8"?>
-<p:sldLayout xmlns:a="http://schemas.openxmlformats.org/drawingml/2006/main" xmlns:r="http://schemas.openxmlformats.org/officeDocument/2006/relationships" xmlns:p="http://schemas.openxmlformats.org/presentationml/2006/main" type="title" preserve="1">
+<p:sldLayout xmlns:a="http://schemas.openxmlformats.org/drawingml/2006/main" xmlns:r="http://schemas.openxmlformats.org/officeDocument/2006/relationships" xmlns:p="http://schemas.openxmlformats.org/presentationml/2006/main" showMasterSp="0" type="title" preserve="1">
   <p:cSld name="Diapositiva titolo">
     <p:spTree>
       <p:nvGrpSpPr>
@@ -180,7 +180,47 @@
       </p:grpSpPr>
       <p:sp>
         <p:nvSpPr>
-          <p:cNvPr id="2" name="Titolo 1"/>
+          <p:cNvPr id="7" name="Rectangle 6"/>
+          <p:cNvSpPr/>
+          <p:nvPr/>
+        </p:nvSpPr>
+        <p:spPr>
+          <a:xfrm>
+            <a:off x="182879" y="182879"/>
+            <a:ext cx="8778240" cy="6492240"/>
+          </a:xfrm>
+          <a:prstGeom prst="rect">
+            <a:avLst/>
+          </a:prstGeom>
+          <a:solidFill>
+            <a:schemeClr val="bg1"/>
+          </a:solidFill>
+          <a:ln w="12700">
+            <a:solidFill>
+              <a:srgbClr val="FFFFFF"/>
+            </a:solidFill>
+          </a:ln>
+        </p:spPr>
+        <p:style>
+          <a:lnRef idx="2">
+            <a:schemeClr val="accent1">
+              <a:shade val="50000"/>
+            </a:schemeClr>
+          </a:lnRef>
+          <a:fillRef idx="1">
+            <a:schemeClr val="accent1"/>
+          </a:fillRef>
+          <a:effectRef idx="0">
+            <a:schemeClr val="accent1"/>
+          </a:effectRef>
+          <a:fontRef idx="minor">
+            <a:schemeClr val="lt1"/>
+          </a:fontRef>
+        </p:style>
+      </p:sp>
+      <p:sp>
+        <p:nvSpPr>
+          <p:cNvPr id="2" name="Title 1"/>
           <p:cNvSpPr>
             <a:spLocks noGrp="1"/>
           </p:cNvSpPr>
@@ -190,15 +230,34 @@
         </p:nvSpPr>
         <p:spPr>
           <a:xfrm>
-            <a:off x="1143000" y="1122363"/>
-            <a:ext cx="6858000" cy="2387600"/>
+            <a:off x="832485" y="882376"/>
+            <a:ext cx="7475220" cy="2926080"/>
           </a:xfrm>
         </p:spPr>
         <p:txBody>
-          <a:bodyPr anchor="b"/>
+          <a:bodyPr anchor="b">
+            <a:normAutofit/>
+          </a:bodyPr>
           <a:lstStyle>
             <a:lvl1pPr algn="ctr">
-              <a:defRPr sz="4500"/>
+              <a:lnSpc>
+                <a:spcPct val="85000"/>
+              </a:lnSpc>
+              <a:defRPr sz="6000" b="1" cap="all" baseline="0">
+                <a:ln w="15875">
+                  <a:solidFill>
+                    <a:schemeClr val="bg1"/>
+                  </a:solidFill>
+                </a:ln>
+                <a:solidFill>
+                  <a:schemeClr val="accent1"/>
+                </a:solidFill>
+                <a:effectLst>
+                  <a:outerShdw dist="38100" dir="2700000" algn="tl" rotWithShape="0">
+                    <a:schemeClr val="accent1"/>
+                  </a:outerShdw>
+                </a:effectLst>
+              </a:defRPr>
             </a:lvl1pPr>
           </a:lstStyle>
           <a:p>
@@ -206,13 +265,13 @@
               <a:rPr lang="it-IT" smtClean="0"/>
               <a:t>Fare clic per modificare lo stile del titolo</a:t>
             </a:r>
-            <a:endParaRPr lang="it-IT"/>
+            <a:endParaRPr lang="en-US" dirty="0"/>
           </a:p>
         </p:txBody>
       </p:sp>
       <p:sp>
         <p:nvSpPr>
-          <p:cNvPr id="3" name="Sottotitolo 2"/>
+          <p:cNvPr id="3" name="Subtitle 2"/>
           <p:cNvSpPr>
             <a:spLocks noGrp="1"/>
           </p:cNvSpPr>
@@ -222,48 +281,57 @@
         </p:nvSpPr>
         <p:spPr>
           <a:xfrm>
-            <a:off x="1143000" y="3602038"/>
-            <a:ext cx="6858000" cy="1655762"/>
+            <a:off x="1282148" y="3869635"/>
+            <a:ext cx="6575895" cy="1388165"/>
           </a:xfrm>
         </p:spPr>
         <p:txBody>
-          <a:bodyPr/>
+          <a:bodyPr>
+            <a:normAutofit/>
+          </a:bodyPr>
           <a:lstStyle>
             <a:lvl1pPr marL="0" indent="0" algn="ctr">
+              <a:spcBef>
+                <a:spcPts val="1000"/>
+              </a:spcBef>
               <a:buNone/>
-              <a:defRPr sz="1800"/>
+              <a:defRPr sz="1800">
+                <a:solidFill>
+                  <a:schemeClr val="accent1"/>
+                </a:solidFill>
+              </a:defRPr>
             </a:lvl1pPr>
             <a:lvl2pPr marL="342900" indent="0" algn="ctr">
               <a:buNone/>
-              <a:defRPr sz="1500"/>
+              <a:defRPr sz="1800"/>
             </a:lvl2pPr>
             <a:lvl3pPr marL="685800" indent="0" algn="ctr">
               <a:buNone/>
-              <a:defRPr sz="1350"/>
+              <a:defRPr sz="1800"/>
             </a:lvl3pPr>
             <a:lvl4pPr marL="1028700" indent="0" algn="ctr">
               <a:buNone/>
-              <a:defRPr sz="1200"/>
+              <a:defRPr sz="1500"/>
             </a:lvl4pPr>
             <a:lvl5pPr marL="1371600" indent="0" algn="ctr">
               <a:buNone/>
-              <a:defRPr sz="1200"/>
+              <a:defRPr sz="1500"/>
             </a:lvl5pPr>
             <a:lvl6pPr marL="1714500" indent="0" algn="ctr">
               <a:buNone/>
-              <a:defRPr sz="1200"/>
+              <a:defRPr sz="1500"/>
             </a:lvl6pPr>
             <a:lvl7pPr marL="2057400" indent="0" algn="ctr">
               <a:buNone/>
-              <a:defRPr sz="1200"/>
+              <a:defRPr sz="1500"/>
             </a:lvl7pPr>
             <a:lvl8pPr marL="2400300" indent="0" algn="ctr">
               <a:buNone/>
-              <a:defRPr sz="1200"/>
+              <a:defRPr sz="1500"/>
             </a:lvl8pPr>
             <a:lvl9pPr marL="2743200" indent="0" algn="ctr">
               <a:buNone/>
-              <a:defRPr sz="1200"/>
+              <a:defRPr sz="1500"/>
             </a:lvl9pPr>
           </a:lstStyle>
           <a:p>
@@ -271,13 +339,13 @@
               <a:rPr lang="it-IT" smtClean="0"/>
               <a:t>Fare clic per modificare lo stile del sottotitolo dello schema</a:t>
             </a:r>
-            <a:endParaRPr lang="it-IT"/>
+            <a:endParaRPr lang="en-US" dirty="0"/>
           </a:p>
         </p:txBody>
       </p:sp>
       <p:sp>
         <p:nvSpPr>
-          <p:cNvPr id="4" name="Segnaposto data 3"/>
+          <p:cNvPr id="4" name="Date Placeholder 3"/>
           <p:cNvSpPr>
             <a:spLocks noGrp="1"/>
           </p:cNvSpPr>
@@ -288,7 +356,15 @@
         <p:spPr/>
         <p:txBody>
           <a:bodyPr/>
-          <a:lstStyle/>
+          <a:lstStyle>
+            <a:lvl1pPr>
+              <a:defRPr>
+                <a:solidFill>
+                  <a:schemeClr val="accent1"/>
+                </a:solidFill>
+              </a:defRPr>
+            </a:lvl1pPr>
+          </a:lstStyle>
           <a:p>
             <a:fld id="{9FB86531-A28F-4E1C-99B5-5C225A123870}" type="datetimeFigureOut">
               <a:rPr lang="it-IT" smtClean="0"/>
@@ -301,7 +377,7 @@
       </p:sp>
       <p:sp>
         <p:nvSpPr>
-          <p:cNvPr id="5" name="Segnaposto piè di pagina 4"/>
+          <p:cNvPr id="5" name="Footer Placeholder 4"/>
           <p:cNvSpPr>
             <a:spLocks noGrp="1"/>
           </p:cNvSpPr>
@@ -312,7 +388,15 @@
         <p:spPr/>
         <p:txBody>
           <a:bodyPr/>
-          <a:lstStyle/>
+          <a:lstStyle>
+            <a:lvl1pPr>
+              <a:defRPr>
+                <a:solidFill>
+                  <a:schemeClr val="accent1"/>
+                </a:solidFill>
+              </a:defRPr>
+            </a:lvl1pPr>
+          </a:lstStyle>
           <a:p>
             <a:endParaRPr lang="it-IT"/>
           </a:p>
@@ -320,7 +404,7 @@
       </p:sp>
       <p:sp>
         <p:nvSpPr>
-          <p:cNvPr id="6" name="Segnaposto numero diapositiva 5"/>
+          <p:cNvPr id="6" name="Slide Number Placeholder 5"/>
           <p:cNvSpPr>
             <a:spLocks noGrp="1"/>
           </p:cNvSpPr>
@@ -331,7 +415,15 @@
         <p:spPr/>
         <p:txBody>
           <a:bodyPr/>
-          <a:lstStyle/>
+          <a:lstStyle>
+            <a:lvl1pPr>
+              <a:defRPr>
+                <a:solidFill>
+                  <a:schemeClr val="accent1"/>
+                </a:solidFill>
+              </a:defRPr>
+            </a:lvl1pPr>
+          </a:lstStyle>
           <a:p>
             <a:fld id="{39A1D135-D84D-4CF9-8627-C7CF96A2E246}" type="slidenum">
               <a:rPr lang="it-IT" smtClean="0"/>
@@ -342,10 +434,45 @@
           </a:p>
         </p:txBody>
       </p:sp>
+      <p:cxnSp>
+        <p:nvCxnSpPr>
+          <p:cNvPr id="8" name="Straight Connector 7"/>
+          <p:cNvCxnSpPr/>
+          <p:nvPr/>
+        </p:nvCxnSpPr>
+        <p:spPr>
+          <a:xfrm>
+            <a:off x="1483995" y="3733800"/>
+            <a:ext cx="6172201" cy="0"/>
+          </a:xfrm>
+          <a:prstGeom prst="line">
+            <a:avLst/>
+          </a:prstGeom>
+          <a:ln>
+            <a:solidFill>
+              <a:schemeClr val="accent1"/>
+            </a:solidFill>
+          </a:ln>
+        </p:spPr>
+        <p:style>
+          <a:lnRef idx="1">
+            <a:schemeClr val="accent1"/>
+          </a:lnRef>
+          <a:fillRef idx="0">
+            <a:schemeClr val="accent1"/>
+          </a:fillRef>
+          <a:effectRef idx="0">
+            <a:schemeClr val="accent1"/>
+          </a:effectRef>
+          <a:fontRef idx="minor">
+            <a:schemeClr val="tx1"/>
+          </a:fontRef>
+        </p:style>
+      </p:cxnSp>
     </p:spTree>
     <p:extLst>
       <p:ext uri="{BB962C8B-B14F-4D97-AF65-F5344CB8AC3E}">
-        <p14:creationId xmlns:p14="http://schemas.microsoft.com/office/powerpoint/2010/main" val="2794966829"/>
+        <p14:creationId xmlns:p14="http://schemas.microsoft.com/office/powerpoint/2010/main" val="2486039656"/>
       </p:ext>
     </p:extLst>
   </p:cSld>
@@ -374,7 +501,7 @@
       </p:grpSpPr>
       <p:sp>
         <p:nvSpPr>
-          <p:cNvPr id="2" name="Titolo 1"/>
+          <p:cNvPr id="2" name="Title 1"/>
           <p:cNvSpPr>
             <a:spLocks noGrp="1"/>
           </p:cNvSpPr>
@@ -391,13 +518,13 @@
               <a:rPr lang="it-IT" smtClean="0"/>
               <a:t>Fare clic per modificare lo stile del titolo</a:t>
             </a:r>
-            <a:endParaRPr lang="it-IT"/>
+            <a:endParaRPr lang="en-US" dirty="0"/>
           </a:p>
         </p:txBody>
       </p:sp>
       <p:sp>
         <p:nvSpPr>
-          <p:cNvPr id="3" name="Segnaposto testo verticale 2"/>
+          <p:cNvPr id="3" name="Vertical Text Placeholder 2"/>
           <p:cNvSpPr>
             <a:spLocks noGrp="1"/>
           </p:cNvSpPr>
@@ -443,13 +570,13 @@
               <a:rPr lang="it-IT" smtClean="0"/>
               <a:t>Quinto livello</a:t>
             </a:r>
-            <a:endParaRPr lang="it-IT"/>
+            <a:endParaRPr lang="en-US" dirty="0"/>
           </a:p>
         </p:txBody>
       </p:sp>
       <p:sp>
         <p:nvSpPr>
-          <p:cNvPr id="4" name="Segnaposto data 3"/>
+          <p:cNvPr id="4" name="Date Placeholder 3"/>
           <p:cNvSpPr>
             <a:spLocks noGrp="1"/>
           </p:cNvSpPr>
@@ -473,7 +600,7 @@
       </p:sp>
       <p:sp>
         <p:nvSpPr>
-          <p:cNvPr id="5" name="Segnaposto piè di pagina 4"/>
+          <p:cNvPr id="5" name="Footer Placeholder 4"/>
           <p:cNvSpPr>
             <a:spLocks noGrp="1"/>
           </p:cNvSpPr>
@@ -492,7 +619,7 @@
       </p:sp>
       <p:sp>
         <p:nvSpPr>
-          <p:cNvPr id="6" name="Segnaposto numero diapositiva 5"/>
+          <p:cNvPr id="6" name="Slide Number Placeholder 5"/>
           <p:cNvSpPr>
             <a:spLocks noGrp="1"/>
           </p:cNvSpPr>
@@ -517,7 +644,7 @@
     </p:spTree>
     <p:extLst>
       <p:ext uri="{BB962C8B-B14F-4D97-AF65-F5344CB8AC3E}">
-        <p14:creationId xmlns:p14="http://schemas.microsoft.com/office/powerpoint/2010/main" val="3137592929"/>
+        <p14:creationId xmlns:p14="http://schemas.microsoft.com/office/powerpoint/2010/main" val="3339749931"/>
       </p:ext>
     </p:extLst>
   </p:cSld>
@@ -546,7 +673,7 @@
       </p:grpSpPr>
       <p:sp>
         <p:nvSpPr>
-          <p:cNvPr id="2" name="Titolo verticale 1"/>
+          <p:cNvPr id="2" name="Vertical Title 1"/>
           <p:cNvSpPr>
             <a:spLocks noGrp="1"/>
           </p:cNvSpPr>
@@ -556,8 +683,8 @@
         </p:nvSpPr>
         <p:spPr>
           <a:xfrm>
-            <a:off x="6543675" y="365125"/>
-            <a:ext cx="1971675" cy="5811838"/>
+            <a:off x="6543675" y="762000"/>
+            <a:ext cx="1743075" cy="5410200"/>
           </a:xfrm>
         </p:spPr>
         <p:txBody>
@@ -568,13 +695,13 @@
               <a:rPr lang="it-IT" smtClean="0"/>
               <a:t>Fare clic per modificare lo stile del titolo</a:t>
             </a:r>
-            <a:endParaRPr lang="it-IT"/>
+            <a:endParaRPr lang="en-US" dirty="0"/>
           </a:p>
         </p:txBody>
       </p:sp>
       <p:sp>
         <p:nvSpPr>
-          <p:cNvPr id="3" name="Segnaposto testo verticale 2"/>
+          <p:cNvPr id="3" name="Vertical Text Placeholder 2"/>
           <p:cNvSpPr>
             <a:spLocks noGrp="1"/>
           </p:cNvSpPr>
@@ -584,8 +711,8 @@
         </p:nvSpPr>
         <p:spPr>
           <a:xfrm>
-            <a:off x="628650" y="365125"/>
-            <a:ext cx="5800725" cy="5811838"/>
+            <a:off x="857250" y="762000"/>
+            <a:ext cx="5572125" cy="5410200"/>
           </a:xfrm>
         </p:spPr>
         <p:txBody>
@@ -625,13 +752,13 @@
               <a:rPr lang="it-IT" smtClean="0"/>
               <a:t>Quinto livello</a:t>
             </a:r>
-            <a:endParaRPr lang="it-IT"/>
+            <a:endParaRPr lang="en-US" dirty="0"/>
           </a:p>
         </p:txBody>
       </p:sp>
       <p:sp>
         <p:nvSpPr>
-          <p:cNvPr id="4" name="Segnaposto data 3"/>
+          <p:cNvPr id="4" name="Date Placeholder 3"/>
           <p:cNvSpPr>
             <a:spLocks noGrp="1"/>
           </p:cNvSpPr>
@@ -655,7 +782,7 @@
       </p:sp>
       <p:sp>
         <p:nvSpPr>
-          <p:cNvPr id="5" name="Segnaposto piè di pagina 4"/>
+          <p:cNvPr id="5" name="Footer Placeholder 4"/>
           <p:cNvSpPr>
             <a:spLocks noGrp="1"/>
           </p:cNvSpPr>
@@ -674,7 +801,7 @@
       </p:sp>
       <p:sp>
         <p:nvSpPr>
-          <p:cNvPr id="6" name="Segnaposto numero diapositiva 5"/>
+          <p:cNvPr id="6" name="Slide Number Placeholder 5"/>
           <p:cNvSpPr>
             <a:spLocks noGrp="1"/>
           </p:cNvSpPr>
@@ -699,7 +826,7 @@
     </p:spTree>
     <p:extLst>
       <p:ext uri="{BB962C8B-B14F-4D97-AF65-F5344CB8AC3E}">
-        <p14:creationId xmlns:p14="http://schemas.microsoft.com/office/powerpoint/2010/main" val="3539137821"/>
+        <p14:creationId xmlns:p14="http://schemas.microsoft.com/office/powerpoint/2010/main" val="632050524"/>
       </p:ext>
     </p:extLst>
   </p:cSld>
@@ -728,7 +855,7 @@
       </p:grpSpPr>
       <p:sp>
         <p:nvSpPr>
-          <p:cNvPr id="2" name="Titolo 1"/>
+          <p:cNvPr id="2" name="Title 1"/>
           <p:cNvSpPr>
             <a:spLocks noGrp="1"/>
           </p:cNvSpPr>
@@ -745,13 +872,13 @@
               <a:rPr lang="it-IT" smtClean="0"/>
               <a:t>Fare clic per modificare lo stile del titolo</a:t>
             </a:r>
-            <a:endParaRPr lang="it-IT"/>
+            <a:endParaRPr lang="en-US" dirty="0"/>
           </a:p>
         </p:txBody>
       </p:sp>
       <p:sp>
         <p:nvSpPr>
-          <p:cNvPr id="3" name="Segnaposto contenuto 2"/>
+          <p:cNvPr id="3" name="Content Placeholder 2"/>
           <p:cNvSpPr>
             <a:spLocks noGrp="1"/>
           </p:cNvSpPr>
@@ -762,7 +889,14 @@
         <p:spPr/>
         <p:txBody>
           <a:bodyPr/>
-          <a:lstStyle/>
+          <a:lstStyle>
+            <a:lvl1pPr>
+              <a:spcBef>
+                <a:spcPts val="1000"/>
+              </a:spcBef>
+              <a:defRPr/>
+            </a:lvl1pPr>
+          </a:lstStyle>
           <a:p>
             <a:pPr lvl="0"/>
             <a:r>
@@ -797,13 +931,13 @@
               <a:rPr lang="it-IT" smtClean="0"/>
               <a:t>Quinto livello</a:t>
             </a:r>
-            <a:endParaRPr lang="it-IT"/>
+            <a:endParaRPr lang="en-US" dirty="0"/>
           </a:p>
         </p:txBody>
       </p:sp>
       <p:sp>
         <p:nvSpPr>
-          <p:cNvPr id="4" name="Segnaposto data 3"/>
+          <p:cNvPr id="4" name="Date Placeholder 3"/>
           <p:cNvSpPr>
             <a:spLocks noGrp="1"/>
           </p:cNvSpPr>
@@ -827,7 +961,7 @@
       </p:sp>
       <p:sp>
         <p:nvSpPr>
-          <p:cNvPr id="5" name="Segnaposto piè di pagina 4"/>
+          <p:cNvPr id="5" name="Footer Placeholder 4"/>
           <p:cNvSpPr>
             <a:spLocks noGrp="1"/>
           </p:cNvSpPr>
@@ -846,7 +980,7 @@
       </p:sp>
       <p:sp>
         <p:nvSpPr>
-          <p:cNvPr id="6" name="Segnaposto numero diapositiva 5"/>
+          <p:cNvPr id="6" name="Slide Number Placeholder 5"/>
           <p:cNvSpPr>
             <a:spLocks noGrp="1"/>
           </p:cNvSpPr>
@@ -871,7 +1005,7 @@
     </p:spTree>
     <p:extLst>
       <p:ext uri="{BB962C8B-B14F-4D97-AF65-F5344CB8AC3E}">
-        <p14:creationId xmlns:p14="http://schemas.microsoft.com/office/powerpoint/2010/main" val="2596279143"/>
+        <p14:creationId xmlns:p14="http://schemas.microsoft.com/office/powerpoint/2010/main" val="602288194"/>
       </p:ext>
     </p:extLst>
   </p:cSld>
@@ -900,7 +1034,7 @@
       </p:grpSpPr>
       <p:sp>
         <p:nvSpPr>
-          <p:cNvPr id="2" name="Titolo 1"/>
+          <p:cNvPr id="2" name="Title 1"/>
           <p:cNvSpPr>
             <a:spLocks noGrp="1"/>
           </p:cNvSpPr>
@@ -910,15 +1044,37 @@
         </p:nvSpPr>
         <p:spPr>
           <a:xfrm>
-            <a:off x="623888" y="1709739"/>
-            <a:ext cx="7886700" cy="2852737"/>
+            <a:off x="829818" y="1173575"/>
+            <a:ext cx="7475220" cy="2926080"/>
           </a:xfrm>
         </p:spPr>
         <p:txBody>
-          <a:bodyPr anchor="b"/>
+          <a:bodyPr anchor="b">
+            <a:noAutofit/>
+          </a:bodyPr>
           <a:lstStyle>
-            <a:lvl1pPr>
-              <a:defRPr sz="4500"/>
+            <a:lvl1pPr algn="ctr">
+              <a:lnSpc>
+                <a:spcPct val="85000"/>
+              </a:lnSpc>
+              <a:defRPr lang="en-US" sz="6000" b="1" kern="1200" cap="all" baseline="0" dirty="0">
+                <a:ln w="15875">
+                  <a:solidFill>
+                    <a:schemeClr val="bg1"/>
+                  </a:solidFill>
+                </a:ln>
+                <a:solidFill>
+                  <a:schemeClr val="accent1"/>
+                </a:solidFill>
+                <a:effectLst>
+                  <a:outerShdw dist="38100" dir="2700000" algn="tl" rotWithShape="0">
+                    <a:schemeClr val="accent1"/>
+                  </a:outerShdw>
+                </a:effectLst>
+                <a:latin typeface="+mj-lt"/>
+                <a:ea typeface="+mj-ea"/>
+                <a:cs typeface="+mj-cs"/>
+              </a:defRPr>
             </a:lvl1pPr>
           </a:lstStyle>
           <a:p>
@@ -926,13 +1082,13 @@
               <a:rPr lang="it-IT" smtClean="0"/>
               <a:t>Fare clic per modificare lo stile del titolo</a:t>
             </a:r>
-            <a:endParaRPr lang="it-IT"/>
+            <a:endParaRPr lang="en-US" dirty="0"/>
           </a:p>
         </p:txBody>
       </p:sp>
       <p:sp>
         <p:nvSpPr>
-          <p:cNvPr id="3" name="Segnaposto testo 2"/>
+          <p:cNvPr id="3" name="Text Placeholder 2"/>
           <p:cNvSpPr>
             <a:spLocks noGrp="1"/>
           </p:cNvSpPr>
@@ -942,26 +1098,26 @@
         </p:nvSpPr>
         <p:spPr>
           <a:xfrm>
-            <a:off x="623888" y="4589464"/>
-            <a:ext cx="7886700" cy="1500187"/>
+            <a:off x="1282446" y="4154520"/>
+            <a:ext cx="6576822" cy="1363806"/>
           </a:xfrm>
         </p:spPr>
         <p:txBody>
-          <a:bodyPr/>
+          <a:bodyPr anchor="t">
+            <a:normAutofit/>
+          </a:bodyPr>
           <a:lstStyle>
-            <a:lvl1pPr marL="0" indent="0">
+            <a:lvl1pPr marL="0" indent="0" algn="ctr">
               <a:buNone/>
               <a:defRPr sz="1800">
                 <a:solidFill>
-                  <a:schemeClr val="tx1">
-                    <a:tint val="75000"/>
-                  </a:schemeClr>
+                  <a:schemeClr val="accent1"/>
                 </a:solidFill>
               </a:defRPr>
             </a:lvl1pPr>
             <a:lvl2pPr marL="342900" indent="0">
               <a:buNone/>
-              <a:defRPr sz="1500">
+              <a:defRPr sz="1350">
                 <a:solidFill>
                   <a:schemeClr val="tx1">
                     <a:tint val="75000"/>
@@ -971,7 +1127,7 @@
             </a:lvl2pPr>
             <a:lvl3pPr marL="685800" indent="0">
               <a:buNone/>
-              <a:defRPr sz="1350">
+              <a:defRPr sz="1200">
                 <a:solidFill>
                   <a:schemeClr val="tx1">
                     <a:tint val="75000"/>
@@ -981,7 +1137,7 @@
             </a:lvl3pPr>
             <a:lvl4pPr marL="1028700" indent="0">
               <a:buNone/>
-              <a:defRPr sz="1200">
+              <a:defRPr sz="1050">
                 <a:solidFill>
                   <a:schemeClr val="tx1">
                     <a:tint val="75000"/>
@@ -991,7 +1147,7 @@
             </a:lvl4pPr>
             <a:lvl5pPr marL="1371600" indent="0">
               <a:buNone/>
-              <a:defRPr sz="1200">
+              <a:defRPr sz="1050">
                 <a:solidFill>
                   <a:schemeClr val="tx1">
                     <a:tint val="75000"/>
@@ -1001,7 +1157,7 @@
             </a:lvl5pPr>
             <a:lvl6pPr marL="1714500" indent="0">
               <a:buNone/>
-              <a:defRPr sz="1200">
+              <a:defRPr sz="1050">
                 <a:solidFill>
                   <a:schemeClr val="tx1">
                     <a:tint val="75000"/>
@@ -1011,7 +1167,7 @@
             </a:lvl6pPr>
             <a:lvl7pPr marL="2057400" indent="0">
               <a:buNone/>
-              <a:defRPr sz="1200">
+              <a:defRPr sz="1050">
                 <a:solidFill>
                   <a:schemeClr val="tx1">
                     <a:tint val="75000"/>
@@ -1021,7 +1177,7 @@
             </a:lvl7pPr>
             <a:lvl8pPr marL="2400300" indent="0">
               <a:buNone/>
-              <a:defRPr sz="1200">
+              <a:defRPr sz="1050">
                 <a:solidFill>
                   <a:schemeClr val="tx1">
                     <a:tint val="75000"/>
@@ -1031,7 +1187,7 @@
             </a:lvl8pPr>
             <a:lvl9pPr marL="2743200" indent="0">
               <a:buNone/>
-              <a:defRPr sz="1200">
+              <a:defRPr sz="1050">
                 <a:solidFill>
                   <a:schemeClr val="tx1">
                     <a:tint val="75000"/>
@@ -1051,7 +1207,7 @@
       </p:sp>
       <p:sp>
         <p:nvSpPr>
-          <p:cNvPr id="4" name="Segnaposto data 3"/>
+          <p:cNvPr id="4" name="Date Placeholder 3"/>
           <p:cNvSpPr>
             <a:spLocks noGrp="1"/>
           </p:cNvSpPr>
@@ -1075,7 +1231,7 @@
       </p:sp>
       <p:sp>
         <p:nvSpPr>
-          <p:cNvPr id="5" name="Segnaposto piè di pagina 4"/>
+          <p:cNvPr id="5" name="Footer Placeholder 4"/>
           <p:cNvSpPr>
             <a:spLocks noGrp="1"/>
           </p:cNvSpPr>
@@ -1094,7 +1250,7 @@
       </p:sp>
       <p:sp>
         <p:nvSpPr>
-          <p:cNvPr id="6" name="Segnaposto numero diapositiva 5"/>
+          <p:cNvPr id="6" name="Slide Number Placeholder 5"/>
           <p:cNvSpPr>
             <a:spLocks noGrp="1"/>
           </p:cNvSpPr>
@@ -1116,10 +1272,45 @@
           </a:p>
         </p:txBody>
       </p:sp>
+      <p:cxnSp>
+        <p:nvCxnSpPr>
+          <p:cNvPr id="7" name="Straight Connector 6"/>
+          <p:cNvCxnSpPr/>
+          <p:nvPr/>
+        </p:nvCxnSpPr>
+        <p:spPr>
+          <a:xfrm>
+            <a:off x="1485900" y="4020408"/>
+            <a:ext cx="6172201" cy="0"/>
+          </a:xfrm>
+          <a:prstGeom prst="line">
+            <a:avLst/>
+          </a:prstGeom>
+          <a:ln>
+            <a:solidFill>
+              <a:schemeClr val="accent1"/>
+            </a:solidFill>
+          </a:ln>
+        </p:spPr>
+        <p:style>
+          <a:lnRef idx="1">
+            <a:schemeClr val="accent1"/>
+          </a:lnRef>
+          <a:fillRef idx="0">
+            <a:schemeClr val="accent1"/>
+          </a:fillRef>
+          <a:effectRef idx="0">
+            <a:schemeClr val="accent1"/>
+          </a:effectRef>
+          <a:fontRef idx="minor">
+            <a:schemeClr val="tx1"/>
+          </a:fontRef>
+        </p:style>
+      </p:cxnSp>
     </p:spTree>
     <p:extLst>
       <p:ext uri="{BB962C8B-B14F-4D97-AF65-F5344CB8AC3E}">
-        <p14:creationId xmlns:p14="http://schemas.microsoft.com/office/powerpoint/2010/main" val="165791784"/>
+        <p14:creationId xmlns:p14="http://schemas.microsoft.com/office/powerpoint/2010/main" val="91292402"/>
       </p:ext>
     </p:extLst>
   </p:cSld>
@@ -1148,7 +1339,7 @@
       </p:grpSpPr>
       <p:sp>
         <p:nvSpPr>
-          <p:cNvPr id="2" name="Titolo 1"/>
+          <p:cNvPr id="8" name="Title 7"/>
           <p:cNvSpPr>
             <a:spLocks noGrp="1"/>
           </p:cNvSpPr>
@@ -1165,13 +1356,13 @@
               <a:rPr lang="it-IT" smtClean="0"/>
               <a:t>Fare clic per modificare lo stile del titolo</a:t>
             </a:r>
-            <a:endParaRPr lang="it-IT"/>
+            <a:endParaRPr lang="en-US" dirty="0"/>
           </a:p>
         </p:txBody>
       </p:sp>
       <p:sp>
         <p:nvSpPr>
-          <p:cNvPr id="3" name="Segnaposto contenuto 2"/>
+          <p:cNvPr id="3" name="Content Placeholder 2"/>
           <p:cNvSpPr>
             <a:spLocks noGrp="1"/>
           </p:cNvSpPr>
@@ -1181,13 +1372,41 @@
         </p:nvSpPr>
         <p:spPr>
           <a:xfrm>
-            <a:off x="628650" y="1825625"/>
-            <a:ext cx="3886200" cy="4351338"/>
+            <a:off x="857250" y="2057399"/>
+            <a:ext cx="3566160" cy="4023360"/>
           </a:xfrm>
         </p:spPr>
         <p:txBody>
           <a:bodyPr/>
-          <a:lstStyle/>
+          <a:lstStyle>
+            <a:lvl1pPr>
+              <a:defRPr sz="1650"/>
+            </a:lvl1pPr>
+            <a:lvl2pPr>
+              <a:defRPr sz="1500"/>
+            </a:lvl2pPr>
+            <a:lvl3pPr>
+              <a:defRPr sz="1350"/>
+            </a:lvl3pPr>
+            <a:lvl4pPr>
+              <a:defRPr sz="1200"/>
+            </a:lvl4pPr>
+            <a:lvl5pPr>
+              <a:defRPr sz="1200"/>
+            </a:lvl5pPr>
+            <a:lvl6pPr>
+              <a:defRPr sz="1200"/>
+            </a:lvl6pPr>
+            <a:lvl7pPr>
+              <a:defRPr sz="1200"/>
+            </a:lvl7pPr>
+            <a:lvl8pPr>
+              <a:defRPr sz="1200"/>
+            </a:lvl8pPr>
+            <a:lvl9pPr>
+              <a:defRPr sz="1200"/>
+            </a:lvl9pPr>
+          </a:lstStyle>
           <a:p>
             <a:pPr lvl="0"/>
             <a:r>
@@ -1222,13 +1441,13 @@
               <a:rPr lang="it-IT" smtClean="0"/>
               <a:t>Quinto livello</a:t>
             </a:r>
-            <a:endParaRPr lang="it-IT"/>
+            <a:endParaRPr lang="en-US" dirty="0"/>
           </a:p>
         </p:txBody>
       </p:sp>
       <p:sp>
         <p:nvSpPr>
-          <p:cNvPr id="4" name="Segnaposto contenuto 3"/>
+          <p:cNvPr id="4" name="Content Placeholder 3"/>
           <p:cNvSpPr>
             <a:spLocks noGrp="1"/>
           </p:cNvSpPr>
@@ -1238,13 +1457,41 @@
         </p:nvSpPr>
         <p:spPr>
           <a:xfrm>
-            <a:off x="4629150" y="1825625"/>
-            <a:ext cx="3886200" cy="4351338"/>
+            <a:off x="4700709" y="2057400"/>
+            <a:ext cx="3566160" cy="4023360"/>
           </a:xfrm>
         </p:spPr>
         <p:txBody>
           <a:bodyPr/>
-          <a:lstStyle/>
+          <a:lstStyle>
+            <a:lvl1pPr>
+              <a:defRPr sz="1650"/>
+            </a:lvl1pPr>
+            <a:lvl2pPr>
+              <a:defRPr sz="1500"/>
+            </a:lvl2pPr>
+            <a:lvl3pPr>
+              <a:defRPr sz="1350"/>
+            </a:lvl3pPr>
+            <a:lvl4pPr>
+              <a:defRPr sz="1200"/>
+            </a:lvl4pPr>
+            <a:lvl5pPr>
+              <a:defRPr sz="1200"/>
+            </a:lvl5pPr>
+            <a:lvl6pPr>
+              <a:defRPr sz="1200"/>
+            </a:lvl6pPr>
+            <a:lvl7pPr>
+              <a:defRPr sz="1200"/>
+            </a:lvl7pPr>
+            <a:lvl8pPr>
+              <a:defRPr sz="1200"/>
+            </a:lvl8pPr>
+            <a:lvl9pPr>
+              <a:defRPr sz="1200"/>
+            </a:lvl9pPr>
+          </a:lstStyle>
           <a:p>
             <a:pPr lvl="0"/>
             <a:r>
@@ -1279,13 +1526,13 @@
               <a:rPr lang="it-IT" smtClean="0"/>
               <a:t>Quinto livello</a:t>
             </a:r>
-            <a:endParaRPr lang="it-IT"/>
+            <a:endParaRPr lang="en-US" dirty="0"/>
           </a:p>
         </p:txBody>
       </p:sp>
       <p:sp>
         <p:nvSpPr>
-          <p:cNvPr id="5" name="Segnaposto data 4"/>
+          <p:cNvPr id="5" name="Date Placeholder 4"/>
           <p:cNvSpPr>
             <a:spLocks noGrp="1"/>
           </p:cNvSpPr>
@@ -1309,7 +1556,7 @@
       </p:sp>
       <p:sp>
         <p:nvSpPr>
-          <p:cNvPr id="6" name="Segnaposto piè di pagina 5"/>
+          <p:cNvPr id="6" name="Footer Placeholder 5"/>
           <p:cNvSpPr>
             <a:spLocks noGrp="1"/>
           </p:cNvSpPr>
@@ -1328,7 +1575,7 @@
       </p:sp>
       <p:sp>
         <p:nvSpPr>
-          <p:cNvPr id="7" name="Segnaposto numero diapositiva 6"/>
+          <p:cNvPr id="7" name="Slide Number Placeholder 6"/>
           <p:cNvSpPr>
             <a:spLocks noGrp="1"/>
           </p:cNvSpPr>
@@ -1353,7 +1600,7 @@
     </p:spTree>
     <p:extLst>
       <p:ext uri="{BB962C8B-B14F-4D97-AF65-F5344CB8AC3E}">
-        <p14:creationId xmlns:p14="http://schemas.microsoft.com/office/powerpoint/2010/main" val="2198079672"/>
+        <p14:creationId xmlns:p14="http://schemas.microsoft.com/office/powerpoint/2010/main" val="505113405"/>
       </p:ext>
     </p:extLst>
   </p:cSld>
@@ -1382,7 +1629,7 @@
       </p:grpSpPr>
       <p:sp>
         <p:nvSpPr>
-          <p:cNvPr id="2" name="Titolo 1"/>
+          <p:cNvPr id="10" name="Title 9"/>
           <p:cNvSpPr>
             <a:spLocks noGrp="1"/>
           </p:cNvSpPr>
@@ -1390,12 +1637,7 @@
             <p:ph type="title"/>
           </p:nvPr>
         </p:nvSpPr>
-        <p:spPr>
-          <a:xfrm>
-            <a:off x="629841" y="365126"/>
-            <a:ext cx="7886700" cy="1325563"/>
-          </a:xfrm>
-        </p:spPr>
+        <p:spPr/>
         <p:txBody>
           <a:bodyPr/>
           <a:lstStyle/>
@@ -1404,13 +1646,13 @@
               <a:rPr lang="it-IT" smtClean="0"/>
               <a:t>Fare clic per modificare lo stile del titolo</a:t>
             </a:r>
-            <a:endParaRPr lang="it-IT"/>
+            <a:endParaRPr lang="en-US" dirty="0"/>
           </a:p>
         </p:txBody>
       </p:sp>
       <p:sp>
         <p:nvSpPr>
-          <p:cNvPr id="3" name="Segnaposto testo 2"/>
+          <p:cNvPr id="3" name="Text Placeholder 2"/>
           <p:cNvSpPr>
             <a:spLocks noGrp="1"/>
           </p:cNvSpPr>
@@ -1420,14 +1662,17 @@
         </p:nvSpPr>
         <p:spPr>
           <a:xfrm>
-            <a:off x="629842" y="1681163"/>
-            <a:ext cx="3868340" cy="823912"/>
+            <a:off x="857250" y="2001511"/>
+            <a:ext cx="3566160" cy="777240"/>
           </a:xfrm>
         </p:spPr>
         <p:txBody>
-          <a:bodyPr anchor="b"/>
+          <a:bodyPr anchor="ctr"/>
           <a:lstStyle>
             <a:lvl1pPr marL="0" indent="0">
+              <a:spcBef>
+                <a:spcPts val="0"/>
+              </a:spcBef>
               <a:buNone/>
               <a:defRPr sz="1800" b="1"/>
             </a:lvl1pPr>
@@ -1475,7 +1720,7 @@
       </p:sp>
       <p:sp>
         <p:nvSpPr>
-          <p:cNvPr id="4" name="Segnaposto contenuto 3"/>
+          <p:cNvPr id="4" name="Content Placeholder 3"/>
           <p:cNvSpPr>
             <a:spLocks noGrp="1"/>
           </p:cNvSpPr>
@@ -1485,13 +1730,41 @@
         </p:nvSpPr>
         <p:spPr>
           <a:xfrm>
-            <a:off x="629842" y="2505075"/>
-            <a:ext cx="3868340" cy="3684588"/>
+            <a:off x="857250" y="2721483"/>
+            <a:ext cx="3566160" cy="3383280"/>
           </a:xfrm>
         </p:spPr>
         <p:txBody>
           <a:bodyPr/>
-          <a:lstStyle/>
+          <a:lstStyle>
+            <a:lvl1pPr>
+              <a:defRPr sz="1650"/>
+            </a:lvl1pPr>
+            <a:lvl2pPr>
+              <a:defRPr sz="1500"/>
+            </a:lvl2pPr>
+            <a:lvl3pPr>
+              <a:defRPr sz="1350"/>
+            </a:lvl3pPr>
+            <a:lvl4pPr>
+              <a:defRPr sz="1200"/>
+            </a:lvl4pPr>
+            <a:lvl5pPr>
+              <a:defRPr sz="1200"/>
+            </a:lvl5pPr>
+            <a:lvl6pPr>
+              <a:defRPr sz="1200"/>
+            </a:lvl6pPr>
+            <a:lvl7pPr>
+              <a:defRPr sz="1200"/>
+            </a:lvl7pPr>
+            <a:lvl8pPr>
+              <a:defRPr sz="1200"/>
+            </a:lvl8pPr>
+            <a:lvl9pPr>
+              <a:defRPr sz="1200"/>
+            </a:lvl9pPr>
+          </a:lstStyle>
           <a:p>
             <a:pPr lvl="0"/>
             <a:r>
@@ -1526,13 +1799,13 @@
               <a:rPr lang="it-IT" smtClean="0"/>
               <a:t>Quinto livello</a:t>
             </a:r>
-            <a:endParaRPr lang="it-IT"/>
+            <a:endParaRPr lang="en-US" dirty="0"/>
           </a:p>
         </p:txBody>
       </p:sp>
       <p:sp>
         <p:nvSpPr>
-          <p:cNvPr id="5" name="Segnaposto testo 4"/>
+          <p:cNvPr id="5" name="Text Placeholder 4"/>
           <p:cNvSpPr>
             <a:spLocks noGrp="1"/>
           </p:cNvSpPr>
@@ -1542,14 +1815,17 @@
         </p:nvSpPr>
         <p:spPr>
           <a:xfrm>
-            <a:off x="4629150" y="1681163"/>
-            <a:ext cx="3887391" cy="823912"/>
+            <a:off x="4701880" y="1999032"/>
+            <a:ext cx="3566160" cy="777240"/>
           </a:xfrm>
         </p:spPr>
         <p:txBody>
-          <a:bodyPr anchor="b"/>
+          <a:bodyPr anchor="ctr"/>
           <a:lstStyle>
             <a:lvl1pPr marL="0" indent="0">
+              <a:spcBef>
+                <a:spcPts val="0"/>
+              </a:spcBef>
               <a:buNone/>
               <a:defRPr sz="1800" b="1"/>
             </a:lvl1pPr>
@@ -1597,7 +1873,7 @@
       </p:sp>
       <p:sp>
         <p:nvSpPr>
-          <p:cNvPr id="6" name="Segnaposto contenuto 5"/>
+          <p:cNvPr id="6" name="Content Placeholder 5"/>
           <p:cNvSpPr>
             <a:spLocks noGrp="1"/>
           </p:cNvSpPr>
@@ -1607,13 +1883,41 @@
         </p:nvSpPr>
         <p:spPr>
           <a:xfrm>
-            <a:off x="4629150" y="2505075"/>
-            <a:ext cx="3887391" cy="3684588"/>
+            <a:off x="4701880" y="2719322"/>
+            <a:ext cx="3566160" cy="3383280"/>
           </a:xfrm>
         </p:spPr>
         <p:txBody>
           <a:bodyPr/>
-          <a:lstStyle/>
+          <a:lstStyle>
+            <a:lvl1pPr>
+              <a:defRPr sz="1650"/>
+            </a:lvl1pPr>
+            <a:lvl2pPr>
+              <a:defRPr sz="1500"/>
+            </a:lvl2pPr>
+            <a:lvl3pPr>
+              <a:defRPr sz="1350"/>
+            </a:lvl3pPr>
+            <a:lvl4pPr>
+              <a:defRPr sz="1200"/>
+            </a:lvl4pPr>
+            <a:lvl5pPr>
+              <a:defRPr sz="1200"/>
+            </a:lvl5pPr>
+            <a:lvl6pPr>
+              <a:defRPr sz="1200"/>
+            </a:lvl6pPr>
+            <a:lvl7pPr>
+              <a:defRPr sz="1200"/>
+            </a:lvl7pPr>
+            <a:lvl8pPr>
+              <a:defRPr sz="1200"/>
+            </a:lvl8pPr>
+            <a:lvl9pPr>
+              <a:defRPr sz="1200"/>
+            </a:lvl9pPr>
+          </a:lstStyle>
           <a:p>
             <a:pPr lvl="0"/>
             <a:r>
@@ -1648,13 +1952,13 @@
               <a:rPr lang="it-IT" smtClean="0"/>
               <a:t>Quinto livello</a:t>
             </a:r>
-            <a:endParaRPr lang="it-IT"/>
+            <a:endParaRPr lang="en-US" dirty="0"/>
           </a:p>
         </p:txBody>
       </p:sp>
       <p:sp>
         <p:nvSpPr>
-          <p:cNvPr id="7" name="Segnaposto data 6"/>
+          <p:cNvPr id="7" name="Date Placeholder 6"/>
           <p:cNvSpPr>
             <a:spLocks noGrp="1"/>
           </p:cNvSpPr>
@@ -1678,7 +1982,7 @@
       </p:sp>
       <p:sp>
         <p:nvSpPr>
-          <p:cNvPr id="8" name="Segnaposto piè di pagina 7"/>
+          <p:cNvPr id="8" name="Footer Placeholder 7"/>
           <p:cNvSpPr>
             <a:spLocks noGrp="1"/>
           </p:cNvSpPr>
@@ -1697,7 +2001,7 @@
       </p:sp>
       <p:sp>
         <p:nvSpPr>
-          <p:cNvPr id="9" name="Segnaposto numero diapositiva 8"/>
+          <p:cNvPr id="9" name="Slide Number Placeholder 8"/>
           <p:cNvSpPr>
             <a:spLocks noGrp="1"/>
           </p:cNvSpPr>
@@ -1722,7 +2026,7 @@
     </p:spTree>
     <p:extLst>
       <p:ext uri="{BB962C8B-B14F-4D97-AF65-F5344CB8AC3E}">
-        <p14:creationId xmlns:p14="http://schemas.microsoft.com/office/powerpoint/2010/main" val="3300625428"/>
+        <p14:creationId xmlns:p14="http://schemas.microsoft.com/office/powerpoint/2010/main" val="596680662"/>
       </p:ext>
     </p:extLst>
   </p:cSld>
@@ -1751,7 +2055,7 @@
       </p:grpSpPr>
       <p:sp>
         <p:nvSpPr>
-          <p:cNvPr id="2" name="Titolo 1"/>
+          <p:cNvPr id="2" name="Title 1"/>
           <p:cNvSpPr>
             <a:spLocks noGrp="1"/>
           </p:cNvSpPr>
@@ -1768,13 +2072,13 @@
               <a:rPr lang="it-IT" smtClean="0"/>
               <a:t>Fare clic per modificare lo stile del titolo</a:t>
             </a:r>
-            <a:endParaRPr lang="it-IT"/>
+            <a:endParaRPr lang="en-US" dirty="0"/>
           </a:p>
         </p:txBody>
       </p:sp>
       <p:sp>
         <p:nvSpPr>
-          <p:cNvPr id="3" name="Segnaposto data 2"/>
+          <p:cNvPr id="3" name="Date Placeholder 2"/>
           <p:cNvSpPr>
             <a:spLocks noGrp="1"/>
           </p:cNvSpPr>
@@ -1798,7 +2102,7 @@
       </p:sp>
       <p:sp>
         <p:nvSpPr>
-          <p:cNvPr id="4" name="Segnaposto piè di pagina 3"/>
+          <p:cNvPr id="4" name="Footer Placeholder 3"/>
           <p:cNvSpPr>
             <a:spLocks noGrp="1"/>
           </p:cNvSpPr>
@@ -1817,7 +2121,7 @@
       </p:sp>
       <p:sp>
         <p:nvSpPr>
-          <p:cNvPr id="5" name="Segnaposto numero diapositiva 4"/>
+          <p:cNvPr id="5" name="Slide Number Placeholder 4"/>
           <p:cNvSpPr>
             <a:spLocks noGrp="1"/>
           </p:cNvSpPr>
@@ -1842,7 +2146,7 @@
     </p:spTree>
     <p:extLst>
       <p:ext uri="{BB962C8B-B14F-4D97-AF65-F5344CB8AC3E}">
-        <p14:creationId xmlns:p14="http://schemas.microsoft.com/office/powerpoint/2010/main" val="3178282063"/>
+        <p14:creationId xmlns:p14="http://schemas.microsoft.com/office/powerpoint/2010/main" val="111129240"/>
       </p:ext>
     </p:extLst>
   </p:cSld>
@@ -1871,7 +2175,7 @@
       </p:grpSpPr>
       <p:sp>
         <p:nvSpPr>
-          <p:cNvPr id="2" name="Segnaposto data 1"/>
+          <p:cNvPr id="2" name="Date Placeholder 1"/>
           <p:cNvSpPr>
             <a:spLocks noGrp="1"/>
           </p:cNvSpPr>
@@ -1895,7 +2199,7 @@
       </p:sp>
       <p:sp>
         <p:nvSpPr>
-          <p:cNvPr id="3" name="Segnaposto piè di pagina 2"/>
+          <p:cNvPr id="3" name="Footer Placeholder 2"/>
           <p:cNvSpPr>
             <a:spLocks noGrp="1"/>
           </p:cNvSpPr>
@@ -1914,7 +2218,7 @@
       </p:sp>
       <p:sp>
         <p:nvSpPr>
-          <p:cNvPr id="4" name="Segnaposto numero diapositiva 3"/>
+          <p:cNvPr id="4" name="Slide Number Placeholder 3"/>
           <p:cNvSpPr>
             <a:spLocks noGrp="1"/>
           </p:cNvSpPr>
@@ -1939,7 +2243,7 @@
     </p:spTree>
     <p:extLst>
       <p:ext uri="{BB962C8B-B14F-4D97-AF65-F5344CB8AC3E}">
-        <p14:creationId xmlns:p14="http://schemas.microsoft.com/office/powerpoint/2010/main" val="1678428615"/>
+        <p14:creationId xmlns:p14="http://schemas.microsoft.com/office/powerpoint/2010/main" val="374442310"/>
       </p:ext>
     </p:extLst>
   </p:cSld>
@@ -1968,7 +2272,7 @@
       </p:grpSpPr>
       <p:sp>
         <p:nvSpPr>
-          <p:cNvPr id="2" name="Titolo 1"/>
+          <p:cNvPr id="2" name="Title 1"/>
           <p:cNvSpPr>
             <a:spLocks noGrp="1"/>
           </p:cNvSpPr>
@@ -1978,15 +2282,20 @@
         </p:nvSpPr>
         <p:spPr>
           <a:xfrm>
-            <a:off x="629841" y="457200"/>
-            <a:ext cx="2949178" cy="1600200"/>
+            <a:off x="857250" y="1097280"/>
+            <a:ext cx="2834640" cy="1737360"/>
           </a:xfrm>
         </p:spPr>
         <p:txBody>
-          <a:bodyPr anchor="b"/>
+          <a:bodyPr anchor="b">
+            <a:noAutofit/>
+          </a:bodyPr>
           <a:lstStyle>
             <a:lvl1pPr>
-              <a:defRPr sz="2400"/>
+              <a:lnSpc>
+                <a:spcPct val="90000"/>
+              </a:lnSpc>
+              <a:defRPr sz="3000" b="0"/>
             </a:lvl1pPr>
           </a:lstStyle>
           <a:p>
@@ -1994,13 +2303,13 @@
               <a:rPr lang="it-IT" smtClean="0"/>
               <a:t>Fare clic per modificare lo stile del titolo</a:t>
             </a:r>
-            <a:endParaRPr lang="it-IT"/>
+            <a:endParaRPr lang="en-US" dirty="0"/>
           </a:p>
         </p:txBody>
       </p:sp>
       <p:sp>
         <p:nvSpPr>
-          <p:cNvPr id="3" name="Segnaposto contenuto 2"/>
+          <p:cNvPr id="3" name="Content Placeholder 2"/>
           <p:cNvSpPr>
             <a:spLocks noGrp="1"/>
           </p:cNvSpPr>
@@ -2010,8 +2319,8 @@
         </p:nvSpPr>
         <p:spPr>
           <a:xfrm>
-            <a:off x="3887391" y="987426"/>
-            <a:ext cx="4629150" cy="4873625"/>
+            <a:off x="4129314" y="1097280"/>
+            <a:ext cx="4149638" cy="4663440"/>
           </a:xfrm>
         </p:spPr>
         <p:txBody>
@@ -2079,13 +2388,13 @@
               <a:rPr lang="it-IT" smtClean="0"/>
               <a:t>Quinto livello</a:t>
             </a:r>
-            <a:endParaRPr lang="it-IT"/>
+            <a:endParaRPr lang="en-US" dirty="0"/>
           </a:p>
         </p:txBody>
       </p:sp>
       <p:sp>
         <p:nvSpPr>
-          <p:cNvPr id="4" name="Segnaposto testo 3"/>
+          <p:cNvPr id="4" name="Text Placeholder 3"/>
           <p:cNvSpPr>
             <a:spLocks noGrp="1"/>
           </p:cNvSpPr>
@@ -2095,48 +2404,56 @@
         </p:nvSpPr>
         <p:spPr>
           <a:xfrm>
-            <a:off x="629841" y="2057400"/>
-            <a:ext cx="2949178" cy="3811588"/>
+            <a:off x="857250" y="2834640"/>
+            <a:ext cx="2834640" cy="2926080"/>
           </a:xfrm>
         </p:spPr>
         <p:txBody>
-          <a:bodyPr/>
+          <a:bodyPr>
+            <a:normAutofit/>
+          </a:bodyPr>
           <a:lstStyle>
             <a:lvl1pPr marL="0" indent="0">
+              <a:lnSpc>
+                <a:spcPct val="100000"/>
+              </a:lnSpc>
+              <a:spcBef>
+                <a:spcPts val="800"/>
+              </a:spcBef>
               <a:buNone/>
-              <a:defRPr sz="1200"/>
+              <a:defRPr sz="1275"/>
             </a:lvl1pPr>
             <a:lvl2pPr marL="342900" indent="0">
               <a:buNone/>
-              <a:defRPr sz="1050"/>
+              <a:defRPr sz="900"/>
             </a:lvl2pPr>
             <a:lvl3pPr marL="685800" indent="0">
               <a:buNone/>
-              <a:defRPr sz="900"/>
+              <a:defRPr sz="750"/>
             </a:lvl3pPr>
             <a:lvl4pPr marL="1028700" indent="0">
               <a:buNone/>
-              <a:defRPr sz="750"/>
+              <a:defRPr sz="675"/>
             </a:lvl4pPr>
             <a:lvl5pPr marL="1371600" indent="0">
               <a:buNone/>
-              <a:defRPr sz="750"/>
+              <a:defRPr sz="675"/>
             </a:lvl5pPr>
             <a:lvl6pPr marL="1714500" indent="0">
               <a:buNone/>
-              <a:defRPr sz="750"/>
+              <a:defRPr sz="675"/>
             </a:lvl6pPr>
             <a:lvl7pPr marL="2057400" indent="0">
               <a:buNone/>
-              <a:defRPr sz="750"/>
+              <a:defRPr sz="675"/>
             </a:lvl7pPr>
             <a:lvl8pPr marL="2400300" indent="0">
               <a:buNone/>
-              <a:defRPr sz="750"/>
+              <a:defRPr sz="675"/>
             </a:lvl8pPr>
             <a:lvl9pPr marL="2743200" indent="0">
               <a:buNone/>
-              <a:defRPr sz="750"/>
+              <a:defRPr sz="675"/>
             </a:lvl9pPr>
           </a:lstStyle>
           <a:p>
@@ -2150,7 +2467,7 @@
       </p:sp>
       <p:sp>
         <p:nvSpPr>
-          <p:cNvPr id="5" name="Segnaposto data 4"/>
+          <p:cNvPr id="5" name="Date Placeholder 4"/>
           <p:cNvSpPr>
             <a:spLocks noGrp="1"/>
           </p:cNvSpPr>
@@ -2174,7 +2491,7 @@
       </p:sp>
       <p:sp>
         <p:nvSpPr>
-          <p:cNvPr id="6" name="Segnaposto piè di pagina 5"/>
+          <p:cNvPr id="6" name="Footer Placeholder 5"/>
           <p:cNvSpPr>
             <a:spLocks noGrp="1"/>
           </p:cNvSpPr>
@@ -2193,7 +2510,7 @@
       </p:sp>
       <p:sp>
         <p:nvSpPr>
-          <p:cNvPr id="7" name="Segnaposto numero diapositiva 6"/>
+          <p:cNvPr id="7" name="Slide Number Placeholder 6"/>
           <p:cNvSpPr>
             <a:spLocks noGrp="1"/>
           </p:cNvSpPr>
@@ -2218,7 +2535,7 @@
     </p:spTree>
     <p:extLst>
       <p:ext uri="{BB962C8B-B14F-4D97-AF65-F5344CB8AC3E}">
-        <p14:creationId xmlns:p14="http://schemas.microsoft.com/office/powerpoint/2010/main" val="2896622390"/>
+        <p14:creationId xmlns:p14="http://schemas.microsoft.com/office/powerpoint/2010/main" val="3759602300"/>
       </p:ext>
     </p:extLst>
   </p:cSld>
@@ -2247,7 +2564,7 @@
       </p:grpSpPr>
       <p:sp>
         <p:nvSpPr>
-          <p:cNvPr id="2" name="Titolo 1"/>
+          <p:cNvPr id="2" name="Title 1"/>
           <p:cNvSpPr>
             <a:spLocks noGrp="1"/>
           </p:cNvSpPr>
@@ -2257,15 +2574,20 @@
         </p:nvSpPr>
         <p:spPr>
           <a:xfrm>
-            <a:off x="629841" y="457200"/>
-            <a:ext cx="2949178" cy="1600200"/>
+            <a:off x="857250" y="1097280"/>
+            <a:ext cx="2834640" cy="1737360"/>
           </a:xfrm>
         </p:spPr>
         <p:txBody>
-          <a:bodyPr anchor="b"/>
+          <a:bodyPr anchor="b">
+            <a:noAutofit/>
+          </a:bodyPr>
           <a:lstStyle>
             <a:lvl1pPr>
-              <a:defRPr sz="2400"/>
+              <a:lnSpc>
+                <a:spcPct val="90000"/>
+              </a:lnSpc>
+              <a:defRPr sz="3000" b="0"/>
             </a:lvl1pPr>
           </a:lstStyle>
           <a:p>
@@ -2273,15 +2595,15 @@
               <a:rPr lang="it-IT" smtClean="0"/>
               <a:t>Fare clic per modificare lo stile del titolo</a:t>
             </a:r>
-            <a:endParaRPr lang="it-IT"/>
+            <a:endParaRPr lang="en-US" dirty="0"/>
           </a:p>
         </p:txBody>
       </p:sp>
       <p:sp>
         <p:nvSpPr>
-          <p:cNvPr id="3" name="Segnaposto immagine 2"/>
+          <p:cNvPr id="3" name="Picture Placeholder 2"/>
           <p:cNvSpPr>
-            <a:spLocks noGrp="1"/>
+            <a:spLocks noGrp="1" noChangeAspect="1"/>
           </p:cNvSpPr>
           <p:nvPr>
             <p:ph type="pic" idx="1"/>
@@ -2289,16 +2611,18 @@
         </p:nvSpPr>
         <p:spPr>
           <a:xfrm>
-            <a:off x="3887391" y="987426"/>
-            <a:ext cx="4629150" cy="4873625"/>
+            <a:off x="4019107" y="1069847"/>
+            <a:ext cx="4257703" cy="4645153"/>
           </a:xfrm>
         </p:spPr>
         <p:txBody>
-          <a:bodyPr/>
+          <a:bodyPr lIns="274320" tIns="182880" anchor="t">
+            <a:normAutofit/>
+          </a:bodyPr>
           <a:lstStyle>
             <a:lvl1pPr marL="0" indent="0">
               <a:buNone/>
-              <a:defRPr sz="2400"/>
+              <a:defRPr sz="2100"/>
             </a:lvl1pPr>
             <a:lvl2pPr marL="342900" indent="0">
               <a:buNone/>
@@ -2334,13 +2658,17 @@
             </a:lvl9pPr>
           </a:lstStyle>
           <a:p>
-            <a:endParaRPr lang="it-IT"/>
+            <a:r>
+              <a:rPr lang="it-IT" smtClean="0"/>
+              <a:t>Fare clic sull'icona per inserire un'immagine</a:t>
+            </a:r>
+            <a:endParaRPr lang="en-US" dirty="0"/>
           </a:p>
         </p:txBody>
       </p:sp>
       <p:sp>
         <p:nvSpPr>
-          <p:cNvPr id="4" name="Segnaposto testo 3"/>
+          <p:cNvPr id="4" name="Text Placeholder 3"/>
           <p:cNvSpPr>
             <a:spLocks noGrp="1"/>
           </p:cNvSpPr>
@@ -2350,48 +2678,56 @@
         </p:nvSpPr>
         <p:spPr>
           <a:xfrm>
-            <a:off x="629841" y="2057400"/>
-            <a:ext cx="2949178" cy="3811588"/>
+            <a:off x="857250" y="2834640"/>
+            <a:ext cx="2834640" cy="2880360"/>
           </a:xfrm>
         </p:spPr>
         <p:txBody>
-          <a:bodyPr/>
+          <a:bodyPr>
+            <a:normAutofit/>
+          </a:bodyPr>
           <a:lstStyle>
             <a:lvl1pPr marL="0" indent="0">
+              <a:lnSpc>
+                <a:spcPct val="100000"/>
+              </a:lnSpc>
+              <a:spcBef>
+                <a:spcPts val="800"/>
+              </a:spcBef>
               <a:buNone/>
-              <a:defRPr sz="1200"/>
+              <a:defRPr sz="1275"/>
             </a:lvl1pPr>
             <a:lvl2pPr marL="342900" indent="0">
               <a:buNone/>
-              <a:defRPr sz="1050"/>
+              <a:defRPr sz="900"/>
             </a:lvl2pPr>
             <a:lvl3pPr marL="685800" indent="0">
               <a:buNone/>
-              <a:defRPr sz="900"/>
+              <a:defRPr sz="750"/>
             </a:lvl3pPr>
             <a:lvl4pPr marL="1028700" indent="0">
               <a:buNone/>
-              <a:defRPr sz="750"/>
+              <a:defRPr sz="675"/>
             </a:lvl4pPr>
             <a:lvl5pPr marL="1371600" indent="0">
               <a:buNone/>
-              <a:defRPr sz="750"/>
+              <a:defRPr sz="675"/>
             </a:lvl5pPr>
             <a:lvl6pPr marL="1714500" indent="0">
               <a:buNone/>
-              <a:defRPr sz="750"/>
+              <a:defRPr sz="675"/>
             </a:lvl6pPr>
             <a:lvl7pPr marL="2057400" indent="0">
               <a:buNone/>
-              <a:defRPr sz="750"/>
+              <a:defRPr sz="675"/>
             </a:lvl7pPr>
             <a:lvl8pPr marL="2400300" indent="0">
               <a:buNone/>
-              <a:defRPr sz="750"/>
+              <a:defRPr sz="675"/>
             </a:lvl8pPr>
             <a:lvl9pPr marL="2743200" indent="0">
               <a:buNone/>
-              <a:defRPr sz="750"/>
+              <a:defRPr sz="675"/>
             </a:lvl9pPr>
           </a:lstStyle>
           <a:p>
@@ -2405,7 +2741,7 @@
       </p:sp>
       <p:sp>
         <p:nvSpPr>
-          <p:cNvPr id="5" name="Segnaposto data 4"/>
+          <p:cNvPr id="5" name="Date Placeholder 4"/>
           <p:cNvSpPr>
             <a:spLocks noGrp="1"/>
           </p:cNvSpPr>
@@ -2429,7 +2765,7 @@
       </p:sp>
       <p:sp>
         <p:nvSpPr>
-          <p:cNvPr id="6" name="Segnaposto piè di pagina 5"/>
+          <p:cNvPr id="6" name="Footer Placeholder 5"/>
           <p:cNvSpPr>
             <a:spLocks noGrp="1"/>
           </p:cNvSpPr>
@@ -2448,7 +2784,7 @@
       </p:sp>
       <p:sp>
         <p:nvSpPr>
-          <p:cNvPr id="7" name="Segnaposto numero diapositiva 6"/>
+          <p:cNvPr id="7" name="Slide Number Placeholder 6"/>
           <p:cNvSpPr>
             <a:spLocks noGrp="1"/>
           </p:cNvSpPr>
@@ -2473,7 +2809,7 @@
     </p:spTree>
     <p:extLst>
       <p:ext uri="{BB962C8B-B14F-4D97-AF65-F5344CB8AC3E}">
-        <p14:creationId xmlns:p14="http://schemas.microsoft.com/office/powerpoint/2010/main" val="1794637463"/>
+        <p14:creationId xmlns:p14="http://schemas.microsoft.com/office/powerpoint/2010/main" val="957445324"/>
       </p:ext>
     </p:extLst>
   </p:cSld>
@@ -2488,38 +2824,9 @@
   <p:cSld>
     <p:bg>
       <p:bgPr>
-        <a:gradFill flip="none" rotWithShape="1">
-          <a:gsLst>
-            <a:gs pos="0">
-              <a:schemeClr val="accent6">
-                <a:lumMod val="5000"/>
-                <a:lumOff val="95000"/>
-              </a:schemeClr>
-            </a:gs>
-            <a:gs pos="74000">
-              <a:schemeClr val="accent6">
-                <a:lumMod val="45000"/>
-                <a:lumOff val="55000"/>
-              </a:schemeClr>
-            </a:gs>
-            <a:gs pos="83000">
-              <a:schemeClr val="accent6">
-                <a:lumMod val="45000"/>
-                <a:lumOff val="55000"/>
-              </a:schemeClr>
-            </a:gs>
-            <a:gs pos="100000">
-              <a:schemeClr val="accent6">
-                <a:lumMod val="30000"/>
-                <a:lumOff val="70000"/>
-              </a:schemeClr>
-            </a:gs>
-          </a:gsLst>
-          <a:path path="shape">
-            <a:fillToRect l="50000" t="50000" r="50000" b="50000"/>
-          </a:path>
-          <a:tileRect/>
-        </a:gradFill>
+        <a:solidFill>
+          <a:schemeClr val="accent1"/>
+        </a:solidFill>
         <a:effectLst/>
       </p:bgPr>
     </p:bg>
@@ -2539,7 +2846,47 @@
       </p:grpSpPr>
       <p:sp>
         <p:nvSpPr>
-          <p:cNvPr id="2" name="Segnaposto titolo 1"/>
+          <p:cNvPr id="7" name="Rectangle 6"/>
+          <p:cNvSpPr/>
+          <p:nvPr/>
+        </p:nvSpPr>
+        <p:spPr>
+          <a:xfrm>
+            <a:off x="182880" y="182880"/>
+            <a:ext cx="8778240" cy="6492240"/>
+          </a:xfrm>
+          <a:prstGeom prst="rect">
+            <a:avLst/>
+          </a:prstGeom>
+          <a:solidFill>
+            <a:schemeClr val="bg1"/>
+          </a:solidFill>
+          <a:ln w="12700">
+            <a:solidFill>
+              <a:schemeClr val="bg1"/>
+            </a:solidFill>
+          </a:ln>
+        </p:spPr>
+        <p:style>
+          <a:lnRef idx="2">
+            <a:schemeClr val="accent1">
+              <a:shade val="50000"/>
+            </a:schemeClr>
+          </a:lnRef>
+          <a:fillRef idx="1">
+            <a:schemeClr val="accent1"/>
+          </a:fillRef>
+          <a:effectRef idx="0">
+            <a:schemeClr val="accent1"/>
+          </a:effectRef>
+          <a:fontRef idx="minor">
+            <a:schemeClr val="lt1"/>
+          </a:fontRef>
+        </p:style>
+      </p:sp>
+      <p:sp>
+        <p:nvSpPr>
+          <p:cNvPr id="2" name="Title Placeholder 1"/>
           <p:cNvSpPr>
             <a:spLocks noGrp="1"/>
           </p:cNvSpPr>
@@ -2549,8 +2896,8 @@
         </p:nvSpPr>
         <p:spPr>
           <a:xfrm>
-            <a:off x="628650" y="365126"/>
-            <a:ext cx="7886700" cy="1325563"/>
+            <a:off x="857250" y="609600"/>
+            <a:ext cx="7406640" cy="1356360"/>
           </a:xfrm>
           <a:prstGeom prst="rect">
             <a:avLst/>
@@ -2566,13 +2913,13 @@
               <a:rPr lang="it-IT" smtClean="0"/>
               <a:t>Fare clic per modificare lo stile del titolo</a:t>
             </a:r>
-            <a:endParaRPr lang="it-IT"/>
+            <a:endParaRPr lang="en-US" dirty="0"/>
           </a:p>
         </p:txBody>
       </p:sp>
       <p:sp>
         <p:nvSpPr>
-          <p:cNvPr id="3" name="Segnaposto testo 2"/>
+          <p:cNvPr id="3" name="Text Placeholder 2"/>
           <p:cNvSpPr>
             <a:spLocks noGrp="1"/>
           </p:cNvSpPr>
@@ -2582,8 +2929,8 @@
         </p:nvSpPr>
         <p:spPr>
           <a:xfrm>
-            <a:off x="628650" y="1825625"/>
-            <a:ext cx="7886700" cy="4351338"/>
+            <a:off x="857251" y="2057400"/>
+            <a:ext cx="7404653" cy="4038600"/>
           </a:xfrm>
           <a:prstGeom prst="rect">
             <a:avLst/>
@@ -2628,13 +2975,13 @@
               <a:rPr lang="it-IT" smtClean="0"/>
               <a:t>Quinto livello</a:t>
             </a:r>
-            <a:endParaRPr lang="it-IT"/>
+            <a:endParaRPr lang="en-US" dirty="0"/>
           </a:p>
         </p:txBody>
       </p:sp>
       <p:sp>
         <p:nvSpPr>
-          <p:cNvPr id="4" name="Segnaposto data 3"/>
+          <p:cNvPr id="4" name="Date Placeholder 3"/>
           <p:cNvSpPr>
             <a:spLocks noGrp="1"/>
           </p:cNvSpPr>
@@ -2644,8 +2991,8 @@
         </p:nvSpPr>
         <p:spPr>
           <a:xfrm>
-            <a:off x="628650" y="6356351"/>
-            <a:ext cx="2057400" cy="365125"/>
+            <a:off x="857247" y="6223829"/>
+            <a:ext cx="1746806" cy="365125"/>
           </a:xfrm>
           <a:prstGeom prst="rect">
             <a:avLst/>
@@ -2655,11 +3002,9 @@
           <a:bodyPr vert="horz" lIns="91440" tIns="45720" rIns="91440" bIns="45720" rtlCol="0" anchor="ctr"/>
           <a:lstStyle>
             <a:lvl1pPr algn="l">
-              <a:defRPr sz="900">
+              <a:defRPr sz="1000">
                 <a:solidFill>
-                  <a:schemeClr val="tx1">
-                    <a:tint val="75000"/>
-                  </a:schemeClr>
+                  <a:schemeClr val="accent1"/>
                 </a:solidFill>
               </a:defRPr>
             </a:lvl1pPr>
@@ -2676,7 +3021,7 @@
       </p:sp>
       <p:sp>
         <p:nvSpPr>
-          <p:cNvPr id="5" name="Segnaposto piè di pagina 4"/>
+          <p:cNvPr id="5" name="Footer Placeholder 4"/>
           <p:cNvSpPr>
             <a:spLocks noGrp="1"/>
           </p:cNvSpPr>
@@ -2686,8 +3031,8 @@
         </p:nvSpPr>
         <p:spPr>
           <a:xfrm>
-            <a:off x="3028950" y="6356351"/>
-            <a:ext cx="3086100" cy="365125"/>
+            <a:off x="2961861" y="6223829"/>
+            <a:ext cx="3538331" cy="365125"/>
           </a:xfrm>
           <a:prstGeom prst="rect">
             <a:avLst/>
@@ -2697,11 +3042,9 @@
           <a:bodyPr vert="horz" lIns="91440" tIns="45720" rIns="91440" bIns="45720" rtlCol="0" anchor="ctr"/>
           <a:lstStyle>
             <a:lvl1pPr algn="ctr">
-              <a:defRPr sz="900">
+              <a:defRPr sz="1000">
                 <a:solidFill>
-                  <a:schemeClr val="tx1">
-                    <a:tint val="75000"/>
-                  </a:schemeClr>
+                  <a:schemeClr val="accent1"/>
                 </a:solidFill>
               </a:defRPr>
             </a:lvl1pPr>
@@ -2713,7 +3056,7 @@
       </p:sp>
       <p:sp>
         <p:nvSpPr>
-          <p:cNvPr id="6" name="Segnaposto numero diapositiva 5"/>
+          <p:cNvPr id="6" name="Slide Number Placeholder 5"/>
           <p:cNvSpPr>
             <a:spLocks noGrp="1"/>
           </p:cNvSpPr>
@@ -2723,8 +3066,8 @@
         </p:nvSpPr>
         <p:spPr>
           <a:xfrm>
-            <a:off x="6457950" y="6356351"/>
-            <a:ext cx="2057400" cy="365125"/>
+            <a:off x="6997148" y="6223829"/>
+            <a:ext cx="1279663" cy="365125"/>
           </a:xfrm>
           <a:prstGeom prst="rect">
             <a:avLst/>
@@ -2734,11 +3077,9 @@
           <a:bodyPr vert="horz" lIns="91440" tIns="45720" rIns="91440" bIns="45720" rtlCol="0" anchor="ctr"/>
           <a:lstStyle>
             <a:lvl1pPr algn="r">
-              <a:defRPr sz="900">
+              <a:defRPr sz="1000">
                 <a:solidFill>
-                  <a:schemeClr val="tx1">
-                    <a:tint val="75000"/>
-                  </a:schemeClr>
+                  <a:schemeClr val="accent1"/>
                 </a:solidFill>
               </a:defRPr>
             </a:lvl1pPr>
@@ -2756,23 +3097,23 @@
     </p:spTree>
     <p:extLst>
       <p:ext uri="{BB962C8B-B14F-4D97-AF65-F5344CB8AC3E}">
-        <p14:creationId xmlns:p14="http://schemas.microsoft.com/office/powerpoint/2010/main" val="1742920425"/>
+        <p14:creationId xmlns:p14="http://schemas.microsoft.com/office/powerpoint/2010/main" val="2971092931"/>
       </p:ext>
     </p:extLst>
   </p:cSld>
   <p:clrMap bg1="lt1" tx1="dk1" bg2="lt2" tx2="dk2" accent1="accent1" accent2="accent2" accent3="accent3" accent4="accent4" accent5="accent5" accent6="accent6" hlink="hlink" folHlink="folHlink"/>
   <p:sldLayoutIdLst>
-    <p:sldLayoutId id="2147483702" r:id="rId1"/>
-    <p:sldLayoutId id="2147483703" r:id="rId2"/>
-    <p:sldLayoutId id="2147483704" r:id="rId3"/>
-    <p:sldLayoutId id="2147483705" r:id="rId4"/>
-    <p:sldLayoutId id="2147483706" r:id="rId5"/>
-    <p:sldLayoutId id="2147483707" r:id="rId6"/>
-    <p:sldLayoutId id="2147483708" r:id="rId7"/>
-    <p:sldLayoutId id="2147483709" r:id="rId8"/>
-    <p:sldLayoutId id="2147483710" r:id="rId9"/>
-    <p:sldLayoutId id="2147483711" r:id="rId10"/>
-    <p:sldLayoutId id="2147483712" r:id="rId11"/>
+    <p:sldLayoutId id="2147483774" r:id="rId1"/>
+    <p:sldLayoutId id="2147483775" r:id="rId2"/>
+    <p:sldLayoutId id="2147483776" r:id="rId3"/>
+    <p:sldLayoutId id="2147483777" r:id="rId4"/>
+    <p:sldLayoutId id="2147483778" r:id="rId5"/>
+    <p:sldLayoutId id="2147483779" r:id="rId6"/>
+    <p:sldLayoutId id="2147483780" r:id="rId7"/>
+    <p:sldLayoutId id="2147483781" r:id="rId8"/>
+    <p:sldLayoutId id="2147483782" r:id="rId9"/>
+    <p:sldLayoutId id="2147483783" r:id="rId10"/>
+    <p:sldLayoutId id="2147483784" r:id="rId11"/>
   </p:sldLayoutIdLst>
   <p:txStyles>
     <p:titleStyle>
@@ -2784,9 +3125,9 @@
           <a:spcPct val="0"/>
         </a:spcBef>
         <a:buNone/>
-        <a:defRPr sz="3300" kern="1200">
+        <a:defRPr sz="4000" kern="1200">
           <a:solidFill>
-            <a:schemeClr val="tx1"/>
+            <a:schemeClr val="accent1"/>
           </a:solidFill>
           <a:latin typeface="+mj-lt"/>
           <a:ea typeface="+mj-ea"/>
@@ -2795,162 +3136,222 @@
       </a:lvl1pPr>
     </p:titleStyle>
     <p:bodyStyle>
-      <a:lvl1pPr marL="171450" indent="-171450" algn="l" defTabSz="685800" rtl="0" eaLnBrk="1" latinLnBrk="0" hangingPunct="1">
+      <a:lvl1pPr marL="171450" indent="-137160" algn="l" defTabSz="685800" rtl="0" eaLnBrk="1" latinLnBrk="0" hangingPunct="1">
         <a:lnSpc>
           <a:spcPct val="90000"/>
         </a:lnSpc>
         <a:spcBef>
-          <a:spcPts val="750"/>
+          <a:spcPts val="1000"/>
         </a:spcBef>
-        <a:buFont typeface="Arial" panose="020B0604020202020204" pitchFamily="34" charset="0"/>
+        <a:buClr>
+          <a:schemeClr val="accent1"/>
+        </a:buClr>
+        <a:buSzPct val="80000"/>
+        <a:buFont typeface="Corbel" pitchFamily="34" charset="0"/>
         <a:buChar char="•"/>
-        <a:defRPr sz="2100" kern="1200">
+        <a:defRPr sz="2000" kern="1200">
           <a:solidFill>
-            <a:schemeClr val="tx1"/>
+            <a:schemeClr val="accent1"/>
           </a:solidFill>
           <a:latin typeface="+mn-lt"/>
           <a:ea typeface="+mn-ea"/>
           <a:cs typeface="+mn-cs"/>
         </a:defRPr>
       </a:lvl1pPr>
-      <a:lvl2pPr marL="514350" indent="-171450" algn="l" defTabSz="685800" rtl="0" eaLnBrk="1" latinLnBrk="0" hangingPunct="1">
+      <a:lvl2pPr marL="342900" indent="-137160" algn="l" defTabSz="685800" rtl="0" eaLnBrk="1" latinLnBrk="0" hangingPunct="1">
         <a:lnSpc>
           <a:spcPct val="90000"/>
         </a:lnSpc>
         <a:spcBef>
-          <a:spcPts val="375"/>
+          <a:spcPts val="150"/>
         </a:spcBef>
-        <a:buFont typeface="Arial" panose="020B0604020202020204" pitchFamily="34" charset="0"/>
+        <a:spcAft>
+          <a:spcPts val="300"/>
+        </a:spcAft>
+        <a:buClr>
+          <a:schemeClr val="accent1"/>
+        </a:buClr>
+        <a:buSzPct val="80000"/>
+        <a:buFont typeface="Corbel" pitchFamily="34" charset="0"/>
         <a:buChar char="•"/>
         <a:defRPr sz="1800" kern="1200">
           <a:solidFill>
-            <a:schemeClr val="tx1"/>
+            <a:schemeClr val="accent1"/>
           </a:solidFill>
           <a:latin typeface="+mn-lt"/>
           <a:ea typeface="+mn-ea"/>
           <a:cs typeface="+mn-cs"/>
         </a:defRPr>
       </a:lvl2pPr>
-      <a:lvl3pPr marL="857250" indent="-171450" algn="l" defTabSz="685800" rtl="0" eaLnBrk="1" latinLnBrk="0" hangingPunct="1">
+      <a:lvl3pPr marL="548640" indent="-137160" algn="l" defTabSz="685800" rtl="0" eaLnBrk="1" latinLnBrk="0" hangingPunct="1">
         <a:lnSpc>
           <a:spcPct val="90000"/>
         </a:lnSpc>
         <a:spcBef>
-          <a:spcPts val="375"/>
+          <a:spcPts val="150"/>
         </a:spcBef>
-        <a:buFont typeface="Arial" panose="020B0604020202020204" pitchFamily="34" charset="0"/>
+        <a:spcAft>
+          <a:spcPts val="300"/>
+        </a:spcAft>
+        <a:buClr>
+          <a:schemeClr val="accent1"/>
+        </a:buClr>
+        <a:buSzPct val="80000"/>
+        <a:buFont typeface="Corbel" pitchFamily="34" charset="0"/>
         <a:buChar char="•"/>
-        <a:defRPr sz="1500" kern="1200">
+        <a:defRPr sz="1600" kern="1200">
           <a:solidFill>
-            <a:schemeClr val="tx1"/>
+            <a:schemeClr val="accent1"/>
           </a:solidFill>
           <a:latin typeface="+mn-lt"/>
           <a:ea typeface="+mn-ea"/>
           <a:cs typeface="+mn-cs"/>
         </a:defRPr>
       </a:lvl3pPr>
-      <a:lvl4pPr marL="1200150" indent="-171450" algn="l" defTabSz="685800" rtl="0" eaLnBrk="1" latinLnBrk="0" hangingPunct="1">
+      <a:lvl4pPr marL="754380" indent="-137160" algn="l" defTabSz="685800" rtl="0" eaLnBrk="1" latinLnBrk="0" hangingPunct="1">
         <a:lnSpc>
           <a:spcPct val="90000"/>
         </a:lnSpc>
         <a:spcBef>
-          <a:spcPts val="375"/>
+          <a:spcPts val="150"/>
         </a:spcBef>
-        <a:buFont typeface="Arial" panose="020B0604020202020204" pitchFamily="34" charset="0"/>
+        <a:spcAft>
+          <a:spcPts val="300"/>
+        </a:spcAft>
+        <a:buClr>
+          <a:schemeClr val="accent1"/>
+        </a:buClr>
+        <a:buSzPct val="80000"/>
+        <a:buFont typeface="Corbel" pitchFamily="34" charset="0"/>
         <a:buChar char="•"/>
-        <a:defRPr sz="1350" kern="1200">
+        <a:defRPr sz="1400" kern="1200">
           <a:solidFill>
-            <a:schemeClr val="tx1"/>
+            <a:schemeClr val="accent1"/>
           </a:solidFill>
           <a:latin typeface="+mn-lt"/>
           <a:ea typeface="+mn-ea"/>
           <a:cs typeface="+mn-cs"/>
         </a:defRPr>
       </a:lvl4pPr>
-      <a:lvl5pPr marL="1543050" indent="-171450" algn="l" defTabSz="685800" rtl="0" eaLnBrk="1" latinLnBrk="0" hangingPunct="1">
+      <a:lvl5pPr marL="920120" indent="-137160" algn="l" defTabSz="685800" rtl="0" eaLnBrk="1" latinLnBrk="0" hangingPunct="1">
         <a:lnSpc>
           <a:spcPct val="90000"/>
         </a:lnSpc>
         <a:spcBef>
-          <a:spcPts val="375"/>
+          <a:spcPts val="150"/>
         </a:spcBef>
-        <a:buFont typeface="Arial" panose="020B0604020202020204" pitchFamily="34" charset="0"/>
+        <a:spcAft>
+          <a:spcPts val="300"/>
+        </a:spcAft>
+        <a:buClr>
+          <a:schemeClr val="accent1"/>
+        </a:buClr>
+        <a:buSzPct val="80000"/>
+        <a:buFont typeface="Corbel" pitchFamily="34" charset="0"/>
         <a:buChar char="•"/>
-        <a:defRPr sz="1350" kern="1200">
+        <a:defRPr sz="1400" kern="1200">
           <a:solidFill>
-            <a:schemeClr val="tx1"/>
+            <a:schemeClr val="accent1"/>
           </a:solidFill>
           <a:latin typeface="+mn-lt"/>
           <a:ea typeface="+mn-ea"/>
           <a:cs typeface="+mn-cs"/>
         </a:defRPr>
       </a:lvl5pPr>
-      <a:lvl6pPr marL="1885950" indent="-171450" algn="l" defTabSz="685800" rtl="0" eaLnBrk="1" latinLnBrk="0" hangingPunct="1">
+      <a:lvl6pPr marL="1100000" indent="-171450" algn="l" defTabSz="685800" rtl="0" eaLnBrk="1" latinLnBrk="0" hangingPunct="1">
         <a:lnSpc>
           <a:spcPct val="90000"/>
         </a:lnSpc>
         <a:spcBef>
-          <a:spcPts val="375"/>
+          <a:spcPts val="150"/>
         </a:spcBef>
-        <a:buFont typeface="Arial" panose="020B0604020202020204" pitchFamily="34" charset="0"/>
+        <a:spcAft>
+          <a:spcPts val="300"/>
+        </a:spcAft>
+        <a:buClr>
+          <a:schemeClr val="accent1"/>
+        </a:buClr>
+        <a:buSzPct val="80000"/>
+        <a:buFont typeface="Corbel" pitchFamily="34" charset="0"/>
         <a:buChar char="•"/>
-        <a:defRPr sz="1350" kern="1200">
+        <a:defRPr sz="1400" kern="1200">
           <a:solidFill>
-            <a:schemeClr val="tx1"/>
+            <a:schemeClr val="accent1"/>
           </a:solidFill>
           <a:latin typeface="+mn-lt"/>
           <a:ea typeface="+mn-ea"/>
           <a:cs typeface="+mn-cs"/>
         </a:defRPr>
       </a:lvl6pPr>
-      <a:lvl7pPr marL="2228850" indent="-171450" algn="l" defTabSz="685800" rtl="0" eaLnBrk="1" latinLnBrk="0" hangingPunct="1">
+      <a:lvl7pPr marL="1300000" indent="-171450" algn="l" defTabSz="685800" rtl="0" eaLnBrk="1" latinLnBrk="0" hangingPunct="1">
         <a:lnSpc>
           <a:spcPct val="90000"/>
         </a:lnSpc>
         <a:spcBef>
-          <a:spcPts val="375"/>
+          <a:spcPts val="150"/>
         </a:spcBef>
-        <a:buFont typeface="Arial" panose="020B0604020202020204" pitchFamily="34" charset="0"/>
+        <a:spcAft>
+          <a:spcPts val="300"/>
+        </a:spcAft>
+        <a:buClr>
+          <a:schemeClr val="accent1"/>
+        </a:buClr>
+        <a:buSzPct val="80000"/>
+        <a:buFont typeface="Corbel" pitchFamily="34" charset="0"/>
         <a:buChar char="•"/>
-        <a:defRPr sz="1350" kern="1200">
+        <a:defRPr sz="1400" kern="1200">
           <a:solidFill>
-            <a:schemeClr val="tx1"/>
+            <a:schemeClr val="accent1"/>
           </a:solidFill>
           <a:latin typeface="+mn-lt"/>
           <a:ea typeface="+mn-ea"/>
           <a:cs typeface="+mn-cs"/>
         </a:defRPr>
       </a:lvl7pPr>
-      <a:lvl8pPr marL="2571750" indent="-171450" algn="l" defTabSz="685800" rtl="0" eaLnBrk="1" latinLnBrk="0" hangingPunct="1">
+      <a:lvl8pPr marL="1500000" indent="-171450" algn="l" defTabSz="685800" rtl="0" eaLnBrk="1" latinLnBrk="0" hangingPunct="1">
         <a:lnSpc>
           <a:spcPct val="90000"/>
         </a:lnSpc>
         <a:spcBef>
-          <a:spcPts val="375"/>
+          <a:spcPts val="150"/>
         </a:spcBef>
-        <a:buFont typeface="Arial" panose="020B0604020202020204" pitchFamily="34" charset="0"/>
+        <a:spcAft>
+          <a:spcPts val="300"/>
+        </a:spcAft>
+        <a:buClr>
+          <a:schemeClr val="accent1"/>
+        </a:buClr>
+        <a:buSzPct val="80000"/>
+        <a:buFont typeface="Corbel" pitchFamily="34" charset="0"/>
         <a:buChar char="•"/>
-        <a:defRPr sz="1350" kern="1200">
+        <a:defRPr sz="1400" kern="1200">
           <a:solidFill>
-            <a:schemeClr val="tx1"/>
+            <a:schemeClr val="accent1"/>
           </a:solidFill>
           <a:latin typeface="+mn-lt"/>
           <a:ea typeface="+mn-ea"/>
           <a:cs typeface="+mn-cs"/>
         </a:defRPr>
       </a:lvl8pPr>
-      <a:lvl9pPr marL="2914650" indent="-171450" algn="l" defTabSz="685800" rtl="0" eaLnBrk="1" latinLnBrk="0" hangingPunct="1">
+      <a:lvl9pPr marL="1700000" indent="-171450" algn="l" defTabSz="685800" rtl="0" eaLnBrk="1" latinLnBrk="0" hangingPunct="1">
         <a:lnSpc>
           <a:spcPct val="90000"/>
         </a:lnSpc>
         <a:spcBef>
-          <a:spcPts val="375"/>
+          <a:spcPts val="150"/>
         </a:spcBef>
-        <a:buFont typeface="Arial" panose="020B0604020202020204" pitchFamily="34" charset="0"/>
+        <a:spcAft>
+          <a:spcPts val="300"/>
+        </a:spcAft>
+        <a:buClr>
+          <a:schemeClr val="accent1"/>
+        </a:buClr>
+        <a:buSzPct val="80000"/>
+        <a:buFont typeface="Corbel" pitchFamily="34" charset="0"/>
         <a:buChar char="•"/>
-        <a:defRPr sz="1350" kern="1200">
+        <a:defRPr sz="1400" kern="1200">
           <a:solidFill>
-            <a:schemeClr val="tx1"/>
+            <a:schemeClr val="accent1"/>
           </a:solidFill>
           <a:latin typeface="+mn-lt"/>
           <a:ea typeface="+mn-ea"/>
@@ -2960,7 +3361,7 @@
     </p:bodyStyle>
     <p:otherStyle>
       <a:defPPr>
-        <a:defRPr lang="it-IT"/>
+        <a:defRPr lang="en-US"/>
       </a:defPPr>
       <a:lvl1pPr marL="0" algn="l" defTabSz="685800" rtl="0" eaLnBrk="1" latinLnBrk="0" hangingPunct="1">
         <a:defRPr sz="1350" kern="1200">
@@ -6867,19 +7268,8 @@
                 <a:latin typeface="Times New Roman" panose="02020603050405020304" pitchFamily="18" charset="0"/>
                 <a:cs typeface="Times New Roman" panose="02020603050405020304" pitchFamily="18" charset="0"/>
               </a:rPr>
-              <a:t>………….…............................... 	            </a:t>
-            </a:r>
-            <a:r>
-              <a:rPr lang="it-IT" sz="2400" dirty="0" smtClean="0">
-                <a:latin typeface="Times New Roman" panose="02020603050405020304" pitchFamily="18" charset="0"/>
-                <a:cs typeface="Times New Roman" panose="02020603050405020304" pitchFamily="18" charset="0"/>
-              </a:rPr>
-              <a:t>…...................................................</a:t>
-            </a:r>
-            <a:endParaRPr lang="it-IT" sz="2400" dirty="0" smtClean="0">
-              <a:latin typeface="Times New Roman" panose="02020603050405020304" pitchFamily="18" charset="0"/>
-              <a:cs typeface="Times New Roman" panose="02020603050405020304" pitchFamily="18" charset="0"/>
-            </a:endParaRPr>
+              <a:t>………….…............................... 	            …...................................................</a:t>
+            </a:r>
           </a:p>
           <a:p>
             <a:r>
@@ -12316,14 +12706,7 @@
                 <a:latin typeface="Times New Roman" panose="02020603050405020304" pitchFamily="18" charset="0"/>
                 <a:cs typeface="Times New Roman" panose="02020603050405020304" pitchFamily="18" charset="0"/>
               </a:rPr>
-              <a:t>Task 5 – Visualizzare i </a:t>
-            </a:r>
-            <a:r>
-              <a:rPr lang="it-IT" sz="2500" b="1" dirty="0" smtClean="0">
-                <a:latin typeface="Times New Roman" panose="02020603050405020304" pitchFamily="18" charset="0"/>
-                <a:cs typeface="Times New Roman" panose="02020603050405020304" pitchFamily="18" charset="0"/>
-              </a:rPr>
-              <a:t>progressi</a:t>
+              <a:t>Task 5 – Visualizzare i progressi</a:t>
             </a:r>
           </a:p>
           <a:p>
@@ -14556,93 +14939,58 @@
 </file>
 
 <file path=ppt/theme/theme1.xml><?xml version="1.0" encoding="utf-8"?>
-<a:theme xmlns:a="http://schemas.openxmlformats.org/drawingml/2006/main" name="Tema di Office">
+<a:theme xmlns:a="http://schemas.openxmlformats.org/drawingml/2006/main" name="Base">
   <a:themeElements>
-    <a:clrScheme name="Office">
+    <a:clrScheme name="Base">
       <a:dk1>
-        <a:sysClr val="windowText" lastClr="000000"/>
+        <a:srgbClr val="000000"/>
       </a:dk1>
       <a:lt1>
         <a:sysClr val="window" lastClr="FFFFFF"/>
       </a:lt1>
       <a:dk2>
-        <a:srgbClr val="44546A"/>
+        <a:srgbClr val="5E5E5E"/>
       </a:dk2>
       <a:lt2>
-        <a:srgbClr val="E7E6E6"/>
+        <a:srgbClr val="DDDDDD"/>
       </a:lt2>
       <a:accent1>
-        <a:srgbClr val="5B9BD5"/>
+        <a:srgbClr val="DF5327"/>
       </a:accent1>
       <a:accent2>
-        <a:srgbClr val="ED7D31"/>
+        <a:srgbClr val="A6B727"/>
       </a:accent2>
       <a:accent3>
-        <a:srgbClr val="A5A5A5"/>
+        <a:srgbClr val="FE9E00"/>
       </a:accent3>
       <a:accent4>
-        <a:srgbClr val="FFC000"/>
+        <a:srgbClr val="418AB3"/>
       </a:accent4>
       <a:accent5>
-        <a:srgbClr val="4472C4"/>
+        <a:srgbClr val="D7D447"/>
       </a:accent5>
       <a:accent6>
-        <a:srgbClr val="70AD47"/>
+        <a:srgbClr val="838383"/>
       </a:accent6>
       <a:hlink>
-        <a:srgbClr val="0563C1"/>
+        <a:srgbClr val="F59E00"/>
       </a:hlink>
       <a:folHlink>
-        <a:srgbClr val="954F72"/>
+        <a:srgbClr val="B2B2B2"/>
       </a:folHlink>
     </a:clrScheme>
-    <a:fontScheme name="Office">
+    <a:fontScheme name="Base">
       <a:majorFont>
-        <a:latin typeface="Calibri Light" panose="020F0302020204030204"/>
+        <a:latin typeface="Corbel" panose="020B0503020204020204"/>
         <a:ea typeface=""/>
         <a:cs typeface=""/>
-        <a:font script="Jpan" typeface="ＭＳ Ｐゴシック"/>
+        <a:font script="Jpan" typeface="ＭＳ ゴシック"/>
         <a:font script="Hang" typeface="맑은 고딕"/>
         <a:font script="Hans" typeface="宋体"/>
         <a:font script="Hant" typeface="新細明體"/>
-        <a:font script="Arab" typeface="Times New Roman"/>
-        <a:font script="Hebr" typeface="Times New Roman"/>
-        <a:font script="Thai" typeface="Angsana New"/>
-        <a:font script="Ethi" typeface="Nyala"/>
-        <a:font script="Beng" typeface="Vrinda"/>
-        <a:font script="Gujr" typeface="Shruti"/>
-        <a:font script="Khmr" typeface="MoolBoran"/>
-        <a:font script="Knda" typeface="Tunga"/>
-        <a:font script="Guru" typeface="Raavi"/>
-        <a:font script="Cans" typeface="Euphemia"/>
-        <a:font script="Cher" typeface="Plantagenet Cherokee"/>
-        <a:font script="Yiii" typeface="Microsoft Yi Baiti"/>
-        <a:font script="Tibt" typeface="Microsoft Himalaya"/>
-        <a:font script="Thaa" typeface="MV Boli"/>
-        <a:font script="Deva" typeface="Mangal"/>
-        <a:font script="Telu" typeface="Gautami"/>
-        <a:font script="Taml" typeface="Latha"/>
-        <a:font script="Syrc" typeface="Estrangelo Edessa"/>
-        <a:font script="Orya" typeface="Kalinga"/>
-        <a:font script="Mlym" typeface="Kartika"/>
-        <a:font script="Laoo" typeface="DokChampa"/>
-        <a:font script="Sinh" typeface="Iskoola Pota"/>
-        <a:font script="Mong" typeface="Mongolian Baiti"/>
-        <a:font script="Viet" typeface="Times New Roman"/>
-        <a:font script="Uigh" typeface="Microsoft Uighur"/>
-        <a:font script="Geor" typeface="Sylfaen"/>
-      </a:majorFont>
-      <a:minorFont>
-        <a:latin typeface="Calibri" panose="020F0502020204030204"/>
-        <a:ea typeface=""/>
-        <a:cs typeface=""/>
-        <a:font script="Jpan" typeface="ＭＳ Ｐゴシック"/>
-        <a:font script="Hang" typeface="맑은 고딕"/>
-        <a:font script="Hans" typeface="宋体"/>
-        <a:font script="Hant" typeface="新細明體"/>
-        <a:font script="Arab" typeface="Arial"/>
-        <a:font script="Hebr" typeface="Arial"/>
-        <a:font script="Thai" typeface="Cordia New"/>
+        <a:font script="Arab" typeface="Tahoma"/>
+        <a:font script="Hebr" typeface="Gisha"/>
+        <a:font script="Thai" typeface="DilleniaUPC"/>
         <a:font script="Ethi" typeface="Nyala"/>
         <a:font script="Beng" typeface="Vrinda"/>
         <a:font script="Gujr" typeface="Shruti"/>
@@ -14663,90 +15011,98 @@
         <a:font script="Laoo" typeface="DokChampa"/>
         <a:font script="Sinh" typeface="Iskoola Pota"/>
         <a:font script="Mong" typeface="Mongolian Baiti"/>
-        <a:font script="Viet" typeface="Arial"/>
+        <a:font script="Viet" typeface="Tahoma"/>
+        <a:font script="Uigh" typeface="Microsoft Uighur"/>
+        <a:font script="Geor" typeface="Sylfaen"/>
+      </a:majorFont>
+      <a:minorFont>
+        <a:latin typeface="Corbel" panose="020B0503020204020204"/>
+        <a:ea typeface=""/>
+        <a:cs typeface=""/>
+        <a:font script="Jpan" typeface="ＭＳ ゴシック"/>
+        <a:font script="Hang" typeface="맑은 고딕"/>
+        <a:font script="Hans" typeface="宋体"/>
+        <a:font script="Hant" typeface="新細明體"/>
+        <a:font script="Arab" typeface="Tahoma"/>
+        <a:font script="Hebr" typeface="Gisha"/>
+        <a:font script="Thai" typeface="DilleniaUPC"/>
+        <a:font script="Ethi" typeface="Nyala"/>
+        <a:font script="Beng" typeface="Vrinda"/>
+        <a:font script="Gujr" typeface="Shruti"/>
+        <a:font script="Khmr" typeface="DaunPenh"/>
+        <a:font script="Knda" typeface="Tunga"/>
+        <a:font script="Guru" typeface="Raavi"/>
+        <a:font script="Cans" typeface="Euphemia"/>
+        <a:font script="Cher" typeface="Plantagenet Cherokee"/>
+        <a:font script="Yiii" typeface="Microsoft Yi Baiti"/>
+        <a:font script="Tibt" typeface="Microsoft Himalaya"/>
+        <a:font script="Thaa" typeface="MV Boli"/>
+        <a:font script="Deva" typeface="Mangal"/>
+        <a:font script="Telu" typeface="Gautami"/>
+        <a:font script="Taml" typeface="Latha"/>
+        <a:font script="Syrc" typeface="Estrangelo Edessa"/>
+        <a:font script="Orya" typeface="Kalinga"/>
+        <a:font script="Mlym" typeface="Kartika"/>
+        <a:font script="Laoo" typeface="DokChampa"/>
+        <a:font script="Sinh" typeface="Iskoola Pota"/>
+        <a:font script="Mong" typeface="Mongolian Baiti"/>
+        <a:font script="Viet" typeface="Verdana"/>
         <a:font script="Uigh" typeface="Microsoft Uighur"/>
         <a:font script="Geor" typeface="Sylfaen"/>
       </a:minorFont>
     </a:fontScheme>
-    <a:fmtScheme name="Office">
+    <a:fmtScheme name="Base">
       <a:fillStyleLst>
         <a:solidFill>
           <a:schemeClr val="phClr"/>
         </a:solidFill>
+        <a:solidFill>
+          <a:schemeClr val="phClr">
+            <a:tint val="55000"/>
+            <a:satMod val="130000"/>
+          </a:schemeClr>
+        </a:solidFill>
         <a:gradFill rotWithShape="1">
           <a:gsLst>
             <a:gs pos="0">
+              <a:schemeClr val="phClr"/>
+            </a:gs>
+            <a:gs pos="90000">
               <a:schemeClr val="phClr">
-                <a:lumMod val="110000"/>
+                <a:shade val="100000"/>
                 <a:satMod val="105000"/>
-                <a:tint val="67000"/>
-              </a:schemeClr>
-            </a:gs>
-            <a:gs pos="50000">
-              <a:schemeClr val="phClr">
-                <a:lumMod val="105000"/>
-                <a:satMod val="103000"/>
-                <a:tint val="73000"/>
               </a:schemeClr>
             </a:gs>
             <a:gs pos="100000">
               <a:schemeClr val="phClr">
-                <a:lumMod val="105000"/>
-                <a:satMod val="109000"/>
-                <a:tint val="81000"/>
+                <a:shade val="80000"/>
+                <a:satMod val="120000"/>
               </a:schemeClr>
             </a:gs>
           </a:gsLst>
-          <a:lin ang="5400000" scaled="0"/>
-        </a:gradFill>
-        <a:gradFill rotWithShape="1">
-          <a:gsLst>
-            <a:gs pos="0">
-              <a:schemeClr val="phClr">
-                <a:satMod val="103000"/>
-                <a:lumMod val="102000"/>
-                <a:tint val="94000"/>
-              </a:schemeClr>
-            </a:gs>
-            <a:gs pos="50000">
-              <a:schemeClr val="phClr">
-                <a:satMod val="110000"/>
-                <a:lumMod val="100000"/>
-                <a:shade val="100000"/>
-              </a:schemeClr>
-            </a:gs>
-            <a:gs pos="100000">
-              <a:schemeClr val="phClr">
-                <a:lumMod val="99000"/>
-                <a:satMod val="120000"/>
-                <a:shade val="78000"/>
-              </a:schemeClr>
-            </a:gs>
-          </a:gsLst>
-          <a:lin ang="5400000" scaled="0"/>
+          <a:path path="circle">
+            <a:fillToRect l="100000" t="100000" r="100000" b="100000"/>
+          </a:path>
         </a:gradFill>
       </a:fillStyleLst>
       <a:lnStyleLst>
-        <a:ln w="6350" cap="flat" cmpd="sng" algn="ctr">
+        <a:ln w="10000" cap="flat" cmpd="sng" algn="ctr">
           <a:solidFill>
             <a:schemeClr val="phClr"/>
           </a:solidFill>
           <a:prstDash val="solid"/>
-          <a:miter lim="800000"/>
-        </a:ln>
-        <a:ln w="12700" cap="flat" cmpd="sng" algn="ctr">
-          <a:solidFill>
-            <a:schemeClr val="phClr"/>
-          </a:solidFill>
-          <a:prstDash val="solid"/>
-          <a:miter lim="800000"/>
         </a:ln>
         <a:ln w="19050" cap="flat" cmpd="sng" algn="ctr">
           <a:solidFill>
             <a:schemeClr val="phClr"/>
           </a:solidFill>
           <a:prstDash val="solid"/>
-          <a:miter lim="800000"/>
+        </a:ln>
+        <a:ln w="53975" cap="flat" cmpd="dbl" algn="ctr">
+          <a:solidFill>
+            <a:schemeClr val="phClr"/>
+          </a:solidFill>
+          <a:prstDash val="solid"/>
         </a:ln>
       </a:lnStyleLst>
       <a:effectStyleLst>
@@ -14754,16 +15110,37 @@
           <a:effectLst/>
         </a:effectStyle>
         <a:effectStyle>
-          <a:effectLst/>
+          <a:effectLst>
+            <a:outerShdw blurRad="38100" dist="25400" dir="5400000" rotWithShape="0">
+              <a:srgbClr val="000000">
+                <a:alpha val="45000"/>
+              </a:srgbClr>
+            </a:outerShdw>
+          </a:effectLst>
         </a:effectStyle>
         <a:effectStyle>
           <a:effectLst>
-            <a:outerShdw blurRad="57150" dist="19050" dir="5400000" algn="ctr" rotWithShape="0">
+            <a:outerShdw blurRad="38100" dist="25400" dir="5400000" rotWithShape="0">
               <a:srgbClr val="000000">
-                <a:alpha val="63000"/>
+                <a:alpha val="45000"/>
               </a:srgbClr>
             </a:outerShdw>
           </a:effectLst>
+          <a:scene3d>
+            <a:camera prst="orthographicFront">
+              <a:rot lat="0" lon="0" rev="0"/>
+            </a:camera>
+            <a:lightRig rig="brightRoom" dir="t"/>
+          </a:scene3d>
+          <a:sp3d extrusionH="12700" contourW="25400" prstMaterial="flat">
+            <a:bevelT w="63500" h="152400" prst="angle"/>
+            <a:contourClr>
+              <a:schemeClr val="phClr">
+                <a:shade val="27000"/>
+                <a:satMod val="120000"/>
+              </a:schemeClr>
+            </a:contourClr>
+          </a:sp3d>
         </a:effectStyle>
       </a:effectStyleLst>
       <a:bgFillStyleLst>
@@ -14773,36 +15150,18 @@
         <a:solidFill>
           <a:schemeClr val="phClr">
             <a:tint val="95000"/>
-            <a:satMod val="170000"/>
+            <a:shade val="95000"/>
+            <a:satMod val="140000"/>
           </a:schemeClr>
         </a:solidFill>
-        <a:gradFill rotWithShape="1">
-          <a:gsLst>
-            <a:gs pos="0">
-              <a:schemeClr val="phClr">
-                <a:tint val="93000"/>
-                <a:satMod val="150000"/>
-                <a:shade val="98000"/>
-                <a:lumMod val="102000"/>
-              </a:schemeClr>
-            </a:gs>
-            <a:gs pos="50000">
-              <a:schemeClr val="phClr">
-                <a:tint val="98000"/>
-                <a:satMod val="130000"/>
-                <a:shade val="90000"/>
-                <a:lumMod val="103000"/>
-              </a:schemeClr>
-            </a:gs>
-            <a:gs pos="100000">
-              <a:schemeClr val="phClr">
-                <a:shade val="63000"/>
-                <a:satMod val="120000"/>
-              </a:schemeClr>
-            </a:gs>
-          </a:gsLst>
-          <a:lin ang="5400000" scaled="0"/>
-        </a:gradFill>
+        <a:solidFill>
+          <a:schemeClr val="phClr">
+            <a:tint val="90000"/>
+            <a:shade val="85000"/>
+            <a:satMod val="160000"/>
+            <a:lumMod val="110000"/>
+          </a:schemeClr>
+        </a:solidFill>
       </a:bgFillStyleLst>
     </a:fmtScheme>
   </a:themeElements>
@@ -14810,7 +15169,7 @@
   <a:extraClrSchemeLst/>
   <a:extLst>
     <a:ext uri="{05A4C25C-085E-4340-85A3-A5531E510DB2}">
-      <thm15:themeFamily xmlns:thm15="http://schemas.microsoft.com/office/thememl/2012/main" name="Office Theme" id="{62F939B6-93AF-4DB8-9C6B-D6C7DFDC589F}" vid="{4A3C46E8-61CC-4603-A589-7422A47A8E4A}"/>
+      <thm15:themeFamily xmlns:thm15="http://schemas.microsoft.com/office/thememl/2012/main" name="Basis" id="{5665723A-49BA-4B57-8411-A56F8F207965}" vid="{446C221D-F63F-4DD8-B509-CFE168687BF2}"/>
     </a:ext>
   </a:extLst>
 </a:theme>

--- a/Prova_6/Leone_Mastrosimone_PresentazioneProgetto.pptx
+++ b/Prova_6/Leone_Mastrosimone_PresentazioneProgetto.pptx
@@ -2,7 +2,7 @@
 <file path=ppt/presentation.xml><?xml version="1.0" encoding="utf-8"?>
 <p:presentation xmlns:a="http://schemas.openxmlformats.org/drawingml/2006/main" xmlns:r="http://schemas.openxmlformats.org/officeDocument/2006/relationships" xmlns:p="http://schemas.openxmlformats.org/presentationml/2006/main" saveSubsetFonts="1">
   <p:sldMasterIdLst>
-    <p:sldMasterId id="2147483773" r:id="rId1"/>
+    <p:sldMasterId id="2147483785" r:id="rId1"/>
   </p:sldMasterIdLst>
   <p:sldIdLst>
     <p:sldId id="256" r:id="rId2"/>
@@ -144,7 +144,7 @@
   </p:defaultTextStyle>
   <p:extLst>
     <p:ext uri="{EFAFB233-063F-42B5-8137-9DF3F51BA10A}">
-      <p15:sldGuideLst xmlns:p15="http://schemas.microsoft.com/office/powerpoint/2012/main">
+      <p15:sldGuideLst xmlns:p15="http://schemas.microsoft.com/office/powerpoint/2012/main" xmlns="">
         <p15:guide id="1" orient="horz" pos="2160">
           <p15:clr>
             <a:srgbClr val="A4A3A4"/>
@@ -162,8 +162,13 @@
 </file>
 
 <file path=ppt/slideLayouts/slideLayout1.xml><?xml version="1.0" encoding="utf-8"?>
-<p:sldLayout xmlns:a="http://schemas.openxmlformats.org/drawingml/2006/main" xmlns:r="http://schemas.openxmlformats.org/officeDocument/2006/relationships" xmlns:p="http://schemas.openxmlformats.org/presentationml/2006/main" showMasterSp="0" type="title" preserve="1">
+<p:sldLayout xmlns:a="http://schemas.openxmlformats.org/drawingml/2006/main" xmlns:r="http://schemas.openxmlformats.org/officeDocument/2006/relationships" xmlns:p="http://schemas.openxmlformats.org/presentationml/2006/main" type="title" preserve="1">
   <p:cSld name="Diapositiva titolo">
+    <p:bg>
+      <p:bgRef idx="1002">
+        <a:schemeClr val="bg2"/>
+      </p:bgRef>
+    </p:bg>
     <p:spTree>
       <p:nvGrpSpPr>
         <p:cNvPr id="1" name=""/>
@@ -180,47 +185,7 @@
       </p:grpSpPr>
       <p:sp>
         <p:nvSpPr>
-          <p:cNvPr id="7" name="Rectangle 6"/>
-          <p:cNvSpPr/>
-          <p:nvPr/>
-        </p:nvSpPr>
-        <p:spPr>
-          <a:xfrm>
-            <a:off x="182879" y="182879"/>
-            <a:ext cx="8778240" cy="6492240"/>
-          </a:xfrm>
-          <a:prstGeom prst="rect">
-            <a:avLst/>
-          </a:prstGeom>
-          <a:solidFill>
-            <a:schemeClr val="bg1"/>
-          </a:solidFill>
-          <a:ln w="12700">
-            <a:solidFill>
-              <a:srgbClr val="FFFFFF"/>
-            </a:solidFill>
-          </a:ln>
-        </p:spPr>
-        <p:style>
-          <a:lnRef idx="2">
-            <a:schemeClr val="accent1">
-              <a:shade val="50000"/>
-            </a:schemeClr>
-          </a:lnRef>
-          <a:fillRef idx="1">
-            <a:schemeClr val="accent1"/>
-          </a:fillRef>
-          <a:effectRef idx="0">
-            <a:schemeClr val="accent1"/>
-          </a:effectRef>
-          <a:fontRef idx="minor">
-            <a:schemeClr val="lt1"/>
-          </a:fontRef>
-        </p:style>
-      </p:sp>
-      <p:sp>
-        <p:nvSpPr>
-          <p:cNvPr id="2" name="Title 1"/>
+          <p:cNvPr id="9" name="Titolo 8"/>
           <p:cNvSpPr>
             <a:spLocks noGrp="1"/>
           </p:cNvSpPr>
@@ -230,48 +195,70 @@
         </p:nvSpPr>
         <p:spPr>
           <a:xfrm>
-            <a:off x="832485" y="882376"/>
-            <a:ext cx="7475220" cy="2926080"/>
+            <a:off x="533400" y="1371600"/>
+            <a:ext cx="7851648" cy="1828800"/>
           </a:xfrm>
+          <a:ln>
+            <a:noFill/>
+          </a:ln>
         </p:spPr>
         <p:txBody>
-          <a:bodyPr anchor="b">
+          <a:bodyPr vert="horz" tIns="0" rIns="18288" bIns="0" anchor="b">
             <a:normAutofit/>
+            <a:scene3d>
+              <a:camera prst="orthographicFront"/>
+              <a:lightRig rig="freezing" dir="t">
+                <a:rot lat="0" lon="0" rev="5640000"/>
+              </a:lightRig>
+            </a:scene3d>
+            <a:sp3d prstMaterial="flat">
+              <a:bevelT w="38100" h="38100"/>
+              <a:contourClr>
+                <a:schemeClr val="tx2"/>
+              </a:contourClr>
+            </a:sp3d>
           </a:bodyPr>
           <a:lstStyle>
-            <a:lvl1pPr algn="ctr">
-              <a:lnSpc>
-                <a:spcPct val="85000"/>
-              </a:lnSpc>
-              <a:defRPr sz="6000" b="1" cap="all" baseline="0">
-                <a:ln w="15875">
-                  <a:solidFill>
-                    <a:schemeClr val="bg1"/>
-                  </a:solidFill>
+            <a:lvl1pPr algn="r" rtl="0">
+              <a:spcBef>
+                <a:spcPct val="0"/>
+              </a:spcBef>
+              <a:buNone/>
+              <a:defRPr sz="5600" b="1">
+                <a:ln>
+                  <a:noFill/>
                 </a:ln>
                 <a:solidFill>
-                  <a:schemeClr val="accent1"/>
+                  <a:schemeClr val="accent3">
+                    <a:tint val="90000"/>
+                    <a:satMod val="120000"/>
+                  </a:schemeClr>
                 </a:solidFill>
                 <a:effectLst>
-                  <a:outerShdw dist="38100" dir="2700000" algn="tl" rotWithShape="0">
-                    <a:schemeClr val="accent1"/>
+                  <a:outerShdw blurRad="38100" dist="25400" dir="5400000" algn="tl" rotWithShape="0">
+                    <a:srgbClr val="000000">
+                      <a:alpha val="43000"/>
+                    </a:srgbClr>
                   </a:outerShdw>
                 </a:effectLst>
+                <a:latin typeface="+mj-lt"/>
+                <a:ea typeface="+mj-ea"/>
+                <a:cs typeface="+mj-cs"/>
               </a:defRPr>
             </a:lvl1pPr>
           </a:lstStyle>
           <a:p>
             <a:r>
-              <a:rPr lang="it-IT" smtClean="0"/>
+              <a:rPr kumimoji="0" lang="it-IT" smtClean="0"/>
               <a:t>Fare clic per modificare lo stile del titolo</a:t>
             </a:r>
-            <a:endParaRPr lang="en-US" dirty="0"/>
+            <a:endParaRPr kumimoji="0" lang="en-US"/>
           </a:p>
         </p:txBody>
       </p:sp>
       <p:sp>
         <p:nvSpPr>
-          <p:cNvPr id="3" name="Subtitle 2"/>
+          <p:cNvPr id="17" name="Sottotitolo 16"/>
           <p:cNvSpPr>
             <a:spLocks noGrp="1"/>
           </p:cNvSpPr>
@@ -281,71 +268,58 @@
         </p:nvSpPr>
         <p:spPr>
           <a:xfrm>
-            <a:off x="1282148" y="3869635"/>
-            <a:ext cx="6575895" cy="1388165"/>
+            <a:off x="533400" y="3228536"/>
+            <a:ext cx="7854696" cy="1752600"/>
           </a:xfrm>
         </p:spPr>
         <p:txBody>
-          <a:bodyPr>
-            <a:normAutofit/>
-          </a:bodyPr>
+          <a:bodyPr lIns="0" rIns="18288"/>
           <a:lstStyle>
-            <a:lvl1pPr marL="0" indent="0" algn="ctr">
-              <a:spcBef>
-                <a:spcPts val="1000"/>
-              </a:spcBef>
+            <a:lvl1pPr marL="0" marR="45720" indent="0" algn="r">
               <a:buNone/>
-              <a:defRPr sz="1800">
+              <a:defRPr>
                 <a:solidFill>
-                  <a:schemeClr val="accent1"/>
+                  <a:schemeClr val="tx1"/>
                 </a:solidFill>
               </a:defRPr>
             </a:lvl1pPr>
-            <a:lvl2pPr marL="342900" indent="0" algn="ctr">
+            <a:lvl2pPr marL="457200" indent="0" algn="ctr">
               <a:buNone/>
-              <a:defRPr sz="1800"/>
             </a:lvl2pPr>
-            <a:lvl3pPr marL="685800" indent="0" algn="ctr">
+            <a:lvl3pPr marL="914400" indent="0" algn="ctr">
               <a:buNone/>
-              <a:defRPr sz="1800"/>
             </a:lvl3pPr>
-            <a:lvl4pPr marL="1028700" indent="0" algn="ctr">
+            <a:lvl4pPr marL="1371600" indent="0" algn="ctr">
               <a:buNone/>
-              <a:defRPr sz="1500"/>
             </a:lvl4pPr>
-            <a:lvl5pPr marL="1371600" indent="0" algn="ctr">
+            <a:lvl5pPr marL="1828800" indent="0" algn="ctr">
               <a:buNone/>
-              <a:defRPr sz="1500"/>
             </a:lvl5pPr>
-            <a:lvl6pPr marL="1714500" indent="0" algn="ctr">
+            <a:lvl6pPr marL="2286000" indent="0" algn="ctr">
               <a:buNone/>
-              <a:defRPr sz="1500"/>
             </a:lvl6pPr>
-            <a:lvl7pPr marL="2057400" indent="0" algn="ctr">
+            <a:lvl7pPr marL="2743200" indent="0" algn="ctr">
               <a:buNone/>
-              <a:defRPr sz="1500"/>
             </a:lvl7pPr>
-            <a:lvl8pPr marL="2400300" indent="0" algn="ctr">
+            <a:lvl8pPr marL="3200400" indent="0" algn="ctr">
               <a:buNone/>
-              <a:defRPr sz="1500"/>
             </a:lvl8pPr>
-            <a:lvl9pPr marL="2743200" indent="0" algn="ctr">
+            <a:lvl9pPr marL="3657600" indent="0" algn="ctr">
               <a:buNone/>
-              <a:defRPr sz="1500"/>
             </a:lvl9pPr>
           </a:lstStyle>
           <a:p>
             <a:r>
-              <a:rPr lang="it-IT" smtClean="0"/>
+              <a:rPr kumimoji="0" lang="it-IT" smtClean="0"/>
               <a:t>Fare clic per modificare lo stile del sottotitolo dello schema</a:t>
             </a:r>
-            <a:endParaRPr lang="en-US" dirty="0"/>
+            <a:endParaRPr kumimoji="0" lang="en-US"/>
           </a:p>
         </p:txBody>
       </p:sp>
       <p:sp>
         <p:nvSpPr>
-          <p:cNvPr id="4" name="Date Placeholder 3"/>
+          <p:cNvPr id="30" name="Segnaposto data 29"/>
           <p:cNvSpPr>
             <a:spLocks noGrp="1"/>
           </p:cNvSpPr>
@@ -356,15 +330,7 @@
         <p:spPr/>
         <p:txBody>
           <a:bodyPr/>
-          <a:lstStyle>
-            <a:lvl1pPr>
-              <a:defRPr>
-                <a:solidFill>
-                  <a:schemeClr val="accent1"/>
-                </a:solidFill>
-              </a:defRPr>
-            </a:lvl1pPr>
-          </a:lstStyle>
+          <a:lstStyle/>
           <a:p>
             <a:fld id="{9FB86531-A28F-4E1C-99B5-5C225A123870}" type="datetimeFigureOut">
               <a:rPr lang="it-IT" smtClean="0"/>
@@ -377,7 +343,7 @@
       </p:sp>
       <p:sp>
         <p:nvSpPr>
-          <p:cNvPr id="5" name="Footer Placeholder 4"/>
+          <p:cNvPr id="19" name="Segnaposto piè di pagina 18"/>
           <p:cNvSpPr>
             <a:spLocks noGrp="1"/>
           </p:cNvSpPr>
@@ -388,15 +354,7 @@
         <p:spPr/>
         <p:txBody>
           <a:bodyPr/>
-          <a:lstStyle>
-            <a:lvl1pPr>
-              <a:defRPr>
-                <a:solidFill>
-                  <a:schemeClr val="accent1"/>
-                </a:solidFill>
-              </a:defRPr>
-            </a:lvl1pPr>
-          </a:lstStyle>
+          <a:lstStyle/>
           <a:p>
             <a:endParaRPr lang="it-IT"/>
           </a:p>
@@ -404,7 +362,7 @@
       </p:sp>
       <p:sp>
         <p:nvSpPr>
-          <p:cNvPr id="6" name="Slide Number Placeholder 5"/>
+          <p:cNvPr id="27" name="Segnaposto numero diapositiva 26"/>
           <p:cNvSpPr>
             <a:spLocks noGrp="1"/>
           </p:cNvSpPr>
@@ -415,15 +373,7 @@
         <p:spPr/>
         <p:txBody>
           <a:bodyPr/>
-          <a:lstStyle>
-            <a:lvl1pPr>
-              <a:defRPr>
-                <a:solidFill>
-                  <a:schemeClr val="accent1"/>
-                </a:solidFill>
-              </a:defRPr>
-            </a:lvl1pPr>
-          </a:lstStyle>
+          <a:lstStyle/>
           <a:p>
             <a:fld id="{39A1D135-D84D-4CF9-8627-C7CF96A2E246}" type="slidenum">
               <a:rPr lang="it-IT" smtClean="0"/>
@@ -434,50 +384,10 @@
           </a:p>
         </p:txBody>
       </p:sp>
-      <p:cxnSp>
-        <p:nvCxnSpPr>
-          <p:cNvPr id="8" name="Straight Connector 7"/>
-          <p:cNvCxnSpPr/>
-          <p:nvPr/>
-        </p:nvCxnSpPr>
-        <p:spPr>
-          <a:xfrm>
-            <a:off x="1483995" y="3733800"/>
-            <a:ext cx="6172201" cy="0"/>
-          </a:xfrm>
-          <a:prstGeom prst="line">
-            <a:avLst/>
-          </a:prstGeom>
-          <a:ln>
-            <a:solidFill>
-              <a:schemeClr val="accent1"/>
-            </a:solidFill>
-          </a:ln>
-        </p:spPr>
-        <p:style>
-          <a:lnRef idx="1">
-            <a:schemeClr val="accent1"/>
-          </a:lnRef>
-          <a:fillRef idx="0">
-            <a:schemeClr val="accent1"/>
-          </a:fillRef>
-          <a:effectRef idx="0">
-            <a:schemeClr val="accent1"/>
-          </a:effectRef>
-          <a:fontRef idx="minor">
-            <a:schemeClr val="tx1"/>
-          </a:fontRef>
-        </p:style>
-      </p:cxnSp>
     </p:spTree>
-    <p:extLst>
-      <p:ext uri="{BB962C8B-B14F-4D97-AF65-F5344CB8AC3E}">
-        <p14:creationId xmlns:p14="http://schemas.microsoft.com/office/powerpoint/2010/main" val="2486039656"/>
-      </p:ext>
-    </p:extLst>
   </p:cSld>
   <p:clrMapOvr>
-    <a:masterClrMapping/>
+    <a:overrideClrMapping bg1="dk1" tx1="lt1" bg2="dk2" tx2="lt2" accent1="accent1" accent2="accent2" accent3="accent3" accent4="accent4" accent5="accent5" accent6="accent6" hlink="hlink" folHlink="folHlink"/>
   </p:clrMapOvr>
 </p:sldLayout>
 </file>
@@ -501,7 +411,7 @@
       </p:grpSpPr>
       <p:sp>
         <p:nvSpPr>
-          <p:cNvPr id="2" name="Title 1"/>
+          <p:cNvPr id="2" name="Titolo 1"/>
           <p:cNvSpPr>
             <a:spLocks noGrp="1"/>
           </p:cNvSpPr>
@@ -515,16 +425,16 @@
           <a:lstStyle/>
           <a:p>
             <a:r>
-              <a:rPr lang="it-IT" smtClean="0"/>
+              <a:rPr kumimoji="0" lang="it-IT" smtClean="0"/>
               <a:t>Fare clic per modificare lo stile del titolo</a:t>
             </a:r>
-            <a:endParaRPr lang="en-US" dirty="0"/>
+            <a:endParaRPr kumimoji="0" lang="en-US"/>
           </a:p>
         </p:txBody>
       </p:sp>
       <p:sp>
         <p:nvSpPr>
-          <p:cNvPr id="3" name="Vertical Text Placeholder 2"/>
+          <p:cNvPr id="3" name="Segnaposto testo verticale 2"/>
           <p:cNvSpPr>
             <a:spLocks noGrp="1"/>
           </p:cNvSpPr>
@@ -537,46 +447,46 @@
           <a:bodyPr vert="eaVert"/>
           <a:lstStyle/>
           <a:p>
-            <a:pPr lvl="0"/>
+            <a:pPr lvl="0" eaLnBrk="1" latinLnBrk="0" hangingPunct="1"/>
             <a:r>
               <a:rPr lang="it-IT" smtClean="0"/>
               <a:t>Fare clic per modificare stili del testo dello schema</a:t>
             </a:r>
           </a:p>
           <a:p>
-            <a:pPr lvl="1"/>
+            <a:pPr lvl="1" eaLnBrk="1" latinLnBrk="0" hangingPunct="1"/>
             <a:r>
               <a:rPr lang="it-IT" smtClean="0"/>
               <a:t>Secondo livello</a:t>
             </a:r>
           </a:p>
           <a:p>
-            <a:pPr lvl="2"/>
+            <a:pPr lvl="2" eaLnBrk="1" latinLnBrk="0" hangingPunct="1"/>
             <a:r>
               <a:rPr lang="it-IT" smtClean="0"/>
               <a:t>Terzo livello</a:t>
             </a:r>
           </a:p>
           <a:p>
-            <a:pPr lvl="3"/>
+            <a:pPr lvl="3" eaLnBrk="1" latinLnBrk="0" hangingPunct="1"/>
             <a:r>
               <a:rPr lang="it-IT" smtClean="0"/>
               <a:t>Quarto livello</a:t>
             </a:r>
           </a:p>
           <a:p>
-            <a:pPr lvl="4"/>
+            <a:pPr lvl="4" eaLnBrk="1" latinLnBrk="0" hangingPunct="1"/>
             <a:r>
               <a:rPr lang="it-IT" smtClean="0"/>
               <a:t>Quinto livello</a:t>
             </a:r>
-            <a:endParaRPr lang="en-US" dirty="0"/>
+            <a:endParaRPr kumimoji="0" lang="en-US"/>
           </a:p>
         </p:txBody>
       </p:sp>
       <p:sp>
         <p:nvSpPr>
-          <p:cNvPr id="4" name="Date Placeholder 3"/>
+          <p:cNvPr id="4" name="Segnaposto data 3"/>
           <p:cNvSpPr>
             <a:spLocks noGrp="1"/>
           </p:cNvSpPr>
@@ -600,7 +510,7 @@
       </p:sp>
       <p:sp>
         <p:nvSpPr>
-          <p:cNvPr id="5" name="Footer Placeholder 4"/>
+          <p:cNvPr id="5" name="Segnaposto piè di pagina 4"/>
           <p:cNvSpPr>
             <a:spLocks noGrp="1"/>
           </p:cNvSpPr>
@@ -619,7 +529,7 @@
       </p:sp>
       <p:sp>
         <p:nvSpPr>
-          <p:cNvPr id="6" name="Slide Number Placeholder 5"/>
+          <p:cNvPr id="6" name="Segnaposto numero diapositiva 5"/>
           <p:cNvSpPr>
             <a:spLocks noGrp="1"/>
           </p:cNvSpPr>
@@ -642,11 +552,6 @@
         </p:txBody>
       </p:sp>
     </p:spTree>
-    <p:extLst>
-      <p:ext uri="{BB962C8B-B14F-4D97-AF65-F5344CB8AC3E}">
-        <p14:creationId xmlns:p14="http://schemas.microsoft.com/office/powerpoint/2010/main" val="3339749931"/>
-      </p:ext>
-    </p:extLst>
   </p:cSld>
   <p:clrMapOvr>
     <a:masterClrMapping/>
@@ -673,7 +578,7 @@
       </p:grpSpPr>
       <p:sp>
         <p:nvSpPr>
-          <p:cNvPr id="2" name="Vertical Title 1"/>
+          <p:cNvPr id="2" name="Titolo verticale 1"/>
           <p:cNvSpPr>
             <a:spLocks noGrp="1"/>
           </p:cNvSpPr>
@@ -683,8 +588,8 @@
         </p:nvSpPr>
         <p:spPr>
           <a:xfrm>
-            <a:off x="6543675" y="762000"/>
-            <a:ext cx="1743075" cy="5410200"/>
+            <a:off x="6629400" y="914401"/>
+            <a:ext cx="2057400" cy="5211763"/>
           </a:xfrm>
         </p:spPr>
         <p:txBody>
@@ -692,16 +597,16 @@
           <a:lstStyle/>
           <a:p>
             <a:r>
-              <a:rPr lang="it-IT" smtClean="0"/>
+              <a:rPr kumimoji="0" lang="it-IT" smtClean="0"/>
               <a:t>Fare clic per modificare lo stile del titolo</a:t>
             </a:r>
-            <a:endParaRPr lang="en-US" dirty="0"/>
+            <a:endParaRPr kumimoji="0" lang="en-US"/>
           </a:p>
         </p:txBody>
       </p:sp>
       <p:sp>
         <p:nvSpPr>
-          <p:cNvPr id="3" name="Vertical Text Placeholder 2"/>
+          <p:cNvPr id="3" name="Segnaposto testo verticale 2"/>
           <p:cNvSpPr>
             <a:spLocks noGrp="1"/>
           </p:cNvSpPr>
@@ -711,54 +616,54 @@
         </p:nvSpPr>
         <p:spPr>
           <a:xfrm>
-            <a:off x="857250" y="762000"/>
-            <a:ext cx="5572125" cy="5410200"/>
+            <a:off x="457200" y="914401"/>
+            <a:ext cx="6019800" cy="5211763"/>
           </a:xfrm>
         </p:spPr>
         <p:txBody>
           <a:bodyPr vert="eaVert"/>
           <a:lstStyle/>
           <a:p>
-            <a:pPr lvl="0"/>
+            <a:pPr lvl="0" eaLnBrk="1" latinLnBrk="0" hangingPunct="1"/>
             <a:r>
               <a:rPr lang="it-IT" smtClean="0"/>
               <a:t>Fare clic per modificare stili del testo dello schema</a:t>
             </a:r>
           </a:p>
           <a:p>
-            <a:pPr lvl="1"/>
+            <a:pPr lvl="1" eaLnBrk="1" latinLnBrk="0" hangingPunct="1"/>
             <a:r>
               <a:rPr lang="it-IT" smtClean="0"/>
               <a:t>Secondo livello</a:t>
             </a:r>
           </a:p>
           <a:p>
-            <a:pPr lvl="2"/>
+            <a:pPr lvl="2" eaLnBrk="1" latinLnBrk="0" hangingPunct="1"/>
             <a:r>
               <a:rPr lang="it-IT" smtClean="0"/>
               <a:t>Terzo livello</a:t>
             </a:r>
           </a:p>
           <a:p>
-            <a:pPr lvl="3"/>
+            <a:pPr lvl="3" eaLnBrk="1" latinLnBrk="0" hangingPunct="1"/>
             <a:r>
               <a:rPr lang="it-IT" smtClean="0"/>
               <a:t>Quarto livello</a:t>
             </a:r>
           </a:p>
           <a:p>
-            <a:pPr lvl="4"/>
+            <a:pPr lvl="4" eaLnBrk="1" latinLnBrk="0" hangingPunct="1"/>
             <a:r>
               <a:rPr lang="it-IT" smtClean="0"/>
               <a:t>Quinto livello</a:t>
             </a:r>
-            <a:endParaRPr lang="en-US" dirty="0"/>
+            <a:endParaRPr kumimoji="0" lang="en-US"/>
           </a:p>
         </p:txBody>
       </p:sp>
       <p:sp>
         <p:nvSpPr>
-          <p:cNvPr id="4" name="Date Placeholder 3"/>
+          <p:cNvPr id="4" name="Segnaposto data 3"/>
           <p:cNvSpPr>
             <a:spLocks noGrp="1"/>
           </p:cNvSpPr>
@@ -782,7 +687,7 @@
       </p:sp>
       <p:sp>
         <p:nvSpPr>
-          <p:cNvPr id="5" name="Footer Placeholder 4"/>
+          <p:cNvPr id="5" name="Segnaposto piè di pagina 4"/>
           <p:cNvSpPr>
             <a:spLocks noGrp="1"/>
           </p:cNvSpPr>
@@ -801,7 +706,7 @@
       </p:sp>
       <p:sp>
         <p:nvSpPr>
-          <p:cNvPr id="6" name="Slide Number Placeholder 5"/>
+          <p:cNvPr id="6" name="Segnaposto numero diapositiva 5"/>
           <p:cNvSpPr>
             <a:spLocks noGrp="1"/>
           </p:cNvSpPr>
@@ -824,11 +729,6 @@
         </p:txBody>
       </p:sp>
     </p:spTree>
-    <p:extLst>
-      <p:ext uri="{BB962C8B-B14F-4D97-AF65-F5344CB8AC3E}">
-        <p14:creationId xmlns:p14="http://schemas.microsoft.com/office/powerpoint/2010/main" val="632050524"/>
-      </p:ext>
-    </p:extLst>
   </p:cSld>
   <p:clrMapOvr>
     <a:masterClrMapping/>
@@ -855,7 +755,7 @@
       </p:grpSpPr>
       <p:sp>
         <p:nvSpPr>
-          <p:cNvPr id="2" name="Title 1"/>
+          <p:cNvPr id="2" name="Titolo 1"/>
           <p:cNvSpPr>
             <a:spLocks noGrp="1"/>
           </p:cNvSpPr>
@@ -869,16 +769,16 @@
           <a:lstStyle/>
           <a:p>
             <a:r>
-              <a:rPr lang="it-IT" smtClean="0"/>
+              <a:rPr kumimoji="0" lang="it-IT" smtClean="0"/>
               <a:t>Fare clic per modificare lo stile del titolo</a:t>
             </a:r>
-            <a:endParaRPr lang="en-US" dirty="0"/>
+            <a:endParaRPr kumimoji="0" lang="en-US"/>
           </a:p>
         </p:txBody>
       </p:sp>
       <p:sp>
         <p:nvSpPr>
-          <p:cNvPr id="3" name="Content Placeholder 2"/>
+          <p:cNvPr id="3" name="Segnaposto contenuto 2"/>
           <p:cNvSpPr>
             <a:spLocks noGrp="1"/>
           </p:cNvSpPr>
@@ -889,55 +789,48 @@
         <p:spPr/>
         <p:txBody>
           <a:bodyPr/>
-          <a:lstStyle>
-            <a:lvl1pPr>
-              <a:spcBef>
-                <a:spcPts val="1000"/>
-              </a:spcBef>
-              <a:defRPr/>
-            </a:lvl1pPr>
-          </a:lstStyle>
-          <a:p>
-            <a:pPr lvl="0"/>
+          <a:lstStyle/>
+          <a:p>
+            <a:pPr lvl="0" eaLnBrk="1" latinLnBrk="0" hangingPunct="1"/>
             <a:r>
               <a:rPr lang="it-IT" smtClean="0"/>
               <a:t>Fare clic per modificare stili del testo dello schema</a:t>
             </a:r>
           </a:p>
           <a:p>
-            <a:pPr lvl="1"/>
+            <a:pPr lvl="1" eaLnBrk="1" latinLnBrk="0" hangingPunct="1"/>
             <a:r>
               <a:rPr lang="it-IT" smtClean="0"/>
               <a:t>Secondo livello</a:t>
             </a:r>
           </a:p>
           <a:p>
-            <a:pPr lvl="2"/>
+            <a:pPr lvl="2" eaLnBrk="1" latinLnBrk="0" hangingPunct="1"/>
             <a:r>
               <a:rPr lang="it-IT" smtClean="0"/>
               <a:t>Terzo livello</a:t>
             </a:r>
           </a:p>
           <a:p>
-            <a:pPr lvl="3"/>
+            <a:pPr lvl="3" eaLnBrk="1" latinLnBrk="0" hangingPunct="1"/>
             <a:r>
               <a:rPr lang="it-IT" smtClean="0"/>
               <a:t>Quarto livello</a:t>
             </a:r>
           </a:p>
           <a:p>
-            <a:pPr lvl="4"/>
+            <a:pPr lvl="4" eaLnBrk="1" latinLnBrk="0" hangingPunct="1"/>
             <a:r>
               <a:rPr lang="it-IT" smtClean="0"/>
               <a:t>Quinto livello</a:t>
             </a:r>
-            <a:endParaRPr lang="en-US" dirty="0"/>
+            <a:endParaRPr kumimoji="0" lang="en-US"/>
           </a:p>
         </p:txBody>
       </p:sp>
       <p:sp>
         <p:nvSpPr>
-          <p:cNvPr id="4" name="Date Placeholder 3"/>
+          <p:cNvPr id="4" name="Segnaposto data 3"/>
           <p:cNvSpPr>
             <a:spLocks noGrp="1"/>
           </p:cNvSpPr>
@@ -961,7 +854,7 @@
       </p:sp>
       <p:sp>
         <p:nvSpPr>
-          <p:cNvPr id="5" name="Footer Placeholder 4"/>
+          <p:cNvPr id="5" name="Segnaposto piè di pagina 4"/>
           <p:cNvSpPr>
             <a:spLocks noGrp="1"/>
           </p:cNvSpPr>
@@ -980,7 +873,7 @@
       </p:sp>
       <p:sp>
         <p:nvSpPr>
-          <p:cNvPr id="6" name="Slide Number Placeholder 5"/>
+          <p:cNvPr id="6" name="Segnaposto numero diapositiva 5"/>
           <p:cNvSpPr>
             <a:spLocks noGrp="1"/>
           </p:cNvSpPr>
@@ -1003,11 +896,6 @@
         </p:txBody>
       </p:sp>
     </p:spTree>
-    <p:extLst>
-      <p:ext uri="{BB962C8B-B14F-4D97-AF65-F5344CB8AC3E}">
-        <p14:creationId xmlns:p14="http://schemas.microsoft.com/office/powerpoint/2010/main" val="602288194"/>
-      </p:ext>
-    </p:extLst>
   </p:cSld>
   <p:clrMapOvr>
     <a:masterClrMapping/>
@@ -1018,6 +906,11 @@
 <file path=ppt/slideLayouts/slideLayout3.xml><?xml version="1.0" encoding="utf-8"?>
 <p:sldLayout xmlns:a="http://schemas.openxmlformats.org/drawingml/2006/main" xmlns:r="http://schemas.openxmlformats.org/officeDocument/2006/relationships" xmlns:p="http://schemas.openxmlformats.org/presentationml/2006/main" type="secHead" preserve="1">
   <p:cSld name="Intestazione sezione">
+    <p:bg>
+      <p:bgRef idx="1002">
+        <a:schemeClr val="bg2"/>
+      </p:bgRef>
+    </p:bg>
     <p:spTree>
       <p:nvGrpSpPr>
         <p:cNvPr id="1" name=""/>
@@ -1034,7 +927,7 @@
       </p:grpSpPr>
       <p:sp>
         <p:nvSpPr>
-          <p:cNvPr id="2" name="Title 1"/>
+          <p:cNvPr id="2" name="Titolo 1"/>
           <p:cNvSpPr>
             <a:spLocks noGrp="1"/>
           </p:cNvSpPr>
@@ -1044,31 +937,47 @@
         </p:nvSpPr>
         <p:spPr>
           <a:xfrm>
-            <a:off x="829818" y="1173575"/>
-            <a:ext cx="7475220" cy="2926080"/>
+            <a:off x="530352" y="1316736"/>
+            <a:ext cx="7772400" cy="1362456"/>
           </a:xfrm>
+          <a:ln>
+            <a:noFill/>
+          </a:ln>
         </p:spPr>
         <p:txBody>
-          <a:bodyPr anchor="b">
+          <a:bodyPr vert="horz" tIns="0" bIns="0" anchor="b">
             <a:noAutofit/>
+            <a:scene3d>
+              <a:camera prst="orthographicFront"/>
+              <a:lightRig rig="freezing" dir="t">
+                <a:rot lat="0" lon="0" rev="5640000"/>
+              </a:lightRig>
+            </a:scene3d>
+            <a:sp3d prstMaterial="flat">
+              <a:bevelT w="38100" h="38100"/>
+            </a:sp3d>
           </a:bodyPr>
           <a:lstStyle>
-            <a:lvl1pPr algn="ctr">
-              <a:lnSpc>
-                <a:spcPct val="85000"/>
-              </a:lnSpc>
-              <a:defRPr lang="en-US" sz="6000" b="1" kern="1200" cap="all" baseline="0" dirty="0">
-                <a:ln w="15875">
-                  <a:solidFill>
-                    <a:schemeClr val="bg1"/>
-                  </a:solidFill>
+            <a:lvl1pPr algn="l" rtl="0">
+              <a:spcBef>
+                <a:spcPct val="0"/>
+              </a:spcBef>
+              <a:buNone/>
+              <a:defRPr lang="en-US" sz="5600" b="1" cap="none" baseline="0" dirty="0">
+                <a:ln w="635">
+                  <a:noFill/>
                 </a:ln>
                 <a:solidFill>
-                  <a:schemeClr val="accent1"/>
+                  <a:schemeClr val="accent4">
+                    <a:tint val="90000"/>
+                    <a:satMod val="125000"/>
+                  </a:schemeClr>
                 </a:solidFill>
                 <a:effectLst>
-                  <a:outerShdw dist="38100" dir="2700000" algn="tl" rotWithShape="0">
-                    <a:schemeClr val="accent1"/>
+                  <a:outerShdw blurRad="38100" dist="25400" dir="5400000" algn="tl" rotWithShape="0">
+                    <a:srgbClr val="000000">
+                      <a:alpha val="43000"/>
+                    </a:srgbClr>
                   </a:outerShdw>
                 </a:effectLst>
                 <a:latin typeface="+mj-lt"/>
@@ -1079,16 +988,16 @@
           </a:lstStyle>
           <a:p>
             <a:r>
-              <a:rPr lang="it-IT" smtClean="0"/>
+              <a:rPr kumimoji="0" lang="it-IT" smtClean="0"/>
               <a:t>Fare clic per modificare lo stile del titolo</a:t>
             </a:r>
-            <a:endParaRPr lang="en-US" dirty="0"/>
+            <a:endParaRPr kumimoji="0" lang="en-US"/>
           </a:p>
         </p:txBody>
       </p:sp>
       <p:sp>
         <p:nvSpPr>
-          <p:cNvPr id="3" name="Text Placeholder 2"/>
+          <p:cNvPr id="3" name="Segnaposto testo 2"/>
           <p:cNvSpPr>
             <a:spLocks noGrp="1"/>
           </p:cNvSpPr>
@@ -1098,26 +1007,24 @@
         </p:nvSpPr>
         <p:spPr>
           <a:xfrm>
-            <a:off x="1282446" y="4154520"/>
-            <a:ext cx="6576822" cy="1363806"/>
+            <a:off x="530352" y="2704664"/>
+            <a:ext cx="7772400" cy="1509712"/>
           </a:xfrm>
         </p:spPr>
         <p:txBody>
-          <a:bodyPr anchor="t">
-            <a:normAutofit/>
-          </a:bodyPr>
+          <a:bodyPr lIns="45720" rIns="45720" anchor="t"/>
           <a:lstStyle>
-            <a:lvl1pPr marL="0" indent="0" algn="ctr">
+            <a:lvl1pPr marL="0" indent="0">
               <a:buNone/>
-              <a:defRPr sz="1800">
+              <a:defRPr sz="2200">
                 <a:solidFill>
-                  <a:schemeClr val="accent1"/>
+                  <a:schemeClr val="tx1"/>
                 </a:solidFill>
               </a:defRPr>
             </a:lvl1pPr>
-            <a:lvl2pPr marL="342900" indent="0">
+            <a:lvl2pPr>
               <a:buNone/>
-              <a:defRPr sz="1350">
+              <a:defRPr sz="1800">
                 <a:solidFill>
                   <a:schemeClr val="tx1">
                     <a:tint val="75000"/>
@@ -1125,9 +1032,9 @@
                 </a:solidFill>
               </a:defRPr>
             </a:lvl2pPr>
-            <a:lvl3pPr marL="685800" indent="0">
+            <a:lvl3pPr>
               <a:buNone/>
-              <a:defRPr sz="1200">
+              <a:defRPr sz="1600">
                 <a:solidFill>
                   <a:schemeClr val="tx1">
                     <a:tint val="75000"/>
@@ -1135,9 +1042,9 @@
                 </a:solidFill>
               </a:defRPr>
             </a:lvl3pPr>
-            <a:lvl4pPr marL="1028700" indent="0">
+            <a:lvl4pPr>
               <a:buNone/>
-              <a:defRPr sz="1050">
+              <a:defRPr sz="1400">
                 <a:solidFill>
                   <a:schemeClr val="tx1">
                     <a:tint val="75000"/>
@@ -1145,9 +1052,9 @@
                 </a:solidFill>
               </a:defRPr>
             </a:lvl4pPr>
-            <a:lvl5pPr marL="1371600" indent="0">
+            <a:lvl5pPr>
               <a:buNone/>
-              <a:defRPr sz="1050">
+              <a:defRPr sz="1400">
                 <a:solidFill>
                   <a:schemeClr val="tx1">
                     <a:tint val="75000"/>
@@ -1155,51 +1062,11 @@
                 </a:solidFill>
               </a:defRPr>
             </a:lvl5pPr>
-            <a:lvl6pPr marL="1714500" indent="0">
-              <a:buNone/>
-              <a:defRPr sz="1050">
-                <a:solidFill>
-                  <a:schemeClr val="tx1">
-                    <a:tint val="75000"/>
-                  </a:schemeClr>
-                </a:solidFill>
-              </a:defRPr>
-            </a:lvl6pPr>
-            <a:lvl7pPr marL="2057400" indent="0">
-              <a:buNone/>
-              <a:defRPr sz="1050">
-                <a:solidFill>
-                  <a:schemeClr val="tx1">
-                    <a:tint val="75000"/>
-                  </a:schemeClr>
-                </a:solidFill>
-              </a:defRPr>
-            </a:lvl7pPr>
-            <a:lvl8pPr marL="2400300" indent="0">
-              <a:buNone/>
-              <a:defRPr sz="1050">
-                <a:solidFill>
-                  <a:schemeClr val="tx1">
-                    <a:tint val="75000"/>
-                  </a:schemeClr>
-                </a:solidFill>
-              </a:defRPr>
-            </a:lvl8pPr>
-            <a:lvl9pPr marL="2743200" indent="0">
-              <a:buNone/>
-              <a:defRPr sz="1050">
-                <a:solidFill>
-                  <a:schemeClr val="tx1">
-                    <a:tint val="75000"/>
-                  </a:schemeClr>
-                </a:solidFill>
-              </a:defRPr>
-            </a:lvl9pPr>
           </a:lstStyle>
           <a:p>
-            <a:pPr lvl="0"/>
-            <a:r>
-              <a:rPr lang="it-IT" smtClean="0"/>
+            <a:pPr lvl="0" eaLnBrk="1" latinLnBrk="0" hangingPunct="1"/>
+            <a:r>
+              <a:rPr kumimoji="0" lang="it-IT" smtClean="0"/>
               <a:t>Fare clic per modificare stili del testo dello schema</a:t>
             </a:r>
           </a:p>
@@ -1207,7 +1074,7 @@
       </p:sp>
       <p:sp>
         <p:nvSpPr>
-          <p:cNvPr id="4" name="Date Placeholder 3"/>
+          <p:cNvPr id="4" name="Segnaposto data 3"/>
           <p:cNvSpPr>
             <a:spLocks noGrp="1"/>
           </p:cNvSpPr>
@@ -1231,7 +1098,7 @@
       </p:sp>
       <p:sp>
         <p:nvSpPr>
-          <p:cNvPr id="5" name="Footer Placeholder 4"/>
+          <p:cNvPr id="5" name="Segnaposto piè di pagina 4"/>
           <p:cNvSpPr>
             <a:spLocks noGrp="1"/>
           </p:cNvSpPr>
@@ -1250,7 +1117,7 @@
       </p:sp>
       <p:sp>
         <p:nvSpPr>
-          <p:cNvPr id="6" name="Slide Number Placeholder 5"/>
+          <p:cNvPr id="6" name="Segnaposto numero diapositiva 5"/>
           <p:cNvSpPr>
             <a:spLocks noGrp="1"/>
           </p:cNvSpPr>
@@ -1272,50 +1139,10 @@
           </a:p>
         </p:txBody>
       </p:sp>
-      <p:cxnSp>
-        <p:nvCxnSpPr>
-          <p:cNvPr id="7" name="Straight Connector 6"/>
-          <p:cNvCxnSpPr/>
-          <p:nvPr/>
-        </p:nvCxnSpPr>
-        <p:spPr>
-          <a:xfrm>
-            <a:off x="1485900" y="4020408"/>
-            <a:ext cx="6172201" cy="0"/>
-          </a:xfrm>
-          <a:prstGeom prst="line">
-            <a:avLst/>
-          </a:prstGeom>
-          <a:ln>
-            <a:solidFill>
-              <a:schemeClr val="accent1"/>
-            </a:solidFill>
-          </a:ln>
-        </p:spPr>
-        <p:style>
-          <a:lnRef idx="1">
-            <a:schemeClr val="accent1"/>
-          </a:lnRef>
-          <a:fillRef idx="0">
-            <a:schemeClr val="accent1"/>
-          </a:fillRef>
-          <a:effectRef idx="0">
-            <a:schemeClr val="accent1"/>
-          </a:effectRef>
-          <a:fontRef idx="minor">
-            <a:schemeClr val="tx1"/>
-          </a:fontRef>
-        </p:style>
-      </p:cxnSp>
     </p:spTree>
-    <p:extLst>
-      <p:ext uri="{BB962C8B-B14F-4D97-AF65-F5344CB8AC3E}">
-        <p14:creationId xmlns:p14="http://schemas.microsoft.com/office/powerpoint/2010/main" val="91292402"/>
-      </p:ext>
-    </p:extLst>
   </p:cSld>
   <p:clrMapOvr>
-    <a:masterClrMapping/>
+    <a:overrideClrMapping bg1="dk1" tx1="lt1" bg2="dk2" tx2="lt2" accent1="accent1" accent2="accent2" accent3="accent3" accent4="accent4" accent5="accent5" accent6="accent6" hlink="hlink" folHlink="folHlink"/>
   </p:clrMapOvr>
 </p:sldLayout>
 </file>
@@ -1339,7 +1166,7 @@
       </p:grpSpPr>
       <p:sp>
         <p:nvSpPr>
-          <p:cNvPr id="8" name="Title 7"/>
+          <p:cNvPr id="2" name="Titolo 1"/>
           <p:cNvSpPr>
             <a:spLocks noGrp="1"/>
           </p:cNvSpPr>
@@ -1347,22 +1174,27 @@
             <p:ph type="title"/>
           </p:nvPr>
         </p:nvSpPr>
-        <p:spPr/>
+        <p:spPr>
+          <a:xfrm>
+            <a:off x="457200" y="704088"/>
+            <a:ext cx="8229600" cy="1143000"/>
+          </a:xfrm>
+        </p:spPr>
         <p:txBody>
           <a:bodyPr/>
           <a:lstStyle/>
           <a:p>
             <a:r>
-              <a:rPr lang="it-IT" smtClean="0"/>
+              <a:rPr kumimoji="0" lang="it-IT" smtClean="0"/>
               <a:t>Fare clic per modificare lo stile del titolo</a:t>
             </a:r>
-            <a:endParaRPr lang="en-US" dirty="0"/>
+            <a:endParaRPr kumimoji="0" lang="en-US"/>
           </a:p>
         </p:txBody>
       </p:sp>
       <p:sp>
         <p:nvSpPr>
-          <p:cNvPr id="3" name="Content Placeholder 2"/>
+          <p:cNvPr id="3" name="Segnaposto contenuto 2"/>
           <p:cNvSpPr>
             <a:spLocks noGrp="1"/>
           </p:cNvSpPr>
@@ -1372,82 +1204,70 @@
         </p:nvSpPr>
         <p:spPr>
           <a:xfrm>
-            <a:off x="857250" y="2057399"/>
-            <a:ext cx="3566160" cy="4023360"/>
+            <a:off x="457200" y="1920085"/>
+            <a:ext cx="4038600" cy="4434840"/>
           </a:xfrm>
         </p:spPr>
         <p:txBody>
           <a:bodyPr/>
           <a:lstStyle>
             <a:lvl1pPr>
-              <a:defRPr sz="1650"/>
+              <a:defRPr sz="2600"/>
             </a:lvl1pPr>
             <a:lvl2pPr>
-              <a:defRPr sz="1500"/>
+              <a:defRPr sz="2400"/>
             </a:lvl2pPr>
             <a:lvl3pPr>
-              <a:defRPr sz="1350"/>
+              <a:defRPr sz="2000"/>
             </a:lvl3pPr>
             <a:lvl4pPr>
-              <a:defRPr sz="1200"/>
+              <a:defRPr sz="1800"/>
             </a:lvl4pPr>
             <a:lvl5pPr>
-              <a:defRPr sz="1200"/>
+              <a:defRPr sz="1800"/>
             </a:lvl5pPr>
-            <a:lvl6pPr>
-              <a:defRPr sz="1200"/>
-            </a:lvl6pPr>
-            <a:lvl7pPr>
-              <a:defRPr sz="1200"/>
-            </a:lvl7pPr>
-            <a:lvl8pPr>
-              <a:defRPr sz="1200"/>
-            </a:lvl8pPr>
-            <a:lvl9pPr>
-              <a:defRPr sz="1200"/>
-            </a:lvl9pPr>
           </a:lstStyle>
           <a:p>
-            <a:pPr lvl="0"/>
+            <a:pPr lvl="0" eaLnBrk="1" latinLnBrk="0" hangingPunct="1"/>
             <a:r>
               <a:rPr lang="it-IT" smtClean="0"/>
               <a:t>Fare clic per modificare stili del testo dello schema</a:t>
             </a:r>
           </a:p>
           <a:p>
-            <a:pPr lvl="1"/>
+            <a:pPr lvl="1" eaLnBrk="1" latinLnBrk="0" hangingPunct="1"/>
             <a:r>
               <a:rPr lang="it-IT" smtClean="0"/>
               <a:t>Secondo livello</a:t>
             </a:r>
           </a:p>
           <a:p>
-            <a:pPr lvl="2"/>
+            <a:pPr lvl="2" eaLnBrk="1" latinLnBrk="0" hangingPunct="1"/>
             <a:r>
               <a:rPr lang="it-IT" smtClean="0"/>
               <a:t>Terzo livello</a:t>
             </a:r>
           </a:p>
           <a:p>
-            <a:pPr lvl="3"/>
+            <a:pPr lvl="3" eaLnBrk="1" latinLnBrk="0" hangingPunct="1"/>
             <a:r>
               <a:rPr lang="it-IT" smtClean="0"/>
               <a:t>Quarto livello</a:t>
             </a:r>
           </a:p>
           <a:p>
-            <a:pPr lvl="4"/>
+            <a:pPr lvl="4" eaLnBrk="1" latinLnBrk="0" hangingPunct="1"/>
             <a:r>
               <a:rPr lang="it-IT" smtClean="0"/>
               <a:t>Quinto livello</a:t>
             </a:r>
-            <a:endParaRPr lang="en-US" dirty="0"/>
+            <a:endParaRPr kumimoji="0" lang="en-US"/>
           </a:p>
         </p:txBody>
       </p:sp>
       <p:sp>
         <p:nvSpPr>
-          <p:cNvPr id="4" name="Content Placeholder 3"/>
+          <p:cNvPr id="4" name="Segnaposto contenuto 3"/>
           <p:cNvSpPr>
             <a:spLocks noGrp="1"/>
           </p:cNvSpPr>
@@ -1457,82 +1277,70 @@
         </p:nvSpPr>
         <p:spPr>
           <a:xfrm>
-            <a:off x="4700709" y="2057400"/>
-            <a:ext cx="3566160" cy="4023360"/>
+            <a:off x="4648200" y="1920085"/>
+            <a:ext cx="4038600" cy="4434840"/>
           </a:xfrm>
         </p:spPr>
         <p:txBody>
           <a:bodyPr/>
           <a:lstStyle>
             <a:lvl1pPr>
-              <a:defRPr sz="1650"/>
+              <a:defRPr sz="2600"/>
             </a:lvl1pPr>
             <a:lvl2pPr>
-              <a:defRPr sz="1500"/>
+              <a:defRPr sz="2400"/>
             </a:lvl2pPr>
             <a:lvl3pPr>
-              <a:defRPr sz="1350"/>
+              <a:defRPr sz="2000"/>
             </a:lvl3pPr>
             <a:lvl4pPr>
-              <a:defRPr sz="1200"/>
+              <a:defRPr sz="1800"/>
             </a:lvl4pPr>
             <a:lvl5pPr>
-              <a:defRPr sz="1200"/>
+              <a:defRPr sz="1800"/>
             </a:lvl5pPr>
-            <a:lvl6pPr>
-              <a:defRPr sz="1200"/>
-            </a:lvl6pPr>
-            <a:lvl7pPr>
-              <a:defRPr sz="1200"/>
-            </a:lvl7pPr>
-            <a:lvl8pPr>
-              <a:defRPr sz="1200"/>
-            </a:lvl8pPr>
-            <a:lvl9pPr>
-              <a:defRPr sz="1200"/>
-            </a:lvl9pPr>
           </a:lstStyle>
           <a:p>
-            <a:pPr lvl="0"/>
+            <a:pPr lvl="0" eaLnBrk="1" latinLnBrk="0" hangingPunct="1"/>
             <a:r>
               <a:rPr lang="it-IT" smtClean="0"/>
               <a:t>Fare clic per modificare stili del testo dello schema</a:t>
             </a:r>
           </a:p>
           <a:p>
-            <a:pPr lvl="1"/>
+            <a:pPr lvl="1" eaLnBrk="1" latinLnBrk="0" hangingPunct="1"/>
             <a:r>
               <a:rPr lang="it-IT" smtClean="0"/>
               <a:t>Secondo livello</a:t>
             </a:r>
           </a:p>
           <a:p>
-            <a:pPr lvl="2"/>
+            <a:pPr lvl="2" eaLnBrk="1" latinLnBrk="0" hangingPunct="1"/>
             <a:r>
               <a:rPr lang="it-IT" smtClean="0"/>
               <a:t>Terzo livello</a:t>
             </a:r>
           </a:p>
           <a:p>
-            <a:pPr lvl="3"/>
+            <a:pPr lvl="3" eaLnBrk="1" latinLnBrk="0" hangingPunct="1"/>
             <a:r>
               <a:rPr lang="it-IT" smtClean="0"/>
               <a:t>Quarto livello</a:t>
             </a:r>
           </a:p>
           <a:p>
-            <a:pPr lvl="4"/>
+            <a:pPr lvl="4" eaLnBrk="1" latinLnBrk="0" hangingPunct="1"/>
             <a:r>
               <a:rPr lang="it-IT" smtClean="0"/>
               <a:t>Quinto livello</a:t>
             </a:r>
-            <a:endParaRPr lang="en-US" dirty="0"/>
+            <a:endParaRPr kumimoji="0" lang="en-US"/>
           </a:p>
         </p:txBody>
       </p:sp>
       <p:sp>
         <p:nvSpPr>
-          <p:cNvPr id="5" name="Date Placeholder 4"/>
+          <p:cNvPr id="5" name="Segnaposto data 4"/>
           <p:cNvSpPr>
             <a:spLocks noGrp="1"/>
           </p:cNvSpPr>
@@ -1556,7 +1364,7 @@
       </p:sp>
       <p:sp>
         <p:nvSpPr>
-          <p:cNvPr id="6" name="Footer Placeholder 5"/>
+          <p:cNvPr id="6" name="Segnaposto piè di pagina 5"/>
           <p:cNvSpPr>
             <a:spLocks noGrp="1"/>
           </p:cNvSpPr>
@@ -1575,7 +1383,7 @@
       </p:sp>
       <p:sp>
         <p:nvSpPr>
-          <p:cNvPr id="7" name="Slide Number Placeholder 6"/>
+          <p:cNvPr id="7" name="Segnaposto numero diapositiva 6"/>
           <p:cNvSpPr>
             <a:spLocks noGrp="1"/>
           </p:cNvSpPr>
@@ -1598,11 +1406,6 @@
         </p:txBody>
       </p:sp>
     </p:spTree>
-    <p:extLst>
-      <p:ext uri="{BB962C8B-B14F-4D97-AF65-F5344CB8AC3E}">
-        <p14:creationId xmlns:p14="http://schemas.microsoft.com/office/powerpoint/2010/main" val="505113405"/>
-      </p:ext>
-    </p:extLst>
   </p:cSld>
   <p:clrMapOvr>
     <a:masterClrMapping/>
@@ -1629,7 +1432,7 @@
       </p:grpSpPr>
       <p:sp>
         <p:nvSpPr>
-          <p:cNvPr id="10" name="Title 9"/>
+          <p:cNvPr id="2" name="Titolo 1"/>
           <p:cNvSpPr>
             <a:spLocks noGrp="1"/>
           </p:cNvSpPr>
@@ -1637,22 +1440,31 @@
             <p:ph type="title"/>
           </p:nvPr>
         </p:nvSpPr>
-        <p:spPr/>
+        <p:spPr>
+          <a:xfrm>
+            <a:off x="457200" y="704088"/>
+            <a:ext cx="8229600" cy="1143000"/>
+          </a:xfrm>
+        </p:spPr>
         <p:txBody>
-          <a:bodyPr/>
-          <a:lstStyle/>
-          <a:p>
-            <a:r>
-              <a:rPr lang="it-IT" smtClean="0"/>
+          <a:bodyPr tIns="45720" anchor="b"/>
+          <a:lstStyle>
+            <a:lvl1pPr>
+              <a:defRPr/>
+            </a:lvl1pPr>
+          </a:lstStyle>
+          <a:p>
+            <a:r>
+              <a:rPr kumimoji="0" lang="it-IT" smtClean="0"/>
               <a:t>Fare clic per modificare lo stile del titolo</a:t>
             </a:r>
-            <a:endParaRPr lang="en-US" dirty="0"/>
+            <a:endParaRPr kumimoji="0" lang="en-US"/>
           </a:p>
         </p:txBody>
       </p:sp>
       <p:sp>
         <p:nvSpPr>
-          <p:cNvPr id="3" name="Text Placeholder 2"/>
+          <p:cNvPr id="3" name="Segnaposto testo 2"/>
           <p:cNvSpPr>
             <a:spLocks noGrp="1"/>
           </p:cNvSpPr>
@@ -1662,57 +1474,45 @@
         </p:nvSpPr>
         <p:spPr>
           <a:xfrm>
-            <a:off x="857250" y="2001511"/>
-            <a:ext cx="3566160" cy="777240"/>
+            <a:off x="457200" y="1855248"/>
+            <a:ext cx="4040188" cy="659352"/>
           </a:xfrm>
         </p:spPr>
         <p:txBody>
-          <a:bodyPr anchor="ctr"/>
+          <a:bodyPr lIns="45720" tIns="0" rIns="45720" bIns="0" anchor="ctr">
+            <a:noAutofit/>
+          </a:bodyPr>
           <a:lstStyle>
             <a:lvl1pPr marL="0" indent="0">
-              <a:spcBef>
-                <a:spcPts val="0"/>
-              </a:spcBef>
+              <a:buNone/>
+              <a:defRPr sz="2400" b="1" cap="none" baseline="0">
+                <a:solidFill>
+                  <a:schemeClr val="tx2"/>
+                </a:solidFill>
+                <a:effectLst/>
+              </a:defRPr>
+            </a:lvl1pPr>
+            <a:lvl2pPr>
+              <a:buNone/>
+              <a:defRPr sz="2000" b="1"/>
+            </a:lvl2pPr>
+            <a:lvl3pPr>
               <a:buNone/>
               <a:defRPr sz="1800" b="1"/>
-            </a:lvl1pPr>
-            <a:lvl2pPr marL="342900" indent="0">
+            </a:lvl3pPr>
+            <a:lvl4pPr>
               <a:buNone/>
-              <a:defRPr sz="1500" b="1"/>
-            </a:lvl2pPr>
-            <a:lvl3pPr marL="685800" indent="0">
+              <a:defRPr sz="1600" b="1"/>
+            </a:lvl4pPr>
+            <a:lvl5pPr>
               <a:buNone/>
-              <a:defRPr sz="1350" b="1"/>
-            </a:lvl3pPr>
-            <a:lvl4pPr marL="1028700" indent="0">
-              <a:buNone/>
-              <a:defRPr sz="1200" b="1"/>
-            </a:lvl4pPr>
-            <a:lvl5pPr marL="1371600" indent="0">
-              <a:buNone/>
-              <a:defRPr sz="1200" b="1"/>
+              <a:defRPr sz="1600" b="1"/>
             </a:lvl5pPr>
-            <a:lvl6pPr marL="1714500" indent="0">
-              <a:buNone/>
-              <a:defRPr sz="1200" b="1"/>
-            </a:lvl6pPr>
-            <a:lvl7pPr marL="2057400" indent="0">
-              <a:buNone/>
-              <a:defRPr sz="1200" b="1"/>
-            </a:lvl7pPr>
-            <a:lvl8pPr marL="2400300" indent="0">
-              <a:buNone/>
-              <a:defRPr sz="1200" b="1"/>
-            </a:lvl8pPr>
-            <a:lvl9pPr marL="2743200" indent="0">
-              <a:buNone/>
-              <a:defRPr sz="1200" b="1"/>
-            </a:lvl9pPr>
           </a:lstStyle>
           <a:p>
-            <a:pPr lvl="0"/>
-            <a:r>
-              <a:rPr lang="it-IT" smtClean="0"/>
+            <a:pPr lvl="0" eaLnBrk="1" latinLnBrk="0" hangingPunct="1"/>
+            <a:r>
+              <a:rPr kumimoji="0" lang="it-IT" smtClean="0"/>
               <a:t>Fare clic per modificare stili del testo dello schema</a:t>
             </a:r>
           </a:p>
@@ -1720,160 +1520,134 @@
       </p:sp>
       <p:sp>
         <p:nvSpPr>
-          <p:cNvPr id="4" name="Content Placeholder 3"/>
+          <p:cNvPr id="4" name="Segnaposto testo 3"/>
           <p:cNvSpPr>
             <a:spLocks noGrp="1"/>
           </p:cNvSpPr>
           <p:nvPr>
-            <p:ph sz="half" idx="2"/>
+            <p:ph type="body" sz="half" idx="3"/>
           </p:nvPr>
         </p:nvSpPr>
         <p:spPr>
           <a:xfrm>
-            <a:off x="857250" y="2721483"/>
-            <a:ext cx="3566160" cy="3383280"/>
+            <a:off x="4645025" y="1859757"/>
+            <a:ext cx="4041775" cy="654843"/>
           </a:xfrm>
         </p:spPr>
         <p:txBody>
-          <a:bodyPr/>
+          <a:bodyPr lIns="45720" tIns="0" rIns="45720" bIns="0" anchor="ctr"/>
           <a:lstStyle>
-            <a:lvl1pPr>
-              <a:defRPr sz="1650"/>
+            <a:lvl1pPr marL="0" indent="0">
+              <a:buNone/>
+              <a:defRPr sz="2400" b="1" cap="none" baseline="0">
+                <a:solidFill>
+                  <a:schemeClr val="tx2"/>
+                </a:solidFill>
+                <a:effectLst/>
+              </a:defRPr>
             </a:lvl1pPr>
             <a:lvl2pPr>
-              <a:defRPr sz="1500"/>
+              <a:buNone/>
+              <a:defRPr sz="2000" b="1"/>
             </a:lvl2pPr>
             <a:lvl3pPr>
-              <a:defRPr sz="1350"/>
+              <a:buNone/>
+              <a:defRPr sz="1800" b="1"/>
             </a:lvl3pPr>
             <a:lvl4pPr>
-              <a:defRPr sz="1200"/>
+              <a:buNone/>
+              <a:defRPr sz="1600" b="1"/>
             </a:lvl4pPr>
             <a:lvl5pPr>
-              <a:defRPr sz="1200"/>
+              <a:buNone/>
+              <a:defRPr sz="1600" b="1"/>
             </a:lvl5pPr>
-            <a:lvl6pPr>
-              <a:defRPr sz="1200"/>
-            </a:lvl6pPr>
-            <a:lvl7pPr>
-              <a:defRPr sz="1200"/>
-            </a:lvl7pPr>
-            <a:lvl8pPr>
-              <a:defRPr sz="1200"/>
-            </a:lvl8pPr>
-            <a:lvl9pPr>
-              <a:defRPr sz="1200"/>
-            </a:lvl9pPr>
           </a:lstStyle>
           <a:p>
-            <a:pPr lvl="0"/>
-            <a:r>
-              <a:rPr lang="it-IT" smtClean="0"/>
+            <a:pPr lvl="0" eaLnBrk="1" latinLnBrk="0" hangingPunct="1"/>
+            <a:r>
+              <a:rPr kumimoji="0" lang="it-IT" smtClean="0"/>
               <a:t>Fare clic per modificare stili del testo dello schema</a:t>
             </a:r>
-          </a:p>
-          <a:p>
-            <a:pPr lvl="1"/>
-            <a:r>
-              <a:rPr lang="it-IT" smtClean="0"/>
-              <a:t>Secondo livello</a:t>
-            </a:r>
-          </a:p>
-          <a:p>
-            <a:pPr lvl="2"/>
-            <a:r>
-              <a:rPr lang="it-IT" smtClean="0"/>
-              <a:t>Terzo livello</a:t>
-            </a:r>
-          </a:p>
-          <a:p>
-            <a:pPr lvl="3"/>
-            <a:r>
-              <a:rPr lang="it-IT" smtClean="0"/>
-              <a:t>Quarto livello</a:t>
-            </a:r>
-          </a:p>
-          <a:p>
-            <a:pPr lvl="4"/>
-            <a:r>
-              <a:rPr lang="it-IT" smtClean="0"/>
-              <a:t>Quinto livello</a:t>
-            </a:r>
-            <a:endParaRPr lang="en-US" dirty="0"/>
           </a:p>
         </p:txBody>
       </p:sp>
       <p:sp>
         <p:nvSpPr>
-          <p:cNvPr id="5" name="Text Placeholder 4"/>
+          <p:cNvPr id="5" name="Segnaposto contenuto 4"/>
           <p:cNvSpPr>
             <a:spLocks noGrp="1"/>
           </p:cNvSpPr>
           <p:nvPr>
-            <p:ph type="body" sz="quarter" idx="3"/>
+            <p:ph sz="quarter" idx="2"/>
           </p:nvPr>
         </p:nvSpPr>
         <p:spPr>
           <a:xfrm>
-            <a:off x="4701880" y="1999032"/>
-            <a:ext cx="3566160" cy="777240"/>
+            <a:off x="457200" y="2514600"/>
+            <a:ext cx="4040188" cy="3845720"/>
           </a:xfrm>
         </p:spPr>
         <p:txBody>
-          <a:bodyPr anchor="ctr"/>
+          <a:bodyPr tIns="0"/>
           <a:lstStyle>
-            <a:lvl1pPr marL="0" indent="0">
-              <a:spcBef>
-                <a:spcPts val="0"/>
-              </a:spcBef>
-              <a:buNone/>
-              <a:defRPr sz="1800" b="1"/>
+            <a:lvl1pPr>
+              <a:defRPr sz="2200"/>
             </a:lvl1pPr>
-            <a:lvl2pPr marL="342900" indent="0">
-              <a:buNone/>
-              <a:defRPr sz="1500" b="1"/>
+            <a:lvl2pPr>
+              <a:defRPr sz="2000"/>
             </a:lvl2pPr>
-            <a:lvl3pPr marL="685800" indent="0">
-              <a:buNone/>
-              <a:defRPr sz="1350" b="1"/>
+            <a:lvl3pPr>
+              <a:defRPr sz="1800"/>
             </a:lvl3pPr>
-            <a:lvl4pPr marL="1028700" indent="0">
-              <a:buNone/>
-              <a:defRPr sz="1200" b="1"/>
+            <a:lvl4pPr>
+              <a:defRPr sz="1600"/>
             </a:lvl4pPr>
-            <a:lvl5pPr marL="1371600" indent="0">
-              <a:buNone/>
-              <a:defRPr sz="1200" b="1"/>
+            <a:lvl5pPr>
+              <a:defRPr sz="1600"/>
             </a:lvl5pPr>
-            <a:lvl6pPr marL="1714500" indent="0">
-              <a:buNone/>
-              <a:defRPr sz="1200" b="1"/>
-            </a:lvl6pPr>
-            <a:lvl7pPr marL="2057400" indent="0">
-              <a:buNone/>
-              <a:defRPr sz="1200" b="1"/>
-            </a:lvl7pPr>
-            <a:lvl8pPr marL="2400300" indent="0">
-              <a:buNone/>
-              <a:defRPr sz="1200" b="1"/>
-            </a:lvl8pPr>
-            <a:lvl9pPr marL="2743200" indent="0">
-              <a:buNone/>
-              <a:defRPr sz="1200" b="1"/>
-            </a:lvl9pPr>
           </a:lstStyle>
           <a:p>
-            <a:pPr lvl="0"/>
+            <a:pPr lvl="0" eaLnBrk="1" latinLnBrk="0" hangingPunct="1"/>
             <a:r>
               <a:rPr lang="it-IT" smtClean="0"/>
               <a:t>Fare clic per modificare stili del testo dello schema</a:t>
             </a:r>
+          </a:p>
+          <a:p>
+            <a:pPr lvl="1" eaLnBrk="1" latinLnBrk="0" hangingPunct="1"/>
+            <a:r>
+              <a:rPr lang="it-IT" smtClean="0"/>
+              <a:t>Secondo livello</a:t>
+            </a:r>
+          </a:p>
+          <a:p>
+            <a:pPr lvl="2" eaLnBrk="1" latinLnBrk="0" hangingPunct="1"/>
+            <a:r>
+              <a:rPr lang="it-IT" smtClean="0"/>
+              <a:t>Terzo livello</a:t>
+            </a:r>
+          </a:p>
+          <a:p>
+            <a:pPr lvl="3" eaLnBrk="1" latinLnBrk="0" hangingPunct="1"/>
+            <a:r>
+              <a:rPr lang="it-IT" smtClean="0"/>
+              <a:t>Quarto livello</a:t>
+            </a:r>
+          </a:p>
+          <a:p>
+            <a:pPr lvl="4" eaLnBrk="1" latinLnBrk="0" hangingPunct="1"/>
+            <a:r>
+              <a:rPr lang="it-IT" smtClean="0"/>
+              <a:t>Quinto livello</a:t>
+            </a:r>
+            <a:endParaRPr kumimoji="0" lang="en-US"/>
           </a:p>
         </p:txBody>
       </p:sp>
       <p:sp>
         <p:nvSpPr>
-          <p:cNvPr id="6" name="Content Placeholder 5"/>
+          <p:cNvPr id="6" name="Segnaposto contenuto 5"/>
           <p:cNvSpPr>
             <a:spLocks noGrp="1"/>
           </p:cNvSpPr>
@@ -1883,82 +1657,70 @@
         </p:nvSpPr>
         <p:spPr>
           <a:xfrm>
-            <a:off x="4701880" y="2719322"/>
-            <a:ext cx="3566160" cy="3383280"/>
+            <a:off x="4645025" y="2514600"/>
+            <a:ext cx="4041775" cy="3845720"/>
           </a:xfrm>
         </p:spPr>
         <p:txBody>
-          <a:bodyPr/>
+          <a:bodyPr tIns="0"/>
           <a:lstStyle>
             <a:lvl1pPr>
-              <a:defRPr sz="1650"/>
+              <a:defRPr sz="2200"/>
             </a:lvl1pPr>
             <a:lvl2pPr>
-              <a:defRPr sz="1500"/>
+              <a:defRPr sz="2000"/>
             </a:lvl2pPr>
             <a:lvl3pPr>
-              <a:defRPr sz="1350"/>
+              <a:defRPr sz="1800"/>
             </a:lvl3pPr>
             <a:lvl4pPr>
-              <a:defRPr sz="1200"/>
+              <a:defRPr sz="1600"/>
             </a:lvl4pPr>
             <a:lvl5pPr>
-              <a:defRPr sz="1200"/>
+              <a:defRPr sz="1600"/>
             </a:lvl5pPr>
-            <a:lvl6pPr>
-              <a:defRPr sz="1200"/>
-            </a:lvl6pPr>
-            <a:lvl7pPr>
-              <a:defRPr sz="1200"/>
-            </a:lvl7pPr>
-            <a:lvl8pPr>
-              <a:defRPr sz="1200"/>
-            </a:lvl8pPr>
-            <a:lvl9pPr>
-              <a:defRPr sz="1200"/>
-            </a:lvl9pPr>
           </a:lstStyle>
           <a:p>
-            <a:pPr lvl="0"/>
+            <a:pPr lvl="0" eaLnBrk="1" latinLnBrk="0" hangingPunct="1"/>
             <a:r>
               <a:rPr lang="it-IT" smtClean="0"/>
               <a:t>Fare clic per modificare stili del testo dello schema</a:t>
             </a:r>
           </a:p>
           <a:p>
-            <a:pPr lvl="1"/>
+            <a:pPr lvl="1" eaLnBrk="1" latinLnBrk="0" hangingPunct="1"/>
             <a:r>
               <a:rPr lang="it-IT" smtClean="0"/>
               <a:t>Secondo livello</a:t>
             </a:r>
           </a:p>
           <a:p>
-            <a:pPr lvl="2"/>
+            <a:pPr lvl="2" eaLnBrk="1" latinLnBrk="0" hangingPunct="1"/>
             <a:r>
               <a:rPr lang="it-IT" smtClean="0"/>
               <a:t>Terzo livello</a:t>
             </a:r>
           </a:p>
           <a:p>
-            <a:pPr lvl="3"/>
+            <a:pPr lvl="3" eaLnBrk="1" latinLnBrk="0" hangingPunct="1"/>
             <a:r>
               <a:rPr lang="it-IT" smtClean="0"/>
               <a:t>Quarto livello</a:t>
             </a:r>
           </a:p>
           <a:p>
-            <a:pPr lvl="4"/>
+            <a:pPr lvl="4" eaLnBrk="1" latinLnBrk="0" hangingPunct="1"/>
             <a:r>
               <a:rPr lang="it-IT" smtClean="0"/>
               <a:t>Quinto livello</a:t>
             </a:r>
-            <a:endParaRPr lang="en-US" dirty="0"/>
+            <a:endParaRPr kumimoji="0" lang="en-US"/>
           </a:p>
         </p:txBody>
       </p:sp>
       <p:sp>
         <p:nvSpPr>
-          <p:cNvPr id="7" name="Date Placeholder 6"/>
+          <p:cNvPr id="7" name="Segnaposto data 6"/>
           <p:cNvSpPr>
             <a:spLocks noGrp="1"/>
           </p:cNvSpPr>
@@ -1982,7 +1744,7 @@
       </p:sp>
       <p:sp>
         <p:nvSpPr>
-          <p:cNvPr id="8" name="Footer Placeholder 7"/>
+          <p:cNvPr id="8" name="Segnaposto piè di pagina 7"/>
           <p:cNvSpPr>
             <a:spLocks noGrp="1"/>
           </p:cNvSpPr>
@@ -2001,7 +1763,7 @@
       </p:sp>
       <p:sp>
         <p:nvSpPr>
-          <p:cNvPr id="9" name="Slide Number Placeholder 8"/>
+          <p:cNvPr id="9" name="Segnaposto numero diapositiva 8"/>
           <p:cNvSpPr>
             <a:spLocks noGrp="1"/>
           </p:cNvSpPr>
@@ -2024,11 +1786,6 @@
         </p:txBody>
       </p:sp>
     </p:spTree>
-    <p:extLst>
-      <p:ext uri="{BB962C8B-B14F-4D97-AF65-F5344CB8AC3E}">
-        <p14:creationId xmlns:p14="http://schemas.microsoft.com/office/powerpoint/2010/main" val="596680662"/>
-      </p:ext>
-    </p:extLst>
   </p:cSld>
   <p:clrMapOvr>
     <a:masterClrMapping/>
@@ -2055,7 +1812,7 @@
       </p:grpSpPr>
       <p:sp>
         <p:nvSpPr>
-          <p:cNvPr id="2" name="Title 1"/>
+          <p:cNvPr id="2" name="Titolo 1"/>
           <p:cNvSpPr>
             <a:spLocks noGrp="1"/>
           </p:cNvSpPr>
@@ -2063,22 +1820,59 @@
             <p:ph type="title"/>
           </p:nvPr>
         </p:nvSpPr>
-        <p:spPr/>
+        <p:spPr>
+          <a:xfrm>
+            <a:off x="457200" y="704088"/>
+            <a:ext cx="8305800" cy="1143000"/>
+          </a:xfrm>
+        </p:spPr>
         <p:txBody>
-          <a:bodyPr/>
-          <a:lstStyle/>
-          <a:p>
-            <a:r>
-              <a:rPr lang="it-IT" smtClean="0"/>
+          <a:bodyPr vert="horz" tIns="45720" bIns="0" anchor="b">
+            <a:normAutofit/>
+            <a:scene3d>
+              <a:camera prst="orthographicFront"/>
+              <a:lightRig rig="freezing" dir="t">
+                <a:rot lat="0" lon="0" rev="5640000"/>
+              </a:lightRig>
+            </a:scene3d>
+            <a:sp3d prstMaterial="flat">
+              <a:contourClr>
+                <a:schemeClr val="tx2"/>
+              </a:contourClr>
+            </a:sp3d>
+          </a:bodyPr>
+          <a:lstStyle>
+            <a:lvl1pPr algn="l" rtl="0">
+              <a:spcBef>
+                <a:spcPct val="0"/>
+              </a:spcBef>
+              <a:buNone/>
+              <a:defRPr sz="5000" b="0">
+                <a:ln>
+                  <a:noFill/>
+                </a:ln>
+                <a:solidFill>
+                  <a:schemeClr val="tx2"/>
+                </a:solidFill>
+                <a:effectLst/>
+                <a:latin typeface="+mj-lt"/>
+                <a:ea typeface="+mj-ea"/>
+                <a:cs typeface="+mj-cs"/>
+              </a:defRPr>
+            </a:lvl1pPr>
+          </a:lstStyle>
+          <a:p>
+            <a:r>
+              <a:rPr kumimoji="0" lang="it-IT" smtClean="0"/>
               <a:t>Fare clic per modificare lo stile del titolo</a:t>
             </a:r>
-            <a:endParaRPr lang="en-US" dirty="0"/>
+            <a:endParaRPr kumimoji="0" lang="en-US"/>
           </a:p>
         </p:txBody>
       </p:sp>
       <p:sp>
         <p:nvSpPr>
-          <p:cNvPr id="3" name="Date Placeholder 2"/>
+          <p:cNvPr id="3" name="Segnaposto data 2"/>
           <p:cNvSpPr>
             <a:spLocks noGrp="1"/>
           </p:cNvSpPr>
@@ -2102,7 +1896,7 @@
       </p:sp>
       <p:sp>
         <p:nvSpPr>
-          <p:cNvPr id="4" name="Footer Placeholder 3"/>
+          <p:cNvPr id="4" name="Segnaposto piè di pagina 3"/>
           <p:cNvSpPr>
             <a:spLocks noGrp="1"/>
           </p:cNvSpPr>
@@ -2121,7 +1915,7 @@
       </p:sp>
       <p:sp>
         <p:nvSpPr>
-          <p:cNvPr id="5" name="Slide Number Placeholder 4"/>
+          <p:cNvPr id="5" name="Segnaposto numero diapositiva 4"/>
           <p:cNvSpPr>
             <a:spLocks noGrp="1"/>
           </p:cNvSpPr>
@@ -2144,11 +1938,6 @@
         </p:txBody>
       </p:sp>
     </p:spTree>
-    <p:extLst>
-      <p:ext uri="{BB962C8B-B14F-4D97-AF65-F5344CB8AC3E}">
-        <p14:creationId xmlns:p14="http://schemas.microsoft.com/office/powerpoint/2010/main" val="111129240"/>
-      </p:ext>
-    </p:extLst>
   </p:cSld>
   <p:clrMapOvr>
     <a:masterClrMapping/>
@@ -2175,7 +1964,7 @@
       </p:grpSpPr>
       <p:sp>
         <p:nvSpPr>
-          <p:cNvPr id="2" name="Date Placeholder 1"/>
+          <p:cNvPr id="2" name="Segnaposto data 1"/>
           <p:cNvSpPr>
             <a:spLocks noGrp="1"/>
           </p:cNvSpPr>
@@ -2199,7 +1988,7 @@
       </p:sp>
       <p:sp>
         <p:nvSpPr>
-          <p:cNvPr id="3" name="Footer Placeholder 2"/>
+          <p:cNvPr id="3" name="Segnaposto piè di pagina 2"/>
           <p:cNvSpPr>
             <a:spLocks noGrp="1"/>
           </p:cNvSpPr>
@@ -2218,7 +2007,7 @@
       </p:sp>
       <p:sp>
         <p:nvSpPr>
-          <p:cNvPr id="4" name="Slide Number Placeholder 3"/>
+          <p:cNvPr id="4" name="Segnaposto numero diapositiva 3"/>
           <p:cNvSpPr>
             <a:spLocks noGrp="1"/>
           </p:cNvSpPr>
@@ -2241,11 +2030,6 @@
         </p:txBody>
       </p:sp>
     </p:spTree>
-    <p:extLst>
-      <p:ext uri="{BB962C8B-B14F-4D97-AF65-F5344CB8AC3E}">
-        <p14:creationId xmlns:p14="http://schemas.microsoft.com/office/powerpoint/2010/main" val="374442310"/>
-      </p:ext>
-    </p:extLst>
   </p:cSld>
   <p:clrMapOvr>
     <a:masterClrMapping/>
@@ -2272,7 +2056,7 @@
       </p:grpSpPr>
       <p:sp>
         <p:nvSpPr>
-          <p:cNvPr id="2" name="Title 1"/>
+          <p:cNvPr id="2" name="Titolo 1"/>
           <p:cNvSpPr>
             <a:spLocks noGrp="1"/>
           </p:cNvSpPr>
@@ -2282,192 +2066,168 @@
         </p:nvSpPr>
         <p:spPr>
           <a:xfrm>
-            <a:off x="857250" y="1097280"/>
-            <a:ext cx="2834640" cy="1737360"/>
+            <a:off x="685800" y="514352"/>
+            <a:ext cx="2743200" cy="1162050"/>
           </a:xfrm>
         </p:spPr>
         <p:txBody>
-          <a:bodyPr anchor="b">
+          <a:bodyPr lIns="0" anchor="b">
             <a:noAutofit/>
           </a:bodyPr>
           <a:lstStyle>
-            <a:lvl1pPr>
-              <a:lnSpc>
-                <a:spcPct val="90000"/>
-              </a:lnSpc>
-              <a:defRPr sz="3000" b="0"/>
+            <a:lvl1pPr algn="l" rtl="0">
+              <a:spcBef>
+                <a:spcPct val="0"/>
+              </a:spcBef>
+              <a:buNone/>
+              <a:defRPr sz="2600" b="0">
+                <a:ln>
+                  <a:noFill/>
+                </a:ln>
+                <a:solidFill>
+                  <a:schemeClr val="tx2"/>
+                </a:solidFill>
+                <a:effectLst/>
+                <a:latin typeface="+mj-lt"/>
+                <a:ea typeface="+mj-ea"/>
+                <a:cs typeface="+mj-cs"/>
+              </a:defRPr>
             </a:lvl1pPr>
           </a:lstStyle>
           <a:p>
             <a:r>
-              <a:rPr lang="it-IT" smtClean="0"/>
+              <a:rPr kumimoji="0" lang="it-IT" smtClean="0"/>
               <a:t>Fare clic per modificare lo stile del titolo</a:t>
             </a:r>
-            <a:endParaRPr lang="en-US" dirty="0"/>
+            <a:endParaRPr kumimoji="0" lang="en-US"/>
           </a:p>
         </p:txBody>
       </p:sp>
       <p:sp>
         <p:nvSpPr>
-          <p:cNvPr id="3" name="Content Placeholder 2"/>
+          <p:cNvPr id="3" name="Segnaposto testo 2"/>
           <p:cNvSpPr>
             <a:spLocks noGrp="1"/>
           </p:cNvSpPr>
           <p:nvPr>
-            <p:ph idx="1"/>
+            <p:ph type="body" idx="2"/>
           </p:nvPr>
         </p:nvSpPr>
         <p:spPr>
           <a:xfrm>
-            <a:off x="4129314" y="1097280"/>
-            <a:ext cx="4149638" cy="4663440"/>
+            <a:off x="685800" y="1676400"/>
+            <a:ext cx="2743200" cy="4572000"/>
           </a:xfrm>
         </p:spPr>
         <p:txBody>
-          <a:bodyPr/>
+          <a:bodyPr lIns="18288" rIns="18288"/>
           <a:lstStyle>
-            <a:lvl1pPr>
-              <a:defRPr sz="2400"/>
+            <a:lvl1pPr marL="0" indent="0" algn="l">
+              <a:buNone/>
+              <a:defRPr sz="1400"/>
             </a:lvl1pPr>
-            <a:lvl2pPr>
-              <a:defRPr sz="2100"/>
+            <a:lvl2pPr indent="0" algn="l">
+              <a:buNone/>
+              <a:defRPr sz="1200"/>
             </a:lvl2pPr>
-            <a:lvl3pPr>
-              <a:defRPr sz="1800"/>
+            <a:lvl3pPr indent="0" algn="l">
+              <a:buNone/>
+              <a:defRPr sz="1000"/>
             </a:lvl3pPr>
-            <a:lvl4pPr>
-              <a:defRPr sz="1500"/>
+            <a:lvl4pPr indent="0" algn="l">
+              <a:buNone/>
+              <a:defRPr sz="900"/>
             </a:lvl4pPr>
-            <a:lvl5pPr>
-              <a:defRPr sz="1500"/>
+            <a:lvl5pPr indent="0" algn="l">
+              <a:buNone/>
+              <a:defRPr sz="900"/>
             </a:lvl5pPr>
-            <a:lvl6pPr>
-              <a:defRPr sz="1500"/>
-            </a:lvl6pPr>
-            <a:lvl7pPr>
-              <a:defRPr sz="1500"/>
-            </a:lvl7pPr>
-            <a:lvl8pPr>
-              <a:defRPr sz="1500"/>
-            </a:lvl8pPr>
-            <a:lvl9pPr>
-              <a:defRPr sz="1500"/>
-            </a:lvl9pPr>
           </a:lstStyle>
           <a:p>
-            <a:pPr lvl="0"/>
-            <a:r>
-              <a:rPr lang="it-IT" smtClean="0"/>
+            <a:pPr lvl="0" eaLnBrk="1" latinLnBrk="0" hangingPunct="1"/>
+            <a:r>
+              <a:rPr kumimoji="0" lang="it-IT" smtClean="0"/>
               <a:t>Fare clic per modificare stili del testo dello schema</a:t>
             </a:r>
-          </a:p>
-          <a:p>
-            <a:pPr lvl="1"/>
-            <a:r>
-              <a:rPr lang="it-IT" smtClean="0"/>
-              <a:t>Secondo livello</a:t>
-            </a:r>
-          </a:p>
-          <a:p>
-            <a:pPr lvl="2"/>
-            <a:r>
-              <a:rPr lang="it-IT" smtClean="0"/>
-              <a:t>Terzo livello</a:t>
-            </a:r>
-          </a:p>
-          <a:p>
-            <a:pPr lvl="3"/>
-            <a:r>
-              <a:rPr lang="it-IT" smtClean="0"/>
-              <a:t>Quarto livello</a:t>
-            </a:r>
-          </a:p>
-          <a:p>
-            <a:pPr lvl="4"/>
-            <a:r>
-              <a:rPr lang="it-IT" smtClean="0"/>
-              <a:t>Quinto livello</a:t>
-            </a:r>
-            <a:endParaRPr lang="en-US" dirty="0"/>
           </a:p>
         </p:txBody>
       </p:sp>
       <p:sp>
         <p:nvSpPr>
-          <p:cNvPr id="4" name="Text Placeholder 3"/>
+          <p:cNvPr id="4" name="Segnaposto contenuto 3"/>
           <p:cNvSpPr>
             <a:spLocks noGrp="1"/>
           </p:cNvSpPr>
           <p:nvPr>
-            <p:ph type="body" sz="half" idx="2"/>
+            <p:ph sz="half" idx="1"/>
           </p:nvPr>
         </p:nvSpPr>
         <p:spPr>
           <a:xfrm>
-            <a:off x="857250" y="2834640"/>
-            <a:ext cx="2834640" cy="2926080"/>
+            <a:off x="3575050" y="1676400"/>
+            <a:ext cx="5111750" cy="4572000"/>
           </a:xfrm>
         </p:spPr>
         <p:txBody>
-          <a:bodyPr>
-            <a:normAutofit/>
-          </a:bodyPr>
+          <a:bodyPr tIns="0"/>
           <a:lstStyle>
-            <a:lvl1pPr marL="0" indent="0">
-              <a:lnSpc>
-                <a:spcPct val="100000"/>
-              </a:lnSpc>
-              <a:spcBef>
-                <a:spcPts val="800"/>
-              </a:spcBef>
-              <a:buNone/>
-              <a:defRPr sz="1275"/>
+            <a:lvl1pPr>
+              <a:defRPr sz="2800"/>
             </a:lvl1pPr>
-            <a:lvl2pPr marL="342900" indent="0">
-              <a:buNone/>
-              <a:defRPr sz="900"/>
+            <a:lvl2pPr>
+              <a:defRPr sz="2600"/>
             </a:lvl2pPr>
-            <a:lvl3pPr marL="685800" indent="0">
-              <a:buNone/>
-              <a:defRPr sz="750"/>
+            <a:lvl3pPr>
+              <a:defRPr sz="2400"/>
             </a:lvl3pPr>
-            <a:lvl4pPr marL="1028700" indent="0">
-              <a:buNone/>
-              <a:defRPr sz="675"/>
+            <a:lvl4pPr>
+              <a:defRPr sz="2000"/>
             </a:lvl4pPr>
-            <a:lvl5pPr marL="1371600" indent="0">
-              <a:buNone/>
-              <a:defRPr sz="675"/>
+            <a:lvl5pPr>
+              <a:defRPr sz="1800"/>
             </a:lvl5pPr>
-            <a:lvl6pPr marL="1714500" indent="0">
-              <a:buNone/>
-              <a:defRPr sz="675"/>
-            </a:lvl6pPr>
-            <a:lvl7pPr marL="2057400" indent="0">
-              <a:buNone/>
-              <a:defRPr sz="675"/>
-            </a:lvl7pPr>
-            <a:lvl8pPr marL="2400300" indent="0">
-              <a:buNone/>
-              <a:defRPr sz="675"/>
-            </a:lvl8pPr>
-            <a:lvl9pPr marL="2743200" indent="0">
-              <a:buNone/>
-              <a:defRPr sz="675"/>
-            </a:lvl9pPr>
           </a:lstStyle>
           <a:p>
-            <a:pPr lvl="0"/>
+            <a:pPr lvl="0" eaLnBrk="1" latinLnBrk="0" hangingPunct="1"/>
             <a:r>
               <a:rPr lang="it-IT" smtClean="0"/>
               <a:t>Fare clic per modificare stili del testo dello schema</a:t>
             </a:r>
+          </a:p>
+          <a:p>
+            <a:pPr lvl="1" eaLnBrk="1" latinLnBrk="0" hangingPunct="1"/>
+            <a:r>
+              <a:rPr lang="it-IT" smtClean="0"/>
+              <a:t>Secondo livello</a:t>
+            </a:r>
+          </a:p>
+          <a:p>
+            <a:pPr lvl="2" eaLnBrk="1" latinLnBrk="0" hangingPunct="1"/>
+            <a:r>
+              <a:rPr lang="it-IT" smtClean="0"/>
+              <a:t>Terzo livello</a:t>
+            </a:r>
+          </a:p>
+          <a:p>
+            <a:pPr lvl="3" eaLnBrk="1" latinLnBrk="0" hangingPunct="1"/>
+            <a:r>
+              <a:rPr lang="it-IT" smtClean="0"/>
+              <a:t>Quarto livello</a:t>
+            </a:r>
+          </a:p>
+          <a:p>
+            <a:pPr lvl="4" eaLnBrk="1" latinLnBrk="0" hangingPunct="1"/>
+            <a:r>
+              <a:rPr lang="it-IT" smtClean="0"/>
+              <a:t>Quinto livello</a:t>
+            </a:r>
+            <a:endParaRPr kumimoji="0" lang="en-US"/>
           </a:p>
         </p:txBody>
       </p:sp>
       <p:sp>
         <p:nvSpPr>
-          <p:cNvPr id="5" name="Date Placeholder 4"/>
+          <p:cNvPr id="5" name="Segnaposto data 4"/>
           <p:cNvSpPr>
             <a:spLocks noGrp="1"/>
           </p:cNvSpPr>
@@ -2491,7 +2251,7 @@
       </p:sp>
       <p:sp>
         <p:nvSpPr>
-          <p:cNvPr id="6" name="Footer Placeholder 5"/>
+          <p:cNvPr id="6" name="Segnaposto piè di pagina 5"/>
           <p:cNvSpPr>
             <a:spLocks noGrp="1"/>
           </p:cNvSpPr>
@@ -2510,7 +2270,7 @@
       </p:sp>
       <p:sp>
         <p:nvSpPr>
-          <p:cNvPr id="7" name="Slide Number Placeholder 6"/>
+          <p:cNvPr id="7" name="Segnaposto numero diapositiva 6"/>
           <p:cNvSpPr>
             <a:spLocks noGrp="1"/>
           </p:cNvSpPr>
@@ -2533,11 +2293,6 @@
         </p:txBody>
       </p:sp>
     </p:spTree>
-    <p:extLst>
-      <p:ext uri="{BB962C8B-B14F-4D97-AF65-F5344CB8AC3E}">
-        <p14:creationId xmlns:p14="http://schemas.microsoft.com/office/powerpoint/2010/main" val="3759602300"/>
-      </p:ext>
-    </p:extLst>
   </p:cSld>
   <p:clrMapOvr>
     <a:masterClrMapping/>
@@ -2546,7 +2301,7 @@
 </file>
 
 <file path=ppt/slideLayouts/slideLayout9.xml><?xml version="1.0" encoding="utf-8"?>
-<p:sldLayout xmlns:a="http://schemas.openxmlformats.org/drawingml/2006/main" xmlns:r="http://schemas.openxmlformats.org/officeDocument/2006/relationships" xmlns:p="http://schemas.openxmlformats.org/presentationml/2006/main" type="picTx" preserve="1">
+<p:sldLayout xmlns:a="http://schemas.openxmlformats.org/drawingml/2006/main" xmlns:r="http://schemas.openxmlformats.org/officeDocument/2006/relationships" xmlns:p="http://schemas.openxmlformats.org/presentationml/2006/main" showMasterSp="0" type="picTx" preserve="1">
   <p:cSld name="Immagine con didascalia">
     <p:spTree>
       <p:nvGrpSpPr>
@@ -2564,7 +2319,119 @@
       </p:grpSpPr>
       <p:sp>
         <p:nvSpPr>
-          <p:cNvPr id="2" name="Title 1"/>
+          <p:cNvPr id="9" name="Ritaglia e arrotonda singolo angolo rettangolo 8"/>
+          <p:cNvSpPr/>
+          <p:nvPr/>
+        </p:nvSpPr>
+        <p:spPr>
+          <a:xfrm rot="420000" flipV="1">
+            <a:off x="3165753" y="1108077"/>
+            <a:ext cx="5257800" cy="4114800"/>
+          </a:xfrm>
+          <a:prstGeom prst="snipRoundRect">
+            <a:avLst>
+              <a:gd name="adj1" fmla="val 0"/>
+              <a:gd name="adj2" fmla="val 3646"/>
+            </a:avLst>
+          </a:prstGeom>
+          <a:solidFill>
+            <a:srgbClr val="FFFFFF"/>
+          </a:solidFill>
+          <a:ln w="3175" cap="rnd" cmpd="sng" algn="ctr">
+            <a:solidFill>
+              <a:srgbClr val="C0C0C0"/>
+            </a:solidFill>
+            <a:prstDash val="solid"/>
+          </a:ln>
+          <a:effectLst>
+            <a:outerShdw blurRad="63500" dist="38500" dir="7500000" sx="98500" sy="100080" kx="100000" algn="tl" rotWithShape="0">
+              <a:srgbClr val="000000">
+                <a:alpha val="25000"/>
+              </a:srgbClr>
+            </a:outerShdw>
+          </a:effectLst>
+        </p:spPr>
+        <p:style>
+          <a:lnRef idx="2">
+            <a:schemeClr val="accent1"/>
+          </a:lnRef>
+          <a:fillRef idx="1">
+            <a:schemeClr val="accent1"/>
+          </a:fillRef>
+          <a:effectRef idx="0">
+            <a:schemeClr val="accent1"/>
+          </a:effectRef>
+          <a:fontRef idx="minor">
+            <a:schemeClr val="lt1"/>
+          </a:fontRef>
+        </p:style>
+        <p:txBody>
+          <a:bodyPr rtlCol="0" anchor="ctr"/>
+          <a:lstStyle/>
+          <a:p>
+            <a:pPr algn="ctr" eaLnBrk="1" latinLnBrk="0" hangingPunct="1"/>
+            <a:endParaRPr kumimoji="0" lang="en-US"/>
+          </a:p>
+        </p:txBody>
+      </p:sp>
+      <p:sp>
+        <p:nvSpPr>
+          <p:cNvPr id="12" name="Triangolo rettangolo 11"/>
+          <p:cNvSpPr/>
+          <p:nvPr/>
+        </p:nvSpPr>
+        <p:spPr>
+          <a:xfrm rot="420000" flipV="1">
+            <a:off x="8004134" y="5359769"/>
+            <a:ext cx="155448" cy="155448"/>
+          </a:xfrm>
+          <a:prstGeom prst="rtTriangle">
+            <a:avLst/>
+          </a:prstGeom>
+          <a:solidFill>
+            <a:srgbClr val="FFFFFF"/>
+          </a:solidFill>
+          <a:ln w="12700" cap="flat" cmpd="sng" algn="ctr">
+            <a:solidFill>
+              <a:srgbClr val="FFFFFF"/>
+            </a:solidFill>
+            <a:prstDash val="solid"/>
+            <a:bevel/>
+          </a:ln>
+          <a:effectLst>
+            <a:outerShdw blurRad="19685" dist="6350" dir="12900000" algn="tl" rotWithShape="0">
+              <a:srgbClr val="000000">
+                <a:alpha val="47000"/>
+              </a:srgbClr>
+            </a:outerShdw>
+          </a:effectLst>
+        </p:spPr>
+        <p:style>
+          <a:lnRef idx="2">
+            <a:schemeClr val="accent1"/>
+          </a:lnRef>
+          <a:fillRef idx="1">
+            <a:schemeClr val="accent1"/>
+          </a:fillRef>
+          <a:effectRef idx="0">
+            <a:schemeClr val="accent1"/>
+          </a:effectRef>
+          <a:fontRef idx="minor">
+            <a:schemeClr val="lt1"/>
+          </a:fontRef>
+        </p:style>
+        <p:txBody>
+          <a:bodyPr rtlCol="0" anchor="ctr"/>
+          <a:lstStyle/>
+          <a:p>
+            <a:pPr algn="ctr" eaLnBrk="1" latinLnBrk="0" hangingPunct="1"/>
+            <a:endParaRPr kumimoji="0" lang="en-US"/>
+          </a:p>
+        </p:txBody>
+      </p:sp>
+      <p:sp>
+        <p:nvSpPr>
+          <p:cNvPr id="2" name="Titolo 1"/>
           <p:cNvSpPr>
             <a:spLocks noGrp="1"/>
           </p:cNvSpPr>
@@ -2574,101 +2441,34 @@
         </p:nvSpPr>
         <p:spPr>
           <a:xfrm>
-            <a:off x="857250" y="1097280"/>
-            <a:ext cx="2834640" cy="1737360"/>
+            <a:off x="609600" y="1176996"/>
+            <a:ext cx="2212848" cy="1582621"/>
           </a:xfrm>
         </p:spPr>
         <p:txBody>
-          <a:bodyPr anchor="b">
-            <a:noAutofit/>
-          </a:bodyPr>
+          <a:bodyPr vert="horz" lIns="45720" tIns="45720" rIns="45720" bIns="45720" anchor="b"/>
           <a:lstStyle>
-            <a:lvl1pPr>
-              <a:lnSpc>
-                <a:spcPct val="90000"/>
-              </a:lnSpc>
-              <a:defRPr sz="3000" b="0"/>
+            <a:lvl1pPr algn="l">
+              <a:buNone/>
+              <a:defRPr sz="2000" b="1">
+                <a:solidFill>
+                  <a:schemeClr val="tx2"/>
+                </a:solidFill>
+              </a:defRPr>
             </a:lvl1pPr>
           </a:lstStyle>
           <a:p>
             <a:r>
-              <a:rPr lang="it-IT" smtClean="0"/>
+              <a:rPr kumimoji="0" lang="it-IT" smtClean="0"/>
               <a:t>Fare clic per modificare lo stile del titolo</a:t>
             </a:r>
-            <a:endParaRPr lang="en-US" dirty="0"/>
+            <a:endParaRPr kumimoji="0" lang="en-US"/>
           </a:p>
         </p:txBody>
       </p:sp>
       <p:sp>
         <p:nvSpPr>
-          <p:cNvPr id="3" name="Picture Placeholder 2"/>
-          <p:cNvSpPr>
-            <a:spLocks noGrp="1" noChangeAspect="1"/>
-          </p:cNvSpPr>
-          <p:nvPr>
-            <p:ph type="pic" idx="1"/>
-          </p:nvPr>
-        </p:nvSpPr>
-        <p:spPr>
-          <a:xfrm>
-            <a:off x="4019107" y="1069847"/>
-            <a:ext cx="4257703" cy="4645153"/>
-          </a:xfrm>
-        </p:spPr>
-        <p:txBody>
-          <a:bodyPr lIns="274320" tIns="182880" anchor="t">
-            <a:normAutofit/>
-          </a:bodyPr>
-          <a:lstStyle>
-            <a:lvl1pPr marL="0" indent="0">
-              <a:buNone/>
-              <a:defRPr sz="2100"/>
-            </a:lvl1pPr>
-            <a:lvl2pPr marL="342900" indent="0">
-              <a:buNone/>
-              <a:defRPr sz="2100"/>
-            </a:lvl2pPr>
-            <a:lvl3pPr marL="685800" indent="0">
-              <a:buNone/>
-              <a:defRPr sz="1800"/>
-            </a:lvl3pPr>
-            <a:lvl4pPr marL="1028700" indent="0">
-              <a:buNone/>
-              <a:defRPr sz="1500"/>
-            </a:lvl4pPr>
-            <a:lvl5pPr marL="1371600" indent="0">
-              <a:buNone/>
-              <a:defRPr sz="1500"/>
-            </a:lvl5pPr>
-            <a:lvl6pPr marL="1714500" indent="0">
-              <a:buNone/>
-              <a:defRPr sz="1500"/>
-            </a:lvl6pPr>
-            <a:lvl7pPr marL="2057400" indent="0">
-              <a:buNone/>
-              <a:defRPr sz="1500"/>
-            </a:lvl7pPr>
-            <a:lvl8pPr marL="2400300" indent="0">
-              <a:buNone/>
-              <a:defRPr sz="1500"/>
-            </a:lvl8pPr>
-            <a:lvl9pPr marL="2743200" indent="0">
-              <a:buNone/>
-              <a:defRPr sz="1500"/>
-            </a:lvl9pPr>
-          </a:lstStyle>
-          <a:p>
-            <a:r>
-              <a:rPr lang="it-IT" smtClean="0"/>
-              <a:t>Fare clic sull'icona per inserire un'immagine</a:t>
-            </a:r>
-            <a:endParaRPr lang="en-US" dirty="0"/>
-          </a:p>
-        </p:txBody>
-      </p:sp>
-      <p:sp>
-        <p:nvSpPr>
-          <p:cNvPr id="4" name="Text Placeholder 3"/>
+          <p:cNvPr id="4" name="Segnaposto testo 3"/>
           <p:cNvSpPr>
             <a:spLocks noGrp="1"/>
           </p:cNvSpPr>
@@ -2678,62 +2478,38 @@
         </p:nvSpPr>
         <p:spPr>
           <a:xfrm>
-            <a:off x="857250" y="2834640"/>
-            <a:ext cx="2834640" cy="2880360"/>
+            <a:off x="609600" y="2828785"/>
+            <a:ext cx="2209800" cy="2179320"/>
           </a:xfrm>
         </p:spPr>
         <p:txBody>
-          <a:bodyPr>
-            <a:normAutofit/>
-          </a:bodyPr>
+          <a:bodyPr lIns="64008" rIns="45720" bIns="45720" anchor="t"/>
           <a:lstStyle>
-            <a:lvl1pPr marL="0" indent="0">
-              <a:lnSpc>
-                <a:spcPct val="100000"/>
-              </a:lnSpc>
+            <a:lvl1pPr marL="0" indent="0" algn="l">
               <a:spcBef>
-                <a:spcPts val="800"/>
+                <a:spcPts val="250"/>
               </a:spcBef>
+              <a:buFontTx/>
               <a:buNone/>
-              <a:defRPr sz="1275"/>
+              <a:defRPr sz="1300"/>
             </a:lvl1pPr>
-            <a:lvl2pPr marL="342900" indent="0">
-              <a:buNone/>
+            <a:lvl2pPr>
+              <a:defRPr sz="1200"/>
+            </a:lvl2pPr>
+            <a:lvl3pPr>
+              <a:defRPr sz="1000"/>
+            </a:lvl3pPr>
+            <a:lvl4pPr>
               <a:defRPr sz="900"/>
-            </a:lvl2pPr>
-            <a:lvl3pPr marL="685800" indent="0">
-              <a:buNone/>
-              <a:defRPr sz="750"/>
-            </a:lvl3pPr>
-            <a:lvl4pPr marL="1028700" indent="0">
-              <a:buNone/>
-              <a:defRPr sz="675"/>
             </a:lvl4pPr>
-            <a:lvl5pPr marL="1371600" indent="0">
-              <a:buNone/>
-              <a:defRPr sz="675"/>
+            <a:lvl5pPr>
+              <a:defRPr sz="900"/>
             </a:lvl5pPr>
-            <a:lvl6pPr marL="1714500" indent="0">
-              <a:buNone/>
-              <a:defRPr sz="675"/>
-            </a:lvl6pPr>
-            <a:lvl7pPr marL="2057400" indent="0">
-              <a:buNone/>
-              <a:defRPr sz="675"/>
-            </a:lvl7pPr>
-            <a:lvl8pPr marL="2400300" indent="0">
-              <a:buNone/>
-              <a:defRPr sz="675"/>
-            </a:lvl8pPr>
-            <a:lvl9pPr marL="2743200" indent="0">
-              <a:buNone/>
-              <a:defRPr sz="675"/>
-            </a:lvl9pPr>
           </a:lstStyle>
           <a:p>
-            <a:pPr lvl="0"/>
-            <a:r>
-              <a:rPr lang="it-IT" smtClean="0"/>
+            <a:pPr lvl="0" eaLnBrk="1" latinLnBrk="0" hangingPunct="1"/>
+            <a:r>
+              <a:rPr kumimoji="0" lang="it-IT" smtClean="0"/>
               <a:t>Fare clic per modificare stili del testo dello schema</a:t>
             </a:r>
           </a:p>
@@ -2741,7 +2517,7 @@
       </p:sp>
       <p:sp>
         <p:nvSpPr>
-          <p:cNvPr id="5" name="Date Placeholder 4"/>
+          <p:cNvPr id="5" name="Segnaposto data 4"/>
           <p:cNvSpPr>
             <a:spLocks noGrp="1"/>
           </p:cNvSpPr>
@@ -2765,7 +2541,7 @@
       </p:sp>
       <p:sp>
         <p:nvSpPr>
-          <p:cNvPr id="6" name="Footer Placeholder 5"/>
+          <p:cNvPr id="6" name="Segnaposto piè di pagina 5"/>
           <p:cNvSpPr>
             <a:spLocks noGrp="1"/>
           </p:cNvSpPr>
@@ -2784,7 +2560,7 @@
       </p:sp>
       <p:sp>
         <p:nvSpPr>
-          <p:cNvPr id="7" name="Slide Number Placeholder 6"/>
+          <p:cNvPr id="7" name="Segnaposto numero diapositiva 6"/>
           <p:cNvSpPr>
             <a:spLocks noGrp="1"/>
           </p:cNvSpPr>
@@ -2792,7 +2568,12 @@
             <p:ph type="sldNum" sz="quarter" idx="12"/>
           </p:nvPr>
         </p:nvSpPr>
-        <p:spPr/>
+        <p:spPr>
+          <a:xfrm>
+            <a:off x="8077200" y="6356350"/>
+            <a:ext cx="609600" cy="365125"/>
+          </a:xfrm>
+        </p:spPr>
         <p:txBody>
           <a:bodyPr/>
           <a:lstStyle/>
@@ -2806,12 +2587,309 @@
           </a:p>
         </p:txBody>
       </p:sp>
+      <p:sp>
+        <p:nvSpPr>
+          <p:cNvPr id="3" name="Segnaposto immagine 2"/>
+          <p:cNvSpPr>
+            <a:spLocks noGrp="1"/>
+          </p:cNvSpPr>
+          <p:nvPr>
+            <p:ph type="pic" idx="1"/>
+          </p:nvPr>
+        </p:nvSpPr>
+        <p:spPr>
+          <a:xfrm rot="420000">
+            <a:off x="3485793" y="1199517"/>
+            <a:ext cx="4617720" cy="3931920"/>
+          </a:xfrm>
+          <a:prstGeom prst="rect">
+            <a:avLst/>
+          </a:prstGeom>
+          <a:solidFill>
+            <a:schemeClr val="bg2"/>
+          </a:solidFill>
+          <a:ln w="3000" cap="rnd">
+            <a:solidFill>
+              <a:srgbClr val="C0C0C0"/>
+            </a:solidFill>
+            <a:round/>
+          </a:ln>
+          <a:effectLst/>
+        </p:spPr>
+        <p:txBody>
+          <a:bodyPr/>
+          <a:lstStyle>
+            <a:lvl1pPr marL="0" indent="0">
+              <a:buNone/>
+              <a:defRPr sz="3200"/>
+            </a:lvl1pPr>
+          </a:lstStyle>
+          <a:p>
+            <a:r>
+              <a:rPr kumimoji="0" lang="it-IT" smtClean="0"/>
+              <a:t>Fare clic sull'icona per inserire un'immagine</a:t>
+            </a:r>
+            <a:endParaRPr kumimoji="0" lang="en-US" dirty="0"/>
+          </a:p>
+        </p:txBody>
+      </p:sp>
+      <p:sp>
+        <p:nvSpPr>
+          <p:cNvPr id="10" name="Figura a mano libera 9"/>
+          <p:cNvSpPr>
+            <a:spLocks/>
+          </p:cNvSpPr>
+          <p:nvPr/>
+        </p:nvSpPr>
+        <p:spPr bwMode="auto">
+          <a:xfrm flipV="1">
+            <a:off x="-9525" y="5816600"/>
+            <a:ext cx="9163050" cy="1041400"/>
+          </a:xfrm>
+          <a:custGeom>
+            <a:avLst>
+              <a:gd name="A1" fmla="val 0"/>
+              <a:gd name="A2" fmla="val 0"/>
+              <a:gd name="A3" fmla="val 0"/>
+              <a:gd name="A4" fmla="val 0"/>
+              <a:gd name="A5" fmla="val 0"/>
+              <a:gd name="A6" fmla="val 0"/>
+              <a:gd name="A7" fmla="val 0"/>
+              <a:gd name="A8" fmla="val 0"/>
+            </a:avLst>
+            <a:gdLst/>
+            <a:ahLst/>
+            <a:cxnLst>
+              <a:cxn ang="0">
+                <a:pos x="6" y="2"/>
+              </a:cxn>
+              <a:cxn ang="0">
+                <a:pos x="2542" y="0"/>
+              </a:cxn>
+              <a:cxn ang="0">
+                <a:pos x="4374" y="367"/>
+              </a:cxn>
+              <a:cxn ang="0">
+                <a:pos x="5766" y="55"/>
+              </a:cxn>
+              <a:cxn ang="0">
+                <a:pos x="5772" y="213"/>
+              </a:cxn>
+              <a:cxn ang="0">
+                <a:pos x="4302" y="439"/>
+              </a:cxn>
+              <a:cxn ang="0">
+                <a:pos x="1488" y="201"/>
+              </a:cxn>
+              <a:cxn ang="0">
+                <a:pos x="0" y="656"/>
+              </a:cxn>
+              <a:cxn ang="0">
+                <a:pos x="6" y="2"/>
+              </a:cxn>
+            </a:cxnLst>
+            <a:rect l="0" t="0" r="0" b="0"/>
+            <a:pathLst>
+              <a:path w="5772" h="656">
+                <a:moveTo>
+                  <a:pt x="6" y="2"/>
+                </a:moveTo>
+                <a:lnTo>
+                  <a:pt x="2542" y="0"/>
+                </a:lnTo>
+                <a:cubicBezTo>
+                  <a:pt x="2746" y="101"/>
+                  <a:pt x="3828" y="367"/>
+                  <a:pt x="4374" y="367"/>
+                </a:cubicBezTo>
+                <a:cubicBezTo>
+                  <a:pt x="4920" y="367"/>
+                  <a:pt x="5526" y="152"/>
+                  <a:pt x="5766" y="55"/>
+                </a:cubicBezTo>
+                <a:lnTo>
+                  <a:pt x="5772" y="213"/>
+                </a:lnTo>
+                <a:cubicBezTo>
+                  <a:pt x="5670" y="257"/>
+                  <a:pt x="5016" y="441"/>
+                  <a:pt x="4302" y="439"/>
+                </a:cubicBezTo>
+                <a:cubicBezTo>
+                  <a:pt x="3588" y="437"/>
+                  <a:pt x="2205" y="165"/>
+                  <a:pt x="1488" y="201"/>
+                </a:cubicBezTo>
+                <a:cubicBezTo>
+                  <a:pt x="750" y="209"/>
+                  <a:pt x="270" y="482"/>
+                  <a:pt x="0" y="656"/>
+                </a:cubicBezTo>
+                <a:lnTo>
+                  <a:pt x="6" y="2"/>
+                </a:lnTo>
+                <a:close/>
+              </a:path>
+            </a:pathLst>
+          </a:custGeom>
+          <a:gradFill>
+            <a:gsLst>
+              <a:gs pos="0">
+                <a:schemeClr val="accent2">
+                  <a:shade val="50000"/>
+                  <a:alpha val="45000"/>
+                  <a:satMod val="120000"/>
+                </a:schemeClr>
+              </a:gs>
+              <a:gs pos="100000">
+                <a:schemeClr val="accent3">
+                  <a:shade val="80000"/>
+                  <a:alpha val="55000"/>
+                  <a:satMod val="155000"/>
+                </a:schemeClr>
+              </a:gs>
+            </a:gsLst>
+            <a:lin ang="5400000" scaled="1"/>
+          </a:gradFill>
+          <a:ln w="9525" cap="flat" cmpd="sng" algn="ctr">
+            <a:noFill/>
+            <a:prstDash val="solid"/>
+            <a:round/>
+            <a:headEnd type="none" w="med" len="med"/>
+            <a:tailEnd type="none" w="med" len="med"/>
+          </a:ln>
+          <a:effectLst/>
+        </p:spPr>
+        <p:txBody>
+          <a:bodyPr vert="horz" wrap="square" lIns="91440" tIns="45720" rIns="91440" bIns="45720" anchor="t" compatLnSpc="1"/>
+          <a:lstStyle/>
+          <a:p>
+            <a:pPr marL="0" algn="l" rtl="0" eaLnBrk="1" latinLnBrk="0" hangingPunct="1"/>
+            <a:endParaRPr kumimoji="0" lang="en-US">
+              <a:solidFill>
+                <a:schemeClr val="tx1"/>
+              </a:solidFill>
+              <a:latin typeface="+mn-lt"/>
+              <a:ea typeface="+mn-ea"/>
+              <a:cs typeface="+mn-cs"/>
+            </a:endParaRPr>
+          </a:p>
+        </p:txBody>
+      </p:sp>
+      <p:sp>
+        <p:nvSpPr>
+          <p:cNvPr id="11" name="Figura a mano libera 10"/>
+          <p:cNvSpPr>
+            <a:spLocks/>
+          </p:cNvSpPr>
+          <p:nvPr/>
+        </p:nvSpPr>
+        <p:spPr bwMode="auto">
+          <a:xfrm flipV="1">
+            <a:off x="4381500" y="6219825"/>
+            <a:ext cx="4762500" cy="638175"/>
+          </a:xfrm>
+          <a:custGeom>
+            <a:avLst>
+              <a:gd name="A1" fmla="val 0"/>
+              <a:gd name="A2" fmla="val 0"/>
+              <a:gd name="A3" fmla="val 0"/>
+              <a:gd name="A4" fmla="val 0"/>
+              <a:gd name="A5" fmla="val 0"/>
+              <a:gd name="A6" fmla="val 0"/>
+              <a:gd name="A7" fmla="val 0"/>
+              <a:gd name="A8" fmla="val 0"/>
+            </a:avLst>
+            <a:gdLst/>
+            <a:ahLst/>
+            <a:cxnLst>
+              <a:cxn ang="0">
+                <a:pos x="0" y="0"/>
+              </a:cxn>
+              <a:cxn ang="0">
+                <a:pos x="1668" y="564"/>
+              </a:cxn>
+              <a:cxn ang="0">
+                <a:pos x="3000" y="186"/>
+              </a:cxn>
+              <a:cxn ang="0">
+                <a:pos x="3000" y="6"/>
+              </a:cxn>
+              <a:cxn ang="0">
+                <a:pos x="0" y="0"/>
+              </a:cxn>
+            </a:cxnLst>
+            <a:rect l="0" t="0" r="0" b="0"/>
+            <a:pathLst>
+              <a:path w="3000" h="595">
+                <a:moveTo>
+                  <a:pt x="0" y="0"/>
+                </a:moveTo>
+                <a:cubicBezTo>
+                  <a:pt x="174" y="102"/>
+                  <a:pt x="1168" y="533"/>
+                  <a:pt x="1668" y="564"/>
+                </a:cubicBezTo>
+                <a:cubicBezTo>
+                  <a:pt x="2168" y="595"/>
+                  <a:pt x="2778" y="279"/>
+                  <a:pt x="3000" y="186"/>
+                </a:cubicBezTo>
+                <a:lnTo>
+                  <a:pt x="3000" y="6"/>
+                </a:lnTo>
+                <a:lnTo>
+                  <a:pt x="0" y="0"/>
+                </a:lnTo>
+                <a:close/>
+              </a:path>
+            </a:pathLst>
+          </a:custGeom>
+          <a:gradFill>
+            <a:gsLst>
+              <a:gs pos="0">
+                <a:schemeClr val="accent3">
+                  <a:shade val="50000"/>
+                  <a:alpha val="30000"/>
+                  <a:satMod val="130000"/>
+                </a:schemeClr>
+              </a:gs>
+              <a:gs pos="80000">
+                <a:schemeClr val="accent2">
+                  <a:shade val="75000"/>
+                  <a:alpha val="45000"/>
+                  <a:satMod val="140000"/>
+                </a:schemeClr>
+              </a:gs>
+            </a:gsLst>
+            <a:lin ang="5400000" scaled="1"/>
+          </a:gradFill>
+          <a:ln w="9525" cap="flat" cmpd="sng" algn="ctr">
+            <a:noFill/>
+            <a:prstDash val="solid"/>
+            <a:round/>
+            <a:headEnd type="none" w="med" len="med"/>
+            <a:tailEnd type="none" w="med" len="med"/>
+          </a:ln>
+          <a:effectLst/>
+        </p:spPr>
+        <p:txBody>
+          <a:bodyPr vert="horz" wrap="square" lIns="91440" tIns="45720" rIns="91440" bIns="45720" anchor="t" compatLnSpc="1"/>
+          <a:lstStyle/>
+          <a:p>
+            <a:pPr marL="0" algn="l" rtl="0" eaLnBrk="1" latinLnBrk="0" hangingPunct="1"/>
+            <a:endParaRPr kumimoji="0" lang="en-US">
+              <a:solidFill>
+                <a:schemeClr val="tx1"/>
+              </a:solidFill>
+              <a:latin typeface="+mn-lt"/>
+              <a:ea typeface="+mn-ea"/>
+              <a:cs typeface="+mn-cs"/>
+            </a:endParaRPr>
+          </a:p>
+        </p:txBody>
+      </p:sp>
     </p:spTree>
-    <p:extLst>
-      <p:ext uri="{BB962C8B-B14F-4D97-AF65-F5344CB8AC3E}">
-        <p14:creationId xmlns:p14="http://schemas.microsoft.com/office/powerpoint/2010/main" val="957445324"/>
-      </p:ext>
-    </p:extLst>
   </p:cSld>
   <p:clrMapOvr>
     <a:masterClrMapping/>
@@ -2823,12 +2901,9 @@
 <p:sldMaster xmlns:a="http://schemas.openxmlformats.org/drawingml/2006/main" xmlns:r="http://schemas.openxmlformats.org/officeDocument/2006/relationships" xmlns:p="http://schemas.openxmlformats.org/presentationml/2006/main">
   <p:cSld>
     <p:bg>
-      <p:bgPr>
-        <a:solidFill>
-          <a:schemeClr val="accent1"/>
-        </a:solidFill>
-        <a:effectLst/>
-      </p:bgPr>
+      <p:bgRef idx="1003">
+        <a:schemeClr val="bg1"/>
+      </p:bgRef>
     </p:bg>
     <p:spTree>
       <p:nvGrpSpPr>
@@ -2846,47 +2921,263 @@
       </p:grpSpPr>
       <p:sp>
         <p:nvSpPr>
-          <p:cNvPr id="7" name="Rectangle 6"/>
-          <p:cNvSpPr/>
+          <p:cNvPr id="7" name="Figura a mano libera 6"/>
+          <p:cNvSpPr>
+            <a:spLocks/>
+          </p:cNvSpPr>
           <p:nvPr/>
         </p:nvSpPr>
-        <p:spPr>
+        <p:spPr bwMode="auto">
           <a:xfrm>
-            <a:off x="182880" y="182880"/>
-            <a:ext cx="8778240" cy="6492240"/>
+            <a:off x="-9525" y="-7144"/>
+            <a:ext cx="9163050" cy="1041400"/>
           </a:xfrm>
-          <a:prstGeom prst="rect">
-            <a:avLst/>
-          </a:prstGeom>
-          <a:solidFill>
-            <a:schemeClr val="bg1"/>
-          </a:solidFill>
-          <a:ln w="12700">
-            <a:solidFill>
-              <a:schemeClr val="bg1"/>
-            </a:solidFill>
+          <a:custGeom>
+            <a:avLst>
+              <a:gd name="A1" fmla="val 0"/>
+              <a:gd name="A2" fmla="val 0"/>
+              <a:gd name="A3" fmla="val 0"/>
+              <a:gd name="A4" fmla="val 0"/>
+              <a:gd name="A5" fmla="val 0"/>
+              <a:gd name="A6" fmla="val 0"/>
+              <a:gd name="A7" fmla="val 0"/>
+              <a:gd name="A8" fmla="val 0"/>
+            </a:avLst>
+            <a:gdLst/>
+            <a:ahLst/>
+            <a:cxnLst>
+              <a:cxn ang="0">
+                <a:pos x="6" y="2"/>
+              </a:cxn>
+              <a:cxn ang="0">
+                <a:pos x="2542" y="0"/>
+              </a:cxn>
+              <a:cxn ang="0">
+                <a:pos x="4374" y="367"/>
+              </a:cxn>
+              <a:cxn ang="0">
+                <a:pos x="5766" y="55"/>
+              </a:cxn>
+              <a:cxn ang="0">
+                <a:pos x="5772" y="213"/>
+              </a:cxn>
+              <a:cxn ang="0">
+                <a:pos x="4302" y="439"/>
+              </a:cxn>
+              <a:cxn ang="0">
+                <a:pos x="1488" y="201"/>
+              </a:cxn>
+              <a:cxn ang="0">
+                <a:pos x="0" y="656"/>
+              </a:cxn>
+              <a:cxn ang="0">
+                <a:pos x="6" y="2"/>
+              </a:cxn>
+            </a:cxnLst>
+            <a:rect l="0" t="0" r="0" b="0"/>
+            <a:pathLst>
+              <a:path w="5772" h="656">
+                <a:moveTo>
+                  <a:pt x="6" y="2"/>
+                </a:moveTo>
+                <a:lnTo>
+                  <a:pt x="2542" y="0"/>
+                </a:lnTo>
+                <a:cubicBezTo>
+                  <a:pt x="2746" y="101"/>
+                  <a:pt x="3828" y="367"/>
+                  <a:pt x="4374" y="367"/>
+                </a:cubicBezTo>
+                <a:cubicBezTo>
+                  <a:pt x="4920" y="367"/>
+                  <a:pt x="5526" y="152"/>
+                  <a:pt x="5766" y="55"/>
+                </a:cubicBezTo>
+                <a:lnTo>
+                  <a:pt x="5772" y="213"/>
+                </a:lnTo>
+                <a:cubicBezTo>
+                  <a:pt x="5670" y="257"/>
+                  <a:pt x="5016" y="441"/>
+                  <a:pt x="4302" y="439"/>
+                </a:cubicBezTo>
+                <a:cubicBezTo>
+                  <a:pt x="3588" y="437"/>
+                  <a:pt x="2205" y="165"/>
+                  <a:pt x="1488" y="201"/>
+                </a:cubicBezTo>
+                <a:cubicBezTo>
+                  <a:pt x="750" y="209"/>
+                  <a:pt x="270" y="482"/>
+                  <a:pt x="0" y="656"/>
+                </a:cubicBezTo>
+                <a:lnTo>
+                  <a:pt x="6" y="2"/>
+                </a:lnTo>
+                <a:close/>
+              </a:path>
+            </a:pathLst>
+          </a:custGeom>
+          <a:gradFill>
+            <a:gsLst>
+              <a:gs pos="0">
+                <a:schemeClr val="accent2">
+                  <a:shade val="50000"/>
+                  <a:alpha val="45000"/>
+                  <a:satMod val="120000"/>
+                </a:schemeClr>
+              </a:gs>
+              <a:gs pos="100000">
+                <a:schemeClr val="accent3">
+                  <a:shade val="80000"/>
+                  <a:alpha val="55000"/>
+                  <a:satMod val="155000"/>
+                </a:schemeClr>
+              </a:gs>
+            </a:gsLst>
+            <a:lin ang="5400000" scaled="1"/>
+          </a:gradFill>
+          <a:ln w="9525" cap="flat" cmpd="sng" algn="ctr">
+            <a:noFill/>
+            <a:prstDash val="solid"/>
+            <a:round/>
+            <a:headEnd type="none" w="med" len="med"/>
+            <a:tailEnd type="none" w="med" len="med"/>
           </a:ln>
+          <a:effectLst/>
         </p:spPr>
-        <p:style>
-          <a:lnRef idx="2">
-            <a:schemeClr val="accent1">
-              <a:shade val="50000"/>
-            </a:schemeClr>
-          </a:lnRef>
-          <a:fillRef idx="1">
-            <a:schemeClr val="accent1"/>
-          </a:fillRef>
-          <a:effectRef idx="0">
-            <a:schemeClr val="accent1"/>
-          </a:effectRef>
-          <a:fontRef idx="minor">
-            <a:schemeClr val="lt1"/>
-          </a:fontRef>
-        </p:style>
+        <p:txBody>
+          <a:bodyPr vert="horz" wrap="square" lIns="91440" tIns="45720" rIns="91440" bIns="45720" anchor="t" compatLnSpc="1"/>
+          <a:lstStyle/>
+          <a:p>
+            <a:pPr marL="0" algn="l" rtl="0" eaLnBrk="1" latinLnBrk="0" hangingPunct="1"/>
+            <a:endParaRPr kumimoji="0" lang="en-US">
+              <a:solidFill>
+                <a:schemeClr val="tx1"/>
+              </a:solidFill>
+              <a:latin typeface="+mn-lt"/>
+              <a:ea typeface="+mn-ea"/>
+              <a:cs typeface="+mn-cs"/>
+            </a:endParaRPr>
+          </a:p>
+        </p:txBody>
       </p:sp>
       <p:sp>
         <p:nvSpPr>
-          <p:cNvPr id="2" name="Title Placeholder 1"/>
+          <p:cNvPr id="8" name="Figura a mano libera 7"/>
+          <p:cNvSpPr>
+            <a:spLocks/>
+          </p:cNvSpPr>
+          <p:nvPr/>
+        </p:nvSpPr>
+        <p:spPr bwMode="auto">
+          <a:xfrm>
+            <a:off x="4381500" y="-7144"/>
+            <a:ext cx="4762500" cy="638175"/>
+          </a:xfrm>
+          <a:custGeom>
+            <a:avLst>
+              <a:gd name="A1" fmla="val 0"/>
+              <a:gd name="A2" fmla="val 0"/>
+              <a:gd name="A3" fmla="val 0"/>
+              <a:gd name="A4" fmla="val 0"/>
+              <a:gd name="A5" fmla="val 0"/>
+              <a:gd name="A6" fmla="val 0"/>
+              <a:gd name="A7" fmla="val 0"/>
+              <a:gd name="A8" fmla="val 0"/>
+            </a:avLst>
+            <a:gdLst/>
+            <a:ahLst/>
+            <a:cxnLst>
+              <a:cxn ang="0">
+                <a:pos x="0" y="0"/>
+              </a:cxn>
+              <a:cxn ang="0">
+                <a:pos x="1668" y="564"/>
+              </a:cxn>
+              <a:cxn ang="0">
+                <a:pos x="3000" y="186"/>
+              </a:cxn>
+              <a:cxn ang="0">
+                <a:pos x="3000" y="6"/>
+              </a:cxn>
+              <a:cxn ang="0">
+                <a:pos x="0" y="0"/>
+              </a:cxn>
+            </a:cxnLst>
+            <a:rect l="0" t="0" r="0" b="0"/>
+            <a:pathLst>
+              <a:path w="3000" h="595">
+                <a:moveTo>
+                  <a:pt x="0" y="0"/>
+                </a:moveTo>
+                <a:cubicBezTo>
+                  <a:pt x="174" y="102"/>
+                  <a:pt x="1168" y="533"/>
+                  <a:pt x="1668" y="564"/>
+                </a:cubicBezTo>
+                <a:cubicBezTo>
+                  <a:pt x="2168" y="595"/>
+                  <a:pt x="2778" y="279"/>
+                  <a:pt x="3000" y="186"/>
+                </a:cubicBezTo>
+                <a:lnTo>
+                  <a:pt x="3000" y="6"/>
+                </a:lnTo>
+                <a:lnTo>
+                  <a:pt x="0" y="0"/>
+                </a:lnTo>
+                <a:close/>
+              </a:path>
+            </a:pathLst>
+          </a:custGeom>
+          <a:gradFill>
+            <a:gsLst>
+              <a:gs pos="0">
+                <a:schemeClr val="accent3">
+                  <a:shade val="50000"/>
+                  <a:alpha val="30000"/>
+                  <a:satMod val="130000"/>
+                </a:schemeClr>
+              </a:gs>
+              <a:gs pos="80000">
+                <a:schemeClr val="accent2">
+                  <a:shade val="75000"/>
+                  <a:alpha val="45000"/>
+                  <a:satMod val="140000"/>
+                </a:schemeClr>
+              </a:gs>
+            </a:gsLst>
+            <a:lin ang="5400000" scaled="1"/>
+          </a:gradFill>
+          <a:ln w="9525" cap="flat" cmpd="sng" algn="ctr">
+            <a:noFill/>
+            <a:prstDash val="solid"/>
+            <a:round/>
+            <a:headEnd type="none" w="med" len="med"/>
+            <a:tailEnd type="none" w="med" len="med"/>
+          </a:ln>
+          <a:effectLst/>
+        </p:spPr>
+        <p:txBody>
+          <a:bodyPr vert="horz" wrap="square" lIns="91440" tIns="45720" rIns="91440" bIns="45720" anchor="t" compatLnSpc="1"/>
+          <a:lstStyle/>
+          <a:p>
+            <a:pPr marL="0" algn="l" rtl="0" eaLnBrk="1" latinLnBrk="0" hangingPunct="1"/>
+            <a:endParaRPr kumimoji="0" lang="en-US">
+              <a:solidFill>
+                <a:schemeClr val="tx1"/>
+              </a:solidFill>
+              <a:latin typeface="+mn-lt"/>
+              <a:ea typeface="+mn-ea"/>
+              <a:cs typeface="+mn-cs"/>
+            </a:endParaRPr>
+          </a:p>
+        </p:txBody>
+      </p:sp>
+      <p:sp>
+        <p:nvSpPr>
+          <p:cNvPr id="9" name="Segnaposto titolo 8"/>
           <p:cNvSpPr>
             <a:spLocks noGrp="1"/>
           </p:cNvSpPr>
@@ -2896,30 +3187,30 @@
         </p:nvSpPr>
         <p:spPr>
           <a:xfrm>
-            <a:off x="857250" y="609600"/>
-            <a:ext cx="7406640" cy="1356360"/>
+            <a:off x="457200" y="704088"/>
+            <a:ext cx="8229600" cy="1143000"/>
           </a:xfrm>
           <a:prstGeom prst="rect">
             <a:avLst/>
           </a:prstGeom>
         </p:spPr>
         <p:txBody>
-          <a:bodyPr vert="horz" lIns="91440" tIns="45720" rIns="91440" bIns="45720" rtlCol="0" anchor="ctr">
+          <a:bodyPr vert="horz" lIns="0" rIns="0" bIns="0" anchor="b">
             <a:normAutofit/>
           </a:bodyPr>
           <a:lstStyle/>
           <a:p>
             <a:r>
-              <a:rPr lang="it-IT" smtClean="0"/>
+              <a:rPr kumimoji="0" lang="it-IT" smtClean="0"/>
               <a:t>Fare clic per modificare lo stile del titolo</a:t>
             </a:r>
-            <a:endParaRPr lang="en-US" dirty="0"/>
+            <a:endParaRPr kumimoji="0" lang="en-US"/>
           </a:p>
         </p:txBody>
       </p:sp>
       <p:sp>
         <p:nvSpPr>
-          <p:cNvPr id="3" name="Text Placeholder 2"/>
+          <p:cNvPr id="30" name="Segnaposto testo 29"/>
           <p:cNvSpPr>
             <a:spLocks noGrp="1"/>
           </p:cNvSpPr>
@@ -2929,59 +3220,59 @@
         </p:nvSpPr>
         <p:spPr>
           <a:xfrm>
-            <a:off x="857251" y="2057400"/>
-            <a:ext cx="7404653" cy="4038600"/>
+            <a:off x="457200" y="1935480"/>
+            <a:ext cx="8229600" cy="4389120"/>
           </a:xfrm>
           <a:prstGeom prst="rect">
             <a:avLst/>
           </a:prstGeom>
         </p:spPr>
         <p:txBody>
-          <a:bodyPr vert="horz" lIns="91440" tIns="45720" rIns="91440" bIns="45720" rtlCol="0">
+          <a:bodyPr vert="horz">
             <a:normAutofit/>
           </a:bodyPr>
           <a:lstStyle/>
           <a:p>
-            <a:pPr lvl="0"/>
-            <a:r>
-              <a:rPr lang="it-IT" smtClean="0"/>
+            <a:pPr lvl="0" eaLnBrk="1" latinLnBrk="0" hangingPunct="1"/>
+            <a:r>
+              <a:rPr kumimoji="0" lang="it-IT" smtClean="0"/>
               <a:t>Fare clic per modificare stili del testo dello schema</a:t>
             </a:r>
           </a:p>
           <a:p>
-            <a:pPr lvl="1"/>
-            <a:r>
-              <a:rPr lang="it-IT" smtClean="0"/>
+            <a:pPr lvl="1" eaLnBrk="1" latinLnBrk="0" hangingPunct="1"/>
+            <a:r>
+              <a:rPr kumimoji="0" lang="it-IT" smtClean="0"/>
               <a:t>Secondo livello</a:t>
             </a:r>
           </a:p>
           <a:p>
-            <a:pPr lvl="2"/>
-            <a:r>
-              <a:rPr lang="it-IT" smtClean="0"/>
+            <a:pPr lvl="2" eaLnBrk="1" latinLnBrk="0" hangingPunct="1"/>
+            <a:r>
+              <a:rPr kumimoji="0" lang="it-IT" smtClean="0"/>
               <a:t>Terzo livello</a:t>
             </a:r>
           </a:p>
           <a:p>
-            <a:pPr lvl="3"/>
-            <a:r>
-              <a:rPr lang="it-IT" smtClean="0"/>
+            <a:pPr lvl="3" eaLnBrk="1" latinLnBrk="0" hangingPunct="1"/>
+            <a:r>
+              <a:rPr kumimoji="0" lang="it-IT" smtClean="0"/>
               <a:t>Quarto livello</a:t>
             </a:r>
           </a:p>
           <a:p>
-            <a:pPr lvl="4"/>
-            <a:r>
-              <a:rPr lang="it-IT" smtClean="0"/>
+            <a:pPr lvl="4" eaLnBrk="1" latinLnBrk="0" hangingPunct="1"/>
+            <a:r>
+              <a:rPr kumimoji="0" lang="it-IT" smtClean="0"/>
               <a:t>Quinto livello</a:t>
             </a:r>
-            <a:endParaRPr lang="en-US" dirty="0"/>
+            <a:endParaRPr kumimoji="0" lang="en-US"/>
           </a:p>
         </p:txBody>
       </p:sp>
       <p:sp>
         <p:nvSpPr>
-          <p:cNvPr id="4" name="Date Placeholder 3"/>
+          <p:cNvPr id="10" name="Segnaposto data 9"/>
           <p:cNvSpPr>
             <a:spLocks noGrp="1"/>
           </p:cNvSpPr>
@@ -2991,20 +3282,22 @@
         </p:nvSpPr>
         <p:spPr>
           <a:xfrm>
-            <a:off x="857247" y="6223829"/>
-            <a:ext cx="1746806" cy="365125"/>
+            <a:off x="457200" y="6356350"/>
+            <a:ext cx="2133600" cy="365125"/>
           </a:xfrm>
           <a:prstGeom prst="rect">
             <a:avLst/>
           </a:prstGeom>
         </p:spPr>
         <p:txBody>
-          <a:bodyPr vert="horz" lIns="91440" tIns="45720" rIns="91440" bIns="45720" rtlCol="0" anchor="ctr"/>
+          <a:bodyPr vert="horz" lIns="0" tIns="0" rIns="0" bIns="0" anchor="b"/>
           <a:lstStyle>
-            <a:lvl1pPr algn="l">
-              <a:defRPr sz="1000">
+            <a:lvl1pPr algn="l" eaLnBrk="1" latinLnBrk="0" hangingPunct="1">
+              <a:defRPr kumimoji="0" sz="1200">
                 <a:solidFill>
-                  <a:schemeClr val="accent1"/>
+                  <a:schemeClr val="tx2">
+                    <a:shade val="90000"/>
+                  </a:schemeClr>
                 </a:solidFill>
               </a:defRPr>
             </a:lvl1pPr>
@@ -3021,7 +3314,7 @@
       </p:sp>
       <p:sp>
         <p:nvSpPr>
-          <p:cNvPr id="5" name="Footer Placeholder 4"/>
+          <p:cNvPr id="22" name="Segnaposto piè di pagina 21"/>
           <p:cNvSpPr>
             <a:spLocks noGrp="1"/>
           </p:cNvSpPr>
@@ -3031,20 +3324,22 @@
         </p:nvSpPr>
         <p:spPr>
           <a:xfrm>
-            <a:off x="2961861" y="6223829"/>
-            <a:ext cx="3538331" cy="365125"/>
+            <a:off x="2667000" y="6356350"/>
+            <a:ext cx="3352800" cy="365125"/>
           </a:xfrm>
           <a:prstGeom prst="rect">
             <a:avLst/>
           </a:prstGeom>
         </p:spPr>
         <p:txBody>
-          <a:bodyPr vert="horz" lIns="91440" tIns="45720" rIns="91440" bIns="45720" rtlCol="0" anchor="ctr"/>
+          <a:bodyPr vert="horz" lIns="0" tIns="0" rIns="0" bIns="0" anchor="b"/>
           <a:lstStyle>
-            <a:lvl1pPr algn="ctr">
-              <a:defRPr sz="1000">
+            <a:lvl1pPr algn="l" eaLnBrk="1" latinLnBrk="0" hangingPunct="1">
+              <a:defRPr kumimoji="0" sz="1200">
                 <a:solidFill>
-                  <a:schemeClr val="accent1"/>
+                  <a:schemeClr val="tx2">
+                    <a:shade val="90000"/>
+                  </a:schemeClr>
                 </a:solidFill>
               </a:defRPr>
             </a:lvl1pPr>
@@ -3056,7 +3351,7 @@
       </p:sp>
       <p:sp>
         <p:nvSpPr>
-          <p:cNvPr id="6" name="Slide Number Placeholder 5"/>
+          <p:cNvPr id="18" name="Segnaposto numero diapositiva 17"/>
           <p:cNvSpPr>
             <a:spLocks noGrp="1"/>
           </p:cNvSpPr>
@@ -3066,20 +3361,22 @@
         </p:nvSpPr>
         <p:spPr>
           <a:xfrm>
-            <a:off x="6997148" y="6223829"/>
-            <a:ext cx="1279663" cy="365125"/>
+            <a:off x="7924800" y="6356350"/>
+            <a:ext cx="762000" cy="365125"/>
           </a:xfrm>
           <a:prstGeom prst="rect">
             <a:avLst/>
           </a:prstGeom>
         </p:spPr>
         <p:txBody>
-          <a:bodyPr vert="horz" lIns="91440" tIns="45720" rIns="91440" bIns="45720" rtlCol="0" anchor="ctr"/>
+          <a:bodyPr vert="horz" lIns="0" tIns="0" rIns="0" bIns="0" anchor="b"/>
           <a:lstStyle>
-            <a:lvl1pPr algn="r">
-              <a:defRPr sz="1000">
+            <a:lvl1pPr algn="r" eaLnBrk="1" latinLnBrk="0" hangingPunct="1">
+              <a:defRPr kumimoji="0" sz="1200">
                 <a:solidFill>
-                  <a:schemeClr val="accent1"/>
+                  <a:schemeClr val="tx2">
+                    <a:shade val="90000"/>
+                  </a:schemeClr>
                 </a:solidFill>
               </a:defRPr>
             </a:lvl1pPr>
@@ -3094,41 +3391,251 @@
           </a:p>
         </p:txBody>
       </p:sp>
+      <p:grpSp>
+        <p:nvGrpSpPr>
+          <p:cNvPr id="2" name="Gruppo 1"/>
+          <p:cNvGrpSpPr/>
+          <p:nvPr/>
+        </p:nvGrpSpPr>
+        <p:grpSpPr>
+          <a:xfrm>
+            <a:off x="-19017" y="202408"/>
+            <a:ext cx="9180548" cy="649224"/>
+            <a:chOff x="-19045" y="216550"/>
+            <a:chExt cx="9180548" cy="649224"/>
+          </a:xfrm>
+        </p:grpSpPr>
+        <p:sp>
+          <p:nvSpPr>
+            <p:cNvPr id="12" name="Figura a mano libera 11"/>
+            <p:cNvSpPr>
+              <a:spLocks/>
+            </p:cNvSpPr>
+            <p:nvPr/>
+          </p:nvSpPr>
+          <p:spPr bwMode="auto">
+            <a:xfrm rot="21435692">
+              <a:off x="-19045" y="216550"/>
+              <a:ext cx="9163050" cy="649224"/>
+            </a:xfrm>
+            <a:custGeom>
+              <a:avLst>
+                <a:gd name="A1" fmla="val 0"/>
+                <a:gd name="A2" fmla="val 0"/>
+                <a:gd name="A3" fmla="val 0"/>
+                <a:gd name="A4" fmla="val 0"/>
+                <a:gd name="A5" fmla="val 0"/>
+                <a:gd name="A6" fmla="val 0"/>
+                <a:gd name="A7" fmla="val 0"/>
+                <a:gd name="A8" fmla="val 0"/>
+              </a:avLst>
+              <a:gdLst/>
+              <a:ahLst/>
+              <a:cxnLst>
+                <a:cxn ang="0">
+                  <a:pos x="0" y="966"/>
+                </a:cxn>
+                <a:cxn ang="0">
+                  <a:pos x="1608" y="282"/>
+                </a:cxn>
+                <a:cxn ang="0">
+                  <a:pos x="4110" y="1008"/>
+                </a:cxn>
+                <a:cxn ang="0">
+                  <a:pos x="5772" y="0"/>
+                </a:cxn>
+              </a:cxnLst>
+              <a:rect l="0" t="0" r="0" b="0"/>
+              <a:pathLst>
+                <a:path w="5772" h="1055">
+                  <a:moveTo>
+                    <a:pt x="0" y="966"/>
+                  </a:moveTo>
+                  <a:cubicBezTo>
+                    <a:pt x="282" y="738"/>
+                    <a:pt x="923" y="275"/>
+                    <a:pt x="1608" y="282"/>
+                  </a:cubicBezTo>
+                  <a:cubicBezTo>
+                    <a:pt x="2293" y="289"/>
+                    <a:pt x="3416" y="1055"/>
+                    <a:pt x="4110" y="1008"/>
+                  </a:cubicBezTo>
+                  <a:cubicBezTo>
+                    <a:pt x="4804" y="961"/>
+                    <a:pt x="5426" y="210"/>
+                    <a:pt x="5772" y="0"/>
+                  </a:cubicBezTo>
+                </a:path>
+              </a:pathLst>
+            </a:custGeom>
+            <a:noFill/>
+            <a:ln w="10795" cap="flat" cmpd="sng" algn="ctr">
+              <a:gradFill>
+                <a:gsLst>
+                  <a:gs pos="74000">
+                    <a:schemeClr val="accent3">
+                      <a:shade val="75000"/>
+                    </a:schemeClr>
+                  </a:gs>
+                  <a:gs pos="86000">
+                    <a:schemeClr val="tx1">
+                      <a:alpha val="29000"/>
+                    </a:schemeClr>
+                  </a:gs>
+                  <a:gs pos="16000">
+                    <a:schemeClr val="accent2">
+                      <a:shade val="75000"/>
+                      <a:alpha val="56000"/>
+                    </a:schemeClr>
+                  </a:gs>
+                </a:gsLst>
+                <a:lin ang="5400000" scaled="1"/>
+              </a:gradFill>
+              <a:prstDash val="solid"/>
+              <a:round/>
+              <a:headEnd type="none" w="med" len="med"/>
+              <a:tailEnd type="none" w="med" len="med"/>
+            </a:ln>
+            <a:effectLst/>
+          </p:spPr>
+          <p:txBody>
+            <a:bodyPr vert="horz" wrap="square" lIns="91440" tIns="45720" rIns="91440" bIns="45720" anchor="t" compatLnSpc="1"/>
+            <a:lstStyle/>
+            <a:p>
+              <a:endParaRPr kumimoji="0" lang="en-US"/>
+            </a:p>
+          </p:txBody>
+        </p:sp>
+        <p:sp>
+          <p:nvSpPr>
+            <p:cNvPr id="13" name="Figura a mano libera 12"/>
+            <p:cNvSpPr>
+              <a:spLocks/>
+            </p:cNvSpPr>
+            <p:nvPr/>
+          </p:nvSpPr>
+          <p:spPr bwMode="auto">
+            <a:xfrm rot="21435692">
+              <a:off x="-14309" y="290003"/>
+              <a:ext cx="9175812" cy="530352"/>
+            </a:xfrm>
+            <a:custGeom>
+              <a:avLst>
+                <a:gd name="A1" fmla="val 0"/>
+                <a:gd name="A2" fmla="val 0"/>
+                <a:gd name="A3" fmla="val 0"/>
+                <a:gd name="A4" fmla="val 0"/>
+                <a:gd name="A5" fmla="val 0"/>
+                <a:gd name="A6" fmla="val 0"/>
+                <a:gd name="A7" fmla="val 0"/>
+                <a:gd name="A8" fmla="val 0"/>
+              </a:avLst>
+              <a:gdLst/>
+              <a:ahLst/>
+              <a:cxnLst>
+                <a:cxn ang="0">
+                  <a:pos x="0" y="732"/>
+                </a:cxn>
+                <a:cxn ang="0">
+                  <a:pos x="1638" y="228"/>
+                </a:cxn>
+                <a:cxn ang="0">
+                  <a:pos x="4122" y="816"/>
+                </a:cxn>
+                <a:cxn ang="0">
+                  <a:pos x="5766" y="0"/>
+                </a:cxn>
+              </a:cxnLst>
+              <a:rect l="0" t="0" r="0" b="0"/>
+              <a:pathLst>
+                <a:path w="5766" h="854">
+                  <a:moveTo>
+                    <a:pt x="0" y="732"/>
+                  </a:moveTo>
+                  <a:cubicBezTo>
+                    <a:pt x="273" y="647"/>
+                    <a:pt x="951" y="214"/>
+                    <a:pt x="1638" y="228"/>
+                  </a:cubicBezTo>
+                  <a:cubicBezTo>
+                    <a:pt x="2325" y="242"/>
+                    <a:pt x="3434" y="854"/>
+                    <a:pt x="4122" y="816"/>
+                  </a:cubicBezTo>
+                  <a:cubicBezTo>
+                    <a:pt x="4810" y="778"/>
+                    <a:pt x="5424" y="170"/>
+                    <a:pt x="5766" y="0"/>
+                  </a:cubicBezTo>
+                </a:path>
+              </a:pathLst>
+            </a:custGeom>
+            <a:noFill/>
+            <a:ln w="9525" cap="flat" cmpd="sng" algn="ctr">
+              <a:gradFill>
+                <a:gsLst>
+                  <a:gs pos="74000">
+                    <a:schemeClr val="accent4"/>
+                  </a:gs>
+                  <a:gs pos="44000">
+                    <a:schemeClr val="accent1"/>
+                  </a:gs>
+                  <a:gs pos="33000">
+                    <a:schemeClr val="accent2">
+                      <a:alpha val="56000"/>
+                    </a:schemeClr>
+                  </a:gs>
+                </a:gsLst>
+                <a:lin ang="5400000" scaled="1"/>
+              </a:gradFill>
+              <a:prstDash val="solid"/>
+              <a:round/>
+              <a:headEnd type="none" w="med" len="med"/>
+              <a:tailEnd type="none" w="med" len="med"/>
+            </a:ln>
+            <a:effectLst/>
+          </p:spPr>
+          <p:txBody>
+            <a:bodyPr vert="horz" wrap="square" lIns="91440" tIns="45720" rIns="91440" bIns="45720" anchor="t" compatLnSpc="1"/>
+            <a:lstStyle/>
+            <a:p>
+              <a:endParaRPr kumimoji="0" lang="en-US"/>
+            </a:p>
+          </p:txBody>
+        </p:sp>
+      </p:grpSp>
     </p:spTree>
-    <p:extLst>
-      <p:ext uri="{BB962C8B-B14F-4D97-AF65-F5344CB8AC3E}">
-        <p14:creationId xmlns:p14="http://schemas.microsoft.com/office/powerpoint/2010/main" val="2971092931"/>
-      </p:ext>
-    </p:extLst>
   </p:cSld>
   <p:clrMap bg1="lt1" tx1="dk1" bg2="lt2" tx2="dk2" accent1="accent1" accent2="accent2" accent3="accent3" accent4="accent4" accent5="accent5" accent6="accent6" hlink="hlink" folHlink="folHlink"/>
   <p:sldLayoutIdLst>
-    <p:sldLayoutId id="2147483774" r:id="rId1"/>
-    <p:sldLayoutId id="2147483775" r:id="rId2"/>
-    <p:sldLayoutId id="2147483776" r:id="rId3"/>
-    <p:sldLayoutId id="2147483777" r:id="rId4"/>
-    <p:sldLayoutId id="2147483778" r:id="rId5"/>
-    <p:sldLayoutId id="2147483779" r:id="rId6"/>
-    <p:sldLayoutId id="2147483780" r:id="rId7"/>
-    <p:sldLayoutId id="2147483781" r:id="rId8"/>
-    <p:sldLayoutId id="2147483782" r:id="rId9"/>
-    <p:sldLayoutId id="2147483783" r:id="rId10"/>
-    <p:sldLayoutId id="2147483784" r:id="rId11"/>
+    <p:sldLayoutId id="2147483786" r:id="rId1"/>
+    <p:sldLayoutId id="2147483787" r:id="rId2"/>
+    <p:sldLayoutId id="2147483788" r:id="rId3"/>
+    <p:sldLayoutId id="2147483789" r:id="rId4"/>
+    <p:sldLayoutId id="2147483790" r:id="rId5"/>
+    <p:sldLayoutId id="2147483791" r:id="rId6"/>
+    <p:sldLayoutId id="2147483792" r:id="rId7"/>
+    <p:sldLayoutId id="2147483793" r:id="rId8"/>
+    <p:sldLayoutId id="2147483794" r:id="rId9"/>
+    <p:sldLayoutId id="2147483795" r:id="rId10"/>
+    <p:sldLayoutId id="2147483796" r:id="rId11"/>
   </p:sldLayoutIdLst>
   <p:txStyles>
     <p:titleStyle>
-      <a:lvl1pPr algn="l" defTabSz="685800" rtl="0" eaLnBrk="1" latinLnBrk="0" hangingPunct="1">
-        <a:lnSpc>
-          <a:spcPct val="90000"/>
-        </a:lnSpc>
+      <a:lvl1pPr algn="l" rtl="0" eaLnBrk="1" latinLnBrk="0" hangingPunct="1">
         <a:spcBef>
           <a:spcPct val="0"/>
         </a:spcBef>
         <a:buNone/>
-        <a:defRPr sz="4000" kern="1200">
+        <a:defRPr kumimoji="0" sz="5000" b="0" kern="1200">
+          <a:ln>
+            <a:noFill/>
+          </a:ln>
           <a:solidFill>
-            <a:schemeClr val="accent1"/>
+            <a:schemeClr val="tx2"/>
           </a:solidFill>
+          <a:effectLst/>
           <a:latin typeface="+mj-lt"/>
           <a:ea typeface="+mj-ea"/>
           <a:cs typeface="+mj-cs"/>
@@ -3136,222 +3643,168 @@
       </a:lvl1pPr>
     </p:titleStyle>
     <p:bodyStyle>
-      <a:lvl1pPr marL="171450" indent="-137160" algn="l" defTabSz="685800" rtl="0" eaLnBrk="1" latinLnBrk="0" hangingPunct="1">
-        <a:lnSpc>
-          <a:spcPct val="90000"/>
-        </a:lnSpc>
+      <a:lvl1pPr marL="274320" indent="-274320" algn="l" rtl="0" eaLnBrk="1" latinLnBrk="0" hangingPunct="1">
         <a:spcBef>
-          <a:spcPts val="1000"/>
+          <a:spcPct val="20000"/>
         </a:spcBef>
         <a:buClr>
-          <a:schemeClr val="accent1"/>
+          <a:schemeClr val="accent3"/>
         </a:buClr>
-        <a:buSzPct val="80000"/>
-        <a:buFont typeface="Corbel" pitchFamily="34" charset="0"/>
-        <a:buChar char="•"/>
-        <a:defRPr sz="2000" kern="1200">
+        <a:buSzPct val="95000"/>
+        <a:buFont typeface="Wingdings 2"/>
+        <a:buChar char=""/>
+        <a:defRPr kumimoji="0" sz="2600" kern="1200">
           <a:solidFill>
-            <a:schemeClr val="accent1"/>
+            <a:schemeClr val="tx1"/>
           </a:solidFill>
           <a:latin typeface="+mn-lt"/>
           <a:ea typeface="+mn-ea"/>
           <a:cs typeface="+mn-cs"/>
         </a:defRPr>
       </a:lvl1pPr>
-      <a:lvl2pPr marL="342900" indent="-137160" algn="l" defTabSz="685800" rtl="0" eaLnBrk="1" latinLnBrk="0" hangingPunct="1">
-        <a:lnSpc>
-          <a:spcPct val="90000"/>
-        </a:lnSpc>
+      <a:lvl2pPr marL="640080" indent="-246888" algn="l" rtl="0" eaLnBrk="1" latinLnBrk="0" hangingPunct="1">
         <a:spcBef>
-          <a:spcPts val="150"/>
+          <a:spcPct val="20000"/>
         </a:spcBef>
-        <a:spcAft>
-          <a:spcPts val="300"/>
-        </a:spcAft>
         <a:buClr>
           <a:schemeClr val="accent1"/>
         </a:buClr>
-        <a:buSzPct val="80000"/>
-        <a:buFont typeface="Corbel" pitchFamily="34" charset="0"/>
-        <a:buChar char="•"/>
-        <a:defRPr sz="1800" kern="1200">
+        <a:buSzPct val="85000"/>
+        <a:buFont typeface="Wingdings 2"/>
+        <a:buChar char=""/>
+        <a:defRPr kumimoji="0" sz="2400" kern="1200">
           <a:solidFill>
-            <a:schemeClr val="accent1"/>
+            <a:schemeClr val="tx1"/>
           </a:solidFill>
           <a:latin typeface="+mn-lt"/>
           <a:ea typeface="+mn-ea"/>
           <a:cs typeface="+mn-cs"/>
         </a:defRPr>
       </a:lvl2pPr>
-      <a:lvl3pPr marL="548640" indent="-137160" algn="l" defTabSz="685800" rtl="0" eaLnBrk="1" latinLnBrk="0" hangingPunct="1">
-        <a:lnSpc>
-          <a:spcPct val="90000"/>
-        </a:lnSpc>
+      <a:lvl3pPr marL="914400" indent="-246888" algn="l" rtl="0" eaLnBrk="1" latinLnBrk="0" hangingPunct="1">
         <a:spcBef>
-          <a:spcPts val="150"/>
+          <a:spcPct val="20000"/>
         </a:spcBef>
-        <a:spcAft>
-          <a:spcPts val="300"/>
-        </a:spcAft>
         <a:buClr>
-          <a:schemeClr val="accent1"/>
+          <a:schemeClr val="accent2"/>
         </a:buClr>
-        <a:buSzPct val="80000"/>
-        <a:buFont typeface="Corbel" pitchFamily="34" charset="0"/>
-        <a:buChar char="•"/>
-        <a:defRPr sz="1600" kern="1200">
+        <a:buSzPct val="70000"/>
+        <a:buFont typeface="Wingdings 2"/>
+        <a:buChar char=""/>
+        <a:defRPr kumimoji="0" sz="2100" kern="1200">
           <a:solidFill>
-            <a:schemeClr val="accent1"/>
+            <a:schemeClr val="tx1"/>
           </a:solidFill>
           <a:latin typeface="+mn-lt"/>
           <a:ea typeface="+mn-ea"/>
           <a:cs typeface="+mn-cs"/>
         </a:defRPr>
       </a:lvl3pPr>
-      <a:lvl4pPr marL="754380" indent="-137160" algn="l" defTabSz="685800" rtl="0" eaLnBrk="1" latinLnBrk="0" hangingPunct="1">
-        <a:lnSpc>
-          <a:spcPct val="90000"/>
-        </a:lnSpc>
+      <a:lvl4pPr marL="1188720" indent="-210312" algn="l" rtl="0" eaLnBrk="1" latinLnBrk="0" hangingPunct="1">
         <a:spcBef>
-          <a:spcPts val="150"/>
+          <a:spcPct val="20000"/>
         </a:spcBef>
-        <a:spcAft>
-          <a:spcPts val="300"/>
-        </a:spcAft>
         <a:buClr>
-          <a:schemeClr val="accent1"/>
+          <a:schemeClr val="accent3"/>
         </a:buClr>
-        <a:buSzPct val="80000"/>
-        <a:buFont typeface="Corbel" pitchFamily="34" charset="0"/>
-        <a:buChar char="•"/>
-        <a:defRPr sz="1400" kern="1200">
+        <a:buSzPct val="65000"/>
+        <a:buFont typeface="Wingdings 2"/>
+        <a:buChar char=""/>
+        <a:defRPr kumimoji="0" sz="2000" kern="1200">
           <a:solidFill>
-            <a:schemeClr val="accent1"/>
+            <a:schemeClr val="tx1"/>
           </a:solidFill>
           <a:latin typeface="+mn-lt"/>
           <a:ea typeface="+mn-ea"/>
           <a:cs typeface="+mn-cs"/>
         </a:defRPr>
       </a:lvl4pPr>
-      <a:lvl5pPr marL="920120" indent="-137160" algn="l" defTabSz="685800" rtl="0" eaLnBrk="1" latinLnBrk="0" hangingPunct="1">
-        <a:lnSpc>
-          <a:spcPct val="90000"/>
-        </a:lnSpc>
+      <a:lvl5pPr marL="1463040" indent="-210312" algn="l" rtl="0" eaLnBrk="1" latinLnBrk="0" hangingPunct="1">
         <a:spcBef>
-          <a:spcPts val="150"/>
+          <a:spcPct val="20000"/>
         </a:spcBef>
-        <a:spcAft>
-          <a:spcPts val="300"/>
-        </a:spcAft>
         <a:buClr>
-          <a:schemeClr val="accent1"/>
+          <a:schemeClr val="accent4"/>
         </a:buClr>
-        <a:buSzPct val="80000"/>
-        <a:buFont typeface="Corbel" pitchFamily="34" charset="0"/>
-        <a:buChar char="•"/>
-        <a:defRPr sz="1400" kern="1200">
+        <a:buSzPct val="65000"/>
+        <a:buFont typeface="Wingdings 2"/>
+        <a:buChar char=""/>
+        <a:defRPr kumimoji="0" sz="2000" kern="1200">
           <a:solidFill>
-            <a:schemeClr val="accent1"/>
+            <a:schemeClr val="tx1"/>
           </a:solidFill>
           <a:latin typeface="+mn-lt"/>
           <a:ea typeface="+mn-ea"/>
           <a:cs typeface="+mn-cs"/>
         </a:defRPr>
       </a:lvl5pPr>
-      <a:lvl6pPr marL="1100000" indent="-171450" algn="l" defTabSz="685800" rtl="0" eaLnBrk="1" latinLnBrk="0" hangingPunct="1">
-        <a:lnSpc>
-          <a:spcPct val="90000"/>
-        </a:lnSpc>
+      <a:lvl6pPr marL="1737360" indent="-210312" algn="l" rtl="0" eaLnBrk="1" latinLnBrk="0" hangingPunct="1">
         <a:spcBef>
-          <a:spcPts val="150"/>
+          <a:spcPct val="20000"/>
         </a:spcBef>
-        <a:spcAft>
-          <a:spcPts val="300"/>
-        </a:spcAft>
         <a:buClr>
-          <a:schemeClr val="accent1"/>
+          <a:schemeClr val="accent5"/>
         </a:buClr>
         <a:buSzPct val="80000"/>
-        <a:buFont typeface="Corbel" pitchFamily="34" charset="0"/>
-        <a:buChar char="•"/>
-        <a:defRPr sz="1400" kern="1200">
+        <a:buFont typeface="Wingdings 2"/>
+        <a:buChar char=""/>
+        <a:defRPr kumimoji="0" sz="1800" kern="1200">
           <a:solidFill>
-            <a:schemeClr val="accent1"/>
+            <a:schemeClr val="tx1"/>
           </a:solidFill>
           <a:latin typeface="+mn-lt"/>
           <a:ea typeface="+mn-ea"/>
           <a:cs typeface="+mn-cs"/>
         </a:defRPr>
       </a:lvl6pPr>
-      <a:lvl7pPr marL="1300000" indent="-171450" algn="l" defTabSz="685800" rtl="0" eaLnBrk="1" latinLnBrk="0" hangingPunct="1">
-        <a:lnSpc>
-          <a:spcPct val="90000"/>
-        </a:lnSpc>
+      <a:lvl7pPr marL="1920240" indent="-182880" algn="l" rtl="0" eaLnBrk="1" latinLnBrk="0" hangingPunct="1">
         <a:spcBef>
-          <a:spcPts val="150"/>
+          <a:spcPct val="20000"/>
         </a:spcBef>
-        <a:spcAft>
-          <a:spcPts val="300"/>
-        </a:spcAft>
         <a:buClr>
-          <a:schemeClr val="accent1"/>
+          <a:schemeClr val="accent6"/>
         </a:buClr>
         <a:buSzPct val="80000"/>
-        <a:buFont typeface="Corbel" pitchFamily="34" charset="0"/>
-        <a:buChar char="•"/>
-        <a:defRPr sz="1400" kern="1200">
+        <a:buFont typeface="Wingdings 2"/>
+        <a:buChar char=""/>
+        <a:defRPr kumimoji="0" sz="1600" kern="1200" baseline="0">
           <a:solidFill>
-            <a:schemeClr val="accent1"/>
+            <a:schemeClr val="tx1"/>
           </a:solidFill>
           <a:latin typeface="+mn-lt"/>
           <a:ea typeface="+mn-ea"/>
           <a:cs typeface="+mn-cs"/>
         </a:defRPr>
       </a:lvl7pPr>
-      <a:lvl8pPr marL="1500000" indent="-171450" algn="l" defTabSz="685800" rtl="0" eaLnBrk="1" latinLnBrk="0" hangingPunct="1">
-        <a:lnSpc>
-          <a:spcPct val="90000"/>
-        </a:lnSpc>
+      <a:lvl8pPr marL="2194560" indent="-182880" algn="l" rtl="0" eaLnBrk="1" latinLnBrk="0" hangingPunct="1">
         <a:spcBef>
-          <a:spcPts val="150"/>
+          <a:spcPct val="20000"/>
         </a:spcBef>
-        <a:spcAft>
-          <a:spcPts val="300"/>
-        </a:spcAft>
         <a:buClr>
-          <a:schemeClr val="accent1"/>
+          <a:schemeClr val="tx2"/>
         </a:buClr>
-        <a:buSzPct val="80000"/>
-        <a:buFont typeface="Corbel" pitchFamily="34" charset="0"/>
         <a:buChar char="•"/>
-        <a:defRPr sz="1400" kern="1200">
+        <a:defRPr kumimoji="0" sz="1600" kern="1200">
           <a:solidFill>
-            <a:schemeClr val="accent1"/>
+            <a:schemeClr val="tx1"/>
           </a:solidFill>
           <a:latin typeface="+mn-lt"/>
           <a:ea typeface="+mn-ea"/>
           <a:cs typeface="+mn-cs"/>
         </a:defRPr>
       </a:lvl8pPr>
-      <a:lvl9pPr marL="1700000" indent="-171450" algn="l" defTabSz="685800" rtl="0" eaLnBrk="1" latinLnBrk="0" hangingPunct="1">
-        <a:lnSpc>
-          <a:spcPct val="90000"/>
-        </a:lnSpc>
+      <a:lvl9pPr marL="2468880" indent="-182880" algn="l" rtl="0" eaLnBrk="1" latinLnBrk="0" hangingPunct="1">
         <a:spcBef>
-          <a:spcPts val="150"/>
+          <a:spcPct val="20000"/>
         </a:spcBef>
-        <a:spcAft>
-          <a:spcPts val="300"/>
-        </a:spcAft>
         <a:buClr>
-          <a:schemeClr val="accent1"/>
+          <a:schemeClr val="tx2"/>
         </a:buClr>
-        <a:buSzPct val="80000"/>
-        <a:buFont typeface="Corbel" pitchFamily="34" charset="0"/>
+        <a:buFontTx/>
         <a:buChar char="•"/>
-        <a:defRPr sz="1400" kern="1200">
+        <a:defRPr kumimoji="0" sz="1400" kern="1200" baseline="0">
           <a:solidFill>
-            <a:schemeClr val="accent1"/>
+            <a:schemeClr val="tx1"/>
           </a:solidFill>
           <a:latin typeface="+mn-lt"/>
           <a:ea typeface="+mn-ea"/>
@@ -3360,11 +3813,8 @@
       </a:lvl9pPr>
     </p:bodyStyle>
     <p:otherStyle>
-      <a:defPPr>
-        <a:defRPr lang="en-US"/>
-      </a:defPPr>
-      <a:lvl1pPr marL="0" algn="l" defTabSz="685800" rtl="0" eaLnBrk="1" latinLnBrk="0" hangingPunct="1">
-        <a:defRPr sz="1350" kern="1200">
+      <a:lvl1pPr marL="0" algn="l" rtl="0" eaLnBrk="1" latinLnBrk="0" hangingPunct="1">
+        <a:defRPr kumimoji="0" kern="1200">
           <a:solidFill>
             <a:schemeClr val="tx1"/>
           </a:solidFill>
@@ -3373,8 +3823,8 @@
           <a:cs typeface="+mn-cs"/>
         </a:defRPr>
       </a:lvl1pPr>
-      <a:lvl2pPr marL="342900" algn="l" defTabSz="685800" rtl="0" eaLnBrk="1" latinLnBrk="0" hangingPunct="1">
-        <a:defRPr sz="1350" kern="1200">
+      <a:lvl2pPr marL="457200" algn="l" rtl="0" eaLnBrk="1" latinLnBrk="0" hangingPunct="1">
+        <a:defRPr kumimoji="0" kern="1200">
           <a:solidFill>
             <a:schemeClr val="tx1"/>
           </a:solidFill>
@@ -3383,8 +3833,8 @@
           <a:cs typeface="+mn-cs"/>
         </a:defRPr>
       </a:lvl2pPr>
-      <a:lvl3pPr marL="685800" algn="l" defTabSz="685800" rtl="0" eaLnBrk="1" latinLnBrk="0" hangingPunct="1">
-        <a:defRPr sz="1350" kern="1200">
+      <a:lvl3pPr marL="914400" algn="l" rtl="0" eaLnBrk="1" latinLnBrk="0" hangingPunct="1">
+        <a:defRPr kumimoji="0" kern="1200">
           <a:solidFill>
             <a:schemeClr val="tx1"/>
           </a:solidFill>
@@ -3393,8 +3843,8 @@
           <a:cs typeface="+mn-cs"/>
         </a:defRPr>
       </a:lvl3pPr>
-      <a:lvl4pPr marL="1028700" algn="l" defTabSz="685800" rtl="0" eaLnBrk="1" latinLnBrk="0" hangingPunct="1">
-        <a:defRPr sz="1350" kern="1200">
+      <a:lvl4pPr marL="1371600" algn="l" rtl="0" eaLnBrk="1" latinLnBrk="0" hangingPunct="1">
+        <a:defRPr kumimoji="0" kern="1200">
           <a:solidFill>
             <a:schemeClr val="tx1"/>
           </a:solidFill>
@@ -3403,8 +3853,8 @@
           <a:cs typeface="+mn-cs"/>
         </a:defRPr>
       </a:lvl4pPr>
-      <a:lvl5pPr marL="1371600" algn="l" defTabSz="685800" rtl="0" eaLnBrk="1" latinLnBrk="0" hangingPunct="1">
-        <a:defRPr sz="1350" kern="1200">
+      <a:lvl5pPr marL="1828800" algn="l" rtl="0" eaLnBrk="1" latinLnBrk="0" hangingPunct="1">
+        <a:defRPr kumimoji="0" kern="1200">
           <a:solidFill>
             <a:schemeClr val="tx1"/>
           </a:solidFill>
@@ -3413,8 +3863,8 @@
           <a:cs typeface="+mn-cs"/>
         </a:defRPr>
       </a:lvl5pPr>
-      <a:lvl6pPr marL="1714500" algn="l" defTabSz="685800" rtl="0" eaLnBrk="1" latinLnBrk="0" hangingPunct="1">
-        <a:defRPr sz="1350" kern="1200">
+      <a:lvl6pPr marL="2286000" algn="l" rtl="0" eaLnBrk="1" latinLnBrk="0" hangingPunct="1">
+        <a:defRPr kumimoji="0" kern="1200">
           <a:solidFill>
             <a:schemeClr val="tx1"/>
           </a:solidFill>
@@ -3423,8 +3873,8 @@
           <a:cs typeface="+mn-cs"/>
         </a:defRPr>
       </a:lvl6pPr>
-      <a:lvl7pPr marL="2057400" algn="l" defTabSz="685800" rtl="0" eaLnBrk="1" latinLnBrk="0" hangingPunct="1">
-        <a:defRPr sz="1350" kern="1200">
+      <a:lvl7pPr marL="2743200" algn="l" rtl="0" eaLnBrk="1" latinLnBrk="0" hangingPunct="1">
+        <a:defRPr kumimoji="0" kern="1200">
           <a:solidFill>
             <a:schemeClr val="tx1"/>
           </a:solidFill>
@@ -3433,8 +3883,8 @@
           <a:cs typeface="+mn-cs"/>
         </a:defRPr>
       </a:lvl7pPr>
-      <a:lvl8pPr marL="2400300" algn="l" defTabSz="685800" rtl="0" eaLnBrk="1" latinLnBrk="0" hangingPunct="1">
-        <a:defRPr sz="1350" kern="1200">
+      <a:lvl8pPr marL="3200400" algn="l" rtl="0" eaLnBrk="1" latinLnBrk="0" hangingPunct="1">
+        <a:defRPr kumimoji="0" kern="1200">
           <a:solidFill>
             <a:schemeClr val="tx1"/>
           </a:solidFill>
@@ -3443,8 +3893,8 @@
           <a:cs typeface="+mn-cs"/>
         </a:defRPr>
       </a:lvl8pPr>
-      <a:lvl9pPr marL="2743200" algn="l" defTabSz="685800" rtl="0" eaLnBrk="1" latinLnBrk="0" hangingPunct="1">
-        <a:defRPr sz="1350" kern="1200">
+      <a:lvl9pPr marL="3657600" algn="l" rtl="0" eaLnBrk="1" latinLnBrk="0" hangingPunct="1">
+        <a:defRPr kumimoji="0" kern="1200">
           <a:solidFill>
             <a:schemeClr val="tx1"/>
           </a:solidFill>
@@ -3487,43 +3937,121 @@
         </p:nvSpPr>
         <p:spPr>
           <a:xfrm>
-            <a:off x="685800" y="298115"/>
-            <a:ext cx="7772400" cy="1904172"/>
+            <a:off x="653143" y="298115"/>
+            <a:ext cx="7805057" cy="1904172"/>
           </a:xfrm>
         </p:spPr>
         <p:txBody>
           <a:bodyPr>
             <a:normAutofit fontScale="90000"/>
+            <a:scene3d>
+              <a:camera prst="orthographicFront"/>
+              <a:lightRig rig="freezing" dir="t">
+                <a:rot lat="0" lon="0" rev="5640000"/>
+              </a:lightRig>
+            </a:scene3d>
+            <a:sp3d prstMaterial="flat">
+              <a:bevelT w="38100" h="38100"/>
+              <a:contourClr>
+                <a:schemeClr val="tx2"/>
+              </a:contourClr>
+            </a:sp3d>
           </a:bodyPr>
           <a:lstStyle/>
           <a:p>
-            <a:r>
-              <a:rPr lang="it-IT" dirty="0"/>
+            <a:pPr algn="ctr"/>
+            <a:r>
+              <a:rPr lang="it-IT" dirty="0">
+                <a:solidFill>
+                  <a:schemeClr val="tx1"/>
+                </a:solidFill>
+              </a:rPr>
               <a:t/>
             </a:r>
             <a:br>
-              <a:rPr lang="it-IT" dirty="0"/>
+              <a:rPr lang="it-IT" dirty="0">
+                <a:solidFill>
+                  <a:schemeClr val="tx1"/>
+                </a:solidFill>
+              </a:rPr>
             </a:br>
             <a:r>
-              <a:rPr lang="it-IT" dirty="0"/>
+              <a:rPr lang="it-IT" dirty="0">
+                <a:solidFill>
+                  <a:schemeClr val="tx1"/>
+                </a:solidFill>
+              </a:rPr>
               <a:t/>
             </a:r>
             <a:br>
-              <a:rPr lang="it-IT" dirty="0"/>
+              <a:rPr lang="it-IT" dirty="0">
+                <a:solidFill>
+                  <a:schemeClr val="tx1"/>
+                </a:solidFill>
+              </a:rPr>
             </a:br>
             <a:r>
-              <a:rPr lang="it-IT" dirty="0"/>
+              <a:rPr lang="it-IT" dirty="0">
+                <a:solidFill>
+                  <a:schemeClr val="tx1"/>
+                </a:solidFill>
+              </a:rPr>
               <a:t> </a:t>
             </a:r>
             <a:r>
               <a:rPr lang="it-IT" sz="2900" b="1" dirty="0">
-                <a:latin typeface="Times New Roman" panose="02020603050405020304" pitchFamily="18" charset="0"/>
-                <a:cs typeface="Times New Roman" panose="02020603050405020304" pitchFamily="18" charset="0"/>
-              </a:rPr>
-              <a:t>Corso di Laurea Magistrale in Ingegneria Informatica </a:t>
+                <a:solidFill>
+                  <a:schemeClr val="tx1"/>
+                </a:solidFill>
+                <a:latin typeface="Times New Roman" panose="02020603050405020304" pitchFamily="18" charset="0"/>
+                <a:cs typeface="Times New Roman" panose="02020603050405020304" pitchFamily="18" charset="0"/>
+              </a:rPr>
+              <a:t>Corso di Laurea </a:t>
+            </a:r>
+            <a:r>
+              <a:rPr lang="it-IT" sz="2900" b="1" dirty="0" smtClean="0">
+                <a:solidFill>
+                  <a:schemeClr val="tx1"/>
+                </a:solidFill>
+                <a:latin typeface="Times New Roman" panose="02020603050405020304" pitchFamily="18" charset="0"/>
+                <a:cs typeface="Times New Roman" panose="02020603050405020304" pitchFamily="18" charset="0"/>
+              </a:rPr>
+              <a:t>Magistrale in</a:t>
+            </a:r>
+            <a:br>
+              <a:rPr lang="it-IT" sz="2900" b="1" dirty="0" smtClean="0">
+                <a:solidFill>
+                  <a:schemeClr val="tx1"/>
+                </a:solidFill>
+                <a:latin typeface="Times New Roman" panose="02020603050405020304" pitchFamily="18" charset="0"/>
+                <a:cs typeface="Times New Roman" panose="02020603050405020304" pitchFamily="18" charset="0"/>
+              </a:rPr>
+            </a:br>
+            <a:r>
+              <a:rPr lang="it-IT" sz="2900" b="1" dirty="0" smtClean="0">
+                <a:solidFill>
+                  <a:schemeClr val="tx1"/>
+                </a:solidFill>
+                <a:latin typeface="Times New Roman" panose="02020603050405020304" pitchFamily="18" charset="0"/>
+                <a:cs typeface="Times New Roman" panose="02020603050405020304" pitchFamily="18" charset="0"/>
+              </a:rPr>
+              <a:t> Ingegneria </a:t>
+            </a:r>
+            <a:r>
+              <a:rPr lang="it-IT" sz="2900" b="1" dirty="0">
+                <a:solidFill>
+                  <a:schemeClr val="tx1"/>
+                </a:solidFill>
+                <a:latin typeface="Times New Roman" panose="02020603050405020304" pitchFamily="18" charset="0"/>
+                <a:cs typeface="Times New Roman" panose="02020603050405020304" pitchFamily="18" charset="0"/>
+              </a:rPr>
+              <a:t>Informatica </a:t>
             </a:r>
             <a:r>
               <a:rPr lang="it-IT" sz="2900" dirty="0">
+                <a:solidFill>
+                  <a:schemeClr val="tx1"/>
+                </a:solidFill>
                 <a:latin typeface="Times New Roman" panose="02020603050405020304" pitchFamily="18" charset="0"/>
                 <a:cs typeface="Times New Roman" panose="02020603050405020304" pitchFamily="18" charset="0"/>
               </a:rPr>
@@ -3531,19 +4059,48 @@
             </a:r>
             <a:br>
               <a:rPr lang="it-IT" sz="2900" dirty="0">
+                <a:solidFill>
+                  <a:schemeClr val="tx1"/>
+                </a:solidFill>
                 <a:latin typeface="Times New Roman" panose="02020603050405020304" pitchFamily="18" charset="0"/>
                 <a:cs typeface="Times New Roman" panose="02020603050405020304" pitchFamily="18" charset="0"/>
               </a:rPr>
             </a:br>
             <a:r>
               <a:rPr lang="it-IT" sz="2900" b="1" dirty="0">
-                <a:latin typeface="Times New Roman" panose="02020603050405020304" pitchFamily="18" charset="0"/>
-                <a:cs typeface="Times New Roman" panose="02020603050405020304" pitchFamily="18" charset="0"/>
-              </a:rPr>
-              <a:t>Sistemi Cognitivi e Interazione Persona-Calcolatore </a:t>
+                <a:solidFill>
+                  <a:schemeClr val="tx1"/>
+                </a:solidFill>
+                <a:latin typeface="Times New Roman" panose="02020603050405020304" pitchFamily="18" charset="0"/>
+                <a:cs typeface="Times New Roman" panose="02020603050405020304" pitchFamily="18" charset="0"/>
+              </a:rPr>
+              <a:t>Sistemi Cognitivi e </a:t>
+            </a:r>
+            <a:r>
+              <a:rPr lang="it-IT" sz="2900" b="1" dirty="0" smtClean="0">
+                <a:solidFill>
+                  <a:schemeClr val="tx1"/>
+                </a:solidFill>
+                <a:latin typeface="Times New Roman" panose="02020603050405020304" pitchFamily="18" charset="0"/>
+                <a:cs typeface="Times New Roman" panose="02020603050405020304" pitchFamily="18" charset="0"/>
+              </a:rPr>
+              <a:t>Interazione </a:t>
+            </a:r>
+            <a:r>
+              <a:rPr lang="it-IT" sz="2900" b="1" dirty="0">
+                <a:solidFill>
+                  <a:schemeClr val="tx1"/>
+                </a:solidFill>
+                <a:latin typeface="Times New Roman" panose="02020603050405020304" pitchFamily="18" charset="0"/>
+                <a:cs typeface="Times New Roman" panose="02020603050405020304" pitchFamily="18" charset="0"/>
+              </a:rPr>
+              <a:t>Persona-Calcolatore </a:t>
             </a:r>
             <a:r>
               <a:rPr lang="it-IT" sz="2900" dirty="0">
+                <a:solidFill>
+                  <a:schemeClr val="tx1"/>
+                </a:solidFill>
                 <a:latin typeface="Times New Roman" panose="02020603050405020304" pitchFamily="18" charset="0"/>
                 <a:cs typeface="Times New Roman" panose="02020603050405020304" pitchFamily="18" charset="0"/>
               </a:rPr>
@@ -3551,11 +4108,17 @@
             </a:r>
             <a:br>
               <a:rPr lang="it-IT" sz="2900" dirty="0">
+                <a:solidFill>
+                  <a:schemeClr val="tx1"/>
+                </a:solidFill>
                 <a:latin typeface="Times New Roman" panose="02020603050405020304" pitchFamily="18" charset="0"/>
                 <a:cs typeface="Times New Roman" panose="02020603050405020304" pitchFamily="18" charset="0"/>
               </a:rPr>
             </a:br>
             <a:endParaRPr lang="it-IT" sz="2900" dirty="0">
+              <a:solidFill>
+                <a:schemeClr val="tx1"/>
+              </a:solidFill>
               <a:latin typeface="Times New Roman" panose="02020603050405020304" pitchFamily="18" charset="0"/>
               <a:cs typeface="Times New Roman" panose="02020603050405020304" pitchFamily="18" charset="0"/>
             </a:endParaRPr>
@@ -3584,6 +4147,7 @@
           </a:bodyPr>
           <a:lstStyle/>
           <a:p>
+            <a:pPr algn="ctr"/>
             <a:r>
               <a:rPr lang="it-IT" sz="2800" b="1" dirty="0" smtClean="0">
                 <a:latin typeface="Times New Roman" panose="02020603050405020304" pitchFamily="18" charset="0"/>
@@ -3691,6 +4255,7 @@
             </a:endParaRPr>
           </a:p>
           <a:p>
+            <a:pPr algn="ctr"/>
             <a:r>
               <a:rPr lang="it-IT" sz="2000" dirty="0">
                 <a:latin typeface="Times New Roman" panose="02020603050405020304" pitchFamily="18" charset="0"/>
@@ -3715,7 +4280,7 @@
     </p:spTree>
     <p:extLst>
       <p:ext uri="{BB962C8B-B14F-4D97-AF65-F5344CB8AC3E}">
-        <p14:creationId xmlns:p14="http://schemas.microsoft.com/office/powerpoint/2010/main" val="1761319082"/>
+        <p14:creationId xmlns:p14="http://schemas.microsoft.com/office/powerpoint/2010/main" xmlns="" val="1761319082"/>
       </p:ext>
     </p:extLst>
   </p:cSld>
@@ -3996,7 +4561,7 @@
     </p:spTree>
     <p:extLst>
       <p:ext uri="{BB962C8B-B14F-4D97-AF65-F5344CB8AC3E}">
-        <p14:creationId xmlns:p14="http://schemas.microsoft.com/office/powerpoint/2010/main" val="3011033621"/>
+        <p14:creationId xmlns:p14="http://schemas.microsoft.com/office/powerpoint/2010/main" xmlns="" val="3011033621"/>
       </p:ext>
     </p:extLst>
   </p:cSld>
@@ -4025,165 +4590,6 @@
       </p:grpSpPr>
       <p:sp>
         <p:nvSpPr>
-          <p:cNvPr id="6" name="Titolo 1"/>
-          <p:cNvSpPr txBox="1">
-            <a:spLocks/>
-          </p:cNvSpPr>
-          <p:nvPr/>
-        </p:nvSpPr>
-        <p:spPr>
-          <a:xfrm>
-            <a:off x="628650" y="444137"/>
-            <a:ext cx="7886700" cy="653143"/>
-          </a:xfrm>
-          <a:prstGeom prst="rect">
-            <a:avLst/>
-          </a:prstGeom>
-        </p:spPr>
-        <p:txBody>
-          <a:bodyPr vert="horz" lIns="91440" tIns="45720" rIns="91440" bIns="45720" rtlCol="0" anchor="ctr">
-            <a:normAutofit/>
-          </a:bodyPr>
-          <a:lstStyle/>
-          <a:p>
-            <a:pPr marL="0" marR="0" lvl="0" indent="0" algn="l" defTabSz="914400" rtl="0" eaLnBrk="1" fontAlgn="auto" latinLnBrk="0" hangingPunct="1">
-              <a:lnSpc>
-                <a:spcPct val="90000"/>
-              </a:lnSpc>
-              <a:spcBef>
-                <a:spcPct val="0"/>
-              </a:spcBef>
-              <a:spcAft>
-                <a:spcPts val="0"/>
-              </a:spcAft>
-              <a:buClrTx/>
-              <a:buSzTx/>
-              <a:buFontTx/>
-              <a:buNone/>
-              <a:tabLst/>
-              <a:defRPr/>
-            </a:pPr>
-            <a:r>
-              <a:rPr kumimoji="0" lang="it-IT" sz="2800" b="1" i="0" u="none" strike="noStrike" kern="1200" cap="none" spc="0" normalizeH="0" baseline="0" noProof="0" dirty="0" err="1" smtClean="0">
-                <a:ln>
-                  <a:noFill/>
-                </a:ln>
-                <a:solidFill>
-                  <a:schemeClr val="tx1"/>
-                </a:solidFill>
-                <a:effectLst/>
-                <a:uLnTx/>
-                <a:uFillTx/>
-                <a:latin typeface="Times New Roman" panose="02020603050405020304" pitchFamily="18" charset="0"/>
-                <a:ea typeface="+mj-ea"/>
-                <a:cs typeface="Times New Roman" panose="02020603050405020304" pitchFamily="18" charset="0"/>
-              </a:rPr>
-              <a:t>User</a:t>
-            </a:r>
-            <a:r>
-              <a:rPr kumimoji="0" lang="it-IT" sz="2800" b="1" i="0" u="none" strike="noStrike" kern="1200" cap="none" spc="0" normalizeH="0" baseline="0" noProof="0" dirty="0" smtClean="0">
-                <a:ln>
-                  <a:noFill/>
-                </a:ln>
-                <a:solidFill>
-                  <a:schemeClr val="tx1"/>
-                </a:solidFill>
-                <a:effectLst/>
-                <a:uLnTx/>
-                <a:uFillTx/>
-                <a:latin typeface="Times New Roman" panose="02020603050405020304" pitchFamily="18" charset="0"/>
-                <a:ea typeface="+mj-ea"/>
-                <a:cs typeface="Times New Roman" panose="02020603050405020304" pitchFamily="18" charset="0"/>
-              </a:rPr>
-              <a:t> </a:t>
-            </a:r>
-            <a:r>
-              <a:rPr kumimoji="0" lang="it-IT" sz="2800" b="1" i="0" u="none" strike="noStrike" kern="1200" cap="none" spc="0" normalizeH="0" baseline="0" noProof="0" dirty="0" err="1" smtClean="0">
-                <a:ln>
-                  <a:noFill/>
-                </a:ln>
-                <a:solidFill>
-                  <a:schemeClr val="tx1"/>
-                </a:solidFill>
-                <a:effectLst/>
-                <a:uLnTx/>
-                <a:uFillTx/>
-                <a:latin typeface="Times New Roman" panose="02020603050405020304" pitchFamily="18" charset="0"/>
-                <a:ea typeface="+mj-ea"/>
-                <a:cs typeface="Times New Roman" panose="02020603050405020304" pitchFamily="18" charset="0"/>
-              </a:rPr>
-              <a:t>Testing</a:t>
-            </a:r>
-            <a:r>
-              <a:rPr kumimoji="0" lang="it-IT" sz="2800" b="1" i="0" u="none" strike="noStrike" kern="1200" cap="none" spc="0" normalizeH="0" baseline="0" noProof="0" dirty="0" smtClean="0">
-                <a:ln>
-                  <a:noFill/>
-                </a:ln>
-                <a:solidFill>
-                  <a:schemeClr val="tx1"/>
-                </a:solidFill>
-                <a:effectLst/>
-                <a:uLnTx/>
-                <a:uFillTx/>
-                <a:latin typeface="Times New Roman" panose="02020603050405020304" pitchFamily="18" charset="0"/>
-                <a:ea typeface="+mj-ea"/>
-                <a:cs typeface="Times New Roman" panose="02020603050405020304" pitchFamily="18" charset="0"/>
-              </a:rPr>
-              <a:t> </a:t>
-            </a:r>
-            <a:r>
-              <a:rPr kumimoji="0" lang="it-IT" sz="2800" b="1" i="0" u="none" strike="noStrike" kern="1200" cap="none" spc="0" normalizeH="0" baseline="0" noProof="0" dirty="0" err="1" smtClean="0">
-                <a:ln>
-                  <a:noFill/>
-                </a:ln>
-                <a:solidFill>
-                  <a:schemeClr val="tx1"/>
-                </a:solidFill>
-                <a:effectLst/>
-                <a:uLnTx/>
-                <a:uFillTx/>
-                <a:latin typeface="Times New Roman" panose="02020603050405020304" pitchFamily="18" charset="0"/>
-                <a:ea typeface="+mj-ea"/>
-                <a:cs typeface="Times New Roman" panose="02020603050405020304" pitchFamily="18" charset="0"/>
-              </a:rPr>
-              <a:t>Plan</a:t>
-            </a:r>
-            <a:r>
-              <a:rPr kumimoji="0" lang="it-IT" sz="2800" b="1" i="0" u="none" strike="noStrike" kern="1200" cap="none" spc="0" normalizeH="0" baseline="0" noProof="0" dirty="0" smtClean="0">
-                <a:ln>
-                  <a:noFill/>
-                </a:ln>
-                <a:solidFill>
-                  <a:schemeClr val="tx1"/>
-                </a:solidFill>
-                <a:effectLst/>
-                <a:uLnTx/>
-                <a:uFillTx/>
-                <a:latin typeface="Times New Roman" panose="02020603050405020304" pitchFamily="18" charset="0"/>
-                <a:ea typeface="+mj-ea"/>
-                <a:cs typeface="Times New Roman" panose="02020603050405020304" pitchFamily="18" charset="0"/>
-              </a:rPr>
-              <a:t> (3)</a:t>
-            </a:r>
-            <a:endParaRPr kumimoji="0" lang="it-IT" sz="2800" b="0" i="0" u="none" strike="noStrike" kern="1200" cap="none" spc="0" normalizeH="0" baseline="0" noProof="0" dirty="0">
-              <a:ln>
-                <a:noFill/>
-              </a:ln>
-              <a:solidFill>
-                <a:schemeClr val="tx1"/>
-              </a:solidFill>
-              <a:effectLst/>
-              <a:uLnTx/>
-              <a:uFillTx/>
-              <a:latin typeface="+mj-lt"/>
-              <a:ea typeface="+mj-ea"/>
-              <a:cs typeface="+mj-cs"/>
-            </a:endParaRPr>
-          </a:p>
-        </p:txBody>
-      </p:sp>
-      <p:sp>
-        <p:nvSpPr>
           <p:cNvPr id="4" name="Segnaposto contenuto 2"/>
           <p:cNvSpPr txBox="1">
             <a:spLocks/>
@@ -4350,10 +4756,78 @@
           </a:p>
         </p:txBody>
       </p:sp>
+      <p:sp>
+        <p:nvSpPr>
+          <p:cNvPr id="5" name="Titolo 1"/>
+          <p:cNvSpPr>
+            <a:spLocks noGrp="1"/>
+          </p:cNvSpPr>
+          <p:nvPr>
+            <p:ph type="title"/>
+          </p:nvPr>
+        </p:nvSpPr>
+        <p:spPr>
+          <a:xfrm>
+            <a:off x="628650" y="444137"/>
+            <a:ext cx="7886700" cy="653143"/>
+          </a:xfrm>
+        </p:spPr>
+        <p:txBody>
+          <a:bodyPr>
+            <a:normAutofit/>
+          </a:bodyPr>
+          <a:lstStyle/>
+          <a:p>
+            <a:r>
+              <a:rPr lang="it-IT" sz="2800" b="1" dirty="0">
+                <a:latin typeface="Times New Roman" panose="02020603050405020304" pitchFamily="18" charset="0"/>
+                <a:cs typeface="Times New Roman" panose="02020603050405020304" pitchFamily="18" charset="0"/>
+              </a:rPr>
+              <a:t>User </a:t>
+            </a:r>
+            <a:r>
+              <a:rPr lang="it-IT" sz="2800" b="1" dirty="0" err="1">
+                <a:latin typeface="Times New Roman" panose="02020603050405020304" pitchFamily="18" charset="0"/>
+                <a:cs typeface="Times New Roman" panose="02020603050405020304" pitchFamily="18" charset="0"/>
+              </a:rPr>
+              <a:t>Testing</a:t>
+            </a:r>
+            <a:r>
+              <a:rPr lang="it-IT" sz="2800" b="1" dirty="0">
+                <a:latin typeface="Times New Roman" panose="02020603050405020304" pitchFamily="18" charset="0"/>
+                <a:cs typeface="Times New Roman" panose="02020603050405020304" pitchFamily="18" charset="0"/>
+              </a:rPr>
+              <a:t> </a:t>
+            </a:r>
+            <a:r>
+              <a:rPr lang="it-IT" sz="2800" b="1" dirty="0" err="1">
+                <a:latin typeface="Times New Roman" panose="02020603050405020304" pitchFamily="18" charset="0"/>
+                <a:cs typeface="Times New Roman" panose="02020603050405020304" pitchFamily="18" charset="0"/>
+              </a:rPr>
+              <a:t>Plan</a:t>
+            </a:r>
+            <a:r>
+              <a:rPr lang="it-IT" sz="2800" b="1" dirty="0">
+                <a:latin typeface="Times New Roman" panose="02020603050405020304" pitchFamily="18" charset="0"/>
+                <a:cs typeface="Times New Roman" panose="02020603050405020304" pitchFamily="18" charset="0"/>
+              </a:rPr>
+              <a:t> </a:t>
+            </a:r>
+            <a:r>
+              <a:rPr lang="it-IT" sz="2800" b="1" dirty="0" smtClean="0">
+                <a:latin typeface="Times New Roman" panose="02020603050405020304" pitchFamily="18" charset="0"/>
+                <a:cs typeface="Times New Roman" panose="02020603050405020304" pitchFamily="18" charset="0"/>
+              </a:rPr>
+              <a:t>(3)</a:t>
+            </a:r>
+            <a:endParaRPr lang="it-IT" sz="2800" dirty="0"/>
+          </a:p>
+        </p:txBody>
+      </p:sp>
     </p:spTree>
     <p:extLst>
       <p:ext uri="{BB962C8B-B14F-4D97-AF65-F5344CB8AC3E}">
-        <p14:creationId xmlns:p14="http://schemas.microsoft.com/office/powerpoint/2010/main" val="2017438073"/>
+        <p14:creationId xmlns:p14="http://schemas.microsoft.com/office/powerpoint/2010/main" xmlns="" val="2017438073"/>
       </p:ext>
     </p:extLst>
   </p:cSld>
@@ -4382,165 +4856,6 @@
       </p:grpSpPr>
       <p:sp>
         <p:nvSpPr>
-          <p:cNvPr id="6" name="Titolo 1"/>
-          <p:cNvSpPr txBox="1">
-            <a:spLocks/>
-          </p:cNvSpPr>
-          <p:nvPr/>
-        </p:nvSpPr>
-        <p:spPr>
-          <a:xfrm>
-            <a:off x="628650" y="444137"/>
-            <a:ext cx="7886700" cy="653143"/>
-          </a:xfrm>
-          <a:prstGeom prst="rect">
-            <a:avLst/>
-          </a:prstGeom>
-        </p:spPr>
-        <p:txBody>
-          <a:bodyPr vert="horz" lIns="91440" tIns="45720" rIns="91440" bIns="45720" rtlCol="0" anchor="ctr">
-            <a:normAutofit/>
-          </a:bodyPr>
-          <a:lstStyle/>
-          <a:p>
-            <a:pPr marL="0" marR="0" lvl="0" indent="0" algn="l" defTabSz="914400" rtl="0" eaLnBrk="1" fontAlgn="auto" latinLnBrk="0" hangingPunct="1">
-              <a:lnSpc>
-                <a:spcPct val="90000"/>
-              </a:lnSpc>
-              <a:spcBef>
-                <a:spcPct val="0"/>
-              </a:spcBef>
-              <a:spcAft>
-                <a:spcPts val="0"/>
-              </a:spcAft>
-              <a:buClrTx/>
-              <a:buSzTx/>
-              <a:buFontTx/>
-              <a:buNone/>
-              <a:tabLst/>
-              <a:defRPr/>
-            </a:pPr>
-            <a:r>
-              <a:rPr kumimoji="0" lang="it-IT" sz="2800" b="1" i="0" u="none" strike="noStrike" kern="1200" cap="none" spc="0" normalizeH="0" baseline="0" noProof="0" dirty="0" err="1" smtClean="0">
-                <a:ln>
-                  <a:noFill/>
-                </a:ln>
-                <a:solidFill>
-                  <a:schemeClr val="tx1"/>
-                </a:solidFill>
-                <a:effectLst/>
-                <a:uLnTx/>
-                <a:uFillTx/>
-                <a:latin typeface="Times New Roman" panose="02020603050405020304" pitchFamily="18" charset="0"/>
-                <a:ea typeface="+mj-ea"/>
-                <a:cs typeface="Times New Roman" panose="02020603050405020304" pitchFamily="18" charset="0"/>
-              </a:rPr>
-              <a:t>User</a:t>
-            </a:r>
-            <a:r>
-              <a:rPr kumimoji="0" lang="it-IT" sz="2800" b="1" i="0" u="none" strike="noStrike" kern="1200" cap="none" spc="0" normalizeH="0" baseline="0" noProof="0" dirty="0" smtClean="0">
-                <a:ln>
-                  <a:noFill/>
-                </a:ln>
-                <a:solidFill>
-                  <a:schemeClr val="tx1"/>
-                </a:solidFill>
-                <a:effectLst/>
-                <a:uLnTx/>
-                <a:uFillTx/>
-                <a:latin typeface="Times New Roman" panose="02020603050405020304" pitchFamily="18" charset="0"/>
-                <a:ea typeface="+mj-ea"/>
-                <a:cs typeface="Times New Roman" panose="02020603050405020304" pitchFamily="18" charset="0"/>
-              </a:rPr>
-              <a:t> </a:t>
-            </a:r>
-            <a:r>
-              <a:rPr kumimoji="0" lang="it-IT" sz="2800" b="1" i="0" u="none" strike="noStrike" kern="1200" cap="none" spc="0" normalizeH="0" baseline="0" noProof="0" dirty="0" err="1" smtClean="0">
-                <a:ln>
-                  <a:noFill/>
-                </a:ln>
-                <a:solidFill>
-                  <a:schemeClr val="tx1"/>
-                </a:solidFill>
-                <a:effectLst/>
-                <a:uLnTx/>
-                <a:uFillTx/>
-                <a:latin typeface="Times New Roman" panose="02020603050405020304" pitchFamily="18" charset="0"/>
-                <a:ea typeface="+mj-ea"/>
-                <a:cs typeface="Times New Roman" panose="02020603050405020304" pitchFamily="18" charset="0"/>
-              </a:rPr>
-              <a:t>Testing</a:t>
-            </a:r>
-            <a:r>
-              <a:rPr kumimoji="0" lang="it-IT" sz="2800" b="1" i="0" u="none" strike="noStrike" kern="1200" cap="none" spc="0" normalizeH="0" baseline="0" noProof="0" dirty="0" smtClean="0">
-                <a:ln>
-                  <a:noFill/>
-                </a:ln>
-                <a:solidFill>
-                  <a:schemeClr val="tx1"/>
-                </a:solidFill>
-                <a:effectLst/>
-                <a:uLnTx/>
-                <a:uFillTx/>
-                <a:latin typeface="Times New Roman" panose="02020603050405020304" pitchFamily="18" charset="0"/>
-                <a:ea typeface="+mj-ea"/>
-                <a:cs typeface="Times New Roman" panose="02020603050405020304" pitchFamily="18" charset="0"/>
-              </a:rPr>
-              <a:t> </a:t>
-            </a:r>
-            <a:r>
-              <a:rPr kumimoji="0" lang="it-IT" sz="2800" b="1" i="0" u="none" strike="noStrike" kern="1200" cap="none" spc="0" normalizeH="0" baseline="0" noProof="0" dirty="0" err="1" smtClean="0">
-                <a:ln>
-                  <a:noFill/>
-                </a:ln>
-                <a:solidFill>
-                  <a:schemeClr val="tx1"/>
-                </a:solidFill>
-                <a:effectLst/>
-                <a:uLnTx/>
-                <a:uFillTx/>
-                <a:latin typeface="Times New Roman" panose="02020603050405020304" pitchFamily="18" charset="0"/>
-                <a:ea typeface="+mj-ea"/>
-                <a:cs typeface="Times New Roman" panose="02020603050405020304" pitchFamily="18" charset="0"/>
-              </a:rPr>
-              <a:t>Plan</a:t>
-            </a:r>
-            <a:r>
-              <a:rPr kumimoji="0" lang="it-IT" sz="2800" b="1" i="0" u="none" strike="noStrike" kern="1200" cap="none" spc="0" normalizeH="0" baseline="0" noProof="0" dirty="0" smtClean="0">
-                <a:ln>
-                  <a:noFill/>
-                </a:ln>
-                <a:solidFill>
-                  <a:schemeClr val="tx1"/>
-                </a:solidFill>
-                <a:effectLst/>
-                <a:uLnTx/>
-                <a:uFillTx/>
-                <a:latin typeface="Times New Roman" panose="02020603050405020304" pitchFamily="18" charset="0"/>
-                <a:ea typeface="+mj-ea"/>
-                <a:cs typeface="Times New Roman" panose="02020603050405020304" pitchFamily="18" charset="0"/>
-              </a:rPr>
-              <a:t> (4)</a:t>
-            </a:r>
-            <a:endParaRPr kumimoji="0" lang="it-IT" sz="2800" b="0" i="0" u="none" strike="noStrike" kern="1200" cap="none" spc="0" normalizeH="0" baseline="0" noProof="0" dirty="0">
-              <a:ln>
-                <a:noFill/>
-              </a:ln>
-              <a:solidFill>
-                <a:schemeClr val="tx1"/>
-              </a:solidFill>
-              <a:effectLst/>
-              <a:uLnTx/>
-              <a:uFillTx/>
-              <a:latin typeface="+mj-lt"/>
-              <a:ea typeface="+mj-ea"/>
-              <a:cs typeface="+mj-cs"/>
-            </a:endParaRPr>
-          </a:p>
-        </p:txBody>
-      </p:sp>
-      <p:sp>
-        <p:nvSpPr>
           <p:cNvPr id="4" name="Segnaposto contenuto 2"/>
           <p:cNvSpPr txBox="1">
             <a:spLocks/>
@@ -4549,7 +4864,7 @@
         </p:nvSpPr>
         <p:spPr>
           <a:xfrm>
-            <a:off x="628650" y="1275008"/>
+            <a:off x="628650" y="1327260"/>
             <a:ext cx="7886700" cy="5280338"/>
           </a:xfrm>
           <a:prstGeom prst="rect">
@@ -4763,10 +5078,78 @@
           </a:p>
         </p:txBody>
       </p:sp>
+      <p:sp>
+        <p:nvSpPr>
+          <p:cNvPr id="5" name="Titolo 1"/>
+          <p:cNvSpPr>
+            <a:spLocks noGrp="1"/>
+          </p:cNvSpPr>
+          <p:nvPr>
+            <p:ph type="title"/>
+          </p:nvPr>
+        </p:nvSpPr>
+        <p:spPr>
+          <a:xfrm>
+            <a:off x="628650" y="444137"/>
+            <a:ext cx="7886700" cy="653143"/>
+          </a:xfrm>
+        </p:spPr>
+        <p:txBody>
+          <a:bodyPr>
+            <a:normAutofit/>
+          </a:bodyPr>
+          <a:lstStyle/>
+          <a:p>
+            <a:r>
+              <a:rPr lang="it-IT" sz="2800" b="1" dirty="0">
+                <a:latin typeface="Times New Roman" panose="02020603050405020304" pitchFamily="18" charset="0"/>
+                <a:cs typeface="Times New Roman" panose="02020603050405020304" pitchFamily="18" charset="0"/>
+              </a:rPr>
+              <a:t>User </a:t>
+            </a:r>
+            <a:r>
+              <a:rPr lang="it-IT" sz="2800" b="1" dirty="0" err="1">
+                <a:latin typeface="Times New Roman" panose="02020603050405020304" pitchFamily="18" charset="0"/>
+                <a:cs typeface="Times New Roman" panose="02020603050405020304" pitchFamily="18" charset="0"/>
+              </a:rPr>
+              <a:t>Testing</a:t>
+            </a:r>
+            <a:r>
+              <a:rPr lang="it-IT" sz="2800" b="1" dirty="0">
+                <a:latin typeface="Times New Roman" panose="02020603050405020304" pitchFamily="18" charset="0"/>
+                <a:cs typeface="Times New Roman" panose="02020603050405020304" pitchFamily="18" charset="0"/>
+              </a:rPr>
+              <a:t> </a:t>
+            </a:r>
+            <a:r>
+              <a:rPr lang="it-IT" sz="2800" b="1" dirty="0" err="1">
+                <a:latin typeface="Times New Roman" panose="02020603050405020304" pitchFamily="18" charset="0"/>
+                <a:cs typeface="Times New Roman" panose="02020603050405020304" pitchFamily="18" charset="0"/>
+              </a:rPr>
+              <a:t>Plan</a:t>
+            </a:r>
+            <a:r>
+              <a:rPr lang="it-IT" sz="2800" b="1" dirty="0">
+                <a:latin typeface="Times New Roman" panose="02020603050405020304" pitchFamily="18" charset="0"/>
+                <a:cs typeface="Times New Roman" panose="02020603050405020304" pitchFamily="18" charset="0"/>
+              </a:rPr>
+              <a:t> </a:t>
+            </a:r>
+            <a:r>
+              <a:rPr lang="it-IT" sz="2800" b="1" dirty="0" smtClean="0">
+                <a:latin typeface="Times New Roman" panose="02020603050405020304" pitchFamily="18" charset="0"/>
+                <a:cs typeface="Times New Roman" panose="02020603050405020304" pitchFamily="18" charset="0"/>
+              </a:rPr>
+              <a:t>(4)</a:t>
+            </a:r>
+            <a:endParaRPr lang="it-IT" sz="2800" dirty="0"/>
+          </a:p>
+        </p:txBody>
+      </p:sp>
     </p:spTree>
     <p:extLst>
       <p:ext uri="{BB962C8B-B14F-4D97-AF65-F5344CB8AC3E}">
-        <p14:creationId xmlns:p14="http://schemas.microsoft.com/office/powerpoint/2010/main" val="2017438073"/>
+        <p14:creationId xmlns:p14="http://schemas.microsoft.com/office/powerpoint/2010/main" xmlns="" val="2017438073"/>
       </p:ext>
     </p:extLst>
   </p:cSld>
@@ -4795,165 +5178,6 @@
       </p:grpSpPr>
       <p:sp>
         <p:nvSpPr>
-          <p:cNvPr id="5" name="Titolo 1"/>
-          <p:cNvSpPr txBox="1">
-            <a:spLocks/>
-          </p:cNvSpPr>
-          <p:nvPr/>
-        </p:nvSpPr>
-        <p:spPr>
-          <a:xfrm>
-            <a:off x="628650" y="444137"/>
-            <a:ext cx="7886700" cy="653143"/>
-          </a:xfrm>
-          <a:prstGeom prst="rect">
-            <a:avLst/>
-          </a:prstGeom>
-        </p:spPr>
-        <p:txBody>
-          <a:bodyPr vert="horz" lIns="91440" tIns="45720" rIns="91440" bIns="45720" rtlCol="0" anchor="ctr">
-            <a:normAutofit/>
-          </a:bodyPr>
-          <a:lstStyle/>
-          <a:p>
-            <a:pPr marL="0" marR="0" lvl="0" indent="0" algn="l" defTabSz="914400" rtl="0" eaLnBrk="1" fontAlgn="auto" latinLnBrk="0" hangingPunct="1">
-              <a:lnSpc>
-                <a:spcPct val="90000"/>
-              </a:lnSpc>
-              <a:spcBef>
-                <a:spcPct val="0"/>
-              </a:spcBef>
-              <a:spcAft>
-                <a:spcPts val="0"/>
-              </a:spcAft>
-              <a:buClrTx/>
-              <a:buSzTx/>
-              <a:buFontTx/>
-              <a:buNone/>
-              <a:tabLst/>
-              <a:defRPr/>
-            </a:pPr>
-            <a:r>
-              <a:rPr kumimoji="0" lang="it-IT" sz="2800" b="1" i="0" u="none" strike="noStrike" kern="1200" cap="none" spc="0" normalizeH="0" baseline="0" noProof="0" dirty="0" err="1" smtClean="0">
-                <a:ln>
-                  <a:noFill/>
-                </a:ln>
-                <a:solidFill>
-                  <a:schemeClr val="tx1"/>
-                </a:solidFill>
-                <a:effectLst/>
-                <a:uLnTx/>
-                <a:uFillTx/>
-                <a:latin typeface="Times New Roman" panose="02020603050405020304" pitchFamily="18" charset="0"/>
-                <a:ea typeface="+mj-ea"/>
-                <a:cs typeface="Times New Roman" panose="02020603050405020304" pitchFamily="18" charset="0"/>
-              </a:rPr>
-              <a:t>User</a:t>
-            </a:r>
-            <a:r>
-              <a:rPr kumimoji="0" lang="it-IT" sz="2800" b="1" i="0" u="none" strike="noStrike" kern="1200" cap="none" spc="0" normalizeH="0" baseline="0" noProof="0" dirty="0" smtClean="0">
-                <a:ln>
-                  <a:noFill/>
-                </a:ln>
-                <a:solidFill>
-                  <a:schemeClr val="tx1"/>
-                </a:solidFill>
-                <a:effectLst/>
-                <a:uLnTx/>
-                <a:uFillTx/>
-                <a:latin typeface="Times New Roman" panose="02020603050405020304" pitchFamily="18" charset="0"/>
-                <a:ea typeface="+mj-ea"/>
-                <a:cs typeface="Times New Roman" panose="02020603050405020304" pitchFamily="18" charset="0"/>
-              </a:rPr>
-              <a:t> </a:t>
-            </a:r>
-            <a:r>
-              <a:rPr kumimoji="0" lang="it-IT" sz="2800" b="1" i="0" u="none" strike="noStrike" kern="1200" cap="none" spc="0" normalizeH="0" baseline="0" noProof="0" dirty="0" err="1" smtClean="0">
-                <a:ln>
-                  <a:noFill/>
-                </a:ln>
-                <a:solidFill>
-                  <a:schemeClr val="tx1"/>
-                </a:solidFill>
-                <a:effectLst/>
-                <a:uLnTx/>
-                <a:uFillTx/>
-                <a:latin typeface="Times New Roman" panose="02020603050405020304" pitchFamily="18" charset="0"/>
-                <a:ea typeface="+mj-ea"/>
-                <a:cs typeface="Times New Roman" panose="02020603050405020304" pitchFamily="18" charset="0"/>
-              </a:rPr>
-              <a:t>Testing</a:t>
-            </a:r>
-            <a:r>
-              <a:rPr kumimoji="0" lang="it-IT" sz="2800" b="1" i="0" u="none" strike="noStrike" kern="1200" cap="none" spc="0" normalizeH="0" baseline="0" noProof="0" dirty="0" smtClean="0">
-                <a:ln>
-                  <a:noFill/>
-                </a:ln>
-                <a:solidFill>
-                  <a:schemeClr val="tx1"/>
-                </a:solidFill>
-                <a:effectLst/>
-                <a:uLnTx/>
-                <a:uFillTx/>
-                <a:latin typeface="Times New Roman" panose="02020603050405020304" pitchFamily="18" charset="0"/>
-                <a:ea typeface="+mj-ea"/>
-                <a:cs typeface="Times New Roman" panose="02020603050405020304" pitchFamily="18" charset="0"/>
-              </a:rPr>
-              <a:t> </a:t>
-            </a:r>
-            <a:r>
-              <a:rPr kumimoji="0" lang="it-IT" sz="2800" b="1" i="0" u="none" strike="noStrike" kern="1200" cap="none" spc="0" normalizeH="0" baseline="0" noProof="0" dirty="0" err="1" smtClean="0">
-                <a:ln>
-                  <a:noFill/>
-                </a:ln>
-                <a:solidFill>
-                  <a:schemeClr val="tx1"/>
-                </a:solidFill>
-                <a:effectLst/>
-                <a:uLnTx/>
-                <a:uFillTx/>
-                <a:latin typeface="Times New Roman" panose="02020603050405020304" pitchFamily="18" charset="0"/>
-                <a:ea typeface="+mj-ea"/>
-                <a:cs typeface="Times New Roman" panose="02020603050405020304" pitchFamily="18" charset="0"/>
-              </a:rPr>
-              <a:t>Plan</a:t>
-            </a:r>
-            <a:r>
-              <a:rPr kumimoji="0" lang="it-IT" sz="2800" b="1" i="0" u="none" strike="noStrike" kern="1200" cap="none" spc="0" normalizeH="0" baseline="0" noProof="0" dirty="0" smtClean="0">
-                <a:ln>
-                  <a:noFill/>
-                </a:ln>
-                <a:solidFill>
-                  <a:schemeClr val="tx1"/>
-                </a:solidFill>
-                <a:effectLst/>
-                <a:uLnTx/>
-                <a:uFillTx/>
-                <a:latin typeface="Times New Roman" panose="02020603050405020304" pitchFamily="18" charset="0"/>
-                <a:ea typeface="+mj-ea"/>
-                <a:cs typeface="Times New Roman" panose="02020603050405020304" pitchFamily="18" charset="0"/>
-              </a:rPr>
-              <a:t> (5)</a:t>
-            </a:r>
-            <a:endParaRPr kumimoji="0" lang="it-IT" sz="2800" b="0" i="0" u="none" strike="noStrike" kern="1200" cap="none" spc="0" normalizeH="0" baseline="0" noProof="0" dirty="0">
-              <a:ln>
-                <a:noFill/>
-              </a:ln>
-              <a:solidFill>
-                <a:schemeClr val="tx1"/>
-              </a:solidFill>
-              <a:effectLst/>
-              <a:uLnTx/>
-              <a:uFillTx/>
-              <a:latin typeface="+mj-lt"/>
-              <a:ea typeface="+mj-ea"/>
-              <a:cs typeface="+mj-cs"/>
-            </a:endParaRPr>
-          </a:p>
-        </p:txBody>
-      </p:sp>
-      <p:sp>
-        <p:nvSpPr>
           <p:cNvPr id="4" name="Segnaposto contenuto 2"/>
           <p:cNvSpPr txBox="1">
             <a:spLocks/>
@@ -5108,10 +5332,78 @@
           </a:p>
         </p:txBody>
       </p:sp>
+      <p:sp>
+        <p:nvSpPr>
+          <p:cNvPr id="6" name="Titolo 1"/>
+          <p:cNvSpPr>
+            <a:spLocks noGrp="1"/>
+          </p:cNvSpPr>
+          <p:nvPr>
+            <p:ph type="title"/>
+          </p:nvPr>
+        </p:nvSpPr>
+        <p:spPr>
+          <a:xfrm>
+            <a:off x="628650" y="444137"/>
+            <a:ext cx="7886700" cy="653143"/>
+          </a:xfrm>
+        </p:spPr>
+        <p:txBody>
+          <a:bodyPr>
+            <a:normAutofit/>
+          </a:bodyPr>
+          <a:lstStyle/>
+          <a:p>
+            <a:r>
+              <a:rPr lang="it-IT" sz="2800" b="1" dirty="0">
+                <a:latin typeface="Times New Roman" panose="02020603050405020304" pitchFamily="18" charset="0"/>
+                <a:cs typeface="Times New Roman" panose="02020603050405020304" pitchFamily="18" charset="0"/>
+              </a:rPr>
+              <a:t>User </a:t>
+            </a:r>
+            <a:r>
+              <a:rPr lang="it-IT" sz="2800" b="1" dirty="0" err="1">
+                <a:latin typeface="Times New Roman" panose="02020603050405020304" pitchFamily="18" charset="0"/>
+                <a:cs typeface="Times New Roman" panose="02020603050405020304" pitchFamily="18" charset="0"/>
+              </a:rPr>
+              <a:t>Testing</a:t>
+            </a:r>
+            <a:r>
+              <a:rPr lang="it-IT" sz="2800" b="1" dirty="0">
+                <a:latin typeface="Times New Roman" panose="02020603050405020304" pitchFamily="18" charset="0"/>
+                <a:cs typeface="Times New Roman" panose="02020603050405020304" pitchFamily="18" charset="0"/>
+              </a:rPr>
+              <a:t> </a:t>
+            </a:r>
+            <a:r>
+              <a:rPr lang="it-IT" sz="2800" b="1" dirty="0" err="1">
+                <a:latin typeface="Times New Roman" panose="02020603050405020304" pitchFamily="18" charset="0"/>
+                <a:cs typeface="Times New Roman" panose="02020603050405020304" pitchFamily="18" charset="0"/>
+              </a:rPr>
+              <a:t>Plan</a:t>
+            </a:r>
+            <a:r>
+              <a:rPr lang="it-IT" sz="2800" b="1" dirty="0">
+                <a:latin typeface="Times New Roman" panose="02020603050405020304" pitchFamily="18" charset="0"/>
+                <a:cs typeface="Times New Roman" panose="02020603050405020304" pitchFamily="18" charset="0"/>
+              </a:rPr>
+              <a:t> </a:t>
+            </a:r>
+            <a:r>
+              <a:rPr lang="it-IT" sz="2800" b="1" dirty="0" smtClean="0">
+                <a:latin typeface="Times New Roman" panose="02020603050405020304" pitchFamily="18" charset="0"/>
+                <a:cs typeface="Times New Roman" panose="02020603050405020304" pitchFamily="18" charset="0"/>
+              </a:rPr>
+              <a:t>(5)</a:t>
+            </a:r>
+            <a:endParaRPr lang="it-IT" sz="2800" dirty="0"/>
+          </a:p>
+        </p:txBody>
+      </p:sp>
     </p:spTree>
     <p:extLst>
       <p:ext uri="{BB962C8B-B14F-4D97-AF65-F5344CB8AC3E}">
-        <p14:creationId xmlns:p14="http://schemas.microsoft.com/office/powerpoint/2010/main" val="115604845"/>
+        <p14:creationId xmlns:p14="http://schemas.microsoft.com/office/powerpoint/2010/main" xmlns="" val="115604845"/>
       </p:ext>
     </p:extLst>
   </p:cSld>
@@ -5372,7 +5664,7 @@
     </p:spTree>
     <p:extLst>
       <p:ext uri="{BB962C8B-B14F-4D97-AF65-F5344CB8AC3E}">
-        <p14:creationId xmlns:p14="http://schemas.microsoft.com/office/powerpoint/2010/main" val="594007354"/>
+        <p14:creationId xmlns:p14="http://schemas.microsoft.com/office/powerpoint/2010/main" xmlns="" val="594007354"/>
       </p:ext>
     </p:extLst>
   </p:cSld>
@@ -5612,7 +5904,7 @@
     </p:spTree>
     <p:extLst>
       <p:ext uri="{BB962C8B-B14F-4D97-AF65-F5344CB8AC3E}">
-        <p14:creationId xmlns:p14="http://schemas.microsoft.com/office/powerpoint/2010/main" val="594007354"/>
+        <p14:creationId xmlns:p14="http://schemas.microsoft.com/office/powerpoint/2010/main" xmlns="" val="594007354"/>
       </p:ext>
     </p:extLst>
   </p:cSld>
@@ -5974,7 +6266,7 @@
     </p:spTree>
     <p:extLst>
       <p:ext uri="{BB962C8B-B14F-4D97-AF65-F5344CB8AC3E}">
-        <p14:creationId xmlns:p14="http://schemas.microsoft.com/office/powerpoint/2010/main" val="723523181"/>
+        <p14:creationId xmlns:p14="http://schemas.microsoft.com/office/powerpoint/2010/main" xmlns="" val="723523181"/>
       </p:ext>
     </p:extLst>
   </p:cSld>
@@ -6211,7 +6503,7 @@
     </p:spTree>
     <p:extLst>
       <p:ext uri="{BB962C8B-B14F-4D97-AF65-F5344CB8AC3E}">
-        <p14:creationId xmlns:p14="http://schemas.microsoft.com/office/powerpoint/2010/main" val="2442419145"/>
+        <p14:creationId xmlns:p14="http://schemas.microsoft.com/office/powerpoint/2010/main" xmlns="" val="2442419145"/>
       </p:ext>
     </p:extLst>
   </p:cSld>
@@ -6462,7 +6754,7 @@
     </p:spTree>
     <p:extLst>
       <p:ext uri="{BB962C8B-B14F-4D97-AF65-F5344CB8AC3E}">
-        <p14:creationId xmlns:p14="http://schemas.microsoft.com/office/powerpoint/2010/main" val="2442419145"/>
+        <p14:creationId xmlns:p14="http://schemas.microsoft.com/office/powerpoint/2010/main" xmlns="" val="2442419145"/>
       </p:ext>
     </p:extLst>
   </p:cSld>
@@ -6758,7 +7050,7 @@
     </p:spTree>
     <p:extLst>
       <p:ext uri="{BB962C8B-B14F-4D97-AF65-F5344CB8AC3E}">
-        <p14:creationId xmlns:p14="http://schemas.microsoft.com/office/powerpoint/2010/main" val="2442419145"/>
+        <p14:creationId xmlns:p14="http://schemas.microsoft.com/office/powerpoint/2010/main" xmlns="" val="2442419145"/>
       </p:ext>
     </p:extLst>
   </p:cSld>
@@ -6787,42 +7079,6 @@
       </p:grpSpPr>
       <p:sp>
         <p:nvSpPr>
-          <p:cNvPr id="4" name="Titolo 3"/>
-          <p:cNvSpPr>
-            <a:spLocks noGrp="1"/>
-          </p:cNvSpPr>
-          <p:nvPr>
-            <p:ph type="title"/>
-          </p:nvPr>
-        </p:nvSpPr>
-        <p:spPr>
-          <a:xfrm>
-            <a:off x="629841" y="365126"/>
-            <a:ext cx="7886700" cy="768215"/>
-          </a:xfrm>
-        </p:spPr>
-        <p:txBody>
-          <a:bodyPr>
-            <a:normAutofit/>
-          </a:bodyPr>
-          <a:lstStyle/>
-          <a:p>
-            <a:r>
-              <a:rPr lang="it-IT" sz="2800" b="1" dirty="0" smtClean="0">
-                <a:latin typeface="Times New Roman" panose="02020603050405020304" pitchFamily="18" charset="0"/>
-                <a:cs typeface="Times New Roman" panose="02020603050405020304" pitchFamily="18" charset="0"/>
-              </a:rPr>
-              <a:t>Il progetto è stato realizzato da:</a:t>
-            </a:r>
-            <a:endParaRPr lang="it-IT" sz="2800" b="1" dirty="0">
-              <a:latin typeface="Times New Roman" panose="02020603050405020304" pitchFamily="18" charset="0"/>
-              <a:cs typeface="Times New Roman" panose="02020603050405020304" pitchFamily="18" charset="0"/>
-            </a:endParaRPr>
-          </a:p>
-        </p:txBody>
-      </p:sp>
-      <p:sp>
-        <p:nvSpPr>
           <p:cNvPr id="5" name="Segnaposto testo 4"/>
           <p:cNvSpPr>
             <a:spLocks noGrp="1"/>
@@ -6857,6 +7113,56 @@
           </a:p>
         </p:txBody>
       </p:sp>
+      <p:sp>
+        <p:nvSpPr>
+          <p:cNvPr id="7" name="Segnaposto testo 6"/>
+          <p:cNvSpPr>
+            <a:spLocks noGrp="1"/>
+          </p:cNvSpPr>
+          <p:nvPr>
+            <p:ph type="body" sz="half" idx="3"/>
+          </p:nvPr>
+        </p:nvSpPr>
+        <p:spPr>
+          <a:xfrm>
+            <a:off x="4629149" y="1133341"/>
+            <a:ext cx="3887391" cy="823912"/>
+          </a:xfrm>
+        </p:spPr>
+        <p:txBody>
+          <a:bodyPr>
+            <a:normAutofit/>
+          </a:bodyPr>
+          <a:lstStyle/>
+          <a:p>
+            <a:r>
+              <a:rPr lang="it-IT" sz="1800" dirty="0" smtClean="0">
+                <a:latin typeface="Times New Roman" panose="02020603050405020304" pitchFamily="18" charset="0"/>
+                <a:cs typeface="Times New Roman" panose="02020603050405020304" pitchFamily="18" charset="0"/>
+              </a:rPr>
+              <a:t>Giuseppe </a:t>
+            </a:r>
+            <a:r>
+              <a:rPr lang="it-IT" sz="1800" dirty="0" err="1" smtClean="0">
+                <a:latin typeface="Times New Roman" panose="02020603050405020304" pitchFamily="18" charset="0"/>
+                <a:cs typeface="Times New Roman" panose="02020603050405020304" pitchFamily="18" charset="0"/>
+              </a:rPr>
+              <a:t>Mastrosimone</a:t>
+            </a:r>
+            <a:r>
+              <a:rPr lang="it-IT" sz="1800" dirty="0" smtClean="0">
+                <a:latin typeface="Times New Roman" panose="02020603050405020304" pitchFamily="18" charset="0"/>
+                <a:cs typeface="Times New Roman" panose="02020603050405020304" pitchFamily="18" charset="0"/>
+              </a:rPr>
+              <a:t> O55/000262</a:t>
+            </a:r>
+            <a:endParaRPr lang="it-IT" sz="1800" dirty="0">
+              <a:latin typeface="Times New Roman" panose="02020603050405020304" pitchFamily="18" charset="0"/>
+              <a:cs typeface="Times New Roman" panose="02020603050405020304" pitchFamily="18" charset="0"/>
+            </a:endParaRPr>
+          </a:p>
+        </p:txBody>
+      </p:sp>
       <p:pic>
         <p:nvPicPr>
           <p:cNvPr id="9" name="Segnaposto contenuto 8"/>
@@ -6864,14 +7170,14 @@
             <a:picLocks noGrp="1" noChangeAspect="1"/>
           </p:cNvPicPr>
           <p:nvPr>
-            <p:ph sz="half" idx="2"/>
+            <p:ph sz="quarter" idx="2"/>
           </p:nvPr>
         </p:nvPicPr>
         <p:blipFill>
           <a:blip r:embed="rId2" cstate="print">
             <a:extLst>
               <a:ext uri="{28A0092B-C50C-407E-A947-70E740481C1C}">
-                <a14:useLocalDpi xmlns:a14="http://schemas.microsoft.com/office/drawing/2010/main" val="0"/>
+                <a14:useLocalDpi xmlns:a14="http://schemas.microsoft.com/office/drawing/2010/main" xmlns="" val="0"/>
               </a:ext>
             </a:extLst>
           </a:blip>
@@ -6886,56 +7192,6 @@
           </a:xfrm>
         </p:spPr>
       </p:pic>
-      <p:sp>
-        <p:nvSpPr>
-          <p:cNvPr id="7" name="Segnaposto testo 6"/>
-          <p:cNvSpPr>
-            <a:spLocks noGrp="1"/>
-          </p:cNvSpPr>
-          <p:nvPr>
-            <p:ph type="body" sz="quarter" idx="3"/>
-          </p:nvPr>
-        </p:nvSpPr>
-        <p:spPr>
-          <a:xfrm>
-            <a:off x="4629149" y="1133341"/>
-            <a:ext cx="3887391" cy="823912"/>
-          </a:xfrm>
-        </p:spPr>
-        <p:txBody>
-          <a:bodyPr>
-            <a:normAutofit/>
-          </a:bodyPr>
-          <a:lstStyle/>
-          <a:p>
-            <a:r>
-              <a:rPr lang="it-IT" sz="1800" dirty="0" smtClean="0">
-                <a:latin typeface="Times New Roman" panose="02020603050405020304" pitchFamily="18" charset="0"/>
-                <a:cs typeface="Times New Roman" panose="02020603050405020304" pitchFamily="18" charset="0"/>
-              </a:rPr>
-              <a:t>Giuseppe </a:t>
-            </a:r>
-            <a:r>
-              <a:rPr lang="it-IT" sz="1800" dirty="0" err="1" smtClean="0">
-                <a:latin typeface="Times New Roman" panose="02020603050405020304" pitchFamily="18" charset="0"/>
-                <a:cs typeface="Times New Roman" panose="02020603050405020304" pitchFamily="18" charset="0"/>
-              </a:rPr>
-              <a:t>Mastrosimone</a:t>
-            </a:r>
-            <a:r>
-              <a:rPr lang="it-IT" sz="1800" dirty="0" smtClean="0">
-                <a:latin typeface="Times New Roman" panose="02020603050405020304" pitchFamily="18" charset="0"/>
-                <a:cs typeface="Times New Roman" panose="02020603050405020304" pitchFamily="18" charset="0"/>
-              </a:rPr>
-              <a:t> O55/000262</a:t>
-            </a:r>
-            <a:endParaRPr lang="it-IT" sz="1800" dirty="0">
-              <a:latin typeface="Times New Roman" panose="02020603050405020304" pitchFamily="18" charset="0"/>
-              <a:cs typeface="Times New Roman" panose="02020603050405020304" pitchFamily="18" charset="0"/>
-            </a:endParaRPr>
-          </a:p>
-        </p:txBody>
-      </p:sp>
       <p:pic>
         <p:nvPicPr>
           <p:cNvPr id="1026" name="Picture 2" descr="C:\Users\hp\Desktop\546520_4188647528600_1342352636_n.jpg"/>
@@ -6964,10 +7220,84 @@
           <a:noFill/>
         </p:spPr>
       </p:pic>
+      <p:sp>
+        <p:nvSpPr>
+          <p:cNvPr id="10" name="Titolo 6"/>
+          <p:cNvSpPr txBox="1">
+            <a:spLocks/>
+          </p:cNvSpPr>
+          <p:nvPr/>
+        </p:nvSpPr>
+        <p:spPr>
+          <a:xfrm>
+            <a:off x="628650" y="365127"/>
+            <a:ext cx="7886700" cy="732154"/>
+          </a:xfrm>
+          <a:prstGeom prst="rect">
+            <a:avLst/>
+          </a:prstGeom>
+        </p:spPr>
+        <p:txBody>
+          <a:bodyPr vert="horz" lIns="0" tIns="45720" rIns="0" bIns="0" anchor="b">
+            <a:normAutofit/>
+          </a:bodyPr>
+          <a:lstStyle/>
+          <a:p>
+            <a:pPr marL="0" marR="0" lvl="0" indent="0" algn="l" defTabSz="914400" rtl="0" eaLnBrk="1" fontAlgn="auto" latinLnBrk="0" hangingPunct="1">
+              <a:lnSpc>
+                <a:spcPct val="100000"/>
+              </a:lnSpc>
+              <a:spcBef>
+                <a:spcPct val="0"/>
+              </a:spcBef>
+              <a:spcAft>
+                <a:spcPts val="0"/>
+              </a:spcAft>
+              <a:buClrTx/>
+              <a:buSzTx/>
+              <a:buFontTx/>
+              <a:buNone/>
+              <a:tabLst/>
+              <a:defRPr/>
+            </a:pPr>
+            <a:r>
+              <a:rPr kumimoji="0" lang="it-IT" sz="2800" b="1" i="0" u="none" strike="noStrike" kern="1200" cap="none" spc="0" normalizeH="0" baseline="0" noProof="0" dirty="0" smtClean="0">
+                <a:ln>
+                  <a:noFill/>
+                </a:ln>
+                <a:solidFill>
+                  <a:schemeClr val="tx2"/>
+                </a:solidFill>
+                <a:effectLst/>
+                <a:uLnTx/>
+                <a:uFillTx/>
+                <a:latin typeface="Times New Roman" panose="02020603050405020304" pitchFamily="18" charset="0"/>
+                <a:ea typeface="+mj-ea"/>
+                <a:cs typeface="Times New Roman" panose="02020603050405020304" pitchFamily="18" charset="0"/>
+              </a:rPr>
+              <a:t>Il progetto è stato realizzato da:</a:t>
+            </a:r>
+            <a:endParaRPr kumimoji="0" lang="it-IT" sz="2800" b="1" i="0" u="none" strike="noStrike" kern="1200" cap="none" spc="0" normalizeH="0" baseline="0" noProof="0" dirty="0">
+              <a:ln>
+                <a:noFill/>
+              </a:ln>
+              <a:solidFill>
+                <a:schemeClr val="tx2"/>
+              </a:solidFill>
+              <a:effectLst/>
+              <a:uLnTx/>
+              <a:uFillTx/>
+              <a:latin typeface="Times New Roman" panose="02020603050405020304" pitchFamily="18" charset="0"/>
+              <a:ea typeface="+mj-ea"/>
+              <a:cs typeface="Times New Roman" panose="02020603050405020304" pitchFamily="18" charset="0"/>
+            </a:endParaRPr>
+          </a:p>
+        </p:txBody>
+      </p:sp>
     </p:spTree>
     <p:extLst>
       <p:ext uri="{BB962C8B-B14F-4D97-AF65-F5344CB8AC3E}">
-        <p14:creationId xmlns:p14="http://schemas.microsoft.com/office/powerpoint/2010/main" val="2554871489"/>
+        <p14:creationId xmlns:p14="http://schemas.microsoft.com/office/powerpoint/2010/main" xmlns="" val="2554871489"/>
       </p:ext>
     </p:extLst>
   </p:cSld>
@@ -7289,7 +7619,7 @@
     </p:spTree>
     <p:extLst>
       <p:ext uri="{BB962C8B-B14F-4D97-AF65-F5344CB8AC3E}">
-        <p14:creationId xmlns:p14="http://schemas.microsoft.com/office/powerpoint/2010/main" val="2442419145"/>
+        <p14:creationId xmlns:p14="http://schemas.microsoft.com/office/powerpoint/2010/main" xmlns="" val="2442419145"/>
       </p:ext>
     </p:extLst>
   </p:cSld>
@@ -7624,7 +7954,7 @@
     </p:spTree>
     <p:extLst>
       <p:ext uri="{BB962C8B-B14F-4D97-AF65-F5344CB8AC3E}">
-        <p14:creationId xmlns:p14="http://schemas.microsoft.com/office/powerpoint/2010/main" val="2442419145"/>
+        <p14:creationId xmlns:p14="http://schemas.microsoft.com/office/powerpoint/2010/main" xmlns="" val="2442419145"/>
       </p:ext>
     </p:extLst>
   </p:cSld>
@@ -7887,7 +8217,7 @@
     </p:spTree>
     <p:extLst>
       <p:ext uri="{BB962C8B-B14F-4D97-AF65-F5344CB8AC3E}">
-        <p14:creationId xmlns:p14="http://schemas.microsoft.com/office/powerpoint/2010/main" val="2442419145"/>
+        <p14:creationId xmlns:p14="http://schemas.microsoft.com/office/powerpoint/2010/main" xmlns="" val="2442419145"/>
       </p:ext>
     </p:extLst>
   </p:cSld>
@@ -8159,7 +8489,7 @@
     </p:spTree>
     <p:extLst>
       <p:ext uri="{BB962C8B-B14F-4D97-AF65-F5344CB8AC3E}">
-        <p14:creationId xmlns:p14="http://schemas.microsoft.com/office/powerpoint/2010/main" val="2442419145"/>
+        <p14:creationId xmlns:p14="http://schemas.microsoft.com/office/powerpoint/2010/main" xmlns="" val="2442419145"/>
       </p:ext>
     </p:extLst>
   </p:cSld>
@@ -8461,7 +8791,7 @@
     </p:spTree>
     <p:extLst>
       <p:ext uri="{BB962C8B-B14F-4D97-AF65-F5344CB8AC3E}">
-        <p14:creationId xmlns:p14="http://schemas.microsoft.com/office/powerpoint/2010/main" val="2442419145"/>
+        <p14:creationId xmlns:p14="http://schemas.microsoft.com/office/powerpoint/2010/main" xmlns="" val="2442419145"/>
       </p:ext>
     </p:extLst>
   </p:cSld>
@@ -8807,7 +9137,7 @@
     </p:spTree>
     <p:extLst>
       <p:ext uri="{BB962C8B-B14F-4D97-AF65-F5344CB8AC3E}">
-        <p14:creationId xmlns:p14="http://schemas.microsoft.com/office/powerpoint/2010/main" val="2442419145"/>
+        <p14:creationId xmlns:p14="http://schemas.microsoft.com/office/powerpoint/2010/main" xmlns="" val="2442419145"/>
       </p:ext>
     </p:extLst>
   </p:cSld>
@@ -9198,7 +9528,7 @@
     </p:spTree>
     <p:extLst>
       <p:ext uri="{BB962C8B-B14F-4D97-AF65-F5344CB8AC3E}">
-        <p14:creationId xmlns:p14="http://schemas.microsoft.com/office/powerpoint/2010/main" val="2442419145"/>
+        <p14:creationId xmlns:p14="http://schemas.microsoft.com/office/powerpoint/2010/main" xmlns="" val="2442419145"/>
       </p:ext>
     </p:extLst>
   </p:cSld>
@@ -9740,7 +10070,7 @@
     </p:spTree>
     <p:extLst>
       <p:ext uri="{BB962C8B-B14F-4D97-AF65-F5344CB8AC3E}">
-        <p14:creationId xmlns:p14="http://schemas.microsoft.com/office/powerpoint/2010/main" val="2442419145"/>
+        <p14:creationId xmlns:p14="http://schemas.microsoft.com/office/powerpoint/2010/main" xmlns="" val="2442419145"/>
       </p:ext>
     </p:extLst>
   </p:cSld>
@@ -9991,7 +10321,7 @@
     </p:spTree>
     <p:extLst>
       <p:ext uri="{BB962C8B-B14F-4D97-AF65-F5344CB8AC3E}">
-        <p14:creationId xmlns:p14="http://schemas.microsoft.com/office/powerpoint/2010/main" val="2442419145"/>
+        <p14:creationId xmlns:p14="http://schemas.microsoft.com/office/powerpoint/2010/main" xmlns="" val="2442419145"/>
       </p:ext>
     </p:extLst>
   </p:cSld>
@@ -10424,7 +10754,7 @@
     </p:spTree>
     <p:extLst>
       <p:ext uri="{BB962C8B-B14F-4D97-AF65-F5344CB8AC3E}">
-        <p14:creationId xmlns:p14="http://schemas.microsoft.com/office/powerpoint/2010/main" val="2442419145"/>
+        <p14:creationId xmlns:p14="http://schemas.microsoft.com/office/powerpoint/2010/main" xmlns="" val="2442419145"/>
       </p:ext>
     </p:extLst>
   </p:cSld>
@@ -10599,7 +10929,7 @@
     </p:spTree>
     <p:extLst>
       <p:ext uri="{BB962C8B-B14F-4D97-AF65-F5344CB8AC3E}">
-        <p14:creationId xmlns:p14="http://schemas.microsoft.com/office/powerpoint/2010/main" val="2477898856"/>
+        <p14:creationId xmlns:p14="http://schemas.microsoft.com/office/powerpoint/2010/main" xmlns="" val="2477898856"/>
       </p:ext>
     </p:extLst>
   </p:cSld>
@@ -10815,7 +11145,7 @@
         <p:spPr>
           <a:xfrm>
             <a:off x="509451" y="2246811"/>
-            <a:ext cx="3788229" cy="2862322"/>
+            <a:ext cx="3801292" cy="2862322"/>
           </a:xfrm>
           <a:prstGeom prst="rect">
             <a:avLst/>
@@ -10882,7 +11212,7 @@
     </p:spTree>
     <p:extLst>
       <p:ext uri="{BB962C8B-B14F-4D97-AF65-F5344CB8AC3E}">
-        <p14:creationId xmlns:p14="http://schemas.microsoft.com/office/powerpoint/2010/main" val="2442419145"/>
+        <p14:creationId xmlns:p14="http://schemas.microsoft.com/office/powerpoint/2010/main" xmlns="" val="2442419145"/>
       </p:ext>
     </p:extLst>
   </p:cSld>
@@ -11060,7 +11390,7 @@
     </p:spTree>
     <p:extLst>
       <p:ext uri="{BB962C8B-B14F-4D97-AF65-F5344CB8AC3E}">
-        <p14:creationId xmlns:p14="http://schemas.microsoft.com/office/powerpoint/2010/main" val="2442419145"/>
+        <p14:creationId xmlns:p14="http://schemas.microsoft.com/office/powerpoint/2010/main" xmlns="" val="2442419145"/>
       </p:ext>
     </p:extLst>
   </p:cSld>
@@ -11238,7 +11568,7 @@
     </p:spTree>
     <p:extLst>
       <p:ext uri="{BB962C8B-B14F-4D97-AF65-F5344CB8AC3E}">
-        <p14:creationId xmlns:p14="http://schemas.microsoft.com/office/powerpoint/2010/main" val="2442419145"/>
+        <p14:creationId xmlns:p14="http://schemas.microsoft.com/office/powerpoint/2010/main" xmlns="" val="2442419145"/>
       </p:ext>
     </p:extLst>
   </p:cSld>
@@ -11500,7 +11830,7 @@
     </p:spTree>
     <p:extLst>
       <p:ext uri="{BB962C8B-B14F-4D97-AF65-F5344CB8AC3E}">
-        <p14:creationId xmlns:p14="http://schemas.microsoft.com/office/powerpoint/2010/main" val="2442419145"/>
+        <p14:creationId xmlns:p14="http://schemas.microsoft.com/office/powerpoint/2010/main" xmlns="" val="2442419145"/>
       </p:ext>
     </p:extLst>
   </p:cSld>
@@ -11812,7 +12142,7 @@
     </p:spTree>
     <p:extLst>
       <p:ext uri="{BB962C8B-B14F-4D97-AF65-F5344CB8AC3E}">
-        <p14:creationId xmlns:p14="http://schemas.microsoft.com/office/powerpoint/2010/main" val="2442419145"/>
+        <p14:creationId xmlns:p14="http://schemas.microsoft.com/office/powerpoint/2010/main" xmlns="" val="2442419145"/>
       </p:ext>
     </p:extLst>
   </p:cSld>
@@ -12162,7 +12492,7 @@
     </p:spTree>
     <p:extLst>
       <p:ext uri="{BB962C8B-B14F-4D97-AF65-F5344CB8AC3E}">
-        <p14:creationId xmlns:p14="http://schemas.microsoft.com/office/powerpoint/2010/main" val="2442419145"/>
+        <p14:creationId xmlns:p14="http://schemas.microsoft.com/office/powerpoint/2010/main" xmlns="" val="2442419145"/>
       </p:ext>
     </p:extLst>
   </p:cSld>
@@ -12575,7 +12905,7 @@
     </p:spTree>
     <p:extLst>
       <p:ext uri="{BB962C8B-B14F-4D97-AF65-F5344CB8AC3E}">
-        <p14:creationId xmlns:p14="http://schemas.microsoft.com/office/powerpoint/2010/main" val="2442419145"/>
+        <p14:creationId xmlns:p14="http://schemas.microsoft.com/office/powerpoint/2010/main" xmlns="" val="2442419145"/>
       </p:ext>
     </p:extLst>
   </p:cSld>
@@ -12873,7 +13203,7 @@
     </p:spTree>
     <p:extLst>
       <p:ext uri="{BB962C8B-B14F-4D97-AF65-F5344CB8AC3E}">
-        <p14:creationId xmlns:p14="http://schemas.microsoft.com/office/powerpoint/2010/main" val="2442419145"/>
+        <p14:creationId xmlns:p14="http://schemas.microsoft.com/office/powerpoint/2010/main" xmlns="" val="2442419145"/>
       </p:ext>
     </p:extLst>
   </p:cSld>
@@ -13241,7 +13571,7 @@
     </p:spTree>
     <p:extLst>
       <p:ext uri="{BB962C8B-B14F-4D97-AF65-F5344CB8AC3E}">
-        <p14:creationId xmlns:p14="http://schemas.microsoft.com/office/powerpoint/2010/main" val="2442419145"/>
+        <p14:creationId xmlns:p14="http://schemas.microsoft.com/office/powerpoint/2010/main" xmlns="" val="2442419145"/>
       </p:ext>
     </p:extLst>
   </p:cSld>
@@ -13612,7 +13942,7 @@
     </p:spTree>
     <p:extLst>
       <p:ext uri="{BB962C8B-B14F-4D97-AF65-F5344CB8AC3E}">
-        <p14:creationId xmlns:p14="http://schemas.microsoft.com/office/powerpoint/2010/main" val="2442419145"/>
+        <p14:creationId xmlns:p14="http://schemas.microsoft.com/office/powerpoint/2010/main" xmlns="" val="2442419145"/>
       </p:ext>
     </p:extLst>
   </p:cSld>
@@ -13641,42 +13971,6 @@
       </p:grpSpPr>
       <p:sp>
         <p:nvSpPr>
-          <p:cNvPr id="2" name="Titolo 1"/>
-          <p:cNvSpPr>
-            <a:spLocks noGrp="1"/>
-          </p:cNvSpPr>
-          <p:nvPr>
-            <p:ph type="title"/>
-          </p:nvPr>
-        </p:nvSpPr>
-        <p:spPr>
-          <a:xfrm>
-            <a:off x="628650" y="365127"/>
-            <a:ext cx="7886700" cy="666840"/>
-          </a:xfrm>
-        </p:spPr>
-        <p:txBody>
-          <a:bodyPr>
-            <a:normAutofit/>
-          </a:bodyPr>
-          <a:lstStyle/>
-          <a:p>
-            <a:r>
-              <a:rPr lang="it-IT" sz="2800" b="1" dirty="0" smtClean="0">
-                <a:latin typeface="Times New Roman" panose="02020603050405020304" pitchFamily="18" charset="0"/>
-                <a:cs typeface="Times New Roman" panose="02020603050405020304" pitchFamily="18" charset="0"/>
-              </a:rPr>
-              <a:t>URL del prototipo testato</a:t>
-            </a:r>
-            <a:endParaRPr lang="it-IT" sz="2800" b="1" dirty="0">
-              <a:latin typeface="Times New Roman" panose="02020603050405020304" pitchFamily="18" charset="0"/>
-              <a:cs typeface="Times New Roman" panose="02020603050405020304" pitchFamily="18" charset="0"/>
-            </a:endParaRPr>
-          </a:p>
-        </p:txBody>
-      </p:sp>
-      <p:sp>
-        <p:nvSpPr>
           <p:cNvPr id="3" name="Segnaposto contenuto 2"/>
           <p:cNvSpPr>
             <a:spLocks noGrp="1"/>
@@ -13749,10 +14043,84 @@
           </a:p>
         </p:txBody>
       </p:sp>
+      <p:sp>
+        <p:nvSpPr>
+          <p:cNvPr id="6" name="Titolo 6"/>
+          <p:cNvSpPr txBox="1">
+            <a:spLocks/>
+          </p:cNvSpPr>
+          <p:nvPr/>
+        </p:nvSpPr>
+        <p:spPr>
+          <a:xfrm>
+            <a:off x="628650" y="365127"/>
+            <a:ext cx="7886700" cy="732154"/>
+          </a:xfrm>
+          <a:prstGeom prst="rect">
+            <a:avLst/>
+          </a:prstGeom>
+        </p:spPr>
+        <p:txBody>
+          <a:bodyPr vert="horz" lIns="0" rIns="0" bIns="0" anchor="b">
+            <a:normAutofit/>
+          </a:bodyPr>
+          <a:lstStyle/>
+          <a:p>
+            <a:pPr marL="0" marR="0" lvl="0" indent="0" algn="l" defTabSz="914400" rtl="0" eaLnBrk="1" fontAlgn="auto" latinLnBrk="0" hangingPunct="1">
+              <a:lnSpc>
+                <a:spcPct val="100000"/>
+              </a:lnSpc>
+              <a:spcBef>
+                <a:spcPct val="0"/>
+              </a:spcBef>
+              <a:spcAft>
+                <a:spcPts val="0"/>
+              </a:spcAft>
+              <a:buClrTx/>
+              <a:buSzTx/>
+              <a:buFontTx/>
+              <a:buNone/>
+              <a:tabLst/>
+              <a:defRPr/>
+            </a:pPr>
+            <a:r>
+              <a:rPr kumimoji="0" lang="it-IT" sz="2800" b="1" i="0" u="none" strike="noStrike" kern="1200" cap="none" spc="0" normalizeH="0" baseline="0" noProof="0" dirty="0" smtClean="0">
+                <a:ln>
+                  <a:noFill/>
+                </a:ln>
+                <a:solidFill>
+                  <a:schemeClr val="tx2"/>
+                </a:solidFill>
+                <a:effectLst/>
+                <a:uLnTx/>
+                <a:uFillTx/>
+                <a:latin typeface="Times New Roman" panose="02020603050405020304" pitchFamily="18" charset="0"/>
+                <a:ea typeface="+mj-ea"/>
+                <a:cs typeface="Times New Roman" panose="02020603050405020304" pitchFamily="18" charset="0"/>
+              </a:rPr>
+              <a:t>URL del prototipo testato</a:t>
+            </a:r>
+            <a:endParaRPr kumimoji="0" lang="it-IT" sz="2800" b="1" i="0" u="none" strike="noStrike" kern="1200" cap="none" spc="0" normalizeH="0" baseline="0" noProof="0" dirty="0">
+              <a:ln>
+                <a:noFill/>
+              </a:ln>
+              <a:solidFill>
+                <a:schemeClr val="tx2"/>
+              </a:solidFill>
+              <a:effectLst/>
+              <a:uLnTx/>
+              <a:uFillTx/>
+              <a:latin typeface="Times New Roman" panose="02020603050405020304" pitchFamily="18" charset="0"/>
+              <a:ea typeface="+mj-ea"/>
+              <a:cs typeface="Times New Roman" panose="02020603050405020304" pitchFamily="18" charset="0"/>
+            </a:endParaRPr>
+          </a:p>
+        </p:txBody>
+      </p:sp>
     </p:spTree>
     <p:extLst>
       <p:ext uri="{BB962C8B-B14F-4D97-AF65-F5344CB8AC3E}">
-        <p14:creationId xmlns:p14="http://schemas.microsoft.com/office/powerpoint/2010/main" val="2051926642"/>
+        <p14:creationId xmlns:p14="http://schemas.microsoft.com/office/powerpoint/2010/main" xmlns="" val="2051926642"/>
       </p:ext>
     </p:extLst>
   </p:cSld>
@@ -13788,49 +14156,6 @@
       </p:grpSpPr>
       <p:sp>
         <p:nvSpPr>
-          <p:cNvPr id="2" name="Titolo 1"/>
-          <p:cNvSpPr>
-            <a:spLocks noGrp="1"/>
-          </p:cNvSpPr>
-          <p:nvPr>
-            <p:ph type="title"/>
-          </p:nvPr>
-        </p:nvSpPr>
-        <p:spPr>
-          <a:xfrm>
-            <a:off x="628650" y="365126"/>
-            <a:ext cx="7886700" cy="692965"/>
-          </a:xfrm>
-        </p:spPr>
-        <p:txBody>
-          <a:bodyPr>
-            <a:normAutofit/>
-          </a:bodyPr>
-          <a:lstStyle/>
-          <a:p>
-            <a:r>
-              <a:rPr lang="it-IT" sz="2800" b="1" dirty="0" err="1" smtClean="0">
-                <a:latin typeface="Times New Roman" panose="02020603050405020304" pitchFamily="18" charset="0"/>
-                <a:cs typeface="Times New Roman" panose="02020603050405020304" pitchFamily="18" charset="0"/>
-              </a:rPr>
-              <a:t>Redesign</a:t>
-            </a:r>
-            <a:r>
-              <a:rPr lang="it-IT" sz="2800" b="1" dirty="0" smtClean="0">
-                <a:latin typeface="Times New Roman" panose="02020603050405020304" pitchFamily="18" charset="0"/>
-                <a:cs typeface="Times New Roman" panose="02020603050405020304" pitchFamily="18" charset="0"/>
-              </a:rPr>
-              <a:t> di una componente del prototipo</a:t>
-            </a:r>
-            <a:endParaRPr lang="it-IT" sz="2800" b="1" dirty="0">
-              <a:latin typeface="Times New Roman" panose="02020603050405020304" pitchFamily="18" charset="0"/>
-              <a:cs typeface="Times New Roman" panose="02020603050405020304" pitchFamily="18" charset="0"/>
-            </a:endParaRPr>
-          </a:p>
-        </p:txBody>
-      </p:sp>
-      <p:sp>
-        <p:nvSpPr>
           <p:cNvPr id="4" name="Segnaposto contenuto 2"/>
           <p:cNvSpPr>
             <a:spLocks noGrp="1"/>
@@ -13886,10 +14211,101 @@
           </a:p>
         </p:txBody>
       </p:sp>
+      <p:sp>
+        <p:nvSpPr>
+          <p:cNvPr id="5" name="Titolo 6"/>
+          <p:cNvSpPr txBox="1">
+            <a:spLocks/>
+          </p:cNvSpPr>
+          <p:nvPr/>
+        </p:nvSpPr>
+        <p:spPr>
+          <a:xfrm>
+            <a:off x="628650" y="365127"/>
+            <a:ext cx="7886700" cy="732154"/>
+          </a:xfrm>
+          <a:prstGeom prst="rect">
+            <a:avLst/>
+          </a:prstGeom>
+        </p:spPr>
+        <p:txBody>
+          <a:bodyPr vert="horz" lIns="0" rIns="0" bIns="0" anchor="b">
+            <a:normAutofit/>
+          </a:bodyPr>
+          <a:lstStyle/>
+          <a:p>
+            <a:pPr marL="0" marR="0" lvl="0" indent="0" algn="l" defTabSz="914400" rtl="0" eaLnBrk="1" fontAlgn="auto" latinLnBrk="0" hangingPunct="1">
+              <a:lnSpc>
+                <a:spcPct val="100000"/>
+              </a:lnSpc>
+              <a:spcBef>
+                <a:spcPct val="0"/>
+              </a:spcBef>
+              <a:spcAft>
+                <a:spcPts val="0"/>
+              </a:spcAft>
+              <a:buClrTx/>
+              <a:buSzTx/>
+              <a:buFontTx/>
+              <a:buNone/>
+              <a:tabLst/>
+              <a:defRPr/>
+            </a:pPr>
+            <a:r>
+              <a:rPr kumimoji="0" lang="it-IT" sz="2800" b="1" i="0" u="none" strike="noStrike" kern="1200" cap="none" spc="0" normalizeH="0" baseline="0" noProof="0" dirty="0" err="1" smtClean="0">
+                <a:ln>
+                  <a:noFill/>
+                </a:ln>
+                <a:solidFill>
+                  <a:schemeClr val="tx2"/>
+                </a:solidFill>
+                <a:effectLst/>
+                <a:uLnTx/>
+                <a:uFillTx/>
+                <a:latin typeface="Times New Roman" panose="02020603050405020304" pitchFamily="18" charset="0"/>
+                <a:ea typeface="+mj-ea"/>
+                <a:cs typeface="Times New Roman" panose="02020603050405020304" pitchFamily="18" charset="0"/>
+              </a:rPr>
+              <a:t>Redesign</a:t>
+            </a:r>
+            <a:r>
+              <a:rPr kumimoji="0" lang="it-IT" sz="2800" b="1" i="0" u="none" strike="noStrike" kern="1200" cap="none" spc="0" normalizeH="0" baseline="0" noProof="0" dirty="0" smtClean="0">
+                <a:ln>
+                  <a:noFill/>
+                </a:ln>
+                <a:solidFill>
+                  <a:schemeClr val="tx2"/>
+                </a:solidFill>
+                <a:effectLst/>
+                <a:uLnTx/>
+                <a:uFillTx/>
+                <a:latin typeface="Times New Roman" panose="02020603050405020304" pitchFamily="18" charset="0"/>
+                <a:ea typeface="+mj-ea"/>
+                <a:cs typeface="Times New Roman" panose="02020603050405020304" pitchFamily="18" charset="0"/>
+              </a:rPr>
+              <a:t> di una componente del prototipo</a:t>
+            </a:r>
+            <a:endParaRPr kumimoji="0" lang="it-IT" sz="2800" b="1" i="0" u="none" strike="noStrike" kern="1200" cap="none" spc="0" normalizeH="0" baseline="0" noProof="0" dirty="0">
+              <a:ln>
+                <a:noFill/>
+              </a:ln>
+              <a:solidFill>
+                <a:schemeClr val="tx2"/>
+              </a:solidFill>
+              <a:effectLst/>
+              <a:uLnTx/>
+              <a:uFillTx/>
+              <a:latin typeface="Times New Roman" panose="02020603050405020304" pitchFamily="18" charset="0"/>
+              <a:ea typeface="+mj-ea"/>
+              <a:cs typeface="Times New Roman" panose="02020603050405020304" pitchFamily="18" charset="0"/>
+            </a:endParaRPr>
+          </a:p>
+        </p:txBody>
+      </p:sp>
     </p:spTree>
     <p:extLst>
       <p:ext uri="{BB962C8B-B14F-4D97-AF65-F5344CB8AC3E}">
-        <p14:creationId xmlns:p14="http://schemas.microsoft.com/office/powerpoint/2010/main" val="530745109"/>
+        <p14:creationId xmlns:p14="http://schemas.microsoft.com/office/powerpoint/2010/main" xmlns="" val="530745109"/>
       </p:ext>
     </p:extLst>
   </p:cSld>
@@ -13925,56 +14341,6 @@
       </p:grpSpPr>
       <p:sp>
         <p:nvSpPr>
-          <p:cNvPr id="2" name="Titolo 1"/>
-          <p:cNvSpPr>
-            <a:spLocks noGrp="1"/>
-          </p:cNvSpPr>
-          <p:nvPr>
-            <p:ph type="title"/>
-          </p:nvPr>
-        </p:nvSpPr>
-        <p:spPr>
-          <a:xfrm>
-            <a:off x="628650" y="418011"/>
-            <a:ext cx="7886700" cy="666206"/>
-          </a:xfrm>
-        </p:spPr>
-        <p:txBody>
-          <a:bodyPr>
-            <a:normAutofit/>
-          </a:bodyPr>
-          <a:lstStyle/>
-          <a:p>
-            <a:r>
-              <a:rPr lang="it-IT" sz="2800" b="1" dirty="0" smtClean="0">
-                <a:latin typeface="Times New Roman" panose="02020603050405020304" pitchFamily="18" charset="0"/>
-                <a:cs typeface="Times New Roman" panose="02020603050405020304" pitchFamily="18" charset="0"/>
-              </a:rPr>
-              <a:t>User </a:t>
-            </a:r>
-            <a:r>
-              <a:rPr lang="it-IT" sz="2800" b="1" dirty="0" err="1" smtClean="0">
-                <a:latin typeface="Times New Roman" panose="02020603050405020304" pitchFamily="18" charset="0"/>
-                <a:cs typeface="Times New Roman" panose="02020603050405020304" pitchFamily="18" charset="0"/>
-              </a:rPr>
-              <a:t>Testing</a:t>
-            </a:r>
-            <a:r>
-              <a:rPr lang="it-IT" sz="2800" b="1" dirty="0" smtClean="0">
-                <a:latin typeface="Times New Roman" panose="02020603050405020304" pitchFamily="18" charset="0"/>
-                <a:cs typeface="Times New Roman" panose="02020603050405020304" pitchFamily="18" charset="0"/>
-              </a:rPr>
-              <a:t> Plan (1)</a:t>
-            </a:r>
-            <a:endParaRPr lang="it-IT" sz="2800" b="1" dirty="0">
-              <a:latin typeface="Times New Roman" panose="02020603050405020304" pitchFamily="18" charset="0"/>
-              <a:cs typeface="Times New Roman" panose="02020603050405020304" pitchFamily="18" charset="0"/>
-            </a:endParaRPr>
-          </a:p>
-        </p:txBody>
-      </p:sp>
-      <p:sp>
-        <p:nvSpPr>
           <p:cNvPr id="3" name="Segnaposto contenuto 2"/>
           <p:cNvSpPr>
             <a:spLocks noGrp="1"/>
@@ -13985,13 +14351,13 @@
         </p:nvSpPr>
         <p:spPr>
           <a:xfrm>
-            <a:off x="628650" y="1306286"/>
-            <a:ext cx="7886700" cy="5249059"/>
+            <a:off x="628650" y="1267098"/>
+            <a:ext cx="7886700" cy="5288248"/>
           </a:xfrm>
         </p:spPr>
         <p:txBody>
           <a:bodyPr>
-            <a:normAutofit fontScale="92500" lnSpcReduction="10000"/>
+            <a:normAutofit fontScale="92500"/>
           </a:bodyPr>
           <a:lstStyle/>
           <a:p>
@@ -14002,13 +14368,13 @@
               <a:buNone/>
             </a:pPr>
             <a:r>
-              <a:rPr lang="it-IT" sz="3600" b="1" dirty="0">
+              <a:rPr lang="it-IT" sz="2700" b="1" dirty="0">
                 <a:latin typeface="Times New Roman" panose="02020603050405020304" pitchFamily="18" charset="0"/>
                 <a:cs typeface="Times New Roman" panose="02020603050405020304" pitchFamily="18" charset="0"/>
               </a:rPr>
               <a:t>Sommario</a:t>
             </a:r>
-            <a:endParaRPr lang="it-IT" sz="3600" dirty="0">
+            <a:endParaRPr lang="it-IT" sz="2700" dirty="0">
               <a:latin typeface="Times New Roman" panose="02020603050405020304" pitchFamily="18" charset="0"/>
               <a:cs typeface="Times New Roman" panose="02020603050405020304" pitchFamily="18" charset="0"/>
             </a:endParaRPr>
@@ -14040,13 +14406,13 @@
               <a:t>- </a:t>
             </a:r>
             <a:r>
-              <a:rPr lang="it-IT" b="1" dirty="0">
+              <a:rPr lang="it-IT" sz="2200" b="1" dirty="0">
                 <a:latin typeface="Times New Roman" panose="02020603050405020304" pitchFamily="18" charset="0"/>
                 <a:cs typeface="Times New Roman" panose="02020603050405020304" pitchFamily="18" charset="0"/>
               </a:rPr>
               <a:t>Cosa viene testato:</a:t>
             </a:r>
-            <a:endParaRPr lang="it-IT" dirty="0">
+            <a:endParaRPr lang="it-IT" sz="2200" dirty="0">
               <a:latin typeface="Times New Roman" panose="02020603050405020304" pitchFamily="18" charset="0"/>
               <a:cs typeface="Times New Roman" panose="02020603050405020304" pitchFamily="18" charset="0"/>
             </a:endParaRPr>
@@ -14058,28 +14424,28 @@
               </a:lnSpc>
             </a:pPr>
             <a:r>
-              <a:rPr lang="it-IT" dirty="0" smtClean="0">
+              <a:rPr lang="it-IT" sz="2200" dirty="0" smtClean="0">
                 <a:latin typeface="Times New Roman" panose="02020603050405020304" pitchFamily="18" charset="0"/>
                 <a:cs typeface="Times New Roman" panose="02020603050405020304" pitchFamily="18" charset="0"/>
               </a:rPr>
               <a:t>il </a:t>
             </a:r>
             <a:r>
-              <a:rPr lang="it-IT" dirty="0">
+              <a:rPr lang="it-IT" sz="2200" dirty="0">
                 <a:latin typeface="Times New Roman" panose="02020603050405020304" pitchFamily="18" charset="0"/>
                 <a:cs typeface="Times New Roman" panose="02020603050405020304" pitchFamily="18" charset="0"/>
               </a:rPr>
               <a:t>processo di </a:t>
             </a:r>
             <a:r>
-              <a:rPr lang="it-IT" dirty="0" err="1">
+              <a:rPr lang="it-IT" sz="2200" dirty="0" err="1">
                 <a:latin typeface="Times New Roman" panose="02020603050405020304" pitchFamily="18" charset="0"/>
                 <a:cs typeface="Times New Roman" panose="02020603050405020304" pitchFamily="18" charset="0"/>
               </a:rPr>
               <a:t>sign</a:t>
             </a:r>
             <a:r>
-              <a:rPr lang="it-IT" dirty="0">
+              <a:rPr lang="it-IT" sz="2200" dirty="0">
                 <a:latin typeface="Times New Roman" panose="02020603050405020304" pitchFamily="18" charset="0"/>
                 <a:cs typeface="Times New Roman" panose="02020603050405020304" pitchFamily="18" charset="0"/>
               </a:rPr>
@@ -14093,7 +14459,7 @@
               </a:lnSpc>
             </a:pPr>
             <a:r>
-              <a:rPr lang="it-IT" dirty="0">
+              <a:rPr lang="it-IT" sz="2200" dirty="0">
                 <a:latin typeface="Times New Roman" panose="02020603050405020304" pitchFamily="18" charset="0"/>
                 <a:cs typeface="Times New Roman" panose="02020603050405020304" pitchFamily="18" charset="0"/>
               </a:rPr>
@@ -14107,7 +14473,7 @@
               </a:lnSpc>
             </a:pPr>
             <a:r>
-              <a:rPr lang="it-IT" dirty="0">
+              <a:rPr lang="it-IT" sz="2200" dirty="0">
                 <a:latin typeface="Times New Roman" panose="02020603050405020304" pitchFamily="18" charset="0"/>
                 <a:cs typeface="Times New Roman" panose="02020603050405020304" pitchFamily="18" charset="0"/>
               </a:rPr>
@@ -14121,7 +14487,7 @@
               </a:lnSpc>
             </a:pPr>
             <a:r>
-              <a:rPr lang="it-IT" dirty="0">
+              <a:rPr lang="it-IT" sz="2200" dirty="0">
                 <a:latin typeface="Times New Roman" panose="02020603050405020304" pitchFamily="18" charset="0"/>
                 <a:cs typeface="Times New Roman" panose="02020603050405020304" pitchFamily="18" charset="0"/>
               </a:rPr>
@@ -14135,7 +14501,7 @@
               </a:lnSpc>
             </a:pPr>
             <a:r>
-              <a:rPr lang="it-IT" dirty="0">
+              <a:rPr lang="it-IT" sz="2200" dirty="0">
                 <a:latin typeface="Times New Roman" panose="02020603050405020304" pitchFamily="18" charset="0"/>
                 <a:cs typeface="Times New Roman" panose="02020603050405020304" pitchFamily="18" charset="0"/>
               </a:rPr>
@@ -14149,72 +14515,140 @@
               </a:lnSpc>
             </a:pPr>
             <a:r>
-              <a:rPr lang="it-IT" dirty="0">
+              <a:rPr lang="it-IT" sz="2200" dirty="0">
                 <a:latin typeface="Times New Roman" panose="02020603050405020304" pitchFamily="18" charset="0"/>
                 <a:cs typeface="Times New Roman" panose="02020603050405020304" pitchFamily="18" charset="0"/>
               </a:rPr>
               <a:t>la navigazione attraverso le diverse schermate, quali “</a:t>
             </a:r>
             <a:r>
-              <a:rPr lang="it-IT" dirty="0" err="1">
+              <a:rPr lang="it-IT" sz="2200" dirty="0" err="1">
                 <a:latin typeface="Times New Roman" panose="02020603050405020304" pitchFamily="18" charset="0"/>
                 <a:cs typeface="Times New Roman" panose="02020603050405020304" pitchFamily="18" charset="0"/>
               </a:rPr>
               <a:t>Goals</a:t>
             </a:r>
             <a:r>
-              <a:rPr lang="it-IT" dirty="0">
+              <a:rPr lang="it-IT" sz="2200" dirty="0">
                 <a:latin typeface="Times New Roman" panose="02020603050405020304" pitchFamily="18" charset="0"/>
                 <a:cs typeface="Times New Roman" panose="02020603050405020304" pitchFamily="18" charset="0"/>
               </a:rPr>
               <a:t>”, “</a:t>
             </a:r>
             <a:r>
-              <a:rPr lang="it-IT" dirty="0" err="1">
+              <a:rPr lang="it-IT" sz="2200" dirty="0" err="1">
                 <a:latin typeface="Times New Roman" panose="02020603050405020304" pitchFamily="18" charset="0"/>
                 <a:cs typeface="Times New Roman" panose="02020603050405020304" pitchFamily="18" charset="0"/>
               </a:rPr>
               <a:t>Stats</a:t>
             </a:r>
             <a:r>
-              <a:rPr lang="it-IT" dirty="0">
+              <a:rPr lang="it-IT" sz="2200" dirty="0">
                 <a:latin typeface="Times New Roman" panose="02020603050405020304" pitchFamily="18" charset="0"/>
                 <a:cs typeface="Times New Roman" panose="02020603050405020304" pitchFamily="18" charset="0"/>
               </a:rPr>
               <a:t>”, “</a:t>
             </a:r>
             <a:r>
-              <a:rPr lang="it-IT" dirty="0" err="1">
+              <a:rPr lang="it-IT" sz="2200" dirty="0" err="1">
                 <a:latin typeface="Times New Roman" panose="02020603050405020304" pitchFamily="18" charset="0"/>
                 <a:cs typeface="Times New Roman" panose="02020603050405020304" pitchFamily="18" charset="0"/>
               </a:rPr>
               <a:t>Achievements</a:t>
             </a:r>
             <a:r>
-              <a:rPr lang="it-IT" dirty="0">
+              <a:rPr lang="it-IT" sz="2200" dirty="0">
                 <a:latin typeface="Times New Roman" panose="02020603050405020304" pitchFamily="18" charset="0"/>
                 <a:cs typeface="Times New Roman" panose="02020603050405020304" pitchFamily="18" charset="0"/>
               </a:rPr>
               <a:t>”, ecc</a:t>
             </a:r>
             <a:r>
-              <a:rPr lang="it-IT" dirty="0" smtClean="0">
+              <a:rPr lang="it-IT" sz="2200" dirty="0" smtClean="0">
                 <a:latin typeface="Times New Roman" panose="02020603050405020304" pitchFamily="18" charset="0"/>
                 <a:cs typeface="Times New Roman" panose="02020603050405020304" pitchFamily="18" charset="0"/>
               </a:rPr>
               <a:t>.</a:t>
             </a:r>
-            <a:endParaRPr lang="it-IT" dirty="0">
+            <a:endParaRPr lang="it-IT" sz="2200" dirty="0">
               <a:latin typeface="Times New Roman" panose="02020603050405020304" pitchFamily="18" charset="0"/>
               <a:cs typeface="Times New Roman" panose="02020603050405020304" pitchFamily="18" charset="0"/>
             </a:endParaRPr>
+          </a:p>
+        </p:txBody>
+      </p:sp>
+      <p:sp>
+        <p:nvSpPr>
+          <p:cNvPr id="5" name="Titolo 1"/>
+          <p:cNvSpPr>
+            <a:spLocks noGrp="1"/>
+          </p:cNvSpPr>
+          <p:nvPr>
+            <p:ph type="title"/>
+          </p:nvPr>
+        </p:nvSpPr>
+        <p:spPr>
+          <a:xfrm>
+            <a:off x="628650" y="444137"/>
+            <a:ext cx="7886700" cy="653143"/>
+          </a:xfrm>
+        </p:spPr>
+        <p:txBody>
+          <a:bodyPr>
+            <a:normAutofit/>
+          </a:bodyPr>
+          <a:lstStyle/>
+          <a:p>
+            <a:r>
+              <a:rPr lang="it-IT" sz="2800" b="1" dirty="0">
+                <a:latin typeface="Times New Roman" panose="02020603050405020304" pitchFamily="18" charset="0"/>
+                <a:cs typeface="Times New Roman" panose="02020603050405020304" pitchFamily="18" charset="0"/>
+              </a:rPr>
+              <a:t>User </a:t>
+            </a:r>
+            <a:r>
+              <a:rPr lang="it-IT" sz="2800" b="1" dirty="0" err="1">
+                <a:latin typeface="Times New Roman" panose="02020603050405020304" pitchFamily="18" charset="0"/>
+                <a:cs typeface="Times New Roman" panose="02020603050405020304" pitchFamily="18" charset="0"/>
+              </a:rPr>
+              <a:t>Testing</a:t>
+            </a:r>
+            <a:r>
+              <a:rPr lang="it-IT" sz="2800" b="1" dirty="0">
+                <a:latin typeface="Times New Roman" panose="02020603050405020304" pitchFamily="18" charset="0"/>
+                <a:cs typeface="Times New Roman" panose="02020603050405020304" pitchFamily="18" charset="0"/>
+              </a:rPr>
+              <a:t> </a:t>
+            </a:r>
+            <a:r>
+              <a:rPr lang="it-IT" sz="2800" b="1" dirty="0" err="1">
+                <a:latin typeface="Times New Roman" panose="02020603050405020304" pitchFamily="18" charset="0"/>
+                <a:cs typeface="Times New Roman" panose="02020603050405020304" pitchFamily="18" charset="0"/>
+              </a:rPr>
+              <a:t>Plan</a:t>
+            </a:r>
+            <a:r>
+              <a:rPr lang="it-IT" sz="2800" b="1" dirty="0">
+                <a:latin typeface="Times New Roman" panose="02020603050405020304" pitchFamily="18" charset="0"/>
+                <a:cs typeface="Times New Roman" panose="02020603050405020304" pitchFamily="18" charset="0"/>
+              </a:rPr>
+              <a:t> </a:t>
+            </a:r>
+            <a:r>
+              <a:rPr lang="it-IT" sz="2800" b="1" dirty="0" smtClean="0">
+                <a:latin typeface="Times New Roman" panose="02020603050405020304" pitchFamily="18" charset="0"/>
+                <a:cs typeface="Times New Roman" panose="02020603050405020304" pitchFamily="18" charset="0"/>
+              </a:rPr>
+              <a:t>(1)</a:t>
+            </a:r>
+            <a:endParaRPr lang="it-IT" sz="2800" dirty="0"/>
           </a:p>
         </p:txBody>
       </p:sp>
     </p:spTree>
     <p:extLst>
       <p:ext uri="{BB962C8B-B14F-4D97-AF65-F5344CB8AC3E}">
-        <p14:creationId xmlns:p14="http://schemas.microsoft.com/office/powerpoint/2010/main" val="1113760290"/>
+        <p14:creationId xmlns:p14="http://schemas.microsoft.com/office/powerpoint/2010/main" xmlns="" val="1113760290"/>
       </p:ext>
     </p:extLst>
   </p:cSld>
@@ -14243,80 +14677,6 @@
       </p:grpSpPr>
       <p:sp>
         <p:nvSpPr>
-          <p:cNvPr id="4" name="Titolo 1"/>
-          <p:cNvSpPr txBox="1">
-            <a:spLocks/>
-          </p:cNvSpPr>
-          <p:nvPr/>
-        </p:nvSpPr>
-        <p:spPr>
-          <a:xfrm>
-            <a:off x="628650" y="418011"/>
-            <a:ext cx="7886700" cy="666206"/>
-          </a:xfrm>
-          <a:prstGeom prst="rect">
-            <a:avLst/>
-          </a:prstGeom>
-        </p:spPr>
-        <p:txBody>
-          <a:bodyPr vert="horz" lIns="91440" tIns="45720" rIns="91440" bIns="45720" rtlCol="0" anchor="ctr">
-            <a:normAutofit/>
-          </a:bodyPr>
-          <a:lstStyle/>
-          <a:p>
-            <a:pPr marL="0" marR="0" lvl="0" indent="0" algn="l" defTabSz="914400" rtl="0" eaLnBrk="1" fontAlgn="auto" latinLnBrk="0" hangingPunct="1">
-              <a:lnSpc>
-                <a:spcPct val="90000"/>
-              </a:lnSpc>
-              <a:spcBef>
-                <a:spcPct val="0"/>
-              </a:spcBef>
-              <a:spcAft>
-                <a:spcPts val="0"/>
-              </a:spcAft>
-              <a:buClrTx/>
-              <a:buSzTx/>
-              <a:buFontTx/>
-              <a:buNone/>
-              <a:tabLst/>
-              <a:defRPr/>
-            </a:pPr>
-            <a:r>
-              <a:rPr kumimoji="0" lang="it-IT" sz="2800" b="1" i="0" u="none" strike="noStrike" kern="1200" cap="none" spc="0" normalizeH="0" baseline="0" noProof="0" smtClean="0">
-                <a:ln>
-                  <a:noFill/>
-                </a:ln>
-                <a:solidFill>
-                  <a:schemeClr val="tx1"/>
-                </a:solidFill>
-                <a:effectLst/>
-                <a:uLnTx/>
-                <a:uFillTx/>
-                <a:latin typeface="Times New Roman" panose="02020603050405020304" pitchFamily="18" charset="0"/>
-                <a:ea typeface="+mj-ea"/>
-                <a:cs typeface="Times New Roman" panose="02020603050405020304" pitchFamily="18" charset="0"/>
-              </a:rPr>
-              <a:t>User Testing Plan (1)</a:t>
-            </a:r>
-            <a:endParaRPr kumimoji="0" lang="it-IT" sz="2800" b="1" i="0" u="none" strike="noStrike" kern="1200" cap="none" spc="0" normalizeH="0" baseline="0" noProof="0" dirty="0">
-              <a:ln>
-                <a:noFill/>
-              </a:ln>
-              <a:solidFill>
-                <a:schemeClr val="tx1"/>
-              </a:solidFill>
-              <a:effectLst/>
-              <a:uLnTx/>
-              <a:uFillTx/>
-              <a:latin typeface="Times New Roman" panose="02020603050405020304" pitchFamily="18" charset="0"/>
-              <a:ea typeface="+mj-ea"/>
-              <a:cs typeface="Times New Roman" panose="02020603050405020304" pitchFamily="18" charset="0"/>
-            </a:endParaRPr>
-          </a:p>
-        </p:txBody>
-      </p:sp>
-      <p:sp>
-        <p:nvSpPr>
           <p:cNvPr id="8" name="Segnaposto contenuto 2"/>
           <p:cNvSpPr>
             <a:spLocks noGrp="1"/>
@@ -14445,6 +14805,74 @@
               </a:rPr>
               <a:t> successivo.</a:t>
             </a:r>
+          </a:p>
+        </p:txBody>
+      </p:sp>
+      <p:sp>
+        <p:nvSpPr>
+          <p:cNvPr id="5" name="Titolo 1"/>
+          <p:cNvSpPr>
+            <a:spLocks noGrp="1"/>
+          </p:cNvSpPr>
+          <p:nvPr>
+            <p:ph type="title"/>
+          </p:nvPr>
+        </p:nvSpPr>
+        <p:spPr>
+          <a:xfrm>
+            <a:off x="628650" y="444137"/>
+            <a:ext cx="7886700" cy="653143"/>
+          </a:xfrm>
+        </p:spPr>
+        <p:txBody>
+          <a:bodyPr>
+            <a:normAutofit/>
+          </a:bodyPr>
+          <a:lstStyle/>
+          <a:p>
+            <a:r>
+              <a:rPr lang="it-IT" sz="2800" b="1" dirty="0">
+                <a:latin typeface="Times New Roman" panose="02020603050405020304" pitchFamily="18" charset="0"/>
+                <a:cs typeface="Times New Roman" panose="02020603050405020304" pitchFamily="18" charset="0"/>
+              </a:rPr>
+              <a:t>User </a:t>
+            </a:r>
+            <a:r>
+              <a:rPr lang="it-IT" sz="2800" b="1" dirty="0" err="1">
+                <a:latin typeface="Times New Roman" panose="02020603050405020304" pitchFamily="18" charset="0"/>
+                <a:cs typeface="Times New Roman" panose="02020603050405020304" pitchFamily="18" charset="0"/>
+              </a:rPr>
+              <a:t>Testing</a:t>
+            </a:r>
+            <a:r>
+              <a:rPr lang="it-IT" sz="2800" b="1" dirty="0">
+                <a:latin typeface="Times New Roman" panose="02020603050405020304" pitchFamily="18" charset="0"/>
+                <a:cs typeface="Times New Roman" panose="02020603050405020304" pitchFamily="18" charset="0"/>
+              </a:rPr>
+              <a:t> </a:t>
+            </a:r>
+            <a:r>
+              <a:rPr lang="it-IT" sz="2800" b="1" dirty="0" err="1">
+                <a:latin typeface="Times New Roman" panose="02020603050405020304" pitchFamily="18" charset="0"/>
+                <a:cs typeface="Times New Roman" panose="02020603050405020304" pitchFamily="18" charset="0"/>
+              </a:rPr>
+              <a:t>Plan</a:t>
+            </a:r>
+            <a:r>
+              <a:rPr lang="it-IT" sz="2800" b="1" dirty="0">
+                <a:latin typeface="Times New Roman" panose="02020603050405020304" pitchFamily="18" charset="0"/>
+                <a:cs typeface="Times New Roman" panose="02020603050405020304" pitchFamily="18" charset="0"/>
+              </a:rPr>
+              <a:t> </a:t>
+            </a:r>
+            <a:r>
+              <a:rPr lang="it-IT" sz="2800" b="1" dirty="0" smtClean="0">
+                <a:latin typeface="Times New Roman" panose="02020603050405020304" pitchFamily="18" charset="0"/>
+                <a:cs typeface="Times New Roman" panose="02020603050405020304" pitchFamily="18" charset="0"/>
+              </a:rPr>
+              <a:t>(1)</a:t>
+            </a:r>
+            <a:endParaRPr lang="it-IT" sz="2800" dirty="0"/>
           </a:p>
         </p:txBody>
       </p:sp>
@@ -14475,80 +14903,6 @@
       </p:grpSpPr>
       <p:sp>
         <p:nvSpPr>
-          <p:cNvPr id="4" name="Titolo 1"/>
-          <p:cNvSpPr txBox="1">
-            <a:spLocks/>
-          </p:cNvSpPr>
-          <p:nvPr/>
-        </p:nvSpPr>
-        <p:spPr>
-          <a:xfrm>
-            <a:off x="628650" y="418011"/>
-            <a:ext cx="7886700" cy="666206"/>
-          </a:xfrm>
-          <a:prstGeom prst="rect">
-            <a:avLst/>
-          </a:prstGeom>
-        </p:spPr>
-        <p:txBody>
-          <a:bodyPr vert="horz" lIns="91440" tIns="45720" rIns="91440" bIns="45720" rtlCol="0" anchor="ctr">
-            <a:normAutofit/>
-          </a:bodyPr>
-          <a:lstStyle/>
-          <a:p>
-            <a:pPr marL="0" marR="0" lvl="0" indent="0" algn="l" defTabSz="914400" rtl="0" eaLnBrk="1" fontAlgn="auto" latinLnBrk="0" hangingPunct="1">
-              <a:lnSpc>
-                <a:spcPct val="90000"/>
-              </a:lnSpc>
-              <a:spcBef>
-                <a:spcPct val="0"/>
-              </a:spcBef>
-              <a:spcAft>
-                <a:spcPts val="0"/>
-              </a:spcAft>
-              <a:buClrTx/>
-              <a:buSzTx/>
-              <a:buFontTx/>
-              <a:buNone/>
-              <a:tabLst/>
-              <a:defRPr/>
-            </a:pPr>
-            <a:r>
-              <a:rPr kumimoji="0" lang="it-IT" sz="2800" b="1" i="0" u="none" strike="noStrike" kern="1200" cap="none" spc="0" normalizeH="0" baseline="0" noProof="0" smtClean="0">
-                <a:ln>
-                  <a:noFill/>
-                </a:ln>
-                <a:solidFill>
-                  <a:schemeClr val="tx1"/>
-                </a:solidFill>
-                <a:effectLst/>
-                <a:uLnTx/>
-                <a:uFillTx/>
-                <a:latin typeface="Times New Roman" panose="02020603050405020304" pitchFamily="18" charset="0"/>
-                <a:ea typeface="+mj-ea"/>
-                <a:cs typeface="Times New Roman" panose="02020603050405020304" pitchFamily="18" charset="0"/>
-              </a:rPr>
-              <a:t>User Testing Plan (1)</a:t>
-            </a:r>
-            <a:endParaRPr kumimoji="0" lang="it-IT" sz="2800" b="1" i="0" u="none" strike="noStrike" kern="1200" cap="none" spc="0" normalizeH="0" baseline="0" noProof="0" dirty="0">
-              <a:ln>
-                <a:noFill/>
-              </a:ln>
-              <a:solidFill>
-                <a:schemeClr val="tx1"/>
-              </a:solidFill>
-              <a:effectLst/>
-              <a:uLnTx/>
-              <a:uFillTx/>
-              <a:latin typeface="Times New Roman" panose="02020603050405020304" pitchFamily="18" charset="0"/>
-              <a:ea typeface="+mj-ea"/>
-              <a:cs typeface="Times New Roman" panose="02020603050405020304" pitchFamily="18" charset="0"/>
-            </a:endParaRPr>
-          </a:p>
-        </p:txBody>
-      </p:sp>
-      <p:sp>
-        <p:nvSpPr>
           <p:cNvPr id="5" name="Segnaposto contenuto 2"/>
           <p:cNvSpPr>
             <a:spLocks noGrp="1"/>
@@ -14656,6 +15010,74 @@
               </a:rPr>
               <a:t> del prototipo, in particolare si preferisce farlo provare a chi potrebbero essere i futuri utenti della nostra app.</a:t>
             </a:r>
+          </a:p>
+        </p:txBody>
+      </p:sp>
+      <p:sp>
+        <p:nvSpPr>
+          <p:cNvPr id="6" name="Titolo 1"/>
+          <p:cNvSpPr>
+            <a:spLocks noGrp="1"/>
+          </p:cNvSpPr>
+          <p:nvPr>
+            <p:ph type="title"/>
+          </p:nvPr>
+        </p:nvSpPr>
+        <p:spPr>
+          <a:xfrm>
+            <a:off x="628650" y="444137"/>
+            <a:ext cx="7886700" cy="653143"/>
+          </a:xfrm>
+        </p:spPr>
+        <p:txBody>
+          <a:bodyPr>
+            <a:normAutofit/>
+          </a:bodyPr>
+          <a:lstStyle/>
+          <a:p>
+            <a:r>
+              <a:rPr lang="it-IT" sz="2800" b="1" dirty="0">
+                <a:latin typeface="Times New Roman" panose="02020603050405020304" pitchFamily="18" charset="0"/>
+                <a:cs typeface="Times New Roman" panose="02020603050405020304" pitchFamily="18" charset="0"/>
+              </a:rPr>
+              <a:t>User </a:t>
+            </a:r>
+            <a:r>
+              <a:rPr lang="it-IT" sz="2800" b="1" dirty="0" err="1">
+                <a:latin typeface="Times New Roman" panose="02020603050405020304" pitchFamily="18" charset="0"/>
+                <a:cs typeface="Times New Roman" panose="02020603050405020304" pitchFamily="18" charset="0"/>
+              </a:rPr>
+              <a:t>Testing</a:t>
+            </a:r>
+            <a:r>
+              <a:rPr lang="it-IT" sz="2800" b="1" dirty="0">
+                <a:latin typeface="Times New Roman" panose="02020603050405020304" pitchFamily="18" charset="0"/>
+                <a:cs typeface="Times New Roman" panose="02020603050405020304" pitchFamily="18" charset="0"/>
+              </a:rPr>
+              <a:t> </a:t>
+            </a:r>
+            <a:r>
+              <a:rPr lang="it-IT" sz="2800" b="1" dirty="0" err="1">
+                <a:latin typeface="Times New Roman" panose="02020603050405020304" pitchFamily="18" charset="0"/>
+                <a:cs typeface="Times New Roman" panose="02020603050405020304" pitchFamily="18" charset="0"/>
+              </a:rPr>
+              <a:t>Plan</a:t>
+            </a:r>
+            <a:r>
+              <a:rPr lang="it-IT" sz="2800" b="1" dirty="0">
+                <a:latin typeface="Times New Roman" panose="02020603050405020304" pitchFamily="18" charset="0"/>
+                <a:cs typeface="Times New Roman" panose="02020603050405020304" pitchFamily="18" charset="0"/>
+              </a:rPr>
+              <a:t> </a:t>
+            </a:r>
+            <a:r>
+              <a:rPr lang="it-IT" sz="2800" b="1" dirty="0" smtClean="0">
+                <a:latin typeface="Times New Roman" panose="02020603050405020304" pitchFamily="18" charset="0"/>
+                <a:cs typeface="Times New Roman" panose="02020603050405020304" pitchFamily="18" charset="0"/>
+              </a:rPr>
+              <a:t>(1)</a:t>
+            </a:r>
+            <a:endParaRPr lang="it-IT" sz="2800" dirty="0"/>
           </a:p>
         </p:txBody>
       </p:sp>
@@ -14928,7 +15350,7 @@
     </p:spTree>
     <p:extLst>
       <p:ext uri="{BB962C8B-B14F-4D97-AF65-F5344CB8AC3E}">
-        <p14:creationId xmlns:p14="http://schemas.microsoft.com/office/powerpoint/2010/main" val="3011033621"/>
+        <p14:creationId xmlns:p14="http://schemas.microsoft.com/office/powerpoint/2010/main" xmlns="" val="3011033621"/>
       </p:ext>
     </p:extLst>
   </p:cSld>
@@ -14939,58 +15361,58 @@
 </file>
 
 <file path=ppt/theme/theme1.xml><?xml version="1.0" encoding="utf-8"?>
-<a:theme xmlns:a="http://schemas.openxmlformats.org/drawingml/2006/main" name="Base">
+<a:theme xmlns:a="http://schemas.openxmlformats.org/drawingml/2006/main" name="Equinozio">
   <a:themeElements>
-    <a:clrScheme name="Base">
+    <a:clrScheme name="Equinozio">
       <a:dk1>
-        <a:srgbClr val="000000"/>
+        <a:sysClr val="windowText" lastClr="000000"/>
       </a:dk1>
       <a:lt1>
         <a:sysClr val="window" lastClr="FFFFFF"/>
       </a:lt1>
       <a:dk2>
-        <a:srgbClr val="5E5E5E"/>
+        <a:srgbClr val="04617B"/>
       </a:dk2>
       <a:lt2>
-        <a:srgbClr val="DDDDDD"/>
+        <a:srgbClr val="DBF5F9"/>
       </a:lt2>
       <a:accent1>
-        <a:srgbClr val="DF5327"/>
+        <a:srgbClr val="0F6FC6"/>
       </a:accent1>
       <a:accent2>
-        <a:srgbClr val="A6B727"/>
+        <a:srgbClr val="009DD9"/>
       </a:accent2>
       <a:accent3>
-        <a:srgbClr val="FE9E00"/>
+        <a:srgbClr val="0BD0D9"/>
       </a:accent3>
       <a:accent4>
-        <a:srgbClr val="418AB3"/>
+        <a:srgbClr val="10CF9B"/>
       </a:accent4>
       <a:accent5>
-        <a:srgbClr val="D7D447"/>
+        <a:srgbClr val="7CCA62"/>
       </a:accent5>
       <a:accent6>
-        <a:srgbClr val="838383"/>
+        <a:srgbClr val="A5C249"/>
       </a:accent6>
       <a:hlink>
-        <a:srgbClr val="F59E00"/>
+        <a:srgbClr val="E2D700"/>
       </a:hlink>
       <a:folHlink>
-        <a:srgbClr val="B2B2B2"/>
+        <a:srgbClr val="85DFD0"/>
       </a:folHlink>
     </a:clrScheme>
-    <a:fontScheme name="Base">
+    <a:fontScheme name="Equinozio">
       <a:majorFont>
-        <a:latin typeface="Corbel" panose="020B0503020204020204"/>
+        <a:latin typeface="Calibri"/>
         <a:ea typeface=""/>
         <a:cs typeface=""/>
-        <a:font script="Jpan" typeface="ＭＳ ゴシック"/>
-        <a:font script="Hang" typeface="맑은 고딕"/>
-        <a:font script="Hans" typeface="宋体"/>
-        <a:font script="Hant" typeface="新細明體"/>
-        <a:font script="Arab" typeface="Tahoma"/>
-        <a:font script="Hebr" typeface="Gisha"/>
-        <a:font script="Thai" typeface="DilleniaUPC"/>
+        <a:font script="Jpan" typeface="ＭＳ Ｐゴシック"/>
+        <a:font script="Hang" typeface="HY중고딕"/>
+        <a:font script="Hans" typeface="隶书"/>
+        <a:font script="Hant" typeface="微軟正黑體"/>
+        <a:font script="Arab" typeface="Traditional Arabic"/>
+        <a:font script="Hebr" typeface="Arial"/>
+        <a:font script="Thai" typeface="Cordia New"/>
         <a:font script="Ethi" typeface="Nyala"/>
         <a:font script="Beng" typeface="Vrinda"/>
         <a:font script="Gujr" typeface="Shruti"/>
@@ -15011,25 +15433,24 @@
         <a:font script="Laoo" typeface="DokChampa"/>
         <a:font script="Sinh" typeface="Iskoola Pota"/>
         <a:font script="Mong" typeface="Mongolian Baiti"/>
-        <a:font script="Viet" typeface="Tahoma"/>
+        <a:font script="Viet" typeface="Arial"/>
         <a:font script="Uigh" typeface="Microsoft Uighur"/>
-        <a:font script="Geor" typeface="Sylfaen"/>
       </a:majorFont>
       <a:minorFont>
-        <a:latin typeface="Corbel" panose="020B0503020204020204"/>
+        <a:latin typeface="Constantia"/>
         <a:ea typeface=""/>
         <a:cs typeface=""/>
-        <a:font script="Jpan" typeface="ＭＳ ゴシック"/>
-        <a:font script="Hang" typeface="맑은 고딕"/>
+        <a:font script="Jpan" typeface="HGP明朝E"/>
+        <a:font script="Hang" typeface="HY신명조"/>
         <a:font script="Hans" typeface="宋体"/>
         <a:font script="Hant" typeface="新細明體"/>
-        <a:font script="Arab" typeface="Tahoma"/>
-        <a:font script="Hebr" typeface="Gisha"/>
-        <a:font script="Thai" typeface="DilleniaUPC"/>
+        <a:font script="Arab" typeface="Majalla UI"/>
+        <a:font script="Hebr" typeface="David"/>
+        <a:font script="Thai" typeface="Browallia New"/>
         <a:font script="Ethi" typeface="Nyala"/>
         <a:font script="Beng" typeface="Vrinda"/>
         <a:font script="Gujr" typeface="Shruti"/>
-        <a:font script="Khmr" typeface="DaunPenh"/>
+        <a:font script="Khmr" typeface="MoolBoran"/>
         <a:font script="Knda" typeface="Tunga"/>
         <a:font script="Guru" typeface="Raavi"/>
         <a:font script="Cans" typeface="Euphemia"/>
@@ -15046,59 +15467,90 @@
         <a:font script="Laoo" typeface="DokChampa"/>
         <a:font script="Sinh" typeface="Iskoola Pota"/>
         <a:font script="Mong" typeface="Mongolian Baiti"/>
-        <a:font script="Viet" typeface="Verdana"/>
+        <a:font script="Viet" typeface="Times New Roman"/>
         <a:font script="Uigh" typeface="Microsoft Uighur"/>
-        <a:font script="Geor" typeface="Sylfaen"/>
       </a:minorFont>
     </a:fontScheme>
-    <a:fmtScheme name="Base">
+    <a:fmtScheme name="Equinozio">
       <a:fillStyleLst>
         <a:solidFill>
           <a:schemeClr val="phClr"/>
         </a:solidFill>
-        <a:solidFill>
-          <a:schemeClr val="phClr">
-            <a:tint val="55000"/>
-            <a:satMod val="130000"/>
-          </a:schemeClr>
-        </a:solidFill>
         <a:gradFill rotWithShape="1">
           <a:gsLst>
             <a:gs pos="0">
-              <a:schemeClr val="phClr"/>
+              <a:schemeClr val="phClr">
+                <a:tint val="70000"/>
+                <a:satMod val="130000"/>
+              </a:schemeClr>
             </a:gs>
-            <a:gs pos="90000">
+            <a:gs pos="43000">
               <a:schemeClr val="phClr">
-                <a:shade val="100000"/>
-                <a:satMod val="105000"/>
+                <a:tint val="44000"/>
+                <a:satMod val="165000"/>
+              </a:schemeClr>
+            </a:gs>
+            <a:gs pos="93000">
+              <a:schemeClr val="phClr">
+                <a:tint val="15000"/>
+                <a:satMod val="165000"/>
               </a:schemeClr>
             </a:gs>
             <a:gs pos="100000">
               <a:schemeClr val="phClr">
-                <a:shade val="80000"/>
-                <a:satMod val="120000"/>
+                <a:tint val="5000"/>
+                <a:satMod val="250000"/>
               </a:schemeClr>
             </a:gs>
           </a:gsLst>
           <a:path path="circle">
-            <a:fillToRect l="100000" t="100000" r="100000" b="100000"/>
+            <a:fillToRect l="50000" t="130000" r="50000" b="-30000"/>
+          </a:path>
+        </a:gradFill>
+        <a:gradFill rotWithShape="1">
+          <a:gsLst>
+            <a:gs pos="0">
+              <a:schemeClr val="phClr">
+                <a:tint val="98000"/>
+                <a:shade val="25000"/>
+                <a:satMod val="250000"/>
+              </a:schemeClr>
+            </a:gs>
+            <a:gs pos="68000">
+              <a:schemeClr val="phClr">
+                <a:tint val="86000"/>
+                <a:satMod val="115000"/>
+              </a:schemeClr>
+            </a:gs>
+            <a:gs pos="100000">
+              <a:schemeClr val="phClr">
+                <a:tint val="50000"/>
+                <a:satMod val="150000"/>
+              </a:schemeClr>
+            </a:gs>
+          </a:gsLst>
+          <a:path path="circle">
+            <a:fillToRect l="50000" t="130000" r="50000" b="-30000"/>
           </a:path>
         </a:gradFill>
       </a:fillStyleLst>
       <a:lnStyleLst>
-        <a:ln w="10000" cap="flat" cmpd="sng" algn="ctr">
+        <a:ln w="9525" cap="flat" cmpd="sng" algn="ctr">
+          <a:solidFill>
+            <a:schemeClr val="phClr">
+              <a:shade val="50000"/>
+              <a:satMod val="103000"/>
+            </a:schemeClr>
+          </a:solidFill>
+          <a:prstDash val="solid"/>
+        </a:ln>
+        <a:ln w="25400" cap="flat" cmpd="sng" algn="ctr">
           <a:solidFill>
             <a:schemeClr val="phClr"/>
           </a:solidFill>
           <a:prstDash val="solid"/>
         </a:ln>
-        <a:ln w="19050" cap="flat" cmpd="sng" algn="ctr">
-          <a:solidFill>
-            <a:schemeClr val="phClr"/>
-          </a:solidFill>
-          <a:prstDash val="solid"/>
-        </a:ln>
-        <a:ln w="53975" cap="flat" cmpd="dbl" algn="ctr">
+        <a:ln w="38100" cap="flat" cmpd="sng" algn="ctr">
           <a:solidFill>
             <a:schemeClr val="phClr"/>
           </a:solidFill>
@@ -15107,39 +15559,47 @@
       </a:lnStyleLst>
       <a:effectStyleLst>
         <a:effectStyle>
-          <a:effectLst/>
-        </a:effectStyle>
-        <a:effectStyle>
           <a:effectLst>
-            <a:outerShdw blurRad="38100" dist="25400" dir="5400000" rotWithShape="0">
-              <a:srgbClr val="000000">
-                <a:alpha val="45000"/>
-              </a:srgbClr>
+            <a:outerShdw blurRad="57150" dist="38100" dir="5400000" algn="ctr" rotWithShape="0">
+              <a:schemeClr val="phClr">
+                <a:shade val="9000"/>
+                <a:satMod val="105000"/>
+                <a:alpha val="48000"/>
+              </a:schemeClr>
             </a:outerShdw>
           </a:effectLst>
         </a:effectStyle>
         <a:effectStyle>
           <a:effectLst>
-            <a:outerShdw blurRad="38100" dist="25400" dir="5400000" rotWithShape="0">
-              <a:srgbClr val="000000">
-                <a:alpha val="45000"/>
-              </a:srgbClr>
+            <a:outerShdw blurRad="57150" dist="38100" dir="5400000" algn="ctr" rotWithShape="0">
+              <a:schemeClr val="phClr">
+                <a:shade val="9000"/>
+                <a:satMod val="105000"/>
+                <a:alpha val="48000"/>
+              </a:schemeClr>
+            </a:outerShdw>
+          </a:effectLst>
+        </a:effectStyle>
+        <a:effectStyle>
+          <a:effectLst>
+            <a:outerShdw blurRad="57150" dist="38100" dir="5400000" algn="ctr" rotWithShape="0">
+              <a:schemeClr val="phClr">
+                <a:shade val="9000"/>
+                <a:satMod val="105000"/>
+                <a:alpha val="48000"/>
+              </a:schemeClr>
             </a:outerShdw>
           </a:effectLst>
           <a:scene3d>
-            <a:camera prst="orthographicFront">
+            <a:camera prst="orthographicFront" fov="0">
               <a:rot lat="0" lon="0" rev="0"/>
             </a:camera>
-            <a:lightRig rig="brightRoom" dir="t"/>
+            <a:lightRig rig="glow" dir="tl">
+              <a:rot lat="0" lon="0" rev="900000"/>
+            </a:lightRig>
           </a:scene3d>
-          <a:sp3d extrusionH="12700" contourW="25400" prstMaterial="flat">
-            <a:bevelT w="63500" h="152400" prst="angle"/>
-            <a:contourClr>
-              <a:schemeClr val="phClr">
-                <a:shade val="27000"/>
-                <a:satMod val="120000"/>
-              </a:schemeClr>
-            </a:contourClr>
+          <a:sp3d prstMaterial="powder">
+            <a:bevelT w="25400" h="38100"/>
           </a:sp3d>
         </a:effectStyle>
       </a:effectStyleLst>
@@ -15147,30 +15607,50 @@
         <a:solidFill>
           <a:schemeClr val="phClr"/>
         </a:solidFill>
-        <a:solidFill>
-          <a:schemeClr val="phClr">
-            <a:tint val="95000"/>
-            <a:shade val="95000"/>
-            <a:satMod val="140000"/>
-          </a:schemeClr>
-        </a:solidFill>
-        <a:solidFill>
-          <a:schemeClr val="phClr">
-            <a:tint val="90000"/>
-            <a:shade val="85000"/>
-            <a:satMod val="160000"/>
-            <a:lumMod val="110000"/>
-          </a:schemeClr>
-        </a:solidFill>
+        <a:gradFill rotWithShape="1">
+          <a:gsLst>
+            <a:gs pos="0">
+              <a:schemeClr val="phClr">
+                <a:tint val="80000"/>
+                <a:satMod val="400000"/>
+              </a:schemeClr>
+            </a:gs>
+            <a:gs pos="25000">
+              <a:schemeClr val="phClr">
+                <a:tint val="83000"/>
+                <a:satMod val="320000"/>
+              </a:schemeClr>
+            </a:gs>
+            <a:gs pos="100000">
+              <a:schemeClr val="phClr">
+                <a:shade val="15000"/>
+                <a:satMod val="320000"/>
+              </a:schemeClr>
+            </a:gs>
+          </a:gsLst>
+          <a:path path="circle">
+            <a:fillToRect l="10000" t="110000" r="10000" b="100000"/>
+          </a:path>
+        </a:gradFill>
+        <a:blipFill>
+          <a:blip xmlns:r="http://schemas.openxmlformats.org/officeDocument/2006/relationships" r:embed="rId1">
+            <a:duotone>
+              <a:schemeClr val="phClr">
+                <a:shade val="90000"/>
+                <a:satMod val="150000"/>
+              </a:schemeClr>
+              <a:schemeClr val="phClr">
+                <a:tint val="88000"/>
+                <a:satMod val="150000"/>
+              </a:schemeClr>
+            </a:duotone>
+          </a:blip>
+          <a:tile tx="0" ty="0" sx="65000" sy="65000" flip="none" algn="tl"/>
+        </a:blipFill>
       </a:bgFillStyleLst>
     </a:fmtScheme>
   </a:themeElements>
   <a:objectDefaults/>
   <a:extraClrSchemeLst/>
-  <a:extLst>
-    <a:ext uri="{05A4C25C-085E-4340-85A3-A5531E510DB2}">
-      <thm15:themeFamily xmlns:thm15="http://schemas.microsoft.com/office/thememl/2012/main" name="Basis" id="{5665723A-49BA-4B57-8411-A56F8F207965}" vid="{446C221D-F63F-4DD8-B509-CFE168687BF2}"/>
-    </a:ext>
-  </a:extLst>
 </a:theme>
 </file>
--- a/Prova_6/Leone_Mastrosimone_PresentazioneProgetto.pptx
+++ b/Prova_6/Leone_Mastrosimone_PresentazioneProgetto.pptx
@@ -144,7 +144,7 @@
   </p:defaultTextStyle>
   <p:extLst>
     <p:ext uri="{EFAFB233-063F-42B5-8137-9DF3F51BA10A}">
-      <p15:sldGuideLst xmlns:p15="http://schemas.microsoft.com/office/powerpoint/2012/main" xmlns="">
+      <p15:sldGuideLst xmlns:p15="http://schemas.microsoft.com/office/powerpoint/2012/main">
         <p15:guide id="1" orient="horz" pos="2160">
           <p15:clr>
             <a:srgbClr val="A4A3A4"/>
@@ -4280,7 +4280,7 @@
     </p:spTree>
     <p:extLst>
       <p:ext uri="{BB962C8B-B14F-4D97-AF65-F5344CB8AC3E}">
-        <p14:creationId xmlns:p14="http://schemas.microsoft.com/office/powerpoint/2010/main" xmlns="" val="1761319082"/>
+        <p14:creationId xmlns:p14="http://schemas.microsoft.com/office/powerpoint/2010/main" val="1761319082"/>
       </p:ext>
     </p:extLst>
   </p:cSld>
@@ -4355,7 +4355,7 @@
                 <a:latin typeface="Times New Roman" panose="02020603050405020304" pitchFamily="18" charset="0"/>
                 <a:cs typeface="Times New Roman" panose="02020603050405020304" pitchFamily="18" charset="0"/>
               </a:rPr>
-              <a:t>(2)</a:t>
+              <a:t>(5)</a:t>
             </a:r>
             <a:endParaRPr lang="it-IT" sz="2800" dirty="0"/>
           </a:p>
@@ -4561,7 +4561,7 @@
     </p:spTree>
     <p:extLst>
       <p:ext uri="{BB962C8B-B14F-4D97-AF65-F5344CB8AC3E}">
-        <p14:creationId xmlns:p14="http://schemas.microsoft.com/office/powerpoint/2010/main" xmlns="" val="3011033621"/>
+        <p14:creationId xmlns:p14="http://schemas.microsoft.com/office/powerpoint/2010/main" val="3011033621"/>
       </p:ext>
     </p:extLst>
   </p:cSld>
@@ -4797,28 +4797,14 @@
                 <a:latin typeface="Times New Roman" panose="02020603050405020304" pitchFamily="18" charset="0"/>
                 <a:cs typeface="Times New Roman" panose="02020603050405020304" pitchFamily="18" charset="0"/>
               </a:rPr>
-              <a:t> </a:t>
-            </a:r>
-            <a:r>
-              <a:rPr lang="it-IT" sz="2800" b="1" dirty="0" err="1">
-                <a:latin typeface="Times New Roman" panose="02020603050405020304" pitchFamily="18" charset="0"/>
-                <a:cs typeface="Times New Roman" panose="02020603050405020304" pitchFamily="18" charset="0"/>
-              </a:rPr>
-              <a:t>Plan</a:t>
-            </a:r>
-            <a:r>
-              <a:rPr lang="it-IT" sz="2800" b="1" dirty="0">
-                <a:latin typeface="Times New Roman" panose="02020603050405020304" pitchFamily="18" charset="0"/>
-                <a:cs typeface="Times New Roman" panose="02020603050405020304" pitchFamily="18" charset="0"/>
-              </a:rPr>
-              <a:t> </a:t>
+              <a:t> Plan </a:t>
             </a:r>
             <a:r>
               <a:rPr lang="it-IT" sz="2800" b="1" dirty="0" smtClean="0">
                 <a:latin typeface="Times New Roman" panose="02020603050405020304" pitchFamily="18" charset="0"/>
                 <a:cs typeface="Times New Roman" panose="02020603050405020304" pitchFamily="18" charset="0"/>
               </a:rPr>
-              <a:t>(3)</a:t>
+              <a:t>(6)</a:t>
             </a:r>
             <a:endParaRPr lang="it-IT" sz="2800" dirty="0"/>
           </a:p>
@@ -4827,7 +4813,7 @@
     </p:spTree>
     <p:extLst>
       <p:ext uri="{BB962C8B-B14F-4D97-AF65-F5344CB8AC3E}">
-        <p14:creationId xmlns:p14="http://schemas.microsoft.com/office/powerpoint/2010/main" xmlns="" val="2017438073"/>
+        <p14:creationId xmlns:p14="http://schemas.microsoft.com/office/powerpoint/2010/main" val="2017438073"/>
       </p:ext>
     </p:extLst>
   </p:cSld>
@@ -5119,28 +5105,14 @@
                 <a:latin typeface="Times New Roman" panose="02020603050405020304" pitchFamily="18" charset="0"/>
                 <a:cs typeface="Times New Roman" panose="02020603050405020304" pitchFamily="18" charset="0"/>
               </a:rPr>
-              <a:t> </a:t>
-            </a:r>
-            <a:r>
-              <a:rPr lang="it-IT" sz="2800" b="1" dirty="0" err="1">
-                <a:latin typeface="Times New Roman" panose="02020603050405020304" pitchFamily="18" charset="0"/>
-                <a:cs typeface="Times New Roman" panose="02020603050405020304" pitchFamily="18" charset="0"/>
-              </a:rPr>
-              <a:t>Plan</a:t>
-            </a:r>
-            <a:r>
-              <a:rPr lang="it-IT" sz="2800" b="1" dirty="0">
-                <a:latin typeface="Times New Roman" panose="02020603050405020304" pitchFamily="18" charset="0"/>
-                <a:cs typeface="Times New Roman" panose="02020603050405020304" pitchFamily="18" charset="0"/>
-              </a:rPr>
-              <a:t> </a:t>
+              <a:t> Plan </a:t>
             </a:r>
             <a:r>
               <a:rPr lang="it-IT" sz="2800" b="1" dirty="0" smtClean="0">
                 <a:latin typeface="Times New Roman" panose="02020603050405020304" pitchFamily="18" charset="0"/>
                 <a:cs typeface="Times New Roman" panose="02020603050405020304" pitchFamily="18" charset="0"/>
               </a:rPr>
-              <a:t>(4)</a:t>
+              <a:t>(7)</a:t>
             </a:r>
             <a:endParaRPr lang="it-IT" sz="2800" dirty="0"/>
           </a:p>
@@ -5149,7 +5121,7 @@
     </p:spTree>
     <p:extLst>
       <p:ext uri="{BB962C8B-B14F-4D97-AF65-F5344CB8AC3E}">
-        <p14:creationId xmlns:p14="http://schemas.microsoft.com/office/powerpoint/2010/main" xmlns="" val="2017438073"/>
+        <p14:creationId xmlns:p14="http://schemas.microsoft.com/office/powerpoint/2010/main" val="2017438073"/>
       </p:ext>
     </p:extLst>
   </p:cSld>
@@ -5373,28 +5345,14 @@
                 <a:latin typeface="Times New Roman" panose="02020603050405020304" pitchFamily="18" charset="0"/>
                 <a:cs typeface="Times New Roman" panose="02020603050405020304" pitchFamily="18" charset="0"/>
               </a:rPr>
-              <a:t> </a:t>
-            </a:r>
-            <a:r>
-              <a:rPr lang="it-IT" sz="2800" b="1" dirty="0" err="1">
-                <a:latin typeface="Times New Roman" panose="02020603050405020304" pitchFamily="18" charset="0"/>
-                <a:cs typeface="Times New Roman" panose="02020603050405020304" pitchFamily="18" charset="0"/>
-              </a:rPr>
-              <a:t>Plan</a:t>
-            </a:r>
-            <a:r>
-              <a:rPr lang="it-IT" sz="2800" b="1" dirty="0">
-                <a:latin typeface="Times New Roman" panose="02020603050405020304" pitchFamily="18" charset="0"/>
-                <a:cs typeface="Times New Roman" panose="02020603050405020304" pitchFamily="18" charset="0"/>
-              </a:rPr>
-              <a:t> </a:t>
+              <a:t> Plan </a:t>
             </a:r>
             <a:r>
               <a:rPr lang="it-IT" sz="2800" b="1" dirty="0" smtClean="0">
                 <a:latin typeface="Times New Roman" panose="02020603050405020304" pitchFamily="18" charset="0"/>
                 <a:cs typeface="Times New Roman" panose="02020603050405020304" pitchFamily="18" charset="0"/>
               </a:rPr>
-              <a:t>(5)</a:t>
+              <a:t>(8)</a:t>
             </a:r>
             <a:endParaRPr lang="it-IT" sz="2800" dirty="0"/>
           </a:p>
@@ -5403,7 +5361,7 @@
     </p:spTree>
     <p:extLst>
       <p:ext uri="{BB962C8B-B14F-4D97-AF65-F5344CB8AC3E}">
-        <p14:creationId xmlns:p14="http://schemas.microsoft.com/office/powerpoint/2010/main" xmlns="" val="115604845"/>
+        <p14:creationId xmlns:p14="http://schemas.microsoft.com/office/powerpoint/2010/main" val="115604845"/>
       </p:ext>
     </p:extLst>
   </p:cSld>
@@ -5471,28 +5429,14 @@
                 <a:latin typeface="Times New Roman" panose="02020603050405020304" pitchFamily="18" charset="0"/>
                 <a:cs typeface="Times New Roman" panose="02020603050405020304" pitchFamily="18" charset="0"/>
               </a:rPr>
-              <a:t> </a:t>
-            </a:r>
-            <a:r>
-              <a:rPr lang="it-IT" sz="2800" b="1" dirty="0" err="1">
-                <a:latin typeface="Times New Roman" panose="02020603050405020304" pitchFamily="18" charset="0"/>
-                <a:cs typeface="Times New Roman" panose="02020603050405020304" pitchFamily="18" charset="0"/>
-              </a:rPr>
-              <a:t>Plan</a:t>
-            </a:r>
-            <a:r>
-              <a:rPr lang="it-IT" sz="2800" b="1" dirty="0">
-                <a:latin typeface="Times New Roman" panose="02020603050405020304" pitchFamily="18" charset="0"/>
-                <a:cs typeface="Times New Roman" panose="02020603050405020304" pitchFamily="18" charset="0"/>
-              </a:rPr>
-              <a:t> </a:t>
+              <a:t> Plan </a:t>
             </a:r>
             <a:r>
               <a:rPr lang="it-IT" sz="2800" b="1" dirty="0" smtClean="0">
                 <a:latin typeface="Times New Roman" panose="02020603050405020304" pitchFamily="18" charset="0"/>
                 <a:cs typeface="Times New Roman" panose="02020603050405020304" pitchFamily="18" charset="0"/>
               </a:rPr>
-              <a:t>(6)</a:t>
+              <a:t>(9)</a:t>
             </a:r>
             <a:endParaRPr lang="it-IT" sz="2800" dirty="0"/>
           </a:p>
@@ -5664,7 +5608,7 @@
     </p:spTree>
     <p:extLst>
       <p:ext uri="{BB962C8B-B14F-4D97-AF65-F5344CB8AC3E}">
-        <p14:creationId xmlns:p14="http://schemas.microsoft.com/office/powerpoint/2010/main" xmlns="" val="594007354"/>
+        <p14:creationId xmlns:p14="http://schemas.microsoft.com/office/powerpoint/2010/main" val="594007354"/>
       </p:ext>
     </p:extLst>
   </p:cSld>
@@ -5732,28 +5676,14 @@
                 <a:latin typeface="Times New Roman" panose="02020603050405020304" pitchFamily="18" charset="0"/>
                 <a:cs typeface="Times New Roman" panose="02020603050405020304" pitchFamily="18" charset="0"/>
               </a:rPr>
-              <a:t> </a:t>
-            </a:r>
-            <a:r>
-              <a:rPr lang="it-IT" sz="2800" b="1" dirty="0" err="1">
-                <a:latin typeface="Times New Roman" panose="02020603050405020304" pitchFamily="18" charset="0"/>
-                <a:cs typeface="Times New Roman" panose="02020603050405020304" pitchFamily="18" charset="0"/>
-              </a:rPr>
-              <a:t>Plan</a:t>
-            </a:r>
-            <a:r>
-              <a:rPr lang="it-IT" sz="2800" b="1" dirty="0">
-                <a:latin typeface="Times New Roman" panose="02020603050405020304" pitchFamily="18" charset="0"/>
-                <a:cs typeface="Times New Roman" panose="02020603050405020304" pitchFamily="18" charset="0"/>
-              </a:rPr>
-              <a:t> </a:t>
+              <a:t> Plan </a:t>
             </a:r>
             <a:r>
               <a:rPr lang="it-IT" sz="2800" b="1" dirty="0" smtClean="0">
                 <a:latin typeface="Times New Roman" panose="02020603050405020304" pitchFamily="18" charset="0"/>
                 <a:cs typeface="Times New Roman" panose="02020603050405020304" pitchFamily="18" charset="0"/>
               </a:rPr>
-              <a:t>(6)</a:t>
+              <a:t>(10)</a:t>
             </a:r>
             <a:endParaRPr lang="it-IT" sz="2800" dirty="0"/>
           </a:p>
@@ -5904,7 +5834,7 @@
     </p:spTree>
     <p:extLst>
       <p:ext uri="{BB962C8B-B14F-4D97-AF65-F5344CB8AC3E}">
-        <p14:creationId xmlns:p14="http://schemas.microsoft.com/office/powerpoint/2010/main" xmlns="" val="594007354"/>
+        <p14:creationId xmlns:p14="http://schemas.microsoft.com/office/powerpoint/2010/main" val="594007354"/>
       </p:ext>
     </p:extLst>
   </p:cSld>
@@ -5972,28 +5902,14 @@
                 <a:latin typeface="Times New Roman" panose="02020603050405020304" pitchFamily="18" charset="0"/>
                 <a:cs typeface="Times New Roman" panose="02020603050405020304" pitchFamily="18" charset="0"/>
               </a:rPr>
-              <a:t> </a:t>
-            </a:r>
-            <a:r>
-              <a:rPr lang="it-IT" sz="2800" b="1" dirty="0" err="1">
-                <a:latin typeface="Times New Roman" panose="02020603050405020304" pitchFamily="18" charset="0"/>
-                <a:cs typeface="Times New Roman" panose="02020603050405020304" pitchFamily="18" charset="0"/>
-              </a:rPr>
-              <a:t>Plan</a:t>
-            </a:r>
-            <a:r>
-              <a:rPr lang="it-IT" sz="2800" b="1" dirty="0">
-                <a:latin typeface="Times New Roman" panose="02020603050405020304" pitchFamily="18" charset="0"/>
-                <a:cs typeface="Times New Roman" panose="02020603050405020304" pitchFamily="18" charset="0"/>
-              </a:rPr>
-              <a:t> </a:t>
+              <a:t> Plan </a:t>
             </a:r>
             <a:r>
               <a:rPr lang="it-IT" sz="2800" b="1" dirty="0" smtClean="0">
                 <a:latin typeface="Times New Roman" panose="02020603050405020304" pitchFamily="18" charset="0"/>
                 <a:cs typeface="Times New Roman" panose="02020603050405020304" pitchFamily="18" charset="0"/>
               </a:rPr>
-              <a:t>(6)</a:t>
+              <a:t>(11)</a:t>
             </a:r>
             <a:endParaRPr lang="it-IT" sz="2800" dirty="0"/>
           </a:p>
@@ -6266,7 +6182,7 @@
     </p:spTree>
     <p:extLst>
       <p:ext uri="{BB962C8B-B14F-4D97-AF65-F5344CB8AC3E}">
-        <p14:creationId xmlns:p14="http://schemas.microsoft.com/office/powerpoint/2010/main" xmlns="" val="723523181"/>
+        <p14:creationId xmlns:p14="http://schemas.microsoft.com/office/powerpoint/2010/main" val="723523181"/>
       </p:ext>
     </p:extLst>
   </p:cSld>
@@ -6334,28 +6250,14 @@
                 <a:latin typeface="Times New Roman" panose="02020603050405020304" pitchFamily="18" charset="0"/>
                 <a:cs typeface="Times New Roman" panose="02020603050405020304" pitchFamily="18" charset="0"/>
               </a:rPr>
-              <a:t> </a:t>
-            </a:r>
-            <a:r>
-              <a:rPr lang="it-IT" sz="2800" b="1" dirty="0" err="1">
-                <a:latin typeface="Times New Roman" panose="02020603050405020304" pitchFamily="18" charset="0"/>
-                <a:cs typeface="Times New Roman" panose="02020603050405020304" pitchFamily="18" charset="0"/>
-              </a:rPr>
-              <a:t>Plan</a:t>
-            </a:r>
-            <a:r>
-              <a:rPr lang="it-IT" sz="2800" b="1" dirty="0">
-                <a:latin typeface="Times New Roman" panose="02020603050405020304" pitchFamily="18" charset="0"/>
-                <a:cs typeface="Times New Roman" panose="02020603050405020304" pitchFamily="18" charset="0"/>
-              </a:rPr>
-              <a:t> </a:t>
+              <a:t> Plan </a:t>
             </a:r>
             <a:r>
               <a:rPr lang="it-IT" sz="2800" b="1" dirty="0" smtClean="0">
                 <a:latin typeface="Times New Roman" panose="02020603050405020304" pitchFamily="18" charset="0"/>
                 <a:cs typeface="Times New Roman" panose="02020603050405020304" pitchFamily="18" charset="0"/>
               </a:rPr>
-              <a:t>(6)</a:t>
+              <a:t>(12)</a:t>
             </a:r>
             <a:endParaRPr lang="it-IT" sz="2800" dirty="0"/>
           </a:p>
@@ -6503,7 +6405,7 @@
     </p:spTree>
     <p:extLst>
       <p:ext uri="{BB962C8B-B14F-4D97-AF65-F5344CB8AC3E}">
-        <p14:creationId xmlns:p14="http://schemas.microsoft.com/office/powerpoint/2010/main" xmlns="" val="2442419145"/>
+        <p14:creationId xmlns:p14="http://schemas.microsoft.com/office/powerpoint/2010/main" val="2442419145"/>
       </p:ext>
     </p:extLst>
   </p:cSld>
@@ -6571,28 +6473,14 @@
                 <a:latin typeface="Times New Roman" panose="02020603050405020304" pitchFamily="18" charset="0"/>
                 <a:cs typeface="Times New Roman" panose="02020603050405020304" pitchFamily="18" charset="0"/>
               </a:rPr>
-              <a:t> </a:t>
-            </a:r>
-            <a:r>
-              <a:rPr lang="it-IT" sz="2800" b="1" dirty="0" err="1">
-                <a:latin typeface="Times New Roman" panose="02020603050405020304" pitchFamily="18" charset="0"/>
-                <a:cs typeface="Times New Roman" panose="02020603050405020304" pitchFamily="18" charset="0"/>
-              </a:rPr>
-              <a:t>Plan</a:t>
-            </a:r>
-            <a:r>
-              <a:rPr lang="it-IT" sz="2800" b="1" dirty="0">
-                <a:latin typeface="Times New Roman" panose="02020603050405020304" pitchFamily="18" charset="0"/>
-                <a:cs typeface="Times New Roman" panose="02020603050405020304" pitchFamily="18" charset="0"/>
-              </a:rPr>
-              <a:t> </a:t>
+              <a:t> Plan </a:t>
             </a:r>
             <a:r>
               <a:rPr lang="it-IT" sz="2800" b="1" dirty="0" smtClean="0">
                 <a:latin typeface="Times New Roman" panose="02020603050405020304" pitchFamily="18" charset="0"/>
                 <a:cs typeface="Times New Roman" panose="02020603050405020304" pitchFamily="18" charset="0"/>
               </a:rPr>
-              <a:t>(6)</a:t>
+              <a:t>(13)</a:t>
             </a:r>
             <a:endParaRPr lang="it-IT" sz="2800" dirty="0"/>
           </a:p>
@@ -6754,7 +6642,7 @@
     </p:spTree>
     <p:extLst>
       <p:ext uri="{BB962C8B-B14F-4D97-AF65-F5344CB8AC3E}">
-        <p14:creationId xmlns:p14="http://schemas.microsoft.com/office/powerpoint/2010/main" xmlns="" val="2442419145"/>
+        <p14:creationId xmlns:p14="http://schemas.microsoft.com/office/powerpoint/2010/main" val="2442419145"/>
       </p:ext>
     </p:extLst>
   </p:cSld>
@@ -6822,28 +6710,14 @@
                 <a:latin typeface="Times New Roman" panose="02020603050405020304" pitchFamily="18" charset="0"/>
                 <a:cs typeface="Times New Roman" panose="02020603050405020304" pitchFamily="18" charset="0"/>
               </a:rPr>
-              <a:t> </a:t>
-            </a:r>
-            <a:r>
-              <a:rPr lang="it-IT" sz="2800" b="1" dirty="0" err="1">
-                <a:latin typeface="Times New Roman" panose="02020603050405020304" pitchFamily="18" charset="0"/>
-                <a:cs typeface="Times New Roman" panose="02020603050405020304" pitchFamily="18" charset="0"/>
-              </a:rPr>
-              <a:t>Plan</a:t>
-            </a:r>
-            <a:r>
-              <a:rPr lang="it-IT" sz="2800" b="1" dirty="0">
-                <a:latin typeface="Times New Roman" panose="02020603050405020304" pitchFamily="18" charset="0"/>
-                <a:cs typeface="Times New Roman" panose="02020603050405020304" pitchFamily="18" charset="0"/>
-              </a:rPr>
-              <a:t> </a:t>
+              <a:t> Plan </a:t>
             </a:r>
             <a:r>
               <a:rPr lang="it-IT" sz="2800" b="1" dirty="0" smtClean="0">
                 <a:latin typeface="Times New Roman" panose="02020603050405020304" pitchFamily="18" charset="0"/>
                 <a:cs typeface="Times New Roman" panose="02020603050405020304" pitchFamily="18" charset="0"/>
               </a:rPr>
-              <a:t>(6)</a:t>
+              <a:t>(14)</a:t>
             </a:r>
             <a:endParaRPr lang="it-IT" sz="2800" dirty="0"/>
           </a:p>
@@ -7050,7 +6924,7 @@
     </p:spTree>
     <p:extLst>
       <p:ext uri="{BB962C8B-B14F-4D97-AF65-F5344CB8AC3E}">
-        <p14:creationId xmlns:p14="http://schemas.microsoft.com/office/powerpoint/2010/main" xmlns="" val="2442419145"/>
+        <p14:creationId xmlns:p14="http://schemas.microsoft.com/office/powerpoint/2010/main" val="2442419145"/>
       </p:ext>
     </p:extLst>
   </p:cSld>
@@ -7177,7 +7051,7 @@
           <a:blip r:embed="rId2" cstate="print">
             <a:extLst>
               <a:ext uri="{28A0092B-C50C-407E-A947-70E740481C1C}">
-                <a14:useLocalDpi xmlns:a14="http://schemas.microsoft.com/office/drawing/2010/main" xmlns="" val="0"/>
+                <a14:useLocalDpi xmlns:a14="http://schemas.microsoft.com/office/drawing/2010/main" val="0"/>
               </a:ext>
             </a:extLst>
           </a:blip>
@@ -7297,7 +7171,7 @@
     </p:spTree>
     <p:extLst>
       <p:ext uri="{BB962C8B-B14F-4D97-AF65-F5344CB8AC3E}">
-        <p14:creationId xmlns:p14="http://schemas.microsoft.com/office/powerpoint/2010/main" xmlns="" val="2554871489"/>
+        <p14:creationId xmlns:p14="http://schemas.microsoft.com/office/powerpoint/2010/main" val="2554871489"/>
       </p:ext>
     </p:extLst>
   </p:cSld>
@@ -7619,7 +7493,7 @@
     </p:spTree>
     <p:extLst>
       <p:ext uri="{BB962C8B-B14F-4D97-AF65-F5344CB8AC3E}">
-        <p14:creationId xmlns:p14="http://schemas.microsoft.com/office/powerpoint/2010/main" xmlns="" val="2442419145"/>
+        <p14:creationId xmlns:p14="http://schemas.microsoft.com/office/powerpoint/2010/main" val="2442419145"/>
       </p:ext>
     </p:extLst>
   </p:cSld>
@@ -7954,7 +7828,7 @@
     </p:spTree>
     <p:extLst>
       <p:ext uri="{BB962C8B-B14F-4D97-AF65-F5344CB8AC3E}">
-        <p14:creationId xmlns:p14="http://schemas.microsoft.com/office/powerpoint/2010/main" xmlns="" val="2442419145"/>
+        <p14:creationId xmlns:p14="http://schemas.microsoft.com/office/powerpoint/2010/main" val="2442419145"/>
       </p:ext>
     </p:extLst>
   </p:cSld>
@@ -8217,7 +8091,7 @@
     </p:spTree>
     <p:extLst>
       <p:ext uri="{BB962C8B-B14F-4D97-AF65-F5344CB8AC3E}">
-        <p14:creationId xmlns:p14="http://schemas.microsoft.com/office/powerpoint/2010/main" xmlns="" val="2442419145"/>
+        <p14:creationId xmlns:p14="http://schemas.microsoft.com/office/powerpoint/2010/main" val="2442419145"/>
       </p:ext>
     </p:extLst>
   </p:cSld>
@@ -8489,7 +8363,7 @@
     </p:spTree>
     <p:extLst>
       <p:ext uri="{BB962C8B-B14F-4D97-AF65-F5344CB8AC3E}">
-        <p14:creationId xmlns:p14="http://schemas.microsoft.com/office/powerpoint/2010/main" xmlns="" val="2442419145"/>
+        <p14:creationId xmlns:p14="http://schemas.microsoft.com/office/powerpoint/2010/main" val="2442419145"/>
       </p:ext>
     </p:extLst>
   </p:cSld>
@@ -8791,7 +8665,7 @@
     </p:spTree>
     <p:extLst>
       <p:ext uri="{BB962C8B-B14F-4D97-AF65-F5344CB8AC3E}">
-        <p14:creationId xmlns:p14="http://schemas.microsoft.com/office/powerpoint/2010/main" xmlns="" val="2442419145"/>
+        <p14:creationId xmlns:p14="http://schemas.microsoft.com/office/powerpoint/2010/main" val="2442419145"/>
       </p:ext>
     </p:extLst>
   </p:cSld>
@@ -9137,7 +9011,7 @@
     </p:spTree>
     <p:extLst>
       <p:ext uri="{BB962C8B-B14F-4D97-AF65-F5344CB8AC3E}">
-        <p14:creationId xmlns:p14="http://schemas.microsoft.com/office/powerpoint/2010/main" xmlns="" val="2442419145"/>
+        <p14:creationId xmlns:p14="http://schemas.microsoft.com/office/powerpoint/2010/main" val="2442419145"/>
       </p:ext>
     </p:extLst>
   </p:cSld>
@@ -9528,7 +9402,7 @@
     </p:spTree>
     <p:extLst>
       <p:ext uri="{BB962C8B-B14F-4D97-AF65-F5344CB8AC3E}">
-        <p14:creationId xmlns:p14="http://schemas.microsoft.com/office/powerpoint/2010/main" xmlns="" val="2442419145"/>
+        <p14:creationId xmlns:p14="http://schemas.microsoft.com/office/powerpoint/2010/main" val="2442419145"/>
       </p:ext>
     </p:extLst>
   </p:cSld>
@@ -10070,7 +9944,7 @@
     </p:spTree>
     <p:extLst>
       <p:ext uri="{BB962C8B-B14F-4D97-AF65-F5344CB8AC3E}">
-        <p14:creationId xmlns:p14="http://schemas.microsoft.com/office/powerpoint/2010/main" xmlns="" val="2442419145"/>
+        <p14:creationId xmlns:p14="http://schemas.microsoft.com/office/powerpoint/2010/main" val="2442419145"/>
       </p:ext>
     </p:extLst>
   </p:cSld>
@@ -10321,7 +10195,7 @@
     </p:spTree>
     <p:extLst>
       <p:ext uri="{BB962C8B-B14F-4D97-AF65-F5344CB8AC3E}">
-        <p14:creationId xmlns:p14="http://schemas.microsoft.com/office/powerpoint/2010/main" xmlns="" val="2442419145"/>
+        <p14:creationId xmlns:p14="http://schemas.microsoft.com/office/powerpoint/2010/main" val="2442419145"/>
       </p:ext>
     </p:extLst>
   </p:cSld>
@@ -10754,7 +10628,7 @@
     </p:spTree>
     <p:extLst>
       <p:ext uri="{BB962C8B-B14F-4D97-AF65-F5344CB8AC3E}">
-        <p14:creationId xmlns:p14="http://schemas.microsoft.com/office/powerpoint/2010/main" xmlns="" val="2442419145"/>
+        <p14:creationId xmlns:p14="http://schemas.microsoft.com/office/powerpoint/2010/main" val="2442419145"/>
       </p:ext>
     </p:extLst>
   </p:cSld>
@@ -10929,7 +10803,7 @@
     </p:spTree>
     <p:extLst>
       <p:ext uri="{BB962C8B-B14F-4D97-AF65-F5344CB8AC3E}">
-        <p14:creationId xmlns:p14="http://schemas.microsoft.com/office/powerpoint/2010/main" xmlns="" val="2477898856"/>
+        <p14:creationId xmlns:p14="http://schemas.microsoft.com/office/powerpoint/2010/main" val="2477898856"/>
       </p:ext>
     </p:extLst>
   </p:cSld>
@@ -11212,7 +11086,7 @@
     </p:spTree>
     <p:extLst>
       <p:ext uri="{BB962C8B-B14F-4D97-AF65-F5344CB8AC3E}">
-        <p14:creationId xmlns:p14="http://schemas.microsoft.com/office/powerpoint/2010/main" xmlns="" val="2442419145"/>
+        <p14:creationId xmlns:p14="http://schemas.microsoft.com/office/powerpoint/2010/main" val="2442419145"/>
       </p:ext>
     </p:extLst>
   </p:cSld>
@@ -11390,7 +11264,7 @@
     </p:spTree>
     <p:extLst>
       <p:ext uri="{BB962C8B-B14F-4D97-AF65-F5344CB8AC3E}">
-        <p14:creationId xmlns:p14="http://schemas.microsoft.com/office/powerpoint/2010/main" xmlns="" val="2442419145"/>
+        <p14:creationId xmlns:p14="http://schemas.microsoft.com/office/powerpoint/2010/main" val="2442419145"/>
       </p:ext>
     </p:extLst>
   </p:cSld>
@@ -11568,7 +11442,7 @@
     </p:spTree>
     <p:extLst>
       <p:ext uri="{BB962C8B-B14F-4D97-AF65-F5344CB8AC3E}">
-        <p14:creationId xmlns:p14="http://schemas.microsoft.com/office/powerpoint/2010/main" xmlns="" val="2442419145"/>
+        <p14:creationId xmlns:p14="http://schemas.microsoft.com/office/powerpoint/2010/main" val="2442419145"/>
       </p:ext>
     </p:extLst>
   </p:cSld>
@@ -11830,7 +11704,7 @@
     </p:spTree>
     <p:extLst>
       <p:ext uri="{BB962C8B-B14F-4D97-AF65-F5344CB8AC3E}">
-        <p14:creationId xmlns:p14="http://schemas.microsoft.com/office/powerpoint/2010/main" xmlns="" val="2442419145"/>
+        <p14:creationId xmlns:p14="http://schemas.microsoft.com/office/powerpoint/2010/main" val="2442419145"/>
       </p:ext>
     </p:extLst>
   </p:cSld>
@@ -12142,7 +12016,7 @@
     </p:spTree>
     <p:extLst>
       <p:ext uri="{BB962C8B-B14F-4D97-AF65-F5344CB8AC3E}">
-        <p14:creationId xmlns:p14="http://schemas.microsoft.com/office/powerpoint/2010/main" xmlns="" val="2442419145"/>
+        <p14:creationId xmlns:p14="http://schemas.microsoft.com/office/powerpoint/2010/main" val="2442419145"/>
       </p:ext>
     </p:extLst>
   </p:cSld>
@@ -12492,7 +12366,7 @@
     </p:spTree>
     <p:extLst>
       <p:ext uri="{BB962C8B-B14F-4D97-AF65-F5344CB8AC3E}">
-        <p14:creationId xmlns:p14="http://schemas.microsoft.com/office/powerpoint/2010/main" xmlns="" val="2442419145"/>
+        <p14:creationId xmlns:p14="http://schemas.microsoft.com/office/powerpoint/2010/main" val="2442419145"/>
       </p:ext>
     </p:extLst>
   </p:cSld>
@@ -12905,7 +12779,7 @@
     </p:spTree>
     <p:extLst>
       <p:ext uri="{BB962C8B-B14F-4D97-AF65-F5344CB8AC3E}">
-        <p14:creationId xmlns:p14="http://schemas.microsoft.com/office/powerpoint/2010/main" xmlns="" val="2442419145"/>
+        <p14:creationId xmlns:p14="http://schemas.microsoft.com/office/powerpoint/2010/main" val="2442419145"/>
       </p:ext>
     </p:extLst>
   </p:cSld>
@@ -13203,7 +13077,7 @@
     </p:spTree>
     <p:extLst>
       <p:ext uri="{BB962C8B-B14F-4D97-AF65-F5344CB8AC3E}">
-        <p14:creationId xmlns:p14="http://schemas.microsoft.com/office/powerpoint/2010/main" xmlns="" val="2442419145"/>
+        <p14:creationId xmlns:p14="http://schemas.microsoft.com/office/powerpoint/2010/main" val="2442419145"/>
       </p:ext>
     </p:extLst>
   </p:cSld>
@@ -13571,7 +13445,7 @@
     </p:spTree>
     <p:extLst>
       <p:ext uri="{BB962C8B-B14F-4D97-AF65-F5344CB8AC3E}">
-        <p14:creationId xmlns:p14="http://schemas.microsoft.com/office/powerpoint/2010/main" xmlns="" val="2442419145"/>
+        <p14:creationId xmlns:p14="http://schemas.microsoft.com/office/powerpoint/2010/main" val="2442419145"/>
       </p:ext>
     </p:extLst>
   </p:cSld>
@@ -13942,7 +13816,7 @@
     </p:spTree>
     <p:extLst>
       <p:ext uri="{BB962C8B-B14F-4D97-AF65-F5344CB8AC3E}">
-        <p14:creationId xmlns:p14="http://schemas.microsoft.com/office/powerpoint/2010/main" xmlns="" val="2442419145"/>
+        <p14:creationId xmlns:p14="http://schemas.microsoft.com/office/powerpoint/2010/main" val="2442419145"/>
       </p:ext>
     </p:extLst>
   </p:cSld>
@@ -14120,7 +13994,7 @@
     </p:spTree>
     <p:extLst>
       <p:ext uri="{BB962C8B-B14F-4D97-AF65-F5344CB8AC3E}">
-        <p14:creationId xmlns:p14="http://schemas.microsoft.com/office/powerpoint/2010/main" xmlns="" val="2051926642"/>
+        <p14:creationId xmlns:p14="http://schemas.microsoft.com/office/powerpoint/2010/main" val="2051926642"/>
       </p:ext>
     </p:extLst>
   </p:cSld>
@@ -14305,7 +14179,7 @@
     </p:spTree>
     <p:extLst>
       <p:ext uri="{BB962C8B-B14F-4D97-AF65-F5344CB8AC3E}">
-        <p14:creationId xmlns:p14="http://schemas.microsoft.com/office/powerpoint/2010/main" xmlns="" val="530745109"/>
+        <p14:creationId xmlns:p14="http://schemas.microsoft.com/office/powerpoint/2010/main" val="530745109"/>
       </p:ext>
     </p:extLst>
   </p:cSld>
@@ -14648,7 +14522,7 @@
     </p:spTree>
     <p:extLst>
       <p:ext uri="{BB962C8B-B14F-4D97-AF65-F5344CB8AC3E}">
-        <p14:creationId xmlns:p14="http://schemas.microsoft.com/office/powerpoint/2010/main" xmlns="" val="1113760290"/>
+        <p14:creationId xmlns:p14="http://schemas.microsoft.com/office/powerpoint/2010/main" val="1113760290"/>
       </p:ext>
     </p:extLst>
   </p:cSld>
@@ -14849,28 +14723,14 @@
                 <a:latin typeface="Times New Roman" panose="02020603050405020304" pitchFamily="18" charset="0"/>
                 <a:cs typeface="Times New Roman" panose="02020603050405020304" pitchFamily="18" charset="0"/>
               </a:rPr>
-              <a:t> </a:t>
-            </a:r>
-            <a:r>
-              <a:rPr lang="it-IT" sz="2800" b="1" dirty="0" err="1">
-                <a:latin typeface="Times New Roman" panose="02020603050405020304" pitchFamily="18" charset="0"/>
-                <a:cs typeface="Times New Roman" panose="02020603050405020304" pitchFamily="18" charset="0"/>
-              </a:rPr>
-              <a:t>Plan</a:t>
-            </a:r>
-            <a:r>
-              <a:rPr lang="it-IT" sz="2800" b="1" dirty="0">
-                <a:latin typeface="Times New Roman" panose="02020603050405020304" pitchFamily="18" charset="0"/>
-                <a:cs typeface="Times New Roman" panose="02020603050405020304" pitchFamily="18" charset="0"/>
-              </a:rPr>
-              <a:t> </a:t>
+              <a:t> Plan </a:t>
             </a:r>
             <a:r>
               <a:rPr lang="it-IT" sz="2800" b="1" dirty="0" smtClean="0">
                 <a:latin typeface="Times New Roman" panose="02020603050405020304" pitchFamily="18" charset="0"/>
                 <a:cs typeface="Times New Roman" panose="02020603050405020304" pitchFamily="18" charset="0"/>
               </a:rPr>
-              <a:t>(1)</a:t>
+              <a:t>(2)</a:t>
             </a:r>
             <a:endParaRPr lang="it-IT" sz="2800" dirty="0"/>
           </a:p>
@@ -15054,28 +14914,14 @@
                 <a:latin typeface="Times New Roman" panose="02020603050405020304" pitchFamily="18" charset="0"/>
                 <a:cs typeface="Times New Roman" panose="02020603050405020304" pitchFamily="18" charset="0"/>
               </a:rPr>
-              <a:t> </a:t>
-            </a:r>
-            <a:r>
-              <a:rPr lang="it-IT" sz="2800" b="1" dirty="0" err="1">
-                <a:latin typeface="Times New Roman" panose="02020603050405020304" pitchFamily="18" charset="0"/>
-                <a:cs typeface="Times New Roman" panose="02020603050405020304" pitchFamily="18" charset="0"/>
-              </a:rPr>
-              <a:t>Plan</a:t>
-            </a:r>
-            <a:r>
-              <a:rPr lang="it-IT" sz="2800" b="1" dirty="0">
-                <a:latin typeface="Times New Roman" panose="02020603050405020304" pitchFamily="18" charset="0"/>
-                <a:cs typeface="Times New Roman" panose="02020603050405020304" pitchFamily="18" charset="0"/>
-              </a:rPr>
-              <a:t> </a:t>
+              <a:t> Plan </a:t>
             </a:r>
             <a:r>
               <a:rPr lang="it-IT" sz="2800" b="1" dirty="0" smtClean="0">
                 <a:latin typeface="Times New Roman" panose="02020603050405020304" pitchFamily="18" charset="0"/>
                 <a:cs typeface="Times New Roman" panose="02020603050405020304" pitchFamily="18" charset="0"/>
               </a:rPr>
-              <a:t>(1)</a:t>
+              <a:t>(3)</a:t>
             </a:r>
             <a:endParaRPr lang="it-IT" sz="2800" dirty="0"/>
           </a:p>
@@ -15154,7 +15000,7 @@
                 <a:latin typeface="Times New Roman" panose="02020603050405020304" pitchFamily="18" charset="0"/>
                 <a:cs typeface="Times New Roman" panose="02020603050405020304" pitchFamily="18" charset="0"/>
               </a:rPr>
-              <a:t>(2)</a:t>
+              <a:t>(4)</a:t>
             </a:r>
             <a:endParaRPr lang="it-IT" sz="2800" dirty="0"/>
           </a:p>
@@ -15350,7 +15196,7 @@
     </p:spTree>
     <p:extLst>
       <p:ext uri="{BB962C8B-B14F-4D97-AF65-F5344CB8AC3E}">
-        <p14:creationId xmlns:p14="http://schemas.microsoft.com/office/powerpoint/2010/main" xmlns="" val="3011033621"/>
+        <p14:creationId xmlns:p14="http://schemas.microsoft.com/office/powerpoint/2010/main" val="3011033621"/>
       </p:ext>
     </p:extLst>
   </p:cSld>

--- a/Prova_6/Leone_Mastrosimone_PresentazioneProgetto.pptx
+++ b/Prova_6/Leone_Mastrosimone_PresentazioneProgetto.pptx
@@ -34,16 +34,17 @@
     <p:sldId id="282" r:id="rId28"/>
     <p:sldId id="283" r:id="rId29"/>
     <p:sldId id="284" r:id="rId30"/>
-    <p:sldId id="285" r:id="rId31"/>
-    <p:sldId id="286" r:id="rId32"/>
-    <p:sldId id="287" r:id="rId33"/>
-    <p:sldId id="288" r:id="rId34"/>
-    <p:sldId id="289" r:id="rId35"/>
-    <p:sldId id="290" r:id="rId36"/>
-    <p:sldId id="291" r:id="rId37"/>
-    <p:sldId id="292" r:id="rId38"/>
-    <p:sldId id="293" r:id="rId39"/>
-    <p:sldId id="294" r:id="rId40"/>
+    <p:sldId id="295" r:id="rId31"/>
+    <p:sldId id="285" r:id="rId32"/>
+    <p:sldId id="286" r:id="rId33"/>
+    <p:sldId id="287" r:id="rId34"/>
+    <p:sldId id="288" r:id="rId35"/>
+    <p:sldId id="289" r:id="rId36"/>
+    <p:sldId id="290" r:id="rId37"/>
+    <p:sldId id="291" r:id="rId38"/>
+    <p:sldId id="292" r:id="rId39"/>
+    <p:sldId id="293" r:id="rId40"/>
+    <p:sldId id="294" r:id="rId41"/>
   </p:sldIdLst>
   <p:sldSz cx="9144000" cy="6858000" type="screen4x3"/>
   <p:notesSz cx="6858000" cy="9144000"/>
@@ -4003,6 +4004,7 @@
                 <a:solidFill>
                   <a:schemeClr val="tx1"/>
                 </a:solidFill>
+                <a:effectLst/>
                 <a:latin typeface="Times New Roman" panose="02020603050405020304" pitchFamily="18" charset="0"/>
                 <a:cs typeface="Times New Roman" panose="02020603050405020304" pitchFamily="18" charset="0"/>
               </a:rPr>
@@ -4013,6 +4015,7 @@
                 <a:solidFill>
                   <a:schemeClr val="tx1"/>
                 </a:solidFill>
+                <a:effectLst/>
                 <a:latin typeface="Times New Roman" panose="02020603050405020304" pitchFamily="18" charset="0"/>
                 <a:cs typeface="Times New Roman" panose="02020603050405020304" pitchFamily="18" charset="0"/>
               </a:rPr>
@@ -4023,6 +4026,7 @@
                 <a:solidFill>
                   <a:schemeClr val="tx1"/>
                 </a:solidFill>
+                <a:effectLst/>
                 <a:latin typeface="Times New Roman" panose="02020603050405020304" pitchFamily="18" charset="0"/>
                 <a:cs typeface="Times New Roman" panose="02020603050405020304" pitchFamily="18" charset="0"/>
               </a:rPr>
@@ -4032,6 +4036,7 @@
                 <a:solidFill>
                   <a:schemeClr val="tx1"/>
                 </a:solidFill>
+                <a:effectLst/>
                 <a:latin typeface="Times New Roman" panose="02020603050405020304" pitchFamily="18" charset="0"/>
                 <a:cs typeface="Times New Roman" panose="02020603050405020304" pitchFamily="18" charset="0"/>
               </a:rPr>
@@ -4042,6 +4047,7 @@
                 <a:solidFill>
                   <a:schemeClr val="tx1"/>
                 </a:solidFill>
+                <a:effectLst/>
                 <a:latin typeface="Times New Roman" panose="02020603050405020304" pitchFamily="18" charset="0"/>
                 <a:cs typeface="Times New Roman" panose="02020603050405020304" pitchFamily="18" charset="0"/>
               </a:rPr>
@@ -4052,6 +4058,7 @@
                 <a:solidFill>
                   <a:schemeClr val="tx1"/>
                 </a:solidFill>
+                <a:effectLst/>
                 <a:latin typeface="Times New Roman" panose="02020603050405020304" pitchFamily="18" charset="0"/>
                 <a:cs typeface="Times New Roman" panose="02020603050405020304" pitchFamily="18" charset="0"/>
               </a:rPr>
@@ -4062,6 +4069,7 @@
                 <a:solidFill>
                   <a:schemeClr val="tx1"/>
                 </a:solidFill>
+                <a:effectLst/>
                 <a:latin typeface="Times New Roman" panose="02020603050405020304" pitchFamily="18" charset="0"/>
                 <a:cs typeface="Times New Roman" panose="02020603050405020304" pitchFamily="18" charset="0"/>
               </a:rPr>
@@ -4071,6 +4079,7 @@
                 <a:solidFill>
                   <a:schemeClr val="tx1"/>
                 </a:solidFill>
+                <a:effectLst/>
                 <a:latin typeface="Times New Roman" panose="02020603050405020304" pitchFamily="18" charset="0"/>
                 <a:cs typeface="Times New Roman" panose="02020603050405020304" pitchFamily="18" charset="0"/>
               </a:rPr>
@@ -4081,6 +4090,7 @@
                 <a:solidFill>
                   <a:schemeClr val="tx1"/>
                 </a:solidFill>
+                <a:effectLst/>
                 <a:latin typeface="Times New Roman" panose="02020603050405020304" pitchFamily="18" charset="0"/>
                 <a:cs typeface="Times New Roman" panose="02020603050405020304" pitchFamily="18" charset="0"/>
               </a:rPr>
@@ -4091,6 +4101,7 @@
                 <a:solidFill>
                   <a:schemeClr val="tx1"/>
                 </a:solidFill>
+                <a:effectLst/>
                 <a:latin typeface="Times New Roman" panose="02020603050405020304" pitchFamily="18" charset="0"/>
                 <a:cs typeface="Times New Roman" panose="02020603050405020304" pitchFamily="18" charset="0"/>
               </a:rPr>
@@ -10832,6 +10843,365 @@
       </p:grpSpPr>
       <p:sp>
         <p:nvSpPr>
+          <p:cNvPr id="2" name="Titolo 1"/>
+          <p:cNvSpPr>
+            <a:spLocks noGrp="1"/>
+          </p:cNvSpPr>
+          <p:nvPr>
+            <p:ph type="title"/>
+          </p:nvPr>
+        </p:nvSpPr>
+        <p:spPr>
+          <a:xfrm>
+            <a:off x="457200" y="626815"/>
+            <a:ext cx="8229600" cy="493647"/>
+          </a:xfrm>
+        </p:spPr>
+        <p:txBody>
+          <a:bodyPr>
+            <a:normAutofit/>
+          </a:bodyPr>
+          <a:lstStyle/>
+          <a:p>
+            <a:r>
+              <a:rPr lang="it-IT" sz="2800" b="1" dirty="0">
+                <a:latin typeface="Times New Roman" panose="02020603050405020304" pitchFamily="18" charset="0"/>
+                <a:cs typeface="Times New Roman" panose="02020603050405020304" pitchFamily="18" charset="0"/>
+              </a:rPr>
+              <a:t>User </a:t>
+            </a:r>
+            <a:r>
+              <a:rPr lang="it-IT" sz="2800" b="1" dirty="0" err="1">
+                <a:latin typeface="Times New Roman" panose="02020603050405020304" pitchFamily="18" charset="0"/>
+                <a:cs typeface="Times New Roman" panose="02020603050405020304" pitchFamily="18" charset="0"/>
+              </a:rPr>
+              <a:t>testing</a:t>
+            </a:r>
+            <a:r>
+              <a:rPr lang="it-IT" sz="2800" b="1" dirty="0">
+                <a:latin typeface="Times New Roman" panose="02020603050405020304" pitchFamily="18" charset="0"/>
+                <a:cs typeface="Times New Roman" panose="02020603050405020304" pitchFamily="18" charset="0"/>
+              </a:rPr>
+              <a:t> – </a:t>
+            </a:r>
+            <a:r>
+              <a:rPr lang="it-IT" sz="2800" b="1" i="1" dirty="0" err="1">
+                <a:latin typeface="Times New Roman" panose="02020603050405020304" pitchFamily="18" charset="0"/>
+                <a:cs typeface="Times New Roman" panose="02020603050405020304" pitchFamily="18" charset="0"/>
+              </a:rPr>
+              <a:t>During</a:t>
+            </a:r>
+            <a:r>
+              <a:rPr lang="it-IT" sz="2800" b="1" i="1" dirty="0">
+                <a:latin typeface="Times New Roman" panose="02020603050405020304" pitchFamily="18" charset="0"/>
+                <a:cs typeface="Times New Roman" panose="02020603050405020304" pitchFamily="18" charset="0"/>
+              </a:rPr>
+              <a:t> the test</a:t>
+            </a:r>
+            <a:endParaRPr lang="it-IT" sz="2800" dirty="0"/>
+          </a:p>
+        </p:txBody>
+      </p:sp>
+      <p:sp>
+        <p:nvSpPr>
+          <p:cNvPr id="3" name="Segnaposto contenuto 2"/>
+          <p:cNvSpPr>
+            <a:spLocks noGrp="1"/>
+          </p:cNvSpPr>
+          <p:nvPr>
+            <p:ph idx="1"/>
+          </p:nvPr>
+        </p:nvSpPr>
+        <p:spPr>
+          <a:xfrm>
+            <a:off x="457200" y="1429555"/>
+            <a:ext cx="8229600" cy="4895045"/>
+          </a:xfrm>
+        </p:spPr>
+        <p:txBody>
+          <a:bodyPr>
+            <a:normAutofit/>
+          </a:bodyPr>
+          <a:lstStyle/>
+          <a:p>
+            <a:pPr marL="0" indent="0" algn="ctr">
+              <a:buNone/>
+            </a:pPr>
+            <a:r>
+              <a:rPr lang="it-IT" sz="2500" b="1" dirty="0" smtClean="0">
+                <a:latin typeface="Times New Roman" panose="02020603050405020304" pitchFamily="18" charset="0"/>
+                <a:cs typeface="Times New Roman" panose="02020603050405020304" pitchFamily="18" charset="0"/>
+              </a:rPr>
+              <a:t>Task </a:t>
+            </a:r>
+            <a:r>
+              <a:rPr lang="it-IT" sz="2500" b="1" dirty="0">
+                <a:latin typeface="Times New Roman" panose="02020603050405020304" pitchFamily="18" charset="0"/>
+                <a:cs typeface="Times New Roman" panose="02020603050405020304" pitchFamily="18" charset="0"/>
+              </a:rPr>
+              <a:t>7 – </a:t>
+            </a:r>
+            <a:r>
+              <a:rPr lang="it-IT" sz="2500" b="1" dirty="0" err="1" smtClean="0">
+                <a:latin typeface="Times New Roman" panose="02020603050405020304" pitchFamily="18" charset="0"/>
+                <a:cs typeface="Times New Roman" panose="02020603050405020304" pitchFamily="18" charset="0"/>
+              </a:rPr>
+              <a:t>Forgot</a:t>
+            </a:r>
+            <a:r>
+              <a:rPr lang="it-IT" sz="2500" b="1" dirty="0" smtClean="0">
+                <a:latin typeface="Times New Roman" panose="02020603050405020304" pitchFamily="18" charset="0"/>
+                <a:cs typeface="Times New Roman" panose="02020603050405020304" pitchFamily="18" charset="0"/>
+              </a:rPr>
+              <a:t> Password </a:t>
+            </a:r>
+            <a:r>
+              <a:rPr lang="it-IT" sz="2500" b="1" dirty="0">
+                <a:latin typeface="Times New Roman" panose="02020603050405020304" pitchFamily="18" charset="0"/>
+                <a:cs typeface="Times New Roman" panose="02020603050405020304" pitchFamily="18" charset="0"/>
+              </a:rPr>
+              <a:t>e</a:t>
+            </a:r>
+            <a:r>
+              <a:rPr lang="it-IT" sz="2500" b="1" dirty="0" smtClean="0">
+                <a:latin typeface="Times New Roman" panose="02020603050405020304" pitchFamily="18" charset="0"/>
+                <a:cs typeface="Times New Roman" panose="02020603050405020304" pitchFamily="18" charset="0"/>
+              </a:rPr>
+              <a:t> Login</a:t>
+            </a:r>
+          </a:p>
+          <a:p>
+            <a:pPr marL="0" indent="0" algn="ctr">
+              <a:buNone/>
+            </a:pPr>
+            <a:endParaRPr lang="it-IT" sz="2500" dirty="0">
+              <a:latin typeface="Times New Roman" panose="02020603050405020304" pitchFamily="18" charset="0"/>
+              <a:cs typeface="Times New Roman" panose="02020603050405020304" pitchFamily="18" charset="0"/>
+            </a:endParaRPr>
+          </a:p>
+          <a:p>
+            <a:pPr marL="457200" lvl="0" indent="-457200">
+              <a:buClrTx/>
+              <a:buFont typeface="+mj-lt"/>
+              <a:buAutoNum type="arabicPeriod"/>
+            </a:pPr>
+            <a:r>
+              <a:rPr lang="it-IT" sz="2000" dirty="0">
+                <a:latin typeface="Times New Roman" panose="02020603050405020304" pitchFamily="18" charset="0"/>
+                <a:cs typeface="Times New Roman" panose="02020603050405020304" pitchFamily="18" charset="0"/>
+              </a:rPr>
+              <a:t>Dalla Home aprire il menù a tendina e cliccare su “</a:t>
+            </a:r>
+            <a:r>
+              <a:rPr lang="it-IT" sz="2000" dirty="0" err="1">
+                <a:latin typeface="Times New Roman" panose="02020603050405020304" pitchFamily="18" charset="0"/>
+                <a:cs typeface="Times New Roman" panose="02020603050405020304" pitchFamily="18" charset="0"/>
+              </a:rPr>
+              <a:t>Logout</a:t>
+            </a:r>
+            <a:r>
+              <a:rPr lang="it-IT" sz="2000" dirty="0">
+                <a:latin typeface="Times New Roman" panose="02020603050405020304" pitchFamily="18" charset="0"/>
+                <a:cs typeface="Times New Roman" panose="02020603050405020304" pitchFamily="18" charset="0"/>
+              </a:rPr>
+              <a:t>”;</a:t>
+            </a:r>
+          </a:p>
+          <a:p>
+            <a:pPr marL="457200" lvl="0" indent="-457200">
+              <a:buClrTx/>
+              <a:buFont typeface="+mj-lt"/>
+              <a:buAutoNum type="arabicPeriod"/>
+            </a:pPr>
+            <a:r>
+              <a:rPr lang="it-IT" sz="2000" dirty="0">
+                <a:latin typeface="Times New Roman" panose="02020603050405020304" pitchFamily="18" charset="0"/>
+                <a:cs typeface="Times New Roman" panose="02020603050405020304" pitchFamily="18" charset="0"/>
+              </a:rPr>
+              <a:t>Si verrà reindirizzati nella pagina di presentazione dell’</a:t>
+            </a:r>
+            <a:r>
+              <a:rPr lang="it-IT" sz="2000" dirty="0" err="1">
+                <a:latin typeface="Times New Roman" panose="02020603050405020304" pitchFamily="18" charset="0"/>
+                <a:cs typeface="Times New Roman" panose="02020603050405020304" pitchFamily="18" charset="0"/>
+              </a:rPr>
+              <a:t>app</a:t>
+            </a:r>
+            <a:r>
+              <a:rPr lang="it-IT" sz="2000" dirty="0">
+                <a:latin typeface="Times New Roman" panose="02020603050405020304" pitchFamily="18" charset="0"/>
+                <a:cs typeface="Times New Roman" panose="02020603050405020304" pitchFamily="18" charset="0"/>
+              </a:rPr>
+              <a:t>;</a:t>
+            </a:r>
+          </a:p>
+          <a:p>
+            <a:pPr marL="457200" lvl="0" indent="-457200">
+              <a:buClrTx/>
+              <a:buFont typeface="+mj-lt"/>
+              <a:buAutoNum type="arabicPeriod"/>
+            </a:pPr>
+            <a:r>
+              <a:rPr lang="it-IT" sz="2000" dirty="0">
+                <a:latin typeface="Times New Roman" panose="02020603050405020304" pitchFamily="18" charset="0"/>
+                <a:cs typeface="Times New Roman" panose="02020603050405020304" pitchFamily="18" charset="0"/>
+              </a:rPr>
+              <a:t>Cliccare sul pulsante “Login”;</a:t>
+            </a:r>
+          </a:p>
+          <a:p>
+            <a:pPr marL="457200" lvl="0" indent="-457200">
+              <a:buClrTx/>
+              <a:buFont typeface="+mj-lt"/>
+              <a:buAutoNum type="arabicPeriod"/>
+            </a:pPr>
+            <a:r>
+              <a:rPr lang="it-IT" sz="2000" dirty="0">
+                <a:latin typeface="Times New Roman" panose="02020603050405020304" pitchFamily="18" charset="0"/>
+                <a:cs typeface="Times New Roman" panose="02020603050405020304" pitchFamily="18" charset="0"/>
+              </a:rPr>
+              <a:t>Cliccare su “</a:t>
+            </a:r>
+            <a:r>
+              <a:rPr lang="it-IT" sz="2000" dirty="0" err="1">
+                <a:latin typeface="Times New Roman" panose="02020603050405020304" pitchFamily="18" charset="0"/>
+                <a:cs typeface="Times New Roman" panose="02020603050405020304" pitchFamily="18" charset="0"/>
+              </a:rPr>
+              <a:t>Forgot</a:t>
+            </a:r>
+            <a:r>
+              <a:rPr lang="it-IT" sz="2000" dirty="0">
+                <a:latin typeface="Times New Roman" panose="02020603050405020304" pitchFamily="18" charset="0"/>
+                <a:cs typeface="Times New Roman" panose="02020603050405020304" pitchFamily="18" charset="0"/>
+              </a:rPr>
+              <a:t> </a:t>
+            </a:r>
+            <a:r>
+              <a:rPr lang="it-IT" sz="2000" dirty="0" err="1">
+                <a:latin typeface="Times New Roman" panose="02020603050405020304" pitchFamily="18" charset="0"/>
+                <a:cs typeface="Times New Roman" panose="02020603050405020304" pitchFamily="18" charset="0"/>
+              </a:rPr>
+              <a:t>you</a:t>
+            </a:r>
+            <a:r>
+              <a:rPr lang="it-IT" sz="2000" dirty="0">
+                <a:latin typeface="Times New Roman" panose="02020603050405020304" pitchFamily="18" charset="0"/>
+                <a:cs typeface="Times New Roman" panose="02020603050405020304" pitchFamily="18" charset="0"/>
+              </a:rPr>
+              <a:t> password?”</a:t>
+            </a:r>
+          </a:p>
+          <a:p>
+            <a:pPr marL="457200" lvl="0" indent="-457200">
+              <a:buClrTx/>
+              <a:buFont typeface="+mj-lt"/>
+              <a:buAutoNum type="arabicPeriod"/>
+            </a:pPr>
+            <a:r>
+              <a:rPr lang="it-IT" sz="2000" dirty="0">
+                <a:latin typeface="Times New Roman" panose="02020603050405020304" pitchFamily="18" charset="0"/>
+                <a:cs typeface="Times New Roman" panose="02020603050405020304" pitchFamily="18" charset="0"/>
+              </a:rPr>
+              <a:t>Compilare i campi richiesti e cliccare su “Reset Password”;</a:t>
+            </a:r>
+          </a:p>
+          <a:p>
+            <a:pPr marL="457200" lvl="0" indent="-457200">
+              <a:buClrTx/>
+              <a:buFont typeface="+mj-lt"/>
+              <a:buAutoNum type="arabicPeriod"/>
+            </a:pPr>
+            <a:r>
+              <a:rPr lang="it-IT" sz="2000" dirty="0">
+                <a:latin typeface="Times New Roman" panose="02020603050405020304" pitchFamily="18" charset="0"/>
+                <a:cs typeface="Times New Roman" panose="02020603050405020304" pitchFamily="18" charset="0"/>
+              </a:rPr>
+              <a:t>Se l’operazione è andata a buon fine si verrà indirizzati nella pagina di Login;</a:t>
+            </a:r>
+          </a:p>
+          <a:p>
+            <a:pPr marL="457200" lvl="0" indent="-457200">
+              <a:buClr>
+                <a:schemeClr val="tx1"/>
+              </a:buClr>
+              <a:buFont typeface="+mj-lt"/>
+              <a:buAutoNum type="arabicPeriod"/>
+            </a:pPr>
+            <a:r>
+              <a:rPr lang="it-IT" sz="2000" dirty="0">
+                <a:latin typeface="Times New Roman" panose="02020603050405020304" pitchFamily="18" charset="0"/>
+                <a:cs typeface="Times New Roman" panose="02020603050405020304" pitchFamily="18" charset="0"/>
+              </a:rPr>
+              <a:t>Compilare le </a:t>
+            </a:r>
+            <a:r>
+              <a:rPr lang="it-IT" sz="2000" dirty="0" err="1">
+                <a:latin typeface="Times New Roman" panose="02020603050405020304" pitchFamily="18" charset="0"/>
+                <a:cs typeface="Times New Roman" panose="02020603050405020304" pitchFamily="18" charset="0"/>
+              </a:rPr>
+              <a:t>form</a:t>
+            </a:r>
+            <a:r>
+              <a:rPr lang="it-IT" sz="2000" dirty="0">
+                <a:latin typeface="Times New Roman" panose="02020603050405020304" pitchFamily="18" charset="0"/>
+                <a:cs typeface="Times New Roman" panose="02020603050405020304" pitchFamily="18" charset="0"/>
+              </a:rPr>
+              <a:t> richieste e cliccare su Login;</a:t>
+            </a:r>
+          </a:p>
+          <a:p>
+            <a:pPr marL="457200" lvl="0" indent="-457200">
+              <a:buClr>
+                <a:schemeClr val="tx1"/>
+              </a:buClr>
+              <a:buFont typeface="+mj-lt"/>
+              <a:buAutoNum type="arabicPeriod"/>
+            </a:pPr>
+            <a:r>
+              <a:rPr lang="it-IT" sz="2000" dirty="0">
+                <a:latin typeface="Times New Roman" panose="02020603050405020304" pitchFamily="18" charset="0"/>
+                <a:cs typeface="Times New Roman" panose="02020603050405020304" pitchFamily="18" charset="0"/>
+              </a:rPr>
+              <a:t>Si verrà indirizzati nella Home page nel caso in cui i dati sono stati inseriti correttamente. </a:t>
+            </a:r>
+          </a:p>
+          <a:p>
+            <a:endParaRPr lang="it-IT" dirty="0"/>
+          </a:p>
+        </p:txBody>
+      </p:sp>
+    </p:spTree>
+    <p:extLst>
+      <p:ext uri="{BB962C8B-B14F-4D97-AF65-F5344CB8AC3E}">
+        <p14:creationId xmlns:p14="http://schemas.microsoft.com/office/powerpoint/2010/main" val="2428663034"/>
+      </p:ext>
+    </p:extLst>
+  </p:cSld>
+  <p:clrMapOvr>
+    <a:masterClrMapping/>
+  </p:clrMapOvr>
+</p:sld>
+</file>
+
+<file path=ppt/slides/slide31.xml><?xml version="1.0" encoding="utf-8"?>
+<p:sld xmlns:a="http://schemas.openxmlformats.org/drawingml/2006/main" xmlns:r="http://schemas.openxmlformats.org/officeDocument/2006/relationships" xmlns:p="http://schemas.openxmlformats.org/presentationml/2006/main">
+  <p:cSld>
+    <p:spTree>
+      <p:nvGrpSpPr>
+        <p:cNvPr id="1" name=""/>
+        <p:cNvGrpSpPr/>
+        <p:nvPr/>
+      </p:nvGrpSpPr>
+      <p:grpSpPr>
+        <a:xfrm>
+          <a:off x="0" y="0"/>
+          <a:ext cx="0" cy="0"/>
+          <a:chOff x="0" y="0"/>
+          <a:chExt cx="0" cy="0"/>
+        </a:xfrm>
+      </p:grpSpPr>
+      <p:sp>
+        <p:nvSpPr>
           <p:cNvPr id="5" name="Titolo 1"/>
           <p:cNvSpPr>
             <a:spLocks noGrp="1"/>
@@ -11096,184 +11466,6 @@
 </p:sld>
 </file>
 
-<file path=ppt/slides/slide31.xml><?xml version="1.0" encoding="utf-8"?>
-<p:sld xmlns:a="http://schemas.openxmlformats.org/drawingml/2006/main" xmlns:r="http://schemas.openxmlformats.org/officeDocument/2006/relationships" xmlns:p="http://schemas.openxmlformats.org/presentationml/2006/main">
-  <p:cSld>
-    <p:spTree>
-      <p:nvGrpSpPr>
-        <p:cNvPr id="1" name=""/>
-        <p:cNvGrpSpPr/>
-        <p:nvPr/>
-      </p:nvGrpSpPr>
-      <p:grpSpPr>
-        <a:xfrm>
-          <a:off x="0" y="0"/>
-          <a:ext cx="0" cy="0"/>
-          <a:chOff x="0" y="0"/>
-          <a:chExt cx="0" cy="0"/>
-        </a:xfrm>
-      </p:grpSpPr>
-      <p:sp>
-        <p:nvSpPr>
-          <p:cNvPr id="5" name="Titolo 1"/>
-          <p:cNvSpPr>
-            <a:spLocks noGrp="1"/>
-          </p:cNvSpPr>
-          <p:nvPr>
-            <p:ph type="title"/>
-          </p:nvPr>
-        </p:nvSpPr>
-        <p:spPr>
-          <a:xfrm>
-            <a:off x="628650" y="444137"/>
-            <a:ext cx="7886700" cy="653143"/>
-          </a:xfrm>
-        </p:spPr>
-        <p:txBody>
-          <a:bodyPr>
-            <a:normAutofit/>
-          </a:bodyPr>
-          <a:lstStyle/>
-          <a:p>
-            <a:r>
-              <a:rPr lang="it-IT" sz="2800" b="1" dirty="0" err="1" smtClean="0">
-                <a:latin typeface="Times New Roman" panose="02020603050405020304" pitchFamily="18" charset="0"/>
-                <a:cs typeface="Times New Roman" panose="02020603050405020304" pitchFamily="18" charset="0"/>
-              </a:rPr>
-              <a:t>User</a:t>
-            </a:r>
-            <a:r>
-              <a:rPr lang="it-IT" sz="2800" b="1" dirty="0" smtClean="0">
-                <a:latin typeface="Times New Roman" panose="02020603050405020304" pitchFamily="18" charset="0"/>
-                <a:cs typeface="Times New Roman" panose="02020603050405020304" pitchFamily="18" charset="0"/>
-              </a:rPr>
-              <a:t> </a:t>
-            </a:r>
-            <a:r>
-              <a:rPr lang="it-IT" sz="2800" b="1" dirty="0" err="1" smtClean="0">
-                <a:latin typeface="Times New Roman" panose="02020603050405020304" pitchFamily="18" charset="0"/>
-                <a:cs typeface="Times New Roman" panose="02020603050405020304" pitchFamily="18" charset="0"/>
-              </a:rPr>
-              <a:t>testing</a:t>
-            </a:r>
-            <a:r>
-              <a:rPr lang="it-IT" sz="2800" b="1" dirty="0" smtClean="0">
-                <a:latin typeface="Times New Roman" panose="02020603050405020304" pitchFamily="18" charset="0"/>
-                <a:cs typeface="Times New Roman" panose="02020603050405020304" pitchFamily="18" charset="0"/>
-              </a:rPr>
-              <a:t> – </a:t>
-            </a:r>
-            <a:r>
-              <a:rPr lang="it-IT" sz="2800" b="1" i="1" dirty="0" err="1" smtClean="0">
-                <a:latin typeface="Times New Roman" panose="02020603050405020304" pitchFamily="18" charset="0"/>
-                <a:cs typeface="Times New Roman" panose="02020603050405020304" pitchFamily="18" charset="0"/>
-              </a:rPr>
-              <a:t>During</a:t>
-            </a:r>
-            <a:r>
-              <a:rPr lang="it-IT" sz="2800" b="1" i="1" dirty="0" smtClean="0">
-                <a:latin typeface="Times New Roman" panose="02020603050405020304" pitchFamily="18" charset="0"/>
-                <a:cs typeface="Times New Roman" panose="02020603050405020304" pitchFamily="18" charset="0"/>
-              </a:rPr>
-              <a:t> the test</a:t>
-            </a:r>
-            <a:endParaRPr lang="it-IT" sz="2800" i="1" dirty="0"/>
-          </a:p>
-        </p:txBody>
-      </p:sp>
-      <p:sp>
-        <p:nvSpPr>
-          <p:cNvPr id="8" name="Segnaposto contenuto 2"/>
-          <p:cNvSpPr txBox="1">
-            <a:spLocks/>
-          </p:cNvSpPr>
-          <p:nvPr/>
-        </p:nvSpPr>
-        <p:spPr>
-          <a:xfrm>
-            <a:off x="628650" y="1254036"/>
-            <a:ext cx="7886700" cy="627016"/>
-          </a:xfrm>
-          <a:prstGeom prst="rect">
-            <a:avLst/>
-          </a:prstGeom>
-        </p:spPr>
-        <p:txBody>
-          <a:bodyPr vert="horz" lIns="91440" tIns="45720" rIns="91440" bIns="45720" rtlCol="0">
-            <a:normAutofit/>
-          </a:bodyPr>
-          <a:lstStyle/>
-          <a:p>
-            <a:pPr lvl="0" algn="ctr">
-              <a:lnSpc>
-                <a:spcPct val="120000"/>
-              </a:lnSpc>
-              <a:spcBef>
-                <a:spcPts val="1000"/>
-              </a:spcBef>
-            </a:pPr>
-            <a:r>
-              <a:rPr lang="it-IT" sz="2500" b="1" dirty="0" err="1" smtClean="0">
-                <a:latin typeface="Times New Roman" panose="02020603050405020304" pitchFamily="18" charset="0"/>
-                <a:cs typeface="Times New Roman" panose="02020603050405020304" pitchFamily="18" charset="0"/>
-              </a:rPr>
-              <a:t>Thinking</a:t>
-            </a:r>
-            <a:r>
-              <a:rPr lang="it-IT" sz="2500" b="1" dirty="0" smtClean="0">
-                <a:latin typeface="Times New Roman" panose="02020603050405020304" pitchFamily="18" charset="0"/>
-                <a:cs typeface="Times New Roman" panose="02020603050405020304" pitchFamily="18" charset="0"/>
-              </a:rPr>
-              <a:t> </a:t>
-            </a:r>
-            <a:r>
-              <a:rPr lang="it-IT" sz="2500" b="1" dirty="0" err="1" smtClean="0">
-                <a:latin typeface="Times New Roman" panose="02020603050405020304" pitchFamily="18" charset="0"/>
-                <a:cs typeface="Times New Roman" panose="02020603050405020304" pitchFamily="18" charset="0"/>
-              </a:rPr>
-              <a:t>Aloud</a:t>
-            </a:r>
-            <a:r>
-              <a:rPr lang="it-IT" sz="2500" b="1" dirty="0" smtClean="0">
-                <a:latin typeface="Times New Roman" panose="02020603050405020304" pitchFamily="18" charset="0"/>
-                <a:cs typeface="Times New Roman" panose="02020603050405020304" pitchFamily="18" charset="0"/>
-              </a:rPr>
-              <a:t> – Tester </a:t>
-            </a:r>
-            <a:r>
-              <a:rPr lang="it-IT" sz="2500" b="1" dirty="0" err="1" smtClean="0">
-                <a:latin typeface="Times New Roman" panose="02020603050405020304" pitchFamily="18" charset="0"/>
-                <a:cs typeface="Times New Roman" panose="02020603050405020304" pitchFamily="18" charset="0"/>
-              </a:rPr>
-              <a:t>n°</a:t>
-            </a:r>
-            <a:r>
-              <a:rPr lang="it-IT" sz="2500" b="1" dirty="0" smtClean="0">
-                <a:latin typeface="Times New Roman" panose="02020603050405020304" pitchFamily="18" charset="0"/>
-                <a:cs typeface="Times New Roman" panose="02020603050405020304" pitchFamily="18" charset="0"/>
-              </a:rPr>
-              <a:t> 2 ()</a:t>
-            </a:r>
-            <a:endParaRPr lang="it-IT" sz="2500" dirty="0" smtClean="0">
-              <a:latin typeface="Times New Roman" panose="02020603050405020304" pitchFamily="18" charset="0"/>
-              <a:cs typeface="Times New Roman" panose="02020603050405020304" pitchFamily="18" charset="0"/>
-            </a:endParaRPr>
-          </a:p>
-        </p:txBody>
-      </p:sp>
-    </p:spTree>
-    <p:extLst>
-      <p:ext uri="{BB962C8B-B14F-4D97-AF65-F5344CB8AC3E}">
-        <p14:creationId xmlns:p14="http://schemas.microsoft.com/office/powerpoint/2010/main" val="2442419145"/>
-      </p:ext>
-    </p:extLst>
-  </p:cSld>
-  <p:clrMapOvr>
-    <a:masterClrMapping/>
-  </p:clrMapOvr>
-</p:sld>
-</file>
-
 <file path=ppt/slides/slide32.xml><?xml version="1.0" encoding="utf-8"?>
 <p:sld xmlns:a="http://schemas.openxmlformats.org/drawingml/2006/main" xmlns:r="http://schemas.openxmlformats.org/officeDocument/2006/relationships" xmlns:p="http://schemas.openxmlformats.org/presentationml/2006/main">
   <p:cSld>
@@ -11430,7 +11622,7 @@
                 <a:latin typeface="Times New Roman" panose="02020603050405020304" pitchFamily="18" charset="0"/>
                 <a:cs typeface="Times New Roman" panose="02020603050405020304" pitchFamily="18" charset="0"/>
               </a:rPr>
-              <a:t> 3 ()</a:t>
+              <a:t> 2 ()</a:t>
             </a:r>
             <a:endParaRPr lang="it-IT" sz="2500" dirty="0" smtClean="0">
               <a:latin typeface="Times New Roman" panose="02020603050405020304" pitchFamily="18" charset="0"/>
@@ -11524,7 +11716,7 @@
                 <a:latin typeface="Times New Roman" panose="02020603050405020304" pitchFamily="18" charset="0"/>
                 <a:cs typeface="Times New Roman" panose="02020603050405020304" pitchFamily="18" charset="0"/>
               </a:rPr>
-              <a:t>After</a:t>
+              <a:t>During</a:t>
             </a:r>
             <a:r>
               <a:rPr lang="it-IT" sz="2800" b="1" i="1" dirty="0" smtClean="0">
@@ -11547,8 +11739,8 @@
         </p:nvSpPr>
         <p:spPr>
           <a:xfrm>
-            <a:off x="628650" y="1254034"/>
-            <a:ext cx="7886700" cy="5301311"/>
+            <a:off x="628650" y="1254036"/>
+            <a:ext cx="7886700" cy="627016"/>
           </a:xfrm>
           <a:prstGeom prst="rect">
             <a:avLst/>
@@ -11569,132 +11761,48 @@
               </a:spcBef>
             </a:pPr>
             <a:r>
+              <a:rPr lang="it-IT" sz="2500" b="1" dirty="0" err="1" smtClean="0">
+                <a:latin typeface="Times New Roman" panose="02020603050405020304" pitchFamily="18" charset="0"/>
+                <a:cs typeface="Times New Roman" panose="02020603050405020304" pitchFamily="18" charset="0"/>
+              </a:rPr>
+              <a:t>Thinking</a:t>
+            </a:r>
+            <a:r>
               <a:rPr lang="it-IT" sz="2500" b="1" dirty="0" smtClean="0">
                 <a:latin typeface="Times New Roman" panose="02020603050405020304" pitchFamily="18" charset="0"/>
                 <a:cs typeface="Times New Roman" panose="02020603050405020304" pitchFamily="18" charset="0"/>
               </a:rPr>
-              <a:t>Task 1 – </a:t>
+              <a:t> </a:t>
             </a:r>
             <a:r>
               <a:rPr lang="it-IT" sz="2500" b="1" dirty="0" err="1" smtClean="0">
                 <a:latin typeface="Times New Roman" panose="02020603050405020304" pitchFamily="18" charset="0"/>
                 <a:cs typeface="Times New Roman" panose="02020603050405020304" pitchFamily="18" charset="0"/>
               </a:rPr>
-              <a:t>Sign</a:t>
+              <a:t>Aloud</a:t>
             </a:r>
             <a:r>
               <a:rPr lang="it-IT" sz="2500" b="1" dirty="0" smtClean="0">
                 <a:latin typeface="Times New Roman" panose="02020603050405020304" pitchFamily="18" charset="0"/>
                 <a:cs typeface="Times New Roman" panose="02020603050405020304" pitchFamily="18" charset="0"/>
               </a:rPr>
-              <a:t> up</a:t>
+              <a:t> – Tester </a:t>
+            </a:r>
+            <a:r>
+              <a:rPr lang="it-IT" sz="2500" b="1" dirty="0" err="1" smtClean="0">
+                <a:latin typeface="Times New Roman" panose="02020603050405020304" pitchFamily="18" charset="0"/>
+                <a:cs typeface="Times New Roman" panose="02020603050405020304" pitchFamily="18" charset="0"/>
+              </a:rPr>
+              <a:t>n°</a:t>
+            </a:r>
+            <a:r>
+              <a:rPr lang="it-IT" sz="2500" b="1" dirty="0" smtClean="0">
+                <a:latin typeface="Times New Roman" panose="02020603050405020304" pitchFamily="18" charset="0"/>
+                <a:cs typeface="Times New Roman" panose="02020603050405020304" pitchFamily="18" charset="0"/>
+              </a:rPr>
+              <a:t> 3 ()</a:t>
             </a:r>
             <a:endParaRPr lang="it-IT" sz="2500" dirty="0" smtClean="0">
-              <a:latin typeface="Times New Roman" panose="02020603050405020304" pitchFamily="18" charset="0"/>
-              <a:cs typeface="Times New Roman" panose="02020603050405020304" pitchFamily="18" charset="0"/>
-            </a:endParaRPr>
-          </a:p>
-          <a:p>
-            <a:pPr algn="just"/>
-            <a:endParaRPr lang="it-IT" sz="2000" dirty="0" smtClean="0">
-              <a:latin typeface="Times New Roman" panose="02020603050405020304" pitchFamily="18" charset="0"/>
-              <a:cs typeface="Times New Roman" panose="02020603050405020304" pitchFamily="18" charset="0"/>
-            </a:endParaRPr>
-          </a:p>
-          <a:p>
-            <a:r>
-              <a:rPr lang="it-IT" sz="2600" dirty="0" smtClean="0"/>
-              <a:t> </a:t>
-            </a:r>
-          </a:p>
-          <a:p>
-            <a:pPr marL="457200" lvl="0" indent="-457200">
-              <a:buFont typeface="+mj-lt"/>
-              <a:buAutoNum type="arabicPeriod"/>
-            </a:pPr>
-            <a:r>
-              <a:rPr lang="it-IT" sz="2000" dirty="0" smtClean="0">
-                <a:latin typeface="Times New Roman" panose="02020603050405020304" pitchFamily="18" charset="0"/>
-                <a:cs typeface="Times New Roman" panose="02020603050405020304" pitchFamily="18" charset="0"/>
-              </a:rPr>
-              <a:t>Intuitività della schermata.</a:t>
-            </a:r>
-          </a:p>
-          <a:p>
-            <a:r>
-              <a:rPr lang="it-IT" sz="2000" dirty="0" smtClean="0">
-                <a:latin typeface="Times New Roman" panose="02020603050405020304" pitchFamily="18" charset="0"/>
-                <a:cs typeface="Times New Roman" panose="02020603050405020304" pitchFamily="18" charset="0"/>
-              </a:rPr>
-              <a:t>			1    2    3    4    5</a:t>
-            </a:r>
-          </a:p>
-          <a:p>
-            <a:pPr marL="457200" lvl="0" indent="-457200">
-              <a:buFont typeface="+mj-lt"/>
-              <a:buAutoNum type="arabicPeriod" startAt="2"/>
-            </a:pPr>
-            <a:r>
-              <a:rPr lang="it-IT" sz="2000" dirty="0" smtClean="0">
-                <a:latin typeface="Times New Roman" panose="02020603050405020304" pitchFamily="18" charset="0"/>
-                <a:cs typeface="Times New Roman" panose="02020603050405020304" pitchFamily="18" charset="0"/>
-              </a:rPr>
-              <a:t>Si capisce sempre quali operazioni effettuare di volta in volta.</a:t>
-            </a:r>
-          </a:p>
-          <a:p>
-            <a:r>
-              <a:rPr lang="it-IT" sz="2000" dirty="0" smtClean="0">
-                <a:latin typeface="Times New Roman" panose="02020603050405020304" pitchFamily="18" charset="0"/>
-                <a:cs typeface="Times New Roman" panose="02020603050405020304" pitchFamily="18" charset="0"/>
-              </a:rPr>
-              <a:t>			1    2    3    4    5</a:t>
-            </a:r>
-          </a:p>
-          <a:p>
-            <a:pPr marL="457200" lvl="0" indent="-457200">
-              <a:buFont typeface="+mj-lt"/>
-              <a:buAutoNum type="arabicPeriod" startAt="3"/>
-            </a:pPr>
-            <a:r>
-              <a:rPr lang="it-IT" sz="2000" dirty="0" smtClean="0">
-                <a:latin typeface="Times New Roman" panose="02020603050405020304" pitchFamily="18" charset="0"/>
-                <a:cs typeface="Times New Roman" panose="02020603050405020304" pitchFamily="18" charset="0"/>
-              </a:rPr>
-              <a:t>Si riesce a capire come passare da una schermata all’altra.</a:t>
-            </a:r>
-          </a:p>
-          <a:p>
-            <a:r>
-              <a:rPr lang="it-IT" sz="2000" dirty="0" smtClean="0">
-                <a:latin typeface="Times New Roman" panose="02020603050405020304" pitchFamily="18" charset="0"/>
-                <a:cs typeface="Times New Roman" panose="02020603050405020304" pitchFamily="18" charset="0"/>
-              </a:rPr>
-              <a:t>			1    2    3    4    5</a:t>
-            </a:r>
-          </a:p>
-          <a:p>
-            <a:pPr marL="457200" lvl="0" indent="-457200">
-              <a:buFont typeface="+mj-lt"/>
-              <a:buAutoNum type="arabicPeriod" startAt="4"/>
-            </a:pPr>
-            <a:r>
-              <a:rPr lang="it-IT" sz="2000" dirty="0" smtClean="0">
-                <a:latin typeface="Times New Roman" panose="02020603050405020304" pitchFamily="18" charset="0"/>
-                <a:cs typeface="Times New Roman" panose="02020603050405020304" pitchFamily="18" charset="0"/>
-              </a:rPr>
-              <a:t>È sempre possibile capire e correggere gli errori commessi.</a:t>
-            </a:r>
-          </a:p>
-          <a:p>
-            <a:r>
-              <a:rPr lang="it-IT" sz="2000" dirty="0" smtClean="0">
-                <a:latin typeface="Times New Roman" panose="02020603050405020304" pitchFamily="18" charset="0"/>
-                <a:cs typeface="Times New Roman" panose="02020603050405020304" pitchFamily="18" charset="0"/>
-              </a:rPr>
-              <a:t>			1    2    3    4    5</a:t>
-            </a:r>
-            <a:endParaRPr lang="it-IT" sz="2000" dirty="0">
               <a:latin typeface="Times New Roman" panose="02020603050405020304" pitchFamily="18" charset="0"/>
               <a:cs typeface="Times New Roman" panose="02020603050405020304" pitchFamily="18" charset="0"/>
             </a:endParaRPr>
@@ -11835,7 +11943,21 @@
                 <a:latin typeface="Times New Roman" panose="02020603050405020304" pitchFamily="18" charset="0"/>
                 <a:cs typeface="Times New Roman" panose="02020603050405020304" pitchFamily="18" charset="0"/>
               </a:rPr>
-              <a:t>Task 2 – Selezionare un obiettivo</a:t>
+              <a:t>Task 1 – </a:t>
+            </a:r>
+            <a:r>
+              <a:rPr lang="it-IT" sz="2500" b="1" dirty="0" err="1" smtClean="0">
+                <a:latin typeface="Times New Roman" panose="02020603050405020304" pitchFamily="18" charset="0"/>
+                <a:cs typeface="Times New Roman" panose="02020603050405020304" pitchFamily="18" charset="0"/>
+              </a:rPr>
+              <a:t>Sign</a:t>
+            </a:r>
+            <a:r>
+              <a:rPr lang="it-IT" sz="2500" b="1" dirty="0" smtClean="0">
+                <a:latin typeface="Times New Roman" panose="02020603050405020304" pitchFamily="18" charset="0"/>
+                <a:cs typeface="Times New Roman" panose="02020603050405020304" pitchFamily="18" charset="0"/>
+              </a:rPr>
+              <a:t> up</a:t>
             </a:r>
             <a:endParaRPr lang="it-IT" sz="2500" dirty="0" smtClean="0">
               <a:latin typeface="Times New Roman" panose="02020603050405020304" pitchFamily="18" charset="0"/>
@@ -11856,7 +11978,7 @@
             </a:r>
           </a:p>
           <a:p>
-            <a:pPr marL="457200" lvl="0" indent="-457200" algn="just">
+            <a:pPr marL="457200" lvl="0" indent="-457200">
               <a:buFont typeface="+mj-lt"/>
               <a:buAutoNum type="arabicPeriod"/>
             </a:pPr>
@@ -11865,25 +11987,10 @@
                 <a:latin typeface="Times New Roman" panose="02020603050405020304" pitchFamily="18" charset="0"/>
                 <a:cs typeface="Times New Roman" panose="02020603050405020304" pitchFamily="18" charset="0"/>
               </a:rPr>
-              <a:t>È chiaro sin da subito come passare dalla Home alla schermata degli obiettivi (“</a:t>
-            </a:r>
-            <a:r>
-              <a:rPr lang="it-IT" sz="2000" dirty="0" err="1" smtClean="0">
-                <a:latin typeface="Times New Roman" panose="02020603050405020304" pitchFamily="18" charset="0"/>
-                <a:cs typeface="Times New Roman" panose="02020603050405020304" pitchFamily="18" charset="0"/>
-              </a:rPr>
-              <a:t>Goals</a:t>
-            </a:r>
-            <a:r>
-              <a:rPr lang="it-IT" sz="2000" dirty="0" smtClean="0">
-                <a:latin typeface="Times New Roman" panose="02020603050405020304" pitchFamily="18" charset="0"/>
-                <a:cs typeface="Times New Roman" panose="02020603050405020304" pitchFamily="18" charset="0"/>
-              </a:rPr>
-              <a:t>”).</a:t>
-            </a:r>
-          </a:p>
-          <a:p>
-            <a:pPr algn="just"/>
+              <a:t>Intuitività della schermata.</a:t>
+            </a:r>
+          </a:p>
+          <a:p>
             <a:r>
               <a:rPr lang="it-IT" sz="2000" dirty="0" smtClean="0">
                 <a:latin typeface="Times New Roman" panose="02020603050405020304" pitchFamily="18" charset="0"/>
@@ -11893,7 +12000,7 @@
             </a:r>
           </a:p>
           <a:p>
-            <a:pPr marL="457200" lvl="0" indent="-457200" algn="just">
+            <a:pPr marL="457200" lvl="0" indent="-457200">
               <a:buFont typeface="+mj-lt"/>
               <a:buAutoNum type="arabicPeriod" startAt="2"/>
             </a:pPr>
@@ -11902,11 +12009,10 @@
                 <a:latin typeface="Times New Roman" panose="02020603050405020304" pitchFamily="18" charset="0"/>
                 <a:cs typeface="Times New Roman" panose="02020603050405020304" pitchFamily="18" charset="0"/>
               </a:rPr>
-              <a:t>Intuitività nella scelta dell’obiettivo.</a:t>
-            </a:r>
-          </a:p>
-          <a:p>
-            <a:pPr algn="just"/>
+              <a:t>Si capisce sempre quali operazioni effettuare di volta in volta.</a:t>
+            </a:r>
+          </a:p>
+          <a:p>
             <a:r>
               <a:rPr lang="it-IT" sz="2000" dirty="0" smtClean="0">
                 <a:latin typeface="Times New Roman" panose="02020603050405020304" pitchFamily="18" charset="0"/>
@@ -11916,7 +12022,7 @@
             </a:r>
           </a:p>
           <a:p>
-            <a:pPr marL="457200" lvl="0" indent="-457200" algn="just">
+            <a:pPr marL="457200" lvl="0" indent="-457200">
               <a:buFont typeface="+mj-lt"/>
               <a:buAutoNum type="arabicPeriod" startAt="3"/>
             </a:pPr>
@@ -11925,11 +12031,10 @@
                 <a:latin typeface="Times New Roman" panose="02020603050405020304" pitchFamily="18" charset="0"/>
                 <a:cs typeface="Times New Roman" panose="02020603050405020304" pitchFamily="18" charset="0"/>
               </a:rPr>
-              <a:t>È sempre possibile conoscere lo stato del sistema.</a:t>
-            </a:r>
-          </a:p>
-          <a:p>
-            <a:pPr algn="just"/>
+              <a:t>Si riesce a capire come passare da una schermata all’altra.</a:t>
+            </a:r>
+          </a:p>
+          <a:p>
             <a:r>
               <a:rPr lang="it-IT" sz="2000" dirty="0" smtClean="0">
                 <a:latin typeface="Times New Roman" panose="02020603050405020304" pitchFamily="18" charset="0"/>
@@ -11939,7 +12044,7 @@
             </a:r>
           </a:p>
           <a:p>
-            <a:pPr marL="457200" lvl="0" indent="-457200" algn="just">
+            <a:pPr marL="457200" lvl="0" indent="-457200">
               <a:buFont typeface="+mj-lt"/>
               <a:buAutoNum type="arabicPeriod" startAt="4"/>
             </a:pPr>
@@ -11952,53 +12057,6 @@
             </a:r>
           </a:p>
           <a:p>
-            <a:pPr algn="just"/>
-            <a:r>
-              <a:rPr lang="it-IT" sz="2000" dirty="0" smtClean="0">
-                <a:latin typeface="Times New Roman" panose="02020603050405020304" pitchFamily="18" charset="0"/>
-                <a:cs typeface="Times New Roman" panose="02020603050405020304" pitchFamily="18" charset="0"/>
-              </a:rPr>
-              <a:t>			1    2    3    4    5</a:t>
-            </a:r>
-          </a:p>
-          <a:p>
-            <a:pPr marL="457200" lvl="0" indent="-457200" algn="just">
-              <a:buFont typeface="+mj-lt"/>
-              <a:buAutoNum type="arabicPeriod" startAt="5"/>
-            </a:pPr>
-            <a:r>
-              <a:rPr lang="it-IT" sz="2000" dirty="0" smtClean="0">
-                <a:latin typeface="Times New Roman" panose="02020603050405020304" pitchFamily="18" charset="0"/>
-                <a:cs typeface="Times New Roman" panose="02020603050405020304" pitchFamily="18" charset="0"/>
-              </a:rPr>
-              <a:t>È intuitivo tornare alla pagina principale.</a:t>
-            </a:r>
-          </a:p>
-          <a:p>
-            <a:pPr algn="just"/>
-            <a:r>
-              <a:rPr lang="it-IT" sz="2000" dirty="0" smtClean="0">
-                <a:latin typeface="Times New Roman" panose="02020603050405020304" pitchFamily="18" charset="0"/>
-                <a:cs typeface="Times New Roman" panose="02020603050405020304" pitchFamily="18" charset="0"/>
-              </a:rPr>
-              <a:t>			1    2    3    4    5</a:t>
-            </a:r>
-          </a:p>
-          <a:p>
-            <a:pPr marL="457200" lvl="0" indent="-457200" algn="just">
-              <a:buFont typeface="+mj-lt"/>
-              <a:buAutoNum type="arabicPeriod" startAt="6"/>
-            </a:pPr>
-            <a:r>
-              <a:rPr lang="it-IT" sz="2000" dirty="0" smtClean="0">
-                <a:latin typeface="Times New Roman" panose="02020603050405020304" pitchFamily="18" charset="0"/>
-                <a:cs typeface="Times New Roman" panose="02020603050405020304" pitchFamily="18" charset="0"/>
-              </a:rPr>
-              <a:t>È noto che l’obiettivo scelto è visualizzato nella Home.</a:t>
-            </a:r>
-          </a:p>
-          <a:p>
-            <a:pPr algn="just"/>
             <a:r>
               <a:rPr lang="it-IT" sz="2000" dirty="0" smtClean="0">
                 <a:latin typeface="Times New Roman" panose="02020603050405020304" pitchFamily="18" charset="0"/>
@@ -12147,46 +12205,8 @@
                 <a:latin typeface="Times New Roman" panose="02020603050405020304" pitchFamily="18" charset="0"/>
                 <a:cs typeface="Times New Roman" panose="02020603050405020304" pitchFamily="18" charset="0"/>
               </a:rPr>
-              <a:t>Task 3 – Vincere il premio “</a:t>
-            </a:r>
-            <a:r>
-              <a:rPr lang="it-IT" sz="2500" b="1" dirty="0" err="1" smtClean="0">
-                <a:latin typeface="Times New Roman" panose="02020603050405020304" pitchFamily="18" charset="0"/>
-                <a:cs typeface="Times New Roman" panose="02020603050405020304" pitchFamily="18" charset="0"/>
-              </a:rPr>
-              <a:t>Defeat</a:t>
-            </a:r>
-            <a:r>
-              <a:rPr lang="it-IT" sz="2500" b="1" dirty="0" smtClean="0">
-                <a:latin typeface="Times New Roman" panose="02020603050405020304" pitchFamily="18" charset="0"/>
-                <a:cs typeface="Times New Roman" panose="02020603050405020304" pitchFamily="18" charset="0"/>
-              </a:rPr>
-              <a:t> the </a:t>
-            </a:r>
-            <a:r>
-              <a:rPr lang="it-IT" sz="2500" b="1" dirty="0" err="1" smtClean="0">
-                <a:latin typeface="Times New Roman" panose="02020603050405020304" pitchFamily="18" charset="0"/>
-                <a:cs typeface="Times New Roman" panose="02020603050405020304" pitchFamily="18" charset="0"/>
-              </a:rPr>
-              <a:t>temptation</a:t>
-            </a:r>
-            <a:r>
-              <a:rPr lang="it-IT" sz="2500" b="1" dirty="0" smtClean="0">
-                <a:latin typeface="Times New Roman" panose="02020603050405020304" pitchFamily="18" charset="0"/>
-                <a:cs typeface="Times New Roman" panose="02020603050405020304" pitchFamily="18" charset="0"/>
-              </a:rPr>
-              <a:t>”</a:t>
-            </a:r>
-          </a:p>
-          <a:p>
-            <a:pPr lvl="0" algn="ctr">
-              <a:lnSpc>
-                <a:spcPct val="120000"/>
-              </a:lnSpc>
-              <a:spcBef>
-                <a:spcPts val="1000"/>
-              </a:spcBef>
-            </a:pPr>
+              <a:t>Task 2 – Selezionare un obiettivo</a:t>
+            </a:r>
             <a:endParaRPr lang="it-IT" sz="2500" dirty="0" smtClean="0">
               <a:latin typeface="Times New Roman" panose="02020603050405020304" pitchFamily="18" charset="0"/>
               <a:cs typeface="Times New Roman" panose="02020603050405020304" pitchFamily="18" charset="0"/>
@@ -12200,163 +12220,163 @@
             </a:endParaRPr>
           </a:p>
           <a:p>
-            <a:pPr lvl="0"/>
-            <a:r>
-              <a:rPr lang="it-IT" sz="2000" dirty="0" smtClean="0">
-                <a:latin typeface="Times New Roman" panose="02020603050405020304" pitchFamily="18" charset="0"/>
-                <a:cs typeface="Times New Roman" panose="02020603050405020304" pitchFamily="18" charset="0"/>
-              </a:rPr>
-              <a:t>1.   La </a:t>
-            </a:r>
-            <a:r>
-              <a:rPr lang="it-IT" sz="2000" dirty="0">
-                <a:latin typeface="Times New Roman" panose="02020603050405020304" pitchFamily="18" charset="0"/>
-                <a:cs typeface="Times New Roman" panose="02020603050405020304" pitchFamily="18" charset="0"/>
-              </a:rPr>
-              <a:t>modalità con la quale si può vincere il </a:t>
-            </a:r>
-            <a:r>
-              <a:rPr lang="it-IT" sz="2000" dirty="0" smtClean="0">
-                <a:latin typeface="Times New Roman" panose="02020603050405020304" pitchFamily="18" charset="0"/>
-                <a:cs typeface="Times New Roman" panose="02020603050405020304" pitchFamily="18" charset="0"/>
-              </a:rPr>
-              <a:t>premio è ben spiegata.</a:t>
-            </a:r>
-          </a:p>
-          <a:p>
-            <a:pPr algn="ctr"/>
-            <a:r>
-              <a:rPr lang="it-IT" sz="2000" dirty="0" smtClean="0">
-                <a:latin typeface="Times New Roman" panose="02020603050405020304" pitchFamily="18" charset="0"/>
-                <a:cs typeface="Times New Roman" panose="02020603050405020304" pitchFamily="18" charset="0"/>
-              </a:rPr>
-              <a:t>1    2    3    4    5</a:t>
-            </a:r>
-          </a:p>
-          <a:p>
-            <a:pPr lvl="0"/>
-            <a:r>
-              <a:rPr lang="it-IT" sz="2000" dirty="0" smtClean="0">
-                <a:latin typeface="Times New Roman" panose="02020603050405020304" pitchFamily="18" charset="0"/>
-                <a:cs typeface="Times New Roman" panose="02020603050405020304" pitchFamily="18" charset="0"/>
-              </a:rPr>
-              <a:t>2.   L’interfaccia </a:t>
-            </a:r>
-            <a:r>
-              <a:rPr lang="it-IT" sz="2000" dirty="0">
-                <a:latin typeface="Times New Roman" panose="02020603050405020304" pitchFamily="18" charset="0"/>
-                <a:cs typeface="Times New Roman" panose="02020603050405020304" pitchFamily="18" charset="0"/>
-              </a:rPr>
-              <a:t>è intuitiva.</a:t>
-            </a:r>
-          </a:p>
-          <a:p>
-            <a:pPr algn="ctr"/>
-            <a:r>
-              <a:rPr lang="it-IT" sz="2000" dirty="0">
-                <a:latin typeface="Times New Roman" panose="02020603050405020304" pitchFamily="18" charset="0"/>
-                <a:cs typeface="Times New Roman" panose="02020603050405020304" pitchFamily="18" charset="0"/>
-              </a:rPr>
-              <a:t>1    2    3    4    5</a:t>
-            </a:r>
-          </a:p>
-          <a:p>
-            <a:pPr lvl="0"/>
-            <a:r>
-              <a:rPr lang="it-IT" sz="2000" dirty="0" smtClean="0">
-                <a:latin typeface="Times New Roman" panose="02020603050405020304" pitchFamily="18" charset="0"/>
-                <a:cs typeface="Times New Roman" panose="02020603050405020304" pitchFamily="18" charset="0"/>
-              </a:rPr>
-              <a:t>3.   I </a:t>
-            </a:r>
-            <a:r>
-              <a:rPr lang="it-IT" sz="2000" dirty="0">
-                <a:latin typeface="Times New Roman" panose="02020603050405020304" pitchFamily="18" charset="0"/>
-                <a:cs typeface="Times New Roman" panose="02020603050405020304" pitchFamily="18" charset="0"/>
-              </a:rPr>
-              <a:t>collegamenti fra le schermate sono coerenti.</a:t>
-            </a:r>
-          </a:p>
-          <a:p>
-            <a:pPr algn="ctr"/>
-            <a:r>
-              <a:rPr lang="it-IT" sz="2000" dirty="0">
-                <a:latin typeface="Times New Roman" panose="02020603050405020304" pitchFamily="18" charset="0"/>
-                <a:cs typeface="Times New Roman" panose="02020603050405020304" pitchFamily="18" charset="0"/>
-              </a:rPr>
-              <a:t>1    2    3    4    5</a:t>
-            </a:r>
-          </a:p>
-          <a:p>
-            <a:pPr lvl="0"/>
-            <a:r>
-              <a:rPr lang="it-IT" sz="2000" dirty="0" smtClean="0">
-                <a:latin typeface="Times New Roman" panose="02020603050405020304" pitchFamily="18" charset="0"/>
-                <a:cs typeface="Times New Roman" panose="02020603050405020304" pitchFamily="18" charset="0"/>
-              </a:rPr>
-              <a:t>4.   È </a:t>
-            </a:r>
-            <a:r>
-              <a:rPr lang="it-IT" sz="2000" dirty="0">
-                <a:latin typeface="Times New Roman" panose="02020603050405020304" pitchFamily="18" charset="0"/>
-                <a:cs typeface="Times New Roman" panose="02020603050405020304" pitchFamily="18" charset="0"/>
-              </a:rPr>
-              <a:t>possibile gestire gli errori.</a:t>
-            </a:r>
-          </a:p>
-          <a:p>
-            <a:pPr algn="ctr"/>
-            <a:r>
-              <a:rPr lang="it-IT" sz="2000" dirty="0">
-                <a:latin typeface="Times New Roman" panose="02020603050405020304" pitchFamily="18" charset="0"/>
-                <a:cs typeface="Times New Roman" panose="02020603050405020304" pitchFamily="18" charset="0"/>
-              </a:rPr>
-              <a:t>1    2    3    4    5</a:t>
-            </a:r>
-          </a:p>
-          <a:p>
-            <a:pPr lvl="0"/>
-            <a:r>
-              <a:rPr lang="it-IT" sz="2000" dirty="0" smtClean="0">
-                <a:latin typeface="Times New Roman" panose="02020603050405020304" pitchFamily="18" charset="0"/>
-                <a:cs typeface="Times New Roman" panose="02020603050405020304" pitchFamily="18" charset="0"/>
-              </a:rPr>
-              <a:t>5.   È </a:t>
-            </a:r>
-            <a:r>
-              <a:rPr lang="it-IT" sz="2000" dirty="0">
-                <a:latin typeface="Times New Roman" panose="02020603050405020304" pitchFamily="18" charset="0"/>
-                <a:cs typeface="Times New Roman" panose="02020603050405020304" pitchFamily="18" charset="0"/>
-              </a:rPr>
-              <a:t>possibile individuare facilmente quali premi sono stati vinti e quali </a:t>
-            </a:r>
-            <a:r>
-              <a:rPr lang="it-IT" sz="2000" dirty="0" smtClean="0">
-                <a:latin typeface="Times New Roman" panose="02020603050405020304" pitchFamily="18" charset="0"/>
-                <a:cs typeface="Times New Roman" panose="02020603050405020304" pitchFamily="18" charset="0"/>
-              </a:rPr>
-              <a:t>    no</a:t>
-            </a:r>
-            <a:r>
-              <a:rPr lang="it-IT" sz="2000" dirty="0">
-                <a:latin typeface="Times New Roman" panose="02020603050405020304" pitchFamily="18" charset="0"/>
-                <a:cs typeface="Times New Roman" panose="02020603050405020304" pitchFamily="18" charset="0"/>
-              </a:rPr>
-              <a:t>.</a:t>
-            </a:r>
-          </a:p>
-          <a:p>
-            <a:pPr algn="ctr"/>
-            <a:r>
-              <a:rPr lang="it-IT" sz="2000" dirty="0">
-                <a:latin typeface="Times New Roman" panose="02020603050405020304" pitchFamily="18" charset="0"/>
-                <a:cs typeface="Times New Roman" panose="02020603050405020304" pitchFamily="18" charset="0"/>
-              </a:rPr>
-              <a:t>1    2    3    4    5</a:t>
-            </a:r>
-          </a:p>
-          <a:p>
-            <a:endParaRPr lang="it-IT" sz="2000" dirty="0" smtClean="0">
+            <a:r>
+              <a:rPr lang="it-IT" sz="2600" dirty="0" smtClean="0"/>
+              <a:t> </a:t>
+            </a:r>
+          </a:p>
+          <a:p>
+            <a:pPr marL="457200" lvl="0" indent="-457200" algn="just">
+              <a:buFont typeface="+mj-lt"/>
+              <a:buAutoNum type="arabicPeriod"/>
+            </a:pPr>
+            <a:r>
+              <a:rPr lang="it-IT" sz="2000" dirty="0" smtClean="0">
+                <a:latin typeface="Times New Roman" panose="02020603050405020304" pitchFamily="18" charset="0"/>
+                <a:cs typeface="Times New Roman" panose="02020603050405020304" pitchFamily="18" charset="0"/>
+              </a:rPr>
+              <a:t>È chiaro sin da subito come passare dalla Home alla schermata degli obiettivi (“</a:t>
+            </a:r>
+            <a:r>
+              <a:rPr lang="it-IT" sz="2000" dirty="0" err="1" smtClean="0">
+                <a:latin typeface="Times New Roman" panose="02020603050405020304" pitchFamily="18" charset="0"/>
+                <a:cs typeface="Times New Roman" panose="02020603050405020304" pitchFamily="18" charset="0"/>
+              </a:rPr>
+              <a:t>Goals</a:t>
+            </a:r>
+            <a:r>
+              <a:rPr lang="it-IT" sz="2000" dirty="0" smtClean="0">
+                <a:latin typeface="Times New Roman" panose="02020603050405020304" pitchFamily="18" charset="0"/>
+                <a:cs typeface="Times New Roman" panose="02020603050405020304" pitchFamily="18" charset="0"/>
+              </a:rPr>
+              <a:t>”).</a:t>
+            </a:r>
+          </a:p>
+          <a:p>
+            <a:pPr algn="just"/>
+            <a:r>
+              <a:rPr lang="it-IT" sz="2000" dirty="0" smtClean="0">
+                <a:latin typeface="Times New Roman" panose="02020603050405020304" pitchFamily="18" charset="0"/>
+                <a:cs typeface="Times New Roman" panose="02020603050405020304" pitchFamily="18" charset="0"/>
+              </a:rPr>
+              <a:t>			1    2    3    4    5</a:t>
+            </a:r>
+          </a:p>
+          <a:p>
+            <a:pPr marL="457200" lvl="0" indent="-457200" algn="just">
+              <a:buFont typeface="+mj-lt"/>
+              <a:buAutoNum type="arabicPeriod" startAt="2"/>
+            </a:pPr>
+            <a:r>
+              <a:rPr lang="it-IT" sz="2000" dirty="0" smtClean="0">
+                <a:latin typeface="Times New Roman" panose="02020603050405020304" pitchFamily="18" charset="0"/>
+                <a:cs typeface="Times New Roman" panose="02020603050405020304" pitchFamily="18" charset="0"/>
+              </a:rPr>
+              <a:t>Intuitività nella scelta dell’obiettivo.</a:t>
+            </a:r>
+          </a:p>
+          <a:p>
+            <a:pPr algn="just"/>
+            <a:r>
+              <a:rPr lang="it-IT" sz="2000" dirty="0" smtClean="0">
+                <a:latin typeface="Times New Roman" panose="02020603050405020304" pitchFamily="18" charset="0"/>
+                <a:cs typeface="Times New Roman" panose="02020603050405020304" pitchFamily="18" charset="0"/>
+              </a:rPr>
+              <a:t>			1    2    3    4    5</a:t>
+            </a:r>
+          </a:p>
+          <a:p>
+            <a:pPr marL="457200" lvl="0" indent="-457200" algn="just">
+              <a:buFont typeface="+mj-lt"/>
+              <a:buAutoNum type="arabicPeriod" startAt="3"/>
+            </a:pPr>
+            <a:r>
+              <a:rPr lang="it-IT" sz="2000" dirty="0" smtClean="0">
+                <a:latin typeface="Times New Roman" panose="02020603050405020304" pitchFamily="18" charset="0"/>
+                <a:cs typeface="Times New Roman" panose="02020603050405020304" pitchFamily="18" charset="0"/>
+              </a:rPr>
+              <a:t>È sempre possibile conoscere lo stato del sistema.</a:t>
+            </a:r>
+          </a:p>
+          <a:p>
+            <a:pPr algn="just"/>
+            <a:r>
+              <a:rPr lang="it-IT" sz="2000" dirty="0" smtClean="0">
+                <a:latin typeface="Times New Roman" panose="02020603050405020304" pitchFamily="18" charset="0"/>
+                <a:cs typeface="Times New Roman" panose="02020603050405020304" pitchFamily="18" charset="0"/>
+              </a:rPr>
+              <a:t>			1    2    3    4    5</a:t>
+            </a:r>
+          </a:p>
+          <a:p>
+            <a:pPr marL="457200" lvl="0" indent="-457200" algn="just">
+              <a:buFont typeface="+mj-lt"/>
+              <a:buAutoNum type="arabicPeriod" startAt="4"/>
+            </a:pPr>
+            <a:r>
+              <a:rPr lang="it-IT" sz="2000" dirty="0" smtClean="0">
+                <a:latin typeface="Times New Roman" panose="02020603050405020304" pitchFamily="18" charset="0"/>
+                <a:cs typeface="Times New Roman" panose="02020603050405020304" pitchFamily="18" charset="0"/>
+              </a:rPr>
+              <a:t>È sempre possibile capire e correggere gli errori commessi.</a:t>
+            </a:r>
+          </a:p>
+          <a:p>
+            <a:pPr algn="just"/>
+            <a:r>
+              <a:rPr lang="it-IT" sz="2000" dirty="0" smtClean="0">
+                <a:latin typeface="Times New Roman" panose="02020603050405020304" pitchFamily="18" charset="0"/>
+                <a:cs typeface="Times New Roman" panose="02020603050405020304" pitchFamily="18" charset="0"/>
+              </a:rPr>
+              <a:t>			1    2    3    4    5</a:t>
+            </a:r>
+          </a:p>
+          <a:p>
+            <a:pPr marL="457200" lvl="0" indent="-457200" algn="just">
+              <a:buFont typeface="+mj-lt"/>
+              <a:buAutoNum type="arabicPeriod" startAt="5"/>
+            </a:pPr>
+            <a:r>
+              <a:rPr lang="it-IT" sz="2000" dirty="0" smtClean="0">
+                <a:latin typeface="Times New Roman" panose="02020603050405020304" pitchFamily="18" charset="0"/>
+                <a:cs typeface="Times New Roman" panose="02020603050405020304" pitchFamily="18" charset="0"/>
+              </a:rPr>
+              <a:t>È intuitivo tornare alla pagina principale.</a:t>
+            </a:r>
+          </a:p>
+          <a:p>
+            <a:pPr algn="just"/>
+            <a:r>
+              <a:rPr lang="it-IT" sz="2000" dirty="0" smtClean="0">
+                <a:latin typeface="Times New Roman" panose="02020603050405020304" pitchFamily="18" charset="0"/>
+                <a:cs typeface="Times New Roman" panose="02020603050405020304" pitchFamily="18" charset="0"/>
+              </a:rPr>
+              <a:t>			1    2    3    4    5</a:t>
+            </a:r>
+          </a:p>
+          <a:p>
+            <a:pPr marL="457200" lvl="0" indent="-457200" algn="just">
+              <a:buFont typeface="+mj-lt"/>
+              <a:buAutoNum type="arabicPeriod" startAt="6"/>
+            </a:pPr>
+            <a:r>
+              <a:rPr lang="it-IT" sz="2000" dirty="0" smtClean="0">
+                <a:latin typeface="Times New Roman" panose="02020603050405020304" pitchFamily="18" charset="0"/>
+                <a:cs typeface="Times New Roman" panose="02020603050405020304" pitchFamily="18" charset="0"/>
+              </a:rPr>
+              <a:t>È noto che l’obiettivo scelto è visualizzato nella Home.</a:t>
+            </a:r>
+          </a:p>
+          <a:p>
+            <a:pPr algn="just"/>
+            <a:r>
+              <a:rPr lang="it-IT" sz="2000" dirty="0" smtClean="0">
+                <a:latin typeface="Times New Roman" panose="02020603050405020304" pitchFamily="18" charset="0"/>
+                <a:cs typeface="Times New Roman" panose="02020603050405020304" pitchFamily="18" charset="0"/>
+              </a:rPr>
+              <a:t>			1    2    3    4    5</a:t>
+            </a:r>
+            <a:endParaRPr lang="it-IT" sz="2000" dirty="0">
               <a:latin typeface="Times New Roman" panose="02020603050405020304" pitchFamily="18" charset="0"/>
               <a:cs typeface="Times New Roman" panose="02020603050405020304" pitchFamily="18" charset="0"/>
             </a:endParaRPr>
@@ -12497,50 +12517,46 @@
                 <a:latin typeface="Times New Roman" panose="02020603050405020304" pitchFamily="18" charset="0"/>
                 <a:cs typeface="Times New Roman" panose="02020603050405020304" pitchFamily="18" charset="0"/>
               </a:rPr>
-              <a:t>Task 4 – Vincere il premio “</a:t>
+              <a:t>Task 3 – Vincere il premio “</a:t>
             </a:r>
             <a:r>
               <a:rPr lang="it-IT" sz="2500" b="1" dirty="0" err="1" smtClean="0">
                 <a:latin typeface="Times New Roman" panose="02020603050405020304" pitchFamily="18" charset="0"/>
                 <a:cs typeface="Times New Roman" panose="02020603050405020304" pitchFamily="18" charset="0"/>
               </a:rPr>
-              <a:t>Only</a:t>
+              <a:t>Defeat</a:t>
             </a:r>
             <a:r>
               <a:rPr lang="it-IT" sz="2500" b="1" dirty="0" smtClean="0">
                 <a:latin typeface="Times New Roman" panose="02020603050405020304" pitchFamily="18" charset="0"/>
                 <a:cs typeface="Times New Roman" panose="02020603050405020304" pitchFamily="18" charset="0"/>
               </a:rPr>
-              <a:t> 10 </a:t>
+              <a:t> the </a:t>
             </a:r>
             <a:r>
               <a:rPr lang="it-IT" sz="2500" b="1" dirty="0" err="1" smtClean="0">
                 <a:latin typeface="Times New Roman" panose="02020603050405020304" pitchFamily="18" charset="0"/>
                 <a:cs typeface="Times New Roman" panose="02020603050405020304" pitchFamily="18" charset="0"/>
               </a:rPr>
-              <a:t>cigarettes</a:t>
+              <a:t>temptation</a:t>
             </a:r>
             <a:r>
               <a:rPr lang="it-IT" sz="2500" b="1" dirty="0" smtClean="0">
                 <a:latin typeface="Times New Roman" panose="02020603050405020304" pitchFamily="18" charset="0"/>
                 <a:cs typeface="Times New Roman" panose="02020603050405020304" pitchFamily="18" charset="0"/>
               </a:rPr>
-              <a:t> </a:t>
-            </a:r>
-            <a:r>
-              <a:rPr lang="it-IT" sz="2500" b="1" dirty="0" err="1" smtClean="0">
-                <a:latin typeface="Times New Roman" panose="02020603050405020304" pitchFamily="18" charset="0"/>
-                <a:cs typeface="Times New Roman" panose="02020603050405020304" pitchFamily="18" charset="0"/>
-              </a:rPr>
-              <a:t>smoked</a:t>
-            </a:r>
-            <a:r>
-              <a:rPr lang="it-IT" sz="2500" b="1" dirty="0" smtClean="0">
-                <a:latin typeface="Times New Roman" panose="02020603050405020304" pitchFamily="18" charset="0"/>
-                <a:cs typeface="Times New Roman" panose="02020603050405020304" pitchFamily="18" charset="0"/>
-              </a:rPr>
               <a:t>”</a:t>
             </a:r>
+          </a:p>
+          <a:p>
+            <a:pPr lvl="0" algn="ctr">
+              <a:lnSpc>
+                <a:spcPct val="120000"/>
+              </a:lnSpc>
+              <a:spcBef>
+                <a:spcPts val="1000"/>
+              </a:spcBef>
+            </a:pPr>
             <a:endParaRPr lang="it-IT" sz="2500" dirty="0" smtClean="0">
               <a:latin typeface="Times New Roman" panose="02020603050405020304" pitchFamily="18" charset="0"/>
               <a:cs typeface="Times New Roman" panose="02020603050405020304" pitchFamily="18" charset="0"/>
@@ -12554,7 +12570,7 @@
             </a:endParaRPr>
           </a:p>
           <a:p>
-            <a:pPr lvl="0" algn="just"/>
+            <a:pPr lvl="0"/>
             <a:r>
               <a:rPr lang="it-IT" sz="2000" dirty="0" smtClean="0">
                 <a:latin typeface="Times New Roman" panose="02020603050405020304" pitchFamily="18" charset="0"/>
@@ -12567,35 +12583,68 @@
                 <a:latin typeface="Times New Roman" panose="02020603050405020304" pitchFamily="18" charset="0"/>
                 <a:cs typeface="Times New Roman" panose="02020603050405020304" pitchFamily="18" charset="0"/>
               </a:rPr>
-              <a:t>funzionalità del pulsante “</a:t>
-            </a:r>
-            <a:r>
-              <a:rPr lang="it-IT" sz="2000" dirty="0" err="1">
-                <a:latin typeface="Times New Roman" panose="02020603050405020304" pitchFamily="18" charset="0"/>
-                <a:cs typeface="Times New Roman" panose="02020603050405020304" pitchFamily="18" charset="0"/>
-              </a:rPr>
-              <a:t>Add</a:t>
+              <a:t>modalità con la quale si può vincere il </a:t>
+            </a:r>
+            <a:r>
+              <a:rPr lang="it-IT" sz="2000" dirty="0" smtClean="0">
+                <a:latin typeface="Times New Roman" panose="02020603050405020304" pitchFamily="18" charset="0"/>
+                <a:cs typeface="Times New Roman" panose="02020603050405020304" pitchFamily="18" charset="0"/>
+              </a:rPr>
+              <a:t>premio è ben spiegata.</a:t>
+            </a:r>
+          </a:p>
+          <a:p>
+            <a:pPr algn="ctr"/>
+            <a:r>
+              <a:rPr lang="it-IT" sz="2000" dirty="0" smtClean="0">
+                <a:latin typeface="Times New Roman" panose="02020603050405020304" pitchFamily="18" charset="0"/>
+                <a:cs typeface="Times New Roman" panose="02020603050405020304" pitchFamily="18" charset="0"/>
+              </a:rPr>
+              <a:t>1    2    3    4    5</a:t>
+            </a:r>
+          </a:p>
+          <a:p>
+            <a:pPr lvl="0"/>
+            <a:r>
+              <a:rPr lang="it-IT" sz="2000" dirty="0" smtClean="0">
+                <a:latin typeface="Times New Roman" panose="02020603050405020304" pitchFamily="18" charset="0"/>
+                <a:cs typeface="Times New Roman" panose="02020603050405020304" pitchFamily="18" charset="0"/>
+              </a:rPr>
+              <a:t>2.   L’interfaccia </a:t>
             </a:r>
             <a:r>
               <a:rPr lang="it-IT" sz="2000" dirty="0">
                 <a:latin typeface="Times New Roman" panose="02020603050405020304" pitchFamily="18" charset="0"/>
                 <a:cs typeface="Times New Roman" panose="02020603050405020304" pitchFamily="18" charset="0"/>
               </a:rPr>
-              <a:t> a </a:t>
-            </a:r>
-            <a:r>
-              <a:rPr lang="it-IT" sz="2000" dirty="0" err="1">
-                <a:latin typeface="Times New Roman" panose="02020603050405020304" pitchFamily="18" charset="0"/>
-                <a:cs typeface="Times New Roman" panose="02020603050405020304" pitchFamily="18" charset="0"/>
-              </a:rPr>
-              <a:t>cigarette</a:t>
-            </a:r>
+              <a:t>è intuitiva.</a:t>
+            </a:r>
+          </a:p>
+          <a:p>
+            <a:pPr algn="ctr"/>
             <a:r>
               <a:rPr lang="it-IT" sz="2000" dirty="0">
                 <a:latin typeface="Times New Roman" panose="02020603050405020304" pitchFamily="18" charset="0"/>
                 <a:cs typeface="Times New Roman" panose="02020603050405020304" pitchFamily="18" charset="0"/>
               </a:rPr>
-              <a:t>” è comprensibile.</a:t>
+              <a:t>1    2    3    4    5</a:t>
+            </a:r>
+          </a:p>
+          <a:p>
+            <a:pPr lvl="0"/>
+            <a:r>
+              <a:rPr lang="it-IT" sz="2000" dirty="0" smtClean="0">
+                <a:latin typeface="Times New Roman" panose="02020603050405020304" pitchFamily="18" charset="0"/>
+                <a:cs typeface="Times New Roman" panose="02020603050405020304" pitchFamily="18" charset="0"/>
+              </a:rPr>
+              <a:t>3.   I </a:t>
+            </a:r>
+            <a:r>
+              <a:rPr lang="it-IT" sz="2000" dirty="0">
+                <a:latin typeface="Times New Roman" panose="02020603050405020304" pitchFamily="18" charset="0"/>
+                <a:cs typeface="Times New Roman" panose="02020603050405020304" pitchFamily="18" charset="0"/>
+              </a:rPr>
+              <a:t>collegamenti fra le schermate sono coerenti.</a:t>
             </a:r>
           </a:p>
           <a:p>
@@ -12609,20 +12658,20 @@
             </a:r>
           </a:p>
           <a:p>
-            <a:pPr lvl="0" algn="just"/>
-            <a:r>
-              <a:rPr lang="it-IT" sz="2000" dirty="0" smtClean="0">
-                <a:latin typeface="Times New Roman" panose="02020603050405020304" pitchFamily="18" charset="0"/>
-                <a:cs typeface="Times New Roman" panose="02020603050405020304" pitchFamily="18" charset="0"/>
-              </a:rPr>
-              <a:t>2.   La </a:t>
+            <a:pPr lvl="0"/>
+            <a:r>
+              <a:rPr lang="it-IT" sz="2000" dirty="0" smtClean="0">
+                <a:latin typeface="Times New Roman" panose="02020603050405020304" pitchFamily="18" charset="0"/>
+                <a:cs typeface="Times New Roman" panose="02020603050405020304" pitchFamily="18" charset="0"/>
+              </a:rPr>
+              <a:t>4.   È </a:t>
             </a:r>
             <a:r>
               <a:rPr lang="it-IT" sz="2000" dirty="0">
                 <a:latin typeface="Times New Roman" panose="02020603050405020304" pitchFamily="18" charset="0"/>
                 <a:cs typeface="Times New Roman" panose="02020603050405020304" pitchFamily="18" charset="0"/>
               </a:rPr>
-              <a:t>modalità con la quale si può vincere il premio è ben spiegata.</a:t>
+              <a:t>possibile gestire gli errori.</a:t>
             </a:r>
           </a:p>
           <a:p>
@@ -12636,143 +12685,65 @@
             </a:r>
           </a:p>
           <a:p>
-            <a:pPr lvl="0" algn="just"/>
-            <a:r>
-              <a:rPr lang="it-IT" sz="2000" dirty="0" smtClean="0">
-                <a:latin typeface="Times New Roman" panose="02020603050405020304" pitchFamily="18" charset="0"/>
-                <a:cs typeface="Times New Roman" panose="02020603050405020304" pitchFamily="18" charset="0"/>
-              </a:rPr>
-              <a:t>3.   È </a:t>
+            <a:pPr lvl="0"/>
+            <a:r>
+              <a:rPr lang="it-IT" sz="2000" dirty="0" smtClean="0">
+                <a:latin typeface="Times New Roman" panose="02020603050405020304" pitchFamily="18" charset="0"/>
+                <a:cs typeface="Times New Roman" panose="02020603050405020304" pitchFamily="18" charset="0"/>
+              </a:rPr>
+              <a:t>5.   </a:t>
+            </a:r>
+            <a:r>
+              <a:rPr lang="it-IT" sz="2000" dirty="0" smtClean="0">
+                <a:latin typeface="Times New Roman" panose="02020603050405020304" pitchFamily="18" charset="0"/>
+                <a:cs typeface="Times New Roman" panose="02020603050405020304" pitchFamily="18" charset="0"/>
+              </a:rPr>
+              <a:t>È </a:t>
             </a:r>
             <a:r>
               <a:rPr lang="it-IT" sz="2000" dirty="0">
                 <a:latin typeface="Times New Roman" panose="02020603050405020304" pitchFamily="18" charset="0"/>
                 <a:cs typeface="Times New Roman" panose="02020603050405020304" pitchFamily="18" charset="0"/>
               </a:rPr>
-              <a:t>evidente il risultato del pulsante “</a:t>
-            </a:r>
-            <a:r>
-              <a:rPr lang="it-IT" sz="2000" dirty="0" err="1">
-                <a:latin typeface="Times New Roman" panose="02020603050405020304" pitchFamily="18" charset="0"/>
-                <a:cs typeface="Times New Roman" panose="02020603050405020304" pitchFamily="18" charset="0"/>
-              </a:rPr>
-              <a:t>Add</a:t>
+              <a:t>possibile individuare facilmente quali premi sono stati vinti e quali </a:t>
+            </a:r>
+            <a:r>
+              <a:rPr lang="it-IT" sz="2000" dirty="0" smtClean="0">
+                <a:latin typeface="Times New Roman" panose="02020603050405020304" pitchFamily="18" charset="0"/>
+                <a:cs typeface="Times New Roman" panose="02020603050405020304" pitchFamily="18" charset="0"/>
+              </a:rPr>
+              <a:t>    </a:t>
+            </a:r>
+            <a:r>
+              <a:rPr lang="it-IT" sz="2000" dirty="0" smtClean="0">
+                <a:latin typeface="Times New Roman" panose="02020603050405020304" pitchFamily="18" charset="0"/>
+                <a:cs typeface="Times New Roman" panose="02020603050405020304" pitchFamily="18" charset="0"/>
+              </a:rPr>
+              <a:t>    no</a:t>
             </a:r>
             <a:r>
               <a:rPr lang="it-IT" sz="2000" dirty="0">
                 <a:latin typeface="Times New Roman" panose="02020603050405020304" pitchFamily="18" charset="0"/>
                 <a:cs typeface="Times New Roman" panose="02020603050405020304" pitchFamily="18" charset="0"/>
               </a:rPr>
-              <a:t> a </a:t>
-            </a:r>
-            <a:r>
-              <a:rPr lang="it-IT" sz="2000" dirty="0" err="1">
-                <a:latin typeface="Times New Roman" panose="02020603050405020304" pitchFamily="18" charset="0"/>
-                <a:cs typeface="Times New Roman" panose="02020603050405020304" pitchFamily="18" charset="0"/>
-              </a:rPr>
-              <a:t>cigarette</a:t>
-            </a:r>
+              <a:t>.</a:t>
+            </a:r>
+          </a:p>
+          <a:p>
+            <a:pPr algn="ctr"/>
             <a:r>
               <a:rPr lang="it-IT" sz="2000" dirty="0">
                 <a:latin typeface="Times New Roman" panose="02020603050405020304" pitchFamily="18" charset="0"/>
                 <a:cs typeface="Times New Roman" panose="02020603050405020304" pitchFamily="18" charset="0"/>
               </a:rPr>
-              <a:t>” sulla Home page.</a:t>
-            </a:r>
-          </a:p>
-          <a:p>
-            <a:pPr algn="ctr"/>
-            <a:r>
-              <a:rPr lang="it-IT" sz="2000" dirty="0">
-                <a:latin typeface="Times New Roman" panose="02020603050405020304" pitchFamily="18" charset="0"/>
-                <a:cs typeface="Times New Roman" panose="02020603050405020304" pitchFamily="18" charset="0"/>
-              </a:rPr>
               <a:t>1    2    3    4    5</a:t>
             </a:r>
           </a:p>
           <a:p>
-            <a:pPr lvl="0" algn="just"/>
-            <a:r>
-              <a:rPr lang="it-IT" sz="2000" dirty="0" smtClean="0">
-                <a:latin typeface="Times New Roman" panose="02020603050405020304" pitchFamily="18" charset="0"/>
-                <a:cs typeface="Times New Roman" panose="02020603050405020304" pitchFamily="18" charset="0"/>
-              </a:rPr>
-              <a:t>4.   I </a:t>
-            </a:r>
-            <a:r>
-              <a:rPr lang="it-IT" sz="2000" dirty="0">
-                <a:latin typeface="Times New Roman" panose="02020603050405020304" pitchFamily="18" charset="0"/>
-                <a:cs typeface="Times New Roman" panose="02020603050405020304" pitchFamily="18" charset="0"/>
-              </a:rPr>
-              <a:t>collegamenti fra le schermate sono coerenti.</a:t>
-            </a:r>
-          </a:p>
-          <a:p>
-            <a:pPr algn="ctr"/>
-            <a:r>
-              <a:rPr lang="it-IT" sz="2000" dirty="0">
-                <a:latin typeface="Times New Roman" panose="02020603050405020304" pitchFamily="18" charset="0"/>
-                <a:cs typeface="Times New Roman" panose="02020603050405020304" pitchFamily="18" charset="0"/>
-              </a:rPr>
-              <a:t>1    2    3    4    5</a:t>
-            </a:r>
-          </a:p>
-          <a:p>
-            <a:pPr lvl="0" algn="just"/>
-            <a:r>
-              <a:rPr lang="it-IT" sz="2000" dirty="0" smtClean="0">
-                <a:latin typeface="Times New Roman" panose="02020603050405020304" pitchFamily="18" charset="0"/>
-                <a:cs typeface="Times New Roman" panose="02020603050405020304" pitchFamily="18" charset="0"/>
-              </a:rPr>
-              <a:t>5.   È </a:t>
-            </a:r>
-            <a:r>
-              <a:rPr lang="it-IT" sz="2000" dirty="0">
-                <a:latin typeface="Times New Roman" panose="02020603050405020304" pitchFamily="18" charset="0"/>
-                <a:cs typeface="Times New Roman" panose="02020603050405020304" pitchFamily="18" charset="0"/>
-              </a:rPr>
-              <a:t>possibile gestire gli errori.</a:t>
-            </a:r>
-          </a:p>
-          <a:p>
-            <a:pPr algn="ctr"/>
-            <a:r>
-              <a:rPr lang="it-IT" sz="2000" dirty="0">
-                <a:latin typeface="Times New Roman" panose="02020603050405020304" pitchFamily="18" charset="0"/>
-                <a:cs typeface="Times New Roman" panose="02020603050405020304" pitchFamily="18" charset="0"/>
-              </a:rPr>
-              <a:t>1    2    3    4    5</a:t>
-            </a:r>
-          </a:p>
-          <a:p>
-            <a:pPr lvl="0"/>
-            <a:r>
-              <a:rPr lang="it-IT" sz="2000" dirty="0" smtClean="0">
-                <a:latin typeface="Times New Roman" panose="02020603050405020304" pitchFamily="18" charset="0"/>
-                <a:cs typeface="Times New Roman" panose="02020603050405020304" pitchFamily="18" charset="0"/>
-              </a:rPr>
-              <a:t>6.   È </a:t>
-            </a:r>
-            <a:r>
-              <a:rPr lang="it-IT" sz="2000" dirty="0">
-                <a:latin typeface="Times New Roman" panose="02020603050405020304" pitchFamily="18" charset="0"/>
-                <a:cs typeface="Times New Roman" panose="02020603050405020304" pitchFamily="18" charset="0"/>
-              </a:rPr>
-              <a:t>possibile individuare facilmente quali premi sono stati vinti e quali no.</a:t>
-            </a:r>
-          </a:p>
-          <a:p>
-            <a:pPr algn="ctr"/>
-            <a:r>
-              <a:rPr lang="it-IT" sz="2000" dirty="0">
-                <a:latin typeface="Times New Roman" panose="02020603050405020304" pitchFamily="18" charset="0"/>
-                <a:cs typeface="Times New Roman" panose="02020603050405020304" pitchFamily="18" charset="0"/>
-              </a:rPr>
-              <a:t>1    2    3    4    5</a:t>
-            </a:r>
-          </a:p>
-          <a:p>
-            <a:endParaRPr lang="it-IT" sz="2600" dirty="0" smtClean="0"/>
+            <a:endParaRPr lang="it-IT" sz="2000" dirty="0" smtClean="0">
+              <a:latin typeface="Times New Roman" panose="02020603050405020304" pitchFamily="18" charset="0"/>
+              <a:cs typeface="Times New Roman" panose="02020603050405020304" pitchFamily="18" charset="0"/>
+            </a:endParaRPr>
           </a:p>
         </p:txBody>
       </p:sp>
@@ -12910,18 +12881,50 @@
                 <a:latin typeface="Times New Roman" panose="02020603050405020304" pitchFamily="18" charset="0"/>
                 <a:cs typeface="Times New Roman" panose="02020603050405020304" pitchFamily="18" charset="0"/>
               </a:rPr>
-              <a:t>Task 5 – Visualizzare i progressi</a:t>
-            </a:r>
-          </a:p>
-          <a:p>
-            <a:pPr lvl="0" algn="ctr">
-              <a:lnSpc>
-                <a:spcPct val="120000"/>
-              </a:lnSpc>
-              <a:spcBef>
-                <a:spcPts val="1000"/>
-              </a:spcBef>
-            </a:pPr>
+              <a:t>Task 4 – Vincere il premio “</a:t>
+            </a:r>
+            <a:r>
+              <a:rPr lang="it-IT" sz="2500" b="1" dirty="0" err="1" smtClean="0">
+                <a:latin typeface="Times New Roman" panose="02020603050405020304" pitchFamily="18" charset="0"/>
+                <a:cs typeface="Times New Roman" panose="02020603050405020304" pitchFamily="18" charset="0"/>
+              </a:rPr>
+              <a:t>Only</a:t>
+            </a:r>
+            <a:r>
+              <a:rPr lang="it-IT" sz="2500" b="1" dirty="0" smtClean="0">
+                <a:latin typeface="Times New Roman" panose="02020603050405020304" pitchFamily="18" charset="0"/>
+                <a:cs typeface="Times New Roman" panose="02020603050405020304" pitchFamily="18" charset="0"/>
+              </a:rPr>
+              <a:t> 10 </a:t>
+            </a:r>
+            <a:r>
+              <a:rPr lang="it-IT" sz="2500" b="1" dirty="0" err="1" smtClean="0">
+                <a:latin typeface="Times New Roman" panose="02020603050405020304" pitchFamily="18" charset="0"/>
+                <a:cs typeface="Times New Roman" panose="02020603050405020304" pitchFamily="18" charset="0"/>
+              </a:rPr>
+              <a:t>cigarettes</a:t>
+            </a:r>
+            <a:r>
+              <a:rPr lang="it-IT" sz="2500" b="1" dirty="0" smtClean="0">
+                <a:latin typeface="Times New Roman" panose="02020603050405020304" pitchFamily="18" charset="0"/>
+                <a:cs typeface="Times New Roman" panose="02020603050405020304" pitchFamily="18" charset="0"/>
+              </a:rPr>
+              <a:t> </a:t>
+            </a:r>
+            <a:r>
+              <a:rPr lang="it-IT" sz="2500" b="1" dirty="0" err="1" smtClean="0">
+                <a:latin typeface="Times New Roman" panose="02020603050405020304" pitchFamily="18" charset="0"/>
+                <a:cs typeface="Times New Roman" panose="02020603050405020304" pitchFamily="18" charset="0"/>
+              </a:rPr>
+              <a:t>smoked</a:t>
+            </a:r>
+            <a:r>
+              <a:rPr lang="it-IT" sz="2500" b="1" dirty="0" smtClean="0">
+                <a:latin typeface="Times New Roman" panose="02020603050405020304" pitchFamily="18" charset="0"/>
+                <a:cs typeface="Times New Roman" panose="02020603050405020304" pitchFamily="18" charset="0"/>
+              </a:rPr>
+              <a:t>”</a:t>
+            </a:r>
             <a:endParaRPr lang="it-IT" sz="2500" dirty="0" smtClean="0">
               <a:latin typeface="Times New Roman" panose="02020603050405020304" pitchFamily="18" charset="0"/>
               <a:cs typeface="Times New Roman" panose="02020603050405020304" pitchFamily="18" charset="0"/>
@@ -12935,128 +12938,211 @@
             </a:endParaRPr>
           </a:p>
           <a:p>
+            <a:pPr lvl="0" algn="just"/>
+            <a:r>
+              <a:rPr lang="it-IT" sz="2000" dirty="0" smtClean="0">
+                <a:latin typeface="Times New Roman" panose="02020603050405020304" pitchFamily="18" charset="0"/>
+                <a:cs typeface="Times New Roman" panose="02020603050405020304" pitchFamily="18" charset="0"/>
+              </a:rPr>
+              <a:t>1.   La </a:t>
+            </a:r>
+            <a:r>
+              <a:rPr lang="it-IT" sz="2000" dirty="0">
+                <a:latin typeface="Times New Roman" panose="02020603050405020304" pitchFamily="18" charset="0"/>
+                <a:cs typeface="Times New Roman" panose="02020603050405020304" pitchFamily="18" charset="0"/>
+              </a:rPr>
+              <a:t>funzionalità del pulsante “</a:t>
+            </a:r>
+            <a:r>
+              <a:rPr lang="it-IT" sz="2000" dirty="0" err="1">
+                <a:latin typeface="Times New Roman" panose="02020603050405020304" pitchFamily="18" charset="0"/>
+                <a:cs typeface="Times New Roman" panose="02020603050405020304" pitchFamily="18" charset="0"/>
+              </a:rPr>
+              <a:t>Add</a:t>
+            </a:r>
+            <a:r>
+              <a:rPr lang="it-IT" sz="2000" dirty="0">
+                <a:latin typeface="Times New Roman" panose="02020603050405020304" pitchFamily="18" charset="0"/>
+                <a:cs typeface="Times New Roman" panose="02020603050405020304" pitchFamily="18" charset="0"/>
+              </a:rPr>
+              <a:t> a </a:t>
+            </a:r>
+            <a:r>
+              <a:rPr lang="it-IT" sz="2000" dirty="0" err="1">
+                <a:latin typeface="Times New Roman" panose="02020603050405020304" pitchFamily="18" charset="0"/>
+                <a:cs typeface="Times New Roman" panose="02020603050405020304" pitchFamily="18" charset="0"/>
+              </a:rPr>
+              <a:t>cigarette</a:t>
+            </a:r>
+            <a:r>
+              <a:rPr lang="it-IT" sz="2000" dirty="0">
+                <a:latin typeface="Times New Roman" panose="02020603050405020304" pitchFamily="18" charset="0"/>
+                <a:cs typeface="Times New Roman" panose="02020603050405020304" pitchFamily="18" charset="0"/>
+              </a:rPr>
+              <a:t>” è comprensibile.</a:t>
+            </a:r>
+          </a:p>
+          <a:p>
+            <a:pPr algn="ctr"/>
+            <a:r>
+              <a:rPr lang="it-IT" sz="2000" dirty="0">
+                <a:latin typeface="Times New Roman" panose="02020603050405020304" pitchFamily="18" charset="0"/>
+                <a:cs typeface="Times New Roman" panose="02020603050405020304" pitchFamily="18" charset="0"/>
+              </a:rPr>
+              <a:t>1    2    3    4    5</a:t>
+            </a:r>
+          </a:p>
+          <a:p>
+            <a:pPr lvl="0" algn="just"/>
+            <a:r>
+              <a:rPr lang="it-IT" sz="2000" dirty="0" smtClean="0">
+                <a:latin typeface="Times New Roman" panose="02020603050405020304" pitchFamily="18" charset="0"/>
+                <a:cs typeface="Times New Roman" panose="02020603050405020304" pitchFamily="18" charset="0"/>
+              </a:rPr>
+              <a:t>2.   La </a:t>
+            </a:r>
+            <a:r>
+              <a:rPr lang="it-IT" sz="2000" dirty="0">
+                <a:latin typeface="Times New Roman" panose="02020603050405020304" pitchFamily="18" charset="0"/>
+                <a:cs typeface="Times New Roman" panose="02020603050405020304" pitchFamily="18" charset="0"/>
+              </a:rPr>
+              <a:t>modalità con la quale si può vincere il premio è ben spiegata.</a:t>
+            </a:r>
+          </a:p>
+          <a:p>
+            <a:pPr algn="ctr"/>
+            <a:r>
+              <a:rPr lang="it-IT" sz="2000" dirty="0">
+                <a:latin typeface="Times New Roman" panose="02020603050405020304" pitchFamily="18" charset="0"/>
+                <a:cs typeface="Times New Roman" panose="02020603050405020304" pitchFamily="18" charset="0"/>
+              </a:rPr>
+              <a:t>1    2    3    4    5</a:t>
+            </a:r>
+          </a:p>
+          <a:p>
+            <a:pPr lvl="0" algn="just"/>
+            <a:r>
+              <a:rPr lang="it-IT" sz="2000" dirty="0" smtClean="0">
+                <a:latin typeface="Times New Roman" panose="02020603050405020304" pitchFamily="18" charset="0"/>
+                <a:cs typeface="Times New Roman" panose="02020603050405020304" pitchFamily="18" charset="0"/>
+              </a:rPr>
+              <a:t>3.   È </a:t>
+            </a:r>
+            <a:r>
+              <a:rPr lang="it-IT" sz="2000" dirty="0">
+                <a:latin typeface="Times New Roman" panose="02020603050405020304" pitchFamily="18" charset="0"/>
+                <a:cs typeface="Times New Roman" panose="02020603050405020304" pitchFamily="18" charset="0"/>
+              </a:rPr>
+              <a:t>evidente il risultato del pulsante “</a:t>
+            </a:r>
+            <a:r>
+              <a:rPr lang="it-IT" sz="2000" dirty="0" err="1">
+                <a:latin typeface="Times New Roman" panose="02020603050405020304" pitchFamily="18" charset="0"/>
+                <a:cs typeface="Times New Roman" panose="02020603050405020304" pitchFamily="18" charset="0"/>
+              </a:rPr>
+              <a:t>Add</a:t>
+            </a:r>
+            <a:r>
+              <a:rPr lang="it-IT" sz="2000" dirty="0">
+                <a:latin typeface="Times New Roman" panose="02020603050405020304" pitchFamily="18" charset="0"/>
+                <a:cs typeface="Times New Roman" panose="02020603050405020304" pitchFamily="18" charset="0"/>
+              </a:rPr>
+              <a:t> a </a:t>
+            </a:r>
+            <a:r>
+              <a:rPr lang="it-IT" sz="2000" dirty="0" err="1">
+                <a:latin typeface="Times New Roman" panose="02020603050405020304" pitchFamily="18" charset="0"/>
+                <a:cs typeface="Times New Roman" panose="02020603050405020304" pitchFamily="18" charset="0"/>
+              </a:rPr>
+              <a:t>cigarette</a:t>
+            </a:r>
+            <a:r>
+              <a:rPr lang="it-IT" sz="2000" dirty="0">
+                <a:latin typeface="Times New Roman" panose="02020603050405020304" pitchFamily="18" charset="0"/>
+                <a:cs typeface="Times New Roman" panose="02020603050405020304" pitchFamily="18" charset="0"/>
+              </a:rPr>
+              <a:t>” sulla Home page.</a:t>
+            </a:r>
+          </a:p>
+          <a:p>
+            <a:pPr algn="ctr"/>
+            <a:r>
+              <a:rPr lang="it-IT" sz="2000" dirty="0">
+                <a:latin typeface="Times New Roman" panose="02020603050405020304" pitchFamily="18" charset="0"/>
+                <a:cs typeface="Times New Roman" panose="02020603050405020304" pitchFamily="18" charset="0"/>
+              </a:rPr>
+              <a:t>1    2    3    4    5</a:t>
+            </a:r>
+          </a:p>
+          <a:p>
+            <a:pPr lvl="0" algn="just"/>
+            <a:r>
+              <a:rPr lang="it-IT" sz="2000" dirty="0" smtClean="0">
+                <a:latin typeface="Times New Roman" panose="02020603050405020304" pitchFamily="18" charset="0"/>
+                <a:cs typeface="Times New Roman" panose="02020603050405020304" pitchFamily="18" charset="0"/>
+              </a:rPr>
+              <a:t>4.   I </a:t>
+            </a:r>
+            <a:r>
+              <a:rPr lang="it-IT" sz="2000" dirty="0">
+                <a:latin typeface="Times New Roman" panose="02020603050405020304" pitchFamily="18" charset="0"/>
+                <a:cs typeface="Times New Roman" panose="02020603050405020304" pitchFamily="18" charset="0"/>
+              </a:rPr>
+              <a:t>collegamenti fra le schermate sono coerenti.</a:t>
+            </a:r>
+          </a:p>
+          <a:p>
+            <a:pPr algn="ctr"/>
+            <a:r>
+              <a:rPr lang="it-IT" sz="2000" dirty="0">
+                <a:latin typeface="Times New Roman" panose="02020603050405020304" pitchFamily="18" charset="0"/>
+                <a:cs typeface="Times New Roman" panose="02020603050405020304" pitchFamily="18" charset="0"/>
+              </a:rPr>
+              <a:t>1    2    3    4    5</a:t>
+            </a:r>
+          </a:p>
+          <a:p>
+            <a:pPr lvl="0" algn="just"/>
+            <a:r>
+              <a:rPr lang="it-IT" sz="2000" dirty="0" smtClean="0">
+                <a:latin typeface="Times New Roman" panose="02020603050405020304" pitchFamily="18" charset="0"/>
+                <a:cs typeface="Times New Roman" panose="02020603050405020304" pitchFamily="18" charset="0"/>
+              </a:rPr>
+              <a:t>5.   È </a:t>
+            </a:r>
+            <a:r>
+              <a:rPr lang="it-IT" sz="2000" dirty="0">
+                <a:latin typeface="Times New Roman" panose="02020603050405020304" pitchFamily="18" charset="0"/>
+                <a:cs typeface="Times New Roman" panose="02020603050405020304" pitchFamily="18" charset="0"/>
+              </a:rPr>
+              <a:t>possibile gestire gli errori.</a:t>
+            </a:r>
+          </a:p>
+          <a:p>
+            <a:pPr algn="ctr"/>
+            <a:r>
+              <a:rPr lang="it-IT" sz="2000" dirty="0">
+                <a:latin typeface="Times New Roman" panose="02020603050405020304" pitchFamily="18" charset="0"/>
+                <a:cs typeface="Times New Roman" panose="02020603050405020304" pitchFamily="18" charset="0"/>
+              </a:rPr>
+              <a:t>1    2    3    4    5</a:t>
+            </a:r>
+          </a:p>
+          <a:p>
             <a:pPr lvl="0"/>
             <a:r>
               <a:rPr lang="it-IT" sz="2000" dirty="0" smtClean="0">
                 <a:latin typeface="Times New Roman" panose="02020603050405020304" pitchFamily="18" charset="0"/>
                 <a:cs typeface="Times New Roman" panose="02020603050405020304" pitchFamily="18" charset="0"/>
               </a:rPr>
-              <a:t>1.   Il </a:t>
+              <a:t>6.   È </a:t>
             </a:r>
             <a:r>
               <a:rPr lang="it-IT" sz="2000" dirty="0">
                 <a:latin typeface="Times New Roman" panose="02020603050405020304" pitchFamily="18" charset="0"/>
                 <a:cs typeface="Times New Roman" panose="02020603050405020304" pitchFamily="18" charset="0"/>
               </a:rPr>
-              <a:t>raggiungimento della schermata “Progress” è intuitivo.</a:t>
-            </a:r>
-          </a:p>
-          <a:p>
-            <a:pPr algn="ctr"/>
-            <a:r>
-              <a:rPr lang="it-IT" sz="2000" dirty="0">
-                <a:latin typeface="Times New Roman" panose="02020603050405020304" pitchFamily="18" charset="0"/>
-                <a:cs typeface="Times New Roman" panose="02020603050405020304" pitchFamily="18" charset="0"/>
-              </a:rPr>
-              <a:t>1    2    3    4    5</a:t>
-            </a:r>
-          </a:p>
-          <a:p>
-            <a:pPr lvl="0"/>
-            <a:r>
-              <a:rPr lang="it-IT" sz="2000" dirty="0" smtClean="0">
-                <a:latin typeface="Times New Roman" panose="02020603050405020304" pitchFamily="18" charset="0"/>
-                <a:cs typeface="Times New Roman" panose="02020603050405020304" pitchFamily="18" charset="0"/>
-              </a:rPr>
-              <a:t>2.   I </a:t>
-            </a:r>
-            <a:r>
-              <a:rPr lang="it-IT" sz="2000" dirty="0">
-                <a:latin typeface="Times New Roman" panose="02020603050405020304" pitchFamily="18" charset="0"/>
-                <a:cs typeface="Times New Roman" panose="02020603050405020304" pitchFamily="18" charset="0"/>
-              </a:rPr>
-              <a:t>collegamenti tra le schermate sono coerenti.</a:t>
-            </a:r>
-          </a:p>
-          <a:p>
-            <a:pPr algn="ctr"/>
-            <a:r>
-              <a:rPr lang="it-IT" sz="2000" dirty="0">
-                <a:latin typeface="Times New Roman" panose="02020603050405020304" pitchFamily="18" charset="0"/>
-                <a:cs typeface="Times New Roman" panose="02020603050405020304" pitchFamily="18" charset="0"/>
-              </a:rPr>
-              <a:t>1    2    3    4    5</a:t>
-            </a:r>
-          </a:p>
-          <a:p>
-            <a:pPr lvl="0"/>
-            <a:r>
-              <a:rPr lang="it-IT" sz="2000" dirty="0" smtClean="0">
-                <a:latin typeface="Times New Roman" panose="02020603050405020304" pitchFamily="18" charset="0"/>
-                <a:cs typeface="Times New Roman" panose="02020603050405020304" pitchFamily="18" charset="0"/>
-              </a:rPr>
-              <a:t>3.   È </a:t>
-            </a:r>
-            <a:r>
-              <a:rPr lang="it-IT" sz="2000" dirty="0">
-                <a:latin typeface="Times New Roman" panose="02020603050405020304" pitchFamily="18" charset="0"/>
-                <a:cs typeface="Times New Roman" panose="02020603050405020304" pitchFamily="18" charset="0"/>
-              </a:rPr>
-              <a:t>possibile gestire gli errori.</a:t>
-            </a:r>
-          </a:p>
-          <a:p>
-            <a:pPr algn="ctr"/>
-            <a:r>
-              <a:rPr lang="it-IT" sz="2000" dirty="0">
-                <a:latin typeface="Times New Roman" panose="02020603050405020304" pitchFamily="18" charset="0"/>
-                <a:cs typeface="Times New Roman" panose="02020603050405020304" pitchFamily="18" charset="0"/>
-              </a:rPr>
-              <a:t>1    2    3    4    5</a:t>
-            </a:r>
-          </a:p>
-          <a:p>
-            <a:pPr lvl="0"/>
-            <a:r>
-              <a:rPr lang="it-IT" sz="2000" dirty="0" smtClean="0">
-                <a:latin typeface="Times New Roman" panose="02020603050405020304" pitchFamily="18" charset="0"/>
-                <a:cs typeface="Times New Roman" panose="02020603050405020304" pitchFamily="18" charset="0"/>
-              </a:rPr>
-              <a:t>4.   È </a:t>
-            </a:r>
-            <a:r>
-              <a:rPr lang="it-IT" sz="2000" dirty="0">
-                <a:latin typeface="Times New Roman" panose="02020603050405020304" pitchFamily="18" charset="0"/>
-                <a:cs typeface="Times New Roman" panose="02020603050405020304" pitchFamily="18" charset="0"/>
-              </a:rPr>
-              <a:t>chiaro la modalità con la quale funziona la schermata.</a:t>
-            </a:r>
-          </a:p>
-          <a:p>
-            <a:pPr algn="ctr"/>
-            <a:r>
-              <a:rPr lang="it-IT" sz="2000" dirty="0">
-                <a:latin typeface="Times New Roman" panose="02020603050405020304" pitchFamily="18" charset="0"/>
-                <a:cs typeface="Times New Roman" panose="02020603050405020304" pitchFamily="18" charset="0"/>
-              </a:rPr>
-              <a:t>1    2    3    4    5</a:t>
-            </a:r>
-          </a:p>
-          <a:p>
-            <a:pPr lvl="0"/>
-            <a:r>
-              <a:rPr lang="it-IT" sz="2000" dirty="0" smtClean="0">
-                <a:latin typeface="Times New Roman" panose="02020603050405020304" pitchFamily="18" charset="0"/>
-                <a:cs typeface="Times New Roman" panose="02020603050405020304" pitchFamily="18" charset="0"/>
-              </a:rPr>
-              <a:t>5.   È </a:t>
-            </a:r>
-            <a:r>
-              <a:rPr lang="it-IT" sz="2000" dirty="0">
-                <a:latin typeface="Times New Roman" panose="02020603050405020304" pitchFamily="18" charset="0"/>
-                <a:cs typeface="Times New Roman" panose="02020603050405020304" pitchFamily="18" charset="0"/>
-              </a:rPr>
-              <a:t>chiaro lo scopo della schermata.</a:t>
+              <a:t>possibile individuare facilmente quali premi sono stati vinti e quali no.</a:t>
             </a:r>
           </a:p>
           <a:p>
@@ -13208,50 +13294,18 @@
                 <a:latin typeface="Times New Roman" panose="02020603050405020304" pitchFamily="18" charset="0"/>
                 <a:cs typeface="Times New Roman" panose="02020603050405020304" pitchFamily="18" charset="0"/>
               </a:rPr>
-              <a:t>Task 6 – Perdere il premio “</a:t>
-            </a:r>
-            <a:r>
-              <a:rPr lang="it-IT" sz="2500" b="1" dirty="0" err="1" smtClean="0">
-                <a:latin typeface="Times New Roman" panose="02020603050405020304" pitchFamily="18" charset="0"/>
-                <a:cs typeface="Times New Roman" panose="02020603050405020304" pitchFamily="18" charset="0"/>
-              </a:rPr>
-              <a:t>Only</a:t>
-            </a:r>
-            <a:r>
-              <a:rPr lang="it-IT" sz="2500" b="1" dirty="0" smtClean="0">
-                <a:latin typeface="Times New Roman" panose="02020603050405020304" pitchFamily="18" charset="0"/>
-                <a:cs typeface="Times New Roman" panose="02020603050405020304" pitchFamily="18" charset="0"/>
-              </a:rPr>
-              <a:t> 10 </a:t>
-            </a:r>
-            <a:r>
-              <a:rPr lang="it-IT" sz="2500" b="1" dirty="0" err="1" smtClean="0">
-                <a:latin typeface="Times New Roman" panose="02020603050405020304" pitchFamily="18" charset="0"/>
-                <a:cs typeface="Times New Roman" panose="02020603050405020304" pitchFamily="18" charset="0"/>
-              </a:rPr>
-              <a:t>cigarettes</a:t>
-            </a:r>
-            <a:r>
-              <a:rPr lang="it-IT" sz="2500" b="1" dirty="0" smtClean="0">
-                <a:latin typeface="Times New Roman" panose="02020603050405020304" pitchFamily="18" charset="0"/>
-                <a:cs typeface="Times New Roman" panose="02020603050405020304" pitchFamily="18" charset="0"/>
-              </a:rPr>
-              <a:t> </a:t>
-            </a:r>
-            <a:r>
-              <a:rPr lang="it-IT" sz="2500" b="1" dirty="0" err="1" smtClean="0">
-                <a:latin typeface="Times New Roman" panose="02020603050405020304" pitchFamily="18" charset="0"/>
-                <a:cs typeface="Times New Roman" panose="02020603050405020304" pitchFamily="18" charset="0"/>
-              </a:rPr>
-              <a:t>smoked</a:t>
-            </a:r>
-            <a:r>
-              <a:rPr lang="it-IT" sz="2500" b="1" dirty="0" smtClean="0">
-                <a:latin typeface="Times New Roman" panose="02020603050405020304" pitchFamily="18" charset="0"/>
-                <a:cs typeface="Times New Roman" panose="02020603050405020304" pitchFamily="18" charset="0"/>
-              </a:rPr>
-              <a:t>”</a:t>
-            </a:r>
+              <a:t>Task 5 – Visualizzare i progressi</a:t>
+            </a:r>
+          </a:p>
+          <a:p>
+            <a:pPr lvl="0" algn="ctr">
+              <a:lnSpc>
+                <a:spcPct val="120000"/>
+              </a:lnSpc>
+              <a:spcBef>
+                <a:spcPts val="1000"/>
+              </a:spcBef>
+            </a:pPr>
             <a:endParaRPr lang="it-IT" sz="2500" dirty="0" smtClean="0">
               <a:latin typeface="Times New Roman" panose="02020603050405020304" pitchFamily="18" charset="0"/>
               <a:cs typeface="Times New Roman" panose="02020603050405020304" pitchFamily="18" charset="0"/>
@@ -13271,42 +13325,41 @@
                 <a:latin typeface="Times New Roman" panose="02020603050405020304" pitchFamily="18" charset="0"/>
                 <a:cs typeface="Times New Roman" panose="02020603050405020304" pitchFamily="18" charset="0"/>
               </a:rPr>
-              <a:t>1.   La </a:t>
+              <a:t>1.   Il </a:t>
             </a:r>
             <a:r>
               <a:rPr lang="it-IT" sz="2000" dirty="0">
                 <a:latin typeface="Times New Roman" panose="02020603050405020304" pitchFamily="18" charset="0"/>
                 <a:cs typeface="Times New Roman" panose="02020603050405020304" pitchFamily="18" charset="0"/>
               </a:rPr>
-              <a:t>funzionalità del pulsante “No more </a:t>
-            </a:r>
-            <a:r>
-              <a:rPr lang="it-IT" sz="2000" dirty="0" err="1">
-                <a:latin typeface="Times New Roman" panose="02020603050405020304" pitchFamily="18" charset="0"/>
-                <a:cs typeface="Times New Roman" panose="02020603050405020304" pitchFamily="18" charset="0"/>
-              </a:rPr>
-              <a:t>adding</a:t>
-            </a:r>
+              <a:t>raggiungimento della schermata “Progress” è intuitivo.</a:t>
+            </a:r>
+          </a:p>
+          <a:p>
+            <a:pPr algn="ctr"/>
             <a:r>
               <a:rPr lang="it-IT" sz="2000" dirty="0">
                 <a:latin typeface="Times New Roman" panose="02020603050405020304" pitchFamily="18" charset="0"/>
                 <a:cs typeface="Times New Roman" panose="02020603050405020304" pitchFamily="18" charset="0"/>
               </a:rPr>
-              <a:t> </a:t>
-            </a:r>
-            <a:r>
-              <a:rPr lang="it-IT" sz="2000" dirty="0" err="1">
-                <a:latin typeface="Times New Roman" panose="02020603050405020304" pitchFamily="18" charset="0"/>
-                <a:cs typeface="Times New Roman" panose="02020603050405020304" pitchFamily="18" charset="0"/>
-              </a:rPr>
-              <a:t>cigarette</a:t>
+              <a:t>1    2    3    4    5</a:t>
+            </a:r>
+          </a:p>
+          <a:p>
+            <a:pPr lvl="0"/>
+            <a:r>
+              <a:rPr lang="it-IT" sz="2000" dirty="0" smtClean="0">
+                <a:latin typeface="Times New Roman" panose="02020603050405020304" pitchFamily="18" charset="0"/>
+                <a:cs typeface="Times New Roman" panose="02020603050405020304" pitchFamily="18" charset="0"/>
+              </a:rPr>
+              <a:t>2.   I </a:t>
             </a:r>
             <a:r>
               <a:rPr lang="it-IT" sz="2000" dirty="0">
                 <a:latin typeface="Times New Roman" panose="02020603050405020304" pitchFamily="18" charset="0"/>
                 <a:cs typeface="Times New Roman" panose="02020603050405020304" pitchFamily="18" charset="0"/>
               </a:rPr>
-              <a:t>” è comprensibile.</a:t>
+              <a:t>collegamenti tra le schermate sono coerenti.</a:t>
             </a:r>
           </a:p>
           <a:p>
@@ -13326,14 +13379,14 @@
                 <a:latin typeface="Times New Roman" panose="02020603050405020304" pitchFamily="18" charset="0"/>
                 <a:cs typeface="Times New Roman" panose="02020603050405020304" pitchFamily="18" charset="0"/>
               </a:rPr>
-              <a:t>2.   I </a:t>
+              <a:t>3.   È </a:t>
             </a:r>
             <a:r>
               <a:rPr lang="it-IT" sz="2000" dirty="0">
                 <a:latin typeface="Times New Roman" panose="02020603050405020304" pitchFamily="18" charset="0"/>
                 <a:cs typeface="Times New Roman" panose="02020603050405020304" pitchFamily="18" charset="0"/>
               </a:rPr>
-              <a:t>collegamenti fra le schermate sono coerenti.</a:t>
+              <a:t>possibile gestire gli errori.</a:t>
             </a:r>
           </a:p>
           <a:p>
@@ -13353,14 +13406,14 @@
                 <a:latin typeface="Times New Roman" panose="02020603050405020304" pitchFamily="18" charset="0"/>
                 <a:cs typeface="Times New Roman" panose="02020603050405020304" pitchFamily="18" charset="0"/>
               </a:rPr>
-              <a:t>3.   È </a:t>
+              <a:t>4.   È </a:t>
             </a:r>
             <a:r>
               <a:rPr lang="it-IT" sz="2000" dirty="0">
                 <a:latin typeface="Times New Roman" panose="02020603050405020304" pitchFamily="18" charset="0"/>
                 <a:cs typeface="Times New Roman" panose="02020603050405020304" pitchFamily="18" charset="0"/>
               </a:rPr>
-              <a:t>possibile gestire gli errori.</a:t>
+              <a:t>chiaro la modalità con la quale funziona la schermata.</a:t>
             </a:r>
           </a:p>
           <a:p>
@@ -13380,14 +13433,14 @@
                 <a:latin typeface="Times New Roman" panose="02020603050405020304" pitchFamily="18" charset="0"/>
                 <a:cs typeface="Times New Roman" panose="02020603050405020304" pitchFamily="18" charset="0"/>
               </a:rPr>
-              <a:t>4.   È </a:t>
+              <a:t>5.   È </a:t>
             </a:r>
             <a:r>
               <a:rPr lang="it-IT" sz="2000" dirty="0">
                 <a:latin typeface="Times New Roman" panose="02020603050405020304" pitchFamily="18" charset="0"/>
                 <a:cs typeface="Times New Roman" panose="02020603050405020304" pitchFamily="18" charset="0"/>
               </a:rPr>
-              <a:t>sempre possibile capire quali operazioni effettuare.</a:t>
+              <a:t>chiaro lo scopo della schermata.</a:t>
             </a:r>
           </a:p>
           <a:p>
@@ -13401,44 +13454,7 @@
             </a:r>
           </a:p>
           <a:p>
-            <a:pPr lvl="0"/>
-            <a:r>
-              <a:rPr lang="it-IT" sz="2000" dirty="0" smtClean="0">
-                <a:latin typeface="Times New Roman" panose="02020603050405020304" pitchFamily="18" charset="0"/>
-                <a:cs typeface="Times New Roman" panose="02020603050405020304" pitchFamily="18" charset="0"/>
-              </a:rPr>
-              <a:t>5.   È </a:t>
-            </a:r>
-            <a:r>
-              <a:rPr lang="it-IT" sz="2000" dirty="0">
-                <a:latin typeface="Times New Roman" panose="02020603050405020304" pitchFamily="18" charset="0"/>
-                <a:cs typeface="Times New Roman" panose="02020603050405020304" pitchFamily="18" charset="0"/>
-              </a:rPr>
-              <a:t>chiaro e/o intuibile lo stato del sistema una volta perso il premio precedentemente vinto.</a:t>
-            </a:r>
-          </a:p>
-          <a:p>
-            <a:pPr algn="ctr"/>
-            <a:r>
-              <a:rPr lang="it-IT" sz="2000" dirty="0">
-                <a:latin typeface="Times New Roman" panose="02020603050405020304" pitchFamily="18" charset="0"/>
-                <a:cs typeface="Times New Roman" panose="02020603050405020304" pitchFamily="18" charset="0"/>
-              </a:rPr>
-              <a:t>1    2    3    4    5</a:t>
-            </a:r>
-          </a:p>
-          <a:p>
-            <a:pPr algn="just"/>
-            <a:endParaRPr lang="it-IT" sz="2000" dirty="0" smtClean="0">
-              <a:latin typeface="Times New Roman" panose="02020603050405020304" pitchFamily="18" charset="0"/>
-              <a:cs typeface="Times New Roman" panose="02020603050405020304" pitchFamily="18" charset="0"/>
-            </a:endParaRPr>
-          </a:p>
-          <a:p>
-            <a:r>
-              <a:rPr lang="it-IT" sz="2600" dirty="0" smtClean="0"/>
-              <a:t> </a:t>
-            </a:r>
+            <a:endParaRPr lang="it-IT" sz="2600" dirty="0" smtClean="0"/>
           </a:p>
         </p:txBody>
       </p:sp>
@@ -13576,21 +13592,49 @@
                 <a:latin typeface="Times New Roman" panose="02020603050405020304" pitchFamily="18" charset="0"/>
                 <a:cs typeface="Times New Roman" panose="02020603050405020304" pitchFamily="18" charset="0"/>
               </a:rPr>
-              <a:t>Task 7 – </a:t>
+              <a:t>Task 6 – Perdere il premio “</a:t>
             </a:r>
             <a:r>
               <a:rPr lang="it-IT" sz="2500" b="1" dirty="0" err="1" smtClean="0">
                 <a:latin typeface="Times New Roman" panose="02020603050405020304" pitchFamily="18" charset="0"/>
                 <a:cs typeface="Times New Roman" panose="02020603050405020304" pitchFamily="18" charset="0"/>
               </a:rPr>
-              <a:t>Forgot</a:t>
+              <a:t>Only</a:t>
             </a:r>
             <a:r>
               <a:rPr lang="it-IT" sz="2500" b="1" dirty="0" smtClean="0">
                 <a:latin typeface="Times New Roman" panose="02020603050405020304" pitchFamily="18" charset="0"/>
                 <a:cs typeface="Times New Roman" panose="02020603050405020304" pitchFamily="18" charset="0"/>
               </a:rPr>
-              <a:t> password e Login</a:t>
+              <a:t> 10 </a:t>
+            </a:r>
+            <a:r>
+              <a:rPr lang="it-IT" sz="2500" b="1" dirty="0" err="1" smtClean="0">
+                <a:latin typeface="Times New Roman" panose="02020603050405020304" pitchFamily="18" charset="0"/>
+                <a:cs typeface="Times New Roman" panose="02020603050405020304" pitchFamily="18" charset="0"/>
+              </a:rPr>
+              <a:t>cigarettes</a:t>
+            </a:r>
+            <a:r>
+              <a:rPr lang="it-IT" sz="2500" b="1" dirty="0" smtClean="0">
+                <a:latin typeface="Times New Roman" panose="02020603050405020304" pitchFamily="18" charset="0"/>
+                <a:cs typeface="Times New Roman" panose="02020603050405020304" pitchFamily="18" charset="0"/>
+              </a:rPr>
+              <a:t> </a:t>
+            </a:r>
+            <a:r>
+              <a:rPr lang="it-IT" sz="2500" b="1" dirty="0" err="1" smtClean="0">
+                <a:latin typeface="Times New Roman" panose="02020603050405020304" pitchFamily="18" charset="0"/>
+                <a:cs typeface="Times New Roman" panose="02020603050405020304" pitchFamily="18" charset="0"/>
+              </a:rPr>
+              <a:t>smoked</a:t>
+            </a:r>
+            <a:r>
+              <a:rPr lang="it-IT" sz="2500" b="1" dirty="0" smtClean="0">
+                <a:latin typeface="Times New Roman" panose="02020603050405020304" pitchFamily="18" charset="0"/>
+                <a:cs typeface="Times New Roman" panose="02020603050405020304" pitchFamily="18" charset="0"/>
+              </a:rPr>
+              <a:t>”</a:t>
             </a:r>
             <a:endParaRPr lang="it-IT" sz="2500" dirty="0" smtClean="0">
               <a:latin typeface="Times New Roman" panose="02020603050405020304" pitchFamily="18" charset="0"/>
@@ -13611,28 +13655,42 @@
                 <a:latin typeface="Times New Roman" panose="02020603050405020304" pitchFamily="18" charset="0"/>
                 <a:cs typeface="Times New Roman" panose="02020603050405020304" pitchFamily="18" charset="0"/>
               </a:rPr>
-              <a:t>1.   È </a:t>
+              <a:t>1.   La </a:t>
             </a:r>
             <a:r>
               <a:rPr lang="it-IT" sz="2000" dirty="0">
                 <a:latin typeface="Times New Roman" panose="02020603050405020304" pitchFamily="18" charset="0"/>
                 <a:cs typeface="Times New Roman" panose="02020603050405020304" pitchFamily="18" charset="0"/>
               </a:rPr>
-              <a:t>facile capire come effettuare il </a:t>
+              <a:t>funzionalità del pulsante “No more </a:t>
             </a:r>
             <a:r>
               <a:rPr lang="it-IT" sz="2000" dirty="0" err="1">
                 <a:latin typeface="Times New Roman" panose="02020603050405020304" pitchFamily="18" charset="0"/>
                 <a:cs typeface="Times New Roman" panose="02020603050405020304" pitchFamily="18" charset="0"/>
               </a:rPr>
-              <a:t>logout</a:t>
+              <a:t>adding</a:t>
             </a:r>
             <a:r>
               <a:rPr lang="it-IT" sz="2000" dirty="0">
                 <a:latin typeface="Times New Roman" panose="02020603050405020304" pitchFamily="18" charset="0"/>
                 <a:cs typeface="Times New Roman" panose="02020603050405020304" pitchFamily="18" charset="0"/>
               </a:rPr>
-              <a:t>.</a:t>
+              <a:t> </a:t>
+            </a:r>
+            <a:r>
+              <a:rPr lang="it-IT" sz="2000" dirty="0" err="1">
+                <a:latin typeface="Times New Roman" panose="02020603050405020304" pitchFamily="18" charset="0"/>
+                <a:cs typeface="Times New Roman" panose="02020603050405020304" pitchFamily="18" charset="0"/>
+              </a:rPr>
+              <a:t>cigarette</a:t>
+            </a:r>
+            <a:r>
+              <a:rPr lang="it-IT" sz="2000" dirty="0">
+                <a:latin typeface="Times New Roman" panose="02020603050405020304" pitchFamily="18" charset="0"/>
+                <a:cs typeface="Times New Roman" panose="02020603050405020304" pitchFamily="18" charset="0"/>
+              </a:rPr>
+              <a:t>” è comprensibile.</a:t>
             </a:r>
           </a:p>
           <a:p>
@@ -13706,42 +13764,41 @@
                 <a:latin typeface="Times New Roman" panose="02020603050405020304" pitchFamily="18" charset="0"/>
                 <a:cs typeface="Times New Roman" panose="02020603050405020304" pitchFamily="18" charset="0"/>
               </a:rPr>
-              <a:t>4.   Sono </a:t>
+              <a:t>4.   È </a:t>
             </a:r>
             <a:r>
               <a:rPr lang="it-IT" sz="2000" dirty="0">
                 <a:latin typeface="Times New Roman" panose="02020603050405020304" pitchFamily="18" charset="0"/>
                 <a:cs typeface="Times New Roman" panose="02020603050405020304" pitchFamily="18" charset="0"/>
               </a:rPr>
-              <a:t>chiare le modalità di funzionamento del pulsante “</a:t>
-            </a:r>
-            <a:r>
-              <a:rPr lang="it-IT" sz="2000" dirty="0" err="1">
-                <a:latin typeface="Times New Roman" panose="02020603050405020304" pitchFamily="18" charset="0"/>
-                <a:cs typeface="Times New Roman" panose="02020603050405020304" pitchFamily="18" charset="0"/>
-              </a:rPr>
-              <a:t>Forgot</a:t>
-            </a:r>
+              <a:t>sempre possibile capire quali operazioni effettuare.</a:t>
+            </a:r>
+          </a:p>
+          <a:p>
+            <a:pPr algn="ctr"/>
             <a:r>
               <a:rPr lang="it-IT" sz="2000" dirty="0">
                 <a:latin typeface="Times New Roman" panose="02020603050405020304" pitchFamily="18" charset="0"/>
                 <a:cs typeface="Times New Roman" panose="02020603050405020304" pitchFamily="18" charset="0"/>
               </a:rPr>
-              <a:t> </a:t>
-            </a:r>
-            <a:r>
-              <a:rPr lang="it-IT" sz="2000" dirty="0" err="1">
-                <a:latin typeface="Times New Roman" panose="02020603050405020304" pitchFamily="18" charset="0"/>
-                <a:cs typeface="Times New Roman" panose="02020603050405020304" pitchFamily="18" charset="0"/>
-              </a:rPr>
-              <a:t>your</a:t>
+              <a:t>1    2    3    4    5</a:t>
+            </a:r>
+          </a:p>
+          <a:p>
+            <a:pPr lvl="0"/>
+            <a:r>
+              <a:rPr lang="it-IT" sz="2000" dirty="0" smtClean="0">
+                <a:latin typeface="Times New Roman" panose="02020603050405020304" pitchFamily="18" charset="0"/>
+                <a:cs typeface="Times New Roman" panose="02020603050405020304" pitchFamily="18" charset="0"/>
+              </a:rPr>
+              <a:t>5.   È </a:t>
             </a:r>
             <a:r>
               <a:rPr lang="it-IT" sz="2000" dirty="0">
                 <a:latin typeface="Times New Roman" panose="02020603050405020304" pitchFamily="18" charset="0"/>
                 <a:cs typeface="Times New Roman" panose="02020603050405020304" pitchFamily="18" charset="0"/>
               </a:rPr>
-              <a:t> password?”.</a:t>
+              <a:t>chiaro e/o intuibile lo stato del sistema una volta perso il premio precedentemente vinto.</a:t>
             </a:r>
           </a:p>
           <a:p>
@@ -13755,61 +13812,17 @@
             </a:r>
           </a:p>
           <a:p>
-            <a:pPr lvl="0"/>
-            <a:r>
-              <a:rPr lang="it-IT" sz="2000" dirty="0" smtClean="0">
-                <a:latin typeface="Times New Roman" panose="02020603050405020304" pitchFamily="18" charset="0"/>
-                <a:cs typeface="Times New Roman" panose="02020603050405020304" pitchFamily="18" charset="0"/>
-              </a:rPr>
-              <a:t>5.   È </a:t>
-            </a:r>
-            <a:r>
-              <a:rPr lang="it-IT" sz="2000" dirty="0">
-                <a:latin typeface="Times New Roman" panose="02020603050405020304" pitchFamily="18" charset="0"/>
-                <a:cs typeface="Times New Roman" panose="02020603050405020304" pitchFamily="18" charset="0"/>
-              </a:rPr>
-              <a:t>sempre chiaro quali campi devono essere riempiti.</a:t>
-            </a:r>
-          </a:p>
-          <a:p>
-            <a:pPr algn="ctr"/>
-            <a:r>
-              <a:rPr lang="it-IT" sz="2000" dirty="0">
-                <a:latin typeface="Times New Roman" panose="02020603050405020304" pitchFamily="18" charset="0"/>
-                <a:cs typeface="Times New Roman" panose="02020603050405020304" pitchFamily="18" charset="0"/>
-              </a:rPr>
-              <a:t>1    2    3    4    5</a:t>
-            </a:r>
-          </a:p>
-          <a:p>
-            <a:pPr lvl="0"/>
-            <a:r>
-              <a:rPr lang="it-IT" sz="2000" dirty="0" smtClean="0">
-                <a:latin typeface="Times New Roman" panose="02020603050405020304" pitchFamily="18" charset="0"/>
-                <a:cs typeface="Times New Roman" panose="02020603050405020304" pitchFamily="18" charset="0"/>
-              </a:rPr>
-              <a:t>6.   La </a:t>
-            </a:r>
-            <a:r>
-              <a:rPr lang="it-IT" sz="2000" dirty="0">
-                <a:latin typeface="Times New Roman" panose="02020603050405020304" pitchFamily="18" charset="0"/>
-                <a:cs typeface="Times New Roman" panose="02020603050405020304" pitchFamily="18" charset="0"/>
-              </a:rPr>
-              <a:t>modalità del funzionamento del pulsante “Login” è comprensibile.</a:t>
-            </a:r>
-          </a:p>
-          <a:p>
-            <a:pPr algn="ctr"/>
-            <a:r>
-              <a:rPr lang="it-IT" sz="2000" dirty="0">
-                <a:latin typeface="Times New Roman" panose="02020603050405020304" pitchFamily="18" charset="0"/>
-                <a:cs typeface="Times New Roman" panose="02020603050405020304" pitchFamily="18" charset="0"/>
-              </a:rPr>
-              <a:t>1    2    3    4    5</a:t>
-            </a:r>
-          </a:p>
-          <a:p>
-            <a:endParaRPr lang="it-IT" sz="2600" dirty="0" smtClean="0"/>
+            <a:pPr algn="just"/>
+            <a:endParaRPr lang="it-IT" sz="2000" dirty="0" smtClean="0">
+              <a:latin typeface="Times New Roman" panose="02020603050405020304" pitchFamily="18" charset="0"/>
+              <a:cs typeface="Times New Roman" panose="02020603050405020304" pitchFamily="18" charset="0"/>
+            </a:endParaRPr>
+          </a:p>
+          <a:p>
+            <a:r>
+              <a:rPr lang="it-IT" sz="2600" dirty="0" smtClean="0"/>
+              <a:t> </a:t>
+            </a:r>
           </a:p>
         </p:txBody>
       </p:sp>
@@ -14008,6 +14021,377 @@
       </p:par>
     </p:tnLst>
   </p:timing>
+</p:sld>
+</file>
+
+<file path=ppt/slides/slide40.xml><?xml version="1.0" encoding="utf-8"?>
+<p:sld xmlns:a="http://schemas.openxmlformats.org/drawingml/2006/main" xmlns:r="http://schemas.openxmlformats.org/officeDocument/2006/relationships" xmlns:p="http://schemas.openxmlformats.org/presentationml/2006/main">
+  <p:cSld>
+    <p:spTree>
+      <p:nvGrpSpPr>
+        <p:cNvPr id="1" name=""/>
+        <p:cNvGrpSpPr/>
+        <p:nvPr/>
+      </p:nvGrpSpPr>
+      <p:grpSpPr>
+        <a:xfrm>
+          <a:off x="0" y="0"/>
+          <a:ext cx="0" cy="0"/>
+          <a:chOff x="0" y="0"/>
+          <a:chExt cx="0" cy="0"/>
+        </a:xfrm>
+      </p:grpSpPr>
+      <p:sp>
+        <p:nvSpPr>
+          <p:cNvPr id="5" name="Titolo 1"/>
+          <p:cNvSpPr>
+            <a:spLocks noGrp="1"/>
+          </p:cNvSpPr>
+          <p:nvPr>
+            <p:ph type="title"/>
+          </p:nvPr>
+        </p:nvSpPr>
+        <p:spPr>
+          <a:xfrm>
+            <a:off x="628650" y="444137"/>
+            <a:ext cx="7886700" cy="653143"/>
+          </a:xfrm>
+        </p:spPr>
+        <p:txBody>
+          <a:bodyPr>
+            <a:normAutofit/>
+          </a:bodyPr>
+          <a:lstStyle/>
+          <a:p>
+            <a:r>
+              <a:rPr lang="it-IT" sz="2800" b="1" dirty="0" err="1" smtClean="0">
+                <a:latin typeface="Times New Roman" panose="02020603050405020304" pitchFamily="18" charset="0"/>
+                <a:cs typeface="Times New Roman" panose="02020603050405020304" pitchFamily="18" charset="0"/>
+              </a:rPr>
+              <a:t>User</a:t>
+            </a:r>
+            <a:r>
+              <a:rPr lang="it-IT" sz="2800" b="1" dirty="0" smtClean="0">
+                <a:latin typeface="Times New Roman" panose="02020603050405020304" pitchFamily="18" charset="0"/>
+                <a:cs typeface="Times New Roman" panose="02020603050405020304" pitchFamily="18" charset="0"/>
+              </a:rPr>
+              <a:t> </a:t>
+            </a:r>
+            <a:r>
+              <a:rPr lang="it-IT" sz="2800" b="1" dirty="0" err="1" smtClean="0">
+                <a:latin typeface="Times New Roman" panose="02020603050405020304" pitchFamily="18" charset="0"/>
+                <a:cs typeface="Times New Roman" panose="02020603050405020304" pitchFamily="18" charset="0"/>
+              </a:rPr>
+              <a:t>testing</a:t>
+            </a:r>
+            <a:r>
+              <a:rPr lang="it-IT" sz="2800" b="1" dirty="0" smtClean="0">
+                <a:latin typeface="Times New Roman" panose="02020603050405020304" pitchFamily="18" charset="0"/>
+                <a:cs typeface="Times New Roman" panose="02020603050405020304" pitchFamily="18" charset="0"/>
+              </a:rPr>
+              <a:t> – </a:t>
+            </a:r>
+            <a:r>
+              <a:rPr lang="it-IT" sz="2800" b="1" i="1" dirty="0" err="1" smtClean="0">
+                <a:latin typeface="Times New Roman" panose="02020603050405020304" pitchFamily="18" charset="0"/>
+                <a:cs typeface="Times New Roman" panose="02020603050405020304" pitchFamily="18" charset="0"/>
+              </a:rPr>
+              <a:t>After</a:t>
+            </a:r>
+            <a:r>
+              <a:rPr lang="it-IT" sz="2800" b="1" i="1" dirty="0" smtClean="0">
+                <a:latin typeface="Times New Roman" panose="02020603050405020304" pitchFamily="18" charset="0"/>
+                <a:cs typeface="Times New Roman" panose="02020603050405020304" pitchFamily="18" charset="0"/>
+              </a:rPr>
+              <a:t> the test</a:t>
+            </a:r>
+            <a:endParaRPr lang="it-IT" sz="2800" i="1" dirty="0"/>
+          </a:p>
+        </p:txBody>
+      </p:sp>
+      <p:sp>
+        <p:nvSpPr>
+          <p:cNvPr id="8" name="Segnaposto contenuto 2"/>
+          <p:cNvSpPr txBox="1">
+            <a:spLocks/>
+          </p:cNvSpPr>
+          <p:nvPr/>
+        </p:nvSpPr>
+        <p:spPr>
+          <a:xfrm>
+            <a:off x="628650" y="1254034"/>
+            <a:ext cx="7886700" cy="5301311"/>
+          </a:xfrm>
+          <a:prstGeom prst="rect">
+            <a:avLst/>
+          </a:prstGeom>
+        </p:spPr>
+        <p:txBody>
+          <a:bodyPr vert="horz" lIns="91440" tIns="45720" rIns="91440" bIns="45720" rtlCol="0">
+            <a:normAutofit/>
+          </a:bodyPr>
+          <a:lstStyle/>
+          <a:p>
+            <a:pPr lvl="0" algn="ctr">
+              <a:lnSpc>
+                <a:spcPct val="120000"/>
+              </a:lnSpc>
+              <a:spcBef>
+                <a:spcPts val="1000"/>
+              </a:spcBef>
+            </a:pPr>
+            <a:r>
+              <a:rPr lang="it-IT" sz="2500" b="1" dirty="0" smtClean="0">
+                <a:latin typeface="Times New Roman" panose="02020603050405020304" pitchFamily="18" charset="0"/>
+                <a:cs typeface="Times New Roman" panose="02020603050405020304" pitchFamily="18" charset="0"/>
+              </a:rPr>
+              <a:t>Task 7 – </a:t>
+            </a:r>
+            <a:r>
+              <a:rPr lang="it-IT" sz="2500" b="1" dirty="0" err="1" smtClean="0">
+                <a:latin typeface="Times New Roman" panose="02020603050405020304" pitchFamily="18" charset="0"/>
+                <a:cs typeface="Times New Roman" panose="02020603050405020304" pitchFamily="18" charset="0"/>
+              </a:rPr>
+              <a:t>Forgot</a:t>
+            </a:r>
+            <a:r>
+              <a:rPr lang="it-IT" sz="2500" b="1" dirty="0" smtClean="0">
+                <a:latin typeface="Times New Roman" panose="02020603050405020304" pitchFamily="18" charset="0"/>
+                <a:cs typeface="Times New Roman" panose="02020603050405020304" pitchFamily="18" charset="0"/>
+              </a:rPr>
+              <a:t> password e Login</a:t>
+            </a:r>
+            <a:endParaRPr lang="it-IT" sz="2500" dirty="0" smtClean="0">
+              <a:latin typeface="Times New Roman" panose="02020603050405020304" pitchFamily="18" charset="0"/>
+              <a:cs typeface="Times New Roman" panose="02020603050405020304" pitchFamily="18" charset="0"/>
+            </a:endParaRPr>
+          </a:p>
+          <a:p>
+            <a:pPr algn="just"/>
+            <a:endParaRPr lang="it-IT" sz="2000" dirty="0" smtClean="0">
+              <a:latin typeface="Times New Roman" panose="02020603050405020304" pitchFamily="18" charset="0"/>
+              <a:cs typeface="Times New Roman" panose="02020603050405020304" pitchFamily="18" charset="0"/>
+            </a:endParaRPr>
+          </a:p>
+          <a:p>
+            <a:pPr lvl="0"/>
+            <a:r>
+              <a:rPr lang="it-IT" sz="2000" dirty="0" smtClean="0">
+                <a:latin typeface="Times New Roman" panose="02020603050405020304" pitchFamily="18" charset="0"/>
+                <a:cs typeface="Times New Roman" panose="02020603050405020304" pitchFamily="18" charset="0"/>
+              </a:rPr>
+              <a:t>1.   È </a:t>
+            </a:r>
+            <a:r>
+              <a:rPr lang="it-IT" sz="2000" dirty="0">
+                <a:latin typeface="Times New Roman" panose="02020603050405020304" pitchFamily="18" charset="0"/>
+                <a:cs typeface="Times New Roman" panose="02020603050405020304" pitchFamily="18" charset="0"/>
+              </a:rPr>
+              <a:t>facile capire come effettuare il </a:t>
+            </a:r>
+            <a:r>
+              <a:rPr lang="it-IT" sz="2000" dirty="0" err="1">
+                <a:latin typeface="Times New Roman" panose="02020603050405020304" pitchFamily="18" charset="0"/>
+                <a:cs typeface="Times New Roman" panose="02020603050405020304" pitchFamily="18" charset="0"/>
+              </a:rPr>
+              <a:t>logout</a:t>
+            </a:r>
+            <a:r>
+              <a:rPr lang="it-IT" sz="2000" dirty="0">
+                <a:latin typeface="Times New Roman" panose="02020603050405020304" pitchFamily="18" charset="0"/>
+                <a:cs typeface="Times New Roman" panose="02020603050405020304" pitchFamily="18" charset="0"/>
+              </a:rPr>
+              <a:t>.</a:t>
+            </a:r>
+          </a:p>
+          <a:p>
+            <a:pPr algn="ctr"/>
+            <a:r>
+              <a:rPr lang="it-IT" sz="2000" dirty="0">
+                <a:latin typeface="Times New Roman" panose="02020603050405020304" pitchFamily="18" charset="0"/>
+                <a:cs typeface="Times New Roman" panose="02020603050405020304" pitchFamily="18" charset="0"/>
+              </a:rPr>
+              <a:t>1    2    3    4    5</a:t>
+            </a:r>
+          </a:p>
+          <a:p>
+            <a:pPr lvl="0"/>
+            <a:r>
+              <a:rPr lang="it-IT" sz="2000" dirty="0" smtClean="0">
+                <a:latin typeface="Times New Roman" panose="02020603050405020304" pitchFamily="18" charset="0"/>
+                <a:cs typeface="Times New Roman" panose="02020603050405020304" pitchFamily="18" charset="0"/>
+              </a:rPr>
+              <a:t>2.   I </a:t>
+            </a:r>
+            <a:r>
+              <a:rPr lang="it-IT" sz="2000" dirty="0">
+                <a:latin typeface="Times New Roman" panose="02020603050405020304" pitchFamily="18" charset="0"/>
+                <a:cs typeface="Times New Roman" panose="02020603050405020304" pitchFamily="18" charset="0"/>
+              </a:rPr>
+              <a:t>collegamenti fra le schermate sono coerenti.</a:t>
+            </a:r>
+          </a:p>
+          <a:p>
+            <a:pPr algn="ctr"/>
+            <a:r>
+              <a:rPr lang="it-IT" sz="2000" dirty="0">
+                <a:latin typeface="Times New Roman" panose="02020603050405020304" pitchFamily="18" charset="0"/>
+                <a:cs typeface="Times New Roman" panose="02020603050405020304" pitchFamily="18" charset="0"/>
+              </a:rPr>
+              <a:t>1    2    3    4    5</a:t>
+            </a:r>
+          </a:p>
+          <a:p>
+            <a:pPr lvl="0"/>
+            <a:r>
+              <a:rPr lang="it-IT" sz="2000" dirty="0" smtClean="0">
+                <a:latin typeface="Times New Roman" panose="02020603050405020304" pitchFamily="18" charset="0"/>
+                <a:cs typeface="Times New Roman" panose="02020603050405020304" pitchFamily="18" charset="0"/>
+              </a:rPr>
+              <a:t>3.   È </a:t>
+            </a:r>
+            <a:r>
+              <a:rPr lang="it-IT" sz="2000" dirty="0">
+                <a:latin typeface="Times New Roman" panose="02020603050405020304" pitchFamily="18" charset="0"/>
+                <a:cs typeface="Times New Roman" panose="02020603050405020304" pitchFamily="18" charset="0"/>
+              </a:rPr>
+              <a:t>possibile gestire gli errori.</a:t>
+            </a:r>
+          </a:p>
+          <a:p>
+            <a:pPr algn="ctr"/>
+            <a:r>
+              <a:rPr lang="it-IT" sz="2000" dirty="0">
+                <a:latin typeface="Times New Roman" panose="02020603050405020304" pitchFamily="18" charset="0"/>
+                <a:cs typeface="Times New Roman" panose="02020603050405020304" pitchFamily="18" charset="0"/>
+              </a:rPr>
+              <a:t>1    2    3    4    5</a:t>
+            </a:r>
+          </a:p>
+          <a:p>
+            <a:pPr lvl="0"/>
+            <a:r>
+              <a:rPr lang="it-IT" sz="2000" dirty="0" smtClean="0">
+                <a:latin typeface="Times New Roman" panose="02020603050405020304" pitchFamily="18" charset="0"/>
+                <a:cs typeface="Times New Roman" panose="02020603050405020304" pitchFamily="18" charset="0"/>
+              </a:rPr>
+              <a:t>4.   Sono </a:t>
+            </a:r>
+            <a:r>
+              <a:rPr lang="it-IT" sz="2000" dirty="0">
+                <a:latin typeface="Times New Roman" panose="02020603050405020304" pitchFamily="18" charset="0"/>
+                <a:cs typeface="Times New Roman" panose="02020603050405020304" pitchFamily="18" charset="0"/>
+              </a:rPr>
+              <a:t>chiare le modalità di funzionamento del pulsante “</a:t>
+            </a:r>
+            <a:r>
+              <a:rPr lang="it-IT" sz="2000" dirty="0" err="1">
+                <a:latin typeface="Times New Roman" panose="02020603050405020304" pitchFamily="18" charset="0"/>
+                <a:cs typeface="Times New Roman" panose="02020603050405020304" pitchFamily="18" charset="0"/>
+              </a:rPr>
+              <a:t>Forgot</a:t>
+            </a:r>
+            <a:r>
+              <a:rPr lang="it-IT" sz="2000" dirty="0">
+                <a:latin typeface="Times New Roman" panose="02020603050405020304" pitchFamily="18" charset="0"/>
+                <a:cs typeface="Times New Roman" panose="02020603050405020304" pitchFamily="18" charset="0"/>
+              </a:rPr>
+              <a:t> </a:t>
+            </a:r>
+            <a:r>
+              <a:rPr lang="it-IT" sz="2000" dirty="0" err="1">
+                <a:latin typeface="Times New Roman" panose="02020603050405020304" pitchFamily="18" charset="0"/>
+                <a:cs typeface="Times New Roman" panose="02020603050405020304" pitchFamily="18" charset="0"/>
+              </a:rPr>
+              <a:t>your</a:t>
+            </a:r>
+            <a:r>
+              <a:rPr lang="it-IT" sz="2000" dirty="0">
+                <a:latin typeface="Times New Roman" panose="02020603050405020304" pitchFamily="18" charset="0"/>
+                <a:cs typeface="Times New Roman" panose="02020603050405020304" pitchFamily="18" charset="0"/>
+              </a:rPr>
+              <a:t> password?”.</a:t>
+            </a:r>
+          </a:p>
+          <a:p>
+            <a:pPr algn="ctr"/>
+            <a:r>
+              <a:rPr lang="it-IT" sz="2000" dirty="0">
+                <a:latin typeface="Times New Roman" panose="02020603050405020304" pitchFamily="18" charset="0"/>
+                <a:cs typeface="Times New Roman" panose="02020603050405020304" pitchFamily="18" charset="0"/>
+              </a:rPr>
+              <a:t>1    2    3    4    5</a:t>
+            </a:r>
+          </a:p>
+          <a:p>
+            <a:pPr lvl="0"/>
+            <a:r>
+              <a:rPr lang="it-IT" sz="2000" dirty="0" smtClean="0">
+                <a:latin typeface="Times New Roman" panose="02020603050405020304" pitchFamily="18" charset="0"/>
+                <a:cs typeface="Times New Roman" panose="02020603050405020304" pitchFamily="18" charset="0"/>
+              </a:rPr>
+              <a:t>5.   È </a:t>
+            </a:r>
+            <a:r>
+              <a:rPr lang="it-IT" sz="2000" dirty="0">
+                <a:latin typeface="Times New Roman" panose="02020603050405020304" pitchFamily="18" charset="0"/>
+                <a:cs typeface="Times New Roman" panose="02020603050405020304" pitchFamily="18" charset="0"/>
+              </a:rPr>
+              <a:t>sempre chiaro quali campi devono essere riempiti.</a:t>
+            </a:r>
+          </a:p>
+          <a:p>
+            <a:pPr algn="ctr"/>
+            <a:r>
+              <a:rPr lang="it-IT" sz="2000" dirty="0">
+                <a:latin typeface="Times New Roman" panose="02020603050405020304" pitchFamily="18" charset="0"/>
+                <a:cs typeface="Times New Roman" panose="02020603050405020304" pitchFamily="18" charset="0"/>
+              </a:rPr>
+              <a:t>1    2    3    4    5</a:t>
+            </a:r>
+          </a:p>
+          <a:p>
+            <a:pPr lvl="0"/>
+            <a:r>
+              <a:rPr lang="it-IT" sz="2000" dirty="0" smtClean="0">
+                <a:latin typeface="Times New Roman" panose="02020603050405020304" pitchFamily="18" charset="0"/>
+                <a:cs typeface="Times New Roman" panose="02020603050405020304" pitchFamily="18" charset="0"/>
+              </a:rPr>
+              <a:t>6.   La </a:t>
+            </a:r>
+            <a:r>
+              <a:rPr lang="it-IT" sz="2000" dirty="0">
+                <a:latin typeface="Times New Roman" panose="02020603050405020304" pitchFamily="18" charset="0"/>
+                <a:cs typeface="Times New Roman" panose="02020603050405020304" pitchFamily="18" charset="0"/>
+              </a:rPr>
+              <a:t>modalità del funzionamento del pulsante “Login” è comprensibile.</a:t>
+            </a:r>
+          </a:p>
+          <a:p>
+            <a:pPr algn="ctr"/>
+            <a:r>
+              <a:rPr lang="it-IT" sz="2000" dirty="0">
+                <a:latin typeface="Times New Roman" panose="02020603050405020304" pitchFamily="18" charset="0"/>
+                <a:cs typeface="Times New Roman" panose="02020603050405020304" pitchFamily="18" charset="0"/>
+              </a:rPr>
+              <a:t>1    2    3    4    5</a:t>
+            </a:r>
+          </a:p>
+          <a:p>
+            <a:endParaRPr lang="it-IT" sz="2600" dirty="0" smtClean="0"/>
+          </a:p>
+        </p:txBody>
+      </p:sp>
+    </p:spTree>
+    <p:extLst>
+      <p:ext uri="{BB962C8B-B14F-4D97-AF65-F5344CB8AC3E}">
+        <p14:creationId xmlns:p14="http://schemas.microsoft.com/office/powerpoint/2010/main" val="2442419145"/>
+      </p:ext>
+    </p:extLst>
+  </p:cSld>
+  <p:clrMapOvr>
+    <a:masterClrMapping/>
+  </p:clrMapOvr>
 </p:sld>
 </file>
 

--- a/Prova_6/Leone_Mastrosimone_PresentazioneProgetto.pptx
+++ b/Prova_6/Leone_Mastrosimone_PresentazioneProgetto.pptx
@@ -9,42 +9,44 @@
     <p:sldId id="257" r:id="rId3"/>
     <p:sldId id="258" r:id="rId4"/>
     <p:sldId id="259" r:id="rId5"/>
-    <p:sldId id="260" r:id="rId6"/>
-    <p:sldId id="261" r:id="rId7"/>
-    <p:sldId id="268" r:id="rId8"/>
-    <p:sldId id="269" r:id="rId9"/>
-    <p:sldId id="262" r:id="rId10"/>
-    <p:sldId id="270" r:id="rId11"/>
-    <p:sldId id="263" r:id="rId12"/>
-    <p:sldId id="271" r:id="rId13"/>
-    <p:sldId id="264" r:id="rId14"/>
-    <p:sldId id="265" r:id="rId15"/>
-    <p:sldId id="272" r:id="rId16"/>
-    <p:sldId id="266" r:id="rId17"/>
-    <p:sldId id="267" r:id="rId18"/>
-    <p:sldId id="273" r:id="rId19"/>
-    <p:sldId id="274" r:id="rId20"/>
-    <p:sldId id="275" r:id="rId21"/>
-    <p:sldId id="276" r:id="rId22"/>
-    <p:sldId id="277" r:id="rId23"/>
-    <p:sldId id="278" r:id="rId24"/>
-    <p:sldId id="279" r:id="rId25"/>
-    <p:sldId id="280" r:id="rId26"/>
-    <p:sldId id="281" r:id="rId27"/>
-    <p:sldId id="282" r:id="rId28"/>
-    <p:sldId id="283" r:id="rId29"/>
-    <p:sldId id="284" r:id="rId30"/>
-    <p:sldId id="295" r:id="rId31"/>
-    <p:sldId id="285" r:id="rId32"/>
-    <p:sldId id="286" r:id="rId33"/>
-    <p:sldId id="287" r:id="rId34"/>
-    <p:sldId id="288" r:id="rId35"/>
-    <p:sldId id="289" r:id="rId36"/>
-    <p:sldId id="290" r:id="rId37"/>
-    <p:sldId id="291" r:id="rId38"/>
-    <p:sldId id="292" r:id="rId39"/>
-    <p:sldId id="293" r:id="rId40"/>
-    <p:sldId id="294" r:id="rId41"/>
+    <p:sldId id="261" r:id="rId6"/>
+    <p:sldId id="268" r:id="rId7"/>
+    <p:sldId id="269" r:id="rId8"/>
+    <p:sldId id="262" r:id="rId9"/>
+    <p:sldId id="270" r:id="rId10"/>
+    <p:sldId id="263" r:id="rId11"/>
+    <p:sldId id="271" r:id="rId12"/>
+    <p:sldId id="264" r:id="rId13"/>
+    <p:sldId id="265" r:id="rId14"/>
+    <p:sldId id="272" r:id="rId15"/>
+    <p:sldId id="266" r:id="rId16"/>
+    <p:sldId id="267" r:id="rId17"/>
+    <p:sldId id="273" r:id="rId18"/>
+    <p:sldId id="274" r:id="rId19"/>
+    <p:sldId id="275" r:id="rId20"/>
+    <p:sldId id="276" r:id="rId21"/>
+    <p:sldId id="277" r:id="rId22"/>
+    <p:sldId id="278" r:id="rId23"/>
+    <p:sldId id="279" r:id="rId24"/>
+    <p:sldId id="280" r:id="rId25"/>
+    <p:sldId id="281" r:id="rId26"/>
+    <p:sldId id="282" r:id="rId27"/>
+    <p:sldId id="283" r:id="rId28"/>
+    <p:sldId id="284" r:id="rId29"/>
+    <p:sldId id="295" r:id="rId30"/>
+    <p:sldId id="285" r:id="rId31"/>
+    <p:sldId id="286" r:id="rId32"/>
+    <p:sldId id="287" r:id="rId33"/>
+    <p:sldId id="288" r:id="rId34"/>
+    <p:sldId id="289" r:id="rId35"/>
+    <p:sldId id="290" r:id="rId36"/>
+    <p:sldId id="291" r:id="rId37"/>
+    <p:sldId id="292" r:id="rId38"/>
+    <p:sldId id="293" r:id="rId39"/>
+    <p:sldId id="294" r:id="rId40"/>
+    <p:sldId id="260" r:id="rId41"/>
+    <p:sldId id="296" r:id="rId42"/>
+    <p:sldId id="297" r:id="rId43"/>
   </p:sldIdLst>
   <p:sldSz cx="9144000" cy="6858000" type="screen4x3"/>
   <p:notesSz cx="6858000" cy="9144000"/>
@@ -4320,60 +4322,6 @@
       </p:grpSpPr>
       <p:sp>
         <p:nvSpPr>
-          <p:cNvPr id="2" name="Titolo 1"/>
-          <p:cNvSpPr>
-            <a:spLocks noGrp="1"/>
-          </p:cNvSpPr>
-          <p:nvPr>
-            <p:ph type="title"/>
-          </p:nvPr>
-        </p:nvSpPr>
-        <p:spPr>
-          <a:xfrm>
-            <a:off x="628650" y="444137"/>
-            <a:ext cx="7886700" cy="653143"/>
-          </a:xfrm>
-        </p:spPr>
-        <p:txBody>
-          <a:bodyPr>
-            <a:normAutofit/>
-          </a:bodyPr>
-          <a:lstStyle/>
-          <a:p>
-            <a:r>
-              <a:rPr lang="it-IT" sz="2800" b="1" dirty="0">
-                <a:latin typeface="Times New Roman" panose="02020603050405020304" pitchFamily="18" charset="0"/>
-                <a:cs typeface="Times New Roman" panose="02020603050405020304" pitchFamily="18" charset="0"/>
-              </a:rPr>
-              <a:t>User </a:t>
-            </a:r>
-            <a:r>
-              <a:rPr lang="it-IT" sz="2800" b="1" dirty="0" err="1">
-                <a:latin typeface="Times New Roman" panose="02020603050405020304" pitchFamily="18" charset="0"/>
-                <a:cs typeface="Times New Roman" panose="02020603050405020304" pitchFamily="18" charset="0"/>
-              </a:rPr>
-              <a:t>Testing</a:t>
-            </a:r>
-            <a:r>
-              <a:rPr lang="it-IT" sz="2800" b="1" dirty="0">
-                <a:latin typeface="Times New Roman" panose="02020603050405020304" pitchFamily="18" charset="0"/>
-                <a:cs typeface="Times New Roman" panose="02020603050405020304" pitchFamily="18" charset="0"/>
-              </a:rPr>
-              <a:t> Plan </a:t>
-            </a:r>
-            <a:r>
-              <a:rPr lang="it-IT" sz="2800" b="1" dirty="0" smtClean="0">
-                <a:latin typeface="Times New Roman" panose="02020603050405020304" pitchFamily="18" charset="0"/>
-                <a:cs typeface="Times New Roman" panose="02020603050405020304" pitchFamily="18" charset="0"/>
-              </a:rPr>
-              <a:t>(5)</a:t>
-            </a:r>
-            <a:endParaRPr lang="it-IT" sz="2800" dirty="0"/>
-          </a:p>
-        </p:txBody>
-      </p:sp>
-      <p:sp>
-        <p:nvSpPr>
           <p:cNvPr id="4" name="Segnaposto contenuto 2"/>
           <p:cNvSpPr txBox="1">
             <a:spLocks/>
@@ -4427,7 +4375,7 @@
                 <a:ea typeface="+mn-ea"/>
                 <a:cs typeface="Times New Roman" panose="02020603050405020304" pitchFamily="18" charset="0"/>
               </a:rPr>
-              <a:t>Obiettivo</a:t>
+              <a:t>Partecipanti</a:t>
             </a:r>
             <a:endParaRPr kumimoji="0" lang="it-IT" sz="2500" b="0" i="0" u="none" strike="noStrike" kern="1200" cap="none" spc="0" normalizeH="0" baseline="0" noProof="0" dirty="0" smtClean="0">
               <a:ln>
@@ -4445,55 +4393,38 @@
             </a:endParaRPr>
           </a:p>
           <a:p>
-            <a:pPr lvl="0" algn="just">
-              <a:lnSpc>
-                <a:spcPct val="90000"/>
-              </a:lnSpc>
-              <a:spcBef>
-                <a:spcPts val="1000"/>
-              </a:spcBef>
-              <a:defRPr/>
-            </a:pPr>
-            <a:endParaRPr lang="it-IT" sz="2000" b="1" dirty="0" smtClean="0">
-              <a:latin typeface="Times New Roman" panose="02020603050405020304" pitchFamily="18" charset="0"/>
-              <a:cs typeface="Times New Roman" panose="02020603050405020304" pitchFamily="18" charset="0"/>
-            </a:endParaRPr>
-          </a:p>
-          <a:p>
-            <a:pPr lvl="0" algn="just">
-              <a:lnSpc>
-                <a:spcPct val="90000"/>
-              </a:lnSpc>
-              <a:spcBef>
-                <a:spcPts val="1000"/>
-              </a:spcBef>
-              <a:defRPr/>
-            </a:pPr>
-            <a:r>
-              <a:rPr lang="it-IT" sz="2000" b="1" dirty="0" smtClean="0">
-                <a:latin typeface="Times New Roman" panose="02020603050405020304" pitchFamily="18" charset="0"/>
-                <a:cs typeface="Times New Roman" panose="02020603050405020304" pitchFamily="18" charset="0"/>
-              </a:rPr>
-              <a:t>Obiettivi di </a:t>
-            </a:r>
-            <a:r>
-              <a:rPr lang="it-IT" sz="2000" b="1" dirty="0" err="1" smtClean="0">
-                <a:latin typeface="Times New Roman" panose="02020603050405020304" pitchFamily="18" charset="0"/>
-                <a:cs typeface="Times New Roman" panose="02020603050405020304" pitchFamily="18" charset="0"/>
-              </a:rPr>
-              <a:t>testing</a:t>
-            </a:r>
-            <a:r>
-              <a:rPr lang="it-IT" sz="2000" b="1" dirty="0" smtClean="0">
-                <a:latin typeface="Times New Roman" panose="02020603050405020304" pitchFamily="18" charset="0"/>
-                <a:cs typeface="Times New Roman" panose="02020603050405020304" pitchFamily="18" charset="0"/>
-              </a:rPr>
-              <a:t>:</a:t>
-            </a:r>
+            <a:pPr algn="just"/>
             <a:endParaRPr lang="it-IT" sz="2000" dirty="0" smtClean="0">
               <a:latin typeface="Times New Roman" panose="02020603050405020304" pitchFamily="18" charset="0"/>
               <a:cs typeface="Times New Roman" panose="02020603050405020304" pitchFamily="18" charset="0"/>
             </a:endParaRPr>
+          </a:p>
+          <a:p>
+            <a:pPr algn="just"/>
+            <a:endParaRPr lang="it-IT" sz="2000" dirty="0" smtClean="0">
+              <a:latin typeface="Times New Roman" panose="02020603050405020304" pitchFamily="18" charset="0"/>
+              <a:cs typeface="Times New Roman" panose="02020603050405020304" pitchFamily="18" charset="0"/>
+            </a:endParaRPr>
+          </a:p>
+          <a:p>
+            <a:pPr algn="just"/>
+            <a:r>
+              <a:rPr lang="it-IT" sz="2000" dirty="0" smtClean="0">
+                <a:latin typeface="Times New Roman" panose="02020603050405020304" pitchFamily="18" charset="0"/>
+                <a:cs typeface="Times New Roman" panose="02020603050405020304" pitchFamily="18" charset="0"/>
+              </a:rPr>
+              <a:t>I 3 partecipanti saranno selezionati tra coloro le cui caratteristiche corrispondono al target cercato in modo da assicurare dei risultati significativi.</a:t>
+            </a:r>
+          </a:p>
+          <a:p>
+            <a:pPr algn="just"/>
+            <a:r>
+              <a:rPr lang="it-IT" sz="2000" dirty="0" smtClean="0">
+                <a:latin typeface="Times New Roman" panose="02020603050405020304" pitchFamily="18" charset="0"/>
+                <a:cs typeface="Times New Roman" panose="02020603050405020304" pitchFamily="18" charset="0"/>
+              </a:rPr>
+              <a:t>I partecipanti avranno le seguenti caratteristiche:</a:t>
+            </a:r>
           </a:p>
           <a:p>
             <a:pPr marL="228600" lvl="0" indent="-228600" algn="just">
@@ -4512,11 +4443,11 @@
                 <a:latin typeface="Times New Roman" panose="02020603050405020304" pitchFamily="18" charset="0"/>
                 <a:cs typeface="Times New Roman" panose="02020603050405020304" pitchFamily="18" charset="0"/>
               </a:rPr>
-              <a:t>identificare errori di presentazione – fallimenti nel trovare e agire sulle informazioni mostrate o errori dovuti ad etichette ambigue;</a:t>
-            </a:r>
-          </a:p>
-          <a:p>
-            <a:pPr marL="228600" lvl="0" indent="-228600" algn="just">
+              <a:t>età compresa tra i 16 e i 65 anni;</a:t>
+            </a:r>
+          </a:p>
+          <a:p>
+            <a:pPr marL="228600" indent="-228600" algn="just">
               <a:lnSpc>
                 <a:spcPct val="90000"/>
               </a:lnSpc>
@@ -4532,11 +4463,11 @@
                 <a:latin typeface="Times New Roman" panose="02020603050405020304" pitchFamily="18" charset="0"/>
                 <a:cs typeface="Times New Roman" panose="02020603050405020304" pitchFamily="18" charset="0"/>
               </a:rPr>
-              <a:t>identificare problemi di controllo da parte dell'utente -  toolbar o caselle di input inappropriate;</a:t>
-            </a:r>
-          </a:p>
-          <a:p>
-            <a:pPr marL="228600" lvl="0" indent="-228600" algn="just">
+              <a:t>fumatori abituali (fumano almeno 3-5 sigarette al giorno);</a:t>
+            </a:r>
+          </a:p>
+          <a:p>
+            <a:pPr marL="228600" indent="-228600" algn="just">
               <a:lnSpc>
                 <a:spcPct val="90000"/>
               </a:lnSpc>
@@ -4552,19 +4483,61 @@
                 <a:latin typeface="Times New Roman" panose="02020603050405020304" pitchFamily="18" charset="0"/>
                 <a:cs typeface="Times New Roman" panose="02020603050405020304" pitchFamily="18" charset="0"/>
               </a:rPr>
-              <a:t>i dati ottenuti saranno utilizzati per capire se l'interfaccia attuale è abbastanza efficiente da poter essere considerata definitiva e quindi pronta per essere usata per sviluppi futuri.</a:t>
-            </a:r>
-          </a:p>
-          <a:p>
-            <a:pPr lvl="0">
-              <a:lnSpc>
-                <a:spcPct val="90000"/>
-              </a:lnSpc>
-              <a:spcBef>
-                <a:spcPts val="1000"/>
-              </a:spcBef>
-              <a:defRPr/>
-            </a:pPr>
+              <a:t>capaci di usare dispositivi mobili.</a:t>
+            </a:r>
+          </a:p>
+        </p:txBody>
+      </p:sp>
+      <p:sp>
+        <p:nvSpPr>
+          <p:cNvPr id="5" name="Titolo 1"/>
+          <p:cNvSpPr>
+            <a:spLocks noGrp="1"/>
+          </p:cNvSpPr>
+          <p:nvPr>
+            <p:ph type="title"/>
+          </p:nvPr>
+        </p:nvSpPr>
+        <p:spPr>
+          <a:xfrm>
+            <a:off x="628650" y="444137"/>
+            <a:ext cx="7886700" cy="653143"/>
+          </a:xfrm>
+        </p:spPr>
+        <p:txBody>
+          <a:bodyPr>
+            <a:normAutofit/>
+          </a:bodyPr>
+          <a:lstStyle/>
+          <a:p>
+            <a:r>
+              <a:rPr lang="it-IT" sz="2800" b="1" dirty="0">
+                <a:latin typeface="Times New Roman" panose="02020603050405020304" pitchFamily="18" charset="0"/>
+                <a:cs typeface="Times New Roman" panose="02020603050405020304" pitchFamily="18" charset="0"/>
+              </a:rPr>
+              <a:t>User </a:t>
+            </a:r>
+            <a:r>
+              <a:rPr lang="it-IT" sz="2800" b="1" dirty="0" err="1">
+                <a:latin typeface="Times New Roman" panose="02020603050405020304" pitchFamily="18" charset="0"/>
+                <a:cs typeface="Times New Roman" panose="02020603050405020304" pitchFamily="18" charset="0"/>
+              </a:rPr>
+              <a:t>Testing</a:t>
+            </a:r>
+            <a:r>
+              <a:rPr lang="it-IT" sz="2800" b="1" dirty="0">
+                <a:latin typeface="Times New Roman" panose="02020603050405020304" pitchFamily="18" charset="0"/>
+                <a:cs typeface="Times New Roman" panose="02020603050405020304" pitchFamily="18" charset="0"/>
+              </a:rPr>
+              <a:t> Plan </a:t>
+            </a:r>
+            <a:r>
+              <a:rPr lang="it-IT" sz="2800" b="1" dirty="0" smtClean="0">
+                <a:latin typeface="Times New Roman" panose="02020603050405020304" pitchFamily="18" charset="0"/>
+                <a:cs typeface="Times New Roman" panose="02020603050405020304" pitchFamily="18" charset="0"/>
+              </a:rPr>
+              <a:t>(6)</a:t>
+            </a:r>
             <a:endParaRPr lang="it-IT" sz="2800" dirty="0"/>
           </a:p>
         </p:txBody>
@@ -4572,7 +4545,7 @@
     </p:spTree>
     <p:extLst>
       <p:ext uri="{BB962C8B-B14F-4D97-AF65-F5344CB8AC3E}">
-        <p14:creationId xmlns:p14="http://schemas.microsoft.com/office/powerpoint/2010/main" val="3011033621"/>
+        <p14:creationId xmlns:p14="http://schemas.microsoft.com/office/powerpoint/2010/main" val="2017438073"/>
       </p:ext>
     </p:extLst>
   </p:cSld>
@@ -4609,7 +4582,7 @@
         </p:nvSpPr>
         <p:spPr>
           <a:xfrm>
-            <a:off x="628650" y="1275008"/>
+            <a:off x="628650" y="1327260"/>
             <a:ext cx="7886700" cy="5280338"/>
           </a:xfrm>
           <a:prstGeom prst="rect">
@@ -4618,7 +4591,7 @@
         </p:spPr>
         <p:txBody>
           <a:bodyPr vert="horz" lIns="91440" tIns="45720" rIns="91440" bIns="45720" rtlCol="0">
-            <a:normAutofit/>
+            <a:normAutofit fontScale="92500" lnSpcReduction="20000"/>
           </a:bodyPr>
           <a:lstStyle/>
           <a:p>
@@ -4640,7 +4613,7 @@
               <a:defRPr/>
             </a:pPr>
             <a:r>
-              <a:rPr kumimoji="0" lang="it-IT" sz="2500" b="1" i="0" u="none" strike="noStrike" kern="1200" cap="none" spc="0" normalizeH="0" baseline="0" noProof="0" dirty="0" smtClean="0">
+              <a:rPr kumimoji="0" lang="it-IT" sz="2700" b="1" i="0" u="none" strike="noStrike" kern="1200" cap="none" spc="0" normalizeH="0" baseline="0" noProof="0" dirty="0" smtClean="0">
                 <a:ln>
                   <a:noFill/>
                 </a:ln>
@@ -4654,9 +4627,9 @@
                 <a:ea typeface="+mn-ea"/>
                 <a:cs typeface="Times New Roman" panose="02020603050405020304" pitchFamily="18" charset="0"/>
               </a:rPr>
-              <a:t>Partecipanti</a:t>
-            </a:r>
-            <a:endParaRPr kumimoji="0" lang="it-IT" sz="2500" b="0" i="0" u="none" strike="noStrike" kern="1200" cap="none" spc="0" normalizeH="0" baseline="0" noProof="0" dirty="0" smtClean="0">
+              <a:t>Durata</a:t>
+            </a:r>
+            <a:endParaRPr kumimoji="0" lang="it-IT" sz="2700" b="0" i="0" u="none" strike="noStrike" kern="1200" cap="none" spc="0" normalizeH="0" baseline="0" noProof="0" dirty="0" smtClean="0">
               <a:ln>
                 <a:noFill/>
               </a:ln>
@@ -4673,10 +4646,132 @@
           </a:p>
           <a:p>
             <a:pPr algn="just"/>
-            <a:endParaRPr lang="it-IT" sz="2000" dirty="0" smtClean="0">
+            <a:endParaRPr lang="it-IT" sz="2200" dirty="0" smtClean="0">
               <a:latin typeface="Times New Roman" panose="02020603050405020304" pitchFamily="18" charset="0"/>
               <a:cs typeface="Times New Roman" panose="02020603050405020304" pitchFamily="18" charset="0"/>
             </a:endParaRPr>
+          </a:p>
+          <a:p>
+            <a:pPr algn="just"/>
+            <a:r>
+              <a:rPr lang="it-IT" sz="2200" dirty="0" smtClean="0">
+                <a:latin typeface="Times New Roman" panose="02020603050405020304" pitchFamily="18" charset="0"/>
+                <a:cs typeface="Times New Roman" panose="02020603050405020304" pitchFamily="18" charset="0"/>
+              </a:rPr>
+              <a:t>Il test non dovrebbe richiedere più di 20/30 minuti per ciascun partecipante.</a:t>
+            </a:r>
+          </a:p>
+          <a:p>
+            <a:pPr algn="just"/>
+            <a:endParaRPr lang="it-IT" sz="2200" dirty="0" smtClean="0">
+              <a:latin typeface="Times New Roman" panose="02020603050405020304" pitchFamily="18" charset="0"/>
+              <a:cs typeface="Times New Roman" panose="02020603050405020304" pitchFamily="18" charset="0"/>
+            </a:endParaRPr>
+          </a:p>
+          <a:p>
+            <a:pPr algn="ctr"/>
+            <a:endParaRPr lang="it-IT" sz="2200" b="1" dirty="0" smtClean="0">
+              <a:latin typeface="Times New Roman" panose="02020603050405020304" pitchFamily="18" charset="0"/>
+              <a:cs typeface="Times New Roman" panose="02020603050405020304" pitchFamily="18" charset="0"/>
+            </a:endParaRPr>
+          </a:p>
+          <a:p>
+            <a:pPr algn="ctr"/>
+            <a:r>
+              <a:rPr lang="it-IT" sz="2700" b="1" dirty="0" smtClean="0">
+                <a:latin typeface="Times New Roman" panose="02020603050405020304" pitchFamily="18" charset="0"/>
+                <a:cs typeface="Times New Roman" panose="02020603050405020304" pitchFamily="18" charset="0"/>
+              </a:rPr>
+              <a:t>Luogo</a:t>
+            </a:r>
+          </a:p>
+          <a:p>
+            <a:pPr algn="ctr"/>
+            <a:endParaRPr lang="it-IT" sz="2200" dirty="0" smtClean="0">
+              <a:latin typeface="Times New Roman" panose="02020603050405020304" pitchFamily="18" charset="0"/>
+              <a:cs typeface="Times New Roman" panose="02020603050405020304" pitchFamily="18" charset="0"/>
+            </a:endParaRPr>
+          </a:p>
+          <a:p>
+            <a:pPr algn="just"/>
+            <a:r>
+              <a:rPr lang="it-IT" sz="2200" dirty="0" smtClean="0">
+                <a:latin typeface="Times New Roman" panose="02020603050405020304" pitchFamily="18" charset="0"/>
+                <a:cs typeface="Times New Roman" panose="02020603050405020304" pitchFamily="18" charset="0"/>
+              </a:rPr>
+              <a:t>Il test sarà effettuato tramite </a:t>
+            </a:r>
+            <a:r>
+              <a:rPr lang="it-IT" sz="2200" dirty="0" err="1" smtClean="0">
+                <a:latin typeface="Times New Roman" panose="02020603050405020304" pitchFamily="18" charset="0"/>
+                <a:cs typeface="Times New Roman" panose="02020603050405020304" pitchFamily="18" charset="0"/>
+              </a:rPr>
+              <a:t>smartphone</a:t>
+            </a:r>
+            <a:r>
+              <a:rPr lang="it-IT" sz="2200" dirty="0" smtClean="0">
+                <a:latin typeface="Times New Roman" panose="02020603050405020304" pitchFamily="18" charset="0"/>
+                <a:cs typeface="Times New Roman" panose="02020603050405020304" pitchFamily="18" charset="0"/>
+              </a:rPr>
+              <a:t> in un ambiente domestico, in modo da poter simulare quanto più possibile uno scenario reale di utilizzo dell’app.</a:t>
+            </a:r>
+          </a:p>
+          <a:p>
+            <a:pPr lvl="0" algn="ctr">
+              <a:lnSpc>
+                <a:spcPct val="120000"/>
+              </a:lnSpc>
+              <a:spcBef>
+                <a:spcPts val="1000"/>
+              </a:spcBef>
+              <a:defRPr/>
+            </a:pPr>
+            <a:endParaRPr lang="it-IT" sz="2200" b="1" dirty="0" smtClean="0">
+              <a:latin typeface="Times New Roman" panose="02020603050405020304" pitchFamily="18" charset="0"/>
+              <a:cs typeface="Times New Roman" panose="02020603050405020304" pitchFamily="18" charset="0"/>
+            </a:endParaRPr>
+          </a:p>
+          <a:p>
+            <a:pPr lvl="0" algn="ctr">
+              <a:lnSpc>
+                <a:spcPct val="120000"/>
+              </a:lnSpc>
+              <a:spcBef>
+                <a:spcPts val="1000"/>
+              </a:spcBef>
+              <a:defRPr/>
+            </a:pPr>
+            <a:r>
+              <a:rPr lang="it-IT" sz="2700" b="1" dirty="0" smtClean="0">
+                <a:latin typeface="Times New Roman" panose="02020603050405020304" pitchFamily="18" charset="0"/>
+                <a:cs typeface="Times New Roman" panose="02020603050405020304" pitchFamily="18" charset="0"/>
+              </a:rPr>
+              <a:t>Periodo</a:t>
+            </a:r>
+            <a:endParaRPr lang="it-IT" sz="2700" dirty="0" smtClean="0">
+              <a:latin typeface="Times New Roman" panose="02020603050405020304" pitchFamily="18" charset="0"/>
+              <a:cs typeface="Times New Roman" panose="02020603050405020304" pitchFamily="18" charset="0"/>
+            </a:endParaRPr>
+          </a:p>
+          <a:p>
+            <a:pPr algn="just"/>
+            <a:r>
+              <a:rPr lang="it-IT" sz="2000" dirty="0" smtClean="0">
+                <a:latin typeface="Times New Roman" panose="02020603050405020304" pitchFamily="18" charset="0"/>
+                <a:cs typeface="Times New Roman" panose="02020603050405020304" pitchFamily="18" charset="0"/>
+              </a:rPr>
+              <a:t> </a:t>
+            </a:r>
+          </a:p>
+          <a:p>
+            <a:pPr algn="just"/>
+            <a:r>
+              <a:rPr lang="it-IT" sz="2200" dirty="0" smtClean="0">
+                <a:latin typeface="Times New Roman" panose="02020603050405020304" pitchFamily="18" charset="0"/>
+                <a:cs typeface="Times New Roman" panose="02020603050405020304" pitchFamily="18" charset="0"/>
+              </a:rPr>
+              <a:t>Il test sarà effettuato in un periodo in cui sia i valutatori che gli sviluppatori saranno liberi per poter comunicare, pertanto orientativamente potrà essere eseguito tra le 18 e le 20 dei giorni tra l’8 e l’11 Giugno.</a:t>
+            </a:r>
           </a:p>
           <a:p>
             <a:pPr algn="just"/>
@@ -4692,78 +4787,12 @@
                 <a:latin typeface="Times New Roman" panose="02020603050405020304" pitchFamily="18" charset="0"/>
                 <a:cs typeface="Times New Roman" panose="02020603050405020304" pitchFamily="18" charset="0"/>
               </a:rPr>
-              <a:t>I 3 partecipanti saranno selezionati tra coloro le cui caratteristiche corrispondono al target cercato in modo da assicurare dei risultati significativi.</a:t>
-            </a:r>
-          </a:p>
-          <a:p>
-            <a:pPr algn="just"/>
-            <a:r>
-              <a:rPr lang="it-IT" sz="2000" dirty="0" smtClean="0">
-                <a:latin typeface="Times New Roman" panose="02020603050405020304" pitchFamily="18" charset="0"/>
-                <a:cs typeface="Times New Roman" panose="02020603050405020304" pitchFamily="18" charset="0"/>
-              </a:rPr>
-              <a:t>I partecipanti avranno le seguenti caratteristiche:</a:t>
-            </a:r>
-          </a:p>
-          <a:p>
-            <a:pPr marL="228600" lvl="0" indent="-228600" algn="just">
-              <a:lnSpc>
-                <a:spcPct val="90000"/>
-              </a:lnSpc>
-              <a:spcBef>
-                <a:spcPts val="1000"/>
-              </a:spcBef>
-              <a:buFont typeface="Arial" panose="020B0604020202020204" pitchFamily="34" charset="0"/>
-              <a:buChar char="•"/>
-              <a:defRPr/>
-            </a:pPr>
-            <a:r>
-              <a:rPr lang="it-IT" sz="2000" dirty="0" smtClean="0">
-                <a:latin typeface="Times New Roman" panose="02020603050405020304" pitchFamily="18" charset="0"/>
-                <a:cs typeface="Times New Roman" panose="02020603050405020304" pitchFamily="18" charset="0"/>
-              </a:rPr>
-              <a:t>età compresa tra i 16 e i 65 anni;</a:t>
-            </a:r>
-          </a:p>
-          <a:p>
-            <a:pPr marL="228600" indent="-228600" algn="just">
-              <a:lnSpc>
-                <a:spcPct val="90000"/>
-              </a:lnSpc>
-              <a:spcBef>
-                <a:spcPts val="1000"/>
-              </a:spcBef>
-              <a:buFont typeface="Arial" panose="020B0604020202020204" pitchFamily="34" charset="0"/>
-              <a:buChar char="•"/>
-              <a:defRPr/>
-            </a:pPr>
-            <a:r>
-              <a:rPr lang="it-IT" sz="2000" dirty="0" smtClean="0">
-                <a:latin typeface="Times New Roman" panose="02020603050405020304" pitchFamily="18" charset="0"/>
-                <a:cs typeface="Times New Roman" panose="02020603050405020304" pitchFamily="18" charset="0"/>
-              </a:rPr>
-              <a:t>fumatori abituali (fumano almeno 3-5 sigarette al giorno);</a:t>
-            </a:r>
-          </a:p>
-          <a:p>
-            <a:pPr marL="228600" indent="-228600" algn="just">
-              <a:lnSpc>
-                <a:spcPct val="90000"/>
-              </a:lnSpc>
-              <a:spcBef>
-                <a:spcPts val="1000"/>
-              </a:spcBef>
-              <a:buFont typeface="Arial" panose="020B0604020202020204" pitchFamily="34" charset="0"/>
-              <a:buChar char="•"/>
-              <a:defRPr/>
-            </a:pPr>
-            <a:r>
-              <a:rPr lang="it-IT" sz="2000" dirty="0" smtClean="0">
-                <a:latin typeface="Times New Roman" panose="02020603050405020304" pitchFamily="18" charset="0"/>
-                <a:cs typeface="Times New Roman" panose="02020603050405020304" pitchFamily="18" charset="0"/>
-              </a:rPr>
-              <a:t>capaci di usare dispositivi mobili.</a:t>
-            </a:r>
+              <a:t>  </a:t>
+            </a:r>
+            <a:endParaRPr lang="it-IT" sz="2000" dirty="0">
+              <a:latin typeface="Times New Roman" panose="02020603050405020304" pitchFamily="18" charset="0"/>
+              <a:cs typeface="Times New Roman" panose="02020603050405020304" pitchFamily="18" charset="0"/>
+            </a:endParaRPr>
           </a:p>
         </p:txBody>
       </p:sp>
@@ -4815,7 +4844,7 @@
                 <a:latin typeface="Times New Roman" panose="02020603050405020304" pitchFamily="18" charset="0"/>
                 <a:cs typeface="Times New Roman" panose="02020603050405020304" pitchFamily="18" charset="0"/>
               </a:rPr>
-              <a:t>(6)</a:t>
+              <a:t>(7)</a:t>
             </a:r>
             <a:endParaRPr lang="it-IT" sz="2800" dirty="0"/>
           </a:p>
@@ -4861,7 +4890,7 @@
         </p:nvSpPr>
         <p:spPr>
           <a:xfrm>
-            <a:off x="628650" y="1327260"/>
+            <a:off x="628650" y="1275008"/>
             <a:ext cx="7886700" cy="5280338"/>
           </a:xfrm>
           <a:prstGeom prst="rect">
@@ -4870,7 +4899,7 @@
         </p:spPr>
         <p:txBody>
           <a:bodyPr vert="horz" lIns="91440" tIns="45720" rIns="91440" bIns="45720" rtlCol="0">
-            <a:normAutofit fontScale="92500" lnSpcReduction="20000"/>
+            <a:normAutofit/>
           </a:bodyPr>
           <a:lstStyle/>
           <a:p>
@@ -4892,7 +4921,7 @@
               <a:defRPr/>
             </a:pPr>
             <a:r>
-              <a:rPr kumimoji="0" lang="it-IT" sz="2700" b="1" i="0" u="none" strike="noStrike" kern="1200" cap="none" spc="0" normalizeH="0" baseline="0" noProof="0" dirty="0" smtClean="0">
+              <a:rPr kumimoji="0" lang="it-IT" sz="2500" b="1" i="0" u="none" strike="noStrike" kern="1200" cap="none" spc="0" normalizeH="0" baseline="0" noProof="0" dirty="0" smtClean="0">
                 <a:ln>
                   <a:noFill/>
                 </a:ln>
@@ -4906,9 +4935,9 @@
                 <a:ea typeface="+mn-ea"/>
                 <a:cs typeface="Times New Roman" panose="02020603050405020304" pitchFamily="18" charset="0"/>
               </a:rPr>
-              <a:t>Durata</a:t>
-            </a:r>
-            <a:endParaRPr kumimoji="0" lang="it-IT" sz="2700" b="0" i="0" u="none" strike="noStrike" kern="1200" cap="none" spc="0" normalizeH="0" baseline="0" noProof="0" dirty="0" smtClean="0">
+              <a:t>Metodologia</a:t>
+            </a:r>
+            <a:endParaRPr kumimoji="0" lang="it-IT" sz="2500" b="0" i="0" u="none" strike="noStrike" kern="1200" cap="none" spc="0" normalizeH="0" baseline="0" noProof="0" dirty="0" smtClean="0">
               <a:ln>
                 <a:noFill/>
               </a:ln>
@@ -4925,135 +4954,6 @@
           </a:p>
           <a:p>
             <a:pPr algn="just"/>
-            <a:endParaRPr lang="it-IT" sz="2200" dirty="0" smtClean="0">
-              <a:latin typeface="Times New Roman" panose="02020603050405020304" pitchFamily="18" charset="0"/>
-              <a:cs typeface="Times New Roman" panose="02020603050405020304" pitchFamily="18" charset="0"/>
-            </a:endParaRPr>
-          </a:p>
-          <a:p>
-            <a:pPr algn="just"/>
-            <a:r>
-              <a:rPr lang="it-IT" sz="2200" dirty="0" smtClean="0">
-                <a:latin typeface="Times New Roman" panose="02020603050405020304" pitchFamily="18" charset="0"/>
-                <a:cs typeface="Times New Roman" panose="02020603050405020304" pitchFamily="18" charset="0"/>
-              </a:rPr>
-              <a:t>Il test non dovrebbe richiedere più di 20/30 minuti per ciascun partecipante.</a:t>
-            </a:r>
-          </a:p>
-          <a:p>
-            <a:pPr algn="just"/>
-            <a:endParaRPr lang="it-IT" sz="2200" dirty="0" smtClean="0">
-              <a:latin typeface="Times New Roman" panose="02020603050405020304" pitchFamily="18" charset="0"/>
-              <a:cs typeface="Times New Roman" panose="02020603050405020304" pitchFamily="18" charset="0"/>
-            </a:endParaRPr>
-          </a:p>
-          <a:p>
-            <a:pPr algn="ctr"/>
-            <a:endParaRPr lang="it-IT" sz="2200" b="1" dirty="0" smtClean="0">
-              <a:latin typeface="Times New Roman" panose="02020603050405020304" pitchFamily="18" charset="0"/>
-              <a:cs typeface="Times New Roman" panose="02020603050405020304" pitchFamily="18" charset="0"/>
-            </a:endParaRPr>
-          </a:p>
-          <a:p>
-            <a:pPr algn="ctr"/>
-            <a:r>
-              <a:rPr lang="it-IT" sz="2700" b="1" dirty="0" smtClean="0">
-                <a:latin typeface="Times New Roman" panose="02020603050405020304" pitchFamily="18" charset="0"/>
-                <a:cs typeface="Times New Roman" panose="02020603050405020304" pitchFamily="18" charset="0"/>
-              </a:rPr>
-              <a:t>Luogo</a:t>
-            </a:r>
-          </a:p>
-          <a:p>
-            <a:pPr algn="ctr"/>
-            <a:endParaRPr lang="it-IT" sz="2200" dirty="0" smtClean="0">
-              <a:latin typeface="Times New Roman" panose="02020603050405020304" pitchFamily="18" charset="0"/>
-              <a:cs typeface="Times New Roman" panose="02020603050405020304" pitchFamily="18" charset="0"/>
-            </a:endParaRPr>
-          </a:p>
-          <a:p>
-            <a:pPr algn="just"/>
-            <a:r>
-              <a:rPr lang="it-IT" sz="2200" dirty="0" smtClean="0">
-                <a:latin typeface="Times New Roman" panose="02020603050405020304" pitchFamily="18" charset="0"/>
-                <a:cs typeface="Times New Roman" panose="02020603050405020304" pitchFamily="18" charset="0"/>
-              </a:rPr>
-              <a:t>Il test sarà effettuato tramite </a:t>
-            </a:r>
-            <a:r>
-              <a:rPr lang="it-IT" sz="2200" dirty="0" err="1" smtClean="0">
-                <a:latin typeface="Times New Roman" panose="02020603050405020304" pitchFamily="18" charset="0"/>
-                <a:cs typeface="Times New Roman" panose="02020603050405020304" pitchFamily="18" charset="0"/>
-              </a:rPr>
-              <a:t>smartphone</a:t>
-            </a:r>
-            <a:r>
-              <a:rPr lang="it-IT" sz="2200" dirty="0" smtClean="0">
-                <a:latin typeface="Times New Roman" panose="02020603050405020304" pitchFamily="18" charset="0"/>
-                <a:cs typeface="Times New Roman" panose="02020603050405020304" pitchFamily="18" charset="0"/>
-              </a:rPr>
-              <a:t> in un ambiente domestico, in modo da poter simulare quanto più possibile uno scenario reale di utilizzo dell’app.</a:t>
-            </a:r>
-          </a:p>
-          <a:p>
-            <a:pPr lvl="0" algn="ctr">
-              <a:lnSpc>
-                <a:spcPct val="120000"/>
-              </a:lnSpc>
-              <a:spcBef>
-                <a:spcPts val="1000"/>
-              </a:spcBef>
-              <a:defRPr/>
-            </a:pPr>
-            <a:endParaRPr lang="it-IT" sz="2200" b="1" dirty="0" smtClean="0">
-              <a:latin typeface="Times New Roman" panose="02020603050405020304" pitchFamily="18" charset="0"/>
-              <a:cs typeface="Times New Roman" panose="02020603050405020304" pitchFamily="18" charset="0"/>
-            </a:endParaRPr>
-          </a:p>
-          <a:p>
-            <a:pPr lvl="0" algn="ctr">
-              <a:lnSpc>
-                <a:spcPct val="120000"/>
-              </a:lnSpc>
-              <a:spcBef>
-                <a:spcPts val="1000"/>
-              </a:spcBef>
-              <a:defRPr/>
-            </a:pPr>
-            <a:r>
-              <a:rPr lang="it-IT" sz="2700" b="1" dirty="0" smtClean="0">
-                <a:latin typeface="Times New Roman" panose="02020603050405020304" pitchFamily="18" charset="0"/>
-                <a:cs typeface="Times New Roman" panose="02020603050405020304" pitchFamily="18" charset="0"/>
-              </a:rPr>
-              <a:t>Periodo</a:t>
-            </a:r>
-            <a:endParaRPr lang="it-IT" sz="2700" dirty="0" smtClean="0">
-              <a:latin typeface="Times New Roman" panose="02020603050405020304" pitchFamily="18" charset="0"/>
-              <a:cs typeface="Times New Roman" panose="02020603050405020304" pitchFamily="18" charset="0"/>
-            </a:endParaRPr>
-          </a:p>
-          <a:p>
-            <a:pPr algn="just"/>
-            <a:r>
-              <a:rPr lang="it-IT" sz="2000" dirty="0" smtClean="0">
-                <a:latin typeface="Times New Roman" panose="02020603050405020304" pitchFamily="18" charset="0"/>
-                <a:cs typeface="Times New Roman" panose="02020603050405020304" pitchFamily="18" charset="0"/>
-              </a:rPr>
-              <a:t> </a:t>
-            </a:r>
-          </a:p>
-          <a:p>
-            <a:pPr algn="just"/>
-            <a:r>
-              <a:rPr lang="it-IT" sz="2200" dirty="0" smtClean="0">
-                <a:latin typeface="Times New Roman" panose="02020603050405020304" pitchFamily="18" charset="0"/>
-                <a:cs typeface="Times New Roman" panose="02020603050405020304" pitchFamily="18" charset="0"/>
-              </a:rPr>
-              <a:t>Il test sarà effettuato in un periodo in cui sia i valutatori che gli sviluppatori saranno liberi per poter comunicare, pertanto orientativamente potrà essere eseguito tra le 18 e le 20 dei giorni tra l’8 e l’11 Giugno.</a:t>
-            </a:r>
-          </a:p>
-          <a:p>
-            <a:pPr algn="just"/>
             <a:endParaRPr lang="it-IT" sz="2000" dirty="0" smtClean="0">
               <a:latin typeface="Times New Roman" panose="02020603050405020304" pitchFamily="18" charset="0"/>
               <a:cs typeface="Times New Roman" panose="02020603050405020304" pitchFamily="18" charset="0"/>
@@ -5066,18 +4966,121 @@
                 <a:latin typeface="Times New Roman" panose="02020603050405020304" pitchFamily="18" charset="0"/>
                 <a:cs typeface="Times New Roman" panose="02020603050405020304" pitchFamily="18" charset="0"/>
               </a:rPr>
-              <a:t>  </a:t>
-            </a:r>
-            <a:endParaRPr lang="it-IT" sz="2000" dirty="0">
-              <a:latin typeface="Times New Roman" panose="02020603050405020304" pitchFamily="18" charset="0"/>
-              <a:cs typeface="Times New Roman" panose="02020603050405020304" pitchFamily="18" charset="0"/>
-            </a:endParaRPr>
+              <a:t>Ai partecipanti sarà chiesto di eseguire una serie di task rappresentanti vari scenari, qui sotto elencati. Durante lo svolgimento del test si prenderà nota di eventuali commenti dei valutatori attraverso la tecnica del </a:t>
+            </a:r>
+            <a:r>
+              <a:rPr lang="it-IT" sz="2000" i="1" dirty="0" err="1" smtClean="0">
+                <a:latin typeface="Times New Roman" panose="02020603050405020304" pitchFamily="18" charset="0"/>
+                <a:cs typeface="Times New Roman" panose="02020603050405020304" pitchFamily="18" charset="0"/>
+              </a:rPr>
+              <a:t>thinging</a:t>
+            </a:r>
+            <a:r>
+              <a:rPr lang="it-IT" sz="2000" i="1" dirty="0" smtClean="0">
+                <a:latin typeface="Times New Roman" panose="02020603050405020304" pitchFamily="18" charset="0"/>
+                <a:cs typeface="Times New Roman" panose="02020603050405020304" pitchFamily="18" charset="0"/>
+              </a:rPr>
+              <a:t> </a:t>
+            </a:r>
+            <a:r>
+              <a:rPr lang="it-IT" sz="2000" i="1" dirty="0" err="1" smtClean="0">
+                <a:latin typeface="Times New Roman" panose="02020603050405020304" pitchFamily="18" charset="0"/>
+                <a:cs typeface="Times New Roman" panose="02020603050405020304" pitchFamily="18" charset="0"/>
+              </a:rPr>
+              <a:t>aloud</a:t>
+            </a:r>
+            <a:r>
+              <a:rPr lang="it-IT" sz="2000" dirty="0" smtClean="0">
+                <a:latin typeface="Times New Roman" panose="02020603050405020304" pitchFamily="18" charset="0"/>
+                <a:cs typeface="Times New Roman" panose="02020603050405020304" pitchFamily="18" charset="0"/>
+              </a:rPr>
+              <a:t>.</a:t>
+            </a:r>
+          </a:p>
+          <a:p>
+            <a:pPr algn="just"/>
+            <a:r>
+              <a:rPr lang="it-IT" sz="2000" dirty="0" smtClean="0">
+                <a:latin typeface="Times New Roman" panose="02020603050405020304" pitchFamily="18" charset="0"/>
+                <a:cs typeface="Times New Roman" panose="02020603050405020304" pitchFamily="18" charset="0"/>
+              </a:rPr>
+              <a:t>Inoltre, dopo che i partecipanti avranno completato gli scenari, verrà chiesto il loro feedback attraverso la valutazione, con un punteggio da </a:t>
+            </a:r>
+            <a:r>
+              <a:rPr lang="it-IT" sz="2000" dirty="0" smtClean="0">
+                <a:latin typeface="Times New Roman" panose="02020603050405020304" pitchFamily="18" charset="0"/>
+                <a:cs typeface="Times New Roman" panose="02020603050405020304" pitchFamily="18" charset="0"/>
+              </a:rPr>
+              <a:t>1 </a:t>
+            </a:r>
+            <a:r>
+              <a:rPr lang="it-IT" sz="2000" dirty="0" smtClean="0">
+                <a:latin typeface="Times New Roman" panose="02020603050405020304" pitchFamily="18" charset="0"/>
+                <a:cs typeface="Times New Roman" panose="02020603050405020304" pitchFamily="18" charset="0"/>
+              </a:rPr>
+              <a:t>a </a:t>
+            </a:r>
+            <a:r>
+              <a:rPr lang="it-IT" sz="2000" dirty="0" smtClean="0">
+                <a:latin typeface="Times New Roman" panose="02020603050405020304" pitchFamily="18" charset="0"/>
+                <a:cs typeface="Times New Roman" panose="02020603050405020304" pitchFamily="18" charset="0"/>
+              </a:rPr>
+              <a:t>5, </a:t>
+            </a:r>
+            <a:r>
+              <a:rPr lang="it-IT" sz="2000" dirty="0" smtClean="0">
+                <a:latin typeface="Times New Roman" panose="02020603050405020304" pitchFamily="18" charset="0"/>
+                <a:cs typeface="Times New Roman" panose="02020603050405020304" pitchFamily="18" charset="0"/>
+              </a:rPr>
+              <a:t>di ciascun task affrontato sulla base </a:t>
+            </a:r>
+            <a:r>
+              <a:rPr lang="it-IT" sz="2000" dirty="0" smtClean="0">
+                <a:latin typeface="Times New Roman" panose="02020603050405020304" pitchFamily="18" charset="0"/>
+                <a:cs typeface="Times New Roman" panose="02020603050405020304" pitchFamily="18" charset="0"/>
+              </a:rPr>
+              <a:t>del grado di soddisfazione ottenuto </a:t>
+            </a:r>
+            <a:r>
+              <a:rPr lang="it-IT" sz="2000" dirty="0" smtClean="0">
+                <a:latin typeface="Times New Roman" panose="02020603050405020304" pitchFamily="18" charset="0"/>
+                <a:cs typeface="Times New Roman" panose="02020603050405020304" pitchFamily="18" charset="0"/>
+              </a:rPr>
+              <a:t>durante la sua comprensione ed esecuzione.</a:t>
+            </a:r>
+          </a:p>
+          <a:p>
+            <a:pPr algn="just"/>
+            <a:r>
+              <a:rPr lang="it-IT" sz="2000" dirty="0" smtClean="0">
+                <a:latin typeface="Times New Roman" panose="02020603050405020304" pitchFamily="18" charset="0"/>
+                <a:cs typeface="Times New Roman" panose="02020603050405020304" pitchFamily="18" charset="0"/>
+              </a:rPr>
+              <a:t>All’inizio del test ai partecipanti sarà chiesto di compilare il </a:t>
+            </a:r>
+            <a:r>
+              <a:rPr lang="it-IT" sz="2000" dirty="0" err="1" smtClean="0">
+                <a:latin typeface="Times New Roman" panose="02020603050405020304" pitchFamily="18" charset="0"/>
+                <a:cs typeface="Times New Roman" panose="02020603050405020304" pitchFamily="18" charset="0"/>
+              </a:rPr>
+              <a:t>form</a:t>
+            </a:r>
+            <a:r>
+              <a:rPr lang="it-IT" sz="2000" dirty="0" smtClean="0">
+                <a:latin typeface="Times New Roman" panose="02020603050405020304" pitchFamily="18" charset="0"/>
+                <a:cs typeface="Times New Roman" panose="02020603050405020304" pitchFamily="18" charset="0"/>
+              </a:rPr>
+              <a:t> per il consenso all'utilizzo dei dati di feedback ottenuti dopo il test e dei dati demografici inseriti, anch'essi richiesti durante la fase iniziale.</a:t>
+            </a:r>
+          </a:p>
+          <a:p>
+            <a:endParaRPr lang="it-IT" sz="2000" dirty="0"/>
           </a:p>
         </p:txBody>
       </p:sp>
       <p:sp>
         <p:nvSpPr>
-          <p:cNvPr id="5" name="Titolo 1"/>
+          <p:cNvPr id="6" name="Titolo 1"/>
           <p:cNvSpPr>
             <a:spLocks noGrp="1"/>
           </p:cNvSpPr>
@@ -5123,7 +5126,7 @@
                 <a:latin typeface="Times New Roman" panose="02020603050405020304" pitchFamily="18" charset="0"/>
                 <a:cs typeface="Times New Roman" panose="02020603050405020304" pitchFamily="18" charset="0"/>
               </a:rPr>
-              <a:t>(7)</a:t>
+              <a:t>(8)</a:t>
             </a:r>
             <a:endParaRPr lang="it-IT" sz="2800" dirty="0"/>
           </a:p>
@@ -5132,7 +5135,7 @@
     </p:spTree>
     <p:extLst>
       <p:ext uri="{BB962C8B-B14F-4D97-AF65-F5344CB8AC3E}">
-        <p14:creationId xmlns:p14="http://schemas.microsoft.com/office/powerpoint/2010/main" val="2017438073"/>
+        <p14:creationId xmlns:p14="http://schemas.microsoft.com/office/powerpoint/2010/main" val="115604845"/>
       </p:ext>
     </p:extLst>
   </p:cSld>
@@ -5161,6 +5164,60 @@
       </p:grpSpPr>
       <p:sp>
         <p:nvSpPr>
+          <p:cNvPr id="5" name="Titolo 1"/>
+          <p:cNvSpPr>
+            <a:spLocks noGrp="1"/>
+          </p:cNvSpPr>
+          <p:nvPr>
+            <p:ph type="title"/>
+          </p:nvPr>
+        </p:nvSpPr>
+        <p:spPr>
+          <a:xfrm>
+            <a:off x="628650" y="444137"/>
+            <a:ext cx="7886700" cy="653143"/>
+          </a:xfrm>
+        </p:spPr>
+        <p:txBody>
+          <a:bodyPr>
+            <a:normAutofit/>
+          </a:bodyPr>
+          <a:lstStyle/>
+          <a:p>
+            <a:r>
+              <a:rPr lang="it-IT" sz="2800" b="1" dirty="0">
+                <a:latin typeface="Times New Roman" panose="02020603050405020304" pitchFamily="18" charset="0"/>
+                <a:cs typeface="Times New Roman" panose="02020603050405020304" pitchFamily="18" charset="0"/>
+              </a:rPr>
+              <a:t>User </a:t>
+            </a:r>
+            <a:r>
+              <a:rPr lang="it-IT" sz="2800" b="1" dirty="0" err="1">
+                <a:latin typeface="Times New Roman" panose="02020603050405020304" pitchFamily="18" charset="0"/>
+                <a:cs typeface="Times New Roman" panose="02020603050405020304" pitchFamily="18" charset="0"/>
+              </a:rPr>
+              <a:t>Testing</a:t>
+            </a:r>
+            <a:r>
+              <a:rPr lang="it-IT" sz="2800" b="1" dirty="0">
+                <a:latin typeface="Times New Roman" panose="02020603050405020304" pitchFamily="18" charset="0"/>
+                <a:cs typeface="Times New Roman" panose="02020603050405020304" pitchFamily="18" charset="0"/>
+              </a:rPr>
+              <a:t> Plan </a:t>
+            </a:r>
+            <a:r>
+              <a:rPr lang="it-IT" sz="2800" b="1" dirty="0" smtClean="0">
+                <a:latin typeface="Times New Roman" panose="02020603050405020304" pitchFamily="18" charset="0"/>
+                <a:cs typeface="Times New Roman" panose="02020603050405020304" pitchFamily="18" charset="0"/>
+              </a:rPr>
+              <a:t>(9)</a:t>
+            </a:r>
+            <a:endParaRPr lang="it-IT" sz="2800" dirty="0"/>
+          </a:p>
+        </p:txBody>
+      </p:sp>
+      <p:sp>
+        <p:nvSpPr>
           <p:cNvPr id="4" name="Segnaposto contenuto 2"/>
           <p:cNvSpPr txBox="1">
             <a:spLocks/>
@@ -5182,52 +5239,37 @@
           </a:bodyPr>
           <a:lstStyle/>
           <a:p>
-            <a:pPr marL="0" marR="0" lvl="0" indent="0" algn="ctr" defTabSz="914400" rtl="0" eaLnBrk="1" fontAlgn="auto" latinLnBrk="0" hangingPunct="1">
+            <a:pPr lvl="0" algn="ctr">
               <a:lnSpc>
                 <a:spcPct val="120000"/>
               </a:lnSpc>
               <a:spcBef>
                 <a:spcPts val="1000"/>
               </a:spcBef>
-              <a:spcAft>
-                <a:spcPts val="0"/>
-              </a:spcAft>
-              <a:buClrTx/>
-              <a:buSzTx/>
-              <a:buFont typeface="Arial" panose="020B0604020202020204" pitchFamily="34" charset="0"/>
-              <a:buNone/>
-              <a:tabLst/>
-              <a:defRPr/>
             </a:pPr>
             <a:r>
-              <a:rPr kumimoji="0" lang="it-IT" sz="2500" b="1" i="0" u="none" strike="noStrike" kern="1200" cap="none" spc="0" normalizeH="0" baseline="0" noProof="0" dirty="0" smtClean="0">
-                <a:ln>
-                  <a:noFill/>
-                </a:ln>
-                <a:solidFill>
-                  <a:schemeClr val="tx1"/>
-                </a:solidFill>
-                <a:effectLst/>
-                <a:uLnTx/>
-                <a:uFillTx/>
-                <a:latin typeface="Times New Roman" panose="02020603050405020304" pitchFamily="18" charset="0"/>
-                <a:ea typeface="+mn-ea"/>
-                <a:cs typeface="Times New Roman" panose="02020603050405020304" pitchFamily="18" charset="0"/>
-              </a:rPr>
-              <a:t>Metodologia</a:t>
-            </a:r>
-            <a:endParaRPr kumimoji="0" lang="it-IT" sz="2500" b="0" i="0" u="none" strike="noStrike" kern="1200" cap="none" spc="0" normalizeH="0" baseline="0" noProof="0" dirty="0" smtClean="0">
-              <a:ln>
-                <a:noFill/>
-              </a:ln>
-              <a:solidFill>
-                <a:schemeClr val="tx1"/>
-              </a:solidFill>
-              <a:effectLst/>
-              <a:uLnTx/>
-              <a:uFillTx/>
+              <a:rPr lang="it-IT" sz="2500" b="1" dirty="0" smtClean="0">
+                <a:latin typeface="Times New Roman" panose="02020603050405020304" pitchFamily="18" charset="0"/>
+                <a:cs typeface="Times New Roman" panose="02020603050405020304" pitchFamily="18" charset="0"/>
+              </a:rPr>
+              <a:t>Aspetti dell'</a:t>
+            </a:r>
+            <a:r>
+              <a:rPr lang="it-IT" sz="2500" b="1" dirty="0" err="1" smtClean="0">
+                <a:latin typeface="Times New Roman" panose="02020603050405020304" pitchFamily="18" charset="0"/>
+                <a:cs typeface="Times New Roman" panose="02020603050405020304" pitchFamily="18" charset="0"/>
+              </a:rPr>
+              <a:t>app</a:t>
+            </a:r>
+            <a:r>
+              <a:rPr lang="it-IT" sz="2500" b="1" dirty="0" smtClean="0">
+                <a:latin typeface="Times New Roman" panose="02020603050405020304" pitchFamily="18" charset="0"/>
+                <a:cs typeface="Times New Roman" panose="02020603050405020304" pitchFamily="18" charset="0"/>
+              </a:rPr>
+              <a:t> che saranno testati</a:t>
+            </a:r>
+            <a:endParaRPr lang="it-IT" sz="2500" dirty="0" smtClean="0">
               <a:latin typeface="Times New Roman" panose="02020603050405020304" pitchFamily="18" charset="0"/>
-              <a:ea typeface="+mn-ea"/>
               <a:cs typeface="Times New Roman" panose="02020603050405020304" pitchFamily="18" charset="0"/>
             </a:endParaRPr>
           </a:p>
@@ -5241,138 +5283,106 @@
           <a:p>
             <a:pPr algn="just"/>
             <a:r>
-              <a:rPr lang="it-IT" sz="2000" dirty="0" smtClean="0">
-                <a:latin typeface="Times New Roman" panose="02020603050405020304" pitchFamily="18" charset="0"/>
-                <a:cs typeface="Times New Roman" panose="02020603050405020304" pitchFamily="18" charset="0"/>
-              </a:rPr>
-              <a:t>Ai partecipanti sarà chiesto di eseguire una serie di task rappresentanti vari scenari, qui sotto elencati. Durante lo svolgimento del test si prenderà nota di eventuali commenti dei valutatori attraverso la tecnica del </a:t>
-            </a:r>
-            <a:r>
-              <a:rPr lang="it-IT" sz="2000" i="1" dirty="0" err="1" smtClean="0">
-                <a:latin typeface="Times New Roman" panose="02020603050405020304" pitchFamily="18" charset="0"/>
-                <a:cs typeface="Times New Roman" panose="02020603050405020304" pitchFamily="18" charset="0"/>
-              </a:rPr>
-              <a:t>thinging</a:t>
-            </a:r>
-            <a:r>
-              <a:rPr lang="it-IT" sz="2000" i="1" dirty="0" smtClean="0">
+              <a:rPr lang="it-IT" sz="2000" b="1" dirty="0" smtClean="0">
+                <a:latin typeface="Times New Roman" panose="02020603050405020304" pitchFamily="18" charset="0"/>
+                <a:cs typeface="Times New Roman" panose="02020603050405020304" pitchFamily="18" charset="0"/>
+              </a:rPr>
+              <a:t>1. Il processo di </a:t>
+            </a:r>
+            <a:r>
+              <a:rPr lang="it-IT" sz="2000" b="1" dirty="0" err="1" smtClean="0">
+                <a:latin typeface="Times New Roman" panose="02020603050405020304" pitchFamily="18" charset="0"/>
+                <a:cs typeface="Times New Roman" panose="02020603050405020304" pitchFamily="18" charset="0"/>
+              </a:rPr>
+              <a:t>sign</a:t>
+            </a:r>
+            <a:r>
+              <a:rPr lang="it-IT" sz="2000" b="1" dirty="0" smtClean="0">
+                <a:latin typeface="Times New Roman" panose="02020603050405020304" pitchFamily="18" charset="0"/>
+                <a:cs typeface="Times New Roman" panose="02020603050405020304" pitchFamily="18" charset="0"/>
+              </a:rPr>
+              <a:t> up.</a:t>
+            </a:r>
+            <a:r>
+              <a:rPr lang="it-IT" sz="2000" dirty="0" smtClean="0">
+                <a:latin typeface="Times New Roman" panose="02020603050405020304" pitchFamily="18" charset="0"/>
+                <a:cs typeface="Times New Roman" panose="02020603050405020304" pitchFamily="18" charset="0"/>
+              </a:rPr>
+              <a:t> Il partecipante, dopo aver aperto l'applicazione, potrà andare alla schermata di registrazione, riempire i campi richiesti e creare quindi un account. Questo processo sarà terminato quando l'utente raggiungerà la schermata della Home, a cui verrà indirizzato automaticamente dopo aver creato l'account.</a:t>
+            </a:r>
+          </a:p>
+          <a:p>
+            <a:pPr algn="just"/>
+            <a:r>
+              <a:rPr lang="it-IT" sz="2000" dirty="0" smtClean="0">
+                <a:latin typeface="Times New Roman" panose="02020603050405020304" pitchFamily="18" charset="0"/>
+                <a:cs typeface="Times New Roman" panose="02020603050405020304" pitchFamily="18" charset="0"/>
+              </a:rPr>
+              <a:t>Possibili problemi:</a:t>
+            </a:r>
+          </a:p>
+          <a:p>
+            <a:pPr lvl="0" algn="just"/>
+            <a:r>
+              <a:rPr lang="it-IT" sz="2000" dirty="0" smtClean="0">
+                <a:latin typeface="Times New Roman" panose="02020603050405020304" pitchFamily="18" charset="0"/>
+                <a:cs typeface="Times New Roman" panose="02020603050405020304" pitchFamily="18" charset="0"/>
+              </a:rPr>
+              <a:t>l'utente potrebbe non individuare facilmente tutti i campi di registrazione richiesti, la cui visualizzazione è gestita attraverso un </a:t>
+            </a:r>
+            <a:r>
+              <a:rPr lang="it-IT" sz="2000" dirty="0" err="1" smtClean="0">
+                <a:latin typeface="Times New Roman" panose="02020603050405020304" pitchFamily="18" charset="0"/>
+                <a:cs typeface="Times New Roman" panose="02020603050405020304" pitchFamily="18" charset="0"/>
+              </a:rPr>
+              <a:t>dynamic</a:t>
+            </a:r>
+            <a:r>
+              <a:rPr lang="it-IT" sz="2000" dirty="0" smtClean="0">
                 <a:latin typeface="Times New Roman" panose="02020603050405020304" pitchFamily="18" charset="0"/>
                 <a:cs typeface="Times New Roman" panose="02020603050405020304" pitchFamily="18" charset="0"/>
               </a:rPr>
               <a:t> </a:t>
             </a:r>
             <a:r>
-              <a:rPr lang="it-IT" sz="2000" i="1" dirty="0" err="1" smtClean="0">
-                <a:latin typeface="Times New Roman" panose="02020603050405020304" pitchFamily="18" charset="0"/>
-                <a:cs typeface="Times New Roman" panose="02020603050405020304" pitchFamily="18" charset="0"/>
-              </a:rPr>
-              <a:t>aloud</a:t>
-            </a:r>
-            <a:r>
-              <a:rPr lang="it-IT" sz="2000" dirty="0" smtClean="0">
-                <a:latin typeface="Times New Roman" panose="02020603050405020304" pitchFamily="18" charset="0"/>
-                <a:cs typeface="Times New Roman" panose="02020603050405020304" pitchFamily="18" charset="0"/>
-              </a:rPr>
-              <a:t>.</a:t>
-            </a:r>
-          </a:p>
-          <a:p>
-            <a:pPr algn="just"/>
-            <a:r>
-              <a:rPr lang="it-IT" sz="2000" dirty="0" smtClean="0">
-                <a:latin typeface="Times New Roman" panose="02020603050405020304" pitchFamily="18" charset="0"/>
-                <a:cs typeface="Times New Roman" panose="02020603050405020304" pitchFamily="18" charset="0"/>
-              </a:rPr>
-              <a:t>Inoltre, dopo che i partecipanti avranno completato gli scenari, verrà chiesto il loro feedback attraverso la valutazione, con un punteggio da 1 (facile) a 5 (difficile), di ciascun task affrontato sulla base delle difficoltà incontrate durante la sua comprensione ed esecuzione.</a:t>
-            </a:r>
-          </a:p>
-          <a:p>
-            <a:pPr algn="just"/>
-            <a:r>
-              <a:rPr lang="it-IT" sz="2000" dirty="0" smtClean="0">
-                <a:latin typeface="Times New Roman" panose="02020603050405020304" pitchFamily="18" charset="0"/>
-                <a:cs typeface="Times New Roman" panose="02020603050405020304" pitchFamily="18" charset="0"/>
-              </a:rPr>
-              <a:t>All’inizio del test ai partecipanti sarà chiesto di compilare il </a:t>
-            </a:r>
-            <a:r>
               <a:rPr lang="it-IT" sz="2000" dirty="0" err="1" smtClean="0">
                 <a:latin typeface="Times New Roman" panose="02020603050405020304" pitchFamily="18" charset="0"/>
                 <a:cs typeface="Times New Roman" panose="02020603050405020304" pitchFamily="18" charset="0"/>
               </a:rPr>
-              <a:t>form</a:t>
-            </a:r>
-            <a:r>
-              <a:rPr lang="it-IT" sz="2000" dirty="0" smtClean="0">
-                <a:latin typeface="Times New Roman" panose="02020603050405020304" pitchFamily="18" charset="0"/>
-                <a:cs typeface="Times New Roman" panose="02020603050405020304" pitchFamily="18" charset="0"/>
-              </a:rPr>
-              <a:t> per il consenso all'utilizzo dei dati di feedback ottenuti dopo il test e dei dati demografici inseriti, anch'essi richiesti durante la fase iniziale.</a:t>
-            </a:r>
-          </a:p>
-          <a:p>
-            <a:endParaRPr lang="it-IT" sz="2000" dirty="0"/>
-          </a:p>
-        </p:txBody>
-      </p:sp>
-      <p:sp>
-        <p:nvSpPr>
-          <p:cNvPr id="6" name="Titolo 1"/>
-          <p:cNvSpPr>
-            <a:spLocks noGrp="1"/>
-          </p:cNvSpPr>
-          <p:nvPr>
-            <p:ph type="title"/>
-          </p:nvPr>
-        </p:nvSpPr>
-        <p:spPr>
-          <a:xfrm>
-            <a:off x="628650" y="444137"/>
-            <a:ext cx="7886700" cy="653143"/>
-          </a:xfrm>
-        </p:spPr>
-        <p:txBody>
-          <a:bodyPr>
-            <a:normAutofit/>
-          </a:bodyPr>
-          <a:lstStyle/>
-          <a:p>
-            <a:r>
-              <a:rPr lang="it-IT" sz="2800" b="1" dirty="0">
-                <a:latin typeface="Times New Roman" panose="02020603050405020304" pitchFamily="18" charset="0"/>
-                <a:cs typeface="Times New Roman" panose="02020603050405020304" pitchFamily="18" charset="0"/>
-              </a:rPr>
-              <a:t>User </a:t>
-            </a:r>
-            <a:r>
-              <a:rPr lang="it-IT" sz="2800" b="1" dirty="0" err="1">
-                <a:latin typeface="Times New Roman" panose="02020603050405020304" pitchFamily="18" charset="0"/>
-                <a:cs typeface="Times New Roman" panose="02020603050405020304" pitchFamily="18" charset="0"/>
-              </a:rPr>
-              <a:t>Testing</a:t>
-            </a:r>
-            <a:r>
-              <a:rPr lang="it-IT" sz="2800" b="1" dirty="0">
-                <a:latin typeface="Times New Roman" panose="02020603050405020304" pitchFamily="18" charset="0"/>
-                <a:cs typeface="Times New Roman" panose="02020603050405020304" pitchFamily="18" charset="0"/>
-              </a:rPr>
-              <a:t> Plan </a:t>
-            </a:r>
-            <a:r>
-              <a:rPr lang="it-IT" sz="2800" b="1" dirty="0" smtClean="0">
-                <a:latin typeface="Times New Roman" panose="02020603050405020304" pitchFamily="18" charset="0"/>
-                <a:cs typeface="Times New Roman" panose="02020603050405020304" pitchFamily="18" charset="0"/>
-              </a:rPr>
-              <a:t>(8)</a:t>
-            </a:r>
-            <a:endParaRPr lang="it-IT" sz="2800" dirty="0"/>
+              <a:t>panel</a:t>
+            </a:r>
+            <a:r>
+              <a:rPr lang="it-IT" sz="2000" dirty="0" smtClean="0">
+                <a:latin typeface="Times New Roman" panose="02020603050405020304" pitchFamily="18" charset="0"/>
+                <a:cs typeface="Times New Roman" panose="02020603050405020304" pitchFamily="18" charset="0"/>
+              </a:rPr>
+              <a:t> cliccando sugli opportuni pulsanti della </a:t>
+            </a:r>
+            <a:r>
+              <a:rPr lang="it-IT" sz="2000" dirty="0" err="1" smtClean="0">
+                <a:latin typeface="Times New Roman" panose="02020603050405020304" pitchFamily="18" charset="0"/>
+                <a:cs typeface="Times New Roman" panose="02020603050405020304" pitchFamily="18" charset="0"/>
+              </a:rPr>
+              <a:t>navigation</a:t>
+            </a:r>
+            <a:r>
+              <a:rPr lang="it-IT" sz="2000" dirty="0" smtClean="0">
+                <a:latin typeface="Times New Roman" panose="02020603050405020304" pitchFamily="18" charset="0"/>
+                <a:cs typeface="Times New Roman" panose="02020603050405020304" pitchFamily="18" charset="0"/>
+              </a:rPr>
+              <a:t> bar sovrastante.</a:t>
+            </a:r>
+            <a:endParaRPr lang="it-IT" sz="2000" dirty="0">
+              <a:latin typeface="Times New Roman" panose="02020603050405020304" pitchFamily="18" charset="0"/>
+              <a:cs typeface="Times New Roman" panose="02020603050405020304" pitchFamily="18" charset="0"/>
+            </a:endParaRPr>
           </a:p>
         </p:txBody>
       </p:sp>
     </p:spTree>
     <p:extLst>
       <p:ext uri="{BB962C8B-B14F-4D97-AF65-F5344CB8AC3E}">
-        <p14:creationId xmlns:p14="http://schemas.microsoft.com/office/powerpoint/2010/main" val="115604845"/>
+        <p14:creationId xmlns:p14="http://schemas.microsoft.com/office/powerpoint/2010/main" val="594007354"/>
       </p:ext>
     </p:extLst>
   </p:cSld>
@@ -5447,7 +5457,7 @@
                 <a:latin typeface="Times New Roman" panose="02020603050405020304" pitchFamily="18" charset="0"/>
                 <a:cs typeface="Times New Roman" panose="02020603050405020304" pitchFamily="18" charset="0"/>
               </a:rPr>
-              <a:t>(9)</a:t>
+              <a:t>(10)</a:t>
             </a:r>
             <a:endParaRPr lang="it-IT" sz="2800" dirty="0"/>
           </a:p>
@@ -5519,96 +5529,75 @@
           </a:p>
           <a:p>
             <a:pPr algn="just"/>
+            <a:endParaRPr lang="it-IT" sz="2000" dirty="0" smtClean="0">
+              <a:latin typeface="Times New Roman" panose="02020603050405020304" pitchFamily="18" charset="0"/>
+              <a:cs typeface="Times New Roman" panose="02020603050405020304" pitchFamily="18" charset="0"/>
+            </a:endParaRPr>
+          </a:p>
+          <a:p>
+            <a:pPr algn="just"/>
             <a:r>
               <a:rPr lang="it-IT" sz="2000" b="1" dirty="0" smtClean="0">
                 <a:latin typeface="Times New Roman" panose="02020603050405020304" pitchFamily="18" charset="0"/>
                 <a:cs typeface="Times New Roman" panose="02020603050405020304" pitchFamily="18" charset="0"/>
               </a:rPr>
-              <a:t>1. Il processo di </a:t>
-            </a:r>
-            <a:r>
-              <a:rPr lang="it-IT" sz="2000" b="1" dirty="0" err="1" smtClean="0">
-                <a:latin typeface="Times New Roman" panose="02020603050405020304" pitchFamily="18" charset="0"/>
-                <a:cs typeface="Times New Roman" panose="02020603050405020304" pitchFamily="18" charset="0"/>
-              </a:rPr>
-              <a:t>sign</a:t>
-            </a:r>
+              <a:t>2. La fase di login.</a:t>
+            </a:r>
+            <a:r>
+              <a:rPr lang="it-IT" sz="2000" dirty="0" smtClean="0">
+                <a:latin typeface="Times New Roman" panose="02020603050405020304" pitchFamily="18" charset="0"/>
+                <a:cs typeface="Times New Roman" panose="02020603050405020304" pitchFamily="18" charset="0"/>
+              </a:rPr>
+              <a:t> Il partecipante, dopo aver creato un account, possiederà delle credenziali di accesso che gli permetteranno di accedere al proprio account inserendole nei campi mostrati cliccando sul pulsante “Login”.</a:t>
+            </a:r>
+          </a:p>
+          <a:p>
+            <a:pPr algn="just"/>
+            <a:endParaRPr lang="it-IT" sz="2000" dirty="0" smtClean="0">
+              <a:latin typeface="Times New Roman" panose="02020603050405020304" pitchFamily="18" charset="0"/>
+              <a:cs typeface="Times New Roman" panose="02020603050405020304" pitchFamily="18" charset="0"/>
+            </a:endParaRPr>
+          </a:p>
+          <a:p>
+            <a:pPr algn="just"/>
+            <a:endParaRPr lang="it-IT" sz="2000" dirty="0" smtClean="0">
+              <a:latin typeface="Times New Roman" panose="02020603050405020304" pitchFamily="18" charset="0"/>
+              <a:cs typeface="Times New Roman" panose="02020603050405020304" pitchFamily="18" charset="0"/>
+            </a:endParaRPr>
+          </a:p>
+          <a:p>
+            <a:pPr algn="just"/>
             <a:r>
               <a:rPr lang="it-IT" sz="2000" b="1" dirty="0" smtClean="0">
                 <a:latin typeface="Times New Roman" panose="02020603050405020304" pitchFamily="18" charset="0"/>
                 <a:cs typeface="Times New Roman" panose="02020603050405020304" pitchFamily="18" charset="0"/>
               </a:rPr>
-              <a:t> up.</a:t>
-            </a:r>
-            <a:r>
-              <a:rPr lang="it-IT" sz="2000" dirty="0" smtClean="0">
-                <a:latin typeface="Times New Roman" panose="02020603050405020304" pitchFamily="18" charset="0"/>
-                <a:cs typeface="Times New Roman" panose="02020603050405020304" pitchFamily="18" charset="0"/>
-              </a:rPr>
-              <a:t> Il partecipante, dopo aver aperto l'applicazione, potrà andare alla schermata di registrazione, riempire i campi richiesti e creare quindi un account. Questo processo sarà terminato quando l'utente raggiungerà la schermata della Home, a cui verrà indirizzato automaticamente dopo aver creato l'account.</a:t>
+              <a:t>3. Recupero della password.</a:t>
+            </a:r>
+            <a:r>
+              <a:rPr lang="it-IT" sz="2000" dirty="0" smtClean="0">
+                <a:latin typeface="Times New Roman" panose="02020603050405020304" pitchFamily="18" charset="0"/>
+                <a:cs typeface="Times New Roman" panose="02020603050405020304" pitchFamily="18" charset="0"/>
+              </a:rPr>
+              <a:t> L'utente, qualora avesse dimenticato la propria password, potrà crearne una nuova inserendo il proprio indirizzo </a:t>
+            </a:r>
+            <a:r>
+              <a:rPr lang="it-IT" sz="2000" dirty="0" err="1" smtClean="0">
+                <a:latin typeface="Times New Roman" panose="02020603050405020304" pitchFamily="18" charset="0"/>
+                <a:cs typeface="Times New Roman" panose="02020603050405020304" pitchFamily="18" charset="0"/>
+              </a:rPr>
+              <a:t>email</a:t>
+            </a:r>
+            <a:r>
+              <a:rPr lang="it-IT" sz="2000" dirty="0" smtClean="0">
+                <a:latin typeface="Times New Roman" panose="02020603050405020304" pitchFamily="18" charset="0"/>
+                <a:cs typeface="Times New Roman" panose="02020603050405020304" pitchFamily="18" charset="0"/>
+              </a:rPr>
+              <a:t> utilizzato nella fase di registrazione.</a:t>
             </a:r>
           </a:p>
           <a:p>
             <a:pPr algn="just"/>
-            <a:r>
-              <a:rPr lang="it-IT" sz="2000" dirty="0" smtClean="0">
-                <a:latin typeface="Times New Roman" panose="02020603050405020304" pitchFamily="18" charset="0"/>
-                <a:cs typeface="Times New Roman" panose="02020603050405020304" pitchFamily="18" charset="0"/>
-              </a:rPr>
-              <a:t>Possibili problemi:</a:t>
-            </a:r>
-          </a:p>
-          <a:p>
-            <a:pPr lvl="0" algn="just"/>
-            <a:r>
-              <a:rPr lang="it-IT" sz="2000" dirty="0" smtClean="0">
-                <a:latin typeface="Times New Roman" panose="02020603050405020304" pitchFamily="18" charset="0"/>
-                <a:cs typeface="Times New Roman" panose="02020603050405020304" pitchFamily="18" charset="0"/>
-              </a:rPr>
-              <a:t>l'utente potrebbe non individuare facilmente tutti i campi di registrazione richiesti, la cui visualizzazione è gestita attraverso un </a:t>
-            </a:r>
-            <a:r>
-              <a:rPr lang="it-IT" sz="2000" dirty="0" err="1" smtClean="0">
-                <a:latin typeface="Times New Roman" panose="02020603050405020304" pitchFamily="18" charset="0"/>
-                <a:cs typeface="Times New Roman" panose="02020603050405020304" pitchFamily="18" charset="0"/>
-              </a:rPr>
-              <a:t>dynamic</a:t>
-            </a:r>
-            <a:r>
-              <a:rPr lang="it-IT" sz="2000" dirty="0" smtClean="0">
-                <a:latin typeface="Times New Roman" panose="02020603050405020304" pitchFamily="18" charset="0"/>
-                <a:cs typeface="Times New Roman" panose="02020603050405020304" pitchFamily="18" charset="0"/>
-              </a:rPr>
-              <a:t> </a:t>
-            </a:r>
-            <a:r>
-              <a:rPr lang="it-IT" sz="2000" dirty="0" err="1" smtClean="0">
-                <a:latin typeface="Times New Roman" panose="02020603050405020304" pitchFamily="18" charset="0"/>
-                <a:cs typeface="Times New Roman" panose="02020603050405020304" pitchFamily="18" charset="0"/>
-              </a:rPr>
-              <a:t>panel</a:t>
-            </a:r>
-            <a:r>
-              <a:rPr lang="it-IT" sz="2000" dirty="0" smtClean="0">
-                <a:latin typeface="Times New Roman" panose="02020603050405020304" pitchFamily="18" charset="0"/>
-                <a:cs typeface="Times New Roman" panose="02020603050405020304" pitchFamily="18" charset="0"/>
-              </a:rPr>
-              <a:t> cliccando sugli opportuni pulsanti della </a:t>
-            </a:r>
-            <a:r>
-              <a:rPr lang="it-IT" sz="2000" dirty="0" err="1" smtClean="0">
-                <a:latin typeface="Times New Roman" panose="02020603050405020304" pitchFamily="18" charset="0"/>
-                <a:cs typeface="Times New Roman" panose="02020603050405020304" pitchFamily="18" charset="0"/>
-              </a:rPr>
-              <a:t>navigation</a:t>
-            </a:r>
-            <a:r>
-              <a:rPr lang="it-IT" sz="2000" dirty="0" smtClean="0">
-                <a:latin typeface="Times New Roman" panose="02020603050405020304" pitchFamily="18" charset="0"/>
-                <a:cs typeface="Times New Roman" panose="02020603050405020304" pitchFamily="18" charset="0"/>
-              </a:rPr>
-              <a:t> bar sovrastante.</a:t>
-            </a:r>
             <a:endParaRPr lang="it-IT" sz="2000" dirty="0">
               <a:latin typeface="Times New Roman" panose="02020603050405020304" pitchFamily="18" charset="0"/>
               <a:cs typeface="Times New Roman" panose="02020603050405020304" pitchFamily="18" charset="0"/>
@@ -5694,7 +5683,7 @@
                 <a:latin typeface="Times New Roman" panose="02020603050405020304" pitchFamily="18" charset="0"/>
                 <a:cs typeface="Times New Roman" panose="02020603050405020304" pitchFamily="18" charset="0"/>
               </a:rPr>
-              <a:t>(10)</a:t>
+              <a:t>(11)</a:t>
             </a:r>
             <a:endParaRPr lang="it-IT" sz="2800" dirty="0"/>
           </a:p>
@@ -5778,14 +5767,52 @@
                 <a:latin typeface="Times New Roman" panose="02020603050405020304" pitchFamily="18" charset="0"/>
                 <a:cs typeface="Times New Roman" panose="02020603050405020304" pitchFamily="18" charset="0"/>
               </a:rPr>
-              <a:t>2. La fase di login.</a:t>
-            </a:r>
-            <a:r>
-              <a:rPr lang="it-IT" sz="2000" dirty="0" smtClean="0">
-                <a:latin typeface="Times New Roman" panose="02020603050405020304" pitchFamily="18" charset="0"/>
-                <a:cs typeface="Times New Roman" panose="02020603050405020304" pitchFamily="18" charset="0"/>
-              </a:rPr>
-              <a:t> Il partecipante, dopo aver creato un account, possiederà delle credenziali di accesso che gli permetteranno di accedere al proprio account inserendole nei campi mostrati cliccando sul pulsante “Login”.</a:t>
+              <a:t>4. Selezionare un obiettivo. </a:t>
+            </a:r>
+            <a:r>
+              <a:rPr lang="it-IT" sz="2000" dirty="0" smtClean="0">
+                <a:latin typeface="Times New Roman" panose="02020603050405020304" pitchFamily="18" charset="0"/>
+                <a:cs typeface="Times New Roman" panose="02020603050405020304" pitchFamily="18" charset="0"/>
+              </a:rPr>
+              <a:t>Nella schermata della Home è mostrato l'obiettivo attualmente selezionato che l'utente dovrà raggiungere (nel caso in cui non fosse stato ancora selezionato, il campo sarà vuoto).</a:t>
+            </a:r>
+          </a:p>
+          <a:p>
+            <a:pPr algn="just"/>
+            <a:r>
+              <a:rPr lang="it-IT" sz="2000" dirty="0" smtClean="0">
+                <a:latin typeface="Times New Roman" panose="02020603050405020304" pitchFamily="18" charset="0"/>
+                <a:cs typeface="Times New Roman" panose="02020603050405020304" pitchFamily="18" charset="0"/>
+              </a:rPr>
+              <a:t>Un nuovo obiettivo potrà essere selezionato andando alla schermata “</a:t>
+            </a:r>
+            <a:r>
+              <a:rPr lang="it-IT" sz="2000" dirty="0" err="1" smtClean="0">
+                <a:latin typeface="Times New Roman" panose="02020603050405020304" pitchFamily="18" charset="0"/>
+                <a:cs typeface="Times New Roman" panose="02020603050405020304" pitchFamily="18" charset="0"/>
+              </a:rPr>
+              <a:t>Goals</a:t>
+            </a:r>
+            <a:r>
+              <a:rPr lang="it-IT" sz="2000" dirty="0" smtClean="0">
+                <a:latin typeface="Times New Roman" panose="02020603050405020304" pitchFamily="18" charset="0"/>
+                <a:cs typeface="Times New Roman" panose="02020603050405020304" pitchFamily="18" charset="0"/>
+              </a:rPr>
+              <a:t>” e cliccando sulla </a:t>
+            </a:r>
+            <a:r>
+              <a:rPr lang="it-IT" sz="2000" dirty="0" err="1" smtClean="0">
+                <a:latin typeface="Times New Roman" panose="02020603050405020304" pitchFamily="18" charset="0"/>
+                <a:cs typeface="Times New Roman" panose="02020603050405020304" pitchFamily="18" charset="0"/>
+              </a:rPr>
+              <a:t>select</a:t>
+            </a:r>
+            <a:r>
+              <a:rPr lang="it-IT" sz="2000" dirty="0" smtClean="0">
+                <a:latin typeface="Times New Roman" panose="02020603050405020304" pitchFamily="18" charset="0"/>
+                <a:cs typeface="Times New Roman" panose="02020603050405020304" pitchFamily="18" charset="0"/>
+              </a:rPr>
+              <a:t> ivi rappresentata. Un messaggio di conferma segnerà il completamento del task.</a:t>
             </a:r>
           </a:p>
           <a:p>
@@ -5809,28 +5836,112 @@
                 <a:latin typeface="Times New Roman" panose="02020603050405020304" pitchFamily="18" charset="0"/>
                 <a:cs typeface="Times New Roman" panose="02020603050405020304" pitchFamily="18" charset="0"/>
               </a:rPr>
-              <a:t>3. Recupero della password.</a:t>
-            </a:r>
-            <a:r>
-              <a:rPr lang="it-IT" sz="2000" dirty="0" smtClean="0">
-                <a:latin typeface="Times New Roman" panose="02020603050405020304" pitchFamily="18" charset="0"/>
-                <a:cs typeface="Times New Roman" panose="02020603050405020304" pitchFamily="18" charset="0"/>
-              </a:rPr>
-              <a:t> L'utente, qualora avesse dimenticato la propria password, potrà crearne una nuova inserendo il proprio indirizzo </a:t>
+              <a:t>4.1 Selezionare l’obiettivo “</a:t>
+            </a:r>
+            <a:r>
+              <a:rPr lang="it-IT" sz="2000" b="1" dirty="0" err="1" smtClean="0">
+                <a:latin typeface="Times New Roman" panose="02020603050405020304" pitchFamily="18" charset="0"/>
+                <a:cs typeface="Times New Roman" panose="02020603050405020304" pitchFamily="18" charset="0"/>
+              </a:rPr>
+              <a:t>Only</a:t>
+            </a:r>
+            <a:r>
+              <a:rPr lang="it-IT" sz="2000" b="1" dirty="0" smtClean="0">
+                <a:latin typeface="Times New Roman" panose="02020603050405020304" pitchFamily="18" charset="0"/>
+                <a:cs typeface="Times New Roman" panose="02020603050405020304" pitchFamily="18" charset="0"/>
+              </a:rPr>
+              <a:t> 10 </a:t>
+            </a:r>
+            <a:r>
+              <a:rPr lang="it-IT" sz="2000" b="1" dirty="0" err="1" smtClean="0">
+                <a:latin typeface="Times New Roman" panose="02020603050405020304" pitchFamily="18" charset="0"/>
+                <a:cs typeface="Times New Roman" panose="02020603050405020304" pitchFamily="18" charset="0"/>
+              </a:rPr>
+              <a:t>cigarettes</a:t>
+            </a:r>
+            <a:r>
+              <a:rPr lang="it-IT" sz="2000" b="1" dirty="0" smtClean="0">
+                <a:latin typeface="Times New Roman" panose="02020603050405020304" pitchFamily="18" charset="0"/>
+                <a:cs typeface="Times New Roman" panose="02020603050405020304" pitchFamily="18" charset="0"/>
+              </a:rPr>
+              <a:t> </a:t>
+            </a:r>
+            <a:r>
+              <a:rPr lang="it-IT" sz="2000" b="1" dirty="0" err="1" smtClean="0">
+                <a:latin typeface="Times New Roman" panose="02020603050405020304" pitchFamily="18" charset="0"/>
+                <a:cs typeface="Times New Roman" panose="02020603050405020304" pitchFamily="18" charset="0"/>
+              </a:rPr>
+              <a:t>smoked</a:t>
+            </a:r>
+            <a:r>
+              <a:rPr lang="it-IT" sz="2000" b="1" dirty="0" smtClean="0">
+                <a:latin typeface="Times New Roman" panose="02020603050405020304" pitchFamily="18" charset="0"/>
+                <a:cs typeface="Times New Roman" panose="02020603050405020304" pitchFamily="18" charset="0"/>
+              </a:rPr>
+              <a:t>”. </a:t>
+            </a:r>
+            <a:r>
+              <a:rPr lang="it-IT" sz="2000" dirty="0" smtClean="0">
+                <a:latin typeface="Times New Roman" panose="02020603050405020304" pitchFamily="18" charset="0"/>
+                <a:cs typeface="Times New Roman" panose="02020603050405020304" pitchFamily="18" charset="0"/>
+              </a:rPr>
+              <a:t>In particolare, verrà richiesto all’utente di testare l’obiettivo “</a:t>
             </a:r>
             <a:r>
               <a:rPr lang="it-IT" sz="2000" dirty="0" err="1" smtClean="0">
                 <a:latin typeface="Times New Roman" panose="02020603050405020304" pitchFamily="18" charset="0"/>
                 <a:cs typeface="Times New Roman" panose="02020603050405020304" pitchFamily="18" charset="0"/>
               </a:rPr>
-              <a:t>email</a:t>
-            </a:r>
-            <a:r>
-              <a:rPr lang="it-IT" sz="2000" dirty="0" smtClean="0">
-                <a:latin typeface="Times New Roman" panose="02020603050405020304" pitchFamily="18" charset="0"/>
-                <a:cs typeface="Times New Roman" panose="02020603050405020304" pitchFamily="18" charset="0"/>
-              </a:rPr>
-              <a:t> utilizzato nella fase di registrazione.</a:t>
+              <a:t>Only</a:t>
+            </a:r>
+            <a:r>
+              <a:rPr lang="it-IT" sz="2000" dirty="0" smtClean="0">
+                <a:latin typeface="Times New Roman" panose="02020603050405020304" pitchFamily="18" charset="0"/>
+                <a:cs typeface="Times New Roman" panose="02020603050405020304" pitchFamily="18" charset="0"/>
+              </a:rPr>
+              <a:t> 10 </a:t>
+            </a:r>
+            <a:r>
+              <a:rPr lang="it-IT" sz="2000" dirty="0" err="1" smtClean="0">
+                <a:latin typeface="Times New Roman" panose="02020603050405020304" pitchFamily="18" charset="0"/>
+                <a:cs typeface="Times New Roman" panose="02020603050405020304" pitchFamily="18" charset="0"/>
+              </a:rPr>
+              <a:t>cigarettes</a:t>
+            </a:r>
+            <a:r>
+              <a:rPr lang="it-IT" sz="2000" dirty="0" smtClean="0">
+                <a:latin typeface="Times New Roman" panose="02020603050405020304" pitchFamily="18" charset="0"/>
+                <a:cs typeface="Times New Roman" panose="02020603050405020304" pitchFamily="18" charset="0"/>
+              </a:rPr>
+              <a:t> </a:t>
+            </a:r>
+            <a:r>
+              <a:rPr lang="it-IT" sz="2000" dirty="0" err="1" smtClean="0">
+                <a:latin typeface="Times New Roman" panose="02020603050405020304" pitchFamily="18" charset="0"/>
+                <a:cs typeface="Times New Roman" panose="02020603050405020304" pitchFamily="18" charset="0"/>
+              </a:rPr>
+              <a:t>smoked</a:t>
+            </a:r>
+            <a:r>
+              <a:rPr lang="it-IT" sz="2000" dirty="0" smtClean="0">
+                <a:latin typeface="Times New Roman" panose="02020603050405020304" pitchFamily="18" charset="0"/>
+                <a:cs typeface="Times New Roman" panose="02020603050405020304" pitchFamily="18" charset="0"/>
+              </a:rPr>
+              <a:t>”, in questo modo sarà possibile visualizzare gli effetti dell’</a:t>
+            </a:r>
+            <a:r>
+              <a:rPr lang="it-IT" sz="2000" dirty="0" err="1" smtClean="0">
+                <a:latin typeface="Times New Roman" panose="02020603050405020304" pitchFamily="18" charset="0"/>
+                <a:cs typeface="Times New Roman" panose="02020603050405020304" pitchFamily="18" charset="0"/>
+              </a:rPr>
+              <a:t>app</a:t>
+            </a:r>
+            <a:r>
+              <a:rPr lang="it-IT" sz="2000" dirty="0" smtClean="0">
+                <a:latin typeface="Times New Roman" panose="02020603050405020304" pitchFamily="18" charset="0"/>
+                <a:cs typeface="Times New Roman" panose="02020603050405020304" pitchFamily="18" charset="0"/>
+              </a:rPr>
+              <a:t> a seguito di questa scelta.</a:t>
             </a:r>
           </a:p>
           <a:p>
@@ -5845,7 +5956,7 @@
     </p:spTree>
     <p:extLst>
       <p:ext uri="{BB962C8B-B14F-4D97-AF65-F5344CB8AC3E}">
-        <p14:creationId xmlns:p14="http://schemas.microsoft.com/office/powerpoint/2010/main" val="594007354"/>
+        <p14:creationId xmlns:p14="http://schemas.microsoft.com/office/powerpoint/2010/main" val="723523181"/>
       </p:ext>
     </p:extLst>
   </p:cSld>
@@ -5920,7 +6031,7 @@
                 <a:latin typeface="Times New Roman" panose="02020603050405020304" pitchFamily="18" charset="0"/>
                 <a:cs typeface="Times New Roman" panose="02020603050405020304" pitchFamily="18" charset="0"/>
               </a:rPr>
-              <a:t>(11)</a:t>
+              <a:t>(12)</a:t>
             </a:r>
             <a:endParaRPr lang="it-IT" sz="2800" dirty="0"/>
           </a:p>
@@ -5992,7 +6103,7 @@
           </a:p>
           <a:p>
             <a:pPr algn="just"/>
-            <a:endParaRPr lang="it-IT" sz="2000" dirty="0" smtClean="0">
+            <a:endParaRPr lang="it-IT" sz="2000" b="1" dirty="0" smtClean="0">
               <a:latin typeface="Times New Roman" panose="02020603050405020304" pitchFamily="18" charset="0"/>
               <a:cs typeface="Times New Roman" panose="02020603050405020304" pitchFamily="18" charset="0"/>
             </a:endParaRPr>
@@ -6004,173 +6115,48 @@
                 <a:latin typeface="Times New Roman" panose="02020603050405020304" pitchFamily="18" charset="0"/>
                 <a:cs typeface="Times New Roman" panose="02020603050405020304" pitchFamily="18" charset="0"/>
               </a:rPr>
-              <a:t>4. Selezionare un obiettivo. </a:t>
-            </a:r>
-            <a:r>
-              <a:rPr lang="it-IT" sz="2000" dirty="0" smtClean="0">
-                <a:latin typeface="Times New Roman" panose="02020603050405020304" pitchFamily="18" charset="0"/>
-                <a:cs typeface="Times New Roman" panose="02020603050405020304" pitchFamily="18" charset="0"/>
-              </a:rPr>
-              <a:t>Nella schermata della Home è mostrato l'obiettivo attualmente selezionato che l'utente dovrà raggiungere (nel caso in cui non fosse stato ancora selezionato, il campo sarà vuoto).</a:t>
-            </a:r>
-          </a:p>
-          <a:p>
-            <a:pPr algn="just"/>
-            <a:r>
-              <a:rPr lang="it-IT" sz="2000" dirty="0" smtClean="0">
-                <a:latin typeface="Times New Roman" panose="02020603050405020304" pitchFamily="18" charset="0"/>
-                <a:cs typeface="Times New Roman" panose="02020603050405020304" pitchFamily="18" charset="0"/>
-              </a:rPr>
-              <a:t>Un nuovo obiettivo potrà essere selezionato andando alla schermata “</a:t>
+              <a:t>5. Aggiungere una sigaretta. </a:t>
+            </a:r>
+            <a:r>
+              <a:rPr lang="it-IT" sz="2000" dirty="0" smtClean="0">
+                <a:latin typeface="Times New Roman" panose="02020603050405020304" pitchFamily="18" charset="0"/>
+                <a:cs typeface="Times New Roman" panose="02020603050405020304" pitchFamily="18" charset="0"/>
+              </a:rPr>
+              <a:t>Si tratta dello scenario principale dell'applicazione. Il task consiste semplicemente in un click, nella schermata della Home, sul pulsante “</a:t>
             </a:r>
             <a:r>
               <a:rPr lang="it-IT" sz="2000" dirty="0" err="1" smtClean="0">
                 <a:latin typeface="Times New Roman" panose="02020603050405020304" pitchFamily="18" charset="0"/>
                 <a:cs typeface="Times New Roman" panose="02020603050405020304" pitchFamily="18" charset="0"/>
               </a:rPr>
-              <a:t>Goals</a:t>
-            </a:r>
-            <a:r>
-              <a:rPr lang="it-IT" sz="2000" dirty="0" smtClean="0">
-                <a:latin typeface="Times New Roman" panose="02020603050405020304" pitchFamily="18" charset="0"/>
-                <a:cs typeface="Times New Roman" panose="02020603050405020304" pitchFamily="18" charset="0"/>
-              </a:rPr>
-              <a:t>” e cliccando sulla </a:t>
+              <a:t>Add</a:t>
+            </a:r>
+            <a:r>
+              <a:rPr lang="it-IT" sz="2000" dirty="0" smtClean="0">
+                <a:latin typeface="Times New Roman" panose="02020603050405020304" pitchFamily="18" charset="0"/>
+                <a:cs typeface="Times New Roman" panose="02020603050405020304" pitchFamily="18" charset="0"/>
+              </a:rPr>
+              <a:t> a </a:t>
             </a:r>
             <a:r>
               <a:rPr lang="it-IT" sz="2000" dirty="0" err="1" smtClean="0">
                 <a:latin typeface="Times New Roman" panose="02020603050405020304" pitchFamily="18" charset="0"/>
                 <a:cs typeface="Times New Roman" panose="02020603050405020304" pitchFamily="18" charset="0"/>
               </a:rPr>
-              <a:t>select</a:t>
-            </a:r>
-            <a:r>
-              <a:rPr lang="it-IT" sz="2000" dirty="0" smtClean="0">
-                <a:latin typeface="Times New Roman" panose="02020603050405020304" pitchFamily="18" charset="0"/>
-                <a:cs typeface="Times New Roman" panose="02020603050405020304" pitchFamily="18" charset="0"/>
-              </a:rPr>
-              <a:t> ivi rappresentata. Un messaggio di conferma segnerà il completamento del task.</a:t>
-            </a:r>
-          </a:p>
-          <a:p>
-            <a:pPr algn="just"/>
-            <a:endParaRPr lang="it-IT" sz="2000" dirty="0" smtClean="0">
-              <a:latin typeface="Times New Roman" panose="02020603050405020304" pitchFamily="18" charset="0"/>
-              <a:cs typeface="Times New Roman" panose="02020603050405020304" pitchFamily="18" charset="0"/>
-            </a:endParaRPr>
-          </a:p>
-          <a:p>
-            <a:pPr algn="just"/>
-            <a:endParaRPr lang="it-IT" sz="2000" dirty="0" smtClean="0">
-              <a:latin typeface="Times New Roman" panose="02020603050405020304" pitchFamily="18" charset="0"/>
-              <a:cs typeface="Times New Roman" panose="02020603050405020304" pitchFamily="18" charset="0"/>
-            </a:endParaRPr>
-          </a:p>
-          <a:p>
-            <a:pPr algn="just"/>
-            <a:r>
-              <a:rPr lang="it-IT" sz="2000" b="1" dirty="0" smtClean="0">
-                <a:latin typeface="Times New Roman" panose="02020603050405020304" pitchFamily="18" charset="0"/>
-                <a:cs typeface="Times New Roman" panose="02020603050405020304" pitchFamily="18" charset="0"/>
-              </a:rPr>
-              <a:t>4.1 Selezionare l’obiettivo “</a:t>
-            </a:r>
-            <a:r>
-              <a:rPr lang="it-IT" sz="2000" b="1" dirty="0" err="1" smtClean="0">
-                <a:latin typeface="Times New Roman" panose="02020603050405020304" pitchFamily="18" charset="0"/>
-                <a:cs typeface="Times New Roman" panose="02020603050405020304" pitchFamily="18" charset="0"/>
-              </a:rPr>
-              <a:t>Only</a:t>
-            </a:r>
-            <a:r>
-              <a:rPr lang="it-IT" sz="2000" b="1" dirty="0" smtClean="0">
-                <a:latin typeface="Times New Roman" panose="02020603050405020304" pitchFamily="18" charset="0"/>
-                <a:cs typeface="Times New Roman" panose="02020603050405020304" pitchFamily="18" charset="0"/>
-              </a:rPr>
-              <a:t> 10 </a:t>
-            </a:r>
-            <a:r>
-              <a:rPr lang="it-IT" sz="2000" b="1" dirty="0" err="1" smtClean="0">
-                <a:latin typeface="Times New Roman" panose="02020603050405020304" pitchFamily="18" charset="0"/>
-                <a:cs typeface="Times New Roman" panose="02020603050405020304" pitchFamily="18" charset="0"/>
-              </a:rPr>
-              <a:t>cigarettes</a:t>
-            </a:r>
-            <a:r>
-              <a:rPr lang="it-IT" sz="2000" b="1" dirty="0" smtClean="0">
-                <a:latin typeface="Times New Roman" panose="02020603050405020304" pitchFamily="18" charset="0"/>
-                <a:cs typeface="Times New Roman" panose="02020603050405020304" pitchFamily="18" charset="0"/>
-              </a:rPr>
-              <a:t> </a:t>
-            </a:r>
-            <a:r>
-              <a:rPr lang="it-IT" sz="2000" b="1" dirty="0" err="1" smtClean="0">
-                <a:latin typeface="Times New Roman" panose="02020603050405020304" pitchFamily="18" charset="0"/>
-                <a:cs typeface="Times New Roman" panose="02020603050405020304" pitchFamily="18" charset="0"/>
-              </a:rPr>
-              <a:t>smoked</a:t>
-            </a:r>
-            <a:r>
-              <a:rPr lang="it-IT" sz="2000" b="1" dirty="0" smtClean="0">
-                <a:latin typeface="Times New Roman" panose="02020603050405020304" pitchFamily="18" charset="0"/>
-                <a:cs typeface="Times New Roman" panose="02020603050405020304" pitchFamily="18" charset="0"/>
-              </a:rPr>
-              <a:t>”. </a:t>
-            </a:r>
-            <a:r>
-              <a:rPr lang="it-IT" sz="2000" dirty="0" smtClean="0">
-                <a:latin typeface="Times New Roman" panose="02020603050405020304" pitchFamily="18" charset="0"/>
-                <a:cs typeface="Times New Roman" panose="02020603050405020304" pitchFamily="18" charset="0"/>
-              </a:rPr>
-              <a:t>In particolare, verrà richiesto all’utente di testare l’obiettivo “</a:t>
+              <a:t>cigarette</a:t>
+            </a:r>
+            <a:r>
+              <a:rPr lang="it-IT" sz="2000" dirty="0" smtClean="0">
+                <a:latin typeface="Times New Roman" panose="02020603050405020304" pitchFamily="18" charset="0"/>
+                <a:cs typeface="Times New Roman" panose="02020603050405020304" pitchFamily="18" charset="0"/>
+              </a:rPr>
+              <a:t>”. Il completamento dello scenario sarà evidenziato dal numero di sigarette fumate quel giorno, visibile nella schermata della Home e che verrà aggiornato al momento del click. Poiché l'obiettivo dell'</a:t>
             </a:r>
             <a:r>
               <a:rPr lang="it-IT" sz="2000" dirty="0" err="1" smtClean="0">
                 <a:latin typeface="Times New Roman" panose="02020603050405020304" pitchFamily="18" charset="0"/>
                 <a:cs typeface="Times New Roman" panose="02020603050405020304" pitchFamily="18" charset="0"/>
               </a:rPr>
-              <a:t>Only</a:t>
-            </a:r>
-            <a:r>
-              <a:rPr lang="it-IT" sz="2000" dirty="0" smtClean="0">
-                <a:latin typeface="Times New Roman" panose="02020603050405020304" pitchFamily="18" charset="0"/>
-                <a:cs typeface="Times New Roman" panose="02020603050405020304" pitchFamily="18" charset="0"/>
-              </a:rPr>
-              <a:t> 10 </a:t>
-            </a:r>
-            <a:r>
-              <a:rPr lang="it-IT" sz="2000" dirty="0" err="1" smtClean="0">
-                <a:latin typeface="Times New Roman" panose="02020603050405020304" pitchFamily="18" charset="0"/>
-                <a:cs typeface="Times New Roman" panose="02020603050405020304" pitchFamily="18" charset="0"/>
-              </a:rPr>
-              <a:t>cigarettes</a:t>
-            </a:r>
-            <a:r>
-              <a:rPr lang="it-IT" sz="2000" dirty="0" smtClean="0">
-                <a:latin typeface="Times New Roman" panose="02020603050405020304" pitchFamily="18" charset="0"/>
-                <a:cs typeface="Times New Roman" panose="02020603050405020304" pitchFamily="18" charset="0"/>
-              </a:rPr>
-              <a:t> </a:t>
-            </a:r>
-            <a:r>
-              <a:rPr lang="it-IT" sz="2000" dirty="0" err="1" smtClean="0">
-                <a:latin typeface="Times New Roman" panose="02020603050405020304" pitchFamily="18" charset="0"/>
-                <a:cs typeface="Times New Roman" panose="02020603050405020304" pitchFamily="18" charset="0"/>
-              </a:rPr>
-              <a:t>smoked</a:t>
-            </a:r>
-            <a:r>
-              <a:rPr lang="it-IT" sz="2000" dirty="0" smtClean="0">
-                <a:latin typeface="Times New Roman" panose="02020603050405020304" pitchFamily="18" charset="0"/>
-                <a:cs typeface="Times New Roman" panose="02020603050405020304" pitchFamily="18" charset="0"/>
-              </a:rPr>
-              <a:t>”, in questo modo sarà possibile visualizzare gli effetti dell’</a:t>
-            </a:r>
-            <a:r>
-              <a:rPr lang="it-IT" sz="2000" dirty="0" err="1" smtClean="0">
-                <a:latin typeface="Times New Roman" panose="02020603050405020304" pitchFamily="18" charset="0"/>
-                <a:cs typeface="Times New Roman" panose="02020603050405020304" pitchFamily="18" charset="0"/>
-              </a:rPr>
               <a:t>app</a:t>
             </a:r>
             <a:r>
@@ -6178,7 +6164,7 @@
                 <a:latin typeface="Times New Roman" panose="02020603050405020304" pitchFamily="18" charset="0"/>
                 <a:cs typeface="Times New Roman" panose="02020603050405020304" pitchFamily="18" charset="0"/>
               </a:rPr>
-              <a:t> a seguito di questa scelta.</a:t>
+              <a:t> è quello di aiutare l'utente a smettere di fumare, ciò si traduce nell'impedire all'utente di effettuare spesso questo scenario. Per questo motivo superare un obiettivo o conquistare un trofeo saranno task intrinsecamente connessi con questo scenario.</a:t>
             </a:r>
           </a:p>
           <a:p>
@@ -6193,7 +6179,7 @@
     </p:spTree>
     <p:extLst>
       <p:ext uri="{BB962C8B-B14F-4D97-AF65-F5344CB8AC3E}">
-        <p14:creationId xmlns:p14="http://schemas.microsoft.com/office/powerpoint/2010/main" val="723523181"/>
+        <p14:creationId xmlns:p14="http://schemas.microsoft.com/office/powerpoint/2010/main" val="2442419145"/>
       </p:ext>
     </p:extLst>
   </p:cSld>
@@ -6268,7 +6254,7 @@
                 <a:latin typeface="Times New Roman" panose="02020603050405020304" pitchFamily="18" charset="0"/>
                 <a:cs typeface="Times New Roman" panose="02020603050405020304" pitchFamily="18" charset="0"/>
               </a:rPr>
-              <a:t>(12)</a:t>
+              <a:t>(13)</a:t>
             </a:r>
             <a:endParaRPr lang="it-IT" sz="2800" dirty="0"/>
           </a:p>
@@ -6352,56 +6338,70 @@
                 <a:latin typeface="Times New Roman" panose="02020603050405020304" pitchFamily="18" charset="0"/>
                 <a:cs typeface="Times New Roman" panose="02020603050405020304" pitchFamily="18" charset="0"/>
               </a:rPr>
-              <a:t>5. Aggiungere una sigaretta. </a:t>
-            </a:r>
-            <a:r>
-              <a:rPr lang="it-IT" sz="2000" dirty="0" smtClean="0">
-                <a:latin typeface="Times New Roman" panose="02020603050405020304" pitchFamily="18" charset="0"/>
-                <a:cs typeface="Times New Roman" panose="02020603050405020304" pitchFamily="18" charset="0"/>
-              </a:rPr>
-              <a:t>Si tratta dello scenario principale dell'applicazione. Il task consiste semplicemente in un click, nella schermata della Home, sul pulsante “</a:t>
+              <a:t>5.1. Vincere il trofeo “</a:t>
+            </a:r>
+            <a:r>
+              <a:rPr lang="it-IT" sz="2000" b="1" dirty="0" err="1" smtClean="0">
+                <a:latin typeface="Times New Roman" panose="02020603050405020304" pitchFamily="18" charset="0"/>
+                <a:cs typeface="Times New Roman" panose="02020603050405020304" pitchFamily="18" charset="0"/>
+              </a:rPr>
+              <a:t>Defeat</a:t>
+            </a:r>
+            <a:r>
+              <a:rPr lang="it-IT" sz="2000" b="1" dirty="0" smtClean="0">
+                <a:latin typeface="Times New Roman" panose="02020603050405020304" pitchFamily="18" charset="0"/>
+                <a:cs typeface="Times New Roman" panose="02020603050405020304" pitchFamily="18" charset="0"/>
+              </a:rPr>
+              <a:t> the </a:t>
+            </a:r>
+            <a:r>
+              <a:rPr lang="it-IT" sz="2000" b="1" dirty="0" err="1" smtClean="0">
+                <a:latin typeface="Times New Roman" panose="02020603050405020304" pitchFamily="18" charset="0"/>
+                <a:cs typeface="Times New Roman" panose="02020603050405020304" pitchFamily="18" charset="0"/>
+              </a:rPr>
+              <a:t>temptation</a:t>
+            </a:r>
+            <a:r>
+              <a:rPr lang="it-IT" sz="2000" b="1" dirty="0" smtClean="0">
+                <a:latin typeface="Times New Roman" panose="02020603050405020304" pitchFamily="18" charset="0"/>
+                <a:cs typeface="Times New Roman" panose="02020603050405020304" pitchFamily="18" charset="0"/>
+              </a:rPr>
+              <a:t>”.</a:t>
+            </a:r>
+            <a:r>
+              <a:rPr lang="it-IT" sz="2000" dirty="0" smtClean="0">
+                <a:latin typeface="Times New Roman" panose="02020603050405020304" pitchFamily="18" charset="0"/>
+                <a:cs typeface="Times New Roman" panose="02020603050405020304" pitchFamily="18" charset="0"/>
+              </a:rPr>
+              <a:t>  Quando viene aggiunta una nuova sigaretta, se il trofeo non è stato già conquistato, lo scenario (5) viene interrotto da un messaggio che notifica la possibilità di vincere il trofeo “</a:t>
             </a:r>
             <a:r>
               <a:rPr lang="it-IT" sz="2000" dirty="0" err="1" smtClean="0">
                 <a:latin typeface="Times New Roman" panose="02020603050405020304" pitchFamily="18" charset="0"/>
                 <a:cs typeface="Times New Roman" panose="02020603050405020304" pitchFamily="18" charset="0"/>
               </a:rPr>
-              <a:t>Add</a:t>
-            </a:r>
-            <a:r>
-              <a:rPr lang="it-IT" sz="2000" dirty="0" smtClean="0">
-                <a:latin typeface="Times New Roman" panose="02020603050405020304" pitchFamily="18" charset="0"/>
-                <a:cs typeface="Times New Roman" panose="02020603050405020304" pitchFamily="18" charset="0"/>
-              </a:rPr>
-              <a:t> a </a:t>
+              <a:t>Defeat</a:t>
+            </a:r>
+            <a:r>
+              <a:rPr lang="it-IT" sz="2000" dirty="0" smtClean="0">
+                <a:latin typeface="Times New Roman" panose="02020603050405020304" pitchFamily="18" charset="0"/>
+                <a:cs typeface="Times New Roman" panose="02020603050405020304" pitchFamily="18" charset="0"/>
+              </a:rPr>
+              <a:t> the </a:t>
             </a:r>
             <a:r>
               <a:rPr lang="it-IT" sz="2000" dirty="0" err="1" smtClean="0">
                 <a:latin typeface="Times New Roman" panose="02020603050405020304" pitchFamily="18" charset="0"/>
                 <a:cs typeface="Times New Roman" panose="02020603050405020304" pitchFamily="18" charset="0"/>
               </a:rPr>
-              <a:t>cigarette</a:t>
-            </a:r>
-            <a:r>
-              <a:rPr lang="it-IT" sz="2000" dirty="0" smtClean="0">
-                <a:latin typeface="Times New Roman" panose="02020603050405020304" pitchFamily="18" charset="0"/>
-                <a:cs typeface="Times New Roman" panose="02020603050405020304" pitchFamily="18" charset="0"/>
-              </a:rPr>
-              <a:t>”. Il completamento dello scenario sarà evidenziato dal numero di sigarette fumate quel giorno, visibile nella schermata della Home e che verrà aggiornato al momento del click. Poiché l'obiettivo dell'</a:t>
-            </a:r>
-            <a:r>
-              <a:rPr lang="it-IT" sz="2000" dirty="0" err="1" smtClean="0">
-                <a:latin typeface="Times New Roman" panose="02020603050405020304" pitchFamily="18" charset="0"/>
-                <a:cs typeface="Times New Roman" panose="02020603050405020304" pitchFamily="18" charset="0"/>
-              </a:rPr>
-              <a:t>app</a:t>
-            </a:r>
-            <a:r>
-              <a:rPr lang="it-IT" sz="2000" dirty="0" smtClean="0">
-                <a:latin typeface="Times New Roman" panose="02020603050405020304" pitchFamily="18" charset="0"/>
-                <a:cs typeface="Times New Roman" panose="02020603050405020304" pitchFamily="18" charset="0"/>
-              </a:rPr>
-              <a:t> è quello di aiutare l'utente a smettere di fumare, ciò si traduce nell'impedire all'utente di effettuare spesso questo scenario. Per questo motivo superare un obiettivo o conquistare un trofeo saranno task intrinsecamente connessi con questo scenario.</a:t>
+              <a:t>temptation</a:t>
+            </a:r>
+            <a:r>
+              <a:rPr lang="it-IT" sz="2000" dirty="0" smtClean="0">
+                <a:latin typeface="Times New Roman" panose="02020603050405020304" pitchFamily="18" charset="0"/>
+                <a:cs typeface="Times New Roman" panose="02020603050405020304" pitchFamily="18" charset="0"/>
+              </a:rPr>
+              <a:t>” gettando via la sigaretta (che si suppone sia stata appena accesa). Cliccando su “Yes” si otterrà il premio, mentre il pulsante “No” chiuderà il messaggio di notifica permettendo il completamento dello scenario (5).</a:t>
             </a:r>
           </a:p>
           <a:p>
@@ -6491,7 +6491,7 @@
                 <a:latin typeface="Times New Roman" panose="02020603050405020304" pitchFamily="18" charset="0"/>
                 <a:cs typeface="Times New Roman" panose="02020603050405020304" pitchFamily="18" charset="0"/>
               </a:rPr>
-              <a:t>(13)</a:t>
+              <a:t>(14)</a:t>
             </a:r>
             <a:endParaRPr lang="it-IT" sz="2800" dirty="0"/>
           </a:p>
@@ -6499,7 +6499,7 @@
       </p:sp>
       <p:sp>
         <p:nvSpPr>
-          <p:cNvPr id="4" name="Segnaposto contenuto 2"/>
+          <p:cNvPr id="8" name="Segnaposto contenuto 2"/>
           <p:cNvSpPr txBox="1">
             <a:spLocks/>
           </p:cNvSpPr>
@@ -6507,8 +6507,8 @@
         </p:nvSpPr>
         <p:spPr>
           <a:xfrm>
-            <a:off x="628650" y="1275008"/>
-            <a:ext cx="7886700" cy="5280338"/>
+            <a:off x="628650" y="1293223"/>
+            <a:ext cx="7886700" cy="5262122"/>
           </a:xfrm>
           <a:prstGeom prst="rect">
             <a:avLst/>
@@ -6516,7 +6516,7 @@
         </p:spPr>
         <p:txBody>
           <a:bodyPr vert="horz" lIns="91440" tIns="45720" rIns="91440" bIns="45720" rtlCol="0">
-            <a:normAutofit/>
+            <a:normAutofit lnSpcReduction="10000"/>
           </a:bodyPr>
           <a:lstStyle/>
           <a:p>
@@ -6575,78 +6575,123 @@
                 <a:latin typeface="Times New Roman" panose="02020603050405020304" pitchFamily="18" charset="0"/>
                 <a:cs typeface="Times New Roman" panose="02020603050405020304" pitchFamily="18" charset="0"/>
               </a:rPr>
-              <a:t>5.1. Vincere il trofeo “</a:t>
+              <a:t>5.2 Vincere il trofeo “</a:t>
             </a:r>
             <a:r>
               <a:rPr lang="it-IT" sz="2000" b="1" dirty="0" err="1" smtClean="0">
                 <a:latin typeface="Times New Roman" panose="02020603050405020304" pitchFamily="18" charset="0"/>
                 <a:cs typeface="Times New Roman" panose="02020603050405020304" pitchFamily="18" charset="0"/>
               </a:rPr>
-              <a:t>Defeat</a:t>
+              <a:t>Only</a:t>
             </a:r>
             <a:r>
               <a:rPr lang="it-IT" sz="2000" b="1" dirty="0" smtClean="0">
                 <a:latin typeface="Times New Roman" panose="02020603050405020304" pitchFamily="18" charset="0"/>
                 <a:cs typeface="Times New Roman" panose="02020603050405020304" pitchFamily="18" charset="0"/>
               </a:rPr>
-              <a:t> the </a:t>
+              <a:t> 10 </a:t>
             </a:r>
             <a:r>
               <a:rPr lang="it-IT" sz="2000" b="1" dirty="0" err="1" smtClean="0">
                 <a:latin typeface="Times New Roman" panose="02020603050405020304" pitchFamily="18" charset="0"/>
                 <a:cs typeface="Times New Roman" panose="02020603050405020304" pitchFamily="18" charset="0"/>
               </a:rPr>
-              <a:t>temptation</a:t>
+              <a:t>cigarettes</a:t>
             </a:r>
             <a:r>
               <a:rPr lang="it-IT" sz="2000" b="1" dirty="0" smtClean="0">
                 <a:latin typeface="Times New Roman" panose="02020603050405020304" pitchFamily="18" charset="0"/>
                 <a:cs typeface="Times New Roman" panose="02020603050405020304" pitchFamily="18" charset="0"/>
               </a:rPr>
-              <a:t>”.</a:t>
-            </a:r>
-            <a:r>
-              <a:rPr lang="it-IT" sz="2000" dirty="0" smtClean="0">
-                <a:latin typeface="Times New Roman" panose="02020603050405020304" pitchFamily="18" charset="0"/>
-                <a:cs typeface="Times New Roman" panose="02020603050405020304" pitchFamily="18" charset="0"/>
-              </a:rPr>
-              <a:t>  Quando viene aggiunta una nuova sigaretta, se il trofeo non è stato già conquistato, lo scenario (5) viene interrotto da un messaggio che notifica la possibilità di vincere il trofeo “</a:t>
+              <a:t> </a:t>
+            </a:r>
+            <a:r>
+              <a:rPr lang="it-IT" sz="2000" b="1" dirty="0" err="1" smtClean="0">
+                <a:latin typeface="Times New Roman" panose="02020603050405020304" pitchFamily="18" charset="0"/>
+                <a:cs typeface="Times New Roman" panose="02020603050405020304" pitchFamily="18" charset="0"/>
+              </a:rPr>
+              <a:t>smoked</a:t>
+            </a:r>
+            <a:r>
+              <a:rPr lang="it-IT" sz="2000" b="1" dirty="0" smtClean="0">
+                <a:latin typeface="Times New Roman" panose="02020603050405020304" pitchFamily="18" charset="0"/>
+                <a:cs typeface="Times New Roman" panose="02020603050405020304" pitchFamily="18" charset="0"/>
+              </a:rPr>
+              <a:t>”. </a:t>
+            </a:r>
+            <a:r>
+              <a:rPr lang="it-IT" sz="2000" dirty="0" smtClean="0">
+                <a:latin typeface="Times New Roman" panose="02020603050405020304" pitchFamily="18" charset="0"/>
+                <a:cs typeface="Times New Roman" panose="02020603050405020304" pitchFamily="18" charset="0"/>
+              </a:rPr>
+              <a:t>È possibile sbloccare questo scenario nel momento in cui è stato precedentemente selezionato il relativo obiettivo. In questo caso quando l’utente deciderà di accendere l’undicesima sigaretta lo scenario (5) verrà interrotto dalla visualizzazione di un messaggio che permetterà di scegliere se vincere il trofeo oppure continuare a fumare. Se si sceglie di eliminare l’undicesima sigaretta, cliccando “Yes”, si ottiene il premio, in caso contrario, cliccando “No”, si ritornerà allo scenario di partenza (5), in cui verrà visualizzato il nuovo incremento delle sigarette fumate.</a:t>
+            </a:r>
+          </a:p>
+          <a:p>
+            <a:pPr algn="just"/>
+            <a:r>
+              <a:rPr lang="it-IT" sz="2000" dirty="0" smtClean="0">
+                <a:latin typeface="Times New Roman" panose="02020603050405020304" pitchFamily="18" charset="0"/>
+                <a:cs typeface="Times New Roman" panose="02020603050405020304" pitchFamily="18" charset="0"/>
+              </a:rPr>
+              <a:t>Inoltre, se il premio è stato vinto, il pulsante “</a:t>
             </a:r>
             <a:r>
               <a:rPr lang="it-IT" sz="2000" dirty="0" err="1" smtClean="0">
                 <a:latin typeface="Times New Roman" panose="02020603050405020304" pitchFamily="18" charset="0"/>
                 <a:cs typeface="Times New Roman" panose="02020603050405020304" pitchFamily="18" charset="0"/>
               </a:rPr>
-              <a:t>Defeat</a:t>
-            </a:r>
-            <a:r>
-              <a:rPr lang="it-IT" sz="2000" dirty="0" smtClean="0">
-                <a:latin typeface="Times New Roman" panose="02020603050405020304" pitchFamily="18" charset="0"/>
-                <a:cs typeface="Times New Roman" panose="02020603050405020304" pitchFamily="18" charset="0"/>
-              </a:rPr>
-              <a:t> the </a:t>
+              <a:t>Add</a:t>
+            </a:r>
+            <a:r>
+              <a:rPr lang="it-IT" sz="2000" dirty="0" smtClean="0">
+                <a:latin typeface="Times New Roman" panose="02020603050405020304" pitchFamily="18" charset="0"/>
+                <a:cs typeface="Times New Roman" panose="02020603050405020304" pitchFamily="18" charset="0"/>
+              </a:rPr>
+              <a:t> a </a:t>
             </a:r>
             <a:r>
               <a:rPr lang="it-IT" sz="2000" dirty="0" err="1" smtClean="0">
                 <a:latin typeface="Times New Roman" panose="02020603050405020304" pitchFamily="18" charset="0"/>
                 <a:cs typeface="Times New Roman" panose="02020603050405020304" pitchFamily="18" charset="0"/>
               </a:rPr>
-              <a:t>temptation</a:t>
-            </a:r>
-            <a:r>
-              <a:rPr lang="it-IT" sz="2000" dirty="0" smtClean="0">
-                <a:latin typeface="Times New Roman" panose="02020603050405020304" pitchFamily="18" charset="0"/>
-                <a:cs typeface="Times New Roman" panose="02020603050405020304" pitchFamily="18" charset="0"/>
-              </a:rPr>
-              <a:t>” gettando via la sigaretta (che si suppone sia stata appena accesa). Cliccando su “Yes” si otterrà il premio, mentre il pulsante “No” chiuderà il messaggio di notifica permettendo il completamento dello scenario (5).</a:t>
-            </a:r>
-          </a:p>
-          <a:p>
-            <a:pPr algn="just"/>
-            <a:endParaRPr lang="it-IT" sz="2000" dirty="0">
-              <a:latin typeface="Times New Roman" panose="02020603050405020304" pitchFamily="18" charset="0"/>
-              <a:cs typeface="Times New Roman" panose="02020603050405020304" pitchFamily="18" charset="0"/>
-            </a:endParaRPr>
+              <a:t>cigarette</a:t>
+            </a:r>
+            <a:r>
+              <a:rPr lang="it-IT" sz="2000" dirty="0" smtClean="0">
+                <a:latin typeface="Times New Roman" panose="02020603050405020304" pitchFamily="18" charset="0"/>
+                <a:cs typeface="Times New Roman" panose="02020603050405020304" pitchFamily="18" charset="0"/>
+              </a:rPr>
+              <a:t>”, presente nella schermata Home, cambierà la sua etichetta in “No more </a:t>
+            </a:r>
+            <a:r>
+              <a:rPr lang="it-IT" sz="2000" dirty="0" err="1" smtClean="0">
+                <a:latin typeface="Times New Roman" panose="02020603050405020304" pitchFamily="18" charset="0"/>
+                <a:cs typeface="Times New Roman" panose="02020603050405020304" pitchFamily="18" charset="0"/>
+              </a:rPr>
+              <a:t>adding</a:t>
+            </a:r>
+            <a:r>
+              <a:rPr lang="it-IT" sz="2000" dirty="0" smtClean="0">
+                <a:latin typeface="Times New Roman" panose="02020603050405020304" pitchFamily="18" charset="0"/>
+                <a:cs typeface="Times New Roman" panose="02020603050405020304" pitchFamily="18" charset="0"/>
+              </a:rPr>
+              <a:t> </a:t>
+            </a:r>
+            <a:r>
+              <a:rPr lang="it-IT" sz="2000" dirty="0" err="1" smtClean="0">
+                <a:latin typeface="Times New Roman" panose="02020603050405020304" pitchFamily="18" charset="0"/>
+                <a:cs typeface="Times New Roman" panose="02020603050405020304" pitchFamily="18" charset="0"/>
+              </a:rPr>
+              <a:t>today</a:t>
+            </a:r>
+            <a:r>
+              <a:rPr lang="it-IT" sz="2000" dirty="0" smtClean="0">
+                <a:latin typeface="Times New Roman" panose="02020603050405020304" pitchFamily="18" charset="0"/>
+                <a:cs typeface="Times New Roman" panose="02020603050405020304" pitchFamily="18" charset="0"/>
+              </a:rPr>
+              <a:t>”. Nel caso in cui si decida di cliccarci sopra durante la giornata in corso, verrà notificato che se si intende aggiungere una nuova sigaretta si perderà il premio già vinto. </a:t>
+            </a:r>
           </a:p>
         </p:txBody>
       </p:sp>
@@ -6703,34 +6748,48 @@
           <a:lstStyle/>
           <a:p>
             <a:r>
-              <a:rPr lang="it-IT" sz="2800" b="1" dirty="0">
-                <a:latin typeface="Times New Roman" panose="02020603050405020304" pitchFamily="18" charset="0"/>
-                <a:cs typeface="Times New Roman" panose="02020603050405020304" pitchFamily="18" charset="0"/>
-              </a:rPr>
-              <a:t>User </a:t>
-            </a:r>
-            <a:r>
-              <a:rPr lang="it-IT" sz="2800" b="1" dirty="0" err="1">
-                <a:latin typeface="Times New Roman" panose="02020603050405020304" pitchFamily="18" charset="0"/>
-                <a:cs typeface="Times New Roman" panose="02020603050405020304" pitchFamily="18" charset="0"/>
-              </a:rPr>
-              <a:t>Testing</a:t>
-            </a:r>
-            <a:r>
-              <a:rPr lang="it-IT" sz="2800" b="1" dirty="0">
-                <a:latin typeface="Times New Roman" panose="02020603050405020304" pitchFamily="18" charset="0"/>
-                <a:cs typeface="Times New Roman" panose="02020603050405020304" pitchFamily="18" charset="0"/>
-              </a:rPr>
-              <a:t> Plan </a:t>
+              <a:rPr lang="it-IT" sz="2800" b="1" dirty="0" err="1" smtClean="0">
+                <a:latin typeface="Times New Roman" panose="02020603050405020304" pitchFamily="18" charset="0"/>
+                <a:cs typeface="Times New Roman" panose="02020603050405020304" pitchFamily="18" charset="0"/>
+              </a:rPr>
+              <a:t>User</a:t>
             </a:r>
             <a:r>
               <a:rPr lang="it-IT" sz="2800" b="1" dirty="0" smtClean="0">
                 <a:latin typeface="Times New Roman" panose="02020603050405020304" pitchFamily="18" charset="0"/>
                 <a:cs typeface="Times New Roman" panose="02020603050405020304" pitchFamily="18" charset="0"/>
               </a:rPr>
-              <a:t>(14)</a:t>
-            </a:r>
-            <a:endParaRPr lang="it-IT" sz="2800" dirty="0"/>
+              <a:t> </a:t>
+            </a:r>
+            <a:r>
+              <a:rPr lang="it-IT" sz="2800" b="1" dirty="0" err="1" smtClean="0">
+                <a:latin typeface="Times New Roman" panose="02020603050405020304" pitchFamily="18" charset="0"/>
+                <a:cs typeface="Times New Roman" panose="02020603050405020304" pitchFamily="18" charset="0"/>
+              </a:rPr>
+              <a:t>testing</a:t>
+            </a:r>
+            <a:r>
+              <a:rPr lang="it-IT" sz="2800" b="1" dirty="0" smtClean="0">
+                <a:latin typeface="Times New Roman" panose="02020603050405020304" pitchFamily="18" charset="0"/>
+                <a:cs typeface="Times New Roman" panose="02020603050405020304" pitchFamily="18" charset="0"/>
+              </a:rPr>
+              <a:t> – </a:t>
+            </a:r>
+            <a:r>
+              <a:rPr lang="it-IT" sz="2800" b="1" i="1" dirty="0" err="1" smtClean="0">
+                <a:latin typeface="Times New Roman" panose="02020603050405020304" pitchFamily="18" charset="0"/>
+                <a:cs typeface="Times New Roman" panose="02020603050405020304" pitchFamily="18" charset="0"/>
+              </a:rPr>
+              <a:t>Before</a:t>
+            </a:r>
+            <a:r>
+              <a:rPr lang="it-IT" sz="2800" b="1" i="1" dirty="0" smtClean="0">
+                <a:latin typeface="Times New Roman" panose="02020603050405020304" pitchFamily="18" charset="0"/>
+                <a:cs typeface="Times New Roman" panose="02020603050405020304" pitchFamily="18" charset="0"/>
+              </a:rPr>
+              <a:t> the test</a:t>
+            </a:r>
+            <a:endParaRPr lang="it-IT" sz="2800" i="1" dirty="0"/>
           </a:p>
         </p:txBody>
       </p:sp>
@@ -6753,7 +6812,7 @@
         </p:spPr>
         <p:txBody>
           <a:bodyPr vert="horz" lIns="91440" tIns="45720" rIns="91440" bIns="45720" rtlCol="0">
-            <a:normAutofit lnSpcReduction="10000"/>
+            <a:normAutofit fontScale="77500" lnSpcReduction="20000"/>
           </a:bodyPr>
           <a:lstStyle/>
           <a:p>
@@ -6766,27 +6825,13 @@
               </a:spcBef>
             </a:pPr>
             <a:r>
-              <a:rPr lang="it-IT" sz="2500" b="1" dirty="0" smtClean="0">
-                <a:latin typeface="Times New Roman" panose="02020603050405020304" pitchFamily="18" charset="0"/>
-                <a:cs typeface="Times New Roman" panose="02020603050405020304" pitchFamily="18" charset="0"/>
-              </a:rPr>
-              <a:t>Aspetti dell'</a:t>
-            </a:r>
-            <a:r>
-              <a:rPr lang="it-IT" sz="2500" b="1" dirty="0" err="1" smtClean="0">
-                <a:latin typeface="Times New Roman" panose="02020603050405020304" pitchFamily="18" charset="0"/>
-                <a:cs typeface="Times New Roman" panose="02020603050405020304" pitchFamily="18" charset="0"/>
-              </a:rPr>
-              <a:t>app</a:t>
-            </a:r>
-            <a:r>
-              <a:rPr lang="it-IT" sz="2500" b="1" dirty="0" smtClean="0">
-                <a:latin typeface="Times New Roman" panose="02020603050405020304" pitchFamily="18" charset="0"/>
-                <a:cs typeface="Times New Roman" panose="02020603050405020304" pitchFamily="18" charset="0"/>
-              </a:rPr>
-              <a:t> che saranno testati</a:t>
-            </a:r>
-            <a:endParaRPr lang="it-IT" sz="2500" dirty="0" smtClean="0">
+              <a:rPr lang="it-IT" sz="3200" b="1" dirty="0" smtClean="0">
+                <a:latin typeface="Times New Roman" panose="02020603050405020304" pitchFamily="18" charset="0"/>
+                <a:cs typeface="Times New Roman" panose="02020603050405020304" pitchFamily="18" charset="0"/>
+              </a:rPr>
+              <a:t>Modulo di consenso informato</a:t>
+            </a:r>
+            <a:endParaRPr lang="it-IT" sz="3200" dirty="0" smtClean="0">
               <a:latin typeface="Times New Roman" panose="02020603050405020304" pitchFamily="18" charset="0"/>
               <a:cs typeface="Times New Roman" panose="02020603050405020304" pitchFamily="18" charset="0"/>
             </a:endParaRPr>
@@ -6800,135 +6845,175 @@
           </a:p>
           <a:p>
             <a:pPr algn="just"/>
+            <a:r>
+              <a:rPr lang="it-IT" sz="2600" dirty="0" smtClean="0">
+                <a:latin typeface="Times New Roman" panose="02020603050405020304" pitchFamily="18" charset="0"/>
+                <a:cs typeface="Times New Roman" panose="02020603050405020304" pitchFamily="18" charset="0"/>
+              </a:rPr>
+              <a:t> </a:t>
+            </a:r>
+          </a:p>
+          <a:p>
+            <a:pPr algn="just"/>
+            <a:r>
+              <a:rPr lang="it-IT" sz="2600" dirty="0" smtClean="0">
+                <a:latin typeface="Times New Roman" panose="02020603050405020304" pitchFamily="18" charset="0"/>
+                <a:cs typeface="Times New Roman" panose="02020603050405020304" pitchFamily="18" charset="0"/>
+              </a:rPr>
+              <a:t>TITOLO: Test sull'usabilità dell'applicazione “</a:t>
+            </a:r>
+            <a:r>
+              <a:rPr lang="it-IT" sz="2600" dirty="0" err="1" smtClean="0">
+                <a:latin typeface="Times New Roman" panose="02020603050405020304" pitchFamily="18" charset="0"/>
+                <a:cs typeface="Times New Roman" panose="02020603050405020304" pitchFamily="18" charset="0"/>
+              </a:rPr>
+              <a:t>SmokApp</a:t>
+            </a:r>
+            <a:r>
+              <a:rPr lang="it-IT" sz="2600" dirty="0" smtClean="0">
+                <a:latin typeface="Times New Roman" panose="02020603050405020304" pitchFamily="18" charset="0"/>
+                <a:cs typeface="Times New Roman" panose="02020603050405020304" pitchFamily="18" charset="0"/>
+              </a:rPr>
+              <a:t>”.</a:t>
+            </a:r>
+          </a:p>
+          <a:p>
+            <a:pPr algn="just"/>
+            <a:r>
+              <a:rPr lang="it-IT" sz="2600" dirty="0" smtClean="0">
+                <a:latin typeface="Times New Roman" panose="02020603050405020304" pitchFamily="18" charset="0"/>
+                <a:cs typeface="Times New Roman" panose="02020603050405020304" pitchFamily="18" charset="0"/>
+              </a:rPr>
+              <a:t>DESCRIZIONE: Lo scopo di questo studio sull'usabilità dell'</a:t>
+            </a:r>
+            <a:r>
+              <a:rPr lang="it-IT" sz="2600" dirty="0" err="1" smtClean="0">
+                <a:latin typeface="Times New Roman" panose="02020603050405020304" pitchFamily="18" charset="0"/>
+                <a:cs typeface="Times New Roman" panose="02020603050405020304" pitchFamily="18" charset="0"/>
+              </a:rPr>
+              <a:t>app</a:t>
+            </a:r>
+            <a:r>
+              <a:rPr lang="it-IT" sz="2600" dirty="0" smtClean="0">
+                <a:latin typeface="Times New Roman" panose="02020603050405020304" pitchFamily="18" charset="0"/>
+                <a:cs typeface="Times New Roman" panose="02020603050405020304" pitchFamily="18" charset="0"/>
+              </a:rPr>
+              <a:t> “</a:t>
+            </a:r>
+            <a:r>
+              <a:rPr lang="it-IT" sz="2600" dirty="0" err="1" smtClean="0">
+                <a:latin typeface="Times New Roman" panose="02020603050405020304" pitchFamily="18" charset="0"/>
+                <a:cs typeface="Times New Roman" panose="02020603050405020304" pitchFamily="18" charset="0"/>
+              </a:rPr>
+              <a:t>SmokApp</a:t>
+            </a:r>
+            <a:r>
+              <a:rPr lang="it-IT" sz="2600" dirty="0" smtClean="0">
+                <a:latin typeface="Times New Roman" panose="02020603050405020304" pitchFamily="18" charset="0"/>
+                <a:cs typeface="Times New Roman" panose="02020603050405020304" pitchFamily="18" charset="0"/>
+              </a:rPr>
+              <a:t>” è quello di testare la registrazione di un utente, la selezione di un obiettivo e il suo eventuale raggiungimento.</a:t>
+            </a:r>
+          </a:p>
+          <a:p>
+            <a:pPr algn="just"/>
+            <a:r>
+              <a:rPr lang="it-IT" sz="2600" dirty="0" smtClean="0">
+                <a:latin typeface="Times New Roman" panose="02020603050405020304" pitchFamily="18" charset="0"/>
+                <a:cs typeface="Times New Roman" panose="02020603050405020304" pitchFamily="18" charset="0"/>
+              </a:rPr>
+              <a:t>TEMPO NECESSARIO: La partecipazione richiederà circa 20/30 minuti del tuo tempo.</a:t>
+            </a:r>
+          </a:p>
+          <a:p>
+            <a:pPr algn="just"/>
+            <a:r>
+              <a:rPr lang="it-IT" sz="2600" dirty="0" smtClean="0">
+                <a:latin typeface="Times New Roman" panose="02020603050405020304" pitchFamily="18" charset="0"/>
+                <a:cs typeface="Times New Roman" panose="02020603050405020304" pitchFamily="18" charset="0"/>
+              </a:rPr>
+              <a:t>PAGAMENTI: A seguito di questa partecipazione non è prevista la fruizione di nessun corrispettivo in denaro.</a:t>
+            </a:r>
+          </a:p>
+          <a:p>
+            <a:pPr algn="just"/>
+            <a:r>
+              <a:rPr lang="it-IT" sz="2600" dirty="0" smtClean="0">
+                <a:latin typeface="Times New Roman" panose="02020603050405020304" pitchFamily="18" charset="0"/>
+                <a:cs typeface="Times New Roman" panose="02020603050405020304" pitchFamily="18" charset="0"/>
+              </a:rPr>
+              <a:t>DIRITTI: Presa visione di quanto scritto qui sopra, se si intende partecipare a questo progetto, sottoscriva la sua partecipazione apponendo una firma per il suo consenso.</a:t>
+            </a:r>
+          </a:p>
+          <a:p>
+            <a:pPr algn="just"/>
+            <a:r>
+              <a:rPr lang="it-IT" sz="2400" dirty="0" smtClean="0">
+                <a:latin typeface="Times New Roman" panose="02020603050405020304" pitchFamily="18" charset="0"/>
+                <a:cs typeface="Times New Roman" panose="02020603050405020304" pitchFamily="18" charset="0"/>
+              </a:rPr>
+              <a:t> </a:t>
+            </a:r>
+          </a:p>
+          <a:p>
+            <a:pPr algn="just"/>
+            <a:r>
+              <a:rPr lang="it-IT" sz="2600" dirty="0" err="1" smtClean="0">
+                <a:latin typeface="Times New Roman" panose="02020603050405020304" pitchFamily="18" charset="0"/>
+                <a:cs typeface="Times New Roman" panose="02020603050405020304" pitchFamily="18" charset="0"/>
+              </a:rPr>
+              <a:t>N.B</a:t>
+            </a:r>
+            <a:r>
+              <a:rPr lang="it-IT" sz="2600" dirty="0" smtClean="0">
+                <a:latin typeface="Times New Roman" panose="02020603050405020304" pitchFamily="18" charset="0"/>
+                <a:cs typeface="Times New Roman" panose="02020603050405020304" pitchFamily="18" charset="0"/>
+              </a:rPr>
+              <a:t>: Non è obbligatorio rispondere a tutte le domande.</a:t>
+            </a:r>
+          </a:p>
+          <a:p>
+            <a:pPr algn="just"/>
+            <a:r>
+              <a:rPr lang="it-IT" sz="2400" dirty="0" smtClean="0">
+                <a:latin typeface="Times New Roman" panose="02020603050405020304" pitchFamily="18" charset="0"/>
+                <a:cs typeface="Times New Roman" panose="02020603050405020304" pitchFamily="18" charset="0"/>
+              </a:rPr>
+              <a:t> </a:t>
+            </a:r>
+          </a:p>
+          <a:p>
+            <a:pPr algn="just"/>
+            <a:r>
+              <a:rPr lang="it-IT" sz="2600" dirty="0" smtClean="0">
+                <a:latin typeface="Times New Roman" panose="02020603050405020304" pitchFamily="18" charset="0"/>
+                <a:cs typeface="Times New Roman" panose="02020603050405020304" pitchFamily="18" charset="0"/>
+              </a:rPr>
+              <a:t>DATA:                                                                                            FIRMA: </a:t>
+            </a:r>
+          </a:p>
+          <a:p>
+            <a:pPr algn="just"/>
+            <a:r>
+              <a:rPr lang="it-IT" sz="2400" dirty="0" smtClean="0">
+                <a:latin typeface="Times New Roman" panose="02020603050405020304" pitchFamily="18" charset="0"/>
+                <a:cs typeface="Times New Roman" panose="02020603050405020304" pitchFamily="18" charset="0"/>
+              </a:rPr>
+              <a:t>………….…............................... 	            …...................................................</a:t>
+            </a:r>
+          </a:p>
+          <a:p>
+            <a:r>
+              <a:rPr lang="it-IT" sz="2400" dirty="0" smtClean="0"/>
+              <a:t> </a:t>
+            </a:r>
+          </a:p>
+          <a:p>
+            <a:pPr algn="just"/>
             <a:endParaRPr lang="it-IT" sz="2000" b="1" dirty="0" smtClean="0">
               <a:latin typeface="Times New Roman" panose="02020603050405020304" pitchFamily="18" charset="0"/>
               <a:cs typeface="Times New Roman" panose="02020603050405020304" pitchFamily="18" charset="0"/>
             </a:endParaRPr>
-          </a:p>
-          <a:p>
-            <a:pPr algn="just"/>
-            <a:r>
-              <a:rPr lang="it-IT" sz="2000" b="1" dirty="0" smtClean="0">
-                <a:latin typeface="Times New Roman" panose="02020603050405020304" pitchFamily="18" charset="0"/>
-                <a:cs typeface="Times New Roman" panose="02020603050405020304" pitchFamily="18" charset="0"/>
-              </a:rPr>
-              <a:t>5.2 Vincere il trofeo “</a:t>
-            </a:r>
-            <a:r>
-              <a:rPr lang="it-IT" sz="2000" b="1" dirty="0" err="1" smtClean="0">
-                <a:latin typeface="Times New Roman" panose="02020603050405020304" pitchFamily="18" charset="0"/>
-                <a:cs typeface="Times New Roman" panose="02020603050405020304" pitchFamily="18" charset="0"/>
-              </a:rPr>
-              <a:t>Only</a:t>
-            </a:r>
-            <a:r>
-              <a:rPr lang="it-IT" sz="2000" b="1" dirty="0" smtClean="0">
-                <a:latin typeface="Times New Roman" panose="02020603050405020304" pitchFamily="18" charset="0"/>
-                <a:cs typeface="Times New Roman" panose="02020603050405020304" pitchFamily="18" charset="0"/>
-              </a:rPr>
-              <a:t> 10 </a:t>
-            </a:r>
-            <a:r>
-              <a:rPr lang="it-IT" sz="2000" b="1" dirty="0" err="1" smtClean="0">
-                <a:latin typeface="Times New Roman" panose="02020603050405020304" pitchFamily="18" charset="0"/>
-                <a:cs typeface="Times New Roman" panose="02020603050405020304" pitchFamily="18" charset="0"/>
-              </a:rPr>
-              <a:t>cigarettes</a:t>
-            </a:r>
-            <a:r>
-              <a:rPr lang="it-IT" sz="2000" b="1" dirty="0" smtClean="0">
-                <a:latin typeface="Times New Roman" panose="02020603050405020304" pitchFamily="18" charset="0"/>
-                <a:cs typeface="Times New Roman" panose="02020603050405020304" pitchFamily="18" charset="0"/>
-              </a:rPr>
-              <a:t> </a:t>
-            </a:r>
-            <a:r>
-              <a:rPr lang="it-IT" sz="2000" b="1" dirty="0" err="1" smtClean="0">
-                <a:latin typeface="Times New Roman" panose="02020603050405020304" pitchFamily="18" charset="0"/>
-                <a:cs typeface="Times New Roman" panose="02020603050405020304" pitchFamily="18" charset="0"/>
-              </a:rPr>
-              <a:t>smoked</a:t>
-            </a:r>
-            <a:r>
-              <a:rPr lang="it-IT" sz="2000" b="1" dirty="0" smtClean="0">
-                <a:latin typeface="Times New Roman" panose="02020603050405020304" pitchFamily="18" charset="0"/>
-                <a:cs typeface="Times New Roman" panose="02020603050405020304" pitchFamily="18" charset="0"/>
-              </a:rPr>
-              <a:t>”. </a:t>
-            </a:r>
-            <a:r>
-              <a:rPr lang="it-IT" sz="2000" dirty="0" smtClean="0">
-                <a:latin typeface="Times New Roman" panose="02020603050405020304" pitchFamily="18" charset="0"/>
-                <a:cs typeface="Times New Roman" panose="02020603050405020304" pitchFamily="18" charset="0"/>
-              </a:rPr>
-              <a:t>È possibile sbloccare questo scenario nel momento in cui è stato precedentemente selezionato il relativo obiettivo. In questo caso quando l’utente deciderà di accendere l’undicesima sigaretta lo scenario (5) verrà interrotto dalla visualizzazione di un messaggio che permetterà di scegliere se vincere il trofeo oppure continuare a fumare. Se si sceglie di eliminare l’undicesima sigaretta, cliccando “Yes”, si ottiene il premio, in caso contrario, cliccando “No”, si ritornerà allo scenario di partenza (5), in cui verrà visualizzato il nuovo incremento delle sigarette fumate.</a:t>
-            </a:r>
-          </a:p>
-          <a:p>
-            <a:pPr algn="just"/>
-            <a:r>
-              <a:rPr lang="it-IT" sz="2000" dirty="0" smtClean="0">
-                <a:latin typeface="Times New Roman" panose="02020603050405020304" pitchFamily="18" charset="0"/>
-                <a:cs typeface="Times New Roman" panose="02020603050405020304" pitchFamily="18" charset="0"/>
-              </a:rPr>
-              <a:t>Inoltre, se il premio è stato vinto, il pulsante “</a:t>
-            </a:r>
-            <a:r>
-              <a:rPr lang="it-IT" sz="2000" dirty="0" err="1" smtClean="0">
-                <a:latin typeface="Times New Roman" panose="02020603050405020304" pitchFamily="18" charset="0"/>
-                <a:cs typeface="Times New Roman" panose="02020603050405020304" pitchFamily="18" charset="0"/>
-              </a:rPr>
-              <a:t>Add</a:t>
-            </a:r>
-            <a:r>
-              <a:rPr lang="it-IT" sz="2000" dirty="0" smtClean="0">
-                <a:latin typeface="Times New Roman" panose="02020603050405020304" pitchFamily="18" charset="0"/>
-                <a:cs typeface="Times New Roman" panose="02020603050405020304" pitchFamily="18" charset="0"/>
-              </a:rPr>
-              <a:t> a </a:t>
-            </a:r>
-            <a:r>
-              <a:rPr lang="it-IT" sz="2000" dirty="0" err="1" smtClean="0">
-                <a:latin typeface="Times New Roman" panose="02020603050405020304" pitchFamily="18" charset="0"/>
-                <a:cs typeface="Times New Roman" panose="02020603050405020304" pitchFamily="18" charset="0"/>
-              </a:rPr>
-              <a:t>cigarette</a:t>
-            </a:r>
-            <a:r>
-              <a:rPr lang="it-IT" sz="2000" dirty="0" smtClean="0">
-                <a:latin typeface="Times New Roman" panose="02020603050405020304" pitchFamily="18" charset="0"/>
-                <a:cs typeface="Times New Roman" panose="02020603050405020304" pitchFamily="18" charset="0"/>
-              </a:rPr>
-              <a:t>”, presente nella schermata Home, cambierà la sua etichetta in “No more </a:t>
-            </a:r>
-            <a:r>
-              <a:rPr lang="it-IT" sz="2000" dirty="0" err="1" smtClean="0">
-                <a:latin typeface="Times New Roman" panose="02020603050405020304" pitchFamily="18" charset="0"/>
-                <a:cs typeface="Times New Roman" panose="02020603050405020304" pitchFamily="18" charset="0"/>
-              </a:rPr>
-              <a:t>adding</a:t>
-            </a:r>
-            <a:r>
-              <a:rPr lang="it-IT" sz="2000" dirty="0" smtClean="0">
-                <a:latin typeface="Times New Roman" panose="02020603050405020304" pitchFamily="18" charset="0"/>
-                <a:cs typeface="Times New Roman" panose="02020603050405020304" pitchFamily="18" charset="0"/>
-              </a:rPr>
-              <a:t> </a:t>
-            </a:r>
-            <a:r>
-              <a:rPr lang="it-IT" sz="2000" dirty="0" err="1" smtClean="0">
-                <a:latin typeface="Times New Roman" panose="02020603050405020304" pitchFamily="18" charset="0"/>
-                <a:cs typeface="Times New Roman" panose="02020603050405020304" pitchFamily="18" charset="0"/>
-              </a:rPr>
-              <a:t>today</a:t>
-            </a:r>
-            <a:r>
-              <a:rPr lang="it-IT" sz="2000" dirty="0" smtClean="0">
-                <a:latin typeface="Times New Roman" panose="02020603050405020304" pitchFamily="18" charset="0"/>
-                <a:cs typeface="Times New Roman" panose="02020603050405020304" pitchFamily="18" charset="0"/>
-              </a:rPr>
-              <a:t>”. Nel caso in cui si decida di cliccarci sopra durante la giornata in corso, verrà notificato che se si intende aggiungere una nuova sigaretta si perderà il premio già vinto. </a:t>
-            </a:r>
           </a:p>
         </p:txBody>
       </p:sp>
@@ -7296,7 +7381,7 @@
         </p:spPr>
         <p:txBody>
           <a:bodyPr vert="horz" lIns="91440" tIns="45720" rIns="91440" bIns="45720" rtlCol="0">
-            <a:normAutofit fontScale="77500" lnSpcReduction="20000"/>
+            <a:normAutofit fontScale="92500" lnSpcReduction="20000"/>
           </a:bodyPr>
           <a:lstStyle/>
           <a:p>
@@ -7309,13 +7394,13 @@
               </a:spcBef>
             </a:pPr>
             <a:r>
-              <a:rPr lang="it-IT" sz="3200" b="1" dirty="0" smtClean="0">
-                <a:latin typeface="Times New Roman" panose="02020603050405020304" pitchFamily="18" charset="0"/>
-                <a:cs typeface="Times New Roman" panose="02020603050405020304" pitchFamily="18" charset="0"/>
-              </a:rPr>
-              <a:t>Modulo di consenso informato</a:t>
-            </a:r>
-            <a:endParaRPr lang="it-IT" sz="3200" dirty="0" smtClean="0">
+              <a:rPr lang="it-IT" sz="2700" b="1" dirty="0" smtClean="0">
+                <a:latin typeface="Times New Roman" panose="02020603050405020304" pitchFamily="18" charset="0"/>
+                <a:cs typeface="Times New Roman" panose="02020603050405020304" pitchFamily="18" charset="0"/>
+              </a:rPr>
+              <a:t>Questionario demografico</a:t>
+            </a:r>
+            <a:endParaRPr lang="it-IT" sz="2700" dirty="0" smtClean="0">
               <a:latin typeface="Times New Roman" panose="02020603050405020304" pitchFamily="18" charset="0"/>
               <a:cs typeface="Times New Roman" panose="02020603050405020304" pitchFamily="18" charset="0"/>
             </a:endParaRPr>
@@ -7328,7 +7413,6 @@
             </a:endParaRPr>
           </a:p>
           <a:p>
-            <a:pPr algn="just"/>
             <a:r>
               <a:rPr lang="it-IT" sz="2600" dirty="0" smtClean="0">
                 <a:latin typeface="Times New Roman" panose="02020603050405020304" pitchFamily="18" charset="0"/>
@@ -7338,101 +7422,17 @@
             </a:r>
           </a:p>
           <a:p>
-            <a:pPr algn="just"/>
-            <a:r>
-              <a:rPr lang="it-IT" sz="2600" dirty="0" smtClean="0">
-                <a:latin typeface="Times New Roman" panose="02020603050405020304" pitchFamily="18" charset="0"/>
-                <a:cs typeface="Times New Roman" panose="02020603050405020304" pitchFamily="18" charset="0"/>
-              </a:rPr>
-              <a:t>TITOLO: Test sull'usabilità dell'applicazione “</a:t>
-            </a:r>
-            <a:r>
-              <a:rPr lang="it-IT" sz="2600" dirty="0" err="1" smtClean="0">
-                <a:latin typeface="Times New Roman" panose="02020603050405020304" pitchFamily="18" charset="0"/>
-                <a:cs typeface="Times New Roman" panose="02020603050405020304" pitchFamily="18" charset="0"/>
-              </a:rPr>
-              <a:t>SmokApp</a:t>
-            </a:r>
-            <a:r>
-              <a:rPr lang="it-IT" sz="2600" dirty="0" smtClean="0">
-                <a:latin typeface="Times New Roman" panose="02020603050405020304" pitchFamily="18" charset="0"/>
-                <a:cs typeface="Times New Roman" panose="02020603050405020304" pitchFamily="18" charset="0"/>
-              </a:rPr>
-              <a:t>”.</a:t>
-            </a:r>
-          </a:p>
-          <a:p>
-            <a:pPr algn="just"/>
-            <a:r>
-              <a:rPr lang="it-IT" sz="2600" dirty="0" smtClean="0">
-                <a:latin typeface="Times New Roman" panose="02020603050405020304" pitchFamily="18" charset="0"/>
-                <a:cs typeface="Times New Roman" panose="02020603050405020304" pitchFamily="18" charset="0"/>
-              </a:rPr>
-              <a:t>DESCRIZIONE: Lo scopo di questo studio sull'usabilità dell'</a:t>
-            </a:r>
-            <a:r>
-              <a:rPr lang="it-IT" sz="2600" dirty="0" err="1" smtClean="0">
-                <a:latin typeface="Times New Roman" panose="02020603050405020304" pitchFamily="18" charset="0"/>
-                <a:cs typeface="Times New Roman" panose="02020603050405020304" pitchFamily="18" charset="0"/>
-              </a:rPr>
-              <a:t>app</a:t>
-            </a:r>
-            <a:r>
-              <a:rPr lang="it-IT" sz="2600" dirty="0" smtClean="0">
-                <a:latin typeface="Times New Roman" panose="02020603050405020304" pitchFamily="18" charset="0"/>
-                <a:cs typeface="Times New Roman" panose="02020603050405020304" pitchFamily="18" charset="0"/>
-              </a:rPr>
-              <a:t> “</a:t>
-            </a:r>
-            <a:r>
-              <a:rPr lang="it-IT" sz="2600" dirty="0" err="1" smtClean="0">
-                <a:latin typeface="Times New Roman" panose="02020603050405020304" pitchFamily="18" charset="0"/>
-                <a:cs typeface="Times New Roman" panose="02020603050405020304" pitchFamily="18" charset="0"/>
-              </a:rPr>
-              <a:t>SmokApp</a:t>
-            </a:r>
-            <a:r>
-              <a:rPr lang="it-IT" sz="2600" dirty="0" smtClean="0">
-                <a:latin typeface="Times New Roman" panose="02020603050405020304" pitchFamily="18" charset="0"/>
-                <a:cs typeface="Times New Roman" panose="02020603050405020304" pitchFamily="18" charset="0"/>
-              </a:rPr>
-              <a:t>” è quello di testare la registrazione di un utente, la selezione di un obiettivo e il suo eventuale raggiungimento.</a:t>
-            </a:r>
-          </a:p>
-          <a:p>
-            <a:pPr algn="just"/>
-            <a:r>
-              <a:rPr lang="it-IT" sz="2600" dirty="0" smtClean="0">
-                <a:latin typeface="Times New Roman" panose="02020603050405020304" pitchFamily="18" charset="0"/>
-                <a:cs typeface="Times New Roman" panose="02020603050405020304" pitchFamily="18" charset="0"/>
-              </a:rPr>
-              <a:t>TEMPO NECESSARIO: La partecipazione richiederà circa 20/30 minuti del tuo tempo.</a:t>
-            </a:r>
-          </a:p>
-          <a:p>
-            <a:pPr algn="just"/>
-            <a:r>
-              <a:rPr lang="it-IT" sz="2600" dirty="0" smtClean="0">
-                <a:latin typeface="Times New Roman" panose="02020603050405020304" pitchFamily="18" charset="0"/>
-                <a:cs typeface="Times New Roman" panose="02020603050405020304" pitchFamily="18" charset="0"/>
-              </a:rPr>
-              <a:t>PAGAMENTI: A seguito di questa partecipazione non è prevista la fruizione di nessun corrispettivo in denaro.</a:t>
-            </a:r>
-          </a:p>
-          <a:p>
-            <a:pPr algn="just"/>
-            <a:r>
-              <a:rPr lang="it-IT" sz="2600" dirty="0" smtClean="0">
-                <a:latin typeface="Times New Roman" panose="02020603050405020304" pitchFamily="18" charset="0"/>
-                <a:cs typeface="Times New Roman" panose="02020603050405020304" pitchFamily="18" charset="0"/>
-              </a:rPr>
-              <a:t>DIRITTI: Presa visione di quanto scritto qui sopra, se si intende partecipare a questo progetto, sottoscriva la sua partecipazione apponendo una firma per il suo consenso.</a:t>
-            </a:r>
-          </a:p>
-          <a:p>
-            <a:pPr algn="just"/>
-            <a:r>
-              <a:rPr lang="it-IT" sz="2400" dirty="0" smtClean="0">
+            <a:r>
+              <a:rPr lang="it-IT" sz="2200" dirty="0" smtClean="0">
+                <a:latin typeface="Times New Roman" panose="02020603050405020304" pitchFamily="18" charset="0"/>
+                <a:cs typeface="Times New Roman" panose="02020603050405020304" pitchFamily="18" charset="0"/>
+              </a:rPr>
+              <a:t>Nome: ..................................................................</a:t>
+            </a:r>
+          </a:p>
+          <a:p>
+            <a:r>
+              <a:rPr lang="it-IT" sz="2200" dirty="0" smtClean="0">
                 <a:latin typeface="Times New Roman" panose="02020603050405020304" pitchFamily="18" charset="0"/>
                 <a:cs typeface="Times New Roman" panose="02020603050405020304" pitchFamily="18" charset="0"/>
               </a:rPr>
@@ -7440,26 +7440,28 @@
             </a:r>
           </a:p>
           <a:p>
-            <a:pPr algn="just"/>
-            <a:r>
-              <a:rPr lang="it-IT" sz="2600" dirty="0" err="1" smtClean="0">
-                <a:latin typeface="Times New Roman" panose="02020603050405020304" pitchFamily="18" charset="0"/>
-                <a:cs typeface="Times New Roman" panose="02020603050405020304" pitchFamily="18" charset="0"/>
-              </a:rPr>
-              <a:t>N.B</a:t>
-            </a:r>
-            <a:r>
-              <a:rPr lang="it-IT" sz="2600" dirty="0" smtClean="0">
-                <a:latin typeface="Times New Roman" panose="02020603050405020304" pitchFamily="18" charset="0"/>
-                <a:cs typeface="Times New Roman" panose="02020603050405020304" pitchFamily="18" charset="0"/>
-              </a:rPr>
-              <a:t>: Non è obbligatorio rispondere a tutte le domande.</a:t>
-            </a:r>
-          </a:p>
-          <a:p>
-            <a:pPr algn="just"/>
-            <a:r>
-              <a:rPr lang="it-IT" sz="2400" dirty="0" smtClean="0">
+            <a:r>
+              <a:rPr lang="it-IT" sz="2200" dirty="0" smtClean="0">
+                <a:latin typeface="Times New Roman" panose="02020603050405020304" pitchFamily="18" charset="0"/>
+                <a:cs typeface="Times New Roman" panose="02020603050405020304" pitchFamily="18" charset="0"/>
+              </a:rPr>
+              <a:t>Cognome: </a:t>
+            </a:r>
+            <a:r>
+              <a:rPr lang="it-IT" sz="2200" dirty="0" err="1" smtClean="0">
+                <a:latin typeface="Times New Roman" panose="02020603050405020304" pitchFamily="18" charset="0"/>
+                <a:cs typeface="Times New Roman" panose="02020603050405020304" pitchFamily="18" charset="0"/>
+              </a:rPr>
+              <a:t>………………………………………</a:t>
+            </a:r>
+            <a:endParaRPr lang="it-IT" sz="2200" dirty="0" smtClean="0">
+              <a:latin typeface="Times New Roman" panose="02020603050405020304" pitchFamily="18" charset="0"/>
+              <a:cs typeface="Times New Roman" panose="02020603050405020304" pitchFamily="18" charset="0"/>
+            </a:endParaRPr>
+          </a:p>
+          <a:p>
+            <a:r>
+              <a:rPr lang="it-IT" sz="2200" dirty="0" smtClean="0">
                 <a:latin typeface="Times New Roman" panose="02020603050405020304" pitchFamily="18" charset="0"/>
                 <a:cs typeface="Times New Roman" panose="02020603050405020304" pitchFamily="18" charset="0"/>
               </a:rPr>
@@ -7467,29 +7469,125 @@
             </a:r>
           </a:p>
           <a:p>
-            <a:pPr algn="just"/>
-            <a:r>
-              <a:rPr lang="it-IT" sz="2600" dirty="0" smtClean="0">
-                <a:latin typeface="Times New Roman" panose="02020603050405020304" pitchFamily="18" charset="0"/>
-                <a:cs typeface="Times New Roman" panose="02020603050405020304" pitchFamily="18" charset="0"/>
-              </a:rPr>
-              <a:t>DATA:                                                                                            FIRMA: </a:t>
-            </a:r>
-          </a:p>
-          <a:p>
-            <a:pPr algn="just"/>
-            <a:r>
-              <a:rPr lang="it-IT" sz="2400" dirty="0" smtClean="0">
-                <a:latin typeface="Times New Roman" panose="02020603050405020304" pitchFamily="18" charset="0"/>
-                <a:cs typeface="Times New Roman" panose="02020603050405020304" pitchFamily="18" charset="0"/>
-              </a:rPr>
-              <a:t>………….…............................... 	            …...................................................</a:t>
-            </a:r>
-          </a:p>
-          <a:p>
-            <a:r>
-              <a:rPr lang="it-IT" sz="2400" dirty="0" smtClean="0"/>
+            <a:r>
+              <a:rPr lang="it-IT" sz="2200" dirty="0" smtClean="0">
+                <a:latin typeface="Times New Roman" panose="02020603050405020304" pitchFamily="18" charset="0"/>
+                <a:cs typeface="Times New Roman" panose="02020603050405020304" pitchFamily="18" charset="0"/>
+              </a:rPr>
+              <a:t>Genere:</a:t>
+            </a:r>
+          </a:p>
+          <a:p>
+            <a:r>
+              <a:rPr lang="it-IT" sz="2200" dirty="0" smtClean="0">
+                <a:latin typeface="Times New Roman" panose="02020603050405020304" pitchFamily="18" charset="0"/>
+                <a:cs typeface="Times New Roman" panose="02020603050405020304" pitchFamily="18" charset="0"/>
+              </a:rPr>
+              <a:t>___ Maschio</a:t>
+            </a:r>
+          </a:p>
+          <a:p>
+            <a:r>
+              <a:rPr lang="it-IT" sz="2200" dirty="0" smtClean="0">
+                <a:latin typeface="Times New Roman" panose="02020603050405020304" pitchFamily="18" charset="0"/>
+                <a:cs typeface="Times New Roman" panose="02020603050405020304" pitchFamily="18" charset="0"/>
+              </a:rPr>
+              <a:t>___ Femmina</a:t>
+            </a:r>
+          </a:p>
+          <a:p>
+            <a:r>
+              <a:rPr lang="it-IT" sz="2200" dirty="0" smtClean="0">
+                <a:latin typeface="Times New Roman" panose="02020603050405020304" pitchFamily="18" charset="0"/>
+                <a:cs typeface="Times New Roman" panose="02020603050405020304" pitchFamily="18" charset="0"/>
+              </a:rPr>
               <a:t> </a:t>
+            </a:r>
+          </a:p>
+          <a:p>
+            <a:r>
+              <a:rPr lang="it-IT" sz="2200" dirty="0" smtClean="0">
+                <a:latin typeface="Times New Roman" panose="02020603050405020304" pitchFamily="18" charset="0"/>
+                <a:cs typeface="Times New Roman" panose="02020603050405020304" pitchFamily="18" charset="0"/>
+              </a:rPr>
+              <a:t>A quale fascia di età appartieni?</a:t>
+            </a:r>
+          </a:p>
+          <a:p>
+            <a:r>
+              <a:rPr lang="it-IT" sz="2200" dirty="0" smtClean="0">
+                <a:latin typeface="Times New Roman" panose="02020603050405020304" pitchFamily="18" charset="0"/>
+                <a:cs typeface="Times New Roman" panose="02020603050405020304" pitchFamily="18" charset="0"/>
+              </a:rPr>
+              <a:t>___ Sotto i 25</a:t>
+            </a:r>
+          </a:p>
+          <a:p>
+            <a:r>
+              <a:rPr lang="it-IT" sz="2200" dirty="0" smtClean="0">
+                <a:latin typeface="Times New Roman" panose="02020603050405020304" pitchFamily="18" charset="0"/>
+                <a:cs typeface="Times New Roman" panose="02020603050405020304" pitchFamily="18" charset="0"/>
+              </a:rPr>
+              <a:t>___ 26 - 35</a:t>
+            </a:r>
+          </a:p>
+          <a:p>
+            <a:r>
+              <a:rPr lang="it-IT" sz="2200" dirty="0" smtClean="0">
+                <a:latin typeface="Times New Roman" panose="02020603050405020304" pitchFamily="18" charset="0"/>
+                <a:cs typeface="Times New Roman" panose="02020603050405020304" pitchFamily="18" charset="0"/>
+              </a:rPr>
+              <a:t>___ 36 - 45</a:t>
+            </a:r>
+          </a:p>
+          <a:p>
+            <a:r>
+              <a:rPr lang="it-IT" sz="2200" dirty="0" smtClean="0">
+                <a:latin typeface="Times New Roman" panose="02020603050405020304" pitchFamily="18" charset="0"/>
+                <a:cs typeface="Times New Roman" panose="02020603050405020304" pitchFamily="18" charset="0"/>
+              </a:rPr>
+              <a:t>___ 46 - 55</a:t>
+            </a:r>
+          </a:p>
+          <a:p>
+            <a:r>
+              <a:rPr lang="it-IT" sz="2200" dirty="0" smtClean="0">
+                <a:latin typeface="Times New Roman" panose="02020603050405020304" pitchFamily="18" charset="0"/>
+                <a:cs typeface="Times New Roman" panose="02020603050405020304" pitchFamily="18" charset="0"/>
+              </a:rPr>
+              <a:t>___ Sopra i 55</a:t>
+            </a:r>
+          </a:p>
+          <a:p>
+            <a:r>
+              <a:rPr lang="it-IT" sz="2200" dirty="0" smtClean="0">
+                <a:latin typeface="Times New Roman" panose="02020603050405020304" pitchFamily="18" charset="0"/>
+                <a:cs typeface="Times New Roman" panose="02020603050405020304" pitchFamily="18" charset="0"/>
+              </a:rPr>
+              <a:t> </a:t>
+            </a:r>
+          </a:p>
+          <a:p>
+            <a:r>
+              <a:rPr lang="it-IT" sz="2200" dirty="0" smtClean="0">
+                <a:latin typeface="Times New Roman" panose="02020603050405020304" pitchFamily="18" charset="0"/>
+                <a:cs typeface="Times New Roman" panose="02020603050405020304" pitchFamily="18" charset="0"/>
+              </a:rPr>
+              <a:t>Professione: </a:t>
+            </a:r>
+            <a:r>
+              <a:rPr lang="it-IT" sz="2200" dirty="0" err="1" smtClean="0">
+                <a:latin typeface="Times New Roman" panose="02020603050405020304" pitchFamily="18" charset="0"/>
+                <a:cs typeface="Times New Roman" panose="02020603050405020304" pitchFamily="18" charset="0"/>
+              </a:rPr>
+              <a:t>……………………………………</a:t>
+            </a:r>
+            <a:r>
+              <a:rPr lang="it-IT" sz="2200" dirty="0" smtClean="0">
+                <a:latin typeface="Times New Roman" panose="02020603050405020304" pitchFamily="18" charset="0"/>
+                <a:cs typeface="Times New Roman" panose="02020603050405020304" pitchFamily="18" charset="0"/>
+              </a:rPr>
+              <a:t>.</a:t>
             </a:r>
           </a:p>
           <a:p>
@@ -7609,8 +7707,8 @@
         </p:nvSpPr>
         <p:spPr>
           <a:xfrm>
-            <a:off x="628650" y="1293223"/>
-            <a:ext cx="7886700" cy="5262122"/>
+            <a:off x="628650" y="1254034"/>
+            <a:ext cx="7886700" cy="5301311"/>
           </a:xfrm>
           <a:prstGeom prst="rect">
             <a:avLst/>
@@ -7618,7 +7716,7 @@
         </p:spPr>
         <p:txBody>
           <a:bodyPr vert="horz" lIns="91440" tIns="45720" rIns="91440" bIns="45720" rtlCol="0">
-            <a:normAutofit fontScale="92500" lnSpcReduction="20000"/>
+            <a:normAutofit/>
           </a:bodyPr>
           <a:lstStyle/>
           <a:p>
@@ -7631,13 +7729,13 @@
               </a:spcBef>
             </a:pPr>
             <a:r>
-              <a:rPr lang="it-IT" sz="2700" b="1" dirty="0" smtClean="0">
+              <a:rPr lang="it-IT" sz="2500" b="1" dirty="0" smtClean="0">
                 <a:latin typeface="Times New Roman" panose="02020603050405020304" pitchFamily="18" charset="0"/>
                 <a:cs typeface="Times New Roman" panose="02020603050405020304" pitchFamily="18" charset="0"/>
               </a:rPr>
               <a:t>Questionario demografico</a:t>
             </a:r>
-            <a:endParaRPr lang="it-IT" sz="2700" dirty="0" smtClean="0">
+            <a:endParaRPr lang="it-IT" sz="2500" dirty="0" smtClean="0">
               <a:latin typeface="Times New Roman" panose="02020603050405020304" pitchFamily="18" charset="0"/>
               <a:cs typeface="Times New Roman" panose="02020603050405020304" pitchFamily="18" charset="0"/>
             </a:endParaRPr>
@@ -7651,25 +7749,40 @@
           </a:p>
           <a:p>
             <a:r>
-              <a:rPr lang="it-IT" sz="2600" dirty="0" smtClean="0">
-                <a:latin typeface="Times New Roman" panose="02020603050405020304" pitchFamily="18" charset="0"/>
-                <a:cs typeface="Times New Roman" panose="02020603050405020304" pitchFamily="18" charset="0"/>
-              </a:rPr>
+              <a:rPr lang="it-IT" sz="2600" dirty="0" smtClean="0"/>
               <a:t> </a:t>
             </a:r>
           </a:p>
           <a:p>
             <a:r>
-              <a:rPr lang="it-IT" sz="2200" dirty="0" smtClean="0">
-                <a:latin typeface="Times New Roman" panose="02020603050405020304" pitchFamily="18" charset="0"/>
-                <a:cs typeface="Times New Roman" panose="02020603050405020304" pitchFamily="18" charset="0"/>
-              </a:rPr>
-              <a:t>Nome: ..................................................................</a:t>
-            </a:r>
-          </a:p>
-          <a:p>
-            <a:r>
-              <a:rPr lang="it-IT" sz="2200" dirty="0" smtClean="0">
+              <a:rPr lang="it-IT" sz="2000" dirty="0" smtClean="0">
+                <a:latin typeface="Times New Roman" panose="02020603050405020304" pitchFamily="18" charset="0"/>
+                <a:cs typeface="Times New Roman" panose="02020603050405020304" pitchFamily="18" charset="0"/>
+              </a:rPr>
+              <a:t>Sei un/a fumatore/fumatrice?</a:t>
+            </a:r>
+          </a:p>
+          <a:p>
+            <a:r>
+              <a:rPr lang="it-IT" sz="2000" dirty="0" smtClean="0">
+                <a:latin typeface="Times New Roman" panose="02020603050405020304" pitchFamily="18" charset="0"/>
+                <a:cs typeface="Times New Roman" panose="02020603050405020304" pitchFamily="18" charset="0"/>
+              </a:rPr>
+              <a:t>___ Sì</a:t>
+            </a:r>
+          </a:p>
+          <a:p>
+            <a:r>
+              <a:rPr lang="it-IT" sz="2000" dirty="0" smtClean="0">
+                <a:latin typeface="Times New Roman" panose="02020603050405020304" pitchFamily="18" charset="0"/>
+                <a:cs typeface="Times New Roman" panose="02020603050405020304" pitchFamily="18" charset="0"/>
+              </a:rPr>
+              <a:t>___ No</a:t>
+            </a:r>
+          </a:p>
+          <a:p>
+            <a:r>
+              <a:rPr lang="it-IT" sz="2000" dirty="0" smtClean="0">
                 <a:latin typeface="Times New Roman" panose="02020603050405020304" pitchFamily="18" charset="0"/>
                 <a:cs typeface="Times New Roman" panose="02020603050405020304" pitchFamily="18" charset="0"/>
               </a:rPr>
@@ -7678,27 +7791,20 @@
           </a:p>
           <a:p>
             <a:r>
-              <a:rPr lang="it-IT" sz="2200" dirty="0" smtClean="0">
-                <a:latin typeface="Times New Roman" panose="02020603050405020304" pitchFamily="18" charset="0"/>
-                <a:cs typeface="Times New Roman" panose="02020603050405020304" pitchFamily="18" charset="0"/>
-              </a:rPr>
-              <a:t>Cognome: </a:t>
-            </a:r>
-            <a:r>
-              <a:rPr lang="it-IT" sz="2200" dirty="0" err="1" smtClean="0">
-                <a:latin typeface="Times New Roman" panose="02020603050405020304" pitchFamily="18" charset="0"/>
-                <a:cs typeface="Times New Roman" panose="02020603050405020304" pitchFamily="18" charset="0"/>
-              </a:rPr>
-              <a:t>………………………………………</a:t>
-            </a:r>
-            <a:endParaRPr lang="it-IT" sz="2200" dirty="0" smtClean="0">
+              <a:rPr lang="it-IT" sz="2000" i="1" dirty="0" smtClean="0">
+                <a:latin typeface="Times New Roman" panose="02020603050405020304" pitchFamily="18" charset="0"/>
+                <a:cs typeface="Times New Roman" panose="02020603050405020304" pitchFamily="18" charset="0"/>
+              </a:rPr>
+              <a:t>Nel caso in cui sei un/a fumatore/fumatrice:</a:t>
+            </a:r>
+            <a:endParaRPr lang="it-IT" sz="2000" dirty="0" smtClean="0">
               <a:latin typeface="Times New Roman" panose="02020603050405020304" pitchFamily="18" charset="0"/>
               <a:cs typeface="Times New Roman" panose="02020603050405020304" pitchFamily="18" charset="0"/>
             </a:endParaRPr>
           </a:p>
           <a:p>
             <a:r>
-              <a:rPr lang="it-IT" sz="2200" dirty="0" smtClean="0">
+              <a:rPr lang="it-IT" sz="2000" dirty="0" smtClean="0">
                 <a:latin typeface="Times New Roman" panose="02020603050405020304" pitchFamily="18" charset="0"/>
                 <a:cs typeface="Times New Roman" panose="02020603050405020304" pitchFamily="18" charset="0"/>
               </a:rPr>
@@ -7707,129 +7813,49 @@
           </a:p>
           <a:p>
             <a:r>
-              <a:rPr lang="it-IT" sz="2200" dirty="0" smtClean="0">
-                <a:latin typeface="Times New Roman" panose="02020603050405020304" pitchFamily="18" charset="0"/>
-                <a:cs typeface="Times New Roman" panose="02020603050405020304" pitchFamily="18" charset="0"/>
-              </a:rPr>
-              <a:t>Genere:</a:t>
-            </a:r>
-          </a:p>
-          <a:p>
-            <a:r>
-              <a:rPr lang="it-IT" sz="2200" dirty="0" smtClean="0">
-                <a:latin typeface="Times New Roman" panose="02020603050405020304" pitchFamily="18" charset="0"/>
-                <a:cs typeface="Times New Roman" panose="02020603050405020304" pitchFamily="18" charset="0"/>
-              </a:rPr>
-              <a:t>___ Maschio</a:t>
-            </a:r>
-          </a:p>
-          <a:p>
-            <a:r>
-              <a:rPr lang="it-IT" sz="2200" dirty="0" smtClean="0">
-                <a:latin typeface="Times New Roman" panose="02020603050405020304" pitchFamily="18" charset="0"/>
-                <a:cs typeface="Times New Roman" panose="02020603050405020304" pitchFamily="18" charset="0"/>
-              </a:rPr>
-              <a:t>___ Femmina</a:t>
-            </a:r>
-          </a:p>
-          <a:p>
-            <a:r>
-              <a:rPr lang="it-IT" sz="2200" dirty="0" smtClean="0">
-                <a:latin typeface="Times New Roman" panose="02020603050405020304" pitchFamily="18" charset="0"/>
-                <a:cs typeface="Times New Roman" panose="02020603050405020304" pitchFamily="18" charset="0"/>
-              </a:rPr>
-              <a:t> </a:t>
-            </a:r>
-          </a:p>
-          <a:p>
-            <a:r>
-              <a:rPr lang="it-IT" sz="2200" dirty="0" smtClean="0">
-                <a:latin typeface="Times New Roman" panose="02020603050405020304" pitchFamily="18" charset="0"/>
-                <a:cs typeface="Times New Roman" panose="02020603050405020304" pitchFamily="18" charset="0"/>
-              </a:rPr>
-              <a:t>A quale fascia di età appartieni?</a:t>
-            </a:r>
-          </a:p>
-          <a:p>
-            <a:r>
-              <a:rPr lang="it-IT" sz="2200" dirty="0" smtClean="0">
-                <a:latin typeface="Times New Roman" panose="02020603050405020304" pitchFamily="18" charset="0"/>
-                <a:cs typeface="Times New Roman" panose="02020603050405020304" pitchFamily="18" charset="0"/>
-              </a:rPr>
-              <a:t>___ Sotto i 25</a:t>
-            </a:r>
-          </a:p>
-          <a:p>
-            <a:r>
-              <a:rPr lang="it-IT" sz="2200" dirty="0" smtClean="0">
-                <a:latin typeface="Times New Roman" panose="02020603050405020304" pitchFamily="18" charset="0"/>
-                <a:cs typeface="Times New Roman" panose="02020603050405020304" pitchFamily="18" charset="0"/>
-              </a:rPr>
-              <a:t>___ 26 - 35</a:t>
-            </a:r>
-          </a:p>
-          <a:p>
-            <a:r>
-              <a:rPr lang="it-IT" sz="2200" dirty="0" smtClean="0">
-                <a:latin typeface="Times New Roman" panose="02020603050405020304" pitchFamily="18" charset="0"/>
-                <a:cs typeface="Times New Roman" panose="02020603050405020304" pitchFamily="18" charset="0"/>
-              </a:rPr>
-              <a:t>___ 36 - 45</a:t>
-            </a:r>
-          </a:p>
-          <a:p>
-            <a:r>
-              <a:rPr lang="it-IT" sz="2200" dirty="0" smtClean="0">
-                <a:latin typeface="Times New Roman" panose="02020603050405020304" pitchFamily="18" charset="0"/>
-                <a:cs typeface="Times New Roman" panose="02020603050405020304" pitchFamily="18" charset="0"/>
-              </a:rPr>
-              <a:t>___ 46 - 55</a:t>
-            </a:r>
-          </a:p>
-          <a:p>
-            <a:r>
-              <a:rPr lang="it-IT" sz="2200" dirty="0" smtClean="0">
-                <a:latin typeface="Times New Roman" panose="02020603050405020304" pitchFamily="18" charset="0"/>
-                <a:cs typeface="Times New Roman" panose="02020603050405020304" pitchFamily="18" charset="0"/>
-              </a:rPr>
-              <a:t>___ Sopra i 55</a:t>
-            </a:r>
-          </a:p>
-          <a:p>
-            <a:r>
-              <a:rPr lang="it-IT" sz="2200" dirty="0" smtClean="0">
-                <a:latin typeface="Times New Roman" panose="02020603050405020304" pitchFamily="18" charset="0"/>
-                <a:cs typeface="Times New Roman" panose="02020603050405020304" pitchFamily="18" charset="0"/>
-              </a:rPr>
-              <a:t> </a:t>
-            </a:r>
-          </a:p>
-          <a:p>
-            <a:r>
-              <a:rPr lang="it-IT" sz="2200" dirty="0" smtClean="0">
-                <a:latin typeface="Times New Roman" panose="02020603050405020304" pitchFamily="18" charset="0"/>
-                <a:cs typeface="Times New Roman" panose="02020603050405020304" pitchFamily="18" charset="0"/>
-              </a:rPr>
-              <a:t>Professione: </a:t>
-            </a:r>
-            <a:r>
-              <a:rPr lang="it-IT" sz="2200" dirty="0" err="1" smtClean="0">
-                <a:latin typeface="Times New Roman" panose="02020603050405020304" pitchFamily="18" charset="0"/>
-                <a:cs typeface="Times New Roman" panose="02020603050405020304" pitchFamily="18" charset="0"/>
-              </a:rPr>
-              <a:t>……………………………………</a:t>
-            </a:r>
-            <a:r>
-              <a:rPr lang="it-IT" sz="2200" dirty="0" smtClean="0">
-                <a:latin typeface="Times New Roman" panose="02020603050405020304" pitchFamily="18" charset="0"/>
-                <a:cs typeface="Times New Roman" panose="02020603050405020304" pitchFamily="18" charset="0"/>
-              </a:rPr>
-              <a:t>.</a:t>
-            </a:r>
-          </a:p>
-          <a:p>
-            <a:pPr algn="just"/>
-            <a:endParaRPr lang="it-IT" sz="2000" b="1" dirty="0" smtClean="0">
+              <a:rPr lang="it-IT" sz="2000" dirty="0" smtClean="0">
+                <a:latin typeface="Times New Roman" panose="02020603050405020304" pitchFamily="18" charset="0"/>
+                <a:cs typeface="Times New Roman" panose="02020603050405020304" pitchFamily="18" charset="0"/>
+              </a:rPr>
+              <a:t>Quante sigarette fumi mediamente al giorno?</a:t>
+            </a:r>
+          </a:p>
+          <a:p>
+            <a:r>
+              <a:rPr lang="it-IT" sz="2000" dirty="0" smtClean="0">
+                <a:latin typeface="Times New Roman" panose="02020603050405020304" pitchFamily="18" charset="0"/>
+                <a:cs typeface="Times New Roman" panose="02020603050405020304" pitchFamily="18" charset="0"/>
+              </a:rPr>
+              <a:t>___ Meno di 5 sigarette</a:t>
+            </a:r>
+          </a:p>
+          <a:p>
+            <a:r>
+              <a:rPr lang="it-IT" sz="2000" dirty="0" smtClean="0">
+                <a:latin typeface="Times New Roman" panose="02020603050405020304" pitchFamily="18" charset="0"/>
+                <a:cs typeface="Times New Roman" panose="02020603050405020304" pitchFamily="18" charset="0"/>
+              </a:rPr>
+              <a:t>___ 5 - 10 sigarette</a:t>
+            </a:r>
+          </a:p>
+          <a:p>
+            <a:r>
+              <a:rPr lang="it-IT" sz="2000" dirty="0" smtClean="0">
+                <a:latin typeface="Times New Roman" panose="02020603050405020304" pitchFamily="18" charset="0"/>
+                <a:cs typeface="Times New Roman" panose="02020603050405020304" pitchFamily="18" charset="0"/>
+              </a:rPr>
+              <a:t>___ 10 - 15 sigarette</a:t>
+            </a:r>
+          </a:p>
+          <a:p>
+            <a:r>
+              <a:rPr lang="it-IT" sz="2000" dirty="0" smtClean="0">
+                <a:latin typeface="Times New Roman" panose="02020603050405020304" pitchFamily="18" charset="0"/>
+                <a:cs typeface="Times New Roman" panose="02020603050405020304" pitchFamily="18" charset="0"/>
+              </a:rPr>
+              <a:t>___ Più di 15 sigarette</a:t>
+            </a:r>
+            <a:endParaRPr lang="it-IT" sz="2000" dirty="0">
               <a:latin typeface="Times New Roman" panose="02020603050405020304" pitchFamily="18" charset="0"/>
               <a:cs typeface="Times New Roman" panose="02020603050405020304" pitchFamily="18" charset="0"/>
             </a:endParaRPr>
@@ -7996,43 +8022,32 @@
                 <a:latin typeface="Times New Roman" panose="02020603050405020304" pitchFamily="18" charset="0"/>
                 <a:cs typeface="Times New Roman" panose="02020603050405020304" pitchFamily="18" charset="0"/>
               </a:rPr>
-              <a:t>Sei un/a fumatore/fumatrice?</a:t>
-            </a:r>
-          </a:p>
-          <a:p>
-            <a:r>
-              <a:rPr lang="it-IT" sz="2000" dirty="0" smtClean="0">
-                <a:latin typeface="Times New Roman" panose="02020603050405020304" pitchFamily="18" charset="0"/>
-                <a:cs typeface="Times New Roman" panose="02020603050405020304" pitchFamily="18" charset="0"/>
-              </a:rPr>
-              <a:t>___ Sì</a:t>
-            </a:r>
-          </a:p>
-          <a:p>
-            <a:r>
-              <a:rPr lang="it-IT" sz="2000" dirty="0" smtClean="0">
-                <a:latin typeface="Times New Roman" panose="02020603050405020304" pitchFamily="18" charset="0"/>
-                <a:cs typeface="Times New Roman" panose="02020603050405020304" pitchFamily="18" charset="0"/>
-              </a:rPr>
-              <a:t>___ No</a:t>
-            </a:r>
-          </a:p>
-          <a:p>
-            <a:r>
-              <a:rPr lang="it-IT" sz="2000" dirty="0" smtClean="0">
-                <a:latin typeface="Times New Roman" panose="02020603050405020304" pitchFamily="18" charset="0"/>
-                <a:cs typeface="Times New Roman" panose="02020603050405020304" pitchFamily="18" charset="0"/>
-              </a:rPr>
-              <a:t> </a:t>
-            </a:r>
-          </a:p>
-          <a:p>
-            <a:r>
-              <a:rPr lang="it-IT" sz="2000" i="1" dirty="0" smtClean="0">
-                <a:latin typeface="Times New Roman" panose="02020603050405020304" pitchFamily="18" charset="0"/>
-                <a:cs typeface="Times New Roman" panose="02020603050405020304" pitchFamily="18" charset="0"/>
-              </a:rPr>
-              <a:t>Nel caso in cui sei un/a fumatore/fumatrice:</a:t>
+              <a:t>Che marca di sigarette preferisci?</a:t>
+            </a:r>
+          </a:p>
+          <a:p>
+            <a:r>
+              <a:rPr lang="it-IT" sz="2000" dirty="0" smtClean="0">
+                <a:latin typeface="Times New Roman" panose="02020603050405020304" pitchFamily="18" charset="0"/>
+                <a:cs typeface="Times New Roman" panose="02020603050405020304" pitchFamily="18" charset="0"/>
+              </a:rPr>
+              <a:t>___ Marlboro</a:t>
+            </a:r>
+          </a:p>
+          <a:p>
+            <a:r>
+              <a:rPr lang="it-IT" sz="2000" dirty="0" smtClean="0">
+                <a:latin typeface="Times New Roman" panose="02020603050405020304" pitchFamily="18" charset="0"/>
+                <a:cs typeface="Times New Roman" panose="02020603050405020304" pitchFamily="18" charset="0"/>
+              </a:rPr>
+              <a:t>___ </a:t>
+            </a:r>
+            <a:r>
+              <a:rPr lang="it-IT" sz="2000" dirty="0" err="1" smtClean="0">
+                <a:latin typeface="Times New Roman" panose="02020603050405020304" pitchFamily="18" charset="0"/>
+                <a:cs typeface="Times New Roman" panose="02020603050405020304" pitchFamily="18" charset="0"/>
+              </a:rPr>
+              <a:t>Merit</a:t>
             </a:r>
             <a:endParaRPr lang="it-IT" sz="2000" dirty="0" smtClean="0">
               <a:latin typeface="Times New Roman" panose="02020603050405020304" pitchFamily="18" charset="0"/>
@@ -8045,6 +8060,44 @@
                 <a:latin typeface="Times New Roman" panose="02020603050405020304" pitchFamily="18" charset="0"/>
                 <a:cs typeface="Times New Roman" panose="02020603050405020304" pitchFamily="18" charset="0"/>
               </a:rPr>
+              <a:t>___ </a:t>
+            </a:r>
+            <a:r>
+              <a:rPr lang="it-IT" sz="2000" dirty="0" err="1" smtClean="0">
+                <a:latin typeface="Times New Roman" panose="02020603050405020304" pitchFamily="18" charset="0"/>
+                <a:cs typeface="Times New Roman" panose="02020603050405020304" pitchFamily="18" charset="0"/>
+              </a:rPr>
+              <a:t>Chesterfield</a:t>
+            </a:r>
+            <a:endParaRPr lang="it-IT" sz="2000" dirty="0" smtClean="0">
+              <a:latin typeface="Times New Roman" panose="02020603050405020304" pitchFamily="18" charset="0"/>
+              <a:cs typeface="Times New Roman" panose="02020603050405020304" pitchFamily="18" charset="0"/>
+            </a:endParaRPr>
+          </a:p>
+          <a:p>
+            <a:r>
+              <a:rPr lang="it-IT" sz="2000" dirty="0" smtClean="0">
+                <a:latin typeface="Times New Roman" panose="02020603050405020304" pitchFamily="18" charset="0"/>
+                <a:cs typeface="Times New Roman" panose="02020603050405020304" pitchFamily="18" charset="0"/>
+              </a:rPr>
+              <a:t>___ Diana</a:t>
+            </a:r>
+          </a:p>
+          <a:p>
+            <a:r>
+              <a:rPr lang="it-IT" sz="2000" dirty="0" smtClean="0">
+                <a:latin typeface="Times New Roman" panose="02020603050405020304" pitchFamily="18" charset="0"/>
+                <a:cs typeface="Times New Roman" panose="02020603050405020304" pitchFamily="18" charset="0"/>
+              </a:rPr>
+              <a:t>___ Altro, per favore specificare …...................................</a:t>
+            </a:r>
+          </a:p>
+          <a:p>
+            <a:r>
+              <a:rPr lang="it-IT" sz="2000" dirty="0" smtClean="0">
+                <a:latin typeface="Times New Roman" panose="02020603050405020304" pitchFamily="18" charset="0"/>
+                <a:cs typeface="Times New Roman" panose="02020603050405020304" pitchFamily="18" charset="0"/>
+              </a:rPr>
               <a:t> </a:t>
             </a:r>
           </a:p>
@@ -8054,43 +8107,25 @@
                 <a:latin typeface="Times New Roman" panose="02020603050405020304" pitchFamily="18" charset="0"/>
                 <a:cs typeface="Times New Roman" panose="02020603050405020304" pitchFamily="18" charset="0"/>
               </a:rPr>
-              <a:t>Quante sigarette fumi mediamente al giorno?</a:t>
-            </a:r>
-          </a:p>
-          <a:p>
-            <a:r>
-              <a:rPr lang="it-IT" sz="2000" dirty="0" smtClean="0">
-                <a:latin typeface="Times New Roman" panose="02020603050405020304" pitchFamily="18" charset="0"/>
-                <a:cs typeface="Times New Roman" panose="02020603050405020304" pitchFamily="18" charset="0"/>
-              </a:rPr>
-              <a:t>___ Meno di 5 sigarette</a:t>
-            </a:r>
-          </a:p>
-          <a:p>
-            <a:r>
-              <a:rPr lang="it-IT" sz="2000" dirty="0" smtClean="0">
-                <a:latin typeface="Times New Roman" panose="02020603050405020304" pitchFamily="18" charset="0"/>
-                <a:cs typeface="Times New Roman" panose="02020603050405020304" pitchFamily="18" charset="0"/>
-              </a:rPr>
-              <a:t>___ 5 - 10 sigarette</a:t>
-            </a:r>
-          </a:p>
-          <a:p>
-            <a:r>
-              <a:rPr lang="it-IT" sz="2000" dirty="0" smtClean="0">
-                <a:latin typeface="Times New Roman" panose="02020603050405020304" pitchFamily="18" charset="0"/>
-                <a:cs typeface="Times New Roman" panose="02020603050405020304" pitchFamily="18" charset="0"/>
-              </a:rPr>
-              <a:t>___ 10 - 15 sigarette</a:t>
-            </a:r>
-          </a:p>
-          <a:p>
-            <a:r>
-              <a:rPr lang="it-IT" sz="2000" dirty="0" smtClean="0">
-                <a:latin typeface="Times New Roman" panose="02020603050405020304" pitchFamily="18" charset="0"/>
-                <a:cs typeface="Times New Roman" panose="02020603050405020304" pitchFamily="18" charset="0"/>
-              </a:rPr>
-              <a:t>___ Più di 15 sigarette</a:t>
+              <a:t>Generalmente fumi da solo o in compagnia?</a:t>
+            </a:r>
+          </a:p>
+          <a:p>
+            <a:r>
+              <a:rPr lang="it-IT" sz="2000" dirty="0" smtClean="0">
+                <a:latin typeface="Times New Roman" panose="02020603050405020304" pitchFamily="18" charset="0"/>
+                <a:cs typeface="Times New Roman" panose="02020603050405020304" pitchFamily="18" charset="0"/>
+              </a:rPr>
+              <a:t>___ Da solo</a:t>
+            </a:r>
+          </a:p>
+          <a:p>
+            <a:r>
+              <a:rPr lang="it-IT" sz="2000" dirty="0" smtClean="0">
+                <a:latin typeface="Times New Roman" panose="02020603050405020304" pitchFamily="18" charset="0"/>
+                <a:cs typeface="Times New Roman" panose="02020603050405020304" pitchFamily="18" charset="0"/>
+              </a:rPr>
+              <a:t>___ In compagnia</a:t>
             </a:r>
             <a:endParaRPr lang="it-IT" sz="2000" dirty="0">
               <a:latin typeface="Times New Roman" panose="02020603050405020304" pitchFamily="18" charset="0"/>
@@ -8184,7 +8219,7 @@
                 <a:latin typeface="Times New Roman" panose="02020603050405020304" pitchFamily="18" charset="0"/>
                 <a:cs typeface="Times New Roman" panose="02020603050405020304" pitchFamily="18" charset="0"/>
               </a:rPr>
-              <a:t>Before</a:t>
+              <a:t>During</a:t>
             </a:r>
             <a:r>
               <a:rPr lang="it-IT" sz="2800" b="1" i="1" dirty="0" smtClean="0">
@@ -8233,7 +8268,21 @@
                 <a:latin typeface="Times New Roman" panose="02020603050405020304" pitchFamily="18" charset="0"/>
                 <a:cs typeface="Times New Roman" panose="02020603050405020304" pitchFamily="18" charset="0"/>
               </a:rPr>
-              <a:t>Questionario demografico</a:t>
+              <a:t>Task 1 – </a:t>
+            </a:r>
+            <a:r>
+              <a:rPr lang="it-IT" sz="2500" b="1" dirty="0" err="1" smtClean="0">
+                <a:latin typeface="Times New Roman" panose="02020603050405020304" pitchFamily="18" charset="0"/>
+                <a:cs typeface="Times New Roman" panose="02020603050405020304" pitchFamily="18" charset="0"/>
+              </a:rPr>
+              <a:t>Sign</a:t>
+            </a:r>
+            <a:r>
+              <a:rPr lang="it-IT" sz="2500" b="1" dirty="0" smtClean="0">
+                <a:latin typeface="Times New Roman" panose="02020603050405020304" pitchFamily="18" charset="0"/>
+                <a:cs typeface="Times New Roman" panose="02020603050405020304" pitchFamily="18" charset="0"/>
+              </a:rPr>
+              <a:t> up</a:t>
             </a:r>
             <a:endParaRPr lang="it-IT" sz="2500" dirty="0" smtClean="0">
               <a:latin typeface="Times New Roman" panose="02020603050405020304" pitchFamily="18" charset="0"/>
@@ -8254,115 +8303,131 @@
             </a:r>
           </a:p>
           <a:p>
-            <a:r>
-              <a:rPr lang="it-IT" sz="2000" dirty="0" smtClean="0">
-                <a:latin typeface="Times New Roman" panose="02020603050405020304" pitchFamily="18" charset="0"/>
-                <a:cs typeface="Times New Roman" panose="02020603050405020304" pitchFamily="18" charset="0"/>
-              </a:rPr>
-              <a:t>Che marca di sigarette preferisci?</a:t>
-            </a:r>
-          </a:p>
-          <a:p>
-            <a:r>
-              <a:rPr lang="it-IT" sz="2000" dirty="0" smtClean="0">
-                <a:latin typeface="Times New Roman" panose="02020603050405020304" pitchFamily="18" charset="0"/>
-                <a:cs typeface="Times New Roman" panose="02020603050405020304" pitchFamily="18" charset="0"/>
-              </a:rPr>
-              <a:t>___ Marlboro</a:t>
-            </a:r>
-          </a:p>
-          <a:p>
-            <a:r>
-              <a:rPr lang="it-IT" sz="2000" dirty="0" smtClean="0">
-                <a:latin typeface="Times New Roman" panose="02020603050405020304" pitchFamily="18" charset="0"/>
-                <a:cs typeface="Times New Roman" panose="02020603050405020304" pitchFamily="18" charset="0"/>
-              </a:rPr>
-              <a:t>___ </a:t>
+            <a:pPr algn="just"/>
+            <a:r>
+              <a:rPr lang="it-IT" sz="2000" dirty="0" smtClean="0">
+                <a:latin typeface="Times New Roman" panose="02020603050405020304" pitchFamily="18" charset="0"/>
+                <a:cs typeface="Times New Roman" panose="02020603050405020304" pitchFamily="18" charset="0"/>
+              </a:rPr>
+              <a:t>Una volta eseguita l’</a:t>
             </a:r>
             <a:r>
               <a:rPr lang="it-IT" sz="2000" dirty="0" err="1" smtClean="0">
                 <a:latin typeface="Times New Roman" panose="02020603050405020304" pitchFamily="18" charset="0"/>
                 <a:cs typeface="Times New Roman" panose="02020603050405020304" pitchFamily="18" charset="0"/>
               </a:rPr>
-              <a:t>Merit</a:t>
-            </a:r>
-            <a:endParaRPr lang="it-IT" sz="2000" dirty="0" smtClean="0">
-              <a:latin typeface="Times New Roman" panose="02020603050405020304" pitchFamily="18" charset="0"/>
-              <a:cs typeface="Times New Roman" panose="02020603050405020304" pitchFamily="18" charset="0"/>
-            </a:endParaRPr>
-          </a:p>
-          <a:p>
-            <a:r>
-              <a:rPr lang="it-IT" sz="2000" dirty="0" smtClean="0">
-                <a:latin typeface="Times New Roman" panose="02020603050405020304" pitchFamily="18" charset="0"/>
-                <a:cs typeface="Times New Roman" panose="02020603050405020304" pitchFamily="18" charset="0"/>
-              </a:rPr>
-              <a:t>___ </a:t>
+              <a:t>app</a:t>
+            </a:r>
+            <a:r>
+              <a:rPr lang="it-IT" sz="2000" dirty="0" smtClean="0">
+                <a:latin typeface="Times New Roman" panose="02020603050405020304" pitchFamily="18" charset="0"/>
+                <a:cs typeface="Times New Roman" panose="02020603050405020304" pitchFamily="18" charset="0"/>
+              </a:rPr>
+              <a:t> si verrà indirizzati su una pagina introduttiva:</a:t>
+            </a:r>
+          </a:p>
+          <a:p>
+            <a:pPr marL="457200" lvl="0" indent="-457200" algn="just">
+              <a:buFont typeface="+mj-lt"/>
+              <a:buAutoNum type="arabicPeriod"/>
+            </a:pPr>
+            <a:r>
+              <a:rPr lang="it-IT" sz="2000" dirty="0" smtClean="0">
+                <a:latin typeface="Times New Roman" panose="02020603050405020304" pitchFamily="18" charset="0"/>
+                <a:cs typeface="Times New Roman" panose="02020603050405020304" pitchFamily="18" charset="0"/>
+              </a:rPr>
+              <a:t>Cliccare sul tasto “</a:t>
             </a:r>
             <a:r>
               <a:rPr lang="it-IT" sz="2000" dirty="0" err="1" smtClean="0">
                 <a:latin typeface="Times New Roman" panose="02020603050405020304" pitchFamily="18" charset="0"/>
                 <a:cs typeface="Times New Roman" panose="02020603050405020304" pitchFamily="18" charset="0"/>
               </a:rPr>
-              <a:t>Chesterfield</a:t>
-            </a:r>
-            <a:endParaRPr lang="it-IT" sz="2000" dirty="0" smtClean="0">
-              <a:latin typeface="Times New Roman" panose="02020603050405020304" pitchFamily="18" charset="0"/>
-              <a:cs typeface="Times New Roman" panose="02020603050405020304" pitchFamily="18" charset="0"/>
-            </a:endParaRPr>
-          </a:p>
-          <a:p>
-            <a:r>
-              <a:rPr lang="it-IT" sz="2000" dirty="0" smtClean="0">
-                <a:latin typeface="Times New Roman" panose="02020603050405020304" pitchFamily="18" charset="0"/>
-                <a:cs typeface="Times New Roman" panose="02020603050405020304" pitchFamily="18" charset="0"/>
-              </a:rPr>
-              <a:t>___ Diana</a:t>
-            </a:r>
-          </a:p>
-          <a:p>
-            <a:r>
-              <a:rPr lang="it-IT" sz="2000" dirty="0" smtClean="0">
-                <a:latin typeface="Times New Roman" panose="02020603050405020304" pitchFamily="18" charset="0"/>
-                <a:cs typeface="Times New Roman" panose="02020603050405020304" pitchFamily="18" charset="0"/>
-              </a:rPr>
-              <a:t>___ Altro, per favore specificare …...................................</a:t>
-            </a:r>
-          </a:p>
-          <a:p>
-            <a:r>
-              <a:rPr lang="it-IT" sz="2000" dirty="0" smtClean="0">
-                <a:latin typeface="Times New Roman" panose="02020603050405020304" pitchFamily="18" charset="0"/>
-                <a:cs typeface="Times New Roman" panose="02020603050405020304" pitchFamily="18" charset="0"/>
-              </a:rPr>
-              <a:t> </a:t>
-            </a:r>
-          </a:p>
-          <a:p>
-            <a:r>
-              <a:rPr lang="it-IT" sz="2000" dirty="0" smtClean="0">
-                <a:latin typeface="Times New Roman" panose="02020603050405020304" pitchFamily="18" charset="0"/>
-                <a:cs typeface="Times New Roman" panose="02020603050405020304" pitchFamily="18" charset="0"/>
-              </a:rPr>
-              <a:t>Generalmente fumi da solo o in compagnia?</a:t>
-            </a:r>
-          </a:p>
-          <a:p>
-            <a:r>
-              <a:rPr lang="it-IT" sz="2000" dirty="0" smtClean="0">
-                <a:latin typeface="Times New Roman" panose="02020603050405020304" pitchFamily="18" charset="0"/>
-                <a:cs typeface="Times New Roman" panose="02020603050405020304" pitchFamily="18" charset="0"/>
-              </a:rPr>
-              <a:t>___ Da solo</a:t>
-            </a:r>
-          </a:p>
-          <a:p>
-            <a:r>
-              <a:rPr lang="it-IT" sz="2000" dirty="0" smtClean="0">
-                <a:latin typeface="Times New Roman" panose="02020603050405020304" pitchFamily="18" charset="0"/>
-                <a:cs typeface="Times New Roman" panose="02020603050405020304" pitchFamily="18" charset="0"/>
-              </a:rPr>
-              <a:t>___ In compagnia</a:t>
+              <a:t>Sign</a:t>
+            </a:r>
+            <a:r>
+              <a:rPr lang="it-IT" sz="2000" dirty="0" smtClean="0">
+                <a:latin typeface="Times New Roman" panose="02020603050405020304" pitchFamily="18" charset="0"/>
+                <a:cs typeface="Times New Roman" panose="02020603050405020304" pitchFamily="18" charset="0"/>
+              </a:rPr>
+              <a:t> Up”;</a:t>
+            </a:r>
+          </a:p>
+          <a:p>
+            <a:pPr marL="457200" lvl="0" indent="-457200" algn="just">
+              <a:buFont typeface="+mj-lt"/>
+              <a:buAutoNum type="arabicPeriod"/>
+            </a:pPr>
+            <a:r>
+              <a:rPr lang="it-IT" sz="2000" dirty="0" smtClean="0">
+                <a:latin typeface="Times New Roman" panose="02020603050405020304" pitchFamily="18" charset="0"/>
+                <a:cs typeface="Times New Roman" panose="02020603050405020304" pitchFamily="18" charset="0"/>
+              </a:rPr>
+              <a:t>Compilare i campi obbligatori (etichette contrassegnate da *);     (Problema: potrebbe non essere chiaro dall’inizio quali sono i campi da compilare in quanto sono distribuite su più schermate raggiungibili dalla </a:t>
+            </a:r>
+            <a:r>
+              <a:rPr lang="it-IT" sz="2000" dirty="0" err="1" smtClean="0">
+                <a:latin typeface="Times New Roman" panose="02020603050405020304" pitchFamily="18" charset="0"/>
+                <a:cs typeface="Times New Roman" panose="02020603050405020304" pitchFamily="18" charset="0"/>
+              </a:rPr>
+              <a:t>navigation</a:t>
+            </a:r>
+            <a:r>
+              <a:rPr lang="it-IT" sz="2000" dirty="0" smtClean="0">
+                <a:latin typeface="Times New Roman" panose="02020603050405020304" pitchFamily="18" charset="0"/>
+                <a:cs typeface="Times New Roman" panose="02020603050405020304" pitchFamily="18" charset="0"/>
+              </a:rPr>
+              <a:t> bar sovrastante)</a:t>
+            </a:r>
+          </a:p>
+          <a:p>
+            <a:pPr marL="457200" lvl="0" indent="-457200" algn="just"/>
+            <a:r>
+              <a:rPr lang="it-IT" sz="2000" dirty="0" smtClean="0">
+                <a:latin typeface="Times New Roman" panose="02020603050405020304" pitchFamily="18" charset="0"/>
+                <a:cs typeface="Times New Roman" panose="02020603050405020304" pitchFamily="18" charset="0"/>
+              </a:rPr>
+              <a:t>	- Se i campi obbligatori non sono stati compilati non sarà possibile  proseguire con la registrazione.</a:t>
+            </a:r>
+          </a:p>
+          <a:p>
+            <a:pPr marL="457200" lvl="0" indent="-457200" algn="just">
+              <a:buFont typeface="+mj-lt"/>
+              <a:buAutoNum type="arabicPeriod" startAt="3"/>
+            </a:pPr>
+            <a:r>
+              <a:rPr lang="it-IT" sz="2000" dirty="0" smtClean="0">
+                <a:latin typeface="Times New Roman" panose="02020603050405020304" pitchFamily="18" charset="0"/>
+                <a:cs typeface="Times New Roman" panose="02020603050405020304" pitchFamily="18" charset="0"/>
+              </a:rPr>
+              <a:t>Una volta completata la compilazione dei campi obbligatori ed eventualmente anche quelli opzionali, cliccare su “</a:t>
+            </a:r>
+            <a:r>
+              <a:rPr lang="it-IT" sz="2000" dirty="0" err="1" smtClean="0">
+                <a:latin typeface="Times New Roman" panose="02020603050405020304" pitchFamily="18" charset="0"/>
+                <a:cs typeface="Times New Roman" panose="02020603050405020304" pitchFamily="18" charset="0"/>
+              </a:rPr>
+              <a:t>Sign</a:t>
+            </a:r>
+            <a:r>
+              <a:rPr lang="it-IT" sz="2000" dirty="0" smtClean="0">
+                <a:latin typeface="Times New Roman" panose="02020603050405020304" pitchFamily="18" charset="0"/>
+                <a:cs typeface="Times New Roman" panose="02020603050405020304" pitchFamily="18" charset="0"/>
+              </a:rPr>
+              <a:t> up”.</a:t>
+            </a:r>
+          </a:p>
+          <a:p>
+            <a:pPr marL="457200" lvl="0" indent="-457200" algn="just">
+              <a:buFont typeface="+mj-lt"/>
+              <a:buAutoNum type="arabicPeriod" startAt="4"/>
+            </a:pPr>
+            <a:r>
+              <a:rPr lang="it-IT" sz="2000" dirty="0" smtClean="0">
+                <a:latin typeface="Times New Roman" panose="02020603050405020304" pitchFamily="18" charset="0"/>
+                <a:cs typeface="Times New Roman" panose="02020603050405020304" pitchFamily="18" charset="0"/>
+              </a:rPr>
+              <a:t>Creato il nuovo account l’utente verrà indirizzato nella Home page.</a:t>
             </a:r>
             <a:endParaRPr lang="it-IT" sz="2000" dirty="0">
               <a:latin typeface="Times New Roman" panose="02020603050405020304" pitchFamily="18" charset="0"/>
@@ -8505,21 +8570,7 @@
                 <a:latin typeface="Times New Roman" panose="02020603050405020304" pitchFamily="18" charset="0"/>
                 <a:cs typeface="Times New Roman" panose="02020603050405020304" pitchFamily="18" charset="0"/>
               </a:rPr>
-              <a:t>Task 1 – </a:t>
-            </a:r>
-            <a:r>
-              <a:rPr lang="it-IT" sz="2500" b="1" dirty="0" err="1" smtClean="0">
-                <a:latin typeface="Times New Roman" panose="02020603050405020304" pitchFamily="18" charset="0"/>
-                <a:cs typeface="Times New Roman" panose="02020603050405020304" pitchFamily="18" charset="0"/>
-              </a:rPr>
-              <a:t>Sign</a:t>
-            </a:r>
-            <a:r>
-              <a:rPr lang="it-IT" sz="2500" b="1" dirty="0" smtClean="0">
-                <a:latin typeface="Times New Roman" panose="02020603050405020304" pitchFamily="18" charset="0"/>
-                <a:cs typeface="Times New Roman" panose="02020603050405020304" pitchFamily="18" charset="0"/>
-              </a:rPr>
-              <a:t> up</a:t>
+              <a:t>Task 2 – Selezionare un obiettivo</a:t>
             </a:r>
             <a:endParaRPr lang="it-IT" sz="2500" dirty="0" smtClean="0">
               <a:latin typeface="Times New Roman" panose="02020603050405020304" pitchFamily="18" charset="0"/>
@@ -8546,21 +8597,21 @@
                 <a:latin typeface="Times New Roman" panose="02020603050405020304" pitchFamily="18" charset="0"/>
                 <a:cs typeface="Times New Roman" panose="02020603050405020304" pitchFamily="18" charset="0"/>
               </a:rPr>
-              <a:t>Una volta eseguita l’</a:t>
+              <a:t>Una volta arrivati nella Home </a:t>
             </a:r>
             <a:r>
               <a:rPr lang="it-IT" sz="2000" dirty="0" err="1" smtClean="0">
                 <a:latin typeface="Times New Roman" panose="02020603050405020304" pitchFamily="18" charset="0"/>
                 <a:cs typeface="Times New Roman" panose="02020603050405020304" pitchFamily="18" charset="0"/>
               </a:rPr>
-              <a:t>app</a:t>
-            </a:r>
-            <a:r>
-              <a:rPr lang="it-IT" sz="2000" dirty="0" smtClean="0">
-                <a:latin typeface="Times New Roman" panose="02020603050405020304" pitchFamily="18" charset="0"/>
-                <a:cs typeface="Times New Roman" panose="02020603050405020304" pitchFamily="18" charset="0"/>
-              </a:rPr>
-              <a:t> si verrà indirizzati su una pagina introduttiva:</a:t>
+              <a:t>page</a:t>
+            </a:r>
+            <a:r>
+              <a:rPr lang="it-IT" sz="2000" dirty="0" smtClean="0">
+                <a:latin typeface="Times New Roman" panose="02020603050405020304" pitchFamily="18" charset="0"/>
+                <a:cs typeface="Times New Roman" panose="02020603050405020304" pitchFamily="18" charset="0"/>
+              </a:rPr>
+              <a:t>:</a:t>
             </a:r>
           </a:p>
           <a:p>
@@ -8573,21 +8624,21 @@
                 <a:latin typeface="Times New Roman" panose="02020603050405020304" pitchFamily="18" charset="0"/>
                 <a:cs typeface="Times New Roman" panose="02020603050405020304" pitchFamily="18" charset="0"/>
               </a:rPr>
-              <a:t>Cliccare sul tasto “</a:t>
+              <a:t>Cliccare sul pulsante “</a:t>
             </a:r>
             <a:r>
               <a:rPr lang="it-IT" sz="2000" dirty="0" err="1" smtClean="0">
                 <a:latin typeface="Times New Roman" panose="02020603050405020304" pitchFamily="18" charset="0"/>
                 <a:cs typeface="Times New Roman" panose="02020603050405020304" pitchFamily="18" charset="0"/>
               </a:rPr>
-              <a:t>Sign</a:t>
-            </a:r>
-            <a:r>
-              <a:rPr lang="it-IT" sz="2000" dirty="0" smtClean="0">
-                <a:latin typeface="Times New Roman" panose="02020603050405020304" pitchFamily="18" charset="0"/>
-                <a:cs typeface="Times New Roman" panose="02020603050405020304" pitchFamily="18" charset="0"/>
-              </a:rPr>
-              <a:t> Up”;</a:t>
+              <a:t>Goals</a:t>
+            </a:r>
+            <a:r>
+              <a:rPr lang="it-IT" sz="2000" dirty="0" smtClean="0">
+                <a:latin typeface="Times New Roman" panose="02020603050405020304" pitchFamily="18" charset="0"/>
+                <a:cs typeface="Times New Roman" panose="02020603050405020304" pitchFamily="18" charset="0"/>
+              </a:rPr>
+              <a:t>”;</a:t>
             </a:r>
           </a:p>
           <a:p>
@@ -8600,71 +8651,129 @@
                 <a:latin typeface="Times New Roman" panose="02020603050405020304" pitchFamily="18" charset="0"/>
                 <a:cs typeface="Times New Roman" panose="02020603050405020304" pitchFamily="18" charset="0"/>
               </a:rPr>
-              <a:t>Compilare i campi obbligatori (etichette contrassegnate da *);     (Problema: potrebbe non essere chiaro dall’inizio quali sono i campi da compilare in quanto sono distribuite su più schermate raggiungibili dalla </a:t>
+              <a:t>Scegliere un obiettivo tra quelli proposti dalla </a:t>
             </a:r>
             <a:r>
               <a:rPr lang="it-IT" sz="2000" dirty="0" err="1" smtClean="0">
                 <a:latin typeface="Times New Roman" panose="02020603050405020304" pitchFamily="18" charset="0"/>
                 <a:cs typeface="Times New Roman" panose="02020603050405020304" pitchFamily="18" charset="0"/>
               </a:rPr>
-              <a:t>navigation</a:t>
-            </a:r>
-            <a:r>
-              <a:rPr lang="it-IT" sz="2000" dirty="0" smtClean="0">
-                <a:latin typeface="Times New Roman" panose="02020603050405020304" pitchFamily="18" charset="0"/>
-                <a:cs typeface="Times New Roman" panose="02020603050405020304" pitchFamily="18" charset="0"/>
-              </a:rPr>
-              <a:t> bar sovrastante)</a:t>
-            </a:r>
-          </a:p>
-          <a:p>
-            <a:pPr marL="457200" lvl="0" indent="-457200" algn="just"/>
-            <a:r>
-              <a:rPr lang="it-IT" sz="2000" dirty="0" smtClean="0">
-                <a:latin typeface="Times New Roman" panose="02020603050405020304" pitchFamily="18" charset="0"/>
-                <a:cs typeface="Times New Roman" panose="02020603050405020304" pitchFamily="18" charset="0"/>
-              </a:rPr>
-              <a:t>	- Se i campi obbligatori non sono stati compilati non sarà possibile  proseguire con la registrazione.</a:t>
+              <a:t>select</a:t>
+            </a:r>
+            <a:r>
+              <a:rPr lang="it-IT" sz="2000" dirty="0" smtClean="0">
+                <a:latin typeface="Times New Roman" panose="02020603050405020304" pitchFamily="18" charset="0"/>
+                <a:cs typeface="Times New Roman" panose="02020603050405020304" pitchFamily="18" charset="0"/>
+              </a:rPr>
+              <a:t> in evidenza;</a:t>
             </a:r>
           </a:p>
           <a:p>
             <a:pPr marL="457200" lvl="0" indent="-457200" algn="just">
               <a:buFont typeface="+mj-lt"/>
-              <a:buAutoNum type="arabicPeriod" startAt="3"/>
+              <a:buAutoNum type="arabicPeriod"/>
             </a:pPr>
             <a:r>
               <a:rPr lang="it-IT" sz="2000" dirty="0" smtClean="0">
                 <a:latin typeface="Times New Roman" panose="02020603050405020304" pitchFamily="18" charset="0"/>
                 <a:cs typeface="Times New Roman" panose="02020603050405020304" pitchFamily="18" charset="0"/>
               </a:rPr>
-              <a:t>Una volta completata la compilazione dei campi obbligatori ed eventualmente anche quelli opzionali, cliccare su “</a:t>
+              <a:t>In particolare selezionare l’obiettivo “</a:t>
             </a:r>
             <a:r>
               <a:rPr lang="it-IT" sz="2000" dirty="0" err="1" smtClean="0">
                 <a:latin typeface="Times New Roman" panose="02020603050405020304" pitchFamily="18" charset="0"/>
                 <a:cs typeface="Times New Roman" panose="02020603050405020304" pitchFamily="18" charset="0"/>
               </a:rPr>
-              <a:t>Sign</a:t>
-            </a:r>
-            <a:r>
-              <a:rPr lang="it-IT" sz="2000" dirty="0" smtClean="0">
-                <a:latin typeface="Times New Roman" panose="02020603050405020304" pitchFamily="18" charset="0"/>
-                <a:cs typeface="Times New Roman" panose="02020603050405020304" pitchFamily="18" charset="0"/>
-              </a:rPr>
-              <a:t> up”.</a:t>
+              <a:t>Only</a:t>
+            </a:r>
+            <a:r>
+              <a:rPr lang="it-IT" sz="2000" dirty="0" smtClean="0">
+                <a:latin typeface="Times New Roman" panose="02020603050405020304" pitchFamily="18" charset="0"/>
+                <a:cs typeface="Times New Roman" panose="02020603050405020304" pitchFamily="18" charset="0"/>
+              </a:rPr>
+              <a:t> 10 </a:t>
+            </a:r>
+            <a:r>
+              <a:rPr lang="it-IT" sz="2000" dirty="0" err="1" smtClean="0">
+                <a:latin typeface="Times New Roman" panose="02020603050405020304" pitchFamily="18" charset="0"/>
+                <a:cs typeface="Times New Roman" panose="02020603050405020304" pitchFamily="18" charset="0"/>
+              </a:rPr>
+              <a:t>cigarettes</a:t>
+            </a:r>
+            <a:r>
+              <a:rPr lang="it-IT" sz="2000" dirty="0" smtClean="0">
+                <a:latin typeface="Times New Roman" panose="02020603050405020304" pitchFamily="18" charset="0"/>
+                <a:cs typeface="Times New Roman" panose="02020603050405020304" pitchFamily="18" charset="0"/>
+              </a:rPr>
+              <a:t> </a:t>
+            </a:r>
+            <a:r>
+              <a:rPr lang="it-IT" sz="2000" dirty="0" err="1" smtClean="0">
+                <a:latin typeface="Times New Roman" panose="02020603050405020304" pitchFamily="18" charset="0"/>
+                <a:cs typeface="Times New Roman" panose="02020603050405020304" pitchFamily="18" charset="0"/>
+              </a:rPr>
+              <a:t>smoked</a:t>
+            </a:r>
+            <a:r>
+              <a:rPr lang="it-IT" sz="2000" dirty="0" smtClean="0">
+                <a:latin typeface="Times New Roman" panose="02020603050405020304" pitchFamily="18" charset="0"/>
+                <a:cs typeface="Times New Roman" panose="02020603050405020304" pitchFamily="18" charset="0"/>
+              </a:rPr>
+              <a:t>”;</a:t>
             </a:r>
           </a:p>
           <a:p>
             <a:pPr marL="457200" lvl="0" indent="-457200" algn="just">
               <a:buFont typeface="+mj-lt"/>
-              <a:buAutoNum type="arabicPeriod" startAt="4"/>
+              <a:buAutoNum type="arabicPeriod"/>
             </a:pPr>
             <a:r>
               <a:rPr lang="it-IT" sz="2000" dirty="0" smtClean="0">
                 <a:latin typeface="Times New Roman" panose="02020603050405020304" pitchFamily="18" charset="0"/>
                 <a:cs typeface="Times New Roman" panose="02020603050405020304" pitchFamily="18" charset="0"/>
               </a:rPr>
-              <a:t>Creato il nuovo account l’utente verrà indirizzato nella Home page.</a:t>
+              <a:t>Un messaggio di conferma avviserà l’utente dell’avvenuta selezione dell’obiettivo prescelto;</a:t>
+            </a:r>
+          </a:p>
+          <a:p>
+            <a:pPr marL="457200" lvl="0" indent="-457200" algn="just">
+              <a:buFont typeface="+mj-lt"/>
+              <a:buAutoNum type="arabicPeriod"/>
+            </a:pPr>
+            <a:r>
+              <a:rPr lang="it-IT" sz="2000" dirty="0" smtClean="0">
+                <a:latin typeface="Times New Roman" panose="02020603050405020304" pitchFamily="18" charset="0"/>
+                <a:cs typeface="Times New Roman" panose="02020603050405020304" pitchFamily="18" charset="0"/>
+              </a:rPr>
+              <a:t>Tornare nella Home </a:t>
+            </a:r>
+            <a:r>
+              <a:rPr lang="it-IT" sz="2000" dirty="0" err="1" smtClean="0">
+                <a:latin typeface="Times New Roman" panose="02020603050405020304" pitchFamily="18" charset="0"/>
+                <a:cs typeface="Times New Roman" panose="02020603050405020304" pitchFamily="18" charset="0"/>
+              </a:rPr>
+              <a:t>page</a:t>
+            </a:r>
+            <a:r>
+              <a:rPr lang="it-IT" sz="2000" dirty="0" smtClean="0">
+                <a:latin typeface="Times New Roman" panose="02020603050405020304" pitchFamily="18" charset="0"/>
+                <a:cs typeface="Times New Roman" panose="02020603050405020304" pitchFamily="18" charset="0"/>
+              </a:rPr>
+              <a:t>, tramite il pulsante “Home” in alto;</a:t>
+            </a:r>
+          </a:p>
+          <a:p>
+            <a:pPr marL="457200" lvl="0" indent="-457200" algn="just">
+              <a:buFont typeface="+mj-lt"/>
+              <a:buAutoNum type="arabicPeriod"/>
+            </a:pPr>
+            <a:r>
+              <a:rPr lang="it-IT" sz="2000" dirty="0" smtClean="0">
+                <a:latin typeface="Times New Roman" panose="02020603050405020304" pitchFamily="18" charset="0"/>
+                <a:cs typeface="Times New Roman" panose="02020603050405020304" pitchFamily="18" charset="0"/>
+              </a:rPr>
+              <a:t>È possibile visualizzare nella schermata principale l’obiettivo corrente selezionato.</a:t>
             </a:r>
             <a:endParaRPr lang="it-IT" sz="2000" dirty="0">
               <a:latin typeface="Times New Roman" panose="02020603050405020304" pitchFamily="18" charset="0"/>
@@ -8807,7 +8916,35 @@
                 <a:latin typeface="Times New Roman" panose="02020603050405020304" pitchFamily="18" charset="0"/>
                 <a:cs typeface="Times New Roman" panose="02020603050405020304" pitchFamily="18" charset="0"/>
               </a:rPr>
-              <a:t>Task 2 – Selezionare un obiettivo</a:t>
+              <a:t>Task 3 – Vincere il premio “</a:t>
+            </a:r>
+            <a:r>
+              <a:rPr lang="it-IT" sz="2500" b="1" dirty="0" err="1" smtClean="0">
+                <a:latin typeface="Times New Roman" panose="02020603050405020304" pitchFamily="18" charset="0"/>
+                <a:cs typeface="Times New Roman" panose="02020603050405020304" pitchFamily="18" charset="0"/>
+              </a:rPr>
+              <a:t>Defeat</a:t>
+            </a:r>
+            <a:r>
+              <a:rPr lang="it-IT" sz="2500" b="1" dirty="0" smtClean="0">
+                <a:latin typeface="Times New Roman" panose="02020603050405020304" pitchFamily="18" charset="0"/>
+                <a:cs typeface="Times New Roman" panose="02020603050405020304" pitchFamily="18" charset="0"/>
+              </a:rPr>
+              <a:t> the </a:t>
+            </a:r>
+            <a:r>
+              <a:rPr lang="it-IT" sz="2500" b="1" dirty="0" err="1" smtClean="0">
+                <a:latin typeface="Times New Roman" panose="02020603050405020304" pitchFamily="18" charset="0"/>
+                <a:cs typeface="Times New Roman" panose="02020603050405020304" pitchFamily="18" charset="0"/>
+              </a:rPr>
+              <a:t>temptation</a:t>
+            </a:r>
+            <a:r>
+              <a:rPr lang="it-IT" sz="2500" b="1" dirty="0" smtClean="0">
+                <a:latin typeface="Times New Roman" panose="02020603050405020304" pitchFamily="18" charset="0"/>
+                <a:cs typeface="Times New Roman" panose="02020603050405020304" pitchFamily="18" charset="0"/>
+              </a:rPr>
+              <a:t>”</a:t>
             </a:r>
             <a:endParaRPr lang="it-IT" sz="2500" dirty="0" smtClean="0">
               <a:latin typeface="Times New Roman" panose="02020603050405020304" pitchFamily="18" charset="0"/>
@@ -8828,30 +8965,6 @@
             </a:r>
           </a:p>
           <a:p>
-            <a:pPr algn="just"/>
-            <a:r>
-              <a:rPr lang="it-IT" sz="2000" dirty="0" smtClean="0">
-                <a:latin typeface="Times New Roman" panose="02020603050405020304" pitchFamily="18" charset="0"/>
-                <a:cs typeface="Times New Roman" panose="02020603050405020304" pitchFamily="18" charset="0"/>
-              </a:rPr>
-              <a:t>Una volta arrivati nella Home </a:t>
-            </a:r>
-            <a:r>
-              <a:rPr lang="it-IT" sz="2000" dirty="0" err="1" smtClean="0">
-                <a:latin typeface="Times New Roman" panose="02020603050405020304" pitchFamily="18" charset="0"/>
-                <a:cs typeface="Times New Roman" panose="02020603050405020304" pitchFamily="18" charset="0"/>
-              </a:rPr>
-              <a:t>page</a:t>
-            </a:r>
-            <a:r>
-              <a:rPr lang="it-IT" sz="2000" dirty="0" smtClean="0">
-                <a:latin typeface="Times New Roman" panose="02020603050405020304" pitchFamily="18" charset="0"/>
-                <a:cs typeface="Times New Roman" panose="02020603050405020304" pitchFamily="18" charset="0"/>
-              </a:rPr>
-              <a:t>:</a:t>
-            </a:r>
-          </a:p>
-          <a:p>
             <a:pPr marL="457200" lvl="0" indent="-457200" algn="just">
               <a:buFont typeface="+mj-lt"/>
               <a:buAutoNum type="arabicPeriod"/>
@@ -8868,7 +8981,21 @@
                 <a:latin typeface="Times New Roman" panose="02020603050405020304" pitchFamily="18" charset="0"/>
                 <a:cs typeface="Times New Roman" panose="02020603050405020304" pitchFamily="18" charset="0"/>
               </a:rPr>
-              <a:t>Goals</a:t>
+              <a:t>Add</a:t>
+            </a:r>
+            <a:r>
+              <a:rPr lang="it-IT" sz="2000" dirty="0" smtClean="0">
+                <a:latin typeface="Times New Roman" panose="02020603050405020304" pitchFamily="18" charset="0"/>
+                <a:cs typeface="Times New Roman" panose="02020603050405020304" pitchFamily="18" charset="0"/>
+              </a:rPr>
+              <a:t> a </a:t>
+            </a:r>
+            <a:r>
+              <a:rPr lang="it-IT" sz="2000" dirty="0" err="1" smtClean="0">
+                <a:latin typeface="Times New Roman" panose="02020603050405020304" pitchFamily="18" charset="0"/>
+                <a:cs typeface="Times New Roman" panose="02020603050405020304" pitchFamily="18" charset="0"/>
+              </a:rPr>
+              <a:t>cigarette</a:t>
             </a:r>
             <a:r>
               <a:rPr lang="it-IT" sz="2000" dirty="0" smtClean="0">
@@ -8888,21 +9015,7 @@
                 <a:latin typeface="Times New Roman" panose="02020603050405020304" pitchFamily="18" charset="0"/>
                 <a:cs typeface="Times New Roman" panose="02020603050405020304" pitchFamily="18" charset="0"/>
               </a:rPr>
-              <a:t>Scegliere un obiettivo tra quelli proposti dalla </a:t>
-            </a:r>
-            <a:r>
-              <a:rPr lang="it-IT" sz="2000" dirty="0" err="1" smtClean="0">
-                <a:latin typeface="Times New Roman" panose="02020603050405020304" pitchFamily="18" charset="0"/>
-                <a:cs typeface="Times New Roman" panose="02020603050405020304" pitchFamily="18" charset="0"/>
-              </a:rPr>
-              <a:t>select</a:t>
-            </a:r>
-            <a:r>
-              <a:rPr lang="it-IT" sz="2000" dirty="0" smtClean="0">
-                <a:latin typeface="Times New Roman" panose="02020603050405020304" pitchFamily="18" charset="0"/>
-                <a:cs typeface="Times New Roman" panose="02020603050405020304" pitchFamily="18" charset="0"/>
-              </a:rPr>
-              <a:t> in evidenza;</a:t>
+              <a:t>Comparirà un messaggio in cui verrà richiesto all’utente se vuole continuare a fumare oppure no;</a:t>
             </a:r>
           </a:p>
           <a:p>
@@ -8915,42 +9028,28 @@
                 <a:latin typeface="Times New Roman" panose="02020603050405020304" pitchFamily="18" charset="0"/>
                 <a:cs typeface="Times New Roman" panose="02020603050405020304" pitchFamily="18" charset="0"/>
               </a:rPr>
-              <a:t>In particolare selezionare l’obiettivo “</a:t>
+              <a:t>Cliccare su “Yes” per vincere il premio “</a:t>
             </a:r>
             <a:r>
               <a:rPr lang="it-IT" sz="2000" dirty="0" err="1" smtClean="0">
                 <a:latin typeface="Times New Roman" panose="02020603050405020304" pitchFamily="18" charset="0"/>
                 <a:cs typeface="Times New Roman" panose="02020603050405020304" pitchFamily="18" charset="0"/>
               </a:rPr>
-              <a:t>Only</a:t>
-            </a:r>
-            <a:r>
-              <a:rPr lang="it-IT" sz="2000" dirty="0" smtClean="0">
-                <a:latin typeface="Times New Roman" panose="02020603050405020304" pitchFamily="18" charset="0"/>
-                <a:cs typeface="Times New Roman" panose="02020603050405020304" pitchFamily="18" charset="0"/>
-              </a:rPr>
-              <a:t> 10 </a:t>
+              <a:t>Defeat</a:t>
+            </a:r>
+            <a:r>
+              <a:rPr lang="it-IT" sz="2000" dirty="0" smtClean="0">
+                <a:latin typeface="Times New Roman" panose="02020603050405020304" pitchFamily="18" charset="0"/>
+                <a:cs typeface="Times New Roman" panose="02020603050405020304" pitchFamily="18" charset="0"/>
+              </a:rPr>
+              <a:t> the </a:t>
             </a:r>
             <a:r>
               <a:rPr lang="it-IT" sz="2000" dirty="0" err="1" smtClean="0">
                 <a:latin typeface="Times New Roman" panose="02020603050405020304" pitchFamily="18" charset="0"/>
                 <a:cs typeface="Times New Roman" panose="02020603050405020304" pitchFamily="18" charset="0"/>
               </a:rPr>
-              <a:t>cigarettes</a:t>
-            </a:r>
-            <a:r>
-              <a:rPr lang="it-IT" sz="2000" dirty="0" smtClean="0">
-                <a:latin typeface="Times New Roman" panose="02020603050405020304" pitchFamily="18" charset="0"/>
-                <a:cs typeface="Times New Roman" panose="02020603050405020304" pitchFamily="18" charset="0"/>
-              </a:rPr>
-              <a:t> </a:t>
-            </a:r>
-            <a:r>
-              <a:rPr lang="it-IT" sz="2000" dirty="0" err="1" smtClean="0">
-                <a:latin typeface="Times New Roman" panose="02020603050405020304" pitchFamily="18" charset="0"/>
-                <a:cs typeface="Times New Roman" panose="02020603050405020304" pitchFamily="18" charset="0"/>
-              </a:rPr>
-              <a:t>smoked</a:t>
+              <a:t>temptation</a:t>
             </a:r>
             <a:r>
               <a:rPr lang="it-IT" sz="2000" dirty="0" smtClean="0">
@@ -8970,7 +9069,7 @@
                 <a:latin typeface="Times New Roman" panose="02020603050405020304" pitchFamily="18" charset="0"/>
                 <a:cs typeface="Times New Roman" panose="02020603050405020304" pitchFamily="18" charset="0"/>
               </a:rPr>
-              <a:t>Un messaggio di conferma avviserà l’utente dell’avvenuta selezione dell’obiettivo prescelto;</a:t>
+              <a:t>Si aprirà la schermata con il premio vinto;</a:t>
             </a:r>
           </a:p>
           <a:p>
@@ -8983,21 +9082,7 @@
                 <a:latin typeface="Times New Roman" panose="02020603050405020304" pitchFamily="18" charset="0"/>
                 <a:cs typeface="Times New Roman" panose="02020603050405020304" pitchFamily="18" charset="0"/>
               </a:rPr>
-              <a:t>Tornare nella Home </a:t>
-            </a:r>
-            <a:r>
-              <a:rPr lang="it-IT" sz="2000" dirty="0" err="1" smtClean="0">
-                <a:latin typeface="Times New Roman" panose="02020603050405020304" pitchFamily="18" charset="0"/>
-                <a:cs typeface="Times New Roman" panose="02020603050405020304" pitchFamily="18" charset="0"/>
-              </a:rPr>
-              <a:t>page</a:t>
-            </a:r>
-            <a:r>
-              <a:rPr lang="it-IT" sz="2000" dirty="0" smtClean="0">
-                <a:latin typeface="Times New Roman" panose="02020603050405020304" pitchFamily="18" charset="0"/>
-                <a:cs typeface="Times New Roman" panose="02020603050405020304" pitchFamily="18" charset="0"/>
-              </a:rPr>
-              <a:t>, tramite il pulsante “Home” in alto;</a:t>
+              <a:t>Cliccare su “Ok”</a:t>
             </a:r>
           </a:p>
           <a:p>
@@ -9010,7 +9095,76 @@
                 <a:latin typeface="Times New Roman" panose="02020603050405020304" pitchFamily="18" charset="0"/>
                 <a:cs typeface="Times New Roman" panose="02020603050405020304" pitchFamily="18" charset="0"/>
               </a:rPr>
-              <a:t>È possibile visualizzare nella schermata principale l’obiettivo corrente selezionato.</a:t>
+              <a:t>Si verrà reindirizzati sulla Home </a:t>
+            </a:r>
+            <a:r>
+              <a:rPr lang="it-IT" sz="2000" dirty="0" err="1" smtClean="0">
+                <a:latin typeface="Times New Roman" panose="02020603050405020304" pitchFamily="18" charset="0"/>
+                <a:cs typeface="Times New Roman" panose="02020603050405020304" pitchFamily="18" charset="0"/>
+              </a:rPr>
+              <a:t>page</a:t>
+            </a:r>
+            <a:r>
+              <a:rPr lang="it-IT" sz="2000" dirty="0" smtClean="0">
+                <a:latin typeface="Times New Roman" panose="02020603050405020304" pitchFamily="18" charset="0"/>
+                <a:cs typeface="Times New Roman" panose="02020603050405020304" pitchFamily="18" charset="0"/>
+              </a:rPr>
+              <a:t>.</a:t>
+            </a:r>
+          </a:p>
+          <a:p>
+            <a:pPr marL="457200" lvl="0" indent="-457200" algn="just">
+              <a:buFont typeface="+mj-lt"/>
+              <a:buAutoNum type="arabicPeriod"/>
+            </a:pPr>
+            <a:r>
+              <a:rPr lang="it-IT" sz="2000" dirty="0" smtClean="0">
+                <a:latin typeface="Times New Roman" panose="02020603050405020304" pitchFamily="18" charset="0"/>
+                <a:cs typeface="Times New Roman" panose="02020603050405020304" pitchFamily="18" charset="0"/>
+              </a:rPr>
+              <a:t>Cliccare su “</a:t>
+            </a:r>
+            <a:r>
+              <a:rPr lang="it-IT" sz="2000" dirty="0" err="1" smtClean="0">
+                <a:latin typeface="Times New Roman" panose="02020603050405020304" pitchFamily="18" charset="0"/>
+                <a:cs typeface="Times New Roman" panose="02020603050405020304" pitchFamily="18" charset="0"/>
+              </a:rPr>
+              <a:t>Achievements</a:t>
+            </a:r>
+            <a:r>
+              <a:rPr lang="it-IT" sz="2000" dirty="0" smtClean="0">
+                <a:latin typeface="Times New Roman" panose="02020603050405020304" pitchFamily="18" charset="0"/>
+                <a:cs typeface="Times New Roman" panose="02020603050405020304" pitchFamily="18" charset="0"/>
+              </a:rPr>
+              <a:t>” per visualizzare la schermata con i premi vinti (“</a:t>
+            </a:r>
+            <a:r>
+              <a:rPr lang="it-IT" sz="2000" dirty="0" err="1" smtClean="0">
+                <a:latin typeface="Times New Roman" panose="02020603050405020304" pitchFamily="18" charset="0"/>
+                <a:cs typeface="Times New Roman" panose="02020603050405020304" pitchFamily="18" charset="0"/>
+              </a:rPr>
+              <a:t>Defeat</a:t>
+            </a:r>
+            <a:r>
+              <a:rPr lang="it-IT" sz="2000" dirty="0" smtClean="0">
+                <a:latin typeface="Times New Roman" panose="02020603050405020304" pitchFamily="18" charset="0"/>
+                <a:cs typeface="Times New Roman" panose="02020603050405020304" pitchFamily="18" charset="0"/>
+              </a:rPr>
+              <a:t> the </a:t>
+            </a:r>
+            <a:r>
+              <a:rPr lang="it-IT" sz="2000" dirty="0" err="1" smtClean="0">
+                <a:latin typeface="Times New Roman" panose="02020603050405020304" pitchFamily="18" charset="0"/>
+                <a:cs typeface="Times New Roman" panose="02020603050405020304" pitchFamily="18" charset="0"/>
+              </a:rPr>
+              <a:t>temptation</a:t>
+            </a:r>
+            <a:r>
+              <a:rPr lang="it-IT" sz="2000" dirty="0" smtClean="0">
+                <a:latin typeface="Times New Roman" panose="02020603050405020304" pitchFamily="18" charset="0"/>
+                <a:cs typeface="Times New Roman" panose="02020603050405020304" pitchFamily="18" charset="0"/>
+              </a:rPr>
+              <a:t>” sarà in evidenza rispetto agli altri).</a:t>
             </a:r>
             <a:endParaRPr lang="it-IT" sz="2000" dirty="0">
               <a:latin typeface="Times New Roman" panose="02020603050405020304" pitchFamily="18" charset="0"/>
@@ -9136,7 +9290,7 @@
         </p:spPr>
         <p:txBody>
           <a:bodyPr vert="horz" lIns="91440" tIns="45720" rIns="91440" bIns="45720" rtlCol="0">
-            <a:normAutofit/>
+            <a:normAutofit lnSpcReduction="10000"/>
           </a:bodyPr>
           <a:lstStyle/>
           <a:p>
@@ -9153,28 +9307,42 @@
                 <a:latin typeface="Times New Roman" panose="02020603050405020304" pitchFamily="18" charset="0"/>
                 <a:cs typeface="Times New Roman" panose="02020603050405020304" pitchFamily="18" charset="0"/>
               </a:rPr>
-              <a:t>Task 3 – Vincere il premio “</a:t>
+              <a:t>Task 4 – Vincere il premio “</a:t>
             </a:r>
             <a:r>
               <a:rPr lang="it-IT" sz="2500" b="1" dirty="0" err="1" smtClean="0">
                 <a:latin typeface="Times New Roman" panose="02020603050405020304" pitchFamily="18" charset="0"/>
                 <a:cs typeface="Times New Roman" panose="02020603050405020304" pitchFamily="18" charset="0"/>
               </a:rPr>
-              <a:t>Defeat</a:t>
+              <a:t>Only</a:t>
             </a:r>
             <a:r>
               <a:rPr lang="it-IT" sz="2500" b="1" dirty="0" smtClean="0">
                 <a:latin typeface="Times New Roman" panose="02020603050405020304" pitchFamily="18" charset="0"/>
                 <a:cs typeface="Times New Roman" panose="02020603050405020304" pitchFamily="18" charset="0"/>
               </a:rPr>
-              <a:t> the </a:t>
+              <a:t> 10 </a:t>
             </a:r>
             <a:r>
               <a:rPr lang="it-IT" sz="2500" b="1" dirty="0" err="1" smtClean="0">
                 <a:latin typeface="Times New Roman" panose="02020603050405020304" pitchFamily="18" charset="0"/>
                 <a:cs typeface="Times New Roman" panose="02020603050405020304" pitchFamily="18" charset="0"/>
               </a:rPr>
-              <a:t>temptation</a:t>
+              <a:t>cigarettes</a:t>
+            </a:r>
+            <a:r>
+              <a:rPr lang="it-IT" sz="2500" b="1" dirty="0" smtClean="0">
+                <a:latin typeface="Times New Roman" panose="02020603050405020304" pitchFamily="18" charset="0"/>
+                <a:cs typeface="Times New Roman" panose="02020603050405020304" pitchFamily="18" charset="0"/>
+              </a:rPr>
+              <a:t> </a:t>
+            </a:r>
+            <a:r>
+              <a:rPr lang="it-IT" sz="2500" b="1" dirty="0" err="1" smtClean="0">
+                <a:latin typeface="Times New Roman" panose="02020603050405020304" pitchFamily="18" charset="0"/>
+                <a:cs typeface="Times New Roman" panose="02020603050405020304" pitchFamily="18" charset="0"/>
+              </a:rPr>
+              <a:t>smoked</a:t>
             </a:r>
             <a:r>
               <a:rPr lang="it-IT" sz="2500" b="1" dirty="0" smtClean="0">
@@ -9232,7 +9400,7 @@
                 <a:latin typeface="Times New Roman" panose="02020603050405020304" pitchFamily="18" charset="0"/>
                 <a:cs typeface="Times New Roman" panose="02020603050405020304" pitchFamily="18" charset="0"/>
               </a:rPr>
-              <a:t>cigarette</a:t>
+              <a:t>cigarettes</a:t>
             </a:r>
             <a:r>
               <a:rPr lang="it-IT" sz="2000" dirty="0" smtClean="0">
@@ -9252,7 +9420,21 @@
                 <a:latin typeface="Times New Roman" panose="02020603050405020304" pitchFamily="18" charset="0"/>
                 <a:cs typeface="Times New Roman" panose="02020603050405020304" pitchFamily="18" charset="0"/>
               </a:rPr>
-              <a:t>Comparirà un messaggio in cui verrà richiesto all’utente se vuole continuare a fumare oppure no;</a:t>
+              <a:t>Il numero delle sigarette verrà incrementato di un’unità come mostrato sulla Home </a:t>
+            </a:r>
+            <a:r>
+              <a:rPr lang="it-IT" sz="2000" dirty="0" err="1" smtClean="0">
+                <a:latin typeface="Times New Roman" panose="02020603050405020304" pitchFamily="18" charset="0"/>
+                <a:cs typeface="Times New Roman" panose="02020603050405020304" pitchFamily="18" charset="0"/>
+              </a:rPr>
+              <a:t>page</a:t>
+            </a:r>
+            <a:r>
+              <a:rPr lang="it-IT" sz="2000" dirty="0" smtClean="0">
+                <a:latin typeface="Times New Roman" panose="02020603050405020304" pitchFamily="18" charset="0"/>
+                <a:cs typeface="Times New Roman" panose="02020603050405020304" pitchFamily="18" charset="0"/>
+              </a:rPr>
+              <a:t>;</a:t>
             </a:r>
           </a:p>
           <a:p>
@@ -9265,35 +9447,7 @@
                 <a:latin typeface="Times New Roman" panose="02020603050405020304" pitchFamily="18" charset="0"/>
                 <a:cs typeface="Times New Roman" panose="02020603050405020304" pitchFamily="18" charset="0"/>
               </a:rPr>
-              <a:t>Cliccare su “Yes” per vincere il premio “</a:t>
-            </a:r>
-            <a:r>
-              <a:rPr lang="it-IT" sz="2000" dirty="0" err="1" smtClean="0">
-                <a:latin typeface="Times New Roman" panose="02020603050405020304" pitchFamily="18" charset="0"/>
-                <a:cs typeface="Times New Roman" panose="02020603050405020304" pitchFamily="18" charset="0"/>
-              </a:rPr>
-              <a:t>Defeat</a:t>
-            </a:r>
-            <a:r>
-              <a:rPr lang="it-IT" sz="2000" dirty="0" smtClean="0">
-                <a:latin typeface="Times New Roman" panose="02020603050405020304" pitchFamily="18" charset="0"/>
-                <a:cs typeface="Times New Roman" panose="02020603050405020304" pitchFamily="18" charset="0"/>
-              </a:rPr>
-              <a:t> the </a:t>
-            </a:r>
-            <a:r>
-              <a:rPr lang="it-IT" sz="2000" dirty="0" err="1" smtClean="0">
-                <a:latin typeface="Times New Roman" panose="02020603050405020304" pitchFamily="18" charset="0"/>
-                <a:cs typeface="Times New Roman" panose="02020603050405020304" pitchFamily="18" charset="0"/>
-              </a:rPr>
-              <a:t>temptation</a:t>
-            </a:r>
-            <a:r>
-              <a:rPr lang="it-IT" sz="2000" dirty="0" smtClean="0">
-                <a:latin typeface="Times New Roman" panose="02020603050405020304" pitchFamily="18" charset="0"/>
-                <a:cs typeface="Times New Roman" panose="02020603050405020304" pitchFamily="18" charset="0"/>
-              </a:rPr>
-              <a:t>”;</a:t>
+              <a:t>Cliccare per più di 10 volte;</a:t>
             </a:r>
           </a:p>
           <a:p>
@@ -9306,7 +9460,7 @@
                 <a:latin typeface="Times New Roman" panose="02020603050405020304" pitchFamily="18" charset="0"/>
                 <a:cs typeface="Times New Roman" panose="02020603050405020304" pitchFamily="18" charset="0"/>
               </a:rPr>
-              <a:t>Si aprirà la schermata con il premio vinto;</a:t>
+              <a:t>All’undicesima iterazione verrà mostrato un messaggio in cui verrà chiesto all’utente se vuole smettere di fumare per quel giorno oppure continuare;</a:t>
             </a:r>
           </a:p>
           <a:p>
@@ -9319,7 +9473,49 @@
                 <a:latin typeface="Times New Roman" panose="02020603050405020304" pitchFamily="18" charset="0"/>
                 <a:cs typeface="Times New Roman" panose="02020603050405020304" pitchFamily="18" charset="0"/>
               </a:rPr>
-              <a:t>Cliccare su “Ok”</a:t>
+              <a:t>Cliccare su “Yes” per vincere il premio “</a:t>
+            </a:r>
+            <a:r>
+              <a:rPr lang="it-IT" sz="2000" dirty="0" err="1" smtClean="0">
+                <a:latin typeface="Times New Roman" panose="02020603050405020304" pitchFamily="18" charset="0"/>
+                <a:cs typeface="Times New Roman" panose="02020603050405020304" pitchFamily="18" charset="0"/>
+              </a:rPr>
+              <a:t>Only</a:t>
+            </a:r>
+            <a:r>
+              <a:rPr lang="it-IT" sz="2000" dirty="0" smtClean="0">
+                <a:latin typeface="Times New Roman" panose="02020603050405020304" pitchFamily="18" charset="0"/>
+                <a:cs typeface="Times New Roman" panose="02020603050405020304" pitchFamily="18" charset="0"/>
+              </a:rPr>
+              <a:t> 10 </a:t>
+            </a:r>
+            <a:r>
+              <a:rPr lang="it-IT" sz="2000" dirty="0" err="1" smtClean="0">
+                <a:latin typeface="Times New Roman" panose="02020603050405020304" pitchFamily="18" charset="0"/>
+                <a:cs typeface="Times New Roman" panose="02020603050405020304" pitchFamily="18" charset="0"/>
+              </a:rPr>
+              <a:t>cigarettes</a:t>
+            </a:r>
+            <a:r>
+              <a:rPr lang="it-IT" sz="2000" dirty="0" smtClean="0">
+                <a:latin typeface="Times New Roman" panose="02020603050405020304" pitchFamily="18" charset="0"/>
+                <a:cs typeface="Times New Roman" panose="02020603050405020304" pitchFamily="18" charset="0"/>
+              </a:rPr>
+              <a:t> </a:t>
+            </a:r>
+            <a:r>
+              <a:rPr lang="it-IT" sz="2000" dirty="0" err="1" smtClean="0">
+                <a:latin typeface="Times New Roman" panose="02020603050405020304" pitchFamily="18" charset="0"/>
+                <a:cs typeface="Times New Roman" panose="02020603050405020304" pitchFamily="18" charset="0"/>
+              </a:rPr>
+              <a:t>smoked</a:t>
+            </a:r>
+            <a:r>
+              <a:rPr lang="it-IT" sz="2000" dirty="0" smtClean="0">
+                <a:latin typeface="Times New Roman" panose="02020603050405020304" pitchFamily="18" charset="0"/>
+                <a:cs typeface="Times New Roman" panose="02020603050405020304" pitchFamily="18" charset="0"/>
+              </a:rPr>
+              <a:t>”;</a:t>
             </a:r>
           </a:p>
           <a:p>
@@ -9332,21 +9528,7 @@
                 <a:latin typeface="Times New Roman" panose="02020603050405020304" pitchFamily="18" charset="0"/>
                 <a:cs typeface="Times New Roman" panose="02020603050405020304" pitchFamily="18" charset="0"/>
               </a:rPr>
-              <a:t>Si verrà reindirizzati sulla Home </a:t>
-            </a:r>
-            <a:r>
-              <a:rPr lang="it-IT" sz="2000" dirty="0" err="1" smtClean="0">
-                <a:latin typeface="Times New Roman" panose="02020603050405020304" pitchFamily="18" charset="0"/>
-                <a:cs typeface="Times New Roman" panose="02020603050405020304" pitchFamily="18" charset="0"/>
-              </a:rPr>
-              <a:t>page</a:t>
-            </a:r>
-            <a:r>
-              <a:rPr lang="it-IT" sz="2000" dirty="0" smtClean="0">
-                <a:latin typeface="Times New Roman" panose="02020603050405020304" pitchFamily="18" charset="0"/>
-                <a:cs typeface="Times New Roman" panose="02020603050405020304" pitchFamily="18" charset="0"/>
-              </a:rPr>
-              <a:t>.</a:t>
+              <a:t>Si aprirà la schermata con il premio vinto;</a:t>
             </a:r>
           </a:p>
           <a:p>
@@ -9359,6 +9541,115 @@
                 <a:latin typeface="Times New Roman" panose="02020603050405020304" pitchFamily="18" charset="0"/>
                 <a:cs typeface="Times New Roman" panose="02020603050405020304" pitchFamily="18" charset="0"/>
               </a:rPr>
+              <a:t>Cliccare su “Ok”;</a:t>
+            </a:r>
+          </a:p>
+          <a:p>
+            <a:pPr marL="457200" lvl="0" indent="-457200" algn="just">
+              <a:buFont typeface="+mj-lt"/>
+              <a:buAutoNum type="arabicPeriod"/>
+            </a:pPr>
+            <a:r>
+              <a:rPr lang="it-IT" sz="2000" dirty="0" smtClean="0">
+                <a:latin typeface="Times New Roman" panose="02020603050405020304" pitchFamily="18" charset="0"/>
+                <a:cs typeface="Times New Roman" panose="02020603050405020304" pitchFamily="18" charset="0"/>
+              </a:rPr>
+              <a:t>Si verrà reindirizzati sulla Home </a:t>
+            </a:r>
+            <a:r>
+              <a:rPr lang="it-IT" sz="2000" dirty="0" err="1" smtClean="0">
+                <a:latin typeface="Times New Roman" panose="02020603050405020304" pitchFamily="18" charset="0"/>
+                <a:cs typeface="Times New Roman" panose="02020603050405020304" pitchFamily="18" charset="0"/>
+              </a:rPr>
+              <a:t>page</a:t>
+            </a:r>
+            <a:r>
+              <a:rPr lang="it-IT" sz="2000" dirty="0" smtClean="0">
+                <a:latin typeface="Times New Roman" panose="02020603050405020304" pitchFamily="18" charset="0"/>
+                <a:cs typeface="Times New Roman" panose="02020603050405020304" pitchFamily="18" charset="0"/>
+              </a:rPr>
+              <a:t>.</a:t>
+            </a:r>
+          </a:p>
+          <a:p>
+            <a:pPr marL="457200" lvl="0" indent="-457200" algn="just">
+              <a:buFont typeface="+mj-lt"/>
+              <a:buAutoNum type="arabicPeriod"/>
+            </a:pPr>
+            <a:r>
+              <a:rPr lang="it-IT" sz="2000" dirty="0" smtClean="0">
+                <a:latin typeface="Times New Roman" panose="02020603050405020304" pitchFamily="18" charset="0"/>
+                <a:cs typeface="Times New Roman" panose="02020603050405020304" pitchFamily="18" charset="0"/>
+              </a:rPr>
+              <a:t>Il pulsante “</a:t>
+            </a:r>
+            <a:r>
+              <a:rPr lang="it-IT" sz="2000" dirty="0" err="1" smtClean="0">
+                <a:latin typeface="Times New Roman" panose="02020603050405020304" pitchFamily="18" charset="0"/>
+                <a:cs typeface="Times New Roman" panose="02020603050405020304" pitchFamily="18" charset="0"/>
+              </a:rPr>
+              <a:t>Add</a:t>
+            </a:r>
+            <a:r>
+              <a:rPr lang="it-IT" sz="2000" dirty="0" smtClean="0">
+                <a:latin typeface="Times New Roman" panose="02020603050405020304" pitchFamily="18" charset="0"/>
+                <a:cs typeface="Times New Roman" panose="02020603050405020304" pitchFamily="18" charset="0"/>
+              </a:rPr>
+              <a:t> a </a:t>
+            </a:r>
+            <a:r>
+              <a:rPr lang="it-IT" sz="2000" dirty="0" err="1" smtClean="0">
+                <a:latin typeface="Times New Roman" panose="02020603050405020304" pitchFamily="18" charset="0"/>
+                <a:cs typeface="Times New Roman" panose="02020603050405020304" pitchFamily="18" charset="0"/>
+              </a:rPr>
+              <a:t>cigarette</a:t>
+            </a:r>
+            <a:r>
+              <a:rPr lang="it-IT" sz="2000" dirty="0" smtClean="0">
+                <a:latin typeface="Times New Roman" panose="02020603050405020304" pitchFamily="18" charset="0"/>
+                <a:cs typeface="Times New Roman" panose="02020603050405020304" pitchFamily="18" charset="0"/>
+              </a:rPr>
+              <a:t>” adesso sarà rinominato in “No more </a:t>
+            </a:r>
+            <a:r>
+              <a:rPr lang="it-IT" sz="2000" dirty="0" err="1" smtClean="0">
+                <a:latin typeface="Times New Roman" panose="02020603050405020304" pitchFamily="18" charset="0"/>
+                <a:cs typeface="Times New Roman" panose="02020603050405020304" pitchFamily="18" charset="0"/>
+              </a:rPr>
+              <a:t>adding</a:t>
+            </a:r>
+            <a:r>
+              <a:rPr lang="it-IT" sz="2000" dirty="0" smtClean="0">
+                <a:latin typeface="Times New Roman" panose="02020603050405020304" pitchFamily="18" charset="0"/>
+                <a:cs typeface="Times New Roman" panose="02020603050405020304" pitchFamily="18" charset="0"/>
+              </a:rPr>
+              <a:t> </a:t>
+            </a:r>
+            <a:r>
+              <a:rPr lang="it-IT" sz="2000" dirty="0" err="1" smtClean="0">
+                <a:latin typeface="Times New Roman" panose="02020603050405020304" pitchFamily="18" charset="0"/>
+                <a:cs typeface="Times New Roman" panose="02020603050405020304" pitchFamily="18" charset="0"/>
+              </a:rPr>
+              <a:t>cigarette</a:t>
+            </a:r>
+            <a:r>
+              <a:rPr lang="it-IT" sz="2000" dirty="0" smtClean="0">
+                <a:latin typeface="Times New Roman" panose="02020603050405020304" pitchFamily="18" charset="0"/>
+                <a:cs typeface="Times New Roman" panose="02020603050405020304" pitchFamily="18" charset="0"/>
+              </a:rPr>
+              <a:t>”;</a:t>
+            </a:r>
+          </a:p>
+          <a:p>
+            <a:pPr marL="457200" lvl="0" indent="-457200" algn="just">
+              <a:buFont typeface="+mj-lt"/>
+              <a:buAutoNum type="arabicPeriod"/>
+            </a:pPr>
+            <a:r>
+              <a:rPr lang="it-IT" sz="2000" dirty="0" smtClean="0">
+                <a:latin typeface="Times New Roman" panose="02020603050405020304" pitchFamily="18" charset="0"/>
+                <a:cs typeface="Times New Roman" panose="02020603050405020304" pitchFamily="18" charset="0"/>
+              </a:rPr>
               <a:t>Cliccare su “</a:t>
             </a:r>
             <a:r>
@@ -9380,28 +9671,42 @@
                 <a:latin typeface="Times New Roman" panose="02020603050405020304" pitchFamily="18" charset="0"/>
                 <a:cs typeface="Times New Roman" panose="02020603050405020304" pitchFamily="18" charset="0"/>
               </a:rPr>
-              <a:t>Defeat</a:t>
-            </a:r>
-            <a:r>
-              <a:rPr lang="it-IT" sz="2000" dirty="0" smtClean="0">
-                <a:latin typeface="Times New Roman" panose="02020603050405020304" pitchFamily="18" charset="0"/>
-                <a:cs typeface="Times New Roman" panose="02020603050405020304" pitchFamily="18" charset="0"/>
-              </a:rPr>
-              <a:t> the </a:t>
+              <a:t>Only</a:t>
+            </a:r>
+            <a:r>
+              <a:rPr lang="it-IT" sz="2000" dirty="0" smtClean="0">
+                <a:latin typeface="Times New Roman" panose="02020603050405020304" pitchFamily="18" charset="0"/>
+                <a:cs typeface="Times New Roman" panose="02020603050405020304" pitchFamily="18" charset="0"/>
+              </a:rPr>
+              <a:t> 10 </a:t>
             </a:r>
             <a:r>
               <a:rPr lang="it-IT" sz="2000" dirty="0" err="1" smtClean="0">
                 <a:latin typeface="Times New Roman" panose="02020603050405020304" pitchFamily="18" charset="0"/>
                 <a:cs typeface="Times New Roman" panose="02020603050405020304" pitchFamily="18" charset="0"/>
               </a:rPr>
-              <a:t>temptation</a:t>
-            </a:r>
-            <a:r>
-              <a:rPr lang="it-IT" sz="2000" dirty="0" smtClean="0">
-                <a:latin typeface="Times New Roman" panose="02020603050405020304" pitchFamily="18" charset="0"/>
-                <a:cs typeface="Times New Roman" panose="02020603050405020304" pitchFamily="18" charset="0"/>
-              </a:rPr>
-              <a:t>” sarà in evidenza rispetto agli altri).</a:t>
+              <a:t>cigarettes</a:t>
+            </a:r>
+            <a:r>
+              <a:rPr lang="it-IT" sz="2000" dirty="0" smtClean="0">
+                <a:latin typeface="Times New Roman" panose="02020603050405020304" pitchFamily="18" charset="0"/>
+                <a:cs typeface="Times New Roman" panose="02020603050405020304" pitchFamily="18" charset="0"/>
+              </a:rPr>
+              <a:t> </a:t>
+            </a:r>
+            <a:r>
+              <a:rPr lang="it-IT" sz="2000" dirty="0" err="1" smtClean="0">
+                <a:latin typeface="Times New Roman" panose="02020603050405020304" pitchFamily="18" charset="0"/>
+                <a:cs typeface="Times New Roman" panose="02020603050405020304" pitchFamily="18" charset="0"/>
+              </a:rPr>
+              <a:t>smoked</a:t>
+            </a:r>
+            <a:r>
+              <a:rPr lang="it-IT" sz="2000" dirty="0" smtClean="0">
+                <a:latin typeface="Times New Roman" panose="02020603050405020304" pitchFamily="18" charset="0"/>
+                <a:cs typeface="Times New Roman" panose="02020603050405020304" pitchFamily="18" charset="0"/>
+              </a:rPr>
+              <a:t>” sarà in evidenza).</a:t>
             </a:r>
             <a:endParaRPr lang="it-IT" sz="2000" dirty="0">
               <a:latin typeface="Times New Roman" panose="02020603050405020304" pitchFamily="18" charset="0"/>
@@ -9527,7 +9832,7 @@
         </p:spPr>
         <p:txBody>
           <a:bodyPr vert="horz" lIns="91440" tIns="45720" rIns="91440" bIns="45720" rtlCol="0">
-            <a:normAutofit lnSpcReduction="10000"/>
+            <a:normAutofit/>
           </a:bodyPr>
           <a:lstStyle/>
           <a:p>
@@ -9544,49 +9849,7 @@
                 <a:latin typeface="Times New Roman" panose="02020603050405020304" pitchFamily="18" charset="0"/>
                 <a:cs typeface="Times New Roman" panose="02020603050405020304" pitchFamily="18" charset="0"/>
               </a:rPr>
-              <a:t>Task 4 – Vincere il premio “</a:t>
-            </a:r>
-            <a:r>
-              <a:rPr lang="it-IT" sz="2500" b="1" dirty="0" err="1" smtClean="0">
-                <a:latin typeface="Times New Roman" panose="02020603050405020304" pitchFamily="18" charset="0"/>
-                <a:cs typeface="Times New Roman" panose="02020603050405020304" pitchFamily="18" charset="0"/>
-              </a:rPr>
-              <a:t>Only</a:t>
-            </a:r>
-            <a:r>
-              <a:rPr lang="it-IT" sz="2500" b="1" dirty="0" smtClean="0">
-                <a:latin typeface="Times New Roman" panose="02020603050405020304" pitchFamily="18" charset="0"/>
-                <a:cs typeface="Times New Roman" panose="02020603050405020304" pitchFamily="18" charset="0"/>
-              </a:rPr>
-              <a:t> 10 </a:t>
-            </a:r>
-            <a:r>
-              <a:rPr lang="it-IT" sz="2500" b="1" dirty="0" err="1" smtClean="0">
-                <a:latin typeface="Times New Roman" panose="02020603050405020304" pitchFamily="18" charset="0"/>
-                <a:cs typeface="Times New Roman" panose="02020603050405020304" pitchFamily="18" charset="0"/>
-              </a:rPr>
-              <a:t>cigarettes</a:t>
-            </a:r>
-            <a:r>
-              <a:rPr lang="it-IT" sz="2500" b="1" dirty="0" smtClean="0">
-                <a:latin typeface="Times New Roman" panose="02020603050405020304" pitchFamily="18" charset="0"/>
-                <a:cs typeface="Times New Roman" panose="02020603050405020304" pitchFamily="18" charset="0"/>
-              </a:rPr>
-              <a:t> </a:t>
-            </a:r>
-            <a:r>
-              <a:rPr lang="it-IT" sz="2500" b="1" dirty="0" err="1" smtClean="0">
-                <a:latin typeface="Times New Roman" panose="02020603050405020304" pitchFamily="18" charset="0"/>
-                <a:cs typeface="Times New Roman" panose="02020603050405020304" pitchFamily="18" charset="0"/>
-              </a:rPr>
-              <a:t>smoked</a:t>
-            </a:r>
-            <a:r>
-              <a:rPr lang="it-IT" sz="2500" b="1" dirty="0" smtClean="0">
-                <a:latin typeface="Times New Roman" panose="02020603050405020304" pitchFamily="18" charset="0"/>
-                <a:cs typeface="Times New Roman" panose="02020603050405020304" pitchFamily="18" charset="0"/>
-              </a:rPr>
-              <a:t>”</a:t>
+              <a:t>Task 5 – Visualizzare i progressi</a:t>
             </a:r>
             <a:endParaRPr lang="it-IT" sz="2500" dirty="0" smtClean="0">
               <a:latin typeface="Times New Roman" panose="02020603050405020304" pitchFamily="18" charset="0"/>
@@ -9607,6 +9870,58 @@
             </a:r>
           </a:p>
           <a:p>
+            <a:pPr algn="just"/>
+            <a:r>
+              <a:rPr lang="it-IT" sz="2000" dirty="0" smtClean="0">
+                <a:latin typeface="Times New Roman" panose="02020603050405020304" pitchFamily="18" charset="0"/>
+                <a:cs typeface="Times New Roman" panose="02020603050405020304" pitchFamily="18" charset="0"/>
+              </a:rPr>
+              <a:t>Ogni volta che si incrementa il numero di sigarette (quando l’obiettivo “</a:t>
+            </a:r>
+            <a:r>
+              <a:rPr lang="it-IT" sz="2000" dirty="0" err="1" smtClean="0">
+                <a:latin typeface="Times New Roman" panose="02020603050405020304" pitchFamily="18" charset="0"/>
+                <a:cs typeface="Times New Roman" panose="02020603050405020304" pitchFamily="18" charset="0"/>
+              </a:rPr>
+              <a:t>Only</a:t>
+            </a:r>
+            <a:r>
+              <a:rPr lang="it-IT" sz="2000" dirty="0" smtClean="0">
+                <a:latin typeface="Times New Roman" panose="02020603050405020304" pitchFamily="18" charset="0"/>
+                <a:cs typeface="Times New Roman" panose="02020603050405020304" pitchFamily="18" charset="0"/>
+              </a:rPr>
+              <a:t> 10 </a:t>
+            </a:r>
+            <a:r>
+              <a:rPr lang="it-IT" sz="2000" dirty="0" err="1" smtClean="0">
+                <a:latin typeface="Times New Roman" panose="02020603050405020304" pitchFamily="18" charset="0"/>
+                <a:cs typeface="Times New Roman" panose="02020603050405020304" pitchFamily="18" charset="0"/>
+              </a:rPr>
+              <a:t>cigarettes</a:t>
+            </a:r>
+            <a:r>
+              <a:rPr lang="it-IT" sz="2000" dirty="0" smtClean="0">
+                <a:latin typeface="Times New Roman" panose="02020603050405020304" pitchFamily="18" charset="0"/>
+                <a:cs typeface="Times New Roman" panose="02020603050405020304" pitchFamily="18" charset="0"/>
+              </a:rPr>
+              <a:t> </a:t>
+            </a:r>
+            <a:r>
+              <a:rPr lang="it-IT" sz="2000" dirty="0" err="1" smtClean="0">
+                <a:latin typeface="Times New Roman" panose="02020603050405020304" pitchFamily="18" charset="0"/>
+                <a:cs typeface="Times New Roman" panose="02020603050405020304" pitchFamily="18" charset="0"/>
+              </a:rPr>
+              <a:t>smoked</a:t>
+            </a:r>
+            <a:r>
+              <a:rPr lang="it-IT" sz="2000" dirty="0" smtClean="0">
+                <a:latin typeface="Times New Roman" panose="02020603050405020304" pitchFamily="18" charset="0"/>
+                <a:cs typeface="Times New Roman" panose="02020603050405020304" pitchFamily="18" charset="0"/>
+              </a:rPr>
+              <a:t>” è selezionato), il valore in percentuale dell’obiettivo scelto verrà incrementato:</a:t>
+            </a:r>
+          </a:p>
+          <a:p>
             <a:pPr marL="457200" lvl="0" indent="-457200" algn="just">
               <a:buFont typeface="+mj-lt"/>
               <a:buAutoNum type="arabicPeriod"/>
@@ -9616,35 +9931,7 @@
                 <a:latin typeface="Times New Roman" panose="02020603050405020304" pitchFamily="18" charset="0"/>
                 <a:cs typeface="Times New Roman" panose="02020603050405020304" pitchFamily="18" charset="0"/>
               </a:rPr>
-              <a:t>Cliccare sul pulsante “</a:t>
-            </a:r>
-            <a:r>
-              <a:rPr lang="it-IT" sz="2000" dirty="0" err="1" smtClean="0">
-                <a:latin typeface="Times New Roman" panose="02020603050405020304" pitchFamily="18" charset="0"/>
-                <a:cs typeface="Times New Roman" panose="02020603050405020304" pitchFamily="18" charset="0"/>
-              </a:rPr>
-              <a:t>Add</a:t>
-            </a:r>
-            <a:r>
-              <a:rPr lang="it-IT" sz="2000" dirty="0" smtClean="0">
-                <a:latin typeface="Times New Roman" panose="02020603050405020304" pitchFamily="18" charset="0"/>
-                <a:cs typeface="Times New Roman" panose="02020603050405020304" pitchFamily="18" charset="0"/>
-              </a:rPr>
-              <a:t> a </a:t>
-            </a:r>
-            <a:r>
-              <a:rPr lang="it-IT" sz="2000" dirty="0" err="1" smtClean="0">
-                <a:latin typeface="Times New Roman" panose="02020603050405020304" pitchFamily="18" charset="0"/>
-                <a:cs typeface="Times New Roman" panose="02020603050405020304" pitchFamily="18" charset="0"/>
-              </a:rPr>
-              <a:t>cigarettes</a:t>
-            </a:r>
-            <a:r>
-              <a:rPr lang="it-IT" sz="2000" dirty="0" smtClean="0">
-                <a:latin typeface="Times New Roman" panose="02020603050405020304" pitchFamily="18" charset="0"/>
-                <a:cs typeface="Times New Roman" panose="02020603050405020304" pitchFamily="18" charset="0"/>
-              </a:rPr>
-              <a:t>”;</a:t>
+              <a:t>Cliccare sul menù a tendina in alto;</a:t>
             </a:r>
           </a:p>
           <a:p>
@@ -9657,21 +9944,7 @@
                 <a:latin typeface="Times New Roman" panose="02020603050405020304" pitchFamily="18" charset="0"/>
                 <a:cs typeface="Times New Roman" panose="02020603050405020304" pitchFamily="18" charset="0"/>
               </a:rPr>
-              <a:t>Il numero delle sigarette verrà incrementato di un’unità come mostrato sulla Home </a:t>
-            </a:r>
-            <a:r>
-              <a:rPr lang="it-IT" sz="2000" dirty="0" err="1" smtClean="0">
-                <a:latin typeface="Times New Roman" panose="02020603050405020304" pitchFamily="18" charset="0"/>
-                <a:cs typeface="Times New Roman" panose="02020603050405020304" pitchFamily="18" charset="0"/>
-              </a:rPr>
-              <a:t>page</a:t>
-            </a:r>
-            <a:r>
-              <a:rPr lang="it-IT" sz="2000" dirty="0" smtClean="0">
-                <a:latin typeface="Times New Roman" panose="02020603050405020304" pitchFamily="18" charset="0"/>
-                <a:cs typeface="Times New Roman" panose="02020603050405020304" pitchFamily="18" charset="0"/>
-              </a:rPr>
-              <a:t>;</a:t>
+              <a:t>Cliccare su “Progress”;</a:t>
             </a:r>
           </a:p>
           <a:p>
@@ -9684,266 +9957,7 @@
                 <a:latin typeface="Times New Roman" panose="02020603050405020304" pitchFamily="18" charset="0"/>
                 <a:cs typeface="Times New Roman" panose="02020603050405020304" pitchFamily="18" charset="0"/>
               </a:rPr>
-              <a:t>Cliccare per più di 10 volte;</a:t>
-            </a:r>
-          </a:p>
-          <a:p>
-            <a:pPr marL="457200" lvl="0" indent="-457200" algn="just">
-              <a:buFont typeface="+mj-lt"/>
-              <a:buAutoNum type="arabicPeriod"/>
-            </a:pPr>
-            <a:r>
-              <a:rPr lang="it-IT" sz="2000" dirty="0" smtClean="0">
-                <a:latin typeface="Times New Roman" panose="02020603050405020304" pitchFamily="18" charset="0"/>
-                <a:cs typeface="Times New Roman" panose="02020603050405020304" pitchFamily="18" charset="0"/>
-              </a:rPr>
-              <a:t>All’undicesima iterazione verrà mostrato un messaggio in cui verrà chiesto all’utente se vuole smettere di fumare per quel giorno oppure continuare;</a:t>
-            </a:r>
-          </a:p>
-          <a:p>
-            <a:pPr marL="457200" lvl="0" indent="-457200" algn="just">
-              <a:buFont typeface="+mj-lt"/>
-              <a:buAutoNum type="arabicPeriod"/>
-            </a:pPr>
-            <a:r>
-              <a:rPr lang="it-IT" sz="2000" dirty="0" smtClean="0">
-                <a:latin typeface="Times New Roman" panose="02020603050405020304" pitchFamily="18" charset="0"/>
-                <a:cs typeface="Times New Roman" panose="02020603050405020304" pitchFamily="18" charset="0"/>
-              </a:rPr>
-              <a:t>Cliccare su “Yes” per vincere il premio “</a:t>
-            </a:r>
-            <a:r>
-              <a:rPr lang="it-IT" sz="2000" dirty="0" err="1" smtClean="0">
-                <a:latin typeface="Times New Roman" panose="02020603050405020304" pitchFamily="18" charset="0"/>
-                <a:cs typeface="Times New Roman" panose="02020603050405020304" pitchFamily="18" charset="0"/>
-              </a:rPr>
-              <a:t>Only</a:t>
-            </a:r>
-            <a:r>
-              <a:rPr lang="it-IT" sz="2000" dirty="0" smtClean="0">
-                <a:latin typeface="Times New Roman" panose="02020603050405020304" pitchFamily="18" charset="0"/>
-                <a:cs typeface="Times New Roman" panose="02020603050405020304" pitchFamily="18" charset="0"/>
-              </a:rPr>
-              <a:t> 10 </a:t>
-            </a:r>
-            <a:r>
-              <a:rPr lang="it-IT" sz="2000" dirty="0" err="1" smtClean="0">
-                <a:latin typeface="Times New Roman" panose="02020603050405020304" pitchFamily="18" charset="0"/>
-                <a:cs typeface="Times New Roman" panose="02020603050405020304" pitchFamily="18" charset="0"/>
-              </a:rPr>
-              <a:t>cigarettes</a:t>
-            </a:r>
-            <a:r>
-              <a:rPr lang="it-IT" sz="2000" dirty="0" smtClean="0">
-                <a:latin typeface="Times New Roman" panose="02020603050405020304" pitchFamily="18" charset="0"/>
-                <a:cs typeface="Times New Roman" panose="02020603050405020304" pitchFamily="18" charset="0"/>
-              </a:rPr>
-              <a:t> </a:t>
-            </a:r>
-            <a:r>
-              <a:rPr lang="it-IT" sz="2000" dirty="0" err="1" smtClean="0">
-                <a:latin typeface="Times New Roman" panose="02020603050405020304" pitchFamily="18" charset="0"/>
-                <a:cs typeface="Times New Roman" panose="02020603050405020304" pitchFamily="18" charset="0"/>
-              </a:rPr>
-              <a:t>smoked</a:t>
-            </a:r>
-            <a:r>
-              <a:rPr lang="it-IT" sz="2000" dirty="0" smtClean="0">
-                <a:latin typeface="Times New Roman" panose="02020603050405020304" pitchFamily="18" charset="0"/>
-                <a:cs typeface="Times New Roman" panose="02020603050405020304" pitchFamily="18" charset="0"/>
-              </a:rPr>
-              <a:t>”;</a:t>
-            </a:r>
-          </a:p>
-          <a:p>
-            <a:pPr marL="457200" lvl="0" indent="-457200" algn="just">
-              <a:buFont typeface="+mj-lt"/>
-              <a:buAutoNum type="arabicPeriod"/>
-            </a:pPr>
-            <a:r>
-              <a:rPr lang="it-IT" sz="2000" dirty="0" smtClean="0">
-                <a:latin typeface="Times New Roman" panose="02020603050405020304" pitchFamily="18" charset="0"/>
-                <a:cs typeface="Times New Roman" panose="02020603050405020304" pitchFamily="18" charset="0"/>
-              </a:rPr>
-              <a:t>Si aprirà la schermata con il premio vinto;</a:t>
-            </a:r>
-          </a:p>
-          <a:p>
-            <a:pPr marL="457200" lvl="0" indent="-457200" algn="just">
-              <a:buFont typeface="+mj-lt"/>
-              <a:buAutoNum type="arabicPeriod"/>
-            </a:pPr>
-            <a:r>
-              <a:rPr lang="it-IT" sz="2000" dirty="0" smtClean="0">
-                <a:latin typeface="Times New Roman" panose="02020603050405020304" pitchFamily="18" charset="0"/>
-                <a:cs typeface="Times New Roman" panose="02020603050405020304" pitchFamily="18" charset="0"/>
-              </a:rPr>
-              <a:t>Cliccare su “Ok”;</a:t>
-            </a:r>
-          </a:p>
-          <a:p>
-            <a:pPr marL="457200" lvl="0" indent="-457200" algn="just">
-              <a:buFont typeface="+mj-lt"/>
-              <a:buAutoNum type="arabicPeriod"/>
-            </a:pPr>
-            <a:r>
-              <a:rPr lang="it-IT" sz="2000" dirty="0" smtClean="0">
-                <a:latin typeface="Times New Roman" panose="02020603050405020304" pitchFamily="18" charset="0"/>
-                <a:cs typeface="Times New Roman" panose="02020603050405020304" pitchFamily="18" charset="0"/>
-              </a:rPr>
-              <a:t>Si verrà reindirizzati sulla Home </a:t>
-            </a:r>
-            <a:r>
-              <a:rPr lang="it-IT" sz="2000" dirty="0" err="1" smtClean="0">
-                <a:latin typeface="Times New Roman" panose="02020603050405020304" pitchFamily="18" charset="0"/>
-                <a:cs typeface="Times New Roman" panose="02020603050405020304" pitchFamily="18" charset="0"/>
-              </a:rPr>
-              <a:t>page</a:t>
-            </a:r>
-            <a:r>
-              <a:rPr lang="it-IT" sz="2000" dirty="0" smtClean="0">
-                <a:latin typeface="Times New Roman" panose="02020603050405020304" pitchFamily="18" charset="0"/>
-                <a:cs typeface="Times New Roman" panose="02020603050405020304" pitchFamily="18" charset="0"/>
-              </a:rPr>
-              <a:t>.</a:t>
-            </a:r>
-          </a:p>
-          <a:p>
-            <a:pPr marL="457200" lvl="0" indent="-457200" algn="just">
-              <a:buFont typeface="+mj-lt"/>
-              <a:buAutoNum type="arabicPeriod"/>
-            </a:pPr>
-            <a:r>
-              <a:rPr lang="it-IT" sz="2000" dirty="0" smtClean="0">
-                <a:latin typeface="Times New Roman" panose="02020603050405020304" pitchFamily="18" charset="0"/>
-                <a:cs typeface="Times New Roman" panose="02020603050405020304" pitchFamily="18" charset="0"/>
-              </a:rPr>
-              <a:t>Il pulsante “</a:t>
-            </a:r>
-            <a:r>
-              <a:rPr lang="it-IT" sz="2000" dirty="0" err="1" smtClean="0">
-                <a:latin typeface="Times New Roman" panose="02020603050405020304" pitchFamily="18" charset="0"/>
-                <a:cs typeface="Times New Roman" panose="02020603050405020304" pitchFamily="18" charset="0"/>
-              </a:rPr>
-              <a:t>Add</a:t>
-            </a:r>
-            <a:r>
-              <a:rPr lang="it-IT" sz="2000" dirty="0" smtClean="0">
-                <a:latin typeface="Times New Roman" panose="02020603050405020304" pitchFamily="18" charset="0"/>
-                <a:cs typeface="Times New Roman" panose="02020603050405020304" pitchFamily="18" charset="0"/>
-              </a:rPr>
-              <a:t> a </a:t>
-            </a:r>
-            <a:r>
-              <a:rPr lang="it-IT" sz="2000" dirty="0" err="1" smtClean="0">
-                <a:latin typeface="Times New Roman" panose="02020603050405020304" pitchFamily="18" charset="0"/>
-                <a:cs typeface="Times New Roman" panose="02020603050405020304" pitchFamily="18" charset="0"/>
-              </a:rPr>
-              <a:t>cigarette</a:t>
-            </a:r>
-            <a:r>
-              <a:rPr lang="it-IT" sz="2000" dirty="0" smtClean="0">
-                <a:latin typeface="Times New Roman" panose="02020603050405020304" pitchFamily="18" charset="0"/>
-                <a:cs typeface="Times New Roman" panose="02020603050405020304" pitchFamily="18" charset="0"/>
-              </a:rPr>
-              <a:t>” adesso sarà rinominato in “No more </a:t>
-            </a:r>
-            <a:r>
-              <a:rPr lang="it-IT" sz="2000" dirty="0" err="1" smtClean="0">
-                <a:latin typeface="Times New Roman" panose="02020603050405020304" pitchFamily="18" charset="0"/>
-                <a:cs typeface="Times New Roman" panose="02020603050405020304" pitchFamily="18" charset="0"/>
-              </a:rPr>
-              <a:t>adding</a:t>
-            </a:r>
-            <a:r>
-              <a:rPr lang="it-IT" sz="2000" dirty="0" smtClean="0">
-                <a:latin typeface="Times New Roman" panose="02020603050405020304" pitchFamily="18" charset="0"/>
-                <a:cs typeface="Times New Roman" panose="02020603050405020304" pitchFamily="18" charset="0"/>
-              </a:rPr>
-              <a:t> </a:t>
-            </a:r>
-            <a:r>
-              <a:rPr lang="it-IT" sz="2000" dirty="0" err="1" smtClean="0">
-                <a:latin typeface="Times New Roman" panose="02020603050405020304" pitchFamily="18" charset="0"/>
-                <a:cs typeface="Times New Roman" panose="02020603050405020304" pitchFamily="18" charset="0"/>
-              </a:rPr>
-              <a:t>cigarette</a:t>
-            </a:r>
-            <a:r>
-              <a:rPr lang="it-IT" sz="2000" dirty="0" smtClean="0">
-                <a:latin typeface="Times New Roman" panose="02020603050405020304" pitchFamily="18" charset="0"/>
-                <a:cs typeface="Times New Roman" panose="02020603050405020304" pitchFamily="18" charset="0"/>
-              </a:rPr>
-              <a:t>”;</a:t>
-            </a:r>
-          </a:p>
-          <a:p>
-            <a:pPr marL="457200" lvl="0" indent="-457200" algn="just">
-              <a:buFont typeface="+mj-lt"/>
-              <a:buAutoNum type="arabicPeriod"/>
-            </a:pPr>
-            <a:r>
-              <a:rPr lang="it-IT" sz="2000" dirty="0" smtClean="0">
-                <a:latin typeface="Times New Roman" panose="02020603050405020304" pitchFamily="18" charset="0"/>
-                <a:cs typeface="Times New Roman" panose="02020603050405020304" pitchFamily="18" charset="0"/>
-              </a:rPr>
-              <a:t>Cliccare su “</a:t>
-            </a:r>
-            <a:r>
-              <a:rPr lang="it-IT" sz="2000" dirty="0" err="1" smtClean="0">
-                <a:latin typeface="Times New Roman" panose="02020603050405020304" pitchFamily="18" charset="0"/>
-                <a:cs typeface="Times New Roman" panose="02020603050405020304" pitchFamily="18" charset="0"/>
-              </a:rPr>
-              <a:t>Achievements</a:t>
-            </a:r>
-            <a:r>
-              <a:rPr lang="it-IT" sz="2000" dirty="0" smtClean="0">
-                <a:latin typeface="Times New Roman" panose="02020603050405020304" pitchFamily="18" charset="0"/>
-                <a:cs typeface="Times New Roman" panose="02020603050405020304" pitchFamily="18" charset="0"/>
-              </a:rPr>
-              <a:t>” per visualizzare la schermata con i premi vinti (“</a:t>
-            </a:r>
-            <a:r>
-              <a:rPr lang="it-IT" sz="2000" dirty="0" err="1" smtClean="0">
-                <a:latin typeface="Times New Roman" panose="02020603050405020304" pitchFamily="18" charset="0"/>
-                <a:cs typeface="Times New Roman" panose="02020603050405020304" pitchFamily="18" charset="0"/>
-              </a:rPr>
-              <a:t>Only</a:t>
-            </a:r>
-            <a:r>
-              <a:rPr lang="it-IT" sz="2000" dirty="0" smtClean="0">
-                <a:latin typeface="Times New Roman" panose="02020603050405020304" pitchFamily="18" charset="0"/>
-                <a:cs typeface="Times New Roman" panose="02020603050405020304" pitchFamily="18" charset="0"/>
-              </a:rPr>
-              <a:t> 10 </a:t>
-            </a:r>
-            <a:r>
-              <a:rPr lang="it-IT" sz="2000" dirty="0" err="1" smtClean="0">
-                <a:latin typeface="Times New Roman" panose="02020603050405020304" pitchFamily="18" charset="0"/>
-                <a:cs typeface="Times New Roman" panose="02020603050405020304" pitchFamily="18" charset="0"/>
-              </a:rPr>
-              <a:t>cigarettes</a:t>
-            </a:r>
-            <a:r>
-              <a:rPr lang="it-IT" sz="2000" dirty="0" smtClean="0">
-                <a:latin typeface="Times New Roman" panose="02020603050405020304" pitchFamily="18" charset="0"/>
-                <a:cs typeface="Times New Roman" panose="02020603050405020304" pitchFamily="18" charset="0"/>
-              </a:rPr>
-              <a:t> </a:t>
-            </a:r>
-            <a:r>
-              <a:rPr lang="it-IT" sz="2000" dirty="0" err="1" smtClean="0">
-                <a:latin typeface="Times New Roman" panose="02020603050405020304" pitchFamily="18" charset="0"/>
-                <a:cs typeface="Times New Roman" panose="02020603050405020304" pitchFamily="18" charset="0"/>
-              </a:rPr>
-              <a:t>smoked</a:t>
-            </a:r>
-            <a:r>
-              <a:rPr lang="it-IT" sz="2000" dirty="0" smtClean="0">
-                <a:latin typeface="Times New Roman" panose="02020603050405020304" pitchFamily="18" charset="0"/>
-                <a:cs typeface="Times New Roman" panose="02020603050405020304" pitchFamily="18" charset="0"/>
-              </a:rPr>
-              <a:t>” sarà in evidenza).</a:t>
+              <a:t>Il valore in percentuale aumenterà finché non giungerà a 100%.</a:t>
             </a:r>
             <a:endParaRPr lang="it-IT" sz="2000" dirty="0">
               <a:latin typeface="Times New Roman" panose="02020603050405020304" pitchFamily="18" charset="0"/>
@@ -10086,7 +10100,49 @@
                 <a:latin typeface="Times New Roman" panose="02020603050405020304" pitchFamily="18" charset="0"/>
                 <a:cs typeface="Times New Roman" panose="02020603050405020304" pitchFamily="18" charset="0"/>
               </a:rPr>
-              <a:t>Task 5 – Visualizzare i progressi</a:t>
+              <a:t>Task 6 – Perdere il premio “</a:t>
+            </a:r>
+            <a:r>
+              <a:rPr lang="it-IT" sz="2500" b="1" dirty="0" err="1" smtClean="0">
+                <a:latin typeface="Times New Roman" panose="02020603050405020304" pitchFamily="18" charset="0"/>
+                <a:cs typeface="Times New Roman" panose="02020603050405020304" pitchFamily="18" charset="0"/>
+              </a:rPr>
+              <a:t>Only</a:t>
+            </a:r>
+            <a:r>
+              <a:rPr lang="it-IT" sz="2500" b="1" dirty="0" smtClean="0">
+                <a:latin typeface="Times New Roman" panose="02020603050405020304" pitchFamily="18" charset="0"/>
+                <a:cs typeface="Times New Roman" panose="02020603050405020304" pitchFamily="18" charset="0"/>
+              </a:rPr>
+              <a:t> 10 </a:t>
+            </a:r>
+            <a:r>
+              <a:rPr lang="it-IT" sz="2500" b="1" dirty="0" err="1" smtClean="0">
+                <a:latin typeface="Times New Roman" panose="02020603050405020304" pitchFamily="18" charset="0"/>
+                <a:cs typeface="Times New Roman" panose="02020603050405020304" pitchFamily="18" charset="0"/>
+              </a:rPr>
+              <a:t>cigarettes</a:t>
+            </a:r>
+            <a:r>
+              <a:rPr lang="it-IT" sz="2500" b="1" dirty="0" smtClean="0">
+                <a:latin typeface="Times New Roman" panose="02020603050405020304" pitchFamily="18" charset="0"/>
+                <a:cs typeface="Times New Roman" panose="02020603050405020304" pitchFamily="18" charset="0"/>
+              </a:rPr>
+              <a:t> </a:t>
+            </a:r>
+            <a:r>
+              <a:rPr lang="it-IT" sz="2500" b="1" dirty="0" err="1" smtClean="0">
+                <a:latin typeface="Times New Roman" panose="02020603050405020304" pitchFamily="18" charset="0"/>
+                <a:cs typeface="Times New Roman" panose="02020603050405020304" pitchFamily="18" charset="0"/>
+              </a:rPr>
+              <a:t>smoked</a:t>
+            </a:r>
+            <a:r>
+              <a:rPr lang="it-IT" sz="2500" b="1" dirty="0" smtClean="0">
+                <a:latin typeface="Times New Roman" panose="02020603050405020304" pitchFamily="18" charset="0"/>
+                <a:cs typeface="Times New Roman" panose="02020603050405020304" pitchFamily="18" charset="0"/>
+              </a:rPr>
+              <a:t>”</a:t>
             </a:r>
             <a:endParaRPr lang="it-IT" sz="2500" dirty="0" smtClean="0">
               <a:latin typeface="Times New Roman" panose="02020603050405020304" pitchFamily="18" charset="0"/>
@@ -10107,58 +10163,6 @@
             </a:r>
           </a:p>
           <a:p>
-            <a:pPr algn="just"/>
-            <a:r>
-              <a:rPr lang="it-IT" sz="2000" dirty="0" smtClean="0">
-                <a:latin typeface="Times New Roman" panose="02020603050405020304" pitchFamily="18" charset="0"/>
-                <a:cs typeface="Times New Roman" panose="02020603050405020304" pitchFamily="18" charset="0"/>
-              </a:rPr>
-              <a:t>Ogni volta che si incrementa il numero di sigarette (quando l’obiettivo “</a:t>
-            </a:r>
-            <a:r>
-              <a:rPr lang="it-IT" sz="2000" dirty="0" err="1" smtClean="0">
-                <a:latin typeface="Times New Roman" panose="02020603050405020304" pitchFamily="18" charset="0"/>
-                <a:cs typeface="Times New Roman" panose="02020603050405020304" pitchFamily="18" charset="0"/>
-              </a:rPr>
-              <a:t>Only</a:t>
-            </a:r>
-            <a:r>
-              <a:rPr lang="it-IT" sz="2000" dirty="0" smtClean="0">
-                <a:latin typeface="Times New Roman" panose="02020603050405020304" pitchFamily="18" charset="0"/>
-                <a:cs typeface="Times New Roman" panose="02020603050405020304" pitchFamily="18" charset="0"/>
-              </a:rPr>
-              <a:t> 10 </a:t>
-            </a:r>
-            <a:r>
-              <a:rPr lang="it-IT" sz="2000" dirty="0" err="1" smtClean="0">
-                <a:latin typeface="Times New Roman" panose="02020603050405020304" pitchFamily="18" charset="0"/>
-                <a:cs typeface="Times New Roman" panose="02020603050405020304" pitchFamily="18" charset="0"/>
-              </a:rPr>
-              <a:t>cigarettes</a:t>
-            </a:r>
-            <a:r>
-              <a:rPr lang="it-IT" sz="2000" dirty="0" smtClean="0">
-                <a:latin typeface="Times New Roman" panose="02020603050405020304" pitchFamily="18" charset="0"/>
-                <a:cs typeface="Times New Roman" panose="02020603050405020304" pitchFamily="18" charset="0"/>
-              </a:rPr>
-              <a:t> </a:t>
-            </a:r>
-            <a:r>
-              <a:rPr lang="it-IT" sz="2000" dirty="0" err="1" smtClean="0">
-                <a:latin typeface="Times New Roman" panose="02020603050405020304" pitchFamily="18" charset="0"/>
-                <a:cs typeface="Times New Roman" panose="02020603050405020304" pitchFamily="18" charset="0"/>
-              </a:rPr>
-              <a:t>smoked</a:t>
-            </a:r>
-            <a:r>
-              <a:rPr lang="it-IT" sz="2000" dirty="0" smtClean="0">
-                <a:latin typeface="Times New Roman" panose="02020603050405020304" pitchFamily="18" charset="0"/>
-                <a:cs typeface="Times New Roman" panose="02020603050405020304" pitchFamily="18" charset="0"/>
-              </a:rPr>
-              <a:t>” è selezionato), il valore in percentuale dell’obiettivo scelto verrà incrementato:</a:t>
-            </a:r>
-          </a:p>
-          <a:p>
             <a:pPr marL="457200" lvl="0" indent="-457200" algn="just">
               <a:buFont typeface="+mj-lt"/>
               <a:buAutoNum type="arabicPeriod"/>
@@ -10168,7 +10172,35 @@
                 <a:latin typeface="Times New Roman" panose="02020603050405020304" pitchFamily="18" charset="0"/>
                 <a:cs typeface="Times New Roman" panose="02020603050405020304" pitchFamily="18" charset="0"/>
               </a:rPr>
-              <a:t>Cliccare sul menù a tendina in alto;</a:t>
+              <a:t>Cliccare sul pulsante “No more </a:t>
+            </a:r>
+            <a:r>
+              <a:rPr lang="it-IT" sz="2000" dirty="0" err="1" smtClean="0">
+                <a:latin typeface="Times New Roman" panose="02020603050405020304" pitchFamily="18" charset="0"/>
+                <a:cs typeface="Times New Roman" panose="02020603050405020304" pitchFamily="18" charset="0"/>
+              </a:rPr>
+              <a:t>adding</a:t>
+            </a:r>
+            <a:r>
+              <a:rPr lang="it-IT" sz="2000" dirty="0" smtClean="0">
+                <a:latin typeface="Times New Roman" panose="02020603050405020304" pitchFamily="18" charset="0"/>
+                <a:cs typeface="Times New Roman" panose="02020603050405020304" pitchFamily="18" charset="0"/>
+              </a:rPr>
+              <a:t> </a:t>
+            </a:r>
+            <a:r>
+              <a:rPr lang="it-IT" sz="2000" dirty="0" err="1" smtClean="0">
+                <a:latin typeface="Times New Roman" panose="02020603050405020304" pitchFamily="18" charset="0"/>
+                <a:cs typeface="Times New Roman" panose="02020603050405020304" pitchFamily="18" charset="0"/>
+              </a:rPr>
+              <a:t>cigarette</a:t>
+            </a:r>
+            <a:r>
+              <a:rPr lang="it-IT" sz="2000" dirty="0" smtClean="0">
+                <a:latin typeface="Times New Roman" panose="02020603050405020304" pitchFamily="18" charset="0"/>
+                <a:cs typeface="Times New Roman" panose="02020603050405020304" pitchFamily="18" charset="0"/>
+              </a:rPr>
+              <a:t>”;</a:t>
             </a:r>
           </a:p>
           <a:p>
@@ -10181,7 +10213,7 @@
                 <a:latin typeface="Times New Roman" panose="02020603050405020304" pitchFamily="18" charset="0"/>
                 <a:cs typeface="Times New Roman" panose="02020603050405020304" pitchFamily="18" charset="0"/>
               </a:rPr>
-              <a:t>Cliccare su “Progress”;</a:t>
+              <a:t>Verrà visualizzato un messaggio in cui verrà richiesto all’utente se vuole continuare (perdendo il premio vinto quel giorno);</a:t>
             </a:r>
           </a:p>
           <a:p>
@@ -10194,7 +10226,171 @@
                 <a:latin typeface="Times New Roman" panose="02020603050405020304" pitchFamily="18" charset="0"/>
                 <a:cs typeface="Times New Roman" panose="02020603050405020304" pitchFamily="18" charset="0"/>
               </a:rPr>
-              <a:t>Il valore in percentuale aumenterà finché non giungerà a 100%.</a:t>
+              <a:t>Cliccare su “Yes”;</a:t>
+            </a:r>
+          </a:p>
+          <a:p>
+            <a:pPr marL="457200" lvl="0" indent="-457200" algn="just">
+              <a:buFont typeface="+mj-lt"/>
+              <a:buAutoNum type="arabicPeriod"/>
+            </a:pPr>
+            <a:r>
+              <a:rPr lang="it-IT" sz="2000" dirty="0" smtClean="0">
+                <a:latin typeface="Times New Roman" panose="02020603050405020304" pitchFamily="18" charset="0"/>
+                <a:cs typeface="Times New Roman" panose="02020603050405020304" pitchFamily="18" charset="0"/>
+              </a:rPr>
+              <a:t>Si aprirà la schermata con la notifica che il premio “</a:t>
+            </a:r>
+            <a:r>
+              <a:rPr lang="it-IT" sz="2000" dirty="0" err="1" smtClean="0">
+                <a:latin typeface="Times New Roman" panose="02020603050405020304" pitchFamily="18" charset="0"/>
+                <a:cs typeface="Times New Roman" panose="02020603050405020304" pitchFamily="18" charset="0"/>
+              </a:rPr>
+              <a:t>Only</a:t>
+            </a:r>
+            <a:r>
+              <a:rPr lang="it-IT" sz="2000" dirty="0" smtClean="0">
+                <a:latin typeface="Times New Roman" panose="02020603050405020304" pitchFamily="18" charset="0"/>
+                <a:cs typeface="Times New Roman" panose="02020603050405020304" pitchFamily="18" charset="0"/>
+              </a:rPr>
+              <a:t> 10 </a:t>
+            </a:r>
+            <a:r>
+              <a:rPr lang="it-IT" sz="2000" dirty="0" err="1" smtClean="0">
+                <a:latin typeface="Times New Roman" panose="02020603050405020304" pitchFamily="18" charset="0"/>
+                <a:cs typeface="Times New Roman" panose="02020603050405020304" pitchFamily="18" charset="0"/>
+              </a:rPr>
+              <a:t>cigarettes</a:t>
+            </a:r>
+            <a:r>
+              <a:rPr lang="it-IT" sz="2000" dirty="0" smtClean="0">
+                <a:latin typeface="Times New Roman" panose="02020603050405020304" pitchFamily="18" charset="0"/>
+                <a:cs typeface="Times New Roman" panose="02020603050405020304" pitchFamily="18" charset="0"/>
+              </a:rPr>
+              <a:t> </a:t>
+            </a:r>
+            <a:r>
+              <a:rPr lang="it-IT" sz="2000" dirty="0" err="1" smtClean="0">
+                <a:latin typeface="Times New Roman" panose="02020603050405020304" pitchFamily="18" charset="0"/>
+                <a:cs typeface="Times New Roman" panose="02020603050405020304" pitchFamily="18" charset="0"/>
+              </a:rPr>
+              <a:t>smoked</a:t>
+            </a:r>
+            <a:r>
+              <a:rPr lang="it-IT" sz="2000" dirty="0" smtClean="0">
+                <a:latin typeface="Times New Roman" panose="02020603050405020304" pitchFamily="18" charset="0"/>
+                <a:cs typeface="Times New Roman" panose="02020603050405020304" pitchFamily="18" charset="0"/>
+              </a:rPr>
+              <a:t>” è andato perso;</a:t>
+            </a:r>
+          </a:p>
+          <a:p>
+            <a:pPr marL="457200" lvl="0" indent="-457200" algn="just">
+              <a:buFont typeface="+mj-lt"/>
+              <a:buAutoNum type="arabicPeriod"/>
+            </a:pPr>
+            <a:r>
+              <a:rPr lang="it-IT" sz="2000" dirty="0" smtClean="0">
+                <a:latin typeface="Times New Roman" panose="02020603050405020304" pitchFamily="18" charset="0"/>
+                <a:cs typeface="Times New Roman" panose="02020603050405020304" pitchFamily="18" charset="0"/>
+              </a:rPr>
+              <a:t>Cliccare su “Ok”;</a:t>
+            </a:r>
+          </a:p>
+          <a:p>
+            <a:pPr marL="457200" lvl="0" indent="-457200" algn="just">
+              <a:buFont typeface="+mj-lt"/>
+              <a:buAutoNum type="arabicPeriod"/>
+            </a:pPr>
+            <a:r>
+              <a:rPr lang="it-IT" sz="2000" dirty="0" smtClean="0">
+                <a:latin typeface="Times New Roman" panose="02020603050405020304" pitchFamily="18" charset="0"/>
+                <a:cs typeface="Times New Roman" panose="02020603050405020304" pitchFamily="18" charset="0"/>
+              </a:rPr>
+              <a:t>Si verrà reindirizzati sulla Home </a:t>
+            </a:r>
+            <a:r>
+              <a:rPr lang="it-IT" sz="2000" dirty="0" err="1" smtClean="0">
+                <a:latin typeface="Times New Roman" panose="02020603050405020304" pitchFamily="18" charset="0"/>
+                <a:cs typeface="Times New Roman" panose="02020603050405020304" pitchFamily="18" charset="0"/>
+              </a:rPr>
+              <a:t>page</a:t>
+            </a:r>
+            <a:r>
+              <a:rPr lang="it-IT" sz="2000" dirty="0" smtClean="0">
+                <a:latin typeface="Times New Roman" panose="02020603050405020304" pitchFamily="18" charset="0"/>
+                <a:cs typeface="Times New Roman" panose="02020603050405020304" pitchFamily="18" charset="0"/>
+              </a:rPr>
+              <a:t>.</a:t>
+            </a:r>
+          </a:p>
+          <a:p>
+            <a:pPr marL="457200" lvl="0" indent="-457200" algn="just">
+              <a:buFont typeface="+mj-lt"/>
+              <a:buAutoNum type="arabicPeriod"/>
+            </a:pPr>
+            <a:r>
+              <a:rPr lang="it-IT" sz="2000" dirty="0" smtClean="0">
+                <a:latin typeface="Times New Roman" panose="02020603050405020304" pitchFamily="18" charset="0"/>
+                <a:cs typeface="Times New Roman" panose="02020603050405020304" pitchFamily="18" charset="0"/>
+              </a:rPr>
+              <a:t>Cliccare su “</a:t>
+            </a:r>
+            <a:r>
+              <a:rPr lang="it-IT" sz="2000" dirty="0" err="1" smtClean="0">
+                <a:latin typeface="Times New Roman" panose="02020603050405020304" pitchFamily="18" charset="0"/>
+                <a:cs typeface="Times New Roman" panose="02020603050405020304" pitchFamily="18" charset="0"/>
+              </a:rPr>
+              <a:t>Achievements</a:t>
+            </a:r>
+            <a:r>
+              <a:rPr lang="it-IT" sz="2000" dirty="0" smtClean="0">
+                <a:latin typeface="Times New Roman" panose="02020603050405020304" pitchFamily="18" charset="0"/>
+                <a:cs typeface="Times New Roman" panose="02020603050405020304" pitchFamily="18" charset="0"/>
+              </a:rPr>
+              <a:t>” per visualizzare la schermata con i premi vinti (“</a:t>
+            </a:r>
+            <a:r>
+              <a:rPr lang="it-IT" sz="2000" dirty="0" err="1" smtClean="0">
+                <a:latin typeface="Times New Roman" panose="02020603050405020304" pitchFamily="18" charset="0"/>
+                <a:cs typeface="Times New Roman" panose="02020603050405020304" pitchFamily="18" charset="0"/>
+              </a:rPr>
+              <a:t>Only</a:t>
+            </a:r>
+            <a:r>
+              <a:rPr lang="it-IT" sz="2000" dirty="0" smtClean="0">
+                <a:latin typeface="Times New Roman" panose="02020603050405020304" pitchFamily="18" charset="0"/>
+                <a:cs typeface="Times New Roman" panose="02020603050405020304" pitchFamily="18" charset="0"/>
+              </a:rPr>
+              <a:t> 10 </a:t>
+            </a:r>
+            <a:r>
+              <a:rPr lang="it-IT" sz="2000" dirty="0" err="1" smtClean="0">
+                <a:latin typeface="Times New Roman" panose="02020603050405020304" pitchFamily="18" charset="0"/>
+                <a:cs typeface="Times New Roman" panose="02020603050405020304" pitchFamily="18" charset="0"/>
+              </a:rPr>
+              <a:t>cigarettes</a:t>
+            </a:r>
+            <a:r>
+              <a:rPr lang="it-IT" sz="2000" dirty="0" smtClean="0">
+                <a:latin typeface="Times New Roman" panose="02020603050405020304" pitchFamily="18" charset="0"/>
+                <a:cs typeface="Times New Roman" panose="02020603050405020304" pitchFamily="18" charset="0"/>
+              </a:rPr>
+              <a:t> </a:t>
+            </a:r>
+            <a:r>
+              <a:rPr lang="it-IT" sz="2000" dirty="0" err="1" smtClean="0">
+                <a:latin typeface="Times New Roman" panose="02020603050405020304" pitchFamily="18" charset="0"/>
+                <a:cs typeface="Times New Roman" panose="02020603050405020304" pitchFamily="18" charset="0"/>
+              </a:rPr>
+              <a:t>smoked</a:t>
+            </a:r>
+            <a:r>
+              <a:rPr lang="it-IT" sz="2000" dirty="0" smtClean="0">
+                <a:latin typeface="Times New Roman" panose="02020603050405020304" pitchFamily="18" charset="0"/>
+                <a:cs typeface="Times New Roman" panose="02020603050405020304" pitchFamily="18" charset="0"/>
+              </a:rPr>
+              <a:t>” non sarà più in evidenza).</a:t>
             </a:r>
             <a:endParaRPr lang="it-IT" sz="2000" dirty="0">
               <a:latin typeface="Times New Roman" panose="02020603050405020304" pitchFamily="18" charset="0"/>
@@ -10235,7 +10431,7 @@
       </p:grpSpPr>
       <p:sp>
         <p:nvSpPr>
-          <p:cNvPr id="5" name="Titolo 1"/>
+          <p:cNvPr id="2" name="Titolo 1"/>
           <p:cNvSpPr>
             <a:spLocks noGrp="1"/>
           </p:cNvSpPr>
@@ -10245,8 +10441,8 @@
         </p:nvSpPr>
         <p:spPr>
           <a:xfrm>
-            <a:off x="628650" y="444137"/>
-            <a:ext cx="7886700" cy="653143"/>
+            <a:off x="457200" y="626815"/>
+            <a:ext cx="8229600" cy="493647"/>
           </a:xfrm>
         </p:spPr>
         <p:txBody>
@@ -10256,184 +10452,143 @@
           <a:lstStyle/>
           <a:p>
             <a:r>
-              <a:rPr lang="it-IT" sz="2800" b="1" dirty="0" err="1" smtClean="0">
-                <a:latin typeface="Times New Roman" panose="02020603050405020304" pitchFamily="18" charset="0"/>
-                <a:cs typeface="Times New Roman" panose="02020603050405020304" pitchFamily="18" charset="0"/>
-              </a:rPr>
-              <a:t>User</a:t>
-            </a:r>
-            <a:r>
-              <a:rPr lang="it-IT" sz="2800" b="1" dirty="0" smtClean="0">
-                <a:latin typeface="Times New Roman" panose="02020603050405020304" pitchFamily="18" charset="0"/>
-                <a:cs typeface="Times New Roman" panose="02020603050405020304" pitchFamily="18" charset="0"/>
-              </a:rPr>
-              <a:t> </a:t>
-            </a:r>
-            <a:r>
-              <a:rPr lang="it-IT" sz="2800" b="1" dirty="0" err="1" smtClean="0">
+              <a:rPr lang="it-IT" sz="2800" b="1" dirty="0">
+                <a:latin typeface="Times New Roman" panose="02020603050405020304" pitchFamily="18" charset="0"/>
+                <a:cs typeface="Times New Roman" panose="02020603050405020304" pitchFamily="18" charset="0"/>
+              </a:rPr>
+              <a:t>User </a:t>
+            </a:r>
+            <a:r>
+              <a:rPr lang="it-IT" sz="2800" b="1" dirty="0" err="1">
                 <a:latin typeface="Times New Roman" panose="02020603050405020304" pitchFamily="18" charset="0"/>
                 <a:cs typeface="Times New Roman" panose="02020603050405020304" pitchFamily="18" charset="0"/>
               </a:rPr>
               <a:t>testing</a:t>
             </a:r>
             <a:r>
-              <a:rPr lang="it-IT" sz="2800" b="1" dirty="0" smtClean="0">
+              <a:rPr lang="it-IT" sz="2800" b="1" dirty="0">
                 <a:latin typeface="Times New Roman" panose="02020603050405020304" pitchFamily="18" charset="0"/>
                 <a:cs typeface="Times New Roman" panose="02020603050405020304" pitchFamily="18" charset="0"/>
               </a:rPr>
               <a:t> – </a:t>
             </a:r>
             <a:r>
-              <a:rPr lang="it-IT" sz="2800" b="1" i="1" dirty="0" err="1" smtClean="0">
+              <a:rPr lang="it-IT" sz="2800" b="1" i="1" dirty="0" err="1">
                 <a:latin typeface="Times New Roman" panose="02020603050405020304" pitchFamily="18" charset="0"/>
                 <a:cs typeface="Times New Roman" panose="02020603050405020304" pitchFamily="18" charset="0"/>
               </a:rPr>
               <a:t>During</a:t>
             </a:r>
             <a:r>
-              <a:rPr lang="it-IT" sz="2800" b="1" i="1" dirty="0" smtClean="0">
+              <a:rPr lang="it-IT" sz="2800" b="1" i="1" dirty="0">
                 <a:latin typeface="Times New Roman" panose="02020603050405020304" pitchFamily="18" charset="0"/>
                 <a:cs typeface="Times New Roman" panose="02020603050405020304" pitchFamily="18" charset="0"/>
               </a:rPr>
               <a:t> the test</a:t>
             </a:r>
-            <a:endParaRPr lang="it-IT" sz="2800" i="1" dirty="0"/>
+            <a:endParaRPr lang="it-IT" sz="2800" dirty="0"/>
           </a:p>
         </p:txBody>
       </p:sp>
       <p:sp>
         <p:nvSpPr>
-          <p:cNvPr id="8" name="Segnaposto contenuto 2"/>
-          <p:cNvSpPr txBox="1">
-            <a:spLocks/>
+          <p:cNvPr id="3" name="Segnaposto contenuto 2"/>
+          <p:cNvSpPr>
+            <a:spLocks noGrp="1"/>
           </p:cNvSpPr>
-          <p:nvPr/>
+          <p:nvPr>
+            <p:ph idx="1"/>
+          </p:nvPr>
         </p:nvSpPr>
         <p:spPr>
           <a:xfrm>
-            <a:off x="628650" y="1254034"/>
-            <a:ext cx="7886700" cy="5301311"/>
+            <a:off x="457200" y="1429555"/>
+            <a:ext cx="8229600" cy="4895045"/>
           </a:xfrm>
-          <a:prstGeom prst="rect">
-            <a:avLst/>
-          </a:prstGeom>
         </p:spPr>
         <p:txBody>
-          <a:bodyPr vert="horz" lIns="91440" tIns="45720" rIns="91440" bIns="45720" rtlCol="0">
+          <a:bodyPr>
             <a:normAutofit/>
           </a:bodyPr>
           <a:lstStyle/>
           <a:p>
-            <a:pPr lvl="0" algn="ctr">
-              <a:lnSpc>
-                <a:spcPct val="120000"/>
-              </a:lnSpc>
-              <a:spcBef>
-                <a:spcPts val="1000"/>
-              </a:spcBef>
+            <a:pPr marL="0" indent="0" algn="ctr">
+              <a:buNone/>
             </a:pPr>
             <a:r>
               <a:rPr lang="it-IT" sz="2500" b="1" dirty="0" smtClean="0">
                 <a:latin typeface="Times New Roman" panose="02020603050405020304" pitchFamily="18" charset="0"/>
                 <a:cs typeface="Times New Roman" panose="02020603050405020304" pitchFamily="18" charset="0"/>
               </a:rPr>
-              <a:t>Task 6 – Perdere il premio “</a:t>
+              <a:t>Task </a:t>
+            </a:r>
+            <a:r>
+              <a:rPr lang="it-IT" sz="2500" b="1" dirty="0">
+                <a:latin typeface="Times New Roman" panose="02020603050405020304" pitchFamily="18" charset="0"/>
+                <a:cs typeface="Times New Roman" panose="02020603050405020304" pitchFamily="18" charset="0"/>
+              </a:rPr>
+              <a:t>7 – </a:t>
             </a:r>
             <a:r>
               <a:rPr lang="it-IT" sz="2500" b="1" dirty="0" err="1" smtClean="0">
                 <a:latin typeface="Times New Roman" panose="02020603050405020304" pitchFamily="18" charset="0"/>
                 <a:cs typeface="Times New Roman" panose="02020603050405020304" pitchFamily="18" charset="0"/>
               </a:rPr>
-              <a:t>Only</a:t>
+              <a:t>Forgot</a:t>
             </a:r>
             <a:r>
               <a:rPr lang="it-IT" sz="2500" b="1" dirty="0" smtClean="0">
                 <a:latin typeface="Times New Roman" panose="02020603050405020304" pitchFamily="18" charset="0"/>
                 <a:cs typeface="Times New Roman" panose="02020603050405020304" pitchFamily="18" charset="0"/>
               </a:rPr>
-              <a:t> 10 </a:t>
-            </a:r>
-            <a:r>
-              <a:rPr lang="it-IT" sz="2500" b="1" dirty="0" err="1" smtClean="0">
-                <a:latin typeface="Times New Roman" panose="02020603050405020304" pitchFamily="18" charset="0"/>
-                <a:cs typeface="Times New Roman" panose="02020603050405020304" pitchFamily="18" charset="0"/>
-              </a:rPr>
-              <a:t>cigarettes</a:t>
+              <a:t> Password </a:t>
+            </a:r>
+            <a:r>
+              <a:rPr lang="it-IT" sz="2500" b="1" dirty="0">
+                <a:latin typeface="Times New Roman" panose="02020603050405020304" pitchFamily="18" charset="0"/>
+                <a:cs typeface="Times New Roman" panose="02020603050405020304" pitchFamily="18" charset="0"/>
+              </a:rPr>
+              <a:t>e</a:t>
             </a:r>
             <a:r>
               <a:rPr lang="it-IT" sz="2500" b="1" dirty="0" smtClean="0">
                 <a:latin typeface="Times New Roman" panose="02020603050405020304" pitchFamily="18" charset="0"/>
                 <a:cs typeface="Times New Roman" panose="02020603050405020304" pitchFamily="18" charset="0"/>
               </a:rPr>
-              <a:t> </a:t>
-            </a:r>
-            <a:r>
-              <a:rPr lang="it-IT" sz="2500" b="1" dirty="0" err="1" smtClean="0">
-                <a:latin typeface="Times New Roman" panose="02020603050405020304" pitchFamily="18" charset="0"/>
-                <a:cs typeface="Times New Roman" panose="02020603050405020304" pitchFamily="18" charset="0"/>
-              </a:rPr>
-              <a:t>smoked</a:t>
-            </a:r>
-            <a:r>
-              <a:rPr lang="it-IT" sz="2500" b="1" dirty="0" smtClean="0">
-                <a:latin typeface="Times New Roman" panose="02020603050405020304" pitchFamily="18" charset="0"/>
-                <a:cs typeface="Times New Roman" panose="02020603050405020304" pitchFamily="18" charset="0"/>
-              </a:rPr>
-              <a:t>”</a:t>
-            </a:r>
-            <a:endParaRPr lang="it-IT" sz="2500" dirty="0" smtClean="0">
+              <a:t> Login</a:t>
+            </a:r>
+          </a:p>
+          <a:p>
+            <a:pPr marL="0" indent="0" algn="ctr">
+              <a:buNone/>
+            </a:pPr>
+            <a:endParaRPr lang="it-IT" sz="2500" dirty="0">
               <a:latin typeface="Times New Roman" panose="02020603050405020304" pitchFamily="18" charset="0"/>
               <a:cs typeface="Times New Roman" panose="02020603050405020304" pitchFamily="18" charset="0"/>
             </a:endParaRPr>
           </a:p>
           <a:p>
-            <a:pPr algn="just"/>
-            <a:endParaRPr lang="it-IT" sz="2000" dirty="0" smtClean="0">
-              <a:latin typeface="Times New Roman" panose="02020603050405020304" pitchFamily="18" charset="0"/>
-              <a:cs typeface="Times New Roman" panose="02020603050405020304" pitchFamily="18" charset="0"/>
-            </a:endParaRPr>
-          </a:p>
-          <a:p>
-            <a:r>
-              <a:rPr lang="it-IT" sz="2600" dirty="0" smtClean="0"/>
-              <a:t> </a:t>
-            </a:r>
-          </a:p>
-          <a:p>
-            <a:pPr marL="457200" lvl="0" indent="-457200" algn="just">
+            <a:pPr marL="457200" lvl="0" indent="-457200">
+              <a:buClrTx/>
               <a:buFont typeface="+mj-lt"/>
               <a:buAutoNum type="arabicPeriod"/>
             </a:pPr>
             <a:r>
-              <a:rPr lang="it-IT" sz="2000" dirty="0" smtClean="0">
-                <a:latin typeface="Times New Roman" panose="02020603050405020304" pitchFamily="18" charset="0"/>
-                <a:cs typeface="Times New Roman" panose="02020603050405020304" pitchFamily="18" charset="0"/>
-              </a:rPr>
-              <a:t>Cliccare sul pulsante “No more </a:t>
-            </a:r>
-            <a:r>
-              <a:rPr lang="it-IT" sz="2000" dirty="0" err="1" smtClean="0">
-                <a:latin typeface="Times New Roman" panose="02020603050405020304" pitchFamily="18" charset="0"/>
-                <a:cs typeface="Times New Roman" panose="02020603050405020304" pitchFamily="18" charset="0"/>
-              </a:rPr>
-              <a:t>adding</a:t>
-            </a:r>
-            <a:r>
-              <a:rPr lang="it-IT" sz="2000" dirty="0" smtClean="0">
-                <a:latin typeface="Times New Roman" panose="02020603050405020304" pitchFamily="18" charset="0"/>
-                <a:cs typeface="Times New Roman" panose="02020603050405020304" pitchFamily="18" charset="0"/>
-              </a:rPr>
-              <a:t> </a:t>
-            </a:r>
-            <a:r>
-              <a:rPr lang="it-IT" sz="2000" dirty="0" err="1" smtClean="0">
-                <a:latin typeface="Times New Roman" panose="02020603050405020304" pitchFamily="18" charset="0"/>
-                <a:cs typeface="Times New Roman" panose="02020603050405020304" pitchFamily="18" charset="0"/>
-              </a:rPr>
-              <a:t>cigarette</a:t>
-            </a:r>
-            <a:r>
-              <a:rPr lang="it-IT" sz="2000" dirty="0" smtClean="0">
+              <a:rPr lang="it-IT" sz="2000" dirty="0">
+                <a:latin typeface="Times New Roman" panose="02020603050405020304" pitchFamily="18" charset="0"/>
+                <a:cs typeface="Times New Roman" panose="02020603050405020304" pitchFamily="18" charset="0"/>
+              </a:rPr>
+              <a:t>Dalla Home aprire il menù a tendina e cliccare su “</a:t>
+            </a:r>
+            <a:r>
+              <a:rPr lang="it-IT" sz="2000" dirty="0" err="1">
+                <a:latin typeface="Times New Roman" panose="02020603050405020304" pitchFamily="18" charset="0"/>
+                <a:cs typeface="Times New Roman" panose="02020603050405020304" pitchFamily="18" charset="0"/>
+              </a:rPr>
+              <a:t>Logout</a:t>
+            </a:r>
+            <a:r>
+              <a:rPr lang="it-IT" sz="2000" dirty="0">
                 <a:latin typeface="Times New Roman" panose="02020603050405020304" pitchFamily="18" charset="0"/>
                 <a:cs typeface="Times New Roman" panose="02020603050405020304" pitchFamily="18" charset="0"/>
               </a:rPr>
@@ -10441,205 +10596,172 @@
             </a:r>
           </a:p>
           <a:p>
-            <a:pPr marL="457200" lvl="0" indent="-457200" algn="just">
+            <a:pPr marL="457200" lvl="0" indent="-457200">
+              <a:buClrTx/>
               <a:buFont typeface="+mj-lt"/>
               <a:buAutoNum type="arabicPeriod"/>
             </a:pPr>
             <a:r>
-              <a:rPr lang="it-IT" sz="2000" dirty="0" smtClean="0">
-                <a:latin typeface="Times New Roman" panose="02020603050405020304" pitchFamily="18" charset="0"/>
-                <a:cs typeface="Times New Roman" panose="02020603050405020304" pitchFamily="18" charset="0"/>
-              </a:rPr>
-              <a:t>Verrà visualizzato un messaggio in cui verrà richiesto all’utente se vuole continuare (perdendo il premio vinto quel giorno);</a:t>
-            </a:r>
-          </a:p>
-          <a:p>
-            <a:pPr marL="457200" lvl="0" indent="-457200" algn="just">
+              <a:rPr lang="it-IT" sz="2000" dirty="0">
+                <a:latin typeface="Times New Roman" panose="02020603050405020304" pitchFamily="18" charset="0"/>
+                <a:cs typeface="Times New Roman" panose="02020603050405020304" pitchFamily="18" charset="0"/>
+              </a:rPr>
+              <a:t>Si verrà reindirizzati nella pagina di presentazione dell’</a:t>
+            </a:r>
+            <a:r>
+              <a:rPr lang="it-IT" sz="2000" dirty="0" err="1">
+                <a:latin typeface="Times New Roman" panose="02020603050405020304" pitchFamily="18" charset="0"/>
+                <a:cs typeface="Times New Roman" panose="02020603050405020304" pitchFamily="18" charset="0"/>
+              </a:rPr>
+              <a:t>app</a:t>
+            </a:r>
+            <a:r>
+              <a:rPr lang="it-IT" sz="2000" dirty="0">
+                <a:latin typeface="Times New Roman" panose="02020603050405020304" pitchFamily="18" charset="0"/>
+                <a:cs typeface="Times New Roman" panose="02020603050405020304" pitchFamily="18" charset="0"/>
+              </a:rPr>
+              <a:t>;</a:t>
+            </a:r>
+          </a:p>
+          <a:p>
+            <a:pPr marL="457200" lvl="0" indent="-457200">
+              <a:buClrTx/>
               <a:buFont typeface="+mj-lt"/>
               <a:buAutoNum type="arabicPeriod"/>
             </a:pPr>
             <a:r>
-              <a:rPr lang="it-IT" sz="2000" dirty="0" smtClean="0">
-                <a:latin typeface="Times New Roman" panose="02020603050405020304" pitchFamily="18" charset="0"/>
-                <a:cs typeface="Times New Roman" panose="02020603050405020304" pitchFamily="18" charset="0"/>
-              </a:rPr>
-              <a:t>Cliccare su “Yes”;</a:t>
-            </a:r>
-          </a:p>
-          <a:p>
-            <a:pPr marL="457200" lvl="0" indent="-457200" algn="just">
+              <a:rPr lang="it-IT" sz="2000" dirty="0">
+                <a:latin typeface="Times New Roman" panose="02020603050405020304" pitchFamily="18" charset="0"/>
+                <a:cs typeface="Times New Roman" panose="02020603050405020304" pitchFamily="18" charset="0"/>
+              </a:rPr>
+              <a:t>Cliccare sul pulsante “Login”;</a:t>
+            </a:r>
+          </a:p>
+          <a:p>
+            <a:pPr marL="457200" lvl="0" indent="-457200">
+              <a:buClrTx/>
               <a:buFont typeface="+mj-lt"/>
               <a:buAutoNum type="arabicPeriod"/>
             </a:pPr>
             <a:r>
-              <a:rPr lang="it-IT" sz="2000" dirty="0" smtClean="0">
-                <a:latin typeface="Times New Roman" panose="02020603050405020304" pitchFamily="18" charset="0"/>
-                <a:cs typeface="Times New Roman" panose="02020603050405020304" pitchFamily="18" charset="0"/>
-              </a:rPr>
-              <a:t>Si aprirà la schermata con la notifica che il premio “</a:t>
-            </a:r>
-            <a:r>
-              <a:rPr lang="it-IT" sz="2000" dirty="0" err="1" smtClean="0">
-                <a:latin typeface="Times New Roman" panose="02020603050405020304" pitchFamily="18" charset="0"/>
-                <a:cs typeface="Times New Roman" panose="02020603050405020304" pitchFamily="18" charset="0"/>
-              </a:rPr>
-              <a:t>Only</a:t>
-            </a:r>
-            <a:r>
-              <a:rPr lang="it-IT" sz="2000" dirty="0" smtClean="0">
-                <a:latin typeface="Times New Roman" panose="02020603050405020304" pitchFamily="18" charset="0"/>
-                <a:cs typeface="Times New Roman" panose="02020603050405020304" pitchFamily="18" charset="0"/>
-              </a:rPr>
-              <a:t> 10 </a:t>
-            </a:r>
-            <a:r>
-              <a:rPr lang="it-IT" sz="2000" dirty="0" err="1" smtClean="0">
-                <a:latin typeface="Times New Roman" panose="02020603050405020304" pitchFamily="18" charset="0"/>
-                <a:cs typeface="Times New Roman" panose="02020603050405020304" pitchFamily="18" charset="0"/>
-              </a:rPr>
-              <a:t>cigarettes</a:t>
-            </a:r>
-            <a:r>
-              <a:rPr lang="it-IT" sz="2000" dirty="0" smtClean="0">
+              <a:rPr lang="it-IT" sz="2000" dirty="0">
+                <a:latin typeface="Times New Roman" panose="02020603050405020304" pitchFamily="18" charset="0"/>
+                <a:cs typeface="Times New Roman" panose="02020603050405020304" pitchFamily="18" charset="0"/>
+              </a:rPr>
+              <a:t>Cliccare su “</a:t>
+            </a:r>
+            <a:r>
+              <a:rPr lang="it-IT" sz="2000" dirty="0" err="1">
+                <a:latin typeface="Times New Roman" panose="02020603050405020304" pitchFamily="18" charset="0"/>
+                <a:cs typeface="Times New Roman" panose="02020603050405020304" pitchFamily="18" charset="0"/>
+              </a:rPr>
+              <a:t>Forgot</a:t>
+            </a:r>
+            <a:r>
+              <a:rPr lang="it-IT" sz="2000" dirty="0">
                 <a:latin typeface="Times New Roman" panose="02020603050405020304" pitchFamily="18" charset="0"/>
                 <a:cs typeface="Times New Roman" panose="02020603050405020304" pitchFamily="18" charset="0"/>
               </a:rPr>
               <a:t> </a:t>
             </a:r>
             <a:r>
-              <a:rPr lang="it-IT" sz="2000" dirty="0" err="1" smtClean="0">
-                <a:latin typeface="Times New Roman" panose="02020603050405020304" pitchFamily="18" charset="0"/>
-                <a:cs typeface="Times New Roman" panose="02020603050405020304" pitchFamily="18" charset="0"/>
-              </a:rPr>
-              <a:t>smoked</a:t>
-            </a:r>
-            <a:r>
-              <a:rPr lang="it-IT" sz="2000" dirty="0" smtClean="0">
-                <a:latin typeface="Times New Roman" panose="02020603050405020304" pitchFamily="18" charset="0"/>
-                <a:cs typeface="Times New Roman" panose="02020603050405020304" pitchFamily="18" charset="0"/>
-              </a:rPr>
-              <a:t>” è andato perso;</a:t>
-            </a:r>
-          </a:p>
-          <a:p>
-            <a:pPr marL="457200" lvl="0" indent="-457200" algn="just">
+              <a:rPr lang="it-IT" sz="2000" dirty="0" err="1">
+                <a:latin typeface="Times New Roman" panose="02020603050405020304" pitchFamily="18" charset="0"/>
+                <a:cs typeface="Times New Roman" panose="02020603050405020304" pitchFamily="18" charset="0"/>
+              </a:rPr>
+              <a:t>you</a:t>
+            </a:r>
+            <a:r>
+              <a:rPr lang="it-IT" sz="2000" dirty="0">
+                <a:latin typeface="Times New Roman" panose="02020603050405020304" pitchFamily="18" charset="0"/>
+                <a:cs typeface="Times New Roman" panose="02020603050405020304" pitchFamily="18" charset="0"/>
+              </a:rPr>
+              <a:t> password?”</a:t>
+            </a:r>
+          </a:p>
+          <a:p>
+            <a:pPr marL="457200" lvl="0" indent="-457200">
+              <a:buClrTx/>
               <a:buFont typeface="+mj-lt"/>
               <a:buAutoNum type="arabicPeriod"/>
             </a:pPr>
             <a:r>
-              <a:rPr lang="it-IT" sz="2000" dirty="0" smtClean="0">
-                <a:latin typeface="Times New Roman" panose="02020603050405020304" pitchFamily="18" charset="0"/>
-                <a:cs typeface="Times New Roman" panose="02020603050405020304" pitchFamily="18" charset="0"/>
-              </a:rPr>
-              <a:t>Cliccare su “Ok”;</a:t>
-            </a:r>
-          </a:p>
-          <a:p>
-            <a:pPr marL="457200" lvl="0" indent="-457200" algn="just">
+              <a:rPr lang="it-IT" sz="2000" dirty="0">
+                <a:latin typeface="Times New Roman" panose="02020603050405020304" pitchFamily="18" charset="0"/>
+                <a:cs typeface="Times New Roman" panose="02020603050405020304" pitchFamily="18" charset="0"/>
+              </a:rPr>
+              <a:t>Compilare i campi richiesti e cliccare su “Reset Password”;</a:t>
+            </a:r>
+          </a:p>
+          <a:p>
+            <a:pPr marL="457200" lvl="0" indent="-457200">
+              <a:buClrTx/>
               <a:buFont typeface="+mj-lt"/>
               <a:buAutoNum type="arabicPeriod"/>
             </a:pPr>
             <a:r>
-              <a:rPr lang="it-IT" sz="2000" dirty="0" smtClean="0">
-                <a:latin typeface="Times New Roman" panose="02020603050405020304" pitchFamily="18" charset="0"/>
-                <a:cs typeface="Times New Roman" panose="02020603050405020304" pitchFamily="18" charset="0"/>
-              </a:rPr>
-              <a:t>Si verrà reindirizzati sulla Home </a:t>
-            </a:r>
-            <a:r>
-              <a:rPr lang="it-IT" sz="2000" dirty="0" err="1" smtClean="0">
-                <a:latin typeface="Times New Roman" panose="02020603050405020304" pitchFamily="18" charset="0"/>
-                <a:cs typeface="Times New Roman" panose="02020603050405020304" pitchFamily="18" charset="0"/>
-              </a:rPr>
-              <a:t>page</a:t>
-            </a:r>
-            <a:r>
-              <a:rPr lang="it-IT" sz="2000" dirty="0" smtClean="0">
-                <a:latin typeface="Times New Roman" panose="02020603050405020304" pitchFamily="18" charset="0"/>
-                <a:cs typeface="Times New Roman" panose="02020603050405020304" pitchFamily="18" charset="0"/>
-              </a:rPr>
-              <a:t>.</a:t>
-            </a:r>
-          </a:p>
-          <a:p>
-            <a:pPr marL="457200" lvl="0" indent="-457200" algn="just">
+              <a:rPr lang="it-IT" sz="2000" dirty="0">
+                <a:latin typeface="Times New Roman" panose="02020603050405020304" pitchFamily="18" charset="0"/>
+                <a:cs typeface="Times New Roman" panose="02020603050405020304" pitchFamily="18" charset="0"/>
+              </a:rPr>
+              <a:t>Se l’operazione è andata a buon fine si verrà indirizzati nella pagina di Login;</a:t>
+            </a:r>
+          </a:p>
+          <a:p>
+            <a:pPr marL="457200" lvl="0" indent="-457200">
+              <a:buClr>
+                <a:schemeClr val="tx1"/>
+              </a:buClr>
               <a:buFont typeface="+mj-lt"/>
               <a:buAutoNum type="arabicPeriod"/>
             </a:pPr>
             <a:r>
-              <a:rPr lang="it-IT" sz="2000" dirty="0" smtClean="0">
-                <a:latin typeface="Times New Roman" panose="02020603050405020304" pitchFamily="18" charset="0"/>
-                <a:cs typeface="Times New Roman" panose="02020603050405020304" pitchFamily="18" charset="0"/>
-              </a:rPr>
-              <a:t>Cliccare su “</a:t>
-            </a:r>
-            <a:r>
-              <a:rPr lang="it-IT" sz="2000" dirty="0" err="1" smtClean="0">
-                <a:latin typeface="Times New Roman" panose="02020603050405020304" pitchFamily="18" charset="0"/>
-                <a:cs typeface="Times New Roman" panose="02020603050405020304" pitchFamily="18" charset="0"/>
-              </a:rPr>
-              <a:t>Achievements</a:t>
-            </a:r>
-            <a:r>
-              <a:rPr lang="it-IT" sz="2000" dirty="0" smtClean="0">
-                <a:latin typeface="Times New Roman" panose="02020603050405020304" pitchFamily="18" charset="0"/>
-                <a:cs typeface="Times New Roman" panose="02020603050405020304" pitchFamily="18" charset="0"/>
-              </a:rPr>
-              <a:t>” per visualizzare la schermata con i premi vinti (“</a:t>
-            </a:r>
-            <a:r>
-              <a:rPr lang="it-IT" sz="2000" dirty="0" err="1" smtClean="0">
-                <a:latin typeface="Times New Roman" panose="02020603050405020304" pitchFamily="18" charset="0"/>
-                <a:cs typeface="Times New Roman" panose="02020603050405020304" pitchFamily="18" charset="0"/>
-              </a:rPr>
-              <a:t>Only</a:t>
-            </a:r>
-            <a:r>
-              <a:rPr lang="it-IT" sz="2000" dirty="0" smtClean="0">
-                <a:latin typeface="Times New Roman" panose="02020603050405020304" pitchFamily="18" charset="0"/>
-                <a:cs typeface="Times New Roman" panose="02020603050405020304" pitchFamily="18" charset="0"/>
-              </a:rPr>
-              <a:t> 10 </a:t>
-            </a:r>
-            <a:r>
-              <a:rPr lang="it-IT" sz="2000" dirty="0" err="1" smtClean="0">
-                <a:latin typeface="Times New Roman" panose="02020603050405020304" pitchFamily="18" charset="0"/>
-                <a:cs typeface="Times New Roman" panose="02020603050405020304" pitchFamily="18" charset="0"/>
-              </a:rPr>
-              <a:t>cigarettes</a:t>
-            </a:r>
-            <a:r>
-              <a:rPr lang="it-IT" sz="2000" dirty="0" smtClean="0">
-                <a:latin typeface="Times New Roman" panose="02020603050405020304" pitchFamily="18" charset="0"/>
-                <a:cs typeface="Times New Roman" panose="02020603050405020304" pitchFamily="18" charset="0"/>
-              </a:rPr>
-              <a:t> </a:t>
-            </a:r>
-            <a:r>
-              <a:rPr lang="it-IT" sz="2000" dirty="0" err="1" smtClean="0">
-                <a:latin typeface="Times New Roman" panose="02020603050405020304" pitchFamily="18" charset="0"/>
-                <a:cs typeface="Times New Roman" panose="02020603050405020304" pitchFamily="18" charset="0"/>
-              </a:rPr>
-              <a:t>smoked</a:t>
-            </a:r>
-            <a:r>
-              <a:rPr lang="it-IT" sz="2000" dirty="0" smtClean="0">
-                <a:latin typeface="Times New Roman" panose="02020603050405020304" pitchFamily="18" charset="0"/>
-                <a:cs typeface="Times New Roman" panose="02020603050405020304" pitchFamily="18" charset="0"/>
-              </a:rPr>
-              <a:t>” non sarà più in evidenza).</a:t>
-            </a:r>
-            <a:endParaRPr lang="it-IT" sz="2000" dirty="0">
-              <a:latin typeface="Times New Roman" panose="02020603050405020304" pitchFamily="18" charset="0"/>
-              <a:cs typeface="Times New Roman" panose="02020603050405020304" pitchFamily="18" charset="0"/>
-            </a:endParaRPr>
+              <a:rPr lang="it-IT" sz="2000" dirty="0">
+                <a:latin typeface="Times New Roman" panose="02020603050405020304" pitchFamily="18" charset="0"/>
+                <a:cs typeface="Times New Roman" panose="02020603050405020304" pitchFamily="18" charset="0"/>
+              </a:rPr>
+              <a:t>Compilare le </a:t>
+            </a:r>
+            <a:r>
+              <a:rPr lang="it-IT" sz="2000" dirty="0" err="1">
+                <a:latin typeface="Times New Roman" panose="02020603050405020304" pitchFamily="18" charset="0"/>
+                <a:cs typeface="Times New Roman" panose="02020603050405020304" pitchFamily="18" charset="0"/>
+              </a:rPr>
+              <a:t>form</a:t>
+            </a:r>
+            <a:r>
+              <a:rPr lang="it-IT" sz="2000" dirty="0">
+                <a:latin typeface="Times New Roman" panose="02020603050405020304" pitchFamily="18" charset="0"/>
+                <a:cs typeface="Times New Roman" panose="02020603050405020304" pitchFamily="18" charset="0"/>
+              </a:rPr>
+              <a:t> richieste e cliccare su Login;</a:t>
+            </a:r>
+          </a:p>
+          <a:p>
+            <a:pPr marL="457200" lvl="0" indent="-457200">
+              <a:buClr>
+                <a:schemeClr val="tx1"/>
+              </a:buClr>
+              <a:buFont typeface="+mj-lt"/>
+              <a:buAutoNum type="arabicPeriod"/>
+            </a:pPr>
+            <a:r>
+              <a:rPr lang="it-IT" sz="2000" dirty="0">
+                <a:latin typeface="Times New Roman" panose="02020603050405020304" pitchFamily="18" charset="0"/>
+                <a:cs typeface="Times New Roman" panose="02020603050405020304" pitchFamily="18" charset="0"/>
+              </a:rPr>
+              <a:t>Si verrà indirizzati nella Home page nel caso in cui i dati sono stati inseriti correttamente. </a:t>
+            </a:r>
+          </a:p>
+          <a:p>
+            <a:endParaRPr lang="it-IT" dirty="0"/>
           </a:p>
         </p:txBody>
       </p:sp>
     </p:spTree>
     <p:extLst>
       <p:ext uri="{BB962C8B-B14F-4D97-AF65-F5344CB8AC3E}">
-        <p14:creationId xmlns:p14="http://schemas.microsoft.com/office/powerpoint/2010/main" val="2442419145"/>
+        <p14:creationId xmlns:p14="http://schemas.microsoft.com/office/powerpoint/2010/main" val="2428663034"/>
       </p:ext>
     </p:extLst>
   </p:cSld>
@@ -10825,365 +10947,6 @@
 </file>
 
 <file path=ppt/slides/slide30.xml><?xml version="1.0" encoding="utf-8"?>
-<p:sld xmlns:a="http://schemas.openxmlformats.org/drawingml/2006/main" xmlns:r="http://schemas.openxmlformats.org/officeDocument/2006/relationships" xmlns:p="http://schemas.openxmlformats.org/presentationml/2006/main">
-  <p:cSld>
-    <p:spTree>
-      <p:nvGrpSpPr>
-        <p:cNvPr id="1" name=""/>
-        <p:cNvGrpSpPr/>
-        <p:nvPr/>
-      </p:nvGrpSpPr>
-      <p:grpSpPr>
-        <a:xfrm>
-          <a:off x="0" y="0"/>
-          <a:ext cx="0" cy="0"/>
-          <a:chOff x="0" y="0"/>
-          <a:chExt cx="0" cy="0"/>
-        </a:xfrm>
-      </p:grpSpPr>
-      <p:sp>
-        <p:nvSpPr>
-          <p:cNvPr id="2" name="Titolo 1"/>
-          <p:cNvSpPr>
-            <a:spLocks noGrp="1"/>
-          </p:cNvSpPr>
-          <p:nvPr>
-            <p:ph type="title"/>
-          </p:nvPr>
-        </p:nvSpPr>
-        <p:spPr>
-          <a:xfrm>
-            <a:off x="457200" y="626815"/>
-            <a:ext cx="8229600" cy="493647"/>
-          </a:xfrm>
-        </p:spPr>
-        <p:txBody>
-          <a:bodyPr>
-            <a:normAutofit/>
-          </a:bodyPr>
-          <a:lstStyle/>
-          <a:p>
-            <a:r>
-              <a:rPr lang="it-IT" sz="2800" b="1" dirty="0">
-                <a:latin typeface="Times New Roman" panose="02020603050405020304" pitchFamily="18" charset="0"/>
-                <a:cs typeface="Times New Roman" panose="02020603050405020304" pitchFamily="18" charset="0"/>
-              </a:rPr>
-              <a:t>User </a:t>
-            </a:r>
-            <a:r>
-              <a:rPr lang="it-IT" sz="2800" b="1" dirty="0" err="1">
-                <a:latin typeface="Times New Roman" panose="02020603050405020304" pitchFamily="18" charset="0"/>
-                <a:cs typeface="Times New Roman" panose="02020603050405020304" pitchFamily="18" charset="0"/>
-              </a:rPr>
-              <a:t>testing</a:t>
-            </a:r>
-            <a:r>
-              <a:rPr lang="it-IT" sz="2800" b="1" dirty="0">
-                <a:latin typeface="Times New Roman" panose="02020603050405020304" pitchFamily="18" charset="0"/>
-                <a:cs typeface="Times New Roman" panose="02020603050405020304" pitchFamily="18" charset="0"/>
-              </a:rPr>
-              <a:t> – </a:t>
-            </a:r>
-            <a:r>
-              <a:rPr lang="it-IT" sz="2800" b="1" i="1" dirty="0" err="1">
-                <a:latin typeface="Times New Roman" panose="02020603050405020304" pitchFamily="18" charset="0"/>
-                <a:cs typeface="Times New Roman" panose="02020603050405020304" pitchFamily="18" charset="0"/>
-              </a:rPr>
-              <a:t>During</a:t>
-            </a:r>
-            <a:r>
-              <a:rPr lang="it-IT" sz="2800" b="1" i="1" dirty="0">
-                <a:latin typeface="Times New Roman" panose="02020603050405020304" pitchFamily="18" charset="0"/>
-                <a:cs typeface="Times New Roman" panose="02020603050405020304" pitchFamily="18" charset="0"/>
-              </a:rPr>
-              <a:t> the test</a:t>
-            </a:r>
-            <a:endParaRPr lang="it-IT" sz="2800" dirty="0"/>
-          </a:p>
-        </p:txBody>
-      </p:sp>
-      <p:sp>
-        <p:nvSpPr>
-          <p:cNvPr id="3" name="Segnaposto contenuto 2"/>
-          <p:cNvSpPr>
-            <a:spLocks noGrp="1"/>
-          </p:cNvSpPr>
-          <p:nvPr>
-            <p:ph idx="1"/>
-          </p:nvPr>
-        </p:nvSpPr>
-        <p:spPr>
-          <a:xfrm>
-            <a:off x="457200" y="1429555"/>
-            <a:ext cx="8229600" cy="4895045"/>
-          </a:xfrm>
-        </p:spPr>
-        <p:txBody>
-          <a:bodyPr>
-            <a:normAutofit/>
-          </a:bodyPr>
-          <a:lstStyle/>
-          <a:p>
-            <a:pPr marL="0" indent="0" algn="ctr">
-              <a:buNone/>
-            </a:pPr>
-            <a:r>
-              <a:rPr lang="it-IT" sz="2500" b="1" dirty="0" smtClean="0">
-                <a:latin typeface="Times New Roman" panose="02020603050405020304" pitchFamily="18" charset="0"/>
-                <a:cs typeface="Times New Roman" panose="02020603050405020304" pitchFamily="18" charset="0"/>
-              </a:rPr>
-              <a:t>Task </a:t>
-            </a:r>
-            <a:r>
-              <a:rPr lang="it-IT" sz="2500" b="1" dirty="0">
-                <a:latin typeface="Times New Roman" panose="02020603050405020304" pitchFamily="18" charset="0"/>
-                <a:cs typeface="Times New Roman" panose="02020603050405020304" pitchFamily="18" charset="0"/>
-              </a:rPr>
-              <a:t>7 – </a:t>
-            </a:r>
-            <a:r>
-              <a:rPr lang="it-IT" sz="2500" b="1" dirty="0" err="1" smtClean="0">
-                <a:latin typeface="Times New Roman" panose="02020603050405020304" pitchFamily="18" charset="0"/>
-                <a:cs typeface="Times New Roman" panose="02020603050405020304" pitchFamily="18" charset="0"/>
-              </a:rPr>
-              <a:t>Forgot</a:t>
-            </a:r>
-            <a:r>
-              <a:rPr lang="it-IT" sz="2500" b="1" dirty="0" smtClean="0">
-                <a:latin typeface="Times New Roman" panose="02020603050405020304" pitchFamily="18" charset="0"/>
-                <a:cs typeface="Times New Roman" panose="02020603050405020304" pitchFamily="18" charset="0"/>
-              </a:rPr>
-              <a:t> Password </a:t>
-            </a:r>
-            <a:r>
-              <a:rPr lang="it-IT" sz="2500" b="1" dirty="0">
-                <a:latin typeface="Times New Roman" panose="02020603050405020304" pitchFamily="18" charset="0"/>
-                <a:cs typeface="Times New Roman" panose="02020603050405020304" pitchFamily="18" charset="0"/>
-              </a:rPr>
-              <a:t>e</a:t>
-            </a:r>
-            <a:r>
-              <a:rPr lang="it-IT" sz="2500" b="1" dirty="0" smtClean="0">
-                <a:latin typeface="Times New Roman" panose="02020603050405020304" pitchFamily="18" charset="0"/>
-                <a:cs typeface="Times New Roman" panose="02020603050405020304" pitchFamily="18" charset="0"/>
-              </a:rPr>
-              <a:t> Login</a:t>
-            </a:r>
-          </a:p>
-          <a:p>
-            <a:pPr marL="0" indent="0" algn="ctr">
-              <a:buNone/>
-            </a:pPr>
-            <a:endParaRPr lang="it-IT" sz="2500" dirty="0">
-              <a:latin typeface="Times New Roman" panose="02020603050405020304" pitchFamily="18" charset="0"/>
-              <a:cs typeface="Times New Roman" panose="02020603050405020304" pitchFamily="18" charset="0"/>
-            </a:endParaRPr>
-          </a:p>
-          <a:p>
-            <a:pPr marL="457200" lvl="0" indent="-457200">
-              <a:buClrTx/>
-              <a:buFont typeface="+mj-lt"/>
-              <a:buAutoNum type="arabicPeriod"/>
-            </a:pPr>
-            <a:r>
-              <a:rPr lang="it-IT" sz="2000" dirty="0">
-                <a:latin typeface="Times New Roman" panose="02020603050405020304" pitchFamily="18" charset="0"/>
-                <a:cs typeface="Times New Roman" panose="02020603050405020304" pitchFamily="18" charset="0"/>
-              </a:rPr>
-              <a:t>Dalla Home aprire il menù a tendina e cliccare su “</a:t>
-            </a:r>
-            <a:r>
-              <a:rPr lang="it-IT" sz="2000" dirty="0" err="1">
-                <a:latin typeface="Times New Roman" panose="02020603050405020304" pitchFamily="18" charset="0"/>
-                <a:cs typeface="Times New Roman" panose="02020603050405020304" pitchFamily="18" charset="0"/>
-              </a:rPr>
-              <a:t>Logout</a:t>
-            </a:r>
-            <a:r>
-              <a:rPr lang="it-IT" sz="2000" dirty="0">
-                <a:latin typeface="Times New Roman" panose="02020603050405020304" pitchFamily="18" charset="0"/>
-                <a:cs typeface="Times New Roman" panose="02020603050405020304" pitchFamily="18" charset="0"/>
-              </a:rPr>
-              <a:t>”;</a:t>
-            </a:r>
-          </a:p>
-          <a:p>
-            <a:pPr marL="457200" lvl="0" indent="-457200">
-              <a:buClrTx/>
-              <a:buFont typeface="+mj-lt"/>
-              <a:buAutoNum type="arabicPeriod"/>
-            </a:pPr>
-            <a:r>
-              <a:rPr lang="it-IT" sz="2000" dirty="0">
-                <a:latin typeface="Times New Roman" panose="02020603050405020304" pitchFamily="18" charset="0"/>
-                <a:cs typeface="Times New Roman" panose="02020603050405020304" pitchFamily="18" charset="0"/>
-              </a:rPr>
-              <a:t>Si verrà reindirizzati nella pagina di presentazione dell’</a:t>
-            </a:r>
-            <a:r>
-              <a:rPr lang="it-IT" sz="2000" dirty="0" err="1">
-                <a:latin typeface="Times New Roman" panose="02020603050405020304" pitchFamily="18" charset="0"/>
-                <a:cs typeface="Times New Roman" panose="02020603050405020304" pitchFamily="18" charset="0"/>
-              </a:rPr>
-              <a:t>app</a:t>
-            </a:r>
-            <a:r>
-              <a:rPr lang="it-IT" sz="2000" dirty="0">
-                <a:latin typeface="Times New Roman" panose="02020603050405020304" pitchFamily="18" charset="0"/>
-                <a:cs typeface="Times New Roman" panose="02020603050405020304" pitchFamily="18" charset="0"/>
-              </a:rPr>
-              <a:t>;</a:t>
-            </a:r>
-          </a:p>
-          <a:p>
-            <a:pPr marL="457200" lvl="0" indent="-457200">
-              <a:buClrTx/>
-              <a:buFont typeface="+mj-lt"/>
-              <a:buAutoNum type="arabicPeriod"/>
-            </a:pPr>
-            <a:r>
-              <a:rPr lang="it-IT" sz="2000" dirty="0">
-                <a:latin typeface="Times New Roman" panose="02020603050405020304" pitchFamily="18" charset="0"/>
-                <a:cs typeface="Times New Roman" panose="02020603050405020304" pitchFamily="18" charset="0"/>
-              </a:rPr>
-              <a:t>Cliccare sul pulsante “Login”;</a:t>
-            </a:r>
-          </a:p>
-          <a:p>
-            <a:pPr marL="457200" lvl="0" indent="-457200">
-              <a:buClrTx/>
-              <a:buFont typeface="+mj-lt"/>
-              <a:buAutoNum type="arabicPeriod"/>
-            </a:pPr>
-            <a:r>
-              <a:rPr lang="it-IT" sz="2000" dirty="0">
-                <a:latin typeface="Times New Roman" panose="02020603050405020304" pitchFamily="18" charset="0"/>
-                <a:cs typeface="Times New Roman" panose="02020603050405020304" pitchFamily="18" charset="0"/>
-              </a:rPr>
-              <a:t>Cliccare su “</a:t>
-            </a:r>
-            <a:r>
-              <a:rPr lang="it-IT" sz="2000" dirty="0" err="1">
-                <a:latin typeface="Times New Roman" panose="02020603050405020304" pitchFamily="18" charset="0"/>
-                <a:cs typeface="Times New Roman" panose="02020603050405020304" pitchFamily="18" charset="0"/>
-              </a:rPr>
-              <a:t>Forgot</a:t>
-            </a:r>
-            <a:r>
-              <a:rPr lang="it-IT" sz="2000" dirty="0">
-                <a:latin typeface="Times New Roman" panose="02020603050405020304" pitchFamily="18" charset="0"/>
-                <a:cs typeface="Times New Roman" panose="02020603050405020304" pitchFamily="18" charset="0"/>
-              </a:rPr>
-              <a:t> </a:t>
-            </a:r>
-            <a:r>
-              <a:rPr lang="it-IT" sz="2000" dirty="0" err="1">
-                <a:latin typeface="Times New Roman" panose="02020603050405020304" pitchFamily="18" charset="0"/>
-                <a:cs typeface="Times New Roman" panose="02020603050405020304" pitchFamily="18" charset="0"/>
-              </a:rPr>
-              <a:t>you</a:t>
-            </a:r>
-            <a:r>
-              <a:rPr lang="it-IT" sz="2000" dirty="0">
-                <a:latin typeface="Times New Roman" panose="02020603050405020304" pitchFamily="18" charset="0"/>
-                <a:cs typeface="Times New Roman" panose="02020603050405020304" pitchFamily="18" charset="0"/>
-              </a:rPr>
-              <a:t> password?”</a:t>
-            </a:r>
-          </a:p>
-          <a:p>
-            <a:pPr marL="457200" lvl="0" indent="-457200">
-              <a:buClrTx/>
-              <a:buFont typeface="+mj-lt"/>
-              <a:buAutoNum type="arabicPeriod"/>
-            </a:pPr>
-            <a:r>
-              <a:rPr lang="it-IT" sz="2000" dirty="0">
-                <a:latin typeface="Times New Roman" panose="02020603050405020304" pitchFamily="18" charset="0"/>
-                <a:cs typeface="Times New Roman" panose="02020603050405020304" pitchFamily="18" charset="0"/>
-              </a:rPr>
-              <a:t>Compilare i campi richiesti e cliccare su “Reset Password”;</a:t>
-            </a:r>
-          </a:p>
-          <a:p>
-            <a:pPr marL="457200" lvl="0" indent="-457200">
-              <a:buClrTx/>
-              <a:buFont typeface="+mj-lt"/>
-              <a:buAutoNum type="arabicPeriod"/>
-            </a:pPr>
-            <a:r>
-              <a:rPr lang="it-IT" sz="2000" dirty="0">
-                <a:latin typeface="Times New Roman" panose="02020603050405020304" pitchFamily="18" charset="0"/>
-                <a:cs typeface="Times New Roman" panose="02020603050405020304" pitchFamily="18" charset="0"/>
-              </a:rPr>
-              <a:t>Se l’operazione è andata a buon fine si verrà indirizzati nella pagina di Login;</a:t>
-            </a:r>
-          </a:p>
-          <a:p>
-            <a:pPr marL="457200" lvl="0" indent="-457200">
-              <a:buClr>
-                <a:schemeClr val="tx1"/>
-              </a:buClr>
-              <a:buFont typeface="+mj-lt"/>
-              <a:buAutoNum type="arabicPeriod"/>
-            </a:pPr>
-            <a:r>
-              <a:rPr lang="it-IT" sz="2000" dirty="0">
-                <a:latin typeface="Times New Roman" panose="02020603050405020304" pitchFamily="18" charset="0"/>
-                <a:cs typeface="Times New Roman" panose="02020603050405020304" pitchFamily="18" charset="0"/>
-              </a:rPr>
-              <a:t>Compilare le </a:t>
-            </a:r>
-            <a:r>
-              <a:rPr lang="it-IT" sz="2000" dirty="0" err="1">
-                <a:latin typeface="Times New Roman" panose="02020603050405020304" pitchFamily="18" charset="0"/>
-                <a:cs typeface="Times New Roman" panose="02020603050405020304" pitchFamily="18" charset="0"/>
-              </a:rPr>
-              <a:t>form</a:t>
-            </a:r>
-            <a:r>
-              <a:rPr lang="it-IT" sz="2000" dirty="0">
-                <a:latin typeface="Times New Roman" panose="02020603050405020304" pitchFamily="18" charset="0"/>
-                <a:cs typeface="Times New Roman" panose="02020603050405020304" pitchFamily="18" charset="0"/>
-              </a:rPr>
-              <a:t> richieste e cliccare su Login;</a:t>
-            </a:r>
-          </a:p>
-          <a:p>
-            <a:pPr marL="457200" lvl="0" indent="-457200">
-              <a:buClr>
-                <a:schemeClr val="tx1"/>
-              </a:buClr>
-              <a:buFont typeface="+mj-lt"/>
-              <a:buAutoNum type="arabicPeriod"/>
-            </a:pPr>
-            <a:r>
-              <a:rPr lang="it-IT" sz="2000" dirty="0">
-                <a:latin typeface="Times New Roman" panose="02020603050405020304" pitchFamily="18" charset="0"/>
-                <a:cs typeface="Times New Roman" panose="02020603050405020304" pitchFamily="18" charset="0"/>
-              </a:rPr>
-              <a:t>Si verrà indirizzati nella Home page nel caso in cui i dati sono stati inseriti correttamente. </a:t>
-            </a:r>
-          </a:p>
-          <a:p>
-            <a:endParaRPr lang="it-IT" dirty="0"/>
-          </a:p>
-        </p:txBody>
-      </p:sp>
-    </p:spTree>
-    <p:extLst>
-      <p:ext uri="{BB962C8B-B14F-4D97-AF65-F5344CB8AC3E}">
-        <p14:creationId xmlns:p14="http://schemas.microsoft.com/office/powerpoint/2010/main" val="2428663034"/>
-      </p:ext>
-    </p:extLst>
-  </p:cSld>
-  <p:clrMapOvr>
-    <a:masterClrMapping/>
-  </p:clrMapOvr>
-</p:sld>
-</file>
-
-<file path=ppt/slides/slide31.xml><?xml version="1.0" encoding="utf-8"?>
 <p:sld xmlns:a="http://schemas.openxmlformats.org/drawingml/2006/main" xmlns:r="http://schemas.openxmlformats.org/officeDocument/2006/relationships" xmlns:p="http://schemas.openxmlformats.org/presentationml/2006/main">
   <p:cSld>
     <p:spTree>
@@ -11466,6 +11229,298 @@
 </p:sld>
 </file>
 
+<file path=ppt/slides/slide31.xml><?xml version="1.0" encoding="utf-8"?>
+<p:sld xmlns:a="http://schemas.openxmlformats.org/drawingml/2006/main" xmlns:r="http://schemas.openxmlformats.org/officeDocument/2006/relationships" xmlns:p="http://schemas.openxmlformats.org/presentationml/2006/main">
+  <p:cSld>
+    <p:spTree>
+      <p:nvGrpSpPr>
+        <p:cNvPr id="1" name=""/>
+        <p:cNvGrpSpPr/>
+        <p:nvPr/>
+      </p:nvGrpSpPr>
+      <p:grpSpPr>
+        <a:xfrm>
+          <a:off x="0" y="0"/>
+          <a:ext cx="0" cy="0"/>
+          <a:chOff x="0" y="0"/>
+          <a:chExt cx="0" cy="0"/>
+        </a:xfrm>
+      </p:grpSpPr>
+      <p:sp>
+        <p:nvSpPr>
+          <p:cNvPr id="5" name="Titolo 1"/>
+          <p:cNvSpPr>
+            <a:spLocks noGrp="1"/>
+          </p:cNvSpPr>
+          <p:nvPr>
+            <p:ph type="title"/>
+          </p:nvPr>
+        </p:nvSpPr>
+        <p:spPr>
+          <a:xfrm>
+            <a:off x="457200" y="566670"/>
+            <a:ext cx="8229600" cy="540913"/>
+          </a:xfrm>
+        </p:spPr>
+        <p:txBody>
+          <a:bodyPr>
+            <a:normAutofit/>
+          </a:bodyPr>
+          <a:lstStyle/>
+          <a:p>
+            <a:r>
+              <a:rPr lang="it-IT" sz="2800" b="1" dirty="0" err="1" smtClean="0">
+                <a:latin typeface="Times New Roman" panose="02020603050405020304" pitchFamily="18" charset="0"/>
+                <a:cs typeface="Times New Roman" panose="02020603050405020304" pitchFamily="18" charset="0"/>
+              </a:rPr>
+              <a:t>User</a:t>
+            </a:r>
+            <a:r>
+              <a:rPr lang="it-IT" sz="2800" b="1" dirty="0" smtClean="0">
+                <a:latin typeface="Times New Roman" panose="02020603050405020304" pitchFamily="18" charset="0"/>
+                <a:cs typeface="Times New Roman" panose="02020603050405020304" pitchFamily="18" charset="0"/>
+              </a:rPr>
+              <a:t> </a:t>
+            </a:r>
+            <a:r>
+              <a:rPr lang="it-IT" sz="2800" b="1" dirty="0" err="1" smtClean="0">
+                <a:latin typeface="Times New Roman" panose="02020603050405020304" pitchFamily="18" charset="0"/>
+                <a:cs typeface="Times New Roman" panose="02020603050405020304" pitchFamily="18" charset="0"/>
+              </a:rPr>
+              <a:t>testing</a:t>
+            </a:r>
+            <a:r>
+              <a:rPr lang="it-IT" sz="2800" b="1" dirty="0" smtClean="0">
+                <a:latin typeface="Times New Roman" panose="02020603050405020304" pitchFamily="18" charset="0"/>
+                <a:cs typeface="Times New Roman" panose="02020603050405020304" pitchFamily="18" charset="0"/>
+              </a:rPr>
+              <a:t> – </a:t>
+            </a:r>
+            <a:r>
+              <a:rPr lang="it-IT" sz="2800" b="1" i="1" dirty="0" err="1" smtClean="0">
+                <a:latin typeface="Times New Roman" panose="02020603050405020304" pitchFamily="18" charset="0"/>
+                <a:cs typeface="Times New Roman" panose="02020603050405020304" pitchFamily="18" charset="0"/>
+              </a:rPr>
+              <a:t>During</a:t>
+            </a:r>
+            <a:r>
+              <a:rPr lang="it-IT" sz="2800" b="1" i="1" dirty="0" smtClean="0">
+                <a:latin typeface="Times New Roman" panose="02020603050405020304" pitchFamily="18" charset="0"/>
+                <a:cs typeface="Times New Roman" panose="02020603050405020304" pitchFamily="18" charset="0"/>
+              </a:rPr>
+              <a:t> the test</a:t>
+            </a:r>
+            <a:endParaRPr lang="it-IT" sz="2800" i="1" dirty="0"/>
+          </a:p>
+        </p:txBody>
+      </p:sp>
+      <p:sp>
+        <p:nvSpPr>
+          <p:cNvPr id="3" name="Segnaposto contenuto 2"/>
+          <p:cNvSpPr>
+            <a:spLocks noGrp="1"/>
+          </p:cNvSpPr>
+          <p:nvPr>
+            <p:ph sz="half" idx="2"/>
+          </p:nvPr>
+        </p:nvSpPr>
+        <p:spPr/>
+        <p:txBody>
+          <a:bodyPr>
+            <a:normAutofit/>
+          </a:bodyPr>
+          <a:lstStyle/>
+          <a:p>
+            <a:pPr marL="0" indent="0">
+              <a:buNone/>
+            </a:pPr>
+            <a:endParaRPr lang="it-IT" sz="2000" dirty="0">
+              <a:latin typeface="Times New Roman" panose="02020603050405020304" pitchFamily="18" charset="0"/>
+              <a:cs typeface="Times New Roman" panose="02020603050405020304" pitchFamily="18" charset="0"/>
+            </a:endParaRPr>
+          </a:p>
+          <a:p>
+            <a:pPr marL="0" indent="0">
+              <a:buNone/>
+            </a:pPr>
+            <a:endParaRPr lang="it-IT" sz="2000" dirty="0" smtClean="0">
+              <a:latin typeface="Times New Roman" panose="02020603050405020304" pitchFamily="18" charset="0"/>
+              <a:cs typeface="Times New Roman" panose="02020603050405020304" pitchFamily="18" charset="0"/>
+            </a:endParaRPr>
+          </a:p>
+          <a:p>
+            <a:pPr marL="0" indent="0" algn="just">
+              <a:buNone/>
+            </a:pPr>
+            <a:r>
+              <a:rPr lang="it-IT" sz="2000" dirty="0" smtClean="0">
+                <a:latin typeface="Times New Roman" panose="02020603050405020304" pitchFamily="18" charset="0"/>
+                <a:cs typeface="Times New Roman" panose="02020603050405020304" pitchFamily="18" charset="0"/>
+              </a:rPr>
+              <a:t>Anche in questo caso il principale problema riscontrato nell’utilizzo dell’</a:t>
+            </a:r>
+            <a:r>
+              <a:rPr lang="it-IT" sz="2000" dirty="0" err="1" smtClean="0">
+                <a:latin typeface="Times New Roman" panose="02020603050405020304" pitchFamily="18" charset="0"/>
+                <a:cs typeface="Times New Roman" panose="02020603050405020304" pitchFamily="18" charset="0"/>
+              </a:rPr>
+              <a:t>app</a:t>
+            </a:r>
+            <a:r>
+              <a:rPr lang="it-IT" sz="2000" dirty="0" smtClean="0">
+                <a:latin typeface="Times New Roman" panose="02020603050405020304" pitchFamily="18" charset="0"/>
+                <a:cs typeface="Times New Roman" panose="02020603050405020304" pitchFamily="18" charset="0"/>
+              </a:rPr>
+              <a:t> risiede nella fase di registrazione:</a:t>
+            </a:r>
+          </a:p>
+          <a:p>
+            <a:pPr marL="0" indent="0" algn="just">
+              <a:buNone/>
+            </a:pPr>
+            <a:r>
+              <a:rPr lang="it-IT" sz="2000" dirty="0" smtClean="0">
+                <a:latin typeface="Times New Roman" panose="02020603050405020304" pitchFamily="18" charset="0"/>
+                <a:cs typeface="Times New Roman" panose="02020603050405020304" pitchFamily="18" charset="0"/>
+              </a:rPr>
+              <a:t>- L’utente non è riuscito a comprendere perché non potesse completare il task in quanto la </a:t>
+            </a:r>
+            <a:r>
+              <a:rPr lang="it-IT" sz="2000" dirty="0" err="1" smtClean="0">
+                <a:latin typeface="Times New Roman" panose="02020603050405020304" pitchFamily="18" charset="0"/>
+                <a:cs typeface="Times New Roman" panose="02020603050405020304" pitchFamily="18" charset="0"/>
+              </a:rPr>
+              <a:t>navigation</a:t>
+            </a:r>
+            <a:r>
+              <a:rPr lang="it-IT" sz="2000" dirty="0" smtClean="0">
+                <a:latin typeface="Times New Roman" panose="02020603050405020304" pitchFamily="18" charset="0"/>
+                <a:cs typeface="Times New Roman" panose="02020603050405020304" pitchFamily="18" charset="0"/>
+              </a:rPr>
+              <a:t> bar posta in alto non è molto intuitiva.</a:t>
+            </a:r>
+            <a:endParaRPr lang="it-IT" sz="2000" dirty="0">
+              <a:latin typeface="Times New Roman" panose="02020603050405020304" pitchFamily="18" charset="0"/>
+              <a:cs typeface="Times New Roman" panose="02020603050405020304" pitchFamily="18" charset="0"/>
+            </a:endParaRPr>
+          </a:p>
+        </p:txBody>
+      </p:sp>
+      <p:sp>
+        <p:nvSpPr>
+          <p:cNvPr id="8" name="Segnaposto contenuto 2"/>
+          <p:cNvSpPr txBox="1">
+            <a:spLocks/>
+          </p:cNvSpPr>
+          <p:nvPr/>
+        </p:nvSpPr>
+        <p:spPr>
+          <a:xfrm>
+            <a:off x="628650" y="1254036"/>
+            <a:ext cx="7886700" cy="627016"/>
+          </a:xfrm>
+          <a:prstGeom prst="rect">
+            <a:avLst/>
+          </a:prstGeom>
+        </p:spPr>
+        <p:txBody>
+          <a:bodyPr vert="horz" lIns="91440" tIns="45720" rIns="91440" bIns="45720" rtlCol="0">
+            <a:normAutofit/>
+          </a:bodyPr>
+          <a:lstStyle/>
+          <a:p>
+            <a:pPr lvl="0" algn="ctr">
+              <a:lnSpc>
+                <a:spcPct val="120000"/>
+              </a:lnSpc>
+              <a:spcBef>
+                <a:spcPts val="1000"/>
+              </a:spcBef>
+            </a:pPr>
+            <a:r>
+              <a:rPr lang="it-IT" sz="2500" b="1" dirty="0" err="1" smtClean="0">
+                <a:latin typeface="Times New Roman" panose="02020603050405020304" pitchFamily="18" charset="0"/>
+                <a:cs typeface="Times New Roman" panose="02020603050405020304" pitchFamily="18" charset="0"/>
+              </a:rPr>
+              <a:t>Thinking</a:t>
+            </a:r>
+            <a:r>
+              <a:rPr lang="it-IT" sz="2500" b="1" dirty="0" smtClean="0">
+                <a:latin typeface="Times New Roman" panose="02020603050405020304" pitchFamily="18" charset="0"/>
+                <a:cs typeface="Times New Roman" panose="02020603050405020304" pitchFamily="18" charset="0"/>
+              </a:rPr>
+              <a:t> </a:t>
+            </a:r>
+            <a:r>
+              <a:rPr lang="it-IT" sz="2500" b="1" dirty="0" err="1" smtClean="0">
+                <a:latin typeface="Times New Roman" panose="02020603050405020304" pitchFamily="18" charset="0"/>
+                <a:cs typeface="Times New Roman" panose="02020603050405020304" pitchFamily="18" charset="0"/>
+              </a:rPr>
+              <a:t>Aloud</a:t>
+            </a:r>
+            <a:r>
+              <a:rPr lang="it-IT" sz="2500" b="1" dirty="0" smtClean="0">
+                <a:latin typeface="Times New Roman" panose="02020603050405020304" pitchFamily="18" charset="0"/>
+                <a:cs typeface="Times New Roman" panose="02020603050405020304" pitchFamily="18" charset="0"/>
+              </a:rPr>
+              <a:t> – Tester n° 2 </a:t>
+            </a:r>
+            <a:r>
+              <a:rPr lang="it-IT" sz="2500" b="1" dirty="0" smtClean="0">
+                <a:latin typeface="Times New Roman" panose="02020603050405020304" pitchFamily="18" charset="0"/>
+                <a:cs typeface="Times New Roman" panose="02020603050405020304" pitchFamily="18" charset="0"/>
+              </a:rPr>
+              <a:t>(Ottavio)</a:t>
+            </a:r>
+            <a:endParaRPr lang="it-IT" sz="2500" dirty="0" smtClean="0">
+              <a:latin typeface="Times New Roman" panose="02020603050405020304" pitchFamily="18" charset="0"/>
+              <a:cs typeface="Times New Roman" panose="02020603050405020304" pitchFamily="18" charset="0"/>
+            </a:endParaRPr>
+          </a:p>
+        </p:txBody>
+      </p:sp>
+      <p:pic>
+        <p:nvPicPr>
+          <p:cNvPr id="10" name="Segnaposto contenuto 9"/>
+          <p:cNvPicPr>
+            <a:picLocks noGrp="1" noChangeAspect="1"/>
+          </p:cNvPicPr>
+          <p:nvPr>
+            <p:ph sz="half" idx="1"/>
+          </p:nvPr>
+        </p:nvPicPr>
+        <p:blipFill>
+          <a:blip r:embed="rId2">
+            <a:extLst>
+              <a:ext uri="{28A0092B-C50C-407E-A947-70E740481C1C}">
+                <a14:useLocalDpi xmlns:a14="http://schemas.microsoft.com/office/drawing/2010/main" val="0"/>
+              </a:ext>
+            </a:extLst>
+          </a:blip>
+          <a:stretch>
+            <a:fillRect/>
+          </a:stretch>
+        </p:blipFill>
+        <p:spPr>
+          <a:xfrm>
+            <a:off x="457200" y="2580468"/>
+            <a:ext cx="4038600" cy="3114701"/>
+          </a:xfrm>
+        </p:spPr>
+      </p:pic>
+    </p:spTree>
+    <p:extLst>
+      <p:ext uri="{BB962C8B-B14F-4D97-AF65-F5344CB8AC3E}">
+        <p14:creationId xmlns:p14="http://schemas.microsoft.com/office/powerpoint/2010/main" val="2442419145"/>
+      </p:ext>
+    </p:extLst>
+  </p:cSld>
+  <p:clrMapOvr>
+    <a:masterClrMapping/>
+  </p:clrMapOvr>
+</p:sld>
+</file>
+
 <file path=ppt/slides/slide32.xml><?xml version="1.0" encoding="utf-8"?>
 <p:sld xmlns:a="http://schemas.openxmlformats.org/drawingml/2006/main" xmlns:r="http://schemas.openxmlformats.org/officeDocument/2006/relationships" xmlns:p="http://schemas.openxmlformats.org/presentationml/2006/main">
   <p:cSld>
@@ -11622,7 +11677,7 @@
                 <a:latin typeface="Times New Roman" panose="02020603050405020304" pitchFamily="18" charset="0"/>
                 <a:cs typeface="Times New Roman" panose="02020603050405020304" pitchFamily="18" charset="0"/>
               </a:rPr>
-              <a:t> 2 ()</a:t>
+              <a:t> 3 ()</a:t>
             </a:r>
             <a:endParaRPr lang="it-IT" sz="2500" dirty="0" smtClean="0">
               <a:latin typeface="Times New Roman" panose="02020603050405020304" pitchFamily="18" charset="0"/>
@@ -11716,7 +11771,7 @@
                 <a:latin typeface="Times New Roman" panose="02020603050405020304" pitchFamily="18" charset="0"/>
                 <a:cs typeface="Times New Roman" panose="02020603050405020304" pitchFamily="18" charset="0"/>
               </a:rPr>
-              <a:t>During</a:t>
+              <a:t>After</a:t>
             </a:r>
             <a:r>
               <a:rPr lang="it-IT" sz="2800" b="1" i="1" dirty="0" smtClean="0">
@@ -11739,8 +11794,8 @@
         </p:nvSpPr>
         <p:spPr>
           <a:xfrm>
-            <a:off x="628650" y="1254036"/>
-            <a:ext cx="7886700" cy="627016"/>
+            <a:off x="628650" y="1254034"/>
+            <a:ext cx="7886700" cy="5301311"/>
           </a:xfrm>
           <a:prstGeom prst="rect">
             <a:avLst/>
@@ -11761,48 +11816,132 @@
               </a:spcBef>
             </a:pPr>
             <a:r>
+              <a:rPr lang="it-IT" sz="2500" b="1" dirty="0" smtClean="0">
+                <a:latin typeface="Times New Roman" panose="02020603050405020304" pitchFamily="18" charset="0"/>
+                <a:cs typeface="Times New Roman" panose="02020603050405020304" pitchFamily="18" charset="0"/>
+              </a:rPr>
+              <a:t>Task 1 – </a:t>
+            </a:r>
+            <a:r>
               <a:rPr lang="it-IT" sz="2500" b="1" dirty="0" err="1" smtClean="0">
                 <a:latin typeface="Times New Roman" panose="02020603050405020304" pitchFamily="18" charset="0"/>
                 <a:cs typeface="Times New Roman" panose="02020603050405020304" pitchFamily="18" charset="0"/>
               </a:rPr>
-              <a:t>Thinking</a:t>
+              <a:t>Sign</a:t>
             </a:r>
             <a:r>
               <a:rPr lang="it-IT" sz="2500" b="1" dirty="0" smtClean="0">
                 <a:latin typeface="Times New Roman" panose="02020603050405020304" pitchFamily="18" charset="0"/>
                 <a:cs typeface="Times New Roman" panose="02020603050405020304" pitchFamily="18" charset="0"/>
               </a:rPr>
-              <a:t> </a:t>
-            </a:r>
-            <a:r>
-              <a:rPr lang="it-IT" sz="2500" b="1" dirty="0" err="1" smtClean="0">
-                <a:latin typeface="Times New Roman" panose="02020603050405020304" pitchFamily="18" charset="0"/>
-                <a:cs typeface="Times New Roman" panose="02020603050405020304" pitchFamily="18" charset="0"/>
-              </a:rPr>
-              <a:t>Aloud</a:t>
-            </a:r>
-            <a:r>
-              <a:rPr lang="it-IT" sz="2500" b="1" dirty="0" smtClean="0">
-                <a:latin typeface="Times New Roman" panose="02020603050405020304" pitchFamily="18" charset="0"/>
-                <a:cs typeface="Times New Roman" panose="02020603050405020304" pitchFamily="18" charset="0"/>
-              </a:rPr>
-              <a:t> – Tester </a:t>
-            </a:r>
-            <a:r>
-              <a:rPr lang="it-IT" sz="2500" b="1" dirty="0" err="1" smtClean="0">
-                <a:latin typeface="Times New Roman" panose="02020603050405020304" pitchFamily="18" charset="0"/>
-                <a:cs typeface="Times New Roman" panose="02020603050405020304" pitchFamily="18" charset="0"/>
-              </a:rPr>
-              <a:t>n°</a:t>
-            </a:r>
-            <a:r>
-              <a:rPr lang="it-IT" sz="2500" b="1" dirty="0" smtClean="0">
-                <a:latin typeface="Times New Roman" panose="02020603050405020304" pitchFamily="18" charset="0"/>
-                <a:cs typeface="Times New Roman" panose="02020603050405020304" pitchFamily="18" charset="0"/>
-              </a:rPr>
-              <a:t> 3 ()</a:t>
+              <a:t> up</a:t>
             </a:r>
             <a:endParaRPr lang="it-IT" sz="2500" dirty="0" smtClean="0">
+              <a:latin typeface="Times New Roman" panose="02020603050405020304" pitchFamily="18" charset="0"/>
+              <a:cs typeface="Times New Roman" panose="02020603050405020304" pitchFamily="18" charset="0"/>
+            </a:endParaRPr>
+          </a:p>
+          <a:p>
+            <a:pPr algn="just"/>
+            <a:endParaRPr lang="it-IT" sz="2000" dirty="0" smtClean="0">
+              <a:latin typeface="Times New Roman" panose="02020603050405020304" pitchFamily="18" charset="0"/>
+              <a:cs typeface="Times New Roman" panose="02020603050405020304" pitchFamily="18" charset="0"/>
+            </a:endParaRPr>
+          </a:p>
+          <a:p>
+            <a:r>
+              <a:rPr lang="it-IT" sz="2600" dirty="0" smtClean="0"/>
+              <a:t> </a:t>
+            </a:r>
+          </a:p>
+          <a:p>
+            <a:pPr marL="457200" lvl="0" indent="-457200">
+              <a:buFont typeface="+mj-lt"/>
+              <a:buAutoNum type="arabicPeriod"/>
+            </a:pPr>
+            <a:r>
+              <a:rPr lang="it-IT" sz="2000" dirty="0" smtClean="0">
+                <a:latin typeface="Times New Roman" panose="02020603050405020304" pitchFamily="18" charset="0"/>
+                <a:cs typeface="Times New Roman" panose="02020603050405020304" pitchFamily="18" charset="0"/>
+              </a:rPr>
+              <a:t>Intuitività della schermata.</a:t>
+            </a:r>
+          </a:p>
+          <a:p>
+            <a:r>
+              <a:rPr lang="it-IT" sz="2000" dirty="0" smtClean="0">
+                <a:latin typeface="Times New Roman" panose="02020603050405020304" pitchFamily="18" charset="0"/>
+                <a:cs typeface="Times New Roman" panose="02020603050405020304" pitchFamily="18" charset="0"/>
+              </a:rPr>
+              <a:t>			1    2    3    4    5</a:t>
+            </a:r>
+          </a:p>
+          <a:p>
+            <a:pPr marL="457200" lvl="0" indent="-457200">
+              <a:buFont typeface="+mj-lt"/>
+              <a:buAutoNum type="arabicPeriod" startAt="2"/>
+            </a:pPr>
+            <a:r>
+              <a:rPr lang="it-IT" sz="2000" dirty="0" smtClean="0">
+                <a:latin typeface="Times New Roman" panose="02020603050405020304" pitchFamily="18" charset="0"/>
+                <a:cs typeface="Times New Roman" panose="02020603050405020304" pitchFamily="18" charset="0"/>
+              </a:rPr>
+              <a:t>Si capisce sempre quali operazioni effettuare di volta in volta.</a:t>
+            </a:r>
+          </a:p>
+          <a:p>
+            <a:r>
+              <a:rPr lang="it-IT" sz="2000" dirty="0" smtClean="0">
+                <a:latin typeface="Times New Roman" panose="02020603050405020304" pitchFamily="18" charset="0"/>
+                <a:cs typeface="Times New Roman" panose="02020603050405020304" pitchFamily="18" charset="0"/>
+              </a:rPr>
+              <a:t>			1    2    3    4    5</a:t>
+            </a:r>
+          </a:p>
+          <a:p>
+            <a:pPr marL="457200" lvl="0" indent="-457200">
+              <a:buFont typeface="+mj-lt"/>
+              <a:buAutoNum type="arabicPeriod" startAt="3"/>
+            </a:pPr>
+            <a:r>
+              <a:rPr lang="it-IT" sz="2000" dirty="0" smtClean="0">
+                <a:latin typeface="Times New Roman" panose="02020603050405020304" pitchFamily="18" charset="0"/>
+                <a:cs typeface="Times New Roman" panose="02020603050405020304" pitchFamily="18" charset="0"/>
+              </a:rPr>
+              <a:t>Si riesce a capire come passare da una schermata all’altra.</a:t>
+            </a:r>
+          </a:p>
+          <a:p>
+            <a:r>
+              <a:rPr lang="it-IT" sz="2000" dirty="0" smtClean="0">
+                <a:latin typeface="Times New Roman" panose="02020603050405020304" pitchFamily="18" charset="0"/>
+                <a:cs typeface="Times New Roman" panose="02020603050405020304" pitchFamily="18" charset="0"/>
+              </a:rPr>
+              <a:t>			1    2    3    4    5</a:t>
+            </a:r>
+          </a:p>
+          <a:p>
+            <a:pPr marL="457200" lvl="0" indent="-457200">
+              <a:buFont typeface="+mj-lt"/>
+              <a:buAutoNum type="arabicPeriod" startAt="4"/>
+            </a:pPr>
+            <a:r>
+              <a:rPr lang="it-IT" sz="2000" dirty="0" smtClean="0">
+                <a:latin typeface="Times New Roman" panose="02020603050405020304" pitchFamily="18" charset="0"/>
+                <a:cs typeface="Times New Roman" panose="02020603050405020304" pitchFamily="18" charset="0"/>
+              </a:rPr>
+              <a:t>È sempre possibile capire e correggere gli errori commessi.</a:t>
+            </a:r>
+          </a:p>
+          <a:p>
+            <a:r>
+              <a:rPr lang="it-IT" sz="2000" dirty="0" smtClean="0">
+                <a:latin typeface="Times New Roman" panose="02020603050405020304" pitchFamily="18" charset="0"/>
+                <a:cs typeface="Times New Roman" panose="02020603050405020304" pitchFamily="18" charset="0"/>
+              </a:rPr>
+              <a:t>			1    2    3    4    5</a:t>
+            </a:r>
+            <a:endParaRPr lang="it-IT" sz="2000" dirty="0">
               <a:latin typeface="Times New Roman" panose="02020603050405020304" pitchFamily="18" charset="0"/>
               <a:cs typeface="Times New Roman" panose="02020603050405020304" pitchFamily="18" charset="0"/>
             </a:endParaRPr>
@@ -11943,21 +12082,7 @@
                 <a:latin typeface="Times New Roman" panose="02020603050405020304" pitchFamily="18" charset="0"/>
                 <a:cs typeface="Times New Roman" panose="02020603050405020304" pitchFamily="18" charset="0"/>
               </a:rPr>
-              <a:t>Task 1 – </a:t>
-            </a:r>
-            <a:r>
-              <a:rPr lang="it-IT" sz="2500" b="1" dirty="0" err="1" smtClean="0">
-                <a:latin typeface="Times New Roman" panose="02020603050405020304" pitchFamily="18" charset="0"/>
-                <a:cs typeface="Times New Roman" panose="02020603050405020304" pitchFamily="18" charset="0"/>
-              </a:rPr>
-              <a:t>Sign</a:t>
-            </a:r>
-            <a:r>
-              <a:rPr lang="it-IT" sz="2500" b="1" dirty="0" smtClean="0">
-                <a:latin typeface="Times New Roman" panose="02020603050405020304" pitchFamily="18" charset="0"/>
-                <a:cs typeface="Times New Roman" panose="02020603050405020304" pitchFamily="18" charset="0"/>
-              </a:rPr>
-              <a:t> up</a:t>
+              <a:t>Task 2 – Selezionare un obiettivo</a:t>
             </a:r>
             <a:endParaRPr lang="it-IT" sz="2500" dirty="0" smtClean="0">
               <a:latin typeface="Times New Roman" panose="02020603050405020304" pitchFamily="18" charset="0"/>
@@ -11978,7 +12103,7 @@
             </a:r>
           </a:p>
           <a:p>
-            <a:pPr marL="457200" lvl="0" indent="-457200">
+            <a:pPr marL="457200" lvl="0" indent="-457200" algn="just">
               <a:buFont typeface="+mj-lt"/>
               <a:buAutoNum type="arabicPeriod"/>
             </a:pPr>
@@ -11987,10 +12112,25 @@
                 <a:latin typeface="Times New Roman" panose="02020603050405020304" pitchFamily="18" charset="0"/>
                 <a:cs typeface="Times New Roman" panose="02020603050405020304" pitchFamily="18" charset="0"/>
               </a:rPr>
-              <a:t>Intuitività della schermata.</a:t>
-            </a:r>
-          </a:p>
-          <a:p>
+              <a:t>È chiaro sin da subito come passare dalla Home alla schermata degli obiettivi (“</a:t>
+            </a:r>
+            <a:r>
+              <a:rPr lang="it-IT" sz="2000" dirty="0" err="1" smtClean="0">
+                <a:latin typeface="Times New Roman" panose="02020603050405020304" pitchFamily="18" charset="0"/>
+                <a:cs typeface="Times New Roman" panose="02020603050405020304" pitchFamily="18" charset="0"/>
+              </a:rPr>
+              <a:t>Goals</a:t>
+            </a:r>
+            <a:r>
+              <a:rPr lang="it-IT" sz="2000" dirty="0" smtClean="0">
+                <a:latin typeface="Times New Roman" panose="02020603050405020304" pitchFamily="18" charset="0"/>
+                <a:cs typeface="Times New Roman" panose="02020603050405020304" pitchFamily="18" charset="0"/>
+              </a:rPr>
+              <a:t>”).</a:t>
+            </a:r>
+          </a:p>
+          <a:p>
+            <a:pPr algn="just"/>
             <a:r>
               <a:rPr lang="it-IT" sz="2000" dirty="0" smtClean="0">
                 <a:latin typeface="Times New Roman" panose="02020603050405020304" pitchFamily="18" charset="0"/>
@@ -12000,7 +12140,7 @@
             </a:r>
           </a:p>
           <a:p>
-            <a:pPr marL="457200" lvl="0" indent="-457200">
+            <a:pPr marL="457200" lvl="0" indent="-457200" algn="just">
               <a:buFont typeface="+mj-lt"/>
               <a:buAutoNum type="arabicPeriod" startAt="2"/>
             </a:pPr>
@@ -12009,10 +12149,11 @@
                 <a:latin typeface="Times New Roman" panose="02020603050405020304" pitchFamily="18" charset="0"/>
                 <a:cs typeface="Times New Roman" panose="02020603050405020304" pitchFamily="18" charset="0"/>
               </a:rPr>
-              <a:t>Si capisce sempre quali operazioni effettuare di volta in volta.</a:t>
-            </a:r>
-          </a:p>
-          <a:p>
+              <a:t>Intuitività nella scelta dell’obiettivo.</a:t>
+            </a:r>
+          </a:p>
+          <a:p>
+            <a:pPr algn="just"/>
             <a:r>
               <a:rPr lang="it-IT" sz="2000" dirty="0" smtClean="0">
                 <a:latin typeface="Times New Roman" panose="02020603050405020304" pitchFamily="18" charset="0"/>
@@ -12022,7 +12163,7 @@
             </a:r>
           </a:p>
           <a:p>
-            <a:pPr marL="457200" lvl="0" indent="-457200">
+            <a:pPr marL="457200" lvl="0" indent="-457200" algn="just">
               <a:buFont typeface="+mj-lt"/>
               <a:buAutoNum type="arabicPeriod" startAt="3"/>
             </a:pPr>
@@ -12031,10 +12172,11 @@
                 <a:latin typeface="Times New Roman" panose="02020603050405020304" pitchFamily="18" charset="0"/>
                 <a:cs typeface="Times New Roman" panose="02020603050405020304" pitchFamily="18" charset="0"/>
               </a:rPr>
-              <a:t>Si riesce a capire come passare da una schermata all’altra.</a:t>
-            </a:r>
-          </a:p>
-          <a:p>
+              <a:t>È sempre possibile conoscere lo stato del sistema.</a:t>
+            </a:r>
+          </a:p>
+          <a:p>
+            <a:pPr algn="just"/>
             <a:r>
               <a:rPr lang="it-IT" sz="2000" dirty="0" smtClean="0">
                 <a:latin typeface="Times New Roman" panose="02020603050405020304" pitchFamily="18" charset="0"/>
@@ -12044,7 +12186,7 @@
             </a:r>
           </a:p>
           <a:p>
-            <a:pPr marL="457200" lvl="0" indent="-457200">
+            <a:pPr marL="457200" lvl="0" indent="-457200" algn="just">
               <a:buFont typeface="+mj-lt"/>
               <a:buAutoNum type="arabicPeriod" startAt="4"/>
             </a:pPr>
@@ -12057,6 +12199,53 @@
             </a:r>
           </a:p>
           <a:p>
+            <a:pPr algn="just"/>
+            <a:r>
+              <a:rPr lang="it-IT" sz="2000" dirty="0" smtClean="0">
+                <a:latin typeface="Times New Roman" panose="02020603050405020304" pitchFamily="18" charset="0"/>
+                <a:cs typeface="Times New Roman" panose="02020603050405020304" pitchFamily="18" charset="0"/>
+              </a:rPr>
+              <a:t>			1    2    3    4    5</a:t>
+            </a:r>
+          </a:p>
+          <a:p>
+            <a:pPr marL="457200" lvl="0" indent="-457200" algn="just">
+              <a:buFont typeface="+mj-lt"/>
+              <a:buAutoNum type="arabicPeriod" startAt="5"/>
+            </a:pPr>
+            <a:r>
+              <a:rPr lang="it-IT" sz="2000" dirty="0" smtClean="0">
+                <a:latin typeface="Times New Roman" panose="02020603050405020304" pitchFamily="18" charset="0"/>
+                <a:cs typeface="Times New Roman" panose="02020603050405020304" pitchFamily="18" charset="0"/>
+              </a:rPr>
+              <a:t>È intuitivo tornare alla pagina principale.</a:t>
+            </a:r>
+          </a:p>
+          <a:p>
+            <a:pPr algn="just"/>
+            <a:r>
+              <a:rPr lang="it-IT" sz="2000" dirty="0" smtClean="0">
+                <a:latin typeface="Times New Roman" panose="02020603050405020304" pitchFamily="18" charset="0"/>
+                <a:cs typeface="Times New Roman" panose="02020603050405020304" pitchFamily="18" charset="0"/>
+              </a:rPr>
+              <a:t>			1    2    3    4    5</a:t>
+            </a:r>
+          </a:p>
+          <a:p>
+            <a:pPr marL="457200" lvl="0" indent="-457200" algn="just">
+              <a:buFont typeface="+mj-lt"/>
+              <a:buAutoNum type="arabicPeriod" startAt="6"/>
+            </a:pPr>
+            <a:r>
+              <a:rPr lang="it-IT" sz="2000" dirty="0" smtClean="0">
+                <a:latin typeface="Times New Roman" panose="02020603050405020304" pitchFamily="18" charset="0"/>
+                <a:cs typeface="Times New Roman" panose="02020603050405020304" pitchFamily="18" charset="0"/>
+              </a:rPr>
+              <a:t>È noto che l’obiettivo scelto è visualizzato nella Home.</a:t>
+            </a:r>
+          </a:p>
+          <a:p>
+            <a:pPr algn="just"/>
             <a:r>
               <a:rPr lang="it-IT" sz="2000" dirty="0" smtClean="0">
                 <a:latin typeface="Times New Roman" panose="02020603050405020304" pitchFamily="18" charset="0"/>
@@ -12205,8 +12394,46 @@
                 <a:latin typeface="Times New Roman" panose="02020603050405020304" pitchFamily="18" charset="0"/>
                 <a:cs typeface="Times New Roman" panose="02020603050405020304" pitchFamily="18" charset="0"/>
               </a:rPr>
-              <a:t>Task 2 – Selezionare un obiettivo</a:t>
-            </a:r>
+              <a:t>Task 3 – Vincere il premio “</a:t>
+            </a:r>
+            <a:r>
+              <a:rPr lang="it-IT" sz="2500" b="1" dirty="0" err="1" smtClean="0">
+                <a:latin typeface="Times New Roman" panose="02020603050405020304" pitchFamily="18" charset="0"/>
+                <a:cs typeface="Times New Roman" panose="02020603050405020304" pitchFamily="18" charset="0"/>
+              </a:rPr>
+              <a:t>Defeat</a:t>
+            </a:r>
+            <a:r>
+              <a:rPr lang="it-IT" sz="2500" b="1" dirty="0" smtClean="0">
+                <a:latin typeface="Times New Roman" panose="02020603050405020304" pitchFamily="18" charset="0"/>
+                <a:cs typeface="Times New Roman" panose="02020603050405020304" pitchFamily="18" charset="0"/>
+              </a:rPr>
+              <a:t> the </a:t>
+            </a:r>
+            <a:r>
+              <a:rPr lang="it-IT" sz="2500" b="1" dirty="0" err="1" smtClean="0">
+                <a:latin typeface="Times New Roman" panose="02020603050405020304" pitchFamily="18" charset="0"/>
+                <a:cs typeface="Times New Roman" panose="02020603050405020304" pitchFamily="18" charset="0"/>
+              </a:rPr>
+              <a:t>temptation</a:t>
+            </a:r>
+            <a:r>
+              <a:rPr lang="it-IT" sz="2500" b="1" dirty="0" smtClean="0">
+                <a:latin typeface="Times New Roman" panose="02020603050405020304" pitchFamily="18" charset="0"/>
+                <a:cs typeface="Times New Roman" panose="02020603050405020304" pitchFamily="18" charset="0"/>
+              </a:rPr>
+              <a:t>”</a:t>
+            </a:r>
+          </a:p>
+          <a:p>
+            <a:pPr lvl="0" algn="ctr">
+              <a:lnSpc>
+                <a:spcPct val="120000"/>
+              </a:lnSpc>
+              <a:spcBef>
+                <a:spcPts val="1000"/>
+              </a:spcBef>
+            </a:pPr>
             <a:endParaRPr lang="it-IT" sz="2500" dirty="0" smtClean="0">
               <a:latin typeface="Times New Roman" panose="02020603050405020304" pitchFamily="18" charset="0"/>
               <a:cs typeface="Times New Roman" panose="02020603050405020304" pitchFamily="18" charset="0"/>
@@ -12220,163 +12447,163 @@
             </a:endParaRPr>
           </a:p>
           <a:p>
-            <a:r>
-              <a:rPr lang="it-IT" sz="2600" dirty="0" smtClean="0"/>
-              <a:t> </a:t>
-            </a:r>
-          </a:p>
-          <a:p>
-            <a:pPr marL="457200" lvl="0" indent="-457200" algn="just">
-              <a:buFont typeface="+mj-lt"/>
-              <a:buAutoNum type="arabicPeriod"/>
-            </a:pPr>
-            <a:r>
-              <a:rPr lang="it-IT" sz="2000" dirty="0" smtClean="0">
-                <a:latin typeface="Times New Roman" panose="02020603050405020304" pitchFamily="18" charset="0"/>
-                <a:cs typeface="Times New Roman" panose="02020603050405020304" pitchFamily="18" charset="0"/>
-              </a:rPr>
-              <a:t>È chiaro sin da subito come passare dalla Home alla schermata degli obiettivi (“</a:t>
-            </a:r>
-            <a:r>
-              <a:rPr lang="it-IT" sz="2000" dirty="0" err="1" smtClean="0">
-                <a:latin typeface="Times New Roman" panose="02020603050405020304" pitchFamily="18" charset="0"/>
-                <a:cs typeface="Times New Roman" panose="02020603050405020304" pitchFamily="18" charset="0"/>
-              </a:rPr>
-              <a:t>Goals</a:t>
-            </a:r>
-            <a:r>
-              <a:rPr lang="it-IT" sz="2000" dirty="0" smtClean="0">
-                <a:latin typeface="Times New Roman" panose="02020603050405020304" pitchFamily="18" charset="0"/>
-                <a:cs typeface="Times New Roman" panose="02020603050405020304" pitchFamily="18" charset="0"/>
-              </a:rPr>
-              <a:t>”).</a:t>
-            </a:r>
-          </a:p>
-          <a:p>
-            <a:pPr algn="just"/>
-            <a:r>
-              <a:rPr lang="it-IT" sz="2000" dirty="0" smtClean="0">
-                <a:latin typeface="Times New Roman" panose="02020603050405020304" pitchFamily="18" charset="0"/>
-                <a:cs typeface="Times New Roman" panose="02020603050405020304" pitchFamily="18" charset="0"/>
-              </a:rPr>
-              <a:t>			1    2    3    4    5</a:t>
-            </a:r>
-          </a:p>
-          <a:p>
-            <a:pPr marL="457200" lvl="0" indent="-457200" algn="just">
-              <a:buFont typeface="+mj-lt"/>
-              <a:buAutoNum type="arabicPeriod" startAt="2"/>
-            </a:pPr>
-            <a:r>
-              <a:rPr lang="it-IT" sz="2000" dirty="0" smtClean="0">
-                <a:latin typeface="Times New Roman" panose="02020603050405020304" pitchFamily="18" charset="0"/>
-                <a:cs typeface="Times New Roman" panose="02020603050405020304" pitchFamily="18" charset="0"/>
-              </a:rPr>
-              <a:t>Intuitività nella scelta dell’obiettivo.</a:t>
-            </a:r>
-          </a:p>
-          <a:p>
-            <a:pPr algn="just"/>
-            <a:r>
-              <a:rPr lang="it-IT" sz="2000" dirty="0" smtClean="0">
-                <a:latin typeface="Times New Roman" panose="02020603050405020304" pitchFamily="18" charset="0"/>
-                <a:cs typeface="Times New Roman" panose="02020603050405020304" pitchFamily="18" charset="0"/>
-              </a:rPr>
-              <a:t>			1    2    3    4    5</a:t>
-            </a:r>
-          </a:p>
-          <a:p>
-            <a:pPr marL="457200" lvl="0" indent="-457200" algn="just">
-              <a:buFont typeface="+mj-lt"/>
-              <a:buAutoNum type="arabicPeriod" startAt="3"/>
-            </a:pPr>
-            <a:r>
-              <a:rPr lang="it-IT" sz="2000" dirty="0" smtClean="0">
-                <a:latin typeface="Times New Roman" panose="02020603050405020304" pitchFamily="18" charset="0"/>
-                <a:cs typeface="Times New Roman" panose="02020603050405020304" pitchFamily="18" charset="0"/>
-              </a:rPr>
-              <a:t>È sempre possibile conoscere lo stato del sistema.</a:t>
-            </a:r>
-          </a:p>
-          <a:p>
-            <a:pPr algn="just"/>
-            <a:r>
-              <a:rPr lang="it-IT" sz="2000" dirty="0" smtClean="0">
-                <a:latin typeface="Times New Roman" panose="02020603050405020304" pitchFamily="18" charset="0"/>
-                <a:cs typeface="Times New Roman" panose="02020603050405020304" pitchFamily="18" charset="0"/>
-              </a:rPr>
-              <a:t>			1    2    3    4    5</a:t>
-            </a:r>
-          </a:p>
-          <a:p>
-            <a:pPr marL="457200" lvl="0" indent="-457200" algn="just">
-              <a:buFont typeface="+mj-lt"/>
-              <a:buAutoNum type="arabicPeriod" startAt="4"/>
-            </a:pPr>
-            <a:r>
-              <a:rPr lang="it-IT" sz="2000" dirty="0" smtClean="0">
-                <a:latin typeface="Times New Roman" panose="02020603050405020304" pitchFamily="18" charset="0"/>
-                <a:cs typeface="Times New Roman" panose="02020603050405020304" pitchFamily="18" charset="0"/>
-              </a:rPr>
-              <a:t>È sempre possibile capire e correggere gli errori commessi.</a:t>
-            </a:r>
-          </a:p>
-          <a:p>
-            <a:pPr algn="just"/>
-            <a:r>
-              <a:rPr lang="it-IT" sz="2000" dirty="0" smtClean="0">
-                <a:latin typeface="Times New Roman" panose="02020603050405020304" pitchFamily="18" charset="0"/>
-                <a:cs typeface="Times New Roman" panose="02020603050405020304" pitchFamily="18" charset="0"/>
-              </a:rPr>
-              <a:t>			1    2    3    4    5</a:t>
-            </a:r>
-          </a:p>
-          <a:p>
-            <a:pPr marL="457200" lvl="0" indent="-457200" algn="just">
-              <a:buFont typeface="+mj-lt"/>
-              <a:buAutoNum type="arabicPeriod" startAt="5"/>
-            </a:pPr>
-            <a:r>
-              <a:rPr lang="it-IT" sz="2000" dirty="0" smtClean="0">
-                <a:latin typeface="Times New Roman" panose="02020603050405020304" pitchFamily="18" charset="0"/>
-                <a:cs typeface="Times New Roman" panose="02020603050405020304" pitchFamily="18" charset="0"/>
-              </a:rPr>
-              <a:t>È intuitivo tornare alla pagina principale.</a:t>
-            </a:r>
-          </a:p>
-          <a:p>
-            <a:pPr algn="just"/>
-            <a:r>
-              <a:rPr lang="it-IT" sz="2000" dirty="0" smtClean="0">
-                <a:latin typeface="Times New Roman" panose="02020603050405020304" pitchFamily="18" charset="0"/>
-                <a:cs typeface="Times New Roman" panose="02020603050405020304" pitchFamily="18" charset="0"/>
-              </a:rPr>
-              <a:t>			1    2    3    4    5</a:t>
-            </a:r>
-          </a:p>
-          <a:p>
-            <a:pPr marL="457200" lvl="0" indent="-457200" algn="just">
-              <a:buFont typeface="+mj-lt"/>
-              <a:buAutoNum type="arabicPeriod" startAt="6"/>
-            </a:pPr>
-            <a:r>
-              <a:rPr lang="it-IT" sz="2000" dirty="0" smtClean="0">
-                <a:latin typeface="Times New Roman" panose="02020603050405020304" pitchFamily="18" charset="0"/>
-                <a:cs typeface="Times New Roman" panose="02020603050405020304" pitchFamily="18" charset="0"/>
-              </a:rPr>
-              <a:t>È noto che l’obiettivo scelto è visualizzato nella Home.</a:t>
-            </a:r>
-          </a:p>
-          <a:p>
-            <a:pPr algn="just"/>
-            <a:r>
-              <a:rPr lang="it-IT" sz="2000" dirty="0" smtClean="0">
-                <a:latin typeface="Times New Roman" panose="02020603050405020304" pitchFamily="18" charset="0"/>
-                <a:cs typeface="Times New Roman" panose="02020603050405020304" pitchFamily="18" charset="0"/>
-              </a:rPr>
-              <a:t>			1    2    3    4    5</a:t>
-            </a:r>
-            <a:endParaRPr lang="it-IT" sz="2000" dirty="0">
+            <a:pPr lvl="0"/>
+            <a:r>
+              <a:rPr lang="it-IT" sz="2000" dirty="0" smtClean="0">
+                <a:latin typeface="Times New Roman" panose="02020603050405020304" pitchFamily="18" charset="0"/>
+                <a:cs typeface="Times New Roman" panose="02020603050405020304" pitchFamily="18" charset="0"/>
+              </a:rPr>
+              <a:t>1.   La </a:t>
+            </a:r>
+            <a:r>
+              <a:rPr lang="it-IT" sz="2000" dirty="0">
+                <a:latin typeface="Times New Roman" panose="02020603050405020304" pitchFamily="18" charset="0"/>
+                <a:cs typeface="Times New Roman" panose="02020603050405020304" pitchFamily="18" charset="0"/>
+              </a:rPr>
+              <a:t>modalità con la quale si può vincere il </a:t>
+            </a:r>
+            <a:r>
+              <a:rPr lang="it-IT" sz="2000" dirty="0" smtClean="0">
+                <a:latin typeface="Times New Roman" panose="02020603050405020304" pitchFamily="18" charset="0"/>
+                <a:cs typeface="Times New Roman" panose="02020603050405020304" pitchFamily="18" charset="0"/>
+              </a:rPr>
+              <a:t>premio è ben spiegata.</a:t>
+            </a:r>
+          </a:p>
+          <a:p>
+            <a:pPr algn="ctr"/>
+            <a:r>
+              <a:rPr lang="it-IT" sz="2000" dirty="0" smtClean="0">
+                <a:latin typeface="Times New Roman" panose="02020603050405020304" pitchFamily="18" charset="0"/>
+                <a:cs typeface="Times New Roman" panose="02020603050405020304" pitchFamily="18" charset="0"/>
+              </a:rPr>
+              <a:t>1    2    3    4    5</a:t>
+            </a:r>
+          </a:p>
+          <a:p>
+            <a:pPr lvl="0"/>
+            <a:r>
+              <a:rPr lang="it-IT" sz="2000" dirty="0" smtClean="0">
+                <a:latin typeface="Times New Roman" panose="02020603050405020304" pitchFamily="18" charset="0"/>
+                <a:cs typeface="Times New Roman" panose="02020603050405020304" pitchFamily="18" charset="0"/>
+              </a:rPr>
+              <a:t>2.   L’interfaccia </a:t>
+            </a:r>
+            <a:r>
+              <a:rPr lang="it-IT" sz="2000" dirty="0">
+                <a:latin typeface="Times New Roman" panose="02020603050405020304" pitchFamily="18" charset="0"/>
+                <a:cs typeface="Times New Roman" panose="02020603050405020304" pitchFamily="18" charset="0"/>
+              </a:rPr>
+              <a:t>è intuitiva.</a:t>
+            </a:r>
+          </a:p>
+          <a:p>
+            <a:pPr algn="ctr"/>
+            <a:r>
+              <a:rPr lang="it-IT" sz="2000" dirty="0">
+                <a:latin typeface="Times New Roman" panose="02020603050405020304" pitchFamily="18" charset="0"/>
+                <a:cs typeface="Times New Roman" panose="02020603050405020304" pitchFamily="18" charset="0"/>
+              </a:rPr>
+              <a:t>1    2    3    4    5</a:t>
+            </a:r>
+          </a:p>
+          <a:p>
+            <a:pPr lvl="0"/>
+            <a:r>
+              <a:rPr lang="it-IT" sz="2000" dirty="0" smtClean="0">
+                <a:latin typeface="Times New Roman" panose="02020603050405020304" pitchFamily="18" charset="0"/>
+                <a:cs typeface="Times New Roman" panose="02020603050405020304" pitchFamily="18" charset="0"/>
+              </a:rPr>
+              <a:t>3.   I </a:t>
+            </a:r>
+            <a:r>
+              <a:rPr lang="it-IT" sz="2000" dirty="0">
+                <a:latin typeface="Times New Roman" panose="02020603050405020304" pitchFamily="18" charset="0"/>
+                <a:cs typeface="Times New Roman" panose="02020603050405020304" pitchFamily="18" charset="0"/>
+              </a:rPr>
+              <a:t>collegamenti fra le schermate sono coerenti.</a:t>
+            </a:r>
+          </a:p>
+          <a:p>
+            <a:pPr algn="ctr"/>
+            <a:r>
+              <a:rPr lang="it-IT" sz="2000" dirty="0">
+                <a:latin typeface="Times New Roman" panose="02020603050405020304" pitchFamily="18" charset="0"/>
+                <a:cs typeface="Times New Roman" panose="02020603050405020304" pitchFamily="18" charset="0"/>
+              </a:rPr>
+              <a:t>1    2    3    4    5</a:t>
+            </a:r>
+          </a:p>
+          <a:p>
+            <a:pPr lvl="0"/>
+            <a:r>
+              <a:rPr lang="it-IT" sz="2000" dirty="0" smtClean="0">
+                <a:latin typeface="Times New Roman" panose="02020603050405020304" pitchFamily="18" charset="0"/>
+                <a:cs typeface="Times New Roman" panose="02020603050405020304" pitchFamily="18" charset="0"/>
+              </a:rPr>
+              <a:t>4.   È </a:t>
+            </a:r>
+            <a:r>
+              <a:rPr lang="it-IT" sz="2000" dirty="0">
+                <a:latin typeface="Times New Roman" panose="02020603050405020304" pitchFamily="18" charset="0"/>
+                <a:cs typeface="Times New Roman" panose="02020603050405020304" pitchFamily="18" charset="0"/>
+              </a:rPr>
+              <a:t>possibile gestire gli errori.</a:t>
+            </a:r>
+          </a:p>
+          <a:p>
+            <a:pPr algn="ctr"/>
+            <a:r>
+              <a:rPr lang="it-IT" sz="2000" dirty="0">
+                <a:latin typeface="Times New Roman" panose="02020603050405020304" pitchFamily="18" charset="0"/>
+                <a:cs typeface="Times New Roman" panose="02020603050405020304" pitchFamily="18" charset="0"/>
+              </a:rPr>
+              <a:t>1    2    3    4    5</a:t>
+            </a:r>
+          </a:p>
+          <a:p>
+            <a:pPr lvl="0"/>
+            <a:r>
+              <a:rPr lang="it-IT" sz="2000" dirty="0" smtClean="0">
+                <a:latin typeface="Times New Roman" panose="02020603050405020304" pitchFamily="18" charset="0"/>
+                <a:cs typeface="Times New Roman" panose="02020603050405020304" pitchFamily="18" charset="0"/>
+              </a:rPr>
+              <a:t>5.   È </a:t>
+            </a:r>
+            <a:r>
+              <a:rPr lang="it-IT" sz="2000" dirty="0">
+                <a:latin typeface="Times New Roman" panose="02020603050405020304" pitchFamily="18" charset="0"/>
+                <a:cs typeface="Times New Roman" panose="02020603050405020304" pitchFamily="18" charset="0"/>
+              </a:rPr>
+              <a:t>possibile individuare facilmente quali premi sono stati vinti e quali </a:t>
+            </a:r>
+            <a:r>
+              <a:rPr lang="it-IT" sz="2000" dirty="0" smtClean="0">
+                <a:latin typeface="Times New Roman" panose="02020603050405020304" pitchFamily="18" charset="0"/>
+                <a:cs typeface="Times New Roman" panose="02020603050405020304" pitchFamily="18" charset="0"/>
+              </a:rPr>
+              <a:t>        no</a:t>
+            </a:r>
+            <a:r>
+              <a:rPr lang="it-IT" sz="2000" dirty="0">
+                <a:latin typeface="Times New Roman" panose="02020603050405020304" pitchFamily="18" charset="0"/>
+                <a:cs typeface="Times New Roman" panose="02020603050405020304" pitchFamily="18" charset="0"/>
+              </a:rPr>
+              <a:t>.</a:t>
+            </a:r>
+          </a:p>
+          <a:p>
+            <a:pPr algn="ctr"/>
+            <a:r>
+              <a:rPr lang="it-IT" sz="2000" dirty="0">
+                <a:latin typeface="Times New Roman" panose="02020603050405020304" pitchFamily="18" charset="0"/>
+                <a:cs typeface="Times New Roman" panose="02020603050405020304" pitchFamily="18" charset="0"/>
+              </a:rPr>
+              <a:t>1    2    3    4    5</a:t>
+            </a:r>
+          </a:p>
+          <a:p>
+            <a:endParaRPr lang="it-IT" sz="2000" dirty="0" smtClean="0">
               <a:latin typeface="Times New Roman" panose="02020603050405020304" pitchFamily="18" charset="0"/>
               <a:cs typeface="Times New Roman" panose="02020603050405020304" pitchFamily="18" charset="0"/>
             </a:endParaRPr>
@@ -12517,46 +12744,50 @@
                 <a:latin typeface="Times New Roman" panose="02020603050405020304" pitchFamily="18" charset="0"/>
                 <a:cs typeface="Times New Roman" panose="02020603050405020304" pitchFamily="18" charset="0"/>
               </a:rPr>
-              <a:t>Task 3 – Vincere il premio “</a:t>
+              <a:t>Task 4 – Vincere il premio “</a:t>
             </a:r>
             <a:r>
               <a:rPr lang="it-IT" sz="2500" b="1" dirty="0" err="1" smtClean="0">
                 <a:latin typeface="Times New Roman" panose="02020603050405020304" pitchFamily="18" charset="0"/>
                 <a:cs typeface="Times New Roman" panose="02020603050405020304" pitchFamily="18" charset="0"/>
               </a:rPr>
-              <a:t>Defeat</a:t>
+              <a:t>Only</a:t>
             </a:r>
             <a:r>
               <a:rPr lang="it-IT" sz="2500" b="1" dirty="0" smtClean="0">
                 <a:latin typeface="Times New Roman" panose="02020603050405020304" pitchFamily="18" charset="0"/>
                 <a:cs typeface="Times New Roman" panose="02020603050405020304" pitchFamily="18" charset="0"/>
               </a:rPr>
-              <a:t> the </a:t>
+              <a:t> 10 </a:t>
             </a:r>
             <a:r>
               <a:rPr lang="it-IT" sz="2500" b="1" dirty="0" err="1" smtClean="0">
                 <a:latin typeface="Times New Roman" panose="02020603050405020304" pitchFamily="18" charset="0"/>
                 <a:cs typeface="Times New Roman" panose="02020603050405020304" pitchFamily="18" charset="0"/>
               </a:rPr>
-              <a:t>temptation</a:t>
+              <a:t>cigarettes</a:t>
             </a:r>
             <a:r>
               <a:rPr lang="it-IT" sz="2500" b="1" dirty="0" smtClean="0">
                 <a:latin typeface="Times New Roman" panose="02020603050405020304" pitchFamily="18" charset="0"/>
                 <a:cs typeface="Times New Roman" panose="02020603050405020304" pitchFamily="18" charset="0"/>
               </a:rPr>
+              <a:t> </a:t>
+            </a:r>
+            <a:r>
+              <a:rPr lang="it-IT" sz="2500" b="1" dirty="0" err="1" smtClean="0">
+                <a:latin typeface="Times New Roman" panose="02020603050405020304" pitchFamily="18" charset="0"/>
+                <a:cs typeface="Times New Roman" panose="02020603050405020304" pitchFamily="18" charset="0"/>
+              </a:rPr>
+              <a:t>smoked</a:t>
+            </a:r>
+            <a:r>
+              <a:rPr lang="it-IT" sz="2500" b="1" dirty="0" smtClean="0">
+                <a:latin typeface="Times New Roman" panose="02020603050405020304" pitchFamily="18" charset="0"/>
+                <a:cs typeface="Times New Roman" panose="02020603050405020304" pitchFamily="18" charset="0"/>
+              </a:rPr>
               <a:t>”</a:t>
             </a:r>
-          </a:p>
-          <a:p>
-            <a:pPr lvl="0" algn="ctr">
-              <a:lnSpc>
-                <a:spcPct val="120000"/>
-              </a:lnSpc>
-              <a:spcBef>
-                <a:spcPts val="1000"/>
-              </a:spcBef>
-            </a:pPr>
             <a:endParaRPr lang="it-IT" sz="2500" dirty="0" smtClean="0">
               <a:latin typeface="Times New Roman" panose="02020603050405020304" pitchFamily="18" charset="0"/>
               <a:cs typeface="Times New Roman" panose="02020603050405020304" pitchFamily="18" charset="0"/>
@@ -12570,33 +12801,217 @@
             </a:endParaRPr>
           </a:p>
           <a:p>
+            <a:pPr lvl="0" algn="just"/>
+            <a:r>
+              <a:rPr lang="it-IT" sz="2000" dirty="0" smtClean="0">
+                <a:latin typeface="Times New Roman" panose="02020603050405020304" pitchFamily="18" charset="0"/>
+                <a:cs typeface="Times New Roman" panose="02020603050405020304" pitchFamily="18" charset="0"/>
+              </a:rPr>
+              <a:t>1.   La </a:t>
+            </a:r>
+            <a:r>
+              <a:rPr lang="it-IT" sz="2000" dirty="0">
+                <a:latin typeface="Times New Roman" panose="02020603050405020304" pitchFamily="18" charset="0"/>
+                <a:cs typeface="Times New Roman" panose="02020603050405020304" pitchFamily="18" charset="0"/>
+              </a:rPr>
+              <a:t>funzionalità del pulsante “</a:t>
+            </a:r>
+            <a:r>
+              <a:rPr lang="it-IT" sz="2000" dirty="0" err="1">
+                <a:latin typeface="Times New Roman" panose="02020603050405020304" pitchFamily="18" charset="0"/>
+                <a:cs typeface="Times New Roman" panose="02020603050405020304" pitchFamily="18" charset="0"/>
+              </a:rPr>
+              <a:t>Add</a:t>
+            </a:r>
+            <a:r>
+              <a:rPr lang="it-IT" sz="2000" dirty="0">
+                <a:latin typeface="Times New Roman" panose="02020603050405020304" pitchFamily="18" charset="0"/>
+                <a:cs typeface="Times New Roman" panose="02020603050405020304" pitchFamily="18" charset="0"/>
+              </a:rPr>
+              <a:t> a </a:t>
+            </a:r>
+            <a:r>
+              <a:rPr lang="it-IT" sz="2000" dirty="0" err="1">
+                <a:latin typeface="Times New Roman" panose="02020603050405020304" pitchFamily="18" charset="0"/>
+                <a:cs typeface="Times New Roman" panose="02020603050405020304" pitchFamily="18" charset="0"/>
+              </a:rPr>
+              <a:t>cigarette</a:t>
+            </a:r>
+            <a:r>
+              <a:rPr lang="it-IT" sz="2000" dirty="0">
+                <a:latin typeface="Times New Roman" panose="02020603050405020304" pitchFamily="18" charset="0"/>
+                <a:cs typeface="Times New Roman" panose="02020603050405020304" pitchFamily="18" charset="0"/>
+              </a:rPr>
+              <a:t>” è comprensibile.</a:t>
+            </a:r>
+          </a:p>
+          <a:p>
+            <a:pPr algn="ctr"/>
+            <a:r>
+              <a:rPr lang="it-IT" sz="2000" dirty="0">
+                <a:latin typeface="Times New Roman" panose="02020603050405020304" pitchFamily="18" charset="0"/>
+                <a:cs typeface="Times New Roman" panose="02020603050405020304" pitchFamily="18" charset="0"/>
+              </a:rPr>
+              <a:t>1    2    3    4    5</a:t>
+            </a:r>
+          </a:p>
+          <a:p>
+            <a:pPr lvl="0" algn="just"/>
+            <a:r>
+              <a:rPr lang="it-IT" sz="2000" dirty="0" smtClean="0">
+                <a:latin typeface="Times New Roman" panose="02020603050405020304" pitchFamily="18" charset="0"/>
+                <a:cs typeface="Times New Roman" panose="02020603050405020304" pitchFamily="18" charset="0"/>
+              </a:rPr>
+              <a:t>2.   La </a:t>
+            </a:r>
+            <a:r>
+              <a:rPr lang="it-IT" sz="2000" dirty="0">
+                <a:latin typeface="Times New Roman" panose="02020603050405020304" pitchFamily="18" charset="0"/>
+                <a:cs typeface="Times New Roman" panose="02020603050405020304" pitchFamily="18" charset="0"/>
+              </a:rPr>
+              <a:t>modalità con la quale si può vincere il premio è ben spiegata.</a:t>
+            </a:r>
+          </a:p>
+          <a:p>
+            <a:pPr algn="ctr"/>
+            <a:r>
+              <a:rPr lang="it-IT" sz="2000" dirty="0">
+                <a:latin typeface="Times New Roman" panose="02020603050405020304" pitchFamily="18" charset="0"/>
+                <a:cs typeface="Times New Roman" panose="02020603050405020304" pitchFamily="18" charset="0"/>
+              </a:rPr>
+              <a:t>1    2    3    4    5</a:t>
+            </a:r>
+          </a:p>
+          <a:p>
+            <a:pPr lvl="0" algn="just"/>
+            <a:r>
+              <a:rPr lang="it-IT" sz="2000" dirty="0" smtClean="0">
+                <a:latin typeface="Times New Roman" panose="02020603050405020304" pitchFamily="18" charset="0"/>
+                <a:cs typeface="Times New Roman" panose="02020603050405020304" pitchFamily="18" charset="0"/>
+              </a:rPr>
+              <a:t>3.   È </a:t>
+            </a:r>
+            <a:r>
+              <a:rPr lang="it-IT" sz="2000" dirty="0">
+                <a:latin typeface="Times New Roman" panose="02020603050405020304" pitchFamily="18" charset="0"/>
+                <a:cs typeface="Times New Roman" panose="02020603050405020304" pitchFamily="18" charset="0"/>
+              </a:rPr>
+              <a:t>evidente il risultato del pulsante “</a:t>
+            </a:r>
+            <a:r>
+              <a:rPr lang="it-IT" sz="2000" dirty="0" err="1">
+                <a:latin typeface="Times New Roman" panose="02020603050405020304" pitchFamily="18" charset="0"/>
+                <a:cs typeface="Times New Roman" panose="02020603050405020304" pitchFamily="18" charset="0"/>
+              </a:rPr>
+              <a:t>Add</a:t>
+            </a:r>
+            <a:r>
+              <a:rPr lang="it-IT" sz="2000" dirty="0">
+                <a:latin typeface="Times New Roman" panose="02020603050405020304" pitchFamily="18" charset="0"/>
+                <a:cs typeface="Times New Roman" panose="02020603050405020304" pitchFamily="18" charset="0"/>
+              </a:rPr>
+              <a:t> a </a:t>
+            </a:r>
+            <a:r>
+              <a:rPr lang="it-IT" sz="2000" dirty="0" err="1">
+                <a:latin typeface="Times New Roman" panose="02020603050405020304" pitchFamily="18" charset="0"/>
+                <a:cs typeface="Times New Roman" panose="02020603050405020304" pitchFamily="18" charset="0"/>
+              </a:rPr>
+              <a:t>cigarette</a:t>
+            </a:r>
+            <a:r>
+              <a:rPr lang="it-IT" sz="2000" dirty="0">
+                <a:latin typeface="Times New Roman" panose="02020603050405020304" pitchFamily="18" charset="0"/>
+                <a:cs typeface="Times New Roman" panose="02020603050405020304" pitchFamily="18" charset="0"/>
+              </a:rPr>
+              <a:t>” sulla Home page.</a:t>
+            </a:r>
+          </a:p>
+          <a:p>
+            <a:pPr algn="ctr"/>
+            <a:r>
+              <a:rPr lang="it-IT" sz="2000" dirty="0">
+                <a:latin typeface="Times New Roman" panose="02020603050405020304" pitchFamily="18" charset="0"/>
+                <a:cs typeface="Times New Roman" panose="02020603050405020304" pitchFamily="18" charset="0"/>
+              </a:rPr>
+              <a:t>1    2    3    4    5</a:t>
+            </a:r>
+          </a:p>
+          <a:p>
+            <a:pPr lvl="0" algn="just"/>
+            <a:r>
+              <a:rPr lang="it-IT" sz="2000" dirty="0" smtClean="0">
+                <a:latin typeface="Times New Roman" panose="02020603050405020304" pitchFamily="18" charset="0"/>
+                <a:cs typeface="Times New Roman" panose="02020603050405020304" pitchFamily="18" charset="0"/>
+              </a:rPr>
+              <a:t>4.   I </a:t>
+            </a:r>
+            <a:r>
+              <a:rPr lang="it-IT" sz="2000" dirty="0">
+                <a:latin typeface="Times New Roman" panose="02020603050405020304" pitchFamily="18" charset="0"/>
+                <a:cs typeface="Times New Roman" panose="02020603050405020304" pitchFamily="18" charset="0"/>
+              </a:rPr>
+              <a:t>collegamenti fra le schermate sono coerenti.</a:t>
+            </a:r>
+          </a:p>
+          <a:p>
+            <a:pPr algn="ctr"/>
+            <a:r>
+              <a:rPr lang="it-IT" sz="2000" dirty="0">
+                <a:latin typeface="Times New Roman" panose="02020603050405020304" pitchFamily="18" charset="0"/>
+                <a:cs typeface="Times New Roman" panose="02020603050405020304" pitchFamily="18" charset="0"/>
+              </a:rPr>
+              <a:t>1    2    3    4    5</a:t>
+            </a:r>
+          </a:p>
+          <a:p>
+            <a:pPr lvl="0" algn="just"/>
+            <a:r>
+              <a:rPr lang="it-IT" sz="2000" dirty="0" smtClean="0">
+                <a:latin typeface="Times New Roman" panose="02020603050405020304" pitchFamily="18" charset="0"/>
+                <a:cs typeface="Times New Roman" panose="02020603050405020304" pitchFamily="18" charset="0"/>
+              </a:rPr>
+              <a:t>5.   È </a:t>
+            </a:r>
+            <a:r>
+              <a:rPr lang="it-IT" sz="2000" dirty="0">
+                <a:latin typeface="Times New Roman" panose="02020603050405020304" pitchFamily="18" charset="0"/>
+                <a:cs typeface="Times New Roman" panose="02020603050405020304" pitchFamily="18" charset="0"/>
+              </a:rPr>
+              <a:t>possibile gestire gli errori.</a:t>
+            </a:r>
+          </a:p>
+          <a:p>
+            <a:pPr algn="ctr"/>
+            <a:r>
+              <a:rPr lang="it-IT" sz="2000" dirty="0">
+                <a:latin typeface="Times New Roman" panose="02020603050405020304" pitchFamily="18" charset="0"/>
+                <a:cs typeface="Times New Roman" panose="02020603050405020304" pitchFamily="18" charset="0"/>
+              </a:rPr>
+              <a:t>1    2    3    4    5</a:t>
+            </a:r>
+          </a:p>
+          <a:p>
             <a:pPr lvl="0"/>
             <a:r>
               <a:rPr lang="it-IT" sz="2000" dirty="0" smtClean="0">
                 <a:latin typeface="Times New Roman" panose="02020603050405020304" pitchFamily="18" charset="0"/>
                 <a:cs typeface="Times New Roman" panose="02020603050405020304" pitchFamily="18" charset="0"/>
               </a:rPr>
-              <a:t>1.   La </a:t>
+              <a:t>6.   È </a:t>
             </a:r>
             <a:r>
               <a:rPr lang="it-IT" sz="2000" dirty="0">
                 <a:latin typeface="Times New Roman" panose="02020603050405020304" pitchFamily="18" charset="0"/>
                 <a:cs typeface="Times New Roman" panose="02020603050405020304" pitchFamily="18" charset="0"/>
               </a:rPr>
-              <a:t>modalità con la quale si può vincere il </a:t>
-            </a:r>
-            <a:r>
-              <a:rPr lang="it-IT" sz="2000" dirty="0" smtClean="0">
-                <a:latin typeface="Times New Roman" panose="02020603050405020304" pitchFamily="18" charset="0"/>
-                <a:cs typeface="Times New Roman" panose="02020603050405020304" pitchFamily="18" charset="0"/>
-              </a:rPr>
-              <a:t>premio è ben spiegata.</a:t>
+              <a:t>possibile individuare facilmente quali premi sono stati vinti e quali no.</a:t>
             </a:r>
           </a:p>
           <a:p>
             <a:pPr algn="ctr"/>
             <a:r>
-              <a:rPr lang="it-IT" sz="2000" dirty="0" smtClean="0">
+              <a:rPr lang="it-IT" sz="2000" dirty="0">
                 <a:latin typeface="Times New Roman" panose="02020603050405020304" pitchFamily="18" charset="0"/>
                 <a:cs typeface="Times New Roman" panose="02020603050405020304" pitchFamily="18" charset="0"/>
               </a:rPr>
@@ -12604,146 +13019,7 @@
             </a:r>
           </a:p>
           <a:p>
-            <a:pPr lvl="0"/>
-            <a:r>
-              <a:rPr lang="it-IT" sz="2000" dirty="0" smtClean="0">
-                <a:latin typeface="Times New Roman" panose="02020603050405020304" pitchFamily="18" charset="0"/>
-                <a:cs typeface="Times New Roman" panose="02020603050405020304" pitchFamily="18" charset="0"/>
-              </a:rPr>
-              <a:t>2.   L’interfaccia </a:t>
-            </a:r>
-            <a:r>
-              <a:rPr lang="it-IT" sz="2000" dirty="0">
-                <a:latin typeface="Times New Roman" panose="02020603050405020304" pitchFamily="18" charset="0"/>
-                <a:cs typeface="Times New Roman" panose="02020603050405020304" pitchFamily="18" charset="0"/>
-              </a:rPr>
-              <a:t>è intuitiva.</a:t>
-            </a:r>
-          </a:p>
-          <a:p>
-            <a:pPr algn="ctr"/>
-            <a:r>
-              <a:rPr lang="it-IT" sz="2000" dirty="0">
-                <a:latin typeface="Times New Roman" panose="02020603050405020304" pitchFamily="18" charset="0"/>
-                <a:cs typeface="Times New Roman" panose="02020603050405020304" pitchFamily="18" charset="0"/>
-              </a:rPr>
-              <a:t>1    2    3    4    5</a:t>
-            </a:r>
-          </a:p>
-          <a:p>
-            <a:pPr lvl="0"/>
-            <a:r>
-              <a:rPr lang="it-IT" sz="2000" dirty="0" smtClean="0">
-                <a:latin typeface="Times New Roman" panose="02020603050405020304" pitchFamily="18" charset="0"/>
-                <a:cs typeface="Times New Roman" panose="02020603050405020304" pitchFamily="18" charset="0"/>
-              </a:rPr>
-              <a:t>3.   I </a:t>
-            </a:r>
-            <a:r>
-              <a:rPr lang="it-IT" sz="2000" dirty="0">
-                <a:latin typeface="Times New Roman" panose="02020603050405020304" pitchFamily="18" charset="0"/>
-                <a:cs typeface="Times New Roman" panose="02020603050405020304" pitchFamily="18" charset="0"/>
-              </a:rPr>
-              <a:t>collegamenti fra le schermate sono coerenti.</a:t>
-            </a:r>
-          </a:p>
-          <a:p>
-            <a:pPr algn="ctr"/>
-            <a:r>
-              <a:rPr lang="it-IT" sz="2000" dirty="0">
-                <a:latin typeface="Times New Roman" panose="02020603050405020304" pitchFamily="18" charset="0"/>
-                <a:cs typeface="Times New Roman" panose="02020603050405020304" pitchFamily="18" charset="0"/>
-              </a:rPr>
-              <a:t>1    2    3    4    5</a:t>
-            </a:r>
-          </a:p>
-          <a:p>
-            <a:pPr lvl="0"/>
-            <a:r>
-              <a:rPr lang="it-IT" sz="2000" dirty="0" smtClean="0">
-                <a:latin typeface="Times New Roman" panose="02020603050405020304" pitchFamily="18" charset="0"/>
-                <a:cs typeface="Times New Roman" panose="02020603050405020304" pitchFamily="18" charset="0"/>
-              </a:rPr>
-              <a:t>4.   È </a:t>
-            </a:r>
-            <a:r>
-              <a:rPr lang="it-IT" sz="2000" dirty="0">
-                <a:latin typeface="Times New Roman" panose="02020603050405020304" pitchFamily="18" charset="0"/>
-                <a:cs typeface="Times New Roman" panose="02020603050405020304" pitchFamily="18" charset="0"/>
-              </a:rPr>
-              <a:t>possibile gestire gli errori.</a:t>
-            </a:r>
-          </a:p>
-          <a:p>
-            <a:pPr algn="ctr"/>
-            <a:r>
-              <a:rPr lang="it-IT" sz="2000" dirty="0">
-                <a:latin typeface="Times New Roman" panose="02020603050405020304" pitchFamily="18" charset="0"/>
-                <a:cs typeface="Times New Roman" panose="02020603050405020304" pitchFamily="18" charset="0"/>
-              </a:rPr>
-              <a:t>1    2    3    4    5</a:t>
-            </a:r>
-          </a:p>
-          <a:p>
-            <a:pPr lvl="0"/>
-            <a:r>
-              <a:rPr lang="it-IT" sz="2000" dirty="0" smtClean="0">
-                <a:latin typeface="Times New Roman" panose="02020603050405020304" pitchFamily="18" charset="0"/>
-                <a:cs typeface="Times New Roman" panose="02020603050405020304" pitchFamily="18" charset="0"/>
-              </a:rPr>
-              <a:t>5.   </a:t>
-            </a:r>
-            <a:r>
-              <a:rPr lang="it-IT" sz="2000" dirty="0" smtClean="0">
-                <a:latin typeface="Times New Roman" panose="02020603050405020304" pitchFamily="18" charset="0"/>
-                <a:cs typeface="Times New Roman" panose="02020603050405020304" pitchFamily="18" charset="0"/>
-              </a:rPr>
-              <a:t>È </a:t>
-            </a:r>
-            <a:r>
-              <a:rPr lang="it-IT" sz="2000" dirty="0">
-                <a:latin typeface="Times New Roman" panose="02020603050405020304" pitchFamily="18" charset="0"/>
-                <a:cs typeface="Times New Roman" panose="02020603050405020304" pitchFamily="18" charset="0"/>
-              </a:rPr>
-              <a:t>possibile individuare facilmente quali premi sono stati vinti e quali </a:t>
-            </a:r>
-            <a:r>
-              <a:rPr lang="it-IT" sz="2000" dirty="0" smtClean="0">
-                <a:latin typeface="Times New Roman" panose="02020603050405020304" pitchFamily="18" charset="0"/>
-                <a:cs typeface="Times New Roman" panose="02020603050405020304" pitchFamily="18" charset="0"/>
-              </a:rPr>
-              <a:t>    </a:t>
-            </a:r>
-            <a:r>
-              <a:rPr lang="it-IT" sz="2000" dirty="0" smtClean="0">
-                <a:latin typeface="Times New Roman" panose="02020603050405020304" pitchFamily="18" charset="0"/>
-                <a:cs typeface="Times New Roman" panose="02020603050405020304" pitchFamily="18" charset="0"/>
-              </a:rPr>
-              <a:t>    no</a:t>
-            </a:r>
-            <a:r>
-              <a:rPr lang="it-IT" sz="2000" dirty="0">
-                <a:latin typeface="Times New Roman" panose="02020603050405020304" pitchFamily="18" charset="0"/>
-                <a:cs typeface="Times New Roman" panose="02020603050405020304" pitchFamily="18" charset="0"/>
-              </a:rPr>
-              <a:t>.</a:t>
-            </a:r>
-          </a:p>
-          <a:p>
-            <a:pPr algn="ctr"/>
-            <a:r>
-              <a:rPr lang="it-IT" sz="2000" dirty="0">
-                <a:latin typeface="Times New Roman" panose="02020603050405020304" pitchFamily="18" charset="0"/>
-                <a:cs typeface="Times New Roman" panose="02020603050405020304" pitchFamily="18" charset="0"/>
-              </a:rPr>
-              <a:t>1    2    3    4    5</a:t>
-            </a:r>
-          </a:p>
-          <a:p>
-            <a:endParaRPr lang="it-IT" sz="2000" dirty="0" smtClean="0">
-              <a:latin typeface="Times New Roman" panose="02020603050405020304" pitchFamily="18" charset="0"/>
-              <a:cs typeface="Times New Roman" panose="02020603050405020304" pitchFamily="18" charset="0"/>
-            </a:endParaRPr>
+            <a:endParaRPr lang="it-IT" sz="2600" dirty="0" smtClean="0"/>
           </a:p>
         </p:txBody>
       </p:sp>
@@ -12881,50 +13157,18 @@
                 <a:latin typeface="Times New Roman" panose="02020603050405020304" pitchFamily="18" charset="0"/>
                 <a:cs typeface="Times New Roman" panose="02020603050405020304" pitchFamily="18" charset="0"/>
               </a:rPr>
-              <a:t>Task 4 – Vincere il premio “</a:t>
-            </a:r>
-            <a:r>
-              <a:rPr lang="it-IT" sz="2500" b="1" dirty="0" err="1" smtClean="0">
-                <a:latin typeface="Times New Roman" panose="02020603050405020304" pitchFamily="18" charset="0"/>
-                <a:cs typeface="Times New Roman" panose="02020603050405020304" pitchFamily="18" charset="0"/>
-              </a:rPr>
-              <a:t>Only</a:t>
-            </a:r>
-            <a:r>
-              <a:rPr lang="it-IT" sz="2500" b="1" dirty="0" smtClean="0">
-                <a:latin typeface="Times New Roman" panose="02020603050405020304" pitchFamily="18" charset="0"/>
-                <a:cs typeface="Times New Roman" panose="02020603050405020304" pitchFamily="18" charset="0"/>
-              </a:rPr>
-              <a:t> 10 </a:t>
-            </a:r>
-            <a:r>
-              <a:rPr lang="it-IT" sz="2500" b="1" dirty="0" err="1" smtClean="0">
-                <a:latin typeface="Times New Roman" panose="02020603050405020304" pitchFamily="18" charset="0"/>
-                <a:cs typeface="Times New Roman" panose="02020603050405020304" pitchFamily="18" charset="0"/>
-              </a:rPr>
-              <a:t>cigarettes</a:t>
-            </a:r>
-            <a:r>
-              <a:rPr lang="it-IT" sz="2500" b="1" dirty="0" smtClean="0">
-                <a:latin typeface="Times New Roman" panose="02020603050405020304" pitchFamily="18" charset="0"/>
-                <a:cs typeface="Times New Roman" panose="02020603050405020304" pitchFamily="18" charset="0"/>
-              </a:rPr>
-              <a:t> </a:t>
-            </a:r>
-            <a:r>
-              <a:rPr lang="it-IT" sz="2500" b="1" dirty="0" err="1" smtClean="0">
-                <a:latin typeface="Times New Roman" panose="02020603050405020304" pitchFamily="18" charset="0"/>
-                <a:cs typeface="Times New Roman" panose="02020603050405020304" pitchFamily="18" charset="0"/>
-              </a:rPr>
-              <a:t>smoked</a:t>
-            </a:r>
-            <a:r>
-              <a:rPr lang="it-IT" sz="2500" b="1" dirty="0" smtClean="0">
-                <a:latin typeface="Times New Roman" panose="02020603050405020304" pitchFamily="18" charset="0"/>
-                <a:cs typeface="Times New Roman" panose="02020603050405020304" pitchFamily="18" charset="0"/>
-              </a:rPr>
-              <a:t>”</a:t>
-            </a:r>
+              <a:t>Task 5 – Visualizzare i progressi</a:t>
+            </a:r>
+          </a:p>
+          <a:p>
+            <a:pPr lvl="0" algn="ctr">
+              <a:lnSpc>
+                <a:spcPct val="120000"/>
+              </a:lnSpc>
+              <a:spcBef>
+                <a:spcPts val="1000"/>
+              </a:spcBef>
+            </a:pPr>
             <a:endParaRPr lang="it-IT" sz="2500" dirty="0" smtClean="0">
               <a:latin typeface="Times New Roman" panose="02020603050405020304" pitchFamily="18" charset="0"/>
               <a:cs typeface="Times New Roman" panose="02020603050405020304" pitchFamily="18" charset="0"/>
@@ -12938,48 +13182,47 @@
             </a:endParaRPr>
           </a:p>
           <a:p>
-            <a:pPr lvl="0" algn="just"/>
-            <a:r>
-              <a:rPr lang="it-IT" sz="2000" dirty="0" smtClean="0">
-                <a:latin typeface="Times New Roman" panose="02020603050405020304" pitchFamily="18" charset="0"/>
-                <a:cs typeface="Times New Roman" panose="02020603050405020304" pitchFamily="18" charset="0"/>
-              </a:rPr>
-              <a:t>1.   La </a:t>
+            <a:pPr lvl="0"/>
+            <a:r>
+              <a:rPr lang="it-IT" sz="2000" dirty="0" smtClean="0">
+                <a:latin typeface="Times New Roman" panose="02020603050405020304" pitchFamily="18" charset="0"/>
+                <a:cs typeface="Times New Roman" panose="02020603050405020304" pitchFamily="18" charset="0"/>
+              </a:rPr>
+              <a:t>1.   Il </a:t>
             </a:r>
             <a:r>
               <a:rPr lang="it-IT" sz="2000" dirty="0">
                 <a:latin typeface="Times New Roman" panose="02020603050405020304" pitchFamily="18" charset="0"/>
                 <a:cs typeface="Times New Roman" panose="02020603050405020304" pitchFamily="18" charset="0"/>
               </a:rPr>
-              <a:t>funzionalità del pulsante “</a:t>
-            </a:r>
-            <a:r>
-              <a:rPr lang="it-IT" sz="2000" dirty="0" err="1">
-                <a:latin typeface="Times New Roman" panose="02020603050405020304" pitchFamily="18" charset="0"/>
-                <a:cs typeface="Times New Roman" panose="02020603050405020304" pitchFamily="18" charset="0"/>
-              </a:rPr>
-              <a:t>Add</a:t>
-            </a:r>
+              <a:t>raggiungimento della schermata “Progress” è intuitivo.</a:t>
+            </a:r>
+          </a:p>
+          <a:p>
+            <a:pPr algn="ctr"/>
             <a:r>
               <a:rPr lang="it-IT" sz="2000" dirty="0">
                 <a:latin typeface="Times New Roman" panose="02020603050405020304" pitchFamily="18" charset="0"/>
                 <a:cs typeface="Times New Roman" panose="02020603050405020304" pitchFamily="18" charset="0"/>
               </a:rPr>
-              <a:t> a </a:t>
-            </a:r>
-            <a:r>
-              <a:rPr lang="it-IT" sz="2000" dirty="0" err="1">
-                <a:latin typeface="Times New Roman" panose="02020603050405020304" pitchFamily="18" charset="0"/>
-                <a:cs typeface="Times New Roman" panose="02020603050405020304" pitchFamily="18" charset="0"/>
-              </a:rPr>
-              <a:t>cigarette</a:t>
+              <a:t>1    2    3    4    5</a:t>
+            </a:r>
+          </a:p>
+          <a:p>
+            <a:pPr lvl="0"/>
+            <a:r>
+              <a:rPr lang="it-IT" sz="2000" dirty="0" smtClean="0">
+                <a:latin typeface="Times New Roman" panose="02020603050405020304" pitchFamily="18" charset="0"/>
+                <a:cs typeface="Times New Roman" panose="02020603050405020304" pitchFamily="18" charset="0"/>
+              </a:rPr>
+              <a:t>2.   I </a:t>
             </a:r>
             <a:r>
               <a:rPr lang="it-IT" sz="2000" dirty="0">
                 <a:latin typeface="Times New Roman" panose="02020603050405020304" pitchFamily="18" charset="0"/>
                 <a:cs typeface="Times New Roman" panose="02020603050405020304" pitchFamily="18" charset="0"/>
               </a:rPr>
-              <a:t>” è comprensibile.</a:t>
+              <a:t>collegamenti tra le schermate sono coerenti.</a:t>
             </a:r>
           </a:p>
           <a:p>
@@ -12993,20 +13236,20 @@
             </a:r>
           </a:p>
           <a:p>
-            <a:pPr lvl="0" algn="just"/>
-            <a:r>
-              <a:rPr lang="it-IT" sz="2000" dirty="0" smtClean="0">
-                <a:latin typeface="Times New Roman" panose="02020603050405020304" pitchFamily="18" charset="0"/>
-                <a:cs typeface="Times New Roman" panose="02020603050405020304" pitchFamily="18" charset="0"/>
-              </a:rPr>
-              <a:t>2.   La </a:t>
+            <a:pPr lvl="0"/>
+            <a:r>
+              <a:rPr lang="it-IT" sz="2000" dirty="0" smtClean="0">
+                <a:latin typeface="Times New Roman" panose="02020603050405020304" pitchFamily="18" charset="0"/>
+                <a:cs typeface="Times New Roman" panose="02020603050405020304" pitchFamily="18" charset="0"/>
+              </a:rPr>
+              <a:t>3.   È </a:t>
             </a:r>
             <a:r>
               <a:rPr lang="it-IT" sz="2000" dirty="0">
                 <a:latin typeface="Times New Roman" panose="02020603050405020304" pitchFamily="18" charset="0"/>
                 <a:cs typeface="Times New Roman" panose="02020603050405020304" pitchFamily="18" charset="0"/>
               </a:rPr>
-              <a:t>modalità con la quale si può vincere il premio è ben spiegata.</a:t>
+              <a:t>possibile gestire gli errori.</a:t>
             </a:r>
           </a:p>
           <a:p>
@@ -13020,129 +13263,47 @@
             </a:r>
           </a:p>
           <a:p>
-            <a:pPr lvl="0" algn="just"/>
-            <a:r>
-              <a:rPr lang="it-IT" sz="2000" dirty="0" smtClean="0">
-                <a:latin typeface="Times New Roman" panose="02020603050405020304" pitchFamily="18" charset="0"/>
-                <a:cs typeface="Times New Roman" panose="02020603050405020304" pitchFamily="18" charset="0"/>
-              </a:rPr>
-              <a:t>3.   È </a:t>
+            <a:pPr lvl="0"/>
+            <a:r>
+              <a:rPr lang="it-IT" sz="2000" dirty="0" smtClean="0">
+                <a:latin typeface="Times New Roman" panose="02020603050405020304" pitchFamily="18" charset="0"/>
+                <a:cs typeface="Times New Roman" panose="02020603050405020304" pitchFamily="18" charset="0"/>
+              </a:rPr>
+              <a:t>4.   È </a:t>
             </a:r>
             <a:r>
               <a:rPr lang="it-IT" sz="2000" dirty="0">
                 <a:latin typeface="Times New Roman" panose="02020603050405020304" pitchFamily="18" charset="0"/>
                 <a:cs typeface="Times New Roman" panose="02020603050405020304" pitchFamily="18" charset="0"/>
               </a:rPr>
-              <a:t>evidente il risultato del pulsante “</a:t>
-            </a:r>
-            <a:r>
-              <a:rPr lang="it-IT" sz="2000" dirty="0" err="1">
-                <a:latin typeface="Times New Roman" panose="02020603050405020304" pitchFamily="18" charset="0"/>
-                <a:cs typeface="Times New Roman" panose="02020603050405020304" pitchFamily="18" charset="0"/>
-              </a:rPr>
-              <a:t>Add</a:t>
-            </a:r>
+              <a:t>chiaro la modalità con la quale funziona la schermata.</a:t>
+            </a:r>
+          </a:p>
+          <a:p>
+            <a:pPr algn="ctr"/>
             <a:r>
               <a:rPr lang="it-IT" sz="2000" dirty="0">
                 <a:latin typeface="Times New Roman" panose="02020603050405020304" pitchFamily="18" charset="0"/>
                 <a:cs typeface="Times New Roman" panose="02020603050405020304" pitchFamily="18" charset="0"/>
               </a:rPr>
-              <a:t> a </a:t>
-            </a:r>
-            <a:r>
-              <a:rPr lang="it-IT" sz="2000" dirty="0" err="1">
-                <a:latin typeface="Times New Roman" panose="02020603050405020304" pitchFamily="18" charset="0"/>
-                <a:cs typeface="Times New Roman" panose="02020603050405020304" pitchFamily="18" charset="0"/>
-              </a:rPr>
-              <a:t>cigarette</a:t>
+              <a:t>1    2    3    4    5</a:t>
+            </a:r>
+          </a:p>
+          <a:p>
+            <a:pPr lvl="0"/>
+            <a:r>
+              <a:rPr lang="it-IT" sz="2000" dirty="0" smtClean="0">
+                <a:latin typeface="Times New Roman" panose="02020603050405020304" pitchFamily="18" charset="0"/>
+                <a:cs typeface="Times New Roman" panose="02020603050405020304" pitchFamily="18" charset="0"/>
+              </a:rPr>
+              <a:t>5.   È </a:t>
             </a:r>
             <a:r>
               <a:rPr lang="it-IT" sz="2000" dirty="0">
                 <a:latin typeface="Times New Roman" panose="02020603050405020304" pitchFamily="18" charset="0"/>
                 <a:cs typeface="Times New Roman" panose="02020603050405020304" pitchFamily="18" charset="0"/>
               </a:rPr>
-              <a:t>” sulla Home page.</a:t>
-            </a:r>
-          </a:p>
-          <a:p>
-            <a:pPr algn="ctr"/>
-            <a:r>
-              <a:rPr lang="it-IT" sz="2000" dirty="0">
-                <a:latin typeface="Times New Roman" panose="02020603050405020304" pitchFamily="18" charset="0"/>
-                <a:cs typeface="Times New Roman" panose="02020603050405020304" pitchFamily="18" charset="0"/>
-              </a:rPr>
-              <a:t>1    2    3    4    5</a:t>
-            </a:r>
-          </a:p>
-          <a:p>
-            <a:pPr lvl="0" algn="just"/>
-            <a:r>
-              <a:rPr lang="it-IT" sz="2000" dirty="0" smtClean="0">
-                <a:latin typeface="Times New Roman" panose="02020603050405020304" pitchFamily="18" charset="0"/>
-                <a:cs typeface="Times New Roman" panose="02020603050405020304" pitchFamily="18" charset="0"/>
-              </a:rPr>
-              <a:t>4.   I </a:t>
-            </a:r>
-            <a:r>
-              <a:rPr lang="it-IT" sz="2000" dirty="0">
-                <a:latin typeface="Times New Roman" panose="02020603050405020304" pitchFamily="18" charset="0"/>
-                <a:cs typeface="Times New Roman" panose="02020603050405020304" pitchFamily="18" charset="0"/>
-              </a:rPr>
-              <a:t>collegamenti fra le schermate sono coerenti.</a:t>
-            </a:r>
-          </a:p>
-          <a:p>
-            <a:pPr algn="ctr"/>
-            <a:r>
-              <a:rPr lang="it-IT" sz="2000" dirty="0">
-                <a:latin typeface="Times New Roman" panose="02020603050405020304" pitchFamily="18" charset="0"/>
-                <a:cs typeface="Times New Roman" panose="02020603050405020304" pitchFamily="18" charset="0"/>
-              </a:rPr>
-              <a:t>1    2    3    4    5</a:t>
-            </a:r>
-          </a:p>
-          <a:p>
-            <a:pPr lvl="0" algn="just"/>
-            <a:r>
-              <a:rPr lang="it-IT" sz="2000" dirty="0" smtClean="0">
-                <a:latin typeface="Times New Roman" panose="02020603050405020304" pitchFamily="18" charset="0"/>
-                <a:cs typeface="Times New Roman" panose="02020603050405020304" pitchFamily="18" charset="0"/>
-              </a:rPr>
-              <a:t>5.   È </a:t>
-            </a:r>
-            <a:r>
-              <a:rPr lang="it-IT" sz="2000" dirty="0">
-                <a:latin typeface="Times New Roman" panose="02020603050405020304" pitchFamily="18" charset="0"/>
-                <a:cs typeface="Times New Roman" panose="02020603050405020304" pitchFamily="18" charset="0"/>
-              </a:rPr>
-              <a:t>possibile gestire gli errori.</a:t>
-            </a:r>
-          </a:p>
-          <a:p>
-            <a:pPr algn="ctr"/>
-            <a:r>
-              <a:rPr lang="it-IT" sz="2000" dirty="0">
-                <a:latin typeface="Times New Roman" panose="02020603050405020304" pitchFamily="18" charset="0"/>
-                <a:cs typeface="Times New Roman" panose="02020603050405020304" pitchFamily="18" charset="0"/>
-              </a:rPr>
-              <a:t>1    2    3    4    5</a:t>
-            </a:r>
-          </a:p>
-          <a:p>
-            <a:pPr lvl="0"/>
-            <a:r>
-              <a:rPr lang="it-IT" sz="2000" dirty="0" smtClean="0">
-                <a:latin typeface="Times New Roman" panose="02020603050405020304" pitchFamily="18" charset="0"/>
-                <a:cs typeface="Times New Roman" panose="02020603050405020304" pitchFamily="18" charset="0"/>
-              </a:rPr>
-              <a:t>6.   È </a:t>
-            </a:r>
-            <a:r>
-              <a:rPr lang="it-IT" sz="2000" dirty="0">
-                <a:latin typeface="Times New Roman" panose="02020603050405020304" pitchFamily="18" charset="0"/>
-                <a:cs typeface="Times New Roman" panose="02020603050405020304" pitchFamily="18" charset="0"/>
-              </a:rPr>
-              <a:t>possibile individuare facilmente quali premi sono stati vinti e quali no.</a:t>
+              <a:t>chiaro lo scopo della schermata.</a:t>
             </a:r>
           </a:p>
           <a:p>
@@ -13294,18 +13455,50 @@
                 <a:latin typeface="Times New Roman" panose="02020603050405020304" pitchFamily="18" charset="0"/>
                 <a:cs typeface="Times New Roman" panose="02020603050405020304" pitchFamily="18" charset="0"/>
               </a:rPr>
-              <a:t>Task 5 – Visualizzare i progressi</a:t>
-            </a:r>
-          </a:p>
-          <a:p>
-            <a:pPr lvl="0" algn="ctr">
-              <a:lnSpc>
-                <a:spcPct val="120000"/>
-              </a:lnSpc>
-              <a:spcBef>
-                <a:spcPts val="1000"/>
-              </a:spcBef>
-            </a:pPr>
+              <a:t>Task 6 – Perdere il premio “</a:t>
+            </a:r>
+            <a:r>
+              <a:rPr lang="it-IT" sz="2500" b="1" dirty="0" err="1" smtClean="0">
+                <a:latin typeface="Times New Roman" panose="02020603050405020304" pitchFamily="18" charset="0"/>
+                <a:cs typeface="Times New Roman" panose="02020603050405020304" pitchFamily="18" charset="0"/>
+              </a:rPr>
+              <a:t>Only</a:t>
+            </a:r>
+            <a:r>
+              <a:rPr lang="it-IT" sz="2500" b="1" dirty="0" smtClean="0">
+                <a:latin typeface="Times New Roman" panose="02020603050405020304" pitchFamily="18" charset="0"/>
+                <a:cs typeface="Times New Roman" panose="02020603050405020304" pitchFamily="18" charset="0"/>
+              </a:rPr>
+              <a:t> 10 </a:t>
+            </a:r>
+            <a:r>
+              <a:rPr lang="it-IT" sz="2500" b="1" dirty="0" err="1" smtClean="0">
+                <a:latin typeface="Times New Roman" panose="02020603050405020304" pitchFamily="18" charset="0"/>
+                <a:cs typeface="Times New Roman" panose="02020603050405020304" pitchFamily="18" charset="0"/>
+              </a:rPr>
+              <a:t>cigarettes</a:t>
+            </a:r>
+            <a:r>
+              <a:rPr lang="it-IT" sz="2500" b="1" dirty="0" smtClean="0">
+                <a:latin typeface="Times New Roman" panose="02020603050405020304" pitchFamily="18" charset="0"/>
+                <a:cs typeface="Times New Roman" panose="02020603050405020304" pitchFamily="18" charset="0"/>
+              </a:rPr>
+              <a:t> </a:t>
+            </a:r>
+            <a:r>
+              <a:rPr lang="it-IT" sz="2500" b="1" dirty="0" err="1" smtClean="0">
+                <a:latin typeface="Times New Roman" panose="02020603050405020304" pitchFamily="18" charset="0"/>
+                <a:cs typeface="Times New Roman" panose="02020603050405020304" pitchFamily="18" charset="0"/>
+              </a:rPr>
+              <a:t>smoked</a:t>
+            </a:r>
+            <a:r>
+              <a:rPr lang="it-IT" sz="2500" b="1" dirty="0" smtClean="0">
+                <a:latin typeface="Times New Roman" panose="02020603050405020304" pitchFamily="18" charset="0"/>
+                <a:cs typeface="Times New Roman" panose="02020603050405020304" pitchFamily="18" charset="0"/>
+              </a:rPr>
+              <a:t>”</a:t>
+            </a:r>
             <a:endParaRPr lang="it-IT" sz="2500" dirty="0" smtClean="0">
               <a:latin typeface="Times New Roman" panose="02020603050405020304" pitchFamily="18" charset="0"/>
               <a:cs typeface="Times New Roman" panose="02020603050405020304" pitchFamily="18" charset="0"/>
@@ -13325,14 +13518,42 @@
                 <a:latin typeface="Times New Roman" panose="02020603050405020304" pitchFamily="18" charset="0"/>
                 <a:cs typeface="Times New Roman" panose="02020603050405020304" pitchFamily="18" charset="0"/>
               </a:rPr>
-              <a:t>1.   Il </a:t>
+              <a:t>1.   La </a:t>
             </a:r>
             <a:r>
               <a:rPr lang="it-IT" sz="2000" dirty="0">
                 <a:latin typeface="Times New Roman" panose="02020603050405020304" pitchFamily="18" charset="0"/>
                 <a:cs typeface="Times New Roman" panose="02020603050405020304" pitchFamily="18" charset="0"/>
               </a:rPr>
-              <a:t>raggiungimento della schermata “Progress” è intuitivo.</a:t>
+              <a:t>funzionalità del pulsante “No more </a:t>
+            </a:r>
+            <a:r>
+              <a:rPr lang="it-IT" sz="2000" dirty="0" err="1">
+                <a:latin typeface="Times New Roman" panose="02020603050405020304" pitchFamily="18" charset="0"/>
+                <a:cs typeface="Times New Roman" panose="02020603050405020304" pitchFamily="18" charset="0"/>
+              </a:rPr>
+              <a:t>adding</a:t>
+            </a:r>
+            <a:r>
+              <a:rPr lang="it-IT" sz="2000" dirty="0">
+                <a:latin typeface="Times New Roman" panose="02020603050405020304" pitchFamily="18" charset="0"/>
+                <a:cs typeface="Times New Roman" panose="02020603050405020304" pitchFamily="18" charset="0"/>
+              </a:rPr>
+              <a:t> </a:t>
+            </a:r>
+            <a:r>
+              <a:rPr lang="it-IT" sz="2000" dirty="0" err="1">
+                <a:latin typeface="Times New Roman" panose="02020603050405020304" pitchFamily="18" charset="0"/>
+                <a:cs typeface="Times New Roman" panose="02020603050405020304" pitchFamily="18" charset="0"/>
+              </a:rPr>
+              <a:t>cigarette</a:t>
+            </a:r>
+            <a:r>
+              <a:rPr lang="it-IT" sz="2000" dirty="0">
+                <a:latin typeface="Times New Roman" panose="02020603050405020304" pitchFamily="18" charset="0"/>
+                <a:cs typeface="Times New Roman" panose="02020603050405020304" pitchFamily="18" charset="0"/>
+              </a:rPr>
+              <a:t>” è comprensibile.</a:t>
             </a:r>
           </a:p>
           <a:p>
@@ -13359,7 +13580,7 @@
                 <a:latin typeface="Times New Roman" panose="02020603050405020304" pitchFamily="18" charset="0"/>
                 <a:cs typeface="Times New Roman" panose="02020603050405020304" pitchFamily="18" charset="0"/>
               </a:rPr>
-              <a:t>collegamenti tra le schermate sono coerenti.</a:t>
+              <a:t>collegamenti fra le schermate sono coerenti.</a:t>
             </a:r>
           </a:p>
           <a:p>
@@ -13413,7 +13634,7 @@
                 <a:latin typeface="Times New Roman" panose="02020603050405020304" pitchFamily="18" charset="0"/>
                 <a:cs typeface="Times New Roman" panose="02020603050405020304" pitchFamily="18" charset="0"/>
               </a:rPr>
-              <a:t>chiaro la modalità con la quale funziona la schermata.</a:t>
+              <a:t>sempre possibile capire quali operazioni effettuare.</a:t>
             </a:r>
           </a:p>
           <a:p>
@@ -13440,7 +13661,7 @@
                 <a:latin typeface="Times New Roman" panose="02020603050405020304" pitchFamily="18" charset="0"/>
                 <a:cs typeface="Times New Roman" panose="02020603050405020304" pitchFamily="18" charset="0"/>
               </a:rPr>
-              <a:t>chiaro lo scopo della schermata.</a:t>
+              <a:t>chiaro e/o intuibile lo stato del sistema una volta perso il premio precedentemente vinto.</a:t>
             </a:r>
           </a:p>
           <a:p>
@@ -13454,7 +13675,17 @@
             </a:r>
           </a:p>
           <a:p>
-            <a:endParaRPr lang="it-IT" sz="2600" dirty="0" smtClean="0"/>
+            <a:pPr algn="just"/>
+            <a:endParaRPr lang="it-IT" sz="2000" dirty="0" smtClean="0">
+              <a:latin typeface="Times New Roman" panose="02020603050405020304" pitchFamily="18" charset="0"/>
+              <a:cs typeface="Times New Roman" panose="02020603050405020304" pitchFamily="18" charset="0"/>
+            </a:endParaRPr>
+          </a:p>
+          <a:p>
+            <a:r>
+              <a:rPr lang="it-IT" sz="2600" dirty="0" smtClean="0"/>
+              <a:t> </a:t>
+            </a:r>
           </a:p>
         </p:txBody>
       </p:sp>
@@ -13592,49 +13823,21 @@
                 <a:latin typeface="Times New Roman" panose="02020603050405020304" pitchFamily="18" charset="0"/>
                 <a:cs typeface="Times New Roman" panose="02020603050405020304" pitchFamily="18" charset="0"/>
               </a:rPr>
-              <a:t>Task 6 – Perdere il premio “</a:t>
+              <a:t>Task 7 – </a:t>
             </a:r>
             <a:r>
               <a:rPr lang="it-IT" sz="2500" b="1" dirty="0" err="1" smtClean="0">
                 <a:latin typeface="Times New Roman" panose="02020603050405020304" pitchFamily="18" charset="0"/>
                 <a:cs typeface="Times New Roman" panose="02020603050405020304" pitchFamily="18" charset="0"/>
               </a:rPr>
-              <a:t>Only</a:t>
+              <a:t>Forgot</a:t>
             </a:r>
             <a:r>
               <a:rPr lang="it-IT" sz="2500" b="1" dirty="0" smtClean="0">
                 <a:latin typeface="Times New Roman" panose="02020603050405020304" pitchFamily="18" charset="0"/>
                 <a:cs typeface="Times New Roman" panose="02020603050405020304" pitchFamily="18" charset="0"/>
               </a:rPr>
-              <a:t> 10 </a:t>
-            </a:r>
-            <a:r>
-              <a:rPr lang="it-IT" sz="2500" b="1" dirty="0" err="1" smtClean="0">
-                <a:latin typeface="Times New Roman" panose="02020603050405020304" pitchFamily="18" charset="0"/>
-                <a:cs typeface="Times New Roman" panose="02020603050405020304" pitchFamily="18" charset="0"/>
-              </a:rPr>
-              <a:t>cigarettes</a:t>
-            </a:r>
-            <a:r>
-              <a:rPr lang="it-IT" sz="2500" b="1" dirty="0" smtClean="0">
-                <a:latin typeface="Times New Roman" panose="02020603050405020304" pitchFamily="18" charset="0"/>
-                <a:cs typeface="Times New Roman" panose="02020603050405020304" pitchFamily="18" charset="0"/>
-              </a:rPr>
-              <a:t> </a:t>
-            </a:r>
-            <a:r>
-              <a:rPr lang="it-IT" sz="2500" b="1" dirty="0" err="1" smtClean="0">
-                <a:latin typeface="Times New Roman" panose="02020603050405020304" pitchFamily="18" charset="0"/>
-                <a:cs typeface="Times New Roman" panose="02020603050405020304" pitchFamily="18" charset="0"/>
-              </a:rPr>
-              <a:t>smoked</a:t>
-            </a:r>
-            <a:r>
-              <a:rPr lang="it-IT" sz="2500" b="1" dirty="0" smtClean="0">
-                <a:latin typeface="Times New Roman" panose="02020603050405020304" pitchFamily="18" charset="0"/>
-                <a:cs typeface="Times New Roman" panose="02020603050405020304" pitchFamily="18" charset="0"/>
-              </a:rPr>
-              <a:t>”</a:t>
+              <a:t> password e Login</a:t>
             </a:r>
             <a:endParaRPr lang="it-IT" sz="2500" dirty="0" smtClean="0">
               <a:latin typeface="Times New Roman" panose="02020603050405020304" pitchFamily="18" charset="0"/>
@@ -13655,27 +13858,122 @@
                 <a:latin typeface="Times New Roman" panose="02020603050405020304" pitchFamily="18" charset="0"/>
                 <a:cs typeface="Times New Roman" panose="02020603050405020304" pitchFamily="18" charset="0"/>
               </a:rPr>
-              <a:t>1.   La </a:t>
+              <a:t>1.   È </a:t>
             </a:r>
             <a:r>
               <a:rPr lang="it-IT" sz="2000" dirty="0">
                 <a:latin typeface="Times New Roman" panose="02020603050405020304" pitchFamily="18" charset="0"/>
                 <a:cs typeface="Times New Roman" panose="02020603050405020304" pitchFamily="18" charset="0"/>
               </a:rPr>
-              <a:t>funzionalità del pulsante “No more </a:t>
+              <a:t>facile capire come effettuare il </a:t>
             </a:r>
             <a:r>
               <a:rPr lang="it-IT" sz="2000" dirty="0" err="1">
                 <a:latin typeface="Times New Roman" panose="02020603050405020304" pitchFamily="18" charset="0"/>
                 <a:cs typeface="Times New Roman" panose="02020603050405020304" pitchFamily="18" charset="0"/>
               </a:rPr>
-              <a:t>adding</a:t>
+              <a:t>logout</a:t>
             </a:r>
             <a:r>
               <a:rPr lang="it-IT" sz="2000" dirty="0">
                 <a:latin typeface="Times New Roman" panose="02020603050405020304" pitchFamily="18" charset="0"/>
                 <a:cs typeface="Times New Roman" panose="02020603050405020304" pitchFamily="18" charset="0"/>
               </a:rPr>
+              <a:t>.</a:t>
+            </a:r>
+          </a:p>
+          <a:p>
+            <a:pPr algn="ctr"/>
+            <a:r>
+              <a:rPr lang="it-IT" sz="2000" dirty="0">
+                <a:latin typeface="Times New Roman" panose="02020603050405020304" pitchFamily="18" charset="0"/>
+                <a:cs typeface="Times New Roman" panose="02020603050405020304" pitchFamily="18" charset="0"/>
+              </a:rPr>
+              <a:t>1    2    3    4    5</a:t>
+            </a:r>
+          </a:p>
+          <a:p>
+            <a:pPr lvl="0"/>
+            <a:r>
+              <a:rPr lang="it-IT" sz="2000" dirty="0" smtClean="0">
+                <a:latin typeface="Times New Roman" panose="02020603050405020304" pitchFamily="18" charset="0"/>
+                <a:cs typeface="Times New Roman" panose="02020603050405020304" pitchFamily="18" charset="0"/>
+              </a:rPr>
+              <a:t>2.   I </a:t>
+            </a:r>
+            <a:r>
+              <a:rPr lang="it-IT" sz="2000" dirty="0">
+                <a:latin typeface="Times New Roman" panose="02020603050405020304" pitchFamily="18" charset="0"/>
+                <a:cs typeface="Times New Roman" panose="02020603050405020304" pitchFamily="18" charset="0"/>
+              </a:rPr>
+              <a:t>collegamenti fra le schermate sono coerenti.</a:t>
+            </a:r>
+          </a:p>
+          <a:p>
+            <a:pPr algn="ctr"/>
+            <a:r>
+              <a:rPr lang="it-IT" sz="2000" dirty="0">
+                <a:latin typeface="Times New Roman" panose="02020603050405020304" pitchFamily="18" charset="0"/>
+                <a:cs typeface="Times New Roman" panose="02020603050405020304" pitchFamily="18" charset="0"/>
+              </a:rPr>
+              <a:t>1    2    3    4    5</a:t>
+            </a:r>
+          </a:p>
+          <a:p>
+            <a:pPr lvl="0"/>
+            <a:r>
+              <a:rPr lang="it-IT" sz="2000" dirty="0" smtClean="0">
+                <a:latin typeface="Times New Roman" panose="02020603050405020304" pitchFamily="18" charset="0"/>
+                <a:cs typeface="Times New Roman" panose="02020603050405020304" pitchFamily="18" charset="0"/>
+              </a:rPr>
+              <a:t>3.   È </a:t>
+            </a:r>
+            <a:r>
+              <a:rPr lang="it-IT" sz="2000" dirty="0">
+                <a:latin typeface="Times New Roman" panose="02020603050405020304" pitchFamily="18" charset="0"/>
+                <a:cs typeface="Times New Roman" panose="02020603050405020304" pitchFamily="18" charset="0"/>
+              </a:rPr>
+              <a:t>possibile gestire gli errori.</a:t>
+            </a:r>
+          </a:p>
+          <a:p>
+            <a:pPr algn="ctr"/>
+            <a:r>
+              <a:rPr lang="it-IT" sz="2000" dirty="0">
+                <a:latin typeface="Times New Roman" panose="02020603050405020304" pitchFamily="18" charset="0"/>
+                <a:cs typeface="Times New Roman" panose="02020603050405020304" pitchFamily="18" charset="0"/>
+              </a:rPr>
+              <a:t>1    2    3    4    5</a:t>
+            </a:r>
+          </a:p>
+          <a:p>
+            <a:pPr lvl="0"/>
+            <a:r>
+              <a:rPr lang="it-IT" sz="2000" dirty="0" smtClean="0">
+                <a:latin typeface="Times New Roman" panose="02020603050405020304" pitchFamily="18" charset="0"/>
+                <a:cs typeface="Times New Roman" panose="02020603050405020304" pitchFamily="18" charset="0"/>
+              </a:rPr>
+              <a:t>4.   Sono </a:t>
+            </a:r>
+            <a:r>
+              <a:rPr lang="it-IT" sz="2000" dirty="0">
+                <a:latin typeface="Times New Roman" panose="02020603050405020304" pitchFamily="18" charset="0"/>
+                <a:cs typeface="Times New Roman" panose="02020603050405020304" pitchFamily="18" charset="0"/>
+              </a:rPr>
+              <a:t>chiare le modalità di funzionamento del pulsante “</a:t>
+            </a:r>
+            <a:r>
+              <a:rPr lang="it-IT" sz="2000" dirty="0" err="1">
+                <a:latin typeface="Times New Roman" panose="02020603050405020304" pitchFamily="18" charset="0"/>
+                <a:cs typeface="Times New Roman" panose="02020603050405020304" pitchFamily="18" charset="0"/>
+              </a:rPr>
+              <a:t>Forgot</a:t>
+            </a:r>
+            <a:r>
+              <a:rPr lang="it-IT" sz="2000" dirty="0">
+                <a:latin typeface="Times New Roman" panose="02020603050405020304" pitchFamily="18" charset="0"/>
+                <a:cs typeface="Times New Roman" panose="02020603050405020304" pitchFamily="18" charset="0"/>
+              </a:rPr>
               <a:t> </a:t>
             </a:r>
             <a:r>
@@ -13683,14 +13981,14 @@
                 <a:latin typeface="Times New Roman" panose="02020603050405020304" pitchFamily="18" charset="0"/>
                 <a:cs typeface="Times New Roman" panose="02020603050405020304" pitchFamily="18" charset="0"/>
               </a:rPr>
-              <a:t>cigarette</a:t>
+              <a:t>your</a:t>
             </a:r>
             <a:r>
               <a:rPr lang="it-IT" sz="2000" dirty="0">
                 <a:latin typeface="Times New Roman" panose="02020603050405020304" pitchFamily="18" charset="0"/>
                 <a:cs typeface="Times New Roman" panose="02020603050405020304" pitchFamily="18" charset="0"/>
               </a:rPr>
-              <a:t>” è comprensibile.</a:t>
+              <a:t> password?”.</a:t>
             </a:r>
           </a:p>
           <a:p>
@@ -13710,14 +14008,14 @@
                 <a:latin typeface="Times New Roman" panose="02020603050405020304" pitchFamily="18" charset="0"/>
                 <a:cs typeface="Times New Roman" panose="02020603050405020304" pitchFamily="18" charset="0"/>
               </a:rPr>
-              <a:t>2.   I </a:t>
+              <a:t>5.   È </a:t>
             </a:r>
             <a:r>
               <a:rPr lang="it-IT" sz="2000" dirty="0">
                 <a:latin typeface="Times New Roman" panose="02020603050405020304" pitchFamily="18" charset="0"/>
                 <a:cs typeface="Times New Roman" panose="02020603050405020304" pitchFamily="18" charset="0"/>
               </a:rPr>
-              <a:t>collegamenti fra le schermate sono coerenti.</a:t>
+              <a:t>sempre chiaro quali campi devono essere riempiti.</a:t>
             </a:r>
           </a:p>
           <a:p>
@@ -13737,14 +14035,14 @@
                 <a:latin typeface="Times New Roman" panose="02020603050405020304" pitchFamily="18" charset="0"/>
                 <a:cs typeface="Times New Roman" panose="02020603050405020304" pitchFamily="18" charset="0"/>
               </a:rPr>
-              <a:t>3.   È </a:t>
+              <a:t>6.   La </a:t>
             </a:r>
             <a:r>
               <a:rPr lang="it-IT" sz="2000" dirty="0">
                 <a:latin typeface="Times New Roman" panose="02020603050405020304" pitchFamily="18" charset="0"/>
                 <a:cs typeface="Times New Roman" panose="02020603050405020304" pitchFamily="18" charset="0"/>
               </a:rPr>
-              <a:t>possibile gestire gli errori.</a:t>
+              <a:t>modalità del funzionamento del pulsante “Login” è comprensibile.</a:t>
             </a:r>
           </a:p>
           <a:p>
@@ -13758,71 +14056,7 @@
             </a:r>
           </a:p>
           <a:p>
-            <a:pPr lvl="0"/>
-            <a:r>
-              <a:rPr lang="it-IT" sz="2000" dirty="0" smtClean="0">
-                <a:latin typeface="Times New Roman" panose="02020603050405020304" pitchFamily="18" charset="0"/>
-                <a:cs typeface="Times New Roman" panose="02020603050405020304" pitchFamily="18" charset="0"/>
-              </a:rPr>
-              <a:t>4.   È </a:t>
-            </a:r>
-            <a:r>
-              <a:rPr lang="it-IT" sz="2000" dirty="0">
-                <a:latin typeface="Times New Roman" panose="02020603050405020304" pitchFamily="18" charset="0"/>
-                <a:cs typeface="Times New Roman" panose="02020603050405020304" pitchFamily="18" charset="0"/>
-              </a:rPr>
-              <a:t>sempre possibile capire quali operazioni effettuare.</a:t>
-            </a:r>
-          </a:p>
-          <a:p>
-            <a:pPr algn="ctr"/>
-            <a:r>
-              <a:rPr lang="it-IT" sz="2000" dirty="0">
-                <a:latin typeface="Times New Roman" panose="02020603050405020304" pitchFamily="18" charset="0"/>
-                <a:cs typeface="Times New Roman" panose="02020603050405020304" pitchFamily="18" charset="0"/>
-              </a:rPr>
-              <a:t>1    2    3    4    5</a:t>
-            </a:r>
-          </a:p>
-          <a:p>
-            <a:pPr lvl="0"/>
-            <a:r>
-              <a:rPr lang="it-IT" sz="2000" dirty="0" smtClean="0">
-                <a:latin typeface="Times New Roman" panose="02020603050405020304" pitchFamily="18" charset="0"/>
-                <a:cs typeface="Times New Roman" panose="02020603050405020304" pitchFamily="18" charset="0"/>
-              </a:rPr>
-              <a:t>5.   È </a:t>
-            </a:r>
-            <a:r>
-              <a:rPr lang="it-IT" sz="2000" dirty="0">
-                <a:latin typeface="Times New Roman" panose="02020603050405020304" pitchFamily="18" charset="0"/>
-                <a:cs typeface="Times New Roman" panose="02020603050405020304" pitchFamily="18" charset="0"/>
-              </a:rPr>
-              <a:t>chiaro e/o intuibile lo stato del sistema una volta perso il premio precedentemente vinto.</a:t>
-            </a:r>
-          </a:p>
-          <a:p>
-            <a:pPr algn="ctr"/>
-            <a:r>
-              <a:rPr lang="it-IT" sz="2000" dirty="0">
-                <a:latin typeface="Times New Roman" panose="02020603050405020304" pitchFamily="18" charset="0"/>
-                <a:cs typeface="Times New Roman" panose="02020603050405020304" pitchFamily="18" charset="0"/>
-              </a:rPr>
-              <a:t>1    2    3    4    5</a:t>
-            </a:r>
-          </a:p>
-          <a:p>
-            <a:pPr algn="just"/>
-            <a:endParaRPr lang="it-IT" sz="2000" dirty="0" smtClean="0">
-              <a:latin typeface="Times New Roman" panose="02020603050405020304" pitchFamily="18" charset="0"/>
-              <a:cs typeface="Times New Roman" panose="02020603050405020304" pitchFamily="18" charset="0"/>
-            </a:endParaRPr>
-          </a:p>
-          <a:p>
-            <a:r>
-              <a:rPr lang="it-IT" sz="2600" dirty="0" smtClean="0"/>
-              <a:t> </a:t>
-            </a:r>
+            <a:endParaRPr lang="it-IT" sz="2600" dirty="0" smtClean="0"/>
           </a:p>
         </p:txBody>
       </p:sp>
@@ -14043,377 +14277,6 @@
       </p:grpSpPr>
       <p:sp>
         <p:nvSpPr>
-          <p:cNvPr id="5" name="Titolo 1"/>
-          <p:cNvSpPr>
-            <a:spLocks noGrp="1"/>
-          </p:cNvSpPr>
-          <p:nvPr>
-            <p:ph type="title"/>
-          </p:nvPr>
-        </p:nvSpPr>
-        <p:spPr>
-          <a:xfrm>
-            <a:off x="628650" y="444137"/>
-            <a:ext cx="7886700" cy="653143"/>
-          </a:xfrm>
-        </p:spPr>
-        <p:txBody>
-          <a:bodyPr>
-            <a:normAutofit/>
-          </a:bodyPr>
-          <a:lstStyle/>
-          <a:p>
-            <a:r>
-              <a:rPr lang="it-IT" sz="2800" b="1" dirty="0" err="1" smtClean="0">
-                <a:latin typeface="Times New Roman" panose="02020603050405020304" pitchFamily="18" charset="0"/>
-                <a:cs typeface="Times New Roman" panose="02020603050405020304" pitchFamily="18" charset="0"/>
-              </a:rPr>
-              <a:t>User</a:t>
-            </a:r>
-            <a:r>
-              <a:rPr lang="it-IT" sz="2800" b="1" dirty="0" smtClean="0">
-                <a:latin typeface="Times New Roman" panose="02020603050405020304" pitchFamily="18" charset="0"/>
-                <a:cs typeface="Times New Roman" panose="02020603050405020304" pitchFamily="18" charset="0"/>
-              </a:rPr>
-              <a:t> </a:t>
-            </a:r>
-            <a:r>
-              <a:rPr lang="it-IT" sz="2800" b="1" dirty="0" err="1" smtClean="0">
-                <a:latin typeface="Times New Roman" panose="02020603050405020304" pitchFamily="18" charset="0"/>
-                <a:cs typeface="Times New Roman" panose="02020603050405020304" pitchFamily="18" charset="0"/>
-              </a:rPr>
-              <a:t>testing</a:t>
-            </a:r>
-            <a:r>
-              <a:rPr lang="it-IT" sz="2800" b="1" dirty="0" smtClean="0">
-                <a:latin typeface="Times New Roman" panose="02020603050405020304" pitchFamily="18" charset="0"/>
-                <a:cs typeface="Times New Roman" panose="02020603050405020304" pitchFamily="18" charset="0"/>
-              </a:rPr>
-              <a:t> – </a:t>
-            </a:r>
-            <a:r>
-              <a:rPr lang="it-IT" sz="2800" b="1" i="1" dirty="0" err="1" smtClean="0">
-                <a:latin typeface="Times New Roman" panose="02020603050405020304" pitchFamily="18" charset="0"/>
-                <a:cs typeface="Times New Roman" panose="02020603050405020304" pitchFamily="18" charset="0"/>
-              </a:rPr>
-              <a:t>After</a:t>
-            </a:r>
-            <a:r>
-              <a:rPr lang="it-IT" sz="2800" b="1" i="1" dirty="0" smtClean="0">
-                <a:latin typeface="Times New Roman" panose="02020603050405020304" pitchFamily="18" charset="0"/>
-                <a:cs typeface="Times New Roman" panose="02020603050405020304" pitchFamily="18" charset="0"/>
-              </a:rPr>
-              <a:t> the test</a:t>
-            </a:r>
-            <a:endParaRPr lang="it-IT" sz="2800" i="1" dirty="0"/>
-          </a:p>
-        </p:txBody>
-      </p:sp>
-      <p:sp>
-        <p:nvSpPr>
-          <p:cNvPr id="8" name="Segnaposto contenuto 2"/>
-          <p:cNvSpPr txBox="1">
-            <a:spLocks/>
-          </p:cNvSpPr>
-          <p:nvPr/>
-        </p:nvSpPr>
-        <p:spPr>
-          <a:xfrm>
-            <a:off x="628650" y="1254034"/>
-            <a:ext cx="7886700" cy="5301311"/>
-          </a:xfrm>
-          <a:prstGeom prst="rect">
-            <a:avLst/>
-          </a:prstGeom>
-        </p:spPr>
-        <p:txBody>
-          <a:bodyPr vert="horz" lIns="91440" tIns="45720" rIns="91440" bIns="45720" rtlCol="0">
-            <a:normAutofit/>
-          </a:bodyPr>
-          <a:lstStyle/>
-          <a:p>
-            <a:pPr lvl="0" algn="ctr">
-              <a:lnSpc>
-                <a:spcPct val="120000"/>
-              </a:lnSpc>
-              <a:spcBef>
-                <a:spcPts val="1000"/>
-              </a:spcBef>
-            </a:pPr>
-            <a:r>
-              <a:rPr lang="it-IT" sz="2500" b="1" dirty="0" smtClean="0">
-                <a:latin typeface="Times New Roman" panose="02020603050405020304" pitchFamily="18" charset="0"/>
-                <a:cs typeface="Times New Roman" panose="02020603050405020304" pitchFamily="18" charset="0"/>
-              </a:rPr>
-              <a:t>Task 7 – </a:t>
-            </a:r>
-            <a:r>
-              <a:rPr lang="it-IT" sz="2500" b="1" dirty="0" err="1" smtClean="0">
-                <a:latin typeface="Times New Roman" panose="02020603050405020304" pitchFamily="18" charset="0"/>
-                <a:cs typeface="Times New Roman" panose="02020603050405020304" pitchFamily="18" charset="0"/>
-              </a:rPr>
-              <a:t>Forgot</a:t>
-            </a:r>
-            <a:r>
-              <a:rPr lang="it-IT" sz="2500" b="1" dirty="0" smtClean="0">
-                <a:latin typeface="Times New Roman" panose="02020603050405020304" pitchFamily="18" charset="0"/>
-                <a:cs typeface="Times New Roman" panose="02020603050405020304" pitchFamily="18" charset="0"/>
-              </a:rPr>
-              <a:t> password e Login</a:t>
-            </a:r>
-            <a:endParaRPr lang="it-IT" sz="2500" dirty="0" smtClean="0">
-              <a:latin typeface="Times New Roman" panose="02020603050405020304" pitchFamily="18" charset="0"/>
-              <a:cs typeface="Times New Roman" panose="02020603050405020304" pitchFamily="18" charset="0"/>
-            </a:endParaRPr>
-          </a:p>
-          <a:p>
-            <a:pPr algn="just"/>
-            <a:endParaRPr lang="it-IT" sz="2000" dirty="0" smtClean="0">
-              <a:latin typeface="Times New Roman" panose="02020603050405020304" pitchFamily="18" charset="0"/>
-              <a:cs typeface="Times New Roman" panose="02020603050405020304" pitchFamily="18" charset="0"/>
-            </a:endParaRPr>
-          </a:p>
-          <a:p>
-            <a:pPr lvl="0"/>
-            <a:r>
-              <a:rPr lang="it-IT" sz="2000" dirty="0" smtClean="0">
-                <a:latin typeface="Times New Roman" panose="02020603050405020304" pitchFamily="18" charset="0"/>
-                <a:cs typeface="Times New Roman" panose="02020603050405020304" pitchFamily="18" charset="0"/>
-              </a:rPr>
-              <a:t>1.   È </a:t>
-            </a:r>
-            <a:r>
-              <a:rPr lang="it-IT" sz="2000" dirty="0">
-                <a:latin typeface="Times New Roman" panose="02020603050405020304" pitchFamily="18" charset="0"/>
-                <a:cs typeface="Times New Roman" panose="02020603050405020304" pitchFamily="18" charset="0"/>
-              </a:rPr>
-              <a:t>facile capire come effettuare il </a:t>
-            </a:r>
-            <a:r>
-              <a:rPr lang="it-IT" sz="2000" dirty="0" err="1">
-                <a:latin typeface="Times New Roman" panose="02020603050405020304" pitchFamily="18" charset="0"/>
-                <a:cs typeface="Times New Roman" panose="02020603050405020304" pitchFamily="18" charset="0"/>
-              </a:rPr>
-              <a:t>logout</a:t>
-            </a:r>
-            <a:r>
-              <a:rPr lang="it-IT" sz="2000" dirty="0">
-                <a:latin typeface="Times New Roman" panose="02020603050405020304" pitchFamily="18" charset="0"/>
-                <a:cs typeface="Times New Roman" panose="02020603050405020304" pitchFamily="18" charset="0"/>
-              </a:rPr>
-              <a:t>.</a:t>
-            </a:r>
-          </a:p>
-          <a:p>
-            <a:pPr algn="ctr"/>
-            <a:r>
-              <a:rPr lang="it-IT" sz="2000" dirty="0">
-                <a:latin typeface="Times New Roman" panose="02020603050405020304" pitchFamily="18" charset="0"/>
-                <a:cs typeface="Times New Roman" panose="02020603050405020304" pitchFamily="18" charset="0"/>
-              </a:rPr>
-              <a:t>1    2    3    4    5</a:t>
-            </a:r>
-          </a:p>
-          <a:p>
-            <a:pPr lvl="0"/>
-            <a:r>
-              <a:rPr lang="it-IT" sz="2000" dirty="0" smtClean="0">
-                <a:latin typeface="Times New Roman" panose="02020603050405020304" pitchFamily="18" charset="0"/>
-                <a:cs typeface="Times New Roman" panose="02020603050405020304" pitchFamily="18" charset="0"/>
-              </a:rPr>
-              <a:t>2.   I </a:t>
-            </a:r>
-            <a:r>
-              <a:rPr lang="it-IT" sz="2000" dirty="0">
-                <a:latin typeface="Times New Roman" panose="02020603050405020304" pitchFamily="18" charset="0"/>
-                <a:cs typeface="Times New Roman" panose="02020603050405020304" pitchFamily="18" charset="0"/>
-              </a:rPr>
-              <a:t>collegamenti fra le schermate sono coerenti.</a:t>
-            </a:r>
-          </a:p>
-          <a:p>
-            <a:pPr algn="ctr"/>
-            <a:r>
-              <a:rPr lang="it-IT" sz="2000" dirty="0">
-                <a:latin typeface="Times New Roman" panose="02020603050405020304" pitchFamily="18" charset="0"/>
-                <a:cs typeface="Times New Roman" panose="02020603050405020304" pitchFamily="18" charset="0"/>
-              </a:rPr>
-              <a:t>1    2    3    4    5</a:t>
-            </a:r>
-          </a:p>
-          <a:p>
-            <a:pPr lvl="0"/>
-            <a:r>
-              <a:rPr lang="it-IT" sz="2000" dirty="0" smtClean="0">
-                <a:latin typeface="Times New Roman" panose="02020603050405020304" pitchFamily="18" charset="0"/>
-                <a:cs typeface="Times New Roman" panose="02020603050405020304" pitchFamily="18" charset="0"/>
-              </a:rPr>
-              <a:t>3.   È </a:t>
-            </a:r>
-            <a:r>
-              <a:rPr lang="it-IT" sz="2000" dirty="0">
-                <a:latin typeface="Times New Roman" panose="02020603050405020304" pitchFamily="18" charset="0"/>
-                <a:cs typeface="Times New Roman" panose="02020603050405020304" pitchFamily="18" charset="0"/>
-              </a:rPr>
-              <a:t>possibile gestire gli errori.</a:t>
-            </a:r>
-          </a:p>
-          <a:p>
-            <a:pPr algn="ctr"/>
-            <a:r>
-              <a:rPr lang="it-IT" sz="2000" dirty="0">
-                <a:latin typeface="Times New Roman" panose="02020603050405020304" pitchFamily="18" charset="0"/>
-                <a:cs typeface="Times New Roman" panose="02020603050405020304" pitchFamily="18" charset="0"/>
-              </a:rPr>
-              <a:t>1    2    3    4    5</a:t>
-            </a:r>
-          </a:p>
-          <a:p>
-            <a:pPr lvl="0"/>
-            <a:r>
-              <a:rPr lang="it-IT" sz="2000" dirty="0" smtClean="0">
-                <a:latin typeface="Times New Roman" panose="02020603050405020304" pitchFamily="18" charset="0"/>
-                <a:cs typeface="Times New Roman" panose="02020603050405020304" pitchFamily="18" charset="0"/>
-              </a:rPr>
-              <a:t>4.   Sono </a:t>
-            </a:r>
-            <a:r>
-              <a:rPr lang="it-IT" sz="2000" dirty="0">
-                <a:latin typeface="Times New Roman" panose="02020603050405020304" pitchFamily="18" charset="0"/>
-                <a:cs typeface="Times New Roman" panose="02020603050405020304" pitchFamily="18" charset="0"/>
-              </a:rPr>
-              <a:t>chiare le modalità di funzionamento del pulsante “</a:t>
-            </a:r>
-            <a:r>
-              <a:rPr lang="it-IT" sz="2000" dirty="0" err="1">
-                <a:latin typeface="Times New Roman" panose="02020603050405020304" pitchFamily="18" charset="0"/>
-                <a:cs typeface="Times New Roman" panose="02020603050405020304" pitchFamily="18" charset="0"/>
-              </a:rPr>
-              <a:t>Forgot</a:t>
-            </a:r>
-            <a:r>
-              <a:rPr lang="it-IT" sz="2000" dirty="0">
-                <a:latin typeface="Times New Roman" panose="02020603050405020304" pitchFamily="18" charset="0"/>
-                <a:cs typeface="Times New Roman" panose="02020603050405020304" pitchFamily="18" charset="0"/>
-              </a:rPr>
-              <a:t> </a:t>
-            </a:r>
-            <a:r>
-              <a:rPr lang="it-IT" sz="2000" dirty="0" err="1">
-                <a:latin typeface="Times New Roman" panose="02020603050405020304" pitchFamily="18" charset="0"/>
-                <a:cs typeface="Times New Roman" panose="02020603050405020304" pitchFamily="18" charset="0"/>
-              </a:rPr>
-              <a:t>your</a:t>
-            </a:r>
-            <a:r>
-              <a:rPr lang="it-IT" sz="2000" dirty="0">
-                <a:latin typeface="Times New Roman" panose="02020603050405020304" pitchFamily="18" charset="0"/>
-                <a:cs typeface="Times New Roman" panose="02020603050405020304" pitchFamily="18" charset="0"/>
-              </a:rPr>
-              <a:t> password?”.</a:t>
-            </a:r>
-          </a:p>
-          <a:p>
-            <a:pPr algn="ctr"/>
-            <a:r>
-              <a:rPr lang="it-IT" sz="2000" dirty="0">
-                <a:latin typeface="Times New Roman" panose="02020603050405020304" pitchFamily="18" charset="0"/>
-                <a:cs typeface="Times New Roman" panose="02020603050405020304" pitchFamily="18" charset="0"/>
-              </a:rPr>
-              <a:t>1    2    3    4    5</a:t>
-            </a:r>
-          </a:p>
-          <a:p>
-            <a:pPr lvl="0"/>
-            <a:r>
-              <a:rPr lang="it-IT" sz="2000" dirty="0" smtClean="0">
-                <a:latin typeface="Times New Roman" panose="02020603050405020304" pitchFamily="18" charset="0"/>
-                <a:cs typeface="Times New Roman" panose="02020603050405020304" pitchFamily="18" charset="0"/>
-              </a:rPr>
-              <a:t>5.   È </a:t>
-            </a:r>
-            <a:r>
-              <a:rPr lang="it-IT" sz="2000" dirty="0">
-                <a:latin typeface="Times New Roman" panose="02020603050405020304" pitchFamily="18" charset="0"/>
-                <a:cs typeface="Times New Roman" panose="02020603050405020304" pitchFamily="18" charset="0"/>
-              </a:rPr>
-              <a:t>sempre chiaro quali campi devono essere riempiti.</a:t>
-            </a:r>
-          </a:p>
-          <a:p>
-            <a:pPr algn="ctr"/>
-            <a:r>
-              <a:rPr lang="it-IT" sz="2000" dirty="0">
-                <a:latin typeface="Times New Roman" panose="02020603050405020304" pitchFamily="18" charset="0"/>
-                <a:cs typeface="Times New Roman" panose="02020603050405020304" pitchFamily="18" charset="0"/>
-              </a:rPr>
-              <a:t>1    2    3    4    5</a:t>
-            </a:r>
-          </a:p>
-          <a:p>
-            <a:pPr lvl="0"/>
-            <a:r>
-              <a:rPr lang="it-IT" sz="2000" dirty="0" smtClean="0">
-                <a:latin typeface="Times New Roman" panose="02020603050405020304" pitchFamily="18" charset="0"/>
-                <a:cs typeface="Times New Roman" panose="02020603050405020304" pitchFamily="18" charset="0"/>
-              </a:rPr>
-              <a:t>6.   La </a:t>
-            </a:r>
-            <a:r>
-              <a:rPr lang="it-IT" sz="2000" dirty="0">
-                <a:latin typeface="Times New Roman" panose="02020603050405020304" pitchFamily="18" charset="0"/>
-                <a:cs typeface="Times New Roman" panose="02020603050405020304" pitchFamily="18" charset="0"/>
-              </a:rPr>
-              <a:t>modalità del funzionamento del pulsante “Login” è comprensibile.</a:t>
-            </a:r>
-          </a:p>
-          <a:p>
-            <a:pPr algn="ctr"/>
-            <a:r>
-              <a:rPr lang="it-IT" sz="2000" dirty="0">
-                <a:latin typeface="Times New Roman" panose="02020603050405020304" pitchFamily="18" charset="0"/>
-                <a:cs typeface="Times New Roman" panose="02020603050405020304" pitchFamily="18" charset="0"/>
-              </a:rPr>
-              <a:t>1    2    3    4    5</a:t>
-            </a:r>
-          </a:p>
-          <a:p>
-            <a:endParaRPr lang="it-IT" sz="2600" dirty="0" smtClean="0"/>
-          </a:p>
-        </p:txBody>
-      </p:sp>
-    </p:spTree>
-    <p:extLst>
-      <p:ext uri="{BB962C8B-B14F-4D97-AF65-F5344CB8AC3E}">
-        <p14:creationId xmlns:p14="http://schemas.microsoft.com/office/powerpoint/2010/main" val="2442419145"/>
-      </p:ext>
-    </p:extLst>
-  </p:cSld>
-  <p:clrMapOvr>
-    <a:masterClrMapping/>
-  </p:clrMapOvr>
-</p:sld>
-</file>
-
-<file path=ppt/slides/slide5.xml><?xml version="1.0" encoding="utf-8"?>
-<p:sld xmlns:a="http://schemas.openxmlformats.org/drawingml/2006/main" xmlns:r="http://schemas.openxmlformats.org/officeDocument/2006/relationships" xmlns:p="http://schemas.openxmlformats.org/presentationml/2006/main">
-  <p:cSld>
-    <p:spTree>
-      <p:nvGrpSpPr>
-        <p:cNvPr id="1" name=""/>
-        <p:cNvGrpSpPr/>
-        <p:nvPr/>
-      </p:nvGrpSpPr>
-      <p:grpSpPr>
-        <a:xfrm>
-          <a:off x="0" y="0"/>
-          <a:ext cx="0" cy="0"/>
-          <a:chOff x="0" y="0"/>
-          <a:chExt cx="0" cy="0"/>
-        </a:xfrm>
-      </p:grpSpPr>
-      <p:sp>
-        <p:nvSpPr>
           <p:cNvPr id="4" name="Segnaposto contenuto 2"/>
           <p:cNvSpPr>
             <a:spLocks noGrp="1"/>
@@ -14437,7 +14300,82 @@
                 <a:latin typeface="Times New Roman" panose="02020603050405020304" pitchFamily="18" charset="0"/>
                 <a:cs typeface="Times New Roman" panose="02020603050405020304" pitchFamily="18" charset="0"/>
               </a:rPr>
-              <a:t>È possibile visualizzare il prototipo ottenuto dopo aver effettuato il re-design di una sua componente cliccando sul seguente link:</a:t>
+              <a:t>In seguito all’analisi condotta si è deciso di effettuare </a:t>
+            </a:r>
+            <a:r>
+              <a:rPr lang="it-IT" sz="2000" dirty="0" smtClean="0">
+                <a:latin typeface="Times New Roman" panose="02020603050405020304" pitchFamily="18" charset="0"/>
+                <a:cs typeface="Times New Roman" panose="02020603050405020304" pitchFamily="18" charset="0"/>
+              </a:rPr>
+              <a:t>il </a:t>
+            </a:r>
+            <a:r>
+              <a:rPr lang="it-IT" sz="2000" dirty="0" err="1" smtClean="0">
+                <a:latin typeface="Times New Roman" panose="02020603050405020304" pitchFamily="18" charset="0"/>
+                <a:cs typeface="Times New Roman" panose="02020603050405020304" pitchFamily="18" charset="0"/>
+              </a:rPr>
+              <a:t>redesign</a:t>
+            </a:r>
+            <a:r>
+              <a:rPr lang="it-IT" sz="2000" dirty="0" smtClean="0">
+                <a:latin typeface="Times New Roman" panose="02020603050405020304" pitchFamily="18" charset="0"/>
+                <a:cs typeface="Times New Roman" panose="02020603050405020304" pitchFamily="18" charset="0"/>
+              </a:rPr>
+              <a:t> della componente riguardante la procedura di registrazione di un nuovo utente (</a:t>
+            </a:r>
+            <a:r>
+              <a:rPr lang="it-IT" sz="2000" dirty="0" err="1" smtClean="0">
+                <a:latin typeface="Times New Roman" panose="02020603050405020304" pitchFamily="18" charset="0"/>
+                <a:cs typeface="Times New Roman" panose="02020603050405020304" pitchFamily="18" charset="0"/>
+              </a:rPr>
+              <a:t>Sign</a:t>
+            </a:r>
+            <a:r>
+              <a:rPr lang="it-IT" sz="2000" dirty="0" smtClean="0">
+                <a:latin typeface="Times New Roman" panose="02020603050405020304" pitchFamily="18" charset="0"/>
+                <a:cs typeface="Times New Roman" panose="02020603050405020304" pitchFamily="18" charset="0"/>
+              </a:rPr>
+              <a:t> Up), in quanto si è riscontrato che è quella che ha creato maggior difficoltà.</a:t>
+            </a:r>
+          </a:p>
+          <a:p>
+            <a:pPr marL="0" indent="0" algn="just">
+              <a:buNone/>
+            </a:pPr>
+            <a:r>
+              <a:rPr lang="it-IT" sz="2000" dirty="0" smtClean="0">
+                <a:latin typeface="Times New Roman" panose="02020603050405020304" pitchFamily="18" charset="0"/>
+                <a:cs typeface="Times New Roman" panose="02020603050405020304" pitchFamily="18" charset="0"/>
+              </a:rPr>
+              <a:t>È </a:t>
+            </a:r>
+            <a:r>
+              <a:rPr lang="it-IT" sz="2000" dirty="0" smtClean="0">
+                <a:latin typeface="Times New Roman" panose="02020603050405020304" pitchFamily="18" charset="0"/>
+                <a:cs typeface="Times New Roman" panose="02020603050405020304" pitchFamily="18" charset="0"/>
+              </a:rPr>
+              <a:t>possibile visualizzare il prototipo ottenuto dopo aver effettuato il </a:t>
+            </a:r>
+            <a:r>
+              <a:rPr lang="it-IT" sz="2000" dirty="0" err="1" smtClean="0">
+                <a:latin typeface="Times New Roman" panose="02020603050405020304" pitchFamily="18" charset="0"/>
+                <a:cs typeface="Times New Roman" panose="02020603050405020304" pitchFamily="18" charset="0"/>
+              </a:rPr>
+              <a:t>redesign</a:t>
+            </a:r>
+            <a:r>
+              <a:rPr lang="it-IT" sz="2000" dirty="0" smtClean="0">
+                <a:latin typeface="Times New Roman" panose="02020603050405020304" pitchFamily="18" charset="0"/>
+                <a:cs typeface="Times New Roman" panose="02020603050405020304" pitchFamily="18" charset="0"/>
+              </a:rPr>
+              <a:t> </a:t>
+            </a:r>
+            <a:r>
+              <a:rPr lang="it-IT" sz="2000" dirty="0" smtClean="0">
+                <a:latin typeface="Times New Roman" panose="02020603050405020304" pitchFamily="18" charset="0"/>
+                <a:cs typeface="Times New Roman" panose="02020603050405020304" pitchFamily="18" charset="0"/>
+              </a:rPr>
+              <a:t>di una sua componente cliccando sul seguente link:</a:t>
             </a:r>
           </a:p>
           <a:p>
@@ -14580,7 +14518,217 @@
 </p:sld>
 </file>
 
-<file path=ppt/slides/slide6.xml><?xml version="1.0" encoding="utf-8"?>
+<file path=ppt/slides/slide41.xml><?xml version="1.0" encoding="utf-8"?>
+<p:sld xmlns:a="http://schemas.openxmlformats.org/drawingml/2006/main" xmlns:r="http://schemas.openxmlformats.org/officeDocument/2006/relationships" xmlns:p="http://schemas.openxmlformats.org/presentationml/2006/main">
+  <p:cSld>
+    <p:spTree>
+      <p:nvGrpSpPr>
+        <p:cNvPr id="1" name=""/>
+        <p:cNvGrpSpPr/>
+        <p:nvPr/>
+      </p:nvGrpSpPr>
+      <p:grpSpPr>
+        <a:xfrm>
+          <a:off x="0" y="0"/>
+          <a:ext cx="0" cy="0"/>
+          <a:chOff x="0" y="0"/>
+          <a:chExt cx="0" cy="0"/>
+        </a:xfrm>
+      </p:grpSpPr>
+      <p:sp>
+        <p:nvSpPr>
+          <p:cNvPr id="2" name="Titolo 1"/>
+          <p:cNvSpPr>
+            <a:spLocks noGrp="1"/>
+          </p:cNvSpPr>
+          <p:nvPr>
+            <p:ph type="title"/>
+          </p:nvPr>
+        </p:nvSpPr>
+        <p:spPr>
+          <a:xfrm>
+            <a:off x="457200" y="523784"/>
+            <a:ext cx="8229600" cy="545163"/>
+          </a:xfrm>
+        </p:spPr>
+        <p:txBody>
+          <a:bodyPr>
+            <a:normAutofit/>
+          </a:bodyPr>
+          <a:lstStyle/>
+          <a:p>
+            <a:r>
+              <a:rPr lang="it-IT" sz="2800" b="1" dirty="0" smtClean="0">
+                <a:latin typeface="Times New Roman" panose="02020603050405020304" pitchFamily="18" charset="0"/>
+                <a:cs typeface="Times New Roman" panose="02020603050405020304" pitchFamily="18" charset="0"/>
+              </a:rPr>
+              <a:t>Cosa abbiamo scoperto dall’analisi dell’User </a:t>
+            </a:r>
+            <a:r>
+              <a:rPr lang="it-IT" sz="2800" b="1" dirty="0" err="1" smtClean="0">
+                <a:latin typeface="Times New Roman" panose="02020603050405020304" pitchFamily="18" charset="0"/>
+                <a:cs typeface="Times New Roman" panose="02020603050405020304" pitchFamily="18" charset="0"/>
+              </a:rPr>
+              <a:t>Testing</a:t>
+            </a:r>
+            <a:r>
+              <a:rPr lang="it-IT" sz="2800" b="1" dirty="0" smtClean="0">
+                <a:latin typeface="Times New Roman" panose="02020603050405020304" pitchFamily="18" charset="0"/>
+                <a:cs typeface="Times New Roman" panose="02020603050405020304" pitchFamily="18" charset="0"/>
+              </a:rPr>
+              <a:t>:</a:t>
+            </a:r>
+            <a:endParaRPr lang="it-IT" sz="2800" b="1" dirty="0">
+              <a:latin typeface="Times New Roman" panose="02020603050405020304" pitchFamily="18" charset="0"/>
+              <a:cs typeface="Times New Roman" panose="02020603050405020304" pitchFamily="18" charset="0"/>
+            </a:endParaRPr>
+          </a:p>
+        </p:txBody>
+      </p:sp>
+      <p:sp>
+        <p:nvSpPr>
+          <p:cNvPr id="3" name="Segnaposto contenuto 2"/>
+          <p:cNvSpPr>
+            <a:spLocks noGrp="1"/>
+          </p:cNvSpPr>
+          <p:nvPr>
+            <p:ph idx="1"/>
+          </p:nvPr>
+        </p:nvSpPr>
+        <p:spPr>
+          <a:xfrm>
+            <a:off x="457200" y="1468192"/>
+            <a:ext cx="8229600" cy="4856408"/>
+          </a:xfrm>
+        </p:spPr>
+        <p:txBody>
+          <a:bodyPr>
+            <a:normAutofit/>
+          </a:bodyPr>
+          <a:lstStyle/>
+          <a:p>
+            <a:pPr marL="0" indent="0">
+              <a:buNone/>
+            </a:pPr>
+            <a:endParaRPr lang="it-IT" sz="2000" dirty="0">
+              <a:latin typeface="Times New Roman" panose="02020603050405020304" pitchFamily="18" charset="0"/>
+              <a:cs typeface="Times New Roman" panose="02020603050405020304" pitchFamily="18" charset="0"/>
+            </a:endParaRPr>
+          </a:p>
+        </p:txBody>
+      </p:sp>
+    </p:spTree>
+    <p:extLst>
+      <p:ext uri="{BB962C8B-B14F-4D97-AF65-F5344CB8AC3E}">
+        <p14:creationId xmlns:p14="http://schemas.microsoft.com/office/powerpoint/2010/main" val="1058020623"/>
+      </p:ext>
+    </p:extLst>
+  </p:cSld>
+  <p:clrMapOvr>
+    <a:masterClrMapping/>
+  </p:clrMapOvr>
+</p:sld>
+</file>
+
+<file path=ppt/slides/slide42.xml><?xml version="1.0" encoding="utf-8"?>
+<p:sld xmlns:a="http://schemas.openxmlformats.org/drawingml/2006/main" xmlns:r="http://schemas.openxmlformats.org/officeDocument/2006/relationships" xmlns:p="http://schemas.openxmlformats.org/presentationml/2006/main">
+  <p:cSld>
+    <p:spTree>
+      <p:nvGrpSpPr>
+        <p:cNvPr id="1" name=""/>
+        <p:cNvGrpSpPr/>
+        <p:nvPr/>
+      </p:nvGrpSpPr>
+      <p:grpSpPr>
+        <a:xfrm>
+          <a:off x="0" y="0"/>
+          <a:ext cx="0" cy="0"/>
+          <a:chOff x="0" y="0"/>
+          <a:chExt cx="0" cy="0"/>
+        </a:xfrm>
+      </p:grpSpPr>
+      <p:sp>
+        <p:nvSpPr>
+          <p:cNvPr id="2" name="Titolo 1"/>
+          <p:cNvSpPr>
+            <a:spLocks noGrp="1"/>
+          </p:cNvSpPr>
+          <p:nvPr>
+            <p:ph type="title"/>
+          </p:nvPr>
+        </p:nvSpPr>
+        <p:spPr>
+          <a:xfrm>
+            <a:off x="457200" y="459389"/>
+            <a:ext cx="8229600" cy="622436"/>
+          </a:xfrm>
+        </p:spPr>
+        <p:txBody>
+          <a:bodyPr>
+            <a:normAutofit/>
+          </a:bodyPr>
+          <a:lstStyle/>
+          <a:p>
+            <a:r>
+              <a:rPr lang="it-IT" sz="2800" b="1" dirty="0" smtClean="0">
+                <a:latin typeface="Times New Roman" panose="02020603050405020304" pitchFamily="18" charset="0"/>
+                <a:cs typeface="Times New Roman" panose="02020603050405020304" pitchFamily="18" charset="0"/>
+              </a:rPr>
+              <a:t>Lista di cambiamenti da apportare</a:t>
+            </a:r>
+            <a:endParaRPr lang="it-IT" sz="2800" b="1" dirty="0">
+              <a:latin typeface="Times New Roman" panose="02020603050405020304" pitchFamily="18" charset="0"/>
+              <a:cs typeface="Times New Roman" panose="02020603050405020304" pitchFamily="18" charset="0"/>
+            </a:endParaRPr>
+          </a:p>
+        </p:txBody>
+      </p:sp>
+      <p:sp>
+        <p:nvSpPr>
+          <p:cNvPr id="3" name="Segnaposto contenuto 2"/>
+          <p:cNvSpPr>
+            <a:spLocks noGrp="1"/>
+          </p:cNvSpPr>
+          <p:nvPr>
+            <p:ph idx="1"/>
+          </p:nvPr>
+        </p:nvSpPr>
+        <p:spPr>
+          <a:xfrm>
+            <a:off x="457200" y="1403797"/>
+            <a:ext cx="8229600" cy="4920803"/>
+          </a:xfrm>
+        </p:spPr>
+        <p:txBody>
+          <a:bodyPr>
+            <a:normAutofit/>
+          </a:bodyPr>
+          <a:lstStyle/>
+          <a:p>
+            <a:pPr marL="0" indent="0">
+              <a:buNone/>
+            </a:pPr>
+            <a:endParaRPr lang="it-IT" sz="2000" dirty="0">
+              <a:latin typeface="Times New Roman" panose="02020603050405020304" pitchFamily="18" charset="0"/>
+              <a:cs typeface="Times New Roman" panose="02020603050405020304" pitchFamily="18" charset="0"/>
+            </a:endParaRPr>
+          </a:p>
+        </p:txBody>
+      </p:sp>
+    </p:spTree>
+    <p:extLst>
+      <p:ext uri="{BB962C8B-B14F-4D97-AF65-F5344CB8AC3E}">
+        <p14:creationId xmlns:p14="http://schemas.microsoft.com/office/powerpoint/2010/main" val="1194030544"/>
+      </p:ext>
+    </p:extLst>
+  </p:cSld>
+  <p:clrMapOvr>
+    <a:masterClrMapping/>
+  </p:clrMapOvr>
+</p:sld>
+</file>
+
+<file path=ppt/slides/slide5.xml><?xml version="1.0" encoding="utf-8"?>
 <p:sld xmlns:a="http://schemas.openxmlformats.org/drawingml/2006/main" xmlns:r="http://schemas.openxmlformats.org/officeDocument/2006/relationships" xmlns:p="http://schemas.openxmlformats.org/presentationml/2006/main">
   <p:cSld>
     <p:spTree>
@@ -14916,7 +15064,7 @@
 </p:sld>
 </file>
 
-<file path=ppt/slides/slide7.xml><?xml version="1.0" encoding="utf-8"?>
+<file path=ppt/slides/slide6.xml><?xml version="1.0" encoding="utf-8"?>
 <p:sld xmlns:a="http://schemas.openxmlformats.org/drawingml/2006/main" xmlns:r="http://schemas.openxmlformats.org/officeDocument/2006/relationships" xmlns:p="http://schemas.openxmlformats.org/presentationml/2006/main">
   <p:cSld>
     <p:spTree>
@@ -15128,7 +15276,7 @@
 </p:sld>
 </file>
 
-<file path=ppt/slides/slide8.xml><?xml version="1.0" encoding="utf-8"?>
+<file path=ppt/slides/slide7.xml><?xml version="1.0" encoding="utf-8"?>
 <p:sld xmlns:a="http://schemas.openxmlformats.org/drawingml/2006/main" xmlns:r="http://schemas.openxmlformats.org/officeDocument/2006/relationships" xmlns:p="http://schemas.openxmlformats.org/presentationml/2006/main">
   <p:cSld>
     <p:spTree>
@@ -15312,6 +15460,277 @@
         </p:txBody>
       </p:sp>
     </p:spTree>
+  </p:cSld>
+  <p:clrMapOvr>
+    <a:masterClrMapping/>
+  </p:clrMapOvr>
+</p:sld>
+</file>
+
+<file path=ppt/slides/slide8.xml><?xml version="1.0" encoding="utf-8"?>
+<p:sld xmlns:a="http://schemas.openxmlformats.org/drawingml/2006/main" xmlns:r="http://schemas.openxmlformats.org/officeDocument/2006/relationships" xmlns:p="http://schemas.openxmlformats.org/presentationml/2006/main">
+  <p:cSld>
+    <p:spTree>
+      <p:nvGrpSpPr>
+        <p:cNvPr id="1" name=""/>
+        <p:cNvGrpSpPr/>
+        <p:nvPr/>
+      </p:nvGrpSpPr>
+      <p:grpSpPr>
+        <a:xfrm>
+          <a:off x="0" y="0"/>
+          <a:ext cx="0" cy="0"/>
+          <a:chOff x="0" y="0"/>
+          <a:chExt cx="0" cy="0"/>
+        </a:xfrm>
+      </p:grpSpPr>
+      <p:sp>
+        <p:nvSpPr>
+          <p:cNvPr id="2" name="Titolo 1"/>
+          <p:cNvSpPr>
+            <a:spLocks noGrp="1"/>
+          </p:cNvSpPr>
+          <p:nvPr>
+            <p:ph type="title"/>
+          </p:nvPr>
+        </p:nvSpPr>
+        <p:spPr>
+          <a:xfrm>
+            <a:off x="628650" y="444137"/>
+            <a:ext cx="7886700" cy="653143"/>
+          </a:xfrm>
+        </p:spPr>
+        <p:txBody>
+          <a:bodyPr>
+            <a:normAutofit/>
+          </a:bodyPr>
+          <a:lstStyle/>
+          <a:p>
+            <a:r>
+              <a:rPr lang="it-IT" sz="2800" b="1" dirty="0">
+                <a:latin typeface="Times New Roman" panose="02020603050405020304" pitchFamily="18" charset="0"/>
+                <a:cs typeface="Times New Roman" panose="02020603050405020304" pitchFamily="18" charset="0"/>
+              </a:rPr>
+              <a:t>User </a:t>
+            </a:r>
+            <a:r>
+              <a:rPr lang="it-IT" sz="2800" b="1" dirty="0" err="1">
+                <a:latin typeface="Times New Roman" panose="02020603050405020304" pitchFamily="18" charset="0"/>
+                <a:cs typeface="Times New Roman" panose="02020603050405020304" pitchFamily="18" charset="0"/>
+              </a:rPr>
+              <a:t>Testing</a:t>
+            </a:r>
+            <a:r>
+              <a:rPr lang="it-IT" sz="2800" b="1" dirty="0">
+                <a:latin typeface="Times New Roman" panose="02020603050405020304" pitchFamily="18" charset="0"/>
+                <a:cs typeface="Times New Roman" panose="02020603050405020304" pitchFamily="18" charset="0"/>
+              </a:rPr>
+              <a:t> Plan </a:t>
+            </a:r>
+            <a:r>
+              <a:rPr lang="it-IT" sz="2800" b="1" dirty="0" smtClean="0">
+                <a:latin typeface="Times New Roman" panose="02020603050405020304" pitchFamily="18" charset="0"/>
+                <a:cs typeface="Times New Roman" panose="02020603050405020304" pitchFamily="18" charset="0"/>
+              </a:rPr>
+              <a:t>(4)</a:t>
+            </a:r>
+            <a:endParaRPr lang="it-IT" sz="2800" dirty="0"/>
+          </a:p>
+        </p:txBody>
+      </p:sp>
+      <p:sp>
+        <p:nvSpPr>
+          <p:cNvPr id="4" name="Segnaposto contenuto 2"/>
+          <p:cNvSpPr txBox="1">
+            <a:spLocks/>
+          </p:cNvSpPr>
+          <p:nvPr/>
+        </p:nvSpPr>
+        <p:spPr>
+          <a:xfrm>
+            <a:off x="628650" y="1275008"/>
+            <a:ext cx="7886700" cy="5280338"/>
+          </a:xfrm>
+          <a:prstGeom prst="rect">
+            <a:avLst/>
+          </a:prstGeom>
+        </p:spPr>
+        <p:txBody>
+          <a:bodyPr vert="horz" lIns="91440" tIns="45720" rIns="91440" bIns="45720" rtlCol="0">
+            <a:normAutofit/>
+          </a:bodyPr>
+          <a:lstStyle/>
+          <a:p>
+            <a:pPr marL="0" marR="0" lvl="0" indent="0" algn="ctr" defTabSz="914400" rtl="0" eaLnBrk="1" fontAlgn="auto" latinLnBrk="0" hangingPunct="1">
+              <a:lnSpc>
+                <a:spcPct val="120000"/>
+              </a:lnSpc>
+              <a:spcBef>
+                <a:spcPts val="1000"/>
+              </a:spcBef>
+              <a:spcAft>
+                <a:spcPts val="0"/>
+              </a:spcAft>
+              <a:buClrTx/>
+              <a:buSzTx/>
+              <a:buFont typeface="Arial" panose="020B0604020202020204" pitchFamily="34" charset="0"/>
+              <a:buNone/>
+              <a:tabLst/>
+              <a:defRPr/>
+            </a:pPr>
+            <a:r>
+              <a:rPr kumimoji="0" lang="it-IT" sz="2500" b="1" i="0" u="none" strike="noStrike" kern="1200" cap="none" spc="0" normalizeH="0" baseline="0" noProof="0" dirty="0" smtClean="0">
+                <a:ln>
+                  <a:noFill/>
+                </a:ln>
+                <a:solidFill>
+                  <a:schemeClr val="tx1"/>
+                </a:solidFill>
+                <a:effectLst/>
+                <a:uLnTx/>
+                <a:uFillTx/>
+                <a:latin typeface="Times New Roman" panose="02020603050405020304" pitchFamily="18" charset="0"/>
+                <a:ea typeface="+mn-ea"/>
+                <a:cs typeface="Times New Roman" panose="02020603050405020304" pitchFamily="18" charset="0"/>
+              </a:rPr>
+              <a:t>Obiettivo</a:t>
+            </a:r>
+            <a:endParaRPr kumimoji="0" lang="it-IT" sz="2500" b="0" i="0" u="none" strike="noStrike" kern="1200" cap="none" spc="0" normalizeH="0" baseline="0" noProof="0" dirty="0" smtClean="0">
+              <a:ln>
+                <a:noFill/>
+              </a:ln>
+              <a:solidFill>
+                <a:schemeClr val="tx1"/>
+              </a:solidFill>
+              <a:effectLst/>
+              <a:uLnTx/>
+              <a:uFillTx/>
+              <a:latin typeface="Times New Roman" panose="02020603050405020304" pitchFamily="18" charset="0"/>
+              <a:ea typeface="+mn-ea"/>
+              <a:cs typeface="Times New Roman" panose="02020603050405020304" pitchFamily="18" charset="0"/>
+            </a:endParaRPr>
+          </a:p>
+          <a:p>
+            <a:pPr marL="0" marR="0" lvl="0" indent="0" algn="just" defTabSz="914400" rtl="0" eaLnBrk="1" fontAlgn="auto" latinLnBrk="0" hangingPunct="1">
+              <a:lnSpc>
+                <a:spcPct val="120000"/>
+              </a:lnSpc>
+              <a:spcBef>
+                <a:spcPts val="1000"/>
+              </a:spcBef>
+              <a:spcAft>
+                <a:spcPts val="0"/>
+              </a:spcAft>
+              <a:buClrTx/>
+              <a:buSzTx/>
+              <a:buFont typeface="Arial" panose="020B0604020202020204" pitchFamily="34" charset="0"/>
+              <a:buNone/>
+              <a:tabLst/>
+              <a:defRPr/>
+            </a:pPr>
+            <a:endParaRPr kumimoji="0" lang="it-IT" sz="2800" b="1" i="0" u="none" strike="noStrike" kern="1200" cap="none" spc="0" normalizeH="0" baseline="0" noProof="0" dirty="0" smtClean="0">
+              <a:ln>
+                <a:noFill/>
+              </a:ln>
+              <a:solidFill>
+                <a:schemeClr val="tx1"/>
+              </a:solidFill>
+              <a:effectLst/>
+              <a:uLnTx/>
+              <a:uFillTx/>
+              <a:latin typeface="Times New Roman" panose="02020603050405020304" pitchFamily="18" charset="0"/>
+              <a:ea typeface="+mn-ea"/>
+              <a:cs typeface="Times New Roman" panose="02020603050405020304" pitchFamily="18" charset="0"/>
+            </a:endParaRPr>
+          </a:p>
+          <a:p>
+            <a:pPr algn="just"/>
+            <a:r>
+              <a:rPr lang="it-IT" sz="2000" dirty="0" smtClean="0">
+                <a:latin typeface="Times New Roman" panose="02020603050405020304" pitchFamily="18" charset="0"/>
+                <a:cs typeface="Times New Roman" panose="02020603050405020304" pitchFamily="18" charset="0"/>
+              </a:rPr>
+              <a:t>L'obiettivo dell'</a:t>
+            </a:r>
+            <a:r>
+              <a:rPr lang="it-IT" sz="2000" dirty="0" err="1" smtClean="0">
+                <a:latin typeface="Times New Roman" panose="02020603050405020304" pitchFamily="18" charset="0"/>
+                <a:cs typeface="Times New Roman" panose="02020603050405020304" pitchFamily="18" charset="0"/>
+              </a:rPr>
+              <a:t>user</a:t>
+            </a:r>
+            <a:r>
+              <a:rPr lang="it-IT" sz="2000" dirty="0" smtClean="0">
+                <a:latin typeface="Times New Roman" panose="02020603050405020304" pitchFamily="18" charset="0"/>
+                <a:cs typeface="Times New Roman" panose="02020603050405020304" pitchFamily="18" charset="0"/>
+              </a:rPr>
+              <a:t> </a:t>
+            </a:r>
+            <a:r>
+              <a:rPr lang="it-IT" sz="2000" dirty="0" err="1" smtClean="0">
+                <a:latin typeface="Times New Roman" panose="02020603050405020304" pitchFamily="18" charset="0"/>
+                <a:cs typeface="Times New Roman" panose="02020603050405020304" pitchFamily="18" charset="0"/>
+              </a:rPr>
+              <a:t>testing</a:t>
+            </a:r>
+            <a:r>
+              <a:rPr lang="it-IT" sz="2000" dirty="0" smtClean="0">
+                <a:latin typeface="Times New Roman" panose="02020603050405020304" pitchFamily="18" charset="0"/>
+                <a:cs typeface="Times New Roman" panose="02020603050405020304" pitchFamily="18" charset="0"/>
+              </a:rPr>
+              <a:t> è quello di migliorare, attraverso il feedback ottenuto, le funzionalità dell'</a:t>
+            </a:r>
+            <a:r>
+              <a:rPr lang="it-IT" sz="2000" dirty="0" err="1" smtClean="0">
+                <a:latin typeface="Times New Roman" panose="02020603050405020304" pitchFamily="18" charset="0"/>
+                <a:cs typeface="Times New Roman" panose="02020603050405020304" pitchFamily="18" charset="0"/>
+              </a:rPr>
+              <a:t>app</a:t>
+            </a:r>
+            <a:r>
+              <a:rPr lang="it-IT" sz="2000" dirty="0" smtClean="0">
+                <a:latin typeface="Times New Roman" panose="02020603050405020304" pitchFamily="18" charset="0"/>
+                <a:cs typeface="Times New Roman" panose="02020603050405020304" pitchFamily="18" charset="0"/>
+              </a:rPr>
+              <a:t> in termini di efficienza e soddisfazione dell'utente.</a:t>
+            </a:r>
+          </a:p>
+          <a:p>
+            <a:pPr algn="just"/>
+            <a:r>
+              <a:rPr lang="it-IT" sz="2000" dirty="0" smtClean="0">
+                <a:latin typeface="Times New Roman" panose="02020603050405020304" pitchFamily="18" charset="0"/>
+                <a:cs typeface="Times New Roman" panose="02020603050405020304" pitchFamily="18" charset="0"/>
+              </a:rPr>
+              <a:t>In particolare, l'utilizzo dell'</a:t>
+            </a:r>
+            <a:r>
+              <a:rPr lang="it-IT" sz="2000" dirty="0" err="1" smtClean="0">
+                <a:latin typeface="Times New Roman" panose="02020603050405020304" pitchFamily="18" charset="0"/>
+                <a:cs typeface="Times New Roman" panose="02020603050405020304" pitchFamily="18" charset="0"/>
+              </a:rPr>
+              <a:t>app</a:t>
+            </a:r>
+            <a:r>
+              <a:rPr lang="it-IT" sz="2000" dirty="0" smtClean="0">
+                <a:latin typeface="Times New Roman" panose="02020603050405020304" pitchFamily="18" charset="0"/>
+                <a:cs typeface="Times New Roman" panose="02020603050405020304" pitchFamily="18" charset="0"/>
+              </a:rPr>
+              <a:t> deve essere reso semplice e piacevole per l'utente, in modo che sia motivato a continuare a utilizzarla, sia che si tratti del task principale (aggiungere una nuova sigaretta quando l'utente decide di fumarne una), sia che stia semplicemente visualizzando gli obiettivi e i trofei ottenuti.</a:t>
+            </a:r>
+            <a:endParaRPr lang="it-IT" sz="2000" dirty="0">
+              <a:latin typeface="Times New Roman" panose="02020603050405020304" pitchFamily="18" charset="0"/>
+              <a:cs typeface="Times New Roman" panose="02020603050405020304" pitchFamily="18" charset="0"/>
+            </a:endParaRPr>
+          </a:p>
+        </p:txBody>
+      </p:sp>
+    </p:spTree>
+    <p:extLst>
+      <p:ext uri="{BB962C8B-B14F-4D97-AF65-F5344CB8AC3E}">
+        <p14:creationId xmlns:p14="http://schemas.microsoft.com/office/powerpoint/2010/main" val="3011033621"/>
+      </p:ext>
+    </p:extLst>
   </p:cSld>
   <p:clrMapOvr>
     <a:masterClrMapping/>
@@ -15384,7 +15803,7 @@
                 <a:latin typeface="Times New Roman" panose="02020603050405020304" pitchFamily="18" charset="0"/>
                 <a:cs typeface="Times New Roman" panose="02020603050405020